--- a/pptx.pptx.pptx
+++ b/pptx.pptx.pptx
@@ -19,10 +19,11 @@
     <p:sldId id="267" r:id="rId13"/>
     <p:sldId id="268" r:id="rId14"/>
     <p:sldId id="269" r:id="rId15"/>
-    <p:sldId id="270" r:id="rId16"/>
-    <p:sldId id="271" r:id="rId17"/>
-    <p:sldId id="272" r:id="rId18"/>
-    <p:sldId id="273" r:id="rId19"/>
+    <p:sldId id="274" r:id="rId16"/>
+    <p:sldId id="270" r:id="rId17"/>
+    <p:sldId id="271" r:id="rId18"/>
+    <p:sldId id="272" r:id="rId19"/>
+    <p:sldId id="273" r:id="rId20"/>
   </p:sldIdLst>
   <p:sldSz cx="12192000" cy="6858000"/>
   <p:notesSz cx="6858000" cy="9144000"/>
@@ -156,6 +157,7 @@
             <p14:sldId id="267"/>
             <p14:sldId id="268"/>
             <p14:sldId id="269"/>
+            <p14:sldId id="274"/>
             <p14:sldId id="270"/>
             <p14:sldId id="271"/>
           </p14:sldIdLst>
@@ -171,6 +173,9 @@
           </p14:sldIdLst>
         </p14:section>
       </p14:sectionLst>
+    </p:ext>
+    <p:ext uri="{EFAFB233-063F-42B5-8137-9DF3F51BA10A}">
+      <p15:sldGuideLst xmlns:p15="http://schemas.microsoft.com/office/powerpoint/2012/main"/>
     </p:ext>
   </p:extLst>
 </p:presentation>
@@ -221,7 +226,6 @@
               <a:rPr lang="zh-CN" altLang="en-US"/>
               <a:t>单击此处编辑母版标题样式</a:t>
             </a:r>
-            <a:endParaRPr lang="zh-CN" altLang="en-US"/>
           </a:p>
         </p:txBody>
       </p:sp>
@@ -286,7 +290,6 @@
               <a:rPr lang="zh-CN" altLang="en-US"/>
               <a:t>单击以编辑母版副标题样式</a:t>
             </a:r>
-            <a:endParaRPr lang="zh-CN" altLang="en-US"/>
           </a:p>
         </p:txBody>
       </p:sp>
@@ -307,7 +310,7 @@
           <a:p>
             <a:fld id="{F5BED939-13DD-4AA3-8741-D30EB9E98506}" type="datetimeFigureOut">
               <a:rPr lang="zh-CN" altLang="en-US" smtClean="0"/>
-              <a:t>2016/8/29</a:t>
+              <a:t>2016/9/8</a:t>
             </a:fld>
             <a:endParaRPr lang="zh-CN" altLang="en-US"/>
           </a:p>
@@ -404,7 +407,6 @@
               <a:rPr lang="zh-CN" altLang="en-US"/>
               <a:t>单击此处编辑母版标题样式</a:t>
             </a:r>
-            <a:endParaRPr lang="zh-CN" altLang="en-US"/>
           </a:p>
         </p:txBody>
       </p:sp>
@@ -456,7 +458,6 @@
               <a:rPr lang="zh-CN" altLang="en-US"/>
               <a:t>第五级</a:t>
             </a:r>
-            <a:endParaRPr lang="zh-CN" altLang="en-US"/>
           </a:p>
         </p:txBody>
       </p:sp>
@@ -477,7 +478,7 @@
           <a:p>
             <a:fld id="{F5BED939-13DD-4AA3-8741-D30EB9E98506}" type="datetimeFigureOut">
               <a:rPr lang="zh-CN" altLang="en-US" smtClean="0"/>
-              <a:t>2016/8/29</a:t>
+              <a:t>2016/9/8</a:t>
             </a:fld>
             <a:endParaRPr lang="zh-CN" altLang="en-US"/>
           </a:p>
@@ -579,7 +580,6 @@
               <a:rPr lang="zh-CN" altLang="en-US"/>
               <a:t>单击此处编辑母版标题样式</a:t>
             </a:r>
-            <a:endParaRPr lang="zh-CN" altLang="en-US"/>
           </a:p>
         </p:txBody>
       </p:sp>
@@ -636,7 +636,6 @@
               <a:rPr lang="zh-CN" altLang="en-US"/>
               <a:t>第五级</a:t>
             </a:r>
-            <a:endParaRPr lang="zh-CN" altLang="en-US"/>
           </a:p>
         </p:txBody>
       </p:sp>
@@ -657,7 +656,7 @@
           <a:p>
             <a:fld id="{F5BED939-13DD-4AA3-8741-D30EB9E98506}" type="datetimeFigureOut">
               <a:rPr lang="zh-CN" altLang="en-US" smtClean="0"/>
-              <a:t>2016/8/29</a:t>
+              <a:t>2016/9/8</a:t>
             </a:fld>
             <a:endParaRPr lang="zh-CN" altLang="en-US"/>
           </a:p>
@@ -754,7 +753,6 @@
               <a:rPr lang="zh-CN" altLang="en-US"/>
               <a:t>单击此处编辑母版标题样式</a:t>
             </a:r>
-            <a:endParaRPr lang="zh-CN" altLang="en-US"/>
           </a:p>
         </p:txBody>
       </p:sp>
@@ -806,7 +804,6 @@
               <a:rPr lang="zh-CN" altLang="en-US"/>
               <a:t>第五级</a:t>
             </a:r>
-            <a:endParaRPr lang="zh-CN" altLang="en-US"/>
           </a:p>
         </p:txBody>
       </p:sp>
@@ -827,7 +824,7 @@
           <a:p>
             <a:fld id="{F5BED939-13DD-4AA3-8741-D30EB9E98506}" type="datetimeFigureOut">
               <a:rPr lang="zh-CN" altLang="en-US" smtClean="0"/>
-              <a:t>2016/8/29</a:t>
+              <a:t>2016/9/8</a:t>
             </a:fld>
             <a:endParaRPr lang="zh-CN" altLang="en-US"/>
           </a:p>
@@ -933,7 +930,6 @@
               <a:rPr lang="zh-CN" altLang="en-US"/>
               <a:t>单击此处编辑母版标题样式</a:t>
             </a:r>
-            <a:endParaRPr lang="zh-CN" altLang="en-US"/>
           </a:p>
         </p:txBody>
       </p:sp>
@@ -1073,7 +1069,7 @@
           <a:p>
             <a:fld id="{F5BED939-13DD-4AA3-8741-D30EB9E98506}" type="datetimeFigureOut">
               <a:rPr lang="zh-CN" altLang="en-US" smtClean="0"/>
-              <a:t>2016/8/29</a:t>
+              <a:t>2016/9/8</a:t>
             </a:fld>
             <a:endParaRPr lang="zh-CN" altLang="en-US"/>
           </a:p>
@@ -1170,7 +1166,6 @@
               <a:rPr lang="zh-CN" altLang="en-US"/>
               <a:t>单击此处编辑母版标题样式</a:t>
             </a:r>
-            <a:endParaRPr lang="zh-CN" altLang="en-US"/>
           </a:p>
         </p:txBody>
       </p:sp>
@@ -1227,7 +1222,6 @@
               <a:rPr lang="zh-CN" altLang="en-US"/>
               <a:t>第五级</a:t>
             </a:r>
-            <a:endParaRPr lang="zh-CN" altLang="en-US"/>
           </a:p>
         </p:txBody>
       </p:sp>
@@ -1284,7 +1278,6 @@
               <a:rPr lang="zh-CN" altLang="en-US"/>
               <a:t>第五级</a:t>
             </a:r>
-            <a:endParaRPr lang="zh-CN" altLang="en-US"/>
           </a:p>
         </p:txBody>
       </p:sp>
@@ -1305,7 +1298,7 @@
           <a:p>
             <a:fld id="{F5BED939-13DD-4AA3-8741-D30EB9E98506}" type="datetimeFigureOut">
               <a:rPr lang="zh-CN" altLang="en-US" smtClean="0"/>
-              <a:t>2016/8/29</a:t>
+              <a:t>2016/9/8</a:t>
             </a:fld>
             <a:endParaRPr lang="zh-CN" altLang="en-US"/>
           </a:p>
@@ -1407,7 +1400,6 @@
               <a:rPr lang="zh-CN" altLang="en-US"/>
               <a:t>单击此处编辑母版标题样式</a:t>
             </a:r>
-            <a:endParaRPr lang="zh-CN" altLang="en-US"/>
           </a:p>
         </p:txBody>
       </p:sp>
@@ -1529,7 +1521,6 @@
               <a:rPr lang="zh-CN" altLang="en-US"/>
               <a:t>第五级</a:t>
             </a:r>
-            <a:endParaRPr lang="zh-CN" altLang="en-US"/>
           </a:p>
         </p:txBody>
       </p:sp>
@@ -1651,7 +1642,6 @@
               <a:rPr lang="zh-CN" altLang="en-US"/>
               <a:t>第五级</a:t>
             </a:r>
-            <a:endParaRPr lang="zh-CN" altLang="en-US"/>
           </a:p>
         </p:txBody>
       </p:sp>
@@ -1672,7 +1662,7 @@
           <a:p>
             <a:fld id="{F5BED939-13DD-4AA3-8741-D30EB9E98506}" type="datetimeFigureOut">
               <a:rPr lang="zh-CN" altLang="en-US" smtClean="0"/>
-              <a:t>2016/8/29</a:t>
+              <a:t>2016/9/8</a:t>
             </a:fld>
             <a:endParaRPr lang="zh-CN" altLang="en-US"/>
           </a:p>
@@ -1769,7 +1759,6 @@
               <a:rPr lang="zh-CN" altLang="en-US"/>
               <a:t>单击此处编辑母版标题样式</a:t>
             </a:r>
-            <a:endParaRPr lang="zh-CN" altLang="en-US"/>
           </a:p>
         </p:txBody>
       </p:sp>
@@ -1790,7 +1779,7 @@
           <a:p>
             <a:fld id="{F5BED939-13DD-4AA3-8741-D30EB9E98506}" type="datetimeFigureOut">
               <a:rPr lang="zh-CN" altLang="en-US" smtClean="0"/>
-              <a:t>2016/8/29</a:t>
+              <a:t>2016/9/8</a:t>
             </a:fld>
             <a:endParaRPr lang="zh-CN" altLang="en-US"/>
           </a:p>
@@ -1885,7 +1874,7 @@
           <a:p>
             <a:fld id="{F5BED939-13DD-4AA3-8741-D30EB9E98506}" type="datetimeFigureOut">
               <a:rPr lang="zh-CN" altLang="en-US" smtClean="0"/>
-              <a:t>2016/8/29</a:t>
+              <a:t>2016/9/8</a:t>
             </a:fld>
             <a:endParaRPr lang="zh-CN" altLang="en-US"/>
           </a:p>
@@ -1991,7 +1980,6 @@
               <a:rPr lang="zh-CN" altLang="en-US"/>
               <a:t>单击此处编辑母版标题样式</a:t>
             </a:r>
-            <a:endParaRPr lang="zh-CN" altLang="en-US"/>
           </a:p>
         </p:txBody>
       </p:sp>
@@ -2076,7 +2064,6 @@
               <a:rPr lang="zh-CN" altLang="en-US"/>
               <a:t>第五级</a:t>
             </a:r>
-            <a:endParaRPr lang="zh-CN" altLang="en-US"/>
           </a:p>
         </p:txBody>
       </p:sp>
@@ -2162,7 +2149,7 @@
           <a:p>
             <a:fld id="{F5BED939-13DD-4AA3-8741-D30EB9E98506}" type="datetimeFigureOut">
               <a:rPr lang="zh-CN" altLang="en-US" smtClean="0"/>
-              <a:t>2016/8/29</a:t>
+              <a:t>2016/9/8</a:t>
             </a:fld>
             <a:endParaRPr lang="zh-CN" altLang="en-US"/>
           </a:p>
@@ -2268,7 +2255,6 @@
               <a:rPr lang="zh-CN" altLang="en-US"/>
               <a:t>单击此处编辑母版标题样式</a:t>
             </a:r>
-            <a:endParaRPr lang="zh-CN" altLang="en-US"/>
           </a:p>
         </p:txBody>
       </p:sp>
@@ -2415,7 +2401,7 @@
           <a:p>
             <a:fld id="{F5BED939-13DD-4AA3-8741-D30EB9E98506}" type="datetimeFigureOut">
               <a:rPr lang="zh-CN" altLang="en-US" smtClean="0"/>
-              <a:t>2016/8/29</a:t>
+              <a:t>2016/9/8</a:t>
             </a:fld>
             <a:endParaRPr lang="zh-CN" altLang="en-US"/>
           </a:p>
@@ -2527,7 +2513,6 @@
               <a:rPr lang="zh-CN" altLang="en-US"/>
               <a:t>单击此处编辑母版标题样式</a:t>
             </a:r>
-            <a:endParaRPr lang="zh-CN" altLang="en-US"/>
           </a:p>
         </p:txBody>
       </p:sp>
@@ -2589,7 +2574,6 @@
               <a:rPr lang="zh-CN" altLang="en-US"/>
               <a:t>第五级</a:t>
             </a:r>
-            <a:endParaRPr lang="zh-CN" altLang="en-US"/>
           </a:p>
         </p:txBody>
       </p:sp>
@@ -2628,7 +2612,7 @@
           <a:p>
             <a:fld id="{F5BED939-13DD-4AA3-8741-D30EB9E98506}" type="datetimeFigureOut">
               <a:rPr lang="zh-CN" altLang="en-US" smtClean="0"/>
-              <a:t>2016/8/29</a:t>
+              <a:t>2016/9/8</a:t>
             </a:fld>
             <a:endParaRPr lang="zh-CN" altLang="en-US"/>
           </a:p>
@@ -3054,7 +3038,7 @@
             </a:r>
             <a:r>
               <a:rPr lang="zh-CN" altLang="en-US" dirty="0"/>
-              <a:t>运行机制与实践优化</a:t>
+              <a:t>运行机制与最佳实践</a:t>
             </a:r>
           </a:p>
         </p:txBody>
@@ -3407,7 +3391,7 @@
           <a:p>
             <a:r>
               <a:rPr lang="zh-CN" altLang="en-US" dirty="0"/>
-              <a:t>改进</a:t>
+              <a:t>最佳实践</a:t>
             </a:r>
             <a:r>
               <a:rPr lang="en-US" altLang="zh-CN" dirty="0"/>
@@ -3496,7 +3480,7 @@
           <a:p>
             <a:r>
               <a:rPr lang="zh-CN" altLang="en-US" dirty="0"/>
-              <a:t>改进</a:t>
+              <a:t>最佳实践</a:t>
             </a:r>
             <a:r>
               <a:rPr lang="en-US" altLang="zh-CN" dirty="0"/>
@@ -3683,7 +3667,7 @@
           <a:p>
             <a:r>
               <a:rPr lang="zh-CN" altLang="en-US" dirty="0"/>
-              <a:t>改进</a:t>
+              <a:t>最佳实践</a:t>
             </a:r>
             <a:r>
               <a:rPr lang="en-US" altLang="zh-CN" dirty="0"/>
@@ -3776,7 +3760,7 @@
           <a:p>
             <a:r>
               <a:rPr lang="zh-CN" altLang="en-US" dirty="0"/>
-              <a:t>改进</a:t>
+              <a:t>最佳实践</a:t>
             </a:r>
             <a:r>
               <a:rPr lang="en-US" altLang="zh-CN" dirty="0"/>
@@ -3784,7 +3768,15 @@
             </a:r>
             <a:r>
               <a:rPr lang="zh-CN" altLang="en-US" dirty="0"/>
-              <a:t>其他</a:t>
+              <a:t>使用</a:t>
+            </a:r>
+            <a:r>
+              <a:rPr lang="en-US" altLang="zh-CN" dirty="0" err="1"/>
+              <a:t>Resharper</a:t>
+            </a:r>
+            <a:r>
+              <a:rPr lang="zh-CN" altLang="en-US" dirty="0"/>
+              <a:t>改进代码质量</a:t>
             </a:r>
           </a:p>
         </p:txBody>
@@ -3806,7 +3798,61 @@
           <a:p>
             <a:r>
               <a:rPr lang="zh-CN" altLang="en-US" dirty="0"/>
-              <a:t>为集合预分配容量</a:t>
+              <a:t>使用</a:t>
+            </a:r>
+            <a:r>
+              <a:rPr lang="en-US" altLang="zh-CN" dirty="0" err="1"/>
+              <a:t>Alt+PageUp</a:t>
+            </a:r>
+            <a:r>
+              <a:rPr lang="en-US" altLang="zh-CN" dirty="0"/>
+              <a:t>/</a:t>
+            </a:r>
+            <a:r>
+              <a:rPr lang="en-US" altLang="zh-CN" dirty="0" err="1"/>
+              <a:t>PageDown</a:t>
+            </a:r>
+            <a:r>
+              <a:rPr lang="zh-CN" altLang="en-US" dirty="0"/>
+              <a:t>以及</a:t>
+            </a:r>
+            <a:r>
+              <a:rPr lang="en-US" altLang="zh-CN" dirty="0" err="1"/>
+              <a:t>Alt+Enter</a:t>
+            </a:r>
+            <a:r>
+              <a:rPr lang="zh-CN" altLang="en-US" dirty="0"/>
+              <a:t>快速修复问题</a:t>
+            </a:r>
+            <a:endParaRPr lang="en-US" altLang="zh-CN" dirty="0"/>
+          </a:p>
+          <a:p>
+            <a:endParaRPr lang="en-US" altLang="zh-CN" dirty="0"/>
+          </a:p>
+          <a:p>
+            <a:endParaRPr lang="en-US" altLang="zh-CN" dirty="0"/>
+          </a:p>
+          <a:p>
+            <a:endParaRPr lang="en-US" altLang="zh-CN" dirty="0"/>
+          </a:p>
+          <a:p>
+            <a:endParaRPr lang="en-US" altLang="zh-CN" dirty="0"/>
+          </a:p>
+          <a:p>
+            <a:endParaRPr lang="en-US" altLang="zh-CN" dirty="0"/>
+          </a:p>
+          <a:p>
+            <a:r>
+              <a:rPr lang="zh-CN" altLang="en-US" dirty="0"/>
+              <a:t>在</a:t>
+            </a:r>
+            <a:r>
+              <a:rPr lang="en-US" altLang="zh-CN" dirty="0" err="1"/>
+              <a:t>Resharper</a:t>
+            </a:r>
+            <a:r>
+              <a:rPr lang="zh-CN" altLang="en-US" dirty="0"/>
+              <a:t>中指定编码规范</a:t>
             </a:r>
             <a:endParaRPr lang="en-US" altLang="zh-CN" dirty="0"/>
           </a:p>
@@ -3815,129 +3861,340 @@
               <a:buNone/>
             </a:pPr>
             <a:r>
-              <a:rPr lang="zh-CN" altLang="en-US" sz="1800" dirty="0">
-                <a:latin typeface="微软雅黑 Light" panose="020B0502040204020203" pitchFamily="34" charset="-122"/>
-                <a:ea typeface="微软雅黑 Light" panose="020B0502040204020203" pitchFamily="34" charset="-122"/>
+              <a:rPr lang="zh-CN" altLang="en-US" dirty="0"/>
+              <a:t>在</a:t>
+            </a:r>
+            <a:r>
+              <a:rPr lang="en-US" altLang="zh-CN" dirty="0"/>
+              <a:t>”</a:t>
+            </a:r>
+            <a:r>
+              <a:rPr lang="en-US" altLang="zh-CN" dirty="0" err="1"/>
+              <a:t>ReSharper</a:t>
+            </a:r>
+            <a:r>
+              <a:rPr lang="en-US" altLang="zh-CN" dirty="0"/>
+              <a:t>/Options/Code Editing”</a:t>
+            </a:r>
+            <a:r>
+              <a:rPr lang="zh-CN" altLang="en-US" dirty="0"/>
+              <a:t>条目中针对各语言指定具体的编码规范</a:t>
+            </a:r>
+            <a:endParaRPr lang="en-US" altLang="zh-CN" dirty="0"/>
+          </a:p>
+          <a:p>
+            <a:pPr lvl="1"/>
+            <a:endParaRPr lang="zh-CN" altLang="en-US" dirty="0"/>
+          </a:p>
+        </p:txBody>
+      </p:sp>
+      <p:pic>
+        <p:nvPicPr>
+          <p:cNvPr id="4" name="图片 3"/>
+          <p:cNvPicPr>
+            <a:picLocks noChangeAspect="1"/>
+          </p:cNvPicPr>
+          <p:nvPr/>
+        </p:nvPicPr>
+        <p:blipFill>
+          <a:blip r:embed="rId2"/>
+          <a:stretch>
+            <a:fillRect/>
+          </a:stretch>
+        </p:blipFill>
+        <p:spPr>
+          <a:xfrm>
+            <a:off x="2731224" y="2524919"/>
+            <a:ext cx="6143625" cy="1476375"/>
+          </a:xfrm>
+          <a:prstGeom prst="rect">
+            <a:avLst/>
+          </a:prstGeom>
+        </p:spPr>
+      </p:pic>
+      <p:sp>
+        <p:nvSpPr>
+          <p:cNvPr id="5" name="矩形 4"/>
+          <p:cNvSpPr/>
+          <p:nvPr/>
+        </p:nvSpPr>
+        <p:spPr>
+          <a:xfrm>
+            <a:off x="994299" y="3178206"/>
+            <a:ext cx="1038687" cy="248575"/>
+          </a:xfrm>
+          <a:prstGeom prst="rect">
+            <a:avLst/>
+          </a:prstGeom>
+          <a:noFill/>
+          <a:ln>
+            <a:solidFill>
+              <a:schemeClr val="tx1"/>
+            </a:solidFill>
+          </a:ln>
+        </p:spPr>
+        <p:style>
+          <a:lnRef idx="2">
+            <a:schemeClr val="accent1">
+              <a:shade val="50000"/>
+            </a:schemeClr>
+          </a:lnRef>
+          <a:fillRef idx="1">
+            <a:schemeClr val="accent1"/>
+          </a:fillRef>
+          <a:effectRef idx="0">
+            <a:schemeClr val="accent1"/>
+          </a:effectRef>
+          <a:fontRef idx="minor">
+            <a:schemeClr val="lt1"/>
+          </a:fontRef>
+        </p:style>
+        <p:txBody>
+          <a:bodyPr rtlCol="0" anchor="ctr"/>
+          <a:lstStyle/>
+          <a:p>
+            <a:pPr algn="ctr"/>
+            <a:r>
+              <a:rPr lang="zh-CN" altLang="en-US" sz="1000" dirty="0">
+                <a:solidFill>
+                  <a:schemeClr val="tx1"/>
+                </a:solidFill>
               </a:rPr>
-              <a:t>集合拥有积极扩张的内存分配策略，预估集合容量并进行预分配非但有助于减少重分配次数，而且通常能够节约内存</a:t>
-            </a:r>
-            <a:endParaRPr lang="en-US" altLang="zh-CN" sz="1800" dirty="0">
-              <a:latin typeface="微软雅黑 Light" panose="020B0502040204020203" pitchFamily="34" charset="-122"/>
-              <a:ea typeface="微软雅黑 Light" panose="020B0502040204020203" pitchFamily="34" charset="-122"/>
-            </a:endParaRPr>
-          </a:p>
-          <a:p>
-            <a:r>
-              <a:rPr lang="zh-CN" altLang="en-US" dirty="0"/>
-              <a:t>重写</a:t>
-            </a:r>
-            <a:r>
-              <a:rPr lang="en-US" altLang="zh-CN" dirty="0"/>
-              <a:t>Equals</a:t>
-            </a:r>
-            <a:r>
-              <a:rPr lang="zh-CN" altLang="en-US" dirty="0"/>
-              <a:t>方法和</a:t>
-            </a:r>
-            <a:r>
-              <a:rPr lang="en-US" altLang="zh-CN" dirty="0" err="1"/>
-              <a:t>GetHashCode</a:t>
-            </a:r>
-            <a:r>
-              <a:rPr lang="zh-CN" altLang="en-US" dirty="0"/>
-              <a:t>方法</a:t>
-            </a:r>
-            <a:endParaRPr lang="en-US" altLang="zh-CN" dirty="0"/>
-          </a:p>
-          <a:p>
-            <a:pPr marL="457200" lvl="1" indent="0">
-              <a:buNone/>
-            </a:pPr>
-            <a:r>
-              <a:rPr lang="zh-CN" altLang="en-US" sz="1800" dirty="0">
-                <a:latin typeface="微软雅黑 Light" panose="020B0502040204020203" pitchFamily="34" charset="-122"/>
-                <a:ea typeface="微软雅黑 Light" panose="020B0502040204020203" pitchFamily="34" charset="-122"/>
+              <a:t>快速修复菜单</a:t>
+            </a:r>
+          </a:p>
+        </p:txBody>
+      </p:sp>
+      <p:cxnSp>
+        <p:nvCxnSpPr>
+          <p:cNvPr id="7" name="直接连接符 6"/>
+          <p:cNvCxnSpPr>
+            <a:stCxn id="5" idx="3"/>
+          </p:cNvCxnSpPr>
+          <p:nvPr/>
+        </p:nvCxnSpPr>
+        <p:spPr>
+          <a:xfrm>
+            <a:off x="2032986" y="3302494"/>
+            <a:ext cx="698238" cy="204186"/>
+          </a:xfrm>
+          <a:prstGeom prst="line">
+            <a:avLst/>
+          </a:prstGeom>
+          <a:ln w="22225">
+            <a:solidFill>
+              <a:schemeClr val="accent5">
+                <a:lumMod val="60000"/>
+                <a:lumOff val="40000"/>
+              </a:schemeClr>
+            </a:solidFill>
+          </a:ln>
+        </p:spPr>
+        <p:style>
+          <a:lnRef idx="1">
+            <a:schemeClr val="accent5"/>
+          </a:lnRef>
+          <a:fillRef idx="0">
+            <a:schemeClr val="accent5"/>
+          </a:fillRef>
+          <a:effectRef idx="0">
+            <a:schemeClr val="accent5"/>
+          </a:effectRef>
+          <a:fontRef idx="minor">
+            <a:schemeClr val="tx1"/>
+          </a:fontRef>
+        </p:style>
+      </p:cxnSp>
+      <p:sp>
+        <p:nvSpPr>
+          <p:cNvPr id="8" name="矩形 7"/>
+          <p:cNvSpPr/>
+          <p:nvPr/>
+        </p:nvSpPr>
+        <p:spPr>
+          <a:xfrm>
+            <a:off x="4425609" y="4576300"/>
+            <a:ext cx="1038687" cy="248575"/>
+          </a:xfrm>
+          <a:prstGeom prst="rect">
+            <a:avLst/>
+          </a:prstGeom>
+          <a:noFill/>
+          <a:ln>
+            <a:solidFill>
+              <a:schemeClr val="tx1"/>
+            </a:solidFill>
+          </a:ln>
+        </p:spPr>
+        <p:style>
+          <a:lnRef idx="2">
+            <a:schemeClr val="accent1">
+              <a:shade val="50000"/>
+            </a:schemeClr>
+          </a:lnRef>
+          <a:fillRef idx="1">
+            <a:schemeClr val="accent1"/>
+          </a:fillRef>
+          <a:effectRef idx="0">
+            <a:schemeClr val="accent1"/>
+          </a:effectRef>
+          <a:fontRef idx="minor">
+            <a:schemeClr val="lt1"/>
+          </a:fontRef>
+        </p:style>
+        <p:txBody>
+          <a:bodyPr rtlCol="0" anchor="ctr"/>
+          <a:lstStyle/>
+          <a:p>
+            <a:pPr algn="ctr"/>
+            <a:r>
+              <a:rPr lang="zh-CN" altLang="en-US" sz="1000" dirty="0">
+                <a:solidFill>
+                  <a:schemeClr val="tx1"/>
+                </a:solidFill>
               </a:rPr>
-              <a:t>引用类型的上述方法默认实现使用反射</a:t>
-            </a:r>
-            <a:endParaRPr lang="en-US" altLang="zh-CN" sz="1800" dirty="0">
-              <a:latin typeface="微软雅黑 Light" panose="020B0502040204020203" pitchFamily="34" charset="-122"/>
-              <a:ea typeface="微软雅黑 Light" panose="020B0502040204020203" pitchFamily="34" charset="-122"/>
-            </a:endParaRPr>
-          </a:p>
-          <a:p>
-            <a:r>
-              <a:rPr lang="zh-CN" altLang="en-US" dirty="0"/>
-              <a:t>编译重复使用的正则表达式</a:t>
-            </a:r>
-            <a:endParaRPr lang="en-US" altLang="zh-CN" dirty="0"/>
-          </a:p>
-          <a:p>
-            <a:pPr marL="457200" lvl="1" indent="0">
-              <a:buNone/>
-            </a:pPr>
-            <a:r>
-              <a:rPr lang="zh-CN" altLang="en-US" sz="1800" dirty="0">
-                <a:latin typeface="微软雅黑 Light" panose="020B0502040204020203" pitchFamily="34" charset="-122"/>
-                <a:ea typeface="微软雅黑 Light" panose="020B0502040204020203" pitchFamily="34" charset="-122"/>
+              <a:t>问题发生点</a:t>
+            </a:r>
+          </a:p>
+        </p:txBody>
+      </p:sp>
+      <p:cxnSp>
+        <p:nvCxnSpPr>
+          <p:cNvPr id="9" name="直接连接符 8"/>
+          <p:cNvCxnSpPr>
+            <a:endCxn id="8" idx="0"/>
+          </p:cNvCxnSpPr>
+          <p:nvPr/>
+        </p:nvCxnSpPr>
+        <p:spPr>
+          <a:xfrm>
+            <a:off x="4944952" y="3404587"/>
+            <a:ext cx="1" cy="1171713"/>
+          </a:xfrm>
+          <a:prstGeom prst="line">
+            <a:avLst/>
+          </a:prstGeom>
+          <a:ln w="22225">
+            <a:solidFill>
+              <a:schemeClr val="accent5">
+                <a:lumMod val="60000"/>
+                <a:lumOff val="40000"/>
+              </a:schemeClr>
+            </a:solidFill>
+          </a:ln>
+        </p:spPr>
+        <p:style>
+          <a:lnRef idx="1">
+            <a:schemeClr val="accent5"/>
+          </a:lnRef>
+          <a:fillRef idx="0">
+            <a:schemeClr val="accent5"/>
+          </a:fillRef>
+          <a:effectRef idx="0">
+            <a:schemeClr val="accent5"/>
+          </a:effectRef>
+          <a:fontRef idx="minor">
+            <a:schemeClr val="tx1"/>
+          </a:fontRef>
+        </p:style>
+      </p:cxnSp>
+      <p:sp>
+        <p:nvSpPr>
+          <p:cNvPr id="12" name="矩形 11"/>
+          <p:cNvSpPr/>
+          <p:nvPr/>
+        </p:nvSpPr>
+        <p:spPr>
+          <a:xfrm>
+            <a:off x="9907391" y="2929631"/>
+            <a:ext cx="1038687" cy="248575"/>
+          </a:xfrm>
+          <a:prstGeom prst="rect">
+            <a:avLst/>
+          </a:prstGeom>
+          <a:noFill/>
+          <a:ln>
+            <a:solidFill>
+              <a:schemeClr val="tx1"/>
+            </a:solidFill>
+          </a:ln>
+        </p:spPr>
+        <p:style>
+          <a:lnRef idx="2">
+            <a:schemeClr val="accent1">
+              <a:shade val="50000"/>
+            </a:schemeClr>
+          </a:lnRef>
+          <a:fillRef idx="1">
+            <a:schemeClr val="accent1"/>
+          </a:fillRef>
+          <a:effectRef idx="0">
+            <a:schemeClr val="accent1"/>
+          </a:effectRef>
+          <a:fontRef idx="minor">
+            <a:schemeClr val="lt1"/>
+          </a:fontRef>
+        </p:style>
+        <p:txBody>
+          <a:bodyPr rtlCol="0" anchor="ctr"/>
+          <a:lstStyle/>
+          <a:p>
+            <a:pPr algn="ctr"/>
+            <a:r>
+              <a:rPr lang="zh-CN" altLang="en-US" sz="1000" dirty="0">
+                <a:solidFill>
+                  <a:schemeClr val="tx1"/>
+                </a:solidFill>
               </a:rPr>
-              <a:t>将字符串编译为自动机往往要比匹配消耗更多时间</a:t>
-            </a:r>
-            <a:endParaRPr lang="en-US" altLang="zh-CN" sz="1800" dirty="0">
-              <a:latin typeface="微软雅黑 Light" panose="020B0502040204020203" pitchFamily="34" charset="-122"/>
-              <a:ea typeface="微软雅黑 Light" panose="020B0502040204020203" pitchFamily="34" charset="-122"/>
-            </a:endParaRPr>
-          </a:p>
-          <a:p>
-            <a:r>
-              <a:rPr lang="zh-CN" altLang="en-US" dirty="0"/>
-              <a:t>使用</a:t>
-            </a:r>
-            <a:r>
-              <a:rPr lang="en-US" altLang="zh-CN" dirty="0" err="1"/>
-              <a:t>Resharper</a:t>
-            </a:r>
-            <a:endParaRPr lang="en-US" altLang="zh-CN" dirty="0"/>
-          </a:p>
-          <a:p>
-            <a:pPr marL="457200" lvl="1" indent="0">
-              <a:buNone/>
-            </a:pPr>
-            <a:r>
-              <a:rPr lang="en-US" altLang="zh-CN" sz="1800" dirty="0" err="1">
-                <a:latin typeface="微软雅黑 Light" panose="020B0502040204020203" pitchFamily="34" charset="-122"/>
-                <a:ea typeface="微软雅黑 Light" panose="020B0502040204020203" pitchFamily="34" charset="-122"/>
-              </a:rPr>
-              <a:t>Resharper</a:t>
-            </a:r>
-            <a:r>
-              <a:rPr lang="zh-CN" altLang="en-US" sz="1800" dirty="0">
-                <a:latin typeface="微软雅黑 Light" panose="020B0502040204020203" pitchFamily="34" charset="-122"/>
-                <a:ea typeface="微软雅黑 Light" panose="020B0502040204020203" pitchFamily="34" charset="-122"/>
-              </a:rPr>
-              <a:t>的代码检查几乎能够与</a:t>
-            </a:r>
-            <a:r>
-              <a:rPr lang="en-US" altLang="zh-CN" sz="1800" dirty="0" err="1">
-                <a:latin typeface="微软雅黑 Light" panose="020B0502040204020203" pitchFamily="34" charset="-122"/>
-                <a:ea typeface="微软雅黑 Light" panose="020B0502040204020203" pitchFamily="34" charset="-122"/>
-              </a:rPr>
-              <a:t>FxCop</a:t>
-            </a:r>
-            <a:r>
-              <a:rPr lang="zh-CN" altLang="en-US" sz="1800" dirty="0">
-                <a:latin typeface="微软雅黑 Light" panose="020B0502040204020203" pitchFamily="34" charset="-122"/>
-                <a:ea typeface="微软雅黑 Light" panose="020B0502040204020203" pitchFamily="34" charset="-122"/>
-              </a:rPr>
-              <a:t>相提并论，最重要的是它在编辑时即产生并提供了改进参考意见</a:t>
-            </a:r>
-          </a:p>
-        </p:txBody>
-      </p:sp>
+              <a:t>问题布局</a:t>
+            </a:r>
+          </a:p>
+        </p:txBody>
+      </p:sp>
+      <p:cxnSp>
+        <p:nvCxnSpPr>
+          <p:cNvPr id="13" name="直接连接符 12"/>
+          <p:cNvCxnSpPr>
+            <a:endCxn id="12" idx="1"/>
+          </p:cNvCxnSpPr>
+          <p:nvPr/>
+        </p:nvCxnSpPr>
+        <p:spPr>
+          <a:xfrm>
+            <a:off x="8874849" y="3053918"/>
+            <a:ext cx="1032542" cy="1"/>
+          </a:xfrm>
+          <a:prstGeom prst="line">
+            <a:avLst/>
+          </a:prstGeom>
+          <a:ln w="22225">
+            <a:solidFill>
+              <a:schemeClr val="accent5">
+                <a:lumMod val="60000"/>
+                <a:lumOff val="40000"/>
+              </a:schemeClr>
+            </a:solidFill>
+          </a:ln>
+        </p:spPr>
+        <p:style>
+          <a:lnRef idx="1">
+            <a:schemeClr val="accent5"/>
+          </a:lnRef>
+          <a:fillRef idx="0">
+            <a:schemeClr val="accent5"/>
+          </a:fillRef>
+          <a:effectRef idx="0">
+            <a:schemeClr val="accent5"/>
+          </a:effectRef>
+          <a:fontRef idx="minor">
+            <a:schemeClr val="tx1"/>
+          </a:fontRef>
+        </p:style>
+      </p:cxnSp>
     </p:spTree>
     <p:extLst>
       <p:ext uri="{BB962C8B-B14F-4D97-AF65-F5344CB8AC3E}">
-        <p14:creationId xmlns:p14="http://schemas.microsoft.com/office/powerpoint/2010/main" val="1948017904"/>
+        <p14:creationId xmlns:p14="http://schemas.microsoft.com/office/powerpoint/2010/main" val="2700295959"/>
       </p:ext>
     </p:extLst>
   </p:cSld>
@@ -3981,7 +4238,7 @@
           <a:p>
             <a:r>
               <a:rPr lang="zh-CN" altLang="en-US" dirty="0"/>
-              <a:t>改进</a:t>
+              <a:t>最佳实践</a:t>
             </a:r>
             <a:r>
               <a:rPr lang="en-US" altLang="zh-CN" dirty="0"/>
@@ -4006,12 +4263,18 @@
         </p:nvSpPr>
         <p:spPr/>
         <p:txBody>
-          <a:bodyPr/>
-          <a:lstStyle/>
-          <a:p>
-            <a:r>
-              <a:rPr lang="zh-CN" altLang="en-US" dirty="0"/>
-              <a:t>枚举类型不宜作为键使用</a:t>
+          <a:bodyPr>
+            <a:normAutofit lnSpcReduction="10000"/>
+          </a:bodyPr>
+          <a:lstStyle/>
+          <a:p>
+            <a:r>
+              <a:rPr lang="zh-CN" altLang="en-US" dirty="0"/>
+              <a:t>缓存</a:t>
+            </a:r>
+            <a:r>
+              <a:rPr lang="en-US" altLang="zh-CN" dirty="0" err="1"/>
+              <a:t>MemberInfo</a:t>
             </a:r>
             <a:endParaRPr lang="en-US" altLang="zh-CN" dirty="0"/>
           </a:p>
@@ -4024,21 +4287,82 @@
                 <a:latin typeface="微软雅黑 Light" panose="020B0502040204020203" pitchFamily="34" charset="-122"/>
                 <a:ea typeface="微软雅黑 Light" panose="020B0502040204020203" pitchFamily="34" charset="-122"/>
               </a:rPr>
-              <a:t>枚举是值类型，而且你无法重写它的</a:t>
+              <a:t>反射性能低下主要有三个原因：</a:t>
             </a:r>
             <a:r>
               <a:rPr lang="en-US" altLang="zh-CN" sz="1800" dirty="0" err="1">
                 <a:latin typeface="微软雅黑 Light" panose="020B0502040204020203" pitchFamily="34" charset="-122"/>
                 <a:ea typeface="微软雅黑 Light" panose="020B0502040204020203" pitchFamily="34" charset="-122"/>
               </a:rPr>
-              <a:t>GetHashCode</a:t>
+              <a:t>EEClass</a:t>
             </a:r>
             <a:r>
               <a:rPr lang="zh-CN" altLang="en-US" sz="1800" dirty="0">
                 <a:latin typeface="微软雅黑 Light" panose="020B0502040204020203" pitchFamily="34" charset="-122"/>
                 <a:ea typeface="微软雅黑 Light" panose="020B0502040204020203" pitchFamily="34" charset="-122"/>
               </a:rPr>
-              <a:t>方法</a:t>
+              <a:t>检索慢于编译器生成的地址代换，检索到的数据需要生成</a:t>
+            </a:r>
+            <a:r>
+              <a:rPr lang="en-US" altLang="zh-CN" sz="1800" dirty="0" err="1">
+                <a:latin typeface="微软雅黑 Light" panose="020B0502040204020203" pitchFamily="34" charset="-122"/>
+                <a:ea typeface="微软雅黑 Light" panose="020B0502040204020203" pitchFamily="34" charset="-122"/>
+              </a:rPr>
+              <a:t>MemberInfo</a:t>
+            </a:r>
+            <a:r>
+              <a:rPr lang="zh-CN" altLang="en-US" sz="1800" dirty="0">
+                <a:latin typeface="微软雅黑 Light" panose="020B0502040204020203" pitchFamily="34" charset="-122"/>
+                <a:ea typeface="微软雅黑 Light" panose="020B0502040204020203" pitchFamily="34" charset="-122"/>
+              </a:rPr>
+              <a:t>对象，访问</a:t>
+            </a:r>
+            <a:r>
+              <a:rPr lang="en-US" altLang="zh-CN" sz="1800" dirty="0" err="1">
+                <a:latin typeface="微软雅黑 Light" panose="020B0502040204020203" pitchFamily="34" charset="-122"/>
+                <a:ea typeface="微软雅黑 Light" panose="020B0502040204020203" pitchFamily="34" charset="-122"/>
+              </a:rPr>
+              <a:t>MemberInfo</a:t>
+            </a:r>
+            <a:r>
+              <a:rPr lang="zh-CN" altLang="en-US" sz="1800" dirty="0">
+                <a:latin typeface="微软雅黑 Light" panose="020B0502040204020203" pitchFamily="34" charset="-122"/>
+                <a:ea typeface="微软雅黑 Light" panose="020B0502040204020203" pitchFamily="34" charset="-122"/>
+              </a:rPr>
+              <a:t>对象需要动态绑定。使用反射式缓存</a:t>
+            </a:r>
+            <a:r>
+              <a:rPr lang="en-US" altLang="zh-CN" sz="1800" dirty="0" err="1">
+                <a:latin typeface="微软雅黑 Light" panose="020B0502040204020203" pitchFamily="34" charset="-122"/>
+                <a:ea typeface="微软雅黑 Light" panose="020B0502040204020203" pitchFamily="34" charset="-122"/>
+              </a:rPr>
+              <a:t>MemberInfo</a:t>
+            </a:r>
+            <a:r>
+              <a:rPr lang="zh-CN" altLang="en-US" sz="1800" dirty="0">
+                <a:latin typeface="微软雅黑 Light" panose="020B0502040204020203" pitchFamily="34" charset="-122"/>
+                <a:ea typeface="微软雅黑 Light" panose="020B0502040204020203" pitchFamily="34" charset="-122"/>
+              </a:rPr>
+              <a:t>，前两个问题都能迎刃而解</a:t>
+            </a:r>
+          </a:p>
+          <a:p>
+            <a:r>
+              <a:rPr lang="zh-CN" altLang="en-US" dirty="0"/>
+              <a:t>为集合预分配容量</a:t>
+            </a:r>
+            <a:endParaRPr lang="en-US" altLang="zh-CN" dirty="0"/>
+          </a:p>
+          <a:p>
+            <a:pPr marL="457200" lvl="1" indent="0">
+              <a:buNone/>
+            </a:pPr>
+            <a:r>
+              <a:rPr lang="zh-CN" altLang="en-US" sz="1800" dirty="0">
+                <a:latin typeface="微软雅黑 Light" panose="020B0502040204020203" pitchFamily="34" charset="-122"/>
+                <a:ea typeface="微软雅黑 Light" panose="020B0502040204020203" pitchFamily="34" charset="-122"/>
+              </a:rPr>
+              <a:t>集合拥有积极扩张的内存分配策略，预估集合容量并进行预分配非但有助于减少重分配次数，而且通常能够节约内存</a:t>
             </a:r>
             <a:endParaRPr lang="en-US" altLang="zh-CN" sz="1800" dirty="0">
               <a:latin typeface="微软雅黑 Light" panose="020B0502040204020203" pitchFamily="34" charset="-122"/>
@@ -4048,7 +4372,23 @@
           <a:p>
             <a:r>
               <a:rPr lang="zh-CN" altLang="en-US" dirty="0"/>
-              <a:t>谨慎传递结构体</a:t>
+              <a:t>重写</a:t>
+            </a:r>
+            <a:r>
+              <a:rPr lang="en-US" altLang="zh-CN" dirty="0"/>
+              <a:t>Equals</a:t>
+            </a:r>
+            <a:r>
+              <a:rPr lang="zh-CN" altLang="en-US" dirty="0"/>
+              <a:t>方法和</a:t>
+            </a:r>
+            <a:r>
+              <a:rPr lang="en-US" altLang="zh-CN" dirty="0" err="1"/>
+              <a:t>GetHashCode</a:t>
+            </a:r>
+            <a:r>
+              <a:rPr lang="zh-CN" altLang="en-US" dirty="0"/>
+              <a:t>方法</a:t>
             </a:r>
             <a:endParaRPr lang="en-US" altLang="zh-CN" dirty="0"/>
           </a:p>
@@ -4061,75 +4401,112 @@
                 <a:latin typeface="微软雅黑 Light" panose="020B0502040204020203" pitchFamily="34" charset="-122"/>
                 <a:ea typeface="微软雅黑 Light" panose="020B0502040204020203" pitchFamily="34" charset="-122"/>
               </a:rPr>
-              <a:t>别忘了结构体是值类型哦。使用</a:t>
+              <a:t>引用类型的上述方法默认实现使用反射</a:t>
+            </a:r>
+            <a:r>
+              <a:rPr lang="zh-CN" altLang="en-US" dirty="0"/>
+              <a:t>坚持建立文档化注释</a:t>
+            </a:r>
+            <a:endParaRPr lang="en-US" altLang="zh-CN" dirty="0"/>
+          </a:p>
+          <a:p>
+            <a:pPr marL="457200" lvl="1" indent="0">
+              <a:buNone/>
+            </a:pPr>
+            <a:r>
+              <a:rPr lang="zh-CN" altLang="en-US" sz="1800" dirty="0">
+                <a:latin typeface="微软雅黑 Light" panose="020B0502040204020203" pitchFamily="34" charset="-122"/>
+                <a:ea typeface="微软雅黑 Light" panose="020B0502040204020203" pitchFamily="34" charset="-122"/>
+              </a:rPr>
+              <a:t>从</a:t>
             </a:r>
             <a:r>
               <a:rPr lang="en-US" altLang="zh-CN" sz="1800" dirty="0">
                 <a:latin typeface="微软雅黑 Light" panose="020B0502040204020203" pitchFamily="34" charset="-122"/>
                 <a:ea typeface="微软雅黑 Light" panose="020B0502040204020203" pitchFamily="34" charset="-122"/>
               </a:rPr>
-              <a:t>ref</a:t>
+              <a:t>VisualStudio</a:t>
             </a:r>
             <a:r>
               <a:rPr lang="zh-CN" altLang="en-US" sz="1800" dirty="0">
                 <a:latin typeface="微软雅黑 Light" panose="020B0502040204020203" pitchFamily="34" charset="-122"/>
                 <a:ea typeface="微软雅黑 Light" panose="020B0502040204020203" pitchFamily="34" charset="-122"/>
               </a:rPr>
-              <a:t>传递作为参数的结构体</a:t>
+              <a:t>到</a:t>
+            </a:r>
+            <a:r>
+              <a:rPr lang="en-US" altLang="zh-CN" sz="1800" dirty="0" err="1">
+                <a:latin typeface="微软雅黑 Light" panose="020B0502040204020203" pitchFamily="34" charset="-122"/>
+                <a:ea typeface="微软雅黑 Light" panose="020B0502040204020203" pitchFamily="34" charset="-122"/>
+              </a:rPr>
+              <a:t>Resharper</a:t>
+            </a:r>
+            <a:r>
+              <a:rPr lang="zh-CN" altLang="en-US" sz="1800" dirty="0">
+                <a:latin typeface="微软雅黑 Light" panose="020B0502040204020203" pitchFamily="34" charset="-122"/>
+                <a:ea typeface="微软雅黑 Light" panose="020B0502040204020203" pitchFamily="34" charset="-122"/>
+              </a:rPr>
+              <a:t>，对类与方法的描述都来自文档化注释。</a:t>
+            </a:r>
+            <a:endParaRPr lang="en-US" altLang="zh-CN" dirty="0"/>
+          </a:p>
+          <a:p>
+            <a:r>
+              <a:rPr lang="zh-CN" altLang="en-US" dirty="0"/>
+              <a:t>较小的集合不应使用有键集合</a:t>
+            </a:r>
+            <a:endParaRPr lang="en-US" altLang="zh-CN" dirty="0"/>
+          </a:p>
+          <a:p>
+            <a:pPr marL="457200" lvl="1" indent="0">
+              <a:buNone/>
+            </a:pPr>
+            <a:r>
+              <a:rPr lang="zh-CN" altLang="en-US" sz="1800" dirty="0">
+                <a:latin typeface="微软雅黑 Light" panose="020B0502040204020203" pitchFamily="34" charset="-122"/>
+                <a:ea typeface="微软雅黑 Light" panose="020B0502040204020203" pitchFamily="34" charset="-122"/>
+              </a:rPr>
+              <a:t>有键集合需要额外的空间。举例来说，一个空的</a:t>
+            </a:r>
+            <a:r>
+              <a:rPr lang="en-US" altLang="zh-CN" sz="1800" dirty="0">
+                <a:latin typeface="微软雅黑 Light" panose="020B0502040204020203" pitchFamily="34" charset="-122"/>
+                <a:ea typeface="微软雅黑 Light" panose="020B0502040204020203" pitchFamily="34" charset="-122"/>
+              </a:rPr>
+              <a:t>Dictionary</a:t>
+            </a:r>
+            <a:r>
+              <a:rPr lang="zh-CN" altLang="en-US" sz="1800" dirty="0">
+                <a:latin typeface="微软雅黑 Light" panose="020B0502040204020203" pitchFamily="34" charset="-122"/>
+                <a:ea typeface="微软雅黑 Light" panose="020B0502040204020203" pitchFamily="34" charset="-122"/>
+              </a:rPr>
+              <a:t>也会消耗</a:t>
+            </a:r>
+            <a:r>
+              <a:rPr lang="en-US" altLang="zh-CN" sz="1800" dirty="0">
+                <a:latin typeface="微软雅黑 Light" panose="020B0502040204020203" pitchFamily="34" charset="-122"/>
+                <a:ea typeface="微软雅黑 Light" panose="020B0502040204020203" pitchFamily="34" charset="-122"/>
+              </a:rPr>
+              <a:t>12</a:t>
+            </a:r>
+            <a:r>
+              <a:rPr lang="zh-CN" altLang="en-US" sz="1800" dirty="0">
+                <a:latin typeface="微软雅黑 Light" panose="020B0502040204020203" pitchFamily="34" charset="-122"/>
+                <a:ea typeface="微软雅黑 Light" panose="020B0502040204020203" pitchFamily="34" charset="-122"/>
+              </a:rPr>
+              <a:t>字节的空间。</a:t>
             </a:r>
             <a:endParaRPr lang="en-US" altLang="zh-CN" sz="1800" dirty="0">
               <a:latin typeface="微软雅黑 Light" panose="020B0502040204020203" pitchFamily="34" charset="-122"/>
               <a:ea typeface="微软雅黑 Light" panose="020B0502040204020203" pitchFamily="34" charset="-122"/>
             </a:endParaRPr>
           </a:p>
-          <a:p>
-            <a:r>
-              <a:rPr lang="zh-CN" altLang="en-US" dirty="0"/>
-              <a:t>使用枚举而非常量</a:t>
-            </a:r>
-            <a:endParaRPr lang="en-US" altLang="zh-CN" dirty="0"/>
-          </a:p>
-          <a:p>
-            <a:pPr marL="457200" lvl="1" indent="0">
-              <a:buNone/>
-            </a:pPr>
-            <a:r>
-              <a:rPr lang="zh-CN" altLang="en-US" sz="1800" dirty="0">
-                <a:latin typeface="微软雅黑 Light" panose="020B0502040204020203" pitchFamily="34" charset="-122"/>
-                <a:ea typeface="微软雅黑 Light" panose="020B0502040204020203" pitchFamily="34" charset="-122"/>
-              </a:rPr>
-              <a:t>不仅是工具对强类型提供了更好的支持，对于选项较多的情况，单个枚举要比多个常量节省更多元数据占用的磁盘和内存空间</a:t>
-            </a:r>
-            <a:endParaRPr lang="en-US" altLang="zh-CN" sz="1800" dirty="0">
-              <a:latin typeface="微软雅黑 Light" panose="020B0502040204020203" pitchFamily="34" charset="-122"/>
-              <a:ea typeface="微软雅黑 Light" panose="020B0502040204020203" pitchFamily="34" charset="-122"/>
-            </a:endParaRPr>
-          </a:p>
-          <a:p>
-            <a:r>
-              <a:rPr lang="zh-CN" altLang="en-US" dirty="0"/>
-              <a:t>慎重对待闭包</a:t>
-            </a:r>
-            <a:endParaRPr lang="en-US" altLang="zh-CN" dirty="0"/>
-          </a:p>
-          <a:p>
-            <a:pPr marL="457200" lvl="1" indent="0">
-              <a:buNone/>
-            </a:pPr>
-            <a:r>
-              <a:rPr lang="zh-CN" altLang="en-US" sz="1800" dirty="0">
-                <a:latin typeface="微软雅黑 Light" panose="020B0502040204020203" pitchFamily="34" charset="-122"/>
-                <a:ea typeface="微软雅黑 Light" panose="020B0502040204020203" pitchFamily="34" charset="-122"/>
-              </a:rPr>
-              <a:t>状态的延续站在内存的肩膀上</a:t>
-            </a:r>
-          </a:p>
         </p:txBody>
       </p:sp>
     </p:spTree>
     <p:extLst>
       <p:ext uri="{BB962C8B-B14F-4D97-AF65-F5344CB8AC3E}">
-        <p14:creationId xmlns:p14="http://schemas.microsoft.com/office/powerpoint/2010/main" val="4131926382"/>
+        <p14:creationId xmlns:p14="http://schemas.microsoft.com/office/powerpoint/2010/main" val="1948017904"/>
       </p:ext>
     </p:extLst>
   </p:cSld>
@@ -4173,6 +4550,236 @@
           <a:p>
             <a:r>
               <a:rPr lang="zh-CN" altLang="en-US" dirty="0"/>
+              <a:t>最佳实践</a:t>
+            </a:r>
+            <a:r>
+              <a:rPr lang="en-US" altLang="zh-CN" dirty="0"/>
+              <a:t>/</a:t>
+            </a:r>
+            <a:r>
+              <a:rPr lang="zh-CN" altLang="en-US" dirty="0"/>
+              <a:t>其他</a:t>
+            </a:r>
+          </a:p>
+        </p:txBody>
+      </p:sp>
+      <p:sp>
+        <p:nvSpPr>
+          <p:cNvPr id="3" name="内容占位符 2"/>
+          <p:cNvSpPr>
+            <a:spLocks noGrp="1"/>
+          </p:cNvSpPr>
+          <p:nvPr>
+            <p:ph idx="1"/>
+          </p:nvPr>
+        </p:nvSpPr>
+        <p:spPr/>
+        <p:txBody>
+          <a:bodyPr>
+            <a:normAutofit/>
+          </a:bodyPr>
+          <a:lstStyle/>
+          <a:p>
+            <a:r>
+              <a:rPr lang="zh-CN" altLang="en-US" dirty="0"/>
+              <a:t>枚举类型不宜作为键使用</a:t>
+            </a:r>
+            <a:endParaRPr lang="en-US" altLang="zh-CN" dirty="0"/>
+          </a:p>
+          <a:p>
+            <a:pPr marL="457200" lvl="1" indent="0">
+              <a:buNone/>
+            </a:pPr>
+            <a:r>
+              <a:rPr lang="zh-CN" altLang="en-US" sz="1800" dirty="0">
+                <a:latin typeface="微软雅黑 Light" panose="020B0502040204020203" pitchFamily="34" charset="-122"/>
+                <a:ea typeface="微软雅黑 Light" panose="020B0502040204020203" pitchFamily="34" charset="-122"/>
+              </a:rPr>
+              <a:t>枚举是值类型，而且你无法重写它的</a:t>
+            </a:r>
+            <a:r>
+              <a:rPr lang="en-US" altLang="zh-CN" sz="1800" dirty="0" err="1">
+                <a:latin typeface="微软雅黑 Light" panose="020B0502040204020203" pitchFamily="34" charset="-122"/>
+                <a:ea typeface="微软雅黑 Light" panose="020B0502040204020203" pitchFamily="34" charset="-122"/>
+              </a:rPr>
+              <a:t>GetHashCode</a:t>
+            </a:r>
+            <a:r>
+              <a:rPr lang="zh-CN" altLang="en-US" sz="1800" dirty="0">
+                <a:latin typeface="微软雅黑 Light" panose="020B0502040204020203" pitchFamily="34" charset="-122"/>
+                <a:ea typeface="微软雅黑 Light" panose="020B0502040204020203" pitchFamily="34" charset="-122"/>
+              </a:rPr>
+              <a:t>方法</a:t>
+            </a:r>
+            <a:endParaRPr lang="en-US" altLang="zh-CN" sz="1800" dirty="0">
+              <a:latin typeface="微软雅黑 Light" panose="020B0502040204020203" pitchFamily="34" charset="-122"/>
+              <a:ea typeface="微软雅黑 Light" panose="020B0502040204020203" pitchFamily="34" charset="-122"/>
+            </a:endParaRPr>
+          </a:p>
+          <a:p>
+            <a:r>
+              <a:rPr lang="zh-CN" altLang="en-US" dirty="0"/>
+              <a:t>谨慎传递结构体</a:t>
+            </a:r>
+            <a:endParaRPr lang="en-US" altLang="zh-CN" dirty="0"/>
+          </a:p>
+          <a:p>
+            <a:pPr marL="457200" lvl="1" indent="0">
+              <a:buNone/>
+            </a:pPr>
+            <a:r>
+              <a:rPr lang="zh-CN" altLang="en-US" sz="1800" dirty="0">
+                <a:latin typeface="微软雅黑 Light" panose="020B0502040204020203" pitchFamily="34" charset="-122"/>
+                <a:ea typeface="微软雅黑 Light" panose="020B0502040204020203" pitchFamily="34" charset="-122"/>
+              </a:rPr>
+              <a:t>别忘了结构体是值类型哦。使用</a:t>
+            </a:r>
+            <a:r>
+              <a:rPr lang="en-US" altLang="zh-CN" sz="1800" dirty="0">
+                <a:latin typeface="微软雅黑 Light" panose="020B0502040204020203" pitchFamily="34" charset="-122"/>
+                <a:ea typeface="微软雅黑 Light" panose="020B0502040204020203" pitchFamily="34" charset="-122"/>
+              </a:rPr>
+              <a:t>ref</a:t>
+            </a:r>
+            <a:r>
+              <a:rPr lang="zh-CN" altLang="en-US" sz="1800" dirty="0">
+                <a:latin typeface="微软雅黑 Light" panose="020B0502040204020203" pitchFamily="34" charset="-122"/>
+                <a:ea typeface="微软雅黑 Light" panose="020B0502040204020203" pitchFamily="34" charset="-122"/>
+              </a:rPr>
+              <a:t>传递作为参数的结构体</a:t>
+            </a:r>
+            <a:endParaRPr lang="en-US" altLang="zh-CN" sz="1800" dirty="0">
+              <a:latin typeface="微软雅黑 Light" panose="020B0502040204020203" pitchFamily="34" charset="-122"/>
+              <a:ea typeface="微软雅黑 Light" panose="020B0502040204020203" pitchFamily="34" charset="-122"/>
+            </a:endParaRPr>
+          </a:p>
+          <a:p>
+            <a:r>
+              <a:rPr lang="zh-CN" altLang="en-US" dirty="0"/>
+              <a:t>使用枚举而非常量</a:t>
+            </a:r>
+            <a:endParaRPr lang="en-US" altLang="zh-CN" dirty="0"/>
+          </a:p>
+          <a:p>
+            <a:pPr marL="457200" lvl="1" indent="0">
+              <a:buNone/>
+            </a:pPr>
+            <a:r>
+              <a:rPr lang="zh-CN" altLang="en-US" sz="1800" dirty="0">
+                <a:latin typeface="微软雅黑 Light" panose="020B0502040204020203" pitchFamily="34" charset="-122"/>
+                <a:ea typeface="微软雅黑 Light" panose="020B0502040204020203" pitchFamily="34" charset="-122"/>
+              </a:rPr>
+              <a:t>枚举明确地指出了其内容的约束，且拥有更完备的工具支持</a:t>
+            </a:r>
+            <a:endParaRPr lang="en-US" altLang="zh-CN" sz="1800" dirty="0">
+              <a:latin typeface="微软雅黑 Light" panose="020B0502040204020203" pitchFamily="34" charset="-122"/>
+              <a:ea typeface="微软雅黑 Light" panose="020B0502040204020203" pitchFamily="34" charset="-122"/>
+            </a:endParaRPr>
+          </a:p>
+          <a:p>
+            <a:r>
+              <a:rPr lang="zh-CN" altLang="en-US" dirty="0"/>
+              <a:t>慎重对待闭包</a:t>
+            </a:r>
+            <a:endParaRPr lang="en-US" altLang="zh-CN" dirty="0"/>
+          </a:p>
+          <a:p>
+            <a:pPr marL="457200" lvl="1" indent="0">
+              <a:buNone/>
+            </a:pPr>
+            <a:r>
+              <a:rPr lang="zh-CN" altLang="en-US" sz="1800" dirty="0">
+                <a:latin typeface="微软雅黑 Light" panose="020B0502040204020203" pitchFamily="34" charset="-122"/>
+                <a:ea typeface="微软雅黑 Light" panose="020B0502040204020203" pitchFamily="34" charset="-122"/>
+              </a:rPr>
+              <a:t>状态的延续站在内存的肩膀上</a:t>
+            </a:r>
+            <a:endParaRPr lang="en-US" altLang="zh-CN" sz="1800" dirty="0">
+              <a:latin typeface="微软雅黑 Light" panose="020B0502040204020203" pitchFamily="34" charset="-122"/>
+              <a:ea typeface="微软雅黑 Light" panose="020B0502040204020203" pitchFamily="34" charset="-122"/>
+            </a:endParaRPr>
+          </a:p>
+          <a:p>
+            <a:r>
+              <a:rPr lang="zh-CN" altLang="en-US" dirty="0"/>
+              <a:t>编译重复使用的正则表达式</a:t>
+            </a:r>
+            <a:endParaRPr lang="en-US" altLang="zh-CN" dirty="0"/>
+          </a:p>
+          <a:p>
+            <a:pPr marL="457200" lvl="1" indent="0">
+              <a:buNone/>
+            </a:pPr>
+            <a:r>
+              <a:rPr lang="zh-CN" altLang="en-US" sz="1800" dirty="0">
+                <a:latin typeface="微软雅黑 Light" panose="020B0502040204020203" pitchFamily="34" charset="-122"/>
+                <a:ea typeface="微软雅黑 Light" panose="020B0502040204020203" pitchFamily="34" charset="-122"/>
+              </a:rPr>
+              <a:t>将字符串编译为自动机往往要比匹配消耗更多时间</a:t>
+            </a:r>
+            <a:endParaRPr lang="en-US" altLang="zh-CN" sz="1800" dirty="0">
+              <a:latin typeface="微软雅黑 Light" panose="020B0502040204020203" pitchFamily="34" charset="-122"/>
+              <a:ea typeface="微软雅黑 Light" panose="020B0502040204020203" pitchFamily="34" charset="-122"/>
+            </a:endParaRPr>
+          </a:p>
+          <a:p>
+            <a:pPr marL="457200" lvl="1" indent="0">
+              <a:buNone/>
+            </a:pPr>
+            <a:endParaRPr lang="zh-CN" altLang="en-US" sz="1800" dirty="0">
+              <a:latin typeface="微软雅黑 Light" panose="020B0502040204020203" pitchFamily="34" charset="-122"/>
+              <a:ea typeface="微软雅黑 Light" panose="020B0502040204020203" pitchFamily="34" charset="-122"/>
+            </a:endParaRPr>
+          </a:p>
+        </p:txBody>
+      </p:sp>
+    </p:spTree>
+    <p:extLst>
+      <p:ext uri="{BB962C8B-B14F-4D97-AF65-F5344CB8AC3E}">
+        <p14:creationId xmlns:p14="http://schemas.microsoft.com/office/powerpoint/2010/main" val="4131926382"/>
+      </p:ext>
+    </p:extLst>
+  </p:cSld>
+  <p:clrMapOvr>
+    <a:masterClrMapping/>
+  </p:clrMapOvr>
+</p:sld>
+</file>
+
+<file path=ppt/slides/slide18.xml><?xml version="1.0" encoding="utf-8"?>
+<p:sld xmlns:a="http://schemas.openxmlformats.org/drawingml/2006/main" xmlns:r="http://schemas.openxmlformats.org/officeDocument/2006/relationships" xmlns:p="http://schemas.openxmlformats.org/presentationml/2006/main">
+  <p:cSld>
+    <p:spTree>
+      <p:nvGrpSpPr>
+        <p:cNvPr id="1" name=""/>
+        <p:cNvGrpSpPr/>
+        <p:nvPr/>
+      </p:nvGrpSpPr>
+      <p:grpSpPr>
+        <a:xfrm>
+          <a:off x="0" y="0"/>
+          <a:ext cx="0" cy="0"/>
+          <a:chOff x="0" y="0"/>
+          <a:chExt cx="0" cy="0"/>
+        </a:xfrm>
+      </p:grpSpPr>
+      <p:sp>
+        <p:nvSpPr>
+          <p:cNvPr id="2" name="标题 1"/>
+          <p:cNvSpPr>
+            <a:spLocks noGrp="1"/>
+          </p:cNvSpPr>
+          <p:nvPr>
+            <p:ph type="title"/>
+          </p:nvPr>
+        </p:nvSpPr>
+        <p:spPr/>
+        <p:txBody>
+          <a:bodyPr/>
+          <a:lstStyle/>
+          <a:p>
+            <a:r>
+              <a:rPr lang="zh-CN" altLang="en-US" dirty="0"/>
               <a:t>书籍</a:t>
             </a:r>
           </a:p>
@@ -4387,7 +4994,7 @@
 </p:sld>
 </file>
 
-<file path=ppt/slides/slide18.xml><?xml version="1.0" encoding="utf-8"?>
+<file path=ppt/slides/slide19.xml><?xml version="1.0" encoding="utf-8"?>
 <p:sld xmlns:a="http://schemas.openxmlformats.org/drawingml/2006/main" xmlns:r="http://schemas.openxmlformats.org/officeDocument/2006/relationships" xmlns:p="http://schemas.openxmlformats.org/presentationml/2006/main">
   <p:cSld>
     <p:spTree>

--- a/pptx.pptx.pptx
+++ b/pptx.pptx.pptx
@@ -137,6 +137,12 @@
             <p14:sldId id="259"/>
           </p14:sldIdLst>
         </p14:section>
+        <p14:section name="基本概念" id="{47CE2733-6465-4CD2-8CED-CF5B96FB5CE4}">
+          <p14:sldIdLst/>
+        </p14:section>
+        <p14:section name="编码规范" id="{42D523BC-DB75-4AD9-848D-13BB52FBE842}">
+          <p14:sldIdLst/>
+        </p14:section>
         <p14:section name="结构" id="{E16B2259-F403-4B6F-B37A-B9770CF75B65}">
           <p14:sldIdLst>
             <p14:sldId id="260"/>
@@ -310,7 +316,7 @@
           <a:p>
             <a:fld id="{F5BED939-13DD-4AA3-8741-D30EB9E98506}" type="datetimeFigureOut">
               <a:rPr lang="zh-CN" altLang="en-US" smtClean="0"/>
-              <a:t>2016/9/8</a:t>
+              <a:t>2016/9/19</a:t>
             </a:fld>
             <a:endParaRPr lang="zh-CN" altLang="en-US"/>
           </a:p>
@@ -478,7 +484,7 @@
           <a:p>
             <a:fld id="{F5BED939-13DD-4AA3-8741-D30EB9E98506}" type="datetimeFigureOut">
               <a:rPr lang="zh-CN" altLang="en-US" smtClean="0"/>
-              <a:t>2016/9/8</a:t>
+              <a:t>2016/9/19</a:t>
             </a:fld>
             <a:endParaRPr lang="zh-CN" altLang="en-US"/>
           </a:p>
@@ -656,7 +662,7 @@
           <a:p>
             <a:fld id="{F5BED939-13DD-4AA3-8741-D30EB9E98506}" type="datetimeFigureOut">
               <a:rPr lang="zh-CN" altLang="en-US" smtClean="0"/>
-              <a:t>2016/9/8</a:t>
+              <a:t>2016/9/19</a:t>
             </a:fld>
             <a:endParaRPr lang="zh-CN" altLang="en-US"/>
           </a:p>
@@ -824,7 +830,7 @@
           <a:p>
             <a:fld id="{F5BED939-13DD-4AA3-8741-D30EB9E98506}" type="datetimeFigureOut">
               <a:rPr lang="zh-CN" altLang="en-US" smtClean="0"/>
-              <a:t>2016/9/8</a:t>
+              <a:t>2016/9/19</a:t>
             </a:fld>
             <a:endParaRPr lang="zh-CN" altLang="en-US"/>
           </a:p>
@@ -1069,7 +1075,7 @@
           <a:p>
             <a:fld id="{F5BED939-13DD-4AA3-8741-D30EB9E98506}" type="datetimeFigureOut">
               <a:rPr lang="zh-CN" altLang="en-US" smtClean="0"/>
-              <a:t>2016/9/8</a:t>
+              <a:t>2016/9/19</a:t>
             </a:fld>
             <a:endParaRPr lang="zh-CN" altLang="en-US"/>
           </a:p>
@@ -1298,7 +1304,7 @@
           <a:p>
             <a:fld id="{F5BED939-13DD-4AA3-8741-D30EB9E98506}" type="datetimeFigureOut">
               <a:rPr lang="zh-CN" altLang="en-US" smtClean="0"/>
-              <a:t>2016/9/8</a:t>
+              <a:t>2016/9/19</a:t>
             </a:fld>
             <a:endParaRPr lang="zh-CN" altLang="en-US"/>
           </a:p>
@@ -1662,7 +1668,7 @@
           <a:p>
             <a:fld id="{F5BED939-13DD-4AA3-8741-D30EB9E98506}" type="datetimeFigureOut">
               <a:rPr lang="zh-CN" altLang="en-US" smtClean="0"/>
-              <a:t>2016/9/8</a:t>
+              <a:t>2016/9/19</a:t>
             </a:fld>
             <a:endParaRPr lang="zh-CN" altLang="en-US"/>
           </a:p>
@@ -1779,7 +1785,7 @@
           <a:p>
             <a:fld id="{F5BED939-13DD-4AA3-8741-D30EB9E98506}" type="datetimeFigureOut">
               <a:rPr lang="zh-CN" altLang="en-US" smtClean="0"/>
-              <a:t>2016/9/8</a:t>
+              <a:t>2016/9/19</a:t>
             </a:fld>
             <a:endParaRPr lang="zh-CN" altLang="en-US"/>
           </a:p>
@@ -1874,7 +1880,7 @@
           <a:p>
             <a:fld id="{F5BED939-13DD-4AA3-8741-D30EB9E98506}" type="datetimeFigureOut">
               <a:rPr lang="zh-CN" altLang="en-US" smtClean="0"/>
-              <a:t>2016/9/8</a:t>
+              <a:t>2016/9/19</a:t>
             </a:fld>
             <a:endParaRPr lang="zh-CN" altLang="en-US"/>
           </a:p>
@@ -2149,7 +2155,7 @@
           <a:p>
             <a:fld id="{F5BED939-13DD-4AA3-8741-D30EB9E98506}" type="datetimeFigureOut">
               <a:rPr lang="zh-CN" altLang="en-US" smtClean="0"/>
-              <a:t>2016/9/8</a:t>
+              <a:t>2016/9/19</a:t>
             </a:fld>
             <a:endParaRPr lang="zh-CN" altLang="en-US"/>
           </a:p>
@@ -2401,7 +2407,7 @@
           <a:p>
             <a:fld id="{F5BED939-13DD-4AA3-8741-D30EB9E98506}" type="datetimeFigureOut">
               <a:rPr lang="zh-CN" altLang="en-US" smtClean="0"/>
-              <a:t>2016/9/8</a:t>
+              <a:t>2016/9/19</a:t>
             </a:fld>
             <a:endParaRPr lang="zh-CN" altLang="en-US"/>
           </a:p>
@@ -2612,7 +2618,7 @@
           <a:p>
             <a:fld id="{F5BED939-13DD-4AA3-8741-D30EB9E98506}" type="datetimeFigureOut">
               <a:rPr lang="zh-CN" altLang="en-US" smtClean="0"/>
-              <a:t>2016/9/8</a:t>
+              <a:t>2016/9/19</a:t>
             </a:fld>
             <a:endParaRPr lang="zh-CN" altLang="en-US"/>
           </a:p>
@@ -5203,9 +5209,16 @@
             <p:ph type="title"/>
           </p:nvPr>
         </p:nvSpPr>
-        <p:spPr/>
-        <p:txBody>
-          <a:bodyPr/>
+        <p:spPr>
+          <a:xfrm>
+            <a:off x="6904022" y="189569"/>
+            <a:ext cx="5127031" cy="1676603"/>
+          </a:xfrm>
+        </p:spPr>
+        <p:txBody>
+          <a:bodyPr>
+            <a:normAutofit/>
+          </a:bodyPr>
           <a:lstStyle/>
           <a:p>
             <a:r>
@@ -5229,9 +5242,16 @@
             <p:ph idx="1"/>
           </p:nvPr>
         </p:nvSpPr>
-        <p:spPr/>
-        <p:txBody>
-          <a:bodyPr/>
+        <p:spPr>
+          <a:xfrm>
+            <a:off x="6904022" y="1631074"/>
+            <a:ext cx="5127029" cy="3785419"/>
+          </a:xfrm>
+        </p:spPr>
+        <p:txBody>
+          <a:bodyPr>
+            <a:normAutofit/>
+          </a:bodyPr>
           <a:lstStyle/>
           <a:p>
             <a:r>
@@ -5244,6 +5264,20 @@
             </a:r>
           </a:p>
           <a:p>
+            <a:pPr marL="457200" lvl="1" indent="0">
+              <a:buNone/>
+            </a:pPr>
+            <a:r>
+              <a:rPr lang="zh-CN" altLang="en-US" sz="1600" dirty="0">
+                <a:latin typeface="+mn-ea"/>
+              </a:rPr>
+              <a:t>微软建立与维护。最完备且广泛使用的平台</a:t>
+            </a:r>
+            <a:endParaRPr lang="en-US" altLang="zh-CN" sz="1600" dirty="0">
+              <a:latin typeface="+mn-ea"/>
+            </a:endParaRPr>
+          </a:p>
+          <a:p>
             <a:r>
               <a:rPr lang="en-US" altLang="zh-CN" dirty="0" err="1"/>
               <a:t>CoreCLR</a:t>
@@ -5251,12 +5285,68 @@
             <a:endParaRPr lang="en-US" altLang="zh-CN" dirty="0"/>
           </a:p>
           <a:p>
+            <a:pPr marL="457200" lvl="1" indent="0">
+              <a:buNone/>
+            </a:pPr>
+            <a:r>
+              <a:rPr lang="zh-CN" altLang="en-US" sz="1600" dirty="0"/>
+              <a:t>微软</a:t>
+            </a:r>
+            <a:r>
+              <a:rPr lang="en-US" altLang="zh-CN" sz="1600" dirty="0" err="1"/>
+              <a:t>.Net</a:t>
+            </a:r>
+            <a:r>
+              <a:rPr lang="zh-CN" altLang="en-US" sz="1600" dirty="0"/>
+              <a:t>的开源版本。主要由微软维护</a:t>
+            </a:r>
+            <a:endParaRPr lang="en-US" altLang="zh-CN" sz="1600" dirty="0"/>
+          </a:p>
+          <a:p>
             <a:r>
               <a:rPr lang="en-US" altLang="zh-CN" dirty="0"/>
               <a:t>Mono</a:t>
             </a:r>
           </a:p>
           <a:p>
+            <a:pPr marL="457200" lvl="1" indent="0">
+              <a:buNone/>
+            </a:pPr>
+            <a:r>
+              <a:rPr lang="en-US" altLang="zh-CN" sz="1600" dirty="0" err="1"/>
+              <a:t>Ximian</a:t>
+            </a:r>
+            <a:r>
+              <a:rPr lang="zh-CN" altLang="en-US" sz="1600" dirty="0"/>
+              <a:t>建立，后随该公司加入</a:t>
+            </a:r>
+            <a:r>
+              <a:rPr lang="en-US" altLang="zh-CN" sz="1600" dirty="0"/>
+              <a:t>Novell</a:t>
+            </a:r>
+            <a:r>
+              <a:rPr lang="zh-CN" altLang="en-US" sz="1600" dirty="0"/>
+              <a:t>。</a:t>
+            </a:r>
+            <a:r>
+              <a:rPr lang="en-US" altLang="zh-CN" sz="1600" dirty="0"/>
+              <a:t>Novell</a:t>
+            </a:r>
+            <a:r>
+              <a:rPr lang="zh-CN" altLang="en-US" sz="1600" dirty="0"/>
+              <a:t>被收购后由</a:t>
+            </a:r>
+            <a:r>
+              <a:rPr lang="en-US" altLang="zh-CN" sz="1600" dirty="0" err="1"/>
+              <a:t>Xamarin</a:t>
+            </a:r>
+            <a:r>
+              <a:rPr lang="zh-CN" altLang="en-US" sz="1600" dirty="0"/>
+              <a:t>维护</a:t>
+            </a:r>
+            <a:endParaRPr lang="en-US" altLang="zh-CN" sz="1600" dirty="0"/>
+          </a:p>
+          <a:p>
             <a:r>
               <a:rPr lang="en-US" altLang="zh-CN" dirty="0"/>
               <a:t>Mono(Unity3D)</a:t>
@@ -5271,6 +5361,36 @@
           </a:p>
         </p:txBody>
       </p:sp>
+      <p:pic>
+        <p:nvPicPr>
+          <p:cNvPr id="9" name="图片 8"/>
+          <p:cNvPicPr>
+            <a:picLocks noChangeAspect="1"/>
+          </p:cNvPicPr>
+          <p:nvPr/>
+        </p:nvPicPr>
+        <p:blipFill>
+          <a:blip r:embed="rId2">
+            <a:extLst>
+              <a:ext uri="{28A0092B-C50C-407E-A947-70E740481C1C}">
+                <a14:useLocalDpi xmlns:a14="http://schemas.microsoft.com/office/drawing/2010/main" val="0"/>
+              </a:ext>
+            </a:extLst>
+          </a:blip>
+          <a:stretch>
+            <a:fillRect/>
+          </a:stretch>
+        </p:blipFill>
+        <p:spPr>
+          <a:xfrm>
+            <a:off x="-72296" y="189569"/>
+            <a:ext cx="6887536" cy="6668431"/>
+          </a:xfrm>
+          <a:prstGeom prst="rect">
+            <a:avLst/>
+          </a:prstGeom>
+        </p:spPr>
+      </p:pic>
     </p:spTree>
     <p:extLst>
       <p:ext uri="{BB962C8B-B14F-4D97-AF65-F5344CB8AC3E}">
@@ -5337,14 +5457,14 @@
             <p:ph idx="1"/>
             <p:extLst>
               <p:ext uri="{D42A27DB-BD31-4B8C-83A1-F6EECF244321}">
-                <p14:modId xmlns:p14="http://schemas.microsoft.com/office/powerpoint/2010/main" val="1494623527"/>
+                <p14:modId xmlns:p14="http://schemas.microsoft.com/office/powerpoint/2010/main" val="2378507083"/>
               </p:ext>
             </p:extLst>
           </p:nvPr>
         </p:nvGraphicFramePr>
         <p:xfrm>
           <a:off x="838200" y="2126774"/>
-          <a:ext cx="10515600" cy="3474720"/>
+          <a:ext cx="10515600" cy="3749040"/>
         </p:xfrm>
         <a:graphic>
           <a:graphicData uri="http://schemas.openxmlformats.org/drawingml/2006/table">
@@ -5511,20 +5631,14 @@
                     <a:p>
                       <a:pPr algn="ctr"/>
                       <a:r>
-                        <a:rPr lang="en-US" dirty="0" err="1">
+                        <a:rPr lang="en-US" dirty="0">
                           <a:solidFill>
                             <a:schemeClr val="tx1"/>
                           </a:solidFill>
                           <a:effectLst/>
                         </a:rPr>
-                        <a:t>RyuJITMono</a:t>
+                        <a:t>Mono</a:t>
                       </a:r>
-                      <a:endParaRPr lang="en-US" dirty="0">
-                        <a:solidFill>
-                          <a:schemeClr val="tx1"/>
-                        </a:solidFill>
-                        <a:effectLst/>
-                      </a:endParaRPr>
                     </a:p>
                   </a:txBody>
                   <a:tcPr anchor="ctr">
@@ -5637,6 +5751,21 @@
                         </a:rPr>
                         <a:t>Mono AOT</a:t>
                       </a:r>
+                      <a:r>
+                        <a:rPr lang="en-US" altLang="zh-CN" dirty="0">
+                          <a:solidFill>
+                            <a:schemeClr val="tx1"/>
+                          </a:solidFill>
+                          <a:effectLst/>
+                        </a:rPr>
+                        <a:t>(U3D)</a:t>
+                      </a:r>
+                      <a:endParaRPr lang="en-US" dirty="0">
+                        <a:solidFill>
+                          <a:schemeClr val="tx1"/>
+                        </a:solidFill>
+                        <a:effectLst/>
+                      </a:endParaRPr>
                     </a:p>
                   </a:txBody>
                   <a:tcPr anchor="ctr">

--- a/pptx.pptx.pptx
+++ b/pptx.pptx.pptx
@@ -4,26 +4,36 @@
   <p:sldMasterIdLst>
     <p:sldMasterId id="2147483648" r:id="rId1"/>
   </p:sldMasterIdLst>
+  <p:notesMasterIdLst>
+    <p:notesMasterId r:id="rId28"/>
+  </p:notesMasterIdLst>
   <p:sldIdLst>
     <p:sldId id="256" r:id="rId2"/>
     <p:sldId id="257" r:id="rId3"/>
     <p:sldId id="258" r:id="rId4"/>
     <p:sldId id="259" r:id="rId5"/>
-    <p:sldId id="260" r:id="rId6"/>
-    <p:sldId id="261" r:id="rId7"/>
-    <p:sldId id="262" r:id="rId8"/>
-    <p:sldId id="263" r:id="rId9"/>
-    <p:sldId id="264" r:id="rId10"/>
-    <p:sldId id="265" r:id="rId11"/>
-    <p:sldId id="266" r:id="rId12"/>
-    <p:sldId id="267" r:id="rId13"/>
-    <p:sldId id="268" r:id="rId14"/>
-    <p:sldId id="269" r:id="rId15"/>
-    <p:sldId id="274" r:id="rId16"/>
-    <p:sldId id="270" r:id="rId17"/>
-    <p:sldId id="271" r:id="rId18"/>
-    <p:sldId id="272" r:id="rId19"/>
-    <p:sldId id="273" r:id="rId20"/>
+    <p:sldId id="275" r:id="rId6"/>
+    <p:sldId id="276" r:id="rId7"/>
+    <p:sldId id="278" r:id="rId8"/>
+    <p:sldId id="279" r:id="rId9"/>
+    <p:sldId id="280" r:id="rId10"/>
+    <p:sldId id="281" r:id="rId11"/>
+    <p:sldId id="277" r:id="rId12"/>
+    <p:sldId id="260" r:id="rId13"/>
+    <p:sldId id="261" r:id="rId14"/>
+    <p:sldId id="262" r:id="rId15"/>
+    <p:sldId id="263" r:id="rId16"/>
+    <p:sldId id="264" r:id="rId17"/>
+    <p:sldId id="265" r:id="rId18"/>
+    <p:sldId id="266" r:id="rId19"/>
+    <p:sldId id="267" r:id="rId20"/>
+    <p:sldId id="268" r:id="rId21"/>
+    <p:sldId id="269" r:id="rId22"/>
+    <p:sldId id="274" r:id="rId23"/>
+    <p:sldId id="270" r:id="rId24"/>
+    <p:sldId id="271" r:id="rId25"/>
+    <p:sldId id="272" r:id="rId26"/>
+    <p:sldId id="273" r:id="rId27"/>
   </p:sldIdLst>
   <p:sldSz cx="12192000" cy="6858000"/>
   <p:notesSz cx="6858000" cy="9144000"/>
@@ -137,6 +147,17 @@
             <p14:sldId id="259"/>
           </p14:sldIdLst>
         </p14:section>
+        <p14:section name="命名规范" id="{DF294713-6FD4-4AB9-A12E-4294B645FAE9}">
+          <p14:sldIdLst>
+            <p14:sldId id="275"/>
+            <p14:sldId id="276"/>
+            <p14:sldId id="278"/>
+            <p14:sldId id="279"/>
+            <p14:sldId id="280"/>
+            <p14:sldId id="281"/>
+            <p14:sldId id="277"/>
+          </p14:sldIdLst>
+        </p14:section>
         <p14:section name="结构" id="{E16B2259-F403-4B6F-B37A-B9770CF75B65}">
           <p14:sldIdLst>
             <p14:sldId id="260"/>
@@ -181,6 +202,439 @@
 </p:presentation>
 </file>
 
+<file path=ppt/notesMasters/notesMaster1.xml><?xml version="1.0" encoding="utf-8"?>
+<p:notesMaster xmlns:a="http://schemas.openxmlformats.org/drawingml/2006/main" xmlns:r="http://schemas.openxmlformats.org/officeDocument/2006/relationships" xmlns:p="http://schemas.openxmlformats.org/presentationml/2006/main">
+  <p:cSld>
+    <p:bg>
+      <p:bgRef idx="1001">
+        <a:schemeClr val="bg1"/>
+      </p:bgRef>
+    </p:bg>
+    <p:spTree>
+      <p:nvGrpSpPr>
+        <p:cNvPr id="1" name=""/>
+        <p:cNvGrpSpPr/>
+        <p:nvPr/>
+      </p:nvGrpSpPr>
+      <p:grpSpPr>
+        <a:xfrm>
+          <a:off x="0" y="0"/>
+          <a:ext cx="0" cy="0"/>
+          <a:chOff x="0" y="0"/>
+          <a:chExt cx="0" cy="0"/>
+        </a:xfrm>
+      </p:grpSpPr>
+      <p:sp>
+        <p:nvSpPr>
+          <p:cNvPr id="2" name="页眉占位符 1"/>
+          <p:cNvSpPr>
+            <a:spLocks noGrp="1"/>
+          </p:cNvSpPr>
+          <p:nvPr>
+            <p:ph type="hdr" sz="quarter"/>
+          </p:nvPr>
+        </p:nvSpPr>
+        <p:spPr>
+          <a:xfrm>
+            <a:off x="0" y="0"/>
+            <a:ext cx="2971800" cy="458788"/>
+          </a:xfrm>
+          <a:prstGeom prst="rect">
+            <a:avLst/>
+          </a:prstGeom>
+        </p:spPr>
+        <p:txBody>
+          <a:bodyPr vert="horz" lIns="91440" tIns="45720" rIns="91440" bIns="45720" rtlCol="0"/>
+          <a:lstStyle>
+            <a:lvl1pPr algn="l">
+              <a:defRPr sz="1200"/>
+            </a:lvl1pPr>
+          </a:lstStyle>
+          <a:p>
+            <a:endParaRPr lang="zh-CN" altLang="en-US"/>
+          </a:p>
+        </p:txBody>
+      </p:sp>
+      <p:sp>
+        <p:nvSpPr>
+          <p:cNvPr id="3" name="日期占位符 2"/>
+          <p:cNvSpPr>
+            <a:spLocks noGrp="1"/>
+          </p:cNvSpPr>
+          <p:nvPr>
+            <p:ph type="dt" idx="1"/>
+          </p:nvPr>
+        </p:nvSpPr>
+        <p:spPr>
+          <a:xfrm>
+            <a:off x="3884613" y="0"/>
+            <a:ext cx="2971800" cy="458788"/>
+          </a:xfrm>
+          <a:prstGeom prst="rect">
+            <a:avLst/>
+          </a:prstGeom>
+        </p:spPr>
+        <p:txBody>
+          <a:bodyPr vert="horz" lIns="91440" tIns="45720" rIns="91440" bIns="45720" rtlCol="0"/>
+          <a:lstStyle>
+            <a:lvl1pPr algn="r">
+              <a:defRPr sz="1200"/>
+            </a:lvl1pPr>
+          </a:lstStyle>
+          <a:p>
+            <a:fld id="{787CFDA2-43D6-4C3F-A27B-9445F04E9B0D}" type="datetimeFigureOut">
+              <a:rPr lang="zh-CN" altLang="en-US" smtClean="0"/>
+              <a:t>2016/9/20</a:t>
+            </a:fld>
+            <a:endParaRPr lang="zh-CN" altLang="en-US"/>
+          </a:p>
+        </p:txBody>
+      </p:sp>
+      <p:sp>
+        <p:nvSpPr>
+          <p:cNvPr id="4" name="幻灯片图像占位符 3"/>
+          <p:cNvSpPr>
+            <a:spLocks noGrp="1" noRot="1" noChangeAspect="1"/>
+          </p:cNvSpPr>
+          <p:nvPr>
+            <p:ph type="sldImg" idx="2"/>
+          </p:nvPr>
+        </p:nvSpPr>
+        <p:spPr>
+          <a:xfrm>
+            <a:off x="685800" y="1143000"/>
+            <a:ext cx="5486400" cy="3086100"/>
+          </a:xfrm>
+          <a:prstGeom prst="rect">
+            <a:avLst/>
+          </a:prstGeom>
+          <a:noFill/>
+          <a:ln w="12700">
+            <a:solidFill>
+              <a:prstClr val="black"/>
+            </a:solidFill>
+          </a:ln>
+        </p:spPr>
+        <p:txBody>
+          <a:bodyPr vert="horz" lIns="91440" tIns="45720" rIns="91440" bIns="45720" rtlCol="0" anchor="ctr"/>
+          <a:lstStyle/>
+          <a:p>
+            <a:endParaRPr lang="zh-CN" altLang="en-US"/>
+          </a:p>
+        </p:txBody>
+      </p:sp>
+      <p:sp>
+        <p:nvSpPr>
+          <p:cNvPr id="5" name="备注占位符 4"/>
+          <p:cNvSpPr>
+            <a:spLocks noGrp="1"/>
+          </p:cNvSpPr>
+          <p:nvPr>
+            <p:ph type="body" sz="quarter" idx="3"/>
+          </p:nvPr>
+        </p:nvSpPr>
+        <p:spPr>
+          <a:xfrm>
+            <a:off x="685800" y="4400550"/>
+            <a:ext cx="5486400" cy="3600450"/>
+          </a:xfrm>
+          <a:prstGeom prst="rect">
+            <a:avLst/>
+          </a:prstGeom>
+        </p:spPr>
+        <p:txBody>
+          <a:bodyPr vert="horz" lIns="91440" tIns="45720" rIns="91440" bIns="45720" rtlCol="0"/>
+          <a:lstStyle/>
+          <a:p>
+            <a:pPr lvl="0"/>
+            <a:r>
+              <a:rPr lang="zh-CN" altLang="en-US"/>
+              <a:t>编辑母版文本样式</a:t>
+            </a:r>
+          </a:p>
+          <a:p>
+            <a:pPr lvl="1"/>
+            <a:r>
+              <a:rPr lang="zh-CN" altLang="en-US"/>
+              <a:t>第二级</a:t>
+            </a:r>
+          </a:p>
+          <a:p>
+            <a:pPr lvl="2"/>
+            <a:r>
+              <a:rPr lang="zh-CN" altLang="en-US"/>
+              <a:t>第三级</a:t>
+            </a:r>
+          </a:p>
+          <a:p>
+            <a:pPr lvl="3"/>
+            <a:r>
+              <a:rPr lang="zh-CN" altLang="en-US"/>
+              <a:t>第四级</a:t>
+            </a:r>
+          </a:p>
+          <a:p>
+            <a:pPr lvl="4"/>
+            <a:r>
+              <a:rPr lang="zh-CN" altLang="en-US"/>
+              <a:t>第五级</a:t>
+            </a:r>
+          </a:p>
+        </p:txBody>
+      </p:sp>
+      <p:sp>
+        <p:nvSpPr>
+          <p:cNvPr id="6" name="页脚占位符 5"/>
+          <p:cNvSpPr>
+            <a:spLocks noGrp="1"/>
+          </p:cNvSpPr>
+          <p:nvPr>
+            <p:ph type="ftr" sz="quarter" idx="4"/>
+          </p:nvPr>
+        </p:nvSpPr>
+        <p:spPr>
+          <a:xfrm>
+            <a:off x="0" y="8685213"/>
+            <a:ext cx="2971800" cy="458787"/>
+          </a:xfrm>
+          <a:prstGeom prst="rect">
+            <a:avLst/>
+          </a:prstGeom>
+        </p:spPr>
+        <p:txBody>
+          <a:bodyPr vert="horz" lIns="91440" tIns="45720" rIns="91440" bIns="45720" rtlCol="0" anchor="b"/>
+          <a:lstStyle>
+            <a:lvl1pPr algn="l">
+              <a:defRPr sz="1200"/>
+            </a:lvl1pPr>
+          </a:lstStyle>
+          <a:p>
+            <a:endParaRPr lang="zh-CN" altLang="en-US"/>
+          </a:p>
+        </p:txBody>
+      </p:sp>
+      <p:sp>
+        <p:nvSpPr>
+          <p:cNvPr id="7" name="灯片编号占位符 6"/>
+          <p:cNvSpPr>
+            <a:spLocks noGrp="1"/>
+          </p:cNvSpPr>
+          <p:nvPr>
+            <p:ph type="sldNum" sz="quarter" idx="5"/>
+          </p:nvPr>
+        </p:nvSpPr>
+        <p:spPr>
+          <a:xfrm>
+            <a:off x="3884613" y="8685213"/>
+            <a:ext cx="2971800" cy="458787"/>
+          </a:xfrm>
+          <a:prstGeom prst="rect">
+            <a:avLst/>
+          </a:prstGeom>
+        </p:spPr>
+        <p:txBody>
+          <a:bodyPr vert="horz" lIns="91440" tIns="45720" rIns="91440" bIns="45720" rtlCol="0" anchor="b"/>
+          <a:lstStyle>
+            <a:lvl1pPr algn="r">
+              <a:defRPr sz="1200"/>
+            </a:lvl1pPr>
+          </a:lstStyle>
+          <a:p>
+            <a:fld id="{8C1940B5-7346-44F5-8771-71152460ED65}" type="slidenum">
+              <a:rPr lang="zh-CN" altLang="en-US" smtClean="0"/>
+              <a:t>‹#›</a:t>
+            </a:fld>
+            <a:endParaRPr lang="zh-CN" altLang="en-US"/>
+          </a:p>
+        </p:txBody>
+      </p:sp>
+    </p:spTree>
+    <p:extLst>
+      <p:ext uri="{BB962C8B-B14F-4D97-AF65-F5344CB8AC3E}">
+        <p14:creationId xmlns:p14="http://schemas.microsoft.com/office/powerpoint/2010/main" val="3474777913"/>
+      </p:ext>
+    </p:extLst>
+  </p:cSld>
+  <p:clrMap bg1="lt1" tx1="dk1" bg2="lt2" tx2="dk2" accent1="accent1" accent2="accent2" accent3="accent3" accent4="accent4" accent5="accent5" accent6="accent6" hlink="hlink" folHlink="folHlink"/>
+  <p:notesStyle>
+    <a:lvl1pPr marL="0" algn="l" defTabSz="914400" rtl="0" eaLnBrk="1" latinLnBrk="0" hangingPunct="1">
+      <a:defRPr sz="1200" kern="1200">
+        <a:solidFill>
+          <a:schemeClr val="tx1"/>
+        </a:solidFill>
+        <a:latin typeface="+mn-lt"/>
+        <a:ea typeface="+mn-ea"/>
+        <a:cs typeface="+mn-cs"/>
+      </a:defRPr>
+    </a:lvl1pPr>
+    <a:lvl2pPr marL="457200" algn="l" defTabSz="914400" rtl="0" eaLnBrk="1" latinLnBrk="0" hangingPunct="1">
+      <a:defRPr sz="1200" kern="1200">
+        <a:solidFill>
+          <a:schemeClr val="tx1"/>
+        </a:solidFill>
+        <a:latin typeface="+mn-lt"/>
+        <a:ea typeface="+mn-ea"/>
+        <a:cs typeface="+mn-cs"/>
+      </a:defRPr>
+    </a:lvl2pPr>
+    <a:lvl3pPr marL="914400" algn="l" defTabSz="914400" rtl="0" eaLnBrk="1" latinLnBrk="0" hangingPunct="1">
+      <a:defRPr sz="1200" kern="1200">
+        <a:solidFill>
+          <a:schemeClr val="tx1"/>
+        </a:solidFill>
+        <a:latin typeface="+mn-lt"/>
+        <a:ea typeface="+mn-ea"/>
+        <a:cs typeface="+mn-cs"/>
+      </a:defRPr>
+    </a:lvl3pPr>
+    <a:lvl4pPr marL="1371600" algn="l" defTabSz="914400" rtl="0" eaLnBrk="1" latinLnBrk="0" hangingPunct="1">
+      <a:defRPr sz="1200" kern="1200">
+        <a:solidFill>
+          <a:schemeClr val="tx1"/>
+        </a:solidFill>
+        <a:latin typeface="+mn-lt"/>
+        <a:ea typeface="+mn-ea"/>
+        <a:cs typeface="+mn-cs"/>
+      </a:defRPr>
+    </a:lvl4pPr>
+    <a:lvl5pPr marL="1828800" algn="l" defTabSz="914400" rtl="0" eaLnBrk="1" latinLnBrk="0" hangingPunct="1">
+      <a:defRPr sz="1200" kern="1200">
+        <a:solidFill>
+          <a:schemeClr val="tx1"/>
+        </a:solidFill>
+        <a:latin typeface="+mn-lt"/>
+        <a:ea typeface="+mn-ea"/>
+        <a:cs typeface="+mn-cs"/>
+      </a:defRPr>
+    </a:lvl5pPr>
+    <a:lvl6pPr marL="2286000" algn="l" defTabSz="914400" rtl="0" eaLnBrk="1" latinLnBrk="0" hangingPunct="1">
+      <a:defRPr sz="1200" kern="1200">
+        <a:solidFill>
+          <a:schemeClr val="tx1"/>
+        </a:solidFill>
+        <a:latin typeface="+mn-lt"/>
+        <a:ea typeface="+mn-ea"/>
+        <a:cs typeface="+mn-cs"/>
+      </a:defRPr>
+    </a:lvl6pPr>
+    <a:lvl7pPr marL="2743200" algn="l" defTabSz="914400" rtl="0" eaLnBrk="1" latinLnBrk="0" hangingPunct="1">
+      <a:defRPr sz="1200" kern="1200">
+        <a:solidFill>
+          <a:schemeClr val="tx1"/>
+        </a:solidFill>
+        <a:latin typeface="+mn-lt"/>
+        <a:ea typeface="+mn-ea"/>
+        <a:cs typeface="+mn-cs"/>
+      </a:defRPr>
+    </a:lvl7pPr>
+    <a:lvl8pPr marL="3200400" algn="l" defTabSz="914400" rtl="0" eaLnBrk="1" latinLnBrk="0" hangingPunct="1">
+      <a:defRPr sz="1200" kern="1200">
+        <a:solidFill>
+          <a:schemeClr val="tx1"/>
+        </a:solidFill>
+        <a:latin typeface="+mn-lt"/>
+        <a:ea typeface="+mn-ea"/>
+        <a:cs typeface="+mn-cs"/>
+      </a:defRPr>
+    </a:lvl8pPr>
+    <a:lvl9pPr marL="3657600" algn="l" defTabSz="914400" rtl="0" eaLnBrk="1" latinLnBrk="0" hangingPunct="1">
+      <a:defRPr sz="1200" kern="1200">
+        <a:solidFill>
+          <a:schemeClr val="tx1"/>
+        </a:solidFill>
+        <a:latin typeface="+mn-lt"/>
+        <a:ea typeface="+mn-ea"/>
+        <a:cs typeface="+mn-cs"/>
+      </a:defRPr>
+    </a:lvl9pPr>
+  </p:notesStyle>
+</p:notesMaster>
+</file>
+
+<file path=ppt/notesSlides/notesSlide1.xml><?xml version="1.0" encoding="utf-8"?>
+<p:notes xmlns:a="http://schemas.openxmlformats.org/drawingml/2006/main" xmlns:r="http://schemas.openxmlformats.org/officeDocument/2006/relationships" xmlns:p="http://schemas.openxmlformats.org/presentationml/2006/main">
+  <p:cSld>
+    <p:spTree>
+      <p:nvGrpSpPr>
+        <p:cNvPr id="1" name=""/>
+        <p:cNvGrpSpPr/>
+        <p:nvPr/>
+      </p:nvGrpSpPr>
+      <p:grpSpPr>
+        <a:xfrm>
+          <a:off x="0" y="0"/>
+          <a:ext cx="0" cy="0"/>
+          <a:chOff x="0" y="0"/>
+          <a:chExt cx="0" cy="0"/>
+        </a:xfrm>
+      </p:grpSpPr>
+      <p:sp>
+        <p:nvSpPr>
+          <p:cNvPr id="2" name="幻灯片图像占位符 1"/>
+          <p:cNvSpPr>
+            <a:spLocks noGrp="1" noRot="1" noChangeAspect="1"/>
+          </p:cNvSpPr>
+          <p:nvPr>
+            <p:ph type="sldImg"/>
+          </p:nvPr>
+        </p:nvSpPr>
+        <p:spPr/>
+      </p:sp>
+      <p:sp>
+        <p:nvSpPr>
+          <p:cNvPr id="3" name="备注占位符 2"/>
+          <p:cNvSpPr>
+            <a:spLocks noGrp="1"/>
+          </p:cNvSpPr>
+          <p:nvPr>
+            <p:ph type="body" idx="1"/>
+          </p:nvPr>
+        </p:nvSpPr>
+        <p:spPr/>
+        <p:txBody>
+          <a:bodyPr/>
+          <a:lstStyle/>
+          <a:p>
+            <a:endParaRPr lang="zh-CN" altLang="en-US" dirty="0"/>
+          </a:p>
+        </p:txBody>
+      </p:sp>
+      <p:sp>
+        <p:nvSpPr>
+          <p:cNvPr id="4" name="灯片编号占位符 3"/>
+          <p:cNvSpPr>
+            <a:spLocks noGrp="1"/>
+          </p:cNvSpPr>
+          <p:nvPr>
+            <p:ph type="sldNum" sz="quarter" idx="10"/>
+          </p:nvPr>
+        </p:nvSpPr>
+        <p:spPr/>
+        <p:txBody>
+          <a:bodyPr/>
+          <a:lstStyle/>
+          <a:p>
+            <a:fld id="{8C1940B5-7346-44F5-8771-71152460ED65}" type="slidenum">
+              <a:rPr lang="zh-CN" altLang="en-US" smtClean="0"/>
+              <a:t>1</a:t>
+            </a:fld>
+            <a:endParaRPr lang="zh-CN" altLang="en-US"/>
+          </a:p>
+        </p:txBody>
+      </p:sp>
+    </p:spTree>
+    <p:extLst>
+      <p:ext uri="{BB962C8B-B14F-4D97-AF65-F5344CB8AC3E}">
+        <p14:creationId xmlns:p14="http://schemas.microsoft.com/office/powerpoint/2010/main" val="3152731735"/>
+      </p:ext>
+    </p:extLst>
+  </p:cSld>
+  <p:clrMapOvr>
+    <a:masterClrMapping/>
+  </p:clrMapOvr>
+</p:notes>
+</file>
+
 <file path=ppt/slideLayouts/slideLayout1.xml><?xml version="1.0" encoding="utf-8"?>
 <p:sldLayout xmlns:a="http://schemas.openxmlformats.org/drawingml/2006/main" xmlns:r="http://schemas.openxmlformats.org/officeDocument/2006/relationships" xmlns:p="http://schemas.openxmlformats.org/presentationml/2006/main" type="title" preserve="1">
   <p:cSld name="标题幻灯片">
@@ -310,7 +764,7 @@
           <a:p>
             <a:fld id="{F5BED939-13DD-4AA3-8741-D30EB9E98506}" type="datetimeFigureOut">
               <a:rPr lang="zh-CN" altLang="en-US" smtClean="0"/>
-              <a:t>2016/9/8</a:t>
+              <a:t>2016/9/20</a:t>
             </a:fld>
             <a:endParaRPr lang="zh-CN" altLang="en-US"/>
           </a:p>
@@ -478,7 +932,7 @@
           <a:p>
             <a:fld id="{F5BED939-13DD-4AA3-8741-D30EB9E98506}" type="datetimeFigureOut">
               <a:rPr lang="zh-CN" altLang="en-US" smtClean="0"/>
-              <a:t>2016/9/8</a:t>
+              <a:t>2016/9/20</a:t>
             </a:fld>
             <a:endParaRPr lang="zh-CN" altLang="en-US"/>
           </a:p>
@@ -656,7 +1110,7 @@
           <a:p>
             <a:fld id="{F5BED939-13DD-4AA3-8741-D30EB9E98506}" type="datetimeFigureOut">
               <a:rPr lang="zh-CN" altLang="en-US" smtClean="0"/>
-              <a:t>2016/9/8</a:t>
+              <a:t>2016/9/20</a:t>
             </a:fld>
             <a:endParaRPr lang="zh-CN" altLang="en-US"/>
           </a:p>
@@ -824,7 +1278,7 @@
           <a:p>
             <a:fld id="{F5BED939-13DD-4AA3-8741-D30EB9E98506}" type="datetimeFigureOut">
               <a:rPr lang="zh-CN" altLang="en-US" smtClean="0"/>
-              <a:t>2016/9/8</a:t>
+              <a:t>2016/9/20</a:t>
             </a:fld>
             <a:endParaRPr lang="zh-CN" altLang="en-US"/>
           </a:p>
@@ -1069,7 +1523,7 @@
           <a:p>
             <a:fld id="{F5BED939-13DD-4AA3-8741-D30EB9E98506}" type="datetimeFigureOut">
               <a:rPr lang="zh-CN" altLang="en-US" smtClean="0"/>
-              <a:t>2016/9/8</a:t>
+              <a:t>2016/9/20</a:t>
             </a:fld>
             <a:endParaRPr lang="zh-CN" altLang="en-US"/>
           </a:p>
@@ -1298,7 +1752,7 @@
           <a:p>
             <a:fld id="{F5BED939-13DD-4AA3-8741-D30EB9E98506}" type="datetimeFigureOut">
               <a:rPr lang="zh-CN" altLang="en-US" smtClean="0"/>
-              <a:t>2016/9/8</a:t>
+              <a:t>2016/9/20</a:t>
             </a:fld>
             <a:endParaRPr lang="zh-CN" altLang="en-US"/>
           </a:p>
@@ -1662,7 +2116,7 @@
           <a:p>
             <a:fld id="{F5BED939-13DD-4AA3-8741-D30EB9E98506}" type="datetimeFigureOut">
               <a:rPr lang="zh-CN" altLang="en-US" smtClean="0"/>
-              <a:t>2016/9/8</a:t>
+              <a:t>2016/9/20</a:t>
             </a:fld>
             <a:endParaRPr lang="zh-CN" altLang="en-US"/>
           </a:p>
@@ -1779,7 +2233,7 @@
           <a:p>
             <a:fld id="{F5BED939-13DD-4AA3-8741-D30EB9E98506}" type="datetimeFigureOut">
               <a:rPr lang="zh-CN" altLang="en-US" smtClean="0"/>
-              <a:t>2016/9/8</a:t>
+              <a:t>2016/9/20</a:t>
             </a:fld>
             <a:endParaRPr lang="zh-CN" altLang="en-US"/>
           </a:p>
@@ -1874,7 +2328,7 @@
           <a:p>
             <a:fld id="{F5BED939-13DD-4AA3-8741-D30EB9E98506}" type="datetimeFigureOut">
               <a:rPr lang="zh-CN" altLang="en-US" smtClean="0"/>
-              <a:t>2016/9/8</a:t>
+              <a:t>2016/9/20</a:t>
             </a:fld>
             <a:endParaRPr lang="zh-CN" altLang="en-US"/>
           </a:p>
@@ -2149,7 +2603,7 @@
           <a:p>
             <a:fld id="{F5BED939-13DD-4AA3-8741-D30EB9E98506}" type="datetimeFigureOut">
               <a:rPr lang="zh-CN" altLang="en-US" smtClean="0"/>
-              <a:t>2016/9/8</a:t>
+              <a:t>2016/9/20</a:t>
             </a:fld>
             <a:endParaRPr lang="zh-CN" altLang="en-US"/>
           </a:p>
@@ -2401,7 +2855,7 @@
           <a:p>
             <a:fld id="{F5BED939-13DD-4AA3-8741-D30EB9E98506}" type="datetimeFigureOut">
               <a:rPr lang="zh-CN" altLang="en-US" smtClean="0"/>
-              <a:t>2016/9/8</a:t>
+              <a:t>2016/9/20</a:t>
             </a:fld>
             <a:endParaRPr lang="zh-CN" altLang="en-US"/>
           </a:p>
@@ -2612,7 +3066,7 @@
           <a:p>
             <a:fld id="{F5BED939-13DD-4AA3-8741-D30EB9E98506}" type="datetimeFigureOut">
               <a:rPr lang="zh-CN" altLang="en-US" smtClean="0"/>
-              <a:t>2016/9/8</a:t>
+              <a:t>2016/9/20</a:t>
             </a:fld>
             <a:endParaRPr lang="zh-CN" altLang="en-US"/>
           </a:p>
@@ -3113,53 +3567,191 @@
           <a:p>
             <a:r>
               <a:rPr lang="zh-CN" altLang="en-US" dirty="0"/>
-              <a:t>内存结构</a:t>
+              <a:t>命名规范</a:t>
             </a:r>
             <a:r>
               <a:rPr lang="en-US" altLang="zh-CN" dirty="0"/>
               <a:t>/</a:t>
             </a:r>
             <a:r>
+              <a:rPr lang="zh-CN" altLang="en-US" dirty="0"/>
+              <a:t>成员与参数</a:t>
+            </a:r>
+          </a:p>
+        </p:txBody>
+      </p:sp>
+      <p:sp>
+        <p:nvSpPr>
+          <p:cNvPr id="3" name="内容占位符 2"/>
+          <p:cNvSpPr>
+            <a:spLocks noGrp="1"/>
+          </p:cNvSpPr>
+          <p:nvPr>
+            <p:ph idx="1"/>
+          </p:nvPr>
+        </p:nvSpPr>
+        <p:spPr/>
+        <p:txBody>
+          <a:bodyPr/>
+          <a:lstStyle/>
+          <a:p>
+            <a:r>
+              <a:rPr lang="zh-CN" altLang="en-US" b="1" dirty="0"/>
+              <a:t>要</a:t>
+            </a:r>
+            <a:r>
+              <a:rPr lang="zh-CN" altLang="en-US" dirty="0"/>
+              <a:t>使用动词词组为方法命名</a:t>
+            </a:r>
+            <a:endParaRPr lang="en-US" altLang="zh-CN" dirty="0"/>
+          </a:p>
+          <a:p>
+            <a:r>
+              <a:rPr lang="zh-CN" altLang="en-US" b="1" dirty="0"/>
+              <a:t>要</a:t>
+            </a:r>
+            <a:r>
+              <a:rPr lang="zh-CN" altLang="en-US" dirty="0"/>
+              <a:t>使用名词词组为属性与字段命名</a:t>
+            </a:r>
+            <a:endParaRPr lang="en-US" altLang="zh-CN" dirty="0"/>
+          </a:p>
+          <a:p>
+            <a:pPr lvl="1"/>
+            <a:r>
+              <a:rPr lang="zh-CN" altLang="en-US" b="1" dirty="0"/>
+              <a:t>不要</a:t>
+            </a:r>
+            <a:r>
+              <a:rPr lang="zh-CN" altLang="en-US" dirty="0"/>
+              <a:t>使用</a:t>
+            </a:r>
+            <a:r>
+              <a:rPr lang="en-US" altLang="zh-CN" dirty="0"/>
+              <a:t>Get/Set</a:t>
+            </a:r>
+            <a:r>
+              <a:rPr lang="zh-CN" altLang="en-US" dirty="0"/>
+              <a:t>之类的前缀。属性自身暗示了这些语义</a:t>
+            </a:r>
+            <a:endParaRPr lang="en-US" altLang="zh-CN" dirty="0"/>
+          </a:p>
+          <a:p>
+            <a:pPr lvl="1"/>
+            <a:r>
+              <a:rPr lang="zh-CN" altLang="en-US" b="1" dirty="0"/>
+              <a:t>要</a:t>
+            </a:r>
+            <a:r>
+              <a:rPr lang="zh-CN" altLang="en-US" dirty="0"/>
+              <a:t>使用肯定性的短语来命名</a:t>
+            </a:r>
+            <a:r>
+              <a:rPr lang="en-US" altLang="zh-CN" dirty="0"/>
+              <a:t>bool</a:t>
+            </a:r>
+            <a:r>
+              <a:rPr lang="zh-CN" altLang="en-US" dirty="0"/>
+              <a:t>类型的属性。必要时可以使用</a:t>
+            </a:r>
+            <a:r>
+              <a:rPr lang="en-US" altLang="zh-CN" dirty="0"/>
+              <a:t>Is</a:t>
+            </a:r>
+            <a:r>
+              <a:rPr lang="zh-CN" altLang="en-US" dirty="0"/>
+              <a:t>，</a:t>
+            </a:r>
+            <a:r>
+              <a:rPr lang="en-US" altLang="zh-CN" dirty="0"/>
+              <a:t>Can</a:t>
+            </a:r>
+            <a:r>
+              <a:rPr lang="zh-CN" altLang="en-US" dirty="0"/>
+              <a:t>，</a:t>
+            </a:r>
+            <a:r>
+              <a:rPr lang="en-US" altLang="zh-CN" dirty="0"/>
+              <a:t>Has</a:t>
+            </a:r>
+            <a:r>
+              <a:rPr lang="zh-CN" altLang="en-US" dirty="0"/>
+              <a:t>等前缀</a:t>
+            </a:r>
+            <a:endParaRPr lang="en-US" altLang="zh-CN" dirty="0"/>
+          </a:p>
+          <a:p>
+            <a:pPr lvl="1"/>
+            <a:r>
+              <a:rPr lang="zh-CN" altLang="en-US" dirty="0"/>
+              <a:t>如果不知道某个属性该使用什么名字，考虑使用它返回的类型的名字</a:t>
+            </a:r>
+            <a:endParaRPr lang="en-US" altLang="zh-CN" dirty="0"/>
+          </a:p>
+          <a:p>
+            <a:r>
+              <a:rPr lang="zh-CN" altLang="en-US" b="1" dirty="0"/>
+              <a:t>要</a:t>
+            </a:r>
+            <a:r>
+              <a:rPr lang="zh-CN" altLang="en-US" dirty="0"/>
+              <a:t>使用动词词组为事件命名</a:t>
+            </a:r>
+            <a:endParaRPr lang="en-US" altLang="zh-CN" dirty="0"/>
+          </a:p>
+          <a:p>
+            <a:pPr lvl="1"/>
+            <a:r>
+              <a:rPr lang="zh-CN" altLang="en-US" b="1" dirty="0"/>
+              <a:t>要</a:t>
+            </a:r>
+            <a:r>
+              <a:rPr lang="zh-CN" altLang="en-US" dirty="0"/>
+              <a:t>使用时态区分事件触发的时机</a:t>
+            </a:r>
+            <a:endParaRPr lang="en-US" altLang="zh-CN" dirty="0"/>
+          </a:p>
+          <a:p>
+            <a:r>
+              <a:rPr lang="zh-CN" altLang="en-US" b="1" dirty="0"/>
+              <a:t>要</a:t>
+            </a:r>
+            <a:r>
+              <a:rPr lang="zh-CN" altLang="en-US" dirty="0"/>
+              <a:t>使用</a:t>
+            </a:r>
+            <a:r>
               <a:rPr lang="en-US" altLang="zh-CN" dirty="0" err="1"/>
-              <a:t>EEClass</a:t>
+              <a:t>camelCasing</a:t>
+            </a:r>
+            <a:r>
+              <a:rPr lang="zh-CN" altLang="en-US" dirty="0"/>
+              <a:t>为参数命名</a:t>
+            </a:r>
+            <a:endParaRPr lang="en-US" altLang="zh-CN" dirty="0"/>
+          </a:p>
+          <a:p>
+            <a:pPr lvl="1"/>
+            <a:r>
+              <a:rPr lang="zh-CN" altLang="en-US"/>
+              <a:t>虽然参数名字也应当是名字词组，但是</a:t>
+            </a:r>
+            <a:r>
+              <a:rPr lang="zh-CN" altLang="en-US" b="1"/>
+              <a:t>不应</a:t>
+            </a:r>
+            <a:r>
+              <a:rPr lang="zh-CN" altLang="en-US"/>
+              <a:t>与类型名字有关</a:t>
             </a:r>
             <a:endParaRPr lang="zh-CN" altLang="en-US" dirty="0"/>
           </a:p>
         </p:txBody>
       </p:sp>
-      <p:pic>
-        <p:nvPicPr>
-          <p:cNvPr id="4" name="内容占位符 3"/>
-          <p:cNvPicPr>
-            <a:picLocks noGrp="1" noChangeAspect="1"/>
-          </p:cNvPicPr>
-          <p:nvPr>
-            <p:ph idx="1"/>
-          </p:nvPr>
-        </p:nvPicPr>
-        <p:blipFill>
-          <a:blip r:embed="rId2">
-            <a:extLst>
-              <a:ext uri="{28A0092B-C50C-407E-A947-70E740481C1C}">
-                <a14:useLocalDpi xmlns:a14="http://schemas.microsoft.com/office/drawing/2010/main" val="0"/>
-              </a:ext>
-            </a:extLst>
-          </a:blip>
-          <a:stretch>
-            <a:fillRect/>
-          </a:stretch>
-        </p:blipFill>
-        <p:spPr>
-          <a:xfrm>
-            <a:off x="838200" y="1577808"/>
-            <a:ext cx="6630325" cy="4296375"/>
-          </a:xfrm>
-        </p:spPr>
-      </p:pic>
     </p:spTree>
     <p:extLst>
       <p:ext uri="{BB962C8B-B14F-4D97-AF65-F5344CB8AC3E}">
-        <p14:creationId xmlns:p14="http://schemas.microsoft.com/office/powerpoint/2010/main" val="2169093456"/>
+        <p14:creationId xmlns:p14="http://schemas.microsoft.com/office/powerpoint/2010/main" val="2730083582"/>
       </p:ext>
     </p:extLst>
   </p:cSld>
@@ -3202,10 +3794,25 @@
           <a:lstStyle/>
           <a:p>
             <a:r>
+              <a:rPr lang="zh-CN" altLang="en-US" dirty="0"/>
+              <a:t>命名规范</a:t>
+            </a:r>
+            <a:r>
               <a:rPr lang="en-US" altLang="zh-CN" dirty="0"/>
-              <a:t>IL2CPP</a:t>
-            </a:r>
-            <a:endParaRPr lang="zh-CN" altLang="en-US" dirty="0"/>
+              <a:t>/</a:t>
+            </a:r>
+            <a:r>
+              <a:rPr lang="zh-CN" altLang="en-US" dirty="0"/>
+              <a:t>使用</a:t>
+            </a:r>
+            <a:r>
+              <a:rPr lang="en-US" altLang="zh-CN" dirty="0" err="1"/>
+              <a:t>ReSharper</a:t>
+            </a:r>
+            <a:r>
+              <a:rPr lang="zh-CN" altLang="en-US" dirty="0"/>
+              <a:t>规范命名</a:t>
+            </a:r>
           </a:p>
         </p:txBody>
       </p:sp>
@@ -3224,130 +3831,14 @@
           <a:bodyPr/>
           <a:lstStyle/>
           <a:p>
-            <a:r>
-              <a:rPr lang="en-US" altLang="zh-CN" dirty="0"/>
-              <a:t>IL2CPP</a:t>
-            </a:r>
-            <a:r>
-              <a:rPr lang="zh-CN" altLang="en-US" dirty="0"/>
-              <a:t>分别处理字段和方法：实例字段和类字段被生成到相同</a:t>
-            </a:r>
-            <a:r>
-              <a:rPr lang="en-US" altLang="zh-CN" dirty="0"/>
-              <a:t>.h</a:t>
-            </a:r>
-            <a:r>
-              <a:rPr lang="zh-CN" altLang="en-US" dirty="0"/>
-              <a:t>文件的不同结构中，方法被生成到</a:t>
-            </a:r>
-            <a:r>
-              <a:rPr lang="en-US" altLang="zh-CN" dirty="0"/>
-              <a:t>.</a:t>
-            </a:r>
-            <a:r>
-              <a:rPr lang="en-US" altLang="zh-CN" dirty="0" err="1"/>
-              <a:t>cpp</a:t>
-            </a:r>
-            <a:r>
-              <a:rPr lang="zh-CN" altLang="en-US" dirty="0"/>
-              <a:t>文件中</a:t>
-            </a:r>
-            <a:endParaRPr lang="en-US" altLang="zh-CN" dirty="0"/>
-          </a:p>
-          <a:p>
-            <a:r>
-              <a:rPr lang="en-US" altLang="zh-CN" dirty="0"/>
-              <a:t>IL2CPP</a:t>
-            </a:r>
-            <a:r>
-              <a:rPr lang="zh-CN" altLang="en-US" dirty="0"/>
-              <a:t>对</a:t>
-            </a:r>
-            <a:r>
-              <a:rPr lang="en-US" altLang="zh-CN" dirty="0"/>
-              <a:t>IL</a:t>
-            </a:r>
-            <a:r>
-              <a:rPr lang="zh-CN" altLang="en-US" dirty="0"/>
-              <a:t>的翻译近乎直译。</a:t>
-            </a:r>
-            <a:r>
-              <a:rPr lang="en-US" altLang="zh-CN" dirty="0" err="1"/>
-              <a:t>.Net</a:t>
-            </a:r>
-            <a:r>
-              <a:rPr lang="zh-CN" altLang="en-US" dirty="0"/>
-              <a:t>编译器的质量直接影响</a:t>
-            </a:r>
-            <a:r>
-              <a:rPr lang="en-US" altLang="zh-CN" dirty="0"/>
-              <a:t>IL2CPP</a:t>
-            </a:r>
-            <a:r>
-              <a:rPr lang="zh-CN" altLang="en-US" dirty="0"/>
-              <a:t>最终生成的结果</a:t>
-            </a:r>
-            <a:endParaRPr lang="en-US" altLang="zh-CN" dirty="0"/>
-          </a:p>
-          <a:p>
-            <a:r>
-              <a:rPr lang="en-US" altLang="zh-CN" dirty="0"/>
-              <a:t>IL2CPP</a:t>
-            </a:r>
-            <a:r>
-              <a:rPr lang="zh-CN" altLang="en-US" dirty="0"/>
-              <a:t>会为虚调用生成对象，通过支持库</a:t>
-            </a:r>
-            <a:r>
-              <a:rPr lang="en-US" altLang="zh-CN" dirty="0"/>
-              <a:t>libil2cpp</a:t>
-            </a:r>
-            <a:r>
-              <a:rPr lang="zh-CN" altLang="en-US" dirty="0"/>
-              <a:t>方法调用。虚调用会受到一定的优化，有时</a:t>
-            </a:r>
-            <a:r>
-              <a:rPr lang="en-US" altLang="zh-CN" dirty="0" err="1"/>
-              <a:t>callvirt</a:t>
-            </a:r>
-            <a:r>
-              <a:rPr lang="zh-CN" altLang="en-US" dirty="0"/>
-              <a:t>指令并不对真的被翻译为虚调用的形式</a:t>
-            </a:r>
-            <a:endParaRPr lang="en-US" altLang="zh-CN" dirty="0"/>
-          </a:p>
-          <a:p>
-            <a:r>
-              <a:rPr lang="en-US" altLang="zh-CN" dirty="0"/>
-              <a:t>FCL</a:t>
-            </a:r>
-            <a:r>
-              <a:rPr lang="zh-CN" altLang="en-US" dirty="0"/>
-              <a:t>使用和</a:t>
-            </a:r>
-            <a:r>
-              <a:rPr lang="en-US" altLang="zh-CN" dirty="0"/>
-              <a:t>Mono</a:t>
-            </a:r>
-            <a:r>
-              <a:rPr lang="zh-CN" altLang="en-US" dirty="0"/>
-              <a:t>一样的代码，经由</a:t>
-            </a:r>
-            <a:r>
-              <a:rPr lang="en-US" altLang="zh-CN" dirty="0"/>
-              <a:t>IL2CPP</a:t>
-            </a:r>
-            <a:r>
-              <a:rPr lang="zh-CN" altLang="en-US" dirty="0"/>
-              <a:t>编译器翻译而成。虽然损失了潜在的优化，然而确保了代码的一致性</a:t>
-            </a:r>
+            <a:endParaRPr lang="zh-CN" altLang="en-US"/>
           </a:p>
         </p:txBody>
       </p:sp>
     </p:spTree>
     <p:extLst>
       <p:ext uri="{BB962C8B-B14F-4D97-AF65-F5344CB8AC3E}">
-        <p14:creationId xmlns:p14="http://schemas.microsoft.com/office/powerpoint/2010/main" val="1747156259"/>
+        <p14:creationId xmlns:p14="http://schemas.microsoft.com/office/powerpoint/2010/main" val="3937507670"/>
       </p:ext>
     </p:extLst>
   </p:cSld>
@@ -3391,3775 +3882,6 @@
           <a:p>
             <a:r>
               <a:rPr lang="zh-CN" altLang="en-US" dirty="0"/>
-              <a:t>最佳实践</a:t>
-            </a:r>
-            <a:r>
-              <a:rPr lang="en-US" altLang="zh-CN" dirty="0"/>
-              <a:t>/</a:t>
-            </a:r>
-            <a:r>
-              <a:rPr lang="zh-CN" altLang="en-US" dirty="0"/>
-              <a:t>减少虚调用</a:t>
-            </a:r>
-          </a:p>
-        </p:txBody>
-      </p:sp>
-      <p:sp>
-        <p:nvSpPr>
-          <p:cNvPr id="3" name="内容占位符 2"/>
-          <p:cNvSpPr>
-            <a:spLocks noGrp="1"/>
-          </p:cNvSpPr>
-          <p:nvPr>
-            <p:ph idx="1"/>
-          </p:nvPr>
-        </p:nvSpPr>
-        <p:spPr/>
-        <p:txBody>
-          <a:bodyPr/>
-          <a:lstStyle/>
-          <a:p>
-            <a:r>
-              <a:rPr lang="zh-CN" altLang="en-US" dirty="0"/>
-              <a:t>封闭类</a:t>
-            </a:r>
-            <a:endParaRPr lang="en-US" altLang="zh-CN" dirty="0"/>
-          </a:p>
-          <a:p>
-            <a:r>
-              <a:rPr lang="zh-CN" altLang="en-US" dirty="0"/>
-              <a:t>使用类方法</a:t>
-            </a:r>
-          </a:p>
-        </p:txBody>
-      </p:sp>
-    </p:spTree>
-    <p:extLst>
-      <p:ext uri="{BB962C8B-B14F-4D97-AF65-F5344CB8AC3E}">
-        <p14:creationId xmlns:p14="http://schemas.microsoft.com/office/powerpoint/2010/main" val="3217876481"/>
-      </p:ext>
-    </p:extLst>
-  </p:cSld>
-  <p:clrMapOvr>
-    <a:masterClrMapping/>
-  </p:clrMapOvr>
-</p:sld>
-</file>
-
-<file path=ppt/slides/slide13.xml><?xml version="1.0" encoding="utf-8"?>
-<p:sld xmlns:a="http://schemas.openxmlformats.org/drawingml/2006/main" xmlns:r="http://schemas.openxmlformats.org/officeDocument/2006/relationships" xmlns:p="http://schemas.openxmlformats.org/presentationml/2006/main">
-  <p:cSld>
-    <p:spTree>
-      <p:nvGrpSpPr>
-        <p:cNvPr id="1" name=""/>
-        <p:cNvGrpSpPr/>
-        <p:nvPr/>
-      </p:nvGrpSpPr>
-      <p:grpSpPr>
-        <a:xfrm>
-          <a:off x="0" y="0"/>
-          <a:ext cx="0" cy="0"/>
-          <a:chOff x="0" y="0"/>
-          <a:chExt cx="0" cy="0"/>
-        </a:xfrm>
-      </p:grpSpPr>
-      <p:sp>
-        <p:nvSpPr>
-          <p:cNvPr id="2" name="标题 1"/>
-          <p:cNvSpPr>
-            <a:spLocks noGrp="1"/>
-          </p:cNvSpPr>
-          <p:nvPr>
-            <p:ph type="title"/>
-          </p:nvPr>
-        </p:nvSpPr>
-        <p:spPr/>
-        <p:txBody>
-          <a:bodyPr/>
-          <a:lstStyle/>
-          <a:p>
-            <a:r>
-              <a:rPr lang="zh-CN" altLang="en-US" dirty="0"/>
-              <a:t>最佳实践</a:t>
-            </a:r>
-            <a:r>
-              <a:rPr lang="en-US" altLang="zh-CN" dirty="0"/>
-              <a:t>/</a:t>
-            </a:r>
-            <a:r>
-              <a:rPr lang="zh-CN" altLang="en-US" dirty="0"/>
-              <a:t>削减装箱</a:t>
-            </a:r>
-          </a:p>
-        </p:txBody>
-      </p:sp>
-      <p:sp>
-        <p:nvSpPr>
-          <p:cNvPr id="3" name="内容占位符 2"/>
-          <p:cNvSpPr>
-            <a:spLocks noGrp="1"/>
-          </p:cNvSpPr>
-          <p:nvPr>
-            <p:ph idx="1"/>
-          </p:nvPr>
-        </p:nvSpPr>
-        <p:spPr/>
-        <p:txBody>
-          <a:bodyPr/>
-          <a:lstStyle/>
-          <a:p>
-            <a:r>
-              <a:rPr lang="zh-CN" altLang="en-US" dirty="0"/>
-              <a:t>泛化方法或类，而非使用</a:t>
-            </a:r>
-            <a:r>
-              <a:rPr lang="en-US" altLang="zh-CN" dirty="0"/>
-              <a:t>object</a:t>
-            </a:r>
-            <a:r>
-              <a:rPr lang="zh-CN" altLang="en-US" dirty="0"/>
-              <a:t>类型</a:t>
-            </a:r>
-            <a:endParaRPr lang="en-US" altLang="zh-CN" dirty="0"/>
-          </a:p>
-          <a:p>
-            <a:pPr marL="457200" lvl="1" indent="0">
-              <a:buNone/>
-            </a:pPr>
-            <a:r>
-              <a:rPr lang="zh-CN" altLang="en-US" dirty="0"/>
-              <a:t>较新版本</a:t>
-            </a:r>
-            <a:r>
-              <a:rPr lang="en-US" altLang="zh-CN" dirty="0"/>
-              <a:t>Unity</a:t>
-            </a:r>
-            <a:r>
-              <a:rPr lang="zh-CN" altLang="en-US" dirty="0"/>
-              <a:t>中，</a:t>
-            </a:r>
-            <a:r>
-              <a:rPr lang="en-US" altLang="zh-CN" dirty="0"/>
-              <a:t>IL2CPP</a:t>
-            </a:r>
-            <a:r>
-              <a:rPr lang="zh-CN" altLang="en-US" dirty="0"/>
-              <a:t>拥有泛型重用，因此能有效减小泛型对代码体积造成的负担</a:t>
-            </a:r>
-            <a:endParaRPr lang="en-US" altLang="zh-CN" dirty="0"/>
-          </a:p>
-          <a:p>
-            <a:r>
-              <a:rPr lang="zh-CN" altLang="en-US" dirty="0"/>
-              <a:t>为结构体重写派生自</a:t>
-            </a:r>
-            <a:r>
-              <a:rPr lang="en-US" altLang="zh-CN" dirty="0"/>
-              <a:t>object</a:t>
-            </a:r>
-            <a:r>
-              <a:rPr lang="zh-CN" altLang="en-US" dirty="0"/>
-              <a:t>的方法</a:t>
-            </a:r>
-            <a:endParaRPr lang="en-US" altLang="zh-CN" dirty="0"/>
-          </a:p>
-          <a:p>
-            <a:pPr marL="457200" lvl="1" indent="0">
-              <a:buNone/>
-            </a:pPr>
-            <a:r>
-              <a:rPr lang="en-US" altLang="zh-CN" dirty="0"/>
-              <a:t>Object</a:t>
-            </a:r>
-            <a:r>
-              <a:rPr lang="zh-CN" altLang="en-US" dirty="0"/>
-              <a:t>是引用类型，这是万恶之源</a:t>
-            </a:r>
-            <a:endParaRPr lang="en-US" altLang="zh-CN" dirty="0"/>
-          </a:p>
-          <a:p>
-            <a:r>
-              <a:rPr lang="zh-CN" altLang="en-US" dirty="0"/>
-              <a:t>使用泛型约束控制泛型参数的行为</a:t>
-            </a:r>
-            <a:endParaRPr lang="en-US" altLang="zh-CN" dirty="0"/>
-          </a:p>
-          <a:p>
-            <a:r>
-              <a:rPr lang="en-US" altLang="zh-CN" dirty="0"/>
-              <a:t>Char</a:t>
-            </a:r>
-            <a:r>
-              <a:rPr lang="zh-CN" altLang="en-US" dirty="0"/>
-              <a:t>是值类型，</a:t>
-            </a:r>
-            <a:r>
-              <a:rPr lang="en-US" altLang="zh-CN" dirty="0"/>
-              <a:t>String</a:t>
-            </a:r>
-            <a:r>
-              <a:rPr lang="zh-CN" altLang="en-US" dirty="0"/>
-              <a:t>是引用类型</a:t>
-            </a:r>
-            <a:r>
-              <a:rPr lang="en-US" altLang="zh-CN" dirty="0"/>
-              <a:t>——</a:t>
-            </a:r>
-            <a:r>
-              <a:rPr lang="zh-CN" altLang="en-US" dirty="0"/>
-              <a:t>拼合字符串时不应使用</a:t>
-            </a:r>
-            <a:r>
-              <a:rPr lang="en-US" altLang="zh-CN" dirty="0"/>
-              <a:t>Char</a:t>
-            </a:r>
-            <a:r>
-              <a:rPr lang="zh-CN" altLang="en-US" dirty="0"/>
-              <a:t>类型</a:t>
-            </a:r>
-          </a:p>
-        </p:txBody>
-      </p:sp>
-    </p:spTree>
-    <p:extLst>
-      <p:ext uri="{BB962C8B-B14F-4D97-AF65-F5344CB8AC3E}">
-        <p14:creationId xmlns:p14="http://schemas.microsoft.com/office/powerpoint/2010/main" val="3934302142"/>
-      </p:ext>
-    </p:extLst>
-  </p:cSld>
-  <p:clrMapOvr>
-    <a:masterClrMapping/>
-  </p:clrMapOvr>
-</p:sld>
-</file>
-
-<file path=ppt/slides/slide14.xml><?xml version="1.0" encoding="utf-8"?>
-<p:sld xmlns:a="http://schemas.openxmlformats.org/drawingml/2006/main" xmlns:r="http://schemas.openxmlformats.org/officeDocument/2006/relationships" xmlns:p="http://schemas.openxmlformats.org/presentationml/2006/main">
-  <p:cSld>
-    <p:spTree>
-      <p:nvGrpSpPr>
-        <p:cNvPr id="1" name=""/>
-        <p:cNvGrpSpPr/>
-        <p:nvPr/>
-      </p:nvGrpSpPr>
-      <p:grpSpPr>
-        <a:xfrm>
-          <a:off x="0" y="0"/>
-          <a:ext cx="0" cy="0"/>
-          <a:chOff x="0" y="0"/>
-          <a:chExt cx="0" cy="0"/>
-        </a:xfrm>
-      </p:grpSpPr>
-      <p:sp>
-        <p:nvSpPr>
-          <p:cNvPr id="2" name="标题 1"/>
-          <p:cNvSpPr>
-            <a:spLocks noGrp="1"/>
-          </p:cNvSpPr>
-          <p:nvPr>
-            <p:ph type="title"/>
-          </p:nvPr>
-        </p:nvSpPr>
-        <p:spPr/>
-        <p:txBody>
-          <a:bodyPr/>
-          <a:lstStyle/>
-          <a:p>
-            <a:r>
-              <a:rPr lang="zh-CN" altLang="en-US" dirty="0"/>
-              <a:t>最佳实践</a:t>
-            </a:r>
-            <a:r>
-              <a:rPr lang="en-US" altLang="zh-CN" dirty="0"/>
-              <a:t>/</a:t>
-            </a:r>
-            <a:r>
-              <a:rPr lang="zh-CN" altLang="en-US" dirty="0"/>
-              <a:t>迁移编译器</a:t>
-            </a:r>
-          </a:p>
-        </p:txBody>
-      </p:sp>
-      <p:sp>
-        <p:nvSpPr>
-          <p:cNvPr id="3" name="内容占位符 2"/>
-          <p:cNvSpPr>
-            <a:spLocks noGrp="1"/>
-          </p:cNvSpPr>
-          <p:nvPr>
-            <p:ph idx="1"/>
-          </p:nvPr>
-        </p:nvSpPr>
-        <p:spPr/>
-        <p:txBody>
-          <a:bodyPr/>
-          <a:lstStyle/>
-          <a:p>
-            <a:pPr marL="0" indent="0">
-              <a:buNone/>
-            </a:pPr>
-            <a:r>
-              <a:rPr lang="zh-CN" altLang="en-US" dirty="0"/>
-              <a:t>通过使用非</a:t>
-            </a:r>
-            <a:r>
-              <a:rPr lang="en-US" altLang="zh-CN" dirty="0"/>
-              <a:t>Unity</a:t>
-            </a:r>
-            <a:r>
-              <a:rPr lang="zh-CN" altLang="en-US" dirty="0"/>
-              <a:t>的编译器获取更高质量的代码</a:t>
-            </a:r>
-          </a:p>
-        </p:txBody>
-      </p:sp>
-    </p:spTree>
-    <p:extLst>
-      <p:ext uri="{BB962C8B-B14F-4D97-AF65-F5344CB8AC3E}">
-        <p14:creationId xmlns:p14="http://schemas.microsoft.com/office/powerpoint/2010/main" val="2624574833"/>
-      </p:ext>
-    </p:extLst>
-  </p:cSld>
-  <p:clrMapOvr>
-    <a:masterClrMapping/>
-  </p:clrMapOvr>
-</p:sld>
-</file>
-
-<file path=ppt/slides/slide15.xml><?xml version="1.0" encoding="utf-8"?>
-<p:sld xmlns:a="http://schemas.openxmlformats.org/drawingml/2006/main" xmlns:r="http://schemas.openxmlformats.org/officeDocument/2006/relationships" xmlns:p="http://schemas.openxmlformats.org/presentationml/2006/main">
-  <p:cSld>
-    <p:spTree>
-      <p:nvGrpSpPr>
-        <p:cNvPr id="1" name=""/>
-        <p:cNvGrpSpPr/>
-        <p:nvPr/>
-      </p:nvGrpSpPr>
-      <p:grpSpPr>
-        <a:xfrm>
-          <a:off x="0" y="0"/>
-          <a:ext cx="0" cy="0"/>
-          <a:chOff x="0" y="0"/>
-          <a:chExt cx="0" cy="0"/>
-        </a:xfrm>
-      </p:grpSpPr>
-      <p:sp>
-        <p:nvSpPr>
-          <p:cNvPr id="2" name="标题 1"/>
-          <p:cNvSpPr>
-            <a:spLocks noGrp="1"/>
-          </p:cNvSpPr>
-          <p:nvPr>
-            <p:ph type="title"/>
-          </p:nvPr>
-        </p:nvSpPr>
-        <p:spPr/>
-        <p:txBody>
-          <a:bodyPr/>
-          <a:lstStyle/>
-          <a:p>
-            <a:r>
-              <a:rPr lang="zh-CN" altLang="en-US" dirty="0"/>
-              <a:t>最佳实践</a:t>
-            </a:r>
-            <a:r>
-              <a:rPr lang="en-US" altLang="zh-CN" dirty="0"/>
-              <a:t>/</a:t>
-            </a:r>
-            <a:r>
-              <a:rPr lang="zh-CN" altLang="en-US" dirty="0"/>
-              <a:t>使用</a:t>
-            </a:r>
-            <a:r>
-              <a:rPr lang="en-US" altLang="zh-CN" dirty="0" err="1"/>
-              <a:t>Resharper</a:t>
-            </a:r>
-            <a:r>
-              <a:rPr lang="zh-CN" altLang="en-US" dirty="0"/>
-              <a:t>改进代码质量</a:t>
-            </a:r>
-          </a:p>
-        </p:txBody>
-      </p:sp>
-      <p:sp>
-        <p:nvSpPr>
-          <p:cNvPr id="3" name="内容占位符 2"/>
-          <p:cNvSpPr>
-            <a:spLocks noGrp="1"/>
-          </p:cNvSpPr>
-          <p:nvPr>
-            <p:ph idx="1"/>
-          </p:nvPr>
-        </p:nvSpPr>
-        <p:spPr/>
-        <p:txBody>
-          <a:bodyPr/>
-          <a:lstStyle/>
-          <a:p>
-            <a:r>
-              <a:rPr lang="zh-CN" altLang="en-US" dirty="0"/>
-              <a:t>使用</a:t>
-            </a:r>
-            <a:r>
-              <a:rPr lang="en-US" altLang="zh-CN" dirty="0" err="1"/>
-              <a:t>Alt+PageUp</a:t>
-            </a:r>
-            <a:r>
-              <a:rPr lang="en-US" altLang="zh-CN" dirty="0"/>
-              <a:t>/</a:t>
-            </a:r>
-            <a:r>
-              <a:rPr lang="en-US" altLang="zh-CN" dirty="0" err="1"/>
-              <a:t>PageDown</a:t>
-            </a:r>
-            <a:r>
-              <a:rPr lang="zh-CN" altLang="en-US" dirty="0"/>
-              <a:t>以及</a:t>
-            </a:r>
-            <a:r>
-              <a:rPr lang="en-US" altLang="zh-CN" dirty="0" err="1"/>
-              <a:t>Alt+Enter</a:t>
-            </a:r>
-            <a:r>
-              <a:rPr lang="zh-CN" altLang="en-US" dirty="0"/>
-              <a:t>快速修复问题</a:t>
-            </a:r>
-            <a:endParaRPr lang="en-US" altLang="zh-CN" dirty="0"/>
-          </a:p>
-          <a:p>
-            <a:endParaRPr lang="en-US" altLang="zh-CN" dirty="0"/>
-          </a:p>
-          <a:p>
-            <a:endParaRPr lang="en-US" altLang="zh-CN" dirty="0"/>
-          </a:p>
-          <a:p>
-            <a:endParaRPr lang="en-US" altLang="zh-CN" dirty="0"/>
-          </a:p>
-          <a:p>
-            <a:endParaRPr lang="en-US" altLang="zh-CN" dirty="0"/>
-          </a:p>
-          <a:p>
-            <a:endParaRPr lang="en-US" altLang="zh-CN" dirty="0"/>
-          </a:p>
-          <a:p>
-            <a:r>
-              <a:rPr lang="zh-CN" altLang="en-US" dirty="0"/>
-              <a:t>在</a:t>
-            </a:r>
-            <a:r>
-              <a:rPr lang="en-US" altLang="zh-CN" dirty="0" err="1"/>
-              <a:t>Resharper</a:t>
-            </a:r>
-            <a:r>
-              <a:rPr lang="zh-CN" altLang="en-US" dirty="0"/>
-              <a:t>中指定编码规范</a:t>
-            </a:r>
-            <a:endParaRPr lang="en-US" altLang="zh-CN" dirty="0"/>
-          </a:p>
-          <a:p>
-            <a:pPr marL="457200" lvl="1" indent="0">
-              <a:buNone/>
-            </a:pPr>
-            <a:r>
-              <a:rPr lang="zh-CN" altLang="en-US" dirty="0"/>
-              <a:t>在</a:t>
-            </a:r>
-            <a:r>
-              <a:rPr lang="en-US" altLang="zh-CN" dirty="0"/>
-              <a:t>”</a:t>
-            </a:r>
-            <a:r>
-              <a:rPr lang="en-US" altLang="zh-CN" dirty="0" err="1"/>
-              <a:t>ReSharper</a:t>
-            </a:r>
-            <a:r>
-              <a:rPr lang="en-US" altLang="zh-CN" dirty="0"/>
-              <a:t>/Options/Code Editing”</a:t>
-            </a:r>
-            <a:r>
-              <a:rPr lang="zh-CN" altLang="en-US" dirty="0"/>
-              <a:t>条目中针对各语言指定具体的编码规范</a:t>
-            </a:r>
-            <a:endParaRPr lang="en-US" altLang="zh-CN" dirty="0"/>
-          </a:p>
-          <a:p>
-            <a:pPr lvl="1"/>
-            <a:endParaRPr lang="zh-CN" altLang="en-US" dirty="0"/>
-          </a:p>
-        </p:txBody>
-      </p:sp>
-      <p:pic>
-        <p:nvPicPr>
-          <p:cNvPr id="4" name="图片 3"/>
-          <p:cNvPicPr>
-            <a:picLocks noChangeAspect="1"/>
-          </p:cNvPicPr>
-          <p:nvPr/>
-        </p:nvPicPr>
-        <p:blipFill>
-          <a:blip r:embed="rId2"/>
-          <a:stretch>
-            <a:fillRect/>
-          </a:stretch>
-        </p:blipFill>
-        <p:spPr>
-          <a:xfrm>
-            <a:off x="2731224" y="2524919"/>
-            <a:ext cx="6143625" cy="1476375"/>
-          </a:xfrm>
-          <a:prstGeom prst="rect">
-            <a:avLst/>
-          </a:prstGeom>
-        </p:spPr>
-      </p:pic>
-      <p:sp>
-        <p:nvSpPr>
-          <p:cNvPr id="5" name="矩形 4"/>
-          <p:cNvSpPr/>
-          <p:nvPr/>
-        </p:nvSpPr>
-        <p:spPr>
-          <a:xfrm>
-            <a:off x="994299" y="3178206"/>
-            <a:ext cx="1038687" cy="248575"/>
-          </a:xfrm>
-          <a:prstGeom prst="rect">
-            <a:avLst/>
-          </a:prstGeom>
-          <a:noFill/>
-          <a:ln>
-            <a:solidFill>
-              <a:schemeClr val="tx1"/>
-            </a:solidFill>
-          </a:ln>
-        </p:spPr>
-        <p:style>
-          <a:lnRef idx="2">
-            <a:schemeClr val="accent1">
-              <a:shade val="50000"/>
-            </a:schemeClr>
-          </a:lnRef>
-          <a:fillRef idx="1">
-            <a:schemeClr val="accent1"/>
-          </a:fillRef>
-          <a:effectRef idx="0">
-            <a:schemeClr val="accent1"/>
-          </a:effectRef>
-          <a:fontRef idx="minor">
-            <a:schemeClr val="lt1"/>
-          </a:fontRef>
-        </p:style>
-        <p:txBody>
-          <a:bodyPr rtlCol="0" anchor="ctr"/>
-          <a:lstStyle/>
-          <a:p>
-            <a:pPr algn="ctr"/>
-            <a:r>
-              <a:rPr lang="zh-CN" altLang="en-US" sz="1000" dirty="0">
-                <a:solidFill>
-                  <a:schemeClr val="tx1"/>
-                </a:solidFill>
-              </a:rPr>
-              <a:t>快速修复菜单</a:t>
-            </a:r>
-          </a:p>
-        </p:txBody>
-      </p:sp>
-      <p:cxnSp>
-        <p:nvCxnSpPr>
-          <p:cNvPr id="7" name="直接连接符 6"/>
-          <p:cNvCxnSpPr>
-            <a:stCxn id="5" idx="3"/>
-          </p:cNvCxnSpPr>
-          <p:nvPr/>
-        </p:nvCxnSpPr>
-        <p:spPr>
-          <a:xfrm>
-            <a:off x="2032986" y="3302494"/>
-            <a:ext cx="698238" cy="204186"/>
-          </a:xfrm>
-          <a:prstGeom prst="line">
-            <a:avLst/>
-          </a:prstGeom>
-          <a:ln w="22225">
-            <a:solidFill>
-              <a:schemeClr val="accent5">
-                <a:lumMod val="60000"/>
-                <a:lumOff val="40000"/>
-              </a:schemeClr>
-            </a:solidFill>
-          </a:ln>
-        </p:spPr>
-        <p:style>
-          <a:lnRef idx="1">
-            <a:schemeClr val="accent5"/>
-          </a:lnRef>
-          <a:fillRef idx="0">
-            <a:schemeClr val="accent5"/>
-          </a:fillRef>
-          <a:effectRef idx="0">
-            <a:schemeClr val="accent5"/>
-          </a:effectRef>
-          <a:fontRef idx="minor">
-            <a:schemeClr val="tx1"/>
-          </a:fontRef>
-        </p:style>
-      </p:cxnSp>
-      <p:sp>
-        <p:nvSpPr>
-          <p:cNvPr id="8" name="矩形 7"/>
-          <p:cNvSpPr/>
-          <p:nvPr/>
-        </p:nvSpPr>
-        <p:spPr>
-          <a:xfrm>
-            <a:off x="4425609" y="4576300"/>
-            <a:ext cx="1038687" cy="248575"/>
-          </a:xfrm>
-          <a:prstGeom prst="rect">
-            <a:avLst/>
-          </a:prstGeom>
-          <a:noFill/>
-          <a:ln>
-            <a:solidFill>
-              <a:schemeClr val="tx1"/>
-            </a:solidFill>
-          </a:ln>
-        </p:spPr>
-        <p:style>
-          <a:lnRef idx="2">
-            <a:schemeClr val="accent1">
-              <a:shade val="50000"/>
-            </a:schemeClr>
-          </a:lnRef>
-          <a:fillRef idx="1">
-            <a:schemeClr val="accent1"/>
-          </a:fillRef>
-          <a:effectRef idx="0">
-            <a:schemeClr val="accent1"/>
-          </a:effectRef>
-          <a:fontRef idx="minor">
-            <a:schemeClr val="lt1"/>
-          </a:fontRef>
-        </p:style>
-        <p:txBody>
-          <a:bodyPr rtlCol="0" anchor="ctr"/>
-          <a:lstStyle/>
-          <a:p>
-            <a:pPr algn="ctr"/>
-            <a:r>
-              <a:rPr lang="zh-CN" altLang="en-US" sz="1000" dirty="0">
-                <a:solidFill>
-                  <a:schemeClr val="tx1"/>
-                </a:solidFill>
-              </a:rPr>
-              <a:t>问题发生点</a:t>
-            </a:r>
-          </a:p>
-        </p:txBody>
-      </p:sp>
-      <p:cxnSp>
-        <p:nvCxnSpPr>
-          <p:cNvPr id="9" name="直接连接符 8"/>
-          <p:cNvCxnSpPr>
-            <a:endCxn id="8" idx="0"/>
-          </p:cNvCxnSpPr>
-          <p:nvPr/>
-        </p:nvCxnSpPr>
-        <p:spPr>
-          <a:xfrm>
-            <a:off x="4944952" y="3404587"/>
-            <a:ext cx="1" cy="1171713"/>
-          </a:xfrm>
-          <a:prstGeom prst="line">
-            <a:avLst/>
-          </a:prstGeom>
-          <a:ln w="22225">
-            <a:solidFill>
-              <a:schemeClr val="accent5">
-                <a:lumMod val="60000"/>
-                <a:lumOff val="40000"/>
-              </a:schemeClr>
-            </a:solidFill>
-          </a:ln>
-        </p:spPr>
-        <p:style>
-          <a:lnRef idx="1">
-            <a:schemeClr val="accent5"/>
-          </a:lnRef>
-          <a:fillRef idx="0">
-            <a:schemeClr val="accent5"/>
-          </a:fillRef>
-          <a:effectRef idx="0">
-            <a:schemeClr val="accent5"/>
-          </a:effectRef>
-          <a:fontRef idx="minor">
-            <a:schemeClr val="tx1"/>
-          </a:fontRef>
-        </p:style>
-      </p:cxnSp>
-      <p:sp>
-        <p:nvSpPr>
-          <p:cNvPr id="12" name="矩形 11"/>
-          <p:cNvSpPr/>
-          <p:nvPr/>
-        </p:nvSpPr>
-        <p:spPr>
-          <a:xfrm>
-            <a:off x="9907391" y="2929631"/>
-            <a:ext cx="1038687" cy="248575"/>
-          </a:xfrm>
-          <a:prstGeom prst="rect">
-            <a:avLst/>
-          </a:prstGeom>
-          <a:noFill/>
-          <a:ln>
-            <a:solidFill>
-              <a:schemeClr val="tx1"/>
-            </a:solidFill>
-          </a:ln>
-        </p:spPr>
-        <p:style>
-          <a:lnRef idx="2">
-            <a:schemeClr val="accent1">
-              <a:shade val="50000"/>
-            </a:schemeClr>
-          </a:lnRef>
-          <a:fillRef idx="1">
-            <a:schemeClr val="accent1"/>
-          </a:fillRef>
-          <a:effectRef idx="0">
-            <a:schemeClr val="accent1"/>
-          </a:effectRef>
-          <a:fontRef idx="minor">
-            <a:schemeClr val="lt1"/>
-          </a:fontRef>
-        </p:style>
-        <p:txBody>
-          <a:bodyPr rtlCol="0" anchor="ctr"/>
-          <a:lstStyle/>
-          <a:p>
-            <a:pPr algn="ctr"/>
-            <a:r>
-              <a:rPr lang="zh-CN" altLang="en-US" sz="1000" dirty="0">
-                <a:solidFill>
-                  <a:schemeClr val="tx1"/>
-                </a:solidFill>
-              </a:rPr>
-              <a:t>问题布局</a:t>
-            </a:r>
-          </a:p>
-        </p:txBody>
-      </p:sp>
-      <p:cxnSp>
-        <p:nvCxnSpPr>
-          <p:cNvPr id="13" name="直接连接符 12"/>
-          <p:cNvCxnSpPr>
-            <a:endCxn id="12" idx="1"/>
-          </p:cNvCxnSpPr>
-          <p:nvPr/>
-        </p:nvCxnSpPr>
-        <p:spPr>
-          <a:xfrm>
-            <a:off x="8874849" y="3053918"/>
-            <a:ext cx="1032542" cy="1"/>
-          </a:xfrm>
-          <a:prstGeom prst="line">
-            <a:avLst/>
-          </a:prstGeom>
-          <a:ln w="22225">
-            <a:solidFill>
-              <a:schemeClr val="accent5">
-                <a:lumMod val="60000"/>
-                <a:lumOff val="40000"/>
-              </a:schemeClr>
-            </a:solidFill>
-          </a:ln>
-        </p:spPr>
-        <p:style>
-          <a:lnRef idx="1">
-            <a:schemeClr val="accent5"/>
-          </a:lnRef>
-          <a:fillRef idx="0">
-            <a:schemeClr val="accent5"/>
-          </a:fillRef>
-          <a:effectRef idx="0">
-            <a:schemeClr val="accent5"/>
-          </a:effectRef>
-          <a:fontRef idx="minor">
-            <a:schemeClr val="tx1"/>
-          </a:fontRef>
-        </p:style>
-      </p:cxnSp>
-    </p:spTree>
-    <p:extLst>
-      <p:ext uri="{BB962C8B-B14F-4D97-AF65-F5344CB8AC3E}">
-        <p14:creationId xmlns:p14="http://schemas.microsoft.com/office/powerpoint/2010/main" val="2700295959"/>
-      </p:ext>
-    </p:extLst>
-  </p:cSld>
-  <p:clrMapOvr>
-    <a:masterClrMapping/>
-  </p:clrMapOvr>
-</p:sld>
-</file>
-
-<file path=ppt/slides/slide16.xml><?xml version="1.0" encoding="utf-8"?>
-<p:sld xmlns:a="http://schemas.openxmlformats.org/drawingml/2006/main" xmlns:r="http://schemas.openxmlformats.org/officeDocument/2006/relationships" xmlns:p="http://schemas.openxmlformats.org/presentationml/2006/main">
-  <p:cSld>
-    <p:spTree>
-      <p:nvGrpSpPr>
-        <p:cNvPr id="1" name=""/>
-        <p:cNvGrpSpPr/>
-        <p:nvPr/>
-      </p:nvGrpSpPr>
-      <p:grpSpPr>
-        <a:xfrm>
-          <a:off x="0" y="0"/>
-          <a:ext cx="0" cy="0"/>
-          <a:chOff x="0" y="0"/>
-          <a:chExt cx="0" cy="0"/>
-        </a:xfrm>
-      </p:grpSpPr>
-      <p:sp>
-        <p:nvSpPr>
-          <p:cNvPr id="2" name="标题 1"/>
-          <p:cNvSpPr>
-            <a:spLocks noGrp="1"/>
-          </p:cNvSpPr>
-          <p:nvPr>
-            <p:ph type="title"/>
-          </p:nvPr>
-        </p:nvSpPr>
-        <p:spPr/>
-        <p:txBody>
-          <a:bodyPr/>
-          <a:lstStyle/>
-          <a:p>
-            <a:r>
-              <a:rPr lang="zh-CN" altLang="en-US" dirty="0"/>
-              <a:t>最佳实践</a:t>
-            </a:r>
-            <a:r>
-              <a:rPr lang="en-US" altLang="zh-CN" dirty="0"/>
-              <a:t>/</a:t>
-            </a:r>
-            <a:r>
-              <a:rPr lang="zh-CN" altLang="en-US" dirty="0"/>
-              <a:t>其他</a:t>
-            </a:r>
-          </a:p>
-        </p:txBody>
-      </p:sp>
-      <p:sp>
-        <p:nvSpPr>
-          <p:cNvPr id="3" name="内容占位符 2"/>
-          <p:cNvSpPr>
-            <a:spLocks noGrp="1"/>
-          </p:cNvSpPr>
-          <p:nvPr>
-            <p:ph idx="1"/>
-          </p:nvPr>
-        </p:nvSpPr>
-        <p:spPr/>
-        <p:txBody>
-          <a:bodyPr>
-            <a:normAutofit lnSpcReduction="10000"/>
-          </a:bodyPr>
-          <a:lstStyle/>
-          <a:p>
-            <a:r>
-              <a:rPr lang="zh-CN" altLang="en-US" dirty="0"/>
-              <a:t>缓存</a:t>
-            </a:r>
-            <a:r>
-              <a:rPr lang="en-US" altLang="zh-CN" dirty="0" err="1"/>
-              <a:t>MemberInfo</a:t>
-            </a:r>
-            <a:endParaRPr lang="en-US" altLang="zh-CN" dirty="0"/>
-          </a:p>
-          <a:p>
-            <a:pPr marL="457200" lvl="1" indent="0">
-              <a:buNone/>
-            </a:pPr>
-            <a:r>
-              <a:rPr lang="zh-CN" altLang="en-US" sz="1800" dirty="0">
-                <a:latin typeface="微软雅黑 Light" panose="020B0502040204020203" pitchFamily="34" charset="-122"/>
-                <a:ea typeface="微软雅黑 Light" panose="020B0502040204020203" pitchFamily="34" charset="-122"/>
-              </a:rPr>
-              <a:t>反射性能低下主要有三个原因：</a:t>
-            </a:r>
-            <a:r>
-              <a:rPr lang="en-US" altLang="zh-CN" sz="1800" dirty="0" err="1">
-                <a:latin typeface="微软雅黑 Light" panose="020B0502040204020203" pitchFamily="34" charset="-122"/>
-                <a:ea typeface="微软雅黑 Light" panose="020B0502040204020203" pitchFamily="34" charset="-122"/>
-              </a:rPr>
-              <a:t>EEClass</a:t>
-            </a:r>
-            <a:r>
-              <a:rPr lang="zh-CN" altLang="en-US" sz="1800" dirty="0">
-                <a:latin typeface="微软雅黑 Light" panose="020B0502040204020203" pitchFamily="34" charset="-122"/>
-                <a:ea typeface="微软雅黑 Light" panose="020B0502040204020203" pitchFamily="34" charset="-122"/>
-              </a:rPr>
-              <a:t>检索慢于编译器生成的地址代换，检索到的数据需要生成</a:t>
-            </a:r>
-            <a:r>
-              <a:rPr lang="en-US" altLang="zh-CN" sz="1800" dirty="0" err="1">
-                <a:latin typeface="微软雅黑 Light" panose="020B0502040204020203" pitchFamily="34" charset="-122"/>
-                <a:ea typeface="微软雅黑 Light" panose="020B0502040204020203" pitchFamily="34" charset="-122"/>
-              </a:rPr>
-              <a:t>MemberInfo</a:t>
-            </a:r>
-            <a:r>
-              <a:rPr lang="zh-CN" altLang="en-US" sz="1800" dirty="0">
-                <a:latin typeface="微软雅黑 Light" panose="020B0502040204020203" pitchFamily="34" charset="-122"/>
-                <a:ea typeface="微软雅黑 Light" panose="020B0502040204020203" pitchFamily="34" charset="-122"/>
-              </a:rPr>
-              <a:t>对象，访问</a:t>
-            </a:r>
-            <a:r>
-              <a:rPr lang="en-US" altLang="zh-CN" sz="1800" dirty="0" err="1">
-                <a:latin typeface="微软雅黑 Light" panose="020B0502040204020203" pitchFamily="34" charset="-122"/>
-                <a:ea typeface="微软雅黑 Light" panose="020B0502040204020203" pitchFamily="34" charset="-122"/>
-              </a:rPr>
-              <a:t>MemberInfo</a:t>
-            </a:r>
-            <a:r>
-              <a:rPr lang="zh-CN" altLang="en-US" sz="1800" dirty="0">
-                <a:latin typeface="微软雅黑 Light" panose="020B0502040204020203" pitchFamily="34" charset="-122"/>
-                <a:ea typeface="微软雅黑 Light" panose="020B0502040204020203" pitchFamily="34" charset="-122"/>
-              </a:rPr>
-              <a:t>对象需要动态绑定。使用反射式缓存</a:t>
-            </a:r>
-            <a:r>
-              <a:rPr lang="en-US" altLang="zh-CN" sz="1800" dirty="0" err="1">
-                <a:latin typeface="微软雅黑 Light" panose="020B0502040204020203" pitchFamily="34" charset="-122"/>
-                <a:ea typeface="微软雅黑 Light" panose="020B0502040204020203" pitchFamily="34" charset="-122"/>
-              </a:rPr>
-              <a:t>MemberInfo</a:t>
-            </a:r>
-            <a:r>
-              <a:rPr lang="zh-CN" altLang="en-US" sz="1800" dirty="0">
-                <a:latin typeface="微软雅黑 Light" panose="020B0502040204020203" pitchFamily="34" charset="-122"/>
-                <a:ea typeface="微软雅黑 Light" panose="020B0502040204020203" pitchFamily="34" charset="-122"/>
-              </a:rPr>
-              <a:t>，前两个问题都能迎刃而解</a:t>
-            </a:r>
-          </a:p>
-          <a:p>
-            <a:r>
-              <a:rPr lang="zh-CN" altLang="en-US" dirty="0"/>
-              <a:t>为集合预分配容量</a:t>
-            </a:r>
-            <a:endParaRPr lang="en-US" altLang="zh-CN" dirty="0"/>
-          </a:p>
-          <a:p>
-            <a:pPr marL="457200" lvl="1" indent="0">
-              <a:buNone/>
-            </a:pPr>
-            <a:r>
-              <a:rPr lang="zh-CN" altLang="en-US" sz="1800" dirty="0">
-                <a:latin typeface="微软雅黑 Light" panose="020B0502040204020203" pitchFamily="34" charset="-122"/>
-                <a:ea typeface="微软雅黑 Light" panose="020B0502040204020203" pitchFamily="34" charset="-122"/>
-              </a:rPr>
-              <a:t>集合拥有积极扩张的内存分配策略，预估集合容量并进行预分配非但有助于减少重分配次数，而且通常能够节约内存</a:t>
-            </a:r>
-            <a:endParaRPr lang="en-US" altLang="zh-CN" sz="1800" dirty="0">
-              <a:latin typeface="微软雅黑 Light" panose="020B0502040204020203" pitchFamily="34" charset="-122"/>
-              <a:ea typeface="微软雅黑 Light" panose="020B0502040204020203" pitchFamily="34" charset="-122"/>
-            </a:endParaRPr>
-          </a:p>
-          <a:p>
-            <a:r>
-              <a:rPr lang="zh-CN" altLang="en-US" dirty="0"/>
-              <a:t>重写</a:t>
-            </a:r>
-            <a:r>
-              <a:rPr lang="en-US" altLang="zh-CN" dirty="0"/>
-              <a:t>Equals</a:t>
-            </a:r>
-            <a:r>
-              <a:rPr lang="zh-CN" altLang="en-US" dirty="0"/>
-              <a:t>方法和</a:t>
-            </a:r>
-            <a:r>
-              <a:rPr lang="en-US" altLang="zh-CN" dirty="0" err="1"/>
-              <a:t>GetHashCode</a:t>
-            </a:r>
-            <a:r>
-              <a:rPr lang="zh-CN" altLang="en-US" dirty="0"/>
-              <a:t>方法</a:t>
-            </a:r>
-            <a:endParaRPr lang="en-US" altLang="zh-CN" dirty="0"/>
-          </a:p>
-          <a:p>
-            <a:pPr marL="457200" lvl="1" indent="0">
-              <a:buNone/>
-            </a:pPr>
-            <a:r>
-              <a:rPr lang="zh-CN" altLang="en-US" sz="1800" dirty="0">
-                <a:latin typeface="微软雅黑 Light" panose="020B0502040204020203" pitchFamily="34" charset="-122"/>
-                <a:ea typeface="微软雅黑 Light" panose="020B0502040204020203" pitchFamily="34" charset="-122"/>
-              </a:rPr>
-              <a:t>引用类型的上述方法默认实现使用反射</a:t>
-            </a:r>
-            <a:r>
-              <a:rPr lang="zh-CN" altLang="en-US" dirty="0"/>
-              <a:t>坚持建立文档化注释</a:t>
-            </a:r>
-            <a:endParaRPr lang="en-US" altLang="zh-CN" dirty="0"/>
-          </a:p>
-          <a:p>
-            <a:pPr marL="457200" lvl="1" indent="0">
-              <a:buNone/>
-            </a:pPr>
-            <a:r>
-              <a:rPr lang="zh-CN" altLang="en-US" sz="1800" dirty="0">
-                <a:latin typeface="微软雅黑 Light" panose="020B0502040204020203" pitchFamily="34" charset="-122"/>
-                <a:ea typeface="微软雅黑 Light" panose="020B0502040204020203" pitchFamily="34" charset="-122"/>
-              </a:rPr>
-              <a:t>从</a:t>
-            </a:r>
-            <a:r>
-              <a:rPr lang="en-US" altLang="zh-CN" sz="1800" dirty="0">
-                <a:latin typeface="微软雅黑 Light" panose="020B0502040204020203" pitchFamily="34" charset="-122"/>
-                <a:ea typeface="微软雅黑 Light" panose="020B0502040204020203" pitchFamily="34" charset="-122"/>
-              </a:rPr>
-              <a:t>VisualStudio</a:t>
-            </a:r>
-            <a:r>
-              <a:rPr lang="zh-CN" altLang="en-US" sz="1800" dirty="0">
-                <a:latin typeface="微软雅黑 Light" panose="020B0502040204020203" pitchFamily="34" charset="-122"/>
-                <a:ea typeface="微软雅黑 Light" panose="020B0502040204020203" pitchFamily="34" charset="-122"/>
-              </a:rPr>
-              <a:t>到</a:t>
-            </a:r>
-            <a:r>
-              <a:rPr lang="en-US" altLang="zh-CN" sz="1800" dirty="0" err="1">
-                <a:latin typeface="微软雅黑 Light" panose="020B0502040204020203" pitchFamily="34" charset="-122"/>
-                <a:ea typeface="微软雅黑 Light" panose="020B0502040204020203" pitchFamily="34" charset="-122"/>
-              </a:rPr>
-              <a:t>Resharper</a:t>
-            </a:r>
-            <a:r>
-              <a:rPr lang="zh-CN" altLang="en-US" sz="1800" dirty="0">
-                <a:latin typeface="微软雅黑 Light" panose="020B0502040204020203" pitchFamily="34" charset="-122"/>
-                <a:ea typeface="微软雅黑 Light" panose="020B0502040204020203" pitchFamily="34" charset="-122"/>
-              </a:rPr>
-              <a:t>，对类与方法的描述都来自文档化注释。</a:t>
-            </a:r>
-            <a:endParaRPr lang="en-US" altLang="zh-CN" dirty="0"/>
-          </a:p>
-          <a:p>
-            <a:r>
-              <a:rPr lang="zh-CN" altLang="en-US" dirty="0"/>
-              <a:t>较小的集合不应使用有键集合</a:t>
-            </a:r>
-            <a:endParaRPr lang="en-US" altLang="zh-CN" dirty="0"/>
-          </a:p>
-          <a:p>
-            <a:pPr marL="457200" lvl="1" indent="0">
-              <a:buNone/>
-            </a:pPr>
-            <a:r>
-              <a:rPr lang="zh-CN" altLang="en-US" sz="1800" dirty="0">
-                <a:latin typeface="微软雅黑 Light" panose="020B0502040204020203" pitchFamily="34" charset="-122"/>
-                <a:ea typeface="微软雅黑 Light" panose="020B0502040204020203" pitchFamily="34" charset="-122"/>
-              </a:rPr>
-              <a:t>有键集合需要额外的空间。举例来说，一个空的</a:t>
-            </a:r>
-            <a:r>
-              <a:rPr lang="en-US" altLang="zh-CN" sz="1800" dirty="0">
-                <a:latin typeface="微软雅黑 Light" panose="020B0502040204020203" pitchFamily="34" charset="-122"/>
-                <a:ea typeface="微软雅黑 Light" panose="020B0502040204020203" pitchFamily="34" charset="-122"/>
-              </a:rPr>
-              <a:t>Dictionary</a:t>
-            </a:r>
-            <a:r>
-              <a:rPr lang="zh-CN" altLang="en-US" sz="1800" dirty="0">
-                <a:latin typeface="微软雅黑 Light" panose="020B0502040204020203" pitchFamily="34" charset="-122"/>
-                <a:ea typeface="微软雅黑 Light" panose="020B0502040204020203" pitchFamily="34" charset="-122"/>
-              </a:rPr>
-              <a:t>也会消耗</a:t>
-            </a:r>
-            <a:r>
-              <a:rPr lang="en-US" altLang="zh-CN" sz="1800" dirty="0">
-                <a:latin typeface="微软雅黑 Light" panose="020B0502040204020203" pitchFamily="34" charset="-122"/>
-                <a:ea typeface="微软雅黑 Light" panose="020B0502040204020203" pitchFamily="34" charset="-122"/>
-              </a:rPr>
-              <a:t>12</a:t>
-            </a:r>
-            <a:r>
-              <a:rPr lang="zh-CN" altLang="en-US" sz="1800" dirty="0">
-                <a:latin typeface="微软雅黑 Light" panose="020B0502040204020203" pitchFamily="34" charset="-122"/>
-                <a:ea typeface="微软雅黑 Light" panose="020B0502040204020203" pitchFamily="34" charset="-122"/>
-              </a:rPr>
-              <a:t>字节的空间。</a:t>
-            </a:r>
-            <a:endParaRPr lang="en-US" altLang="zh-CN" sz="1800" dirty="0">
-              <a:latin typeface="微软雅黑 Light" panose="020B0502040204020203" pitchFamily="34" charset="-122"/>
-              <a:ea typeface="微软雅黑 Light" panose="020B0502040204020203" pitchFamily="34" charset="-122"/>
-            </a:endParaRPr>
-          </a:p>
-        </p:txBody>
-      </p:sp>
-    </p:spTree>
-    <p:extLst>
-      <p:ext uri="{BB962C8B-B14F-4D97-AF65-F5344CB8AC3E}">
-        <p14:creationId xmlns:p14="http://schemas.microsoft.com/office/powerpoint/2010/main" val="1948017904"/>
-      </p:ext>
-    </p:extLst>
-  </p:cSld>
-  <p:clrMapOvr>
-    <a:masterClrMapping/>
-  </p:clrMapOvr>
-</p:sld>
-</file>
-
-<file path=ppt/slides/slide17.xml><?xml version="1.0" encoding="utf-8"?>
-<p:sld xmlns:a="http://schemas.openxmlformats.org/drawingml/2006/main" xmlns:r="http://schemas.openxmlformats.org/officeDocument/2006/relationships" xmlns:p="http://schemas.openxmlformats.org/presentationml/2006/main">
-  <p:cSld>
-    <p:spTree>
-      <p:nvGrpSpPr>
-        <p:cNvPr id="1" name=""/>
-        <p:cNvGrpSpPr/>
-        <p:nvPr/>
-      </p:nvGrpSpPr>
-      <p:grpSpPr>
-        <a:xfrm>
-          <a:off x="0" y="0"/>
-          <a:ext cx="0" cy="0"/>
-          <a:chOff x="0" y="0"/>
-          <a:chExt cx="0" cy="0"/>
-        </a:xfrm>
-      </p:grpSpPr>
-      <p:sp>
-        <p:nvSpPr>
-          <p:cNvPr id="2" name="标题 1"/>
-          <p:cNvSpPr>
-            <a:spLocks noGrp="1"/>
-          </p:cNvSpPr>
-          <p:nvPr>
-            <p:ph type="title"/>
-          </p:nvPr>
-        </p:nvSpPr>
-        <p:spPr/>
-        <p:txBody>
-          <a:bodyPr/>
-          <a:lstStyle/>
-          <a:p>
-            <a:r>
-              <a:rPr lang="zh-CN" altLang="en-US" dirty="0"/>
-              <a:t>最佳实践</a:t>
-            </a:r>
-            <a:r>
-              <a:rPr lang="en-US" altLang="zh-CN" dirty="0"/>
-              <a:t>/</a:t>
-            </a:r>
-            <a:r>
-              <a:rPr lang="zh-CN" altLang="en-US" dirty="0"/>
-              <a:t>其他</a:t>
-            </a:r>
-          </a:p>
-        </p:txBody>
-      </p:sp>
-      <p:sp>
-        <p:nvSpPr>
-          <p:cNvPr id="3" name="内容占位符 2"/>
-          <p:cNvSpPr>
-            <a:spLocks noGrp="1"/>
-          </p:cNvSpPr>
-          <p:nvPr>
-            <p:ph idx="1"/>
-          </p:nvPr>
-        </p:nvSpPr>
-        <p:spPr/>
-        <p:txBody>
-          <a:bodyPr>
-            <a:normAutofit/>
-          </a:bodyPr>
-          <a:lstStyle/>
-          <a:p>
-            <a:r>
-              <a:rPr lang="zh-CN" altLang="en-US" dirty="0"/>
-              <a:t>枚举类型不宜作为键使用</a:t>
-            </a:r>
-            <a:endParaRPr lang="en-US" altLang="zh-CN" dirty="0"/>
-          </a:p>
-          <a:p>
-            <a:pPr marL="457200" lvl="1" indent="0">
-              <a:buNone/>
-            </a:pPr>
-            <a:r>
-              <a:rPr lang="zh-CN" altLang="en-US" sz="1800" dirty="0">
-                <a:latin typeface="微软雅黑 Light" panose="020B0502040204020203" pitchFamily="34" charset="-122"/>
-                <a:ea typeface="微软雅黑 Light" panose="020B0502040204020203" pitchFamily="34" charset="-122"/>
-              </a:rPr>
-              <a:t>枚举是值类型，而且你无法重写它的</a:t>
-            </a:r>
-            <a:r>
-              <a:rPr lang="en-US" altLang="zh-CN" sz="1800" dirty="0" err="1">
-                <a:latin typeface="微软雅黑 Light" panose="020B0502040204020203" pitchFamily="34" charset="-122"/>
-                <a:ea typeface="微软雅黑 Light" panose="020B0502040204020203" pitchFamily="34" charset="-122"/>
-              </a:rPr>
-              <a:t>GetHashCode</a:t>
-            </a:r>
-            <a:r>
-              <a:rPr lang="zh-CN" altLang="en-US" sz="1800" dirty="0">
-                <a:latin typeface="微软雅黑 Light" panose="020B0502040204020203" pitchFamily="34" charset="-122"/>
-                <a:ea typeface="微软雅黑 Light" panose="020B0502040204020203" pitchFamily="34" charset="-122"/>
-              </a:rPr>
-              <a:t>方法</a:t>
-            </a:r>
-            <a:endParaRPr lang="en-US" altLang="zh-CN" sz="1800" dirty="0">
-              <a:latin typeface="微软雅黑 Light" panose="020B0502040204020203" pitchFamily="34" charset="-122"/>
-              <a:ea typeface="微软雅黑 Light" panose="020B0502040204020203" pitchFamily="34" charset="-122"/>
-            </a:endParaRPr>
-          </a:p>
-          <a:p>
-            <a:r>
-              <a:rPr lang="zh-CN" altLang="en-US" dirty="0"/>
-              <a:t>谨慎传递结构体</a:t>
-            </a:r>
-            <a:endParaRPr lang="en-US" altLang="zh-CN" dirty="0"/>
-          </a:p>
-          <a:p>
-            <a:pPr marL="457200" lvl="1" indent="0">
-              <a:buNone/>
-            </a:pPr>
-            <a:r>
-              <a:rPr lang="zh-CN" altLang="en-US" sz="1800" dirty="0">
-                <a:latin typeface="微软雅黑 Light" panose="020B0502040204020203" pitchFamily="34" charset="-122"/>
-                <a:ea typeface="微软雅黑 Light" panose="020B0502040204020203" pitchFamily="34" charset="-122"/>
-              </a:rPr>
-              <a:t>别忘了结构体是值类型哦。使用</a:t>
-            </a:r>
-            <a:r>
-              <a:rPr lang="en-US" altLang="zh-CN" sz="1800" dirty="0">
-                <a:latin typeface="微软雅黑 Light" panose="020B0502040204020203" pitchFamily="34" charset="-122"/>
-                <a:ea typeface="微软雅黑 Light" panose="020B0502040204020203" pitchFamily="34" charset="-122"/>
-              </a:rPr>
-              <a:t>ref</a:t>
-            </a:r>
-            <a:r>
-              <a:rPr lang="zh-CN" altLang="en-US" sz="1800" dirty="0">
-                <a:latin typeface="微软雅黑 Light" panose="020B0502040204020203" pitchFamily="34" charset="-122"/>
-                <a:ea typeface="微软雅黑 Light" panose="020B0502040204020203" pitchFamily="34" charset="-122"/>
-              </a:rPr>
-              <a:t>传递作为参数的结构体</a:t>
-            </a:r>
-            <a:endParaRPr lang="en-US" altLang="zh-CN" sz="1800" dirty="0">
-              <a:latin typeface="微软雅黑 Light" panose="020B0502040204020203" pitchFamily="34" charset="-122"/>
-              <a:ea typeface="微软雅黑 Light" panose="020B0502040204020203" pitchFamily="34" charset="-122"/>
-            </a:endParaRPr>
-          </a:p>
-          <a:p>
-            <a:r>
-              <a:rPr lang="zh-CN" altLang="en-US" dirty="0"/>
-              <a:t>使用枚举而非常量</a:t>
-            </a:r>
-            <a:endParaRPr lang="en-US" altLang="zh-CN" dirty="0"/>
-          </a:p>
-          <a:p>
-            <a:pPr marL="457200" lvl="1" indent="0">
-              <a:buNone/>
-            </a:pPr>
-            <a:r>
-              <a:rPr lang="zh-CN" altLang="en-US" sz="1800" dirty="0">
-                <a:latin typeface="微软雅黑 Light" panose="020B0502040204020203" pitchFamily="34" charset="-122"/>
-                <a:ea typeface="微软雅黑 Light" panose="020B0502040204020203" pitchFamily="34" charset="-122"/>
-              </a:rPr>
-              <a:t>枚举明确地指出了其内容的约束，且拥有更完备的工具支持</a:t>
-            </a:r>
-            <a:endParaRPr lang="en-US" altLang="zh-CN" sz="1800" dirty="0">
-              <a:latin typeface="微软雅黑 Light" panose="020B0502040204020203" pitchFamily="34" charset="-122"/>
-              <a:ea typeface="微软雅黑 Light" panose="020B0502040204020203" pitchFamily="34" charset="-122"/>
-            </a:endParaRPr>
-          </a:p>
-          <a:p>
-            <a:r>
-              <a:rPr lang="zh-CN" altLang="en-US" dirty="0"/>
-              <a:t>慎重对待闭包</a:t>
-            </a:r>
-            <a:endParaRPr lang="en-US" altLang="zh-CN" dirty="0"/>
-          </a:p>
-          <a:p>
-            <a:pPr marL="457200" lvl="1" indent="0">
-              <a:buNone/>
-            </a:pPr>
-            <a:r>
-              <a:rPr lang="zh-CN" altLang="en-US" sz="1800" dirty="0">
-                <a:latin typeface="微软雅黑 Light" panose="020B0502040204020203" pitchFamily="34" charset="-122"/>
-                <a:ea typeface="微软雅黑 Light" panose="020B0502040204020203" pitchFamily="34" charset="-122"/>
-              </a:rPr>
-              <a:t>状态的延续站在内存的肩膀上</a:t>
-            </a:r>
-            <a:endParaRPr lang="en-US" altLang="zh-CN" sz="1800" dirty="0">
-              <a:latin typeface="微软雅黑 Light" panose="020B0502040204020203" pitchFamily="34" charset="-122"/>
-              <a:ea typeface="微软雅黑 Light" panose="020B0502040204020203" pitchFamily="34" charset="-122"/>
-            </a:endParaRPr>
-          </a:p>
-          <a:p>
-            <a:r>
-              <a:rPr lang="zh-CN" altLang="en-US" dirty="0"/>
-              <a:t>编译重复使用的正则表达式</a:t>
-            </a:r>
-            <a:endParaRPr lang="en-US" altLang="zh-CN" dirty="0"/>
-          </a:p>
-          <a:p>
-            <a:pPr marL="457200" lvl="1" indent="0">
-              <a:buNone/>
-            </a:pPr>
-            <a:r>
-              <a:rPr lang="zh-CN" altLang="en-US" sz="1800" dirty="0">
-                <a:latin typeface="微软雅黑 Light" panose="020B0502040204020203" pitchFamily="34" charset="-122"/>
-                <a:ea typeface="微软雅黑 Light" panose="020B0502040204020203" pitchFamily="34" charset="-122"/>
-              </a:rPr>
-              <a:t>将字符串编译为自动机往往要比匹配消耗更多时间</a:t>
-            </a:r>
-            <a:endParaRPr lang="en-US" altLang="zh-CN" sz="1800" dirty="0">
-              <a:latin typeface="微软雅黑 Light" panose="020B0502040204020203" pitchFamily="34" charset="-122"/>
-              <a:ea typeface="微软雅黑 Light" panose="020B0502040204020203" pitchFamily="34" charset="-122"/>
-            </a:endParaRPr>
-          </a:p>
-          <a:p>
-            <a:pPr marL="457200" lvl="1" indent="0">
-              <a:buNone/>
-            </a:pPr>
-            <a:endParaRPr lang="zh-CN" altLang="en-US" sz="1800" dirty="0">
-              <a:latin typeface="微软雅黑 Light" panose="020B0502040204020203" pitchFamily="34" charset="-122"/>
-              <a:ea typeface="微软雅黑 Light" panose="020B0502040204020203" pitchFamily="34" charset="-122"/>
-            </a:endParaRPr>
-          </a:p>
-        </p:txBody>
-      </p:sp>
-    </p:spTree>
-    <p:extLst>
-      <p:ext uri="{BB962C8B-B14F-4D97-AF65-F5344CB8AC3E}">
-        <p14:creationId xmlns:p14="http://schemas.microsoft.com/office/powerpoint/2010/main" val="4131926382"/>
-      </p:ext>
-    </p:extLst>
-  </p:cSld>
-  <p:clrMapOvr>
-    <a:masterClrMapping/>
-  </p:clrMapOvr>
-</p:sld>
-</file>
-
-<file path=ppt/slides/slide18.xml><?xml version="1.0" encoding="utf-8"?>
-<p:sld xmlns:a="http://schemas.openxmlformats.org/drawingml/2006/main" xmlns:r="http://schemas.openxmlformats.org/officeDocument/2006/relationships" xmlns:p="http://schemas.openxmlformats.org/presentationml/2006/main">
-  <p:cSld>
-    <p:spTree>
-      <p:nvGrpSpPr>
-        <p:cNvPr id="1" name=""/>
-        <p:cNvGrpSpPr/>
-        <p:nvPr/>
-      </p:nvGrpSpPr>
-      <p:grpSpPr>
-        <a:xfrm>
-          <a:off x="0" y="0"/>
-          <a:ext cx="0" cy="0"/>
-          <a:chOff x="0" y="0"/>
-          <a:chExt cx="0" cy="0"/>
-        </a:xfrm>
-      </p:grpSpPr>
-      <p:sp>
-        <p:nvSpPr>
-          <p:cNvPr id="2" name="标题 1"/>
-          <p:cNvSpPr>
-            <a:spLocks noGrp="1"/>
-          </p:cNvSpPr>
-          <p:nvPr>
-            <p:ph type="title"/>
-          </p:nvPr>
-        </p:nvSpPr>
-        <p:spPr/>
-        <p:txBody>
-          <a:bodyPr/>
-          <a:lstStyle/>
-          <a:p>
-            <a:r>
-              <a:rPr lang="zh-CN" altLang="en-US" dirty="0"/>
-              <a:t>书籍</a:t>
-            </a:r>
-          </a:p>
-        </p:txBody>
-      </p:sp>
-      <p:sp>
-        <p:nvSpPr>
-          <p:cNvPr id="3" name="内容占位符 2"/>
-          <p:cNvSpPr>
-            <a:spLocks noGrp="1"/>
-          </p:cNvSpPr>
-          <p:nvPr>
-            <p:ph idx="1"/>
-          </p:nvPr>
-        </p:nvSpPr>
-        <p:spPr/>
-        <p:txBody>
-          <a:bodyPr>
-            <a:normAutofit fontScale="92500" lnSpcReduction="20000"/>
-          </a:bodyPr>
-          <a:lstStyle/>
-          <a:p>
-            <a:r>
-              <a:rPr lang="en-US" altLang="zh-CN" dirty="0"/>
-              <a:t>CLR via C#</a:t>
-            </a:r>
-          </a:p>
-          <a:p>
-            <a:pPr lvl="1"/>
-            <a:r>
-              <a:rPr lang="en-US" altLang="zh-CN" sz="2000" dirty="0" err="1"/>
-              <a:t>.Net</a:t>
-            </a:r>
-            <a:r>
-              <a:rPr lang="zh-CN" altLang="en-US" sz="2000" dirty="0"/>
-              <a:t>社区最享盛名的书籍之一。阅读较为容易，学习曲线平缓，对平台认知提升显著</a:t>
-            </a:r>
-            <a:endParaRPr lang="en-US" altLang="zh-CN" sz="2000" dirty="0"/>
-          </a:p>
-          <a:p>
-            <a:pPr lvl="1"/>
-            <a:r>
-              <a:rPr lang="zh-CN" altLang="en-US" sz="2000" dirty="0"/>
-              <a:t>有中文版，翻译品质优秀</a:t>
-            </a:r>
-            <a:endParaRPr lang="en-US" altLang="zh-CN" sz="2000" dirty="0"/>
-          </a:p>
-          <a:p>
-            <a:r>
-              <a:rPr lang="en-US" altLang="zh-CN" dirty="0"/>
-              <a:t>Advanced </a:t>
-            </a:r>
-            <a:r>
-              <a:rPr lang="en-US" altLang="zh-CN" dirty="0" err="1"/>
-              <a:t>.Net</a:t>
-            </a:r>
-            <a:r>
-              <a:rPr lang="en-US" altLang="zh-CN" dirty="0"/>
-              <a:t> Debugging</a:t>
-            </a:r>
-          </a:p>
-          <a:p>
-            <a:pPr lvl="1"/>
-            <a:r>
-              <a:rPr lang="zh-CN" altLang="en-US" sz="2000" dirty="0"/>
-              <a:t>系统介绍了</a:t>
-            </a:r>
-            <a:r>
-              <a:rPr lang="en-US" altLang="zh-CN" sz="2000" dirty="0" err="1"/>
-              <a:t>.Net</a:t>
-            </a:r>
-            <a:r>
-              <a:rPr lang="zh-CN" altLang="en-US" sz="2000" dirty="0"/>
-              <a:t>程序的调试方法，同时对程序的内存结构和执行引擎行为作了若干介绍</a:t>
-            </a:r>
-            <a:endParaRPr lang="en-US" altLang="zh-CN" sz="2000" dirty="0"/>
-          </a:p>
-          <a:p>
-            <a:pPr lvl="1"/>
-            <a:r>
-              <a:rPr lang="zh-CN" altLang="en-US" sz="2000" dirty="0"/>
-              <a:t>较老版本有中文版，翻译品质一般</a:t>
-            </a:r>
-            <a:endParaRPr lang="en-US" altLang="zh-CN" sz="2000" dirty="0"/>
-          </a:p>
-          <a:p>
-            <a:r>
-              <a:rPr lang="en-US" altLang="zh-CN" dirty="0"/>
-              <a:t>Expert </a:t>
-            </a:r>
-            <a:r>
-              <a:rPr lang="en-US" altLang="zh-CN" dirty="0" err="1"/>
-              <a:t>.Net</a:t>
-            </a:r>
-            <a:r>
-              <a:rPr lang="en-US" altLang="zh-CN" dirty="0"/>
-              <a:t> 2.0 IL Assembler</a:t>
-            </a:r>
-          </a:p>
-          <a:p>
-            <a:pPr lvl="1"/>
-            <a:r>
-              <a:rPr lang="zh-CN" altLang="en-US" sz="2000" dirty="0"/>
-              <a:t>比较难得的详细介绍</a:t>
-            </a:r>
-            <a:r>
-              <a:rPr lang="en-US" altLang="zh-CN" sz="2000" dirty="0"/>
-              <a:t>IL</a:t>
-            </a:r>
-            <a:r>
-              <a:rPr lang="zh-CN" altLang="en-US" sz="2000" dirty="0"/>
-              <a:t>与</a:t>
-            </a:r>
-            <a:r>
-              <a:rPr lang="en-US" altLang="zh-CN" sz="2000" dirty="0" err="1"/>
-              <a:t>.Net</a:t>
-            </a:r>
-            <a:r>
-              <a:rPr lang="zh-CN" altLang="en-US" sz="2000" dirty="0"/>
-              <a:t>程序平面结构的书籍</a:t>
-            </a:r>
-            <a:endParaRPr lang="en-US" altLang="zh-CN" sz="2000" dirty="0"/>
-          </a:p>
-          <a:p>
-            <a:pPr lvl="1"/>
-            <a:r>
-              <a:rPr lang="zh-CN" altLang="en-US" sz="2000" dirty="0"/>
-              <a:t>内容较老，所幸其核心内容近年间未发生变化</a:t>
-            </a:r>
-            <a:endParaRPr lang="en-US" altLang="zh-CN" sz="2000" dirty="0"/>
-          </a:p>
-          <a:p>
-            <a:pPr lvl="1"/>
-            <a:r>
-              <a:rPr lang="zh-CN" altLang="en-US" sz="2000" dirty="0"/>
-              <a:t>有中文版，翻译品质一般</a:t>
-            </a:r>
-            <a:endParaRPr lang="en-US" altLang="zh-CN" sz="2000" dirty="0"/>
-          </a:p>
-          <a:p>
-            <a:r>
-              <a:rPr lang="en-US" altLang="zh-CN" dirty="0"/>
-              <a:t>Pro </a:t>
-            </a:r>
-            <a:r>
-              <a:rPr lang="en-US" altLang="zh-CN" dirty="0" err="1"/>
-              <a:t>.Net</a:t>
-            </a:r>
-            <a:r>
-              <a:rPr lang="en-US" altLang="zh-CN" dirty="0"/>
-              <a:t> Performance</a:t>
-            </a:r>
-          </a:p>
-          <a:p>
-            <a:pPr lvl="1"/>
-            <a:r>
-              <a:rPr lang="zh-CN" altLang="en-US" sz="2000" dirty="0"/>
-              <a:t>对</a:t>
-            </a:r>
-            <a:r>
-              <a:rPr lang="en-US" altLang="zh-CN" sz="2000" dirty="0" err="1"/>
-              <a:t>.Net</a:t>
-            </a:r>
-            <a:r>
-              <a:rPr lang="zh-CN" altLang="en-US" sz="2000" dirty="0"/>
-              <a:t>平台执行引擎做了详细的描述，适合想要深入了解</a:t>
-            </a:r>
-            <a:r>
-              <a:rPr lang="en-US" altLang="zh-CN" sz="2000" dirty="0" err="1"/>
-              <a:t>.Net</a:t>
-            </a:r>
-            <a:r>
-              <a:rPr lang="zh-CN" altLang="en-US" sz="2000" dirty="0"/>
-              <a:t>执行引擎的同学</a:t>
-            </a:r>
-            <a:endParaRPr lang="en-US" altLang="zh-CN" sz="2000" dirty="0"/>
-          </a:p>
-          <a:p>
-            <a:pPr lvl="1"/>
-            <a:r>
-              <a:rPr lang="zh-CN" altLang="en-US" sz="2000" dirty="0"/>
-              <a:t>需要较多周边知识</a:t>
-            </a:r>
-            <a:endParaRPr lang="en-US" altLang="zh-CN" sz="2000" dirty="0"/>
-          </a:p>
-          <a:p>
-            <a:pPr lvl="1"/>
-            <a:r>
-              <a:rPr lang="zh-CN" altLang="en-US" sz="2000" dirty="0"/>
-              <a:t>无中文版</a:t>
-            </a:r>
-            <a:endParaRPr lang="en-US" altLang="zh-CN" sz="2000" dirty="0"/>
-          </a:p>
-          <a:p>
-            <a:endParaRPr lang="en-US" altLang="zh-CN" dirty="0"/>
-          </a:p>
-          <a:p>
-            <a:endParaRPr lang="zh-CN" altLang="en-US" dirty="0"/>
-          </a:p>
-        </p:txBody>
-      </p:sp>
-    </p:spTree>
-    <p:extLst>
-      <p:ext uri="{BB962C8B-B14F-4D97-AF65-F5344CB8AC3E}">
-        <p14:creationId xmlns:p14="http://schemas.microsoft.com/office/powerpoint/2010/main" val="2083535181"/>
-      </p:ext>
-    </p:extLst>
-  </p:cSld>
-  <p:clrMapOvr>
-    <a:masterClrMapping/>
-  </p:clrMapOvr>
-</p:sld>
-</file>
-
-<file path=ppt/slides/slide19.xml><?xml version="1.0" encoding="utf-8"?>
-<p:sld xmlns:a="http://schemas.openxmlformats.org/drawingml/2006/main" xmlns:r="http://schemas.openxmlformats.org/officeDocument/2006/relationships" xmlns:p="http://schemas.openxmlformats.org/presentationml/2006/main">
-  <p:cSld>
-    <p:spTree>
-      <p:nvGrpSpPr>
-        <p:cNvPr id="1" name=""/>
-        <p:cNvGrpSpPr/>
-        <p:nvPr/>
-      </p:nvGrpSpPr>
-      <p:grpSpPr>
-        <a:xfrm>
-          <a:off x="0" y="0"/>
-          <a:ext cx="0" cy="0"/>
-          <a:chOff x="0" y="0"/>
-          <a:chExt cx="0" cy="0"/>
-        </a:xfrm>
-      </p:grpSpPr>
-      <p:sp>
-        <p:nvSpPr>
-          <p:cNvPr id="4" name="标题 3"/>
-          <p:cNvSpPr>
-            <a:spLocks noGrp="1"/>
-          </p:cNvSpPr>
-          <p:nvPr>
-            <p:ph type="title"/>
-          </p:nvPr>
-        </p:nvSpPr>
-        <p:spPr>
-          <a:xfrm>
-            <a:off x="696158" y="1821063"/>
-            <a:ext cx="10515600" cy="1325563"/>
-          </a:xfrm>
-        </p:spPr>
-        <p:txBody>
-          <a:bodyPr/>
-          <a:lstStyle/>
-          <a:p>
-            <a:pPr algn="ctr"/>
-            <a:r>
-              <a:rPr lang="en-US" altLang="zh-CN" dirty="0"/>
-              <a:t>Thanks!</a:t>
-            </a:r>
-            <a:endParaRPr lang="zh-CN" altLang="en-US" dirty="0"/>
-          </a:p>
-        </p:txBody>
-      </p:sp>
-    </p:spTree>
-    <p:extLst>
-      <p:ext uri="{BB962C8B-B14F-4D97-AF65-F5344CB8AC3E}">
-        <p14:creationId xmlns:p14="http://schemas.microsoft.com/office/powerpoint/2010/main" val="2146277844"/>
-      </p:ext>
-    </p:extLst>
-  </p:cSld>
-  <p:clrMapOvr>
-    <a:masterClrMapping/>
-  </p:clrMapOvr>
-</p:sld>
-</file>
-
-<file path=ppt/slides/slide2.xml><?xml version="1.0" encoding="utf-8"?>
-<p:sld xmlns:a="http://schemas.openxmlformats.org/drawingml/2006/main" xmlns:r="http://schemas.openxmlformats.org/officeDocument/2006/relationships" xmlns:p="http://schemas.openxmlformats.org/presentationml/2006/main">
-  <p:cSld>
-    <p:spTree>
-      <p:nvGrpSpPr>
-        <p:cNvPr id="1" name=""/>
-        <p:cNvGrpSpPr/>
-        <p:nvPr/>
-      </p:nvGrpSpPr>
-      <p:grpSpPr>
-        <a:xfrm>
-          <a:off x="0" y="0"/>
-          <a:ext cx="0" cy="0"/>
-          <a:chOff x="0" y="0"/>
-          <a:chExt cx="0" cy="0"/>
-        </a:xfrm>
-      </p:grpSpPr>
-      <p:sp>
-        <p:nvSpPr>
-          <p:cNvPr id="2" name="标题 1"/>
-          <p:cNvSpPr>
-            <a:spLocks noGrp="1"/>
-          </p:cNvSpPr>
-          <p:nvPr>
-            <p:ph type="title"/>
-          </p:nvPr>
-        </p:nvSpPr>
-        <p:spPr/>
-        <p:txBody>
-          <a:bodyPr/>
-          <a:lstStyle/>
-          <a:p>
-            <a:r>
-              <a:rPr lang="zh-CN" altLang="en-US" dirty="0"/>
-              <a:t>目录</a:t>
-            </a:r>
-          </a:p>
-        </p:txBody>
-      </p:sp>
-      <p:sp>
-        <p:nvSpPr>
-          <p:cNvPr id="3" name="内容占位符 2"/>
-          <p:cNvSpPr>
-            <a:spLocks noGrp="1"/>
-          </p:cNvSpPr>
-          <p:nvPr>
-            <p:ph idx="1"/>
-          </p:nvPr>
-        </p:nvSpPr>
-        <p:spPr/>
-        <p:txBody>
-          <a:bodyPr/>
-          <a:lstStyle/>
-          <a:p>
-            <a:r>
-              <a:rPr lang="en-US" altLang="zh-CN" dirty="0" err="1"/>
-              <a:t>.Net</a:t>
-            </a:r>
-            <a:r>
-              <a:rPr lang="zh-CN" altLang="en-US" dirty="0"/>
-              <a:t>平台谱系</a:t>
-            </a:r>
-            <a:endParaRPr lang="en-US" altLang="zh-CN" dirty="0"/>
-          </a:p>
-          <a:p>
-            <a:r>
-              <a:rPr lang="en-US" altLang="zh-CN" dirty="0" err="1"/>
-              <a:t>.Net</a:t>
-            </a:r>
-            <a:r>
-              <a:rPr lang="zh-CN" altLang="en-US" dirty="0"/>
-              <a:t>应用程序集结构</a:t>
-            </a:r>
-            <a:endParaRPr lang="en-US" altLang="zh-CN" dirty="0"/>
-          </a:p>
-          <a:p>
-            <a:pPr lvl="1"/>
-            <a:r>
-              <a:rPr lang="zh-CN" altLang="en-US" dirty="0"/>
-              <a:t>磁盘平面结构</a:t>
-            </a:r>
-            <a:endParaRPr lang="en-US" altLang="zh-CN" dirty="0"/>
-          </a:p>
-          <a:p>
-            <a:pPr lvl="1"/>
-            <a:r>
-              <a:rPr lang="zh-CN" altLang="en-US" dirty="0"/>
-              <a:t>内存结构</a:t>
-            </a:r>
-            <a:endParaRPr lang="en-US" altLang="zh-CN" dirty="0"/>
-          </a:p>
-          <a:p>
-            <a:r>
-              <a:rPr lang="en-US" altLang="zh-CN" dirty="0"/>
-              <a:t>IL2CPP</a:t>
-            </a:r>
-            <a:r>
-              <a:rPr lang="zh-CN" altLang="en-US" dirty="0"/>
-              <a:t>概览</a:t>
-            </a:r>
-            <a:endParaRPr lang="en-US" altLang="zh-CN" dirty="0"/>
-          </a:p>
-          <a:p>
-            <a:r>
-              <a:rPr lang="zh-CN" altLang="en-US" dirty="0"/>
-              <a:t>实践优化</a:t>
-            </a:r>
-          </a:p>
-        </p:txBody>
-      </p:sp>
-    </p:spTree>
-    <p:extLst>
-      <p:ext uri="{BB962C8B-B14F-4D97-AF65-F5344CB8AC3E}">
-        <p14:creationId xmlns:p14="http://schemas.microsoft.com/office/powerpoint/2010/main" val="2703389415"/>
-      </p:ext>
-    </p:extLst>
-  </p:cSld>
-  <p:clrMapOvr>
-    <a:masterClrMapping/>
-  </p:clrMapOvr>
-</p:sld>
-</file>
-
-<file path=ppt/slides/slide3.xml><?xml version="1.0" encoding="utf-8"?>
-<p:sld xmlns:a="http://schemas.openxmlformats.org/drawingml/2006/main" xmlns:r="http://schemas.openxmlformats.org/officeDocument/2006/relationships" xmlns:p="http://schemas.openxmlformats.org/presentationml/2006/main">
-  <p:cSld>
-    <p:spTree>
-      <p:nvGrpSpPr>
-        <p:cNvPr id="1" name=""/>
-        <p:cNvGrpSpPr/>
-        <p:nvPr/>
-      </p:nvGrpSpPr>
-      <p:grpSpPr>
-        <a:xfrm>
-          <a:off x="0" y="0"/>
-          <a:ext cx="0" cy="0"/>
-          <a:chOff x="0" y="0"/>
-          <a:chExt cx="0" cy="0"/>
-        </a:xfrm>
-      </p:grpSpPr>
-      <p:sp>
-        <p:nvSpPr>
-          <p:cNvPr id="2" name="标题 1"/>
-          <p:cNvSpPr>
-            <a:spLocks noGrp="1"/>
-          </p:cNvSpPr>
-          <p:nvPr>
-            <p:ph type="title"/>
-          </p:nvPr>
-        </p:nvSpPr>
-        <p:spPr/>
-        <p:txBody>
-          <a:bodyPr/>
-          <a:lstStyle/>
-          <a:p>
-            <a:r>
-              <a:rPr lang="en-US" altLang="zh-CN" dirty="0" err="1"/>
-              <a:t>.Net</a:t>
-            </a:r>
-            <a:r>
-              <a:rPr lang="zh-CN" altLang="en-US" dirty="0"/>
-              <a:t>平台谱系</a:t>
-            </a:r>
-          </a:p>
-        </p:txBody>
-      </p:sp>
-      <p:sp>
-        <p:nvSpPr>
-          <p:cNvPr id="3" name="内容占位符 2"/>
-          <p:cNvSpPr>
-            <a:spLocks noGrp="1"/>
-          </p:cNvSpPr>
-          <p:nvPr>
-            <p:ph idx="1"/>
-          </p:nvPr>
-        </p:nvSpPr>
-        <p:spPr/>
-        <p:txBody>
-          <a:bodyPr/>
-          <a:lstStyle/>
-          <a:p>
-            <a:r>
-              <a:rPr lang="en-US" altLang="zh-CN" dirty="0" err="1"/>
-              <a:t>.Net</a:t>
-            </a:r>
-            <a:r>
-              <a:rPr lang="en-US" altLang="zh-CN" dirty="0"/>
-              <a:t> Framework</a:t>
-            </a:r>
-          </a:p>
-          <a:p>
-            <a:r>
-              <a:rPr lang="en-US" altLang="zh-CN" dirty="0" err="1"/>
-              <a:t>CoreCLR</a:t>
-            </a:r>
-            <a:endParaRPr lang="en-US" altLang="zh-CN" dirty="0"/>
-          </a:p>
-          <a:p>
-            <a:r>
-              <a:rPr lang="en-US" altLang="zh-CN" dirty="0"/>
-              <a:t>Mono</a:t>
-            </a:r>
-          </a:p>
-          <a:p>
-            <a:r>
-              <a:rPr lang="en-US" altLang="zh-CN" dirty="0"/>
-              <a:t>Mono(Unity3D)</a:t>
-            </a:r>
-          </a:p>
-          <a:p>
-            <a:r>
-              <a:rPr lang="en-US" altLang="zh-CN" dirty="0"/>
-              <a:t>IL2CPP(Unity3D)</a:t>
-            </a:r>
-            <a:endParaRPr lang="zh-CN" altLang="en-US" dirty="0"/>
-          </a:p>
-        </p:txBody>
-      </p:sp>
-    </p:spTree>
-    <p:extLst>
-      <p:ext uri="{BB962C8B-B14F-4D97-AF65-F5344CB8AC3E}">
-        <p14:creationId xmlns:p14="http://schemas.microsoft.com/office/powerpoint/2010/main" val="2932515175"/>
-      </p:ext>
-    </p:extLst>
-  </p:cSld>
-  <p:clrMapOvr>
-    <a:masterClrMapping/>
-  </p:clrMapOvr>
-</p:sld>
-</file>
-
-<file path=ppt/slides/slide4.xml><?xml version="1.0" encoding="utf-8"?>
-<p:sld xmlns:a="http://schemas.openxmlformats.org/drawingml/2006/main" xmlns:r="http://schemas.openxmlformats.org/officeDocument/2006/relationships" xmlns:p="http://schemas.openxmlformats.org/presentationml/2006/main">
-  <p:cSld>
-    <p:spTree>
-      <p:nvGrpSpPr>
-        <p:cNvPr id="1" name=""/>
-        <p:cNvGrpSpPr/>
-        <p:nvPr/>
-      </p:nvGrpSpPr>
-      <p:grpSpPr>
-        <a:xfrm>
-          <a:off x="0" y="0"/>
-          <a:ext cx="0" cy="0"/>
-          <a:chOff x="0" y="0"/>
-          <a:chExt cx="0" cy="0"/>
-        </a:xfrm>
-      </p:grpSpPr>
-      <p:sp>
-        <p:nvSpPr>
-          <p:cNvPr id="2" name="标题 1"/>
-          <p:cNvSpPr>
-            <a:spLocks noGrp="1"/>
-          </p:cNvSpPr>
-          <p:nvPr>
-            <p:ph type="title"/>
-          </p:nvPr>
-        </p:nvSpPr>
-        <p:spPr/>
-        <p:txBody>
-          <a:bodyPr/>
-          <a:lstStyle/>
-          <a:p>
-            <a:r>
-              <a:rPr lang="en-US" altLang="zh-CN" dirty="0" err="1"/>
-              <a:t>.Net</a:t>
-            </a:r>
-            <a:r>
-              <a:rPr lang="zh-CN" altLang="en-US" dirty="0"/>
-              <a:t>平台谱系</a:t>
-            </a:r>
-          </a:p>
-        </p:txBody>
-      </p:sp>
-      <p:graphicFrame>
-        <p:nvGraphicFramePr>
-          <p:cNvPr id="4" name="内容占位符 3"/>
-          <p:cNvGraphicFramePr>
-            <a:graphicFrameLocks noGrp="1"/>
-          </p:cNvGraphicFramePr>
-          <p:nvPr>
-            <p:ph idx="1"/>
-            <p:extLst>
-              <p:ext uri="{D42A27DB-BD31-4B8C-83A1-F6EECF244321}">
-                <p14:modId xmlns:p14="http://schemas.microsoft.com/office/powerpoint/2010/main" val="1494623527"/>
-              </p:ext>
-            </p:extLst>
-          </p:nvPr>
-        </p:nvGraphicFramePr>
-        <p:xfrm>
-          <a:off x="838200" y="2126774"/>
-          <a:ext cx="10515600" cy="3474720"/>
-        </p:xfrm>
-        <a:graphic>
-          <a:graphicData uri="http://schemas.openxmlformats.org/drawingml/2006/table">
-            <a:tbl>
-              <a:tblPr/>
-              <a:tblGrid>
-                <a:gridCol w="1752600">
-                  <a:extLst>
-                    <a:ext uri="{9D8B030D-6E8A-4147-A177-3AD203B41FA5}">
-                      <a16:colId xmlns:a16="http://schemas.microsoft.com/office/drawing/2014/main" val="2254679538"/>
-                    </a:ext>
-                  </a:extLst>
-                </a:gridCol>
-                <a:gridCol w="1752600">
-                  <a:extLst>
-                    <a:ext uri="{9D8B030D-6E8A-4147-A177-3AD203B41FA5}">
-                      <a16:colId xmlns:a16="http://schemas.microsoft.com/office/drawing/2014/main" val="1359284397"/>
-                    </a:ext>
-                  </a:extLst>
-                </a:gridCol>
-                <a:gridCol w="1752600">
-                  <a:extLst>
-                    <a:ext uri="{9D8B030D-6E8A-4147-A177-3AD203B41FA5}">
-                      <a16:colId xmlns:a16="http://schemas.microsoft.com/office/drawing/2014/main" val="921083793"/>
-                    </a:ext>
-                  </a:extLst>
-                </a:gridCol>
-                <a:gridCol w="1752600">
-                  <a:extLst>
-                    <a:ext uri="{9D8B030D-6E8A-4147-A177-3AD203B41FA5}">
-                      <a16:colId xmlns:a16="http://schemas.microsoft.com/office/drawing/2014/main" val="3880069599"/>
-                    </a:ext>
-                  </a:extLst>
-                </a:gridCol>
-                <a:gridCol w="1752600">
-                  <a:extLst>
-                    <a:ext uri="{9D8B030D-6E8A-4147-A177-3AD203B41FA5}">
-                      <a16:colId xmlns:a16="http://schemas.microsoft.com/office/drawing/2014/main" val="1117599545"/>
-                    </a:ext>
-                  </a:extLst>
-                </a:gridCol>
-                <a:gridCol w="1752600">
-                  <a:extLst>
-                    <a:ext uri="{9D8B030D-6E8A-4147-A177-3AD203B41FA5}">
-                      <a16:colId xmlns:a16="http://schemas.microsoft.com/office/drawing/2014/main" val="3689016970"/>
-                    </a:ext>
-                  </a:extLst>
-                </a:gridCol>
-              </a:tblGrid>
-              <a:tr h="0">
-                <a:tc>
-                  <a:txBody>
-                    <a:bodyPr/>
-                    <a:lstStyle/>
-                    <a:p>
-                      <a:endParaRPr lang="zh-CN" altLang="en-US" dirty="0"/>
-                    </a:p>
-                  </a:txBody>
-                  <a:tcPr anchor="ctr">
-                    <a:lnL w="9525" cap="flat" cmpd="sng" algn="ctr">
-                      <a:solidFill>
-                        <a:srgbClr val="4B5362"/>
-                      </a:solidFill>
-                      <a:prstDash val="solid"/>
-                      <a:round/>
-                      <a:headEnd type="none" w="med" len="med"/>
-                      <a:tailEnd type="none" w="med" len="med"/>
-                    </a:lnL>
-                    <a:lnR w="9525" cap="flat" cmpd="sng" algn="ctr">
-                      <a:solidFill>
-                        <a:srgbClr val="4B5362"/>
-                      </a:solidFill>
-                      <a:prstDash val="solid"/>
-                      <a:round/>
-                      <a:headEnd type="none" w="med" len="med"/>
-                      <a:tailEnd type="none" w="med" len="med"/>
-                    </a:lnR>
-                    <a:lnT w="9525" cap="flat" cmpd="sng" algn="ctr">
-                      <a:solidFill>
-                        <a:srgbClr val="4B5362"/>
-                      </a:solidFill>
-                      <a:prstDash val="solid"/>
-                      <a:round/>
-                      <a:headEnd type="none" w="med" len="med"/>
-                      <a:tailEnd type="none" w="med" len="med"/>
-                    </a:lnT>
-                    <a:lnB w="9525" cap="flat" cmpd="sng" algn="ctr">
-                      <a:solidFill>
-                        <a:srgbClr val="4B5362"/>
-                      </a:solidFill>
-                      <a:prstDash val="solid"/>
-                      <a:round/>
-                      <a:headEnd type="none" w="med" len="med"/>
-                      <a:tailEnd type="none" w="med" len="med"/>
-                    </a:lnB>
-                  </a:tcPr>
-                </a:tc>
-                <a:tc>
-                  <a:txBody>
-                    <a:bodyPr/>
-                    <a:lstStyle/>
-                    <a:p>
-                      <a:pPr algn="ctr"/>
-                      <a:r>
-                        <a:rPr lang="en-US" dirty="0" err="1">
-                          <a:solidFill>
-                            <a:schemeClr val="tx1"/>
-                          </a:solidFill>
-                          <a:effectLst/>
-                        </a:rPr>
-                        <a:t>RyuJIT</a:t>
-                      </a:r>
-                      <a:endParaRPr lang="en-US" dirty="0">
-                        <a:solidFill>
-                          <a:schemeClr val="tx1"/>
-                        </a:solidFill>
-                        <a:effectLst/>
-                      </a:endParaRPr>
-                    </a:p>
-                  </a:txBody>
-                  <a:tcPr anchor="ctr">
-                    <a:lnL w="9525" cap="flat" cmpd="sng" algn="ctr">
-                      <a:solidFill>
-                        <a:srgbClr val="4B5362"/>
-                      </a:solidFill>
-                      <a:prstDash val="solid"/>
-                      <a:round/>
-                      <a:headEnd type="none" w="med" len="med"/>
-                      <a:tailEnd type="none" w="med" len="med"/>
-                    </a:lnL>
-                    <a:lnR w="9525" cap="flat" cmpd="sng" algn="ctr">
-                      <a:solidFill>
-                        <a:srgbClr val="4B5362"/>
-                      </a:solidFill>
-                      <a:prstDash val="solid"/>
-                      <a:round/>
-                      <a:headEnd type="none" w="med" len="med"/>
-                      <a:tailEnd type="none" w="med" len="med"/>
-                    </a:lnR>
-                    <a:lnT w="9525" cap="flat" cmpd="sng" algn="ctr">
-                      <a:solidFill>
-                        <a:srgbClr val="4B5362"/>
-                      </a:solidFill>
-                      <a:prstDash val="solid"/>
-                      <a:round/>
-                      <a:headEnd type="none" w="med" len="med"/>
-                      <a:tailEnd type="none" w="med" len="med"/>
-                    </a:lnT>
-                    <a:lnB w="9525" cap="flat" cmpd="sng" algn="ctr">
-                      <a:solidFill>
-                        <a:srgbClr val="4B5362"/>
-                      </a:solidFill>
-                      <a:prstDash val="solid"/>
-                      <a:round/>
-                      <a:headEnd type="none" w="med" len="med"/>
-                      <a:tailEnd type="none" w="med" len="med"/>
-                    </a:lnB>
-                  </a:tcPr>
-                </a:tc>
-                <a:tc>
-                  <a:txBody>
-                    <a:bodyPr/>
-                    <a:lstStyle/>
-                    <a:p>
-                      <a:pPr algn="ctr"/>
-                      <a:r>
-                        <a:rPr lang="en-US" dirty="0" err="1">
-                          <a:solidFill>
-                            <a:schemeClr val="tx1"/>
-                          </a:solidFill>
-                          <a:effectLst/>
-                        </a:rPr>
-                        <a:t>RyuJITMono</a:t>
-                      </a:r>
-                      <a:endParaRPr lang="en-US" dirty="0">
-                        <a:solidFill>
-                          <a:schemeClr val="tx1"/>
-                        </a:solidFill>
-                        <a:effectLst/>
-                      </a:endParaRPr>
-                    </a:p>
-                  </a:txBody>
-                  <a:tcPr anchor="ctr">
-                    <a:lnL w="9525" cap="flat" cmpd="sng" algn="ctr">
-                      <a:solidFill>
-                        <a:srgbClr val="4B5362"/>
-                      </a:solidFill>
-                      <a:prstDash val="solid"/>
-                      <a:round/>
-                      <a:headEnd type="none" w="med" len="med"/>
-                      <a:tailEnd type="none" w="med" len="med"/>
-                    </a:lnL>
-                    <a:lnR w="9525" cap="flat" cmpd="sng" algn="ctr">
-                      <a:solidFill>
-                        <a:srgbClr val="4B5362"/>
-                      </a:solidFill>
-                      <a:prstDash val="solid"/>
-                      <a:round/>
-                      <a:headEnd type="none" w="med" len="med"/>
-                      <a:tailEnd type="none" w="med" len="med"/>
-                    </a:lnR>
-                    <a:lnT w="9525" cap="flat" cmpd="sng" algn="ctr">
-                      <a:solidFill>
-                        <a:srgbClr val="4B5362"/>
-                      </a:solidFill>
-                      <a:prstDash val="solid"/>
-                      <a:round/>
-                      <a:headEnd type="none" w="med" len="med"/>
-                      <a:tailEnd type="none" w="med" len="med"/>
-                    </a:lnT>
-                    <a:lnB w="9525" cap="flat" cmpd="sng" algn="ctr">
-                      <a:solidFill>
-                        <a:srgbClr val="4B5362"/>
-                      </a:solidFill>
-                      <a:prstDash val="solid"/>
-                      <a:round/>
-                      <a:headEnd type="none" w="med" len="med"/>
-                      <a:tailEnd type="none" w="med" len="med"/>
-                    </a:lnB>
-                  </a:tcPr>
-                </a:tc>
-                <a:tc>
-                  <a:txBody>
-                    <a:bodyPr/>
-                    <a:lstStyle/>
-                    <a:p>
-                      <a:pPr algn="ctr"/>
-                      <a:r>
-                        <a:rPr lang="en-US" dirty="0">
-                          <a:solidFill>
-                            <a:schemeClr val="tx1"/>
-                          </a:solidFill>
-                          <a:effectLst/>
-                        </a:rPr>
-                        <a:t>Mono(Unity3D)</a:t>
-                      </a:r>
-                    </a:p>
-                  </a:txBody>
-                  <a:tcPr anchor="ctr">
-                    <a:lnL w="9525" cap="flat" cmpd="sng" algn="ctr">
-                      <a:solidFill>
-                        <a:srgbClr val="4B5362"/>
-                      </a:solidFill>
-                      <a:prstDash val="solid"/>
-                      <a:round/>
-                      <a:headEnd type="none" w="med" len="med"/>
-                      <a:tailEnd type="none" w="med" len="med"/>
-                    </a:lnL>
-                    <a:lnR w="9525" cap="flat" cmpd="sng" algn="ctr">
-                      <a:solidFill>
-                        <a:srgbClr val="4B5362"/>
-                      </a:solidFill>
-                      <a:prstDash val="solid"/>
-                      <a:round/>
-                      <a:headEnd type="none" w="med" len="med"/>
-                      <a:tailEnd type="none" w="med" len="med"/>
-                    </a:lnR>
-                    <a:lnT w="9525" cap="flat" cmpd="sng" algn="ctr">
-                      <a:solidFill>
-                        <a:srgbClr val="4B5362"/>
-                      </a:solidFill>
-                      <a:prstDash val="solid"/>
-                      <a:round/>
-                      <a:headEnd type="none" w="med" len="med"/>
-                      <a:tailEnd type="none" w="med" len="med"/>
-                    </a:lnT>
-                    <a:lnB w="9525" cap="flat" cmpd="sng" algn="ctr">
-                      <a:solidFill>
-                        <a:srgbClr val="4B5362"/>
-                      </a:solidFill>
-                      <a:prstDash val="solid"/>
-                      <a:round/>
-                      <a:headEnd type="none" w="med" len="med"/>
-                      <a:tailEnd type="none" w="med" len="med"/>
-                    </a:lnB>
-                  </a:tcPr>
-                </a:tc>
-                <a:tc>
-                  <a:txBody>
-                    <a:bodyPr/>
-                    <a:lstStyle/>
-                    <a:p>
-                      <a:pPr algn="ctr"/>
-                      <a:r>
-                        <a:rPr lang="en-US" dirty="0">
-                          <a:solidFill>
-                            <a:schemeClr val="tx1"/>
-                          </a:solidFill>
-                          <a:effectLst/>
-                        </a:rPr>
-                        <a:t>Mono AOT</a:t>
-                      </a:r>
-                    </a:p>
-                  </a:txBody>
-                  <a:tcPr anchor="ctr">
-                    <a:lnL w="9525" cap="flat" cmpd="sng" algn="ctr">
-                      <a:solidFill>
-                        <a:srgbClr val="4B5362"/>
-                      </a:solidFill>
-                      <a:prstDash val="solid"/>
-                      <a:round/>
-                      <a:headEnd type="none" w="med" len="med"/>
-                      <a:tailEnd type="none" w="med" len="med"/>
-                    </a:lnL>
-                    <a:lnR w="9525" cap="flat" cmpd="sng" algn="ctr">
-                      <a:solidFill>
-                        <a:srgbClr val="4B5362"/>
-                      </a:solidFill>
-                      <a:prstDash val="solid"/>
-                      <a:round/>
-                      <a:headEnd type="none" w="med" len="med"/>
-                      <a:tailEnd type="none" w="med" len="med"/>
-                    </a:lnR>
-                    <a:lnT w="9525" cap="flat" cmpd="sng" algn="ctr">
-                      <a:solidFill>
-                        <a:srgbClr val="4B5362"/>
-                      </a:solidFill>
-                      <a:prstDash val="solid"/>
-                      <a:round/>
-                      <a:headEnd type="none" w="med" len="med"/>
-                      <a:tailEnd type="none" w="med" len="med"/>
-                    </a:lnT>
-                    <a:lnB w="9525" cap="flat" cmpd="sng" algn="ctr">
-                      <a:solidFill>
-                        <a:srgbClr val="4B5362"/>
-                      </a:solidFill>
-                      <a:prstDash val="solid"/>
-                      <a:round/>
-                      <a:headEnd type="none" w="med" len="med"/>
-                      <a:tailEnd type="none" w="med" len="med"/>
-                    </a:lnB>
-                  </a:tcPr>
-                </a:tc>
-                <a:tc>
-                  <a:txBody>
-                    <a:bodyPr/>
-                    <a:lstStyle/>
-                    <a:p>
-                      <a:pPr algn="ctr"/>
-                      <a:r>
-                        <a:rPr lang="en-US" dirty="0">
-                          <a:solidFill>
-                            <a:schemeClr val="tx1"/>
-                          </a:solidFill>
-                          <a:effectLst/>
-                        </a:rPr>
-                        <a:t>IL2CPP</a:t>
-                      </a:r>
-                    </a:p>
-                  </a:txBody>
-                  <a:tcPr>
-                    <a:lnL w="9525" cap="flat" cmpd="sng" algn="ctr">
-                      <a:solidFill>
-                        <a:srgbClr val="4B5362"/>
-                      </a:solidFill>
-                      <a:prstDash val="solid"/>
-                      <a:round/>
-                      <a:headEnd type="none" w="med" len="med"/>
-                      <a:tailEnd type="none" w="med" len="med"/>
-                    </a:lnL>
-                    <a:lnB w="9525" cap="flat" cmpd="sng" algn="ctr">
-                      <a:solidFill>
-                        <a:srgbClr val="4B5362"/>
-                      </a:solidFill>
-                      <a:prstDash val="solid"/>
-                      <a:round/>
-                      <a:headEnd type="none" w="med" len="med"/>
-                      <a:tailEnd type="none" w="med" len="med"/>
-                    </a:lnB>
-                  </a:tcPr>
-                </a:tc>
-                <a:extLst>
-                  <a:ext uri="{0D108BD9-81ED-4DB2-BD59-A6C34878D82A}">
-                    <a16:rowId xmlns:a16="http://schemas.microsoft.com/office/drawing/2014/main" val="2148362693"/>
-                  </a:ext>
-                </a:extLst>
-              </a:tr>
-              <a:tr h="0">
-                <a:tc>
-                  <a:txBody>
-                    <a:bodyPr/>
-                    <a:lstStyle/>
-                    <a:p>
-                      <a:pPr algn="ctr"/>
-                      <a:r>
-                        <a:rPr lang="zh-CN" altLang="en-US">
-                          <a:effectLst/>
-                        </a:rPr>
-                        <a:t>是否</a:t>
-                      </a:r>
-                      <a:r>
-                        <a:rPr lang="en-US">
-                          <a:effectLst/>
-                        </a:rPr>
-                        <a:t>JIT</a:t>
-                      </a:r>
-                    </a:p>
-                  </a:txBody>
-                  <a:tcPr anchor="ctr">
-                    <a:lnL w="9525" cap="flat" cmpd="sng" algn="ctr">
-                      <a:solidFill>
-                        <a:srgbClr val="4B5362"/>
-                      </a:solidFill>
-                      <a:prstDash val="solid"/>
-                      <a:round/>
-                      <a:headEnd type="none" w="med" len="med"/>
-                      <a:tailEnd type="none" w="med" len="med"/>
-                    </a:lnL>
-                    <a:lnR w="9525" cap="flat" cmpd="sng" algn="ctr">
-                      <a:solidFill>
-                        <a:srgbClr val="4B5362"/>
-                      </a:solidFill>
-                      <a:prstDash val="solid"/>
-                      <a:round/>
-                      <a:headEnd type="none" w="med" len="med"/>
-                      <a:tailEnd type="none" w="med" len="med"/>
-                    </a:lnR>
-                    <a:lnT w="9525" cap="flat" cmpd="sng" algn="ctr">
-                      <a:solidFill>
-                        <a:srgbClr val="4B5362"/>
-                      </a:solidFill>
-                      <a:prstDash val="solid"/>
-                      <a:round/>
-                      <a:headEnd type="none" w="med" len="med"/>
-                      <a:tailEnd type="none" w="med" len="med"/>
-                    </a:lnT>
-                    <a:lnB w="9525" cap="flat" cmpd="sng" algn="ctr">
-                      <a:solidFill>
-                        <a:srgbClr val="4B5362"/>
-                      </a:solidFill>
-                      <a:prstDash val="solid"/>
-                      <a:round/>
-                      <a:headEnd type="none" w="med" len="med"/>
-                      <a:tailEnd type="none" w="med" len="med"/>
-                    </a:lnB>
-                  </a:tcPr>
-                </a:tc>
-                <a:tc>
-                  <a:txBody>
-                    <a:bodyPr/>
-                    <a:lstStyle/>
-                    <a:p>
-                      <a:pPr algn="ctr"/>
-                      <a:r>
-                        <a:rPr lang="zh-CN" altLang="en-US">
-                          <a:effectLst/>
-                        </a:rPr>
-                        <a:t>是</a:t>
-                      </a:r>
-                    </a:p>
-                  </a:txBody>
-                  <a:tcPr anchor="ctr">
-                    <a:lnL w="9525" cap="flat" cmpd="sng" algn="ctr">
-                      <a:solidFill>
-                        <a:srgbClr val="4B5362"/>
-                      </a:solidFill>
-                      <a:prstDash val="solid"/>
-                      <a:round/>
-                      <a:headEnd type="none" w="med" len="med"/>
-                      <a:tailEnd type="none" w="med" len="med"/>
-                    </a:lnL>
-                    <a:lnR w="9525" cap="flat" cmpd="sng" algn="ctr">
-                      <a:solidFill>
-                        <a:srgbClr val="4B5362"/>
-                      </a:solidFill>
-                      <a:prstDash val="solid"/>
-                      <a:round/>
-                      <a:headEnd type="none" w="med" len="med"/>
-                      <a:tailEnd type="none" w="med" len="med"/>
-                    </a:lnR>
-                    <a:lnT w="9525" cap="flat" cmpd="sng" algn="ctr">
-                      <a:solidFill>
-                        <a:srgbClr val="4B5362"/>
-                      </a:solidFill>
-                      <a:prstDash val="solid"/>
-                      <a:round/>
-                      <a:headEnd type="none" w="med" len="med"/>
-                      <a:tailEnd type="none" w="med" len="med"/>
-                    </a:lnT>
-                    <a:lnB w="9525" cap="flat" cmpd="sng" algn="ctr">
-                      <a:solidFill>
-                        <a:srgbClr val="4B5362"/>
-                      </a:solidFill>
-                      <a:prstDash val="solid"/>
-                      <a:round/>
-                      <a:headEnd type="none" w="med" len="med"/>
-                      <a:tailEnd type="none" w="med" len="med"/>
-                    </a:lnB>
-                  </a:tcPr>
-                </a:tc>
-                <a:tc>
-                  <a:txBody>
-                    <a:bodyPr/>
-                    <a:lstStyle/>
-                    <a:p>
-                      <a:pPr algn="ctr"/>
-                      <a:r>
-                        <a:rPr lang="zh-CN" altLang="en-US">
-                          <a:effectLst/>
-                        </a:rPr>
-                        <a:t>是</a:t>
-                      </a:r>
-                    </a:p>
-                  </a:txBody>
-                  <a:tcPr anchor="ctr">
-                    <a:lnL w="9525" cap="flat" cmpd="sng" algn="ctr">
-                      <a:solidFill>
-                        <a:srgbClr val="4B5362"/>
-                      </a:solidFill>
-                      <a:prstDash val="solid"/>
-                      <a:round/>
-                      <a:headEnd type="none" w="med" len="med"/>
-                      <a:tailEnd type="none" w="med" len="med"/>
-                    </a:lnL>
-                    <a:lnR w="9525" cap="flat" cmpd="sng" algn="ctr">
-                      <a:solidFill>
-                        <a:srgbClr val="4B5362"/>
-                      </a:solidFill>
-                      <a:prstDash val="solid"/>
-                      <a:round/>
-                      <a:headEnd type="none" w="med" len="med"/>
-                      <a:tailEnd type="none" w="med" len="med"/>
-                    </a:lnR>
-                    <a:lnT w="9525" cap="flat" cmpd="sng" algn="ctr">
-                      <a:solidFill>
-                        <a:srgbClr val="4B5362"/>
-                      </a:solidFill>
-                      <a:prstDash val="solid"/>
-                      <a:round/>
-                      <a:headEnd type="none" w="med" len="med"/>
-                      <a:tailEnd type="none" w="med" len="med"/>
-                    </a:lnT>
-                    <a:lnB w="9525" cap="flat" cmpd="sng" algn="ctr">
-                      <a:solidFill>
-                        <a:srgbClr val="4B5362"/>
-                      </a:solidFill>
-                      <a:prstDash val="solid"/>
-                      <a:round/>
-                      <a:headEnd type="none" w="med" len="med"/>
-                      <a:tailEnd type="none" w="med" len="med"/>
-                    </a:lnB>
-                  </a:tcPr>
-                </a:tc>
-                <a:tc>
-                  <a:txBody>
-                    <a:bodyPr/>
-                    <a:lstStyle/>
-                    <a:p>
-                      <a:pPr algn="ctr"/>
-                      <a:r>
-                        <a:rPr lang="zh-CN" altLang="en-US">
-                          <a:effectLst/>
-                        </a:rPr>
-                        <a:t>是</a:t>
-                      </a:r>
-                    </a:p>
-                  </a:txBody>
-                  <a:tcPr anchor="ctr">
-                    <a:lnL w="9525" cap="flat" cmpd="sng" algn="ctr">
-                      <a:solidFill>
-                        <a:srgbClr val="4B5362"/>
-                      </a:solidFill>
-                      <a:prstDash val="solid"/>
-                      <a:round/>
-                      <a:headEnd type="none" w="med" len="med"/>
-                      <a:tailEnd type="none" w="med" len="med"/>
-                    </a:lnL>
-                    <a:lnR w="9525" cap="flat" cmpd="sng" algn="ctr">
-                      <a:solidFill>
-                        <a:srgbClr val="4B5362"/>
-                      </a:solidFill>
-                      <a:prstDash val="solid"/>
-                      <a:round/>
-                      <a:headEnd type="none" w="med" len="med"/>
-                      <a:tailEnd type="none" w="med" len="med"/>
-                    </a:lnR>
-                    <a:lnT w="9525" cap="flat" cmpd="sng" algn="ctr">
-                      <a:solidFill>
-                        <a:srgbClr val="4B5362"/>
-                      </a:solidFill>
-                      <a:prstDash val="solid"/>
-                      <a:round/>
-                      <a:headEnd type="none" w="med" len="med"/>
-                      <a:tailEnd type="none" w="med" len="med"/>
-                    </a:lnT>
-                    <a:lnB w="9525" cap="flat" cmpd="sng" algn="ctr">
-                      <a:solidFill>
-                        <a:srgbClr val="4B5362"/>
-                      </a:solidFill>
-                      <a:prstDash val="solid"/>
-                      <a:round/>
-                      <a:headEnd type="none" w="med" len="med"/>
-                      <a:tailEnd type="none" w="med" len="med"/>
-                    </a:lnB>
-                  </a:tcPr>
-                </a:tc>
-                <a:tc>
-                  <a:txBody>
-                    <a:bodyPr/>
-                    <a:lstStyle/>
-                    <a:p>
-                      <a:pPr algn="ctr"/>
-                      <a:r>
-                        <a:rPr lang="zh-CN" altLang="en-US">
-                          <a:effectLst/>
-                        </a:rPr>
-                        <a:t>否</a:t>
-                      </a:r>
-                    </a:p>
-                  </a:txBody>
-                  <a:tcPr anchor="ctr">
-                    <a:lnL w="9525" cap="flat" cmpd="sng" algn="ctr">
-                      <a:solidFill>
-                        <a:srgbClr val="4B5362"/>
-                      </a:solidFill>
-                      <a:prstDash val="solid"/>
-                      <a:round/>
-                      <a:headEnd type="none" w="med" len="med"/>
-                      <a:tailEnd type="none" w="med" len="med"/>
-                    </a:lnL>
-                    <a:lnR w="9525" cap="flat" cmpd="sng" algn="ctr">
-                      <a:solidFill>
-                        <a:srgbClr val="4B5362"/>
-                      </a:solidFill>
-                      <a:prstDash val="solid"/>
-                      <a:round/>
-                      <a:headEnd type="none" w="med" len="med"/>
-                      <a:tailEnd type="none" w="med" len="med"/>
-                    </a:lnR>
-                    <a:lnT w="9525" cap="flat" cmpd="sng" algn="ctr">
-                      <a:solidFill>
-                        <a:srgbClr val="4B5362"/>
-                      </a:solidFill>
-                      <a:prstDash val="solid"/>
-                      <a:round/>
-                      <a:headEnd type="none" w="med" len="med"/>
-                      <a:tailEnd type="none" w="med" len="med"/>
-                    </a:lnT>
-                    <a:lnB w="9525" cap="flat" cmpd="sng" algn="ctr">
-                      <a:solidFill>
-                        <a:srgbClr val="4B5362"/>
-                      </a:solidFill>
-                      <a:prstDash val="solid"/>
-                      <a:round/>
-                      <a:headEnd type="none" w="med" len="med"/>
-                      <a:tailEnd type="none" w="med" len="med"/>
-                    </a:lnB>
-                  </a:tcPr>
-                </a:tc>
-                <a:tc>
-                  <a:txBody>
-                    <a:bodyPr/>
-                    <a:lstStyle/>
-                    <a:p>
-                      <a:pPr algn="ctr"/>
-                      <a:r>
-                        <a:rPr lang="zh-CN" altLang="en-US">
-                          <a:effectLst/>
-                        </a:rPr>
-                        <a:t>否</a:t>
-                      </a:r>
-                    </a:p>
-                  </a:txBody>
-                  <a:tcPr anchor="ctr">
-                    <a:lnL w="9525" cap="flat" cmpd="sng" algn="ctr">
-                      <a:solidFill>
-                        <a:srgbClr val="4B5362"/>
-                      </a:solidFill>
-                      <a:prstDash val="solid"/>
-                      <a:round/>
-                      <a:headEnd type="none" w="med" len="med"/>
-                      <a:tailEnd type="none" w="med" len="med"/>
-                    </a:lnL>
-                    <a:lnR w="9525" cap="flat" cmpd="sng" algn="ctr">
-                      <a:solidFill>
-                        <a:srgbClr val="4B5362"/>
-                      </a:solidFill>
-                      <a:prstDash val="solid"/>
-                      <a:round/>
-                      <a:headEnd type="none" w="med" len="med"/>
-                      <a:tailEnd type="none" w="med" len="med"/>
-                    </a:lnR>
-                    <a:lnT w="9525" cap="flat" cmpd="sng" algn="ctr">
-                      <a:solidFill>
-                        <a:srgbClr val="4B5362"/>
-                      </a:solidFill>
-                      <a:prstDash val="solid"/>
-                      <a:round/>
-                      <a:headEnd type="none" w="med" len="med"/>
-                      <a:tailEnd type="none" w="med" len="med"/>
-                    </a:lnT>
-                    <a:lnB w="9525" cap="flat" cmpd="sng" algn="ctr">
-                      <a:solidFill>
-                        <a:srgbClr val="4B5362"/>
-                      </a:solidFill>
-                      <a:prstDash val="solid"/>
-                      <a:round/>
-                      <a:headEnd type="none" w="med" len="med"/>
-                      <a:tailEnd type="none" w="med" len="med"/>
-                    </a:lnB>
-                  </a:tcPr>
-                </a:tc>
-                <a:extLst>
-                  <a:ext uri="{0D108BD9-81ED-4DB2-BD59-A6C34878D82A}">
-                    <a16:rowId xmlns:a16="http://schemas.microsoft.com/office/drawing/2014/main" val="3958028684"/>
-                  </a:ext>
-                </a:extLst>
-              </a:tr>
-              <a:tr h="0">
-                <a:tc>
-                  <a:txBody>
-                    <a:bodyPr/>
-                    <a:lstStyle/>
-                    <a:p>
-                      <a:pPr algn="ctr"/>
-                      <a:r>
-                        <a:rPr lang="zh-CN" altLang="en-US">
-                          <a:effectLst/>
-                        </a:rPr>
-                        <a:t>输出类型</a:t>
-                      </a:r>
-                    </a:p>
-                  </a:txBody>
-                  <a:tcPr anchor="ctr">
-                    <a:lnL w="9525" cap="flat" cmpd="sng" algn="ctr">
-                      <a:solidFill>
-                        <a:srgbClr val="4B5362"/>
-                      </a:solidFill>
-                      <a:prstDash val="solid"/>
-                      <a:round/>
-                      <a:headEnd type="none" w="med" len="med"/>
-                      <a:tailEnd type="none" w="med" len="med"/>
-                    </a:lnL>
-                    <a:lnR w="9525" cap="flat" cmpd="sng" algn="ctr">
-                      <a:solidFill>
-                        <a:srgbClr val="4B5362"/>
-                      </a:solidFill>
-                      <a:prstDash val="solid"/>
-                      <a:round/>
-                      <a:headEnd type="none" w="med" len="med"/>
-                      <a:tailEnd type="none" w="med" len="med"/>
-                    </a:lnR>
-                    <a:lnT w="9525" cap="flat" cmpd="sng" algn="ctr">
-                      <a:solidFill>
-                        <a:srgbClr val="4B5362"/>
-                      </a:solidFill>
-                      <a:prstDash val="solid"/>
-                      <a:round/>
-                      <a:headEnd type="none" w="med" len="med"/>
-                      <a:tailEnd type="none" w="med" len="med"/>
-                    </a:lnT>
-                    <a:lnB w="9525" cap="flat" cmpd="sng" algn="ctr">
-                      <a:solidFill>
-                        <a:srgbClr val="4B5362"/>
-                      </a:solidFill>
-                      <a:prstDash val="solid"/>
-                      <a:round/>
-                      <a:headEnd type="none" w="med" len="med"/>
-                      <a:tailEnd type="none" w="med" len="med"/>
-                    </a:lnB>
-                  </a:tcPr>
-                </a:tc>
-                <a:tc>
-                  <a:txBody>
-                    <a:bodyPr/>
-                    <a:lstStyle/>
-                    <a:p>
-                      <a:pPr algn="ctr"/>
-                      <a:r>
-                        <a:rPr lang="en-US">
-                          <a:effectLst/>
-                        </a:rPr>
-                        <a:t>NA</a:t>
-                      </a:r>
-                    </a:p>
-                  </a:txBody>
-                  <a:tcPr anchor="ctr">
-                    <a:lnL w="9525" cap="flat" cmpd="sng" algn="ctr">
-                      <a:solidFill>
-                        <a:srgbClr val="4B5362"/>
-                      </a:solidFill>
-                      <a:prstDash val="solid"/>
-                      <a:round/>
-                      <a:headEnd type="none" w="med" len="med"/>
-                      <a:tailEnd type="none" w="med" len="med"/>
-                    </a:lnL>
-                    <a:lnR w="9525" cap="flat" cmpd="sng" algn="ctr">
-                      <a:solidFill>
-                        <a:srgbClr val="4B5362"/>
-                      </a:solidFill>
-                      <a:prstDash val="solid"/>
-                      <a:round/>
-                      <a:headEnd type="none" w="med" len="med"/>
-                      <a:tailEnd type="none" w="med" len="med"/>
-                    </a:lnR>
-                    <a:lnT w="9525" cap="flat" cmpd="sng" algn="ctr">
-                      <a:solidFill>
-                        <a:srgbClr val="4B5362"/>
-                      </a:solidFill>
-                      <a:prstDash val="solid"/>
-                      <a:round/>
-                      <a:headEnd type="none" w="med" len="med"/>
-                      <a:tailEnd type="none" w="med" len="med"/>
-                    </a:lnT>
-                    <a:lnB w="9525" cap="flat" cmpd="sng" algn="ctr">
-                      <a:solidFill>
-                        <a:srgbClr val="4B5362"/>
-                      </a:solidFill>
-                      <a:prstDash val="solid"/>
-                      <a:round/>
-                      <a:headEnd type="none" w="med" len="med"/>
-                      <a:tailEnd type="none" w="med" len="med"/>
-                    </a:lnB>
-                  </a:tcPr>
-                </a:tc>
-                <a:tc>
-                  <a:txBody>
-                    <a:bodyPr/>
-                    <a:lstStyle/>
-                    <a:p>
-                      <a:pPr algn="ctr"/>
-                      <a:r>
-                        <a:rPr lang="en-US">
-                          <a:effectLst/>
-                        </a:rPr>
-                        <a:t>NA</a:t>
-                      </a:r>
-                    </a:p>
-                  </a:txBody>
-                  <a:tcPr anchor="ctr">
-                    <a:lnL w="9525" cap="flat" cmpd="sng" algn="ctr">
-                      <a:solidFill>
-                        <a:srgbClr val="4B5362"/>
-                      </a:solidFill>
-                      <a:prstDash val="solid"/>
-                      <a:round/>
-                      <a:headEnd type="none" w="med" len="med"/>
-                      <a:tailEnd type="none" w="med" len="med"/>
-                    </a:lnL>
-                    <a:lnR w="9525" cap="flat" cmpd="sng" algn="ctr">
-                      <a:solidFill>
-                        <a:srgbClr val="4B5362"/>
-                      </a:solidFill>
-                      <a:prstDash val="solid"/>
-                      <a:round/>
-                      <a:headEnd type="none" w="med" len="med"/>
-                      <a:tailEnd type="none" w="med" len="med"/>
-                    </a:lnR>
-                    <a:lnT w="9525" cap="flat" cmpd="sng" algn="ctr">
-                      <a:solidFill>
-                        <a:srgbClr val="4B5362"/>
-                      </a:solidFill>
-                      <a:prstDash val="solid"/>
-                      <a:round/>
-                      <a:headEnd type="none" w="med" len="med"/>
-                      <a:tailEnd type="none" w="med" len="med"/>
-                    </a:lnT>
-                    <a:lnB w="9525" cap="flat" cmpd="sng" algn="ctr">
-                      <a:solidFill>
-                        <a:srgbClr val="4B5362"/>
-                      </a:solidFill>
-                      <a:prstDash val="solid"/>
-                      <a:round/>
-                      <a:headEnd type="none" w="med" len="med"/>
-                      <a:tailEnd type="none" w="med" len="med"/>
-                    </a:lnB>
-                  </a:tcPr>
-                </a:tc>
-                <a:tc>
-                  <a:txBody>
-                    <a:bodyPr/>
-                    <a:lstStyle/>
-                    <a:p>
-                      <a:pPr algn="ctr"/>
-                      <a:r>
-                        <a:rPr lang="en-US">
-                          <a:effectLst/>
-                        </a:rPr>
-                        <a:t>NA</a:t>
-                      </a:r>
-                    </a:p>
-                  </a:txBody>
-                  <a:tcPr anchor="ctr">
-                    <a:lnL w="9525" cap="flat" cmpd="sng" algn="ctr">
-                      <a:solidFill>
-                        <a:srgbClr val="4B5362"/>
-                      </a:solidFill>
-                      <a:prstDash val="solid"/>
-                      <a:round/>
-                      <a:headEnd type="none" w="med" len="med"/>
-                      <a:tailEnd type="none" w="med" len="med"/>
-                    </a:lnL>
-                    <a:lnR w="9525" cap="flat" cmpd="sng" algn="ctr">
-                      <a:solidFill>
-                        <a:srgbClr val="4B5362"/>
-                      </a:solidFill>
-                      <a:prstDash val="solid"/>
-                      <a:round/>
-                      <a:headEnd type="none" w="med" len="med"/>
-                      <a:tailEnd type="none" w="med" len="med"/>
-                    </a:lnR>
-                    <a:lnT w="9525" cap="flat" cmpd="sng" algn="ctr">
-                      <a:solidFill>
-                        <a:srgbClr val="4B5362"/>
-                      </a:solidFill>
-                      <a:prstDash val="solid"/>
-                      <a:round/>
-                      <a:headEnd type="none" w="med" len="med"/>
-                      <a:tailEnd type="none" w="med" len="med"/>
-                    </a:lnT>
-                    <a:lnB w="9525" cap="flat" cmpd="sng" algn="ctr">
-                      <a:solidFill>
-                        <a:srgbClr val="4B5362"/>
-                      </a:solidFill>
-                      <a:prstDash val="solid"/>
-                      <a:round/>
-                      <a:headEnd type="none" w="med" len="med"/>
-                      <a:tailEnd type="none" w="med" len="med"/>
-                    </a:lnB>
-                  </a:tcPr>
-                </a:tc>
-                <a:tc>
-                  <a:txBody>
-                    <a:bodyPr/>
-                    <a:lstStyle/>
-                    <a:p>
-                      <a:pPr algn="ctr"/>
-                      <a:r>
-                        <a:rPr lang="en-US">
-                          <a:effectLst/>
-                        </a:rPr>
-                        <a:t>Native</a:t>
-                      </a:r>
-                    </a:p>
-                  </a:txBody>
-                  <a:tcPr anchor="ctr">
-                    <a:lnL w="9525" cap="flat" cmpd="sng" algn="ctr">
-                      <a:solidFill>
-                        <a:srgbClr val="4B5362"/>
-                      </a:solidFill>
-                      <a:prstDash val="solid"/>
-                      <a:round/>
-                      <a:headEnd type="none" w="med" len="med"/>
-                      <a:tailEnd type="none" w="med" len="med"/>
-                    </a:lnL>
-                    <a:lnR w="9525" cap="flat" cmpd="sng" algn="ctr">
-                      <a:solidFill>
-                        <a:srgbClr val="4B5362"/>
-                      </a:solidFill>
-                      <a:prstDash val="solid"/>
-                      <a:round/>
-                      <a:headEnd type="none" w="med" len="med"/>
-                      <a:tailEnd type="none" w="med" len="med"/>
-                    </a:lnR>
-                    <a:lnT w="9525" cap="flat" cmpd="sng" algn="ctr">
-                      <a:solidFill>
-                        <a:srgbClr val="4B5362"/>
-                      </a:solidFill>
-                      <a:prstDash val="solid"/>
-                      <a:round/>
-                      <a:headEnd type="none" w="med" len="med"/>
-                      <a:tailEnd type="none" w="med" len="med"/>
-                    </a:lnT>
-                    <a:lnB w="9525" cap="flat" cmpd="sng" algn="ctr">
-                      <a:solidFill>
-                        <a:srgbClr val="4B5362"/>
-                      </a:solidFill>
-                      <a:prstDash val="solid"/>
-                      <a:round/>
-                      <a:headEnd type="none" w="med" len="med"/>
-                      <a:tailEnd type="none" w="med" len="med"/>
-                    </a:lnB>
-                  </a:tcPr>
-                </a:tc>
-                <a:tc>
-                  <a:txBody>
-                    <a:bodyPr/>
-                    <a:lstStyle/>
-                    <a:p>
-                      <a:pPr algn="ctr"/>
-                      <a:r>
-                        <a:rPr lang="en-US">
-                          <a:effectLst/>
-                        </a:rPr>
-                        <a:t>C++</a:t>
-                      </a:r>
-                    </a:p>
-                  </a:txBody>
-                  <a:tcPr anchor="ctr">
-                    <a:lnL w="9525" cap="flat" cmpd="sng" algn="ctr">
-                      <a:solidFill>
-                        <a:srgbClr val="4B5362"/>
-                      </a:solidFill>
-                      <a:prstDash val="solid"/>
-                      <a:round/>
-                      <a:headEnd type="none" w="med" len="med"/>
-                      <a:tailEnd type="none" w="med" len="med"/>
-                    </a:lnL>
-                    <a:lnR w="9525" cap="flat" cmpd="sng" algn="ctr">
-                      <a:solidFill>
-                        <a:srgbClr val="4B5362"/>
-                      </a:solidFill>
-                      <a:prstDash val="solid"/>
-                      <a:round/>
-                      <a:headEnd type="none" w="med" len="med"/>
-                      <a:tailEnd type="none" w="med" len="med"/>
-                    </a:lnR>
-                    <a:lnT w="9525" cap="flat" cmpd="sng" algn="ctr">
-                      <a:solidFill>
-                        <a:srgbClr val="4B5362"/>
-                      </a:solidFill>
-                      <a:prstDash val="solid"/>
-                      <a:round/>
-                      <a:headEnd type="none" w="med" len="med"/>
-                      <a:tailEnd type="none" w="med" len="med"/>
-                    </a:lnT>
-                    <a:lnB w="9525" cap="flat" cmpd="sng" algn="ctr">
-                      <a:solidFill>
-                        <a:srgbClr val="4B5362"/>
-                      </a:solidFill>
-                      <a:prstDash val="solid"/>
-                      <a:round/>
-                      <a:headEnd type="none" w="med" len="med"/>
-                      <a:tailEnd type="none" w="med" len="med"/>
-                    </a:lnB>
-                  </a:tcPr>
-                </a:tc>
-                <a:extLst>
-                  <a:ext uri="{0D108BD9-81ED-4DB2-BD59-A6C34878D82A}">
-                    <a16:rowId xmlns:a16="http://schemas.microsoft.com/office/drawing/2014/main" val="4120267612"/>
-                  </a:ext>
-                </a:extLst>
-              </a:tr>
-              <a:tr h="0">
-                <a:tc>
-                  <a:txBody>
-                    <a:bodyPr/>
-                    <a:lstStyle/>
-                    <a:p>
-                      <a:pPr algn="ctr"/>
-                      <a:r>
-                        <a:rPr lang="zh-CN" altLang="en-US">
-                          <a:effectLst/>
-                        </a:rPr>
-                        <a:t>运行时版本</a:t>
-                      </a:r>
-                      <a:r>
-                        <a:rPr lang="en-US" altLang="zh-CN">
-                          <a:effectLst/>
-                        </a:rPr>
-                        <a:t>(</a:t>
-                      </a:r>
-                      <a:r>
-                        <a:rPr lang="zh-CN" altLang="en-US">
-                          <a:effectLst/>
-                        </a:rPr>
-                        <a:t>相对于</a:t>
-                      </a:r>
-                      <a:r>
-                        <a:rPr lang="en-US" altLang="zh-CN">
-                          <a:effectLst/>
-                        </a:rPr>
-                        <a:t>CLR)</a:t>
-                      </a:r>
-                    </a:p>
-                  </a:txBody>
-                  <a:tcPr anchor="ctr">
-                    <a:lnL w="9525" cap="flat" cmpd="sng" algn="ctr">
-                      <a:solidFill>
-                        <a:srgbClr val="4B5362"/>
-                      </a:solidFill>
-                      <a:prstDash val="solid"/>
-                      <a:round/>
-                      <a:headEnd type="none" w="med" len="med"/>
-                      <a:tailEnd type="none" w="med" len="med"/>
-                    </a:lnL>
-                    <a:lnR w="9525" cap="flat" cmpd="sng" algn="ctr">
-                      <a:solidFill>
-                        <a:srgbClr val="4B5362"/>
-                      </a:solidFill>
-                      <a:prstDash val="solid"/>
-                      <a:round/>
-                      <a:headEnd type="none" w="med" len="med"/>
-                      <a:tailEnd type="none" w="med" len="med"/>
-                    </a:lnR>
-                    <a:lnT w="9525" cap="flat" cmpd="sng" algn="ctr">
-                      <a:solidFill>
-                        <a:srgbClr val="4B5362"/>
-                      </a:solidFill>
-                      <a:prstDash val="solid"/>
-                      <a:round/>
-                      <a:headEnd type="none" w="med" len="med"/>
-                      <a:tailEnd type="none" w="med" len="med"/>
-                    </a:lnT>
-                    <a:lnB w="9525" cap="flat" cmpd="sng" algn="ctr">
-                      <a:solidFill>
-                        <a:srgbClr val="4B5362"/>
-                      </a:solidFill>
-                      <a:prstDash val="solid"/>
-                      <a:round/>
-                      <a:headEnd type="none" w="med" len="med"/>
-                      <a:tailEnd type="none" w="med" len="med"/>
-                    </a:lnB>
-                  </a:tcPr>
-                </a:tc>
-                <a:tc>
-                  <a:txBody>
-                    <a:bodyPr/>
-                    <a:lstStyle/>
-                    <a:p>
-                      <a:pPr algn="ctr"/>
-                      <a:r>
-                        <a:rPr lang="en-US" altLang="zh-CN">
-                          <a:effectLst/>
-                        </a:rPr>
-                        <a:t>4</a:t>
-                      </a:r>
-                    </a:p>
-                  </a:txBody>
-                  <a:tcPr anchor="ctr">
-                    <a:lnL w="9525" cap="flat" cmpd="sng" algn="ctr">
-                      <a:solidFill>
-                        <a:srgbClr val="4B5362"/>
-                      </a:solidFill>
-                      <a:prstDash val="solid"/>
-                      <a:round/>
-                      <a:headEnd type="none" w="med" len="med"/>
-                      <a:tailEnd type="none" w="med" len="med"/>
-                    </a:lnL>
-                    <a:lnR w="9525" cap="flat" cmpd="sng" algn="ctr">
-                      <a:solidFill>
-                        <a:srgbClr val="4B5362"/>
-                      </a:solidFill>
-                      <a:prstDash val="solid"/>
-                      <a:round/>
-                      <a:headEnd type="none" w="med" len="med"/>
-                      <a:tailEnd type="none" w="med" len="med"/>
-                    </a:lnR>
-                    <a:lnT w="9525" cap="flat" cmpd="sng" algn="ctr">
-                      <a:solidFill>
-                        <a:srgbClr val="4B5362"/>
-                      </a:solidFill>
-                      <a:prstDash val="solid"/>
-                      <a:round/>
-                      <a:headEnd type="none" w="med" len="med"/>
-                      <a:tailEnd type="none" w="med" len="med"/>
-                    </a:lnT>
-                    <a:lnB w="9525" cap="flat" cmpd="sng" algn="ctr">
-                      <a:solidFill>
-                        <a:srgbClr val="4B5362"/>
-                      </a:solidFill>
-                      <a:prstDash val="solid"/>
-                      <a:round/>
-                      <a:headEnd type="none" w="med" len="med"/>
-                      <a:tailEnd type="none" w="med" len="med"/>
-                    </a:lnB>
-                  </a:tcPr>
-                </a:tc>
-                <a:tc>
-                  <a:txBody>
-                    <a:bodyPr/>
-                    <a:lstStyle/>
-                    <a:p>
-                      <a:pPr algn="ctr"/>
-                      <a:r>
-                        <a:rPr lang="en-US" altLang="zh-CN">
-                          <a:effectLst/>
-                        </a:rPr>
-                        <a:t>4</a:t>
-                      </a:r>
-                    </a:p>
-                  </a:txBody>
-                  <a:tcPr anchor="ctr">
-                    <a:lnL w="9525" cap="flat" cmpd="sng" algn="ctr">
-                      <a:solidFill>
-                        <a:srgbClr val="4B5362"/>
-                      </a:solidFill>
-                      <a:prstDash val="solid"/>
-                      <a:round/>
-                      <a:headEnd type="none" w="med" len="med"/>
-                      <a:tailEnd type="none" w="med" len="med"/>
-                    </a:lnL>
-                    <a:lnR w="9525" cap="flat" cmpd="sng" algn="ctr">
-                      <a:solidFill>
-                        <a:srgbClr val="4B5362"/>
-                      </a:solidFill>
-                      <a:prstDash val="solid"/>
-                      <a:round/>
-                      <a:headEnd type="none" w="med" len="med"/>
-                      <a:tailEnd type="none" w="med" len="med"/>
-                    </a:lnR>
-                    <a:lnT w="9525" cap="flat" cmpd="sng" algn="ctr">
-                      <a:solidFill>
-                        <a:srgbClr val="4B5362"/>
-                      </a:solidFill>
-                      <a:prstDash val="solid"/>
-                      <a:round/>
-                      <a:headEnd type="none" w="med" len="med"/>
-                      <a:tailEnd type="none" w="med" len="med"/>
-                    </a:lnT>
-                    <a:lnB w="9525" cap="flat" cmpd="sng" algn="ctr">
-                      <a:solidFill>
-                        <a:srgbClr val="4B5362"/>
-                      </a:solidFill>
-                      <a:prstDash val="solid"/>
-                      <a:round/>
-                      <a:headEnd type="none" w="med" len="med"/>
-                      <a:tailEnd type="none" w="med" len="med"/>
-                    </a:lnB>
-                  </a:tcPr>
-                </a:tc>
-                <a:tc>
-                  <a:txBody>
-                    <a:bodyPr/>
-                    <a:lstStyle/>
-                    <a:p>
-                      <a:pPr algn="ctr"/>
-                      <a:r>
-                        <a:rPr lang="en-US" altLang="zh-CN">
-                          <a:effectLst/>
-                        </a:rPr>
-                        <a:t>2</a:t>
-                      </a:r>
-                    </a:p>
-                  </a:txBody>
-                  <a:tcPr anchor="ctr">
-                    <a:lnL w="9525" cap="flat" cmpd="sng" algn="ctr">
-                      <a:solidFill>
-                        <a:srgbClr val="4B5362"/>
-                      </a:solidFill>
-                      <a:prstDash val="solid"/>
-                      <a:round/>
-                      <a:headEnd type="none" w="med" len="med"/>
-                      <a:tailEnd type="none" w="med" len="med"/>
-                    </a:lnL>
-                    <a:lnR w="9525" cap="flat" cmpd="sng" algn="ctr">
-                      <a:solidFill>
-                        <a:srgbClr val="4B5362"/>
-                      </a:solidFill>
-                      <a:prstDash val="solid"/>
-                      <a:round/>
-                      <a:headEnd type="none" w="med" len="med"/>
-                      <a:tailEnd type="none" w="med" len="med"/>
-                    </a:lnR>
-                    <a:lnT w="9525" cap="flat" cmpd="sng" algn="ctr">
-                      <a:solidFill>
-                        <a:srgbClr val="4B5362"/>
-                      </a:solidFill>
-                      <a:prstDash val="solid"/>
-                      <a:round/>
-                      <a:headEnd type="none" w="med" len="med"/>
-                      <a:tailEnd type="none" w="med" len="med"/>
-                    </a:lnT>
-                    <a:lnB w="9525" cap="flat" cmpd="sng" algn="ctr">
-                      <a:solidFill>
-                        <a:srgbClr val="4B5362"/>
-                      </a:solidFill>
-                      <a:prstDash val="solid"/>
-                      <a:round/>
-                      <a:headEnd type="none" w="med" len="med"/>
-                      <a:tailEnd type="none" w="med" len="med"/>
-                    </a:lnB>
-                  </a:tcPr>
-                </a:tc>
-                <a:tc>
-                  <a:txBody>
-                    <a:bodyPr/>
-                    <a:lstStyle/>
-                    <a:p>
-                      <a:pPr algn="ctr"/>
-                      <a:r>
-                        <a:rPr lang="en-US" altLang="zh-CN">
-                          <a:effectLst/>
-                        </a:rPr>
-                        <a:t>2</a:t>
-                      </a:r>
-                    </a:p>
-                  </a:txBody>
-                  <a:tcPr anchor="ctr">
-                    <a:lnL w="9525" cap="flat" cmpd="sng" algn="ctr">
-                      <a:solidFill>
-                        <a:srgbClr val="4B5362"/>
-                      </a:solidFill>
-                      <a:prstDash val="solid"/>
-                      <a:round/>
-                      <a:headEnd type="none" w="med" len="med"/>
-                      <a:tailEnd type="none" w="med" len="med"/>
-                    </a:lnL>
-                    <a:lnR w="9525" cap="flat" cmpd="sng" algn="ctr">
-                      <a:solidFill>
-                        <a:srgbClr val="4B5362"/>
-                      </a:solidFill>
-                      <a:prstDash val="solid"/>
-                      <a:round/>
-                      <a:headEnd type="none" w="med" len="med"/>
-                      <a:tailEnd type="none" w="med" len="med"/>
-                    </a:lnR>
-                    <a:lnT w="9525" cap="flat" cmpd="sng" algn="ctr">
-                      <a:solidFill>
-                        <a:srgbClr val="4B5362"/>
-                      </a:solidFill>
-                      <a:prstDash val="solid"/>
-                      <a:round/>
-                      <a:headEnd type="none" w="med" len="med"/>
-                      <a:tailEnd type="none" w="med" len="med"/>
-                    </a:lnT>
-                    <a:lnB w="9525" cap="flat" cmpd="sng" algn="ctr">
-                      <a:solidFill>
-                        <a:srgbClr val="4B5362"/>
-                      </a:solidFill>
-                      <a:prstDash val="solid"/>
-                      <a:round/>
-                      <a:headEnd type="none" w="med" len="med"/>
-                      <a:tailEnd type="none" w="med" len="med"/>
-                    </a:lnB>
-                  </a:tcPr>
-                </a:tc>
-                <a:tc>
-                  <a:txBody>
-                    <a:bodyPr/>
-                    <a:lstStyle/>
-                    <a:p>
-                      <a:pPr algn="ctr"/>
-                      <a:r>
-                        <a:rPr lang="en-US" altLang="zh-CN">
-                          <a:effectLst/>
-                        </a:rPr>
-                        <a:t>2</a:t>
-                      </a:r>
-                    </a:p>
-                  </a:txBody>
-                  <a:tcPr anchor="ctr">
-                    <a:lnL w="9525" cap="flat" cmpd="sng" algn="ctr">
-                      <a:solidFill>
-                        <a:srgbClr val="4B5362"/>
-                      </a:solidFill>
-                      <a:prstDash val="solid"/>
-                      <a:round/>
-                      <a:headEnd type="none" w="med" len="med"/>
-                      <a:tailEnd type="none" w="med" len="med"/>
-                    </a:lnL>
-                    <a:lnR w="9525" cap="flat" cmpd="sng" algn="ctr">
-                      <a:solidFill>
-                        <a:srgbClr val="4B5362"/>
-                      </a:solidFill>
-                      <a:prstDash val="solid"/>
-                      <a:round/>
-                      <a:headEnd type="none" w="med" len="med"/>
-                      <a:tailEnd type="none" w="med" len="med"/>
-                    </a:lnR>
-                    <a:lnT w="9525" cap="flat" cmpd="sng" algn="ctr">
-                      <a:solidFill>
-                        <a:srgbClr val="4B5362"/>
-                      </a:solidFill>
-                      <a:prstDash val="solid"/>
-                      <a:round/>
-                      <a:headEnd type="none" w="med" len="med"/>
-                      <a:tailEnd type="none" w="med" len="med"/>
-                    </a:lnT>
-                    <a:lnB w="9525" cap="flat" cmpd="sng" algn="ctr">
-                      <a:solidFill>
-                        <a:srgbClr val="4B5362"/>
-                      </a:solidFill>
-                      <a:prstDash val="solid"/>
-                      <a:round/>
-                      <a:headEnd type="none" w="med" len="med"/>
-                      <a:tailEnd type="none" w="med" len="med"/>
-                    </a:lnB>
-                  </a:tcPr>
-                </a:tc>
-                <a:extLst>
-                  <a:ext uri="{0D108BD9-81ED-4DB2-BD59-A6C34878D82A}">
-                    <a16:rowId xmlns:a16="http://schemas.microsoft.com/office/drawing/2014/main" val="2126633583"/>
-                  </a:ext>
-                </a:extLst>
-              </a:tr>
-              <a:tr h="0">
-                <a:tc>
-                  <a:txBody>
-                    <a:bodyPr/>
-                    <a:lstStyle/>
-                    <a:p>
-                      <a:pPr algn="ctr"/>
-                      <a:r>
-                        <a:rPr lang="en-US">
-                          <a:effectLst/>
-                        </a:rPr>
-                        <a:t>GC</a:t>
-                      </a:r>
-                      <a:r>
-                        <a:rPr lang="zh-CN" altLang="en-US">
-                          <a:effectLst/>
-                        </a:rPr>
-                        <a:t>类型</a:t>
-                      </a:r>
-                    </a:p>
-                  </a:txBody>
-                  <a:tcPr anchor="ctr">
-                    <a:lnL w="9525" cap="flat" cmpd="sng" algn="ctr">
-                      <a:solidFill>
-                        <a:srgbClr val="4B5362"/>
-                      </a:solidFill>
-                      <a:prstDash val="solid"/>
-                      <a:round/>
-                      <a:headEnd type="none" w="med" len="med"/>
-                      <a:tailEnd type="none" w="med" len="med"/>
-                    </a:lnL>
-                    <a:lnR w="9525" cap="flat" cmpd="sng" algn="ctr">
-                      <a:solidFill>
-                        <a:srgbClr val="4B5362"/>
-                      </a:solidFill>
-                      <a:prstDash val="solid"/>
-                      <a:round/>
-                      <a:headEnd type="none" w="med" len="med"/>
-                      <a:tailEnd type="none" w="med" len="med"/>
-                    </a:lnR>
-                    <a:lnT w="9525" cap="flat" cmpd="sng" algn="ctr">
-                      <a:solidFill>
-                        <a:srgbClr val="4B5362"/>
-                      </a:solidFill>
-                      <a:prstDash val="solid"/>
-                      <a:round/>
-                      <a:headEnd type="none" w="med" len="med"/>
-                      <a:tailEnd type="none" w="med" len="med"/>
-                    </a:lnT>
-                    <a:lnB w="9525" cap="flat" cmpd="sng" algn="ctr">
-                      <a:solidFill>
-                        <a:srgbClr val="4B5362"/>
-                      </a:solidFill>
-                      <a:prstDash val="solid"/>
-                      <a:round/>
-                      <a:headEnd type="none" w="med" len="med"/>
-                      <a:tailEnd type="none" w="med" len="med"/>
-                    </a:lnB>
-                  </a:tcPr>
-                </a:tc>
-                <a:tc>
-                  <a:txBody>
-                    <a:bodyPr/>
-                    <a:lstStyle/>
-                    <a:p>
-                      <a:pPr algn="ctr"/>
-                      <a:r>
-                        <a:rPr lang="en-US">
-                          <a:effectLst/>
-                        </a:rPr>
-                        <a:t>3 Gens GC</a:t>
-                      </a:r>
-                      <a:br>
-                        <a:rPr lang="en-US">
-                          <a:effectLst/>
-                        </a:rPr>
-                      </a:br>
-                      <a:r>
-                        <a:rPr lang="en-US">
-                          <a:effectLst/>
-                        </a:rPr>
-                        <a:t>(gen0, 1: Marked-Compact, STW; gen2: Marked-Sweep)</a:t>
-                      </a:r>
-                    </a:p>
-                  </a:txBody>
-                  <a:tcPr anchor="ctr">
-                    <a:lnL w="9525" cap="flat" cmpd="sng" algn="ctr">
-                      <a:solidFill>
-                        <a:srgbClr val="4B5362"/>
-                      </a:solidFill>
-                      <a:prstDash val="solid"/>
-                      <a:round/>
-                      <a:headEnd type="none" w="med" len="med"/>
-                      <a:tailEnd type="none" w="med" len="med"/>
-                    </a:lnL>
-                    <a:lnR w="9525" cap="flat" cmpd="sng" algn="ctr">
-                      <a:solidFill>
-                        <a:srgbClr val="4B5362"/>
-                      </a:solidFill>
-                      <a:prstDash val="solid"/>
-                      <a:round/>
-                      <a:headEnd type="none" w="med" len="med"/>
-                      <a:tailEnd type="none" w="med" len="med"/>
-                    </a:lnR>
-                    <a:lnT w="9525" cap="flat" cmpd="sng" algn="ctr">
-                      <a:solidFill>
-                        <a:srgbClr val="4B5362"/>
-                      </a:solidFill>
-                      <a:prstDash val="solid"/>
-                      <a:round/>
-                      <a:headEnd type="none" w="med" len="med"/>
-                      <a:tailEnd type="none" w="med" len="med"/>
-                    </a:lnT>
-                    <a:lnB w="9525" cap="flat" cmpd="sng" algn="ctr">
-                      <a:solidFill>
-                        <a:srgbClr val="4B5362"/>
-                      </a:solidFill>
-                      <a:prstDash val="solid"/>
-                      <a:round/>
-                      <a:headEnd type="none" w="med" len="med"/>
-                      <a:tailEnd type="none" w="med" len="med"/>
-                    </a:lnB>
-                  </a:tcPr>
-                </a:tc>
-                <a:tc>
-                  <a:txBody>
-                    <a:bodyPr/>
-                    <a:lstStyle/>
-                    <a:p>
-                      <a:pPr algn="ctr"/>
-                      <a:r>
-                        <a:rPr lang="en-US">
-                          <a:effectLst/>
-                        </a:rPr>
-                        <a:t>SGen</a:t>
-                      </a:r>
-                      <a:br>
-                        <a:rPr lang="en-US">
-                          <a:effectLst/>
-                        </a:rPr>
-                      </a:br>
-                      <a:r>
-                        <a:rPr lang="en-US">
-                          <a:effectLst/>
-                        </a:rPr>
-                        <a:t>(gen0:Copying; gen1:Marked-Sweep)</a:t>
-                      </a:r>
-                    </a:p>
-                  </a:txBody>
-                  <a:tcPr anchor="ctr">
-                    <a:lnL w="9525" cap="flat" cmpd="sng" algn="ctr">
-                      <a:solidFill>
-                        <a:srgbClr val="4B5362"/>
-                      </a:solidFill>
-                      <a:prstDash val="solid"/>
-                      <a:round/>
-                      <a:headEnd type="none" w="med" len="med"/>
-                      <a:tailEnd type="none" w="med" len="med"/>
-                    </a:lnL>
-                    <a:lnR w="9525" cap="flat" cmpd="sng" algn="ctr">
-                      <a:solidFill>
-                        <a:srgbClr val="4B5362"/>
-                      </a:solidFill>
-                      <a:prstDash val="solid"/>
-                      <a:round/>
-                      <a:headEnd type="none" w="med" len="med"/>
-                      <a:tailEnd type="none" w="med" len="med"/>
-                    </a:lnR>
-                    <a:lnT w="9525" cap="flat" cmpd="sng" algn="ctr">
-                      <a:solidFill>
-                        <a:srgbClr val="4B5362"/>
-                      </a:solidFill>
-                      <a:prstDash val="solid"/>
-                      <a:round/>
-                      <a:headEnd type="none" w="med" len="med"/>
-                      <a:tailEnd type="none" w="med" len="med"/>
-                    </a:lnT>
-                    <a:lnB w="9525" cap="flat" cmpd="sng" algn="ctr">
-                      <a:solidFill>
-                        <a:srgbClr val="4B5362"/>
-                      </a:solidFill>
-                      <a:prstDash val="solid"/>
-                      <a:round/>
-                      <a:headEnd type="none" w="med" len="med"/>
-                      <a:tailEnd type="none" w="med" len="med"/>
-                    </a:lnB>
-                  </a:tcPr>
-                </a:tc>
-                <a:tc>
-                  <a:txBody>
-                    <a:bodyPr/>
-                    <a:lstStyle/>
-                    <a:p>
-                      <a:pPr algn="ctr"/>
-                      <a:r>
-                        <a:rPr lang="en-US">
-                          <a:effectLst/>
-                        </a:rPr>
-                        <a:t>Boehm</a:t>
-                      </a:r>
-                    </a:p>
-                  </a:txBody>
-                  <a:tcPr anchor="ctr">
-                    <a:lnL w="9525" cap="flat" cmpd="sng" algn="ctr">
-                      <a:solidFill>
-                        <a:srgbClr val="4B5362"/>
-                      </a:solidFill>
-                      <a:prstDash val="solid"/>
-                      <a:round/>
-                      <a:headEnd type="none" w="med" len="med"/>
-                      <a:tailEnd type="none" w="med" len="med"/>
-                    </a:lnL>
-                    <a:lnR w="9525" cap="flat" cmpd="sng" algn="ctr">
-                      <a:solidFill>
-                        <a:srgbClr val="4B5362"/>
-                      </a:solidFill>
-                      <a:prstDash val="solid"/>
-                      <a:round/>
-                      <a:headEnd type="none" w="med" len="med"/>
-                      <a:tailEnd type="none" w="med" len="med"/>
-                    </a:lnR>
-                    <a:lnT w="9525" cap="flat" cmpd="sng" algn="ctr">
-                      <a:solidFill>
-                        <a:srgbClr val="4B5362"/>
-                      </a:solidFill>
-                      <a:prstDash val="solid"/>
-                      <a:round/>
-                      <a:headEnd type="none" w="med" len="med"/>
-                      <a:tailEnd type="none" w="med" len="med"/>
-                    </a:lnT>
-                    <a:lnB w="9525" cap="flat" cmpd="sng" algn="ctr">
-                      <a:solidFill>
-                        <a:srgbClr val="4B5362"/>
-                      </a:solidFill>
-                      <a:prstDash val="solid"/>
-                      <a:round/>
-                      <a:headEnd type="none" w="med" len="med"/>
-                      <a:tailEnd type="none" w="med" len="med"/>
-                    </a:lnB>
-                  </a:tcPr>
-                </a:tc>
-                <a:tc>
-                  <a:txBody>
-                    <a:bodyPr/>
-                    <a:lstStyle/>
-                    <a:p>
-                      <a:pPr algn="ctr"/>
-                      <a:r>
-                        <a:rPr lang="en-US">
-                          <a:effectLst/>
-                        </a:rPr>
-                        <a:t>Boehm</a:t>
-                      </a:r>
-                    </a:p>
-                  </a:txBody>
-                  <a:tcPr anchor="ctr">
-                    <a:lnL w="9525" cap="flat" cmpd="sng" algn="ctr">
-                      <a:solidFill>
-                        <a:srgbClr val="4B5362"/>
-                      </a:solidFill>
-                      <a:prstDash val="solid"/>
-                      <a:round/>
-                      <a:headEnd type="none" w="med" len="med"/>
-                      <a:tailEnd type="none" w="med" len="med"/>
-                    </a:lnL>
-                    <a:lnR w="9525" cap="flat" cmpd="sng" algn="ctr">
-                      <a:solidFill>
-                        <a:srgbClr val="4B5362"/>
-                      </a:solidFill>
-                      <a:prstDash val="solid"/>
-                      <a:round/>
-                      <a:headEnd type="none" w="med" len="med"/>
-                      <a:tailEnd type="none" w="med" len="med"/>
-                    </a:lnR>
-                    <a:lnT w="9525" cap="flat" cmpd="sng" algn="ctr">
-                      <a:solidFill>
-                        <a:srgbClr val="4B5362"/>
-                      </a:solidFill>
-                      <a:prstDash val="solid"/>
-                      <a:round/>
-                      <a:headEnd type="none" w="med" len="med"/>
-                      <a:tailEnd type="none" w="med" len="med"/>
-                    </a:lnT>
-                    <a:lnB w="9525" cap="flat" cmpd="sng" algn="ctr">
-                      <a:solidFill>
-                        <a:srgbClr val="4B5362"/>
-                      </a:solidFill>
-                      <a:prstDash val="solid"/>
-                      <a:round/>
-                      <a:headEnd type="none" w="med" len="med"/>
-                      <a:tailEnd type="none" w="med" len="med"/>
-                    </a:lnB>
-                  </a:tcPr>
-                </a:tc>
-                <a:tc>
-                  <a:txBody>
-                    <a:bodyPr/>
-                    <a:lstStyle/>
-                    <a:p>
-                      <a:pPr algn="ctr"/>
-                      <a:r>
-                        <a:rPr lang="en-US" dirty="0">
-                          <a:effectLst/>
-                        </a:rPr>
-                        <a:t>Boehm</a:t>
-                      </a:r>
-                    </a:p>
-                  </a:txBody>
-                  <a:tcPr anchor="ctr">
-                    <a:lnL w="9525" cap="flat" cmpd="sng" algn="ctr">
-                      <a:solidFill>
-                        <a:srgbClr val="4B5362"/>
-                      </a:solidFill>
-                      <a:prstDash val="solid"/>
-                      <a:round/>
-                      <a:headEnd type="none" w="med" len="med"/>
-                      <a:tailEnd type="none" w="med" len="med"/>
-                    </a:lnL>
-                    <a:lnR w="9525" cap="flat" cmpd="sng" algn="ctr">
-                      <a:solidFill>
-                        <a:srgbClr val="4B5362"/>
-                      </a:solidFill>
-                      <a:prstDash val="solid"/>
-                      <a:round/>
-                      <a:headEnd type="none" w="med" len="med"/>
-                      <a:tailEnd type="none" w="med" len="med"/>
-                    </a:lnR>
-                    <a:lnT w="9525" cap="flat" cmpd="sng" algn="ctr">
-                      <a:solidFill>
-                        <a:srgbClr val="4B5362"/>
-                      </a:solidFill>
-                      <a:prstDash val="solid"/>
-                      <a:round/>
-                      <a:headEnd type="none" w="med" len="med"/>
-                      <a:tailEnd type="none" w="med" len="med"/>
-                    </a:lnT>
-                    <a:lnB w="9525" cap="flat" cmpd="sng" algn="ctr">
-                      <a:solidFill>
-                        <a:srgbClr val="4B5362"/>
-                      </a:solidFill>
-                      <a:prstDash val="solid"/>
-                      <a:round/>
-                      <a:headEnd type="none" w="med" len="med"/>
-                      <a:tailEnd type="none" w="med" len="med"/>
-                    </a:lnB>
-                  </a:tcPr>
-                </a:tc>
-                <a:extLst>
-                  <a:ext uri="{0D108BD9-81ED-4DB2-BD59-A6C34878D82A}">
-                    <a16:rowId xmlns:a16="http://schemas.microsoft.com/office/drawing/2014/main" val="1930938062"/>
-                  </a:ext>
-                </a:extLst>
-              </a:tr>
-            </a:tbl>
-          </a:graphicData>
-        </a:graphic>
-      </p:graphicFrame>
-      <p:sp>
-        <p:nvSpPr>
-          <p:cNvPr id="5" name="矩形 4"/>
-          <p:cNvSpPr/>
-          <p:nvPr/>
-        </p:nvSpPr>
-        <p:spPr>
-          <a:xfrm>
-            <a:off x="5652609" y="3244334"/>
-            <a:ext cx="886781" cy="369332"/>
-          </a:xfrm>
-          <a:prstGeom prst="rect">
-            <a:avLst/>
-          </a:prstGeom>
-        </p:spPr>
-        <p:txBody>
-          <a:bodyPr wrap="none">
-            <a:spAutoFit/>
-          </a:bodyPr>
-          <a:lstStyle/>
-          <a:p>
-            <a:r>
-              <a:rPr lang="en-US" altLang="zh-CN" b="1" i="0" dirty="0" err="1">
-                <a:solidFill>
-                  <a:srgbClr val="FFFFFF"/>
-                </a:solidFill>
-                <a:effectLst/>
-                <a:latin typeface=".SFNSText-Regular"/>
-              </a:rPr>
-              <a:t>RyuJIT</a:t>
-            </a:r>
-            <a:endParaRPr lang="zh-CN" altLang="en-US" dirty="0"/>
-          </a:p>
-        </p:txBody>
-      </p:sp>
-    </p:spTree>
-    <p:extLst>
-      <p:ext uri="{BB962C8B-B14F-4D97-AF65-F5344CB8AC3E}">
-        <p14:creationId xmlns:p14="http://schemas.microsoft.com/office/powerpoint/2010/main" val="918287546"/>
-      </p:ext>
-    </p:extLst>
-  </p:cSld>
-  <p:clrMapOvr>
-    <a:masterClrMapping/>
-  </p:clrMapOvr>
-</p:sld>
-</file>
-
-<file path=ppt/slides/slide5.xml><?xml version="1.0" encoding="utf-8"?>
-<p:sld xmlns:a="http://schemas.openxmlformats.org/drawingml/2006/main" xmlns:r="http://schemas.openxmlformats.org/officeDocument/2006/relationships" xmlns:p="http://schemas.openxmlformats.org/presentationml/2006/main">
-  <p:cSld>
-    <p:spTree>
-      <p:nvGrpSpPr>
-        <p:cNvPr id="1" name=""/>
-        <p:cNvGrpSpPr/>
-        <p:nvPr/>
-      </p:nvGrpSpPr>
-      <p:grpSpPr>
-        <a:xfrm>
-          <a:off x="0" y="0"/>
-          <a:ext cx="0" cy="0"/>
-          <a:chOff x="0" y="0"/>
-          <a:chExt cx="0" cy="0"/>
-        </a:xfrm>
-      </p:grpSpPr>
-      <p:sp>
-        <p:nvSpPr>
-          <p:cNvPr id="2" name="标题 1"/>
-          <p:cNvSpPr>
-            <a:spLocks noGrp="1"/>
-          </p:cNvSpPr>
-          <p:nvPr>
-            <p:ph type="title"/>
-          </p:nvPr>
-        </p:nvSpPr>
-        <p:spPr/>
-        <p:txBody>
-          <a:bodyPr/>
-          <a:lstStyle/>
-          <a:p>
-            <a:r>
-              <a:rPr lang="zh-CN" altLang="en-US" dirty="0"/>
               <a:t>磁盘结构</a:t>
             </a:r>
             <a:r>
@@ -7268,7 +3990,7 @@
 </p:sld>
 </file>
 
-<file path=ppt/slides/slide6.xml><?xml version="1.0" encoding="utf-8"?>
+<file path=ppt/slides/slide13.xml><?xml version="1.0" encoding="utf-8"?>
 <p:sld xmlns:a="http://schemas.openxmlformats.org/drawingml/2006/main" xmlns:r="http://schemas.openxmlformats.org/officeDocument/2006/relationships" xmlns:p="http://schemas.openxmlformats.org/presentationml/2006/main">
   <p:cSld>
     <p:spTree>
@@ -7501,7 +4223,7 @@
 </p:sld>
 </file>
 
-<file path=ppt/slides/slide7.xml><?xml version="1.0" encoding="utf-8"?>
+<file path=ppt/slides/slide14.xml><?xml version="1.0" encoding="utf-8"?>
 <p:sld xmlns:a="http://schemas.openxmlformats.org/drawingml/2006/main" xmlns:r="http://schemas.openxmlformats.org/officeDocument/2006/relationships" xmlns:p="http://schemas.openxmlformats.org/presentationml/2006/main">
   <p:cSld>
     <p:spTree>
@@ -8132,7 +4854,7 @@
 </p:sld>
 </file>
 
-<file path=ppt/slides/slide8.xml><?xml version="1.0" encoding="utf-8"?>
+<file path=ppt/slides/slide15.xml><?xml version="1.0" encoding="utf-8"?>
 <p:sld xmlns:a="http://schemas.openxmlformats.org/drawingml/2006/main" xmlns:r="http://schemas.openxmlformats.org/officeDocument/2006/relationships" xmlns:p="http://schemas.openxmlformats.org/presentationml/2006/main">
   <p:cSld>
     <p:spTree>
@@ -8489,7 +5211,7 @@
 </p:sld>
 </file>
 
-<file path=ppt/slides/slide9.xml><?xml version="1.0" encoding="utf-8"?>
+<file path=ppt/slides/slide16.xml><?xml version="1.0" encoding="utf-8"?>
 <p:sld xmlns:a="http://schemas.openxmlformats.org/drawingml/2006/main" xmlns:r="http://schemas.openxmlformats.org/officeDocument/2006/relationships" xmlns:p="http://schemas.openxmlformats.org/presentationml/2006/main">
   <p:cSld>
     <p:spTree>
@@ -8637,6 +5359,4850 @@
     <p:extLst>
       <p:ext uri="{BB962C8B-B14F-4D97-AF65-F5344CB8AC3E}">
         <p14:creationId xmlns:p14="http://schemas.microsoft.com/office/powerpoint/2010/main" val="2895269336"/>
+      </p:ext>
+    </p:extLst>
+  </p:cSld>
+  <p:clrMapOvr>
+    <a:masterClrMapping/>
+  </p:clrMapOvr>
+</p:sld>
+</file>
+
+<file path=ppt/slides/slide17.xml><?xml version="1.0" encoding="utf-8"?>
+<p:sld xmlns:a="http://schemas.openxmlformats.org/drawingml/2006/main" xmlns:r="http://schemas.openxmlformats.org/officeDocument/2006/relationships" xmlns:p="http://schemas.openxmlformats.org/presentationml/2006/main">
+  <p:cSld>
+    <p:spTree>
+      <p:nvGrpSpPr>
+        <p:cNvPr id="1" name=""/>
+        <p:cNvGrpSpPr/>
+        <p:nvPr/>
+      </p:nvGrpSpPr>
+      <p:grpSpPr>
+        <a:xfrm>
+          <a:off x="0" y="0"/>
+          <a:ext cx="0" cy="0"/>
+          <a:chOff x="0" y="0"/>
+          <a:chExt cx="0" cy="0"/>
+        </a:xfrm>
+      </p:grpSpPr>
+      <p:sp>
+        <p:nvSpPr>
+          <p:cNvPr id="2" name="标题 1"/>
+          <p:cNvSpPr>
+            <a:spLocks noGrp="1"/>
+          </p:cNvSpPr>
+          <p:nvPr>
+            <p:ph type="title"/>
+          </p:nvPr>
+        </p:nvSpPr>
+        <p:spPr/>
+        <p:txBody>
+          <a:bodyPr/>
+          <a:lstStyle/>
+          <a:p>
+            <a:r>
+              <a:rPr lang="zh-CN" altLang="en-US" dirty="0"/>
+              <a:t>内存结构</a:t>
+            </a:r>
+            <a:r>
+              <a:rPr lang="en-US" altLang="zh-CN" dirty="0"/>
+              <a:t>/</a:t>
+            </a:r>
+            <a:r>
+              <a:rPr lang="en-US" altLang="zh-CN" dirty="0" err="1"/>
+              <a:t>EEClass</a:t>
+            </a:r>
+            <a:endParaRPr lang="zh-CN" altLang="en-US" dirty="0"/>
+          </a:p>
+        </p:txBody>
+      </p:sp>
+      <p:pic>
+        <p:nvPicPr>
+          <p:cNvPr id="4" name="内容占位符 3"/>
+          <p:cNvPicPr>
+            <a:picLocks noGrp="1" noChangeAspect="1"/>
+          </p:cNvPicPr>
+          <p:nvPr>
+            <p:ph idx="1"/>
+          </p:nvPr>
+        </p:nvPicPr>
+        <p:blipFill>
+          <a:blip r:embed="rId2">
+            <a:extLst>
+              <a:ext uri="{28A0092B-C50C-407E-A947-70E740481C1C}">
+                <a14:useLocalDpi xmlns:a14="http://schemas.microsoft.com/office/drawing/2010/main" val="0"/>
+              </a:ext>
+            </a:extLst>
+          </a:blip>
+          <a:stretch>
+            <a:fillRect/>
+          </a:stretch>
+        </p:blipFill>
+        <p:spPr>
+          <a:xfrm>
+            <a:off x="838200" y="1577808"/>
+            <a:ext cx="6630325" cy="4296375"/>
+          </a:xfrm>
+        </p:spPr>
+      </p:pic>
+    </p:spTree>
+    <p:extLst>
+      <p:ext uri="{BB962C8B-B14F-4D97-AF65-F5344CB8AC3E}">
+        <p14:creationId xmlns:p14="http://schemas.microsoft.com/office/powerpoint/2010/main" val="2169093456"/>
+      </p:ext>
+    </p:extLst>
+  </p:cSld>
+  <p:clrMapOvr>
+    <a:masterClrMapping/>
+  </p:clrMapOvr>
+</p:sld>
+</file>
+
+<file path=ppt/slides/slide18.xml><?xml version="1.0" encoding="utf-8"?>
+<p:sld xmlns:a="http://schemas.openxmlformats.org/drawingml/2006/main" xmlns:r="http://schemas.openxmlformats.org/officeDocument/2006/relationships" xmlns:p="http://schemas.openxmlformats.org/presentationml/2006/main">
+  <p:cSld>
+    <p:spTree>
+      <p:nvGrpSpPr>
+        <p:cNvPr id="1" name=""/>
+        <p:cNvGrpSpPr/>
+        <p:nvPr/>
+      </p:nvGrpSpPr>
+      <p:grpSpPr>
+        <a:xfrm>
+          <a:off x="0" y="0"/>
+          <a:ext cx="0" cy="0"/>
+          <a:chOff x="0" y="0"/>
+          <a:chExt cx="0" cy="0"/>
+        </a:xfrm>
+      </p:grpSpPr>
+      <p:sp>
+        <p:nvSpPr>
+          <p:cNvPr id="2" name="标题 1"/>
+          <p:cNvSpPr>
+            <a:spLocks noGrp="1"/>
+          </p:cNvSpPr>
+          <p:nvPr>
+            <p:ph type="title"/>
+          </p:nvPr>
+        </p:nvSpPr>
+        <p:spPr/>
+        <p:txBody>
+          <a:bodyPr/>
+          <a:lstStyle/>
+          <a:p>
+            <a:r>
+              <a:rPr lang="en-US" altLang="zh-CN" dirty="0"/>
+              <a:t>IL2CPP</a:t>
+            </a:r>
+            <a:endParaRPr lang="zh-CN" altLang="en-US" dirty="0"/>
+          </a:p>
+        </p:txBody>
+      </p:sp>
+      <p:sp>
+        <p:nvSpPr>
+          <p:cNvPr id="3" name="内容占位符 2"/>
+          <p:cNvSpPr>
+            <a:spLocks noGrp="1"/>
+          </p:cNvSpPr>
+          <p:nvPr>
+            <p:ph idx="1"/>
+          </p:nvPr>
+        </p:nvSpPr>
+        <p:spPr/>
+        <p:txBody>
+          <a:bodyPr/>
+          <a:lstStyle/>
+          <a:p>
+            <a:r>
+              <a:rPr lang="en-US" altLang="zh-CN" dirty="0"/>
+              <a:t>IL2CPP</a:t>
+            </a:r>
+            <a:r>
+              <a:rPr lang="zh-CN" altLang="en-US" dirty="0"/>
+              <a:t>分别处理字段和方法：实例字段和类字段被生成到相同</a:t>
+            </a:r>
+            <a:r>
+              <a:rPr lang="en-US" altLang="zh-CN" dirty="0"/>
+              <a:t>.h</a:t>
+            </a:r>
+            <a:r>
+              <a:rPr lang="zh-CN" altLang="en-US" dirty="0"/>
+              <a:t>文件的不同结构中，方法被生成到</a:t>
+            </a:r>
+            <a:r>
+              <a:rPr lang="en-US" altLang="zh-CN" dirty="0"/>
+              <a:t>.</a:t>
+            </a:r>
+            <a:r>
+              <a:rPr lang="en-US" altLang="zh-CN" dirty="0" err="1"/>
+              <a:t>cpp</a:t>
+            </a:r>
+            <a:r>
+              <a:rPr lang="zh-CN" altLang="en-US" dirty="0"/>
+              <a:t>文件中</a:t>
+            </a:r>
+            <a:endParaRPr lang="en-US" altLang="zh-CN" dirty="0"/>
+          </a:p>
+          <a:p>
+            <a:r>
+              <a:rPr lang="en-US" altLang="zh-CN" dirty="0"/>
+              <a:t>IL2CPP</a:t>
+            </a:r>
+            <a:r>
+              <a:rPr lang="zh-CN" altLang="en-US" dirty="0"/>
+              <a:t>对</a:t>
+            </a:r>
+            <a:r>
+              <a:rPr lang="en-US" altLang="zh-CN" dirty="0"/>
+              <a:t>IL</a:t>
+            </a:r>
+            <a:r>
+              <a:rPr lang="zh-CN" altLang="en-US" dirty="0"/>
+              <a:t>的翻译近乎直译。</a:t>
+            </a:r>
+            <a:r>
+              <a:rPr lang="en-US" altLang="zh-CN" dirty="0" err="1"/>
+              <a:t>.Net</a:t>
+            </a:r>
+            <a:r>
+              <a:rPr lang="zh-CN" altLang="en-US" dirty="0"/>
+              <a:t>编译器的质量直接影响</a:t>
+            </a:r>
+            <a:r>
+              <a:rPr lang="en-US" altLang="zh-CN" dirty="0"/>
+              <a:t>IL2CPP</a:t>
+            </a:r>
+            <a:r>
+              <a:rPr lang="zh-CN" altLang="en-US" dirty="0"/>
+              <a:t>最终生成的结果</a:t>
+            </a:r>
+            <a:endParaRPr lang="en-US" altLang="zh-CN" dirty="0"/>
+          </a:p>
+          <a:p>
+            <a:r>
+              <a:rPr lang="en-US" altLang="zh-CN" dirty="0"/>
+              <a:t>IL2CPP</a:t>
+            </a:r>
+            <a:r>
+              <a:rPr lang="zh-CN" altLang="en-US" dirty="0"/>
+              <a:t>会为虚调用生成对象，通过支持库</a:t>
+            </a:r>
+            <a:r>
+              <a:rPr lang="en-US" altLang="zh-CN" dirty="0"/>
+              <a:t>libil2cpp</a:t>
+            </a:r>
+            <a:r>
+              <a:rPr lang="zh-CN" altLang="en-US" dirty="0"/>
+              <a:t>方法调用。虚调用会受到一定的优化，有时</a:t>
+            </a:r>
+            <a:r>
+              <a:rPr lang="en-US" altLang="zh-CN" dirty="0" err="1"/>
+              <a:t>callvirt</a:t>
+            </a:r>
+            <a:r>
+              <a:rPr lang="zh-CN" altLang="en-US" dirty="0"/>
+              <a:t>指令并不对真的被翻译为虚调用的形式</a:t>
+            </a:r>
+            <a:endParaRPr lang="en-US" altLang="zh-CN" dirty="0"/>
+          </a:p>
+          <a:p>
+            <a:r>
+              <a:rPr lang="en-US" altLang="zh-CN" dirty="0"/>
+              <a:t>FCL</a:t>
+            </a:r>
+            <a:r>
+              <a:rPr lang="zh-CN" altLang="en-US" dirty="0"/>
+              <a:t>使用和</a:t>
+            </a:r>
+            <a:r>
+              <a:rPr lang="en-US" altLang="zh-CN" dirty="0"/>
+              <a:t>Mono</a:t>
+            </a:r>
+            <a:r>
+              <a:rPr lang="zh-CN" altLang="en-US" dirty="0"/>
+              <a:t>一样的代码，经由</a:t>
+            </a:r>
+            <a:r>
+              <a:rPr lang="en-US" altLang="zh-CN" dirty="0"/>
+              <a:t>IL2CPP</a:t>
+            </a:r>
+            <a:r>
+              <a:rPr lang="zh-CN" altLang="en-US" dirty="0"/>
+              <a:t>编译器翻译而成。虽然损失了潜在的优化，然而确保了代码的一致性</a:t>
+            </a:r>
+          </a:p>
+        </p:txBody>
+      </p:sp>
+    </p:spTree>
+    <p:extLst>
+      <p:ext uri="{BB962C8B-B14F-4D97-AF65-F5344CB8AC3E}">
+        <p14:creationId xmlns:p14="http://schemas.microsoft.com/office/powerpoint/2010/main" val="1747156259"/>
+      </p:ext>
+    </p:extLst>
+  </p:cSld>
+  <p:clrMapOvr>
+    <a:masterClrMapping/>
+  </p:clrMapOvr>
+</p:sld>
+</file>
+
+<file path=ppt/slides/slide19.xml><?xml version="1.0" encoding="utf-8"?>
+<p:sld xmlns:a="http://schemas.openxmlformats.org/drawingml/2006/main" xmlns:r="http://schemas.openxmlformats.org/officeDocument/2006/relationships" xmlns:p="http://schemas.openxmlformats.org/presentationml/2006/main">
+  <p:cSld>
+    <p:spTree>
+      <p:nvGrpSpPr>
+        <p:cNvPr id="1" name=""/>
+        <p:cNvGrpSpPr/>
+        <p:nvPr/>
+      </p:nvGrpSpPr>
+      <p:grpSpPr>
+        <a:xfrm>
+          <a:off x="0" y="0"/>
+          <a:ext cx="0" cy="0"/>
+          <a:chOff x="0" y="0"/>
+          <a:chExt cx="0" cy="0"/>
+        </a:xfrm>
+      </p:grpSpPr>
+      <p:sp>
+        <p:nvSpPr>
+          <p:cNvPr id="2" name="标题 1"/>
+          <p:cNvSpPr>
+            <a:spLocks noGrp="1"/>
+          </p:cNvSpPr>
+          <p:nvPr>
+            <p:ph type="title"/>
+          </p:nvPr>
+        </p:nvSpPr>
+        <p:spPr/>
+        <p:txBody>
+          <a:bodyPr/>
+          <a:lstStyle/>
+          <a:p>
+            <a:r>
+              <a:rPr lang="zh-CN" altLang="en-US" dirty="0"/>
+              <a:t>最佳实践</a:t>
+            </a:r>
+            <a:r>
+              <a:rPr lang="en-US" altLang="zh-CN" dirty="0"/>
+              <a:t>/</a:t>
+            </a:r>
+            <a:r>
+              <a:rPr lang="zh-CN" altLang="en-US" dirty="0"/>
+              <a:t>减少虚调用</a:t>
+            </a:r>
+          </a:p>
+        </p:txBody>
+      </p:sp>
+      <p:sp>
+        <p:nvSpPr>
+          <p:cNvPr id="3" name="内容占位符 2"/>
+          <p:cNvSpPr>
+            <a:spLocks noGrp="1"/>
+          </p:cNvSpPr>
+          <p:nvPr>
+            <p:ph idx="1"/>
+          </p:nvPr>
+        </p:nvSpPr>
+        <p:spPr/>
+        <p:txBody>
+          <a:bodyPr/>
+          <a:lstStyle/>
+          <a:p>
+            <a:r>
+              <a:rPr lang="zh-CN" altLang="en-US" dirty="0"/>
+              <a:t>封闭类</a:t>
+            </a:r>
+            <a:endParaRPr lang="en-US" altLang="zh-CN" dirty="0"/>
+          </a:p>
+          <a:p>
+            <a:r>
+              <a:rPr lang="zh-CN" altLang="en-US" dirty="0"/>
+              <a:t>使用类方法</a:t>
+            </a:r>
+          </a:p>
+        </p:txBody>
+      </p:sp>
+    </p:spTree>
+    <p:extLst>
+      <p:ext uri="{BB962C8B-B14F-4D97-AF65-F5344CB8AC3E}">
+        <p14:creationId xmlns:p14="http://schemas.microsoft.com/office/powerpoint/2010/main" val="3217876481"/>
+      </p:ext>
+    </p:extLst>
+  </p:cSld>
+  <p:clrMapOvr>
+    <a:masterClrMapping/>
+  </p:clrMapOvr>
+</p:sld>
+</file>
+
+<file path=ppt/slides/slide2.xml><?xml version="1.0" encoding="utf-8"?>
+<p:sld xmlns:a="http://schemas.openxmlformats.org/drawingml/2006/main" xmlns:r="http://schemas.openxmlformats.org/officeDocument/2006/relationships" xmlns:p="http://schemas.openxmlformats.org/presentationml/2006/main">
+  <p:cSld>
+    <p:spTree>
+      <p:nvGrpSpPr>
+        <p:cNvPr id="1" name=""/>
+        <p:cNvGrpSpPr/>
+        <p:nvPr/>
+      </p:nvGrpSpPr>
+      <p:grpSpPr>
+        <a:xfrm>
+          <a:off x="0" y="0"/>
+          <a:ext cx="0" cy="0"/>
+          <a:chOff x="0" y="0"/>
+          <a:chExt cx="0" cy="0"/>
+        </a:xfrm>
+      </p:grpSpPr>
+      <p:sp>
+        <p:nvSpPr>
+          <p:cNvPr id="2" name="标题 1"/>
+          <p:cNvSpPr>
+            <a:spLocks noGrp="1"/>
+          </p:cNvSpPr>
+          <p:nvPr>
+            <p:ph type="title"/>
+          </p:nvPr>
+        </p:nvSpPr>
+        <p:spPr/>
+        <p:txBody>
+          <a:bodyPr/>
+          <a:lstStyle/>
+          <a:p>
+            <a:r>
+              <a:rPr lang="zh-CN" altLang="en-US" dirty="0"/>
+              <a:t>目录</a:t>
+            </a:r>
+          </a:p>
+        </p:txBody>
+      </p:sp>
+      <p:sp>
+        <p:nvSpPr>
+          <p:cNvPr id="3" name="内容占位符 2"/>
+          <p:cNvSpPr>
+            <a:spLocks noGrp="1"/>
+          </p:cNvSpPr>
+          <p:nvPr>
+            <p:ph idx="1"/>
+          </p:nvPr>
+        </p:nvSpPr>
+        <p:spPr/>
+        <p:txBody>
+          <a:bodyPr/>
+          <a:lstStyle/>
+          <a:p>
+            <a:r>
+              <a:rPr lang="en-US" altLang="zh-CN" dirty="0" err="1"/>
+              <a:t>.Net</a:t>
+            </a:r>
+            <a:r>
+              <a:rPr lang="zh-CN" altLang="en-US" dirty="0"/>
+              <a:t>平台谱系</a:t>
+            </a:r>
+            <a:endParaRPr lang="en-US" altLang="zh-CN" dirty="0"/>
+          </a:p>
+          <a:p>
+            <a:r>
+              <a:rPr lang="en-US" altLang="zh-CN" dirty="0" err="1"/>
+              <a:t>.Net</a:t>
+            </a:r>
+            <a:r>
+              <a:rPr lang="zh-CN" altLang="en-US" dirty="0"/>
+              <a:t>应用程序集结构</a:t>
+            </a:r>
+            <a:endParaRPr lang="en-US" altLang="zh-CN" dirty="0"/>
+          </a:p>
+          <a:p>
+            <a:pPr lvl="1"/>
+            <a:r>
+              <a:rPr lang="zh-CN" altLang="en-US" dirty="0"/>
+              <a:t>磁盘平面结构</a:t>
+            </a:r>
+            <a:endParaRPr lang="en-US" altLang="zh-CN" dirty="0"/>
+          </a:p>
+          <a:p>
+            <a:pPr lvl="1"/>
+            <a:r>
+              <a:rPr lang="zh-CN" altLang="en-US" dirty="0"/>
+              <a:t>内存结构</a:t>
+            </a:r>
+            <a:endParaRPr lang="en-US" altLang="zh-CN" dirty="0"/>
+          </a:p>
+          <a:p>
+            <a:r>
+              <a:rPr lang="en-US" altLang="zh-CN" dirty="0"/>
+              <a:t>IL2CPP</a:t>
+            </a:r>
+            <a:r>
+              <a:rPr lang="zh-CN" altLang="en-US" dirty="0"/>
+              <a:t>概览</a:t>
+            </a:r>
+            <a:endParaRPr lang="en-US" altLang="zh-CN" dirty="0"/>
+          </a:p>
+          <a:p>
+            <a:r>
+              <a:rPr lang="zh-CN" altLang="en-US" dirty="0"/>
+              <a:t>实践优化</a:t>
+            </a:r>
+          </a:p>
+        </p:txBody>
+      </p:sp>
+    </p:spTree>
+    <p:extLst>
+      <p:ext uri="{BB962C8B-B14F-4D97-AF65-F5344CB8AC3E}">
+        <p14:creationId xmlns:p14="http://schemas.microsoft.com/office/powerpoint/2010/main" val="2703389415"/>
+      </p:ext>
+    </p:extLst>
+  </p:cSld>
+  <p:clrMapOvr>
+    <a:masterClrMapping/>
+  </p:clrMapOvr>
+</p:sld>
+</file>
+
+<file path=ppt/slides/slide20.xml><?xml version="1.0" encoding="utf-8"?>
+<p:sld xmlns:a="http://schemas.openxmlformats.org/drawingml/2006/main" xmlns:r="http://schemas.openxmlformats.org/officeDocument/2006/relationships" xmlns:p="http://schemas.openxmlformats.org/presentationml/2006/main">
+  <p:cSld>
+    <p:spTree>
+      <p:nvGrpSpPr>
+        <p:cNvPr id="1" name=""/>
+        <p:cNvGrpSpPr/>
+        <p:nvPr/>
+      </p:nvGrpSpPr>
+      <p:grpSpPr>
+        <a:xfrm>
+          <a:off x="0" y="0"/>
+          <a:ext cx="0" cy="0"/>
+          <a:chOff x="0" y="0"/>
+          <a:chExt cx="0" cy="0"/>
+        </a:xfrm>
+      </p:grpSpPr>
+      <p:sp>
+        <p:nvSpPr>
+          <p:cNvPr id="2" name="标题 1"/>
+          <p:cNvSpPr>
+            <a:spLocks noGrp="1"/>
+          </p:cNvSpPr>
+          <p:nvPr>
+            <p:ph type="title"/>
+          </p:nvPr>
+        </p:nvSpPr>
+        <p:spPr/>
+        <p:txBody>
+          <a:bodyPr/>
+          <a:lstStyle/>
+          <a:p>
+            <a:r>
+              <a:rPr lang="zh-CN" altLang="en-US" dirty="0"/>
+              <a:t>最佳实践</a:t>
+            </a:r>
+            <a:r>
+              <a:rPr lang="en-US" altLang="zh-CN" dirty="0"/>
+              <a:t>/</a:t>
+            </a:r>
+            <a:r>
+              <a:rPr lang="zh-CN" altLang="en-US" dirty="0"/>
+              <a:t>削减装箱</a:t>
+            </a:r>
+          </a:p>
+        </p:txBody>
+      </p:sp>
+      <p:sp>
+        <p:nvSpPr>
+          <p:cNvPr id="3" name="内容占位符 2"/>
+          <p:cNvSpPr>
+            <a:spLocks noGrp="1"/>
+          </p:cNvSpPr>
+          <p:nvPr>
+            <p:ph idx="1"/>
+          </p:nvPr>
+        </p:nvSpPr>
+        <p:spPr/>
+        <p:txBody>
+          <a:bodyPr/>
+          <a:lstStyle/>
+          <a:p>
+            <a:r>
+              <a:rPr lang="zh-CN" altLang="en-US" dirty="0"/>
+              <a:t>泛化方法或类，而非使用</a:t>
+            </a:r>
+            <a:r>
+              <a:rPr lang="en-US" altLang="zh-CN" dirty="0"/>
+              <a:t>object</a:t>
+            </a:r>
+            <a:r>
+              <a:rPr lang="zh-CN" altLang="en-US" dirty="0"/>
+              <a:t>类型</a:t>
+            </a:r>
+            <a:endParaRPr lang="en-US" altLang="zh-CN" dirty="0"/>
+          </a:p>
+          <a:p>
+            <a:pPr marL="457200" lvl="1" indent="0">
+              <a:buNone/>
+            </a:pPr>
+            <a:r>
+              <a:rPr lang="zh-CN" altLang="en-US" dirty="0"/>
+              <a:t>较新版本</a:t>
+            </a:r>
+            <a:r>
+              <a:rPr lang="en-US" altLang="zh-CN" dirty="0"/>
+              <a:t>Unity</a:t>
+            </a:r>
+            <a:r>
+              <a:rPr lang="zh-CN" altLang="en-US" dirty="0"/>
+              <a:t>中，</a:t>
+            </a:r>
+            <a:r>
+              <a:rPr lang="en-US" altLang="zh-CN" dirty="0"/>
+              <a:t>IL2CPP</a:t>
+            </a:r>
+            <a:r>
+              <a:rPr lang="zh-CN" altLang="en-US" dirty="0"/>
+              <a:t>拥有泛型重用，因此能有效减小泛型对代码体积造成的负担</a:t>
+            </a:r>
+            <a:endParaRPr lang="en-US" altLang="zh-CN" dirty="0"/>
+          </a:p>
+          <a:p>
+            <a:r>
+              <a:rPr lang="zh-CN" altLang="en-US" dirty="0"/>
+              <a:t>为结构体重写派生自</a:t>
+            </a:r>
+            <a:r>
+              <a:rPr lang="en-US" altLang="zh-CN" dirty="0"/>
+              <a:t>object</a:t>
+            </a:r>
+            <a:r>
+              <a:rPr lang="zh-CN" altLang="en-US" dirty="0"/>
+              <a:t>的方法</a:t>
+            </a:r>
+            <a:endParaRPr lang="en-US" altLang="zh-CN" dirty="0"/>
+          </a:p>
+          <a:p>
+            <a:pPr marL="457200" lvl="1" indent="0">
+              <a:buNone/>
+            </a:pPr>
+            <a:r>
+              <a:rPr lang="en-US" altLang="zh-CN" dirty="0"/>
+              <a:t>Object</a:t>
+            </a:r>
+            <a:r>
+              <a:rPr lang="zh-CN" altLang="en-US" dirty="0"/>
+              <a:t>是引用类型，这是万恶之源</a:t>
+            </a:r>
+            <a:endParaRPr lang="en-US" altLang="zh-CN" dirty="0"/>
+          </a:p>
+          <a:p>
+            <a:r>
+              <a:rPr lang="zh-CN" altLang="en-US" dirty="0"/>
+              <a:t>使用泛型约束控制泛型参数的行为</a:t>
+            </a:r>
+            <a:endParaRPr lang="en-US" altLang="zh-CN" dirty="0"/>
+          </a:p>
+          <a:p>
+            <a:r>
+              <a:rPr lang="en-US" altLang="zh-CN" dirty="0"/>
+              <a:t>Char</a:t>
+            </a:r>
+            <a:r>
+              <a:rPr lang="zh-CN" altLang="en-US" dirty="0"/>
+              <a:t>是值类型，</a:t>
+            </a:r>
+            <a:r>
+              <a:rPr lang="en-US" altLang="zh-CN" dirty="0"/>
+              <a:t>String</a:t>
+            </a:r>
+            <a:r>
+              <a:rPr lang="zh-CN" altLang="en-US" dirty="0"/>
+              <a:t>是引用类型</a:t>
+            </a:r>
+            <a:r>
+              <a:rPr lang="en-US" altLang="zh-CN" dirty="0"/>
+              <a:t>——</a:t>
+            </a:r>
+            <a:r>
+              <a:rPr lang="zh-CN" altLang="en-US" dirty="0"/>
+              <a:t>拼合字符串时不应使用</a:t>
+            </a:r>
+            <a:r>
+              <a:rPr lang="en-US" altLang="zh-CN" dirty="0"/>
+              <a:t>Char</a:t>
+            </a:r>
+            <a:r>
+              <a:rPr lang="zh-CN" altLang="en-US" dirty="0"/>
+              <a:t>类型</a:t>
+            </a:r>
+          </a:p>
+        </p:txBody>
+      </p:sp>
+    </p:spTree>
+    <p:extLst>
+      <p:ext uri="{BB962C8B-B14F-4D97-AF65-F5344CB8AC3E}">
+        <p14:creationId xmlns:p14="http://schemas.microsoft.com/office/powerpoint/2010/main" val="3934302142"/>
+      </p:ext>
+    </p:extLst>
+  </p:cSld>
+  <p:clrMapOvr>
+    <a:masterClrMapping/>
+  </p:clrMapOvr>
+</p:sld>
+</file>
+
+<file path=ppt/slides/slide21.xml><?xml version="1.0" encoding="utf-8"?>
+<p:sld xmlns:a="http://schemas.openxmlformats.org/drawingml/2006/main" xmlns:r="http://schemas.openxmlformats.org/officeDocument/2006/relationships" xmlns:p="http://schemas.openxmlformats.org/presentationml/2006/main">
+  <p:cSld>
+    <p:spTree>
+      <p:nvGrpSpPr>
+        <p:cNvPr id="1" name=""/>
+        <p:cNvGrpSpPr/>
+        <p:nvPr/>
+      </p:nvGrpSpPr>
+      <p:grpSpPr>
+        <a:xfrm>
+          <a:off x="0" y="0"/>
+          <a:ext cx="0" cy="0"/>
+          <a:chOff x="0" y="0"/>
+          <a:chExt cx="0" cy="0"/>
+        </a:xfrm>
+      </p:grpSpPr>
+      <p:sp>
+        <p:nvSpPr>
+          <p:cNvPr id="2" name="标题 1"/>
+          <p:cNvSpPr>
+            <a:spLocks noGrp="1"/>
+          </p:cNvSpPr>
+          <p:nvPr>
+            <p:ph type="title"/>
+          </p:nvPr>
+        </p:nvSpPr>
+        <p:spPr/>
+        <p:txBody>
+          <a:bodyPr/>
+          <a:lstStyle/>
+          <a:p>
+            <a:r>
+              <a:rPr lang="zh-CN" altLang="en-US" dirty="0"/>
+              <a:t>最佳实践</a:t>
+            </a:r>
+            <a:r>
+              <a:rPr lang="en-US" altLang="zh-CN" dirty="0"/>
+              <a:t>/</a:t>
+            </a:r>
+            <a:r>
+              <a:rPr lang="zh-CN" altLang="en-US" dirty="0"/>
+              <a:t>迁移编译器</a:t>
+            </a:r>
+          </a:p>
+        </p:txBody>
+      </p:sp>
+      <p:sp>
+        <p:nvSpPr>
+          <p:cNvPr id="3" name="内容占位符 2"/>
+          <p:cNvSpPr>
+            <a:spLocks noGrp="1"/>
+          </p:cNvSpPr>
+          <p:nvPr>
+            <p:ph idx="1"/>
+          </p:nvPr>
+        </p:nvSpPr>
+        <p:spPr/>
+        <p:txBody>
+          <a:bodyPr/>
+          <a:lstStyle/>
+          <a:p>
+            <a:pPr marL="0" indent="0">
+              <a:buNone/>
+            </a:pPr>
+            <a:r>
+              <a:rPr lang="zh-CN" altLang="en-US" dirty="0"/>
+              <a:t>通过使用非</a:t>
+            </a:r>
+            <a:r>
+              <a:rPr lang="en-US" altLang="zh-CN" dirty="0"/>
+              <a:t>Unity</a:t>
+            </a:r>
+            <a:r>
+              <a:rPr lang="zh-CN" altLang="en-US" dirty="0"/>
+              <a:t>的编译器获取更高质量的代码</a:t>
+            </a:r>
+          </a:p>
+        </p:txBody>
+      </p:sp>
+    </p:spTree>
+    <p:extLst>
+      <p:ext uri="{BB962C8B-B14F-4D97-AF65-F5344CB8AC3E}">
+        <p14:creationId xmlns:p14="http://schemas.microsoft.com/office/powerpoint/2010/main" val="2624574833"/>
+      </p:ext>
+    </p:extLst>
+  </p:cSld>
+  <p:clrMapOvr>
+    <a:masterClrMapping/>
+  </p:clrMapOvr>
+</p:sld>
+</file>
+
+<file path=ppt/slides/slide22.xml><?xml version="1.0" encoding="utf-8"?>
+<p:sld xmlns:a="http://schemas.openxmlformats.org/drawingml/2006/main" xmlns:r="http://schemas.openxmlformats.org/officeDocument/2006/relationships" xmlns:p="http://schemas.openxmlformats.org/presentationml/2006/main">
+  <p:cSld>
+    <p:spTree>
+      <p:nvGrpSpPr>
+        <p:cNvPr id="1" name=""/>
+        <p:cNvGrpSpPr/>
+        <p:nvPr/>
+      </p:nvGrpSpPr>
+      <p:grpSpPr>
+        <a:xfrm>
+          <a:off x="0" y="0"/>
+          <a:ext cx="0" cy="0"/>
+          <a:chOff x="0" y="0"/>
+          <a:chExt cx="0" cy="0"/>
+        </a:xfrm>
+      </p:grpSpPr>
+      <p:sp>
+        <p:nvSpPr>
+          <p:cNvPr id="2" name="标题 1"/>
+          <p:cNvSpPr>
+            <a:spLocks noGrp="1"/>
+          </p:cNvSpPr>
+          <p:nvPr>
+            <p:ph type="title"/>
+          </p:nvPr>
+        </p:nvSpPr>
+        <p:spPr/>
+        <p:txBody>
+          <a:bodyPr/>
+          <a:lstStyle/>
+          <a:p>
+            <a:r>
+              <a:rPr lang="zh-CN" altLang="en-US" dirty="0"/>
+              <a:t>最佳实践</a:t>
+            </a:r>
+            <a:r>
+              <a:rPr lang="en-US" altLang="zh-CN" dirty="0"/>
+              <a:t>/</a:t>
+            </a:r>
+            <a:r>
+              <a:rPr lang="zh-CN" altLang="en-US" dirty="0"/>
+              <a:t>使用</a:t>
+            </a:r>
+            <a:r>
+              <a:rPr lang="en-US" altLang="zh-CN" dirty="0" err="1"/>
+              <a:t>Resharper</a:t>
+            </a:r>
+            <a:r>
+              <a:rPr lang="zh-CN" altLang="en-US" dirty="0"/>
+              <a:t>改进代码质量</a:t>
+            </a:r>
+          </a:p>
+        </p:txBody>
+      </p:sp>
+      <p:sp>
+        <p:nvSpPr>
+          <p:cNvPr id="3" name="内容占位符 2"/>
+          <p:cNvSpPr>
+            <a:spLocks noGrp="1"/>
+          </p:cNvSpPr>
+          <p:nvPr>
+            <p:ph idx="1"/>
+          </p:nvPr>
+        </p:nvSpPr>
+        <p:spPr/>
+        <p:txBody>
+          <a:bodyPr/>
+          <a:lstStyle/>
+          <a:p>
+            <a:r>
+              <a:rPr lang="zh-CN" altLang="en-US" dirty="0"/>
+              <a:t>使用</a:t>
+            </a:r>
+            <a:r>
+              <a:rPr lang="en-US" altLang="zh-CN" dirty="0" err="1"/>
+              <a:t>Alt+PageUp</a:t>
+            </a:r>
+            <a:r>
+              <a:rPr lang="en-US" altLang="zh-CN" dirty="0"/>
+              <a:t>/</a:t>
+            </a:r>
+            <a:r>
+              <a:rPr lang="en-US" altLang="zh-CN" dirty="0" err="1"/>
+              <a:t>PageDown</a:t>
+            </a:r>
+            <a:r>
+              <a:rPr lang="zh-CN" altLang="en-US" dirty="0"/>
+              <a:t>以及</a:t>
+            </a:r>
+            <a:r>
+              <a:rPr lang="en-US" altLang="zh-CN" dirty="0" err="1"/>
+              <a:t>Alt+Enter</a:t>
+            </a:r>
+            <a:r>
+              <a:rPr lang="zh-CN" altLang="en-US" dirty="0"/>
+              <a:t>快速修复问题</a:t>
+            </a:r>
+            <a:endParaRPr lang="en-US" altLang="zh-CN" dirty="0"/>
+          </a:p>
+          <a:p>
+            <a:endParaRPr lang="en-US" altLang="zh-CN" dirty="0"/>
+          </a:p>
+          <a:p>
+            <a:endParaRPr lang="en-US" altLang="zh-CN" dirty="0"/>
+          </a:p>
+          <a:p>
+            <a:endParaRPr lang="en-US" altLang="zh-CN" dirty="0"/>
+          </a:p>
+          <a:p>
+            <a:endParaRPr lang="en-US" altLang="zh-CN" dirty="0"/>
+          </a:p>
+          <a:p>
+            <a:endParaRPr lang="en-US" altLang="zh-CN" dirty="0"/>
+          </a:p>
+          <a:p>
+            <a:r>
+              <a:rPr lang="zh-CN" altLang="en-US" dirty="0"/>
+              <a:t>在</a:t>
+            </a:r>
+            <a:r>
+              <a:rPr lang="en-US" altLang="zh-CN" dirty="0" err="1"/>
+              <a:t>Resharper</a:t>
+            </a:r>
+            <a:r>
+              <a:rPr lang="zh-CN" altLang="en-US" dirty="0"/>
+              <a:t>中指定编码规范</a:t>
+            </a:r>
+            <a:endParaRPr lang="en-US" altLang="zh-CN" dirty="0"/>
+          </a:p>
+          <a:p>
+            <a:pPr marL="457200" lvl="1" indent="0">
+              <a:buNone/>
+            </a:pPr>
+            <a:r>
+              <a:rPr lang="zh-CN" altLang="en-US" dirty="0"/>
+              <a:t>在</a:t>
+            </a:r>
+            <a:r>
+              <a:rPr lang="en-US" altLang="zh-CN" dirty="0"/>
+              <a:t>”</a:t>
+            </a:r>
+            <a:r>
+              <a:rPr lang="en-US" altLang="zh-CN" dirty="0" err="1"/>
+              <a:t>ReSharper</a:t>
+            </a:r>
+            <a:r>
+              <a:rPr lang="en-US" altLang="zh-CN" dirty="0"/>
+              <a:t>/Options/Code Editing”</a:t>
+            </a:r>
+            <a:r>
+              <a:rPr lang="zh-CN" altLang="en-US" dirty="0"/>
+              <a:t>条目中针对各语言指定具体的编码规范</a:t>
+            </a:r>
+            <a:endParaRPr lang="en-US" altLang="zh-CN" dirty="0"/>
+          </a:p>
+          <a:p>
+            <a:pPr lvl="1"/>
+            <a:endParaRPr lang="zh-CN" altLang="en-US" dirty="0"/>
+          </a:p>
+        </p:txBody>
+      </p:sp>
+      <p:pic>
+        <p:nvPicPr>
+          <p:cNvPr id="4" name="图片 3"/>
+          <p:cNvPicPr>
+            <a:picLocks noChangeAspect="1"/>
+          </p:cNvPicPr>
+          <p:nvPr/>
+        </p:nvPicPr>
+        <p:blipFill>
+          <a:blip r:embed="rId2"/>
+          <a:stretch>
+            <a:fillRect/>
+          </a:stretch>
+        </p:blipFill>
+        <p:spPr>
+          <a:xfrm>
+            <a:off x="2731224" y="2524919"/>
+            <a:ext cx="6143625" cy="1476375"/>
+          </a:xfrm>
+          <a:prstGeom prst="rect">
+            <a:avLst/>
+          </a:prstGeom>
+        </p:spPr>
+      </p:pic>
+      <p:sp>
+        <p:nvSpPr>
+          <p:cNvPr id="5" name="矩形 4"/>
+          <p:cNvSpPr/>
+          <p:nvPr/>
+        </p:nvSpPr>
+        <p:spPr>
+          <a:xfrm>
+            <a:off x="994299" y="3178206"/>
+            <a:ext cx="1038687" cy="248575"/>
+          </a:xfrm>
+          <a:prstGeom prst="rect">
+            <a:avLst/>
+          </a:prstGeom>
+          <a:noFill/>
+          <a:ln>
+            <a:solidFill>
+              <a:schemeClr val="tx1"/>
+            </a:solidFill>
+          </a:ln>
+        </p:spPr>
+        <p:style>
+          <a:lnRef idx="2">
+            <a:schemeClr val="accent1">
+              <a:shade val="50000"/>
+            </a:schemeClr>
+          </a:lnRef>
+          <a:fillRef idx="1">
+            <a:schemeClr val="accent1"/>
+          </a:fillRef>
+          <a:effectRef idx="0">
+            <a:schemeClr val="accent1"/>
+          </a:effectRef>
+          <a:fontRef idx="minor">
+            <a:schemeClr val="lt1"/>
+          </a:fontRef>
+        </p:style>
+        <p:txBody>
+          <a:bodyPr rtlCol="0" anchor="ctr"/>
+          <a:lstStyle/>
+          <a:p>
+            <a:pPr algn="ctr"/>
+            <a:r>
+              <a:rPr lang="zh-CN" altLang="en-US" sz="1000" dirty="0">
+                <a:solidFill>
+                  <a:schemeClr val="tx1"/>
+                </a:solidFill>
+              </a:rPr>
+              <a:t>快速修复菜单</a:t>
+            </a:r>
+          </a:p>
+        </p:txBody>
+      </p:sp>
+      <p:cxnSp>
+        <p:nvCxnSpPr>
+          <p:cNvPr id="7" name="直接连接符 6"/>
+          <p:cNvCxnSpPr>
+            <a:stCxn id="5" idx="3"/>
+          </p:cNvCxnSpPr>
+          <p:nvPr/>
+        </p:nvCxnSpPr>
+        <p:spPr>
+          <a:xfrm>
+            <a:off x="2032986" y="3302494"/>
+            <a:ext cx="698238" cy="204186"/>
+          </a:xfrm>
+          <a:prstGeom prst="line">
+            <a:avLst/>
+          </a:prstGeom>
+          <a:ln w="22225">
+            <a:solidFill>
+              <a:schemeClr val="accent5">
+                <a:lumMod val="60000"/>
+                <a:lumOff val="40000"/>
+              </a:schemeClr>
+            </a:solidFill>
+          </a:ln>
+        </p:spPr>
+        <p:style>
+          <a:lnRef idx="1">
+            <a:schemeClr val="accent5"/>
+          </a:lnRef>
+          <a:fillRef idx="0">
+            <a:schemeClr val="accent5"/>
+          </a:fillRef>
+          <a:effectRef idx="0">
+            <a:schemeClr val="accent5"/>
+          </a:effectRef>
+          <a:fontRef idx="minor">
+            <a:schemeClr val="tx1"/>
+          </a:fontRef>
+        </p:style>
+      </p:cxnSp>
+      <p:sp>
+        <p:nvSpPr>
+          <p:cNvPr id="8" name="矩形 7"/>
+          <p:cNvSpPr/>
+          <p:nvPr/>
+        </p:nvSpPr>
+        <p:spPr>
+          <a:xfrm>
+            <a:off x="4425609" y="4576300"/>
+            <a:ext cx="1038687" cy="248575"/>
+          </a:xfrm>
+          <a:prstGeom prst="rect">
+            <a:avLst/>
+          </a:prstGeom>
+          <a:noFill/>
+          <a:ln>
+            <a:solidFill>
+              <a:schemeClr val="tx1"/>
+            </a:solidFill>
+          </a:ln>
+        </p:spPr>
+        <p:style>
+          <a:lnRef idx="2">
+            <a:schemeClr val="accent1">
+              <a:shade val="50000"/>
+            </a:schemeClr>
+          </a:lnRef>
+          <a:fillRef idx="1">
+            <a:schemeClr val="accent1"/>
+          </a:fillRef>
+          <a:effectRef idx="0">
+            <a:schemeClr val="accent1"/>
+          </a:effectRef>
+          <a:fontRef idx="minor">
+            <a:schemeClr val="lt1"/>
+          </a:fontRef>
+        </p:style>
+        <p:txBody>
+          <a:bodyPr rtlCol="0" anchor="ctr"/>
+          <a:lstStyle/>
+          <a:p>
+            <a:pPr algn="ctr"/>
+            <a:r>
+              <a:rPr lang="zh-CN" altLang="en-US" sz="1000" dirty="0">
+                <a:solidFill>
+                  <a:schemeClr val="tx1"/>
+                </a:solidFill>
+              </a:rPr>
+              <a:t>问题发生点</a:t>
+            </a:r>
+          </a:p>
+        </p:txBody>
+      </p:sp>
+      <p:cxnSp>
+        <p:nvCxnSpPr>
+          <p:cNvPr id="9" name="直接连接符 8"/>
+          <p:cNvCxnSpPr>
+            <a:endCxn id="8" idx="0"/>
+          </p:cNvCxnSpPr>
+          <p:nvPr/>
+        </p:nvCxnSpPr>
+        <p:spPr>
+          <a:xfrm>
+            <a:off x="4944952" y="3404587"/>
+            <a:ext cx="1" cy="1171713"/>
+          </a:xfrm>
+          <a:prstGeom prst="line">
+            <a:avLst/>
+          </a:prstGeom>
+          <a:ln w="22225">
+            <a:solidFill>
+              <a:schemeClr val="accent5">
+                <a:lumMod val="60000"/>
+                <a:lumOff val="40000"/>
+              </a:schemeClr>
+            </a:solidFill>
+          </a:ln>
+        </p:spPr>
+        <p:style>
+          <a:lnRef idx="1">
+            <a:schemeClr val="accent5"/>
+          </a:lnRef>
+          <a:fillRef idx="0">
+            <a:schemeClr val="accent5"/>
+          </a:fillRef>
+          <a:effectRef idx="0">
+            <a:schemeClr val="accent5"/>
+          </a:effectRef>
+          <a:fontRef idx="minor">
+            <a:schemeClr val="tx1"/>
+          </a:fontRef>
+        </p:style>
+      </p:cxnSp>
+      <p:sp>
+        <p:nvSpPr>
+          <p:cNvPr id="12" name="矩形 11"/>
+          <p:cNvSpPr/>
+          <p:nvPr/>
+        </p:nvSpPr>
+        <p:spPr>
+          <a:xfrm>
+            <a:off x="9907391" y="2929631"/>
+            <a:ext cx="1038687" cy="248575"/>
+          </a:xfrm>
+          <a:prstGeom prst="rect">
+            <a:avLst/>
+          </a:prstGeom>
+          <a:noFill/>
+          <a:ln>
+            <a:solidFill>
+              <a:schemeClr val="tx1"/>
+            </a:solidFill>
+          </a:ln>
+        </p:spPr>
+        <p:style>
+          <a:lnRef idx="2">
+            <a:schemeClr val="accent1">
+              <a:shade val="50000"/>
+            </a:schemeClr>
+          </a:lnRef>
+          <a:fillRef idx="1">
+            <a:schemeClr val="accent1"/>
+          </a:fillRef>
+          <a:effectRef idx="0">
+            <a:schemeClr val="accent1"/>
+          </a:effectRef>
+          <a:fontRef idx="minor">
+            <a:schemeClr val="lt1"/>
+          </a:fontRef>
+        </p:style>
+        <p:txBody>
+          <a:bodyPr rtlCol="0" anchor="ctr"/>
+          <a:lstStyle/>
+          <a:p>
+            <a:pPr algn="ctr"/>
+            <a:r>
+              <a:rPr lang="zh-CN" altLang="en-US" sz="1000" dirty="0">
+                <a:solidFill>
+                  <a:schemeClr val="tx1"/>
+                </a:solidFill>
+              </a:rPr>
+              <a:t>问题布局</a:t>
+            </a:r>
+          </a:p>
+        </p:txBody>
+      </p:sp>
+      <p:cxnSp>
+        <p:nvCxnSpPr>
+          <p:cNvPr id="13" name="直接连接符 12"/>
+          <p:cNvCxnSpPr>
+            <a:endCxn id="12" idx="1"/>
+          </p:cNvCxnSpPr>
+          <p:nvPr/>
+        </p:nvCxnSpPr>
+        <p:spPr>
+          <a:xfrm>
+            <a:off x="8874849" y="3053918"/>
+            <a:ext cx="1032542" cy="1"/>
+          </a:xfrm>
+          <a:prstGeom prst="line">
+            <a:avLst/>
+          </a:prstGeom>
+          <a:ln w="22225">
+            <a:solidFill>
+              <a:schemeClr val="accent5">
+                <a:lumMod val="60000"/>
+                <a:lumOff val="40000"/>
+              </a:schemeClr>
+            </a:solidFill>
+          </a:ln>
+        </p:spPr>
+        <p:style>
+          <a:lnRef idx="1">
+            <a:schemeClr val="accent5"/>
+          </a:lnRef>
+          <a:fillRef idx="0">
+            <a:schemeClr val="accent5"/>
+          </a:fillRef>
+          <a:effectRef idx="0">
+            <a:schemeClr val="accent5"/>
+          </a:effectRef>
+          <a:fontRef idx="minor">
+            <a:schemeClr val="tx1"/>
+          </a:fontRef>
+        </p:style>
+      </p:cxnSp>
+    </p:spTree>
+    <p:extLst>
+      <p:ext uri="{BB962C8B-B14F-4D97-AF65-F5344CB8AC3E}">
+        <p14:creationId xmlns:p14="http://schemas.microsoft.com/office/powerpoint/2010/main" val="2700295959"/>
+      </p:ext>
+    </p:extLst>
+  </p:cSld>
+  <p:clrMapOvr>
+    <a:masterClrMapping/>
+  </p:clrMapOvr>
+</p:sld>
+</file>
+
+<file path=ppt/slides/slide23.xml><?xml version="1.0" encoding="utf-8"?>
+<p:sld xmlns:a="http://schemas.openxmlformats.org/drawingml/2006/main" xmlns:r="http://schemas.openxmlformats.org/officeDocument/2006/relationships" xmlns:p="http://schemas.openxmlformats.org/presentationml/2006/main">
+  <p:cSld>
+    <p:spTree>
+      <p:nvGrpSpPr>
+        <p:cNvPr id="1" name=""/>
+        <p:cNvGrpSpPr/>
+        <p:nvPr/>
+      </p:nvGrpSpPr>
+      <p:grpSpPr>
+        <a:xfrm>
+          <a:off x="0" y="0"/>
+          <a:ext cx="0" cy="0"/>
+          <a:chOff x="0" y="0"/>
+          <a:chExt cx="0" cy="0"/>
+        </a:xfrm>
+      </p:grpSpPr>
+      <p:sp>
+        <p:nvSpPr>
+          <p:cNvPr id="2" name="标题 1"/>
+          <p:cNvSpPr>
+            <a:spLocks noGrp="1"/>
+          </p:cNvSpPr>
+          <p:nvPr>
+            <p:ph type="title"/>
+          </p:nvPr>
+        </p:nvSpPr>
+        <p:spPr/>
+        <p:txBody>
+          <a:bodyPr/>
+          <a:lstStyle/>
+          <a:p>
+            <a:r>
+              <a:rPr lang="zh-CN" altLang="en-US" dirty="0"/>
+              <a:t>最佳实践</a:t>
+            </a:r>
+            <a:r>
+              <a:rPr lang="en-US" altLang="zh-CN" dirty="0"/>
+              <a:t>/</a:t>
+            </a:r>
+            <a:r>
+              <a:rPr lang="zh-CN" altLang="en-US" dirty="0"/>
+              <a:t>其他</a:t>
+            </a:r>
+          </a:p>
+        </p:txBody>
+      </p:sp>
+      <p:sp>
+        <p:nvSpPr>
+          <p:cNvPr id="3" name="内容占位符 2"/>
+          <p:cNvSpPr>
+            <a:spLocks noGrp="1"/>
+          </p:cNvSpPr>
+          <p:nvPr>
+            <p:ph idx="1"/>
+          </p:nvPr>
+        </p:nvSpPr>
+        <p:spPr/>
+        <p:txBody>
+          <a:bodyPr>
+            <a:normAutofit lnSpcReduction="10000"/>
+          </a:bodyPr>
+          <a:lstStyle/>
+          <a:p>
+            <a:r>
+              <a:rPr lang="zh-CN" altLang="en-US" dirty="0"/>
+              <a:t>缓存</a:t>
+            </a:r>
+            <a:r>
+              <a:rPr lang="en-US" altLang="zh-CN" dirty="0" err="1"/>
+              <a:t>MemberInfo</a:t>
+            </a:r>
+            <a:endParaRPr lang="en-US" altLang="zh-CN" dirty="0"/>
+          </a:p>
+          <a:p>
+            <a:pPr marL="457200" lvl="1" indent="0">
+              <a:buNone/>
+            </a:pPr>
+            <a:r>
+              <a:rPr lang="zh-CN" altLang="en-US" sz="1800" dirty="0">
+                <a:latin typeface="微软雅黑 Light" panose="020B0502040204020203" pitchFamily="34" charset="-122"/>
+                <a:ea typeface="微软雅黑 Light" panose="020B0502040204020203" pitchFamily="34" charset="-122"/>
+              </a:rPr>
+              <a:t>反射性能低下主要有三个原因：</a:t>
+            </a:r>
+            <a:r>
+              <a:rPr lang="en-US" altLang="zh-CN" sz="1800" dirty="0" err="1">
+                <a:latin typeface="微软雅黑 Light" panose="020B0502040204020203" pitchFamily="34" charset="-122"/>
+                <a:ea typeface="微软雅黑 Light" panose="020B0502040204020203" pitchFamily="34" charset="-122"/>
+              </a:rPr>
+              <a:t>EEClass</a:t>
+            </a:r>
+            <a:r>
+              <a:rPr lang="zh-CN" altLang="en-US" sz="1800" dirty="0">
+                <a:latin typeface="微软雅黑 Light" panose="020B0502040204020203" pitchFamily="34" charset="-122"/>
+                <a:ea typeface="微软雅黑 Light" panose="020B0502040204020203" pitchFamily="34" charset="-122"/>
+              </a:rPr>
+              <a:t>检索慢于编译器生成的地址代换，检索到的数据需要生成</a:t>
+            </a:r>
+            <a:r>
+              <a:rPr lang="en-US" altLang="zh-CN" sz="1800" dirty="0" err="1">
+                <a:latin typeface="微软雅黑 Light" panose="020B0502040204020203" pitchFamily="34" charset="-122"/>
+                <a:ea typeface="微软雅黑 Light" panose="020B0502040204020203" pitchFamily="34" charset="-122"/>
+              </a:rPr>
+              <a:t>MemberInfo</a:t>
+            </a:r>
+            <a:r>
+              <a:rPr lang="zh-CN" altLang="en-US" sz="1800" dirty="0">
+                <a:latin typeface="微软雅黑 Light" panose="020B0502040204020203" pitchFamily="34" charset="-122"/>
+                <a:ea typeface="微软雅黑 Light" panose="020B0502040204020203" pitchFamily="34" charset="-122"/>
+              </a:rPr>
+              <a:t>对象，访问</a:t>
+            </a:r>
+            <a:r>
+              <a:rPr lang="en-US" altLang="zh-CN" sz="1800" dirty="0" err="1">
+                <a:latin typeface="微软雅黑 Light" panose="020B0502040204020203" pitchFamily="34" charset="-122"/>
+                <a:ea typeface="微软雅黑 Light" panose="020B0502040204020203" pitchFamily="34" charset="-122"/>
+              </a:rPr>
+              <a:t>MemberInfo</a:t>
+            </a:r>
+            <a:r>
+              <a:rPr lang="zh-CN" altLang="en-US" sz="1800" dirty="0">
+                <a:latin typeface="微软雅黑 Light" panose="020B0502040204020203" pitchFamily="34" charset="-122"/>
+                <a:ea typeface="微软雅黑 Light" panose="020B0502040204020203" pitchFamily="34" charset="-122"/>
+              </a:rPr>
+              <a:t>对象需要动态绑定。使用反射式缓存</a:t>
+            </a:r>
+            <a:r>
+              <a:rPr lang="en-US" altLang="zh-CN" sz="1800" dirty="0" err="1">
+                <a:latin typeface="微软雅黑 Light" panose="020B0502040204020203" pitchFamily="34" charset="-122"/>
+                <a:ea typeface="微软雅黑 Light" panose="020B0502040204020203" pitchFamily="34" charset="-122"/>
+              </a:rPr>
+              <a:t>MemberInfo</a:t>
+            </a:r>
+            <a:r>
+              <a:rPr lang="zh-CN" altLang="en-US" sz="1800" dirty="0">
+                <a:latin typeface="微软雅黑 Light" panose="020B0502040204020203" pitchFamily="34" charset="-122"/>
+                <a:ea typeface="微软雅黑 Light" panose="020B0502040204020203" pitchFamily="34" charset="-122"/>
+              </a:rPr>
+              <a:t>，前两个问题都能迎刃而解</a:t>
+            </a:r>
+          </a:p>
+          <a:p>
+            <a:r>
+              <a:rPr lang="zh-CN" altLang="en-US" dirty="0"/>
+              <a:t>为集合预分配容量</a:t>
+            </a:r>
+            <a:endParaRPr lang="en-US" altLang="zh-CN" dirty="0"/>
+          </a:p>
+          <a:p>
+            <a:pPr marL="457200" lvl="1" indent="0">
+              <a:buNone/>
+            </a:pPr>
+            <a:r>
+              <a:rPr lang="zh-CN" altLang="en-US" sz="1800" dirty="0">
+                <a:latin typeface="微软雅黑 Light" panose="020B0502040204020203" pitchFamily="34" charset="-122"/>
+                <a:ea typeface="微软雅黑 Light" panose="020B0502040204020203" pitchFamily="34" charset="-122"/>
+              </a:rPr>
+              <a:t>集合拥有积极扩张的内存分配策略，预估集合容量并进行预分配非但有助于减少重分配次数，而且通常能够节约内存</a:t>
+            </a:r>
+            <a:endParaRPr lang="en-US" altLang="zh-CN" sz="1800" dirty="0">
+              <a:latin typeface="微软雅黑 Light" panose="020B0502040204020203" pitchFamily="34" charset="-122"/>
+              <a:ea typeface="微软雅黑 Light" panose="020B0502040204020203" pitchFamily="34" charset="-122"/>
+            </a:endParaRPr>
+          </a:p>
+          <a:p>
+            <a:r>
+              <a:rPr lang="zh-CN" altLang="en-US" dirty="0"/>
+              <a:t>重写</a:t>
+            </a:r>
+            <a:r>
+              <a:rPr lang="en-US" altLang="zh-CN" dirty="0"/>
+              <a:t>Equals</a:t>
+            </a:r>
+            <a:r>
+              <a:rPr lang="zh-CN" altLang="en-US" dirty="0"/>
+              <a:t>方法和</a:t>
+            </a:r>
+            <a:r>
+              <a:rPr lang="en-US" altLang="zh-CN" dirty="0" err="1"/>
+              <a:t>GetHashCode</a:t>
+            </a:r>
+            <a:r>
+              <a:rPr lang="zh-CN" altLang="en-US" dirty="0"/>
+              <a:t>方法</a:t>
+            </a:r>
+            <a:endParaRPr lang="en-US" altLang="zh-CN" dirty="0"/>
+          </a:p>
+          <a:p>
+            <a:pPr marL="457200" lvl="1" indent="0">
+              <a:buNone/>
+            </a:pPr>
+            <a:r>
+              <a:rPr lang="zh-CN" altLang="en-US" sz="1800" dirty="0">
+                <a:latin typeface="微软雅黑 Light" panose="020B0502040204020203" pitchFamily="34" charset="-122"/>
+                <a:ea typeface="微软雅黑 Light" panose="020B0502040204020203" pitchFamily="34" charset="-122"/>
+              </a:rPr>
+              <a:t>引用类型的上述方法默认实现使用反射</a:t>
+            </a:r>
+            <a:r>
+              <a:rPr lang="zh-CN" altLang="en-US" dirty="0"/>
+              <a:t>坚持建立文档化注释</a:t>
+            </a:r>
+            <a:endParaRPr lang="en-US" altLang="zh-CN" dirty="0"/>
+          </a:p>
+          <a:p>
+            <a:pPr marL="457200" lvl="1" indent="0">
+              <a:buNone/>
+            </a:pPr>
+            <a:r>
+              <a:rPr lang="zh-CN" altLang="en-US" sz="1800" dirty="0">
+                <a:latin typeface="微软雅黑 Light" panose="020B0502040204020203" pitchFamily="34" charset="-122"/>
+                <a:ea typeface="微软雅黑 Light" panose="020B0502040204020203" pitchFamily="34" charset="-122"/>
+              </a:rPr>
+              <a:t>从</a:t>
+            </a:r>
+            <a:r>
+              <a:rPr lang="en-US" altLang="zh-CN" sz="1800" dirty="0">
+                <a:latin typeface="微软雅黑 Light" panose="020B0502040204020203" pitchFamily="34" charset="-122"/>
+                <a:ea typeface="微软雅黑 Light" panose="020B0502040204020203" pitchFamily="34" charset="-122"/>
+              </a:rPr>
+              <a:t>VisualStudio</a:t>
+            </a:r>
+            <a:r>
+              <a:rPr lang="zh-CN" altLang="en-US" sz="1800" dirty="0">
+                <a:latin typeface="微软雅黑 Light" panose="020B0502040204020203" pitchFamily="34" charset="-122"/>
+                <a:ea typeface="微软雅黑 Light" panose="020B0502040204020203" pitchFamily="34" charset="-122"/>
+              </a:rPr>
+              <a:t>到</a:t>
+            </a:r>
+            <a:r>
+              <a:rPr lang="en-US" altLang="zh-CN" sz="1800" dirty="0" err="1">
+                <a:latin typeface="微软雅黑 Light" panose="020B0502040204020203" pitchFamily="34" charset="-122"/>
+                <a:ea typeface="微软雅黑 Light" panose="020B0502040204020203" pitchFamily="34" charset="-122"/>
+              </a:rPr>
+              <a:t>Resharper</a:t>
+            </a:r>
+            <a:r>
+              <a:rPr lang="zh-CN" altLang="en-US" sz="1800" dirty="0">
+                <a:latin typeface="微软雅黑 Light" panose="020B0502040204020203" pitchFamily="34" charset="-122"/>
+                <a:ea typeface="微软雅黑 Light" panose="020B0502040204020203" pitchFamily="34" charset="-122"/>
+              </a:rPr>
+              <a:t>，对类与方法的描述都来自文档化注释。</a:t>
+            </a:r>
+            <a:endParaRPr lang="en-US" altLang="zh-CN" dirty="0"/>
+          </a:p>
+          <a:p>
+            <a:r>
+              <a:rPr lang="zh-CN" altLang="en-US" dirty="0"/>
+              <a:t>较小的集合不应使用有键集合</a:t>
+            </a:r>
+            <a:endParaRPr lang="en-US" altLang="zh-CN" dirty="0"/>
+          </a:p>
+          <a:p>
+            <a:pPr marL="457200" lvl="1" indent="0">
+              <a:buNone/>
+            </a:pPr>
+            <a:r>
+              <a:rPr lang="zh-CN" altLang="en-US" sz="1800" dirty="0">
+                <a:latin typeface="微软雅黑 Light" panose="020B0502040204020203" pitchFamily="34" charset="-122"/>
+                <a:ea typeface="微软雅黑 Light" panose="020B0502040204020203" pitchFamily="34" charset="-122"/>
+              </a:rPr>
+              <a:t>有键集合需要额外的空间。举例来说，一个空的</a:t>
+            </a:r>
+            <a:r>
+              <a:rPr lang="en-US" altLang="zh-CN" sz="1800" dirty="0">
+                <a:latin typeface="微软雅黑 Light" panose="020B0502040204020203" pitchFamily="34" charset="-122"/>
+                <a:ea typeface="微软雅黑 Light" panose="020B0502040204020203" pitchFamily="34" charset="-122"/>
+              </a:rPr>
+              <a:t>Dictionary</a:t>
+            </a:r>
+            <a:r>
+              <a:rPr lang="zh-CN" altLang="en-US" sz="1800" dirty="0">
+                <a:latin typeface="微软雅黑 Light" panose="020B0502040204020203" pitchFamily="34" charset="-122"/>
+                <a:ea typeface="微软雅黑 Light" panose="020B0502040204020203" pitchFamily="34" charset="-122"/>
+              </a:rPr>
+              <a:t>也会消耗</a:t>
+            </a:r>
+            <a:r>
+              <a:rPr lang="en-US" altLang="zh-CN" sz="1800" dirty="0">
+                <a:latin typeface="微软雅黑 Light" panose="020B0502040204020203" pitchFamily="34" charset="-122"/>
+                <a:ea typeface="微软雅黑 Light" panose="020B0502040204020203" pitchFamily="34" charset="-122"/>
+              </a:rPr>
+              <a:t>12</a:t>
+            </a:r>
+            <a:r>
+              <a:rPr lang="zh-CN" altLang="en-US" sz="1800" dirty="0">
+                <a:latin typeface="微软雅黑 Light" panose="020B0502040204020203" pitchFamily="34" charset="-122"/>
+                <a:ea typeface="微软雅黑 Light" panose="020B0502040204020203" pitchFamily="34" charset="-122"/>
+              </a:rPr>
+              <a:t>字节的空间。</a:t>
+            </a:r>
+            <a:endParaRPr lang="en-US" altLang="zh-CN" sz="1800" dirty="0">
+              <a:latin typeface="微软雅黑 Light" panose="020B0502040204020203" pitchFamily="34" charset="-122"/>
+              <a:ea typeface="微软雅黑 Light" panose="020B0502040204020203" pitchFamily="34" charset="-122"/>
+            </a:endParaRPr>
+          </a:p>
+        </p:txBody>
+      </p:sp>
+    </p:spTree>
+    <p:extLst>
+      <p:ext uri="{BB962C8B-B14F-4D97-AF65-F5344CB8AC3E}">
+        <p14:creationId xmlns:p14="http://schemas.microsoft.com/office/powerpoint/2010/main" val="1948017904"/>
+      </p:ext>
+    </p:extLst>
+  </p:cSld>
+  <p:clrMapOvr>
+    <a:masterClrMapping/>
+  </p:clrMapOvr>
+</p:sld>
+</file>
+
+<file path=ppt/slides/slide24.xml><?xml version="1.0" encoding="utf-8"?>
+<p:sld xmlns:a="http://schemas.openxmlformats.org/drawingml/2006/main" xmlns:r="http://schemas.openxmlformats.org/officeDocument/2006/relationships" xmlns:p="http://schemas.openxmlformats.org/presentationml/2006/main">
+  <p:cSld>
+    <p:spTree>
+      <p:nvGrpSpPr>
+        <p:cNvPr id="1" name=""/>
+        <p:cNvGrpSpPr/>
+        <p:nvPr/>
+      </p:nvGrpSpPr>
+      <p:grpSpPr>
+        <a:xfrm>
+          <a:off x="0" y="0"/>
+          <a:ext cx="0" cy="0"/>
+          <a:chOff x="0" y="0"/>
+          <a:chExt cx="0" cy="0"/>
+        </a:xfrm>
+      </p:grpSpPr>
+      <p:sp>
+        <p:nvSpPr>
+          <p:cNvPr id="2" name="标题 1"/>
+          <p:cNvSpPr>
+            <a:spLocks noGrp="1"/>
+          </p:cNvSpPr>
+          <p:nvPr>
+            <p:ph type="title"/>
+          </p:nvPr>
+        </p:nvSpPr>
+        <p:spPr/>
+        <p:txBody>
+          <a:bodyPr/>
+          <a:lstStyle/>
+          <a:p>
+            <a:r>
+              <a:rPr lang="zh-CN" altLang="en-US" dirty="0"/>
+              <a:t>最佳实践</a:t>
+            </a:r>
+            <a:r>
+              <a:rPr lang="en-US" altLang="zh-CN" dirty="0"/>
+              <a:t>/</a:t>
+            </a:r>
+            <a:r>
+              <a:rPr lang="zh-CN" altLang="en-US" dirty="0"/>
+              <a:t>其他</a:t>
+            </a:r>
+          </a:p>
+        </p:txBody>
+      </p:sp>
+      <p:sp>
+        <p:nvSpPr>
+          <p:cNvPr id="3" name="内容占位符 2"/>
+          <p:cNvSpPr>
+            <a:spLocks noGrp="1"/>
+          </p:cNvSpPr>
+          <p:nvPr>
+            <p:ph idx="1"/>
+          </p:nvPr>
+        </p:nvSpPr>
+        <p:spPr/>
+        <p:txBody>
+          <a:bodyPr>
+            <a:normAutofit/>
+          </a:bodyPr>
+          <a:lstStyle/>
+          <a:p>
+            <a:r>
+              <a:rPr lang="zh-CN" altLang="en-US" dirty="0"/>
+              <a:t>枚举类型不宜作为键使用</a:t>
+            </a:r>
+            <a:endParaRPr lang="en-US" altLang="zh-CN" dirty="0"/>
+          </a:p>
+          <a:p>
+            <a:pPr marL="457200" lvl="1" indent="0">
+              <a:buNone/>
+            </a:pPr>
+            <a:r>
+              <a:rPr lang="zh-CN" altLang="en-US" sz="1800" dirty="0">
+                <a:latin typeface="微软雅黑 Light" panose="020B0502040204020203" pitchFamily="34" charset="-122"/>
+                <a:ea typeface="微软雅黑 Light" panose="020B0502040204020203" pitchFamily="34" charset="-122"/>
+              </a:rPr>
+              <a:t>枚举是值类型，而且你无法重写它的</a:t>
+            </a:r>
+            <a:r>
+              <a:rPr lang="en-US" altLang="zh-CN" sz="1800" dirty="0" err="1">
+                <a:latin typeface="微软雅黑 Light" panose="020B0502040204020203" pitchFamily="34" charset="-122"/>
+                <a:ea typeface="微软雅黑 Light" panose="020B0502040204020203" pitchFamily="34" charset="-122"/>
+              </a:rPr>
+              <a:t>GetHashCode</a:t>
+            </a:r>
+            <a:r>
+              <a:rPr lang="zh-CN" altLang="en-US" sz="1800" dirty="0">
+                <a:latin typeface="微软雅黑 Light" panose="020B0502040204020203" pitchFamily="34" charset="-122"/>
+                <a:ea typeface="微软雅黑 Light" panose="020B0502040204020203" pitchFamily="34" charset="-122"/>
+              </a:rPr>
+              <a:t>方法</a:t>
+            </a:r>
+            <a:endParaRPr lang="en-US" altLang="zh-CN" sz="1800" dirty="0">
+              <a:latin typeface="微软雅黑 Light" panose="020B0502040204020203" pitchFamily="34" charset="-122"/>
+              <a:ea typeface="微软雅黑 Light" panose="020B0502040204020203" pitchFamily="34" charset="-122"/>
+            </a:endParaRPr>
+          </a:p>
+          <a:p>
+            <a:r>
+              <a:rPr lang="zh-CN" altLang="en-US" dirty="0"/>
+              <a:t>谨慎传递结构体</a:t>
+            </a:r>
+            <a:endParaRPr lang="en-US" altLang="zh-CN" dirty="0"/>
+          </a:p>
+          <a:p>
+            <a:pPr marL="457200" lvl="1" indent="0">
+              <a:buNone/>
+            </a:pPr>
+            <a:r>
+              <a:rPr lang="zh-CN" altLang="en-US" sz="1800" dirty="0">
+                <a:latin typeface="微软雅黑 Light" panose="020B0502040204020203" pitchFamily="34" charset="-122"/>
+                <a:ea typeface="微软雅黑 Light" panose="020B0502040204020203" pitchFamily="34" charset="-122"/>
+              </a:rPr>
+              <a:t>别忘了结构体是值类型哦。使用</a:t>
+            </a:r>
+            <a:r>
+              <a:rPr lang="en-US" altLang="zh-CN" sz="1800" dirty="0">
+                <a:latin typeface="微软雅黑 Light" panose="020B0502040204020203" pitchFamily="34" charset="-122"/>
+                <a:ea typeface="微软雅黑 Light" panose="020B0502040204020203" pitchFamily="34" charset="-122"/>
+              </a:rPr>
+              <a:t>ref</a:t>
+            </a:r>
+            <a:r>
+              <a:rPr lang="zh-CN" altLang="en-US" sz="1800" dirty="0">
+                <a:latin typeface="微软雅黑 Light" panose="020B0502040204020203" pitchFamily="34" charset="-122"/>
+                <a:ea typeface="微软雅黑 Light" panose="020B0502040204020203" pitchFamily="34" charset="-122"/>
+              </a:rPr>
+              <a:t>传递作为参数的结构体</a:t>
+            </a:r>
+            <a:endParaRPr lang="en-US" altLang="zh-CN" sz="1800" dirty="0">
+              <a:latin typeface="微软雅黑 Light" panose="020B0502040204020203" pitchFamily="34" charset="-122"/>
+              <a:ea typeface="微软雅黑 Light" panose="020B0502040204020203" pitchFamily="34" charset="-122"/>
+            </a:endParaRPr>
+          </a:p>
+          <a:p>
+            <a:r>
+              <a:rPr lang="zh-CN" altLang="en-US" dirty="0"/>
+              <a:t>使用枚举而非常量</a:t>
+            </a:r>
+            <a:endParaRPr lang="en-US" altLang="zh-CN" dirty="0"/>
+          </a:p>
+          <a:p>
+            <a:pPr marL="457200" lvl="1" indent="0">
+              <a:buNone/>
+            </a:pPr>
+            <a:r>
+              <a:rPr lang="zh-CN" altLang="en-US" sz="1800" dirty="0">
+                <a:latin typeface="微软雅黑 Light" panose="020B0502040204020203" pitchFamily="34" charset="-122"/>
+                <a:ea typeface="微软雅黑 Light" panose="020B0502040204020203" pitchFamily="34" charset="-122"/>
+              </a:rPr>
+              <a:t>枚举明确地指出了其内容的约束，且拥有更完备的工具支持</a:t>
+            </a:r>
+            <a:endParaRPr lang="en-US" altLang="zh-CN" sz="1800" dirty="0">
+              <a:latin typeface="微软雅黑 Light" panose="020B0502040204020203" pitchFamily="34" charset="-122"/>
+              <a:ea typeface="微软雅黑 Light" panose="020B0502040204020203" pitchFamily="34" charset="-122"/>
+            </a:endParaRPr>
+          </a:p>
+          <a:p>
+            <a:r>
+              <a:rPr lang="zh-CN" altLang="en-US" dirty="0"/>
+              <a:t>慎重对待闭包</a:t>
+            </a:r>
+            <a:endParaRPr lang="en-US" altLang="zh-CN" dirty="0"/>
+          </a:p>
+          <a:p>
+            <a:pPr marL="457200" lvl="1" indent="0">
+              <a:buNone/>
+            </a:pPr>
+            <a:r>
+              <a:rPr lang="zh-CN" altLang="en-US" sz="1800" dirty="0">
+                <a:latin typeface="微软雅黑 Light" panose="020B0502040204020203" pitchFamily="34" charset="-122"/>
+                <a:ea typeface="微软雅黑 Light" panose="020B0502040204020203" pitchFamily="34" charset="-122"/>
+              </a:rPr>
+              <a:t>状态的延续站在内存的肩膀上</a:t>
+            </a:r>
+            <a:endParaRPr lang="en-US" altLang="zh-CN" sz="1800" dirty="0">
+              <a:latin typeface="微软雅黑 Light" panose="020B0502040204020203" pitchFamily="34" charset="-122"/>
+              <a:ea typeface="微软雅黑 Light" panose="020B0502040204020203" pitchFamily="34" charset="-122"/>
+            </a:endParaRPr>
+          </a:p>
+          <a:p>
+            <a:r>
+              <a:rPr lang="zh-CN" altLang="en-US" dirty="0"/>
+              <a:t>编译重复使用的正则表达式</a:t>
+            </a:r>
+            <a:endParaRPr lang="en-US" altLang="zh-CN" dirty="0"/>
+          </a:p>
+          <a:p>
+            <a:pPr marL="457200" lvl="1" indent="0">
+              <a:buNone/>
+            </a:pPr>
+            <a:r>
+              <a:rPr lang="zh-CN" altLang="en-US" sz="1800" dirty="0">
+                <a:latin typeface="微软雅黑 Light" panose="020B0502040204020203" pitchFamily="34" charset="-122"/>
+                <a:ea typeface="微软雅黑 Light" panose="020B0502040204020203" pitchFamily="34" charset="-122"/>
+              </a:rPr>
+              <a:t>将字符串编译为自动机往往要比匹配消耗更多时间</a:t>
+            </a:r>
+            <a:endParaRPr lang="en-US" altLang="zh-CN" sz="1800" dirty="0">
+              <a:latin typeface="微软雅黑 Light" panose="020B0502040204020203" pitchFamily="34" charset="-122"/>
+              <a:ea typeface="微软雅黑 Light" panose="020B0502040204020203" pitchFamily="34" charset="-122"/>
+            </a:endParaRPr>
+          </a:p>
+          <a:p>
+            <a:pPr marL="457200" lvl="1" indent="0">
+              <a:buNone/>
+            </a:pPr>
+            <a:endParaRPr lang="zh-CN" altLang="en-US" sz="1800" dirty="0">
+              <a:latin typeface="微软雅黑 Light" panose="020B0502040204020203" pitchFamily="34" charset="-122"/>
+              <a:ea typeface="微软雅黑 Light" panose="020B0502040204020203" pitchFamily="34" charset="-122"/>
+            </a:endParaRPr>
+          </a:p>
+        </p:txBody>
+      </p:sp>
+    </p:spTree>
+    <p:extLst>
+      <p:ext uri="{BB962C8B-B14F-4D97-AF65-F5344CB8AC3E}">
+        <p14:creationId xmlns:p14="http://schemas.microsoft.com/office/powerpoint/2010/main" val="4131926382"/>
+      </p:ext>
+    </p:extLst>
+  </p:cSld>
+  <p:clrMapOvr>
+    <a:masterClrMapping/>
+  </p:clrMapOvr>
+</p:sld>
+</file>
+
+<file path=ppt/slides/slide25.xml><?xml version="1.0" encoding="utf-8"?>
+<p:sld xmlns:a="http://schemas.openxmlformats.org/drawingml/2006/main" xmlns:r="http://schemas.openxmlformats.org/officeDocument/2006/relationships" xmlns:p="http://schemas.openxmlformats.org/presentationml/2006/main">
+  <p:cSld>
+    <p:spTree>
+      <p:nvGrpSpPr>
+        <p:cNvPr id="1" name=""/>
+        <p:cNvGrpSpPr/>
+        <p:nvPr/>
+      </p:nvGrpSpPr>
+      <p:grpSpPr>
+        <a:xfrm>
+          <a:off x="0" y="0"/>
+          <a:ext cx="0" cy="0"/>
+          <a:chOff x="0" y="0"/>
+          <a:chExt cx="0" cy="0"/>
+        </a:xfrm>
+      </p:grpSpPr>
+      <p:sp>
+        <p:nvSpPr>
+          <p:cNvPr id="2" name="标题 1"/>
+          <p:cNvSpPr>
+            <a:spLocks noGrp="1"/>
+          </p:cNvSpPr>
+          <p:nvPr>
+            <p:ph type="title"/>
+          </p:nvPr>
+        </p:nvSpPr>
+        <p:spPr/>
+        <p:txBody>
+          <a:bodyPr/>
+          <a:lstStyle/>
+          <a:p>
+            <a:r>
+              <a:rPr lang="zh-CN" altLang="en-US" dirty="0"/>
+              <a:t>书籍</a:t>
+            </a:r>
+          </a:p>
+        </p:txBody>
+      </p:sp>
+      <p:sp>
+        <p:nvSpPr>
+          <p:cNvPr id="3" name="内容占位符 2"/>
+          <p:cNvSpPr>
+            <a:spLocks noGrp="1"/>
+          </p:cNvSpPr>
+          <p:nvPr>
+            <p:ph idx="1"/>
+          </p:nvPr>
+        </p:nvSpPr>
+        <p:spPr/>
+        <p:txBody>
+          <a:bodyPr>
+            <a:normAutofit fontScale="92500" lnSpcReduction="20000"/>
+          </a:bodyPr>
+          <a:lstStyle/>
+          <a:p>
+            <a:r>
+              <a:rPr lang="en-US" altLang="zh-CN" dirty="0"/>
+              <a:t>CLR via C#</a:t>
+            </a:r>
+          </a:p>
+          <a:p>
+            <a:pPr lvl="1"/>
+            <a:r>
+              <a:rPr lang="en-US" altLang="zh-CN" sz="2000" dirty="0" err="1"/>
+              <a:t>.Net</a:t>
+            </a:r>
+            <a:r>
+              <a:rPr lang="zh-CN" altLang="en-US" sz="2000" dirty="0"/>
+              <a:t>社区最享盛名的书籍之一。阅读较为容易，学习曲线平缓，对平台认知提升显著</a:t>
+            </a:r>
+            <a:endParaRPr lang="en-US" altLang="zh-CN" sz="2000" dirty="0"/>
+          </a:p>
+          <a:p>
+            <a:pPr lvl="1"/>
+            <a:r>
+              <a:rPr lang="zh-CN" altLang="en-US" sz="2000" dirty="0"/>
+              <a:t>有中文版，翻译品质优秀</a:t>
+            </a:r>
+            <a:endParaRPr lang="en-US" altLang="zh-CN" sz="2000" dirty="0"/>
+          </a:p>
+          <a:p>
+            <a:r>
+              <a:rPr lang="en-US" altLang="zh-CN" dirty="0"/>
+              <a:t>Advanced </a:t>
+            </a:r>
+            <a:r>
+              <a:rPr lang="en-US" altLang="zh-CN" dirty="0" err="1"/>
+              <a:t>.Net</a:t>
+            </a:r>
+            <a:r>
+              <a:rPr lang="en-US" altLang="zh-CN" dirty="0"/>
+              <a:t> Debugging</a:t>
+            </a:r>
+          </a:p>
+          <a:p>
+            <a:pPr lvl="1"/>
+            <a:r>
+              <a:rPr lang="zh-CN" altLang="en-US" sz="2000" dirty="0"/>
+              <a:t>系统介绍了</a:t>
+            </a:r>
+            <a:r>
+              <a:rPr lang="en-US" altLang="zh-CN" sz="2000" dirty="0" err="1"/>
+              <a:t>.Net</a:t>
+            </a:r>
+            <a:r>
+              <a:rPr lang="zh-CN" altLang="en-US" sz="2000" dirty="0"/>
+              <a:t>程序的调试方法，同时对程序的内存结构和执行引擎行为作了若干介绍</a:t>
+            </a:r>
+            <a:endParaRPr lang="en-US" altLang="zh-CN" sz="2000" dirty="0"/>
+          </a:p>
+          <a:p>
+            <a:pPr lvl="1"/>
+            <a:r>
+              <a:rPr lang="zh-CN" altLang="en-US" sz="2000" dirty="0"/>
+              <a:t>较老版本有中文版，翻译品质一般</a:t>
+            </a:r>
+            <a:endParaRPr lang="en-US" altLang="zh-CN" sz="2000" dirty="0"/>
+          </a:p>
+          <a:p>
+            <a:r>
+              <a:rPr lang="en-US" altLang="zh-CN" dirty="0"/>
+              <a:t>Expert </a:t>
+            </a:r>
+            <a:r>
+              <a:rPr lang="en-US" altLang="zh-CN" dirty="0" err="1"/>
+              <a:t>.Net</a:t>
+            </a:r>
+            <a:r>
+              <a:rPr lang="en-US" altLang="zh-CN" dirty="0"/>
+              <a:t> 2.0 IL Assembler</a:t>
+            </a:r>
+          </a:p>
+          <a:p>
+            <a:pPr lvl="1"/>
+            <a:r>
+              <a:rPr lang="zh-CN" altLang="en-US" sz="2000" dirty="0"/>
+              <a:t>比较难得的详细介绍</a:t>
+            </a:r>
+            <a:r>
+              <a:rPr lang="en-US" altLang="zh-CN" sz="2000" dirty="0"/>
+              <a:t>IL</a:t>
+            </a:r>
+            <a:r>
+              <a:rPr lang="zh-CN" altLang="en-US" sz="2000" dirty="0"/>
+              <a:t>与</a:t>
+            </a:r>
+            <a:r>
+              <a:rPr lang="en-US" altLang="zh-CN" sz="2000" dirty="0" err="1"/>
+              <a:t>.Net</a:t>
+            </a:r>
+            <a:r>
+              <a:rPr lang="zh-CN" altLang="en-US" sz="2000" dirty="0"/>
+              <a:t>程序平面结构的书籍</a:t>
+            </a:r>
+            <a:endParaRPr lang="en-US" altLang="zh-CN" sz="2000" dirty="0"/>
+          </a:p>
+          <a:p>
+            <a:pPr lvl="1"/>
+            <a:r>
+              <a:rPr lang="zh-CN" altLang="en-US" sz="2000" dirty="0"/>
+              <a:t>内容较老，所幸其核心内容近年间未发生变化</a:t>
+            </a:r>
+            <a:endParaRPr lang="en-US" altLang="zh-CN" sz="2000" dirty="0"/>
+          </a:p>
+          <a:p>
+            <a:pPr lvl="1"/>
+            <a:r>
+              <a:rPr lang="zh-CN" altLang="en-US" sz="2000" dirty="0"/>
+              <a:t>有中文版，翻译品质一般</a:t>
+            </a:r>
+            <a:endParaRPr lang="en-US" altLang="zh-CN" sz="2000" dirty="0"/>
+          </a:p>
+          <a:p>
+            <a:r>
+              <a:rPr lang="en-US" altLang="zh-CN" dirty="0"/>
+              <a:t>Pro </a:t>
+            </a:r>
+            <a:r>
+              <a:rPr lang="en-US" altLang="zh-CN" dirty="0" err="1"/>
+              <a:t>.Net</a:t>
+            </a:r>
+            <a:r>
+              <a:rPr lang="en-US" altLang="zh-CN" dirty="0"/>
+              <a:t> Performance</a:t>
+            </a:r>
+          </a:p>
+          <a:p>
+            <a:pPr lvl="1"/>
+            <a:r>
+              <a:rPr lang="zh-CN" altLang="en-US" sz="2000" dirty="0"/>
+              <a:t>对</a:t>
+            </a:r>
+            <a:r>
+              <a:rPr lang="en-US" altLang="zh-CN" sz="2000" dirty="0" err="1"/>
+              <a:t>.Net</a:t>
+            </a:r>
+            <a:r>
+              <a:rPr lang="zh-CN" altLang="en-US" sz="2000" dirty="0"/>
+              <a:t>平台执行引擎做了详细的描述，适合想要深入了解</a:t>
+            </a:r>
+            <a:r>
+              <a:rPr lang="en-US" altLang="zh-CN" sz="2000" dirty="0" err="1"/>
+              <a:t>.Net</a:t>
+            </a:r>
+            <a:r>
+              <a:rPr lang="zh-CN" altLang="en-US" sz="2000" dirty="0"/>
+              <a:t>执行引擎的同学</a:t>
+            </a:r>
+            <a:endParaRPr lang="en-US" altLang="zh-CN" sz="2000" dirty="0"/>
+          </a:p>
+          <a:p>
+            <a:pPr lvl="1"/>
+            <a:r>
+              <a:rPr lang="zh-CN" altLang="en-US" sz="2000" dirty="0"/>
+              <a:t>需要较多周边知识</a:t>
+            </a:r>
+            <a:endParaRPr lang="en-US" altLang="zh-CN" sz="2000" dirty="0"/>
+          </a:p>
+          <a:p>
+            <a:pPr lvl="1"/>
+            <a:r>
+              <a:rPr lang="zh-CN" altLang="en-US" sz="2000" dirty="0"/>
+              <a:t>无中文版</a:t>
+            </a:r>
+            <a:endParaRPr lang="en-US" altLang="zh-CN" sz="2000" dirty="0"/>
+          </a:p>
+          <a:p>
+            <a:endParaRPr lang="en-US" altLang="zh-CN" dirty="0"/>
+          </a:p>
+          <a:p>
+            <a:endParaRPr lang="zh-CN" altLang="en-US" dirty="0"/>
+          </a:p>
+        </p:txBody>
+      </p:sp>
+    </p:spTree>
+    <p:extLst>
+      <p:ext uri="{BB962C8B-B14F-4D97-AF65-F5344CB8AC3E}">
+        <p14:creationId xmlns:p14="http://schemas.microsoft.com/office/powerpoint/2010/main" val="2083535181"/>
+      </p:ext>
+    </p:extLst>
+  </p:cSld>
+  <p:clrMapOvr>
+    <a:masterClrMapping/>
+  </p:clrMapOvr>
+</p:sld>
+</file>
+
+<file path=ppt/slides/slide26.xml><?xml version="1.0" encoding="utf-8"?>
+<p:sld xmlns:a="http://schemas.openxmlformats.org/drawingml/2006/main" xmlns:r="http://schemas.openxmlformats.org/officeDocument/2006/relationships" xmlns:p="http://schemas.openxmlformats.org/presentationml/2006/main">
+  <p:cSld>
+    <p:spTree>
+      <p:nvGrpSpPr>
+        <p:cNvPr id="1" name=""/>
+        <p:cNvGrpSpPr/>
+        <p:nvPr/>
+      </p:nvGrpSpPr>
+      <p:grpSpPr>
+        <a:xfrm>
+          <a:off x="0" y="0"/>
+          <a:ext cx="0" cy="0"/>
+          <a:chOff x="0" y="0"/>
+          <a:chExt cx="0" cy="0"/>
+        </a:xfrm>
+      </p:grpSpPr>
+      <p:sp>
+        <p:nvSpPr>
+          <p:cNvPr id="4" name="标题 3"/>
+          <p:cNvSpPr>
+            <a:spLocks noGrp="1"/>
+          </p:cNvSpPr>
+          <p:nvPr>
+            <p:ph type="title"/>
+          </p:nvPr>
+        </p:nvSpPr>
+        <p:spPr>
+          <a:xfrm>
+            <a:off x="696158" y="1821063"/>
+            <a:ext cx="10515600" cy="1325563"/>
+          </a:xfrm>
+        </p:spPr>
+        <p:txBody>
+          <a:bodyPr/>
+          <a:lstStyle/>
+          <a:p>
+            <a:pPr algn="ctr"/>
+            <a:r>
+              <a:rPr lang="en-US" altLang="zh-CN" dirty="0"/>
+              <a:t>Thanks!</a:t>
+            </a:r>
+            <a:endParaRPr lang="zh-CN" altLang="en-US" dirty="0"/>
+          </a:p>
+        </p:txBody>
+      </p:sp>
+    </p:spTree>
+    <p:extLst>
+      <p:ext uri="{BB962C8B-B14F-4D97-AF65-F5344CB8AC3E}">
+        <p14:creationId xmlns:p14="http://schemas.microsoft.com/office/powerpoint/2010/main" val="2146277844"/>
+      </p:ext>
+    </p:extLst>
+  </p:cSld>
+  <p:clrMapOvr>
+    <a:masterClrMapping/>
+  </p:clrMapOvr>
+</p:sld>
+</file>
+
+<file path=ppt/slides/slide3.xml><?xml version="1.0" encoding="utf-8"?>
+<p:sld xmlns:a="http://schemas.openxmlformats.org/drawingml/2006/main" xmlns:r="http://schemas.openxmlformats.org/officeDocument/2006/relationships" xmlns:p="http://schemas.openxmlformats.org/presentationml/2006/main">
+  <p:cSld>
+    <p:spTree>
+      <p:nvGrpSpPr>
+        <p:cNvPr id="1" name=""/>
+        <p:cNvGrpSpPr/>
+        <p:nvPr/>
+      </p:nvGrpSpPr>
+      <p:grpSpPr>
+        <a:xfrm>
+          <a:off x="0" y="0"/>
+          <a:ext cx="0" cy="0"/>
+          <a:chOff x="0" y="0"/>
+          <a:chExt cx="0" cy="0"/>
+        </a:xfrm>
+      </p:grpSpPr>
+      <p:sp>
+        <p:nvSpPr>
+          <p:cNvPr id="2" name="标题 1"/>
+          <p:cNvSpPr>
+            <a:spLocks noGrp="1"/>
+          </p:cNvSpPr>
+          <p:nvPr>
+            <p:ph type="title"/>
+          </p:nvPr>
+        </p:nvSpPr>
+        <p:spPr/>
+        <p:txBody>
+          <a:bodyPr/>
+          <a:lstStyle/>
+          <a:p>
+            <a:r>
+              <a:rPr lang="en-US" altLang="zh-CN" dirty="0" err="1"/>
+              <a:t>.Net</a:t>
+            </a:r>
+            <a:r>
+              <a:rPr lang="zh-CN" altLang="en-US" dirty="0"/>
+              <a:t>平台谱系</a:t>
+            </a:r>
+          </a:p>
+        </p:txBody>
+      </p:sp>
+      <p:sp>
+        <p:nvSpPr>
+          <p:cNvPr id="3" name="内容占位符 2"/>
+          <p:cNvSpPr>
+            <a:spLocks noGrp="1"/>
+          </p:cNvSpPr>
+          <p:nvPr>
+            <p:ph idx="1"/>
+          </p:nvPr>
+        </p:nvSpPr>
+        <p:spPr/>
+        <p:txBody>
+          <a:bodyPr/>
+          <a:lstStyle/>
+          <a:p>
+            <a:r>
+              <a:rPr lang="en-US" altLang="zh-CN" dirty="0" err="1"/>
+              <a:t>.Net</a:t>
+            </a:r>
+            <a:r>
+              <a:rPr lang="en-US" altLang="zh-CN" dirty="0"/>
+              <a:t> Framework</a:t>
+            </a:r>
+          </a:p>
+          <a:p>
+            <a:r>
+              <a:rPr lang="en-US" altLang="zh-CN" dirty="0" err="1"/>
+              <a:t>CoreCLR</a:t>
+            </a:r>
+            <a:endParaRPr lang="en-US" altLang="zh-CN" dirty="0"/>
+          </a:p>
+          <a:p>
+            <a:r>
+              <a:rPr lang="en-US" altLang="zh-CN" dirty="0"/>
+              <a:t>Mono</a:t>
+            </a:r>
+          </a:p>
+          <a:p>
+            <a:r>
+              <a:rPr lang="en-US" altLang="zh-CN" dirty="0"/>
+              <a:t>Mono(Unity3D)</a:t>
+            </a:r>
+          </a:p>
+          <a:p>
+            <a:r>
+              <a:rPr lang="en-US" altLang="zh-CN" dirty="0"/>
+              <a:t>IL2CPP(Unity3D)</a:t>
+            </a:r>
+            <a:endParaRPr lang="zh-CN" altLang="en-US" dirty="0"/>
+          </a:p>
+        </p:txBody>
+      </p:sp>
+    </p:spTree>
+    <p:extLst>
+      <p:ext uri="{BB962C8B-B14F-4D97-AF65-F5344CB8AC3E}">
+        <p14:creationId xmlns:p14="http://schemas.microsoft.com/office/powerpoint/2010/main" val="2932515175"/>
+      </p:ext>
+    </p:extLst>
+  </p:cSld>
+  <p:clrMapOvr>
+    <a:masterClrMapping/>
+  </p:clrMapOvr>
+</p:sld>
+</file>
+
+<file path=ppt/slides/slide4.xml><?xml version="1.0" encoding="utf-8"?>
+<p:sld xmlns:a="http://schemas.openxmlformats.org/drawingml/2006/main" xmlns:r="http://schemas.openxmlformats.org/officeDocument/2006/relationships" xmlns:p="http://schemas.openxmlformats.org/presentationml/2006/main">
+  <p:cSld>
+    <p:spTree>
+      <p:nvGrpSpPr>
+        <p:cNvPr id="1" name=""/>
+        <p:cNvGrpSpPr/>
+        <p:nvPr/>
+      </p:nvGrpSpPr>
+      <p:grpSpPr>
+        <a:xfrm>
+          <a:off x="0" y="0"/>
+          <a:ext cx="0" cy="0"/>
+          <a:chOff x="0" y="0"/>
+          <a:chExt cx="0" cy="0"/>
+        </a:xfrm>
+      </p:grpSpPr>
+      <p:sp>
+        <p:nvSpPr>
+          <p:cNvPr id="2" name="标题 1"/>
+          <p:cNvSpPr>
+            <a:spLocks noGrp="1"/>
+          </p:cNvSpPr>
+          <p:nvPr>
+            <p:ph type="title"/>
+          </p:nvPr>
+        </p:nvSpPr>
+        <p:spPr/>
+        <p:txBody>
+          <a:bodyPr/>
+          <a:lstStyle/>
+          <a:p>
+            <a:r>
+              <a:rPr lang="en-US" altLang="zh-CN" dirty="0" err="1"/>
+              <a:t>.Net</a:t>
+            </a:r>
+            <a:r>
+              <a:rPr lang="zh-CN" altLang="en-US" dirty="0"/>
+              <a:t>平台谱系</a:t>
+            </a:r>
+          </a:p>
+        </p:txBody>
+      </p:sp>
+      <p:graphicFrame>
+        <p:nvGraphicFramePr>
+          <p:cNvPr id="4" name="内容占位符 3"/>
+          <p:cNvGraphicFramePr>
+            <a:graphicFrameLocks noGrp="1"/>
+          </p:cNvGraphicFramePr>
+          <p:nvPr>
+            <p:ph idx="1"/>
+            <p:extLst>
+              <p:ext uri="{D42A27DB-BD31-4B8C-83A1-F6EECF244321}">
+                <p14:modId xmlns:p14="http://schemas.microsoft.com/office/powerpoint/2010/main" val="1494623527"/>
+              </p:ext>
+            </p:extLst>
+          </p:nvPr>
+        </p:nvGraphicFramePr>
+        <p:xfrm>
+          <a:off x="838200" y="2126774"/>
+          <a:ext cx="10515600" cy="3474720"/>
+        </p:xfrm>
+        <a:graphic>
+          <a:graphicData uri="http://schemas.openxmlformats.org/drawingml/2006/table">
+            <a:tbl>
+              <a:tblPr/>
+              <a:tblGrid>
+                <a:gridCol w="1752600">
+                  <a:extLst>
+                    <a:ext uri="{9D8B030D-6E8A-4147-A177-3AD203B41FA5}">
+                      <a16:colId xmlns:a16="http://schemas.microsoft.com/office/drawing/2014/main" val="2254679538"/>
+                    </a:ext>
+                  </a:extLst>
+                </a:gridCol>
+                <a:gridCol w="1752600">
+                  <a:extLst>
+                    <a:ext uri="{9D8B030D-6E8A-4147-A177-3AD203B41FA5}">
+                      <a16:colId xmlns:a16="http://schemas.microsoft.com/office/drawing/2014/main" val="1359284397"/>
+                    </a:ext>
+                  </a:extLst>
+                </a:gridCol>
+                <a:gridCol w="1752600">
+                  <a:extLst>
+                    <a:ext uri="{9D8B030D-6E8A-4147-A177-3AD203B41FA5}">
+                      <a16:colId xmlns:a16="http://schemas.microsoft.com/office/drawing/2014/main" val="921083793"/>
+                    </a:ext>
+                  </a:extLst>
+                </a:gridCol>
+                <a:gridCol w="1752600">
+                  <a:extLst>
+                    <a:ext uri="{9D8B030D-6E8A-4147-A177-3AD203B41FA5}">
+                      <a16:colId xmlns:a16="http://schemas.microsoft.com/office/drawing/2014/main" val="3880069599"/>
+                    </a:ext>
+                  </a:extLst>
+                </a:gridCol>
+                <a:gridCol w="1752600">
+                  <a:extLst>
+                    <a:ext uri="{9D8B030D-6E8A-4147-A177-3AD203B41FA5}">
+                      <a16:colId xmlns:a16="http://schemas.microsoft.com/office/drawing/2014/main" val="1117599545"/>
+                    </a:ext>
+                  </a:extLst>
+                </a:gridCol>
+                <a:gridCol w="1752600">
+                  <a:extLst>
+                    <a:ext uri="{9D8B030D-6E8A-4147-A177-3AD203B41FA5}">
+                      <a16:colId xmlns:a16="http://schemas.microsoft.com/office/drawing/2014/main" val="3689016970"/>
+                    </a:ext>
+                  </a:extLst>
+                </a:gridCol>
+              </a:tblGrid>
+              <a:tr h="0">
+                <a:tc>
+                  <a:txBody>
+                    <a:bodyPr/>
+                    <a:lstStyle/>
+                    <a:p>
+                      <a:endParaRPr lang="zh-CN" altLang="en-US" dirty="0"/>
+                    </a:p>
+                  </a:txBody>
+                  <a:tcPr anchor="ctr">
+                    <a:lnL w="9525" cap="flat" cmpd="sng" algn="ctr">
+                      <a:solidFill>
+                        <a:srgbClr val="4B5362"/>
+                      </a:solidFill>
+                      <a:prstDash val="solid"/>
+                      <a:round/>
+                      <a:headEnd type="none" w="med" len="med"/>
+                      <a:tailEnd type="none" w="med" len="med"/>
+                    </a:lnL>
+                    <a:lnR w="9525" cap="flat" cmpd="sng" algn="ctr">
+                      <a:solidFill>
+                        <a:srgbClr val="4B5362"/>
+                      </a:solidFill>
+                      <a:prstDash val="solid"/>
+                      <a:round/>
+                      <a:headEnd type="none" w="med" len="med"/>
+                      <a:tailEnd type="none" w="med" len="med"/>
+                    </a:lnR>
+                    <a:lnT w="9525" cap="flat" cmpd="sng" algn="ctr">
+                      <a:solidFill>
+                        <a:srgbClr val="4B5362"/>
+                      </a:solidFill>
+                      <a:prstDash val="solid"/>
+                      <a:round/>
+                      <a:headEnd type="none" w="med" len="med"/>
+                      <a:tailEnd type="none" w="med" len="med"/>
+                    </a:lnT>
+                    <a:lnB w="9525" cap="flat" cmpd="sng" algn="ctr">
+                      <a:solidFill>
+                        <a:srgbClr val="4B5362"/>
+                      </a:solidFill>
+                      <a:prstDash val="solid"/>
+                      <a:round/>
+                      <a:headEnd type="none" w="med" len="med"/>
+                      <a:tailEnd type="none" w="med" len="med"/>
+                    </a:lnB>
+                  </a:tcPr>
+                </a:tc>
+                <a:tc>
+                  <a:txBody>
+                    <a:bodyPr/>
+                    <a:lstStyle/>
+                    <a:p>
+                      <a:pPr algn="ctr"/>
+                      <a:r>
+                        <a:rPr lang="en-US" dirty="0" err="1">
+                          <a:solidFill>
+                            <a:schemeClr val="tx1"/>
+                          </a:solidFill>
+                          <a:effectLst/>
+                        </a:rPr>
+                        <a:t>RyuJIT</a:t>
+                      </a:r>
+                      <a:endParaRPr lang="en-US" dirty="0">
+                        <a:solidFill>
+                          <a:schemeClr val="tx1"/>
+                        </a:solidFill>
+                        <a:effectLst/>
+                      </a:endParaRPr>
+                    </a:p>
+                  </a:txBody>
+                  <a:tcPr anchor="ctr">
+                    <a:lnL w="9525" cap="flat" cmpd="sng" algn="ctr">
+                      <a:solidFill>
+                        <a:srgbClr val="4B5362"/>
+                      </a:solidFill>
+                      <a:prstDash val="solid"/>
+                      <a:round/>
+                      <a:headEnd type="none" w="med" len="med"/>
+                      <a:tailEnd type="none" w="med" len="med"/>
+                    </a:lnL>
+                    <a:lnR w="9525" cap="flat" cmpd="sng" algn="ctr">
+                      <a:solidFill>
+                        <a:srgbClr val="4B5362"/>
+                      </a:solidFill>
+                      <a:prstDash val="solid"/>
+                      <a:round/>
+                      <a:headEnd type="none" w="med" len="med"/>
+                      <a:tailEnd type="none" w="med" len="med"/>
+                    </a:lnR>
+                    <a:lnT w="9525" cap="flat" cmpd="sng" algn="ctr">
+                      <a:solidFill>
+                        <a:srgbClr val="4B5362"/>
+                      </a:solidFill>
+                      <a:prstDash val="solid"/>
+                      <a:round/>
+                      <a:headEnd type="none" w="med" len="med"/>
+                      <a:tailEnd type="none" w="med" len="med"/>
+                    </a:lnT>
+                    <a:lnB w="9525" cap="flat" cmpd="sng" algn="ctr">
+                      <a:solidFill>
+                        <a:srgbClr val="4B5362"/>
+                      </a:solidFill>
+                      <a:prstDash val="solid"/>
+                      <a:round/>
+                      <a:headEnd type="none" w="med" len="med"/>
+                      <a:tailEnd type="none" w="med" len="med"/>
+                    </a:lnB>
+                  </a:tcPr>
+                </a:tc>
+                <a:tc>
+                  <a:txBody>
+                    <a:bodyPr/>
+                    <a:lstStyle/>
+                    <a:p>
+                      <a:pPr algn="ctr"/>
+                      <a:r>
+                        <a:rPr lang="en-US" dirty="0" err="1">
+                          <a:solidFill>
+                            <a:schemeClr val="tx1"/>
+                          </a:solidFill>
+                          <a:effectLst/>
+                        </a:rPr>
+                        <a:t>RyuJITMono</a:t>
+                      </a:r>
+                      <a:endParaRPr lang="en-US" dirty="0">
+                        <a:solidFill>
+                          <a:schemeClr val="tx1"/>
+                        </a:solidFill>
+                        <a:effectLst/>
+                      </a:endParaRPr>
+                    </a:p>
+                  </a:txBody>
+                  <a:tcPr anchor="ctr">
+                    <a:lnL w="9525" cap="flat" cmpd="sng" algn="ctr">
+                      <a:solidFill>
+                        <a:srgbClr val="4B5362"/>
+                      </a:solidFill>
+                      <a:prstDash val="solid"/>
+                      <a:round/>
+                      <a:headEnd type="none" w="med" len="med"/>
+                      <a:tailEnd type="none" w="med" len="med"/>
+                    </a:lnL>
+                    <a:lnR w="9525" cap="flat" cmpd="sng" algn="ctr">
+                      <a:solidFill>
+                        <a:srgbClr val="4B5362"/>
+                      </a:solidFill>
+                      <a:prstDash val="solid"/>
+                      <a:round/>
+                      <a:headEnd type="none" w="med" len="med"/>
+                      <a:tailEnd type="none" w="med" len="med"/>
+                    </a:lnR>
+                    <a:lnT w="9525" cap="flat" cmpd="sng" algn="ctr">
+                      <a:solidFill>
+                        <a:srgbClr val="4B5362"/>
+                      </a:solidFill>
+                      <a:prstDash val="solid"/>
+                      <a:round/>
+                      <a:headEnd type="none" w="med" len="med"/>
+                      <a:tailEnd type="none" w="med" len="med"/>
+                    </a:lnT>
+                    <a:lnB w="9525" cap="flat" cmpd="sng" algn="ctr">
+                      <a:solidFill>
+                        <a:srgbClr val="4B5362"/>
+                      </a:solidFill>
+                      <a:prstDash val="solid"/>
+                      <a:round/>
+                      <a:headEnd type="none" w="med" len="med"/>
+                      <a:tailEnd type="none" w="med" len="med"/>
+                    </a:lnB>
+                  </a:tcPr>
+                </a:tc>
+                <a:tc>
+                  <a:txBody>
+                    <a:bodyPr/>
+                    <a:lstStyle/>
+                    <a:p>
+                      <a:pPr algn="ctr"/>
+                      <a:r>
+                        <a:rPr lang="en-US" dirty="0">
+                          <a:solidFill>
+                            <a:schemeClr val="tx1"/>
+                          </a:solidFill>
+                          <a:effectLst/>
+                        </a:rPr>
+                        <a:t>Mono(Unity3D)</a:t>
+                      </a:r>
+                    </a:p>
+                  </a:txBody>
+                  <a:tcPr anchor="ctr">
+                    <a:lnL w="9525" cap="flat" cmpd="sng" algn="ctr">
+                      <a:solidFill>
+                        <a:srgbClr val="4B5362"/>
+                      </a:solidFill>
+                      <a:prstDash val="solid"/>
+                      <a:round/>
+                      <a:headEnd type="none" w="med" len="med"/>
+                      <a:tailEnd type="none" w="med" len="med"/>
+                    </a:lnL>
+                    <a:lnR w="9525" cap="flat" cmpd="sng" algn="ctr">
+                      <a:solidFill>
+                        <a:srgbClr val="4B5362"/>
+                      </a:solidFill>
+                      <a:prstDash val="solid"/>
+                      <a:round/>
+                      <a:headEnd type="none" w="med" len="med"/>
+                      <a:tailEnd type="none" w="med" len="med"/>
+                    </a:lnR>
+                    <a:lnT w="9525" cap="flat" cmpd="sng" algn="ctr">
+                      <a:solidFill>
+                        <a:srgbClr val="4B5362"/>
+                      </a:solidFill>
+                      <a:prstDash val="solid"/>
+                      <a:round/>
+                      <a:headEnd type="none" w="med" len="med"/>
+                      <a:tailEnd type="none" w="med" len="med"/>
+                    </a:lnT>
+                    <a:lnB w="9525" cap="flat" cmpd="sng" algn="ctr">
+                      <a:solidFill>
+                        <a:srgbClr val="4B5362"/>
+                      </a:solidFill>
+                      <a:prstDash val="solid"/>
+                      <a:round/>
+                      <a:headEnd type="none" w="med" len="med"/>
+                      <a:tailEnd type="none" w="med" len="med"/>
+                    </a:lnB>
+                  </a:tcPr>
+                </a:tc>
+                <a:tc>
+                  <a:txBody>
+                    <a:bodyPr/>
+                    <a:lstStyle/>
+                    <a:p>
+                      <a:pPr algn="ctr"/>
+                      <a:r>
+                        <a:rPr lang="en-US" dirty="0">
+                          <a:solidFill>
+                            <a:schemeClr val="tx1"/>
+                          </a:solidFill>
+                          <a:effectLst/>
+                        </a:rPr>
+                        <a:t>Mono AOT</a:t>
+                      </a:r>
+                    </a:p>
+                  </a:txBody>
+                  <a:tcPr anchor="ctr">
+                    <a:lnL w="9525" cap="flat" cmpd="sng" algn="ctr">
+                      <a:solidFill>
+                        <a:srgbClr val="4B5362"/>
+                      </a:solidFill>
+                      <a:prstDash val="solid"/>
+                      <a:round/>
+                      <a:headEnd type="none" w="med" len="med"/>
+                      <a:tailEnd type="none" w="med" len="med"/>
+                    </a:lnL>
+                    <a:lnR w="9525" cap="flat" cmpd="sng" algn="ctr">
+                      <a:solidFill>
+                        <a:srgbClr val="4B5362"/>
+                      </a:solidFill>
+                      <a:prstDash val="solid"/>
+                      <a:round/>
+                      <a:headEnd type="none" w="med" len="med"/>
+                      <a:tailEnd type="none" w="med" len="med"/>
+                    </a:lnR>
+                    <a:lnT w="9525" cap="flat" cmpd="sng" algn="ctr">
+                      <a:solidFill>
+                        <a:srgbClr val="4B5362"/>
+                      </a:solidFill>
+                      <a:prstDash val="solid"/>
+                      <a:round/>
+                      <a:headEnd type="none" w="med" len="med"/>
+                      <a:tailEnd type="none" w="med" len="med"/>
+                    </a:lnT>
+                    <a:lnB w="9525" cap="flat" cmpd="sng" algn="ctr">
+                      <a:solidFill>
+                        <a:srgbClr val="4B5362"/>
+                      </a:solidFill>
+                      <a:prstDash val="solid"/>
+                      <a:round/>
+                      <a:headEnd type="none" w="med" len="med"/>
+                      <a:tailEnd type="none" w="med" len="med"/>
+                    </a:lnB>
+                  </a:tcPr>
+                </a:tc>
+                <a:tc>
+                  <a:txBody>
+                    <a:bodyPr/>
+                    <a:lstStyle/>
+                    <a:p>
+                      <a:pPr algn="ctr"/>
+                      <a:r>
+                        <a:rPr lang="en-US" dirty="0">
+                          <a:solidFill>
+                            <a:schemeClr val="tx1"/>
+                          </a:solidFill>
+                          <a:effectLst/>
+                        </a:rPr>
+                        <a:t>IL2CPP</a:t>
+                      </a:r>
+                    </a:p>
+                  </a:txBody>
+                  <a:tcPr>
+                    <a:lnL w="9525" cap="flat" cmpd="sng" algn="ctr">
+                      <a:solidFill>
+                        <a:srgbClr val="4B5362"/>
+                      </a:solidFill>
+                      <a:prstDash val="solid"/>
+                      <a:round/>
+                      <a:headEnd type="none" w="med" len="med"/>
+                      <a:tailEnd type="none" w="med" len="med"/>
+                    </a:lnL>
+                    <a:lnB w="9525" cap="flat" cmpd="sng" algn="ctr">
+                      <a:solidFill>
+                        <a:srgbClr val="4B5362"/>
+                      </a:solidFill>
+                      <a:prstDash val="solid"/>
+                      <a:round/>
+                      <a:headEnd type="none" w="med" len="med"/>
+                      <a:tailEnd type="none" w="med" len="med"/>
+                    </a:lnB>
+                  </a:tcPr>
+                </a:tc>
+                <a:extLst>
+                  <a:ext uri="{0D108BD9-81ED-4DB2-BD59-A6C34878D82A}">
+                    <a16:rowId xmlns:a16="http://schemas.microsoft.com/office/drawing/2014/main" val="2148362693"/>
+                  </a:ext>
+                </a:extLst>
+              </a:tr>
+              <a:tr h="0">
+                <a:tc>
+                  <a:txBody>
+                    <a:bodyPr/>
+                    <a:lstStyle/>
+                    <a:p>
+                      <a:pPr algn="ctr"/>
+                      <a:r>
+                        <a:rPr lang="zh-CN" altLang="en-US">
+                          <a:effectLst/>
+                        </a:rPr>
+                        <a:t>是否</a:t>
+                      </a:r>
+                      <a:r>
+                        <a:rPr lang="en-US">
+                          <a:effectLst/>
+                        </a:rPr>
+                        <a:t>JIT</a:t>
+                      </a:r>
+                    </a:p>
+                  </a:txBody>
+                  <a:tcPr anchor="ctr">
+                    <a:lnL w="9525" cap="flat" cmpd="sng" algn="ctr">
+                      <a:solidFill>
+                        <a:srgbClr val="4B5362"/>
+                      </a:solidFill>
+                      <a:prstDash val="solid"/>
+                      <a:round/>
+                      <a:headEnd type="none" w="med" len="med"/>
+                      <a:tailEnd type="none" w="med" len="med"/>
+                    </a:lnL>
+                    <a:lnR w="9525" cap="flat" cmpd="sng" algn="ctr">
+                      <a:solidFill>
+                        <a:srgbClr val="4B5362"/>
+                      </a:solidFill>
+                      <a:prstDash val="solid"/>
+                      <a:round/>
+                      <a:headEnd type="none" w="med" len="med"/>
+                      <a:tailEnd type="none" w="med" len="med"/>
+                    </a:lnR>
+                    <a:lnT w="9525" cap="flat" cmpd="sng" algn="ctr">
+                      <a:solidFill>
+                        <a:srgbClr val="4B5362"/>
+                      </a:solidFill>
+                      <a:prstDash val="solid"/>
+                      <a:round/>
+                      <a:headEnd type="none" w="med" len="med"/>
+                      <a:tailEnd type="none" w="med" len="med"/>
+                    </a:lnT>
+                    <a:lnB w="9525" cap="flat" cmpd="sng" algn="ctr">
+                      <a:solidFill>
+                        <a:srgbClr val="4B5362"/>
+                      </a:solidFill>
+                      <a:prstDash val="solid"/>
+                      <a:round/>
+                      <a:headEnd type="none" w="med" len="med"/>
+                      <a:tailEnd type="none" w="med" len="med"/>
+                    </a:lnB>
+                  </a:tcPr>
+                </a:tc>
+                <a:tc>
+                  <a:txBody>
+                    <a:bodyPr/>
+                    <a:lstStyle/>
+                    <a:p>
+                      <a:pPr algn="ctr"/>
+                      <a:r>
+                        <a:rPr lang="zh-CN" altLang="en-US">
+                          <a:effectLst/>
+                        </a:rPr>
+                        <a:t>是</a:t>
+                      </a:r>
+                    </a:p>
+                  </a:txBody>
+                  <a:tcPr anchor="ctr">
+                    <a:lnL w="9525" cap="flat" cmpd="sng" algn="ctr">
+                      <a:solidFill>
+                        <a:srgbClr val="4B5362"/>
+                      </a:solidFill>
+                      <a:prstDash val="solid"/>
+                      <a:round/>
+                      <a:headEnd type="none" w="med" len="med"/>
+                      <a:tailEnd type="none" w="med" len="med"/>
+                    </a:lnL>
+                    <a:lnR w="9525" cap="flat" cmpd="sng" algn="ctr">
+                      <a:solidFill>
+                        <a:srgbClr val="4B5362"/>
+                      </a:solidFill>
+                      <a:prstDash val="solid"/>
+                      <a:round/>
+                      <a:headEnd type="none" w="med" len="med"/>
+                      <a:tailEnd type="none" w="med" len="med"/>
+                    </a:lnR>
+                    <a:lnT w="9525" cap="flat" cmpd="sng" algn="ctr">
+                      <a:solidFill>
+                        <a:srgbClr val="4B5362"/>
+                      </a:solidFill>
+                      <a:prstDash val="solid"/>
+                      <a:round/>
+                      <a:headEnd type="none" w="med" len="med"/>
+                      <a:tailEnd type="none" w="med" len="med"/>
+                    </a:lnT>
+                    <a:lnB w="9525" cap="flat" cmpd="sng" algn="ctr">
+                      <a:solidFill>
+                        <a:srgbClr val="4B5362"/>
+                      </a:solidFill>
+                      <a:prstDash val="solid"/>
+                      <a:round/>
+                      <a:headEnd type="none" w="med" len="med"/>
+                      <a:tailEnd type="none" w="med" len="med"/>
+                    </a:lnB>
+                  </a:tcPr>
+                </a:tc>
+                <a:tc>
+                  <a:txBody>
+                    <a:bodyPr/>
+                    <a:lstStyle/>
+                    <a:p>
+                      <a:pPr algn="ctr"/>
+                      <a:r>
+                        <a:rPr lang="zh-CN" altLang="en-US">
+                          <a:effectLst/>
+                        </a:rPr>
+                        <a:t>是</a:t>
+                      </a:r>
+                    </a:p>
+                  </a:txBody>
+                  <a:tcPr anchor="ctr">
+                    <a:lnL w="9525" cap="flat" cmpd="sng" algn="ctr">
+                      <a:solidFill>
+                        <a:srgbClr val="4B5362"/>
+                      </a:solidFill>
+                      <a:prstDash val="solid"/>
+                      <a:round/>
+                      <a:headEnd type="none" w="med" len="med"/>
+                      <a:tailEnd type="none" w="med" len="med"/>
+                    </a:lnL>
+                    <a:lnR w="9525" cap="flat" cmpd="sng" algn="ctr">
+                      <a:solidFill>
+                        <a:srgbClr val="4B5362"/>
+                      </a:solidFill>
+                      <a:prstDash val="solid"/>
+                      <a:round/>
+                      <a:headEnd type="none" w="med" len="med"/>
+                      <a:tailEnd type="none" w="med" len="med"/>
+                    </a:lnR>
+                    <a:lnT w="9525" cap="flat" cmpd="sng" algn="ctr">
+                      <a:solidFill>
+                        <a:srgbClr val="4B5362"/>
+                      </a:solidFill>
+                      <a:prstDash val="solid"/>
+                      <a:round/>
+                      <a:headEnd type="none" w="med" len="med"/>
+                      <a:tailEnd type="none" w="med" len="med"/>
+                    </a:lnT>
+                    <a:lnB w="9525" cap="flat" cmpd="sng" algn="ctr">
+                      <a:solidFill>
+                        <a:srgbClr val="4B5362"/>
+                      </a:solidFill>
+                      <a:prstDash val="solid"/>
+                      <a:round/>
+                      <a:headEnd type="none" w="med" len="med"/>
+                      <a:tailEnd type="none" w="med" len="med"/>
+                    </a:lnB>
+                  </a:tcPr>
+                </a:tc>
+                <a:tc>
+                  <a:txBody>
+                    <a:bodyPr/>
+                    <a:lstStyle/>
+                    <a:p>
+                      <a:pPr algn="ctr"/>
+                      <a:r>
+                        <a:rPr lang="zh-CN" altLang="en-US">
+                          <a:effectLst/>
+                        </a:rPr>
+                        <a:t>是</a:t>
+                      </a:r>
+                    </a:p>
+                  </a:txBody>
+                  <a:tcPr anchor="ctr">
+                    <a:lnL w="9525" cap="flat" cmpd="sng" algn="ctr">
+                      <a:solidFill>
+                        <a:srgbClr val="4B5362"/>
+                      </a:solidFill>
+                      <a:prstDash val="solid"/>
+                      <a:round/>
+                      <a:headEnd type="none" w="med" len="med"/>
+                      <a:tailEnd type="none" w="med" len="med"/>
+                    </a:lnL>
+                    <a:lnR w="9525" cap="flat" cmpd="sng" algn="ctr">
+                      <a:solidFill>
+                        <a:srgbClr val="4B5362"/>
+                      </a:solidFill>
+                      <a:prstDash val="solid"/>
+                      <a:round/>
+                      <a:headEnd type="none" w="med" len="med"/>
+                      <a:tailEnd type="none" w="med" len="med"/>
+                    </a:lnR>
+                    <a:lnT w="9525" cap="flat" cmpd="sng" algn="ctr">
+                      <a:solidFill>
+                        <a:srgbClr val="4B5362"/>
+                      </a:solidFill>
+                      <a:prstDash val="solid"/>
+                      <a:round/>
+                      <a:headEnd type="none" w="med" len="med"/>
+                      <a:tailEnd type="none" w="med" len="med"/>
+                    </a:lnT>
+                    <a:lnB w="9525" cap="flat" cmpd="sng" algn="ctr">
+                      <a:solidFill>
+                        <a:srgbClr val="4B5362"/>
+                      </a:solidFill>
+                      <a:prstDash val="solid"/>
+                      <a:round/>
+                      <a:headEnd type="none" w="med" len="med"/>
+                      <a:tailEnd type="none" w="med" len="med"/>
+                    </a:lnB>
+                  </a:tcPr>
+                </a:tc>
+                <a:tc>
+                  <a:txBody>
+                    <a:bodyPr/>
+                    <a:lstStyle/>
+                    <a:p>
+                      <a:pPr algn="ctr"/>
+                      <a:r>
+                        <a:rPr lang="zh-CN" altLang="en-US">
+                          <a:effectLst/>
+                        </a:rPr>
+                        <a:t>否</a:t>
+                      </a:r>
+                    </a:p>
+                  </a:txBody>
+                  <a:tcPr anchor="ctr">
+                    <a:lnL w="9525" cap="flat" cmpd="sng" algn="ctr">
+                      <a:solidFill>
+                        <a:srgbClr val="4B5362"/>
+                      </a:solidFill>
+                      <a:prstDash val="solid"/>
+                      <a:round/>
+                      <a:headEnd type="none" w="med" len="med"/>
+                      <a:tailEnd type="none" w="med" len="med"/>
+                    </a:lnL>
+                    <a:lnR w="9525" cap="flat" cmpd="sng" algn="ctr">
+                      <a:solidFill>
+                        <a:srgbClr val="4B5362"/>
+                      </a:solidFill>
+                      <a:prstDash val="solid"/>
+                      <a:round/>
+                      <a:headEnd type="none" w="med" len="med"/>
+                      <a:tailEnd type="none" w="med" len="med"/>
+                    </a:lnR>
+                    <a:lnT w="9525" cap="flat" cmpd="sng" algn="ctr">
+                      <a:solidFill>
+                        <a:srgbClr val="4B5362"/>
+                      </a:solidFill>
+                      <a:prstDash val="solid"/>
+                      <a:round/>
+                      <a:headEnd type="none" w="med" len="med"/>
+                      <a:tailEnd type="none" w="med" len="med"/>
+                    </a:lnT>
+                    <a:lnB w="9525" cap="flat" cmpd="sng" algn="ctr">
+                      <a:solidFill>
+                        <a:srgbClr val="4B5362"/>
+                      </a:solidFill>
+                      <a:prstDash val="solid"/>
+                      <a:round/>
+                      <a:headEnd type="none" w="med" len="med"/>
+                      <a:tailEnd type="none" w="med" len="med"/>
+                    </a:lnB>
+                  </a:tcPr>
+                </a:tc>
+                <a:tc>
+                  <a:txBody>
+                    <a:bodyPr/>
+                    <a:lstStyle/>
+                    <a:p>
+                      <a:pPr algn="ctr"/>
+                      <a:r>
+                        <a:rPr lang="zh-CN" altLang="en-US">
+                          <a:effectLst/>
+                        </a:rPr>
+                        <a:t>否</a:t>
+                      </a:r>
+                    </a:p>
+                  </a:txBody>
+                  <a:tcPr anchor="ctr">
+                    <a:lnL w="9525" cap="flat" cmpd="sng" algn="ctr">
+                      <a:solidFill>
+                        <a:srgbClr val="4B5362"/>
+                      </a:solidFill>
+                      <a:prstDash val="solid"/>
+                      <a:round/>
+                      <a:headEnd type="none" w="med" len="med"/>
+                      <a:tailEnd type="none" w="med" len="med"/>
+                    </a:lnL>
+                    <a:lnR w="9525" cap="flat" cmpd="sng" algn="ctr">
+                      <a:solidFill>
+                        <a:srgbClr val="4B5362"/>
+                      </a:solidFill>
+                      <a:prstDash val="solid"/>
+                      <a:round/>
+                      <a:headEnd type="none" w="med" len="med"/>
+                      <a:tailEnd type="none" w="med" len="med"/>
+                    </a:lnR>
+                    <a:lnT w="9525" cap="flat" cmpd="sng" algn="ctr">
+                      <a:solidFill>
+                        <a:srgbClr val="4B5362"/>
+                      </a:solidFill>
+                      <a:prstDash val="solid"/>
+                      <a:round/>
+                      <a:headEnd type="none" w="med" len="med"/>
+                      <a:tailEnd type="none" w="med" len="med"/>
+                    </a:lnT>
+                    <a:lnB w="9525" cap="flat" cmpd="sng" algn="ctr">
+                      <a:solidFill>
+                        <a:srgbClr val="4B5362"/>
+                      </a:solidFill>
+                      <a:prstDash val="solid"/>
+                      <a:round/>
+                      <a:headEnd type="none" w="med" len="med"/>
+                      <a:tailEnd type="none" w="med" len="med"/>
+                    </a:lnB>
+                  </a:tcPr>
+                </a:tc>
+                <a:extLst>
+                  <a:ext uri="{0D108BD9-81ED-4DB2-BD59-A6C34878D82A}">
+                    <a16:rowId xmlns:a16="http://schemas.microsoft.com/office/drawing/2014/main" val="3958028684"/>
+                  </a:ext>
+                </a:extLst>
+              </a:tr>
+              <a:tr h="0">
+                <a:tc>
+                  <a:txBody>
+                    <a:bodyPr/>
+                    <a:lstStyle/>
+                    <a:p>
+                      <a:pPr algn="ctr"/>
+                      <a:r>
+                        <a:rPr lang="zh-CN" altLang="en-US">
+                          <a:effectLst/>
+                        </a:rPr>
+                        <a:t>输出类型</a:t>
+                      </a:r>
+                    </a:p>
+                  </a:txBody>
+                  <a:tcPr anchor="ctr">
+                    <a:lnL w="9525" cap="flat" cmpd="sng" algn="ctr">
+                      <a:solidFill>
+                        <a:srgbClr val="4B5362"/>
+                      </a:solidFill>
+                      <a:prstDash val="solid"/>
+                      <a:round/>
+                      <a:headEnd type="none" w="med" len="med"/>
+                      <a:tailEnd type="none" w="med" len="med"/>
+                    </a:lnL>
+                    <a:lnR w="9525" cap="flat" cmpd="sng" algn="ctr">
+                      <a:solidFill>
+                        <a:srgbClr val="4B5362"/>
+                      </a:solidFill>
+                      <a:prstDash val="solid"/>
+                      <a:round/>
+                      <a:headEnd type="none" w="med" len="med"/>
+                      <a:tailEnd type="none" w="med" len="med"/>
+                    </a:lnR>
+                    <a:lnT w="9525" cap="flat" cmpd="sng" algn="ctr">
+                      <a:solidFill>
+                        <a:srgbClr val="4B5362"/>
+                      </a:solidFill>
+                      <a:prstDash val="solid"/>
+                      <a:round/>
+                      <a:headEnd type="none" w="med" len="med"/>
+                      <a:tailEnd type="none" w="med" len="med"/>
+                    </a:lnT>
+                    <a:lnB w="9525" cap="flat" cmpd="sng" algn="ctr">
+                      <a:solidFill>
+                        <a:srgbClr val="4B5362"/>
+                      </a:solidFill>
+                      <a:prstDash val="solid"/>
+                      <a:round/>
+                      <a:headEnd type="none" w="med" len="med"/>
+                      <a:tailEnd type="none" w="med" len="med"/>
+                    </a:lnB>
+                  </a:tcPr>
+                </a:tc>
+                <a:tc>
+                  <a:txBody>
+                    <a:bodyPr/>
+                    <a:lstStyle/>
+                    <a:p>
+                      <a:pPr algn="ctr"/>
+                      <a:r>
+                        <a:rPr lang="en-US">
+                          <a:effectLst/>
+                        </a:rPr>
+                        <a:t>NA</a:t>
+                      </a:r>
+                    </a:p>
+                  </a:txBody>
+                  <a:tcPr anchor="ctr">
+                    <a:lnL w="9525" cap="flat" cmpd="sng" algn="ctr">
+                      <a:solidFill>
+                        <a:srgbClr val="4B5362"/>
+                      </a:solidFill>
+                      <a:prstDash val="solid"/>
+                      <a:round/>
+                      <a:headEnd type="none" w="med" len="med"/>
+                      <a:tailEnd type="none" w="med" len="med"/>
+                    </a:lnL>
+                    <a:lnR w="9525" cap="flat" cmpd="sng" algn="ctr">
+                      <a:solidFill>
+                        <a:srgbClr val="4B5362"/>
+                      </a:solidFill>
+                      <a:prstDash val="solid"/>
+                      <a:round/>
+                      <a:headEnd type="none" w="med" len="med"/>
+                      <a:tailEnd type="none" w="med" len="med"/>
+                    </a:lnR>
+                    <a:lnT w="9525" cap="flat" cmpd="sng" algn="ctr">
+                      <a:solidFill>
+                        <a:srgbClr val="4B5362"/>
+                      </a:solidFill>
+                      <a:prstDash val="solid"/>
+                      <a:round/>
+                      <a:headEnd type="none" w="med" len="med"/>
+                      <a:tailEnd type="none" w="med" len="med"/>
+                    </a:lnT>
+                    <a:lnB w="9525" cap="flat" cmpd="sng" algn="ctr">
+                      <a:solidFill>
+                        <a:srgbClr val="4B5362"/>
+                      </a:solidFill>
+                      <a:prstDash val="solid"/>
+                      <a:round/>
+                      <a:headEnd type="none" w="med" len="med"/>
+                      <a:tailEnd type="none" w="med" len="med"/>
+                    </a:lnB>
+                  </a:tcPr>
+                </a:tc>
+                <a:tc>
+                  <a:txBody>
+                    <a:bodyPr/>
+                    <a:lstStyle/>
+                    <a:p>
+                      <a:pPr algn="ctr"/>
+                      <a:r>
+                        <a:rPr lang="en-US">
+                          <a:effectLst/>
+                        </a:rPr>
+                        <a:t>NA</a:t>
+                      </a:r>
+                    </a:p>
+                  </a:txBody>
+                  <a:tcPr anchor="ctr">
+                    <a:lnL w="9525" cap="flat" cmpd="sng" algn="ctr">
+                      <a:solidFill>
+                        <a:srgbClr val="4B5362"/>
+                      </a:solidFill>
+                      <a:prstDash val="solid"/>
+                      <a:round/>
+                      <a:headEnd type="none" w="med" len="med"/>
+                      <a:tailEnd type="none" w="med" len="med"/>
+                    </a:lnL>
+                    <a:lnR w="9525" cap="flat" cmpd="sng" algn="ctr">
+                      <a:solidFill>
+                        <a:srgbClr val="4B5362"/>
+                      </a:solidFill>
+                      <a:prstDash val="solid"/>
+                      <a:round/>
+                      <a:headEnd type="none" w="med" len="med"/>
+                      <a:tailEnd type="none" w="med" len="med"/>
+                    </a:lnR>
+                    <a:lnT w="9525" cap="flat" cmpd="sng" algn="ctr">
+                      <a:solidFill>
+                        <a:srgbClr val="4B5362"/>
+                      </a:solidFill>
+                      <a:prstDash val="solid"/>
+                      <a:round/>
+                      <a:headEnd type="none" w="med" len="med"/>
+                      <a:tailEnd type="none" w="med" len="med"/>
+                    </a:lnT>
+                    <a:lnB w="9525" cap="flat" cmpd="sng" algn="ctr">
+                      <a:solidFill>
+                        <a:srgbClr val="4B5362"/>
+                      </a:solidFill>
+                      <a:prstDash val="solid"/>
+                      <a:round/>
+                      <a:headEnd type="none" w="med" len="med"/>
+                      <a:tailEnd type="none" w="med" len="med"/>
+                    </a:lnB>
+                  </a:tcPr>
+                </a:tc>
+                <a:tc>
+                  <a:txBody>
+                    <a:bodyPr/>
+                    <a:lstStyle/>
+                    <a:p>
+                      <a:pPr algn="ctr"/>
+                      <a:r>
+                        <a:rPr lang="en-US">
+                          <a:effectLst/>
+                        </a:rPr>
+                        <a:t>NA</a:t>
+                      </a:r>
+                    </a:p>
+                  </a:txBody>
+                  <a:tcPr anchor="ctr">
+                    <a:lnL w="9525" cap="flat" cmpd="sng" algn="ctr">
+                      <a:solidFill>
+                        <a:srgbClr val="4B5362"/>
+                      </a:solidFill>
+                      <a:prstDash val="solid"/>
+                      <a:round/>
+                      <a:headEnd type="none" w="med" len="med"/>
+                      <a:tailEnd type="none" w="med" len="med"/>
+                    </a:lnL>
+                    <a:lnR w="9525" cap="flat" cmpd="sng" algn="ctr">
+                      <a:solidFill>
+                        <a:srgbClr val="4B5362"/>
+                      </a:solidFill>
+                      <a:prstDash val="solid"/>
+                      <a:round/>
+                      <a:headEnd type="none" w="med" len="med"/>
+                      <a:tailEnd type="none" w="med" len="med"/>
+                    </a:lnR>
+                    <a:lnT w="9525" cap="flat" cmpd="sng" algn="ctr">
+                      <a:solidFill>
+                        <a:srgbClr val="4B5362"/>
+                      </a:solidFill>
+                      <a:prstDash val="solid"/>
+                      <a:round/>
+                      <a:headEnd type="none" w="med" len="med"/>
+                      <a:tailEnd type="none" w="med" len="med"/>
+                    </a:lnT>
+                    <a:lnB w="9525" cap="flat" cmpd="sng" algn="ctr">
+                      <a:solidFill>
+                        <a:srgbClr val="4B5362"/>
+                      </a:solidFill>
+                      <a:prstDash val="solid"/>
+                      <a:round/>
+                      <a:headEnd type="none" w="med" len="med"/>
+                      <a:tailEnd type="none" w="med" len="med"/>
+                    </a:lnB>
+                  </a:tcPr>
+                </a:tc>
+                <a:tc>
+                  <a:txBody>
+                    <a:bodyPr/>
+                    <a:lstStyle/>
+                    <a:p>
+                      <a:pPr algn="ctr"/>
+                      <a:r>
+                        <a:rPr lang="en-US">
+                          <a:effectLst/>
+                        </a:rPr>
+                        <a:t>Native</a:t>
+                      </a:r>
+                    </a:p>
+                  </a:txBody>
+                  <a:tcPr anchor="ctr">
+                    <a:lnL w="9525" cap="flat" cmpd="sng" algn="ctr">
+                      <a:solidFill>
+                        <a:srgbClr val="4B5362"/>
+                      </a:solidFill>
+                      <a:prstDash val="solid"/>
+                      <a:round/>
+                      <a:headEnd type="none" w="med" len="med"/>
+                      <a:tailEnd type="none" w="med" len="med"/>
+                    </a:lnL>
+                    <a:lnR w="9525" cap="flat" cmpd="sng" algn="ctr">
+                      <a:solidFill>
+                        <a:srgbClr val="4B5362"/>
+                      </a:solidFill>
+                      <a:prstDash val="solid"/>
+                      <a:round/>
+                      <a:headEnd type="none" w="med" len="med"/>
+                      <a:tailEnd type="none" w="med" len="med"/>
+                    </a:lnR>
+                    <a:lnT w="9525" cap="flat" cmpd="sng" algn="ctr">
+                      <a:solidFill>
+                        <a:srgbClr val="4B5362"/>
+                      </a:solidFill>
+                      <a:prstDash val="solid"/>
+                      <a:round/>
+                      <a:headEnd type="none" w="med" len="med"/>
+                      <a:tailEnd type="none" w="med" len="med"/>
+                    </a:lnT>
+                    <a:lnB w="9525" cap="flat" cmpd="sng" algn="ctr">
+                      <a:solidFill>
+                        <a:srgbClr val="4B5362"/>
+                      </a:solidFill>
+                      <a:prstDash val="solid"/>
+                      <a:round/>
+                      <a:headEnd type="none" w="med" len="med"/>
+                      <a:tailEnd type="none" w="med" len="med"/>
+                    </a:lnB>
+                  </a:tcPr>
+                </a:tc>
+                <a:tc>
+                  <a:txBody>
+                    <a:bodyPr/>
+                    <a:lstStyle/>
+                    <a:p>
+                      <a:pPr algn="ctr"/>
+                      <a:r>
+                        <a:rPr lang="en-US">
+                          <a:effectLst/>
+                        </a:rPr>
+                        <a:t>C++</a:t>
+                      </a:r>
+                    </a:p>
+                  </a:txBody>
+                  <a:tcPr anchor="ctr">
+                    <a:lnL w="9525" cap="flat" cmpd="sng" algn="ctr">
+                      <a:solidFill>
+                        <a:srgbClr val="4B5362"/>
+                      </a:solidFill>
+                      <a:prstDash val="solid"/>
+                      <a:round/>
+                      <a:headEnd type="none" w="med" len="med"/>
+                      <a:tailEnd type="none" w="med" len="med"/>
+                    </a:lnL>
+                    <a:lnR w="9525" cap="flat" cmpd="sng" algn="ctr">
+                      <a:solidFill>
+                        <a:srgbClr val="4B5362"/>
+                      </a:solidFill>
+                      <a:prstDash val="solid"/>
+                      <a:round/>
+                      <a:headEnd type="none" w="med" len="med"/>
+                      <a:tailEnd type="none" w="med" len="med"/>
+                    </a:lnR>
+                    <a:lnT w="9525" cap="flat" cmpd="sng" algn="ctr">
+                      <a:solidFill>
+                        <a:srgbClr val="4B5362"/>
+                      </a:solidFill>
+                      <a:prstDash val="solid"/>
+                      <a:round/>
+                      <a:headEnd type="none" w="med" len="med"/>
+                      <a:tailEnd type="none" w="med" len="med"/>
+                    </a:lnT>
+                    <a:lnB w="9525" cap="flat" cmpd="sng" algn="ctr">
+                      <a:solidFill>
+                        <a:srgbClr val="4B5362"/>
+                      </a:solidFill>
+                      <a:prstDash val="solid"/>
+                      <a:round/>
+                      <a:headEnd type="none" w="med" len="med"/>
+                      <a:tailEnd type="none" w="med" len="med"/>
+                    </a:lnB>
+                  </a:tcPr>
+                </a:tc>
+                <a:extLst>
+                  <a:ext uri="{0D108BD9-81ED-4DB2-BD59-A6C34878D82A}">
+                    <a16:rowId xmlns:a16="http://schemas.microsoft.com/office/drawing/2014/main" val="4120267612"/>
+                  </a:ext>
+                </a:extLst>
+              </a:tr>
+              <a:tr h="0">
+                <a:tc>
+                  <a:txBody>
+                    <a:bodyPr/>
+                    <a:lstStyle/>
+                    <a:p>
+                      <a:pPr algn="ctr"/>
+                      <a:r>
+                        <a:rPr lang="zh-CN" altLang="en-US">
+                          <a:effectLst/>
+                        </a:rPr>
+                        <a:t>运行时版本</a:t>
+                      </a:r>
+                      <a:r>
+                        <a:rPr lang="en-US" altLang="zh-CN">
+                          <a:effectLst/>
+                        </a:rPr>
+                        <a:t>(</a:t>
+                      </a:r>
+                      <a:r>
+                        <a:rPr lang="zh-CN" altLang="en-US">
+                          <a:effectLst/>
+                        </a:rPr>
+                        <a:t>相对于</a:t>
+                      </a:r>
+                      <a:r>
+                        <a:rPr lang="en-US" altLang="zh-CN">
+                          <a:effectLst/>
+                        </a:rPr>
+                        <a:t>CLR)</a:t>
+                      </a:r>
+                    </a:p>
+                  </a:txBody>
+                  <a:tcPr anchor="ctr">
+                    <a:lnL w="9525" cap="flat" cmpd="sng" algn="ctr">
+                      <a:solidFill>
+                        <a:srgbClr val="4B5362"/>
+                      </a:solidFill>
+                      <a:prstDash val="solid"/>
+                      <a:round/>
+                      <a:headEnd type="none" w="med" len="med"/>
+                      <a:tailEnd type="none" w="med" len="med"/>
+                    </a:lnL>
+                    <a:lnR w="9525" cap="flat" cmpd="sng" algn="ctr">
+                      <a:solidFill>
+                        <a:srgbClr val="4B5362"/>
+                      </a:solidFill>
+                      <a:prstDash val="solid"/>
+                      <a:round/>
+                      <a:headEnd type="none" w="med" len="med"/>
+                      <a:tailEnd type="none" w="med" len="med"/>
+                    </a:lnR>
+                    <a:lnT w="9525" cap="flat" cmpd="sng" algn="ctr">
+                      <a:solidFill>
+                        <a:srgbClr val="4B5362"/>
+                      </a:solidFill>
+                      <a:prstDash val="solid"/>
+                      <a:round/>
+                      <a:headEnd type="none" w="med" len="med"/>
+                      <a:tailEnd type="none" w="med" len="med"/>
+                    </a:lnT>
+                    <a:lnB w="9525" cap="flat" cmpd="sng" algn="ctr">
+                      <a:solidFill>
+                        <a:srgbClr val="4B5362"/>
+                      </a:solidFill>
+                      <a:prstDash val="solid"/>
+                      <a:round/>
+                      <a:headEnd type="none" w="med" len="med"/>
+                      <a:tailEnd type="none" w="med" len="med"/>
+                    </a:lnB>
+                  </a:tcPr>
+                </a:tc>
+                <a:tc>
+                  <a:txBody>
+                    <a:bodyPr/>
+                    <a:lstStyle/>
+                    <a:p>
+                      <a:pPr algn="ctr"/>
+                      <a:r>
+                        <a:rPr lang="en-US" altLang="zh-CN">
+                          <a:effectLst/>
+                        </a:rPr>
+                        <a:t>4</a:t>
+                      </a:r>
+                    </a:p>
+                  </a:txBody>
+                  <a:tcPr anchor="ctr">
+                    <a:lnL w="9525" cap="flat" cmpd="sng" algn="ctr">
+                      <a:solidFill>
+                        <a:srgbClr val="4B5362"/>
+                      </a:solidFill>
+                      <a:prstDash val="solid"/>
+                      <a:round/>
+                      <a:headEnd type="none" w="med" len="med"/>
+                      <a:tailEnd type="none" w="med" len="med"/>
+                    </a:lnL>
+                    <a:lnR w="9525" cap="flat" cmpd="sng" algn="ctr">
+                      <a:solidFill>
+                        <a:srgbClr val="4B5362"/>
+                      </a:solidFill>
+                      <a:prstDash val="solid"/>
+                      <a:round/>
+                      <a:headEnd type="none" w="med" len="med"/>
+                      <a:tailEnd type="none" w="med" len="med"/>
+                    </a:lnR>
+                    <a:lnT w="9525" cap="flat" cmpd="sng" algn="ctr">
+                      <a:solidFill>
+                        <a:srgbClr val="4B5362"/>
+                      </a:solidFill>
+                      <a:prstDash val="solid"/>
+                      <a:round/>
+                      <a:headEnd type="none" w="med" len="med"/>
+                      <a:tailEnd type="none" w="med" len="med"/>
+                    </a:lnT>
+                    <a:lnB w="9525" cap="flat" cmpd="sng" algn="ctr">
+                      <a:solidFill>
+                        <a:srgbClr val="4B5362"/>
+                      </a:solidFill>
+                      <a:prstDash val="solid"/>
+                      <a:round/>
+                      <a:headEnd type="none" w="med" len="med"/>
+                      <a:tailEnd type="none" w="med" len="med"/>
+                    </a:lnB>
+                  </a:tcPr>
+                </a:tc>
+                <a:tc>
+                  <a:txBody>
+                    <a:bodyPr/>
+                    <a:lstStyle/>
+                    <a:p>
+                      <a:pPr algn="ctr"/>
+                      <a:r>
+                        <a:rPr lang="en-US" altLang="zh-CN">
+                          <a:effectLst/>
+                        </a:rPr>
+                        <a:t>4</a:t>
+                      </a:r>
+                    </a:p>
+                  </a:txBody>
+                  <a:tcPr anchor="ctr">
+                    <a:lnL w="9525" cap="flat" cmpd="sng" algn="ctr">
+                      <a:solidFill>
+                        <a:srgbClr val="4B5362"/>
+                      </a:solidFill>
+                      <a:prstDash val="solid"/>
+                      <a:round/>
+                      <a:headEnd type="none" w="med" len="med"/>
+                      <a:tailEnd type="none" w="med" len="med"/>
+                    </a:lnL>
+                    <a:lnR w="9525" cap="flat" cmpd="sng" algn="ctr">
+                      <a:solidFill>
+                        <a:srgbClr val="4B5362"/>
+                      </a:solidFill>
+                      <a:prstDash val="solid"/>
+                      <a:round/>
+                      <a:headEnd type="none" w="med" len="med"/>
+                      <a:tailEnd type="none" w="med" len="med"/>
+                    </a:lnR>
+                    <a:lnT w="9525" cap="flat" cmpd="sng" algn="ctr">
+                      <a:solidFill>
+                        <a:srgbClr val="4B5362"/>
+                      </a:solidFill>
+                      <a:prstDash val="solid"/>
+                      <a:round/>
+                      <a:headEnd type="none" w="med" len="med"/>
+                      <a:tailEnd type="none" w="med" len="med"/>
+                    </a:lnT>
+                    <a:lnB w="9525" cap="flat" cmpd="sng" algn="ctr">
+                      <a:solidFill>
+                        <a:srgbClr val="4B5362"/>
+                      </a:solidFill>
+                      <a:prstDash val="solid"/>
+                      <a:round/>
+                      <a:headEnd type="none" w="med" len="med"/>
+                      <a:tailEnd type="none" w="med" len="med"/>
+                    </a:lnB>
+                  </a:tcPr>
+                </a:tc>
+                <a:tc>
+                  <a:txBody>
+                    <a:bodyPr/>
+                    <a:lstStyle/>
+                    <a:p>
+                      <a:pPr algn="ctr"/>
+                      <a:r>
+                        <a:rPr lang="en-US" altLang="zh-CN">
+                          <a:effectLst/>
+                        </a:rPr>
+                        <a:t>2</a:t>
+                      </a:r>
+                    </a:p>
+                  </a:txBody>
+                  <a:tcPr anchor="ctr">
+                    <a:lnL w="9525" cap="flat" cmpd="sng" algn="ctr">
+                      <a:solidFill>
+                        <a:srgbClr val="4B5362"/>
+                      </a:solidFill>
+                      <a:prstDash val="solid"/>
+                      <a:round/>
+                      <a:headEnd type="none" w="med" len="med"/>
+                      <a:tailEnd type="none" w="med" len="med"/>
+                    </a:lnL>
+                    <a:lnR w="9525" cap="flat" cmpd="sng" algn="ctr">
+                      <a:solidFill>
+                        <a:srgbClr val="4B5362"/>
+                      </a:solidFill>
+                      <a:prstDash val="solid"/>
+                      <a:round/>
+                      <a:headEnd type="none" w="med" len="med"/>
+                      <a:tailEnd type="none" w="med" len="med"/>
+                    </a:lnR>
+                    <a:lnT w="9525" cap="flat" cmpd="sng" algn="ctr">
+                      <a:solidFill>
+                        <a:srgbClr val="4B5362"/>
+                      </a:solidFill>
+                      <a:prstDash val="solid"/>
+                      <a:round/>
+                      <a:headEnd type="none" w="med" len="med"/>
+                      <a:tailEnd type="none" w="med" len="med"/>
+                    </a:lnT>
+                    <a:lnB w="9525" cap="flat" cmpd="sng" algn="ctr">
+                      <a:solidFill>
+                        <a:srgbClr val="4B5362"/>
+                      </a:solidFill>
+                      <a:prstDash val="solid"/>
+                      <a:round/>
+                      <a:headEnd type="none" w="med" len="med"/>
+                      <a:tailEnd type="none" w="med" len="med"/>
+                    </a:lnB>
+                  </a:tcPr>
+                </a:tc>
+                <a:tc>
+                  <a:txBody>
+                    <a:bodyPr/>
+                    <a:lstStyle/>
+                    <a:p>
+                      <a:pPr algn="ctr"/>
+                      <a:r>
+                        <a:rPr lang="en-US" altLang="zh-CN">
+                          <a:effectLst/>
+                        </a:rPr>
+                        <a:t>2</a:t>
+                      </a:r>
+                    </a:p>
+                  </a:txBody>
+                  <a:tcPr anchor="ctr">
+                    <a:lnL w="9525" cap="flat" cmpd="sng" algn="ctr">
+                      <a:solidFill>
+                        <a:srgbClr val="4B5362"/>
+                      </a:solidFill>
+                      <a:prstDash val="solid"/>
+                      <a:round/>
+                      <a:headEnd type="none" w="med" len="med"/>
+                      <a:tailEnd type="none" w="med" len="med"/>
+                    </a:lnL>
+                    <a:lnR w="9525" cap="flat" cmpd="sng" algn="ctr">
+                      <a:solidFill>
+                        <a:srgbClr val="4B5362"/>
+                      </a:solidFill>
+                      <a:prstDash val="solid"/>
+                      <a:round/>
+                      <a:headEnd type="none" w="med" len="med"/>
+                      <a:tailEnd type="none" w="med" len="med"/>
+                    </a:lnR>
+                    <a:lnT w="9525" cap="flat" cmpd="sng" algn="ctr">
+                      <a:solidFill>
+                        <a:srgbClr val="4B5362"/>
+                      </a:solidFill>
+                      <a:prstDash val="solid"/>
+                      <a:round/>
+                      <a:headEnd type="none" w="med" len="med"/>
+                      <a:tailEnd type="none" w="med" len="med"/>
+                    </a:lnT>
+                    <a:lnB w="9525" cap="flat" cmpd="sng" algn="ctr">
+                      <a:solidFill>
+                        <a:srgbClr val="4B5362"/>
+                      </a:solidFill>
+                      <a:prstDash val="solid"/>
+                      <a:round/>
+                      <a:headEnd type="none" w="med" len="med"/>
+                      <a:tailEnd type="none" w="med" len="med"/>
+                    </a:lnB>
+                  </a:tcPr>
+                </a:tc>
+                <a:tc>
+                  <a:txBody>
+                    <a:bodyPr/>
+                    <a:lstStyle/>
+                    <a:p>
+                      <a:pPr algn="ctr"/>
+                      <a:r>
+                        <a:rPr lang="en-US" altLang="zh-CN">
+                          <a:effectLst/>
+                        </a:rPr>
+                        <a:t>2</a:t>
+                      </a:r>
+                    </a:p>
+                  </a:txBody>
+                  <a:tcPr anchor="ctr">
+                    <a:lnL w="9525" cap="flat" cmpd="sng" algn="ctr">
+                      <a:solidFill>
+                        <a:srgbClr val="4B5362"/>
+                      </a:solidFill>
+                      <a:prstDash val="solid"/>
+                      <a:round/>
+                      <a:headEnd type="none" w="med" len="med"/>
+                      <a:tailEnd type="none" w="med" len="med"/>
+                    </a:lnL>
+                    <a:lnR w="9525" cap="flat" cmpd="sng" algn="ctr">
+                      <a:solidFill>
+                        <a:srgbClr val="4B5362"/>
+                      </a:solidFill>
+                      <a:prstDash val="solid"/>
+                      <a:round/>
+                      <a:headEnd type="none" w="med" len="med"/>
+                      <a:tailEnd type="none" w="med" len="med"/>
+                    </a:lnR>
+                    <a:lnT w="9525" cap="flat" cmpd="sng" algn="ctr">
+                      <a:solidFill>
+                        <a:srgbClr val="4B5362"/>
+                      </a:solidFill>
+                      <a:prstDash val="solid"/>
+                      <a:round/>
+                      <a:headEnd type="none" w="med" len="med"/>
+                      <a:tailEnd type="none" w="med" len="med"/>
+                    </a:lnT>
+                    <a:lnB w="9525" cap="flat" cmpd="sng" algn="ctr">
+                      <a:solidFill>
+                        <a:srgbClr val="4B5362"/>
+                      </a:solidFill>
+                      <a:prstDash val="solid"/>
+                      <a:round/>
+                      <a:headEnd type="none" w="med" len="med"/>
+                      <a:tailEnd type="none" w="med" len="med"/>
+                    </a:lnB>
+                  </a:tcPr>
+                </a:tc>
+                <a:extLst>
+                  <a:ext uri="{0D108BD9-81ED-4DB2-BD59-A6C34878D82A}">
+                    <a16:rowId xmlns:a16="http://schemas.microsoft.com/office/drawing/2014/main" val="2126633583"/>
+                  </a:ext>
+                </a:extLst>
+              </a:tr>
+              <a:tr h="0">
+                <a:tc>
+                  <a:txBody>
+                    <a:bodyPr/>
+                    <a:lstStyle/>
+                    <a:p>
+                      <a:pPr algn="ctr"/>
+                      <a:r>
+                        <a:rPr lang="en-US">
+                          <a:effectLst/>
+                        </a:rPr>
+                        <a:t>GC</a:t>
+                      </a:r>
+                      <a:r>
+                        <a:rPr lang="zh-CN" altLang="en-US">
+                          <a:effectLst/>
+                        </a:rPr>
+                        <a:t>类型</a:t>
+                      </a:r>
+                    </a:p>
+                  </a:txBody>
+                  <a:tcPr anchor="ctr">
+                    <a:lnL w="9525" cap="flat" cmpd="sng" algn="ctr">
+                      <a:solidFill>
+                        <a:srgbClr val="4B5362"/>
+                      </a:solidFill>
+                      <a:prstDash val="solid"/>
+                      <a:round/>
+                      <a:headEnd type="none" w="med" len="med"/>
+                      <a:tailEnd type="none" w="med" len="med"/>
+                    </a:lnL>
+                    <a:lnR w="9525" cap="flat" cmpd="sng" algn="ctr">
+                      <a:solidFill>
+                        <a:srgbClr val="4B5362"/>
+                      </a:solidFill>
+                      <a:prstDash val="solid"/>
+                      <a:round/>
+                      <a:headEnd type="none" w="med" len="med"/>
+                      <a:tailEnd type="none" w="med" len="med"/>
+                    </a:lnR>
+                    <a:lnT w="9525" cap="flat" cmpd="sng" algn="ctr">
+                      <a:solidFill>
+                        <a:srgbClr val="4B5362"/>
+                      </a:solidFill>
+                      <a:prstDash val="solid"/>
+                      <a:round/>
+                      <a:headEnd type="none" w="med" len="med"/>
+                      <a:tailEnd type="none" w="med" len="med"/>
+                    </a:lnT>
+                    <a:lnB w="9525" cap="flat" cmpd="sng" algn="ctr">
+                      <a:solidFill>
+                        <a:srgbClr val="4B5362"/>
+                      </a:solidFill>
+                      <a:prstDash val="solid"/>
+                      <a:round/>
+                      <a:headEnd type="none" w="med" len="med"/>
+                      <a:tailEnd type="none" w="med" len="med"/>
+                    </a:lnB>
+                  </a:tcPr>
+                </a:tc>
+                <a:tc>
+                  <a:txBody>
+                    <a:bodyPr/>
+                    <a:lstStyle/>
+                    <a:p>
+                      <a:pPr algn="ctr"/>
+                      <a:r>
+                        <a:rPr lang="en-US">
+                          <a:effectLst/>
+                        </a:rPr>
+                        <a:t>3 Gens GC</a:t>
+                      </a:r>
+                      <a:br>
+                        <a:rPr lang="en-US">
+                          <a:effectLst/>
+                        </a:rPr>
+                      </a:br>
+                      <a:r>
+                        <a:rPr lang="en-US">
+                          <a:effectLst/>
+                        </a:rPr>
+                        <a:t>(gen0, 1: Marked-Compact, STW; gen2: Marked-Sweep)</a:t>
+                      </a:r>
+                    </a:p>
+                  </a:txBody>
+                  <a:tcPr anchor="ctr">
+                    <a:lnL w="9525" cap="flat" cmpd="sng" algn="ctr">
+                      <a:solidFill>
+                        <a:srgbClr val="4B5362"/>
+                      </a:solidFill>
+                      <a:prstDash val="solid"/>
+                      <a:round/>
+                      <a:headEnd type="none" w="med" len="med"/>
+                      <a:tailEnd type="none" w="med" len="med"/>
+                    </a:lnL>
+                    <a:lnR w="9525" cap="flat" cmpd="sng" algn="ctr">
+                      <a:solidFill>
+                        <a:srgbClr val="4B5362"/>
+                      </a:solidFill>
+                      <a:prstDash val="solid"/>
+                      <a:round/>
+                      <a:headEnd type="none" w="med" len="med"/>
+                      <a:tailEnd type="none" w="med" len="med"/>
+                    </a:lnR>
+                    <a:lnT w="9525" cap="flat" cmpd="sng" algn="ctr">
+                      <a:solidFill>
+                        <a:srgbClr val="4B5362"/>
+                      </a:solidFill>
+                      <a:prstDash val="solid"/>
+                      <a:round/>
+                      <a:headEnd type="none" w="med" len="med"/>
+                      <a:tailEnd type="none" w="med" len="med"/>
+                    </a:lnT>
+                    <a:lnB w="9525" cap="flat" cmpd="sng" algn="ctr">
+                      <a:solidFill>
+                        <a:srgbClr val="4B5362"/>
+                      </a:solidFill>
+                      <a:prstDash val="solid"/>
+                      <a:round/>
+                      <a:headEnd type="none" w="med" len="med"/>
+                      <a:tailEnd type="none" w="med" len="med"/>
+                    </a:lnB>
+                  </a:tcPr>
+                </a:tc>
+                <a:tc>
+                  <a:txBody>
+                    <a:bodyPr/>
+                    <a:lstStyle/>
+                    <a:p>
+                      <a:pPr algn="ctr"/>
+                      <a:r>
+                        <a:rPr lang="en-US">
+                          <a:effectLst/>
+                        </a:rPr>
+                        <a:t>SGen</a:t>
+                      </a:r>
+                      <a:br>
+                        <a:rPr lang="en-US">
+                          <a:effectLst/>
+                        </a:rPr>
+                      </a:br>
+                      <a:r>
+                        <a:rPr lang="en-US">
+                          <a:effectLst/>
+                        </a:rPr>
+                        <a:t>(gen0:Copying; gen1:Marked-Sweep)</a:t>
+                      </a:r>
+                    </a:p>
+                  </a:txBody>
+                  <a:tcPr anchor="ctr">
+                    <a:lnL w="9525" cap="flat" cmpd="sng" algn="ctr">
+                      <a:solidFill>
+                        <a:srgbClr val="4B5362"/>
+                      </a:solidFill>
+                      <a:prstDash val="solid"/>
+                      <a:round/>
+                      <a:headEnd type="none" w="med" len="med"/>
+                      <a:tailEnd type="none" w="med" len="med"/>
+                    </a:lnL>
+                    <a:lnR w="9525" cap="flat" cmpd="sng" algn="ctr">
+                      <a:solidFill>
+                        <a:srgbClr val="4B5362"/>
+                      </a:solidFill>
+                      <a:prstDash val="solid"/>
+                      <a:round/>
+                      <a:headEnd type="none" w="med" len="med"/>
+                      <a:tailEnd type="none" w="med" len="med"/>
+                    </a:lnR>
+                    <a:lnT w="9525" cap="flat" cmpd="sng" algn="ctr">
+                      <a:solidFill>
+                        <a:srgbClr val="4B5362"/>
+                      </a:solidFill>
+                      <a:prstDash val="solid"/>
+                      <a:round/>
+                      <a:headEnd type="none" w="med" len="med"/>
+                      <a:tailEnd type="none" w="med" len="med"/>
+                    </a:lnT>
+                    <a:lnB w="9525" cap="flat" cmpd="sng" algn="ctr">
+                      <a:solidFill>
+                        <a:srgbClr val="4B5362"/>
+                      </a:solidFill>
+                      <a:prstDash val="solid"/>
+                      <a:round/>
+                      <a:headEnd type="none" w="med" len="med"/>
+                      <a:tailEnd type="none" w="med" len="med"/>
+                    </a:lnB>
+                  </a:tcPr>
+                </a:tc>
+                <a:tc>
+                  <a:txBody>
+                    <a:bodyPr/>
+                    <a:lstStyle/>
+                    <a:p>
+                      <a:pPr algn="ctr"/>
+                      <a:r>
+                        <a:rPr lang="en-US">
+                          <a:effectLst/>
+                        </a:rPr>
+                        <a:t>Boehm</a:t>
+                      </a:r>
+                    </a:p>
+                  </a:txBody>
+                  <a:tcPr anchor="ctr">
+                    <a:lnL w="9525" cap="flat" cmpd="sng" algn="ctr">
+                      <a:solidFill>
+                        <a:srgbClr val="4B5362"/>
+                      </a:solidFill>
+                      <a:prstDash val="solid"/>
+                      <a:round/>
+                      <a:headEnd type="none" w="med" len="med"/>
+                      <a:tailEnd type="none" w="med" len="med"/>
+                    </a:lnL>
+                    <a:lnR w="9525" cap="flat" cmpd="sng" algn="ctr">
+                      <a:solidFill>
+                        <a:srgbClr val="4B5362"/>
+                      </a:solidFill>
+                      <a:prstDash val="solid"/>
+                      <a:round/>
+                      <a:headEnd type="none" w="med" len="med"/>
+                      <a:tailEnd type="none" w="med" len="med"/>
+                    </a:lnR>
+                    <a:lnT w="9525" cap="flat" cmpd="sng" algn="ctr">
+                      <a:solidFill>
+                        <a:srgbClr val="4B5362"/>
+                      </a:solidFill>
+                      <a:prstDash val="solid"/>
+                      <a:round/>
+                      <a:headEnd type="none" w="med" len="med"/>
+                      <a:tailEnd type="none" w="med" len="med"/>
+                    </a:lnT>
+                    <a:lnB w="9525" cap="flat" cmpd="sng" algn="ctr">
+                      <a:solidFill>
+                        <a:srgbClr val="4B5362"/>
+                      </a:solidFill>
+                      <a:prstDash val="solid"/>
+                      <a:round/>
+                      <a:headEnd type="none" w="med" len="med"/>
+                      <a:tailEnd type="none" w="med" len="med"/>
+                    </a:lnB>
+                  </a:tcPr>
+                </a:tc>
+                <a:tc>
+                  <a:txBody>
+                    <a:bodyPr/>
+                    <a:lstStyle/>
+                    <a:p>
+                      <a:pPr algn="ctr"/>
+                      <a:r>
+                        <a:rPr lang="en-US">
+                          <a:effectLst/>
+                        </a:rPr>
+                        <a:t>Boehm</a:t>
+                      </a:r>
+                    </a:p>
+                  </a:txBody>
+                  <a:tcPr anchor="ctr">
+                    <a:lnL w="9525" cap="flat" cmpd="sng" algn="ctr">
+                      <a:solidFill>
+                        <a:srgbClr val="4B5362"/>
+                      </a:solidFill>
+                      <a:prstDash val="solid"/>
+                      <a:round/>
+                      <a:headEnd type="none" w="med" len="med"/>
+                      <a:tailEnd type="none" w="med" len="med"/>
+                    </a:lnL>
+                    <a:lnR w="9525" cap="flat" cmpd="sng" algn="ctr">
+                      <a:solidFill>
+                        <a:srgbClr val="4B5362"/>
+                      </a:solidFill>
+                      <a:prstDash val="solid"/>
+                      <a:round/>
+                      <a:headEnd type="none" w="med" len="med"/>
+                      <a:tailEnd type="none" w="med" len="med"/>
+                    </a:lnR>
+                    <a:lnT w="9525" cap="flat" cmpd="sng" algn="ctr">
+                      <a:solidFill>
+                        <a:srgbClr val="4B5362"/>
+                      </a:solidFill>
+                      <a:prstDash val="solid"/>
+                      <a:round/>
+                      <a:headEnd type="none" w="med" len="med"/>
+                      <a:tailEnd type="none" w="med" len="med"/>
+                    </a:lnT>
+                    <a:lnB w="9525" cap="flat" cmpd="sng" algn="ctr">
+                      <a:solidFill>
+                        <a:srgbClr val="4B5362"/>
+                      </a:solidFill>
+                      <a:prstDash val="solid"/>
+                      <a:round/>
+                      <a:headEnd type="none" w="med" len="med"/>
+                      <a:tailEnd type="none" w="med" len="med"/>
+                    </a:lnB>
+                  </a:tcPr>
+                </a:tc>
+                <a:tc>
+                  <a:txBody>
+                    <a:bodyPr/>
+                    <a:lstStyle/>
+                    <a:p>
+                      <a:pPr algn="ctr"/>
+                      <a:r>
+                        <a:rPr lang="en-US" dirty="0">
+                          <a:effectLst/>
+                        </a:rPr>
+                        <a:t>Boehm</a:t>
+                      </a:r>
+                    </a:p>
+                  </a:txBody>
+                  <a:tcPr anchor="ctr">
+                    <a:lnL w="9525" cap="flat" cmpd="sng" algn="ctr">
+                      <a:solidFill>
+                        <a:srgbClr val="4B5362"/>
+                      </a:solidFill>
+                      <a:prstDash val="solid"/>
+                      <a:round/>
+                      <a:headEnd type="none" w="med" len="med"/>
+                      <a:tailEnd type="none" w="med" len="med"/>
+                    </a:lnL>
+                    <a:lnR w="9525" cap="flat" cmpd="sng" algn="ctr">
+                      <a:solidFill>
+                        <a:srgbClr val="4B5362"/>
+                      </a:solidFill>
+                      <a:prstDash val="solid"/>
+                      <a:round/>
+                      <a:headEnd type="none" w="med" len="med"/>
+                      <a:tailEnd type="none" w="med" len="med"/>
+                    </a:lnR>
+                    <a:lnT w="9525" cap="flat" cmpd="sng" algn="ctr">
+                      <a:solidFill>
+                        <a:srgbClr val="4B5362"/>
+                      </a:solidFill>
+                      <a:prstDash val="solid"/>
+                      <a:round/>
+                      <a:headEnd type="none" w="med" len="med"/>
+                      <a:tailEnd type="none" w="med" len="med"/>
+                    </a:lnT>
+                    <a:lnB w="9525" cap="flat" cmpd="sng" algn="ctr">
+                      <a:solidFill>
+                        <a:srgbClr val="4B5362"/>
+                      </a:solidFill>
+                      <a:prstDash val="solid"/>
+                      <a:round/>
+                      <a:headEnd type="none" w="med" len="med"/>
+                      <a:tailEnd type="none" w="med" len="med"/>
+                    </a:lnB>
+                  </a:tcPr>
+                </a:tc>
+                <a:extLst>
+                  <a:ext uri="{0D108BD9-81ED-4DB2-BD59-A6C34878D82A}">
+                    <a16:rowId xmlns:a16="http://schemas.microsoft.com/office/drawing/2014/main" val="1930938062"/>
+                  </a:ext>
+                </a:extLst>
+              </a:tr>
+            </a:tbl>
+          </a:graphicData>
+        </a:graphic>
+      </p:graphicFrame>
+    </p:spTree>
+    <p:extLst>
+      <p:ext uri="{BB962C8B-B14F-4D97-AF65-F5344CB8AC3E}">
+        <p14:creationId xmlns:p14="http://schemas.microsoft.com/office/powerpoint/2010/main" val="918287546"/>
+      </p:ext>
+    </p:extLst>
+  </p:cSld>
+  <p:clrMapOvr>
+    <a:masterClrMapping/>
+  </p:clrMapOvr>
+</p:sld>
+</file>
+
+<file path=ppt/slides/slide5.xml><?xml version="1.0" encoding="utf-8"?>
+<p:sld xmlns:a="http://schemas.openxmlformats.org/drawingml/2006/main" xmlns:r="http://schemas.openxmlformats.org/officeDocument/2006/relationships" xmlns:p="http://schemas.openxmlformats.org/presentationml/2006/main">
+  <p:cSld>
+    <p:spTree>
+      <p:nvGrpSpPr>
+        <p:cNvPr id="1" name=""/>
+        <p:cNvGrpSpPr/>
+        <p:nvPr/>
+      </p:nvGrpSpPr>
+      <p:grpSpPr>
+        <a:xfrm>
+          <a:off x="0" y="0"/>
+          <a:ext cx="0" cy="0"/>
+          <a:chOff x="0" y="0"/>
+          <a:chExt cx="0" cy="0"/>
+        </a:xfrm>
+      </p:grpSpPr>
+      <p:sp>
+        <p:nvSpPr>
+          <p:cNvPr id="2" name="标题 1"/>
+          <p:cNvSpPr>
+            <a:spLocks noGrp="1"/>
+          </p:cNvSpPr>
+          <p:nvPr>
+            <p:ph type="title"/>
+          </p:nvPr>
+        </p:nvSpPr>
+        <p:spPr/>
+        <p:txBody>
+          <a:bodyPr/>
+          <a:lstStyle/>
+          <a:p>
+            <a:r>
+              <a:rPr lang="zh-CN" altLang="en-US" dirty="0"/>
+              <a:t>命名规范</a:t>
+            </a:r>
+            <a:r>
+              <a:rPr lang="en-US" altLang="zh-CN" dirty="0"/>
+              <a:t>/</a:t>
+            </a:r>
+            <a:r>
+              <a:rPr lang="zh-CN" altLang="en-US" dirty="0"/>
+              <a:t>约定</a:t>
+            </a:r>
+          </a:p>
+        </p:txBody>
+      </p:sp>
+      <p:sp>
+        <p:nvSpPr>
+          <p:cNvPr id="3" name="内容占位符 2"/>
+          <p:cNvSpPr>
+            <a:spLocks noGrp="1"/>
+          </p:cNvSpPr>
+          <p:nvPr>
+            <p:ph idx="1"/>
+          </p:nvPr>
+        </p:nvSpPr>
+        <p:spPr/>
+        <p:txBody>
+          <a:bodyPr>
+            <a:normAutofit/>
+          </a:bodyPr>
+          <a:lstStyle/>
+          <a:p>
+            <a:pPr marL="0" indent="0">
+              <a:buNone/>
+            </a:pPr>
+            <a:r>
+              <a:rPr lang="zh-CN" altLang="en-US" dirty="0"/>
+              <a:t>在微软官方的命名规范中，仅有两种命名约定被使用：</a:t>
+            </a:r>
+            <a:endParaRPr lang="en-US" altLang="zh-CN" dirty="0"/>
+          </a:p>
+          <a:p>
+            <a:r>
+              <a:rPr lang="en-US" altLang="zh-CN" dirty="0" err="1"/>
+              <a:t>PascalCasing</a:t>
+            </a:r>
+            <a:endParaRPr lang="en-US" altLang="zh-CN" dirty="0"/>
+          </a:p>
+          <a:p>
+            <a:pPr lvl="1"/>
+            <a:r>
+              <a:rPr lang="zh-CN" altLang="en-US" dirty="0"/>
+              <a:t>每个单词首字母大写</a:t>
+            </a:r>
+            <a:endParaRPr lang="en-US" altLang="zh-CN" dirty="0"/>
+          </a:p>
+          <a:p>
+            <a:pPr lvl="1"/>
+            <a:r>
+              <a:rPr lang="zh-CN" altLang="en-US" dirty="0"/>
+              <a:t>适用于方法参数以外的大多数情景</a:t>
+            </a:r>
+            <a:endParaRPr lang="en-US" altLang="zh-CN" dirty="0"/>
+          </a:p>
+          <a:p>
+            <a:r>
+              <a:rPr lang="en-US" altLang="zh-CN" dirty="0" err="1"/>
+              <a:t>camelCasing</a:t>
+            </a:r>
+            <a:endParaRPr lang="en-US" altLang="zh-CN" dirty="0"/>
+          </a:p>
+          <a:p>
+            <a:pPr lvl="1"/>
+            <a:r>
+              <a:rPr lang="zh-CN" altLang="en-US" dirty="0"/>
+              <a:t>第一个单词首字母小写</a:t>
+            </a:r>
+            <a:endParaRPr lang="en-US" altLang="zh-CN" dirty="0"/>
+          </a:p>
+          <a:p>
+            <a:pPr lvl="1"/>
+            <a:r>
+              <a:rPr lang="zh-CN" altLang="en-US" dirty="0"/>
+              <a:t>仅适用于参数</a:t>
+            </a:r>
+            <a:endParaRPr lang="en-US" altLang="zh-CN" dirty="0"/>
+          </a:p>
+          <a:p>
+            <a:pPr lvl="1"/>
+            <a:endParaRPr lang="en-US" altLang="zh-CN" dirty="0"/>
+          </a:p>
+          <a:p>
+            <a:pPr marL="0" indent="0">
+              <a:buNone/>
+            </a:pPr>
+            <a:endParaRPr lang="en-US" altLang="zh-CN" dirty="0"/>
+          </a:p>
+        </p:txBody>
+      </p:sp>
+    </p:spTree>
+    <p:extLst>
+      <p:ext uri="{BB962C8B-B14F-4D97-AF65-F5344CB8AC3E}">
+        <p14:creationId xmlns:p14="http://schemas.microsoft.com/office/powerpoint/2010/main" val="223039047"/>
+      </p:ext>
+    </p:extLst>
+  </p:cSld>
+  <p:clrMapOvr>
+    <a:masterClrMapping/>
+  </p:clrMapOvr>
+</p:sld>
+</file>
+
+<file path=ppt/slides/slide6.xml><?xml version="1.0" encoding="utf-8"?>
+<p:sld xmlns:a="http://schemas.openxmlformats.org/drawingml/2006/main" xmlns:r="http://schemas.openxmlformats.org/officeDocument/2006/relationships" xmlns:p="http://schemas.openxmlformats.org/presentationml/2006/main">
+  <p:cSld>
+    <p:spTree>
+      <p:nvGrpSpPr>
+        <p:cNvPr id="1" name=""/>
+        <p:cNvGrpSpPr/>
+        <p:nvPr/>
+      </p:nvGrpSpPr>
+      <p:grpSpPr>
+        <a:xfrm>
+          <a:off x="0" y="0"/>
+          <a:ext cx="0" cy="0"/>
+          <a:chOff x="0" y="0"/>
+          <a:chExt cx="0" cy="0"/>
+        </a:xfrm>
+      </p:grpSpPr>
+      <p:sp>
+        <p:nvSpPr>
+          <p:cNvPr id="2" name="标题 1"/>
+          <p:cNvSpPr>
+            <a:spLocks noGrp="1"/>
+          </p:cNvSpPr>
+          <p:nvPr>
+            <p:ph type="title"/>
+          </p:nvPr>
+        </p:nvSpPr>
+        <p:spPr/>
+        <p:txBody>
+          <a:bodyPr/>
+          <a:lstStyle/>
+          <a:p>
+            <a:r>
+              <a:rPr lang="zh-CN" altLang="en-US" dirty="0"/>
+              <a:t>命名规范</a:t>
+            </a:r>
+            <a:r>
+              <a:rPr lang="en-US" altLang="zh-CN" dirty="0"/>
+              <a:t>/</a:t>
+            </a:r>
+            <a:r>
+              <a:rPr lang="zh-CN" altLang="en-US" dirty="0"/>
+              <a:t>约定</a:t>
+            </a:r>
+          </a:p>
+        </p:txBody>
+      </p:sp>
+      <p:sp>
+        <p:nvSpPr>
+          <p:cNvPr id="3" name="内容占位符 2"/>
+          <p:cNvSpPr>
+            <a:spLocks noGrp="1"/>
+          </p:cNvSpPr>
+          <p:nvPr>
+            <p:ph idx="1"/>
+          </p:nvPr>
+        </p:nvSpPr>
+        <p:spPr/>
+        <p:txBody>
+          <a:bodyPr>
+            <a:normAutofit lnSpcReduction="10000"/>
+          </a:bodyPr>
+          <a:lstStyle/>
+          <a:p>
+            <a:r>
+              <a:rPr lang="zh-CN" altLang="en-US" dirty="0"/>
+              <a:t>缩写词</a:t>
+            </a:r>
+            <a:endParaRPr lang="en-US" altLang="zh-CN" dirty="0"/>
+          </a:p>
+          <a:p>
+            <a:pPr lvl="1"/>
+            <a:r>
+              <a:rPr lang="zh-CN" altLang="en-US" dirty="0"/>
+              <a:t>双字母的缩写词，两个字母均大写，除非作为</a:t>
+            </a:r>
+            <a:r>
+              <a:rPr lang="en-US" altLang="zh-CN" dirty="0" err="1"/>
+              <a:t>camelCasing</a:t>
+            </a:r>
+            <a:r>
+              <a:rPr lang="zh-CN" altLang="en-US" dirty="0"/>
+              <a:t>的首字母</a:t>
+            </a:r>
+            <a:endParaRPr lang="en-US" altLang="zh-CN" dirty="0"/>
+          </a:p>
+          <a:p>
+            <a:pPr lvl="1"/>
+            <a:endParaRPr lang="en-US" altLang="zh-CN" dirty="0"/>
+          </a:p>
+          <a:p>
+            <a:pPr lvl="1"/>
+            <a:r>
+              <a:rPr lang="zh-CN" altLang="en-US" dirty="0"/>
+              <a:t>多字母缩写词，按照普通单词一样处理</a:t>
+            </a:r>
+            <a:endParaRPr lang="en-US" altLang="zh-CN" dirty="0"/>
+          </a:p>
+          <a:p>
+            <a:pPr lvl="1"/>
+            <a:endParaRPr lang="en-US" altLang="zh-CN" dirty="0"/>
+          </a:p>
+          <a:p>
+            <a:r>
+              <a:rPr lang="zh-CN" altLang="en-US" b="1" dirty="0"/>
+              <a:t>不要</a:t>
+            </a:r>
+            <a:r>
+              <a:rPr lang="zh-CN" altLang="en-US" dirty="0"/>
+              <a:t>使用大小写区分命名</a:t>
+            </a:r>
+            <a:endParaRPr lang="en-US" altLang="zh-CN" dirty="0"/>
+          </a:p>
+          <a:p>
+            <a:pPr marL="457200" lvl="1" indent="0">
+              <a:buNone/>
+            </a:pPr>
+            <a:r>
+              <a:rPr lang="zh-CN" altLang="en-US" dirty="0"/>
+              <a:t>部分语言不支持大小写</a:t>
+            </a:r>
+            <a:endParaRPr lang="en-US" altLang="zh-CN" dirty="0"/>
+          </a:p>
+          <a:p>
+            <a:r>
+              <a:rPr lang="zh-CN" altLang="en-US" b="1" dirty="0"/>
+              <a:t>不要</a:t>
+            </a:r>
+            <a:r>
+              <a:rPr lang="zh-CN" altLang="en-US" dirty="0"/>
+              <a:t>只使用大写字母命名</a:t>
+            </a:r>
+            <a:endParaRPr lang="en-US" altLang="zh-CN" dirty="0"/>
+          </a:p>
+          <a:p>
+            <a:r>
+              <a:rPr lang="zh-CN" altLang="en-US" b="1" dirty="0"/>
+              <a:t>不要</a:t>
+            </a:r>
+            <a:r>
+              <a:rPr lang="zh-CN" altLang="en-US" dirty="0"/>
+              <a:t>使用匈牙利命名法</a:t>
+            </a:r>
+            <a:endParaRPr lang="en-US" altLang="zh-CN" dirty="0"/>
+          </a:p>
+          <a:p>
+            <a:pPr marL="457200" lvl="1" indent="0">
+              <a:buNone/>
+            </a:pPr>
+            <a:r>
+              <a:rPr lang="en-US" altLang="zh-CN" dirty="0"/>
+              <a:t>IDE</a:t>
+            </a:r>
+            <a:r>
+              <a:rPr lang="zh-CN" altLang="en-US" dirty="0"/>
+              <a:t>能够帮你识别类型，何况</a:t>
+            </a:r>
+            <a:r>
+              <a:rPr lang="en-US" altLang="zh-CN" dirty="0"/>
+              <a:t>OOP</a:t>
+            </a:r>
+            <a:r>
+              <a:rPr lang="zh-CN" altLang="en-US" dirty="0"/>
+              <a:t>变量生存周期不会太长</a:t>
+            </a:r>
+            <a:endParaRPr lang="en-US" altLang="zh-CN" dirty="0"/>
+          </a:p>
+          <a:p>
+            <a:pPr lvl="1"/>
+            <a:endParaRPr lang="en-US" altLang="zh-CN" dirty="0"/>
+          </a:p>
+        </p:txBody>
+      </p:sp>
+    </p:spTree>
+    <p:extLst>
+      <p:ext uri="{BB962C8B-B14F-4D97-AF65-F5344CB8AC3E}">
+        <p14:creationId xmlns:p14="http://schemas.microsoft.com/office/powerpoint/2010/main" val="3659111535"/>
+      </p:ext>
+    </p:extLst>
+  </p:cSld>
+  <p:clrMapOvr>
+    <a:masterClrMapping/>
+  </p:clrMapOvr>
+</p:sld>
+</file>
+
+<file path=ppt/slides/slide7.xml><?xml version="1.0" encoding="utf-8"?>
+<p:sld xmlns:a="http://schemas.openxmlformats.org/drawingml/2006/main" xmlns:r="http://schemas.openxmlformats.org/officeDocument/2006/relationships" xmlns:p="http://schemas.openxmlformats.org/presentationml/2006/main">
+  <p:cSld>
+    <p:spTree>
+      <p:nvGrpSpPr>
+        <p:cNvPr id="1" name=""/>
+        <p:cNvGrpSpPr/>
+        <p:nvPr/>
+      </p:nvGrpSpPr>
+      <p:grpSpPr>
+        <a:xfrm>
+          <a:off x="0" y="0"/>
+          <a:ext cx="0" cy="0"/>
+          <a:chOff x="0" y="0"/>
+          <a:chExt cx="0" cy="0"/>
+        </a:xfrm>
+      </p:grpSpPr>
+      <p:sp>
+        <p:nvSpPr>
+          <p:cNvPr id="2" name="标题 1"/>
+          <p:cNvSpPr>
+            <a:spLocks noGrp="1"/>
+          </p:cNvSpPr>
+          <p:nvPr>
+            <p:ph type="title"/>
+          </p:nvPr>
+        </p:nvSpPr>
+        <p:spPr/>
+        <p:txBody>
+          <a:bodyPr/>
+          <a:lstStyle/>
+          <a:p>
+            <a:r>
+              <a:rPr lang="zh-CN" altLang="en-US" dirty="0"/>
+              <a:t>命名规范</a:t>
+            </a:r>
+            <a:r>
+              <a:rPr lang="en-US" altLang="zh-CN" dirty="0"/>
+              <a:t>/</a:t>
+            </a:r>
+            <a:r>
+              <a:rPr lang="zh-CN" altLang="en-US" dirty="0"/>
+              <a:t>程序集与名字空间</a:t>
+            </a:r>
+          </a:p>
+        </p:txBody>
+      </p:sp>
+      <p:sp>
+        <p:nvSpPr>
+          <p:cNvPr id="3" name="内容占位符 2"/>
+          <p:cNvSpPr>
+            <a:spLocks noGrp="1"/>
+          </p:cNvSpPr>
+          <p:nvPr>
+            <p:ph idx="1"/>
+          </p:nvPr>
+        </p:nvSpPr>
+        <p:spPr/>
+        <p:txBody>
+          <a:bodyPr/>
+          <a:lstStyle/>
+          <a:p>
+            <a:r>
+              <a:rPr lang="zh-CN" altLang="en-US" dirty="0"/>
+              <a:t>程序集的命名通常遵循如下模式</a:t>
+            </a:r>
+            <a:endParaRPr lang="en-US" altLang="zh-CN" dirty="0"/>
+          </a:p>
+          <a:p>
+            <a:pPr marL="457200" lvl="1" indent="0">
+              <a:buNone/>
+            </a:pPr>
+            <a:r>
+              <a:rPr lang="en-US" altLang="zh-CN" dirty="0"/>
+              <a:t>&lt;Org&gt;.&lt;Component&gt;.</a:t>
+            </a:r>
+            <a:r>
+              <a:rPr lang="en-US" altLang="zh-CN" dirty="0" err="1"/>
+              <a:t>dll</a:t>
+            </a:r>
+            <a:endParaRPr lang="en-US" altLang="zh-CN" dirty="0"/>
+          </a:p>
+          <a:p>
+            <a:r>
+              <a:rPr lang="zh-CN" altLang="en-US" dirty="0"/>
+              <a:t>名字空间的命名通常遵循如下模式</a:t>
+            </a:r>
+            <a:endParaRPr lang="en-US" altLang="zh-CN" dirty="0"/>
+          </a:p>
+          <a:p>
+            <a:pPr marL="457200" lvl="1" indent="0">
+              <a:buNone/>
+            </a:pPr>
+            <a:r>
+              <a:rPr lang="en-US" altLang="zh-CN" dirty="0"/>
+              <a:t>&lt;Org&gt;.(&lt;Product&gt;|&lt;Technology&gt;)[.&lt;Feature&gt;][.&lt;</a:t>
+            </a:r>
+            <a:r>
+              <a:rPr lang="en-US" altLang="zh-CN" dirty="0" err="1"/>
+              <a:t>Subnamespace</a:t>
+            </a:r>
+            <a:r>
+              <a:rPr lang="en-US" altLang="zh-CN" dirty="0"/>
+              <a:t>&gt;]</a:t>
+            </a:r>
+          </a:p>
+          <a:p>
+            <a:r>
+              <a:rPr lang="zh-CN" altLang="en-US" b="1" dirty="0"/>
+              <a:t>要</a:t>
+            </a:r>
+            <a:r>
+              <a:rPr lang="zh-CN" altLang="en-US" dirty="0"/>
+              <a:t>使用命名空间，而非为类型添加前缀</a:t>
+            </a:r>
+            <a:endParaRPr lang="en-US" altLang="zh-CN" dirty="0"/>
+          </a:p>
+          <a:p>
+            <a:r>
+              <a:rPr lang="zh-CN" altLang="en-US" b="1" dirty="0"/>
+              <a:t>不要</a:t>
+            </a:r>
+            <a:r>
+              <a:rPr lang="zh-CN" altLang="en-US" dirty="0"/>
+              <a:t>使用相同的名字命名名字空间和其中的类型</a:t>
+            </a:r>
+            <a:endParaRPr lang="en-US" altLang="zh-CN" b="1" dirty="0"/>
+          </a:p>
+          <a:p>
+            <a:endParaRPr lang="zh-CN" altLang="en-US" dirty="0"/>
+          </a:p>
+        </p:txBody>
+      </p:sp>
+    </p:spTree>
+    <p:extLst>
+      <p:ext uri="{BB962C8B-B14F-4D97-AF65-F5344CB8AC3E}">
+        <p14:creationId xmlns:p14="http://schemas.microsoft.com/office/powerpoint/2010/main" val="1258254045"/>
+      </p:ext>
+    </p:extLst>
+  </p:cSld>
+  <p:clrMapOvr>
+    <a:masterClrMapping/>
+  </p:clrMapOvr>
+</p:sld>
+</file>
+
+<file path=ppt/slides/slide8.xml><?xml version="1.0" encoding="utf-8"?>
+<p:sld xmlns:a="http://schemas.openxmlformats.org/drawingml/2006/main" xmlns:r="http://schemas.openxmlformats.org/officeDocument/2006/relationships" xmlns:p="http://schemas.openxmlformats.org/presentationml/2006/main">
+  <p:cSld>
+    <p:spTree>
+      <p:nvGrpSpPr>
+        <p:cNvPr id="1" name=""/>
+        <p:cNvGrpSpPr/>
+        <p:nvPr/>
+      </p:nvGrpSpPr>
+      <p:grpSpPr>
+        <a:xfrm>
+          <a:off x="0" y="0"/>
+          <a:ext cx="0" cy="0"/>
+          <a:chOff x="0" y="0"/>
+          <a:chExt cx="0" cy="0"/>
+        </a:xfrm>
+      </p:grpSpPr>
+      <p:sp>
+        <p:nvSpPr>
+          <p:cNvPr id="2" name="标题 1"/>
+          <p:cNvSpPr>
+            <a:spLocks noGrp="1"/>
+          </p:cNvSpPr>
+          <p:nvPr>
+            <p:ph type="title"/>
+          </p:nvPr>
+        </p:nvSpPr>
+        <p:spPr/>
+        <p:txBody>
+          <a:bodyPr/>
+          <a:lstStyle/>
+          <a:p>
+            <a:r>
+              <a:rPr lang="zh-CN" altLang="en-US" dirty="0"/>
+              <a:t>命名规范</a:t>
+            </a:r>
+            <a:r>
+              <a:rPr lang="en-US" altLang="zh-CN" dirty="0"/>
+              <a:t>/</a:t>
+            </a:r>
+            <a:r>
+              <a:rPr lang="zh-CN" altLang="en-US" dirty="0"/>
+              <a:t>类型与泛型</a:t>
+            </a:r>
+          </a:p>
+        </p:txBody>
+      </p:sp>
+      <p:sp>
+        <p:nvSpPr>
+          <p:cNvPr id="3" name="内容占位符 2"/>
+          <p:cNvSpPr>
+            <a:spLocks noGrp="1"/>
+          </p:cNvSpPr>
+          <p:nvPr>
+            <p:ph idx="1"/>
+          </p:nvPr>
+        </p:nvSpPr>
+        <p:spPr/>
+        <p:txBody>
+          <a:bodyPr/>
+          <a:lstStyle/>
+          <a:p>
+            <a:r>
+              <a:rPr lang="zh-CN" altLang="en-US" b="1" dirty="0"/>
+              <a:t>要</a:t>
+            </a:r>
+            <a:r>
+              <a:rPr lang="zh-CN" altLang="en-US" dirty="0"/>
+              <a:t>使用名词词组为类型命名</a:t>
+            </a:r>
+            <a:endParaRPr lang="en-US" altLang="zh-CN" dirty="0"/>
+          </a:p>
+          <a:p>
+            <a:r>
+              <a:rPr lang="zh-CN" altLang="en-US" b="1" dirty="0"/>
+              <a:t>不要</a:t>
+            </a:r>
+            <a:r>
+              <a:rPr lang="zh-CN" altLang="en-US" dirty="0"/>
+              <a:t>使用前缀，除了接口应当使用字母</a:t>
+            </a:r>
+            <a:r>
+              <a:rPr lang="en-US" altLang="zh-CN" dirty="0"/>
+              <a:t>I</a:t>
+            </a:r>
+            <a:r>
+              <a:rPr lang="zh-CN" altLang="en-US" dirty="0"/>
+              <a:t>作为前缀</a:t>
+            </a:r>
+            <a:endParaRPr lang="en-US" altLang="zh-CN" dirty="0"/>
+          </a:p>
+          <a:p>
+            <a:pPr marL="457200" lvl="1" indent="0">
+              <a:buNone/>
+            </a:pPr>
+            <a:r>
+              <a:rPr lang="zh-CN" altLang="en-US" dirty="0"/>
+              <a:t>类的名字应当反映其使用情景而非层次结构。尤其组织、项目等名字不应当作为类型名字的前缀使用，因为这本来应当是名字空间的职责。</a:t>
+            </a:r>
+            <a:endParaRPr lang="en-US" altLang="zh-CN" dirty="0"/>
+          </a:p>
+          <a:p>
+            <a:r>
+              <a:rPr lang="zh-CN" altLang="en-US" b="1" dirty="0"/>
+              <a:t>要</a:t>
+            </a:r>
+            <a:r>
+              <a:rPr lang="zh-CN" altLang="en-US" dirty="0"/>
+              <a:t>使用字母</a:t>
+            </a:r>
+            <a:r>
+              <a:rPr lang="en-US" altLang="zh-CN" dirty="0"/>
+              <a:t>I</a:t>
+            </a:r>
+            <a:r>
+              <a:rPr lang="zh-CN" altLang="en-US" dirty="0"/>
+              <a:t>作为接口的前缀</a:t>
+            </a:r>
+            <a:endParaRPr lang="en-US" altLang="zh-CN" dirty="0"/>
+          </a:p>
+          <a:p>
+            <a:pPr marL="457200" lvl="1" indent="0">
+              <a:buNone/>
+            </a:pPr>
+            <a:r>
+              <a:rPr lang="zh-CN" altLang="en-US" dirty="0"/>
+              <a:t>当一个类是某个接口的标准实现时，两者的名字应当只相差一个前缀</a:t>
+            </a:r>
+            <a:r>
+              <a:rPr lang="en-US" altLang="zh-CN" dirty="0"/>
+              <a:t>I</a:t>
+            </a:r>
+          </a:p>
+          <a:p>
+            <a:r>
+              <a:rPr lang="zh-CN" altLang="en-US" b="1" dirty="0"/>
+              <a:t>要</a:t>
+            </a:r>
+            <a:r>
+              <a:rPr lang="zh-CN" altLang="en-US" dirty="0"/>
+              <a:t>使用描述性的名字命名泛型参数</a:t>
+            </a:r>
+            <a:endParaRPr lang="en-US" altLang="zh-CN" dirty="0"/>
+          </a:p>
+          <a:p>
+            <a:pPr marL="457200" lvl="1" indent="0">
+              <a:buNone/>
+            </a:pPr>
+            <a:r>
+              <a:rPr lang="zh-CN" altLang="en-US" dirty="0"/>
+              <a:t>然而如果只有一个泛型参数，通常直接使用字母</a:t>
+            </a:r>
+            <a:r>
+              <a:rPr lang="en-US" altLang="zh-CN" dirty="0"/>
+              <a:t>T</a:t>
+            </a:r>
+            <a:r>
+              <a:rPr lang="zh-CN" altLang="en-US" dirty="0"/>
+              <a:t>命名</a:t>
+            </a:r>
+            <a:endParaRPr lang="en-US" altLang="zh-CN" dirty="0"/>
+          </a:p>
+          <a:p>
+            <a:r>
+              <a:rPr lang="zh-CN" altLang="en-US" b="1" dirty="0"/>
+              <a:t>要</a:t>
+            </a:r>
+            <a:r>
+              <a:rPr lang="zh-CN" altLang="en-US" dirty="0"/>
+              <a:t>为泛型参数使用前缀</a:t>
+            </a:r>
+            <a:r>
+              <a:rPr lang="en-US" altLang="zh-CN" dirty="0"/>
+              <a:t>T</a:t>
+            </a:r>
+            <a:endParaRPr lang="en-US" altLang="zh-CN" b="1" dirty="0"/>
+          </a:p>
+          <a:p>
+            <a:pPr marL="457200" lvl="1" indent="0">
+              <a:buNone/>
+            </a:pPr>
+            <a:endParaRPr lang="en-US" altLang="zh-CN" dirty="0"/>
+          </a:p>
+        </p:txBody>
+      </p:sp>
+    </p:spTree>
+    <p:extLst>
+      <p:ext uri="{BB962C8B-B14F-4D97-AF65-F5344CB8AC3E}">
+        <p14:creationId xmlns:p14="http://schemas.microsoft.com/office/powerpoint/2010/main" val="2116503801"/>
+      </p:ext>
+    </p:extLst>
+  </p:cSld>
+  <p:clrMapOvr>
+    <a:masterClrMapping/>
+  </p:clrMapOvr>
+</p:sld>
+</file>
+
+<file path=ppt/slides/slide9.xml><?xml version="1.0" encoding="utf-8"?>
+<p:sld xmlns:a="http://schemas.openxmlformats.org/drawingml/2006/main" xmlns:r="http://schemas.openxmlformats.org/officeDocument/2006/relationships" xmlns:p="http://schemas.openxmlformats.org/presentationml/2006/main">
+  <p:cSld>
+    <p:spTree>
+      <p:nvGrpSpPr>
+        <p:cNvPr id="1" name=""/>
+        <p:cNvGrpSpPr/>
+        <p:nvPr/>
+      </p:nvGrpSpPr>
+      <p:grpSpPr>
+        <a:xfrm>
+          <a:off x="0" y="0"/>
+          <a:ext cx="0" cy="0"/>
+          <a:chOff x="0" y="0"/>
+          <a:chExt cx="0" cy="0"/>
+        </a:xfrm>
+      </p:grpSpPr>
+      <p:sp>
+        <p:nvSpPr>
+          <p:cNvPr id="2" name="标题 1"/>
+          <p:cNvSpPr>
+            <a:spLocks noGrp="1"/>
+          </p:cNvSpPr>
+          <p:nvPr>
+            <p:ph type="title"/>
+          </p:nvPr>
+        </p:nvSpPr>
+        <p:spPr/>
+        <p:txBody>
+          <a:bodyPr/>
+          <a:lstStyle/>
+          <a:p>
+            <a:r>
+              <a:rPr lang="zh-CN" altLang="en-US" dirty="0"/>
+              <a:t>命名规范</a:t>
+            </a:r>
+            <a:r>
+              <a:rPr lang="en-US" altLang="zh-CN" dirty="0"/>
+              <a:t>/</a:t>
+            </a:r>
+            <a:r>
+              <a:rPr lang="zh-CN" altLang="en-US" dirty="0"/>
+              <a:t>枚举</a:t>
+            </a:r>
+          </a:p>
+        </p:txBody>
+      </p:sp>
+      <p:sp>
+        <p:nvSpPr>
+          <p:cNvPr id="3" name="内容占位符 2"/>
+          <p:cNvSpPr>
+            <a:spLocks noGrp="1"/>
+          </p:cNvSpPr>
+          <p:nvPr>
+            <p:ph idx="1"/>
+          </p:nvPr>
+        </p:nvSpPr>
+        <p:spPr/>
+        <p:txBody>
+          <a:bodyPr/>
+          <a:lstStyle/>
+          <a:p>
+            <a:r>
+              <a:rPr lang="zh-CN" altLang="en-US" b="1" dirty="0"/>
+              <a:t>要</a:t>
+            </a:r>
+            <a:r>
+              <a:rPr lang="zh-CN" altLang="en-US" dirty="0"/>
+              <a:t>使用名词单数命名普通枚举，使用名词复数命名位枚举</a:t>
+            </a:r>
+            <a:endParaRPr lang="en-US" altLang="zh-CN" dirty="0"/>
+          </a:p>
+          <a:p>
+            <a:pPr marL="457200" lvl="1" indent="0">
+              <a:buNone/>
+            </a:pPr>
+            <a:r>
+              <a:rPr lang="zh-CN" altLang="en-US" dirty="0"/>
+              <a:t>取决于一个枚举能表示多少种状态</a:t>
+            </a:r>
+            <a:endParaRPr lang="en-US" altLang="zh-CN" dirty="0"/>
+          </a:p>
+          <a:p>
+            <a:r>
+              <a:rPr lang="zh-CN" altLang="en-US" b="1" dirty="0"/>
+              <a:t>不要</a:t>
+            </a:r>
+            <a:r>
+              <a:rPr lang="zh-CN" altLang="en-US" dirty="0"/>
+              <a:t>添加</a:t>
+            </a:r>
+            <a:r>
+              <a:rPr lang="en-US" altLang="zh-CN" dirty="0" err="1"/>
+              <a:t>Enum</a:t>
+            </a:r>
+            <a:r>
+              <a:rPr lang="zh-CN" altLang="en-US" dirty="0"/>
+              <a:t>后缀</a:t>
+            </a:r>
+            <a:endParaRPr lang="en-US" altLang="zh-CN" dirty="0"/>
+          </a:p>
+          <a:p>
+            <a:r>
+              <a:rPr lang="zh-CN" altLang="en-US" b="1" dirty="0"/>
+              <a:t>不要</a:t>
+            </a:r>
+            <a:r>
+              <a:rPr lang="zh-CN" altLang="en-US" dirty="0"/>
+              <a:t>为枚举值添加前缀</a:t>
+            </a:r>
+            <a:endParaRPr lang="en-US" altLang="zh-CN" dirty="0"/>
+          </a:p>
+          <a:p>
+            <a:pPr marL="457200" lvl="1" indent="0">
+              <a:buNone/>
+            </a:pPr>
+            <a:r>
+              <a:rPr lang="en-US" altLang="zh-CN" dirty="0"/>
+              <a:t>C++</a:t>
+            </a:r>
+            <a:r>
+              <a:rPr lang="zh-CN" altLang="en-US" dirty="0"/>
+              <a:t>的枚举值可能不通过枚举作用域访问，所以有使用前缀的必要；</a:t>
+            </a:r>
+            <a:r>
+              <a:rPr lang="en-US" altLang="zh-CN" dirty="0" err="1"/>
+              <a:t>.Net</a:t>
+            </a:r>
+            <a:r>
+              <a:rPr lang="zh-CN" altLang="en-US" dirty="0"/>
+              <a:t>语言不存在这种可能性，枚举值的定义只在枚举作用域内部有意义</a:t>
+            </a:r>
+            <a:endParaRPr lang="en-US" altLang="zh-CN" dirty="0"/>
+          </a:p>
+          <a:p>
+            <a:pPr marL="457200" lvl="1" indent="0">
+              <a:buNone/>
+            </a:pPr>
+            <a:endParaRPr lang="en-US" altLang="zh-CN" dirty="0"/>
+          </a:p>
+          <a:p>
+            <a:endParaRPr lang="zh-CN" altLang="en-US" b="1" dirty="0"/>
+          </a:p>
+        </p:txBody>
+      </p:sp>
+    </p:spTree>
+    <p:extLst>
+      <p:ext uri="{BB962C8B-B14F-4D97-AF65-F5344CB8AC3E}">
+        <p14:creationId xmlns:p14="http://schemas.microsoft.com/office/powerpoint/2010/main" val="2557947957"/>
       </p:ext>
     </p:extLst>
   </p:cSld>
@@ -8939,4 +10505,299 @@
     </a:ext>
   </a:extLst>
 </a:theme>
+</file>
+
+<file path=ppt/theme/theme2.xml><?xml version="1.0" encoding="utf-8"?>
+<a:theme xmlns:a="http://schemas.openxmlformats.org/drawingml/2006/main" name="Office 主题​​">
+  <a:themeElements>
+    <a:clrScheme name="Office">
+      <a:dk1>
+        <a:sysClr val="windowText" lastClr="000000"/>
+      </a:dk1>
+      <a:lt1>
+        <a:sysClr val="window" lastClr="FFFFFF"/>
+      </a:lt1>
+      <a:dk2>
+        <a:srgbClr val="44546A"/>
+      </a:dk2>
+      <a:lt2>
+        <a:srgbClr val="E7E6E6"/>
+      </a:lt2>
+      <a:accent1>
+        <a:srgbClr val="5B9BD5"/>
+      </a:accent1>
+      <a:accent2>
+        <a:srgbClr val="ED7D31"/>
+      </a:accent2>
+      <a:accent3>
+        <a:srgbClr val="A5A5A5"/>
+      </a:accent3>
+      <a:accent4>
+        <a:srgbClr val="FFC000"/>
+      </a:accent4>
+      <a:accent5>
+        <a:srgbClr val="4472C4"/>
+      </a:accent5>
+      <a:accent6>
+        <a:srgbClr val="70AD47"/>
+      </a:accent6>
+      <a:hlink>
+        <a:srgbClr val="0563C1"/>
+      </a:hlink>
+      <a:folHlink>
+        <a:srgbClr val="954F72"/>
+      </a:folHlink>
+    </a:clrScheme>
+    <a:fontScheme name="Office">
+      <a:majorFont>
+        <a:latin typeface="等线 Light" panose="020F0302020204030204"/>
+        <a:ea typeface=""/>
+        <a:cs typeface=""/>
+        <a:font script="Jpan" typeface="游ゴシック Light"/>
+        <a:font script="Hang" typeface="맑은 고딕"/>
+        <a:font script="Hans" typeface="等线 Light"/>
+        <a:font script="Hant" typeface="新細明體"/>
+        <a:font script="Arab" typeface="Times New Roman"/>
+        <a:font script="Hebr" typeface="Times New Roman"/>
+        <a:font script="Thai" typeface="Angsana New"/>
+        <a:font script="Ethi" typeface="Nyala"/>
+        <a:font script="Beng" typeface="Vrinda"/>
+        <a:font script="Gujr" typeface="Shruti"/>
+        <a:font script="Khmr" typeface="MoolBoran"/>
+        <a:font script="Knda" typeface="Tunga"/>
+        <a:font script="Guru" typeface="Raavi"/>
+        <a:font script="Cans" typeface="Euphemia"/>
+        <a:font script="Cher" typeface="Plantagenet Cherokee"/>
+        <a:font script="Yiii" typeface="Microsoft Yi Baiti"/>
+        <a:font script="Tibt" typeface="Microsoft Himalaya"/>
+        <a:font script="Thaa" typeface="MV Boli"/>
+        <a:font script="Deva" typeface="Mangal"/>
+        <a:font script="Telu" typeface="Gautami"/>
+        <a:font script="Taml" typeface="Latha"/>
+        <a:font script="Syrc" typeface="Estrangelo Edessa"/>
+        <a:font script="Orya" typeface="Kalinga"/>
+        <a:font script="Mlym" typeface="Kartika"/>
+        <a:font script="Laoo" typeface="DokChampa"/>
+        <a:font script="Sinh" typeface="Iskoola Pota"/>
+        <a:font script="Mong" typeface="Mongolian Baiti"/>
+        <a:font script="Viet" typeface="Times New Roman"/>
+        <a:font script="Uigh" typeface="Microsoft Uighur"/>
+        <a:font script="Geor" typeface="Sylfaen"/>
+        <a:font script="Armn" typeface="Arial"/>
+        <a:font script="Bugi" typeface="Leelawadee UI"/>
+        <a:font script="Bopo" typeface="Microsoft JhengHei"/>
+        <a:font script="Java" typeface="Javanese Text"/>
+        <a:font script="Lisu" typeface="Segoe UI"/>
+        <a:font script="Mymr" typeface="Myanmar Text"/>
+        <a:font script="Nkoo" typeface="Ebrima"/>
+        <a:font script="Olck" typeface="Nirmala UI"/>
+        <a:font script="Osma" typeface="Ebrima"/>
+        <a:font script="Phag" typeface="Phagspa"/>
+        <a:font script="Syrn" typeface="Estrangelo Edessa"/>
+        <a:font script="Syrj" typeface="Estrangelo Edessa"/>
+        <a:font script="Syre" typeface="Estrangelo Edessa"/>
+        <a:font script="Sora" typeface="Nirmala UI"/>
+        <a:font script="Tale" typeface="Microsoft Tai Le"/>
+        <a:font script="Talu" typeface="Microsoft New Tai Lue"/>
+        <a:font script="Tfng" typeface="Ebrima"/>
+      </a:majorFont>
+      <a:minorFont>
+        <a:latin typeface="等线" panose="020F0502020204030204"/>
+        <a:ea typeface=""/>
+        <a:cs typeface=""/>
+        <a:font script="Jpan" typeface="游ゴシック"/>
+        <a:font script="Hang" typeface="맑은 고딕"/>
+        <a:font script="Hans" typeface="等线"/>
+        <a:font script="Hant" typeface="新細明體"/>
+        <a:font script="Arab" typeface="Arial"/>
+        <a:font script="Hebr" typeface="Arial"/>
+        <a:font script="Thai" typeface="Cordia New"/>
+        <a:font script="Ethi" typeface="Nyala"/>
+        <a:font script="Beng" typeface="Vrinda"/>
+        <a:font script="Gujr" typeface="Shruti"/>
+        <a:font script="Khmr" typeface="DaunPenh"/>
+        <a:font script="Knda" typeface="Tunga"/>
+        <a:font script="Guru" typeface="Raavi"/>
+        <a:font script="Cans" typeface="Euphemia"/>
+        <a:font script="Cher" typeface="Plantagenet Cherokee"/>
+        <a:font script="Yiii" typeface="Microsoft Yi Baiti"/>
+        <a:font script="Tibt" typeface="Microsoft Himalaya"/>
+        <a:font script="Thaa" typeface="MV Boli"/>
+        <a:font script="Deva" typeface="Mangal"/>
+        <a:font script="Telu" typeface="Gautami"/>
+        <a:font script="Taml" typeface="Latha"/>
+        <a:font script="Syrc" typeface="Estrangelo Edessa"/>
+        <a:font script="Orya" typeface="Kalinga"/>
+        <a:font script="Mlym" typeface="Kartika"/>
+        <a:font script="Laoo" typeface="DokChampa"/>
+        <a:font script="Sinh" typeface="Iskoola Pota"/>
+        <a:font script="Mong" typeface="Mongolian Baiti"/>
+        <a:font script="Viet" typeface="Arial"/>
+        <a:font script="Uigh" typeface="Microsoft Uighur"/>
+        <a:font script="Geor" typeface="Sylfaen"/>
+        <a:font script="Armn" typeface="Arial"/>
+        <a:font script="Bugi" typeface="Leelawadee UI"/>
+        <a:font script="Bopo" typeface="Microsoft JhengHei"/>
+        <a:font script="Java" typeface="Javanese Text"/>
+        <a:font script="Lisu" typeface="Segoe UI"/>
+        <a:font script="Mymr" typeface="Myanmar Text"/>
+        <a:font script="Nkoo" typeface="Ebrima"/>
+        <a:font script="Olck" typeface="Nirmala UI"/>
+        <a:font script="Osma" typeface="Ebrima"/>
+        <a:font script="Phag" typeface="Phagspa"/>
+        <a:font script="Syrn" typeface="Estrangelo Edessa"/>
+        <a:font script="Syrj" typeface="Estrangelo Edessa"/>
+        <a:font script="Syre" typeface="Estrangelo Edessa"/>
+        <a:font script="Sora" typeface="Nirmala UI"/>
+        <a:font script="Tale" typeface="Microsoft Tai Le"/>
+        <a:font script="Talu" typeface="Microsoft New Tai Lue"/>
+        <a:font script="Tfng" typeface="Ebrima"/>
+      </a:minorFont>
+    </a:fontScheme>
+    <a:fmtScheme name="Office">
+      <a:fillStyleLst>
+        <a:solidFill>
+          <a:schemeClr val="phClr"/>
+        </a:solidFill>
+        <a:gradFill rotWithShape="1">
+          <a:gsLst>
+            <a:gs pos="0">
+              <a:schemeClr val="phClr">
+                <a:lumMod val="110000"/>
+                <a:satMod val="105000"/>
+                <a:tint val="67000"/>
+              </a:schemeClr>
+            </a:gs>
+            <a:gs pos="50000">
+              <a:schemeClr val="phClr">
+                <a:lumMod val="105000"/>
+                <a:satMod val="103000"/>
+                <a:tint val="73000"/>
+              </a:schemeClr>
+            </a:gs>
+            <a:gs pos="100000">
+              <a:schemeClr val="phClr">
+                <a:lumMod val="105000"/>
+                <a:satMod val="109000"/>
+                <a:tint val="81000"/>
+              </a:schemeClr>
+            </a:gs>
+          </a:gsLst>
+          <a:lin ang="5400000" scaled="0"/>
+        </a:gradFill>
+        <a:gradFill rotWithShape="1">
+          <a:gsLst>
+            <a:gs pos="0">
+              <a:schemeClr val="phClr">
+                <a:satMod val="103000"/>
+                <a:lumMod val="102000"/>
+                <a:tint val="94000"/>
+              </a:schemeClr>
+            </a:gs>
+            <a:gs pos="50000">
+              <a:schemeClr val="phClr">
+                <a:satMod val="110000"/>
+                <a:lumMod val="100000"/>
+                <a:shade val="100000"/>
+              </a:schemeClr>
+            </a:gs>
+            <a:gs pos="100000">
+              <a:schemeClr val="phClr">
+                <a:lumMod val="99000"/>
+                <a:satMod val="120000"/>
+                <a:shade val="78000"/>
+              </a:schemeClr>
+            </a:gs>
+          </a:gsLst>
+          <a:lin ang="5400000" scaled="0"/>
+        </a:gradFill>
+      </a:fillStyleLst>
+      <a:lnStyleLst>
+        <a:ln w="6350" cap="flat" cmpd="sng" algn="ctr">
+          <a:solidFill>
+            <a:schemeClr val="phClr"/>
+          </a:solidFill>
+          <a:prstDash val="solid"/>
+          <a:miter lim="800000"/>
+        </a:ln>
+        <a:ln w="12700" cap="flat" cmpd="sng" algn="ctr">
+          <a:solidFill>
+            <a:schemeClr val="phClr"/>
+          </a:solidFill>
+          <a:prstDash val="solid"/>
+          <a:miter lim="800000"/>
+        </a:ln>
+        <a:ln w="19050" cap="flat" cmpd="sng" algn="ctr">
+          <a:solidFill>
+            <a:schemeClr val="phClr"/>
+          </a:solidFill>
+          <a:prstDash val="solid"/>
+          <a:miter lim="800000"/>
+        </a:ln>
+      </a:lnStyleLst>
+      <a:effectStyleLst>
+        <a:effectStyle>
+          <a:effectLst/>
+        </a:effectStyle>
+        <a:effectStyle>
+          <a:effectLst/>
+        </a:effectStyle>
+        <a:effectStyle>
+          <a:effectLst>
+            <a:outerShdw blurRad="57150" dist="19050" dir="5400000" algn="ctr" rotWithShape="0">
+              <a:srgbClr val="000000">
+                <a:alpha val="63000"/>
+              </a:srgbClr>
+            </a:outerShdw>
+          </a:effectLst>
+        </a:effectStyle>
+      </a:effectStyleLst>
+      <a:bgFillStyleLst>
+        <a:solidFill>
+          <a:schemeClr val="phClr"/>
+        </a:solidFill>
+        <a:solidFill>
+          <a:schemeClr val="phClr">
+            <a:tint val="95000"/>
+            <a:satMod val="170000"/>
+          </a:schemeClr>
+        </a:solidFill>
+        <a:gradFill rotWithShape="1">
+          <a:gsLst>
+            <a:gs pos="0">
+              <a:schemeClr val="phClr">
+                <a:tint val="93000"/>
+                <a:satMod val="150000"/>
+                <a:shade val="98000"/>
+                <a:lumMod val="102000"/>
+              </a:schemeClr>
+            </a:gs>
+            <a:gs pos="50000">
+              <a:schemeClr val="phClr">
+                <a:tint val="98000"/>
+                <a:satMod val="130000"/>
+                <a:shade val="90000"/>
+                <a:lumMod val="103000"/>
+              </a:schemeClr>
+            </a:gs>
+            <a:gs pos="100000">
+              <a:schemeClr val="phClr">
+                <a:shade val="63000"/>
+                <a:satMod val="120000"/>
+              </a:schemeClr>
+            </a:gs>
+          </a:gsLst>
+          <a:lin ang="5400000" scaled="0"/>
+        </a:gradFill>
+      </a:bgFillStyleLst>
+    </a:fmtScheme>
+  </a:themeElements>
+  <a:objectDefaults/>
+  <a:extraClrSchemeLst/>
+  <a:extLst>
+    <a:ext uri="{05A4C25C-085E-4340-85A3-A5531E510DB2}">
+      <thm15:themeFamily xmlns:thm15="http://schemas.microsoft.com/office/thememl/2012/main" name="Office Theme" id="{62F939B6-93AF-4DB8-9C6B-D6C7DFDC589F}" vid="{4A3C46E8-61CC-4603-A589-7422A47A8E4A}"/>
+    </a:ext>
+  </a:extLst>
+</a:theme>
 </file>
--- a/pptx.pptx.pptx
+++ b/pptx.pptx.pptx
@@ -9,21 +9,28 @@
     <p:sldId id="257" r:id="rId3"/>
     <p:sldId id="258" r:id="rId4"/>
     <p:sldId id="259" r:id="rId5"/>
-    <p:sldId id="260" r:id="rId6"/>
-    <p:sldId id="261" r:id="rId7"/>
-    <p:sldId id="262" r:id="rId8"/>
-    <p:sldId id="263" r:id="rId9"/>
-    <p:sldId id="264" r:id="rId10"/>
-    <p:sldId id="265" r:id="rId11"/>
-    <p:sldId id="266" r:id="rId12"/>
-    <p:sldId id="267" r:id="rId13"/>
-    <p:sldId id="268" r:id="rId14"/>
-    <p:sldId id="269" r:id="rId15"/>
-    <p:sldId id="274" r:id="rId16"/>
-    <p:sldId id="270" r:id="rId17"/>
-    <p:sldId id="271" r:id="rId18"/>
-    <p:sldId id="272" r:id="rId19"/>
-    <p:sldId id="273" r:id="rId20"/>
+    <p:sldId id="275" r:id="rId6"/>
+    <p:sldId id="276" r:id="rId7"/>
+    <p:sldId id="277" r:id="rId8"/>
+    <p:sldId id="278" r:id="rId9"/>
+    <p:sldId id="279" r:id="rId10"/>
+    <p:sldId id="280" r:id="rId11"/>
+    <p:sldId id="281" r:id="rId12"/>
+    <p:sldId id="260" r:id="rId13"/>
+    <p:sldId id="261" r:id="rId14"/>
+    <p:sldId id="262" r:id="rId15"/>
+    <p:sldId id="263" r:id="rId16"/>
+    <p:sldId id="264" r:id="rId17"/>
+    <p:sldId id="265" r:id="rId18"/>
+    <p:sldId id="266" r:id="rId19"/>
+    <p:sldId id="267" r:id="rId20"/>
+    <p:sldId id="268" r:id="rId21"/>
+    <p:sldId id="269" r:id="rId22"/>
+    <p:sldId id="274" r:id="rId23"/>
+    <p:sldId id="270" r:id="rId24"/>
+    <p:sldId id="271" r:id="rId25"/>
+    <p:sldId id="272" r:id="rId26"/>
+    <p:sldId id="273" r:id="rId27"/>
   </p:sldIdLst>
   <p:sldSz cx="12192000" cy="6858000"/>
   <p:notesSz cx="6858000" cy="9144000"/>
@@ -141,7 +148,15 @@
           <p14:sldIdLst/>
         </p14:section>
         <p14:section name="编码规范" id="{42D523BC-DB75-4AD9-848D-13BB52FBE842}">
-          <p14:sldIdLst/>
+          <p14:sldIdLst>
+            <p14:sldId id="275"/>
+            <p14:sldId id="276"/>
+            <p14:sldId id="277"/>
+            <p14:sldId id="278"/>
+            <p14:sldId id="279"/>
+            <p14:sldId id="280"/>
+            <p14:sldId id="281"/>
+          </p14:sldIdLst>
         </p14:section>
         <p14:section name="结构" id="{E16B2259-F403-4B6F-B37A-B9770CF75B65}">
           <p14:sldIdLst>
@@ -316,7 +331,7 @@
           <a:p>
             <a:fld id="{F5BED939-13DD-4AA3-8741-D30EB9E98506}" type="datetimeFigureOut">
               <a:rPr lang="zh-CN" altLang="en-US" smtClean="0"/>
-              <a:t>2016/9/19</a:t>
+              <a:t>2016/9/20</a:t>
             </a:fld>
             <a:endParaRPr lang="zh-CN" altLang="en-US"/>
           </a:p>
@@ -484,7 +499,7 @@
           <a:p>
             <a:fld id="{F5BED939-13DD-4AA3-8741-D30EB9E98506}" type="datetimeFigureOut">
               <a:rPr lang="zh-CN" altLang="en-US" smtClean="0"/>
-              <a:t>2016/9/19</a:t>
+              <a:t>2016/9/20</a:t>
             </a:fld>
             <a:endParaRPr lang="zh-CN" altLang="en-US"/>
           </a:p>
@@ -662,7 +677,7 @@
           <a:p>
             <a:fld id="{F5BED939-13DD-4AA3-8741-D30EB9E98506}" type="datetimeFigureOut">
               <a:rPr lang="zh-CN" altLang="en-US" smtClean="0"/>
-              <a:t>2016/9/19</a:t>
+              <a:t>2016/9/20</a:t>
             </a:fld>
             <a:endParaRPr lang="zh-CN" altLang="en-US"/>
           </a:p>
@@ -830,7 +845,7 @@
           <a:p>
             <a:fld id="{F5BED939-13DD-4AA3-8741-D30EB9E98506}" type="datetimeFigureOut">
               <a:rPr lang="zh-CN" altLang="en-US" smtClean="0"/>
-              <a:t>2016/9/19</a:t>
+              <a:t>2016/9/20</a:t>
             </a:fld>
             <a:endParaRPr lang="zh-CN" altLang="en-US"/>
           </a:p>
@@ -1075,7 +1090,7 @@
           <a:p>
             <a:fld id="{F5BED939-13DD-4AA3-8741-D30EB9E98506}" type="datetimeFigureOut">
               <a:rPr lang="zh-CN" altLang="en-US" smtClean="0"/>
-              <a:t>2016/9/19</a:t>
+              <a:t>2016/9/20</a:t>
             </a:fld>
             <a:endParaRPr lang="zh-CN" altLang="en-US"/>
           </a:p>
@@ -1304,7 +1319,7 @@
           <a:p>
             <a:fld id="{F5BED939-13DD-4AA3-8741-D30EB9E98506}" type="datetimeFigureOut">
               <a:rPr lang="zh-CN" altLang="en-US" smtClean="0"/>
-              <a:t>2016/9/19</a:t>
+              <a:t>2016/9/20</a:t>
             </a:fld>
             <a:endParaRPr lang="zh-CN" altLang="en-US"/>
           </a:p>
@@ -1668,7 +1683,7 @@
           <a:p>
             <a:fld id="{F5BED939-13DD-4AA3-8741-D30EB9E98506}" type="datetimeFigureOut">
               <a:rPr lang="zh-CN" altLang="en-US" smtClean="0"/>
-              <a:t>2016/9/19</a:t>
+              <a:t>2016/9/20</a:t>
             </a:fld>
             <a:endParaRPr lang="zh-CN" altLang="en-US"/>
           </a:p>
@@ -1785,7 +1800,7 @@
           <a:p>
             <a:fld id="{F5BED939-13DD-4AA3-8741-D30EB9E98506}" type="datetimeFigureOut">
               <a:rPr lang="zh-CN" altLang="en-US" smtClean="0"/>
-              <a:t>2016/9/19</a:t>
+              <a:t>2016/9/20</a:t>
             </a:fld>
             <a:endParaRPr lang="zh-CN" altLang="en-US"/>
           </a:p>
@@ -1880,7 +1895,7 @@
           <a:p>
             <a:fld id="{F5BED939-13DD-4AA3-8741-D30EB9E98506}" type="datetimeFigureOut">
               <a:rPr lang="zh-CN" altLang="en-US" smtClean="0"/>
-              <a:t>2016/9/19</a:t>
+              <a:t>2016/9/20</a:t>
             </a:fld>
             <a:endParaRPr lang="zh-CN" altLang="en-US"/>
           </a:p>
@@ -2155,7 +2170,7 @@
           <a:p>
             <a:fld id="{F5BED939-13DD-4AA3-8741-D30EB9E98506}" type="datetimeFigureOut">
               <a:rPr lang="zh-CN" altLang="en-US" smtClean="0"/>
-              <a:t>2016/9/19</a:t>
+              <a:t>2016/9/20</a:t>
             </a:fld>
             <a:endParaRPr lang="zh-CN" altLang="en-US"/>
           </a:p>
@@ -2407,7 +2422,7 @@
           <a:p>
             <a:fld id="{F5BED939-13DD-4AA3-8741-D30EB9E98506}" type="datetimeFigureOut">
               <a:rPr lang="zh-CN" altLang="en-US" smtClean="0"/>
-              <a:t>2016/9/19</a:t>
+              <a:t>2016/9/20</a:t>
             </a:fld>
             <a:endParaRPr lang="zh-CN" altLang="en-US"/>
           </a:p>
@@ -2618,7 +2633,7 @@
           <a:p>
             <a:fld id="{F5BED939-13DD-4AA3-8741-D30EB9E98506}" type="datetimeFigureOut">
               <a:rPr lang="zh-CN" altLang="en-US" smtClean="0"/>
-              <a:t>2016/9/19</a:t>
+              <a:t>2016/9/20</a:t>
             </a:fld>
             <a:endParaRPr lang="zh-CN" altLang="en-US"/>
           </a:p>
@@ -3119,53 +3134,191 @@
           <a:p>
             <a:r>
               <a:rPr lang="zh-CN" altLang="en-US" dirty="0"/>
-              <a:t>内存结构</a:t>
+              <a:t>命名规范</a:t>
             </a:r>
             <a:r>
               <a:rPr lang="en-US" altLang="zh-CN" dirty="0"/>
               <a:t>/</a:t>
             </a:r>
             <a:r>
+              <a:rPr lang="zh-CN" altLang="en-US" dirty="0"/>
+              <a:t>成员与参数</a:t>
+            </a:r>
+          </a:p>
+        </p:txBody>
+      </p:sp>
+      <p:sp>
+        <p:nvSpPr>
+          <p:cNvPr id="3" name="内容占位符 2"/>
+          <p:cNvSpPr>
+            <a:spLocks noGrp="1"/>
+          </p:cNvSpPr>
+          <p:nvPr>
+            <p:ph idx="1"/>
+          </p:nvPr>
+        </p:nvSpPr>
+        <p:spPr/>
+        <p:txBody>
+          <a:bodyPr/>
+          <a:lstStyle/>
+          <a:p>
+            <a:r>
+              <a:rPr lang="zh-CN" altLang="en-US" b="1" dirty="0"/>
+              <a:t>要</a:t>
+            </a:r>
+            <a:r>
+              <a:rPr lang="zh-CN" altLang="en-US" dirty="0"/>
+              <a:t>使用动词词组为方法命名</a:t>
+            </a:r>
+            <a:endParaRPr lang="en-US" altLang="zh-CN" dirty="0"/>
+          </a:p>
+          <a:p>
+            <a:r>
+              <a:rPr lang="zh-CN" altLang="en-US" b="1" dirty="0"/>
+              <a:t>要</a:t>
+            </a:r>
+            <a:r>
+              <a:rPr lang="zh-CN" altLang="en-US" dirty="0"/>
+              <a:t>使用名词词组为属性与字段命名</a:t>
+            </a:r>
+            <a:endParaRPr lang="en-US" altLang="zh-CN" dirty="0"/>
+          </a:p>
+          <a:p>
+            <a:pPr lvl="1"/>
+            <a:r>
+              <a:rPr lang="zh-CN" altLang="en-US" b="1" dirty="0"/>
+              <a:t>不要</a:t>
+            </a:r>
+            <a:r>
+              <a:rPr lang="zh-CN" altLang="en-US" dirty="0"/>
+              <a:t>使用</a:t>
+            </a:r>
+            <a:r>
+              <a:rPr lang="en-US" altLang="zh-CN" dirty="0"/>
+              <a:t>Get/Set</a:t>
+            </a:r>
+            <a:r>
+              <a:rPr lang="zh-CN" altLang="en-US" dirty="0"/>
+              <a:t>之类的前缀。属性自身暗示了这些语义</a:t>
+            </a:r>
+            <a:endParaRPr lang="en-US" altLang="zh-CN" dirty="0"/>
+          </a:p>
+          <a:p>
+            <a:pPr lvl="1"/>
+            <a:r>
+              <a:rPr lang="zh-CN" altLang="en-US" b="1" dirty="0"/>
+              <a:t>要</a:t>
+            </a:r>
+            <a:r>
+              <a:rPr lang="zh-CN" altLang="en-US" dirty="0"/>
+              <a:t>使用肯定性的短语来命名</a:t>
+            </a:r>
+            <a:r>
+              <a:rPr lang="en-US" altLang="zh-CN" dirty="0"/>
+              <a:t>bool</a:t>
+            </a:r>
+            <a:r>
+              <a:rPr lang="zh-CN" altLang="en-US" dirty="0"/>
+              <a:t>类型的属性。必要时可以使用</a:t>
+            </a:r>
+            <a:r>
+              <a:rPr lang="en-US" altLang="zh-CN" dirty="0"/>
+              <a:t>Is</a:t>
+            </a:r>
+            <a:r>
+              <a:rPr lang="zh-CN" altLang="en-US" dirty="0"/>
+              <a:t>，</a:t>
+            </a:r>
+            <a:r>
+              <a:rPr lang="en-US" altLang="zh-CN" dirty="0"/>
+              <a:t>Can</a:t>
+            </a:r>
+            <a:r>
+              <a:rPr lang="zh-CN" altLang="en-US" dirty="0"/>
+              <a:t>，</a:t>
+            </a:r>
+            <a:r>
+              <a:rPr lang="en-US" altLang="zh-CN" dirty="0"/>
+              <a:t>Has</a:t>
+            </a:r>
+            <a:r>
+              <a:rPr lang="zh-CN" altLang="en-US" dirty="0"/>
+              <a:t>等前缀</a:t>
+            </a:r>
+            <a:endParaRPr lang="en-US" altLang="zh-CN" dirty="0"/>
+          </a:p>
+          <a:p>
+            <a:pPr lvl="1"/>
+            <a:r>
+              <a:rPr lang="zh-CN" altLang="en-US" dirty="0"/>
+              <a:t>如果不知道某个属性该使用什么名字，考虑使用它返回的类型的名字</a:t>
+            </a:r>
+            <a:endParaRPr lang="en-US" altLang="zh-CN" dirty="0"/>
+          </a:p>
+          <a:p>
+            <a:r>
+              <a:rPr lang="zh-CN" altLang="en-US" b="1" dirty="0"/>
+              <a:t>要</a:t>
+            </a:r>
+            <a:r>
+              <a:rPr lang="zh-CN" altLang="en-US" dirty="0"/>
+              <a:t>使用动词词组为事件命名</a:t>
+            </a:r>
+            <a:endParaRPr lang="en-US" altLang="zh-CN" dirty="0"/>
+          </a:p>
+          <a:p>
+            <a:pPr lvl="1"/>
+            <a:r>
+              <a:rPr lang="zh-CN" altLang="en-US" b="1" dirty="0"/>
+              <a:t>要</a:t>
+            </a:r>
+            <a:r>
+              <a:rPr lang="zh-CN" altLang="en-US" dirty="0"/>
+              <a:t>使用时态区分事件触发的时机</a:t>
+            </a:r>
+            <a:endParaRPr lang="en-US" altLang="zh-CN" dirty="0"/>
+          </a:p>
+          <a:p>
+            <a:r>
+              <a:rPr lang="zh-CN" altLang="en-US" b="1" dirty="0"/>
+              <a:t>要</a:t>
+            </a:r>
+            <a:r>
+              <a:rPr lang="zh-CN" altLang="en-US" dirty="0"/>
+              <a:t>使用</a:t>
+            </a:r>
+            <a:r>
               <a:rPr lang="en-US" altLang="zh-CN" dirty="0" err="1"/>
-              <a:t>EEClass</a:t>
+              <a:t>camelCasing</a:t>
+            </a:r>
+            <a:r>
+              <a:rPr lang="zh-CN" altLang="en-US" dirty="0"/>
+              <a:t>为参数命名</a:t>
+            </a:r>
+            <a:endParaRPr lang="en-US" altLang="zh-CN" dirty="0"/>
+          </a:p>
+          <a:p>
+            <a:pPr lvl="1"/>
+            <a:r>
+              <a:rPr lang="zh-CN" altLang="en-US"/>
+              <a:t>虽然参数名字也应当是名字词组，但是</a:t>
+            </a:r>
+            <a:r>
+              <a:rPr lang="zh-CN" altLang="en-US" b="1"/>
+              <a:t>不应</a:t>
+            </a:r>
+            <a:r>
+              <a:rPr lang="zh-CN" altLang="en-US"/>
+              <a:t>与类型名字有关</a:t>
             </a:r>
             <a:endParaRPr lang="zh-CN" altLang="en-US" dirty="0"/>
           </a:p>
         </p:txBody>
       </p:sp>
-      <p:pic>
-        <p:nvPicPr>
-          <p:cNvPr id="4" name="内容占位符 3"/>
-          <p:cNvPicPr>
-            <a:picLocks noGrp="1" noChangeAspect="1"/>
-          </p:cNvPicPr>
-          <p:nvPr>
-            <p:ph idx="1"/>
-          </p:nvPr>
-        </p:nvPicPr>
-        <p:blipFill>
-          <a:blip r:embed="rId2">
-            <a:extLst>
-              <a:ext uri="{28A0092B-C50C-407E-A947-70E740481C1C}">
-                <a14:useLocalDpi xmlns:a14="http://schemas.microsoft.com/office/drawing/2010/main" val="0"/>
-              </a:ext>
-            </a:extLst>
-          </a:blip>
-          <a:stretch>
-            <a:fillRect/>
-          </a:stretch>
-        </p:blipFill>
-        <p:spPr>
-          <a:xfrm>
-            <a:off x="838200" y="1577808"/>
-            <a:ext cx="6630325" cy="4296375"/>
-          </a:xfrm>
-        </p:spPr>
-      </p:pic>
     </p:spTree>
     <p:extLst>
       <p:ext uri="{BB962C8B-B14F-4D97-AF65-F5344CB8AC3E}">
-        <p14:creationId xmlns:p14="http://schemas.microsoft.com/office/powerpoint/2010/main" val="2169093456"/>
+        <p14:creationId xmlns:p14="http://schemas.microsoft.com/office/powerpoint/2010/main" val="129736639"/>
       </p:ext>
     </p:extLst>
   </p:cSld>
@@ -3208,10 +3361,25 @@
           <a:lstStyle/>
           <a:p>
             <a:r>
+              <a:rPr lang="zh-CN" altLang="en-US" dirty="0"/>
+              <a:t>命名规范</a:t>
+            </a:r>
+            <a:r>
               <a:rPr lang="en-US" altLang="zh-CN" dirty="0"/>
-              <a:t>IL2CPP</a:t>
-            </a:r>
-            <a:endParaRPr lang="zh-CN" altLang="en-US" dirty="0"/>
+              <a:t>/</a:t>
+            </a:r>
+            <a:r>
+              <a:rPr lang="zh-CN" altLang="en-US" dirty="0"/>
+              <a:t>使用</a:t>
+            </a:r>
+            <a:r>
+              <a:rPr lang="en-US" altLang="zh-CN" dirty="0" err="1"/>
+              <a:t>ReSharper</a:t>
+            </a:r>
+            <a:r>
+              <a:rPr lang="zh-CN" altLang="en-US" dirty="0"/>
+              <a:t>规范命名</a:t>
+            </a:r>
           </a:p>
         </p:txBody>
       </p:sp>
@@ -3230,130 +3398,14 @@
           <a:bodyPr/>
           <a:lstStyle/>
           <a:p>
-            <a:r>
-              <a:rPr lang="en-US" altLang="zh-CN" dirty="0"/>
-              <a:t>IL2CPP</a:t>
-            </a:r>
-            <a:r>
-              <a:rPr lang="zh-CN" altLang="en-US" dirty="0"/>
-              <a:t>分别处理字段和方法：实例字段和类字段被生成到相同</a:t>
-            </a:r>
-            <a:r>
-              <a:rPr lang="en-US" altLang="zh-CN" dirty="0"/>
-              <a:t>.h</a:t>
-            </a:r>
-            <a:r>
-              <a:rPr lang="zh-CN" altLang="en-US" dirty="0"/>
-              <a:t>文件的不同结构中，方法被生成到</a:t>
-            </a:r>
-            <a:r>
-              <a:rPr lang="en-US" altLang="zh-CN" dirty="0"/>
-              <a:t>.</a:t>
-            </a:r>
-            <a:r>
-              <a:rPr lang="en-US" altLang="zh-CN" dirty="0" err="1"/>
-              <a:t>cpp</a:t>
-            </a:r>
-            <a:r>
-              <a:rPr lang="zh-CN" altLang="en-US" dirty="0"/>
-              <a:t>文件中</a:t>
-            </a:r>
-            <a:endParaRPr lang="en-US" altLang="zh-CN" dirty="0"/>
-          </a:p>
-          <a:p>
-            <a:r>
-              <a:rPr lang="en-US" altLang="zh-CN" dirty="0"/>
-              <a:t>IL2CPP</a:t>
-            </a:r>
-            <a:r>
-              <a:rPr lang="zh-CN" altLang="en-US" dirty="0"/>
-              <a:t>对</a:t>
-            </a:r>
-            <a:r>
-              <a:rPr lang="en-US" altLang="zh-CN" dirty="0"/>
-              <a:t>IL</a:t>
-            </a:r>
-            <a:r>
-              <a:rPr lang="zh-CN" altLang="en-US" dirty="0"/>
-              <a:t>的翻译近乎直译。</a:t>
-            </a:r>
-            <a:r>
-              <a:rPr lang="en-US" altLang="zh-CN" dirty="0" err="1"/>
-              <a:t>.Net</a:t>
-            </a:r>
-            <a:r>
-              <a:rPr lang="zh-CN" altLang="en-US" dirty="0"/>
-              <a:t>编译器的质量直接影响</a:t>
-            </a:r>
-            <a:r>
-              <a:rPr lang="en-US" altLang="zh-CN" dirty="0"/>
-              <a:t>IL2CPP</a:t>
-            </a:r>
-            <a:r>
-              <a:rPr lang="zh-CN" altLang="en-US" dirty="0"/>
-              <a:t>最终生成的结果</a:t>
-            </a:r>
-            <a:endParaRPr lang="en-US" altLang="zh-CN" dirty="0"/>
-          </a:p>
-          <a:p>
-            <a:r>
-              <a:rPr lang="en-US" altLang="zh-CN" dirty="0"/>
-              <a:t>IL2CPP</a:t>
-            </a:r>
-            <a:r>
-              <a:rPr lang="zh-CN" altLang="en-US" dirty="0"/>
-              <a:t>会为虚调用生成对象，通过支持库</a:t>
-            </a:r>
-            <a:r>
-              <a:rPr lang="en-US" altLang="zh-CN" dirty="0"/>
-              <a:t>libil2cpp</a:t>
-            </a:r>
-            <a:r>
-              <a:rPr lang="zh-CN" altLang="en-US" dirty="0"/>
-              <a:t>方法调用。虚调用会受到一定的优化，有时</a:t>
-            </a:r>
-            <a:r>
-              <a:rPr lang="en-US" altLang="zh-CN" dirty="0" err="1"/>
-              <a:t>callvirt</a:t>
-            </a:r>
-            <a:r>
-              <a:rPr lang="zh-CN" altLang="en-US" dirty="0"/>
-              <a:t>指令并不对真的被翻译为虚调用的形式</a:t>
-            </a:r>
-            <a:endParaRPr lang="en-US" altLang="zh-CN" dirty="0"/>
-          </a:p>
-          <a:p>
-            <a:r>
-              <a:rPr lang="en-US" altLang="zh-CN" dirty="0"/>
-              <a:t>FCL</a:t>
-            </a:r>
-            <a:r>
-              <a:rPr lang="zh-CN" altLang="en-US" dirty="0"/>
-              <a:t>使用和</a:t>
-            </a:r>
-            <a:r>
-              <a:rPr lang="en-US" altLang="zh-CN" dirty="0"/>
-              <a:t>Mono</a:t>
-            </a:r>
-            <a:r>
-              <a:rPr lang="zh-CN" altLang="en-US" dirty="0"/>
-              <a:t>一样的代码，经由</a:t>
-            </a:r>
-            <a:r>
-              <a:rPr lang="en-US" altLang="zh-CN" dirty="0"/>
-              <a:t>IL2CPP</a:t>
-            </a:r>
-            <a:r>
-              <a:rPr lang="zh-CN" altLang="en-US" dirty="0"/>
-              <a:t>编译器翻译而成。虽然损失了潜在的优化，然而确保了代码的一致性</a:t>
-            </a:r>
+            <a:endParaRPr lang="zh-CN" altLang="en-US"/>
           </a:p>
         </p:txBody>
       </p:sp>
     </p:spTree>
     <p:extLst>
       <p:ext uri="{BB962C8B-B14F-4D97-AF65-F5344CB8AC3E}">
-        <p14:creationId xmlns:p14="http://schemas.microsoft.com/office/powerpoint/2010/main" val="1747156259"/>
+        <p14:creationId xmlns:p14="http://schemas.microsoft.com/office/powerpoint/2010/main" val="2292470465"/>
       </p:ext>
     </p:extLst>
   </p:cSld>
@@ -3397,3898 +3449,6 @@
           <a:p>
             <a:r>
               <a:rPr lang="zh-CN" altLang="en-US" dirty="0"/>
-              <a:t>最佳实践</a:t>
-            </a:r>
-            <a:r>
-              <a:rPr lang="en-US" altLang="zh-CN" dirty="0"/>
-              <a:t>/</a:t>
-            </a:r>
-            <a:r>
-              <a:rPr lang="zh-CN" altLang="en-US" dirty="0"/>
-              <a:t>减少虚调用</a:t>
-            </a:r>
-          </a:p>
-        </p:txBody>
-      </p:sp>
-      <p:sp>
-        <p:nvSpPr>
-          <p:cNvPr id="3" name="内容占位符 2"/>
-          <p:cNvSpPr>
-            <a:spLocks noGrp="1"/>
-          </p:cNvSpPr>
-          <p:nvPr>
-            <p:ph idx="1"/>
-          </p:nvPr>
-        </p:nvSpPr>
-        <p:spPr/>
-        <p:txBody>
-          <a:bodyPr/>
-          <a:lstStyle/>
-          <a:p>
-            <a:r>
-              <a:rPr lang="zh-CN" altLang="en-US" dirty="0"/>
-              <a:t>封闭类</a:t>
-            </a:r>
-            <a:endParaRPr lang="en-US" altLang="zh-CN" dirty="0"/>
-          </a:p>
-          <a:p>
-            <a:r>
-              <a:rPr lang="zh-CN" altLang="en-US" dirty="0"/>
-              <a:t>使用类方法</a:t>
-            </a:r>
-          </a:p>
-        </p:txBody>
-      </p:sp>
-    </p:spTree>
-    <p:extLst>
-      <p:ext uri="{BB962C8B-B14F-4D97-AF65-F5344CB8AC3E}">
-        <p14:creationId xmlns:p14="http://schemas.microsoft.com/office/powerpoint/2010/main" val="3217876481"/>
-      </p:ext>
-    </p:extLst>
-  </p:cSld>
-  <p:clrMapOvr>
-    <a:masterClrMapping/>
-  </p:clrMapOvr>
-</p:sld>
-</file>
-
-<file path=ppt/slides/slide13.xml><?xml version="1.0" encoding="utf-8"?>
-<p:sld xmlns:a="http://schemas.openxmlformats.org/drawingml/2006/main" xmlns:r="http://schemas.openxmlformats.org/officeDocument/2006/relationships" xmlns:p="http://schemas.openxmlformats.org/presentationml/2006/main">
-  <p:cSld>
-    <p:spTree>
-      <p:nvGrpSpPr>
-        <p:cNvPr id="1" name=""/>
-        <p:cNvGrpSpPr/>
-        <p:nvPr/>
-      </p:nvGrpSpPr>
-      <p:grpSpPr>
-        <a:xfrm>
-          <a:off x="0" y="0"/>
-          <a:ext cx="0" cy="0"/>
-          <a:chOff x="0" y="0"/>
-          <a:chExt cx="0" cy="0"/>
-        </a:xfrm>
-      </p:grpSpPr>
-      <p:sp>
-        <p:nvSpPr>
-          <p:cNvPr id="2" name="标题 1"/>
-          <p:cNvSpPr>
-            <a:spLocks noGrp="1"/>
-          </p:cNvSpPr>
-          <p:nvPr>
-            <p:ph type="title"/>
-          </p:nvPr>
-        </p:nvSpPr>
-        <p:spPr/>
-        <p:txBody>
-          <a:bodyPr/>
-          <a:lstStyle/>
-          <a:p>
-            <a:r>
-              <a:rPr lang="zh-CN" altLang="en-US" dirty="0"/>
-              <a:t>最佳实践</a:t>
-            </a:r>
-            <a:r>
-              <a:rPr lang="en-US" altLang="zh-CN" dirty="0"/>
-              <a:t>/</a:t>
-            </a:r>
-            <a:r>
-              <a:rPr lang="zh-CN" altLang="en-US" dirty="0"/>
-              <a:t>削减装箱</a:t>
-            </a:r>
-          </a:p>
-        </p:txBody>
-      </p:sp>
-      <p:sp>
-        <p:nvSpPr>
-          <p:cNvPr id="3" name="内容占位符 2"/>
-          <p:cNvSpPr>
-            <a:spLocks noGrp="1"/>
-          </p:cNvSpPr>
-          <p:nvPr>
-            <p:ph idx="1"/>
-          </p:nvPr>
-        </p:nvSpPr>
-        <p:spPr/>
-        <p:txBody>
-          <a:bodyPr/>
-          <a:lstStyle/>
-          <a:p>
-            <a:r>
-              <a:rPr lang="zh-CN" altLang="en-US" dirty="0"/>
-              <a:t>泛化方法或类，而非使用</a:t>
-            </a:r>
-            <a:r>
-              <a:rPr lang="en-US" altLang="zh-CN" dirty="0"/>
-              <a:t>object</a:t>
-            </a:r>
-            <a:r>
-              <a:rPr lang="zh-CN" altLang="en-US" dirty="0"/>
-              <a:t>类型</a:t>
-            </a:r>
-            <a:endParaRPr lang="en-US" altLang="zh-CN" dirty="0"/>
-          </a:p>
-          <a:p>
-            <a:pPr marL="457200" lvl="1" indent="0">
-              <a:buNone/>
-            </a:pPr>
-            <a:r>
-              <a:rPr lang="zh-CN" altLang="en-US" dirty="0"/>
-              <a:t>较新版本</a:t>
-            </a:r>
-            <a:r>
-              <a:rPr lang="en-US" altLang="zh-CN" dirty="0"/>
-              <a:t>Unity</a:t>
-            </a:r>
-            <a:r>
-              <a:rPr lang="zh-CN" altLang="en-US" dirty="0"/>
-              <a:t>中，</a:t>
-            </a:r>
-            <a:r>
-              <a:rPr lang="en-US" altLang="zh-CN" dirty="0"/>
-              <a:t>IL2CPP</a:t>
-            </a:r>
-            <a:r>
-              <a:rPr lang="zh-CN" altLang="en-US" dirty="0"/>
-              <a:t>拥有泛型重用，因此能有效减小泛型对代码体积造成的负担</a:t>
-            </a:r>
-            <a:endParaRPr lang="en-US" altLang="zh-CN" dirty="0"/>
-          </a:p>
-          <a:p>
-            <a:r>
-              <a:rPr lang="zh-CN" altLang="en-US" dirty="0"/>
-              <a:t>为结构体重写派生自</a:t>
-            </a:r>
-            <a:r>
-              <a:rPr lang="en-US" altLang="zh-CN" dirty="0"/>
-              <a:t>object</a:t>
-            </a:r>
-            <a:r>
-              <a:rPr lang="zh-CN" altLang="en-US" dirty="0"/>
-              <a:t>的方法</a:t>
-            </a:r>
-            <a:endParaRPr lang="en-US" altLang="zh-CN" dirty="0"/>
-          </a:p>
-          <a:p>
-            <a:pPr marL="457200" lvl="1" indent="0">
-              <a:buNone/>
-            </a:pPr>
-            <a:r>
-              <a:rPr lang="en-US" altLang="zh-CN" dirty="0"/>
-              <a:t>Object</a:t>
-            </a:r>
-            <a:r>
-              <a:rPr lang="zh-CN" altLang="en-US" dirty="0"/>
-              <a:t>是引用类型，这是万恶之源</a:t>
-            </a:r>
-            <a:endParaRPr lang="en-US" altLang="zh-CN" dirty="0"/>
-          </a:p>
-          <a:p>
-            <a:r>
-              <a:rPr lang="zh-CN" altLang="en-US" dirty="0"/>
-              <a:t>使用泛型约束控制泛型参数的行为</a:t>
-            </a:r>
-            <a:endParaRPr lang="en-US" altLang="zh-CN" dirty="0"/>
-          </a:p>
-          <a:p>
-            <a:r>
-              <a:rPr lang="en-US" altLang="zh-CN" dirty="0"/>
-              <a:t>Char</a:t>
-            </a:r>
-            <a:r>
-              <a:rPr lang="zh-CN" altLang="en-US" dirty="0"/>
-              <a:t>是值类型，</a:t>
-            </a:r>
-            <a:r>
-              <a:rPr lang="en-US" altLang="zh-CN" dirty="0"/>
-              <a:t>String</a:t>
-            </a:r>
-            <a:r>
-              <a:rPr lang="zh-CN" altLang="en-US" dirty="0"/>
-              <a:t>是引用类型</a:t>
-            </a:r>
-            <a:r>
-              <a:rPr lang="en-US" altLang="zh-CN" dirty="0"/>
-              <a:t>——</a:t>
-            </a:r>
-            <a:r>
-              <a:rPr lang="zh-CN" altLang="en-US" dirty="0"/>
-              <a:t>拼合字符串时不应使用</a:t>
-            </a:r>
-            <a:r>
-              <a:rPr lang="en-US" altLang="zh-CN" dirty="0"/>
-              <a:t>Char</a:t>
-            </a:r>
-            <a:r>
-              <a:rPr lang="zh-CN" altLang="en-US" dirty="0"/>
-              <a:t>类型</a:t>
-            </a:r>
-          </a:p>
-        </p:txBody>
-      </p:sp>
-    </p:spTree>
-    <p:extLst>
-      <p:ext uri="{BB962C8B-B14F-4D97-AF65-F5344CB8AC3E}">
-        <p14:creationId xmlns:p14="http://schemas.microsoft.com/office/powerpoint/2010/main" val="3934302142"/>
-      </p:ext>
-    </p:extLst>
-  </p:cSld>
-  <p:clrMapOvr>
-    <a:masterClrMapping/>
-  </p:clrMapOvr>
-</p:sld>
-</file>
-
-<file path=ppt/slides/slide14.xml><?xml version="1.0" encoding="utf-8"?>
-<p:sld xmlns:a="http://schemas.openxmlformats.org/drawingml/2006/main" xmlns:r="http://schemas.openxmlformats.org/officeDocument/2006/relationships" xmlns:p="http://schemas.openxmlformats.org/presentationml/2006/main">
-  <p:cSld>
-    <p:spTree>
-      <p:nvGrpSpPr>
-        <p:cNvPr id="1" name=""/>
-        <p:cNvGrpSpPr/>
-        <p:nvPr/>
-      </p:nvGrpSpPr>
-      <p:grpSpPr>
-        <a:xfrm>
-          <a:off x="0" y="0"/>
-          <a:ext cx="0" cy="0"/>
-          <a:chOff x="0" y="0"/>
-          <a:chExt cx="0" cy="0"/>
-        </a:xfrm>
-      </p:grpSpPr>
-      <p:sp>
-        <p:nvSpPr>
-          <p:cNvPr id="2" name="标题 1"/>
-          <p:cNvSpPr>
-            <a:spLocks noGrp="1"/>
-          </p:cNvSpPr>
-          <p:nvPr>
-            <p:ph type="title"/>
-          </p:nvPr>
-        </p:nvSpPr>
-        <p:spPr/>
-        <p:txBody>
-          <a:bodyPr/>
-          <a:lstStyle/>
-          <a:p>
-            <a:r>
-              <a:rPr lang="zh-CN" altLang="en-US" dirty="0"/>
-              <a:t>最佳实践</a:t>
-            </a:r>
-            <a:r>
-              <a:rPr lang="en-US" altLang="zh-CN" dirty="0"/>
-              <a:t>/</a:t>
-            </a:r>
-            <a:r>
-              <a:rPr lang="zh-CN" altLang="en-US" dirty="0"/>
-              <a:t>迁移编译器</a:t>
-            </a:r>
-          </a:p>
-        </p:txBody>
-      </p:sp>
-      <p:sp>
-        <p:nvSpPr>
-          <p:cNvPr id="3" name="内容占位符 2"/>
-          <p:cNvSpPr>
-            <a:spLocks noGrp="1"/>
-          </p:cNvSpPr>
-          <p:nvPr>
-            <p:ph idx="1"/>
-          </p:nvPr>
-        </p:nvSpPr>
-        <p:spPr/>
-        <p:txBody>
-          <a:bodyPr/>
-          <a:lstStyle/>
-          <a:p>
-            <a:pPr marL="0" indent="0">
-              <a:buNone/>
-            </a:pPr>
-            <a:r>
-              <a:rPr lang="zh-CN" altLang="en-US" dirty="0"/>
-              <a:t>通过使用非</a:t>
-            </a:r>
-            <a:r>
-              <a:rPr lang="en-US" altLang="zh-CN" dirty="0"/>
-              <a:t>Unity</a:t>
-            </a:r>
-            <a:r>
-              <a:rPr lang="zh-CN" altLang="en-US" dirty="0"/>
-              <a:t>的编译器获取更高质量的代码</a:t>
-            </a:r>
-          </a:p>
-        </p:txBody>
-      </p:sp>
-    </p:spTree>
-    <p:extLst>
-      <p:ext uri="{BB962C8B-B14F-4D97-AF65-F5344CB8AC3E}">
-        <p14:creationId xmlns:p14="http://schemas.microsoft.com/office/powerpoint/2010/main" val="2624574833"/>
-      </p:ext>
-    </p:extLst>
-  </p:cSld>
-  <p:clrMapOvr>
-    <a:masterClrMapping/>
-  </p:clrMapOvr>
-</p:sld>
-</file>
-
-<file path=ppt/slides/slide15.xml><?xml version="1.0" encoding="utf-8"?>
-<p:sld xmlns:a="http://schemas.openxmlformats.org/drawingml/2006/main" xmlns:r="http://schemas.openxmlformats.org/officeDocument/2006/relationships" xmlns:p="http://schemas.openxmlformats.org/presentationml/2006/main">
-  <p:cSld>
-    <p:spTree>
-      <p:nvGrpSpPr>
-        <p:cNvPr id="1" name=""/>
-        <p:cNvGrpSpPr/>
-        <p:nvPr/>
-      </p:nvGrpSpPr>
-      <p:grpSpPr>
-        <a:xfrm>
-          <a:off x="0" y="0"/>
-          <a:ext cx="0" cy="0"/>
-          <a:chOff x="0" y="0"/>
-          <a:chExt cx="0" cy="0"/>
-        </a:xfrm>
-      </p:grpSpPr>
-      <p:sp>
-        <p:nvSpPr>
-          <p:cNvPr id="2" name="标题 1"/>
-          <p:cNvSpPr>
-            <a:spLocks noGrp="1"/>
-          </p:cNvSpPr>
-          <p:nvPr>
-            <p:ph type="title"/>
-          </p:nvPr>
-        </p:nvSpPr>
-        <p:spPr/>
-        <p:txBody>
-          <a:bodyPr/>
-          <a:lstStyle/>
-          <a:p>
-            <a:r>
-              <a:rPr lang="zh-CN" altLang="en-US" dirty="0"/>
-              <a:t>最佳实践</a:t>
-            </a:r>
-            <a:r>
-              <a:rPr lang="en-US" altLang="zh-CN" dirty="0"/>
-              <a:t>/</a:t>
-            </a:r>
-            <a:r>
-              <a:rPr lang="zh-CN" altLang="en-US" dirty="0"/>
-              <a:t>使用</a:t>
-            </a:r>
-            <a:r>
-              <a:rPr lang="en-US" altLang="zh-CN" dirty="0" err="1"/>
-              <a:t>Resharper</a:t>
-            </a:r>
-            <a:r>
-              <a:rPr lang="zh-CN" altLang="en-US" dirty="0"/>
-              <a:t>改进代码质量</a:t>
-            </a:r>
-          </a:p>
-        </p:txBody>
-      </p:sp>
-      <p:sp>
-        <p:nvSpPr>
-          <p:cNvPr id="3" name="内容占位符 2"/>
-          <p:cNvSpPr>
-            <a:spLocks noGrp="1"/>
-          </p:cNvSpPr>
-          <p:nvPr>
-            <p:ph idx="1"/>
-          </p:nvPr>
-        </p:nvSpPr>
-        <p:spPr/>
-        <p:txBody>
-          <a:bodyPr/>
-          <a:lstStyle/>
-          <a:p>
-            <a:r>
-              <a:rPr lang="zh-CN" altLang="en-US" dirty="0"/>
-              <a:t>使用</a:t>
-            </a:r>
-            <a:r>
-              <a:rPr lang="en-US" altLang="zh-CN" dirty="0" err="1"/>
-              <a:t>Alt+PageUp</a:t>
-            </a:r>
-            <a:r>
-              <a:rPr lang="en-US" altLang="zh-CN" dirty="0"/>
-              <a:t>/</a:t>
-            </a:r>
-            <a:r>
-              <a:rPr lang="en-US" altLang="zh-CN" dirty="0" err="1"/>
-              <a:t>PageDown</a:t>
-            </a:r>
-            <a:r>
-              <a:rPr lang="zh-CN" altLang="en-US" dirty="0"/>
-              <a:t>以及</a:t>
-            </a:r>
-            <a:r>
-              <a:rPr lang="en-US" altLang="zh-CN" dirty="0" err="1"/>
-              <a:t>Alt+Enter</a:t>
-            </a:r>
-            <a:r>
-              <a:rPr lang="zh-CN" altLang="en-US" dirty="0"/>
-              <a:t>快速修复问题</a:t>
-            </a:r>
-            <a:endParaRPr lang="en-US" altLang="zh-CN" dirty="0"/>
-          </a:p>
-          <a:p>
-            <a:endParaRPr lang="en-US" altLang="zh-CN" dirty="0"/>
-          </a:p>
-          <a:p>
-            <a:endParaRPr lang="en-US" altLang="zh-CN" dirty="0"/>
-          </a:p>
-          <a:p>
-            <a:endParaRPr lang="en-US" altLang="zh-CN" dirty="0"/>
-          </a:p>
-          <a:p>
-            <a:endParaRPr lang="en-US" altLang="zh-CN" dirty="0"/>
-          </a:p>
-          <a:p>
-            <a:endParaRPr lang="en-US" altLang="zh-CN" dirty="0"/>
-          </a:p>
-          <a:p>
-            <a:r>
-              <a:rPr lang="zh-CN" altLang="en-US" dirty="0"/>
-              <a:t>在</a:t>
-            </a:r>
-            <a:r>
-              <a:rPr lang="en-US" altLang="zh-CN" dirty="0" err="1"/>
-              <a:t>Resharper</a:t>
-            </a:r>
-            <a:r>
-              <a:rPr lang="zh-CN" altLang="en-US" dirty="0"/>
-              <a:t>中指定编码规范</a:t>
-            </a:r>
-            <a:endParaRPr lang="en-US" altLang="zh-CN" dirty="0"/>
-          </a:p>
-          <a:p>
-            <a:pPr marL="457200" lvl="1" indent="0">
-              <a:buNone/>
-            </a:pPr>
-            <a:r>
-              <a:rPr lang="zh-CN" altLang="en-US" dirty="0"/>
-              <a:t>在</a:t>
-            </a:r>
-            <a:r>
-              <a:rPr lang="en-US" altLang="zh-CN" dirty="0"/>
-              <a:t>”</a:t>
-            </a:r>
-            <a:r>
-              <a:rPr lang="en-US" altLang="zh-CN" dirty="0" err="1"/>
-              <a:t>ReSharper</a:t>
-            </a:r>
-            <a:r>
-              <a:rPr lang="en-US" altLang="zh-CN" dirty="0"/>
-              <a:t>/Options/Code Editing”</a:t>
-            </a:r>
-            <a:r>
-              <a:rPr lang="zh-CN" altLang="en-US" dirty="0"/>
-              <a:t>条目中针对各语言指定具体的编码规范</a:t>
-            </a:r>
-            <a:endParaRPr lang="en-US" altLang="zh-CN" dirty="0"/>
-          </a:p>
-          <a:p>
-            <a:pPr lvl="1"/>
-            <a:endParaRPr lang="zh-CN" altLang="en-US" dirty="0"/>
-          </a:p>
-        </p:txBody>
-      </p:sp>
-      <p:pic>
-        <p:nvPicPr>
-          <p:cNvPr id="4" name="图片 3"/>
-          <p:cNvPicPr>
-            <a:picLocks noChangeAspect="1"/>
-          </p:cNvPicPr>
-          <p:nvPr/>
-        </p:nvPicPr>
-        <p:blipFill>
-          <a:blip r:embed="rId2"/>
-          <a:stretch>
-            <a:fillRect/>
-          </a:stretch>
-        </p:blipFill>
-        <p:spPr>
-          <a:xfrm>
-            <a:off x="2731224" y="2524919"/>
-            <a:ext cx="6143625" cy="1476375"/>
-          </a:xfrm>
-          <a:prstGeom prst="rect">
-            <a:avLst/>
-          </a:prstGeom>
-        </p:spPr>
-      </p:pic>
-      <p:sp>
-        <p:nvSpPr>
-          <p:cNvPr id="5" name="矩形 4"/>
-          <p:cNvSpPr/>
-          <p:nvPr/>
-        </p:nvSpPr>
-        <p:spPr>
-          <a:xfrm>
-            <a:off x="994299" y="3178206"/>
-            <a:ext cx="1038687" cy="248575"/>
-          </a:xfrm>
-          <a:prstGeom prst="rect">
-            <a:avLst/>
-          </a:prstGeom>
-          <a:noFill/>
-          <a:ln>
-            <a:solidFill>
-              <a:schemeClr val="tx1"/>
-            </a:solidFill>
-          </a:ln>
-        </p:spPr>
-        <p:style>
-          <a:lnRef idx="2">
-            <a:schemeClr val="accent1">
-              <a:shade val="50000"/>
-            </a:schemeClr>
-          </a:lnRef>
-          <a:fillRef idx="1">
-            <a:schemeClr val="accent1"/>
-          </a:fillRef>
-          <a:effectRef idx="0">
-            <a:schemeClr val="accent1"/>
-          </a:effectRef>
-          <a:fontRef idx="minor">
-            <a:schemeClr val="lt1"/>
-          </a:fontRef>
-        </p:style>
-        <p:txBody>
-          <a:bodyPr rtlCol="0" anchor="ctr"/>
-          <a:lstStyle/>
-          <a:p>
-            <a:pPr algn="ctr"/>
-            <a:r>
-              <a:rPr lang="zh-CN" altLang="en-US" sz="1000" dirty="0">
-                <a:solidFill>
-                  <a:schemeClr val="tx1"/>
-                </a:solidFill>
-              </a:rPr>
-              <a:t>快速修复菜单</a:t>
-            </a:r>
-          </a:p>
-        </p:txBody>
-      </p:sp>
-      <p:cxnSp>
-        <p:nvCxnSpPr>
-          <p:cNvPr id="7" name="直接连接符 6"/>
-          <p:cNvCxnSpPr>
-            <a:stCxn id="5" idx="3"/>
-          </p:cNvCxnSpPr>
-          <p:nvPr/>
-        </p:nvCxnSpPr>
-        <p:spPr>
-          <a:xfrm>
-            <a:off x="2032986" y="3302494"/>
-            <a:ext cx="698238" cy="204186"/>
-          </a:xfrm>
-          <a:prstGeom prst="line">
-            <a:avLst/>
-          </a:prstGeom>
-          <a:ln w="22225">
-            <a:solidFill>
-              <a:schemeClr val="accent5">
-                <a:lumMod val="60000"/>
-                <a:lumOff val="40000"/>
-              </a:schemeClr>
-            </a:solidFill>
-          </a:ln>
-        </p:spPr>
-        <p:style>
-          <a:lnRef idx="1">
-            <a:schemeClr val="accent5"/>
-          </a:lnRef>
-          <a:fillRef idx="0">
-            <a:schemeClr val="accent5"/>
-          </a:fillRef>
-          <a:effectRef idx="0">
-            <a:schemeClr val="accent5"/>
-          </a:effectRef>
-          <a:fontRef idx="minor">
-            <a:schemeClr val="tx1"/>
-          </a:fontRef>
-        </p:style>
-      </p:cxnSp>
-      <p:sp>
-        <p:nvSpPr>
-          <p:cNvPr id="8" name="矩形 7"/>
-          <p:cNvSpPr/>
-          <p:nvPr/>
-        </p:nvSpPr>
-        <p:spPr>
-          <a:xfrm>
-            <a:off x="4425609" y="4576300"/>
-            <a:ext cx="1038687" cy="248575"/>
-          </a:xfrm>
-          <a:prstGeom prst="rect">
-            <a:avLst/>
-          </a:prstGeom>
-          <a:noFill/>
-          <a:ln>
-            <a:solidFill>
-              <a:schemeClr val="tx1"/>
-            </a:solidFill>
-          </a:ln>
-        </p:spPr>
-        <p:style>
-          <a:lnRef idx="2">
-            <a:schemeClr val="accent1">
-              <a:shade val="50000"/>
-            </a:schemeClr>
-          </a:lnRef>
-          <a:fillRef idx="1">
-            <a:schemeClr val="accent1"/>
-          </a:fillRef>
-          <a:effectRef idx="0">
-            <a:schemeClr val="accent1"/>
-          </a:effectRef>
-          <a:fontRef idx="minor">
-            <a:schemeClr val="lt1"/>
-          </a:fontRef>
-        </p:style>
-        <p:txBody>
-          <a:bodyPr rtlCol="0" anchor="ctr"/>
-          <a:lstStyle/>
-          <a:p>
-            <a:pPr algn="ctr"/>
-            <a:r>
-              <a:rPr lang="zh-CN" altLang="en-US" sz="1000" dirty="0">
-                <a:solidFill>
-                  <a:schemeClr val="tx1"/>
-                </a:solidFill>
-              </a:rPr>
-              <a:t>问题发生点</a:t>
-            </a:r>
-          </a:p>
-        </p:txBody>
-      </p:sp>
-      <p:cxnSp>
-        <p:nvCxnSpPr>
-          <p:cNvPr id="9" name="直接连接符 8"/>
-          <p:cNvCxnSpPr>
-            <a:endCxn id="8" idx="0"/>
-          </p:cNvCxnSpPr>
-          <p:nvPr/>
-        </p:nvCxnSpPr>
-        <p:spPr>
-          <a:xfrm>
-            <a:off x="4944952" y="3404587"/>
-            <a:ext cx="1" cy="1171713"/>
-          </a:xfrm>
-          <a:prstGeom prst="line">
-            <a:avLst/>
-          </a:prstGeom>
-          <a:ln w="22225">
-            <a:solidFill>
-              <a:schemeClr val="accent5">
-                <a:lumMod val="60000"/>
-                <a:lumOff val="40000"/>
-              </a:schemeClr>
-            </a:solidFill>
-          </a:ln>
-        </p:spPr>
-        <p:style>
-          <a:lnRef idx="1">
-            <a:schemeClr val="accent5"/>
-          </a:lnRef>
-          <a:fillRef idx="0">
-            <a:schemeClr val="accent5"/>
-          </a:fillRef>
-          <a:effectRef idx="0">
-            <a:schemeClr val="accent5"/>
-          </a:effectRef>
-          <a:fontRef idx="minor">
-            <a:schemeClr val="tx1"/>
-          </a:fontRef>
-        </p:style>
-      </p:cxnSp>
-      <p:sp>
-        <p:nvSpPr>
-          <p:cNvPr id="12" name="矩形 11"/>
-          <p:cNvSpPr/>
-          <p:nvPr/>
-        </p:nvSpPr>
-        <p:spPr>
-          <a:xfrm>
-            <a:off x="9907391" y="2929631"/>
-            <a:ext cx="1038687" cy="248575"/>
-          </a:xfrm>
-          <a:prstGeom prst="rect">
-            <a:avLst/>
-          </a:prstGeom>
-          <a:noFill/>
-          <a:ln>
-            <a:solidFill>
-              <a:schemeClr val="tx1"/>
-            </a:solidFill>
-          </a:ln>
-        </p:spPr>
-        <p:style>
-          <a:lnRef idx="2">
-            <a:schemeClr val="accent1">
-              <a:shade val="50000"/>
-            </a:schemeClr>
-          </a:lnRef>
-          <a:fillRef idx="1">
-            <a:schemeClr val="accent1"/>
-          </a:fillRef>
-          <a:effectRef idx="0">
-            <a:schemeClr val="accent1"/>
-          </a:effectRef>
-          <a:fontRef idx="minor">
-            <a:schemeClr val="lt1"/>
-          </a:fontRef>
-        </p:style>
-        <p:txBody>
-          <a:bodyPr rtlCol="0" anchor="ctr"/>
-          <a:lstStyle/>
-          <a:p>
-            <a:pPr algn="ctr"/>
-            <a:r>
-              <a:rPr lang="zh-CN" altLang="en-US" sz="1000" dirty="0">
-                <a:solidFill>
-                  <a:schemeClr val="tx1"/>
-                </a:solidFill>
-              </a:rPr>
-              <a:t>问题布局</a:t>
-            </a:r>
-          </a:p>
-        </p:txBody>
-      </p:sp>
-      <p:cxnSp>
-        <p:nvCxnSpPr>
-          <p:cNvPr id="13" name="直接连接符 12"/>
-          <p:cNvCxnSpPr>
-            <a:endCxn id="12" idx="1"/>
-          </p:cNvCxnSpPr>
-          <p:nvPr/>
-        </p:nvCxnSpPr>
-        <p:spPr>
-          <a:xfrm>
-            <a:off x="8874849" y="3053918"/>
-            <a:ext cx="1032542" cy="1"/>
-          </a:xfrm>
-          <a:prstGeom prst="line">
-            <a:avLst/>
-          </a:prstGeom>
-          <a:ln w="22225">
-            <a:solidFill>
-              <a:schemeClr val="accent5">
-                <a:lumMod val="60000"/>
-                <a:lumOff val="40000"/>
-              </a:schemeClr>
-            </a:solidFill>
-          </a:ln>
-        </p:spPr>
-        <p:style>
-          <a:lnRef idx="1">
-            <a:schemeClr val="accent5"/>
-          </a:lnRef>
-          <a:fillRef idx="0">
-            <a:schemeClr val="accent5"/>
-          </a:fillRef>
-          <a:effectRef idx="0">
-            <a:schemeClr val="accent5"/>
-          </a:effectRef>
-          <a:fontRef idx="minor">
-            <a:schemeClr val="tx1"/>
-          </a:fontRef>
-        </p:style>
-      </p:cxnSp>
-    </p:spTree>
-    <p:extLst>
-      <p:ext uri="{BB962C8B-B14F-4D97-AF65-F5344CB8AC3E}">
-        <p14:creationId xmlns:p14="http://schemas.microsoft.com/office/powerpoint/2010/main" val="2700295959"/>
-      </p:ext>
-    </p:extLst>
-  </p:cSld>
-  <p:clrMapOvr>
-    <a:masterClrMapping/>
-  </p:clrMapOvr>
-</p:sld>
-</file>
-
-<file path=ppt/slides/slide16.xml><?xml version="1.0" encoding="utf-8"?>
-<p:sld xmlns:a="http://schemas.openxmlformats.org/drawingml/2006/main" xmlns:r="http://schemas.openxmlformats.org/officeDocument/2006/relationships" xmlns:p="http://schemas.openxmlformats.org/presentationml/2006/main">
-  <p:cSld>
-    <p:spTree>
-      <p:nvGrpSpPr>
-        <p:cNvPr id="1" name=""/>
-        <p:cNvGrpSpPr/>
-        <p:nvPr/>
-      </p:nvGrpSpPr>
-      <p:grpSpPr>
-        <a:xfrm>
-          <a:off x="0" y="0"/>
-          <a:ext cx="0" cy="0"/>
-          <a:chOff x="0" y="0"/>
-          <a:chExt cx="0" cy="0"/>
-        </a:xfrm>
-      </p:grpSpPr>
-      <p:sp>
-        <p:nvSpPr>
-          <p:cNvPr id="2" name="标题 1"/>
-          <p:cNvSpPr>
-            <a:spLocks noGrp="1"/>
-          </p:cNvSpPr>
-          <p:nvPr>
-            <p:ph type="title"/>
-          </p:nvPr>
-        </p:nvSpPr>
-        <p:spPr/>
-        <p:txBody>
-          <a:bodyPr/>
-          <a:lstStyle/>
-          <a:p>
-            <a:r>
-              <a:rPr lang="zh-CN" altLang="en-US" dirty="0"/>
-              <a:t>最佳实践</a:t>
-            </a:r>
-            <a:r>
-              <a:rPr lang="en-US" altLang="zh-CN" dirty="0"/>
-              <a:t>/</a:t>
-            </a:r>
-            <a:r>
-              <a:rPr lang="zh-CN" altLang="en-US" dirty="0"/>
-              <a:t>其他</a:t>
-            </a:r>
-          </a:p>
-        </p:txBody>
-      </p:sp>
-      <p:sp>
-        <p:nvSpPr>
-          <p:cNvPr id="3" name="内容占位符 2"/>
-          <p:cNvSpPr>
-            <a:spLocks noGrp="1"/>
-          </p:cNvSpPr>
-          <p:nvPr>
-            <p:ph idx="1"/>
-          </p:nvPr>
-        </p:nvSpPr>
-        <p:spPr/>
-        <p:txBody>
-          <a:bodyPr>
-            <a:normAutofit lnSpcReduction="10000"/>
-          </a:bodyPr>
-          <a:lstStyle/>
-          <a:p>
-            <a:r>
-              <a:rPr lang="zh-CN" altLang="en-US" dirty="0"/>
-              <a:t>缓存</a:t>
-            </a:r>
-            <a:r>
-              <a:rPr lang="en-US" altLang="zh-CN" dirty="0" err="1"/>
-              <a:t>MemberInfo</a:t>
-            </a:r>
-            <a:endParaRPr lang="en-US" altLang="zh-CN" dirty="0"/>
-          </a:p>
-          <a:p>
-            <a:pPr marL="457200" lvl="1" indent="0">
-              <a:buNone/>
-            </a:pPr>
-            <a:r>
-              <a:rPr lang="zh-CN" altLang="en-US" sz="1800" dirty="0">
-                <a:latin typeface="微软雅黑 Light" panose="020B0502040204020203" pitchFamily="34" charset="-122"/>
-                <a:ea typeface="微软雅黑 Light" panose="020B0502040204020203" pitchFamily="34" charset="-122"/>
-              </a:rPr>
-              <a:t>反射性能低下主要有三个原因：</a:t>
-            </a:r>
-            <a:r>
-              <a:rPr lang="en-US" altLang="zh-CN" sz="1800" dirty="0" err="1">
-                <a:latin typeface="微软雅黑 Light" panose="020B0502040204020203" pitchFamily="34" charset="-122"/>
-                <a:ea typeface="微软雅黑 Light" panose="020B0502040204020203" pitchFamily="34" charset="-122"/>
-              </a:rPr>
-              <a:t>EEClass</a:t>
-            </a:r>
-            <a:r>
-              <a:rPr lang="zh-CN" altLang="en-US" sz="1800" dirty="0">
-                <a:latin typeface="微软雅黑 Light" panose="020B0502040204020203" pitchFamily="34" charset="-122"/>
-                <a:ea typeface="微软雅黑 Light" panose="020B0502040204020203" pitchFamily="34" charset="-122"/>
-              </a:rPr>
-              <a:t>检索慢于编译器生成的地址代换，检索到的数据需要生成</a:t>
-            </a:r>
-            <a:r>
-              <a:rPr lang="en-US" altLang="zh-CN" sz="1800" dirty="0" err="1">
-                <a:latin typeface="微软雅黑 Light" panose="020B0502040204020203" pitchFamily="34" charset="-122"/>
-                <a:ea typeface="微软雅黑 Light" panose="020B0502040204020203" pitchFamily="34" charset="-122"/>
-              </a:rPr>
-              <a:t>MemberInfo</a:t>
-            </a:r>
-            <a:r>
-              <a:rPr lang="zh-CN" altLang="en-US" sz="1800" dirty="0">
-                <a:latin typeface="微软雅黑 Light" panose="020B0502040204020203" pitchFamily="34" charset="-122"/>
-                <a:ea typeface="微软雅黑 Light" panose="020B0502040204020203" pitchFamily="34" charset="-122"/>
-              </a:rPr>
-              <a:t>对象，访问</a:t>
-            </a:r>
-            <a:r>
-              <a:rPr lang="en-US" altLang="zh-CN" sz="1800" dirty="0" err="1">
-                <a:latin typeface="微软雅黑 Light" panose="020B0502040204020203" pitchFamily="34" charset="-122"/>
-                <a:ea typeface="微软雅黑 Light" panose="020B0502040204020203" pitchFamily="34" charset="-122"/>
-              </a:rPr>
-              <a:t>MemberInfo</a:t>
-            </a:r>
-            <a:r>
-              <a:rPr lang="zh-CN" altLang="en-US" sz="1800" dirty="0">
-                <a:latin typeface="微软雅黑 Light" panose="020B0502040204020203" pitchFamily="34" charset="-122"/>
-                <a:ea typeface="微软雅黑 Light" panose="020B0502040204020203" pitchFamily="34" charset="-122"/>
-              </a:rPr>
-              <a:t>对象需要动态绑定。使用反射式缓存</a:t>
-            </a:r>
-            <a:r>
-              <a:rPr lang="en-US" altLang="zh-CN" sz="1800" dirty="0" err="1">
-                <a:latin typeface="微软雅黑 Light" panose="020B0502040204020203" pitchFamily="34" charset="-122"/>
-                <a:ea typeface="微软雅黑 Light" panose="020B0502040204020203" pitchFamily="34" charset="-122"/>
-              </a:rPr>
-              <a:t>MemberInfo</a:t>
-            </a:r>
-            <a:r>
-              <a:rPr lang="zh-CN" altLang="en-US" sz="1800" dirty="0">
-                <a:latin typeface="微软雅黑 Light" panose="020B0502040204020203" pitchFamily="34" charset="-122"/>
-                <a:ea typeface="微软雅黑 Light" panose="020B0502040204020203" pitchFamily="34" charset="-122"/>
-              </a:rPr>
-              <a:t>，前两个问题都能迎刃而解</a:t>
-            </a:r>
-          </a:p>
-          <a:p>
-            <a:r>
-              <a:rPr lang="zh-CN" altLang="en-US" dirty="0"/>
-              <a:t>为集合预分配容量</a:t>
-            </a:r>
-            <a:endParaRPr lang="en-US" altLang="zh-CN" dirty="0"/>
-          </a:p>
-          <a:p>
-            <a:pPr marL="457200" lvl="1" indent="0">
-              <a:buNone/>
-            </a:pPr>
-            <a:r>
-              <a:rPr lang="zh-CN" altLang="en-US" sz="1800" dirty="0">
-                <a:latin typeface="微软雅黑 Light" panose="020B0502040204020203" pitchFamily="34" charset="-122"/>
-                <a:ea typeface="微软雅黑 Light" panose="020B0502040204020203" pitchFamily="34" charset="-122"/>
-              </a:rPr>
-              <a:t>集合拥有积极扩张的内存分配策略，预估集合容量并进行预分配非但有助于减少重分配次数，而且通常能够节约内存</a:t>
-            </a:r>
-            <a:endParaRPr lang="en-US" altLang="zh-CN" sz="1800" dirty="0">
-              <a:latin typeface="微软雅黑 Light" panose="020B0502040204020203" pitchFamily="34" charset="-122"/>
-              <a:ea typeface="微软雅黑 Light" panose="020B0502040204020203" pitchFamily="34" charset="-122"/>
-            </a:endParaRPr>
-          </a:p>
-          <a:p>
-            <a:r>
-              <a:rPr lang="zh-CN" altLang="en-US" dirty="0"/>
-              <a:t>重写</a:t>
-            </a:r>
-            <a:r>
-              <a:rPr lang="en-US" altLang="zh-CN" dirty="0"/>
-              <a:t>Equals</a:t>
-            </a:r>
-            <a:r>
-              <a:rPr lang="zh-CN" altLang="en-US" dirty="0"/>
-              <a:t>方法和</a:t>
-            </a:r>
-            <a:r>
-              <a:rPr lang="en-US" altLang="zh-CN" dirty="0" err="1"/>
-              <a:t>GetHashCode</a:t>
-            </a:r>
-            <a:r>
-              <a:rPr lang="zh-CN" altLang="en-US" dirty="0"/>
-              <a:t>方法</a:t>
-            </a:r>
-            <a:endParaRPr lang="en-US" altLang="zh-CN" dirty="0"/>
-          </a:p>
-          <a:p>
-            <a:pPr marL="457200" lvl="1" indent="0">
-              <a:buNone/>
-            </a:pPr>
-            <a:r>
-              <a:rPr lang="zh-CN" altLang="en-US" sz="1800" dirty="0">
-                <a:latin typeface="微软雅黑 Light" panose="020B0502040204020203" pitchFamily="34" charset="-122"/>
-                <a:ea typeface="微软雅黑 Light" panose="020B0502040204020203" pitchFamily="34" charset="-122"/>
-              </a:rPr>
-              <a:t>引用类型的上述方法默认实现使用反射</a:t>
-            </a:r>
-            <a:r>
-              <a:rPr lang="zh-CN" altLang="en-US" dirty="0"/>
-              <a:t>坚持建立文档化注释</a:t>
-            </a:r>
-            <a:endParaRPr lang="en-US" altLang="zh-CN" dirty="0"/>
-          </a:p>
-          <a:p>
-            <a:pPr marL="457200" lvl="1" indent="0">
-              <a:buNone/>
-            </a:pPr>
-            <a:r>
-              <a:rPr lang="zh-CN" altLang="en-US" sz="1800" dirty="0">
-                <a:latin typeface="微软雅黑 Light" panose="020B0502040204020203" pitchFamily="34" charset="-122"/>
-                <a:ea typeface="微软雅黑 Light" panose="020B0502040204020203" pitchFamily="34" charset="-122"/>
-              </a:rPr>
-              <a:t>从</a:t>
-            </a:r>
-            <a:r>
-              <a:rPr lang="en-US" altLang="zh-CN" sz="1800" dirty="0">
-                <a:latin typeface="微软雅黑 Light" panose="020B0502040204020203" pitchFamily="34" charset="-122"/>
-                <a:ea typeface="微软雅黑 Light" panose="020B0502040204020203" pitchFamily="34" charset="-122"/>
-              </a:rPr>
-              <a:t>VisualStudio</a:t>
-            </a:r>
-            <a:r>
-              <a:rPr lang="zh-CN" altLang="en-US" sz="1800" dirty="0">
-                <a:latin typeface="微软雅黑 Light" panose="020B0502040204020203" pitchFamily="34" charset="-122"/>
-                <a:ea typeface="微软雅黑 Light" panose="020B0502040204020203" pitchFamily="34" charset="-122"/>
-              </a:rPr>
-              <a:t>到</a:t>
-            </a:r>
-            <a:r>
-              <a:rPr lang="en-US" altLang="zh-CN" sz="1800" dirty="0" err="1">
-                <a:latin typeface="微软雅黑 Light" panose="020B0502040204020203" pitchFamily="34" charset="-122"/>
-                <a:ea typeface="微软雅黑 Light" panose="020B0502040204020203" pitchFamily="34" charset="-122"/>
-              </a:rPr>
-              <a:t>Resharper</a:t>
-            </a:r>
-            <a:r>
-              <a:rPr lang="zh-CN" altLang="en-US" sz="1800" dirty="0">
-                <a:latin typeface="微软雅黑 Light" panose="020B0502040204020203" pitchFamily="34" charset="-122"/>
-                <a:ea typeface="微软雅黑 Light" panose="020B0502040204020203" pitchFamily="34" charset="-122"/>
-              </a:rPr>
-              <a:t>，对类与方法的描述都来自文档化注释。</a:t>
-            </a:r>
-            <a:endParaRPr lang="en-US" altLang="zh-CN" dirty="0"/>
-          </a:p>
-          <a:p>
-            <a:r>
-              <a:rPr lang="zh-CN" altLang="en-US" dirty="0"/>
-              <a:t>较小的集合不应使用有键集合</a:t>
-            </a:r>
-            <a:endParaRPr lang="en-US" altLang="zh-CN" dirty="0"/>
-          </a:p>
-          <a:p>
-            <a:pPr marL="457200" lvl="1" indent="0">
-              <a:buNone/>
-            </a:pPr>
-            <a:r>
-              <a:rPr lang="zh-CN" altLang="en-US" sz="1800" dirty="0">
-                <a:latin typeface="微软雅黑 Light" panose="020B0502040204020203" pitchFamily="34" charset="-122"/>
-                <a:ea typeface="微软雅黑 Light" panose="020B0502040204020203" pitchFamily="34" charset="-122"/>
-              </a:rPr>
-              <a:t>有键集合需要额外的空间。举例来说，一个空的</a:t>
-            </a:r>
-            <a:r>
-              <a:rPr lang="en-US" altLang="zh-CN" sz="1800" dirty="0">
-                <a:latin typeface="微软雅黑 Light" panose="020B0502040204020203" pitchFamily="34" charset="-122"/>
-                <a:ea typeface="微软雅黑 Light" panose="020B0502040204020203" pitchFamily="34" charset="-122"/>
-              </a:rPr>
-              <a:t>Dictionary</a:t>
-            </a:r>
-            <a:r>
-              <a:rPr lang="zh-CN" altLang="en-US" sz="1800" dirty="0">
-                <a:latin typeface="微软雅黑 Light" panose="020B0502040204020203" pitchFamily="34" charset="-122"/>
-                <a:ea typeface="微软雅黑 Light" panose="020B0502040204020203" pitchFamily="34" charset="-122"/>
-              </a:rPr>
-              <a:t>也会消耗</a:t>
-            </a:r>
-            <a:r>
-              <a:rPr lang="en-US" altLang="zh-CN" sz="1800" dirty="0">
-                <a:latin typeface="微软雅黑 Light" panose="020B0502040204020203" pitchFamily="34" charset="-122"/>
-                <a:ea typeface="微软雅黑 Light" panose="020B0502040204020203" pitchFamily="34" charset="-122"/>
-              </a:rPr>
-              <a:t>12</a:t>
-            </a:r>
-            <a:r>
-              <a:rPr lang="zh-CN" altLang="en-US" sz="1800" dirty="0">
-                <a:latin typeface="微软雅黑 Light" panose="020B0502040204020203" pitchFamily="34" charset="-122"/>
-                <a:ea typeface="微软雅黑 Light" panose="020B0502040204020203" pitchFamily="34" charset="-122"/>
-              </a:rPr>
-              <a:t>字节的空间。</a:t>
-            </a:r>
-            <a:endParaRPr lang="en-US" altLang="zh-CN" sz="1800" dirty="0">
-              <a:latin typeface="微软雅黑 Light" panose="020B0502040204020203" pitchFamily="34" charset="-122"/>
-              <a:ea typeface="微软雅黑 Light" panose="020B0502040204020203" pitchFamily="34" charset="-122"/>
-            </a:endParaRPr>
-          </a:p>
-        </p:txBody>
-      </p:sp>
-    </p:spTree>
-    <p:extLst>
-      <p:ext uri="{BB962C8B-B14F-4D97-AF65-F5344CB8AC3E}">
-        <p14:creationId xmlns:p14="http://schemas.microsoft.com/office/powerpoint/2010/main" val="1948017904"/>
-      </p:ext>
-    </p:extLst>
-  </p:cSld>
-  <p:clrMapOvr>
-    <a:masterClrMapping/>
-  </p:clrMapOvr>
-</p:sld>
-</file>
-
-<file path=ppt/slides/slide17.xml><?xml version="1.0" encoding="utf-8"?>
-<p:sld xmlns:a="http://schemas.openxmlformats.org/drawingml/2006/main" xmlns:r="http://schemas.openxmlformats.org/officeDocument/2006/relationships" xmlns:p="http://schemas.openxmlformats.org/presentationml/2006/main">
-  <p:cSld>
-    <p:spTree>
-      <p:nvGrpSpPr>
-        <p:cNvPr id="1" name=""/>
-        <p:cNvGrpSpPr/>
-        <p:nvPr/>
-      </p:nvGrpSpPr>
-      <p:grpSpPr>
-        <a:xfrm>
-          <a:off x="0" y="0"/>
-          <a:ext cx="0" cy="0"/>
-          <a:chOff x="0" y="0"/>
-          <a:chExt cx="0" cy="0"/>
-        </a:xfrm>
-      </p:grpSpPr>
-      <p:sp>
-        <p:nvSpPr>
-          <p:cNvPr id="2" name="标题 1"/>
-          <p:cNvSpPr>
-            <a:spLocks noGrp="1"/>
-          </p:cNvSpPr>
-          <p:nvPr>
-            <p:ph type="title"/>
-          </p:nvPr>
-        </p:nvSpPr>
-        <p:spPr/>
-        <p:txBody>
-          <a:bodyPr/>
-          <a:lstStyle/>
-          <a:p>
-            <a:r>
-              <a:rPr lang="zh-CN" altLang="en-US" dirty="0"/>
-              <a:t>最佳实践</a:t>
-            </a:r>
-            <a:r>
-              <a:rPr lang="en-US" altLang="zh-CN" dirty="0"/>
-              <a:t>/</a:t>
-            </a:r>
-            <a:r>
-              <a:rPr lang="zh-CN" altLang="en-US" dirty="0"/>
-              <a:t>其他</a:t>
-            </a:r>
-          </a:p>
-        </p:txBody>
-      </p:sp>
-      <p:sp>
-        <p:nvSpPr>
-          <p:cNvPr id="3" name="内容占位符 2"/>
-          <p:cNvSpPr>
-            <a:spLocks noGrp="1"/>
-          </p:cNvSpPr>
-          <p:nvPr>
-            <p:ph idx="1"/>
-          </p:nvPr>
-        </p:nvSpPr>
-        <p:spPr/>
-        <p:txBody>
-          <a:bodyPr>
-            <a:normAutofit/>
-          </a:bodyPr>
-          <a:lstStyle/>
-          <a:p>
-            <a:r>
-              <a:rPr lang="zh-CN" altLang="en-US" dirty="0"/>
-              <a:t>枚举类型不宜作为键使用</a:t>
-            </a:r>
-            <a:endParaRPr lang="en-US" altLang="zh-CN" dirty="0"/>
-          </a:p>
-          <a:p>
-            <a:pPr marL="457200" lvl="1" indent="0">
-              <a:buNone/>
-            </a:pPr>
-            <a:r>
-              <a:rPr lang="zh-CN" altLang="en-US" sz="1800" dirty="0">
-                <a:latin typeface="微软雅黑 Light" panose="020B0502040204020203" pitchFamily="34" charset="-122"/>
-                <a:ea typeface="微软雅黑 Light" panose="020B0502040204020203" pitchFamily="34" charset="-122"/>
-              </a:rPr>
-              <a:t>枚举是值类型，而且你无法重写它的</a:t>
-            </a:r>
-            <a:r>
-              <a:rPr lang="en-US" altLang="zh-CN" sz="1800" dirty="0" err="1">
-                <a:latin typeface="微软雅黑 Light" panose="020B0502040204020203" pitchFamily="34" charset="-122"/>
-                <a:ea typeface="微软雅黑 Light" panose="020B0502040204020203" pitchFamily="34" charset="-122"/>
-              </a:rPr>
-              <a:t>GetHashCode</a:t>
-            </a:r>
-            <a:r>
-              <a:rPr lang="zh-CN" altLang="en-US" sz="1800" dirty="0">
-                <a:latin typeface="微软雅黑 Light" panose="020B0502040204020203" pitchFamily="34" charset="-122"/>
-                <a:ea typeface="微软雅黑 Light" panose="020B0502040204020203" pitchFamily="34" charset="-122"/>
-              </a:rPr>
-              <a:t>方法</a:t>
-            </a:r>
-            <a:endParaRPr lang="en-US" altLang="zh-CN" sz="1800" dirty="0">
-              <a:latin typeface="微软雅黑 Light" panose="020B0502040204020203" pitchFamily="34" charset="-122"/>
-              <a:ea typeface="微软雅黑 Light" panose="020B0502040204020203" pitchFamily="34" charset="-122"/>
-            </a:endParaRPr>
-          </a:p>
-          <a:p>
-            <a:r>
-              <a:rPr lang="zh-CN" altLang="en-US" dirty="0"/>
-              <a:t>谨慎传递结构体</a:t>
-            </a:r>
-            <a:endParaRPr lang="en-US" altLang="zh-CN" dirty="0"/>
-          </a:p>
-          <a:p>
-            <a:pPr marL="457200" lvl="1" indent="0">
-              <a:buNone/>
-            </a:pPr>
-            <a:r>
-              <a:rPr lang="zh-CN" altLang="en-US" sz="1800" dirty="0">
-                <a:latin typeface="微软雅黑 Light" panose="020B0502040204020203" pitchFamily="34" charset="-122"/>
-                <a:ea typeface="微软雅黑 Light" panose="020B0502040204020203" pitchFamily="34" charset="-122"/>
-              </a:rPr>
-              <a:t>别忘了结构体是值类型哦。使用</a:t>
-            </a:r>
-            <a:r>
-              <a:rPr lang="en-US" altLang="zh-CN" sz="1800" dirty="0">
-                <a:latin typeface="微软雅黑 Light" panose="020B0502040204020203" pitchFamily="34" charset="-122"/>
-                <a:ea typeface="微软雅黑 Light" panose="020B0502040204020203" pitchFamily="34" charset="-122"/>
-              </a:rPr>
-              <a:t>ref</a:t>
-            </a:r>
-            <a:r>
-              <a:rPr lang="zh-CN" altLang="en-US" sz="1800" dirty="0">
-                <a:latin typeface="微软雅黑 Light" panose="020B0502040204020203" pitchFamily="34" charset="-122"/>
-                <a:ea typeface="微软雅黑 Light" panose="020B0502040204020203" pitchFamily="34" charset="-122"/>
-              </a:rPr>
-              <a:t>传递作为参数的结构体</a:t>
-            </a:r>
-            <a:endParaRPr lang="en-US" altLang="zh-CN" sz="1800" dirty="0">
-              <a:latin typeface="微软雅黑 Light" panose="020B0502040204020203" pitchFamily="34" charset="-122"/>
-              <a:ea typeface="微软雅黑 Light" panose="020B0502040204020203" pitchFamily="34" charset="-122"/>
-            </a:endParaRPr>
-          </a:p>
-          <a:p>
-            <a:r>
-              <a:rPr lang="zh-CN" altLang="en-US" dirty="0"/>
-              <a:t>使用枚举而非常量</a:t>
-            </a:r>
-            <a:endParaRPr lang="en-US" altLang="zh-CN" dirty="0"/>
-          </a:p>
-          <a:p>
-            <a:pPr marL="457200" lvl="1" indent="0">
-              <a:buNone/>
-            </a:pPr>
-            <a:r>
-              <a:rPr lang="zh-CN" altLang="en-US" sz="1800" dirty="0">
-                <a:latin typeface="微软雅黑 Light" panose="020B0502040204020203" pitchFamily="34" charset="-122"/>
-                <a:ea typeface="微软雅黑 Light" panose="020B0502040204020203" pitchFamily="34" charset="-122"/>
-              </a:rPr>
-              <a:t>枚举明确地指出了其内容的约束，且拥有更完备的工具支持</a:t>
-            </a:r>
-            <a:endParaRPr lang="en-US" altLang="zh-CN" sz="1800" dirty="0">
-              <a:latin typeface="微软雅黑 Light" panose="020B0502040204020203" pitchFamily="34" charset="-122"/>
-              <a:ea typeface="微软雅黑 Light" panose="020B0502040204020203" pitchFamily="34" charset="-122"/>
-            </a:endParaRPr>
-          </a:p>
-          <a:p>
-            <a:r>
-              <a:rPr lang="zh-CN" altLang="en-US" dirty="0"/>
-              <a:t>慎重对待闭包</a:t>
-            </a:r>
-            <a:endParaRPr lang="en-US" altLang="zh-CN" dirty="0"/>
-          </a:p>
-          <a:p>
-            <a:pPr marL="457200" lvl="1" indent="0">
-              <a:buNone/>
-            </a:pPr>
-            <a:r>
-              <a:rPr lang="zh-CN" altLang="en-US" sz="1800" dirty="0">
-                <a:latin typeface="微软雅黑 Light" panose="020B0502040204020203" pitchFamily="34" charset="-122"/>
-                <a:ea typeface="微软雅黑 Light" panose="020B0502040204020203" pitchFamily="34" charset="-122"/>
-              </a:rPr>
-              <a:t>状态的延续站在内存的肩膀上</a:t>
-            </a:r>
-            <a:endParaRPr lang="en-US" altLang="zh-CN" sz="1800" dirty="0">
-              <a:latin typeface="微软雅黑 Light" panose="020B0502040204020203" pitchFamily="34" charset="-122"/>
-              <a:ea typeface="微软雅黑 Light" panose="020B0502040204020203" pitchFamily="34" charset="-122"/>
-            </a:endParaRPr>
-          </a:p>
-          <a:p>
-            <a:r>
-              <a:rPr lang="zh-CN" altLang="en-US" dirty="0"/>
-              <a:t>编译重复使用的正则表达式</a:t>
-            </a:r>
-            <a:endParaRPr lang="en-US" altLang="zh-CN" dirty="0"/>
-          </a:p>
-          <a:p>
-            <a:pPr marL="457200" lvl="1" indent="0">
-              <a:buNone/>
-            </a:pPr>
-            <a:r>
-              <a:rPr lang="zh-CN" altLang="en-US" sz="1800" dirty="0">
-                <a:latin typeface="微软雅黑 Light" panose="020B0502040204020203" pitchFamily="34" charset="-122"/>
-                <a:ea typeface="微软雅黑 Light" panose="020B0502040204020203" pitchFamily="34" charset="-122"/>
-              </a:rPr>
-              <a:t>将字符串编译为自动机往往要比匹配消耗更多时间</a:t>
-            </a:r>
-            <a:endParaRPr lang="en-US" altLang="zh-CN" sz="1800" dirty="0">
-              <a:latin typeface="微软雅黑 Light" panose="020B0502040204020203" pitchFamily="34" charset="-122"/>
-              <a:ea typeface="微软雅黑 Light" panose="020B0502040204020203" pitchFamily="34" charset="-122"/>
-            </a:endParaRPr>
-          </a:p>
-          <a:p>
-            <a:pPr marL="457200" lvl="1" indent="0">
-              <a:buNone/>
-            </a:pPr>
-            <a:endParaRPr lang="zh-CN" altLang="en-US" sz="1800" dirty="0">
-              <a:latin typeface="微软雅黑 Light" panose="020B0502040204020203" pitchFamily="34" charset="-122"/>
-              <a:ea typeface="微软雅黑 Light" panose="020B0502040204020203" pitchFamily="34" charset="-122"/>
-            </a:endParaRPr>
-          </a:p>
-        </p:txBody>
-      </p:sp>
-    </p:spTree>
-    <p:extLst>
-      <p:ext uri="{BB962C8B-B14F-4D97-AF65-F5344CB8AC3E}">
-        <p14:creationId xmlns:p14="http://schemas.microsoft.com/office/powerpoint/2010/main" val="4131926382"/>
-      </p:ext>
-    </p:extLst>
-  </p:cSld>
-  <p:clrMapOvr>
-    <a:masterClrMapping/>
-  </p:clrMapOvr>
-</p:sld>
-</file>
-
-<file path=ppt/slides/slide18.xml><?xml version="1.0" encoding="utf-8"?>
-<p:sld xmlns:a="http://schemas.openxmlformats.org/drawingml/2006/main" xmlns:r="http://schemas.openxmlformats.org/officeDocument/2006/relationships" xmlns:p="http://schemas.openxmlformats.org/presentationml/2006/main">
-  <p:cSld>
-    <p:spTree>
-      <p:nvGrpSpPr>
-        <p:cNvPr id="1" name=""/>
-        <p:cNvGrpSpPr/>
-        <p:nvPr/>
-      </p:nvGrpSpPr>
-      <p:grpSpPr>
-        <a:xfrm>
-          <a:off x="0" y="0"/>
-          <a:ext cx="0" cy="0"/>
-          <a:chOff x="0" y="0"/>
-          <a:chExt cx="0" cy="0"/>
-        </a:xfrm>
-      </p:grpSpPr>
-      <p:sp>
-        <p:nvSpPr>
-          <p:cNvPr id="2" name="标题 1"/>
-          <p:cNvSpPr>
-            <a:spLocks noGrp="1"/>
-          </p:cNvSpPr>
-          <p:nvPr>
-            <p:ph type="title"/>
-          </p:nvPr>
-        </p:nvSpPr>
-        <p:spPr/>
-        <p:txBody>
-          <a:bodyPr/>
-          <a:lstStyle/>
-          <a:p>
-            <a:r>
-              <a:rPr lang="zh-CN" altLang="en-US" dirty="0"/>
-              <a:t>书籍</a:t>
-            </a:r>
-          </a:p>
-        </p:txBody>
-      </p:sp>
-      <p:sp>
-        <p:nvSpPr>
-          <p:cNvPr id="3" name="内容占位符 2"/>
-          <p:cNvSpPr>
-            <a:spLocks noGrp="1"/>
-          </p:cNvSpPr>
-          <p:nvPr>
-            <p:ph idx="1"/>
-          </p:nvPr>
-        </p:nvSpPr>
-        <p:spPr/>
-        <p:txBody>
-          <a:bodyPr>
-            <a:normAutofit fontScale="92500" lnSpcReduction="20000"/>
-          </a:bodyPr>
-          <a:lstStyle/>
-          <a:p>
-            <a:r>
-              <a:rPr lang="en-US" altLang="zh-CN" dirty="0"/>
-              <a:t>CLR via C#</a:t>
-            </a:r>
-          </a:p>
-          <a:p>
-            <a:pPr lvl="1"/>
-            <a:r>
-              <a:rPr lang="en-US" altLang="zh-CN" sz="2000" dirty="0" err="1"/>
-              <a:t>.Net</a:t>
-            </a:r>
-            <a:r>
-              <a:rPr lang="zh-CN" altLang="en-US" sz="2000" dirty="0"/>
-              <a:t>社区最享盛名的书籍之一。阅读较为容易，学习曲线平缓，对平台认知提升显著</a:t>
-            </a:r>
-            <a:endParaRPr lang="en-US" altLang="zh-CN" sz="2000" dirty="0"/>
-          </a:p>
-          <a:p>
-            <a:pPr lvl="1"/>
-            <a:r>
-              <a:rPr lang="zh-CN" altLang="en-US" sz="2000" dirty="0"/>
-              <a:t>有中文版，翻译品质优秀</a:t>
-            </a:r>
-            <a:endParaRPr lang="en-US" altLang="zh-CN" sz="2000" dirty="0"/>
-          </a:p>
-          <a:p>
-            <a:r>
-              <a:rPr lang="en-US" altLang="zh-CN" dirty="0"/>
-              <a:t>Advanced </a:t>
-            </a:r>
-            <a:r>
-              <a:rPr lang="en-US" altLang="zh-CN" dirty="0" err="1"/>
-              <a:t>.Net</a:t>
-            </a:r>
-            <a:r>
-              <a:rPr lang="en-US" altLang="zh-CN" dirty="0"/>
-              <a:t> Debugging</a:t>
-            </a:r>
-          </a:p>
-          <a:p>
-            <a:pPr lvl="1"/>
-            <a:r>
-              <a:rPr lang="zh-CN" altLang="en-US" sz="2000" dirty="0"/>
-              <a:t>系统介绍了</a:t>
-            </a:r>
-            <a:r>
-              <a:rPr lang="en-US" altLang="zh-CN" sz="2000" dirty="0" err="1"/>
-              <a:t>.Net</a:t>
-            </a:r>
-            <a:r>
-              <a:rPr lang="zh-CN" altLang="en-US" sz="2000" dirty="0"/>
-              <a:t>程序的调试方法，同时对程序的内存结构和执行引擎行为作了若干介绍</a:t>
-            </a:r>
-            <a:endParaRPr lang="en-US" altLang="zh-CN" sz="2000" dirty="0"/>
-          </a:p>
-          <a:p>
-            <a:pPr lvl="1"/>
-            <a:r>
-              <a:rPr lang="zh-CN" altLang="en-US" sz="2000" dirty="0"/>
-              <a:t>较老版本有中文版，翻译品质一般</a:t>
-            </a:r>
-            <a:endParaRPr lang="en-US" altLang="zh-CN" sz="2000" dirty="0"/>
-          </a:p>
-          <a:p>
-            <a:r>
-              <a:rPr lang="en-US" altLang="zh-CN" dirty="0"/>
-              <a:t>Expert </a:t>
-            </a:r>
-            <a:r>
-              <a:rPr lang="en-US" altLang="zh-CN" dirty="0" err="1"/>
-              <a:t>.Net</a:t>
-            </a:r>
-            <a:r>
-              <a:rPr lang="en-US" altLang="zh-CN" dirty="0"/>
-              <a:t> 2.0 IL Assembler</a:t>
-            </a:r>
-          </a:p>
-          <a:p>
-            <a:pPr lvl="1"/>
-            <a:r>
-              <a:rPr lang="zh-CN" altLang="en-US" sz="2000" dirty="0"/>
-              <a:t>比较难得的详细介绍</a:t>
-            </a:r>
-            <a:r>
-              <a:rPr lang="en-US" altLang="zh-CN" sz="2000" dirty="0"/>
-              <a:t>IL</a:t>
-            </a:r>
-            <a:r>
-              <a:rPr lang="zh-CN" altLang="en-US" sz="2000" dirty="0"/>
-              <a:t>与</a:t>
-            </a:r>
-            <a:r>
-              <a:rPr lang="en-US" altLang="zh-CN" sz="2000" dirty="0" err="1"/>
-              <a:t>.Net</a:t>
-            </a:r>
-            <a:r>
-              <a:rPr lang="zh-CN" altLang="en-US" sz="2000" dirty="0"/>
-              <a:t>程序平面结构的书籍</a:t>
-            </a:r>
-            <a:endParaRPr lang="en-US" altLang="zh-CN" sz="2000" dirty="0"/>
-          </a:p>
-          <a:p>
-            <a:pPr lvl="1"/>
-            <a:r>
-              <a:rPr lang="zh-CN" altLang="en-US" sz="2000" dirty="0"/>
-              <a:t>内容较老，所幸其核心内容近年间未发生变化</a:t>
-            </a:r>
-            <a:endParaRPr lang="en-US" altLang="zh-CN" sz="2000" dirty="0"/>
-          </a:p>
-          <a:p>
-            <a:pPr lvl="1"/>
-            <a:r>
-              <a:rPr lang="zh-CN" altLang="en-US" sz="2000" dirty="0"/>
-              <a:t>有中文版，翻译品质一般</a:t>
-            </a:r>
-            <a:endParaRPr lang="en-US" altLang="zh-CN" sz="2000" dirty="0"/>
-          </a:p>
-          <a:p>
-            <a:r>
-              <a:rPr lang="en-US" altLang="zh-CN" dirty="0"/>
-              <a:t>Pro </a:t>
-            </a:r>
-            <a:r>
-              <a:rPr lang="en-US" altLang="zh-CN" dirty="0" err="1"/>
-              <a:t>.Net</a:t>
-            </a:r>
-            <a:r>
-              <a:rPr lang="en-US" altLang="zh-CN" dirty="0"/>
-              <a:t> Performance</a:t>
-            </a:r>
-          </a:p>
-          <a:p>
-            <a:pPr lvl="1"/>
-            <a:r>
-              <a:rPr lang="zh-CN" altLang="en-US" sz="2000" dirty="0"/>
-              <a:t>对</a:t>
-            </a:r>
-            <a:r>
-              <a:rPr lang="en-US" altLang="zh-CN" sz="2000" dirty="0" err="1"/>
-              <a:t>.Net</a:t>
-            </a:r>
-            <a:r>
-              <a:rPr lang="zh-CN" altLang="en-US" sz="2000" dirty="0"/>
-              <a:t>平台执行引擎做了详细的描述，适合想要深入了解</a:t>
-            </a:r>
-            <a:r>
-              <a:rPr lang="en-US" altLang="zh-CN" sz="2000" dirty="0" err="1"/>
-              <a:t>.Net</a:t>
-            </a:r>
-            <a:r>
-              <a:rPr lang="zh-CN" altLang="en-US" sz="2000" dirty="0"/>
-              <a:t>执行引擎的同学</a:t>
-            </a:r>
-            <a:endParaRPr lang="en-US" altLang="zh-CN" sz="2000" dirty="0"/>
-          </a:p>
-          <a:p>
-            <a:pPr lvl="1"/>
-            <a:r>
-              <a:rPr lang="zh-CN" altLang="en-US" sz="2000" dirty="0"/>
-              <a:t>需要较多周边知识</a:t>
-            </a:r>
-            <a:endParaRPr lang="en-US" altLang="zh-CN" sz="2000" dirty="0"/>
-          </a:p>
-          <a:p>
-            <a:pPr lvl="1"/>
-            <a:r>
-              <a:rPr lang="zh-CN" altLang="en-US" sz="2000" dirty="0"/>
-              <a:t>无中文版</a:t>
-            </a:r>
-            <a:endParaRPr lang="en-US" altLang="zh-CN" sz="2000" dirty="0"/>
-          </a:p>
-          <a:p>
-            <a:endParaRPr lang="en-US" altLang="zh-CN" dirty="0"/>
-          </a:p>
-          <a:p>
-            <a:endParaRPr lang="zh-CN" altLang="en-US" dirty="0"/>
-          </a:p>
-        </p:txBody>
-      </p:sp>
-    </p:spTree>
-    <p:extLst>
-      <p:ext uri="{BB962C8B-B14F-4D97-AF65-F5344CB8AC3E}">
-        <p14:creationId xmlns:p14="http://schemas.microsoft.com/office/powerpoint/2010/main" val="2083535181"/>
-      </p:ext>
-    </p:extLst>
-  </p:cSld>
-  <p:clrMapOvr>
-    <a:masterClrMapping/>
-  </p:clrMapOvr>
-</p:sld>
-</file>
-
-<file path=ppt/slides/slide19.xml><?xml version="1.0" encoding="utf-8"?>
-<p:sld xmlns:a="http://schemas.openxmlformats.org/drawingml/2006/main" xmlns:r="http://schemas.openxmlformats.org/officeDocument/2006/relationships" xmlns:p="http://schemas.openxmlformats.org/presentationml/2006/main">
-  <p:cSld>
-    <p:spTree>
-      <p:nvGrpSpPr>
-        <p:cNvPr id="1" name=""/>
-        <p:cNvGrpSpPr/>
-        <p:nvPr/>
-      </p:nvGrpSpPr>
-      <p:grpSpPr>
-        <a:xfrm>
-          <a:off x="0" y="0"/>
-          <a:ext cx="0" cy="0"/>
-          <a:chOff x="0" y="0"/>
-          <a:chExt cx="0" cy="0"/>
-        </a:xfrm>
-      </p:grpSpPr>
-      <p:sp>
-        <p:nvSpPr>
-          <p:cNvPr id="4" name="标题 3"/>
-          <p:cNvSpPr>
-            <a:spLocks noGrp="1"/>
-          </p:cNvSpPr>
-          <p:nvPr>
-            <p:ph type="title"/>
-          </p:nvPr>
-        </p:nvSpPr>
-        <p:spPr>
-          <a:xfrm>
-            <a:off x="696158" y="1821063"/>
-            <a:ext cx="10515600" cy="1325563"/>
-          </a:xfrm>
-        </p:spPr>
-        <p:txBody>
-          <a:bodyPr/>
-          <a:lstStyle/>
-          <a:p>
-            <a:pPr algn="ctr"/>
-            <a:r>
-              <a:rPr lang="en-US" altLang="zh-CN" dirty="0"/>
-              <a:t>Thanks!</a:t>
-            </a:r>
-            <a:endParaRPr lang="zh-CN" altLang="en-US" dirty="0"/>
-          </a:p>
-        </p:txBody>
-      </p:sp>
-    </p:spTree>
-    <p:extLst>
-      <p:ext uri="{BB962C8B-B14F-4D97-AF65-F5344CB8AC3E}">
-        <p14:creationId xmlns:p14="http://schemas.microsoft.com/office/powerpoint/2010/main" val="2146277844"/>
-      </p:ext>
-    </p:extLst>
-  </p:cSld>
-  <p:clrMapOvr>
-    <a:masterClrMapping/>
-  </p:clrMapOvr>
-</p:sld>
-</file>
-
-<file path=ppt/slides/slide2.xml><?xml version="1.0" encoding="utf-8"?>
-<p:sld xmlns:a="http://schemas.openxmlformats.org/drawingml/2006/main" xmlns:r="http://schemas.openxmlformats.org/officeDocument/2006/relationships" xmlns:p="http://schemas.openxmlformats.org/presentationml/2006/main">
-  <p:cSld>
-    <p:spTree>
-      <p:nvGrpSpPr>
-        <p:cNvPr id="1" name=""/>
-        <p:cNvGrpSpPr/>
-        <p:nvPr/>
-      </p:nvGrpSpPr>
-      <p:grpSpPr>
-        <a:xfrm>
-          <a:off x="0" y="0"/>
-          <a:ext cx="0" cy="0"/>
-          <a:chOff x="0" y="0"/>
-          <a:chExt cx="0" cy="0"/>
-        </a:xfrm>
-      </p:grpSpPr>
-      <p:sp>
-        <p:nvSpPr>
-          <p:cNvPr id="2" name="标题 1"/>
-          <p:cNvSpPr>
-            <a:spLocks noGrp="1"/>
-          </p:cNvSpPr>
-          <p:nvPr>
-            <p:ph type="title"/>
-          </p:nvPr>
-        </p:nvSpPr>
-        <p:spPr/>
-        <p:txBody>
-          <a:bodyPr/>
-          <a:lstStyle/>
-          <a:p>
-            <a:r>
-              <a:rPr lang="zh-CN" altLang="en-US" dirty="0"/>
-              <a:t>目录</a:t>
-            </a:r>
-          </a:p>
-        </p:txBody>
-      </p:sp>
-      <p:sp>
-        <p:nvSpPr>
-          <p:cNvPr id="3" name="内容占位符 2"/>
-          <p:cNvSpPr>
-            <a:spLocks noGrp="1"/>
-          </p:cNvSpPr>
-          <p:nvPr>
-            <p:ph idx="1"/>
-          </p:nvPr>
-        </p:nvSpPr>
-        <p:spPr/>
-        <p:txBody>
-          <a:bodyPr/>
-          <a:lstStyle/>
-          <a:p>
-            <a:r>
-              <a:rPr lang="en-US" altLang="zh-CN" dirty="0" err="1"/>
-              <a:t>.Net</a:t>
-            </a:r>
-            <a:r>
-              <a:rPr lang="zh-CN" altLang="en-US" dirty="0"/>
-              <a:t>平台谱系</a:t>
-            </a:r>
-            <a:endParaRPr lang="en-US" altLang="zh-CN" dirty="0"/>
-          </a:p>
-          <a:p>
-            <a:r>
-              <a:rPr lang="en-US" altLang="zh-CN" dirty="0" err="1"/>
-              <a:t>.Net</a:t>
-            </a:r>
-            <a:r>
-              <a:rPr lang="zh-CN" altLang="en-US" dirty="0"/>
-              <a:t>应用程序集结构</a:t>
-            </a:r>
-            <a:endParaRPr lang="en-US" altLang="zh-CN" dirty="0"/>
-          </a:p>
-          <a:p>
-            <a:pPr lvl="1"/>
-            <a:r>
-              <a:rPr lang="zh-CN" altLang="en-US" dirty="0"/>
-              <a:t>磁盘平面结构</a:t>
-            </a:r>
-            <a:endParaRPr lang="en-US" altLang="zh-CN" dirty="0"/>
-          </a:p>
-          <a:p>
-            <a:pPr lvl="1"/>
-            <a:r>
-              <a:rPr lang="zh-CN" altLang="en-US" dirty="0"/>
-              <a:t>内存结构</a:t>
-            </a:r>
-            <a:endParaRPr lang="en-US" altLang="zh-CN" dirty="0"/>
-          </a:p>
-          <a:p>
-            <a:r>
-              <a:rPr lang="en-US" altLang="zh-CN" dirty="0"/>
-              <a:t>IL2CPP</a:t>
-            </a:r>
-            <a:r>
-              <a:rPr lang="zh-CN" altLang="en-US" dirty="0"/>
-              <a:t>概览</a:t>
-            </a:r>
-            <a:endParaRPr lang="en-US" altLang="zh-CN" dirty="0"/>
-          </a:p>
-          <a:p>
-            <a:r>
-              <a:rPr lang="zh-CN" altLang="en-US" dirty="0"/>
-              <a:t>实践优化</a:t>
-            </a:r>
-          </a:p>
-        </p:txBody>
-      </p:sp>
-    </p:spTree>
-    <p:extLst>
-      <p:ext uri="{BB962C8B-B14F-4D97-AF65-F5344CB8AC3E}">
-        <p14:creationId xmlns:p14="http://schemas.microsoft.com/office/powerpoint/2010/main" val="2703389415"/>
-      </p:ext>
-    </p:extLst>
-  </p:cSld>
-  <p:clrMapOvr>
-    <a:masterClrMapping/>
-  </p:clrMapOvr>
-</p:sld>
-</file>
-
-<file path=ppt/slides/slide3.xml><?xml version="1.0" encoding="utf-8"?>
-<p:sld xmlns:a="http://schemas.openxmlformats.org/drawingml/2006/main" xmlns:r="http://schemas.openxmlformats.org/officeDocument/2006/relationships" xmlns:p="http://schemas.openxmlformats.org/presentationml/2006/main">
-  <p:cSld>
-    <p:spTree>
-      <p:nvGrpSpPr>
-        <p:cNvPr id="1" name=""/>
-        <p:cNvGrpSpPr/>
-        <p:nvPr/>
-      </p:nvGrpSpPr>
-      <p:grpSpPr>
-        <a:xfrm>
-          <a:off x="0" y="0"/>
-          <a:ext cx="0" cy="0"/>
-          <a:chOff x="0" y="0"/>
-          <a:chExt cx="0" cy="0"/>
-        </a:xfrm>
-      </p:grpSpPr>
-      <p:sp>
-        <p:nvSpPr>
-          <p:cNvPr id="2" name="标题 1"/>
-          <p:cNvSpPr>
-            <a:spLocks noGrp="1"/>
-          </p:cNvSpPr>
-          <p:nvPr>
-            <p:ph type="title"/>
-          </p:nvPr>
-        </p:nvSpPr>
-        <p:spPr>
-          <a:xfrm>
-            <a:off x="6904022" y="189569"/>
-            <a:ext cx="5127031" cy="1676603"/>
-          </a:xfrm>
-        </p:spPr>
-        <p:txBody>
-          <a:bodyPr>
-            <a:normAutofit/>
-          </a:bodyPr>
-          <a:lstStyle/>
-          <a:p>
-            <a:r>
-              <a:rPr lang="en-US" altLang="zh-CN" dirty="0" err="1"/>
-              <a:t>.Net</a:t>
-            </a:r>
-            <a:r>
-              <a:rPr lang="zh-CN" altLang="en-US" dirty="0"/>
-              <a:t>平台谱系</a:t>
-            </a:r>
-          </a:p>
-        </p:txBody>
-      </p:sp>
-      <p:sp>
-        <p:nvSpPr>
-          <p:cNvPr id="3" name="内容占位符 2"/>
-          <p:cNvSpPr>
-            <a:spLocks noGrp="1"/>
-          </p:cNvSpPr>
-          <p:nvPr>
-            <p:ph idx="1"/>
-          </p:nvPr>
-        </p:nvSpPr>
-        <p:spPr>
-          <a:xfrm>
-            <a:off x="6904022" y="1631074"/>
-            <a:ext cx="5127029" cy="3785419"/>
-          </a:xfrm>
-        </p:spPr>
-        <p:txBody>
-          <a:bodyPr>
-            <a:normAutofit/>
-          </a:bodyPr>
-          <a:lstStyle/>
-          <a:p>
-            <a:r>
-              <a:rPr lang="en-US" altLang="zh-CN" dirty="0" err="1"/>
-              <a:t>.Net</a:t>
-            </a:r>
-            <a:r>
-              <a:rPr lang="en-US" altLang="zh-CN" dirty="0"/>
-              <a:t> Framework</a:t>
-            </a:r>
-          </a:p>
-          <a:p>
-            <a:pPr marL="457200" lvl="1" indent="0">
-              <a:buNone/>
-            </a:pPr>
-            <a:r>
-              <a:rPr lang="zh-CN" altLang="en-US" sz="1600" dirty="0">
-                <a:latin typeface="+mn-ea"/>
-              </a:rPr>
-              <a:t>微软建立与维护。最完备且广泛使用的平台</a:t>
-            </a:r>
-            <a:endParaRPr lang="en-US" altLang="zh-CN" sz="1600" dirty="0">
-              <a:latin typeface="+mn-ea"/>
-            </a:endParaRPr>
-          </a:p>
-          <a:p>
-            <a:r>
-              <a:rPr lang="en-US" altLang="zh-CN" dirty="0" err="1"/>
-              <a:t>CoreCLR</a:t>
-            </a:r>
-            <a:endParaRPr lang="en-US" altLang="zh-CN" dirty="0"/>
-          </a:p>
-          <a:p>
-            <a:pPr marL="457200" lvl="1" indent="0">
-              <a:buNone/>
-            </a:pPr>
-            <a:r>
-              <a:rPr lang="zh-CN" altLang="en-US" sz="1600" dirty="0"/>
-              <a:t>微软</a:t>
-            </a:r>
-            <a:r>
-              <a:rPr lang="en-US" altLang="zh-CN" sz="1600" dirty="0" err="1"/>
-              <a:t>.Net</a:t>
-            </a:r>
-            <a:r>
-              <a:rPr lang="zh-CN" altLang="en-US" sz="1600" dirty="0"/>
-              <a:t>的开源版本。主要由微软维护</a:t>
-            </a:r>
-            <a:endParaRPr lang="en-US" altLang="zh-CN" sz="1600" dirty="0"/>
-          </a:p>
-          <a:p>
-            <a:r>
-              <a:rPr lang="en-US" altLang="zh-CN" dirty="0"/>
-              <a:t>Mono</a:t>
-            </a:r>
-          </a:p>
-          <a:p>
-            <a:pPr marL="457200" lvl="1" indent="0">
-              <a:buNone/>
-            </a:pPr>
-            <a:r>
-              <a:rPr lang="en-US" altLang="zh-CN" sz="1600" dirty="0" err="1"/>
-              <a:t>Ximian</a:t>
-            </a:r>
-            <a:r>
-              <a:rPr lang="zh-CN" altLang="en-US" sz="1600" dirty="0"/>
-              <a:t>建立，后随该公司加入</a:t>
-            </a:r>
-            <a:r>
-              <a:rPr lang="en-US" altLang="zh-CN" sz="1600" dirty="0"/>
-              <a:t>Novell</a:t>
-            </a:r>
-            <a:r>
-              <a:rPr lang="zh-CN" altLang="en-US" sz="1600" dirty="0"/>
-              <a:t>。</a:t>
-            </a:r>
-            <a:r>
-              <a:rPr lang="en-US" altLang="zh-CN" sz="1600" dirty="0"/>
-              <a:t>Novell</a:t>
-            </a:r>
-            <a:r>
-              <a:rPr lang="zh-CN" altLang="en-US" sz="1600" dirty="0"/>
-              <a:t>被收购后由</a:t>
-            </a:r>
-            <a:r>
-              <a:rPr lang="en-US" altLang="zh-CN" sz="1600" dirty="0" err="1"/>
-              <a:t>Xamarin</a:t>
-            </a:r>
-            <a:r>
-              <a:rPr lang="zh-CN" altLang="en-US" sz="1600" dirty="0"/>
-              <a:t>维护</a:t>
-            </a:r>
-            <a:endParaRPr lang="en-US" altLang="zh-CN" sz="1600" dirty="0"/>
-          </a:p>
-          <a:p>
-            <a:r>
-              <a:rPr lang="en-US" altLang="zh-CN" dirty="0"/>
-              <a:t>Mono(Unity3D)</a:t>
-            </a:r>
-          </a:p>
-          <a:p>
-            <a:r>
-              <a:rPr lang="en-US" altLang="zh-CN" dirty="0"/>
-              <a:t>IL2CPP(Unity3D)</a:t>
-            </a:r>
-            <a:endParaRPr lang="zh-CN" altLang="en-US" dirty="0"/>
-          </a:p>
-        </p:txBody>
-      </p:sp>
-      <p:pic>
-        <p:nvPicPr>
-          <p:cNvPr id="9" name="图片 8"/>
-          <p:cNvPicPr>
-            <a:picLocks noChangeAspect="1"/>
-          </p:cNvPicPr>
-          <p:nvPr/>
-        </p:nvPicPr>
-        <p:blipFill>
-          <a:blip r:embed="rId2">
-            <a:extLst>
-              <a:ext uri="{28A0092B-C50C-407E-A947-70E740481C1C}">
-                <a14:useLocalDpi xmlns:a14="http://schemas.microsoft.com/office/drawing/2010/main" val="0"/>
-              </a:ext>
-            </a:extLst>
-          </a:blip>
-          <a:stretch>
-            <a:fillRect/>
-          </a:stretch>
-        </p:blipFill>
-        <p:spPr>
-          <a:xfrm>
-            <a:off x="-72296" y="189569"/>
-            <a:ext cx="6887536" cy="6668431"/>
-          </a:xfrm>
-          <a:prstGeom prst="rect">
-            <a:avLst/>
-          </a:prstGeom>
-        </p:spPr>
-      </p:pic>
-    </p:spTree>
-    <p:extLst>
-      <p:ext uri="{BB962C8B-B14F-4D97-AF65-F5344CB8AC3E}">
-        <p14:creationId xmlns:p14="http://schemas.microsoft.com/office/powerpoint/2010/main" val="2932515175"/>
-      </p:ext>
-    </p:extLst>
-  </p:cSld>
-  <p:clrMapOvr>
-    <a:masterClrMapping/>
-  </p:clrMapOvr>
-</p:sld>
-</file>
-
-<file path=ppt/slides/slide4.xml><?xml version="1.0" encoding="utf-8"?>
-<p:sld xmlns:a="http://schemas.openxmlformats.org/drawingml/2006/main" xmlns:r="http://schemas.openxmlformats.org/officeDocument/2006/relationships" xmlns:p="http://schemas.openxmlformats.org/presentationml/2006/main">
-  <p:cSld>
-    <p:spTree>
-      <p:nvGrpSpPr>
-        <p:cNvPr id="1" name=""/>
-        <p:cNvGrpSpPr/>
-        <p:nvPr/>
-      </p:nvGrpSpPr>
-      <p:grpSpPr>
-        <a:xfrm>
-          <a:off x="0" y="0"/>
-          <a:ext cx="0" cy="0"/>
-          <a:chOff x="0" y="0"/>
-          <a:chExt cx="0" cy="0"/>
-        </a:xfrm>
-      </p:grpSpPr>
-      <p:sp>
-        <p:nvSpPr>
-          <p:cNvPr id="2" name="标题 1"/>
-          <p:cNvSpPr>
-            <a:spLocks noGrp="1"/>
-          </p:cNvSpPr>
-          <p:nvPr>
-            <p:ph type="title"/>
-          </p:nvPr>
-        </p:nvSpPr>
-        <p:spPr/>
-        <p:txBody>
-          <a:bodyPr/>
-          <a:lstStyle/>
-          <a:p>
-            <a:r>
-              <a:rPr lang="en-US" altLang="zh-CN" dirty="0" err="1"/>
-              <a:t>.Net</a:t>
-            </a:r>
-            <a:r>
-              <a:rPr lang="zh-CN" altLang="en-US" dirty="0"/>
-              <a:t>平台谱系</a:t>
-            </a:r>
-          </a:p>
-        </p:txBody>
-      </p:sp>
-      <p:graphicFrame>
-        <p:nvGraphicFramePr>
-          <p:cNvPr id="4" name="内容占位符 3"/>
-          <p:cNvGraphicFramePr>
-            <a:graphicFrameLocks noGrp="1"/>
-          </p:cNvGraphicFramePr>
-          <p:nvPr>
-            <p:ph idx="1"/>
-            <p:extLst>
-              <p:ext uri="{D42A27DB-BD31-4B8C-83A1-F6EECF244321}">
-                <p14:modId xmlns:p14="http://schemas.microsoft.com/office/powerpoint/2010/main" val="2378507083"/>
-              </p:ext>
-            </p:extLst>
-          </p:nvPr>
-        </p:nvGraphicFramePr>
-        <p:xfrm>
-          <a:off x="838200" y="2126774"/>
-          <a:ext cx="10515600" cy="3749040"/>
-        </p:xfrm>
-        <a:graphic>
-          <a:graphicData uri="http://schemas.openxmlformats.org/drawingml/2006/table">
-            <a:tbl>
-              <a:tblPr/>
-              <a:tblGrid>
-                <a:gridCol w="1752600">
-                  <a:extLst>
-                    <a:ext uri="{9D8B030D-6E8A-4147-A177-3AD203B41FA5}">
-                      <a16:colId xmlns:a16="http://schemas.microsoft.com/office/drawing/2014/main" val="2254679538"/>
-                    </a:ext>
-                  </a:extLst>
-                </a:gridCol>
-                <a:gridCol w="1752600">
-                  <a:extLst>
-                    <a:ext uri="{9D8B030D-6E8A-4147-A177-3AD203B41FA5}">
-                      <a16:colId xmlns:a16="http://schemas.microsoft.com/office/drawing/2014/main" val="1359284397"/>
-                    </a:ext>
-                  </a:extLst>
-                </a:gridCol>
-                <a:gridCol w="1752600">
-                  <a:extLst>
-                    <a:ext uri="{9D8B030D-6E8A-4147-A177-3AD203B41FA5}">
-                      <a16:colId xmlns:a16="http://schemas.microsoft.com/office/drawing/2014/main" val="921083793"/>
-                    </a:ext>
-                  </a:extLst>
-                </a:gridCol>
-                <a:gridCol w="1752600">
-                  <a:extLst>
-                    <a:ext uri="{9D8B030D-6E8A-4147-A177-3AD203B41FA5}">
-                      <a16:colId xmlns:a16="http://schemas.microsoft.com/office/drawing/2014/main" val="3880069599"/>
-                    </a:ext>
-                  </a:extLst>
-                </a:gridCol>
-                <a:gridCol w="1752600">
-                  <a:extLst>
-                    <a:ext uri="{9D8B030D-6E8A-4147-A177-3AD203B41FA5}">
-                      <a16:colId xmlns:a16="http://schemas.microsoft.com/office/drawing/2014/main" val="1117599545"/>
-                    </a:ext>
-                  </a:extLst>
-                </a:gridCol>
-                <a:gridCol w="1752600">
-                  <a:extLst>
-                    <a:ext uri="{9D8B030D-6E8A-4147-A177-3AD203B41FA5}">
-                      <a16:colId xmlns:a16="http://schemas.microsoft.com/office/drawing/2014/main" val="3689016970"/>
-                    </a:ext>
-                  </a:extLst>
-                </a:gridCol>
-              </a:tblGrid>
-              <a:tr h="0">
-                <a:tc>
-                  <a:txBody>
-                    <a:bodyPr/>
-                    <a:lstStyle/>
-                    <a:p>
-                      <a:endParaRPr lang="zh-CN" altLang="en-US" dirty="0"/>
-                    </a:p>
-                  </a:txBody>
-                  <a:tcPr anchor="ctr">
-                    <a:lnL w="9525" cap="flat" cmpd="sng" algn="ctr">
-                      <a:solidFill>
-                        <a:srgbClr val="4B5362"/>
-                      </a:solidFill>
-                      <a:prstDash val="solid"/>
-                      <a:round/>
-                      <a:headEnd type="none" w="med" len="med"/>
-                      <a:tailEnd type="none" w="med" len="med"/>
-                    </a:lnL>
-                    <a:lnR w="9525" cap="flat" cmpd="sng" algn="ctr">
-                      <a:solidFill>
-                        <a:srgbClr val="4B5362"/>
-                      </a:solidFill>
-                      <a:prstDash val="solid"/>
-                      <a:round/>
-                      <a:headEnd type="none" w="med" len="med"/>
-                      <a:tailEnd type="none" w="med" len="med"/>
-                    </a:lnR>
-                    <a:lnT w="9525" cap="flat" cmpd="sng" algn="ctr">
-                      <a:solidFill>
-                        <a:srgbClr val="4B5362"/>
-                      </a:solidFill>
-                      <a:prstDash val="solid"/>
-                      <a:round/>
-                      <a:headEnd type="none" w="med" len="med"/>
-                      <a:tailEnd type="none" w="med" len="med"/>
-                    </a:lnT>
-                    <a:lnB w="9525" cap="flat" cmpd="sng" algn="ctr">
-                      <a:solidFill>
-                        <a:srgbClr val="4B5362"/>
-                      </a:solidFill>
-                      <a:prstDash val="solid"/>
-                      <a:round/>
-                      <a:headEnd type="none" w="med" len="med"/>
-                      <a:tailEnd type="none" w="med" len="med"/>
-                    </a:lnB>
-                  </a:tcPr>
-                </a:tc>
-                <a:tc>
-                  <a:txBody>
-                    <a:bodyPr/>
-                    <a:lstStyle/>
-                    <a:p>
-                      <a:pPr algn="ctr"/>
-                      <a:r>
-                        <a:rPr lang="en-US" dirty="0" err="1">
-                          <a:solidFill>
-                            <a:schemeClr val="tx1"/>
-                          </a:solidFill>
-                          <a:effectLst/>
-                        </a:rPr>
-                        <a:t>RyuJIT</a:t>
-                      </a:r>
-                      <a:endParaRPr lang="en-US" dirty="0">
-                        <a:solidFill>
-                          <a:schemeClr val="tx1"/>
-                        </a:solidFill>
-                        <a:effectLst/>
-                      </a:endParaRPr>
-                    </a:p>
-                  </a:txBody>
-                  <a:tcPr anchor="ctr">
-                    <a:lnL w="9525" cap="flat" cmpd="sng" algn="ctr">
-                      <a:solidFill>
-                        <a:srgbClr val="4B5362"/>
-                      </a:solidFill>
-                      <a:prstDash val="solid"/>
-                      <a:round/>
-                      <a:headEnd type="none" w="med" len="med"/>
-                      <a:tailEnd type="none" w="med" len="med"/>
-                    </a:lnL>
-                    <a:lnR w="9525" cap="flat" cmpd="sng" algn="ctr">
-                      <a:solidFill>
-                        <a:srgbClr val="4B5362"/>
-                      </a:solidFill>
-                      <a:prstDash val="solid"/>
-                      <a:round/>
-                      <a:headEnd type="none" w="med" len="med"/>
-                      <a:tailEnd type="none" w="med" len="med"/>
-                    </a:lnR>
-                    <a:lnT w="9525" cap="flat" cmpd="sng" algn="ctr">
-                      <a:solidFill>
-                        <a:srgbClr val="4B5362"/>
-                      </a:solidFill>
-                      <a:prstDash val="solid"/>
-                      <a:round/>
-                      <a:headEnd type="none" w="med" len="med"/>
-                      <a:tailEnd type="none" w="med" len="med"/>
-                    </a:lnT>
-                    <a:lnB w="9525" cap="flat" cmpd="sng" algn="ctr">
-                      <a:solidFill>
-                        <a:srgbClr val="4B5362"/>
-                      </a:solidFill>
-                      <a:prstDash val="solid"/>
-                      <a:round/>
-                      <a:headEnd type="none" w="med" len="med"/>
-                      <a:tailEnd type="none" w="med" len="med"/>
-                    </a:lnB>
-                  </a:tcPr>
-                </a:tc>
-                <a:tc>
-                  <a:txBody>
-                    <a:bodyPr/>
-                    <a:lstStyle/>
-                    <a:p>
-                      <a:pPr algn="ctr"/>
-                      <a:r>
-                        <a:rPr lang="en-US" dirty="0">
-                          <a:solidFill>
-                            <a:schemeClr val="tx1"/>
-                          </a:solidFill>
-                          <a:effectLst/>
-                        </a:rPr>
-                        <a:t>Mono</a:t>
-                      </a:r>
-                    </a:p>
-                  </a:txBody>
-                  <a:tcPr anchor="ctr">
-                    <a:lnL w="9525" cap="flat" cmpd="sng" algn="ctr">
-                      <a:solidFill>
-                        <a:srgbClr val="4B5362"/>
-                      </a:solidFill>
-                      <a:prstDash val="solid"/>
-                      <a:round/>
-                      <a:headEnd type="none" w="med" len="med"/>
-                      <a:tailEnd type="none" w="med" len="med"/>
-                    </a:lnL>
-                    <a:lnR w="9525" cap="flat" cmpd="sng" algn="ctr">
-                      <a:solidFill>
-                        <a:srgbClr val="4B5362"/>
-                      </a:solidFill>
-                      <a:prstDash val="solid"/>
-                      <a:round/>
-                      <a:headEnd type="none" w="med" len="med"/>
-                      <a:tailEnd type="none" w="med" len="med"/>
-                    </a:lnR>
-                    <a:lnT w="9525" cap="flat" cmpd="sng" algn="ctr">
-                      <a:solidFill>
-                        <a:srgbClr val="4B5362"/>
-                      </a:solidFill>
-                      <a:prstDash val="solid"/>
-                      <a:round/>
-                      <a:headEnd type="none" w="med" len="med"/>
-                      <a:tailEnd type="none" w="med" len="med"/>
-                    </a:lnT>
-                    <a:lnB w="9525" cap="flat" cmpd="sng" algn="ctr">
-                      <a:solidFill>
-                        <a:srgbClr val="4B5362"/>
-                      </a:solidFill>
-                      <a:prstDash val="solid"/>
-                      <a:round/>
-                      <a:headEnd type="none" w="med" len="med"/>
-                      <a:tailEnd type="none" w="med" len="med"/>
-                    </a:lnB>
-                  </a:tcPr>
-                </a:tc>
-                <a:tc>
-                  <a:txBody>
-                    <a:bodyPr/>
-                    <a:lstStyle/>
-                    <a:p>
-                      <a:pPr algn="ctr"/>
-                      <a:r>
-                        <a:rPr lang="en-US" dirty="0">
-                          <a:solidFill>
-                            <a:schemeClr val="tx1"/>
-                          </a:solidFill>
-                          <a:effectLst/>
-                        </a:rPr>
-                        <a:t>Mono(Unity3D)</a:t>
-                      </a:r>
-                    </a:p>
-                  </a:txBody>
-                  <a:tcPr anchor="ctr">
-                    <a:lnL w="9525" cap="flat" cmpd="sng" algn="ctr">
-                      <a:solidFill>
-                        <a:srgbClr val="4B5362"/>
-                      </a:solidFill>
-                      <a:prstDash val="solid"/>
-                      <a:round/>
-                      <a:headEnd type="none" w="med" len="med"/>
-                      <a:tailEnd type="none" w="med" len="med"/>
-                    </a:lnL>
-                    <a:lnR w="9525" cap="flat" cmpd="sng" algn="ctr">
-                      <a:solidFill>
-                        <a:srgbClr val="4B5362"/>
-                      </a:solidFill>
-                      <a:prstDash val="solid"/>
-                      <a:round/>
-                      <a:headEnd type="none" w="med" len="med"/>
-                      <a:tailEnd type="none" w="med" len="med"/>
-                    </a:lnR>
-                    <a:lnT w="9525" cap="flat" cmpd="sng" algn="ctr">
-                      <a:solidFill>
-                        <a:srgbClr val="4B5362"/>
-                      </a:solidFill>
-                      <a:prstDash val="solid"/>
-                      <a:round/>
-                      <a:headEnd type="none" w="med" len="med"/>
-                      <a:tailEnd type="none" w="med" len="med"/>
-                    </a:lnT>
-                    <a:lnB w="9525" cap="flat" cmpd="sng" algn="ctr">
-                      <a:solidFill>
-                        <a:srgbClr val="4B5362"/>
-                      </a:solidFill>
-                      <a:prstDash val="solid"/>
-                      <a:round/>
-                      <a:headEnd type="none" w="med" len="med"/>
-                      <a:tailEnd type="none" w="med" len="med"/>
-                    </a:lnB>
-                  </a:tcPr>
-                </a:tc>
-                <a:tc>
-                  <a:txBody>
-                    <a:bodyPr/>
-                    <a:lstStyle/>
-                    <a:p>
-                      <a:pPr algn="ctr"/>
-                      <a:r>
-                        <a:rPr lang="en-US" dirty="0">
-                          <a:solidFill>
-                            <a:schemeClr val="tx1"/>
-                          </a:solidFill>
-                          <a:effectLst/>
-                        </a:rPr>
-                        <a:t>Mono AOT</a:t>
-                      </a:r>
-                      <a:r>
-                        <a:rPr lang="en-US" altLang="zh-CN" dirty="0">
-                          <a:solidFill>
-                            <a:schemeClr val="tx1"/>
-                          </a:solidFill>
-                          <a:effectLst/>
-                        </a:rPr>
-                        <a:t>(U3D)</a:t>
-                      </a:r>
-                      <a:endParaRPr lang="en-US" dirty="0">
-                        <a:solidFill>
-                          <a:schemeClr val="tx1"/>
-                        </a:solidFill>
-                        <a:effectLst/>
-                      </a:endParaRPr>
-                    </a:p>
-                  </a:txBody>
-                  <a:tcPr anchor="ctr">
-                    <a:lnL w="9525" cap="flat" cmpd="sng" algn="ctr">
-                      <a:solidFill>
-                        <a:srgbClr val="4B5362"/>
-                      </a:solidFill>
-                      <a:prstDash val="solid"/>
-                      <a:round/>
-                      <a:headEnd type="none" w="med" len="med"/>
-                      <a:tailEnd type="none" w="med" len="med"/>
-                    </a:lnL>
-                    <a:lnR w="9525" cap="flat" cmpd="sng" algn="ctr">
-                      <a:solidFill>
-                        <a:srgbClr val="4B5362"/>
-                      </a:solidFill>
-                      <a:prstDash val="solid"/>
-                      <a:round/>
-                      <a:headEnd type="none" w="med" len="med"/>
-                      <a:tailEnd type="none" w="med" len="med"/>
-                    </a:lnR>
-                    <a:lnT w="9525" cap="flat" cmpd="sng" algn="ctr">
-                      <a:solidFill>
-                        <a:srgbClr val="4B5362"/>
-                      </a:solidFill>
-                      <a:prstDash val="solid"/>
-                      <a:round/>
-                      <a:headEnd type="none" w="med" len="med"/>
-                      <a:tailEnd type="none" w="med" len="med"/>
-                    </a:lnT>
-                    <a:lnB w="9525" cap="flat" cmpd="sng" algn="ctr">
-                      <a:solidFill>
-                        <a:srgbClr val="4B5362"/>
-                      </a:solidFill>
-                      <a:prstDash val="solid"/>
-                      <a:round/>
-                      <a:headEnd type="none" w="med" len="med"/>
-                      <a:tailEnd type="none" w="med" len="med"/>
-                    </a:lnB>
-                  </a:tcPr>
-                </a:tc>
-                <a:tc>
-                  <a:txBody>
-                    <a:bodyPr/>
-                    <a:lstStyle/>
-                    <a:p>
-                      <a:pPr algn="ctr"/>
-                      <a:r>
-                        <a:rPr lang="en-US" dirty="0">
-                          <a:solidFill>
-                            <a:schemeClr val="tx1"/>
-                          </a:solidFill>
-                          <a:effectLst/>
-                        </a:rPr>
-                        <a:t>IL2CPP</a:t>
-                      </a:r>
-                    </a:p>
-                  </a:txBody>
-                  <a:tcPr>
-                    <a:lnL w="9525" cap="flat" cmpd="sng" algn="ctr">
-                      <a:solidFill>
-                        <a:srgbClr val="4B5362"/>
-                      </a:solidFill>
-                      <a:prstDash val="solid"/>
-                      <a:round/>
-                      <a:headEnd type="none" w="med" len="med"/>
-                      <a:tailEnd type="none" w="med" len="med"/>
-                    </a:lnL>
-                    <a:lnB w="9525" cap="flat" cmpd="sng" algn="ctr">
-                      <a:solidFill>
-                        <a:srgbClr val="4B5362"/>
-                      </a:solidFill>
-                      <a:prstDash val="solid"/>
-                      <a:round/>
-                      <a:headEnd type="none" w="med" len="med"/>
-                      <a:tailEnd type="none" w="med" len="med"/>
-                    </a:lnB>
-                  </a:tcPr>
-                </a:tc>
-                <a:extLst>
-                  <a:ext uri="{0D108BD9-81ED-4DB2-BD59-A6C34878D82A}">
-                    <a16:rowId xmlns:a16="http://schemas.microsoft.com/office/drawing/2014/main" val="2148362693"/>
-                  </a:ext>
-                </a:extLst>
-              </a:tr>
-              <a:tr h="0">
-                <a:tc>
-                  <a:txBody>
-                    <a:bodyPr/>
-                    <a:lstStyle/>
-                    <a:p>
-                      <a:pPr algn="ctr"/>
-                      <a:r>
-                        <a:rPr lang="zh-CN" altLang="en-US">
-                          <a:effectLst/>
-                        </a:rPr>
-                        <a:t>是否</a:t>
-                      </a:r>
-                      <a:r>
-                        <a:rPr lang="en-US">
-                          <a:effectLst/>
-                        </a:rPr>
-                        <a:t>JIT</a:t>
-                      </a:r>
-                    </a:p>
-                  </a:txBody>
-                  <a:tcPr anchor="ctr">
-                    <a:lnL w="9525" cap="flat" cmpd="sng" algn="ctr">
-                      <a:solidFill>
-                        <a:srgbClr val="4B5362"/>
-                      </a:solidFill>
-                      <a:prstDash val="solid"/>
-                      <a:round/>
-                      <a:headEnd type="none" w="med" len="med"/>
-                      <a:tailEnd type="none" w="med" len="med"/>
-                    </a:lnL>
-                    <a:lnR w="9525" cap="flat" cmpd="sng" algn="ctr">
-                      <a:solidFill>
-                        <a:srgbClr val="4B5362"/>
-                      </a:solidFill>
-                      <a:prstDash val="solid"/>
-                      <a:round/>
-                      <a:headEnd type="none" w="med" len="med"/>
-                      <a:tailEnd type="none" w="med" len="med"/>
-                    </a:lnR>
-                    <a:lnT w="9525" cap="flat" cmpd="sng" algn="ctr">
-                      <a:solidFill>
-                        <a:srgbClr val="4B5362"/>
-                      </a:solidFill>
-                      <a:prstDash val="solid"/>
-                      <a:round/>
-                      <a:headEnd type="none" w="med" len="med"/>
-                      <a:tailEnd type="none" w="med" len="med"/>
-                    </a:lnT>
-                    <a:lnB w="9525" cap="flat" cmpd="sng" algn="ctr">
-                      <a:solidFill>
-                        <a:srgbClr val="4B5362"/>
-                      </a:solidFill>
-                      <a:prstDash val="solid"/>
-                      <a:round/>
-                      <a:headEnd type="none" w="med" len="med"/>
-                      <a:tailEnd type="none" w="med" len="med"/>
-                    </a:lnB>
-                  </a:tcPr>
-                </a:tc>
-                <a:tc>
-                  <a:txBody>
-                    <a:bodyPr/>
-                    <a:lstStyle/>
-                    <a:p>
-                      <a:pPr algn="ctr"/>
-                      <a:r>
-                        <a:rPr lang="zh-CN" altLang="en-US">
-                          <a:effectLst/>
-                        </a:rPr>
-                        <a:t>是</a:t>
-                      </a:r>
-                    </a:p>
-                  </a:txBody>
-                  <a:tcPr anchor="ctr">
-                    <a:lnL w="9525" cap="flat" cmpd="sng" algn="ctr">
-                      <a:solidFill>
-                        <a:srgbClr val="4B5362"/>
-                      </a:solidFill>
-                      <a:prstDash val="solid"/>
-                      <a:round/>
-                      <a:headEnd type="none" w="med" len="med"/>
-                      <a:tailEnd type="none" w="med" len="med"/>
-                    </a:lnL>
-                    <a:lnR w="9525" cap="flat" cmpd="sng" algn="ctr">
-                      <a:solidFill>
-                        <a:srgbClr val="4B5362"/>
-                      </a:solidFill>
-                      <a:prstDash val="solid"/>
-                      <a:round/>
-                      <a:headEnd type="none" w="med" len="med"/>
-                      <a:tailEnd type="none" w="med" len="med"/>
-                    </a:lnR>
-                    <a:lnT w="9525" cap="flat" cmpd="sng" algn="ctr">
-                      <a:solidFill>
-                        <a:srgbClr val="4B5362"/>
-                      </a:solidFill>
-                      <a:prstDash val="solid"/>
-                      <a:round/>
-                      <a:headEnd type="none" w="med" len="med"/>
-                      <a:tailEnd type="none" w="med" len="med"/>
-                    </a:lnT>
-                    <a:lnB w="9525" cap="flat" cmpd="sng" algn="ctr">
-                      <a:solidFill>
-                        <a:srgbClr val="4B5362"/>
-                      </a:solidFill>
-                      <a:prstDash val="solid"/>
-                      <a:round/>
-                      <a:headEnd type="none" w="med" len="med"/>
-                      <a:tailEnd type="none" w="med" len="med"/>
-                    </a:lnB>
-                  </a:tcPr>
-                </a:tc>
-                <a:tc>
-                  <a:txBody>
-                    <a:bodyPr/>
-                    <a:lstStyle/>
-                    <a:p>
-                      <a:pPr algn="ctr"/>
-                      <a:r>
-                        <a:rPr lang="zh-CN" altLang="en-US">
-                          <a:effectLst/>
-                        </a:rPr>
-                        <a:t>是</a:t>
-                      </a:r>
-                    </a:p>
-                  </a:txBody>
-                  <a:tcPr anchor="ctr">
-                    <a:lnL w="9525" cap="flat" cmpd="sng" algn="ctr">
-                      <a:solidFill>
-                        <a:srgbClr val="4B5362"/>
-                      </a:solidFill>
-                      <a:prstDash val="solid"/>
-                      <a:round/>
-                      <a:headEnd type="none" w="med" len="med"/>
-                      <a:tailEnd type="none" w="med" len="med"/>
-                    </a:lnL>
-                    <a:lnR w="9525" cap="flat" cmpd="sng" algn="ctr">
-                      <a:solidFill>
-                        <a:srgbClr val="4B5362"/>
-                      </a:solidFill>
-                      <a:prstDash val="solid"/>
-                      <a:round/>
-                      <a:headEnd type="none" w="med" len="med"/>
-                      <a:tailEnd type="none" w="med" len="med"/>
-                    </a:lnR>
-                    <a:lnT w="9525" cap="flat" cmpd="sng" algn="ctr">
-                      <a:solidFill>
-                        <a:srgbClr val="4B5362"/>
-                      </a:solidFill>
-                      <a:prstDash val="solid"/>
-                      <a:round/>
-                      <a:headEnd type="none" w="med" len="med"/>
-                      <a:tailEnd type="none" w="med" len="med"/>
-                    </a:lnT>
-                    <a:lnB w="9525" cap="flat" cmpd="sng" algn="ctr">
-                      <a:solidFill>
-                        <a:srgbClr val="4B5362"/>
-                      </a:solidFill>
-                      <a:prstDash val="solid"/>
-                      <a:round/>
-                      <a:headEnd type="none" w="med" len="med"/>
-                      <a:tailEnd type="none" w="med" len="med"/>
-                    </a:lnB>
-                  </a:tcPr>
-                </a:tc>
-                <a:tc>
-                  <a:txBody>
-                    <a:bodyPr/>
-                    <a:lstStyle/>
-                    <a:p>
-                      <a:pPr algn="ctr"/>
-                      <a:r>
-                        <a:rPr lang="zh-CN" altLang="en-US">
-                          <a:effectLst/>
-                        </a:rPr>
-                        <a:t>是</a:t>
-                      </a:r>
-                    </a:p>
-                  </a:txBody>
-                  <a:tcPr anchor="ctr">
-                    <a:lnL w="9525" cap="flat" cmpd="sng" algn="ctr">
-                      <a:solidFill>
-                        <a:srgbClr val="4B5362"/>
-                      </a:solidFill>
-                      <a:prstDash val="solid"/>
-                      <a:round/>
-                      <a:headEnd type="none" w="med" len="med"/>
-                      <a:tailEnd type="none" w="med" len="med"/>
-                    </a:lnL>
-                    <a:lnR w="9525" cap="flat" cmpd="sng" algn="ctr">
-                      <a:solidFill>
-                        <a:srgbClr val="4B5362"/>
-                      </a:solidFill>
-                      <a:prstDash val="solid"/>
-                      <a:round/>
-                      <a:headEnd type="none" w="med" len="med"/>
-                      <a:tailEnd type="none" w="med" len="med"/>
-                    </a:lnR>
-                    <a:lnT w="9525" cap="flat" cmpd="sng" algn="ctr">
-                      <a:solidFill>
-                        <a:srgbClr val="4B5362"/>
-                      </a:solidFill>
-                      <a:prstDash val="solid"/>
-                      <a:round/>
-                      <a:headEnd type="none" w="med" len="med"/>
-                      <a:tailEnd type="none" w="med" len="med"/>
-                    </a:lnT>
-                    <a:lnB w="9525" cap="flat" cmpd="sng" algn="ctr">
-                      <a:solidFill>
-                        <a:srgbClr val="4B5362"/>
-                      </a:solidFill>
-                      <a:prstDash val="solid"/>
-                      <a:round/>
-                      <a:headEnd type="none" w="med" len="med"/>
-                      <a:tailEnd type="none" w="med" len="med"/>
-                    </a:lnB>
-                  </a:tcPr>
-                </a:tc>
-                <a:tc>
-                  <a:txBody>
-                    <a:bodyPr/>
-                    <a:lstStyle/>
-                    <a:p>
-                      <a:pPr algn="ctr"/>
-                      <a:r>
-                        <a:rPr lang="zh-CN" altLang="en-US">
-                          <a:effectLst/>
-                        </a:rPr>
-                        <a:t>否</a:t>
-                      </a:r>
-                    </a:p>
-                  </a:txBody>
-                  <a:tcPr anchor="ctr">
-                    <a:lnL w="9525" cap="flat" cmpd="sng" algn="ctr">
-                      <a:solidFill>
-                        <a:srgbClr val="4B5362"/>
-                      </a:solidFill>
-                      <a:prstDash val="solid"/>
-                      <a:round/>
-                      <a:headEnd type="none" w="med" len="med"/>
-                      <a:tailEnd type="none" w="med" len="med"/>
-                    </a:lnL>
-                    <a:lnR w="9525" cap="flat" cmpd="sng" algn="ctr">
-                      <a:solidFill>
-                        <a:srgbClr val="4B5362"/>
-                      </a:solidFill>
-                      <a:prstDash val="solid"/>
-                      <a:round/>
-                      <a:headEnd type="none" w="med" len="med"/>
-                      <a:tailEnd type="none" w="med" len="med"/>
-                    </a:lnR>
-                    <a:lnT w="9525" cap="flat" cmpd="sng" algn="ctr">
-                      <a:solidFill>
-                        <a:srgbClr val="4B5362"/>
-                      </a:solidFill>
-                      <a:prstDash val="solid"/>
-                      <a:round/>
-                      <a:headEnd type="none" w="med" len="med"/>
-                      <a:tailEnd type="none" w="med" len="med"/>
-                    </a:lnT>
-                    <a:lnB w="9525" cap="flat" cmpd="sng" algn="ctr">
-                      <a:solidFill>
-                        <a:srgbClr val="4B5362"/>
-                      </a:solidFill>
-                      <a:prstDash val="solid"/>
-                      <a:round/>
-                      <a:headEnd type="none" w="med" len="med"/>
-                      <a:tailEnd type="none" w="med" len="med"/>
-                    </a:lnB>
-                  </a:tcPr>
-                </a:tc>
-                <a:tc>
-                  <a:txBody>
-                    <a:bodyPr/>
-                    <a:lstStyle/>
-                    <a:p>
-                      <a:pPr algn="ctr"/>
-                      <a:r>
-                        <a:rPr lang="zh-CN" altLang="en-US">
-                          <a:effectLst/>
-                        </a:rPr>
-                        <a:t>否</a:t>
-                      </a:r>
-                    </a:p>
-                  </a:txBody>
-                  <a:tcPr anchor="ctr">
-                    <a:lnL w="9525" cap="flat" cmpd="sng" algn="ctr">
-                      <a:solidFill>
-                        <a:srgbClr val="4B5362"/>
-                      </a:solidFill>
-                      <a:prstDash val="solid"/>
-                      <a:round/>
-                      <a:headEnd type="none" w="med" len="med"/>
-                      <a:tailEnd type="none" w="med" len="med"/>
-                    </a:lnL>
-                    <a:lnR w="9525" cap="flat" cmpd="sng" algn="ctr">
-                      <a:solidFill>
-                        <a:srgbClr val="4B5362"/>
-                      </a:solidFill>
-                      <a:prstDash val="solid"/>
-                      <a:round/>
-                      <a:headEnd type="none" w="med" len="med"/>
-                      <a:tailEnd type="none" w="med" len="med"/>
-                    </a:lnR>
-                    <a:lnT w="9525" cap="flat" cmpd="sng" algn="ctr">
-                      <a:solidFill>
-                        <a:srgbClr val="4B5362"/>
-                      </a:solidFill>
-                      <a:prstDash val="solid"/>
-                      <a:round/>
-                      <a:headEnd type="none" w="med" len="med"/>
-                      <a:tailEnd type="none" w="med" len="med"/>
-                    </a:lnT>
-                    <a:lnB w="9525" cap="flat" cmpd="sng" algn="ctr">
-                      <a:solidFill>
-                        <a:srgbClr val="4B5362"/>
-                      </a:solidFill>
-                      <a:prstDash val="solid"/>
-                      <a:round/>
-                      <a:headEnd type="none" w="med" len="med"/>
-                      <a:tailEnd type="none" w="med" len="med"/>
-                    </a:lnB>
-                  </a:tcPr>
-                </a:tc>
-                <a:extLst>
-                  <a:ext uri="{0D108BD9-81ED-4DB2-BD59-A6C34878D82A}">
-                    <a16:rowId xmlns:a16="http://schemas.microsoft.com/office/drawing/2014/main" val="3958028684"/>
-                  </a:ext>
-                </a:extLst>
-              </a:tr>
-              <a:tr h="0">
-                <a:tc>
-                  <a:txBody>
-                    <a:bodyPr/>
-                    <a:lstStyle/>
-                    <a:p>
-                      <a:pPr algn="ctr"/>
-                      <a:r>
-                        <a:rPr lang="zh-CN" altLang="en-US">
-                          <a:effectLst/>
-                        </a:rPr>
-                        <a:t>输出类型</a:t>
-                      </a:r>
-                    </a:p>
-                  </a:txBody>
-                  <a:tcPr anchor="ctr">
-                    <a:lnL w="9525" cap="flat" cmpd="sng" algn="ctr">
-                      <a:solidFill>
-                        <a:srgbClr val="4B5362"/>
-                      </a:solidFill>
-                      <a:prstDash val="solid"/>
-                      <a:round/>
-                      <a:headEnd type="none" w="med" len="med"/>
-                      <a:tailEnd type="none" w="med" len="med"/>
-                    </a:lnL>
-                    <a:lnR w="9525" cap="flat" cmpd="sng" algn="ctr">
-                      <a:solidFill>
-                        <a:srgbClr val="4B5362"/>
-                      </a:solidFill>
-                      <a:prstDash val="solid"/>
-                      <a:round/>
-                      <a:headEnd type="none" w="med" len="med"/>
-                      <a:tailEnd type="none" w="med" len="med"/>
-                    </a:lnR>
-                    <a:lnT w="9525" cap="flat" cmpd="sng" algn="ctr">
-                      <a:solidFill>
-                        <a:srgbClr val="4B5362"/>
-                      </a:solidFill>
-                      <a:prstDash val="solid"/>
-                      <a:round/>
-                      <a:headEnd type="none" w="med" len="med"/>
-                      <a:tailEnd type="none" w="med" len="med"/>
-                    </a:lnT>
-                    <a:lnB w="9525" cap="flat" cmpd="sng" algn="ctr">
-                      <a:solidFill>
-                        <a:srgbClr val="4B5362"/>
-                      </a:solidFill>
-                      <a:prstDash val="solid"/>
-                      <a:round/>
-                      <a:headEnd type="none" w="med" len="med"/>
-                      <a:tailEnd type="none" w="med" len="med"/>
-                    </a:lnB>
-                  </a:tcPr>
-                </a:tc>
-                <a:tc>
-                  <a:txBody>
-                    <a:bodyPr/>
-                    <a:lstStyle/>
-                    <a:p>
-                      <a:pPr algn="ctr"/>
-                      <a:r>
-                        <a:rPr lang="en-US">
-                          <a:effectLst/>
-                        </a:rPr>
-                        <a:t>NA</a:t>
-                      </a:r>
-                    </a:p>
-                  </a:txBody>
-                  <a:tcPr anchor="ctr">
-                    <a:lnL w="9525" cap="flat" cmpd="sng" algn="ctr">
-                      <a:solidFill>
-                        <a:srgbClr val="4B5362"/>
-                      </a:solidFill>
-                      <a:prstDash val="solid"/>
-                      <a:round/>
-                      <a:headEnd type="none" w="med" len="med"/>
-                      <a:tailEnd type="none" w="med" len="med"/>
-                    </a:lnL>
-                    <a:lnR w="9525" cap="flat" cmpd="sng" algn="ctr">
-                      <a:solidFill>
-                        <a:srgbClr val="4B5362"/>
-                      </a:solidFill>
-                      <a:prstDash val="solid"/>
-                      <a:round/>
-                      <a:headEnd type="none" w="med" len="med"/>
-                      <a:tailEnd type="none" w="med" len="med"/>
-                    </a:lnR>
-                    <a:lnT w="9525" cap="flat" cmpd="sng" algn="ctr">
-                      <a:solidFill>
-                        <a:srgbClr val="4B5362"/>
-                      </a:solidFill>
-                      <a:prstDash val="solid"/>
-                      <a:round/>
-                      <a:headEnd type="none" w="med" len="med"/>
-                      <a:tailEnd type="none" w="med" len="med"/>
-                    </a:lnT>
-                    <a:lnB w="9525" cap="flat" cmpd="sng" algn="ctr">
-                      <a:solidFill>
-                        <a:srgbClr val="4B5362"/>
-                      </a:solidFill>
-                      <a:prstDash val="solid"/>
-                      <a:round/>
-                      <a:headEnd type="none" w="med" len="med"/>
-                      <a:tailEnd type="none" w="med" len="med"/>
-                    </a:lnB>
-                  </a:tcPr>
-                </a:tc>
-                <a:tc>
-                  <a:txBody>
-                    <a:bodyPr/>
-                    <a:lstStyle/>
-                    <a:p>
-                      <a:pPr algn="ctr"/>
-                      <a:r>
-                        <a:rPr lang="en-US">
-                          <a:effectLst/>
-                        </a:rPr>
-                        <a:t>NA</a:t>
-                      </a:r>
-                    </a:p>
-                  </a:txBody>
-                  <a:tcPr anchor="ctr">
-                    <a:lnL w="9525" cap="flat" cmpd="sng" algn="ctr">
-                      <a:solidFill>
-                        <a:srgbClr val="4B5362"/>
-                      </a:solidFill>
-                      <a:prstDash val="solid"/>
-                      <a:round/>
-                      <a:headEnd type="none" w="med" len="med"/>
-                      <a:tailEnd type="none" w="med" len="med"/>
-                    </a:lnL>
-                    <a:lnR w="9525" cap="flat" cmpd="sng" algn="ctr">
-                      <a:solidFill>
-                        <a:srgbClr val="4B5362"/>
-                      </a:solidFill>
-                      <a:prstDash val="solid"/>
-                      <a:round/>
-                      <a:headEnd type="none" w="med" len="med"/>
-                      <a:tailEnd type="none" w="med" len="med"/>
-                    </a:lnR>
-                    <a:lnT w="9525" cap="flat" cmpd="sng" algn="ctr">
-                      <a:solidFill>
-                        <a:srgbClr val="4B5362"/>
-                      </a:solidFill>
-                      <a:prstDash val="solid"/>
-                      <a:round/>
-                      <a:headEnd type="none" w="med" len="med"/>
-                      <a:tailEnd type="none" w="med" len="med"/>
-                    </a:lnT>
-                    <a:lnB w="9525" cap="flat" cmpd="sng" algn="ctr">
-                      <a:solidFill>
-                        <a:srgbClr val="4B5362"/>
-                      </a:solidFill>
-                      <a:prstDash val="solid"/>
-                      <a:round/>
-                      <a:headEnd type="none" w="med" len="med"/>
-                      <a:tailEnd type="none" w="med" len="med"/>
-                    </a:lnB>
-                  </a:tcPr>
-                </a:tc>
-                <a:tc>
-                  <a:txBody>
-                    <a:bodyPr/>
-                    <a:lstStyle/>
-                    <a:p>
-                      <a:pPr algn="ctr"/>
-                      <a:r>
-                        <a:rPr lang="en-US">
-                          <a:effectLst/>
-                        </a:rPr>
-                        <a:t>NA</a:t>
-                      </a:r>
-                    </a:p>
-                  </a:txBody>
-                  <a:tcPr anchor="ctr">
-                    <a:lnL w="9525" cap="flat" cmpd="sng" algn="ctr">
-                      <a:solidFill>
-                        <a:srgbClr val="4B5362"/>
-                      </a:solidFill>
-                      <a:prstDash val="solid"/>
-                      <a:round/>
-                      <a:headEnd type="none" w="med" len="med"/>
-                      <a:tailEnd type="none" w="med" len="med"/>
-                    </a:lnL>
-                    <a:lnR w="9525" cap="flat" cmpd="sng" algn="ctr">
-                      <a:solidFill>
-                        <a:srgbClr val="4B5362"/>
-                      </a:solidFill>
-                      <a:prstDash val="solid"/>
-                      <a:round/>
-                      <a:headEnd type="none" w="med" len="med"/>
-                      <a:tailEnd type="none" w="med" len="med"/>
-                    </a:lnR>
-                    <a:lnT w="9525" cap="flat" cmpd="sng" algn="ctr">
-                      <a:solidFill>
-                        <a:srgbClr val="4B5362"/>
-                      </a:solidFill>
-                      <a:prstDash val="solid"/>
-                      <a:round/>
-                      <a:headEnd type="none" w="med" len="med"/>
-                      <a:tailEnd type="none" w="med" len="med"/>
-                    </a:lnT>
-                    <a:lnB w="9525" cap="flat" cmpd="sng" algn="ctr">
-                      <a:solidFill>
-                        <a:srgbClr val="4B5362"/>
-                      </a:solidFill>
-                      <a:prstDash val="solid"/>
-                      <a:round/>
-                      <a:headEnd type="none" w="med" len="med"/>
-                      <a:tailEnd type="none" w="med" len="med"/>
-                    </a:lnB>
-                  </a:tcPr>
-                </a:tc>
-                <a:tc>
-                  <a:txBody>
-                    <a:bodyPr/>
-                    <a:lstStyle/>
-                    <a:p>
-                      <a:pPr algn="ctr"/>
-                      <a:r>
-                        <a:rPr lang="en-US">
-                          <a:effectLst/>
-                        </a:rPr>
-                        <a:t>Native</a:t>
-                      </a:r>
-                    </a:p>
-                  </a:txBody>
-                  <a:tcPr anchor="ctr">
-                    <a:lnL w="9525" cap="flat" cmpd="sng" algn="ctr">
-                      <a:solidFill>
-                        <a:srgbClr val="4B5362"/>
-                      </a:solidFill>
-                      <a:prstDash val="solid"/>
-                      <a:round/>
-                      <a:headEnd type="none" w="med" len="med"/>
-                      <a:tailEnd type="none" w="med" len="med"/>
-                    </a:lnL>
-                    <a:lnR w="9525" cap="flat" cmpd="sng" algn="ctr">
-                      <a:solidFill>
-                        <a:srgbClr val="4B5362"/>
-                      </a:solidFill>
-                      <a:prstDash val="solid"/>
-                      <a:round/>
-                      <a:headEnd type="none" w="med" len="med"/>
-                      <a:tailEnd type="none" w="med" len="med"/>
-                    </a:lnR>
-                    <a:lnT w="9525" cap="flat" cmpd="sng" algn="ctr">
-                      <a:solidFill>
-                        <a:srgbClr val="4B5362"/>
-                      </a:solidFill>
-                      <a:prstDash val="solid"/>
-                      <a:round/>
-                      <a:headEnd type="none" w="med" len="med"/>
-                      <a:tailEnd type="none" w="med" len="med"/>
-                    </a:lnT>
-                    <a:lnB w="9525" cap="flat" cmpd="sng" algn="ctr">
-                      <a:solidFill>
-                        <a:srgbClr val="4B5362"/>
-                      </a:solidFill>
-                      <a:prstDash val="solid"/>
-                      <a:round/>
-                      <a:headEnd type="none" w="med" len="med"/>
-                      <a:tailEnd type="none" w="med" len="med"/>
-                    </a:lnB>
-                  </a:tcPr>
-                </a:tc>
-                <a:tc>
-                  <a:txBody>
-                    <a:bodyPr/>
-                    <a:lstStyle/>
-                    <a:p>
-                      <a:pPr algn="ctr"/>
-                      <a:r>
-                        <a:rPr lang="en-US">
-                          <a:effectLst/>
-                        </a:rPr>
-                        <a:t>C++</a:t>
-                      </a:r>
-                    </a:p>
-                  </a:txBody>
-                  <a:tcPr anchor="ctr">
-                    <a:lnL w="9525" cap="flat" cmpd="sng" algn="ctr">
-                      <a:solidFill>
-                        <a:srgbClr val="4B5362"/>
-                      </a:solidFill>
-                      <a:prstDash val="solid"/>
-                      <a:round/>
-                      <a:headEnd type="none" w="med" len="med"/>
-                      <a:tailEnd type="none" w="med" len="med"/>
-                    </a:lnL>
-                    <a:lnR w="9525" cap="flat" cmpd="sng" algn="ctr">
-                      <a:solidFill>
-                        <a:srgbClr val="4B5362"/>
-                      </a:solidFill>
-                      <a:prstDash val="solid"/>
-                      <a:round/>
-                      <a:headEnd type="none" w="med" len="med"/>
-                      <a:tailEnd type="none" w="med" len="med"/>
-                    </a:lnR>
-                    <a:lnT w="9525" cap="flat" cmpd="sng" algn="ctr">
-                      <a:solidFill>
-                        <a:srgbClr val="4B5362"/>
-                      </a:solidFill>
-                      <a:prstDash val="solid"/>
-                      <a:round/>
-                      <a:headEnd type="none" w="med" len="med"/>
-                      <a:tailEnd type="none" w="med" len="med"/>
-                    </a:lnT>
-                    <a:lnB w="9525" cap="flat" cmpd="sng" algn="ctr">
-                      <a:solidFill>
-                        <a:srgbClr val="4B5362"/>
-                      </a:solidFill>
-                      <a:prstDash val="solid"/>
-                      <a:round/>
-                      <a:headEnd type="none" w="med" len="med"/>
-                      <a:tailEnd type="none" w="med" len="med"/>
-                    </a:lnB>
-                  </a:tcPr>
-                </a:tc>
-                <a:extLst>
-                  <a:ext uri="{0D108BD9-81ED-4DB2-BD59-A6C34878D82A}">
-                    <a16:rowId xmlns:a16="http://schemas.microsoft.com/office/drawing/2014/main" val="4120267612"/>
-                  </a:ext>
-                </a:extLst>
-              </a:tr>
-              <a:tr h="0">
-                <a:tc>
-                  <a:txBody>
-                    <a:bodyPr/>
-                    <a:lstStyle/>
-                    <a:p>
-                      <a:pPr algn="ctr"/>
-                      <a:r>
-                        <a:rPr lang="zh-CN" altLang="en-US">
-                          <a:effectLst/>
-                        </a:rPr>
-                        <a:t>运行时版本</a:t>
-                      </a:r>
-                      <a:r>
-                        <a:rPr lang="en-US" altLang="zh-CN">
-                          <a:effectLst/>
-                        </a:rPr>
-                        <a:t>(</a:t>
-                      </a:r>
-                      <a:r>
-                        <a:rPr lang="zh-CN" altLang="en-US">
-                          <a:effectLst/>
-                        </a:rPr>
-                        <a:t>相对于</a:t>
-                      </a:r>
-                      <a:r>
-                        <a:rPr lang="en-US" altLang="zh-CN">
-                          <a:effectLst/>
-                        </a:rPr>
-                        <a:t>CLR)</a:t>
-                      </a:r>
-                    </a:p>
-                  </a:txBody>
-                  <a:tcPr anchor="ctr">
-                    <a:lnL w="9525" cap="flat" cmpd="sng" algn="ctr">
-                      <a:solidFill>
-                        <a:srgbClr val="4B5362"/>
-                      </a:solidFill>
-                      <a:prstDash val="solid"/>
-                      <a:round/>
-                      <a:headEnd type="none" w="med" len="med"/>
-                      <a:tailEnd type="none" w="med" len="med"/>
-                    </a:lnL>
-                    <a:lnR w="9525" cap="flat" cmpd="sng" algn="ctr">
-                      <a:solidFill>
-                        <a:srgbClr val="4B5362"/>
-                      </a:solidFill>
-                      <a:prstDash val="solid"/>
-                      <a:round/>
-                      <a:headEnd type="none" w="med" len="med"/>
-                      <a:tailEnd type="none" w="med" len="med"/>
-                    </a:lnR>
-                    <a:lnT w="9525" cap="flat" cmpd="sng" algn="ctr">
-                      <a:solidFill>
-                        <a:srgbClr val="4B5362"/>
-                      </a:solidFill>
-                      <a:prstDash val="solid"/>
-                      <a:round/>
-                      <a:headEnd type="none" w="med" len="med"/>
-                      <a:tailEnd type="none" w="med" len="med"/>
-                    </a:lnT>
-                    <a:lnB w="9525" cap="flat" cmpd="sng" algn="ctr">
-                      <a:solidFill>
-                        <a:srgbClr val="4B5362"/>
-                      </a:solidFill>
-                      <a:prstDash val="solid"/>
-                      <a:round/>
-                      <a:headEnd type="none" w="med" len="med"/>
-                      <a:tailEnd type="none" w="med" len="med"/>
-                    </a:lnB>
-                  </a:tcPr>
-                </a:tc>
-                <a:tc>
-                  <a:txBody>
-                    <a:bodyPr/>
-                    <a:lstStyle/>
-                    <a:p>
-                      <a:pPr algn="ctr"/>
-                      <a:r>
-                        <a:rPr lang="en-US" altLang="zh-CN">
-                          <a:effectLst/>
-                        </a:rPr>
-                        <a:t>4</a:t>
-                      </a:r>
-                    </a:p>
-                  </a:txBody>
-                  <a:tcPr anchor="ctr">
-                    <a:lnL w="9525" cap="flat" cmpd="sng" algn="ctr">
-                      <a:solidFill>
-                        <a:srgbClr val="4B5362"/>
-                      </a:solidFill>
-                      <a:prstDash val="solid"/>
-                      <a:round/>
-                      <a:headEnd type="none" w="med" len="med"/>
-                      <a:tailEnd type="none" w="med" len="med"/>
-                    </a:lnL>
-                    <a:lnR w="9525" cap="flat" cmpd="sng" algn="ctr">
-                      <a:solidFill>
-                        <a:srgbClr val="4B5362"/>
-                      </a:solidFill>
-                      <a:prstDash val="solid"/>
-                      <a:round/>
-                      <a:headEnd type="none" w="med" len="med"/>
-                      <a:tailEnd type="none" w="med" len="med"/>
-                    </a:lnR>
-                    <a:lnT w="9525" cap="flat" cmpd="sng" algn="ctr">
-                      <a:solidFill>
-                        <a:srgbClr val="4B5362"/>
-                      </a:solidFill>
-                      <a:prstDash val="solid"/>
-                      <a:round/>
-                      <a:headEnd type="none" w="med" len="med"/>
-                      <a:tailEnd type="none" w="med" len="med"/>
-                    </a:lnT>
-                    <a:lnB w="9525" cap="flat" cmpd="sng" algn="ctr">
-                      <a:solidFill>
-                        <a:srgbClr val="4B5362"/>
-                      </a:solidFill>
-                      <a:prstDash val="solid"/>
-                      <a:round/>
-                      <a:headEnd type="none" w="med" len="med"/>
-                      <a:tailEnd type="none" w="med" len="med"/>
-                    </a:lnB>
-                  </a:tcPr>
-                </a:tc>
-                <a:tc>
-                  <a:txBody>
-                    <a:bodyPr/>
-                    <a:lstStyle/>
-                    <a:p>
-                      <a:pPr algn="ctr"/>
-                      <a:r>
-                        <a:rPr lang="en-US" altLang="zh-CN">
-                          <a:effectLst/>
-                        </a:rPr>
-                        <a:t>4</a:t>
-                      </a:r>
-                    </a:p>
-                  </a:txBody>
-                  <a:tcPr anchor="ctr">
-                    <a:lnL w="9525" cap="flat" cmpd="sng" algn="ctr">
-                      <a:solidFill>
-                        <a:srgbClr val="4B5362"/>
-                      </a:solidFill>
-                      <a:prstDash val="solid"/>
-                      <a:round/>
-                      <a:headEnd type="none" w="med" len="med"/>
-                      <a:tailEnd type="none" w="med" len="med"/>
-                    </a:lnL>
-                    <a:lnR w="9525" cap="flat" cmpd="sng" algn="ctr">
-                      <a:solidFill>
-                        <a:srgbClr val="4B5362"/>
-                      </a:solidFill>
-                      <a:prstDash val="solid"/>
-                      <a:round/>
-                      <a:headEnd type="none" w="med" len="med"/>
-                      <a:tailEnd type="none" w="med" len="med"/>
-                    </a:lnR>
-                    <a:lnT w="9525" cap="flat" cmpd="sng" algn="ctr">
-                      <a:solidFill>
-                        <a:srgbClr val="4B5362"/>
-                      </a:solidFill>
-                      <a:prstDash val="solid"/>
-                      <a:round/>
-                      <a:headEnd type="none" w="med" len="med"/>
-                      <a:tailEnd type="none" w="med" len="med"/>
-                    </a:lnT>
-                    <a:lnB w="9525" cap="flat" cmpd="sng" algn="ctr">
-                      <a:solidFill>
-                        <a:srgbClr val="4B5362"/>
-                      </a:solidFill>
-                      <a:prstDash val="solid"/>
-                      <a:round/>
-                      <a:headEnd type="none" w="med" len="med"/>
-                      <a:tailEnd type="none" w="med" len="med"/>
-                    </a:lnB>
-                  </a:tcPr>
-                </a:tc>
-                <a:tc>
-                  <a:txBody>
-                    <a:bodyPr/>
-                    <a:lstStyle/>
-                    <a:p>
-                      <a:pPr algn="ctr"/>
-                      <a:r>
-                        <a:rPr lang="en-US" altLang="zh-CN">
-                          <a:effectLst/>
-                        </a:rPr>
-                        <a:t>2</a:t>
-                      </a:r>
-                    </a:p>
-                  </a:txBody>
-                  <a:tcPr anchor="ctr">
-                    <a:lnL w="9525" cap="flat" cmpd="sng" algn="ctr">
-                      <a:solidFill>
-                        <a:srgbClr val="4B5362"/>
-                      </a:solidFill>
-                      <a:prstDash val="solid"/>
-                      <a:round/>
-                      <a:headEnd type="none" w="med" len="med"/>
-                      <a:tailEnd type="none" w="med" len="med"/>
-                    </a:lnL>
-                    <a:lnR w="9525" cap="flat" cmpd="sng" algn="ctr">
-                      <a:solidFill>
-                        <a:srgbClr val="4B5362"/>
-                      </a:solidFill>
-                      <a:prstDash val="solid"/>
-                      <a:round/>
-                      <a:headEnd type="none" w="med" len="med"/>
-                      <a:tailEnd type="none" w="med" len="med"/>
-                    </a:lnR>
-                    <a:lnT w="9525" cap="flat" cmpd="sng" algn="ctr">
-                      <a:solidFill>
-                        <a:srgbClr val="4B5362"/>
-                      </a:solidFill>
-                      <a:prstDash val="solid"/>
-                      <a:round/>
-                      <a:headEnd type="none" w="med" len="med"/>
-                      <a:tailEnd type="none" w="med" len="med"/>
-                    </a:lnT>
-                    <a:lnB w="9525" cap="flat" cmpd="sng" algn="ctr">
-                      <a:solidFill>
-                        <a:srgbClr val="4B5362"/>
-                      </a:solidFill>
-                      <a:prstDash val="solid"/>
-                      <a:round/>
-                      <a:headEnd type="none" w="med" len="med"/>
-                      <a:tailEnd type="none" w="med" len="med"/>
-                    </a:lnB>
-                  </a:tcPr>
-                </a:tc>
-                <a:tc>
-                  <a:txBody>
-                    <a:bodyPr/>
-                    <a:lstStyle/>
-                    <a:p>
-                      <a:pPr algn="ctr"/>
-                      <a:r>
-                        <a:rPr lang="en-US" altLang="zh-CN">
-                          <a:effectLst/>
-                        </a:rPr>
-                        <a:t>2</a:t>
-                      </a:r>
-                    </a:p>
-                  </a:txBody>
-                  <a:tcPr anchor="ctr">
-                    <a:lnL w="9525" cap="flat" cmpd="sng" algn="ctr">
-                      <a:solidFill>
-                        <a:srgbClr val="4B5362"/>
-                      </a:solidFill>
-                      <a:prstDash val="solid"/>
-                      <a:round/>
-                      <a:headEnd type="none" w="med" len="med"/>
-                      <a:tailEnd type="none" w="med" len="med"/>
-                    </a:lnL>
-                    <a:lnR w="9525" cap="flat" cmpd="sng" algn="ctr">
-                      <a:solidFill>
-                        <a:srgbClr val="4B5362"/>
-                      </a:solidFill>
-                      <a:prstDash val="solid"/>
-                      <a:round/>
-                      <a:headEnd type="none" w="med" len="med"/>
-                      <a:tailEnd type="none" w="med" len="med"/>
-                    </a:lnR>
-                    <a:lnT w="9525" cap="flat" cmpd="sng" algn="ctr">
-                      <a:solidFill>
-                        <a:srgbClr val="4B5362"/>
-                      </a:solidFill>
-                      <a:prstDash val="solid"/>
-                      <a:round/>
-                      <a:headEnd type="none" w="med" len="med"/>
-                      <a:tailEnd type="none" w="med" len="med"/>
-                    </a:lnT>
-                    <a:lnB w="9525" cap="flat" cmpd="sng" algn="ctr">
-                      <a:solidFill>
-                        <a:srgbClr val="4B5362"/>
-                      </a:solidFill>
-                      <a:prstDash val="solid"/>
-                      <a:round/>
-                      <a:headEnd type="none" w="med" len="med"/>
-                      <a:tailEnd type="none" w="med" len="med"/>
-                    </a:lnB>
-                  </a:tcPr>
-                </a:tc>
-                <a:tc>
-                  <a:txBody>
-                    <a:bodyPr/>
-                    <a:lstStyle/>
-                    <a:p>
-                      <a:pPr algn="ctr"/>
-                      <a:r>
-                        <a:rPr lang="en-US" altLang="zh-CN">
-                          <a:effectLst/>
-                        </a:rPr>
-                        <a:t>2</a:t>
-                      </a:r>
-                    </a:p>
-                  </a:txBody>
-                  <a:tcPr anchor="ctr">
-                    <a:lnL w="9525" cap="flat" cmpd="sng" algn="ctr">
-                      <a:solidFill>
-                        <a:srgbClr val="4B5362"/>
-                      </a:solidFill>
-                      <a:prstDash val="solid"/>
-                      <a:round/>
-                      <a:headEnd type="none" w="med" len="med"/>
-                      <a:tailEnd type="none" w="med" len="med"/>
-                    </a:lnL>
-                    <a:lnR w="9525" cap="flat" cmpd="sng" algn="ctr">
-                      <a:solidFill>
-                        <a:srgbClr val="4B5362"/>
-                      </a:solidFill>
-                      <a:prstDash val="solid"/>
-                      <a:round/>
-                      <a:headEnd type="none" w="med" len="med"/>
-                      <a:tailEnd type="none" w="med" len="med"/>
-                    </a:lnR>
-                    <a:lnT w="9525" cap="flat" cmpd="sng" algn="ctr">
-                      <a:solidFill>
-                        <a:srgbClr val="4B5362"/>
-                      </a:solidFill>
-                      <a:prstDash val="solid"/>
-                      <a:round/>
-                      <a:headEnd type="none" w="med" len="med"/>
-                      <a:tailEnd type="none" w="med" len="med"/>
-                    </a:lnT>
-                    <a:lnB w="9525" cap="flat" cmpd="sng" algn="ctr">
-                      <a:solidFill>
-                        <a:srgbClr val="4B5362"/>
-                      </a:solidFill>
-                      <a:prstDash val="solid"/>
-                      <a:round/>
-                      <a:headEnd type="none" w="med" len="med"/>
-                      <a:tailEnd type="none" w="med" len="med"/>
-                    </a:lnB>
-                  </a:tcPr>
-                </a:tc>
-                <a:extLst>
-                  <a:ext uri="{0D108BD9-81ED-4DB2-BD59-A6C34878D82A}">
-                    <a16:rowId xmlns:a16="http://schemas.microsoft.com/office/drawing/2014/main" val="2126633583"/>
-                  </a:ext>
-                </a:extLst>
-              </a:tr>
-              <a:tr h="0">
-                <a:tc>
-                  <a:txBody>
-                    <a:bodyPr/>
-                    <a:lstStyle/>
-                    <a:p>
-                      <a:pPr algn="ctr"/>
-                      <a:r>
-                        <a:rPr lang="en-US">
-                          <a:effectLst/>
-                        </a:rPr>
-                        <a:t>GC</a:t>
-                      </a:r>
-                      <a:r>
-                        <a:rPr lang="zh-CN" altLang="en-US">
-                          <a:effectLst/>
-                        </a:rPr>
-                        <a:t>类型</a:t>
-                      </a:r>
-                    </a:p>
-                  </a:txBody>
-                  <a:tcPr anchor="ctr">
-                    <a:lnL w="9525" cap="flat" cmpd="sng" algn="ctr">
-                      <a:solidFill>
-                        <a:srgbClr val="4B5362"/>
-                      </a:solidFill>
-                      <a:prstDash val="solid"/>
-                      <a:round/>
-                      <a:headEnd type="none" w="med" len="med"/>
-                      <a:tailEnd type="none" w="med" len="med"/>
-                    </a:lnL>
-                    <a:lnR w="9525" cap="flat" cmpd="sng" algn="ctr">
-                      <a:solidFill>
-                        <a:srgbClr val="4B5362"/>
-                      </a:solidFill>
-                      <a:prstDash val="solid"/>
-                      <a:round/>
-                      <a:headEnd type="none" w="med" len="med"/>
-                      <a:tailEnd type="none" w="med" len="med"/>
-                    </a:lnR>
-                    <a:lnT w="9525" cap="flat" cmpd="sng" algn="ctr">
-                      <a:solidFill>
-                        <a:srgbClr val="4B5362"/>
-                      </a:solidFill>
-                      <a:prstDash val="solid"/>
-                      <a:round/>
-                      <a:headEnd type="none" w="med" len="med"/>
-                      <a:tailEnd type="none" w="med" len="med"/>
-                    </a:lnT>
-                    <a:lnB w="9525" cap="flat" cmpd="sng" algn="ctr">
-                      <a:solidFill>
-                        <a:srgbClr val="4B5362"/>
-                      </a:solidFill>
-                      <a:prstDash val="solid"/>
-                      <a:round/>
-                      <a:headEnd type="none" w="med" len="med"/>
-                      <a:tailEnd type="none" w="med" len="med"/>
-                    </a:lnB>
-                  </a:tcPr>
-                </a:tc>
-                <a:tc>
-                  <a:txBody>
-                    <a:bodyPr/>
-                    <a:lstStyle/>
-                    <a:p>
-                      <a:pPr algn="ctr"/>
-                      <a:r>
-                        <a:rPr lang="en-US">
-                          <a:effectLst/>
-                        </a:rPr>
-                        <a:t>3 Gens GC</a:t>
-                      </a:r>
-                      <a:br>
-                        <a:rPr lang="en-US">
-                          <a:effectLst/>
-                        </a:rPr>
-                      </a:br>
-                      <a:r>
-                        <a:rPr lang="en-US">
-                          <a:effectLst/>
-                        </a:rPr>
-                        <a:t>(gen0, 1: Marked-Compact, STW; gen2: Marked-Sweep)</a:t>
-                      </a:r>
-                    </a:p>
-                  </a:txBody>
-                  <a:tcPr anchor="ctr">
-                    <a:lnL w="9525" cap="flat" cmpd="sng" algn="ctr">
-                      <a:solidFill>
-                        <a:srgbClr val="4B5362"/>
-                      </a:solidFill>
-                      <a:prstDash val="solid"/>
-                      <a:round/>
-                      <a:headEnd type="none" w="med" len="med"/>
-                      <a:tailEnd type="none" w="med" len="med"/>
-                    </a:lnL>
-                    <a:lnR w="9525" cap="flat" cmpd="sng" algn="ctr">
-                      <a:solidFill>
-                        <a:srgbClr val="4B5362"/>
-                      </a:solidFill>
-                      <a:prstDash val="solid"/>
-                      <a:round/>
-                      <a:headEnd type="none" w="med" len="med"/>
-                      <a:tailEnd type="none" w="med" len="med"/>
-                    </a:lnR>
-                    <a:lnT w="9525" cap="flat" cmpd="sng" algn="ctr">
-                      <a:solidFill>
-                        <a:srgbClr val="4B5362"/>
-                      </a:solidFill>
-                      <a:prstDash val="solid"/>
-                      <a:round/>
-                      <a:headEnd type="none" w="med" len="med"/>
-                      <a:tailEnd type="none" w="med" len="med"/>
-                    </a:lnT>
-                    <a:lnB w="9525" cap="flat" cmpd="sng" algn="ctr">
-                      <a:solidFill>
-                        <a:srgbClr val="4B5362"/>
-                      </a:solidFill>
-                      <a:prstDash val="solid"/>
-                      <a:round/>
-                      <a:headEnd type="none" w="med" len="med"/>
-                      <a:tailEnd type="none" w="med" len="med"/>
-                    </a:lnB>
-                  </a:tcPr>
-                </a:tc>
-                <a:tc>
-                  <a:txBody>
-                    <a:bodyPr/>
-                    <a:lstStyle/>
-                    <a:p>
-                      <a:pPr algn="ctr"/>
-                      <a:r>
-                        <a:rPr lang="en-US">
-                          <a:effectLst/>
-                        </a:rPr>
-                        <a:t>SGen</a:t>
-                      </a:r>
-                      <a:br>
-                        <a:rPr lang="en-US">
-                          <a:effectLst/>
-                        </a:rPr>
-                      </a:br>
-                      <a:r>
-                        <a:rPr lang="en-US">
-                          <a:effectLst/>
-                        </a:rPr>
-                        <a:t>(gen0:Copying; gen1:Marked-Sweep)</a:t>
-                      </a:r>
-                    </a:p>
-                  </a:txBody>
-                  <a:tcPr anchor="ctr">
-                    <a:lnL w="9525" cap="flat" cmpd="sng" algn="ctr">
-                      <a:solidFill>
-                        <a:srgbClr val="4B5362"/>
-                      </a:solidFill>
-                      <a:prstDash val="solid"/>
-                      <a:round/>
-                      <a:headEnd type="none" w="med" len="med"/>
-                      <a:tailEnd type="none" w="med" len="med"/>
-                    </a:lnL>
-                    <a:lnR w="9525" cap="flat" cmpd="sng" algn="ctr">
-                      <a:solidFill>
-                        <a:srgbClr val="4B5362"/>
-                      </a:solidFill>
-                      <a:prstDash val="solid"/>
-                      <a:round/>
-                      <a:headEnd type="none" w="med" len="med"/>
-                      <a:tailEnd type="none" w="med" len="med"/>
-                    </a:lnR>
-                    <a:lnT w="9525" cap="flat" cmpd="sng" algn="ctr">
-                      <a:solidFill>
-                        <a:srgbClr val="4B5362"/>
-                      </a:solidFill>
-                      <a:prstDash val="solid"/>
-                      <a:round/>
-                      <a:headEnd type="none" w="med" len="med"/>
-                      <a:tailEnd type="none" w="med" len="med"/>
-                    </a:lnT>
-                    <a:lnB w="9525" cap="flat" cmpd="sng" algn="ctr">
-                      <a:solidFill>
-                        <a:srgbClr val="4B5362"/>
-                      </a:solidFill>
-                      <a:prstDash val="solid"/>
-                      <a:round/>
-                      <a:headEnd type="none" w="med" len="med"/>
-                      <a:tailEnd type="none" w="med" len="med"/>
-                    </a:lnB>
-                  </a:tcPr>
-                </a:tc>
-                <a:tc>
-                  <a:txBody>
-                    <a:bodyPr/>
-                    <a:lstStyle/>
-                    <a:p>
-                      <a:pPr algn="ctr"/>
-                      <a:r>
-                        <a:rPr lang="en-US">
-                          <a:effectLst/>
-                        </a:rPr>
-                        <a:t>Boehm</a:t>
-                      </a:r>
-                    </a:p>
-                  </a:txBody>
-                  <a:tcPr anchor="ctr">
-                    <a:lnL w="9525" cap="flat" cmpd="sng" algn="ctr">
-                      <a:solidFill>
-                        <a:srgbClr val="4B5362"/>
-                      </a:solidFill>
-                      <a:prstDash val="solid"/>
-                      <a:round/>
-                      <a:headEnd type="none" w="med" len="med"/>
-                      <a:tailEnd type="none" w="med" len="med"/>
-                    </a:lnL>
-                    <a:lnR w="9525" cap="flat" cmpd="sng" algn="ctr">
-                      <a:solidFill>
-                        <a:srgbClr val="4B5362"/>
-                      </a:solidFill>
-                      <a:prstDash val="solid"/>
-                      <a:round/>
-                      <a:headEnd type="none" w="med" len="med"/>
-                      <a:tailEnd type="none" w="med" len="med"/>
-                    </a:lnR>
-                    <a:lnT w="9525" cap="flat" cmpd="sng" algn="ctr">
-                      <a:solidFill>
-                        <a:srgbClr val="4B5362"/>
-                      </a:solidFill>
-                      <a:prstDash val="solid"/>
-                      <a:round/>
-                      <a:headEnd type="none" w="med" len="med"/>
-                      <a:tailEnd type="none" w="med" len="med"/>
-                    </a:lnT>
-                    <a:lnB w="9525" cap="flat" cmpd="sng" algn="ctr">
-                      <a:solidFill>
-                        <a:srgbClr val="4B5362"/>
-                      </a:solidFill>
-                      <a:prstDash val="solid"/>
-                      <a:round/>
-                      <a:headEnd type="none" w="med" len="med"/>
-                      <a:tailEnd type="none" w="med" len="med"/>
-                    </a:lnB>
-                  </a:tcPr>
-                </a:tc>
-                <a:tc>
-                  <a:txBody>
-                    <a:bodyPr/>
-                    <a:lstStyle/>
-                    <a:p>
-                      <a:pPr algn="ctr"/>
-                      <a:r>
-                        <a:rPr lang="en-US">
-                          <a:effectLst/>
-                        </a:rPr>
-                        <a:t>Boehm</a:t>
-                      </a:r>
-                    </a:p>
-                  </a:txBody>
-                  <a:tcPr anchor="ctr">
-                    <a:lnL w="9525" cap="flat" cmpd="sng" algn="ctr">
-                      <a:solidFill>
-                        <a:srgbClr val="4B5362"/>
-                      </a:solidFill>
-                      <a:prstDash val="solid"/>
-                      <a:round/>
-                      <a:headEnd type="none" w="med" len="med"/>
-                      <a:tailEnd type="none" w="med" len="med"/>
-                    </a:lnL>
-                    <a:lnR w="9525" cap="flat" cmpd="sng" algn="ctr">
-                      <a:solidFill>
-                        <a:srgbClr val="4B5362"/>
-                      </a:solidFill>
-                      <a:prstDash val="solid"/>
-                      <a:round/>
-                      <a:headEnd type="none" w="med" len="med"/>
-                      <a:tailEnd type="none" w="med" len="med"/>
-                    </a:lnR>
-                    <a:lnT w="9525" cap="flat" cmpd="sng" algn="ctr">
-                      <a:solidFill>
-                        <a:srgbClr val="4B5362"/>
-                      </a:solidFill>
-                      <a:prstDash val="solid"/>
-                      <a:round/>
-                      <a:headEnd type="none" w="med" len="med"/>
-                      <a:tailEnd type="none" w="med" len="med"/>
-                    </a:lnT>
-                    <a:lnB w="9525" cap="flat" cmpd="sng" algn="ctr">
-                      <a:solidFill>
-                        <a:srgbClr val="4B5362"/>
-                      </a:solidFill>
-                      <a:prstDash val="solid"/>
-                      <a:round/>
-                      <a:headEnd type="none" w="med" len="med"/>
-                      <a:tailEnd type="none" w="med" len="med"/>
-                    </a:lnB>
-                  </a:tcPr>
-                </a:tc>
-                <a:tc>
-                  <a:txBody>
-                    <a:bodyPr/>
-                    <a:lstStyle/>
-                    <a:p>
-                      <a:pPr algn="ctr"/>
-                      <a:r>
-                        <a:rPr lang="en-US" dirty="0">
-                          <a:effectLst/>
-                        </a:rPr>
-                        <a:t>Boehm</a:t>
-                      </a:r>
-                    </a:p>
-                  </a:txBody>
-                  <a:tcPr anchor="ctr">
-                    <a:lnL w="9525" cap="flat" cmpd="sng" algn="ctr">
-                      <a:solidFill>
-                        <a:srgbClr val="4B5362"/>
-                      </a:solidFill>
-                      <a:prstDash val="solid"/>
-                      <a:round/>
-                      <a:headEnd type="none" w="med" len="med"/>
-                      <a:tailEnd type="none" w="med" len="med"/>
-                    </a:lnL>
-                    <a:lnR w="9525" cap="flat" cmpd="sng" algn="ctr">
-                      <a:solidFill>
-                        <a:srgbClr val="4B5362"/>
-                      </a:solidFill>
-                      <a:prstDash val="solid"/>
-                      <a:round/>
-                      <a:headEnd type="none" w="med" len="med"/>
-                      <a:tailEnd type="none" w="med" len="med"/>
-                    </a:lnR>
-                    <a:lnT w="9525" cap="flat" cmpd="sng" algn="ctr">
-                      <a:solidFill>
-                        <a:srgbClr val="4B5362"/>
-                      </a:solidFill>
-                      <a:prstDash val="solid"/>
-                      <a:round/>
-                      <a:headEnd type="none" w="med" len="med"/>
-                      <a:tailEnd type="none" w="med" len="med"/>
-                    </a:lnT>
-                    <a:lnB w="9525" cap="flat" cmpd="sng" algn="ctr">
-                      <a:solidFill>
-                        <a:srgbClr val="4B5362"/>
-                      </a:solidFill>
-                      <a:prstDash val="solid"/>
-                      <a:round/>
-                      <a:headEnd type="none" w="med" len="med"/>
-                      <a:tailEnd type="none" w="med" len="med"/>
-                    </a:lnB>
-                  </a:tcPr>
-                </a:tc>
-                <a:extLst>
-                  <a:ext uri="{0D108BD9-81ED-4DB2-BD59-A6C34878D82A}">
-                    <a16:rowId xmlns:a16="http://schemas.microsoft.com/office/drawing/2014/main" val="1930938062"/>
-                  </a:ext>
-                </a:extLst>
-              </a:tr>
-            </a:tbl>
-          </a:graphicData>
-        </a:graphic>
-      </p:graphicFrame>
-      <p:sp>
-        <p:nvSpPr>
-          <p:cNvPr id="5" name="矩形 4"/>
-          <p:cNvSpPr/>
-          <p:nvPr/>
-        </p:nvSpPr>
-        <p:spPr>
-          <a:xfrm>
-            <a:off x="5652609" y="3244334"/>
-            <a:ext cx="886781" cy="369332"/>
-          </a:xfrm>
-          <a:prstGeom prst="rect">
-            <a:avLst/>
-          </a:prstGeom>
-        </p:spPr>
-        <p:txBody>
-          <a:bodyPr wrap="none">
-            <a:spAutoFit/>
-          </a:bodyPr>
-          <a:lstStyle/>
-          <a:p>
-            <a:r>
-              <a:rPr lang="en-US" altLang="zh-CN" b="1" i="0" dirty="0" err="1">
-                <a:solidFill>
-                  <a:srgbClr val="FFFFFF"/>
-                </a:solidFill>
-                <a:effectLst/>
-                <a:latin typeface=".SFNSText-Regular"/>
-              </a:rPr>
-              <a:t>RyuJIT</a:t>
-            </a:r>
-            <a:endParaRPr lang="zh-CN" altLang="en-US" dirty="0"/>
-          </a:p>
-        </p:txBody>
-      </p:sp>
-    </p:spTree>
-    <p:extLst>
-      <p:ext uri="{BB962C8B-B14F-4D97-AF65-F5344CB8AC3E}">
-        <p14:creationId xmlns:p14="http://schemas.microsoft.com/office/powerpoint/2010/main" val="918287546"/>
-      </p:ext>
-    </p:extLst>
-  </p:cSld>
-  <p:clrMapOvr>
-    <a:masterClrMapping/>
-  </p:clrMapOvr>
-</p:sld>
-</file>
-
-<file path=ppt/slides/slide5.xml><?xml version="1.0" encoding="utf-8"?>
-<p:sld xmlns:a="http://schemas.openxmlformats.org/drawingml/2006/main" xmlns:r="http://schemas.openxmlformats.org/officeDocument/2006/relationships" xmlns:p="http://schemas.openxmlformats.org/presentationml/2006/main">
-  <p:cSld>
-    <p:spTree>
-      <p:nvGrpSpPr>
-        <p:cNvPr id="1" name=""/>
-        <p:cNvGrpSpPr/>
-        <p:nvPr/>
-      </p:nvGrpSpPr>
-      <p:grpSpPr>
-        <a:xfrm>
-          <a:off x="0" y="0"/>
-          <a:ext cx="0" cy="0"/>
-          <a:chOff x="0" y="0"/>
-          <a:chExt cx="0" cy="0"/>
-        </a:xfrm>
-      </p:grpSpPr>
-      <p:sp>
-        <p:nvSpPr>
-          <p:cNvPr id="2" name="标题 1"/>
-          <p:cNvSpPr>
-            <a:spLocks noGrp="1"/>
-          </p:cNvSpPr>
-          <p:nvPr>
-            <p:ph type="title"/>
-          </p:nvPr>
-        </p:nvSpPr>
-        <p:spPr/>
-        <p:txBody>
-          <a:bodyPr/>
-          <a:lstStyle/>
-          <a:p>
-            <a:r>
-              <a:rPr lang="zh-CN" altLang="en-US" dirty="0"/>
               <a:t>磁盘结构</a:t>
             </a:r>
             <a:r>
@@ -7397,7 +3557,7 @@
 </p:sld>
 </file>
 
-<file path=ppt/slides/slide6.xml><?xml version="1.0" encoding="utf-8"?>
+<file path=ppt/slides/slide13.xml><?xml version="1.0" encoding="utf-8"?>
 <p:sld xmlns:a="http://schemas.openxmlformats.org/drawingml/2006/main" xmlns:r="http://schemas.openxmlformats.org/officeDocument/2006/relationships" xmlns:p="http://schemas.openxmlformats.org/presentationml/2006/main">
   <p:cSld>
     <p:spTree>
@@ -7630,7 +3790,7 @@
 </p:sld>
 </file>
 
-<file path=ppt/slides/slide7.xml><?xml version="1.0" encoding="utf-8"?>
+<file path=ppt/slides/slide14.xml><?xml version="1.0" encoding="utf-8"?>
 <p:sld xmlns:a="http://schemas.openxmlformats.org/drawingml/2006/main" xmlns:r="http://schemas.openxmlformats.org/officeDocument/2006/relationships" xmlns:p="http://schemas.openxmlformats.org/presentationml/2006/main">
   <p:cSld>
     <p:spTree>
@@ -8261,7 +4421,7 @@
 </p:sld>
 </file>
 
-<file path=ppt/slides/slide8.xml><?xml version="1.0" encoding="utf-8"?>
+<file path=ppt/slides/slide15.xml><?xml version="1.0" encoding="utf-8"?>
 <p:sld xmlns:a="http://schemas.openxmlformats.org/drawingml/2006/main" xmlns:r="http://schemas.openxmlformats.org/officeDocument/2006/relationships" xmlns:p="http://schemas.openxmlformats.org/presentationml/2006/main">
   <p:cSld>
     <p:spTree>
@@ -8618,7 +4778,7 @@
 </p:sld>
 </file>
 
-<file path=ppt/slides/slide9.xml><?xml version="1.0" encoding="utf-8"?>
+<file path=ppt/slides/slide16.xml><?xml version="1.0" encoding="utf-8"?>
 <p:sld xmlns:a="http://schemas.openxmlformats.org/drawingml/2006/main" xmlns:r="http://schemas.openxmlformats.org/officeDocument/2006/relationships" xmlns:p="http://schemas.openxmlformats.org/presentationml/2006/main">
   <p:cSld>
     <p:spTree>
@@ -8766,6 +4926,5008 @@
     <p:extLst>
       <p:ext uri="{BB962C8B-B14F-4D97-AF65-F5344CB8AC3E}">
         <p14:creationId xmlns:p14="http://schemas.microsoft.com/office/powerpoint/2010/main" val="2895269336"/>
+      </p:ext>
+    </p:extLst>
+  </p:cSld>
+  <p:clrMapOvr>
+    <a:masterClrMapping/>
+  </p:clrMapOvr>
+</p:sld>
+</file>
+
+<file path=ppt/slides/slide17.xml><?xml version="1.0" encoding="utf-8"?>
+<p:sld xmlns:a="http://schemas.openxmlformats.org/drawingml/2006/main" xmlns:r="http://schemas.openxmlformats.org/officeDocument/2006/relationships" xmlns:p="http://schemas.openxmlformats.org/presentationml/2006/main">
+  <p:cSld>
+    <p:spTree>
+      <p:nvGrpSpPr>
+        <p:cNvPr id="1" name=""/>
+        <p:cNvGrpSpPr/>
+        <p:nvPr/>
+      </p:nvGrpSpPr>
+      <p:grpSpPr>
+        <a:xfrm>
+          <a:off x="0" y="0"/>
+          <a:ext cx="0" cy="0"/>
+          <a:chOff x="0" y="0"/>
+          <a:chExt cx="0" cy="0"/>
+        </a:xfrm>
+      </p:grpSpPr>
+      <p:sp>
+        <p:nvSpPr>
+          <p:cNvPr id="2" name="标题 1"/>
+          <p:cNvSpPr>
+            <a:spLocks noGrp="1"/>
+          </p:cNvSpPr>
+          <p:nvPr>
+            <p:ph type="title"/>
+          </p:nvPr>
+        </p:nvSpPr>
+        <p:spPr/>
+        <p:txBody>
+          <a:bodyPr/>
+          <a:lstStyle/>
+          <a:p>
+            <a:r>
+              <a:rPr lang="zh-CN" altLang="en-US" dirty="0"/>
+              <a:t>内存结构</a:t>
+            </a:r>
+            <a:r>
+              <a:rPr lang="en-US" altLang="zh-CN" dirty="0"/>
+              <a:t>/</a:t>
+            </a:r>
+            <a:r>
+              <a:rPr lang="en-US" altLang="zh-CN" dirty="0" err="1"/>
+              <a:t>EEClass</a:t>
+            </a:r>
+            <a:endParaRPr lang="zh-CN" altLang="en-US" dirty="0"/>
+          </a:p>
+        </p:txBody>
+      </p:sp>
+      <p:pic>
+        <p:nvPicPr>
+          <p:cNvPr id="4" name="内容占位符 3"/>
+          <p:cNvPicPr>
+            <a:picLocks noGrp="1" noChangeAspect="1"/>
+          </p:cNvPicPr>
+          <p:nvPr>
+            <p:ph idx="1"/>
+          </p:nvPr>
+        </p:nvPicPr>
+        <p:blipFill>
+          <a:blip r:embed="rId2">
+            <a:extLst>
+              <a:ext uri="{28A0092B-C50C-407E-A947-70E740481C1C}">
+                <a14:useLocalDpi xmlns:a14="http://schemas.microsoft.com/office/drawing/2010/main" val="0"/>
+              </a:ext>
+            </a:extLst>
+          </a:blip>
+          <a:stretch>
+            <a:fillRect/>
+          </a:stretch>
+        </p:blipFill>
+        <p:spPr>
+          <a:xfrm>
+            <a:off x="838200" y="1577808"/>
+            <a:ext cx="6630325" cy="4296375"/>
+          </a:xfrm>
+        </p:spPr>
+      </p:pic>
+    </p:spTree>
+    <p:extLst>
+      <p:ext uri="{BB962C8B-B14F-4D97-AF65-F5344CB8AC3E}">
+        <p14:creationId xmlns:p14="http://schemas.microsoft.com/office/powerpoint/2010/main" val="2169093456"/>
+      </p:ext>
+    </p:extLst>
+  </p:cSld>
+  <p:clrMapOvr>
+    <a:masterClrMapping/>
+  </p:clrMapOvr>
+</p:sld>
+</file>
+
+<file path=ppt/slides/slide18.xml><?xml version="1.0" encoding="utf-8"?>
+<p:sld xmlns:a="http://schemas.openxmlformats.org/drawingml/2006/main" xmlns:r="http://schemas.openxmlformats.org/officeDocument/2006/relationships" xmlns:p="http://schemas.openxmlformats.org/presentationml/2006/main">
+  <p:cSld>
+    <p:spTree>
+      <p:nvGrpSpPr>
+        <p:cNvPr id="1" name=""/>
+        <p:cNvGrpSpPr/>
+        <p:nvPr/>
+      </p:nvGrpSpPr>
+      <p:grpSpPr>
+        <a:xfrm>
+          <a:off x="0" y="0"/>
+          <a:ext cx="0" cy="0"/>
+          <a:chOff x="0" y="0"/>
+          <a:chExt cx="0" cy="0"/>
+        </a:xfrm>
+      </p:grpSpPr>
+      <p:sp>
+        <p:nvSpPr>
+          <p:cNvPr id="2" name="标题 1"/>
+          <p:cNvSpPr>
+            <a:spLocks noGrp="1"/>
+          </p:cNvSpPr>
+          <p:nvPr>
+            <p:ph type="title"/>
+          </p:nvPr>
+        </p:nvSpPr>
+        <p:spPr/>
+        <p:txBody>
+          <a:bodyPr/>
+          <a:lstStyle/>
+          <a:p>
+            <a:r>
+              <a:rPr lang="en-US" altLang="zh-CN" dirty="0"/>
+              <a:t>IL2CPP</a:t>
+            </a:r>
+            <a:endParaRPr lang="zh-CN" altLang="en-US" dirty="0"/>
+          </a:p>
+        </p:txBody>
+      </p:sp>
+      <p:sp>
+        <p:nvSpPr>
+          <p:cNvPr id="3" name="内容占位符 2"/>
+          <p:cNvSpPr>
+            <a:spLocks noGrp="1"/>
+          </p:cNvSpPr>
+          <p:nvPr>
+            <p:ph idx="1"/>
+          </p:nvPr>
+        </p:nvSpPr>
+        <p:spPr/>
+        <p:txBody>
+          <a:bodyPr/>
+          <a:lstStyle/>
+          <a:p>
+            <a:r>
+              <a:rPr lang="en-US" altLang="zh-CN" dirty="0"/>
+              <a:t>IL2CPP</a:t>
+            </a:r>
+            <a:r>
+              <a:rPr lang="zh-CN" altLang="en-US" dirty="0"/>
+              <a:t>分别处理字段和方法：实例字段和类字段被生成到相同</a:t>
+            </a:r>
+            <a:r>
+              <a:rPr lang="en-US" altLang="zh-CN" dirty="0"/>
+              <a:t>.h</a:t>
+            </a:r>
+            <a:r>
+              <a:rPr lang="zh-CN" altLang="en-US" dirty="0"/>
+              <a:t>文件的不同结构中，方法被生成到</a:t>
+            </a:r>
+            <a:r>
+              <a:rPr lang="en-US" altLang="zh-CN" dirty="0"/>
+              <a:t>.</a:t>
+            </a:r>
+            <a:r>
+              <a:rPr lang="en-US" altLang="zh-CN" dirty="0" err="1"/>
+              <a:t>cpp</a:t>
+            </a:r>
+            <a:r>
+              <a:rPr lang="zh-CN" altLang="en-US" dirty="0"/>
+              <a:t>文件中</a:t>
+            </a:r>
+            <a:endParaRPr lang="en-US" altLang="zh-CN" dirty="0"/>
+          </a:p>
+          <a:p>
+            <a:r>
+              <a:rPr lang="en-US" altLang="zh-CN" dirty="0"/>
+              <a:t>IL2CPP</a:t>
+            </a:r>
+            <a:r>
+              <a:rPr lang="zh-CN" altLang="en-US" dirty="0"/>
+              <a:t>对</a:t>
+            </a:r>
+            <a:r>
+              <a:rPr lang="en-US" altLang="zh-CN" dirty="0"/>
+              <a:t>IL</a:t>
+            </a:r>
+            <a:r>
+              <a:rPr lang="zh-CN" altLang="en-US" dirty="0"/>
+              <a:t>的翻译近乎直译。</a:t>
+            </a:r>
+            <a:r>
+              <a:rPr lang="en-US" altLang="zh-CN" dirty="0" err="1"/>
+              <a:t>.Net</a:t>
+            </a:r>
+            <a:r>
+              <a:rPr lang="zh-CN" altLang="en-US" dirty="0"/>
+              <a:t>编译器的质量直接影响</a:t>
+            </a:r>
+            <a:r>
+              <a:rPr lang="en-US" altLang="zh-CN" dirty="0"/>
+              <a:t>IL2CPP</a:t>
+            </a:r>
+            <a:r>
+              <a:rPr lang="zh-CN" altLang="en-US" dirty="0"/>
+              <a:t>最终生成的结果</a:t>
+            </a:r>
+            <a:endParaRPr lang="en-US" altLang="zh-CN" dirty="0"/>
+          </a:p>
+          <a:p>
+            <a:r>
+              <a:rPr lang="en-US" altLang="zh-CN" dirty="0"/>
+              <a:t>IL2CPP</a:t>
+            </a:r>
+            <a:r>
+              <a:rPr lang="zh-CN" altLang="en-US" dirty="0"/>
+              <a:t>会为虚调用生成对象，通过支持库</a:t>
+            </a:r>
+            <a:r>
+              <a:rPr lang="en-US" altLang="zh-CN" dirty="0"/>
+              <a:t>libil2cpp</a:t>
+            </a:r>
+            <a:r>
+              <a:rPr lang="zh-CN" altLang="en-US" dirty="0"/>
+              <a:t>方法调用。虚调用会受到一定的优化，有时</a:t>
+            </a:r>
+            <a:r>
+              <a:rPr lang="en-US" altLang="zh-CN" dirty="0" err="1"/>
+              <a:t>callvirt</a:t>
+            </a:r>
+            <a:r>
+              <a:rPr lang="zh-CN" altLang="en-US" dirty="0"/>
+              <a:t>指令并不对真的被翻译为虚调用的形式</a:t>
+            </a:r>
+            <a:endParaRPr lang="en-US" altLang="zh-CN" dirty="0"/>
+          </a:p>
+          <a:p>
+            <a:r>
+              <a:rPr lang="en-US" altLang="zh-CN" dirty="0"/>
+              <a:t>FCL</a:t>
+            </a:r>
+            <a:r>
+              <a:rPr lang="zh-CN" altLang="en-US" dirty="0"/>
+              <a:t>使用和</a:t>
+            </a:r>
+            <a:r>
+              <a:rPr lang="en-US" altLang="zh-CN" dirty="0"/>
+              <a:t>Mono</a:t>
+            </a:r>
+            <a:r>
+              <a:rPr lang="zh-CN" altLang="en-US" dirty="0"/>
+              <a:t>一样的代码，经由</a:t>
+            </a:r>
+            <a:r>
+              <a:rPr lang="en-US" altLang="zh-CN" dirty="0"/>
+              <a:t>IL2CPP</a:t>
+            </a:r>
+            <a:r>
+              <a:rPr lang="zh-CN" altLang="en-US" dirty="0"/>
+              <a:t>编译器翻译而成。虽然损失了潜在的优化，然而确保了代码的一致性</a:t>
+            </a:r>
+          </a:p>
+        </p:txBody>
+      </p:sp>
+    </p:spTree>
+    <p:extLst>
+      <p:ext uri="{BB962C8B-B14F-4D97-AF65-F5344CB8AC3E}">
+        <p14:creationId xmlns:p14="http://schemas.microsoft.com/office/powerpoint/2010/main" val="1747156259"/>
+      </p:ext>
+    </p:extLst>
+  </p:cSld>
+  <p:clrMapOvr>
+    <a:masterClrMapping/>
+  </p:clrMapOvr>
+</p:sld>
+</file>
+
+<file path=ppt/slides/slide19.xml><?xml version="1.0" encoding="utf-8"?>
+<p:sld xmlns:a="http://schemas.openxmlformats.org/drawingml/2006/main" xmlns:r="http://schemas.openxmlformats.org/officeDocument/2006/relationships" xmlns:p="http://schemas.openxmlformats.org/presentationml/2006/main">
+  <p:cSld>
+    <p:spTree>
+      <p:nvGrpSpPr>
+        <p:cNvPr id="1" name=""/>
+        <p:cNvGrpSpPr/>
+        <p:nvPr/>
+      </p:nvGrpSpPr>
+      <p:grpSpPr>
+        <a:xfrm>
+          <a:off x="0" y="0"/>
+          <a:ext cx="0" cy="0"/>
+          <a:chOff x="0" y="0"/>
+          <a:chExt cx="0" cy="0"/>
+        </a:xfrm>
+      </p:grpSpPr>
+      <p:sp>
+        <p:nvSpPr>
+          <p:cNvPr id="2" name="标题 1"/>
+          <p:cNvSpPr>
+            <a:spLocks noGrp="1"/>
+          </p:cNvSpPr>
+          <p:nvPr>
+            <p:ph type="title"/>
+          </p:nvPr>
+        </p:nvSpPr>
+        <p:spPr/>
+        <p:txBody>
+          <a:bodyPr/>
+          <a:lstStyle/>
+          <a:p>
+            <a:r>
+              <a:rPr lang="zh-CN" altLang="en-US" dirty="0"/>
+              <a:t>最佳实践</a:t>
+            </a:r>
+            <a:r>
+              <a:rPr lang="en-US" altLang="zh-CN" dirty="0"/>
+              <a:t>/</a:t>
+            </a:r>
+            <a:r>
+              <a:rPr lang="zh-CN" altLang="en-US" dirty="0"/>
+              <a:t>减少虚调用</a:t>
+            </a:r>
+          </a:p>
+        </p:txBody>
+      </p:sp>
+      <p:sp>
+        <p:nvSpPr>
+          <p:cNvPr id="3" name="内容占位符 2"/>
+          <p:cNvSpPr>
+            <a:spLocks noGrp="1"/>
+          </p:cNvSpPr>
+          <p:nvPr>
+            <p:ph idx="1"/>
+          </p:nvPr>
+        </p:nvSpPr>
+        <p:spPr/>
+        <p:txBody>
+          <a:bodyPr/>
+          <a:lstStyle/>
+          <a:p>
+            <a:r>
+              <a:rPr lang="zh-CN" altLang="en-US" dirty="0"/>
+              <a:t>封闭类</a:t>
+            </a:r>
+            <a:endParaRPr lang="en-US" altLang="zh-CN" dirty="0"/>
+          </a:p>
+          <a:p>
+            <a:r>
+              <a:rPr lang="zh-CN" altLang="en-US" dirty="0"/>
+              <a:t>使用类方法</a:t>
+            </a:r>
+          </a:p>
+        </p:txBody>
+      </p:sp>
+    </p:spTree>
+    <p:extLst>
+      <p:ext uri="{BB962C8B-B14F-4D97-AF65-F5344CB8AC3E}">
+        <p14:creationId xmlns:p14="http://schemas.microsoft.com/office/powerpoint/2010/main" val="3217876481"/>
+      </p:ext>
+    </p:extLst>
+  </p:cSld>
+  <p:clrMapOvr>
+    <a:masterClrMapping/>
+  </p:clrMapOvr>
+</p:sld>
+</file>
+
+<file path=ppt/slides/slide2.xml><?xml version="1.0" encoding="utf-8"?>
+<p:sld xmlns:a="http://schemas.openxmlformats.org/drawingml/2006/main" xmlns:r="http://schemas.openxmlformats.org/officeDocument/2006/relationships" xmlns:p="http://schemas.openxmlformats.org/presentationml/2006/main">
+  <p:cSld>
+    <p:spTree>
+      <p:nvGrpSpPr>
+        <p:cNvPr id="1" name=""/>
+        <p:cNvGrpSpPr/>
+        <p:nvPr/>
+      </p:nvGrpSpPr>
+      <p:grpSpPr>
+        <a:xfrm>
+          <a:off x="0" y="0"/>
+          <a:ext cx="0" cy="0"/>
+          <a:chOff x="0" y="0"/>
+          <a:chExt cx="0" cy="0"/>
+        </a:xfrm>
+      </p:grpSpPr>
+      <p:sp>
+        <p:nvSpPr>
+          <p:cNvPr id="2" name="标题 1"/>
+          <p:cNvSpPr>
+            <a:spLocks noGrp="1"/>
+          </p:cNvSpPr>
+          <p:nvPr>
+            <p:ph type="title"/>
+          </p:nvPr>
+        </p:nvSpPr>
+        <p:spPr/>
+        <p:txBody>
+          <a:bodyPr/>
+          <a:lstStyle/>
+          <a:p>
+            <a:r>
+              <a:rPr lang="zh-CN" altLang="en-US" dirty="0"/>
+              <a:t>目录</a:t>
+            </a:r>
+          </a:p>
+        </p:txBody>
+      </p:sp>
+      <p:sp>
+        <p:nvSpPr>
+          <p:cNvPr id="3" name="内容占位符 2"/>
+          <p:cNvSpPr>
+            <a:spLocks noGrp="1"/>
+          </p:cNvSpPr>
+          <p:nvPr>
+            <p:ph idx="1"/>
+          </p:nvPr>
+        </p:nvSpPr>
+        <p:spPr/>
+        <p:txBody>
+          <a:bodyPr/>
+          <a:lstStyle/>
+          <a:p>
+            <a:r>
+              <a:rPr lang="en-US" altLang="zh-CN" dirty="0" err="1"/>
+              <a:t>.Net</a:t>
+            </a:r>
+            <a:r>
+              <a:rPr lang="zh-CN" altLang="en-US" dirty="0"/>
+              <a:t>平台谱系</a:t>
+            </a:r>
+            <a:endParaRPr lang="en-US" altLang="zh-CN" dirty="0"/>
+          </a:p>
+          <a:p>
+            <a:r>
+              <a:rPr lang="en-US" altLang="zh-CN" dirty="0" err="1"/>
+              <a:t>.Net</a:t>
+            </a:r>
+            <a:r>
+              <a:rPr lang="zh-CN" altLang="en-US" dirty="0"/>
+              <a:t>应用程序集结构</a:t>
+            </a:r>
+            <a:endParaRPr lang="en-US" altLang="zh-CN" dirty="0"/>
+          </a:p>
+          <a:p>
+            <a:pPr lvl="1"/>
+            <a:r>
+              <a:rPr lang="zh-CN" altLang="en-US" dirty="0"/>
+              <a:t>磁盘平面结构</a:t>
+            </a:r>
+            <a:endParaRPr lang="en-US" altLang="zh-CN" dirty="0"/>
+          </a:p>
+          <a:p>
+            <a:pPr lvl="1"/>
+            <a:r>
+              <a:rPr lang="zh-CN" altLang="en-US" dirty="0"/>
+              <a:t>内存结构</a:t>
+            </a:r>
+            <a:endParaRPr lang="en-US" altLang="zh-CN" dirty="0"/>
+          </a:p>
+          <a:p>
+            <a:r>
+              <a:rPr lang="en-US" altLang="zh-CN" dirty="0"/>
+              <a:t>IL2CPP</a:t>
+            </a:r>
+            <a:r>
+              <a:rPr lang="zh-CN" altLang="en-US" dirty="0"/>
+              <a:t>概览</a:t>
+            </a:r>
+            <a:endParaRPr lang="en-US" altLang="zh-CN" dirty="0"/>
+          </a:p>
+          <a:p>
+            <a:r>
+              <a:rPr lang="zh-CN" altLang="en-US" dirty="0"/>
+              <a:t>实践优化</a:t>
+            </a:r>
+          </a:p>
+        </p:txBody>
+      </p:sp>
+    </p:spTree>
+    <p:extLst>
+      <p:ext uri="{BB962C8B-B14F-4D97-AF65-F5344CB8AC3E}">
+        <p14:creationId xmlns:p14="http://schemas.microsoft.com/office/powerpoint/2010/main" val="2703389415"/>
+      </p:ext>
+    </p:extLst>
+  </p:cSld>
+  <p:clrMapOvr>
+    <a:masterClrMapping/>
+  </p:clrMapOvr>
+</p:sld>
+</file>
+
+<file path=ppt/slides/slide20.xml><?xml version="1.0" encoding="utf-8"?>
+<p:sld xmlns:a="http://schemas.openxmlformats.org/drawingml/2006/main" xmlns:r="http://schemas.openxmlformats.org/officeDocument/2006/relationships" xmlns:p="http://schemas.openxmlformats.org/presentationml/2006/main">
+  <p:cSld>
+    <p:spTree>
+      <p:nvGrpSpPr>
+        <p:cNvPr id="1" name=""/>
+        <p:cNvGrpSpPr/>
+        <p:nvPr/>
+      </p:nvGrpSpPr>
+      <p:grpSpPr>
+        <a:xfrm>
+          <a:off x="0" y="0"/>
+          <a:ext cx="0" cy="0"/>
+          <a:chOff x="0" y="0"/>
+          <a:chExt cx="0" cy="0"/>
+        </a:xfrm>
+      </p:grpSpPr>
+      <p:sp>
+        <p:nvSpPr>
+          <p:cNvPr id="2" name="标题 1"/>
+          <p:cNvSpPr>
+            <a:spLocks noGrp="1"/>
+          </p:cNvSpPr>
+          <p:nvPr>
+            <p:ph type="title"/>
+          </p:nvPr>
+        </p:nvSpPr>
+        <p:spPr/>
+        <p:txBody>
+          <a:bodyPr/>
+          <a:lstStyle/>
+          <a:p>
+            <a:r>
+              <a:rPr lang="zh-CN" altLang="en-US" dirty="0"/>
+              <a:t>最佳实践</a:t>
+            </a:r>
+            <a:r>
+              <a:rPr lang="en-US" altLang="zh-CN" dirty="0"/>
+              <a:t>/</a:t>
+            </a:r>
+            <a:r>
+              <a:rPr lang="zh-CN" altLang="en-US" dirty="0"/>
+              <a:t>削减装箱</a:t>
+            </a:r>
+          </a:p>
+        </p:txBody>
+      </p:sp>
+      <p:sp>
+        <p:nvSpPr>
+          <p:cNvPr id="3" name="内容占位符 2"/>
+          <p:cNvSpPr>
+            <a:spLocks noGrp="1"/>
+          </p:cNvSpPr>
+          <p:nvPr>
+            <p:ph idx="1"/>
+          </p:nvPr>
+        </p:nvSpPr>
+        <p:spPr/>
+        <p:txBody>
+          <a:bodyPr/>
+          <a:lstStyle/>
+          <a:p>
+            <a:r>
+              <a:rPr lang="zh-CN" altLang="en-US" dirty="0"/>
+              <a:t>泛化方法或类，而非使用</a:t>
+            </a:r>
+            <a:r>
+              <a:rPr lang="en-US" altLang="zh-CN" dirty="0"/>
+              <a:t>object</a:t>
+            </a:r>
+            <a:r>
+              <a:rPr lang="zh-CN" altLang="en-US" dirty="0"/>
+              <a:t>类型</a:t>
+            </a:r>
+            <a:endParaRPr lang="en-US" altLang="zh-CN" dirty="0"/>
+          </a:p>
+          <a:p>
+            <a:pPr marL="457200" lvl="1" indent="0">
+              <a:buNone/>
+            </a:pPr>
+            <a:r>
+              <a:rPr lang="zh-CN" altLang="en-US" dirty="0"/>
+              <a:t>较新版本</a:t>
+            </a:r>
+            <a:r>
+              <a:rPr lang="en-US" altLang="zh-CN" dirty="0"/>
+              <a:t>Unity</a:t>
+            </a:r>
+            <a:r>
+              <a:rPr lang="zh-CN" altLang="en-US" dirty="0"/>
+              <a:t>中，</a:t>
+            </a:r>
+            <a:r>
+              <a:rPr lang="en-US" altLang="zh-CN" dirty="0"/>
+              <a:t>IL2CPP</a:t>
+            </a:r>
+            <a:r>
+              <a:rPr lang="zh-CN" altLang="en-US" dirty="0"/>
+              <a:t>拥有泛型重用，因此能有效减小泛型对代码体积造成的负担</a:t>
+            </a:r>
+            <a:endParaRPr lang="en-US" altLang="zh-CN" dirty="0"/>
+          </a:p>
+          <a:p>
+            <a:r>
+              <a:rPr lang="zh-CN" altLang="en-US" dirty="0"/>
+              <a:t>为结构体重写派生自</a:t>
+            </a:r>
+            <a:r>
+              <a:rPr lang="en-US" altLang="zh-CN" dirty="0"/>
+              <a:t>object</a:t>
+            </a:r>
+            <a:r>
+              <a:rPr lang="zh-CN" altLang="en-US" dirty="0"/>
+              <a:t>的方法</a:t>
+            </a:r>
+            <a:endParaRPr lang="en-US" altLang="zh-CN" dirty="0"/>
+          </a:p>
+          <a:p>
+            <a:pPr marL="457200" lvl="1" indent="0">
+              <a:buNone/>
+            </a:pPr>
+            <a:r>
+              <a:rPr lang="en-US" altLang="zh-CN" dirty="0"/>
+              <a:t>Object</a:t>
+            </a:r>
+            <a:r>
+              <a:rPr lang="zh-CN" altLang="en-US" dirty="0"/>
+              <a:t>是引用类型，这是万恶之源</a:t>
+            </a:r>
+            <a:endParaRPr lang="en-US" altLang="zh-CN" dirty="0"/>
+          </a:p>
+          <a:p>
+            <a:r>
+              <a:rPr lang="zh-CN" altLang="en-US" dirty="0"/>
+              <a:t>使用泛型约束控制泛型参数的行为</a:t>
+            </a:r>
+            <a:endParaRPr lang="en-US" altLang="zh-CN" dirty="0"/>
+          </a:p>
+          <a:p>
+            <a:r>
+              <a:rPr lang="en-US" altLang="zh-CN" dirty="0"/>
+              <a:t>Char</a:t>
+            </a:r>
+            <a:r>
+              <a:rPr lang="zh-CN" altLang="en-US" dirty="0"/>
+              <a:t>是值类型，</a:t>
+            </a:r>
+            <a:r>
+              <a:rPr lang="en-US" altLang="zh-CN" dirty="0"/>
+              <a:t>String</a:t>
+            </a:r>
+            <a:r>
+              <a:rPr lang="zh-CN" altLang="en-US" dirty="0"/>
+              <a:t>是引用类型</a:t>
+            </a:r>
+            <a:r>
+              <a:rPr lang="en-US" altLang="zh-CN" dirty="0"/>
+              <a:t>——</a:t>
+            </a:r>
+            <a:r>
+              <a:rPr lang="zh-CN" altLang="en-US" dirty="0"/>
+              <a:t>拼合字符串时不应使用</a:t>
+            </a:r>
+            <a:r>
+              <a:rPr lang="en-US" altLang="zh-CN" dirty="0"/>
+              <a:t>Char</a:t>
+            </a:r>
+            <a:r>
+              <a:rPr lang="zh-CN" altLang="en-US" dirty="0"/>
+              <a:t>类型</a:t>
+            </a:r>
+          </a:p>
+        </p:txBody>
+      </p:sp>
+    </p:spTree>
+    <p:extLst>
+      <p:ext uri="{BB962C8B-B14F-4D97-AF65-F5344CB8AC3E}">
+        <p14:creationId xmlns:p14="http://schemas.microsoft.com/office/powerpoint/2010/main" val="3934302142"/>
+      </p:ext>
+    </p:extLst>
+  </p:cSld>
+  <p:clrMapOvr>
+    <a:masterClrMapping/>
+  </p:clrMapOvr>
+</p:sld>
+</file>
+
+<file path=ppt/slides/slide21.xml><?xml version="1.0" encoding="utf-8"?>
+<p:sld xmlns:a="http://schemas.openxmlformats.org/drawingml/2006/main" xmlns:r="http://schemas.openxmlformats.org/officeDocument/2006/relationships" xmlns:p="http://schemas.openxmlformats.org/presentationml/2006/main">
+  <p:cSld>
+    <p:spTree>
+      <p:nvGrpSpPr>
+        <p:cNvPr id="1" name=""/>
+        <p:cNvGrpSpPr/>
+        <p:nvPr/>
+      </p:nvGrpSpPr>
+      <p:grpSpPr>
+        <a:xfrm>
+          <a:off x="0" y="0"/>
+          <a:ext cx="0" cy="0"/>
+          <a:chOff x="0" y="0"/>
+          <a:chExt cx="0" cy="0"/>
+        </a:xfrm>
+      </p:grpSpPr>
+      <p:sp>
+        <p:nvSpPr>
+          <p:cNvPr id="2" name="标题 1"/>
+          <p:cNvSpPr>
+            <a:spLocks noGrp="1"/>
+          </p:cNvSpPr>
+          <p:nvPr>
+            <p:ph type="title"/>
+          </p:nvPr>
+        </p:nvSpPr>
+        <p:spPr/>
+        <p:txBody>
+          <a:bodyPr/>
+          <a:lstStyle/>
+          <a:p>
+            <a:r>
+              <a:rPr lang="zh-CN" altLang="en-US" dirty="0"/>
+              <a:t>最佳实践</a:t>
+            </a:r>
+            <a:r>
+              <a:rPr lang="en-US" altLang="zh-CN" dirty="0"/>
+              <a:t>/</a:t>
+            </a:r>
+            <a:r>
+              <a:rPr lang="zh-CN" altLang="en-US" dirty="0"/>
+              <a:t>迁移编译器</a:t>
+            </a:r>
+          </a:p>
+        </p:txBody>
+      </p:sp>
+      <p:sp>
+        <p:nvSpPr>
+          <p:cNvPr id="3" name="内容占位符 2"/>
+          <p:cNvSpPr>
+            <a:spLocks noGrp="1"/>
+          </p:cNvSpPr>
+          <p:nvPr>
+            <p:ph idx="1"/>
+          </p:nvPr>
+        </p:nvSpPr>
+        <p:spPr/>
+        <p:txBody>
+          <a:bodyPr/>
+          <a:lstStyle/>
+          <a:p>
+            <a:pPr marL="0" indent="0">
+              <a:buNone/>
+            </a:pPr>
+            <a:r>
+              <a:rPr lang="zh-CN" altLang="en-US" dirty="0"/>
+              <a:t>通过使用非</a:t>
+            </a:r>
+            <a:r>
+              <a:rPr lang="en-US" altLang="zh-CN" dirty="0"/>
+              <a:t>Unity</a:t>
+            </a:r>
+            <a:r>
+              <a:rPr lang="zh-CN" altLang="en-US" dirty="0"/>
+              <a:t>的编译器获取更高质量的代码</a:t>
+            </a:r>
+          </a:p>
+        </p:txBody>
+      </p:sp>
+    </p:spTree>
+    <p:extLst>
+      <p:ext uri="{BB962C8B-B14F-4D97-AF65-F5344CB8AC3E}">
+        <p14:creationId xmlns:p14="http://schemas.microsoft.com/office/powerpoint/2010/main" val="2624574833"/>
+      </p:ext>
+    </p:extLst>
+  </p:cSld>
+  <p:clrMapOvr>
+    <a:masterClrMapping/>
+  </p:clrMapOvr>
+</p:sld>
+</file>
+
+<file path=ppt/slides/slide22.xml><?xml version="1.0" encoding="utf-8"?>
+<p:sld xmlns:a="http://schemas.openxmlformats.org/drawingml/2006/main" xmlns:r="http://schemas.openxmlformats.org/officeDocument/2006/relationships" xmlns:p="http://schemas.openxmlformats.org/presentationml/2006/main">
+  <p:cSld>
+    <p:spTree>
+      <p:nvGrpSpPr>
+        <p:cNvPr id="1" name=""/>
+        <p:cNvGrpSpPr/>
+        <p:nvPr/>
+      </p:nvGrpSpPr>
+      <p:grpSpPr>
+        <a:xfrm>
+          <a:off x="0" y="0"/>
+          <a:ext cx="0" cy="0"/>
+          <a:chOff x="0" y="0"/>
+          <a:chExt cx="0" cy="0"/>
+        </a:xfrm>
+      </p:grpSpPr>
+      <p:sp>
+        <p:nvSpPr>
+          <p:cNvPr id="2" name="标题 1"/>
+          <p:cNvSpPr>
+            <a:spLocks noGrp="1"/>
+          </p:cNvSpPr>
+          <p:nvPr>
+            <p:ph type="title"/>
+          </p:nvPr>
+        </p:nvSpPr>
+        <p:spPr/>
+        <p:txBody>
+          <a:bodyPr/>
+          <a:lstStyle/>
+          <a:p>
+            <a:r>
+              <a:rPr lang="zh-CN" altLang="en-US" dirty="0"/>
+              <a:t>最佳实践</a:t>
+            </a:r>
+            <a:r>
+              <a:rPr lang="en-US" altLang="zh-CN" dirty="0"/>
+              <a:t>/</a:t>
+            </a:r>
+            <a:r>
+              <a:rPr lang="zh-CN" altLang="en-US" dirty="0"/>
+              <a:t>使用</a:t>
+            </a:r>
+            <a:r>
+              <a:rPr lang="en-US" altLang="zh-CN" dirty="0" err="1"/>
+              <a:t>Resharper</a:t>
+            </a:r>
+            <a:r>
+              <a:rPr lang="zh-CN" altLang="en-US" dirty="0"/>
+              <a:t>改进代码质量</a:t>
+            </a:r>
+          </a:p>
+        </p:txBody>
+      </p:sp>
+      <p:sp>
+        <p:nvSpPr>
+          <p:cNvPr id="3" name="内容占位符 2"/>
+          <p:cNvSpPr>
+            <a:spLocks noGrp="1"/>
+          </p:cNvSpPr>
+          <p:nvPr>
+            <p:ph idx="1"/>
+          </p:nvPr>
+        </p:nvSpPr>
+        <p:spPr/>
+        <p:txBody>
+          <a:bodyPr/>
+          <a:lstStyle/>
+          <a:p>
+            <a:r>
+              <a:rPr lang="zh-CN" altLang="en-US" dirty="0"/>
+              <a:t>使用</a:t>
+            </a:r>
+            <a:r>
+              <a:rPr lang="en-US" altLang="zh-CN" dirty="0" err="1"/>
+              <a:t>Alt+PageUp</a:t>
+            </a:r>
+            <a:r>
+              <a:rPr lang="en-US" altLang="zh-CN" dirty="0"/>
+              <a:t>/</a:t>
+            </a:r>
+            <a:r>
+              <a:rPr lang="en-US" altLang="zh-CN" dirty="0" err="1"/>
+              <a:t>PageDown</a:t>
+            </a:r>
+            <a:r>
+              <a:rPr lang="zh-CN" altLang="en-US" dirty="0"/>
+              <a:t>以及</a:t>
+            </a:r>
+            <a:r>
+              <a:rPr lang="en-US" altLang="zh-CN" dirty="0" err="1"/>
+              <a:t>Alt+Enter</a:t>
+            </a:r>
+            <a:r>
+              <a:rPr lang="zh-CN" altLang="en-US" dirty="0"/>
+              <a:t>快速修复问题</a:t>
+            </a:r>
+            <a:endParaRPr lang="en-US" altLang="zh-CN" dirty="0"/>
+          </a:p>
+          <a:p>
+            <a:endParaRPr lang="en-US" altLang="zh-CN" dirty="0"/>
+          </a:p>
+          <a:p>
+            <a:endParaRPr lang="en-US" altLang="zh-CN" dirty="0"/>
+          </a:p>
+          <a:p>
+            <a:endParaRPr lang="en-US" altLang="zh-CN" dirty="0"/>
+          </a:p>
+          <a:p>
+            <a:endParaRPr lang="en-US" altLang="zh-CN" dirty="0"/>
+          </a:p>
+          <a:p>
+            <a:endParaRPr lang="en-US" altLang="zh-CN" dirty="0"/>
+          </a:p>
+          <a:p>
+            <a:r>
+              <a:rPr lang="zh-CN" altLang="en-US" dirty="0"/>
+              <a:t>在</a:t>
+            </a:r>
+            <a:r>
+              <a:rPr lang="en-US" altLang="zh-CN" dirty="0" err="1"/>
+              <a:t>Resharper</a:t>
+            </a:r>
+            <a:r>
+              <a:rPr lang="zh-CN" altLang="en-US" dirty="0"/>
+              <a:t>中指定编码规范</a:t>
+            </a:r>
+            <a:endParaRPr lang="en-US" altLang="zh-CN" dirty="0"/>
+          </a:p>
+          <a:p>
+            <a:pPr marL="457200" lvl="1" indent="0">
+              <a:buNone/>
+            </a:pPr>
+            <a:r>
+              <a:rPr lang="zh-CN" altLang="en-US" dirty="0"/>
+              <a:t>在</a:t>
+            </a:r>
+            <a:r>
+              <a:rPr lang="en-US" altLang="zh-CN" dirty="0"/>
+              <a:t>”</a:t>
+            </a:r>
+            <a:r>
+              <a:rPr lang="en-US" altLang="zh-CN" dirty="0" err="1"/>
+              <a:t>ReSharper</a:t>
+            </a:r>
+            <a:r>
+              <a:rPr lang="en-US" altLang="zh-CN" dirty="0"/>
+              <a:t>/Options/Code Editing”</a:t>
+            </a:r>
+            <a:r>
+              <a:rPr lang="zh-CN" altLang="en-US" dirty="0"/>
+              <a:t>条目中针对各语言指定具体的编码规范</a:t>
+            </a:r>
+            <a:endParaRPr lang="en-US" altLang="zh-CN" dirty="0"/>
+          </a:p>
+          <a:p>
+            <a:pPr lvl="1"/>
+            <a:endParaRPr lang="zh-CN" altLang="en-US" dirty="0"/>
+          </a:p>
+        </p:txBody>
+      </p:sp>
+      <p:pic>
+        <p:nvPicPr>
+          <p:cNvPr id="4" name="图片 3"/>
+          <p:cNvPicPr>
+            <a:picLocks noChangeAspect="1"/>
+          </p:cNvPicPr>
+          <p:nvPr/>
+        </p:nvPicPr>
+        <p:blipFill>
+          <a:blip r:embed="rId2"/>
+          <a:stretch>
+            <a:fillRect/>
+          </a:stretch>
+        </p:blipFill>
+        <p:spPr>
+          <a:xfrm>
+            <a:off x="2731224" y="2524919"/>
+            <a:ext cx="6143625" cy="1476375"/>
+          </a:xfrm>
+          <a:prstGeom prst="rect">
+            <a:avLst/>
+          </a:prstGeom>
+        </p:spPr>
+      </p:pic>
+      <p:sp>
+        <p:nvSpPr>
+          <p:cNvPr id="5" name="矩形 4"/>
+          <p:cNvSpPr/>
+          <p:nvPr/>
+        </p:nvSpPr>
+        <p:spPr>
+          <a:xfrm>
+            <a:off x="994299" y="3178206"/>
+            <a:ext cx="1038687" cy="248575"/>
+          </a:xfrm>
+          <a:prstGeom prst="rect">
+            <a:avLst/>
+          </a:prstGeom>
+          <a:noFill/>
+          <a:ln>
+            <a:solidFill>
+              <a:schemeClr val="tx1"/>
+            </a:solidFill>
+          </a:ln>
+        </p:spPr>
+        <p:style>
+          <a:lnRef idx="2">
+            <a:schemeClr val="accent1">
+              <a:shade val="50000"/>
+            </a:schemeClr>
+          </a:lnRef>
+          <a:fillRef idx="1">
+            <a:schemeClr val="accent1"/>
+          </a:fillRef>
+          <a:effectRef idx="0">
+            <a:schemeClr val="accent1"/>
+          </a:effectRef>
+          <a:fontRef idx="minor">
+            <a:schemeClr val="lt1"/>
+          </a:fontRef>
+        </p:style>
+        <p:txBody>
+          <a:bodyPr rtlCol="0" anchor="ctr"/>
+          <a:lstStyle/>
+          <a:p>
+            <a:pPr algn="ctr"/>
+            <a:r>
+              <a:rPr lang="zh-CN" altLang="en-US" sz="1000" dirty="0">
+                <a:solidFill>
+                  <a:schemeClr val="tx1"/>
+                </a:solidFill>
+              </a:rPr>
+              <a:t>快速修复菜单</a:t>
+            </a:r>
+          </a:p>
+        </p:txBody>
+      </p:sp>
+      <p:cxnSp>
+        <p:nvCxnSpPr>
+          <p:cNvPr id="7" name="直接连接符 6"/>
+          <p:cNvCxnSpPr>
+            <a:stCxn id="5" idx="3"/>
+          </p:cNvCxnSpPr>
+          <p:nvPr/>
+        </p:nvCxnSpPr>
+        <p:spPr>
+          <a:xfrm>
+            <a:off x="2032986" y="3302494"/>
+            <a:ext cx="698238" cy="204186"/>
+          </a:xfrm>
+          <a:prstGeom prst="line">
+            <a:avLst/>
+          </a:prstGeom>
+          <a:ln w="22225">
+            <a:solidFill>
+              <a:schemeClr val="accent5">
+                <a:lumMod val="60000"/>
+                <a:lumOff val="40000"/>
+              </a:schemeClr>
+            </a:solidFill>
+          </a:ln>
+        </p:spPr>
+        <p:style>
+          <a:lnRef idx="1">
+            <a:schemeClr val="accent5"/>
+          </a:lnRef>
+          <a:fillRef idx="0">
+            <a:schemeClr val="accent5"/>
+          </a:fillRef>
+          <a:effectRef idx="0">
+            <a:schemeClr val="accent5"/>
+          </a:effectRef>
+          <a:fontRef idx="minor">
+            <a:schemeClr val="tx1"/>
+          </a:fontRef>
+        </p:style>
+      </p:cxnSp>
+      <p:sp>
+        <p:nvSpPr>
+          <p:cNvPr id="8" name="矩形 7"/>
+          <p:cNvSpPr/>
+          <p:nvPr/>
+        </p:nvSpPr>
+        <p:spPr>
+          <a:xfrm>
+            <a:off x="4425609" y="4576300"/>
+            <a:ext cx="1038687" cy="248575"/>
+          </a:xfrm>
+          <a:prstGeom prst="rect">
+            <a:avLst/>
+          </a:prstGeom>
+          <a:noFill/>
+          <a:ln>
+            <a:solidFill>
+              <a:schemeClr val="tx1"/>
+            </a:solidFill>
+          </a:ln>
+        </p:spPr>
+        <p:style>
+          <a:lnRef idx="2">
+            <a:schemeClr val="accent1">
+              <a:shade val="50000"/>
+            </a:schemeClr>
+          </a:lnRef>
+          <a:fillRef idx="1">
+            <a:schemeClr val="accent1"/>
+          </a:fillRef>
+          <a:effectRef idx="0">
+            <a:schemeClr val="accent1"/>
+          </a:effectRef>
+          <a:fontRef idx="minor">
+            <a:schemeClr val="lt1"/>
+          </a:fontRef>
+        </p:style>
+        <p:txBody>
+          <a:bodyPr rtlCol="0" anchor="ctr"/>
+          <a:lstStyle/>
+          <a:p>
+            <a:pPr algn="ctr"/>
+            <a:r>
+              <a:rPr lang="zh-CN" altLang="en-US" sz="1000" dirty="0">
+                <a:solidFill>
+                  <a:schemeClr val="tx1"/>
+                </a:solidFill>
+              </a:rPr>
+              <a:t>问题发生点</a:t>
+            </a:r>
+          </a:p>
+        </p:txBody>
+      </p:sp>
+      <p:cxnSp>
+        <p:nvCxnSpPr>
+          <p:cNvPr id="9" name="直接连接符 8"/>
+          <p:cNvCxnSpPr>
+            <a:endCxn id="8" idx="0"/>
+          </p:cNvCxnSpPr>
+          <p:nvPr/>
+        </p:nvCxnSpPr>
+        <p:spPr>
+          <a:xfrm>
+            <a:off x="4944952" y="3404587"/>
+            <a:ext cx="1" cy="1171713"/>
+          </a:xfrm>
+          <a:prstGeom prst="line">
+            <a:avLst/>
+          </a:prstGeom>
+          <a:ln w="22225">
+            <a:solidFill>
+              <a:schemeClr val="accent5">
+                <a:lumMod val="60000"/>
+                <a:lumOff val="40000"/>
+              </a:schemeClr>
+            </a:solidFill>
+          </a:ln>
+        </p:spPr>
+        <p:style>
+          <a:lnRef idx="1">
+            <a:schemeClr val="accent5"/>
+          </a:lnRef>
+          <a:fillRef idx="0">
+            <a:schemeClr val="accent5"/>
+          </a:fillRef>
+          <a:effectRef idx="0">
+            <a:schemeClr val="accent5"/>
+          </a:effectRef>
+          <a:fontRef idx="minor">
+            <a:schemeClr val="tx1"/>
+          </a:fontRef>
+        </p:style>
+      </p:cxnSp>
+      <p:sp>
+        <p:nvSpPr>
+          <p:cNvPr id="12" name="矩形 11"/>
+          <p:cNvSpPr/>
+          <p:nvPr/>
+        </p:nvSpPr>
+        <p:spPr>
+          <a:xfrm>
+            <a:off x="9907391" y="2929631"/>
+            <a:ext cx="1038687" cy="248575"/>
+          </a:xfrm>
+          <a:prstGeom prst="rect">
+            <a:avLst/>
+          </a:prstGeom>
+          <a:noFill/>
+          <a:ln>
+            <a:solidFill>
+              <a:schemeClr val="tx1"/>
+            </a:solidFill>
+          </a:ln>
+        </p:spPr>
+        <p:style>
+          <a:lnRef idx="2">
+            <a:schemeClr val="accent1">
+              <a:shade val="50000"/>
+            </a:schemeClr>
+          </a:lnRef>
+          <a:fillRef idx="1">
+            <a:schemeClr val="accent1"/>
+          </a:fillRef>
+          <a:effectRef idx="0">
+            <a:schemeClr val="accent1"/>
+          </a:effectRef>
+          <a:fontRef idx="minor">
+            <a:schemeClr val="lt1"/>
+          </a:fontRef>
+        </p:style>
+        <p:txBody>
+          <a:bodyPr rtlCol="0" anchor="ctr"/>
+          <a:lstStyle/>
+          <a:p>
+            <a:pPr algn="ctr"/>
+            <a:r>
+              <a:rPr lang="zh-CN" altLang="en-US" sz="1000" dirty="0">
+                <a:solidFill>
+                  <a:schemeClr val="tx1"/>
+                </a:solidFill>
+              </a:rPr>
+              <a:t>问题布局</a:t>
+            </a:r>
+          </a:p>
+        </p:txBody>
+      </p:sp>
+      <p:cxnSp>
+        <p:nvCxnSpPr>
+          <p:cNvPr id="13" name="直接连接符 12"/>
+          <p:cNvCxnSpPr>
+            <a:endCxn id="12" idx="1"/>
+          </p:cNvCxnSpPr>
+          <p:nvPr/>
+        </p:nvCxnSpPr>
+        <p:spPr>
+          <a:xfrm>
+            <a:off x="8874849" y="3053918"/>
+            <a:ext cx="1032542" cy="1"/>
+          </a:xfrm>
+          <a:prstGeom prst="line">
+            <a:avLst/>
+          </a:prstGeom>
+          <a:ln w="22225">
+            <a:solidFill>
+              <a:schemeClr val="accent5">
+                <a:lumMod val="60000"/>
+                <a:lumOff val="40000"/>
+              </a:schemeClr>
+            </a:solidFill>
+          </a:ln>
+        </p:spPr>
+        <p:style>
+          <a:lnRef idx="1">
+            <a:schemeClr val="accent5"/>
+          </a:lnRef>
+          <a:fillRef idx="0">
+            <a:schemeClr val="accent5"/>
+          </a:fillRef>
+          <a:effectRef idx="0">
+            <a:schemeClr val="accent5"/>
+          </a:effectRef>
+          <a:fontRef idx="minor">
+            <a:schemeClr val="tx1"/>
+          </a:fontRef>
+        </p:style>
+      </p:cxnSp>
+    </p:spTree>
+    <p:extLst>
+      <p:ext uri="{BB962C8B-B14F-4D97-AF65-F5344CB8AC3E}">
+        <p14:creationId xmlns:p14="http://schemas.microsoft.com/office/powerpoint/2010/main" val="2700295959"/>
+      </p:ext>
+    </p:extLst>
+  </p:cSld>
+  <p:clrMapOvr>
+    <a:masterClrMapping/>
+  </p:clrMapOvr>
+</p:sld>
+</file>
+
+<file path=ppt/slides/slide23.xml><?xml version="1.0" encoding="utf-8"?>
+<p:sld xmlns:a="http://schemas.openxmlformats.org/drawingml/2006/main" xmlns:r="http://schemas.openxmlformats.org/officeDocument/2006/relationships" xmlns:p="http://schemas.openxmlformats.org/presentationml/2006/main">
+  <p:cSld>
+    <p:spTree>
+      <p:nvGrpSpPr>
+        <p:cNvPr id="1" name=""/>
+        <p:cNvGrpSpPr/>
+        <p:nvPr/>
+      </p:nvGrpSpPr>
+      <p:grpSpPr>
+        <a:xfrm>
+          <a:off x="0" y="0"/>
+          <a:ext cx="0" cy="0"/>
+          <a:chOff x="0" y="0"/>
+          <a:chExt cx="0" cy="0"/>
+        </a:xfrm>
+      </p:grpSpPr>
+      <p:sp>
+        <p:nvSpPr>
+          <p:cNvPr id="2" name="标题 1"/>
+          <p:cNvSpPr>
+            <a:spLocks noGrp="1"/>
+          </p:cNvSpPr>
+          <p:nvPr>
+            <p:ph type="title"/>
+          </p:nvPr>
+        </p:nvSpPr>
+        <p:spPr/>
+        <p:txBody>
+          <a:bodyPr/>
+          <a:lstStyle/>
+          <a:p>
+            <a:r>
+              <a:rPr lang="zh-CN" altLang="en-US" dirty="0"/>
+              <a:t>最佳实践</a:t>
+            </a:r>
+            <a:r>
+              <a:rPr lang="en-US" altLang="zh-CN" dirty="0"/>
+              <a:t>/</a:t>
+            </a:r>
+            <a:r>
+              <a:rPr lang="zh-CN" altLang="en-US" dirty="0"/>
+              <a:t>其他</a:t>
+            </a:r>
+          </a:p>
+        </p:txBody>
+      </p:sp>
+      <p:sp>
+        <p:nvSpPr>
+          <p:cNvPr id="3" name="内容占位符 2"/>
+          <p:cNvSpPr>
+            <a:spLocks noGrp="1"/>
+          </p:cNvSpPr>
+          <p:nvPr>
+            <p:ph idx="1"/>
+          </p:nvPr>
+        </p:nvSpPr>
+        <p:spPr/>
+        <p:txBody>
+          <a:bodyPr>
+            <a:normAutofit lnSpcReduction="10000"/>
+          </a:bodyPr>
+          <a:lstStyle/>
+          <a:p>
+            <a:r>
+              <a:rPr lang="zh-CN" altLang="en-US" dirty="0"/>
+              <a:t>缓存</a:t>
+            </a:r>
+            <a:r>
+              <a:rPr lang="en-US" altLang="zh-CN" dirty="0" err="1"/>
+              <a:t>MemberInfo</a:t>
+            </a:r>
+            <a:endParaRPr lang="en-US" altLang="zh-CN" dirty="0"/>
+          </a:p>
+          <a:p>
+            <a:pPr marL="457200" lvl="1" indent="0">
+              <a:buNone/>
+            </a:pPr>
+            <a:r>
+              <a:rPr lang="zh-CN" altLang="en-US" sz="1800" dirty="0">
+                <a:latin typeface="微软雅黑 Light" panose="020B0502040204020203" pitchFamily="34" charset="-122"/>
+                <a:ea typeface="微软雅黑 Light" panose="020B0502040204020203" pitchFamily="34" charset="-122"/>
+              </a:rPr>
+              <a:t>反射性能低下主要有三个原因：</a:t>
+            </a:r>
+            <a:r>
+              <a:rPr lang="en-US" altLang="zh-CN" sz="1800" dirty="0" err="1">
+                <a:latin typeface="微软雅黑 Light" panose="020B0502040204020203" pitchFamily="34" charset="-122"/>
+                <a:ea typeface="微软雅黑 Light" panose="020B0502040204020203" pitchFamily="34" charset="-122"/>
+              </a:rPr>
+              <a:t>EEClass</a:t>
+            </a:r>
+            <a:r>
+              <a:rPr lang="zh-CN" altLang="en-US" sz="1800" dirty="0">
+                <a:latin typeface="微软雅黑 Light" panose="020B0502040204020203" pitchFamily="34" charset="-122"/>
+                <a:ea typeface="微软雅黑 Light" panose="020B0502040204020203" pitchFamily="34" charset="-122"/>
+              </a:rPr>
+              <a:t>检索慢于编译器生成的地址代换，检索到的数据需要生成</a:t>
+            </a:r>
+            <a:r>
+              <a:rPr lang="en-US" altLang="zh-CN" sz="1800" dirty="0" err="1">
+                <a:latin typeface="微软雅黑 Light" panose="020B0502040204020203" pitchFamily="34" charset="-122"/>
+                <a:ea typeface="微软雅黑 Light" panose="020B0502040204020203" pitchFamily="34" charset="-122"/>
+              </a:rPr>
+              <a:t>MemberInfo</a:t>
+            </a:r>
+            <a:r>
+              <a:rPr lang="zh-CN" altLang="en-US" sz="1800" dirty="0">
+                <a:latin typeface="微软雅黑 Light" panose="020B0502040204020203" pitchFamily="34" charset="-122"/>
+                <a:ea typeface="微软雅黑 Light" panose="020B0502040204020203" pitchFamily="34" charset="-122"/>
+              </a:rPr>
+              <a:t>对象，访问</a:t>
+            </a:r>
+            <a:r>
+              <a:rPr lang="en-US" altLang="zh-CN" sz="1800" dirty="0" err="1">
+                <a:latin typeface="微软雅黑 Light" panose="020B0502040204020203" pitchFamily="34" charset="-122"/>
+                <a:ea typeface="微软雅黑 Light" panose="020B0502040204020203" pitchFamily="34" charset="-122"/>
+              </a:rPr>
+              <a:t>MemberInfo</a:t>
+            </a:r>
+            <a:r>
+              <a:rPr lang="zh-CN" altLang="en-US" sz="1800" dirty="0">
+                <a:latin typeface="微软雅黑 Light" panose="020B0502040204020203" pitchFamily="34" charset="-122"/>
+                <a:ea typeface="微软雅黑 Light" panose="020B0502040204020203" pitchFamily="34" charset="-122"/>
+              </a:rPr>
+              <a:t>对象需要动态绑定。使用反射式缓存</a:t>
+            </a:r>
+            <a:r>
+              <a:rPr lang="en-US" altLang="zh-CN" sz="1800" dirty="0" err="1">
+                <a:latin typeface="微软雅黑 Light" panose="020B0502040204020203" pitchFamily="34" charset="-122"/>
+                <a:ea typeface="微软雅黑 Light" panose="020B0502040204020203" pitchFamily="34" charset="-122"/>
+              </a:rPr>
+              <a:t>MemberInfo</a:t>
+            </a:r>
+            <a:r>
+              <a:rPr lang="zh-CN" altLang="en-US" sz="1800" dirty="0">
+                <a:latin typeface="微软雅黑 Light" panose="020B0502040204020203" pitchFamily="34" charset="-122"/>
+                <a:ea typeface="微软雅黑 Light" panose="020B0502040204020203" pitchFamily="34" charset="-122"/>
+              </a:rPr>
+              <a:t>，前两个问题都能迎刃而解</a:t>
+            </a:r>
+          </a:p>
+          <a:p>
+            <a:r>
+              <a:rPr lang="zh-CN" altLang="en-US" dirty="0"/>
+              <a:t>为集合预分配容量</a:t>
+            </a:r>
+            <a:endParaRPr lang="en-US" altLang="zh-CN" dirty="0"/>
+          </a:p>
+          <a:p>
+            <a:pPr marL="457200" lvl="1" indent="0">
+              <a:buNone/>
+            </a:pPr>
+            <a:r>
+              <a:rPr lang="zh-CN" altLang="en-US" sz="1800" dirty="0">
+                <a:latin typeface="微软雅黑 Light" panose="020B0502040204020203" pitchFamily="34" charset="-122"/>
+                <a:ea typeface="微软雅黑 Light" panose="020B0502040204020203" pitchFamily="34" charset="-122"/>
+              </a:rPr>
+              <a:t>集合拥有积极扩张的内存分配策略，预估集合容量并进行预分配非但有助于减少重分配次数，而且通常能够节约内存</a:t>
+            </a:r>
+            <a:endParaRPr lang="en-US" altLang="zh-CN" sz="1800" dirty="0">
+              <a:latin typeface="微软雅黑 Light" panose="020B0502040204020203" pitchFamily="34" charset="-122"/>
+              <a:ea typeface="微软雅黑 Light" panose="020B0502040204020203" pitchFamily="34" charset="-122"/>
+            </a:endParaRPr>
+          </a:p>
+          <a:p>
+            <a:r>
+              <a:rPr lang="zh-CN" altLang="en-US" dirty="0"/>
+              <a:t>重写</a:t>
+            </a:r>
+            <a:r>
+              <a:rPr lang="en-US" altLang="zh-CN" dirty="0"/>
+              <a:t>Equals</a:t>
+            </a:r>
+            <a:r>
+              <a:rPr lang="zh-CN" altLang="en-US" dirty="0"/>
+              <a:t>方法和</a:t>
+            </a:r>
+            <a:r>
+              <a:rPr lang="en-US" altLang="zh-CN" dirty="0" err="1"/>
+              <a:t>GetHashCode</a:t>
+            </a:r>
+            <a:r>
+              <a:rPr lang="zh-CN" altLang="en-US" dirty="0"/>
+              <a:t>方法</a:t>
+            </a:r>
+            <a:endParaRPr lang="en-US" altLang="zh-CN" dirty="0"/>
+          </a:p>
+          <a:p>
+            <a:pPr marL="457200" lvl="1" indent="0">
+              <a:buNone/>
+            </a:pPr>
+            <a:r>
+              <a:rPr lang="zh-CN" altLang="en-US" sz="1800" dirty="0">
+                <a:latin typeface="微软雅黑 Light" panose="020B0502040204020203" pitchFamily="34" charset="-122"/>
+                <a:ea typeface="微软雅黑 Light" panose="020B0502040204020203" pitchFamily="34" charset="-122"/>
+              </a:rPr>
+              <a:t>引用类型的上述方法默认实现使用反射</a:t>
+            </a:r>
+            <a:r>
+              <a:rPr lang="zh-CN" altLang="en-US" dirty="0"/>
+              <a:t>坚持建立文档化注释</a:t>
+            </a:r>
+            <a:endParaRPr lang="en-US" altLang="zh-CN" dirty="0"/>
+          </a:p>
+          <a:p>
+            <a:pPr marL="457200" lvl="1" indent="0">
+              <a:buNone/>
+            </a:pPr>
+            <a:r>
+              <a:rPr lang="zh-CN" altLang="en-US" sz="1800" dirty="0">
+                <a:latin typeface="微软雅黑 Light" panose="020B0502040204020203" pitchFamily="34" charset="-122"/>
+                <a:ea typeface="微软雅黑 Light" panose="020B0502040204020203" pitchFamily="34" charset="-122"/>
+              </a:rPr>
+              <a:t>从</a:t>
+            </a:r>
+            <a:r>
+              <a:rPr lang="en-US" altLang="zh-CN" sz="1800" dirty="0">
+                <a:latin typeface="微软雅黑 Light" panose="020B0502040204020203" pitchFamily="34" charset="-122"/>
+                <a:ea typeface="微软雅黑 Light" panose="020B0502040204020203" pitchFamily="34" charset="-122"/>
+              </a:rPr>
+              <a:t>VisualStudio</a:t>
+            </a:r>
+            <a:r>
+              <a:rPr lang="zh-CN" altLang="en-US" sz="1800" dirty="0">
+                <a:latin typeface="微软雅黑 Light" panose="020B0502040204020203" pitchFamily="34" charset="-122"/>
+                <a:ea typeface="微软雅黑 Light" panose="020B0502040204020203" pitchFamily="34" charset="-122"/>
+              </a:rPr>
+              <a:t>到</a:t>
+            </a:r>
+            <a:r>
+              <a:rPr lang="en-US" altLang="zh-CN" sz="1800" dirty="0" err="1">
+                <a:latin typeface="微软雅黑 Light" panose="020B0502040204020203" pitchFamily="34" charset="-122"/>
+                <a:ea typeface="微软雅黑 Light" panose="020B0502040204020203" pitchFamily="34" charset="-122"/>
+              </a:rPr>
+              <a:t>Resharper</a:t>
+            </a:r>
+            <a:r>
+              <a:rPr lang="zh-CN" altLang="en-US" sz="1800" dirty="0">
+                <a:latin typeface="微软雅黑 Light" panose="020B0502040204020203" pitchFamily="34" charset="-122"/>
+                <a:ea typeface="微软雅黑 Light" panose="020B0502040204020203" pitchFamily="34" charset="-122"/>
+              </a:rPr>
+              <a:t>，对类与方法的描述都来自文档化注释。</a:t>
+            </a:r>
+            <a:endParaRPr lang="en-US" altLang="zh-CN" dirty="0"/>
+          </a:p>
+          <a:p>
+            <a:r>
+              <a:rPr lang="zh-CN" altLang="en-US" dirty="0"/>
+              <a:t>较小的集合不应使用有键集合</a:t>
+            </a:r>
+            <a:endParaRPr lang="en-US" altLang="zh-CN" dirty="0"/>
+          </a:p>
+          <a:p>
+            <a:pPr marL="457200" lvl="1" indent="0">
+              <a:buNone/>
+            </a:pPr>
+            <a:r>
+              <a:rPr lang="zh-CN" altLang="en-US" sz="1800" dirty="0">
+                <a:latin typeface="微软雅黑 Light" panose="020B0502040204020203" pitchFamily="34" charset="-122"/>
+                <a:ea typeface="微软雅黑 Light" panose="020B0502040204020203" pitchFamily="34" charset="-122"/>
+              </a:rPr>
+              <a:t>有键集合需要额外的空间。举例来说，一个空的</a:t>
+            </a:r>
+            <a:r>
+              <a:rPr lang="en-US" altLang="zh-CN" sz="1800" dirty="0">
+                <a:latin typeface="微软雅黑 Light" panose="020B0502040204020203" pitchFamily="34" charset="-122"/>
+                <a:ea typeface="微软雅黑 Light" panose="020B0502040204020203" pitchFamily="34" charset="-122"/>
+              </a:rPr>
+              <a:t>Dictionary</a:t>
+            </a:r>
+            <a:r>
+              <a:rPr lang="zh-CN" altLang="en-US" sz="1800" dirty="0">
+                <a:latin typeface="微软雅黑 Light" panose="020B0502040204020203" pitchFamily="34" charset="-122"/>
+                <a:ea typeface="微软雅黑 Light" panose="020B0502040204020203" pitchFamily="34" charset="-122"/>
+              </a:rPr>
+              <a:t>也会消耗</a:t>
+            </a:r>
+            <a:r>
+              <a:rPr lang="en-US" altLang="zh-CN" sz="1800" dirty="0">
+                <a:latin typeface="微软雅黑 Light" panose="020B0502040204020203" pitchFamily="34" charset="-122"/>
+                <a:ea typeface="微软雅黑 Light" panose="020B0502040204020203" pitchFamily="34" charset="-122"/>
+              </a:rPr>
+              <a:t>12</a:t>
+            </a:r>
+            <a:r>
+              <a:rPr lang="zh-CN" altLang="en-US" sz="1800" dirty="0">
+                <a:latin typeface="微软雅黑 Light" panose="020B0502040204020203" pitchFamily="34" charset="-122"/>
+                <a:ea typeface="微软雅黑 Light" panose="020B0502040204020203" pitchFamily="34" charset="-122"/>
+              </a:rPr>
+              <a:t>字节的空间。</a:t>
+            </a:r>
+            <a:endParaRPr lang="en-US" altLang="zh-CN" sz="1800" dirty="0">
+              <a:latin typeface="微软雅黑 Light" panose="020B0502040204020203" pitchFamily="34" charset="-122"/>
+              <a:ea typeface="微软雅黑 Light" panose="020B0502040204020203" pitchFamily="34" charset="-122"/>
+            </a:endParaRPr>
+          </a:p>
+        </p:txBody>
+      </p:sp>
+    </p:spTree>
+    <p:extLst>
+      <p:ext uri="{BB962C8B-B14F-4D97-AF65-F5344CB8AC3E}">
+        <p14:creationId xmlns:p14="http://schemas.microsoft.com/office/powerpoint/2010/main" val="1948017904"/>
+      </p:ext>
+    </p:extLst>
+  </p:cSld>
+  <p:clrMapOvr>
+    <a:masterClrMapping/>
+  </p:clrMapOvr>
+</p:sld>
+</file>
+
+<file path=ppt/slides/slide24.xml><?xml version="1.0" encoding="utf-8"?>
+<p:sld xmlns:a="http://schemas.openxmlformats.org/drawingml/2006/main" xmlns:r="http://schemas.openxmlformats.org/officeDocument/2006/relationships" xmlns:p="http://schemas.openxmlformats.org/presentationml/2006/main">
+  <p:cSld>
+    <p:spTree>
+      <p:nvGrpSpPr>
+        <p:cNvPr id="1" name=""/>
+        <p:cNvGrpSpPr/>
+        <p:nvPr/>
+      </p:nvGrpSpPr>
+      <p:grpSpPr>
+        <a:xfrm>
+          <a:off x="0" y="0"/>
+          <a:ext cx="0" cy="0"/>
+          <a:chOff x="0" y="0"/>
+          <a:chExt cx="0" cy="0"/>
+        </a:xfrm>
+      </p:grpSpPr>
+      <p:sp>
+        <p:nvSpPr>
+          <p:cNvPr id="2" name="标题 1"/>
+          <p:cNvSpPr>
+            <a:spLocks noGrp="1"/>
+          </p:cNvSpPr>
+          <p:nvPr>
+            <p:ph type="title"/>
+          </p:nvPr>
+        </p:nvSpPr>
+        <p:spPr/>
+        <p:txBody>
+          <a:bodyPr/>
+          <a:lstStyle/>
+          <a:p>
+            <a:r>
+              <a:rPr lang="zh-CN" altLang="en-US" dirty="0"/>
+              <a:t>最佳实践</a:t>
+            </a:r>
+            <a:r>
+              <a:rPr lang="en-US" altLang="zh-CN" dirty="0"/>
+              <a:t>/</a:t>
+            </a:r>
+            <a:r>
+              <a:rPr lang="zh-CN" altLang="en-US" dirty="0"/>
+              <a:t>其他</a:t>
+            </a:r>
+          </a:p>
+        </p:txBody>
+      </p:sp>
+      <p:sp>
+        <p:nvSpPr>
+          <p:cNvPr id="3" name="内容占位符 2"/>
+          <p:cNvSpPr>
+            <a:spLocks noGrp="1"/>
+          </p:cNvSpPr>
+          <p:nvPr>
+            <p:ph idx="1"/>
+          </p:nvPr>
+        </p:nvSpPr>
+        <p:spPr/>
+        <p:txBody>
+          <a:bodyPr>
+            <a:normAutofit/>
+          </a:bodyPr>
+          <a:lstStyle/>
+          <a:p>
+            <a:r>
+              <a:rPr lang="zh-CN" altLang="en-US" dirty="0"/>
+              <a:t>枚举类型不宜作为键使用</a:t>
+            </a:r>
+            <a:endParaRPr lang="en-US" altLang="zh-CN" dirty="0"/>
+          </a:p>
+          <a:p>
+            <a:pPr marL="457200" lvl="1" indent="0">
+              <a:buNone/>
+            </a:pPr>
+            <a:r>
+              <a:rPr lang="zh-CN" altLang="en-US" sz="1800" dirty="0">
+                <a:latin typeface="微软雅黑 Light" panose="020B0502040204020203" pitchFamily="34" charset="-122"/>
+                <a:ea typeface="微软雅黑 Light" panose="020B0502040204020203" pitchFamily="34" charset="-122"/>
+              </a:rPr>
+              <a:t>枚举是值类型，而且你无法重写它的</a:t>
+            </a:r>
+            <a:r>
+              <a:rPr lang="en-US" altLang="zh-CN" sz="1800" dirty="0" err="1">
+                <a:latin typeface="微软雅黑 Light" panose="020B0502040204020203" pitchFamily="34" charset="-122"/>
+                <a:ea typeface="微软雅黑 Light" panose="020B0502040204020203" pitchFamily="34" charset="-122"/>
+              </a:rPr>
+              <a:t>GetHashCode</a:t>
+            </a:r>
+            <a:r>
+              <a:rPr lang="zh-CN" altLang="en-US" sz="1800" dirty="0">
+                <a:latin typeface="微软雅黑 Light" panose="020B0502040204020203" pitchFamily="34" charset="-122"/>
+                <a:ea typeface="微软雅黑 Light" panose="020B0502040204020203" pitchFamily="34" charset="-122"/>
+              </a:rPr>
+              <a:t>方法</a:t>
+            </a:r>
+            <a:endParaRPr lang="en-US" altLang="zh-CN" sz="1800" dirty="0">
+              <a:latin typeface="微软雅黑 Light" panose="020B0502040204020203" pitchFamily="34" charset="-122"/>
+              <a:ea typeface="微软雅黑 Light" panose="020B0502040204020203" pitchFamily="34" charset="-122"/>
+            </a:endParaRPr>
+          </a:p>
+          <a:p>
+            <a:r>
+              <a:rPr lang="zh-CN" altLang="en-US" dirty="0"/>
+              <a:t>谨慎传递结构体</a:t>
+            </a:r>
+            <a:endParaRPr lang="en-US" altLang="zh-CN" dirty="0"/>
+          </a:p>
+          <a:p>
+            <a:pPr marL="457200" lvl="1" indent="0">
+              <a:buNone/>
+            </a:pPr>
+            <a:r>
+              <a:rPr lang="zh-CN" altLang="en-US" sz="1800" dirty="0">
+                <a:latin typeface="微软雅黑 Light" panose="020B0502040204020203" pitchFamily="34" charset="-122"/>
+                <a:ea typeface="微软雅黑 Light" panose="020B0502040204020203" pitchFamily="34" charset="-122"/>
+              </a:rPr>
+              <a:t>别忘了结构体是值类型哦。使用</a:t>
+            </a:r>
+            <a:r>
+              <a:rPr lang="en-US" altLang="zh-CN" sz="1800" dirty="0">
+                <a:latin typeface="微软雅黑 Light" panose="020B0502040204020203" pitchFamily="34" charset="-122"/>
+                <a:ea typeface="微软雅黑 Light" panose="020B0502040204020203" pitchFamily="34" charset="-122"/>
+              </a:rPr>
+              <a:t>ref</a:t>
+            </a:r>
+            <a:r>
+              <a:rPr lang="zh-CN" altLang="en-US" sz="1800" dirty="0">
+                <a:latin typeface="微软雅黑 Light" panose="020B0502040204020203" pitchFamily="34" charset="-122"/>
+                <a:ea typeface="微软雅黑 Light" panose="020B0502040204020203" pitchFamily="34" charset="-122"/>
+              </a:rPr>
+              <a:t>传递作为参数的结构体</a:t>
+            </a:r>
+            <a:endParaRPr lang="en-US" altLang="zh-CN" sz="1800" dirty="0">
+              <a:latin typeface="微软雅黑 Light" panose="020B0502040204020203" pitchFamily="34" charset="-122"/>
+              <a:ea typeface="微软雅黑 Light" panose="020B0502040204020203" pitchFamily="34" charset="-122"/>
+            </a:endParaRPr>
+          </a:p>
+          <a:p>
+            <a:r>
+              <a:rPr lang="zh-CN" altLang="en-US" dirty="0"/>
+              <a:t>使用枚举而非常量</a:t>
+            </a:r>
+            <a:endParaRPr lang="en-US" altLang="zh-CN" dirty="0"/>
+          </a:p>
+          <a:p>
+            <a:pPr marL="457200" lvl="1" indent="0">
+              <a:buNone/>
+            </a:pPr>
+            <a:r>
+              <a:rPr lang="zh-CN" altLang="en-US" sz="1800" dirty="0">
+                <a:latin typeface="微软雅黑 Light" panose="020B0502040204020203" pitchFamily="34" charset="-122"/>
+                <a:ea typeface="微软雅黑 Light" panose="020B0502040204020203" pitchFamily="34" charset="-122"/>
+              </a:rPr>
+              <a:t>枚举明确地指出了其内容的约束，且拥有更完备的工具支持</a:t>
+            </a:r>
+            <a:endParaRPr lang="en-US" altLang="zh-CN" sz="1800" dirty="0">
+              <a:latin typeface="微软雅黑 Light" panose="020B0502040204020203" pitchFamily="34" charset="-122"/>
+              <a:ea typeface="微软雅黑 Light" panose="020B0502040204020203" pitchFamily="34" charset="-122"/>
+            </a:endParaRPr>
+          </a:p>
+          <a:p>
+            <a:r>
+              <a:rPr lang="zh-CN" altLang="en-US" dirty="0"/>
+              <a:t>慎重对待闭包</a:t>
+            </a:r>
+            <a:endParaRPr lang="en-US" altLang="zh-CN" dirty="0"/>
+          </a:p>
+          <a:p>
+            <a:pPr marL="457200" lvl="1" indent="0">
+              <a:buNone/>
+            </a:pPr>
+            <a:r>
+              <a:rPr lang="zh-CN" altLang="en-US" sz="1800" dirty="0">
+                <a:latin typeface="微软雅黑 Light" panose="020B0502040204020203" pitchFamily="34" charset="-122"/>
+                <a:ea typeface="微软雅黑 Light" panose="020B0502040204020203" pitchFamily="34" charset="-122"/>
+              </a:rPr>
+              <a:t>状态的延续站在内存的肩膀上</a:t>
+            </a:r>
+            <a:endParaRPr lang="en-US" altLang="zh-CN" sz="1800" dirty="0">
+              <a:latin typeface="微软雅黑 Light" panose="020B0502040204020203" pitchFamily="34" charset="-122"/>
+              <a:ea typeface="微软雅黑 Light" panose="020B0502040204020203" pitchFamily="34" charset="-122"/>
+            </a:endParaRPr>
+          </a:p>
+          <a:p>
+            <a:r>
+              <a:rPr lang="zh-CN" altLang="en-US" dirty="0"/>
+              <a:t>编译重复使用的正则表达式</a:t>
+            </a:r>
+            <a:endParaRPr lang="en-US" altLang="zh-CN" dirty="0"/>
+          </a:p>
+          <a:p>
+            <a:pPr marL="457200" lvl="1" indent="0">
+              <a:buNone/>
+            </a:pPr>
+            <a:r>
+              <a:rPr lang="zh-CN" altLang="en-US" sz="1800" dirty="0">
+                <a:latin typeface="微软雅黑 Light" panose="020B0502040204020203" pitchFamily="34" charset="-122"/>
+                <a:ea typeface="微软雅黑 Light" panose="020B0502040204020203" pitchFamily="34" charset="-122"/>
+              </a:rPr>
+              <a:t>将字符串编译为自动机往往要比匹配消耗更多时间</a:t>
+            </a:r>
+            <a:endParaRPr lang="en-US" altLang="zh-CN" sz="1800" dirty="0">
+              <a:latin typeface="微软雅黑 Light" panose="020B0502040204020203" pitchFamily="34" charset="-122"/>
+              <a:ea typeface="微软雅黑 Light" panose="020B0502040204020203" pitchFamily="34" charset="-122"/>
+            </a:endParaRPr>
+          </a:p>
+          <a:p>
+            <a:pPr marL="457200" lvl="1" indent="0">
+              <a:buNone/>
+            </a:pPr>
+            <a:endParaRPr lang="zh-CN" altLang="en-US" sz="1800" dirty="0">
+              <a:latin typeface="微软雅黑 Light" panose="020B0502040204020203" pitchFamily="34" charset="-122"/>
+              <a:ea typeface="微软雅黑 Light" panose="020B0502040204020203" pitchFamily="34" charset="-122"/>
+            </a:endParaRPr>
+          </a:p>
+        </p:txBody>
+      </p:sp>
+    </p:spTree>
+    <p:extLst>
+      <p:ext uri="{BB962C8B-B14F-4D97-AF65-F5344CB8AC3E}">
+        <p14:creationId xmlns:p14="http://schemas.microsoft.com/office/powerpoint/2010/main" val="4131926382"/>
+      </p:ext>
+    </p:extLst>
+  </p:cSld>
+  <p:clrMapOvr>
+    <a:masterClrMapping/>
+  </p:clrMapOvr>
+</p:sld>
+</file>
+
+<file path=ppt/slides/slide25.xml><?xml version="1.0" encoding="utf-8"?>
+<p:sld xmlns:a="http://schemas.openxmlformats.org/drawingml/2006/main" xmlns:r="http://schemas.openxmlformats.org/officeDocument/2006/relationships" xmlns:p="http://schemas.openxmlformats.org/presentationml/2006/main">
+  <p:cSld>
+    <p:spTree>
+      <p:nvGrpSpPr>
+        <p:cNvPr id="1" name=""/>
+        <p:cNvGrpSpPr/>
+        <p:nvPr/>
+      </p:nvGrpSpPr>
+      <p:grpSpPr>
+        <a:xfrm>
+          <a:off x="0" y="0"/>
+          <a:ext cx="0" cy="0"/>
+          <a:chOff x="0" y="0"/>
+          <a:chExt cx="0" cy="0"/>
+        </a:xfrm>
+      </p:grpSpPr>
+      <p:sp>
+        <p:nvSpPr>
+          <p:cNvPr id="2" name="标题 1"/>
+          <p:cNvSpPr>
+            <a:spLocks noGrp="1"/>
+          </p:cNvSpPr>
+          <p:nvPr>
+            <p:ph type="title"/>
+          </p:nvPr>
+        </p:nvSpPr>
+        <p:spPr/>
+        <p:txBody>
+          <a:bodyPr/>
+          <a:lstStyle/>
+          <a:p>
+            <a:r>
+              <a:rPr lang="zh-CN" altLang="en-US" dirty="0"/>
+              <a:t>书籍</a:t>
+            </a:r>
+          </a:p>
+        </p:txBody>
+      </p:sp>
+      <p:sp>
+        <p:nvSpPr>
+          <p:cNvPr id="3" name="内容占位符 2"/>
+          <p:cNvSpPr>
+            <a:spLocks noGrp="1"/>
+          </p:cNvSpPr>
+          <p:nvPr>
+            <p:ph idx="1"/>
+          </p:nvPr>
+        </p:nvSpPr>
+        <p:spPr/>
+        <p:txBody>
+          <a:bodyPr>
+            <a:normAutofit fontScale="92500" lnSpcReduction="20000"/>
+          </a:bodyPr>
+          <a:lstStyle/>
+          <a:p>
+            <a:r>
+              <a:rPr lang="en-US" altLang="zh-CN" dirty="0"/>
+              <a:t>CLR via C#</a:t>
+            </a:r>
+          </a:p>
+          <a:p>
+            <a:pPr lvl="1"/>
+            <a:r>
+              <a:rPr lang="en-US" altLang="zh-CN" sz="2000" dirty="0" err="1"/>
+              <a:t>.Net</a:t>
+            </a:r>
+            <a:r>
+              <a:rPr lang="zh-CN" altLang="en-US" sz="2000" dirty="0"/>
+              <a:t>社区最享盛名的书籍之一。阅读较为容易，学习曲线平缓，对平台认知提升显著</a:t>
+            </a:r>
+            <a:endParaRPr lang="en-US" altLang="zh-CN" sz="2000" dirty="0"/>
+          </a:p>
+          <a:p>
+            <a:pPr lvl="1"/>
+            <a:r>
+              <a:rPr lang="zh-CN" altLang="en-US" sz="2000" dirty="0"/>
+              <a:t>有中文版，翻译品质优秀</a:t>
+            </a:r>
+            <a:endParaRPr lang="en-US" altLang="zh-CN" sz="2000" dirty="0"/>
+          </a:p>
+          <a:p>
+            <a:r>
+              <a:rPr lang="en-US" altLang="zh-CN" dirty="0"/>
+              <a:t>Advanced </a:t>
+            </a:r>
+            <a:r>
+              <a:rPr lang="en-US" altLang="zh-CN" dirty="0" err="1"/>
+              <a:t>.Net</a:t>
+            </a:r>
+            <a:r>
+              <a:rPr lang="en-US" altLang="zh-CN" dirty="0"/>
+              <a:t> Debugging</a:t>
+            </a:r>
+          </a:p>
+          <a:p>
+            <a:pPr lvl="1"/>
+            <a:r>
+              <a:rPr lang="zh-CN" altLang="en-US" sz="2000" dirty="0"/>
+              <a:t>系统介绍了</a:t>
+            </a:r>
+            <a:r>
+              <a:rPr lang="en-US" altLang="zh-CN" sz="2000" dirty="0" err="1"/>
+              <a:t>.Net</a:t>
+            </a:r>
+            <a:r>
+              <a:rPr lang="zh-CN" altLang="en-US" sz="2000" dirty="0"/>
+              <a:t>程序的调试方法，同时对程序的内存结构和执行引擎行为作了若干介绍</a:t>
+            </a:r>
+            <a:endParaRPr lang="en-US" altLang="zh-CN" sz="2000" dirty="0"/>
+          </a:p>
+          <a:p>
+            <a:pPr lvl="1"/>
+            <a:r>
+              <a:rPr lang="zh-CN" altLang="en-US" sz="2000" dirty="0"/>
+              <a:t>较老版本有中文版，翻译品质一般</a:t>
+            </a:r>
+            <a:endParaRPr lang="en-US" altLang="zh-CN" sz="2000" dirty="0"/>
+          </a:p>
+          <a:p>
+            <a:r>
+              <a:rPr lang="en-US" altLang="zh-CN" dirty="0"/>
+              <a:t>Expert </a:t>
+            </a:r>
+            <a:r>
+              <a:rPr lang="en-US" altLang="zh-CN" dirty="0" err="1"/>
+              <a:t>.Net</a:t>
+            </a:r>
+            <a:r>
+              <a:rPr lang="en-US" altLang="zh-CN" dirty="0"/>
+              <a:t> 2.0 IL Assembler</a:t>
+            </a:r>
+          </a:p>
+          <a:p>
+            <a:pPr lvl="1"/>
+            <a:r>
+              <a:rPr lang="zh-CN" altLang="en-US" sz="2000" dirty="0"/>
+              <a:t>比较难得的详细介绍</a:t>
+            </a:r>
+            <a:r>
+              <a:rPr lang="en-US" altLang="zh-CN" sz="2000" dirty="0"/>
+              <a:t>IL</a:t>
+            </a:r>
+            <a:r>
+              <a:rPr lang="zh-CN" altLang="en-US" sz="2000" dirty="0"/>
+              <a:t>与</a:t>
+            </a:r>
+            <a:r>
+              <a:rPr lang="en-US" altLang="zh-CN" sz="2000" dirty="0" err="1"/>
+              <a:t>.Net</a:t>
+            </a:r>
+            <a:r>
+              <a:rPr lang="zh-CN" altLang="en-US" sz="2000" dirty="0"/>
+              <a:t>程序平面结构的书籍</a:t>
+            </a:r>
+            <a:endParaRPr lang="en-US" altLang="zh-CN" sz="2000" dirty="0"/>
+          </a:p>
+          <a:p>
+            <a:pPr lvl="1"/>
+            <a:r>
+              <a:rPr lang="zh-CN" altLang="en-US" sz="2000" dirty="0"/>
+              <a:t>内容较老，所幸其核心内容近年间未发生变化</a:t>
+            </a:r>
+            <a:endParaRPr lang="en-US" altLang="zh-CN" sz="2000" dirty="0"/>
+          </a:p>
+          <a:p>
+            <a:pPr lvl="1"/>
+            <a:r>
+              <a:rPr lang="zh-CN" altLang="en-US" sz="2000" dirty="0"/>
+              <a:t>有中文版，翻译品质一般</a:t>
+            </a:r>
+            <a:endParaRPr lang="en-US" altLang="zh-CN" sz="2000" dirty="0"/>
+          </a:p>
+          <a:p>
+            <a:r>
+              <a:rPr lang="en-US" altLang="zh-CN" dirty="0"/>
+              <a:t>Pro </a:t>
+            </a:r>
+            <a:r>
+              <a:rPr lang="en-US" altLang="zh-CN" dirty="0" err="1"/>
+              <a:t>.Net</a:t>
+            </a:r>
+            <a:r>
+              <a:rPr lang="en-US" altLang="zh-CN" dirty="0"/>
+              <a:t> Performance</a:t>
+            </a:r>
+          </a:p>
+          <a:p>
+            <a:pPr lvl="1"/>
+            <a:r>
+              <a:rPr lang="zh-CN" altLang="en-US" sz="2000" dirty="0"/>
+              <a:t>对</a:t>
+            </a:r>
+            <a:r>
+              <a:rPr lang="en-US" altLang="zh-CN" sz="2000" dirty="0" err="1"/>
+              <a:t>.Net</a:t>
+            </a:r>
+            <a:r>
+              <a:rPr lang="zh-CN" altLang="en-US" sz="2000" dirty="0"/>
+              <a:t>平台执行引擎做了详细的描述，适合想要深入了解</a:t>
+            </a:r>
+            <a:r>
+              <a:rPr lang="en-US" altLang="zh-CN" sz="2000" dirty="0" err="1"/>
+              <a:t>.Net</a:t>
+            </a:r>
+            <a:r>
+              <a:rPr lang="zh-CN" altLang="en-US" sz="2000" dirty="0"/>
+              <a:t>执行引擎的同学</a:t>
+            </a:r>
+            <a:endParaRPr lang="en-US" altLang="zh-CN" sz="2000" dirty="0"/>
+          </a:p>
+          <a:p>
+            <a:pPr lvl="1"/>
+            <a:r>
+              <a:rPr lang="zh-CN" altLang="en-US" sz="2000" dirty="0"/>
+              <a:t>需要较多周边知识</a:t>
+            </a:r>
+            <a:endParaRPr lang="en-US" altLang="zh-CN" sz="2000" dirty="0"/>
+          </a:p>
+          <a:p>
+            <a:pPr lvl="1"/>
+            <a:r>
+              <a:rPr lang="zh-CN" altLang="en-US" sz="2000" dirty="0"/>
+              <a:t>无中文版</a:t>
+            </a:r>
+            <a:endParaRPr lang="en-US" altLang="zh-CN" sz="2000" dirty="0"/>
+          </a:p>
+          <a:p>
+            <a:endParaRPr lang="en-US" altLang="zh-CN" dirty="0"/>
+          </a:p>
+          <a:p>
+            <a:endParaRPr lang="zh-CN" altLang="en-US" dirty="0"/>
+          </a:p>
+        </p:txBody>
+      </p:sp>
+    </p:spTree>
+    <p:extLst>
+      <p:ext uri="{BB962C8B-B14F-4D97-AF65-F5344CB8AC3E}">
+        <p14:creationId xmlns:p14="http://schemas.microsoft.com/office/powerpoint/2010/main" val="2083535181"/>
+      </p:ext>
+    </p:extLst>
+  </p:cSld>
+  <p:clrMapOvr>
+    <a:masterClrMapping/>
+  </p:clrMapOvr>
+</p:sld>
+</file>
+
+<file path=ppt/slides/slide26.xml><?xml version="1.0" encoding="utf-8"?>
+<p:sld xmlns:a="http://schemas.openxmlformats.org/drawingml/2006/main" xmlns:r="http://schemas.openxmlformats.org/officeDocument/2006/relationships" xmlns:p="http://schemas.openxmlformats.org/presentationml/2006/main">
+  <p:cSld>
+    <p:spTree>
+      <p:nvGrpSpPr>
+        <p:cNvPr id="1" name=""/>
+        <p:cNvGrpSpPr/>
+        <p:nvPr/>
+      </p:nvGrpSpPr>
+      <p:grpSpPr>
+        <a:xfrm>
+          <a:off x="0" y="0"/>
+          <a:ext cx="0" cy="0"/>
+          <a:chOff x="0" y="0"/>
+          <a:chExt cx="0" cy="0"/>
+        </a:xfrm>
+      </p:grpSpPr>
+      <p:sp>
+        <p:nvSpPr>
+          <p:cNvPr id="4" name="标题 3"/>
+          <p:cNvSpPr>
+            <a:spLocks noGrp="1"/>
+          </p:cNvSpPr>
+          <p:nvPr>
+            <p:ph type="title"/>
+          </p:nvPr>
+        </p:nvSpPr>
+        <p:spPr>
+          <a:xfrm>
+            <a:off x="696158" y="1821063"/>
+            <a:ext cx="10515600" cy="1325563"/>
+          </a:xfrm>
+        </p:spPr>
+        <p:txBody>
+          <a:bodyPr/>
+          <a:lstStyle/>
+          <a:p>
+            <a:pPr algn="ctr"/>
+            <a:r>
+              <a:rPr lang="en-US" altLang="zh-CN" dirty="0"/>
+              <a:t>Thanks!</a:t>
+            </a:r>
+            <a:endParaRPr lang="zh-CN" altLang="en-US" dirty="0"/>
+          </a:p>
+        </p:txBody>
+      </p:sp>
+    </p:spTree>
+    <p:extLst>
+      <p:ext uri="{BB962C8B-B14F-4D97-AF65-F5344CB8AC3E}">
+        <p14:creationId xmlns:p14="http://schemas.microsoft.com/office/powerpoint/2010/main" val="2146277844"/>
+      </p:ext>
+    </p:extLst>
+  </p:cSld>
+  <p:clrMapOvr>
+    <a:masterClrMapping/>
+  </p:clrMapOvr>
+</p:sld>
+</file>
+
+<file path=ppt/slides/slide3.xml><?xml version="1.0" encoding="utf-8"?>
+<p:sld xmlns:a="http://schemas.openxmlformats.org/drawingml/2006/main" xmlns:r="http://schemas.openxmlformats.org/officeDocument/2006/relationships" xmlns:p="http://schemas.openxmlformats.org/presentationml/2006/main">
+  <p:cSld>
+    <p:spTree>
+      <p:nvGrpSpPr>
+        <p:cNvPr id="1" name=""/>
+        <p:cNvGrpSpPr/>
+        <p:nvPr/>
+      </p:nvGrpSpPr>
+      <p:grpSpPr>
+        <a:xfrm>
+          <a:off x="0" y="0"/>
+          <a:ext cx="0" cy="0"/>
+          <a:chOff x="0" y="0"/>
+          <a:chExt cx="0" cy="0"/>
+        </a:xfrm>
+      </p:grpSpPr>
+      <p:sp>
+        <p:nvSpPr>
+          <p:cNvPr id="2" name="标题 1"/>
+          <p:cNvSpPr>
+            <a:spLocks noGrp="1"/>
+          </p:cNvSpPr>
+          <p:nvPr>
+            <p:ph type="title"/>
+          </p:nvPr>
+        </p:nvSpPr>
+        <p:spPr>
+          <a:xfrm>
+            <a:off x="6904022" y="189569"/>
+            <a:ext cx="5127031" cy="1676603"/>
+          </a:xfrm>
+        </p:spPr>
+        <p:txBody>
+          <a:bodyPr>
+            <a:normAutofit/>
+          </a:bodyPr>
+          <a:lstStyle/>
+          <a:p>
+            <a:r>
+              <a:rPr lang="en-US" altLang="zh-CN" dirty="0" err="1"/>
+              <a:t>.Net</a:t>
+            </a:r>
+            <a:r>
+              <a:rPr lang="zh-CN" altLang="en-US" dirty="0"/>
+              <a:t>平台谱系</a:t>
+            </a:r>
+          </a:p>
+        </p:txBody>
+      </p:sp>
+      <p:sp>
+        <p:nvSpPr>
+          <p:cNvPr id="3" name="内容占位符 2"/>
+          <p:cNvSpPr>
+            <a:spLocks noGrp="1"/>
+          </p:cNvSpPr>
+          <p:nvPr>
+            <p:ph idx="1"/>
+          </p:nvPr>
+        </p:nvSpPr>
+        <p:spPr>
+          <a:xfrm>
+            <a:off x="6904022" y="1631074"/>
+            <a:ext cx="5127029" cy="3785419"/>
+          </a:xfrm>
+        </p:spPr>
+        <p:txBody>
+          <a:bodyPr>
+            <a:normAutofit/>
+          </a:bodyPr>
+          <a:lstStyle/>
+          <a:p>
+            <a:r>
+              <a:rPr lang="en-US" altLang="zh-CN" dirty="0" err="1"/>
+              <a:t>.Net</a:t>
+            </a:r>
+            <a:r>
+              <a:rPr lang="en-US" altLang="zh-CN" dirty="0"/>
+              <a:t> Framework</a:t>
+            </a:r>
+          </a:p>
+          <a:p>
+            <a:pPr marL="457200" lvl="1" indent="0">
+              <a:buNone/>
+            </a:pPr>
+            <a:r>
+              <a:rPr lang="zh-CN" altLang="en-US" sz="1600" dirty="0">
+                <a:latin typeface="+mn-ea"/>
+              </a:rPr>
+              <a:t>微软建立与维护。最完备且广泛使用的平台</a:t>
+            </a:r>
+            <a:endParaRPr lang="en-US" altLang="zh-CN" sz="1600" dirty="0">
+              <a:latin typeface="+mn-ea"/>
+            </a:endParaRPr>
+          </a:p>
+          <a:p>
+            <a:r>
+              <a:rPr lang="en-US" altLang="zh-CN" dirty="0" err="1"/>
+              <a:t>CoreCLR</a:t>
+            </a:r>
+            <a:endParaRPr lang="en-US" altLang="zh-CN" dirty="0"/>
+          </a:p>
+          <a:p>
+            <a:pPr marL="457200" lvl="1" indent="0">
+              <a:buNone/>
+            </a:pPr>
+            <a:r>
+              <a:rPr lang="zh-CN" altLang="en-US" sz="1600" dirty="0"/>
+              <a:t>微软</a:t>
+            </a:r>
+            <a:r>
+              <a:rPr lang="en-US" altLang="zh-CN" sz="1600" dirty="0" err="1"/>
+              <a:t>.Net</a:t>
+            </a:r>
+            <a:r>
+              <a:rPr lang="zh-CN" altLang="en-US" sz="1600" dirty="0"/>
+              <a:t>的开源版本。主要由微软维护</a:t>
+            </a:r>
+            <a:endParaRPr lang="en-US" altLang="zh-CN" sz="1600" dirty="0"/>
+          </a:p>
+          <a:p>
+            <a:r>
+              <a:rPr lang="en-US" altLang="zh-CN" dirty="0"/>
+              <a:t>Mono</a:t>
+            </a:r>
+          </a:p>
+          <a:p>
+            <a:pPr marL="457200" lvl="1" indent="0">
+              <a:buNone/>
+            </a:pPr>
+            <a:r>
+              <a:rPr lang="en-US" altLang="zh-CN" sz="1600" dirty="0" err="1"/>
+              <a:t>Ximian</a:t>
+            </a:r>
+            <a:r>
+              <a:rPr lang="zh-CN" altLang="en-US" sz="1600" dirty="0"/>
+              <a:t>建立，后随该公司加入</a:t>
+            </a:r>
+            <a:r>
+              <a:rPr lang="en-US" altLang="zh-CN" sz="1600" dirty="0"/>
+              <a:t>Novell</a:t>
+            </a:r>
+            <a:r>
+              <a:rPr lang="zh-CN" altLang="en-US" sz="1600" dirty="0"/>
+              <a:t>。</a:t>
+            </a:r>
+            <a:r>
+              <a:rPr lang="en-US" altLang="zh-CN" sz="1600" dirty="0"/>
+              <a:t>Novell</a:t>
+            </a:r>
+            <a:r>
+              <a:rPr lang="zh-CN" altLang="en-US" sz="1600" dirty="0"/>
+              <a:t>被收购后由</a:t>
+            </a:r>
+            <a:r>
+              <a:rPr lang="en-US" altLang="zh-CN" sz="1600" dirty="0" err="1"/>
+              <a:t>Xamarin</a:t>
+            </a:r>
+            <a:r>
+              <a:rPr lang="zh-CN" altLang="en-US" sz="1600" dirty="0"/>
+              <a:t>维护</a:t>
+            </a:r>
+            <a:endParaRPr lang="en-US" altLang="zh-CN" sz="1600" dirty="0"/>
+          </a:p>
+          <a:p>
+            <a:r>
+              <a:rPr lang="en-US" altLang="zh-CN" dirty="0"/>
+              <a:t>Mono(Unity3D)</a:t>
+            </a:r>
+          </a:p>
+          <a:p>
+            <a:r>
+              <a:rPr lang="en-US" altLang="zh-CN" dirty="0"/>
+              <a:t>IL2CPP(Unity3D)</a:t>
+            </a:r>
+            <a:endParaRPr lang="zh-CN" altLang="en-US" dirty="0"/>
+          </a:p>
+        </p:txBody>
+      </p:sp>
+      <p:pic>
+        <p:nvPicPr>
+          <p:cNvPr id="9" name="图片 8"/>
+          <p:cNvPicPr>
+            <a:picLocks noChangeAspect="1"/>
+          </p:cNvPicPr>
+          <p:nvPr/>
+        </p:nvPicPr>
+        <p:blipFill>
+          <a:blip r:embed="rId2">
+            <a:extLst>
+              <a:ext uri="{28A0092B-C50C-407E-A947-70E740481C1C}">
+                <a14:useLocalDpi xmlns:a14="http://schemas.microsoft.com/office/drawing/2010/main" val="0"/>
+              </a:ext>
+            </a:extLst>
+          </a:blip>
+          <a:stretch>
+            <a:fillRect/>
+          </a:stretch>
+        </p:blipFill>
+        <p:spPr>
+          <a:xfrm>
+            <a:off x="-72296" y="189569"/>
+            <a:ext cx="6887536" cy="6668431"/>
+          </a:xfrm>
+          <a:prstGeom prst="rect">
+            <a:avLst/>
+          </a:prstGeom>
+        </p:spPr>
+      </p:pic>
+    </p:spTree>
+    <p:extLst>
+      <p:ext uri="{BB962C8B-B14F-4D97-AF65-F5344CB8AC3E}">
+        <p14:creationId xmlns:p14="http://schemas.microsoft.com/office/powerpoint/2010/main" val="2932515175"/>
+      </p:ext>
+    </p:extLst>
+  </p:cSld>
+  <p:clrMapOvr>
+    <a:masterClrMapping/>
+  </p:clrMapOvr>
+</p:sld>
+</file>
+
+<file path=ppt/slides/slide4.xml><?xml version="1.0" encoding="utf-8"?>
+<p:sld xmlns:a="http://schemas.openxmlformats.org/drawingml/2006/main" xmlns:r="http://schemas.openxmlformats.org/officeDocument/2006/relationships" xmlns:p="http://schemas.openxmlformats.org/presentationml/2006/main">
+  <p:cSld>
+    <p:spTree>
+      <p:nvGrpSpPr>
+        <p:cNvPr id="1" name=""/>
+        <p:cNvGrpSpPr/>
+        <p:nvPr/>
+      </p:nvGrpSpPr>
+      <p:grpSpPr>
+        <a:xfrm>
+          <a:off x="0" y="0"/>
+          <a:ext cx="0" cy="0"/>
+          <a:chOff x="0" y="0"/>
+          <a:chExt cx="0" cy="0"/>
+        </a:xfrm>
+      </p:grpSpPr>
+      <p:sp>
+        <p:nvSpPr>
+          <p:cNvPr id="2" name="标题 1"/>
+          <p:cNvSpPr>
+            <a:spLocks noGrp="1"/>
+          </p:cNvSpPr>
+          <p:nvPr>
+            <p:ph type="title"/>
+          </p:nvPr>
+        </p:nvSpPr>
+        <p:spPr/>
+        <p:txBody>
+          <a:bodyPr/>
+          <a:lstStyle/>
+          <a:p>
+            <a:r>
+              <a:rPr lang="en-US" altLang="zh-CN" dirty="0" err="1"/>
+              <a:t>.Net</a:t>
+            </a:r>
+            <a:r>
+              <a:rPr lang="zh-CN" altLang="en-US" dirty="0"/>
+              <a:t>平台谱系</a:t>
+            </a:r>
+          </a:p>
+        </p:txBody>
+      </p:sp>
+      <p:graphicFrame>
+        <p:nvGraphicFramePr>
+          <p:cNvPr id="4" name="内容占位符 3"/>
+          <p:cNvGraphicFramePr>
+            <a:graphicFrameLocks noGrp="1"/>
+          </p:cNvGraphicFramePr>
+          <p:nvPr>
+            <p:ph idx="1"/>
+            <p:extLst>
+              <p:ext uri="{D42A27DB-BD31-4B8C-83A1-F6EECF244321}">
+                <p14:modId xmlns:p14="http://schemas.microsoft.com/office/powerpoint/2010/main" val="2378507083"/>
+              </p:ext>
+            </p:extLst>
+          </p:nvPr>
+        </p:nvGraphicFramePr>
+        <p:xfrm>
+          <a:off x="838200" y="2126774"/>
+          <a:ext cx="10515600" cy="3749040"/>
+        </p:xfrm>
+        <a:graphic>
+          <a:graphicData uri="http://schemas.openxmlformats.org/drawingml/2006/table">
+            <a:tbl>
+              <a:tblPr/>
+              <a:tblGrid>
+                <a:gridCol w="1752600">
+                  <a:extLst>
+                    <a:ext uri="{9D8B030D-6E8A-4147-A177-3AD203B41FA5}">
+                      <a16:colId xmlns:a16="http://schemas.microsoft.com/office/drawing/2014/main" val="2254679538"/>
+                    </a:ext>
+                  </a:extLst>
+                </a:gridCol>
+                <a:gridCol w="1752600">
+                  <a:extLst>
+                    <a:ext uri="{9D8B030D-6E8A-4147-A177-3AD203B41FA5}">
+                      <a16:colId xmlns:a16="http://schemas.microsoft.com/office/drawing/2014/main" val="1359284397"/>
+                    </a:ext>
+                  </a:extLst>
+                </a:gridCol>
+                <a:gridCol w="1752600">
+                  <a:extLst>
+                    <a:ext uri="{9D8B030D-6E8A-4147-A177-3AD203B41FA5}">
+                      <a16:colId xmlns:a16="http://schemas.microsoft.com/office/drawing/2014/main" val="921083793"/>
+                    </a:ext>
+                  </a:extLst>
+                </a:gridCol>
+                <a:gridCol w="1752600">
+                  <a:extLst>
+                    <a:ext uri="{9D8B030D-6E8A-4147-A177-3AD203B41FA5}">
+                      <a16:colId xmlns:a16="http://schemas.microsoft.com/office/drawing/2014/main" val="3880069599"/>
+                    </a:ext>
+                  </a:extLst>
+                </a:gridCol>
+                <a:gridCol w="1752600">
+                  <a:extLst>
+                    <a:ext uri="{9D8B030D-6E8A-4147-A177-3AD203B41FA5}">
+                      <a16:colId xmlns:a16="http://schemas.microsoft.com/office/drawing/2014/main" val="1117599545"/>
+                    </a:ext>
+                  </a:extLst>
+                </a:gridCol>
+                <a:gridCol w="1752600">
+                  <a:extLst>
+                    <a:ext uri="{9D8B030D-6E8A-4147-A177-3AD203B41FA5}">
+                      <a16:colId xmlns:a16="http://schemas.microsoft.com/office/drawing/2014/main" val="3689016970"/>
+                    </a:ext>
+                  </a:extLst>
+                </a:gridCol>
+              </a:tblGrid>
+              <a:tr h="0">
+                <a:tc>
+                  <a:txBody>
+                    <a:bodyPr/>
+                    <a:lstStyle/>
+                    <a:p>
+                      <a:endParaRPr lang="zh-CN" altLang="en-US" dirty="0"/>
+                    </a:p>
+                  </a:txBody>
+                  <a:tcPr anchor="ctr">
+                    <a:lnL w="9525" cap="flat" cmpd="sng" algn="ctr">
+                      <a:solidFill>
+                        <a:srgbClr val="4B5362"/>
+                      </a:solidFill>
+                      <a:prstDash val="solid"/>
+                      <a:round/>
+                      <a:headEnd type="none" w="med" len="med"/>
+                      <a:tailEnd type="none" w="med" len="med"/>
+                    </a:lnL>
+                    <a:lnR w="9525" cap="flat" cmpd="sng" algn="ctr">
+                      <a:solidFill>
+                        <a:srgbClr val="4B5362"/>
+                      </a:solidFill>
+                      <a:prstDash val="solid"/>
+                      <a:round/>
+                      <a:headEnd type="none" w="med" len="med"/>
+                      <a:tailEnd type="none" w="med" len="med"/>
+                    </a:lnR>
+                    <a:lnT w="9525" cap="flat" cmpd="sng" algn="ctr">
+                      <a:solidFill>
+                        <a:srgbClr val="4B5362"/>
+                      </a:solidFill>
+                      <a:prstDash val="solid"/>
+                      <a:round/>
+                      <a:headEnd type="none" w="med" len="med"/>
+                      <a:tailEnd type="none" w="med" len="med"/>
+                    </a:lnT>
+                    <a:lnB w="9525" cap="flat" cmpd="sng" algn="ctr">
+                      <a:solidFill>
+                        <a:srgbClr val="4B5362"/>
+                      </a:solidFill>
+                      <a:prstDash val="solid"/>
+                      <a:round/>
+                      <a:headEnd type="none" w="med" len="med"/>
+                      <a:tailEnd type="none" w="med" len="med"/>
+                    </a:lnB>
+                  </a:tcPr>
+                </a:tc>
+                <a:tc>
+                  <a:txBody>
+                    <a:bodyPr/>
+                    <a:lstStyle/>
+                    <a:p>
+                      <a:pPr algn="ctr"/>
+                      <a:r>
+                        <a:rPr lang="en-US" dirty="0" err="1">
+                          <a:solidFill>
+                            <a:schemeClr val="tx1"/>
+                          </a:solidFill>
+                          <a:effectLst/>
+                        </a:rPr>
+                        <a:t>RyuJIT</a:t>
+                      </a:r>
+                      <a:endParaRPr lang="en-US" dirty="0">
+                        <a:solidFill>
+                          <a:schemeClr val="tx1"/>
+                        </a:solidFill>
+                        <a:effectLst/>
+                      </a:endParaRPr>
+                    </a:p>
+                  </a:txBody>
+                  <a:tcPr anchor="ctr">
+                    <a:lnL w="9525" cap="flat" cmpd="sng" algn="ctr">
+                      <a:solidFill>
+                        <a:srgbClr val="4B5362"/>
+                      </a:solidFill>
+                      <a:prstDash val="solid"/>
+                      <a:round/>
+                      <a:headEnd type="none" w="med" len="med"/>
+                      <a:tailEnd type="none" w="med" len="med"/>
+                    </a:lnL>
+                    <a:lnR w="9525" cap="flat" cmpd="sng" algn="ctr">
+                      <a:solidFill>
+                        <a:srgbClr val="4B5362"/>
+                      </a:solidFill>
+                      <a:prstDash val="solid"/>
+                      <a:round/>
+                      <a:headEnd type="none" w="med" len="med"/>
+                      <a:tailEnd type="none" w="med" len="med"/>
+                    </a:lnR>
+                    <a:lnT w="9525" cap="flat" cmpd="sng" algn="ctr">
+                      <a:solidFill>
+                        <a:srgbClr val="4B5362"/>
+                      </a:solidFill>
+                      <a:prstDash val="solid"/>
+                      <a:round/>
+                      <a:headEnd type="none" w="med" len="med"/>
+                      <a:tailEnd type="none" w="med" len="med"/>
+                    </a:lnT>
+                    <a:lnB w="9525" cap="flat" cmpd="sng" algn="ctr">
+                      <a:solidFill>
+                        <a:srgbClr val="4B5362"/>
+                      </a:solidFill>
+                      <a:prstDash val="solid"/>
+                      <a:round/>
+                      <a:headEnd type="none" w="med" len="med"/>
+                      <a:tailEnd type="none" w="med" len="med"/>
+                    </a:lnB>
+                  </a:tcPr>
+                </a:tc>
+                <a:tc>
+                  <a:txBody>
+                    <a:bodyPr/>
+                    <a:lstStyle/>
+                    <a:p>
+                      <a:pPr algn="ctr"/>
+                      <a:r>
+                        <a:rPr lang="en-US" dirty="0">
+                          <a:solidFill>
+                            <a:schemeClr val="tx1"/>
+                          </a:solidFill>
+                          <a:effectLst/>
+                        </a:rPr>
+                        <a:t>Mono</a:t>
+                      </a:r>
+                    </a:p>
+                  </a:txBody>
+                  <a:tcPr anchor="ctr">
+                    <a:lnL w="9525" cap="flat" cmpd="sng" algn="ctr">
+                      <a:solidFill>
+                        <a:srgbClr val="4B5362"/>
+                      </a:solidFill>
+                      <a:prstDash val="solid"/>
+                      <a:round/>
+                      <a:headEnd type="none" w="med" len="med"/>
+                      <a:tailEnd type="none" w="med" len="med"/>
+                    </a:lnL>
+                    <a:lnR w="9525" cap="flat" cmpd="sng" algn="ctr">
+                      <a:solidFill>
+                        <a:srgbClr val="4B5362"/>
+                      </a:solidFill>
+                      <a:prstDash val="solid"/>
+                      <a:round/>
+                      <a:headEnd type="none" w="med" len="med"/>
+                      <a:tailEnd type="none" w="med" len="med"/>
+                    </a:lnR>
+                    <a:lnT w="9525" cap="flat" cmpd="sng" algn="ctr">
+                      <a:solidFill>
+                        <a:srgbClr val="4B5362"/>
+                      </a:solidFill>
+                      <a:prstDash val="solid"/>
+                      <a:round/>
+                      <a:headEnd type="none" w="med" len="med"/>
+                      <a:tailEnd type="none" w="med" len="med"/>
+                    </a:lnT>
+                    <a:lnB w="9525" cap="flat" cmpd="sng" algn="ctr">
+                      <a:solidFill>
+                        <a:srgbClr val="4B5362"/>
+                      </a:solidFill>
+                      <a:prstDash val="solid"/>
+                      <a:round/>
+                      <a:headEnd type="none" w="med" len="med"/>
+                      <a:tailEnd type="none" w="med" len="med"/>
+                    </a:lnB>
+                  </a:tcPr>
+                </a:tc>
+                <a:tc>
+                  <a:txBody>
+                    <a:bodyPr/>
+                    <a:lstStyle/>
+                    <a:p>
+                      <a:pPr algn="ctr"/>
+                      <a:r>
+                        <a:rPr lang="en-US" dirty="0">
+                          <a:solidFill>
+                            <a:schemeClr val="tx1"/>
+                          </a:solidFill>
+                          <a:effectLst/>
+                        </a:rPr>
+                        <a:t>Mono(Unity3D)</a:t>
+                      </a:r>
+                    </a:p>
+                  </a:txBody>
+                  <a:tcPr anchor="ctr">
+                    <a:lnL w="9525" cap="flat" cmpd="sng" algn="ctr">
+                      <a:solidFill>
+                        <a:srgbClr val="4B5362"/>
+                      </a:solidFill>
+                      <a:prstDash val="solid"/>
+                      <a:round/>
+                      <a:headEnd type="none" w="med" len="med"/>
+                      <a:tailEnd type="none" w="med" len="med"/>
+                    </a:lnL>
+                    <a:lnR w="9525" cap="flat" cmpd="sng" algn="ctr">
+                      <a:solidFill>
+                        <a:srgbClr val="4B5362"/>
+                      </a:solidFill>
+                      <a:prstDash val="solid"/>
+                      <a:round/>
+                      <a:headEnd type="none" w="med" len="med"/>
+                      <a:tailEnd type="none" w="med" len="med"/>
+                    </a:lnR>
+                    <a:lnT w="9525" cap="flat" cmpd="sng" algn="ctr">
+                      <a:solidFill>
+                        <a:srgbClr val="4B5362"/>
+                      </a:solidFill>
+                      <a:prstDash val="solid"/>
+                      <a:round/>
+                      <a:headEnd type="none" w="med" len="med"/>
+                      <a:tailEnd type="none" w="med" len="med"/>
+                    </a:lnT>
+                    <a:lnB w="9525" cap="flat" cmpd="sng" algn="ctr">
+                      <a:solidFill>
+                        <a:srgbClr val="4B5362"/>
+                      </a:solidFill>
+                      <a:prstDash val="solid"/>
+                      <a:round/>
+                      <a:headEnd type="none" w="med" len="med"/>
+                      <a:tailEnd type="none" w="med" len="med"/>
+                    </a:lnB>
+                  </a:tcPr>
+                </a:tc>
+                <a:tc>
+                  <a:txBody>
+                    <a:bodyPr/>
+                    <a:lstStyle/>
+                    <a:p>
+                      <a:pPr algn="ctr"/>
+                      <a:r>
+                        <a:rPr lang="en-US" dirty="0">
+                          <a:solidFill>
+                            <a:schemeClr val="tx1"/>
+                          </a:solidFill>
+                          <a:effectLst/>
+                        </a:rPr>
+                        <a:t>Mono AOT</a:t>
+                      </a:r>
+                      <a:r>
+                        <a:rPr lang="en-US" altLang="zh-CN" dirty="0">
+                          <a:solidFill>
+                            <a:schemeClr val="tx1"/>
+                          </a:solidFill>
+                          <a:effectLst/>
+                        </a:rPr>
+                        <a:t>(U3D)</a:t>
+                      </a:r>
+                      <a:endParaRPr lang="en-US" dirty="0">
+                        <a:solidFill>
+                          <a:schemeClr val="tx1"/>
+                        </a:solidFill>
+                        <a:effectLst/>
+                      </a:endParaRPr>
+                    </a:p>
+                  </a:txBody>
+                  <a:tcPr anchor="ctr">
+                    <a:lnL w="9525" cap="flat" cmpd="sng" algn="ctr">
+                      <a:solidFill>
+                        <a:srgbClr val="4B5362"/>
+                      </a:solidFill>
+                      <a:prstDash val="solid"/>
+                      <a:round/>
+                      <a:headEnd type="none" w="med" len="med"/>
+                      <a:tailEnd type="none" w="med" len="med"/>
+                    </a:lnL>
+                    <a:lnR w="9525" cap="flat" cmpd="sng" algn="ctr">
+                      <a:solidFill>
+                        <a:srgbClr val="4B5362"/>
+                      </a:solidFill>
+                      <a:prstDash val="solid"/>
+                      <a:round/>
+                      <a:headEnd type="none" w="med" len="med"/>
+                      <a:tailEnd type="none" w="med" len="med"/>
+                    </a:lnR>
+                    <a:lnT w="9525" cap="flat" cmpd="sng" algn="ctr">
+                      <a:solidFill>
+                        <a:srgbClr val="4B5362"/>
+                      </a:solidFill>
+                      <a:prstDash val="solid"/>
+                      <a:round/>
+                      <a:headEnd type="none" w="med" len="med"/>
+                      <a:tailEnd type="none" w="med" len="med"/>
+                    </a:lnT>
+                    <a:lnB w="9525" cap="flat" cmpd="sng" algn="ctr">
+                      <a:solidFill>
+                        <a:srgbClr val="4B5362"/>
+                      </a:solidFill>
+                      <a:prstDash val="solid"/>
+                      <a:round/>
+                      <a:headEnd type="none" w="med" len="med"/>
+                      <a:tailEnd type="none" w="med" len="med"/>
+                    </a:lnB>
+                  </a:tcPr>
+                </a:tc>
+                <a:tc>
+                  <a:txBody>
+                    <a:bodyPr/>
+                    <a:lstStyle/>
+                    <a:p>
+                      <a:pPr algn="ctr"/>
+                      <a:r>
+                        <a:rPr lang="en-US" dirty="0">
+                          <a:solidFill>
+                            <a:schemeClr val="tx1"/>
+                          </a:solidFill>
+                          <a:effectLst/>
+                        </a:rPr>
+                        <a:t>IL2CPP</a:t>
+                      </a:r>
+                    </a:p>
+                  </a:txBody>
+                  <a:tcPr>
+                    <a:lnL w="9525" cap="flat" cmpd="sng" algn="ctr">
+                      <a:solidFill>
+                        <a:srgbClr val="4B5362"/>
+                      </a:solidFill>
+                      <a:prstDash val="solid"/>
+                      <a:round/>
+                      <a:headEnd type="none" w="med" len="med"/>
+                      <a:tailEnd type="none" w="med" len="med"/>
+                    </a:lnL>
+                    <a:lnB w="9525" cap="flat" cmpd="sng" algn="ctr">
+                      <a:solidFill>
+                        <a:srgbClr val="4B5362"/>
+                      </a:solidFill>
+                      <a:prstDash val="solid"/>
+                      <a:round/>
+                      <a:headEnd type="none" w="med" len="med"/>
+                      <a:tailEnd type="none" w="med" len="med"/>
+                    </a:lnB>
+                  </a:tcPr>
+                </a:tc>
+                <a:extLst>
+                  <a:ext uri="{0D108BD9-81ED-4DB2-BD59-A6C34878D82A}">
+                    <a16:rowId xmlns:a16="http://schemas.microsoft.com/office/drawing/2014/main" val="2148362693"/>
+                  </a:ext>
+                </a:extLst>
+              </a:tr>
+              <a:tr h="0">
+                <a:tc>
+                  <a:txBody>
+                    <a:bodyPr/>
+                    <a:lstStyle/>
+                    <a:p>
+                      <a:pPr algn="ctr"/>
+                      <a:r>
+                        <a:rPr lang="zh-CN" altLang="en-US">
+                          <a:effectLst/>
+                        </a:rPr>
+                        <a:t>是否</a:t>
+                      </a:r>
+                      <a:r>
+                        <a:rPr lang="en-US">
+                          <a:effectLst/>
+                        </a:rPr>
+                        <a:t>JIT</a:t>
+                      </a:r>
+                    </a:p>
+                  </a:txBody>
+                  <a:tcPr anchor="ctr">
+                    <a:lnL w="9525" cap="flat" cmpd="sng" algn="ctr">
+                      <a:solidFill>
+                        <a:srgbClr val="4B5362"/>
+                      </a:solidFill>
+                      <a:prstDash val="solid"/>
+                      <a:round/>
+                      <a:headEnd type="none" w="med" len="med"/>
+                      <a:tailEnd type="none" w="med" len="med"/>
+                    </a:lnL>
+                    <a:lnR w="9525" cap="flat" cmpd="sng" algn="ctr">
+                      <a:solidFill>
+                        <a:srgbClr val="4B5362"/>
+                      </a:solidFill>
+                      <a:prstDash val="solid"/>
+                      <a:round/>
+                      <a:headEnd type="none" w="med" len="med"/>
+                      <a:tailEnd type="none" w="med" len="med"/>
+                    </a:lnR>
+                    <a:lnT w="9525" cap="flat" cmpd="sng" algn="ctr">
+                      <a:solidFill>
+                        <a:srgbClr val="4B5362"/>
+                      </a:solidFill>
+                      <a:prstDash val="solid"/>
+                      <a:round/>
+                      <a:headEnd type="none" w="med" len="med"/>
+                      <a:tailEnd type="none" w="med" len="med"/>
+                    </a:lnT>
+                    <a:lnB w="9525" cap="flat" cmpd="sng" algn="ctr">
+                      <a:solidFill>
+                        <a:srgbClr val="4B5362"/>
+                      </a:solidFill>
+                      <a:prstDash val="solid"/>
+                      <a:round/>
+                      <a:headEnd type="none" w="med" len="med"/>
+                      <a:tailEnd type="none" w="med" len="med"/>
+                    </a:lnB>
+                  </a:tcPr>
+                </a:tc>
+                <a:tc>
+                  <a:txBody>
+                    <a:bodyPr/>
+                    <a:lstStyle/>
+                    <a:p>
+                      <a:pPr algn="ctr"/>
+                      <a:r>
+                        <a:rPr lang="zh-CN" altLang="en-US">
+                          <a:effectLst/>
+                        </a:rPr>
+                        <a:t>是</a:t>
+                      </a:r>
+                    </a:p>
+                  </a:txBody>
+                  <a:tcPr anchor="ctr">
+                    <a:lnL w="9525" cap="flat" cmpd="sng" algn="ctr">
+                      <a:solidFill>
+                        <a:srgbClr val="4B5362"/>
+                      </a:solidFill>
+                      <a:prstDash val="solid"/>
+                      <a:round/>
+                      <a:headEnd type="none" w="med" len="med"/>
+                      <a:tailEnd type="none" w="med" len="med"/>
+                    </a:lnL>
+                    <a:lnR w="9525" cap="flat" cmpd="sng" algn="ctr">
+                      <a:solidFill>
+                        <a:srgbClr val="4B5362"/>
+                      </a:solidFill>
+                      <a:prstDash val="solid"/>
+                      <a:round/>
+                      <a:headEnd type="none" w="med" len="med"/>
+                      <a:tailEnd type="none" w="med" len="med"/>
+                    </a:lnR>
+                    <a:lnT w="9525" cap="flat" cmpd="sng" algn="ctr">
+                      <a:solidFill>
+                        <a:srgbClr val="4B5362"/>
+                      </a:solidFill>
+                      <a:prstDash val="solid"/>
+                      <a:round/>
+                      <a:headEnd type="none" w="med" len="med"/>
+                      <a:tailEnd type="none" w="med" len="med"/>
+                    </a:lnT>
+                    <a:lnB w="9525" cap="flat" cmpd="sng" algn="ctr">
+                      <a:solidFill>
+                        <a:srgbClr val="4B5362"/>
+                      </a:solidFill>
+                      <a:prstDash val="solid"/>
+                      <a:round/>
+                      <a:headEnd type="none" w="med" len="med"/>
+                      <a:tailEnd type="none" w="med" len="med"/>
+                    </a:lnB>
+                  </a:tcPr>
+                </a:tc>
+                <a:tc>
+                  <a:txBody>
+                    <a:bodyPr/>
+                    <a:lstStyle/>
+                    <a:p>
+                      <a:pPr algn="ctr"/>
+                      <a:r>
+                        <a:rPr lang="zh-CN" altLang="en-US">
+                          <a:effectLst/>
+                        </a:rPr>
+                        <a:t>是</a:t>
+                      </a:r>
+                    </a:p>
+                  </a:txBody>
+                  <a:tcPr anchor="ctr">
+                    <a:lnL w="9525" cap="flat" cmpd="sng" algn="ctr">
+                      <a:solidFill>
+                        <a:srgbClr val="4B5362"/>
+                      </a:solidFill>
+                      <a:prstDash val="solid"/>
+                      <a:round/>
+                      <a:headEnd type="none" w="med" len="med"/>
+                      <a:tailEnd type="none" w="med" len="med"/>
+                    </a:lnL>
+                    <a:lnR w="9525" cap="flat" cmpd="sng" algn="ctr">
+                      <a:solidFill>
+                        <a:srgbClr val="4B5362"/>
+                      </a:solidFill>
+                      <a:prstDash val="solid"/>
+                      <a:round/>
+                      <a:headEnd type="none" w="med" len="med"/>
+                      <a:tailEnd type="none" w="med" len="med"/>
+                    </a:lnR>
+                    <a:lnT w="9525" cap="flat" cmpd="sng" algn="ctr">
+                      <a:solidFill>
+                        <a:srgbClr val="4B5362"/>
+                      </a:solidFill>
+                      <a:prstDash val="solid"/>
+                      <a:round/>
+                      <a:headEnd type="none" w="med" len="med"/>
+                      <a:tailEnd type="none" w="med" len="med"/>
+                    </a:lnT>
+                    <a:lnB w="9525" cap="flat" cmpd="sng" algn="ctr">
+                      <a:solidFill>
+                        <a:srgbClr val="4B5362"/>
+                      </a:solidFill>
+                      <a:prstDash val="solid"/>
+                      <a:round/>
+                      <a:headEnd type="none" w="med" len="med"/>
+                      <a:tailEnd type="none" w="med" len="med"/>
+                    </a:lnB>
+                  </a:tcPr>
+                </a:tc>
+                <a:tc>
+                  <a:txBody>
+                    <a:bodyPr/>
+                    <a:lstStyle/>
+                    <a:p>
+                      <a:pPr algn="ctr"/>
+                      <a:r>
+                        <a:rPr lang="zh-CN" altLang="en-US">
+                          <a:effectLst/>
+                        </a:rPr>
+                        <a:t>是</a:t>
+                      </a:r>
+                    </a:p>
+                  </a:txBody>
+                  <a:tcPr anchor="ctr">
+                    <a:lnL w="9525" cap="flat" cmpd="sng" algn="ctr">
+                      <a:solidFill>
+                        <a:srgbClr val="4B5362"/>
+                      </a:solidFill>
+                      <a:prstDash val="solid"/>
+                      <a:round/>
+                      <a:headEnd type="none" w="med" len="med"/>
+                      <a:tailEnd type="none" w="med" len="med"/>
+                    </a:lnL>
+                    <a:lnR w="9525" cap="flat" cmpd="sng" algn="ctr">
+                      <a:solidFill>
+                        <a:srgbClr val="4B5362"/>
+                      </a:solidFill>
+                      <a:prstDash val="solid"/>
+                      <a:round/>
+                      <a:headEnd type="none" w="med" len="med"/>
+                      <a:tailEnd type="none" w="med" len="med"/>
+                    </a:lnR>
+                    <a:lnT w="9525" cap="flat" cmpd="sng" algn="ctr">
+                      <a:solidFill>
+                        <a:srgbClr val="4B5362"/>
+                      </a:solidFill>
+                      <a:prstDash val="solid"/>
+                      <a:round/>
+                      <a:headEnd type="none" w="med" len="med"/>
+                      <a:tailEnd type="none" w="med" len="med"/>
+                    </a:lnT>
+                    <a:lnB w="9525" cap="flat" cmpd="sng" algn="ctr">
+                      <a:solidFill>
+                        <a:srgbClr val="4B5362"/>
+                      </a:solidFill>
+                      <a:prstDash val="solid"/>
+                      <a:round/>
+                      <a:headEnd type="none" w="med" len="med"/>
+                      <a:tailEnd type="none" w="med" len="med"/>
+                    </a:lnB>
+                  </a:tcPr>
+                </a:tc>
+                <a:tc>
+                  <a:txBody>
+                    <a:bodyPr/>
+                    <a:lstStyle/>
+                    <a:p>
+                      <a:pPr algn="ctr"/>
+                      <a:r>
+                        <a:rPr lang="zh-CN" altLang="en-US">
+                          <a:effectLst/>
+                        </a:rPr>
+                        <a:t>否</a:t>
+                      </a:r>
+                    </a:p>
+                  </a:txBody>
+                  <a:tcPr anchor="ctr">
+                    <a:lnL w="9525" cap="flat" cmpd="sng" algn="ctr">
+                      <a:solidFill>
+                        <a:srgbClr val="4B5362"/>
+                      </a:solidFill>
+                      <a:prstDash val="solid"/>
+                      <a:round/>
+                      <a:headEnd type="none" w="med" len="med"/>
+                      <a:tailEnd type="none" w="med" len="med"/>
+                    </a:lnL>
+                    <a:lnR w="9525" cap="flat" cmpd="sng" algn="ctr">
+                      <a:solidFill>
+                        <a:srgbClr val="4B5362"/>
+                      </a:solidFill>
+                      <a:prstDash val="solid"/>
+                      <a:round/>
+                      <a:headEnd type="none" w="med" len="med"/>
+                      <a:tailEnd type="none" w="med" len="med"/>
+                    </a:lnR>
+                    <a:lnT w="9525" cap="flat" cmpd="sng" algn="ctr">
+                      <a:solidFill>
+                        <a:srgbClr val="4B5362"/>
+                      </a:solidFill>
+                      <a:prstDash val="solid"/>
+                      <a:round/>
+                      <a:headEnd type="none" w="med" len="med"/>
+                      <a:tailEnd type="none" w="med" len="med"/>
+                    </a:lnT>
+                    <a:lnB w="9525" cap="flat" cmpd="sng" algn="ctr">
+                      <a:solidFill>
+                        <a:srgbClr val="4B5362"/>
+                      </a:solidFill>
+                      <a:prstDash val="solid"/>
+                      <a:round/>
+                      <a:headEnd type="none" w="med" len="med"/>
+                      <a:tailEnd type="none" w="med" len="med"/>
+                    </a:lnB>
+                  </a:tcPr>
+                </a:tc>
+                <a:tc>
+                  <a:txBody>
+                    <a:bodyPr/>
+                    <a:lstStyle/>
+                    <a:p>
+                      <a:pPr algn="ctr"/>
+                      <a:r>
+                        <a:rPr lang="zh-CN" altLang="en-US">
+                          <a:effectLst/>
+                        </a:rPr>
+                        <a:t>否</a:t>
+                      </a:r>
+                    </a:p>
+                  </a:txBody>
+                  <a:tcPr anchor="ctr">
+                    <a:lnL w="9525" cap="flat" cmpd="sng" algn="ctr">
+                      <a:solidFill>
+                        <a:srgbClr val="4B5362"/>
+                      </a:solidFill>
+                      <a:prstDash val="solid"/>
+                      <a:round/>
+                      <a:headEnd type="none" w="med" len="med"/>
+                      <a:tailEnd type="none" w="med" len="med"/>
+                    </a:lnL>
+                    <a:lnR w="9525" cap="flat" cmpd="sng" algn="ctr">
+                      <a:solidFill>
+                        <a:srgbClr val="4B5362"/>
+                      </a:solidFill>
+                      <a:prstDash val="solid"/>
+                      <a:round/>
+                      <a:headEnd type="none" w="med" len="med"/>
+                      <a:tailEnd type="none" w="med" len="med"/>
+                    </a:lnR>
+                    <a:lnT w="9525" cap="flat" cmpd="sng" algn="ctr">
+                      <a:solidFill>
+                        <a:srgbClr val="4B5362"/>
+                      </a:solidFill>
+                      <a:prstDash val="solid"/>
+                      <a:round/>
+                      <a:headEnd type="none" w="med" len="med"/>
+                      <a:tailEnd type="none" w="med" len="med"/>
+                    </a:lnT>
+                    <a:lnB w="9525" cap="flat" cmpd="sng" algn="ctr">
+                      <a:solidFill>
+                        <a:srgbClr val="4B5362"/>
+                      </a:solidFill>
+                      <a:prstDash val="solid"/>
+                      <a:round/>
+                      <a:headEnd type="none" w="med" len="med"/>
+                      <a:tailEnd type="none" w="med" len="med"/>
+                    </a:lnB>
+                  </a:tcPr>
+                </a:tc>
+                <a:extLst>
+                  <a:ext uri="{0D108BD9-81ED-4DB2-BD59-A6C34878D82A}">
+                    <a16:rowId xmlns:a16="http://schemas.microsoft.com/office/drawing/2014/main" val="3958028684"/>
+                  </a:ext>
+                </a:extLst>
+              </a:tr>
+              <a:tr h="0">
+                <a:tc>
+                  <a:txBody>
+                    <a:bodyPr/>
+                    <a:lstStyle/>
+                    <a:p>
+                      <a:pPr algn="ctr"/>
+                      <a:r>
+                        <a:rPr lang="zh-CN" altLang="en-US">
+                          <a:effectLst/>
+                        </a:rPr>
+                        <a:t>输出类型</a:t>
+                      </a:r>
+                    </a:p>
+                  </a:txBody>
+                  <a:tcPr anchor="ctr">
+                    <a:lnL w="9525" cap="flat" cmpd="sng" algn="ctr">
+                      <a:solidFill>
+                        <a:srgbClr val="4B5362"/>
+                      </a:solidFill>
+                      <a:prstDash val="solid"/>
+                      <a:round/>
+                      <a:headEnd type="none" w="med" len="med"/>
+                      <a:tailEnd type="none" w="med" len="med"/>
+                    </a:lnL>
+                    <a:lnR w="9525" cap="flat" cmpd="sng" algn="ctr">
+                      <a:solidFill>
+                        <a:srgbClr val="4B5362"/>
+                      </a:solidFill>
+                      <a:prstDash val="solid"/>
+                      <a:round/>
+                      <a:headEnd type="none" w="med" len="med"/>
+                      <a:tailEnd type="none" w="med" len="med"/>
+                    </a:lnR>
+                    <a:lnT w="9525" cap="flat" cmpd="sng" algn="ctr">
+                      <a:solidFill>
+                        <a:srgbClr val="4B5362"/>
+                      </a:solidFill>
+                      <a:prstDash val="solid"/>
+                      <a:round/>
+                      <a:headEnd type="none" w="med" len="med"/>
+                      <a:tailEnd type="none" w="med" len="med"/>
+                    </a:lnT>
+                    <a:lnB w="9525" cap="flat" cmpd="sng" algn="ctr">
+                      <a:solidFill>
+                        <a:srgbClr val="4B5362"/>
+                      </a:solidFill>
+                      <a:prstDash val="solid"/>
+                      <a:round/>
+                      <a:headEnd type="none" w="med" len="med"/>
+                      <a:tailEnd type="none" w="med" len="med"/>
+                    </a:lnB>
+                  </a:tcPr>
+                </a:tc>
+                <a:tc>
+                  <a:txBody>
+                    <a:bodyPr/>
+                    <a:lstStyle/>
+                    <a:p>
+                      <a:pPr algn="ctr"/>
+                      <a:r>
+                        <a:rPr lang="en-US">
+                          <a:effectLst/>
+                        </a:rPr>
+                        <a:t>NA</a:t>
+                      </a:r>
+                    </a:p>
+                  </a:txBody>
+                  <a:tcPr anchor="ctr">
+                    <a:lnL w="9525" cap="flat" cmpd="sng" algn="ctr">
+                      <a:solidFill>
+                        <a:srgbClr val="4B5362"/>
+                      </a:solidFill>
+                      <a:prstDash val="solid"/>
+                      <a:round/>
+                      <a:headEnd type="none" w="med" len="med"/>
+                      <a:tailEnd type="none" w="med" len="med"/>
+                    </a:lnL>
+                    <a:lnR w="9525" cap="flat" cmpd="sng" algn="ctr">
+                      <a:solidFill>
+                        <a:srgbClr val="4B5362"/>
+                      </a:solidFill>
+                      <a:prstDash val="solid"/>
+                      <a:round/>
+                      <a:headEnd type="none" w="med" len="med"/>
+                      <a:tailEnd type="none" w="med" len="med"/>
+                    </a:lnR>
+                    <a:lnT w="9525" cap="flat" cmpd="sng" algn="ctr">
+                      <a:solidFill>
+                        <a:srgbClr val="4B5362"/>
+                      </a:solidFill>
+                      <a:prstDash val="solid"/>
+                      <a:round/>
+                      <a:headEnd type="none" w="med" len="med"/>
+                      <a:tailEnd type="none" w="med" len="med"/>
+                    </a:lnT>
+                    <a:lnB w="9525" cap="flat" cmpd="sng" algn="ctr">
+                      <a:solidFill>
+                        <a:srgbClr val="4B5362"/>
+                      </a:solidFill>
+                      <a:prstDash val="solid"/>
+                      <a:round/>
+                      <a:headEnd type="none" w="med" len="med"/>
+                      <a:tailEnd type="none" w="med" len="med"/>
+                    </a:lnB>
+                  </a:tcPr>
+                </a:tc>
+                <a:tc>
+                  <a:txBody>
+                    <a:bodyPr/>
+                    <a:lstStyle/>
+                    <a:p>
+                      <a:pPr algn="ctr"/>
+                      <a:r>
+                        <a:rPr lang="en-US">
+                          <a:effectLst/>
+                        </a:rPr>
+                        <a:t>NA</a:t>
+                      </a:r>
+                    </a:p>
+                  </a:txBody>
+                  <a:tcPr anchor="ctr">
+                    <a:lnL w="9525" cap="flat" cmpd="sng" algn="ctr">
+                      <a:solidFill>
+                        <a:srgbClr val="4B5362"/>
+                      </a:solidFill>
+                      <a:prstDash val="solid"/>
+                      <a:round/>
+                      <a:headEnd type="none" w="med" len="med"/>
+                      <a:tailEnd type="none" w="med" len="med"/>
+                    </a:lnL>
+                    <a:lnR w="9525" cap="flat" cmpd="sng" algn="ctr">
+                      <a:solidFill>
+                        <a:srgbClr val="4B5362"/>
+                      </a:solidFill>
+                      <a:prstDash val="solid"/>
+                      <a:round/>
+                      <a:headEnd type="none" w="med" len="med"/>
+                      <a:tailEnd type="none" w="med" len="med"/>
+                    </a:lnR>
+                    <a:lnT w="9525" cap="flat" cmpd="sng" algn="ctr">
+                      <a:solidFill>
+                        <a:srgbClr val="4B5362"/>
+                      </a:solidFill>
+                      <a:prstDash val="solid"/>
+                      <a:round/>
+                      <a:headEnd type="none" w="med" len="med"/>
+                      <a:tailEnd type="none" w="med" len="med"/>
+                    </a:lnT>
+                    <a:lnB w="9525" cap="flat" cmpd="sng" algn="ctr">
+                      <a:solidFill>
+                        <a:srgbClr val="4B5362"/>
+                      </a:solidFill>
+                      <a:prstDash val="solid"/>
+                      <a:round/>
+                      <a:headEnd type="none" w="med" len="med"/>
+                      <a:tailEnd type="none" w="med" len="med"/>
+                    </a:lnB>
+                  </a:tcPr>
+                </a:tc>
+                <a:tc>
+                  <a:txBody>
+                    <a:bodyPr/>
+                    <a:lstStyle/>
+                    <a:p>
+                      <a:pPr algn="ctr"/>
+                      <a:r>
+                        <a:rPr lang="en-US">
+                          <a:effectLst/>
+                        </a:rPr>
+                        <a:t>NA</a:t>
+                      </a:r>
+                    </a:p>
+                  </a:txBody>
+                  <a:tcPr anchor="ctr">
+                    <a:lnL w="9525" cap="flat" cmpd="sng" algn="ctr">
+                      <a:solidFill>
+                        <a:srgbClr val="4B5362"/>
+                      </a:solidFill>
+                      <a:prstDash val="solid"/>
+                      <a:round/>
+                      <a:headEnd type="none" w="med" len="med"/>
+                      <a:tailEnd type="none" w="med" len="med"/>
+                    </a:lnL>
+                    <a:lnR w="9525" cap="flat" cmpd="sng" algn="ctr">
+                      <a:solidFill>
+                        <a:srgbClr val="4B5362"/>
+                      </a:solidFill>
+                      <a:prstDash val="solid"/>
+                      <a:round/>
+                      <a:headEnd type="none" w="med" len="med"/>
+                      <a:tailEnd type="none" w="med" len="med"/>
+                    </a:lnR>
+                    <a:lnT w="9525" cap="flat" cmpd="sng" algn="ctr">
+                      <a:solidFill>
+                        <a:srgbClr val="4B5362"/>
+                      </a:solidFill>
+                      <a:prstDash val="solid"/>
+                      <a:round/>
+                      <a:headEnd type="none" w="med" len="med"/>
+                      <a:tailEnd type="none" w="med" len="med"/>
+                    </a:lnT>
+                    <a:lnB w="9525" cap="flat" cmpd="sng" algn="ctr">
+                      <a:solidFill>
+                        <a:srgbClr val="4B5362"/>
+                      </a:solidFill>
+                      <a:prstDash val="solid"/>
+                      <a:round/>
+                      <a:headEnd type="none" w="med" len="med"/>
+                      <a:tailEnd type="none" w="med" len="med"/>
+                    </a:lnB>
+                  </a:tcPr>
+                </a:tc>
+                <a:tc>
+                  <a:txBody>
+                    <a:bodyPr/>
+                    <a:lstStyle/>
+                    <a:p>
+                      <a:pPr algn="ctr"/>
+                      <a:r>
+                        <a:rPr lang="en-US">
+                          <a:effectLst/>
+                        </a:rPr>
+                        <a:t>Native</a:t>
+                      </a:r>
+                    </a:p>
+                  </a:txBody>
+                  <a:tcPr anchor="ctr">
+                    <a:lnL w="9525" cap="flat" cmpd="sng" algn="ctr">
+                      <a:solidFill>
+                        <a:srgbClr val="4B5362"/>
+                      </a:solidFill>
+                      <a:prstDash val="solid"/>
+                      <a:round/>
+                      <a:headEnd type="none" w="med" len="med"/>
+                      <a:tailEnd type="none" w="med" len="med"/>
+                    </a:lnL>
+                    <a:lnR w="9525" cap="flat" cmpd="sng" algn="ctr">
+                      <a:solidFill>
+                        <a:srgbClr val="4B5362"/>
+                      </a:solidFill>
+                      <a:prstDash val="solid"/>
+                      <a:round/>
+                      <a:headEnd type="none" w="med" len="med"/>
+                      <a:tailEnd type="none" w="med" len="med"/>
+                    </a:lnR>
+                    <a:lnT w="9525" cap="flat" cmpd="sng" algn="ctr">
+                      <a:solidFill>
+                        <a:srgbClr val="4B5362"/>
+                      </a:solidFill>
+                      <a:prstDash val="solid"/>
+                      <a:round/>
+                      <a:headEnd type="none" w="med" len="med"/>
+                      <a:tailEnd type="none" w="med" len="med"/>
+                    </a:lnT>
+                    <a:lnB w="9525" cap="flat" cmpd="sng" algn="ctr">
+                      <a:solidFill>
+                        <a:srgbClr val="4B5362"/>
+                      </a:solidFill>
+                      <a:prstDash val="solid"/>
+                      <a:round/>
+                      <a:headEnd type="none" w="med" len="med"/>
+                      <a:tailEnd type="none" w="med" len="med"/>
+                    </a:lnB>
+                  </a:tcPr>
+                </a:tc>
+                <a:tc>
+                  <a:txBody>
+                    <a:bodyPr/>
+                    <a:lstStyle/>
+                    <a:p>
+                      <a:pPr algn="ctr"/>
+                      <a:r>
+                        <a:rPr lang="en-US">
+                          <a:effectLst/>
+                        </a:rPr>
+                        <a:t>C++</a:t>
+                      </a:r>
+                    </a:p>
+                  </a:txBody>
+                  <a:tcPr anchor="ctr">
+                    <a:lnL w="9525" cap="flat" cmpd="sng" algn="ctr">
+                      <a:solidFill>
+                        <a:srgbClr val="4B5362"/>
+                      </a:solidFill>
+                      <a:prstDash val="solid"/>
+                      <a:round/>
+                      <a:headEnd type="none" w="med" len="med"/>
+                      <a:tailEnd type="none" w="med" len="med"/>
+                    </a:lnL>
+                    <a:lnR w="9525" cap="flat" cmpd="sng" algn="ctr">
+                      <a:solidFill>
+                        <a:srgbClr val="4B5362"/>
+                      </a:solidFill>
+                      <a:prstDash val="solid"/>
+                      <a:round/>
+                      <a:headEnd type="none" w="med" len="med"/>
+                      <a:tailEnd type="none" w="med" len="med"/>
+                    </a:lnR>
+                    <a:lnT w="9525" cap="flat" cmpd="sng" algn="ctr">
+                      <a:solidFill>
+                        <a:srgbClr val="4B5362"/>
+                      </a:solidFill>
+                      <a:prstDash val="solid"/>
+                      <a:round/>
+                      <a:headEnd type="none" w="med" len="med"/>
+                      <a:tailEnd type="none" w="med" len="med"/>
+                    </a:lnT>
+                    <a:lnB w="9525" cap="flat" cmpd="sng" algn="ctr">
+                      <a:solidFill>
+                        <a:srgbClr val="4B5362"/>
+                      </a:solidFill>
+                      <a:prstDash val="solid"/>
+                      <a:round/>
+                      <a:headEnd type="none" w="med" len="med"/>
+                      <a:tailEnd type="none" w="med" len="med"/>
+                    </a:lnB>
+                  </a:tcPr>
+                </a:tc>
+                <a:extLst>
+                  <a:ext uri="{0D108BD9-81ED-4DB2-BD59-A6C34878D82A}">
+                    <a16:rowId xmlns:a16="http://schemas.microsoft.com/office/drawing/2014/main" val="4120267612"/>
+                  </a:ext>
+                </a:extLst>
+              </a:tr>
+              <a:tr h="0">
+                <a:tc>
+                  <a:txBody>
+                    <a:bodyPr/>
+                    <a:lstStyle/>
+                    <a:p>
+                      <a:pPr algn="ctr"/>
+                      <a:r>
+                        <a:rPr lang="zh-CN" altLang="en-US">
+                          <a:effectLst/>
+                        </a:rPr>
+                        <a:t>运行时版本</a:t>
+                      </a:r>
+                      <a:r>
+                        <a:rPr lang="en-US" altLang="zh-CN">
+                          <a:effectLst/>
+                        </a:rPr>
+                        <a:t>(</a:t>
+                      </a:r>
+                      <a:r>
+                        <a:rPr lang="zh-CN" altLang="en-US">
+                          <a:effectLst/>
+                        </a:rPr>
+                        <a:t>相对于</a:t>
+                      </a:r>
+                      <a:r>
+                        <a:rPr lang="en-US" altLang="zh-CN">
+                          <a:effectLst/>
+                        </a:rPr>
+                        <a:t>CLR)</a:t>
+                      </a:r>
+                    </a:p>
+                  </a:txBody>
+                  <a:tcPr anchor="ctr">
+                    <a:lnL w="9525" cap="flat" cmpd="sng" algn="ctr">
+                      <a:solidFill>
+                        <a:srgbClr val="4B5362"/>
+                      </a:solidFill>
+                      <a:prstDash val="solid"/>
+                      <a:round/>
+                      <a:headEnd type="none" w="med" len="med"/>
+                      <a:tailEnd type="none" w="med" len="med"/>
+                    </a:lnL>
+                    <a:lnR w="9525" cap="flat" cmpd="sng" algn="ctr">
+                      <a:solidFill>
+                        <a:srgbClr val="4B5362"/>
+                      </a:solidFill>
+                      <a:prstDash val="solid"/>
+                      <a:round/>
+                      <a:headEnd type="none" w="med" len="med"/>
+                      <a:tailEnd type="none" w="med" len="med"/>
+                    </a:lnR>
+                    <a:lnT w="9525" cap="flat" cmpd="sng" algn="ctr">
+                      <a:solidFill>
+                        <a:srgbClr val="4B5362"/>
+                      </a:solidFill>
+                      <a:prstDash val="solid"/>
+                      <a:round/>
+                      <a:headEnd type="none" w="med" len="med"/>
+                      <a:tailEnd type="none" w="med" len="med"/>
+                    </a:lnT>
+                    <a:lnB w="9525" cap="flat" cmpd="sng" algn="ctr">
+                      <a:solidFill>
+                        <a:srgbClr val="4B5362"/>
+                      </a:solidFill>
+                      <a:prstDash val="solid"/>
+                      <a:round/>
+                      <a:headEnd type="none" w="med" len="med"/>
+                      <a:tailEnd type="none" w="med" len="med"/>
+                    </a:lnB>
+                  </a:tcPr>
+                </a:tc>
+                <a:tc>
+                  <a:txBody>
+                    <a:bodyPr/>
+                    <a:lstStyle/>
+                    <a:p>
+                      <a:pPr algn="ctr"/>
+                      <a:r>
+                        <a:rPr lang="en-US" altLang="zh-CN">
+                          <a:effectLst/>
+                        </a:rPr>
+                        <a:t>4</a:t>
+                      </a:r>
+                    </a:p>
+                  </a:txBody>
+                  <a:tcPr anchor="ctr">
+                    <a:lnL w="9525" cap="flat" cmpd="sng" algn="ctr">
+                      <a:solidFill>
+                        <a:srgbClr val="4B5362"/>
+                      </a:solidFill>
+                      <a:prstDash val="solid"/>
+                      <a:round/>
+                      <a:headEnd type="none" w="med" len="med"/>
+                      <a:tailEnd type="none" w="med" len="med"/>
+                    </a:lnL>
+                    <a:lnR w="9525" cap="flat" cmpd="sng" algn="ctr">
+                      <a:solidFill>
+                        <a:srgbClr val="4B5362"/>
+                      </a:solidFill>
+                      <a:prstDash val="solid"/>
+                      <a:round/>
+                      <a:headEnd type="none" w="med" len="med"/>
+                      <a:tailEnd type="none" w="med" len="med"/>
+                    </a:lnR>
+                    <a:lnT w="9525" cap="flat" cmpd="sng" algn="ctr">
+                      <a:solidFill>
+                        <a:srgbClr val="4B5362"/>
+                      </a:solidFill>
+                      <a:prstDash val="solid"/>
+                      <a:round/>
+                      <a:headEnd type="none" w="med" len="med"/>
+                      <a:tailEnd type="none" w="med" len="med"/>
+                    </a:lnT>
+                    <a:lnB w="9525" cap="flat" cmpd="sng" algn="ctr">
+                      <a:solidFill>
+                        <a:srgbClr val="4B5362"/>
+                      </a:solidFill>
+                      <a:prstDash val="solid"/>
+                      <a:round/>
+                      <a:headEnd type="none" w="med" len="med"/>
+                      <a:tailEnd type="none" w="med" len="med"/>
+                    </a:lnB>
+                  </a:tcPr>
+                </a:tc>
+                <a:tc>
+                  <a:txBody>
+                    <a:bodyPr/>
+                    <a:lstStyle/>
+                    <a:p>
+                      <a:pPr algn="ctr"/>
+                      <a:r>
+                        <a:rPr lang="en-US" altLang="zh-CN">
+                          <a:effectLst/>
+                        </a:rPr>
+                        <a:t>4</a:t>
+                      </a:r>
+                    </a:p>
+                  </a:txBody>
+                  <a:tcPr anchor="ctr">
+                    <a:lnL w="9525" cap="flat" cmpd="sng" algn="ctr">
+                      <a:solidFill>
+                        <a:srgbClr val="4B5362"/>
+                      </a:solidFill>
+                      <a:prstDash val="solid"/>
+                      <a:round/>
+                      <a:headEnd type="none" w="med" len="med"/>
+                      <a:tailEnd type="none" w="med" len="med"/>
+                    </a:lnL>
+                    <a:lnR w="9525" cap="flat" cmpd="sng" algn="ctr">
+                      <a:solidFill>
+                        <a:srgbClr val="4B5362"/>
+                      </a:solidFill>
+                      <a:prstDash val="solid"/>
+                      <a:round/>
+                      <a:headEnd type="none" w="med" len="med"/>
+                      <a:tailEnd type="none" w="med" len="med"/>
+                    </a:lnR>
+                    <a:lnT w="9525" cap="flat" cmpd="sng" algn="ctr">
+                      <a:solidFill>
+                        <a:srgbClr val="4B5362"/>
+                      </a:solidFill>
+                      <a:prstDash val="solid"/>
+                      <a:round/>
+                      <a:headEnd type="none" w="med" len="med"/>
+                      <a:tailEnd type="none" w="med" len="med"/>
+                    </a:lnT>
+                    <a:lnB w="9525" cap="flat" cmpd="sng" algn="ctr">
+                      <a:solidFill>
+                        <a:srgbClr val="4B5362"/>
+                      </a:solidFill>
+                      <a:prstDash val="solid"/>
+                      <a:round/>
+                      <a:headEnd type="none" w="med" len="med"/>
+                      <a:tailEnd type="none" w="med" len="med"/>
+                    </a:lnB>
+                  </a:tcPr>
+                </a:tc>
+                <a:tc>
+                  <a:txBody>
+                    <a:bodyPr/>
+                    <a:lstStyle/>
+                    <a:p>
+                      <a:pPr algn="ctr"/>
+                      <a:r>
+                        <a:rPr lang="en-US" altLang="zh-CN">
+                          <a:effectLst/>
+                        </a:rPr>
+                        <a:t>2</a:t>
+                      </a:r>
+                    </a:p>
+                  </a:txBody>
+                  <a:tcPr anchor="ctr">
+                    <a:lnL w="9525" cap="flat" cmpd="sng" algn="ctr">
+                      <a:solidFill>
+                        <a:srgbClr val="4B5362"/>
+                      </a:solidFill>
+                      <a:prstDash val="solid"/>
+                      <a:round/>
+                      <a:headEnd type="none" w="med" len="med"/>
+                      <a:tailEnd type="none" w="med" len="med"/>
+                    </a:lnL>
+                    <a:lnR w="9525" cap="flat" cmpd="sng" algn="ctr">
+                      <a:solidFill>
+                        <a:srgbClr val="4B5362"/>
+                      </a:solidFill>
+                      <a:prstDash val="solid"/>
+                      <a:round/>
+                      <a:headEnd type="none" w="med" len="med"/>
+                      <a:tailEnd type="none" w="med" len="med"/>
+                    </a:lnR>
+                    <a:lnT w="9525" cap="flat" cmpd="sng" algn="ctr">
+                      <a:solidFill>
+                        <a:srgbClr val="4B5362"/>
+                      </a:solidFill>
+                      <a:prstDash val="solid"/>
+                      <a:round/>
+                      <a:headEnd type="none" w="med" len="med"/>
+                      <a:tailEnd type="none" w="med" len="med"/>
+                    </a:lnT>
+                    <a:lnB w="9525" cap="flat" cmpd="sng" algn="ctr">
+                      <a:solidFill>
+                        <a:srgbClr val="4B5362"/>
+                      </a:solidFill>
+                      <a:prstDash val="solid"/>
+                      <a:round/>
+                      <a:headEnd type="none" w="med" len="med"/>
+                      <a:tailEnd type="none" w="med" len="med"/>
+                    </a:lnB>
+                  </a:tcPr>
+                </a:tc>
+                <a:tc>
+                  <a:txBody>
+                    <a:bodyPr/>
+                    <a:lstStyle/>
+                    <a:p>
+                      <a:pPr algn="ctr"/>
+                      <a:r>
+                        <a:rPr lang="en-US" altLang="zh-CN">
+                          <a:effectLst/>
+                        </a:rPr>
+                        <a:t>2</a:t>
+                      </a:r>
+                    </a:p>
+                  </a:txBody>
+                  <a:tcPr anchor="ctr">
+                    <a:lnL w="9525" cap="flat" cmpd="sng" algn="ctr">
+                      <a:solidFill>
+                        <a:srgbClr val="4B5362"/>
+                      </a:solidFill>
+                      <a:prstDash val="solid"/>
+                      <a:round/>
+                      <a:headEnd type="none" w="med" len="med"/>
+                      <a:tailEnd type="none" w="med" len="med"/>
+                    </a:lnL>
+                    <a:lnR w="9525" cap="flat" cmpd="sng" algn="ctr">
+                      <a:solidFill>
+                        <a:srgbClr val="4B5362"/>
+                      </a:solidFill>
+                      <a:prstDash val="solid"/>
+                      <a:round/>
+                      <a:headEnd type="none" w="med" len="med"/>
+                      <a:tailEnd type="none" w="med" len="med"/>
+                    </a:lnR>
+                    <a:lnT w="9525" cap="flat" cmpd="sng" algn="ctr">
+                      <a:solidFill>
+                        <a:srgbClr val="4B5362"/>
+                      </a:solidFill>
+                      <a:prstDash val="solid"/>
+                      <a:round/>
+                      <a:headEnd type="none" w="med" len="med"/>
+                      <a:tailEnd type="none" w="med" len="med"/>
+                    </a:lnT>
+                    <a:lnB w="9525" cap="flat" cmpd="sng" algn="ctr">
+                      <a:solidFill>
+                        <a:srgbClr val="4B5362"/>
+                      </a:solidFill>
+                      <a:prstDash val="solid"/>
+                      <a:round/>
+                      <a:headEnd type="none" w="med" len="med"/>
+                      <a:tailEnd type="none" w="med" len="med"/>
+                    </a:lnB>
+                  </a:tcPr>
+                </a:tc>
+                <a:tc>
+                  <a:txBody>
+                    <a:bodyPr/>
+                    <a:lstStyle/>
+                    <a:p>
+                      <a:pPr algn="ctr"/>
+                      <a:r>
+                        <a:rPr lang="en-US" altLang="zh-CN">
+                          <a:effectLst/>
+                        </a:rPr>
+                        <a:t>2</a:t>
+                      </a:r>
+                    </a:p>
+                  </a:txBody>
+                  <a:tcPr anchor="ctr">
+                    <a:lnL w="9525" cap="flat" cmpd="sng" algn="ctr">
+                      <a:solidFill>
+                        <a:srgbClr val="4B5362"/>
+                      </a:solidFill>
+                      <a:prstDash val="solid"/>
+                      <a:round/>
+                      <a:headEnd type="none" w="med" len="med"/>
+                      <a:tailEnd type="none" w="med" len="med"/>
+                    </a:lnL>
+                    <a:lnR w="9525" cap="flat" cmpd="sng" algn="ctr">
+                      <a:solidFill>
+                        <a:srgbClr val="4B5362"/>
+                      </a:solidFill>
+                      <a:prstDash val="solid"/>
+                      <a:round/>
+                      <a:headEnd type="none" w="med" len="med"/>
+                      <a:tailEnd type="none" w="med" len="med"/>
+                    </a:lnR>
+                    <a:lnT w="9525" cap="flat" cmpd="sng" algn="ctr">
+                      <a:solidFill>
+                        <a:srgbClr val="4B5362"/>
+                      </a:solidFill>
+                      <a:prstDash val="solid"/>
+                      <a:round/>
+                      <a:headEnd type="none" w="med" len="med"/>
+                      <a:tailEnd type="none" w="med" len="med"/>
+                    </a:lnT>
+                    <a:lnB w="9525" cap="flat" cmpd="sng" algn="ctr">
+                      <a:solidFill>
+                        <a:srgbClr val="4B5362"/>
+                      </a:solidFill>
+                      <a:prstDash val="solid"/>
+                      <a:round/>
+                      <a:headEnd type="none" w="med" len="med"/>
+                      <a:tailEnd type="none" w="med" len="med"/>
+                    </a:lnB>
+                  </a:tcPr>
+                </a:tc>
+                <a:extLst>
+                  <a:ext uri="{0D108BD9-81ED-4DB2-BD59-A6C34878D82A}">
+                    <a16:rowId xmlns:a16="http://schemas.microsoft.com/office/drawing/2014/main" val="2126633583"/>
+                  </a:ext>
+                </a:extLst>
+              </a:tr>
+              <a:tr h="0">
+                <a:tc>
+                  <a:txBody>
+                    <a:bodyPr/>
+                    <a:lstStyle/>
+                    <a:p>
+                      <a:pPr algn="ctr"/>
+                      <a:r>
+                        <a:rPr lang="en-US">
+                          <a:effectLst/>
+                        </a:rPr>
+                        <a:t>GC</a:t>
+                      </a:r>
+                      <a:r>
+                        <a:rPr lang="zh-CN" altLang="en-US">
+                          <a:effectLst/>
+                        </a:rPr>
+                        <a:t>类型</a:t>
+                      </a:r>
+                    </a:p>
+                  </a:txBody>
+                  <a:tcPr anchor="ctr">
+                    <a:lnL w="9525" cap="flat" cmpd="sng" algn="ctr">
+                      <a:solidFill>
+                        <a:srgbClr val="4B5362"/>
+                      </a:solidFill>
+                      <a:prstDash val="solid"/>
+                      <a:round/>
+                      <a:headEnd type="none" w="med" len="med"/>
+                      <a:tailEnd type="none" w="med" len="med"/>
+                    </a:lnL>
+                    <a:lnR w="9525" cap="flat" cmpd="sng" algn="ctr">
+                      <a:solidFill>
+                        <a:srgbClr val="4B5362"/>
+                      </a:solidFill>
+                      <a:prstDash val="solid"/>
+                      <a:round/>
+                      <a:headEnd type="none" w="med" len="med"/>
+                      <a:tailEnd type="none" w="med" len="med"/>
+                    </a:lnR>
+                    <a:lnT w="9525" cap="flat" cmpd="sng" algn="ctr">
+                      <a:solidFill>
+                        <a:srgbClr val="4B5362"/>
+                      </a:solidFill>
+                      <a:prstDash val="solid"/>
+                      <a:round/>
+                      <a:headEnd type="none" w="med" len="med"/>
+                      <a:tailEnd type="none" w="med" len="med"/>
+                    </a:lnT>
+                    <a:lnB w="9525" cap="flat" cmpd="sng" algn="ctr">
+                      <a:solidFill>
+                        <a:srgbClr val="4B5362"/>
+                      </a:solidFill>
+                      <a:prstDash val="solid"/>
+                      <a:round/>
+                      <a:headEnd type="none" w="med" len="med"/>
+                      <a:tailEnd type="none" w="med" len="med"/>
+                    </a:lnB>
+                  </a:tcPr>
+                </a:tc>
+                <a:tc>
+                  <a:txBody>
+                    <a:bodyPr/>
+                    <a:lstStyle/>
+                    <a:p>
+                      <a:pPr algn="ctr"/>
+                      <a:r>
+                        <a:rPr lang="en-US">
+                          <a:effectLst/>
+                        </a:rPr>
+                        <a:t>3 Gens GC</a:t>
+                      </a:r>
+                      <a:br>
+                        <a:rPr lang="en-US">
+                          <a:effectLst/>
+                        </a:rPr>
+                      </a:br>
+                      <a:r>
+                        <a:rPr lang="en-US">
+                          <a:effectLst/>
+                        </a:rPr>
+                        <a:t>(gen0, 1: Marked-Compact, STW; gen2: Marked-Sweep)</a:t>
+                      </a:r>
+                    </a:p>
+                  </a:txBody>
+                  <a:tcPr anchor="ctr">
+                    <a:lnL w="9525" cap="flat" cmpd="sng" algn="ctr">
+                      <a:solidFill>
+                        <a:srgbClr val="4B5362"/>
+                      </a:solidFill>
+                      <a:prstDash val="solid"/>
+                      <a:round/>
+                      <a:headEnd type="none" w="med" len="med"/>
+                      <a:tailEnd type="none" w="med" len="med"/>
+                    </a:lnL>
+                    <a:lnR w="9525" cap="flat" cmpd="sng" algn="ctr">
+                      <a:solidFill>
+                        <a:srgbClr val="4B5362"/>
+                      </a:solidFill>
+                      <a:prstDash val="solid"/>
+                      <a:round/>
+                      <a:headEnd type="none" w="med" len="med"/>
+                      <a:tailEnd type="none" w="med" len="med"/>
+                    </a:lnR>
+                    <a:lnT w="9525" cap="flat" cmpd="sng" algn="ctr">
+                      <a:solidFill>
+                        <a:srgbClr val="4B5362"/>
+                      </a:solidFill>
+                      <a:prstDash val="solid"/>
+                      <a:round/>
+                      <a:headEnd type="none" w="med" len="med"/>
+                      <a:tailEnd type="none" w="med" len="med"/>
+                    </a:lnT>
+                    <a:lnB w="9525" cap="flat" cmpd="sng" algn="ctr">
+                      <a:solidFill>
+                        <a:srgbClr val="4B5362"/>
+                      </a:solidFill>
+                      <a:prstDash val="solid"/>
+                      <a:round/>
+                      <a:headEnd type="none" w="med" len="med"/>
+                      <a:tailEnd type="none" w="med" len="med"/>
+                    </a:lnB>
+                  </a:tcPr>
+                </a:tc>
+                <a:tc>
+                  <a:txBody>
+                    <a:bodyPr/>
+                    <a:lstStyle/>
+                    <a:p>
+                      <a:pPr algn="ctr"/>
+                      <a:r>
+                        <a:rPr lang="en-US">
+                          <a:effectLst/>
+                        </a:rPr>
+                        <a:t>SGen</a:t>
+                      </a:r>
+                      <a:br>
+                        <a:rPr lang="en-US">
+                          <a:effectLst/>
+                        </a:rPr>
+                      </a:br>
+                      <a:r>
+                        <a:rPr lang="en-US">
+                          <a:effectLst/>
+                        </a:rPr>
+                        <a:t>(gen0:Copying; gen1:Marked-Sweep)</a:t>
+                      </a:r>
+                    </a:p>
+                  </a:txBody>
+                  <a:tcPr anchor="ctr">
+                    <a:lnL w="9525" cap="flat" cmpd="sng" algn="ctr">
+                      <a:solidFill>
+                        <a:srgbClr val="4B5362"/>
+                      </a:solidFill>
+                      <a:prstDash val="solid"/>
+                      <a:round/>
+                      <a:headEnd type="none" w="med" len="med"/>
+                      <a:tailEnd type="none" w="med" len="med"/>
+                    </a:lnL>
+                    <a:lnR w="9525" cap="flat" cmpd="sng" algn="ctr">
+                      <a:solidFill>
+                        <a:srgbClr val="4B5362"/>
+                      </a:solidFill>
+                      <a:prstDash val="solid"/>
+                      <a:round/>
+                      <a:headEnd type="none" w="med" len="med"/>
+                      <a:tailEnd type="none" w="med" len="med"/>
+                    </a:lnR>
+                    <a:lnT w="9525" cap="flat" cmpd="sng" algn="ctr">
+                      <a:solidFill>
+                        <a:srgbClr val="4B5362"/>
+                      </a:solidFill>
+                      <a:prstDash val="solid"/>
+                      <a:round/>
+                      <a:headEnd type="none" w="med" len="med"/>
+                      <a:tailEnd type="none" w="med" len="med"/>
+                    </a:lnT>
+                    <a:lnB w="9525" cap="flat" cmpd="sng" algn="ctr">
+                      <a:solidFill>
+                        <a:srgbClr val="4B5362"/>
+                      </a:solidFill>
+                      <a:prstDash val="solid"/>
+                      <a:round/>
+                      <a:headEnd type="none" w="med" len="med"/>
+                      <a:tailEnd type="none" w="med" len="med"/>
+                    </a:lnB>
+                  </a:tcPr>
+                </a:tc>
+                <a:tc>
+                  <a:txBody>
+                    <a:bodyPr/>
+                    <a:lstStyle/>
+                    <a:p>
+                      <a:pPr algn="ctr"/>
+                      <a:r>
+                        <a:rPr lang="en-US">
+                          <a:effectLst/>
+                        </a:rPr>
+                        <a:t>Boehm</a:t>
+                      </a:r>
+                    </a:p>
+                  </a:txBody>
+                  <a:tcPr anchor="ctr">
+                    <a:lnL w="9525" cap="flat" cmpd="sng" algn="ctr">
+                      <a:solidFill>
+                        <a:srgbClr val="4B5362"/>
+                      </a:solidFill>
+                      <a:prstDash val="solid"/>
+                      <a:round/>
+                      <a:headEnd type="none" w="med" len="med"/>
+                      <a:tailEnd type="none" w="med" len="med"/>
+                    </a:lnL>
+                    <a:lnR w="9525" cap="flat" cmpd="sng" algn="ctr">
+                      <a:solidFill>
+                        <a:srgbClr val="4B5362"/>
+                      </a:solidFill>
+                      <a:prstDash val="solid"/>
+                      <a:round/>
+                      <a:headEnd type="none" w="med" len="med"/>
+                      <a:tailEnd type="none" w="med" len="med"/>
+                    </a:lnR>
+                    <a:lnT w="9525" cap="flat" cmpd="sng" algn="ctr">
+                      <a:solidFill>
+                        <a:srgbClr val="4B5362"/>
+                      </a:solidFill>
+                      <a:prstDash val="solid"/>
+                      <a:round/>
+                      <a:headEnd type="none" w="med" len="med"/>
+                      <a:tailEnd type="none" w="med" len="med"/>
+                    </a:lnT>
+                    <a:lnB w="9525" cap="flat" cmpd="sng" algn="ctr">
+                      <a:solidFill>
+                        <a:srgbClr val="4B5362"/>
+                      </a:solidFill>
+                      <a:prstDash val="solid"/>
+                      <a:round/>
+                      <a:headEnd type="none" w="med" len="med"/>
+                      <a:tailEnd type="none" w="med" len="med"/>
+                    </a:lnB>
+                  </a:tcPr>
+                </a:tc>
+                <a:tc>
+                  <a:txBody>
+                    <a:bodyPr/>
+                    <a:lstStyle/>
+                    <a:p>
+                      <a:pPr algn="ctr"/>
+                      <a:r>
+                        <a:rPr lang="en-US">
+                          <a:effectLst/>
+                        </a:rPr>
+                        <a:t>Boehm</a:t>
+                      </a:r>
+                    </a:p>
+                  </a:txBody>
+                  <a:tcPr anchor="ctr">
+                    <a:lnL w="9525" cap="flat" cmpd="sng" algn="ctr">
+                      <a:solidFill>
+                        <a:srgbClr val="4B5362"/>
+                      </a:solidFill>
+                      <a:prstDash val="solid"/>
+                      <a:round/>
+                      <a:headEnd type="none" w="med" len="med"/>
+                      <a:tailEnd type="none" w="med" len="med"/>
+                    </a:lnL>
+                    <a:lnR w="9525" cap="flat" cmpd="sng" algn="ctr">
+                      <a:solidFill>
+                        <a:srgbClr val="4B5362"/>
+                      </a:solidFill>
+                      <a:prstDash val="solid"/>
+                      <a:round/>
+                      <a:headEnd type="none" w="med" len="med"/>
+                      <a:tailEnd type="none" w="med" len="med"/>
+                    </a:lnR>
+                    <a:lnT w="9525" cap="flat" cmpd="sng" algn="ctr">
+                      <a:solidFill>
+                        <a:srgbClr val="4B5362"/>
+                      </a:solidFill>
+                      <a:prstDash val="solid"/>
+                      <a:round/>
+                      <a:headEnd type="none" w="med" len="med"/>
+                      <a:tailEnd type="none" w="med" len="med"/>
+                    </a:lnT>
+                    <a:lnB w="9525" cap="flat" cmpd="sng" algn="ctr">
+                      <a:solidFill>
+                        <a:srgbClr val="4B5362"/>
+                      </a:solidFill>
+                      <a:prstDash val="solid"/>
+                      <a:round/>
+                      <a:headEnd type="none" w="med" len="med"/>
+                      <a:tailEnd type="none" w="med" len="med"/>
+                    </a:lnB>
+                  </a:tcPr>
+                </a:tc>
+                <a:tc>
+                  <a:txBody>
+                    <a:bodyPr/>
+                    <a:lstStyle/>
+                    <a:p>
+                      <a:pPr algn="ctr"/>
+                      <a:r>
+                        <a:rPr lang="en-US" dirty="0">
+                          <a:effectLst/>
+                        </a:rPr>
+                        <a:t>Boehm</a:t>
+                      </a:r>
+                    </a:p>
+                  </a:txBody>
+                  <a:tcPr anchor="ctr">
+                    <a:lnL w="9525" cap="flat" cmpd="sng" algn="ctr">
+                      <a:solidFill>
+                        <a:srgbClr val="4B5362"/>
+                      </a:solidFill>
+                      <a:prstDash val="solid"/>
+                      <a:round/>
+                      <a:headEnd type="none" w="med" len="med"/>
+                      <a:tailEnd type="none" w="med" len="med"/>
+                    </a:lnL>
+                    <a:lnR w="9525" cap="flat" cmpd="sng" algn="ctr">
+                      <a:solidFill>
+                        <a:srgbClr val="4B5362"/>
+                      </a:solidFill>
+                      <a:prstDash val="solid"/>
+                      <a:round/>
+                      <a:headEnd type="none" w="med" len="med"/>
+                      <a:tailEnd type="none" w="med" len="med"/>
+                    </a:lnR>
+                    <a:lnT w="9525" cap="flat" cmpd="sng" algn="ctr">
+                      <a:solidFill>
+                        <a:srgbClr val="4B5362"/>
+                      </a:solidFill>
+                      <a:prstDash val="solid"/>
+                      <a:round/>
+                      <a:headEnd type="none" w="med" len="med"/>
+                      <a:tailEnd type="none" w="med" len="med"/>
+                    </a:lnT>
+                    <a:lnB w="9525" cap="flat" cmpd="sng" algn="ctr">
+                      <a:solidFill>
+                        <a:srgbClr val="4B5362"/>
+                      </a:solidFill>
+                      <a:prstDash val="solid"/>
+                      <a:round/>
+                      <a:headEnd type="none" w="med" len="med"/>
+                      <a:tailEnd type="none" w="med" len="med"/>
+                    </a:lnB>
+                  </a:tcPr>
+                </a:tc>
+                <a:extLst>
+                  <a:ext uri="{0D108BD9-81ED-4DB2-BD59-A6C34878D82A}">
+                    <a16:rowId xmlns:a16="http://schemas.microsoft.com/office/drawing/2014/main" val="1930938062"/>
+                  </a:ext>
+                </a:extLst>
+              </a:tr>
+            </a:tbl>
+          </a:graphicData>
+        </a:graphic>
+      </p:graphicFrame>
+      <p:sp>
+        <p:nvSpPr>
+          <p:cNvPr id="5" name="矩形 4"/>
+          <p:cNvSpPr/>
+          <p:nvPr/>
+        </p:nvSpPr>
+        <p:spPr>
+          <a:xfrm>
+            <a:off x="5652609" y="3244334"/>
+            <a:ext cx="886781" cy="369332"/>
+          </a:xfrm>
+          <a:prstGeom prst="rect">
+            <a:avLst/>
+          </a:prstGeom>
+        </p:spPr>
+        <p:txBody>
+          <a:bodyPr wrap="none">
+            <a:spAutoFit/>
+          </a:bodyPr>
+          <a:lstStyle/>
+          <a:p>
+            <a:r>
+              <a:rPr lang="en-US" altLang="zh-CN" b="1" i="0" dirty="0" err="1">
+                <a:solidFill>
+                  <a:srgbClr val="FFFFFF"/>
+                </a:solidFill>
+                <a:effectLst/>
+                <a:latin typeface=".SFNSText-Regular"/>
+              </a:rPr>
+              <a:t>RyuJIT</a:t>
+            </a:r>
+            <a:endParaRPr lang="zh-CN" altLang="en-US" dirty="0"/>
+          </a:p>
+        </p:txBody>
+      </p:sp>
+    </p:spTree>
+    <p:extLst>
+      <p:ext uri="{BB962C8B-B14F-4D97-AF65-F5344CB8AC3E}">
+        <p14:creationId xmlns:p14="http://schemas.microsoft.com/office/powerpoint/2010/main" val="918287546"/>
+      </p:ext>
+    </p:extLst>
+  </p:cSld>
+  <p:clrMapOvr>
+    <a:masterClrMapping/>
+  </p:clrMapOvr>
+</p:sld>
+</file>
+
+<file path=ppt/slides/slide5.xml><?xml version="1.0" encoding="utf-8"?>
+<p:sld xmlns:a="http://schemas.openxmlformats.org/drawingml/2006/main" xmlns:r="http://schemas.openxmlformats.org/officeDocument/2006/relationships" xmlns:p="http://schemas.openxmlformats.org/presentationml/2006/main">
+  <p:cSld>
+    <p:spTree>
+      <p:nvGrpSpPr>
+        <p:cNvPr id="1" name=""/>
+        <p:cNvGrpSpPr/>
+        <p:nvPr/>
+      </p:nvGrpSpPr>
+      <p:grpSpPr>
+        <a:xfrm>
+          <a:off x="0" y="0"/>
+          <a:ext cx="0" cy="0"/>
+          <a:chOff x="0" y="0"/>
+          <a:chExt cx="0" cy="0"/>
+        </a:xfrm>
+      </p:grpSpPr>
+      <p:sp>
+        <p:nvSpPr>
+          <p:cNvPr id="2" name="标题 1"/>
+          <p:cNvSpPr>
+            <a:spLocks noGrp="1"/>
+          </p:cNvSpPr>
+          <p:nvPr>
+            <p:ph type="title"/>
+          </p:nvPr>
+        </p:nvSpPr>
+        <p:spPr/>
+        <p:txBody>
+          <a:bodyPr/>
+          <a:lstStyle/>
+          <a:p>
+            <a:r>
+              <a:rPr lang="zh-CN" altLang="en-US" dirty="0"/>
+              <a:t>命名规范</a:t>
+            </a:r>
+            <a:r>
+              <a:rPr lang="en-US" altLang="zh-CN" dirty="0"/>
+              <a:t>/</a:t>
+            </a:r>
+            <a:r>
+              <a:rPr lang="zh-CN" altLang="en-US" dirty="0"/>
+              <a:t>约定</a:t>
+            </a:r>
+          </a:p>
+        </p:txBody>
+      </p:sp>
+      <p:sp>
+        <p:nvSpPr>
+          <p:cNvPr id="3" name="内容占位符 2"/>
+          <p:cNvSpPr>
+            <a:spLocks noGrp="1"/>
+          </p:cNvSpPr>
+          <p:nvPr>
+            <p:ph idx="1"/>
+          </p:nvPr>
+        </p:nvSpPr>
+        <p:spPr/>
+        <p:txBody>
+          <a:bodyPr>
+            <a:normAutofit/>
+          </a:bodyPr>
+          <a:lstStyle/>
+          <a:p>
+            <a:pPr marL="0" indent="0">
+              <a:buNone/>
+            </a:pPr>
+            <a:r>
+              <a:rPr lang="zh-CN" altLang="en-US" dirty="0"/>
+              <a:t>在微软官方的命名规范中，仅有两种命名约定被使用：</a:t>
+            </a:r>
+            <a:endParaRPr lang="en-US" altLang="zh-CN" dirty="0"/>
+          </a:p>
+          <a:p>
+            <a:r>
+              <a:rPr lang="en-US" altLang="zh-CN" dirty="0" err="1"/>
+              <a:t>PascalCasing</a:t>
+            </a:r>
+            <a:endParaRPr lang="en-US" altLang="zh-CN" dirty="0"/>
+          </a:p>
+          <a:p>
+            <a:pPr lvl="1"/>
+            <a:r>
+              <a:rPr lang="zh-CN" altLang="en-US" dirty="0"/>
+              <a:t>每个单词首字母大写</a:t>
+            </a:r>
+            <a:endParaRPr lang="en-US" altLang="zh-CN" dirty="0"/>
+          </a:p>
+          <a:p>
+            <a:pPr lvl="1"/>
+            <a:r>
+              <a:rPr lang="zh-CN" altLang="en-US" dirty="0"/>
+              <a:t>适用于方法参数以外的大多数情景</a:t>
+            </a:r>
+            <a:endParaRPr lang="en-US" altLang="zh-CN" dirty="0"/>
+          </a:p>
+          <a:p>
+            <a:r>
+              <a:rPr lang="en-US" altLang="zh-CN" dirty="0" err="1"/>
+              <a:t>camelCasing</a:t>
+            </a:r>
+            <a:endParaRPr lang="en-US" altLang="zh-CN" dirty="0"/>
+          </a:p>
+          <a:p>
+            <a:pPr lvl="1"/>
+            <a:r>
+              <a:rPr lang="zh-CN" altLang="en-US" dirty="0"/>
+              <a:t>第一个单词首字母小写</a:t>
+            </a:r>
+            <a:endParaRPr lang="en-US" altLang="zh-CN" dirty="0"/>
+          </a:p>
+          <a:p>
+            <a:pPr lvl="1"/>
+            <a:r>
+              <a:rPr lang="zh-CN" altLang="en-US" dirty="0"/>
+              <a:t>仅适用于参数</a:t>
+            </a:r>
+            <a:endParaRPr lang="en-US" altLang="zh-CN" dirty="0"/>
+          </a:p>
+          <a:p>
+            <a:pPr lvl="1"/>
+            <a:endParaRPr lang="en-US" altLang="zh-CN" dirty="0"/>
+          </a:p>
+          <a:p>
+            <a:pPr marL="0" indent="0">
+              <a:buNone/>
+            </a:pPr>
+            <a:endParaRPr lang="en-US" altLang="zh-CN" dirty="0"/>
+          </a:p>
+        </p:txBody>
+      </p:sp>
+    </p:spTree>
+    <p:extLst>
+      <p:ext uri="{BB962C8B-B14F-4D97-AF65-F5344CB8AC3E}">
+        <p14:creationId xmlns:p14="http://schemas.microsoft.com/office/powerpoint/2010/main" val="2283791837"/>
+      </p:ext>
+    </p:extLst>
+  </p:cSld>
+  <p:clrMapOvr>
+    <a:masterClrMapping/>
+  </p:clrMapOvr>
+</p:sld>
+</file>
+
+<file path=ppt/slides/slide6.xml><?xml version="1.0" encoding="utf-8"?>
+<p:sld xmlns:a="http://schemas.openxmlformats.org/drawingml/2006/main" xmlns:r="http://schemas.openxmlformats.org/officeDocument/2006/relationships" xmlns:p="http://schemas.openxmlformats.org/presentationml/2006/main">
+  <p:cSld>
+    <p:spTree>
+      <p:nvGrpSpPr>
+        <p:cNvPr id="1" name=""/>
+        <p:cNvGrpSpPr/>
+        <p:nvPr/>
+      </p:nvGrpSpPr>
+      <p:grpSpPr>
+        <a:xfrm>
+          <a:off x="0" y="0"/>
+          <a:ext cx="0" cy="0"/>
+          <a:chOff x="0" y="0"/>
+          <a:chExt cx="0" cy="0"/>
+        </a:xfrm>
+      </p:grpSpPr>
+      <p:sp>
+        <p:nvSpPr>
+          <p:cNvPr id="2" name="标题 1"/>
+          <p:cNvSpPr>
+            <a:spLocks noGrp="1"/>
+          </p:cNvSpPr>
+          <p:nvPr>
+            <p:ph type="title"/>
+          </p:nvPr>
+        </p:nvSpPr>
+        <p:spPr/>
+        <p:txBody>
+          <a:bodyPr/>
+          <a:lstStyle/>
+          <a:p>
+            <a:r>
+              <a:rPr lang="zh-CN" altLang="en-US" dirty="0"/>
+              <a:t>命名规范</a:t>
+            </a:r>
+            <a:r>
+              <a:rPr lang="en-US" altLang="zh-CN" dirty="0"/>
+              <a:t>/</a:t>
+            </a:r>
+            <a:r>
+              <a:rPr lang="zh-CN" altLang="en-US" dirty="0"/>
+              <a:t>约定</a:t>
+            </a:r>
+          </a:p>
+        </p:txBody>
+      </p:sp>
+      <p:sp>
+        <p:nvSpPr>
+          <p:cNvPr id="3" name="内容占位符 2"/>
+          <p:cNvSpPr>
+            <a:spLocks noGrp="1"/>
+          </p:cNvSpPr>
+          <p:nvPr>
+            <p:ph idx="1"/>
+          </p:nvPr>
+        </p:nvSpPr>
+        <p:spPr/>
+        <p:txBody>
+          <a:bodyPr>
+            <a:normAutofit lnSpcReduction="10000"/>
+          </a:bodyPr>
+          <a:lstStyle/>
+          <a:p>
+            <a:r>
+              <a:rPr lang="zh-CN" altLang="en-US" dirty="0"/>
+              <a:t>缩写词</a:t>
+            </a:r>
+            <a:endParaRPr lang="en-US" altLang="zh-CN" dirty="0"/>
+          </a:p>
+          <a:p>
+            <a:pPr lvl="1"/>
+            <a:r>
+              <a:rPr lang="zh-CN" altLang="en-US" dirty="0"/>
+              <a:t>双字母的缩写词，两个字母均大写，除非作为</a:t>
+            </a:r>
+            <a:r>
+              <a:rPr lang="en-US" altLang="zh-CN" dirty="0" err="1"/>
+              <a:t>camelCasing</a:t>
+            </a:r>
+            <a:r>
+              <a:rPr lang="zh-CN" altLang="en-US" dirty="0"/>
+              <a:t>的首字母</a:t>
+            </a:r>
+            <a:endParaRPr lang="en-US" altLang="zh-CN" dirty="0"/>
+          </a:p>
+          <a:p>
+            <a:pPr lvl="1"/>
+            <a:endParaRPr lang="en-US" altLang="zh-CN" dirty="0"/>
+          </a:p>
+          <a:p>
+            <a:pPr lvl="1"/>
+            <a:r>
+              <a:rPr lang="zh-CN" altLang="en-US" dirty="0"/>
+              <a:t>多字母缩写词，按照普通单词一样处理</a:t>
+            </a:r>
+            <a:endParaRPr lang="en-US" altLang="zh-CN" dirty="0"/>
+          </a:p>
+          <a:p>
+            <a:pPr lvl="1"/>
+            <a:endParaRPr lang="en-US" altLang="zh-CN" dirty="0"/>
+          </a:p>
+          <a:p>
+            <a:r>
+              <a:rPr lang="zh-CN" altLang="en-US" b="1" dirty="0"/>
+              <a:t>不要</a:t>
+            </a:r>
+            <a:r>
+              <a:rPr lang="zh-CN" altLang="en-US" dirty="0"/>
+              <a:t>使用大小写区分命名</a:t>
+            </a:r>
+            <a:endParaRPr lang="en-US" altLang="zh-CN" dirty="0"/>
+          </a:p>
+          <a:p>
+            <a:pPr marL="457200" lvl="1" indent="0">
+              <a:buNone/>
+            </a:pPr>
+            <a:r>
+              <a:rPr lang="zh-CN" altLang="en-US" dirty="0"/>
+              <a:t>部分语言不支持大小写</a:t>
+            </a:r>
+            <a:endParaRPr lang="en-US" altLang="zh-CN" dirty="0"/>
+          </a:p>
+          <a:p>
+            <a:r>
+              <a:rPr lang="zh-CN" altLang="en-US" b="1" dirty="0"/>
+              <a:t>不要</a:t>
+            </a:r>
+            <a:r>
+              <a:rPr lang="zh-CN" altLang="en-US" dirty="0"/>
+              <a:t>只使用大写字母命名</a:t>
+            </a:r>
+            <a:endParaRPr lang="en-US" altLang="zh-CN" dirty="0"/>
+          </a:p>
+          <a:p>
+            <a:r>
+              <a:rPr lang="zh-CN" altLang="en-US" b="1" dirty="0"/>
+              <a:t>不要</a:t>
+            </a:r>
+            <a:r>
+              <a:rPr lang="zh-CN" altLang="en-US" dirty="0"/>
+              <a:t>使用匈牙利命名法</a:t>
+            </a:r>
+            <a:endParaRPr lang="en-US" altLang="zh-CN" dirty="0"/>
+          </a:p>
+          <a:p>
+            <a:pPr marL="457200" lvl="1" indent="0">
+              <a:buNone/>
+            </a:pPr>
+            <a:r>
+              <a:rPr lang="en-US" altLang="zh-CN" dirty="0"/>
+              <a:t>IDE</a:t>
+            </a:r>
+            <a:r>
+              <a:rPr lang="zh-CN" altLang="en-US" dirty="0"/>
+              <a:t>能够帮你识别类型，何况</a:t>
+            </a:r>
+            <a:r>
+              <a:rPr lang="en-US" altLang="zh-CN" dirty="0"/>
+              <a:t>OOP</a:t>
+            </a:r>
+            <a:r>
+              <a:rPr lang="zh-CN" altLang="en-US" dirty="0"/>
+              <a:t>变量生存周期不会太长</a:t>
+            </a:r>
+            <a:endParaRPr lang="en-US" altLang="zh-CN" dirty="0"/>
+          </a:p>
+          <a:p>
+            <a:pPr lvl="1"/>
+            <a:endParaRPr lang="en-US" altLang="zh-CN" dirty="0"/>
+          </a:p>
+        </p:txBody>
+      </p:sp>
+    </p:spTree>
+    <p:extLst>
+      <p:ext uri="{BB962C8B-B14F-4D97-AF65-F5344CB8AC3E}">
+        <p14:creationId xmlns:p14="http://schemas.microsoft.com/office/powerpoint/2010/main" val="211221440"/>
+      </p:ext>
+    </p:extLst>
+  </p:cSld>
+  <p:clrMapOvr>
+    <a:masterClrMapping/>
+  </p:clrMapOvr>
+</p:sld>
+</file>
+
+<file path=ppt/slides/slide7.xml><?xml version="1.0" encoding="utf-8"?>
+<p:sld xmlns:a="http://schemas.openxmlformats.org/drawingml/2006/main" xmlns:r="http://schemas.openxmlformats.org/officeDocument/2006/relationships" xmlns:p="http://schemas.openxmlformats.org/presentationml/2006/main">
+  <p:cSld>
+    <p:spTree>
+      <p:nvGrpSpPr>
+        <p:cNvPr id="1" name=""/>
+        <p:cNvGrpSpPr/>
+        <p:nvPr/>
+      </p:nvGrpSpPr>
+      <p:grpSpPr>
+        <a:xfrm>
+          <a:off x="0" y="0"/>
+          <a:ext cx="0" cy="0"/>
+          <a:chOff x="0" y="0"/>
+          <a:chExt cx="0" cy="0"/>
+        </a:xfrm>
+      </p:grpSpPr>
+      <p:sp>
+        <p:nvSpPr>
+          <p:cNvPr id="2" name="标题 1"/>
+          <p:cNvSpPr>
+            <a:spLocks noGrp="1"/>
+          </p:cNvSpPr>
+          <p:nvPr>
+            <p:ph type="title"/>
+          </p:nvPr>
+        </p:nvSpPr>
+        <p:spPr/>
+        <p:txBody>
+          <a:bodyPr/>
+          <a:lstStyle/>
+          <a:p>
+            <a:r>
+              <a:rPr lang="zh-CN" altLang="en-US" dirty="0"/>
+              <a:t>命名规范</a:t>
+            </a:r>
+            <a:r>
+              <a:rPr lang="en-US" altLang="zh-CN" dirty="0"/>
+              <a:t>/</a:t>
+            </a:r>
+            <a:r>
+              <a:rPr lang="zh-CN" altLang="en-US" dirty="0"/>
+              <a:t>程序集与名字空间</a:t>
+            </a:r>
+          </a:p>
+        </p:txBody>
+      </p:sp>
+      <p:sp>
+        <p:nvSpPr>
+          <p:cNvPr id="3" name="内容占位符 2"/>
+          <p:cNvSpPr>
+            <a:spLocks noGrp="1"/>
+          </p:cNvSpPr>
+          <p:nvPr>
+            <p:ph idx="1"/>
+          </p:nvPr>
+        </p:nvSpPr>
+        <p:spPr/>
+        <p:txBody>
+          <a:bodyPr/>
+          <a:lstStyle/>
+          <a:p>
+            <a:r>
+              <a:rPr lang="zh-CN" altLang="en-US" dirty="0"/>
+              <a:t>程序集的命名通常遵循如下模式</a:t>
+            </a:r>
+            <a:endParaRPr lang="en-US" altLang="zh-CN" dirty="0"/>
+          </a:p>
+          <a:p>
+            <a:pPr marL="457200" lvl="1" indent="0">
+              <a:buNone/>
+            </a:pPr>
+            <a:r>
+              <a:rPr lang="en-US" altLang="zh-CN" dirty="0"/>
+              <a:t>&lt;Org&gt;.&lt;Component&gt;.</a:t>
+            </a:r>
+            <a:r>
+              <a:rPr lang="en-US" altLang="zh-CN" dirty="0" err="1"/>
+              <a:t>dll</a:t>
+            </a:r>
+            <a:endParaRPr lang="en-US" altLang="zh-CN" dirty="0"/>
+          </a:p>
+          <a:p>
+            <a:r>
+              <a:rPr lang="zh-CN" altLang="en-US" dirty="0"/>
+              <a:t>名字空间的命名通常遵循如下模式</a:t>
+            </a:r>
+            <a:endParaRPr lang="en-US" altLang="zh-CN" dirty="0"/>
+          </a:p>
+          <a:p>
+            <a:pPr marL="457200" lvl="1" indent="0">
+              <a:buNone/>
+            </a:pPr>
+            <a:r>
+              <a:rPr lang="en-US" altLang="zh-CN" dirty="0"/>
+              <a:t>&lt;Org&gt;.(&lt;Product&gt;|&lt;Technology&gt;)[.&lt;Feature&gt;][.&lt;</a:t>
+            </a:r>
+            <a:r>
+              <a:rPr lang="en-US" altLang="zh-CN" dirty="0" err="1"/>
+              <a:t>Subnamespace</a:t>
+            </a:r>
+            <a:r>
+              <a:rPr lang="en-US" altLang="zh-CN" dirty="0"/>
+              <a:t>&gt;]</a:t>
+            </a:r>
+          </a:p>
+          <a:p>
+            <a:r>
+              <a:rPr lang="zh-CN" altLang="en-US" b="1" dirty="0"/>
+              <a:t>要</a:t>
+            </a:r>
+            <a:r>
+              <a:rPr lang="zh-CN" altLang="en-US" dirty="0"/>
+              <a:t>使用命名空间，而非为类型添加前缀</a:t>
+            </a:r>
+            <a:endParaRPr lang="en-US" altLang="zh-CN" dirty="0"/>
+          </a:p>
+          <a:p>
+            <a:r>
+              <a:rPr lang="zh-CN" altLang="en-US" b="1" dirty="0"/>
+              <a:t>不要</a:t>
+            </a:r>
+            <a:r>
+              <a:rPr lang="zh-CN" altLang="en-US" dirty="0"/>
+              <a:t>使用相同的名字命名名字空间和其中的类型</a:t>
+            </a:r>
+            <a:endParaRPr lang="en-US" altLang="zh-CN" b="1" dirty="0"/>
+          </a:p>
+          <a:p>
+            <a:endParaRPr lang="zh-CN" altLang="en-US" dirty="0"/>
+          </a:p>
+        </p:txBody>
+      </p:sp>
+    </p:spTree>
+    <p:extLst>
+      <p:ext uri="{BB962C8B-B14F-4D97-AF65-F5344CB8AC3E}">
+        <p14:creationId xmlns:p14="http://schemas.microsoft.com/office/powerpoint/2010/main" val="3948458411"/>
+      </p:ext>
+    </p:extLst>
+  </p:cSld>
+  <p:clrMapOvr>
+    <a:masterClrMapping/>
+  </p:clrMapOvr>
+</p:sld>
+</file>
+
+<file path=ppt/slides/slide8.xml><?xml version="1.0" encoding="utf-8"?>
+<p:sld xmlns:a="http://schemas.openxmlformats.org/drawingml/2006/main" xmlns:r="http://schemas.openxmlformats.org/officeDocument/2006/relationships" xmlns:p="http://schemas.openxmlformats.org/presentationml/2006/main">
+  <p:cSld>
+    <p:spTree>
+      <p:nvGrpSpPr>
+        <p:cNvPr id="1" name=""/>
+        <p:cNvGrpSpPr/>
+        <p:nvPr/>
+      </p:nvGrpSpPr>
+      <p:grpSpPr>
+        <a:xfrm>
+          <a:off x="0" y="0"/>
+          <a:ext cx="0" cy="0"/>
+          <a:chOff x="0" y="0"/>
+          <a:chExt cx="0" cy="0"/>
+        </a:xfrm>
+      </p:grpSpPr>
+      <p:sp>
+        <p:nvSpPr>
+          <p:cNvPr id="2" name="标题 1"/>
+          <p:cNvSpPr>
+            <a:spLocks noGrp="1"/>
+          </p:cNvSpPr>
+          <p:nvPr>
+            <p:ph type="title"/>
+          </p:nvPr>
+        </p:nvSpPr>
+        <p:spPr/>
+        <p:txBody>
+          <a:bodyPr/>
+          <a:lstStyle/>
+          <a:p>
+            <a:r>
+              <a:rPr lang="zh-CN" altLang="en-US" dirty="0"/>
+              <a:t>命名规范</a:t>
+            </a:r>
+            <a:r>
+              <a:rPr lang="en-US" altLang="zh-CN" dirty="0"/>
+              <a:t>/</a:t>
+            </a:r>
+            <a:r>
+              <a:rPr lang="zh-CN" altLang="en-US" dirty="0"/>
+              <a:t>类型与泛型</a:t>
+            </a:r>
+          </a:p>
+        </p:txBody>
+      </p:sp>
+      <p:sp>
+        <p:nvSpPr>
+          <p:cNvPr id="3" name="内容占位符 2"/>
+          <p:cNvSpPr>
+            <a:spLocks noGrp="1"/>
+          </p:cNvSpPr>
+          <p:nvPr>
+            <p:ph idx="1"/>
+          </p:nvPr>
+        </p:nvSpPr>
+        <p:spPr/>
+        <p:txBody>
+          <a:bodyPr/>
+          <a:lstStyle/>
+          <a:p>
+            <a:r>
+              <a:rPr lang="zh-CN" altLang="en-US" b="1" dirty="0"/>
+              <a:t>要</a:t>
+            </a:r>
+            <a:r>
+              <a:rPr lang="zh-CN" altLang="en-US" dirty="0"/>
+              <a:t>使用名词词组为类型命名</a:t>
+            </a:r>
+            <a:endParaRPr lang="en-US" altLang="zh-CN" dirty="0"/>
+          </a:p>
+          <a:p>
+            <a:r>
+              <a:rPr lang="zh-CN" altLang="en-US" b="1" dirty="0"/>
+              <a:t>不要</a:t>
+            </a:r>
+            <a:r>
+              <a:rPr lang="zh-CN" altLang="en-US" dirty="0"/>
+              <a:t>使用前缀，除了接口应当使用字母</a:t>
+            </a:r>
+            <a:r>
+              <a:rPr lang="en-US" altLang="zh-CN" dirty="0"/>
+              <a:t>I</a:t>
+            </a:r>
+            <a:r>
+              <a:rPr lang="zh-CN" altLang="en-US" dirty="0"/>
+              <a:t>作为前缀</a:t>
+            </a:r>
+            <a:endParaRPr lang="en-US" altLang="zh-CN" dirty="0"/>
+          </a:p>
+          <a:p>
+            <a:pPr marL="457200" lvl="1" indent="0">
+              <a:buNone/>
+            </a:pPr>
+            <a:r>
+              <a:rPr lang="zh-CN" altLang="en-US" dirty="0"/>
+              <a:t>类的名字应当反映其使用情景而非层次结构。尤其组织、项目等名字不应当作为类型名字的前缀使用，因为这本来应当是名字空间的职责。</a:t>
+            </a:r>
+            <a:endParaRPr lang="en-US" altLang="zh-CN" dirty="0"/>
+          </a:p>
+          <a:p>
+            <a:r>
+              <a:rPr lang="zh-CN" altLang="en-US" b="1" dirty="0"/>
+              <a:t>要</a:t>
+            </a:r>
+            <a:r>
+              <a:rPr lang="zh-CN" altLang="en-US" dirty="0"/>
+              <a:t>使用字母</a:t>
+            </a:r>
+            <a:r>
+              <a:rPr lang="en-US" altLang="zh-CN" dirty="0"/>
+              <a:t>I</a:t>
+            </a:r>
+            <a:r>
+              <a:rPr lang="zh-CN" altLang="en-US" dirty="0"/>
+              <a:t>作为接口的前缀</a:t>
+            </a:r>
+            <a:endParaRPr lang="en-US" altLang="zh-CN" dirty="0"/>
+          </a:p>
+          <a:p>
+            <a:pPr marL="457200" lvl="1" indent="0">
+              <a:buNone/>
+            </a:pPr>
+            <a:r>
+              <a:rPr lang="zh-CN" altLang="en-US" dirty="0"/>
+              <a:t>当一个类是某个接口的标准实现时，两者的名字应当只相差一个前缀</a:t>
+            </a:r>
+            <a:r>
+              <a:rPr lang="en-US" altLang="zh-CN" dirty="0"/>
+              <a:t>I</a:t>
+            </a:r>
+          </a:p>
+          <a:p>
+            <a:r>
+              <a:rPr lang="zh-CN" altLang="en-US" b="1" dirty="0"/>
+              <a:t>要</a:t>
+            </a:r>
+            <a:r>
+              <a:rPr lang="zh-CN" altLang="en-US" dirty="0"/>
+              <a:t>使用描述性的名字命名泛型参数</a:t>
+            </a:r>
+            <a:endParaRPr lang="en-US" altLang="zh-CN" dirty="0"/>
+          </a:p>
+          <a:p>
+            <a:pPr marL="457200" lvl="1" indent="0">
+              <a:buNone/>
+            </a:pPr>
+            <a:r>
+              <a:rPr lang="zh-CN" altLang="en-US" dirty="0"/>
+              <a:t>然而如果只有一个泛型参数，通常直接使用字母</a:t>
+            </a:r>
+            <a:r>
+              <a:rPr lang="en-US" altLang="zh-CN" dirty="0"/>
+              <a:t>T</a:t>
+            </a:r>
+            <a:r>
+              <a:rPr lang="zh-CN" altLang="en-US" dirty="0"/>
+              <a:t>命名</a:t>
+            </a:r>
+            <a:endParaRPr lang="en-US" altLang="zh-CN" dirty="0"/>
+          </a:p>
+          <a:p>
+            <a:r>
+              <a:rPr lang="zh-CN" altLang="en-US" b="1" dirty="0"/>
+              <a:t>要</a:t>
+            </a:r>
+            <a:r>
+              <a:rPr lang="zh-CN" altLang="en-US" dirty="0"/>
+              <a:t>为泛型参数使用前缀</a:t>
+            </a:r>
+            <a:r>
+              <a:rPr lang="en-US" altLang="zh-CN" dirty="0"/>
+              <a:t>T</a:t>
+            </a:r>
+            <a:endParaRPr lang="en-US" altLang="zh-CN" b="1" dirty="0"/>
+          </a:p>
+          <a:p>
+            <a:pPr marL="457200" lvl="1" indent="0">
+              <a:buNone/>
+            </a:pPr>
+            <a:endParaRPr lang="en-US" altLang="zh-CN" dirty="0"/>
+          </a:p>
+        </p:txBody>
+      </p:sp>
+    </p:spTree>
+    <p:extLst>
+      <p:ext uri="{BB962C8B-B14F-4D97-AF65-F5344CB8AC3E}">
+        <p14:creationId xmlns:p14="http://schemas.microsoft.com/office/powerpoint/2010/main" val="409345393"/>
+      </p:ext>
+    </p:extLst>
+  </p:cSld>
+  <p:clrMapOvr>
+    <a:masterClrMapping/>
+  </p:clrMapOvr>
+</p:sld>
+</file>
+
+<file path=ppt/slides/slide9.xml><?xml version="1.0" encoding="utf-8"?>
+<p:sld xmlns:a="http://schemas.openxmlformats.org/drawingml/2006/main" xmlns:r="http://schemas.openxmlformats.org/officeDocument/2006/relationships" xmlns:p="http://schemas.openxmlformats.org/presentationml/2006/main">
+  <p:cSld>
+    <p:spTree>
+      <p:nvGrpSpPr>
+        <p:cNvPr id="1" name=""/>
+        <p:cNvGrpSpPr/>
+        <p:nvPr/>
+      </p:nvGrpSpPr>
+      <p:grpSpPr>
+        <a:xfrm>
+          <a:off x="0" y="0"/>
+          <a:ext cx="0" cy="0"/>
+          <a:chOff x="0" y="0"/>
+          <a:chExt cx="0" cy="0"/>
+        </a:xfrm>
+      </p:grpSpPr>
+      <p:sp>
+        <p:nvSpPr>
+          <p:cNvPr id="2" name="标题 1"/>
+          <p:cNvSpPr>
+            <a:spLocks noGrp="1"/>
+          </p:cNvSpPr>
+          <p:nvPr>
+            <p:ph type="title"/>
+          </p:nvPr>
+        </p:nvSpPr>
+        <p:spPr/>
+        <p:txBody>
+          <a:bodyPr/>
+          <a:lstStyle/>
+          <a:p>
+            <a:r>
+              <a:rPr lang="zh-CN" altLang="en-US" dirty="0"/>
+              <a:t>命名规范</a:t>
+            </a:r>
+            <a:r>
+              <a:rPr lang="en-US" altLang="zh-CN" dirty="0"/>
+              <a:t>/</a:t>
+            </a:r>
+            <a:r>
+              <a:rPr lang="zh-CN" altLang="en-US" dirty="0"/>
+              <a:t>枚举</a:t>
+            </a:r>
+          </a:p>
+        </p:txBody>
+      </p:sp>
+      <p:sp>
+        <p:nvSpPr>
+          <p:cNvPr id="3" name="内容占位符 2"/>
+          <p:cNvSpPr>
+            <a:spLocks noGrp="1"/>
+          </p:cNvSpPr>
+          <p:nvPr>
+            <p:ph idx="1"/>
+          </p:nvPr>
+        </p:nvSpPr>
+        <p:spPr/>
+        <p:txBody>
+          <a:bodyPr/>
+          <a:lstStyle/>
+          <a:p>
+            <a:r>
+              <a:rPr lang="zh-CN" altLang="en-US" b="1" dirty="0"/>
+              <a:t>要</a:t>
+            </a:r>
+            <a:r>
+              <a:rPr lang="zh-CN" altLang="en-US" dirty="0"/>
+              <a:t>使用名词单数命名普通枚举，使用名词复数命名位枚举</a:t>
+            </a:r>
+            <a:endParaRPr lang="en-US" altLang="zh-CN" dirty="0"/>
+          </a:p>
+          <a:p>
+            <a:pPr marL="457200" lvl="1" indent="0">
+              <a:buNone/>
+            </a:pPr>
+            <a:r>
+              <a:rPr lang="zh-CN" altLang="en-US" dirty="0"/>
+              <a:t>取决于一个枚举能表示多少种状态</a:t>
+            </a:r>
+            <a:endParaRPr lang="en-US" altLang="zh-CN" dirty="0"/>
+          </a:p>
+          <a:p>
+            <a:r>
+              <a:rPr lang="zh-CN" altLang="en-US" b="1" dirty="0"/>
+              <a:t>不要</a:t>
+            </a:r>
+            <a:r>
+              <a:rPr lang="zh-CN" altLang="en-US" dirty="0"/>
+              <a:t>添加</a:t>
+            </a:r>
+            <a:r>
+              <a:rPr lang="en-US" altLang="zh-CN" dirty="0" err="1"/>
+              <a:t>Enum</a:t>
+            </a:r>
+            <a:r>
+              <a:rPr lang="zh-CN" altLang="en-US" dirty="0"/>
+              <a:t>后缀</a:t>
+            </a:r>
+            <a:endParaRPr lang="en-US" altLang="zh-CN" dirty="0"/>
+          </a:p>
+          <a:p>
+            <a:r>
+              <a:rPr lang="zh-CN" altLang="en-US" b="1" dirty="0"/>
+              <a:t>不要</a:t>
+            </a:r>
+            <a:r>
+              <a:rPr lang="zh-CN" altLang="en-US" dirty="0"/>
+              <a:t>为枚举值添加前缀</a:t>
+            </a:r>
+            <a:endParaRPr lang="en-US" altLang="zh-CN" dirty="0"/>
+          </a:p>
+          <a:p>
+            <a:pPr marL="457200" lvl="1" indent="0">
+              <a:buNone/>
+            </a:pPr>
+            <a:r>
+              <a:rPr lang="en-US" altLang="zh-CN" dirty="0"/>
+              <a:t>C++</a:t>
+            </a:r>
+            <a:r>
+              <a:rPr lang="zh-CN" altLang="en-US" dirty="0"/>
+              <a:t>的枚举值可能不通过枚举作用域访问，所以有使用前缀的必要；</a:t>
+            </a:r>
+            <a:r>
+              <a:rPr lang="en-US" altLang="zh-CN" dirty="0" err="1"/>
+              <a:t>.Net</a:t>
+            </a:r>
+            <a:r>
+              <a:rPr lang="zh-CN" altLang="en-US" dirty="0"/>
+              <a:t>语言不存在这种可能性，枚举值的定义只在枚举作用域内部有意义</a:t>
+            </a:r>
+            <a:endParaRPr lang="en-US" altLang="zh-CN" dirty="0"/>
+          </a:p>
+          <a:p>
+            <a:pPr marL="457200" lvl="1" indent="0">
+              <a:buNone/>
+            </a:pPr>
+            <a:endParaRPr lang="en-US" altLang="zh-CN" dirty="0"/>
+          </a:p>
+          <a:p>
+            <a:endParaRPr lang="zh-CN" altLang="en-US" b="1" dirty="0"/>
+          </a:p>
+        </p:txBody>
+      </p:sp>
+    </p:spTree>
+    <p:extLst>
+      <p:ext uri="{BB962C8B-B14F-4D97-AF65-F5344CB8AC3E}">
+        <p14:creationId xmlns:p14="http://schemas.microsoft.com/office/powerpoint/2010/main" val="3810379464"/>
       </p:ext>
     </p:extLst>
   </p:cSld>

--- a/pptx.pptx.pptx
+++ b/pptx.pptx.pptx
@@ -9,28 +9,33 @@
     <p:sldId id="257" r:id="rId3"/>
     <p:sldId id="258" r:id="rId4"/>
     <p:sldId id="259" r:id="rId5"/>
-    <p:sldId id="275" r:id="rId6"/>
-    <p:sldId id="276" r:id="rId7"/>
-    <p:sldId id="277" r:id="rId8"/>
-    <p:sldId id="278" r:id="rId9"/>
-    <p:sldId id="279" r:id="rId10"/>
-    <p:sldId id="280" r:id="rId11"/>
-    <p:sldId id="281" r:id="rId12"/>
-    <p:sldId id="260" r:id="rId13"/>
-    <p:sldId id="261" r:id="rId14"/>
-    <p:sldId id="262" r:id="rId15"/>
-    <p:sldId id="263" r:id="rId16"/>
-    <p:sldId id="264" r:id="rId17"/>
-    <p:sldId id="265" r:id="rId18"/>
-    <p:sldId id="266" r:id="rId19"/>
-    <p:sldId id="267" r:id="rId20"/>
-    <p:sldId id="268" r:id="rId21"/>
-    <p:sldId id="269" r:id="rId22"/>
-    <p:sldId id="274" r:id="rId23"/>
-    <p:sldId id="270" r:id="rId24"/>
-    <p:sldId id="271" r:id="rId25"/>
-    <p:sldId id="272" r:id="rId26"/>
-    <p:sldId id="273" r:id="rId27"/>
+    <p:sldId id="282" r:id="rId6"/>
+    <p:sldId id="275" r:id="rId7"/>
+    <p:sldId id="276" r:id="rId8"/>
+    <p:sldId id="277" r:id="rId9"/>
+    <p:sldId id="278" r:id="rId10"/>
+    <p:sldId id="279" r:id="rId11"/>
+    <p:sldId id="280" r:id="rId12"/>
+    <p:sldId id="281" r:id="rId13"/>
+    <p:sldId id="283" r:id="rId14"/>
+    <p:sldId id="284" r:id="rId15"/>
+    <p:sldId id="285" r:id="rId16"/>
+    <p:sldId id="286" r:id="rId17"/>
+    <p:sldId id="260" r:id="rId18"/>
+    <p:sldId id="261" r:id="rId19"/>
+    <p:sldId id="262" r:id="rId20"/>
+    <p:sldId id="263" r:id="rId21"/>
+    <p:sldId id="264" r:id="rId22"/>
+    <p:sldId id="265" r:id="rId23"/>
+    <p:sldId id="266" r:id="rId24"/>
+    <p:sldId id="267" r:id="rId25"/>
+    <p:sldId id="268" r:id="rId26"/>
+    <p:sldId id="269" r:id="rId27"/>
+    <p:sldId id="274" r:id="rId28"/>
+    <p:sldId id="270" r:id="rId29"/>
+    <p:sldId id="271" r:id="rId30"/>
+    <p:sldId id="272" r:id="rId31"/>
+    <p:sldId id="273" r:id="rId32"/>
   </p:sldIdLst>
   <p:sldSz cx="12192000" cy="6858000"/>
   <p:notesSz cx="6858000" cy="9144000"/>
@@ -145,7 +150,9 @@
           </p14:sldIdLst>
         </p14:section>
         <p14:section name="基本概念" id="{47CE2733-6465-4CD2-8CED-CF5B96FB5CE4}">
-          <p14:sldIdLst/>
+          <p14:sldIdLst>
+            <p14:sldId id="282"/>
+          </p14:sldIdLst>
         </p14:section>
         <p14:section name="编码规范" id="{42D523BC-DB75-4AD9-848D-13BB52FBE842}">
           <p14:sldIdLst>
@@ -156,6 +163,14 @@
             <p14:sldId id="279"/>
             <p14:sldId id="280"/>
             <p14:sldId id="281"/>
+            <p14:sldId id="283"/>
+          </p14:sldIdLst>
+        </p14:section>
+        <p14:section name="文档" id="{739FF715-4AAF-447B-83CC-F89327BBC877}">
+          <p14:sldIdLst>
+            <p14:sldId id="284"/>
+            <p14:sldId id="285"/>
+            <p14:sldId id="286"/>
           </p14:sldIdLst>
         </p14:section>
         <p14:section name="结构" id="{E16B2259-F403-4B6F-B37A-B9770CF75B65}">
@@ -3142,7 +3157,7 @@
             </a:r>
             <a:r>
               <a:rPr lang="zh-CN" altLang="en-US" dirty="0"/>
-              <a:t>成员与参数</a:t>
+              <a:t>枚举</a:t>
             </a:r>
           </a:p>
         </p:txBody>
@@ -3168,157 +3183,96 @@
             </a:r>
             <a:r>
               <a:rPr lang="zh-CN" altLang="en-US" dirty="0"/>
-              <a:t>使用动词词组为方法命名</a:t>
+              <a:t>使用名词单数命名普通枚举，使用名词复数命名位枚举</a:t>
             </a:r>
             <a:endParaRPr lang="en-US" altLang="zh-CN" dirty="0"/>
           </a:p>
           <a:p>
-            <a:r>
-              <a:rPr lang="zh-CN" altLang="en-US" b="1" dirty="0"/>
-              <a:t>要</a:t>
-            </a:r>
-            <a:r>
-              <a:rPr lang="zh-CN" altLang="en-US" dirty="0"/>
-              <a:t>使用名词词组为属性与字段命名</a:t>
+            <a:pPr marL="457200" lvl="1" indent="0">
+              <a:buNone/>
+            </a:pPr>
+            <a:r>
+              <a:rPr lang="zh-CN" altLang="en-US" dirty="0"/>
+              <a:t>取决于一个枚举能表示多少种状态</a:t>
             </a:r>
             <a:endParaRPr lang="en-US" altLang="zh-CN" dirty="0"/>
           </a:p>
           <a:p>
-            <a:pPr lvl="1"/>
+            <a:pPr marL="457200" lvl="1" indent="0">
+              <a:buNone/>
+            </a:pPr>
+            <a:endParaRPr lang="en-US" altLang="zh-CN" dirty="0"/>
+          </a:p>
+          <a:p>
             <a:r>
               <a:rPr lang="zh-CN" altLang="en-US" b="1" dirty="0"/>
               <a:t>不要</a:t>
             </a:r>
             <a:r>
               <a:rPr lang="zh-CN" altLang="en-US" dirty="0"/>
-              <a:t>使用</a:t>
-            </a:r>
+              <a:t>添加</a:t>
+            </a:r>
+            <a:r>
+              <a:rPr lang="en-US" altLang="zh-CN" dirty="0" err="1"/>
+              <a:t>Enum</a:t>
+            </a:r>
+            <a:r>
+              <a:rPr lang="zh-CN" altLang="en-US" dirty="0"/>
+              <a:t>后缀</a:t>
+            </a:r>
+            <a:endParaRPr lang="en-US" altLang="zh-CN" dirty="0"/>
+          </a:p>
+          <a:p>
+            <a:endParaRPr lang="en-US" altLang="zh-CN" dirty="0"/>
+          </a:p>
+          <a:p>
+            <a:r>
+              <a:rPr lang="zh-CN" altLang="en-US" b="1" dirty="0"/>
+              <a:t>不要</a:t>
+            </a:r>
+            <a:r>
+              <a:rPr lang="zh-CN" altLang="en-US" dirty="0"/>
+              <a:t>为枚举值添加前缀</a:t>
+            </a:r>
+            <a:endParaRPr lang="en-US" altLang="zh-CN" dirty="0"/>
+          </a:p>
+          <a:p>
+            <a:pPr marL="457200" lvl="1" indent="0">
+              <a:buNone/>
+            </a:pPr>
             <a:r>
               <a:rPr lang="en-US" altLang="zh-CN" dirty="0"/>
-              <a:t>Get/Set</a:t>
-            </a:r>
-            <a:r>
-              <a:rPr lang="zh-CN" altLang="en-US" dirty="0"/>
-              <a:t>之类的前缀。属性自身暗示了这些语义</a:t>
+              <a:t>C++</a:t>
+            </a:r>
+            <a:r>
+              <a:rPr lang="zh-CN" altLang="en-US" dirty="0"/>
+              <a:t>的枚举值可能不通过枚举作用域访问，所以有使用前缀的必要；</a:t>
+            </a:r>
+            <a:r>
+              <a:rPr lang="en-US" altLang="zh-CN" dirty="0" err="1"/>
+              <a:t>.Net</a:t>
+            </a:r>
+            <a:r>
+              <a:rPr lang="zh-CN" altLang="en-US" dirty="0"/>
+              <a:t>语言不存在这种可能性，枚举值的定义只在枚举作用域内部有意义</a:t>
             </a:r>
             <a:endParaRPr lang="en-US" altLang="zh-CN" dirty="0"/>
           </a:p>
           <a:p>
-            <a:pPr lvl="1"/>
-            <a:r>
-              <a:rPr lang="zh-CN" altLang="en-US" b="1" dirty="0"/>
-              <a:t>要</a:t>
-            </a:r>
-            <a:r>
-              <a:rPr lang="zh-CN" altLang="en-US" dirty="0"/>
-              <a:t>使用肯定性的短语来命名</a:t>
-            </a:r>
-            <a:r>
-              <a:rPr lang="en-US" altLang="zh-CN" dirty="0"/>
-              <a:t>bool</a:t>
-            </a:r>
-            <a:r>
-              <a:rPr lang="zh-CN" altLang="en-US" dirty="0"/>
-              <a:t>类型的属性。必要时可以使用</a:t>
-            </a:r>
-            <a:r>
-              <a:rPr lang="en-US" altLang="zh-CN" dirty="0"/>
-              <a:t>Is</a:t>
-            </a:r>
-            <a:r>
-              <a:rPr lang="zh-CN" altLang="en-US" dirty="0"/>
-              <a:t>，</a:t>
-            </a:r>
-            <a:r>
-              <a:rPr lang="en-US" altLang="zh-CN" dirty="0"/>
-              <a:t>Can</a:t>
-            </a:r>
-            <a:r>
-              <a:rPr lang="zh-CN" altLang="en-US" dirty="0"/>
-              <a:t>，</a:t>
-            </a:r>
-            <a:r>
-              <a:rPr lang="en-US" altLang="zh-CN" dirty="0"/>
-              <a:t>Has</a:t>
-            </a:r>
-            <a:r>
-              <a:rPr lang="zh-CN" altLang="en-US" dirty="0"/>
-              <a:t>等前缀</a:t>
-            </a:r>
+            <a:pPr marL="457200" lvl="1" indent="0">
+              <a:buNone/>
+            </a:pPr>
             <a:endParaRPr lang="en-US" altLang="zh-CN" dirty="0"/>
           </a:p>
           <a:p>
-            <a:pPr lvl="1"/>
-            <a:r>
-              <a:rPr lang="zh-CN" altLang="en-US" dirty="0"/>
-              <a:t>如果不知道某个属性该使用什么名字，考虑使用它返回的类型的名字</a:t>
-            </a:r>
-            <a:endParaRPr lang="en-US" altLang="zh-CN" dirty="0"/>
-          </a:p>
-          <a:p>
-            <a:r>
-              <a:rPr lang="zh-CN" altLang="en-US" b="1" dirty="0"/>
-              <a:t>要</a:t>
-            </a:r>
-            <a:r>
-              <a:rPr lang="zh-CN" altLang="en-US" dirty="0"/>
-              <a:t>使用动词词组为事件命名</a:t>
-            </a:r>
-            <a:endParaRPr lang="en-US" altLang="zh-CN" dirty="0"/>
-          </a:p>
-          <a:p>
-            <a:pPr lvl="1"/>
-            <a:r>
-              <a:rPr lang="zh-CN" altLang="en-US" b="1" dirty="0"/>
-              <a:t>要</a:t>
-            </a:r>
-            <a:r>
-              <a:rPr lang="zh-CN" altLang="en-US" dirty="0"/>
-              <a:t>使用时态区分事件触发的时机</a:t>
-            </a:r>
-            <a:endParaRPr lang="en-US" altLang="zh-CN" dirty="0"/>
-          </a:p>
-          <a:p>
-            <a:r>
-              <a:rPr lang="zh-CN" altLang="en-US" b="1" dirty="0"/>
-              <a:t>要</a:t>
-            </a:r>
-            <a:r>
-              <a:rPr lang="zh-CN" altLang="en-US" dirty="0"/>
-              <a:t>使用</a:t>
-            </a:r>
-            <a:r>
-              <a:rPr lang="en-US" altLang="zh-CN" dirty="0" err="1"/>
-              <a:t>camelCasing</a:t>
-            </a:r>
-            <a:r>
-              <a:rPr lang="zh-CN" altLang="en-US" dirty="0"/>
-              <a:t>为参数命名</a:t>
-            </a:r>
-            <a:endParaRPr lang="en-US" altLang="zh-CN" dirty="0"/>
-          </a:p>
-          <a:p>
-            <a:pPr lvl="1"/>
-            <a:r>
-              <a:rPr lang="zh-CN" altLang="en-US"/>
-              <a:t>虽然参数名字也应当是名字词组，但是</a:t>
-            </a:r>
-            <a:r>
-              <a:rPr lang="zh-CN" altLang="en-US" b="1"/>
-              <a:t>不应</a:t>
-            </a:r>
-            <a:r>
-              <a:rPr lang="zh-CN" altLang="en-US"/>
-              <a:t>与类型名字有关</a:t>
-            </a:r>
-            <a:endParaRPr lang="zh-CN" altLang="en-US" dirty="0"/>
+            <a:endParaRPr lang="zh-CN" altLang="en-US" b="1" dirty="0"/>
           </a:p>
         </p:txBody>
       </p:sp>
     </p:spTree>
     <p:extLst>
       <p:ext uri="{BB962C8B-B14F-4D97-AF65-F5344CB8AC3E}">
-        <p14:creationId xmlns:p14="http://schemas.microsoft.com/office/powerpoint/2010/main" val="129736639"/>
+        <p14:creationId xmlns:p14="http://schemas.microsoft.com/office/powerpoint/2010/main" val="3810379464"/>
       </p:ext>
     </p:extLst>
   </p:cSld>
@@ -3370,42 +3324,183 @@
             </a:r>
             <a:r>
               <a:rPr lang="zh-CN" altLang="en-US" dirty="0"/>
+              <a:t>成员与参数</a:t>
+            </a:r>
+          </a:p>
+        </p:txBody>
+      </p:sp>
+      <p:sp>
+        <p:nvSpPr>
+          <p:cNvPr id="3" name="内容占位符 2"/>
+          <p:cNvSpPr>
+            <a:spLocks noGrp="1"/>
+          </p:cNvSpPr>
+          <p:nvPr>
+            <p:ph idx="1"/>
+          </p:nvPr>
+        </p:nvSpPr>
+        <p:spPr/>
+        <p:txBody>
+          <a:bodyPr/>
+          <a:lstStyle/>
+          <a:p>
+            <a:r>
+              <a:rPr lang="zh-CN" altLang="en-US" b="1" dirty="0"/>
+              <a:t>要</a:t>
+            </a:r>
+            <a:r>
+              <a:rPr lang="zh-CN" altLang="en-US" dirty="0"/>
+              <a:t>使用动词词组为方法命名</a:t>
+            </a:r>
+            <a:endParaRPr lang="en-US" altLang="zh-CN" dirty="0"/>
+          </a:p>
+          <a:p>
+            <a:r>
+              <a:rPr lang="zh-CN" altLang="en-US" b="1" dirty="0"/>
+              <a:t>要</a:t>
+            </a:r>
+            <a:r>
+              <a:rPr lang="zh-CN" altLang="en-US" dirty="0"/>
+              <a:t>使用名词词组为属性与字段命名</a:t>
+            </a:r>
+            <a:endParaRPr lang="en-US" altLang="zh-CN" dirty="0"/>
+          </a:p>
+          <a:p>
+            <a:pPr lvl="1"/>
+            <a:r>
+              <a:rPr lang="zh-CN" altLang="en-US" b="1" dirty="0"/>
+              <a:t>不要</a:t>
+            </a:r>
+            <a:r>
+              <a:rPr lang="zh-CN" altLang="en-US" dirty="0"/>
               <a:t>使用</a:t>
             </a:r>
             <a:r>
+              <a:rPr lang="en-US" altLang="zh-CN" dirty="0"/>
+              <a:t>Get/Set</a:t>
+            </a:r>
+            <a:r>
+              <a:rPr lang="zh-CN" altLang="en-US" dirty="0"/>
+              <a:t>之类的前缀。属性自身暗示了这些语义</a:t>
+            </a:r>
+            <a:endParaRPr lang="en-US" altLang="zh-CN" dirty="0"/>
+          </a:p>
+          <a:p>
+            <a:pPr lvl="1"/>
+            <a:r>
+              <a:rPr lang="zh-CN" altLang="en-US" b="1" dirty="0"/>
+              <a:t>要</a:t>
+            </a:r>
+            <a:r>
+              <a:rPr lang="zh-CN" altLang="en-US" dirty="0"/>
+              <a:t>使用肯定性的短语来命名</a:t>
+            </a:r>
+            <a:r>
+              <a:rPr lang="en-US" altLang="zh-CN" dirty="0"/>
+              <a:t>bool</a:t>
+            </a:r>
+            <a:r>
+              <a:rPr lang="zh-CN" altLang="en-US" dirty="0"/>
+              <a:t>类型的属性。必要时可以使用</a:t>
+            </a:r>
+            <a:r>
+              <a:rPr lang="en-US" altLang="zh-CN" dirty="0"/>
+              <a:t>Is</a:t>
+            </a:r>
+            <a:r>
+              <a:rPr lang="zh-CN" altLang="en-US" dirty="0"/>
+              <a:t>，</a:t>
+            </a:r>
+            <a:r>
+              <a:rPr lang="en-US" altLang="zh-CN" dirty="0"/>
+              <a:t>Can</a:t>
+            </a:r>
+            <a:r>
+              <a:rPr lang="zh-CN" altLang="en-US" dirty="0"/>
+              <a:t>，</a:t>
+            </a:r>
+            <a:r>
+              <a:rPr lang="en-US" altLang="zh-CN" dirty="0"/>
+              <a:t>Has</a:t>
+            </a:r>
+            <a:r>
+              <a:rPr lang="zh-CN" altLang="en-US" dirty="0"/>
+              <a:t>等前缀</a:t>
+            </a:r>
+            <a:endParaRPr lang="en-US" altLang="zh-CN" dirty="0"/>
+          </a:p>
+          <a:p>
+            <a:pPr lvl="1"/>
+            <a:r>
+              <a:rPr lang="zh-CN" altLang="en-US" dirty="0"/>
+              <a:t>如果不知道某个属性该使用什么名字，考虑使用它返回的类型的名字</a:t>
+            </a:r>
+            <a:endParaRPr lang="en-US" altLang="zh-CN" dirty="0"/>
+          </a:p>
+          <a:p>
+            <a:r>
+              <a:rPr lang="zh-CN" altLang="en-US" b="1" dirty="0"/>
+              <a:t>要</a:t>
+            </a:r>
+            <a:r>
+              <a:rPr lang="zh-CN" altLang="en-US" dirty="0"/>
+              <a:t>使用动词词组为事件命名</a:t>
+            </a:r>
+            <a:endParaRPr lang="en-US" altLang="zh-CN" dirty="0"/>
+          </a:p>
+          <a:p>
+            <a:pPr lvl="1"/>
+            <a:r>
+              <a:rPr lang="zh-CN" altLang="en-US" b="1" dirty="0"/>
+              <a:t>要</a:t>
+            </a:r>
+            <a:r>
+              <a:rPr lang="zh-CN" altLang="en-US" dirty="0"/>
+              <a:t>使用时态区分事件触发的时机</a:t>
+            </a:r>
+            <a:endParaRPr lang="en-US" altLang="zh-CN" dirty="0"/>
+          </a:p>
+          <a:p>
+            <a:r>
+              <a:rPr lang="zh-CN" altLang="en-US" b="1" dirty="0"/>
+              <a:t>要</a:t>
+            </a:r>
+            <a:r>
+              <a:rPr lang="zh-CN" altLang="en-US" dirty="0"/>
+              <a:t>使用</a:t>
+            </a:r>
+            <a:r>
               <a:rPr lang="en-US" altLang="zh-CN" dirty="0" err="1"/>
-              <a:t>ReSharper</a:t>
-            </a:r>
-            <a:r>
-              <a:rPr lang="zh-CN" altLang="en-US" dirty="0"/>
-              <a:t>规范命名</a:t>
-            </a:r>
-          </a:p>
-        </p:txBody>
-      </p:sp>
-      <p:sp>
-        <p:nvSpPr>
-          <p:cNvPr id="3" name="内容占位符 2"/>
-          <p:cNvSpPr>
-            <a:spLocks noGrp="1"/>
-          </p:cNvSpPr>
-          <p:nvPr>
-            <p:ph idx="1"/>
-          </p:nvPr>
-        </p:nvSpPr>
-        <p:spPr/>
-        <p:txBody>
-          <a:bodyPr/>
-          <a:lstStyle/>
-          <a:p>
-            <a:endParaRPr lang="zh-CN" altLang="en-US"/>
+              <a:t>camelCasing</a:t>
+            </a:r>
+            <a:r>
+              <a:rPr lang="zh-CN" altLang="en-US" dirty="0"/>
+              <a:t>为参数命名</a:t>
+            </a:r>
+            <a:endParaRPr lang="en-US" altLang="zh-CN" dirty="0"/>
+          </a:p>
+          <a:p>
+            <a:pPr lvl="1"/>
+            <a:r>
+              <a:rPr lang="zh-CN" altLang="en-US"/>
+              <a:t>虽然参数名字也应当是名字词组，但是</a:t>
+            </a:r>
+            <a:r>
+              <a:rPr lang="zh-CN" altLang="en-US" b="1"/>
+              <a:t>不应</a:t>
+            </a:r>
+            <a:r>
+              <a:rPr lang="zh-CN" altLang="en-US"/>
+              <a:t>与类型名字有关</a:t>
+            </a:r>
+            <a:endParaRPr lang="zh-CN" altLang="en-US" dirty="0"/>
           </a:p>
         </p:txBody>
       </p:sp>
     </p:spTree>
     <p:extLst>
       <p:ext uri="{BB962C8B-B14F-4D97-AF65-F5344CB8AC3E}">
-        <p14:creationId xmlns:p14="http://schemas.microsoft.com/office/powerpoint/2010/main" val="2292470465"/>
+        <p14:creationId xmlns:p14="http://schemas.microsoft.com/office/powerpoint/2010/main" val="129736639"/>
       </p:ext>
     </p:extLst>
   </p:cSld>
@@ -3449,6 +3544,1423 @@
           <a:p>
             <a:r>
               <a:rPr lang="zh-CN" altLang="en-US" dirty="0"/>
+              <a:t>命名规范</a:t>
+            </a:r>
+            <a:r>
+              <a:rPr lang="en-US" altLang="zh-CN" dirty="0"/>
+              <a:t>/</a:t>
+            </a:r>
+            <a:r>
+              <a:rPr lang="zh-CN" altLang="en-US" dirty="0"/>
+              <a:t>使用</a:t>
+            </a:r>
+            <a:r>
+              <a:rPr lang="en-US" altLang="zh-CN" dirty="0" err="1"/>
+              <a:t>ReSharper</a:t>
+            </a:r>
+            <a:r>
+              <a:rPr lang="zh-CN" altLang="en-US" dirty="0"/>
+              <a:t>保证代码质量</a:t>
+            </a:r>
+          </a:p>
+        </p:txBody>
+      </p:sp>
+      <p:sp>
+        <p:nvSpPr>
+          <p:cNvPr id="3" name="内容占位符 2"/>
+          <p:cNvSpPr>
+            <a:spLocks noGrp="1"/>
+          </p:cNvSpPr>
+          <p:nvPr>
+            <p:ph idx="1"/>
+          </p:nvPr>
+        </p:nvSpPr>
+        <p:spPr>
+          <a:xfrm>
+            <a:off x="838200" y="1825625"/>
+            <a:ext cx="10515600" cy="4522166"/>
+          </a:xfrm>
+        </p:spPr>
+        <p:txBody>
+          <a:bodyPr>
+            <a:normAutofit lnSpcReduction="10000"/>
+          </a:bodyPr>
+          <a:lstStyle/>
+          <a:p>
+            <a:endParaRPr lang="en-US" altLang="zh-CN" dirty="0"/>
+          </a:p>
+          <a:p>
+            <a:endParaRPr lang="en-US" altLang="zh-CN" dirty="0"/>
+          </a:p>
+          <a:p>
+            <a:endParaRPr lang="en-US" altLang="zh-CN" dirty="0"/>
+          </a:p>
+          <a:p>
+            <a:endParaRPr lang="en-US" altLang="zh-CN" dirty="0"/>
+          </a:p>
+          <a:p>
+            <a:endParaRPr lang="en-US" altLang="zh-CN" dirty="0"/>
+          </a:p>
+          <a:p>
+            <a:endParaRPr lang="en-US" altLang="zh-CN" dirty="0"/>
+          </a:p>
+          <a:p>
+            <a:r>
+              <a:rPr lang="zh-CN" altLang="en-US" dirty="0"/>
+              <a:t>通过配合使用</a:t>
+            </a:r>
+            <a:r>
+              <a:rPr lang="en-US" altLang="zh-CN" dirty="0" err="1"/>
+              <a:t>Alt+PageUp</a:t>
+            </a:r>
+            <a:r>
+              <a:rPr lang="en-US" altLang="zh-CN" dirty="0"/>
+              <a:t>/</a:t>
+            </a:r>
+            <a:r>
+              <a:rPr lang="en-US" altLang="zh-CN" dirty="0" err="1"/>
+              <a:t>PageDown</a:t>
+            </a:r>
+            <a:r>
+              <a:rPr lang="zh-CN" altLang="en-US" dirty="0"/>
+              <a:t>快捷键和</a:t>
+            </a:r>
+            <a:r>
+              <a:rPr lang="en-US" altLang="zh-CN" dirty="0" err="1"/>
+              <a:t>Alt+Enter</a:t>
+            </a:r>
+            <a:r>
+              <a:rPr lang="zh-CN" altLang="en-US" dirty="0"/>
+              <a:t>快捷键，即可逐个检视和修复问题</a:t>
+            </a:r>
+            <a:endParaRPr lang="en-US" altLang="zh-CN" dirty="0"/>
+          </a:p>
+          <a:p>
+            <a:r>
+              <a:rPr lang="zh-CN" altLang="en-US" dirty="0"/>
+              <a:t>除了编码规范，亦可检查其他潜在问题，在其领域内比</a:t>
+            </a:r>
+            <a:r>
+              <a:rPr lang="en-US" altLang="zh-CN" dirty="0" err="1"/>
+              <a:t>Coverity</a:t>
+            </a:r>
+            <a:r>
+              <a:rPr lang="zh-CN" altLang="en-US" dirty="0"/>
+              <a:t>更为专业</a:t>
+            </a:r>
+          </a:p>
+        </p:txBody>
+      </p:sp>
+      <p:cxnSp>
+        <p:nvCxnSpPr>
+          <p:cNvPr id="18" name="直接连接符 17"/>
+          <p:cNvCxnSpPr/>
+          <p:nvPr/>
+        </p:nvCxnSpPr>
+        <p:spPr>
+          <a:xfrm>
+            <a:off x="9086887" y="2722615"/>
+            <a:ext cx="1032542" cy="1"/>
+          </a:xfrm>
+          <a:prstGeom prst="line">
+            <a:avLst/>
+          </a:prstGeom>
+          <a:ln w="22225">
+            <a:solidFill>
+              <a:schemeClr val="accent5">
+                <a:lumMod val="60000"/>
+                <a:lumOff val="40000"/>
+              </a:schemeClr>
+            </a:solidFill>
+          </a:ln>
+        </p:spPr>
+        <p:style>
+          <a:lnRef idx="1">
+            <a:schemeClr val="accent5"/>
+          </a:lnRef>
+          <a:fillRef idx="0">
+            <a:schemeClr val="accent5"/>
+          </a:fillRef>
+          <a:effectRef idx="0">
+            <a:schemeClr val="accent5"/>
+          </a:effectRef>
+          <a:fontRef idx="minor">
+            <a:schemeClr val="tx1"/>
+          </a:fontRef>
+        </p:style>
+      </p:cxnSp>
+      <p:pic>
+        <p:nvPicPr>
+          <p:cNvPr id="19" name="图片 18"/>
+          <p:cNvPicPr>
+            <a:picLocks noChangeAspect="1"/>
+          </p:cNvPicPr>
+          <p:nvPr/>
+        </p:nvPicPr>
+        <p:blipFill>
+          <a:blip r:embed="rId2"/>
+          <a:stretch>
+            <a:fillRect/>
+          </a:stretch>
+        </p:blipFill>
+        <p:spPr>
+          <a:xfrm>
+            <a:off x="2943262" y="2193616"/>
+            <a:ext cx="6143625" cy="1476375"/>
+          </a:xfrm>
+          <a:prstGeom prst="rect">
+            <a:avLst/>
+          </a:prstGeom>
+        </p:spPr>
+      </p:pic>
+      <p:sp>
+        <p:nvSpPr>
+          <p:cNvPr id="20" name="矩形 19"/>
+          <p:cNvSpPr/>
+          <p:nvPr/>
+        </p:nvSpPr>
+        <p:spPr>
+          <a:xfrm>
+            <a:off x="1206337" y="2846903"/>
+            <a:ext cx="1038687" cy="248575"/>
+          </a:xfrm>
+          <a:prstGeom prst="rect">
+            <a:avLst/>
+          </a:prstGeom>
+          <a:noFill/>
+          <a:ln>
+            <a:solidFill>
+              <a:schemeClr val="tx1"/>
+            </a:solidFill>
+          </a:ln>
+        </p:spPr>
+        <p:style>
+          <a:lnRef idx="2">
+            <a:schemeClr val="accent1">
+              <a:shade val="50000"/>
+            </a:schemeClr>
+          </a:lnRef>
+          <a:fillRef idx="1">
+            <a:schemeClr val="accent1"/>
+          </a:fillRef>
+          <a:effectRef idx="0">
+            <a:schemeClr val="accent1"/>
+          </a:effectRef>
+          <a:fontRef idx="minor">
+            <a:schemeClr val="lt1"/>
+          </a:fontRef>
+        </p:style>
+        <p:txBody>
+          <a:bodyPr rtlCol="0" anchor="ctr"/>
+          <a:lstStyle/>
+          <a:p>
+            <a:pPr algn="ctr"/>
+            <a:r>
+              <a:rPr lang="zh-CN" altLang="en-US" sz="1000" dirty="0">
+                <a:solidFill>
+                  <a:schemeClr val="tx1"/>
+                </a:solidFill>
+              </a:rPr>
+              <a:t>快速修复菜单</a:t>
+            </a:r>
+          </a:p>
+        </p:txBody>
+      </p:sp>
+      <p:cxnSp>
+        <p:nvCxnSpPr>
+          <p:cNvPr id="21" name="直接连接符 20"/>
+          <p:cNvCxnSpPr>
+            <a:stCxn id="20" idx="3"/>
+          </p:cNvCxnSpPr>
+          <p:nvPr/>
+        </p:nvCxnSpPr>
+        <p:spPr>
+          <a:xfrm>
+            <a:off x="2245024" y="2971191"/>
+            <a:ext cx="698238" cy="204186"/>
+          </a:xfrm>
+          <a:prstGeom prst="line">
+            <a:avLst/>
+          </a:prstGeom>
+          <a:ln w="22225">
+            <a:solidFill>
+              <a:schemeClr val="accent5">
+                <a:lumMod val="60000"/>
+                <a:lumOff val="40000"/>
+              </a:schemeClr>
+            </a:solidFill>
+          </a:ln>
+        </p:spPr>
+        <p:style>
+          <a:lnRef idx="1">
+            <a:schemeClr val="accent5"/>
+          </a:lnRef>
+          <a:fillRef idx="0">
+            <a:schemeClr val="accent5"/>
+          </a:fillRef>
+          <a:effectRef idx="0">
+            <a:schemeClr val="accent5"/>
+          </a:effectRef>
+          <a:fontRef idx="minor">
+            <a:schemeClr val="tx1"/>
+          </a:fontRef>
+        </p:style>
+      </p:cxnSp>
+      <p:sp>
+        <p:nvSpPr>
+          <p:cNvPr id="22" name="矩形 21"/>
+          <p:cNvSpPr/>
+          <p:nvPr/>
+        </p:nvSpPr>
+        <p:spPr>
+          <a:xfrm>
+            <a:off x="4637647" y="4244997"/>
+            <a:ext cx="1038687" cy="248575"/>
+          </a:xfrm>
+          <a:prstGeom prst="rect">
+            <a:avLst/>
+          </a:prstGeom>
+          <a:noFill/>
+          <a:ln>
+            <a:solidFill>
+              <a:schemeClr val="tx1"/>
+            </a:solidFill>
+          </a:ln>
+        </p:spPr>
+        <p:style>
+          <a:lnRef idx="2">
+            <a:schemeClr val="accent1">
+              <a:shade val="50000"/>
+            </a:schemeClr>
+          </a:lnRef>
+          <a:fillRef idx="1">
+            <a:schemeClr val="accent1"/>
+          </a:fillRef>
+          <a:effectRef idx="0">
+            <a:schemeClr val="accent1"/>
+          </a:effectRef>
+          <a:fontRef idx="minor">
+            <a:schemeClr val="lt1"/>
+          </a:fontRef>
+        </p:style>
+        <p:txBody>
+          <a:bodyPr rtlCol="0" anchor="ctr"/>
+          <a:lstStyle/>
+          <a:p>
+            <a:pPr algn="ctr"/>
+            <a:r>
+              <a:rPr lang="zh-CN" altLang="en-US" sz="1000" dirty="0">
+                <a:solidFill>
+                  <a:schemeClr val="tx1"/>
+                </a:solidFill>
+              </a:rPr>
+              <a:t>问题发生点</a:t>
+            </a:r>
+          </a:p>
+        </p:txBody>
+      </p:sp>
+      <p:cxnSp>
+        <p:nvCxnSpPr>
+          <p:cNvPr id="23" name="直接连接符 22"/>
+          <p:cNvCxnSpPr>
+            <a:endCxn id="22" idx="0"/>
+          </p:cNvCxnSpPr>
+          <p:nvPr/>
+        </p:nvCxnSpPr>
+        <p:spPr>
+          <a:xfrm>
+            <a:off x="5156990" y="3073284"/>
+            <a:ext cx="1" cy="1171713"/>
+          </a:xfrm>
+          <a:prstGeom prst="line">
+            <a:avLst/>
+          </a:prstGeom>
+          <a:ln w="22225">
+            <a:solidFill>
+              <a:schemeClr val="accent5">
+                <a:lumMod val="60000"/>
+                <a:lumOff val="40000"/>
+              </a:schemeClr>
+            </a:solidFill>
+          </a:ln>
+        </p:spPr>
+        <p:style>
+          <a:lnRef idx="1">
+            <a:schemeClr val="accent5"/>
+          </a:lnRef>
+          <a:fillRef idx="0">
+            <a:schemeClr val="accent5"/>
+          </a:fillRef>
+          <a:effectRef idx="0">
+            <a:schemeClr val="accent5"/>
+          </a:effectRef>
+          <a:fontRef idx="minor">
+            <a:schemeClr val="tx1"/>
+          </a:fontRef>
+        </p:style>
+      </p:cxnSp>
+      <p:sp>
+        <p:nvSpPr>
+          <p:cNvPr id="24" name="矩形 23"/>
+          <p:cNvSpPr/>
+          <p:nvPr/>
+        </p:nvSpPr>
+        <p:spPr>
+          <a:xfrm>
+            <a:off x="10119429" y="2598328"/>
+            <a:ext cx="1038687" cy="248575"/>
+          </a:xfrm>
+          <a:prstGeom prst="rect">
+            <a:avLst/>
+          </a:prstGeom>
+          <a:noFill/>
+          <a:ln>
+            <a:solidFill>
+              <a:schemeClr val="tx1"/>
+            </a:solidFill>
+          </a:ln>
+        </p:spPr>
+        <p:style>
+          <a:lnRef idx="2">
+            <a:schemeClr val="accent1">
+              <a:shade val="50000"/>
+            </a:schemeClr>
+          </a:lnRef>
+          <a:fillRef idx="1">
+            <a:schemeClr val="accent1"/>
+          </a:fillRef>
+          <a:effectRef idx="0">
+            <a:schemeClr val="accent1"/>
+          </a:effectRef>
+          <a:fontRef idx="minor">
+            <a:schemeClr val="lt1"/>
+          </a:fontRef>
+        </p:style>
+        <p:txBody>
+          <a:bodyPr rtlCol="0" anchor="ctr"/>
+          <a:lstStyle/>
+          <a:p>
+            <a:pPr algn="ctr"/>
+            <a:r>
+              <a:rPr lang="zh-CN" altLang="en-US" sz="1000" dirty="0">
+                <a:solidFill>
+                  <a:schemeClr val="tx1"/>
+                </a:solidFill>
+              </a:rPr>
+              <a:t>问题布局</a:t>
+            </a:r>
+          </a:p>
+        </p:txBody>
+      </p:sp>
+    </p:spTree>
+    <p:extLst>
+      <p:ext uri="{BB962C8B-B14F-4D97-AF65-F5344CB8AC3E}">
+        <p14:creationId xmlns:p14="http://schemas.microsoft.com/office/powerpoint/2010/main" val="2292470465"/>
+      </p:ext>
+    </p:extLst>
+  </p:cSld>
+  <p:clrMapOvr>
+    <a:masterClrMapping/>
+  </p:clrMapOvr>
+</p:sld>
+</file>
+
+<file path=ppt/slides/slide13.xml><?xml version="1.0" encoding="utf-8"?>
+<p:sld xmlns:a="http://schemas.openxmlformats.org/drawingml/2006/main" xmlns:r="http://schemas.openxmlformats.org/officeDocument/2006/relationships" xmlns:p="http://schemas.openxmlformats.org/presentationml/2006/main">
+  <p:cSld>
+    <p:spTree>
+      <p:nvGrpSpPr>
+        <p:cNvPr id="1" name=""/>
+        <p:cNvGrpSpPr/>
+        <p:nvPr/>
+      </p:nvGrpSpPr>
+      <p:grpSpPr>
+        <a:xfrm>
+          <a:off x="0" y="0"/>
+          <a:ext cx="0" cy="0"/>
+          <a:chOff x="0" y="0"/>
+          <a:chExt cx="0" cy="0"/>
+        </a:xfrm>
+      </p:grpSpPr>
+      <p:sp>
+        <p:nvSpPr>
+          <p:cNvPr id="2" name="标题 1"/>
+          <p:cNvSpPr>
+            <a:spLocks noGrp="1"/>
+          </p:cNvSpPr>
+          <p:nvPr>
+            <p:ph type="title"/>
+          </p:nvPr>
+        </p:nvSpPr>
+        <p:spPr/>
+        <p:txBody>
+          <a:bodyPr/>
+          <a:lstStyle/>
+          <a:p>
+            <a:r>
+              <a:rPr lang="zh-CN" altLang="en-US" dirty="0"/>
+              <a:t>命名规范</a:t>
+            </a:r>
+            <a:r>
+              <a:rPr lang="en-US" altLang="zh-CN" dirty="0"/>
+              <a:t>/</a:t>
+            </a:r>
+            <a:r>
+              <a:rPr lang="zh-CN" altLang="en-US" dirty="0"/>
+              <a:t>使用</a:t>
+            </a:r>
+            <a:r>
+              <a:rPr lang="en-US" altLang="zh-CN" dirty="0" err="1"/>
+              <a:t>ReSharper</a:t>
+            </a:r>
+            <a:r>
+              <a:rPr lang="zh-CN" altLang="en-US" dirty="0"/>
+              <a:t>保证代码质量</a:t>
+            </a:r>
+          </a:p>
+        </p:txBody>
+      </p:sp>
+      <p:sp>
+        <p:nvSpPr>
+          <p:cNvPr id="3" name="内容占位符 2"/>
+          <p:cNvSpPr>
+            <a:spLocks noGrp="1"/>
+          </p:cNvSpPr>
+          <p:nvPr>
+            <p:ph idx="1"/>
+          </p:nvPr>
+        </p:nvSpPr>
+        <p:spPr>
+          <a:xfrm>
+            <a:off x="838200" y="1825625"/>
+            <a:ext cx="4833730" cy="4351338"/>
+          </a:xfrm>
+        </p:spPr>
+        <p:txBody>
+          <a:bodyPr>
+            <a:normAutofit/>
+          </a:bodyPr>
+          <a:lstStyle/>
+          <a:p>
+            <a:r>
+              <a:rPr lang="zh-CN" altLang="en-US" dirty="0"/>
+              <a:t>修改命名规范</a:t>
+            </a:r>
+            <a:endParaRPr lang="en-US" altLang="zh-CN" dirty="0"/>
+          </a:p>
+          <a:p>
+            <a:pPr marL="914400" lvl="1" indent="-457200">
+              <a:buFont typeface="+mj-lt"/>
+              <a:buAutoNum type="arabicPeriod"/>
+            </a:pPr>
+            <a:r>
+              <a:rPr lang="zh-CN" altLang="en-US" dirty="0"/>
+              <a:t>通过</a:t>
+            </a:r>
+            <a:r>
+              <a:rPr lang="en-US" altLang="zh-CN" dirty="0" err="1"/>
+              <a:t>ReSharper</a:t>
+            </a:r>
+            <a:r>
+              <a:rPr lang="en-US" altLang="zh-CN" dirty="0"/>
+              <a:t>-&gt;Options</a:t>
+            </a:r>
+            <a:r>
+              <a:rPr lang="zh-CN" altLang="en-US" dirty="0"/>
+              <a:t>菜单项打开配置面板；</a:t>
+            </a:r>
+            <a:endParaRPr lang="en-US" altLang="zh-CN" dirty="0"/>
+          </a:p>
+          <a:p>
+            <a:pPr marL="914400" lvl="1" indent="-457200">
+              <a:buFont typeface="+mj-lt"/>
+              <a:buAutoNum type="arabicPeriod"/>
+            </a:pPr>
+            <a:r>
+              <a:rPr lang="zh-CN" altLang="en-US" dirty="0"/>
+              <a:t>选择相关语言</a:t>
+            </a:r>
+            <a:endParaRPr lang="en-US" altLang="zh-CN" dirty="0"/>
+          </a:p>
+          <a:p>
+            <a:pPr marL="914400" lvl="1" indent="-457200">
+              <a:buFont typeface="+mj-lt"/>
+              <a:buAutoNum type="arabicPeriod"/>
+            </a:pPr>
+            <a:endParaRPr lang="en-US" altLang="zh-CN" dirty="0"/>
+          </a:p>
+          <a:p>
+            <a:pPr marL="914400" lvl="1" indent="-457200">
+              <a:buFont typeface="+mj-lt"/>
+              <a:buAutoNum type="arabicPeriod"/>
+            </a:pPr>
+            <a:endParaRPr lang="en-US" altLang="zh-CN" dirty="0"/>
+          </a:p>
+          <a:p>
+            <a:pPr marL="914400" lvl="1" indent="-457200">
+              <a:buFont typeface="+mj-lt"/>
+              <a:buAutoNum type="arabicPeriod"/>
+            </a:pPr>
+            <a:endParaRPr lang="en-US" altLang="zh-CN" dirty="0"/>
+          </a:p>
+          <a:p>
+            <a:pPr marL="914400" lvl="1" indent="-457200">
+              <a:buFont typeface="+mj-lt"/>
+              <a:buAutoNum type="arabicPeriod"/>
+            </a:pPr>
+            <a:endParaRPr lang="en-US" altLang="zh-CN" dirty="0"/>
+          </a:p>
+          <a:p>
+            <a:pPr marL="457200" lvl="1" indent="0">
+              <a:buNone/>
+            </a:pPr>
+            <a:endParaRPr lang="en-US" altLang="zh-CN" dirty="0"/>
+          </a:p>
+          <a:p>
+            <a:pPr lvl="1"/>
+            <a:r>
+              <a:rPr lang="en-US" altLang="zh-CN" sz="2000" dirty="0" err="1"/>
+              <a:t>Resharper</a:t>
+            </a:r>
+            <a:r>
+              <a:rPr lang="zh-CN" altLang="en-US" sz="2000" dirty="0"/>
+              <a:t>将</a:t>
+            </a:r>
+            <a:r>
+              <a:rPr lang="en-US" altLang="zh-CN" sz="2000" dirty="0" err="1"/>
+              <a:t>PascalCasing</a:t>
+            </a:r>
+            <a:r>
+              <a:rPr lang="zh-CN" altLang="en-US" sz="2000" dirty="0"/>
+              <a:t>称为</a:t>
+            </a:r>
+            <a:r>
+              <a:rPr lang="en-US" altLang="zh-CN" sz="2000" dirty="0" err="1"/>
+              <a:t>UpperCamelCase</a:t>
+            </a:r>
+            <a:endParaRPr lang="zh-CN" altLang="en-US" sz="2000" dirty="0"/>
+          </a:p>
+        </p:txBody>
+      </p:sp>
+      <p:pic>
+        <p:nvPicPr>
+          <p:cNvPr id="4" name="图片 3"/>
+          <p:cNvPicPr>
+            <a:picLocks noChangeAspect="1"/>
+          </p:cNvPicPr>
+          <p:nvPr/>
+        </p:nvPicPr>
+        <p:blipFill>
+          <a:blip r:embed="rId2">
+            <a:extLst>
+              <a:ext uri="{28A0092B-C50C-407E-A947-70E740481C1C}">
+                <a14:useLocalDpi xmlns:a14="http://schemas.microsoft.com/office/drawing/2010/main" val="0"/>
+              </a:ext>
+            </a:extLst>
+          </a:blip>
+          <a:stretch>
+            <a:fillRect/>
+          </a:stretch>
+        </p:blipFill>
+        <p:spPr>
+          <a:xfrm>
+            <a:off x="5671930" y="1742166"/>
+            <a:ext cx="5965026" cy="4518255"/>
+          </a:xfrm>
+          <a:prstGeom prst="rect">
+            <a:avLst/>
+          </a:prstGeom>
+        </p:spPr>
+      </p:pic>
+    </p:spTree>
+    <p:extLst>
+      <p:ext uri="{BB962C8B-B14F-4D97-AF65-F5344CB8AC3E}">
+        <p14:creationId xmlns:p14="http://schemas.microsoft.com/office/powerpoint/2010/main" val="2044555764"/>
+      </p:ext>
+    </p:extLst>
+  </p:cSld>
+  <p:clrMapOvr>
+    <a:masterClrMapping/>
+  </p:clrMapOvr>
+</p:sld>
+</file>
+
+<file path=ppt/slides/slide14.xml><?xml version="1.0" encoding="utf-8"?>
+<p:sld xmlns:a="http://schemas.openxmlformats.org/drawingml/2006/main" xmlns:r="http://schemas.openxmlformats.org/officeDocument/2006/relationships" xmlns:p="http://schemas.openxmlformats.org/presentationml/2006/main">
+  <p:cSld>
+    <p:spTree>
+      <p:nvGrpSpPr>
+        <p:cNvPr id="1" name=""/>
+        <p:cNvGrpSpPr/>
+        <p:nvPr/>
+      </p:nvGrpSpPr>
+      <p:grpSpPr>
+        <a:xfrm>
+          <a:off x="0" y="0"/>
+          <a:ext cx="0" cy="0"/>
+          <a:chOff x="0" y="0"/>
+          <a:chExt cx="0" cy="0"/>
+        </a:xfrm>
+      </p:grpSpPr>
+      <p:sp>
+        <p:nvSpPr>
+          <p:cNvPr id="2" name="标题 1"/>
+          <p:cNvSpPr>
+            <a:spLocks noGrp="1"/>
+          </p:cNvSpPr>
+          <p:nvPr>
+            <p:ph type="title"/>
+          </p:nvPr>
+        </p:nvSpPr>
+        <p:spPr/>
+        <p:txBody>
+          <a:bodyPr/>
+          <a:lstStyle/>
+          <a:p>
+            <a:r>
+              <a:rPr lang="zh-CN" altLang="en-US" dirty="0"/>
+              <a:t>文档</a:t>
+            </a:r>
+            <a:r>
+              <a:rPr lang="en-US" altLang="zh-CN" dirty="0"/>
+              <a:t>/</a:t>
+            </a:r>
+            <a:r>
+              <a:rPr lang="zh-CN" altLang="en-US" dirty="0"/>
+              <a:t>建立</a:t>
+            </a:r>
+            <a:r>
+              <a:rPr lang="en-US" altLang="zh-CN" dirty="0"/>
+              <a:t>XML</a:t>
+            </a:r>
+            <a:r>
+              <a:rPr lang="zh-CN" altLang="en-US" dirty="0"/>
+              <a:t>注释</a:t>
+            </a:r>
+          </a:p>
+        </p:txBody>
+      </p:sp>
+      <p:sp>
+        <p:nvSpPr>
+          <p:cNvPr id="3" name="内容占位符 2"/>
+          <p:cNvSpPr>
+            <a:spLocks noGrp="1"/>
+          </p:cNvSpPr>
+          <p:nvPr>
+            <p:ph idx="1"/>
+          </p:nvPr>
+        </p:nvSpPr>
+        <p:spPr/>
+        <p:txBody>
+          <a:bodyPr/>
+          <a:lstStyle/>
+          <a:p>
+            <a:pPr marL="0" indent="0">
+              <a:buNone/>
+            </a:pPr>
+            <a:r>
+              <a:rPr lang="zh-CN" altLang="en-US" b="1" dirty="0"/>
+              <a:t>应当</a:t>
+            </a:r>
+            <a:r>
+              <a:rPr lang="zh-CN" altLang="en-US" dirty="0"/>
+              <a:t>为需要被调用的类型和方法定义</a:t>
+            </a:r>
+            <a:r>
+              <a:rPr lang="en-US" altLang="zh-CN" dirty="0"/>
+              <a:t>XML</a:t>
+            </a:r>
+            <a:r>
+              <a:rPr lang="zh-CN" altLang="en-US" dirty="0"/>
+              <a:t>注释。</a:t>
+            </a:r>
+            <a:r>
+              <a:rPr lang="en-US" altLang="zh-CN" dirty="0"/>
+              <a:t>VisualStudio</a:t>
+            </a:r>
+            <a:r>
+              <a:rPr lang="zh-CN" altLang="en-US" dirty="0"/>
+              <a:t>会使用</a:t>
+            </a:r>
+            <a:r>
+              <a:rPr lang="en-US" altLang="zh-CN" dirty="0"/>
+              <a:t>XML</a:t>
+            </a:r>
+            <a:r>
+              <a:rPr lang="zh-CN" altLang="en-US" dirty="0"/>
+              <a:t>注释用于只能感知，</a:t>
+            </a:r>
+            <a:r>
+              <a:rPr lang="en-US" altLang="zh-CN" dirty="0"/>
+              <a:t>XML</a:t>
+            </a:r>
+            <a:r>
+              <a:rPr lang="zh-CN" altLang="en-US" dirty="0"/>
+              <a:t>注释也能很方便的用于文档。</a:t>
+            </a:r>
+            <a:endParaRPr lang="en-US" altLang="zh-CN" dirty="0"/>
+          </a:p>
+          <a:p>
+            <a:pPr marL="0" indent="0">
+              <a:buNone/>
+            </a:pPr>
+            <a:endParaRPr lang="en-US" altLang="zh-CN" dirty="0"/>
+          </a:p>
+          <a:p>
+            <a:r>
+              <a:rPr lang="en-US" altLang="zh-CN" dirty="0"/>
+              <a:t>XML</a:t>
+            </a:r>
+            <a:r>
+              <a:rPr lang="zh-CN" altLang="en-US" dirty="0"/>
+              <a:t>注释是以</a:t>
+            </a:r>
+            <a:r>
+              <a:rPr lang="en-US" altLang="zh-CN" dirty="0"/>
+              <a:t>///</a:t>
+            </a:r>
+            <a:r>
+              <a:rPr lang="zh-CN" altLang="en-US" dirty="0"/>
+              <a:t>开头以注释方式存在的</a:t>
+            </a:r>
+            <a:r>
+              <a:rPr lang="en-US" altLang="zh-CN" dirty="0"/>
+              <a:t>XML</a:t>
+            </a:r>
+            <a:r>
+              <a:rPr lang="zh-CN" altLang="en-US" dirty="0"/>
+              <a:t>文档，定义在注释目标的开头</a:t>
+            </a:r>
+            <a:endParaRPr lang="en-US" altLang="zh-CN" dirty="0"/>
+          </a:p>
+          <a:p>
+            <a:r>
+              <a:rPr lang="zh-CN" altLang="en-US" dirty="0"/>
+              <a:t>在</a:t>
+            </a:r>
+            <a:r>
+              <a:rPr lang="en-US" altLang="zh-CN" dirty="0"/>
+              <a:t>VisualStudio</a:t>
+            </a:r>
+            <a:r>
+              <a:rPr lang="zh-CN" altLang="en-US" dirty="0"/>
+              <a:t>中，在注释目标之前输入</a:t>
+            </a:r>
+            <a:r>
+              <a:rPr lang="en-US" altLang="zh-CN" dirty="0"/>
+              <a:t>///</a:t>
+            </a:r>
+            <a:r>
+              <a:rPr lang="zh-CN" altLang="en-US" dirty="0"/>
+              <a:t>可以生成默认的</a:t>
+            </a:r>
+            <a:r>
+              <a:rPr lang="en-US" altLang="zh-CN" dirty="0"/>
+              <a:t>XML</a:t>
+            </a:r>
+            <a:r>
+              <a:rPr lang="zh-CN" altLang="en-US" dirty="0"/>
+              <a:t>注释</a:t>
+            </a:r>
+          </a:p>
+        </p:txBody>
+      </p:sp>
+      <p:pic>
+        <p:nvPicPr>
+          <p:cNvPr id="4" name="图片 3"/>
+          <p:cNvPicPr>
+            <a:picLocks noChangeAspect="1"/>
+          </p:cNvPicPr>
+          <p:nvPr/>
+        </p:nvPicPr>
+        <p:blipFill>
+          <a:blip r:embed="rId2"/>
+          <a:stretch>
+            <a:fillRect/>
+          </a:stretch>
+        </p:blipFill>
+        <p:spPr>
+          <a:xfrm>
+            <a:off x="4685470" y="4779685"/>
+            <a:ext cx="6800850" cy="1543050"/>
+          </a:xfrm>
+          <a:prstGeom prst="rect">
+            <a:avLst/>
+          </a:prstGeom>
+        </p:spPr>
+      </p:pic>
+    </p:spTree>
+    <p:extLst>
+      <p:ext uri="{BB962C8B-B14F-4D97-AF65-F5344CB8AC3E}">
+        <p14:creationId xmlns:p14="http://schemas.microsoft.com/office/powerpoint/2010/main" val="1084965733"/>
+      </p:ext>
+    </p:extLst>
+  </p:cSld>
+  <p:clrMapOvr>
+    <a:masterClrMapping/>
+  </p:clrMapOvr>
+</p:sld>
+</file>
+
+<file path=ppt/slides/slide15.xml><?xml version="1.0" encoding="utf-8"?>
+<p:sld xmlns:a="http://schemas.openxmlformats.org/drawingml/2006/main" xmlns:r="http://schemas.openxmlformats.org/officeDocument/2006/relationships" xmlns:p="http://schemas.openxmlformats.org/presentationml/2006/main">
+  <p:cSld>
+    <p:spTree>
+      <p:nvGrpSpPr>
+        <p:cNvPr id="1" name=""/>
+        <p:cNvGrpSpPr/>
+        <p:nvPr/>
+      </p:nvGrpSpPr>
+      <p:grpSpPr>
+        <a:xfrm>
+          <a:off x="0" y="0"/>
+          <a:ext cx="0" cy="0"/>
+          <a:chOff x="0" y="0"/>
+          <a:chExt cx="0" cy="0"/>
+        </a:xfrm>
+      </p:grpSpPr>
+      <p:sp>
+        <p:nvSpPr>
+          <p:cNvPr id="2" name="标题 1"/>
+          <p:cNvSpPr>
+            <a:spLocks noGrp="1"/>
+          </p:cNvSpPr>
+          <p:nvPr>
+            <p:ph type="title"/>
+          </p:nvPr>
+        </p:nvSpPr>
+        <p:spPr/>
+        <p:txBody>
+          <a:bodyPr/>
+          <a:lstStyle/>
+          <a:p>
+            <a:r>
+              <a:rPr lang="zh-CN" altLang="en-US" dirty="0"/>
+              <a:t>文档</a:t>
+            </a:r>
+            <a:r>
+              <a:rPr lang="en-US" altLang="zh-CN" dirty="0"/>
+              <a:t>/</a:t>
+            </a:r>
+            <a:r>
+              <a:rPr lang="zh-CN" altLang="en-US" dirty="0"/>
+              <a:t>常见标签</a:t>
+            </a:r>
+          </a:p>
+        </p:txBody>
+      </p:sp>
+      <p:sp>
+        <p:nvSpPr>
+          <p:cNvPr id="3" name="内容占位符 2"/>
+          <p:cNvSpPr>
+            <a:spLocks noGrp="1"/>
+          </p:cNvSpPr>
+          <p:nvPr>
+            <p:ph idx="1"/>
+          </p:nvPr>
+        </p:nvSpPr>
+        <p:spPr/>
+        <p:txBody>
+          <a:bodyPr>
+            <a:normAutofit fontScale="92500" lnSpcReduction="10000"/>
+          </a:bodyPr>
+          <a:lstStyle/>
+          <a:p>
+            <a:r>
+              <a:rPr lang="en-US" altLang="zh-CN" dirty="0" err="1"/>
+              <a:t>summay</a:t>
+            </a:r>
+            <a:endParaRPr lang="en-US" altLang="zh-CN" dirty="0"/>
+          </a:p>
+          <a:p>
+            <a:r>
+              <a:rPr lang="en-US" altLang="zh-CN" dirty="0" err="1"/>
+              <a:t>params</a:t>
+            </a:r>
+            <a:endParaRPr lang="en-US" altLang="zh-CN" dirty="0"/>
+          </a:p>
+          <a:p>
+            <a:r>
+              <a:rPr lang="en-US" altLang="zh-CN" dirty="0"/>
+              <a:t>returns</a:t>
+            </a:r>
+          </a:p>
+          <a:p>
+            <a:r>
+              <a:rPr lang="en-US" altLang="zh-CN" dirty="0" err="1"/>
+              <a:t>typeparam</a:t>
+            </a:r>
+            <a:endParaRPr lang="en-US" altLang="zh-CN" dirty="0"/>
+          </a:p>
+          <a:p>
+            <a:r>
+              <a:rPr lang="en-US" altLang="zh-CN" dirty="0"/>
+              <a:t>exception</a:t>
+            </a:r>
+          </a:p>
+          <a:p>
+            <a:r>
+              <a:rPr lang="en-US" altLang="zh-CN" dirty="0"/>
+              <a:t>code</a:t>
+            </a:r>
+          </a:p>
+          <a:p>
+            <a:r>
+              <a:rPr lang="en-US" altLang="zh-CN" dirty="0"/>
+              <a:t>example</a:t>
+            </a:r>
+          </a:p>
+          <a:p>
+            <a:endParaRPr lang="en-US" altLang="zh-CN" dirty="0"/>
+          </a:p>
+          <a:p>
+            <a:endParaRPr lang="en-US" altLang="zh-CN" dirty="0"/>
+          </a:p>
+          <a:p>
+            <a:pPr marL="0" indent="0">
+              <a:buNone/>
+            </a:pPr>
+            <a:r>
+              <a:rPr lang="zh-CN" altLang="en-US" sz="2200" dirty="0"/>
+              <a:t>完整的</a:t>
+            </a:r>
+            <a:r>
+              <a:rPr lang="en-US" altLang="zh-CN" sz="2200" dirty="0"/>
+              <a:t>XML</a:t>
+            </a:r>
+            <a:r>
+              <a:rPr lang="zh-CN" altLang="en-US" sz="2200" dirty="0"/>
+              <a:t>注释列表参考 </a:t>
+            </a:r>
+            <a:r>
+              <a:rPr lang="en-US" altLang="zh-CN" sz="2200" dirty="0"/>
+              <a:t>https://msdn.microsoft.com/zh-cn/library/5ast78ax.aspx</a:t>
+            </a:r>
+            <a:endParaRPr lang="zh-CN" altLang="en-US" sz="2200" dirty="0"/>
+          </a:p>
+        </p:txBody>
+      </p:sp>
+    </p:spTree>
+    <p:extLst>
+      <p:ext uri="{BB962C8B-B14F-4D97-AF65-F5344CB8AC3E}">
+        <p14:creationId xmlns:p14="http://schemas.microsoft.com/office/powerpoint/2010/main" val="3147219165"/>
+      </p:ext>
+    </p:extLst>
+  </p:cSld>
+  <p:clrMapOvr>
+    <a:masterClrMapping/>
+  </p:clrMapOvr>
+</p:sld>
+</file>
+
+<file path=ppt/slides/slide16.xml><?xml version="1.0" encoding="utf-8"?>
+<p:sld xmlns:a="http://schemas.openxmlformats.org/drawingml/2006/main" xmlns:r="http://schemas.openxmlformats.org/officeDocument/2006/relationships" xmlns:p="http://schemas.openxmlformats.org/presentationml/2006/main">
+  <p:cSld>
+    <p:spTree>
+      <p:nvGrpSpPr>
+        <p:cNvPr id="1" name=""/>
+        <p:cNvGrpSpPr/>
+        <p:nvPr/>
+      </p:nvGrpSpPr>
+      <p:grpSpPr>
+        <a:xfrm>
+          <a:off x="0" y="0"/>
+          <a:ext cx="0" cy="0"/>
+          <a:chOff x="0" y="0"/>
+          <a:chExt cx="0" cy="0"/>
+        </a:xfrm>
+      </p:grpSpPr>
+      <p:sp>
+        <p:nvSpPr>
+          <p:cNvPr id="2" name="标题 1"/>
+          <p:cNvSpPr>
+            <a:spLocks noGrp="1"/>
+          </p:cNvSpPr>
+          <p:nvPr>
+            <p:ph type="title"/>
+          </p:nvPr>
+        </p:nvSpPr>
+        <p:spPr/>
+        <p:txBody>
+          <a:bodyPr/>
+          <a:lstStyle/>
+          <a:p>
+            <a:r>
+              <a:rPr lang="zh-CN" altLang="en-US" dirty="0"/>
+              <a:t>文档</a:t>
+            </a:r>
+            <a:r>
+              <a:rPr lang="en-US" altLang="zh-CN" dirty="0"/>
+              <a:t>/</a:t>
+            </a:r>
+            <a:r>
+              <a:rPr lang="zh-CN" altLang="en-US" dirty="0"/>
+              <a:t>使用</a:t>
+            </a:r>
+            <a:r>
+              <a:rPr lang="en-US" altLang="zh-CN" dirty="0"/>
+              <a:t>Sandcastle</a:t>
+            </a:r>
+            <a:endParaRPr lang="zh-CN" altLang="en-US" dirty="0"/>
+          </a:p>
+        </p:txBody>
+      </p:sp>
+      <p:sp>
+        <p:nvSpPr>
+          <p:cNvPr id="3" name="内容占位符 2"/>
+          <p:cNvSpPr>
+            <a:spLocks noGrp="1"/>
+          </p:cNvSpPr>
+          <p:nvPr>
+            <p:ph idx="1"/>
+          </p:nvPr>
+        </p:nvSpPr>
+        <p:spPr>
+          <a:xfrm>
+            <a:off x="838200" y="1825625"/>
+            <a:ext cx="6019800" cy="4351338"/>
+          </a:xfrm>
+        </p:spPr>
+        <p:txBody>
+          <a:bodyPr>
+            <a:normAutofit/>
+          </a:bodyPr>
+          <a:lstStyle/>
+          <a:p>
+            <a:pPr marL="0" indent="0">
+              <a:buNone/>
+            </a:pPr>
+            <a:r>
+              <a:rPr lang="zh-CN" altLang="en-US" sz="2400" dirty="0"/>
+              <a:t>使用</a:t>
+            </a:r>
+            <a:r>
+              <a:rPr lang="en-US" altLang="zh-CN" sz="2400" dirty="0" err="1"/>
+              <a:t>SandCastle</a:t>
+            </a:r>
+            <a:r>
+              <a:rPr lang="zh-CN" altLang="en-US" sz="2400" dirty="0"/>
+              <a:t>工具可以通过</a:t>
+            </a:r>
+            <a:r>
+              <a:rPr lang="en-US" altLang="zh-CN" sz="2400" dirty="0"/>
+              <a:t>XML</a:t>
+            </a:r>
+            <a:r>
+              <a:rPr lang="zh-CN" altLang="en-US" sz="2400" dirty="0"/>
+              <a:t>注释生成项目文档。</a:t>
+            </a:r>
+            <a:endParaRPr lang="en-US" altLang="zh-CN" sz="2400" dirty="0"/>
+          </a:p>
+          <a:p>
+            <a:pPr marL="457200" indent="-457200">
+              <a:buFont typeface="+mj-lt"/>
+              <a:buAutoNum type="arabicPeriod"/>
+            </a:pPr>
+            <a:r>
+              <a:rPr lang="zh-CN" altLang="en-US" sz="2400" dirty="0"/>
+              <a:t>在项目属性中勾选</a:t>
+            </a:r>
+            <a:r>
+              <a:rPr lang="en-US" altLang="zh-CN" sz="2400" dirty="0"/>
+              <a:t>”</a:t>
+            </a:r>
+            <a:r>
+              <a:rPr lang="zh-CN" altLang="en-US" sz="2400" dirty="0"/>
+              <a:t>生成</a:t>
+            </a:r>
+            <a:r>
+              <a:rPr lang="en-US" altLang="zh-CN" sz="2400" dirty="0"/>
+              <a:t>XML</a:t>
+            </a:r>
+            <a:r>
+              <a:rPr lang="zh-CN" altLang="en-US" sz="2400" dirty="0"/>
+              <a:t>文档文件</a:t>
+            </a:r>
+            <a:r>
+              <a:rPr lang="en-US" altLang="zh-CN" sz="2400" dirty="0"/>
+              <a:t>”</a:t>
+            </a:r>
+          </a:p>
+          <a:p>
+            <a:pPr marL="457200" indent="-457200">
+              <a:buFont typeface="+mj-lt"/>
+              <a:buAutoNum type="arabicPeriod"/>
+            </a:pPr>
+            <a:r>
+              <a:rPr lang="zh-CN" altLang="en-US" sz="2400" dirty="0"/>
+              <a:t>生成项目</a:t>
+            </a:r>
+            <a:endParaRPr lang="en-US" altLang="zh-CN" sz="2400" dirty="0"/>
+          </a:p>
+          <a:p>
+            <a:pPr marL="457200" indent="-457200">
+              <a:buFont typeface="+mj-lt"/>
+              <a:buAutoNum type="arabicPeriod"/>
+            </a:pPr>
+            <a:r>
+              <a:rPr lang="zh-CN" altLang="en-US" sz="2400" dirty="0"/>
+              <a:t>通过</a:t>
+            </a:r>
+            <a:r>
+              <a:rPr lang="en-US" altLang="zh-CN" sz="2400" dirty="0"/>
+              <a:t>VisualStudio</a:t>
+            </a:r>
+            <a:r>
+              <a:rPr lang="zh-CN" altLang="en-US" sz="2400" dirty="0"/>
+              <a:t>新建</a:t>
+            </a:r>
+            <a:r>
+              <a:rPr lang="en-US" altLang="zh-CN" sz="2400" dirty="0" err="1"/>
+              <a:t>SandCastle</a:t>
+            </a:r>
+            <a:r>
+              <a:rPr lang="zh-CN" altLang="en-US" sz="2400" dirty="0"/>
+              <a:t>文档项目</a:t>
+            </a:r>
+            <a:endParaRPr lang="en-US" altLang="zh-CN" sz="2400" dirty="0"/>
+          </a:p>
+          <a:p>
+            <a:pPr marL="457200" indent="-457200">
+              <a:buFont typeface="+mj-lt"/>
+              <a:buAutoNum type="arabicPeriod"/>
+            </a:pPr>
+            <a:r>
+              <a:rPr lang="zh-CN" altLang="en-US" sz="2400" dirty="0"/>
+              <a:t>将先前生成的</a:t>
+            </a:r>
+            <a:r>
+              <a:rPr lang="en-US" altLang="zh-CN" sz="2400" dirty="0"/>
+              <a:t>XML</a:t>
+            </a:r>
+            <a:r>
+              <a:rPr lang="zh-CN" altLang="en-US" sz="2400" dirty="0"/>
+              <a:t>文件添加到文档项目中</a:t>
+            </a:r>
+            <a:endParaRPr lang="en-US" altLang="zh-CN" sz="2400" dirty="0"/>
+          </a:p>
+          <a:p>
+            <a:pPr marL="457200" indent="-457200">
+              <a:buFont typeface="+mj-lt"/>
+              <a:buAutoNum type="arabicPeriod"/>
+            </a:pPr>
+            <a:r>
+              <a:rPr lang="zh-CN" altLang="en-US" sz="2400" dirty="0"/>
+              <a:t>酌情修改文档项目属性与文档模版</a:t>
+            </a:r>
+            <a:endParaRPr lang="en-US" altLang="zh-CN" sz="2400" dirty="0"/>
+          </a:p>
+          <a:p>
+            <a:pPr marL="457200" indent="-457200">
+              <a:buFont typeface="+mj-lt"/>
+              <a:buAutoNum type="arabicPeriod"/>
+            </a:pPr>
+            <a:r>
+              <a:rPr lang="zh-CN" altLang="en-US" sz="2400" dirty="0"/>
+              <a:t>生成文档项目</a:t>
+            </a:r>
+          </a:p>
+        </p:txBody>
+      </p:sp>
+      <p:pic>
+        <p:nvPicPr>
+          <p:cNvPr id="4" name="图片 3"/>
+          <p:cNvPicPr>
+            <a:picLocks noChangeAspect="1"/>
+          </p:cNvPicPr>
+          <p:nvPr/>
+        </p:nvPicPr>
+        <p:blipFill>
+          <a:blip r:embed="rId2"/>
+          <a:stretch>
+            <a:fillRect/>
+          </a:stretch>
+        </p:blipFill>
+        <p:spPr>
+          <a:xfrm>
+            <a:off x="7604125" y="219676"/>
+            <a:ext cx="3898900" cy="808230"/>
+          </a:xfrm>
+          <a:prstGeom prst="rect">
+            <a:avLst/>
+          </a:prstGeom>
+        </p:spPr>
+      </p:pic>
+      <p:pic>
+        <p:nvPicPr>
+          <p:cNvPr id="5" name="图片 4"/>
+          <p:cNvPicPr>
+            <a:picLocks noChangeAspect="1"/>
+          </p:cNvPicPr>
+          <p:nvPr/>
+        </p:nvPicPr>
+        <p:blipFill>
+          <a:blip r:embed="rId3"/>
+          <a:stretch>
+            <a:fillRect/>
+          </a:stretch>
+        </p:blipFill>
+        <p:spPr>
+          <a:xfrm>
+            <a:off x="8253412" y="1530159"/>
+            <a:ext cx="2600325" cy="2752725"/>
+          </a:xfrm>
+          <a:prstGeom prst="rect">
+            <a:avLst/>
+          </a:prstGeom>
+        </p:spPr>
+      </p:pic>
+      <p:pic>
+        <p:nvPicPr>
+          <p:cNvPr id="6" name="图片 5"/>
+          <p:cNvPicPr>
+            <a:picLocks noChangeAspect="1"/>
+          </p:cNvPicPr>
+          <p:nvPr/>
+        </p:nvPicPr>
+        <p:blipFill>
+          <a:blip r:embed="rId4"/>
+          <a:stretch>
+            <a:fillRect/>
+          </a:stretch>
+        </p:blipFill>
+        <p:spPr>
+          <a:xfrm>
+            <a:off x="6915149" y="4821237"/>
+            <a:ext cx="5276850" cy="2752725"/>
+          </a:xfrm>
+          <a:prstGeom prst="rect">
+            <a:avLst/>
+          </a:prstGeom>
+        </p:spPr>
+      </p:pic>
+      <p:sp>
+        <p:nvSpPr>
+          <p:cNvPr id="7" name="箭头: 下 6"/>
+          <p:cNvSpPr/>
+          <p:nvPr/>
+        </p:nvSpPr>
+        <p:spPr>
+          <a:xfrm>
+            <a:off x="9410700" y="1027906"/>
+            <a:ext cx="368300" cy="502253"/>
+          </a:xfrm>
+          <a:prstGeom prst="downArrow">
+            <a:avLst/>
+          </a:prstGeom>
+        </p:spPr>
+        <p:style>
+          <a:lnRef idx="2">
+            <a:schemeClr val="accent1">
+              <a:shade val="50000"/>
+            </a:schemeClr>
+          </a:lnRef>
+          <a:fillRef idx="1">
+            <a:schemeClr val="accent1"/>
+          </a:fillRef>
+          <a:effectRef idx="0">
+            <a:schemeClr val="accent1"/>
+          </a:effectRef>
+          <a:fontRef idx="minor">
+            <a:schemeClr val="lt1"/>
+          </a:fontRef>
+        </p:style>
+        <p:txBody>
+          <a:bodyPr rtlCol="0" anchor="ctr"/>
+          <a:lstStyle/>
+          <a:p>
+            <a:pPr algn="ctr"/>
+            <a:endParaRPr lang="zh-CN" altLang="en-US"/>
+          </a:p>
+        </p:txBody>
+      </p:sp>
+      <p:sp>
+        <p:nvSpPr>
+          <p:cNvPr id="8" name="箭头: 下 7"/>
+          <p:cNvSpPr/>
+          <p:nvPr/>
+        </p:nvSpPr>
+        <p:spPr>
+          <a:xfrm>
+            <a:off x="9369424" y="4282884"/>
+            <a:ext cx="368300" cy="502253"/>
+          </a:xfrm>
+          <a:prstGeom prst="downArrow">
+            <a:avLst/>
+          </a:prstGeom>
+        </p:spPr>
+        <p:style>
+          <a:lnRef idx="2">
+            <a:schemeClr val="accent1">
+              <a:shade val="50000"/>
+            </a:schemeClr>
+          </a:lnRef>
+          <a:fillRef idx="1">
+            <a:schemeClr val="accent1"/>
+          </a:fillRef>
+          <a:effectRef idx="0">
+            <a:schemeClr val="accent1"/>
+          </a:effectRef>
+          <a:fontRef idx="minor">
+            <a:schemeClr val="lt1"/>
+          </a:fontRef>
+        </p:style>
+        <p:txBody>
+          <a:bodyPr rtlCol="0" anchor="ctr"/>
+          <a:lstStyle/>
+          <a:p>
+            <a:pPr algn="ctr"/>
+            <a:endParaRPr lang="zh-CN" altLang="en-US"/>
+          </a:p>
+        </p:txBody>
+      </p:sp>
+    </p:spTree>
+    <p:extLst>
+      <p:ext uri="{BB962C8B-B14F-4D97-AF65-F5344CB8AC3E}">
+        <p14:creationId xmlns:p14="http://schemas.microsoft.com/office/powerpoint/2010/main" val="1031730970"/>
+      </p:ext>
+    </p:extLst>
+  </p:cSld>
+  <p:clrMapOvr>
+    <a:masterClrMapping/>
+  </p:clrMapOvr>
+</p:sld>
+</file>
+
+<file path=ppt/slides/slide17.xml><?xml version="1.0" encoding="utf-8"?>
+<p:sld xmlns:a="http://schemas.openxmlformats.org/drawingml/2006/main" xmlns:r="http://schemas.openxmlformats.org/officeDocument/2006/relationships" xmlns:p="http://schemas.openxmlformats.org/presentationml/2006/main">
+  <p:cSld>
+    <p:spTree>
+      <p:nvGrpSpPr>
+        <p:cNvPr id="1" name=""/>
+        <p:cNvGrpSpPr/>
+        <p:nvPr/>
+      </p:nvGrpSpPr>
+      <p:grpSpPr>
+        <a:xfrm>
+          <a:off x="0" y="0"/>
+          <a:ext cx="0" cy="0"/>
+          <a:chOff x="0" y="0"/>
+          <a:chExt cx="0" cy="0"/>
+        </a:xfrm>
+      </p:grpSpPr>
+      <p:sp>
+        <p:nvSpPr>
+          <p:cNvPr id="2" name="标题 1"/>
+          <p:cNvSpPr>
+            <a:spLocks noGrp="1"/>
+          </p:cNvSpPr>
+          <p:nvPr>
+            <p:ph type="title"/>
+          </p:nvPr>
+        </p:nvSpPr>
+        <p:spPr/>
+        <p:txBody>
+          <a:bodyPr/>
+          <a:lstStyle/>
+          <a:p>
+            <a:r>
+              <a:rPr lang="zh-CN" altLang="en-US" dirty="0"/>
               <a:t>磁盘结构</a:t>
             </a:r>
             <a:r>
@@ -3557,7 +5069,7 @@
 </p:sld>
 </file>
 
-<file path=ppt/slides/slide13.xml><?xml version="1.0" encoding="utf-8"?>
+<file path=ppt/slides/slide18.xml><?xml version="1.0" encoding="utf-8"?>
 <p:sld xmlns:a="http://schemas.openxmlformats.org/drawingml/2006/main" xmlns:r="http://schemas.openxmlformats.org/officeDocument/2006/relationships" xmlns:p="http://schemas.openxmlformats.org/presentationml/2006/main">
   <p:cSld>
     <p:spTree>
@@ -3790,7 +5302,7 @@
 </p:sld>
 </file>
 
-<file path=ppt/slides/slide14.xml><?xml version="1.0" encoding="utf-8"?>
+<file path=ppt/slides/slide19.xml><?xml version="1.0" encoding="utf-8"?>
 <p:sld xmlns:a="http://schemas.openxmlformats.org/drawingml/2006/main" xmlns:r="http://schemas.openxmlformats.org/officeDocument/2006/relationships" xmlns:p="http://schemas.openxmlformats.org/presentationml/2006/main">
   <p:cSld>
     <p:spTree>
@@ -4421,7 +5933,130 @@
 </p:sld>
 </file>
 
-<file path=ppt/slides/slide15.xml><?xml version="1.0" encoding="utf-8"?>
+<file path=ppt/slides/slide2.xml><?xml version="1.0" encoding="utf-8"?>
+<p:sld xmlns:a="http://schemas.openxmlformats.org/drawingml/2006/main" xmlns:r="http://schemas.openxmlformats.org/officeDocument/2006/relationships" xmlns:p="http://schemas.openxmlformats.org/presentationml/2006/main">
+  <p:cSld>
+    <p:spTree>
+      <p:nvGrpSpPr>
+        <p:cNvPr id="1" name=""/>
+        <p:cNvGrpSpPr/>
+        <p:nvPr/>
+      </p:nvGrpSpPr>
+      <p:grpSpPr>
+        <a:xfrm>
+          <a:off x="0" y="0"/>
+          <a:ext cx="0" cy="0"/>
+          <a:chOff x="0" y="0"/>
+          <a:chExt cx="0" cy="0"/>
+        </a:xfrm>
+      </p:grpSpPr>
+      <p:sp>
+        <p:nvSpPr>
+          <p:cNvPr id="2" name="标题 1"/>
+          <p:cNvSpPr>
+            <a:spLocks noGrp="1"/>
+          </p:cNvSpPr>
+          <p:nvPr>
+            <p:ph type="title"/>
+          </p:nvPr>
+        </p:nvSpPr>
+        <p:spPr/>
+        <p:txBody>
+          <a:bodyPr/>
+          <a:lstStyle/>
+          <a:p>
+            <a:r>
+              <a:rPr lang="zh-CN" altLang="en-US" dirty="0"/>
+              <a:t>目录</a:t>
+            </a:r>
+          </a:p>
+        </p:txBody>
+      </p:sp>
+      <p:sp>
+        <p:nvSpPr>
+          <p:cNvPr id="3" name="内容占位符 2"/>
+          <p:cNvSpPr>
+            <a:spLocks noGrp="1"/>
+          </p:cNvSpPr>
+          <p:nvPr>
+            <p:ph idx="1"/>
+          </p:nvPr>
+        </p:nvSpPr>
+        <p:spPr/>
+        <p:txBody>
+          <a:bodyPr/>
+          <a:lstStyle/>
+          <a:p>
+            <a:r>
+              <a:rPr lang="en-US" altLang="zh-CN" dirty="0" err="1"/>
+              <a:t>.Net</a:t>
+            </a:r>
+            <a:r>
+              <a:rPr lang="zh-CN" altLang="en-US" dirty="0"/>
+              <a:t>平台谱系</a:t>
+            </a:r>
+            <a:endParaRPr lang="en-US" altLang="zh-CN" dirty="0"/>
+          </a:p>
+          <a:p>
+            <a:r>
+              <a:rPr lang="en-US" altLang="zh-CN" dirty="0" err="1"/>
+              <a:t>.Net</a:t>
+            </a:r>
+            <a:r>
+              <a:rPr lang="zh-CN" altLang="en-US" dirty="0"/>
+              <a:t>应用程序集结构</a:t>
+            </a:r>
+            <a:endParaRPr lang="en-US" altLang="zh-CN" dirty="0"/>
+          </a:p>
+          <a:p>
+            <a:pPr lvl="1"/>
+            <a:r>
+              <a:rPr lang="zh-CN" altLang="en-US" dirty="0"/>
+              <a:t>磁盘平面结构</a:t>
+            </a:r>
+            <a:endParaRPr lang="en-US" altLang="zh-CN" dirty="0"/>
+          </a:p>
+          <a:p>
+            <a:pPr lvl="1"/>
+            <a:r>
+              <a:rPr lang="zh-CN" altLang="en-US" dirty="0"/>
+              <a:t>内存结构</a:t>
+            </a:r>
+            <a:endParaRPr lang="en-US" altLang="zh-CN" dirty="0"/>
+          </a:p>
+          <a:p>
+            <a:r>
+              <a:rPr lang="en-US" altLang="zh-CN" dirty="0"/>
+              <a:t>IL2CPP</a:t>
+            </a:r>
+            <a:r>
+              <a:rPr lang="zh-CN" altLang="en-US" dirty="0"/>
+              <a:t>概览</a:t>
+            </a:r>
+            <a:endParaRPr lang="en-US" altLang="zh-CN" dirty="0"/>
+          </a:p>
+          <a:p>
+            <a:r>
+              <a:rPr lang="zh-CN" altLang="en-US" dirty="0"/>
+              <a:t>实践优化</a:t>
+            </a:r>
+          </a:p>
+        </p:txBody>
+      </p:sp>
+    </p:spTree>
+    <p:extLst>
+      <p:ext uri="{BB962C8B-B14F-4D97-AF65-F5344CB8AC3E}">
+        <p14:creationId xmlns:p14="http://schemas.microsoft.com/office/powerpoint/2010/main" val="2703389415"/>
+      </p:ext>
+    </p:extLst>
+  </p:cSld>
+  <p:clrMapOvr>
+    <a:masterClrMapping/>
+  </p:clrMapOvr>
+</p:sld>
+</file>
+
+<file path=ppt/slides/slide20.xml><?xml version="1.0" encoding="utf-8"?>
 <p:sld xmlns:a="http://schemas.openxmlformats.org/drawingml/2006/main" xmlns:r="http://schemas.openxmlformats.org/officeDocument/2006/relationships" xmlns:p="http://schemas.openxmlformats.org/presentationml/2006/main">
   <p:cSld>
     <p:spTree>
@@ -4778,7 +6413,7 @@
 </p:sld>
 </file>
 
-<file path=ppt/slides/slide16.xml><?xml version="1.0" encoding="utf-8"?>
+<file path=ppt/slides/slide21.xml><?xml version="1.0" encoding="utf-8"?>
 <p:sld xmlns:a="http://schemas.openxmlformats.org/drawingml/2006/main" xmlns:r="http://schemas.openxmlformats.org/officeDocument/2006/relationships" xmlns:p="http://schemas.openxmlformats.org/presentationml/2006/main">
   <p:cSld>
     <p:spTree>
@@ -4935,7 +6570,7 @@
 </p:sld>
 </file>
 
-<file path=ppt/slides/slide17.xml><?xml version="1.0" encoding="utf-8"?>
+<file path=ppt/slides/slide22.xml><?xml version="1.0" encoding="utf-8"?>
 <p:sld xmlns:a="http://schemas.openxmlformats.org/drawingml/2006/main" xmlns:r="http://schemas.openxmlformats.org/officeDocument/2006/relationships" xmlns:p="http://schemas.openxmlformats.org/presentationml/2006/main">
   <p:cSld>
     <p:spTree>
@@ -5025,1164 +6660,6 @@
 </p:sld>
 </file>
 
-<file path=ppt/slides/slide18.xml><?xml version="1.0" encoding="utf-8"?>
-<p:sld xmlns:a="http://schemas.openxmlformats.org/drawingml/2006/main" xmlns:r="http://schemas.openxmlformats.org/officeDocument/2006/relationships" xmlns:p="http://schemas.openxmlformats.org/presentationml/2006/main">
-  <p:cSld>
-    <p:spTree>
-      <p:nvGrpSpPr>
-        <p:cNvPr id="1" name=""/>
-        <p:cNvGrpSpPr/>
-        <p:nvPr/>
-      </p:nvGrpSpPr>
-      <p:grpSpPr>
-        <a:xfrm>
-          <a:off x="0" y="0"/>
-          <a:ext cx="0" cy="0"/>
-          <a:chOff x="0" y="0"/>
-          <a:chExt cx="0" cy="0"/>
-        </a:xfrm>
-      </p:grpSpPr>
-      <p:sp>
-        <p:nvSpPr>
-          <p:cNvPr id="2" name="标题 1"/>
-          <p:cNvSpPr>
-            <a:spLocks noGrp="1"/>
-          </p:cNvSpPr>
-          <p:nvPr>
-            <p:ph type="title"/>
-          </p:nvPr>
-        </p:nvSpPr>
-        <p:spPr/>
-        <p:txBody>
-          <a:bodyPr/>
-          <a:lstStyle/>
-          <a:p>
-            <a:r>
-              <a:rPr lang="en-US" altLang="zh-CN" dirty="0"/>
-              <a:t>IL2CPP</a:t>
-            </a:r>
-            <a:endParaRPr lang="zh-CN" altLang="en-US" dirty="0"/>
-          </a:p>
-        </p:txBody>
-      </p:sp>
-      <p:sp>
-        <p:nvSpPr>
-          <p:cNvPr id="3" name="内容占位符 2"/>
-          <p:cNvSpPr>
-            <a:spLocks noGrp="1"/>
-          </p:cNvSpPr>
-          <p:nvPr>
-            <p:ph idx="1"/>
-          </p:nvPr>
-        </p:nvSpPr>
-        <p:spPr/>
-        <p:txBody>
-          <a:bodyPr/>
-          <a:lstStyle/>
-          <a:p>
-            <a:r>
-              <a:rPr lang="en-US" altLang="zh-CN" dirty="0"/>
-              <a:t>IL2CPP</a:t>
-            </a:r>
-            <a:r>
-              <a:rPr lang="zh-CN" altLang="en-US" dirty="0"/>
-              <a:t>分别处理字段和方法：实例字段和类字段被生成到相同</a:t>
-            </a:r>
-            <a:r>
-              <a:rPr lang="en-US" altLang="zh-CN" dirty="0"/>
-              <a:t>.h</a:t>
-            </a:r>
-            <a:r>
-              <a:rPr lang="zh-CN" altLang="en-US" dirty="0"/>
-              <a:t>文件的不同结构中，方法被生成到</a:t>
-            </a:r>
-            <a:r>
-              <a:rPr lang="en-US" altLang="zh-CN" dirty="0"/>
-              <a:t>.</a:t>
-            </a:r>
-            <a:r>
-              <a:rPr lang="en-US" altLang="zh-CN" dirty="0" err="1"/>
-              <a:t>cpp</a:t>
-            </a:r>
-            <a:r>
-              <a:rPr lang="zh-CN" altLang="en-US" dirty="0"/>
-              <a:t>文件中</a:t>
-            </a:r>
-            <a:endParaRPr lang="en-US" altLang="zh-CN" dirty="0"/>
-          </a:p>
-          <a:p>
-            <a:r>
-              <a:rPr lang="en-US" altLang="zh-CN" dirty="0"/>
-              <a:t>IL2CPP</a:t>
-            </a:r>
-            <a:r>
-              <a:rPr lang="zh-CN" altLang="en-US" dirty="0"/>
-              <a:t>对</a:t>
-            </a:r>
-            <a:r>
-              <a:rPr lang="en-US" altLang="zh-CN" dirty="0"/>
-              <a:t>IL</a:t>
-            </a:r>
-            <a:r>
-              <a:rPr lang="zh-CN" altLang="en-US" dirty="0"/>
-              <a:t>的翻译近乎直译。</a:t>
-            </a:r>
-            <a:r>
-              <a:rPr lang="en-US" altLang="zh-CN" dirty="0" err="1"/>
-              <a:t>.Net</a:t>
-            </a:r>
-            <a:r>
-              <a:rPr lang="zh-CN" altLang="en-US" dirty="0"/>
-              <a:t>编译器的质量直接影响</a:t>
-            </a:r>
-            <a:r>
-              <a:rPr lang="en-US" altLang="zh-CN" dirty="0"/>
-              <a:t>IL2CPP</a:t>
-            </a:r>
-            <a:r>
-              <a:rPr lang="zh-CN" altLang="en-US" dirty="0"/>
-              <a:t>最终生成的结果</a:t>
-            </a:r>
-            <a:endParaRPr lang="en-US" altLang="zh-CN" dirty="0"/>
-          </a:p>
-          <a:p>
-            <a:r>
-              <a:rPr lang="en-US" altLang="zh-CN" dirty="0"/>
-              <a:t>IL2CPP</a:t>
-            </a:r>
-            <a:r>
-              <a:rPr lang="zh-CN" altLang="en-US" dirty="0"/>
-              <a:t>会为虚调用生成对象，通过支持库</a:t>
-            </a:r>
-            <a:r>
-              <a:rPr lang="en-US" altLang="zh-CN" dirty="0"/>
-              <a:t>libil2cpp</a:t>
-            </a:r>
-            <a:r>
-              <a:rPr lang="zh-CN" altLang="en-US" dirty="0"/>
-              <a:t>方法调用。虚调用会受到一定的优化，有时</a:t>
-            </a:r>
-            <a:r>
-              <a:rPr lang="en-US" altLang="zh-CN" dirty="0" err="1"/>
-              <a:t>callvirt</a:t>
-            </a:r>
-            <a:r>
-              <a:rPr lang="zh-CN" altLang="en-US" dirty="0"/>
-              <a:t>指令并不对真的被翻译为虚调用的形式</a:t>
-            </a:r>
-            <a:endParaRPr lang="en-US" altLang="zh-CN" dirty="0"/>
-          </a:p>
-          <a:p>
-            <a:r>
-              <a:rPr lang="en-US" altLang="zh-CN" dirty="0"/>
-              <a:t>FCL</a:t>
-            </a:r>
-            <a:r>
-              <a:rPr lang="zh-CN" altLang="en-US" dirty="0"/>
-              <a:t>使用和</a:t>
-            </a:r>
-            <a:r>
-              <a:rPr lang="en-US" altLang="zh-CN" dirty="0"/>
-              <a:t>Mono</a:t>
-            </a:r>
-            <a:r>
-              <a:rPr lang="zh-CN" altLang="en-US" dirty="0"/>
-              <a:t>一样的代码，经由</a:t>
-            </a:r>
-            <a:r>
-              <a:rPr lang="en-US" altLang="zh-CN" dirty="0"/>
-              <a:t>IL2CPP</a:t>
-            </a:r>
-            <a:r>
-              <a:rPr lang="zh-CN" altLang="en-US" dirty="0"/>
-              <a:t>编译器翻译而成。虽然损失了潜在的优化，然而确保了代码的一致性</a:t>
-            </a:r>
-          </a:p>
-        </p:txBody>
-      </p:sp>
-    </p:spTree>
-    <p:extLst>
-      <p:ext uri="{BB962C8B-B14F-4D97-AF65-F5344CB8AC3E}">
-        <p14:creationId xmlns:p14="http://schemas.microsoft.com/office/powerpoint/2010/main" val="1747156259"/>
-      </p:ext>
-    </p:extLst>
-  </p:cSld>
-  <p:clrMapOvr>
-    <a:masterClrMapping/>
-  </p:clrMapOvr>
-</p:sld>
-</file>
-
-<file path=ppt/slides/slide19.xml><?xml version="1.0" encoding="utf-8"?>
-<p:sld xmlns:a="http://schemas.openxmlformats.org/drawingml/2006/main" xmlns:r="http://schemas.openxmlformats.org/officeDocument/2006/relationships" xmlns:p="http://schemas.openxmlformats.org/presentationml/2006/main">
-  <p:cSld>
-    <p:spTree>
-      <p:nvGrpSpPr>
-        <p:cNvPr id="1" name=""/>
-        <p:cNvGrpSpPr/>
-        <p:nvPr/>
-      </p:nvGrpSpPr>
-      <p:grpSpPr>
-        <a:xfrm>
-          <a:off x="0" y="0"/>
-          <a:ext cx="0" cy="0"/>
-          <a:chOff x="0" y="0"/>
-          <a:chExt cx="0" cy="0"/>
-        </a:xfrm>
-      </p:grpSpPr>
-      <p:sp>
-        <p:nvSpPr>
-          <p:cNvPr id="2" name="标题 1"/>
-          <p:cNvSpPr>
-            <a:spLocks noGrp="1"/>
-          </p:cNvSpPr>
-          <p:nvPr>
-            <p:ph type="title"/>
-          </p:nvPr>
-        </p:nvSpPr>
-        <p:spPr/>
-        <p:txBody>
-          <a:bodyPr/>
-          <a:lstStyle/>
-          <a:p>
-            <a:r>
-              <a:rPr lang="zh-CN" altLang="en-US" dirty="0"/>
-              <a:t>最佳实践</a:t>
-            </a:r>
-            <a:r>
-              <a:rPr lang="en-US" altLang="zh-CN" dirty="0"/>
-              <a:t>/</a:t>
-            </a:r>
-            <a:r>
-              <a:rPr lang="zh-CN" altLang="en-US" dirty="0"/>
-              <a:t>减少虚调用</a:t>
-            </a:r>
-          </a:p>
-        </p:txBody>
-      </p:sp>
-      <p:sp>
-        <p:nvSpPr>
-          <p:cNvPr id="3" name="内容占位符 2"/>
-          <p:cNvSpPr>
-            <a:spLocks noGrp="1"/>
-          </p:cNvSpPr>
-          <p:nvPr>
-            <p:ph idx="1"/>
-          </p:nvPr>
-        </p:nvSpPr>
-        <p:spPr/>
-        <p:txBody>
-          <a:bodyPr/>
-          <a:lstStyle/>
-          <a:p>
-            <a:r>
-              <a:rPr lang="zh-CN" altLang="en-US" dirty="0"/>
-              <a:t>封闭类</a:t>
-            </a:r>
-            <a:endParaRPr lang="en-US" altLang="zh-CN" dirty="0"/>
-          </a:p>
-          <a:p>
-            <a:r>
-              <a:rPr lang="zh-CN" altLang="en-US" dirty="0"/>
-              <a:t>使用类方法</a:t>
-            </a:r>
-          </a:p>
-        </p:txBody>
-      </p:sp>
-    </p:spTree>
-    <p:extLst>
-      <p:ext uri="{BB962C8B-B14F-4D97-AF65-F5344CB8AC3E}">
-        <p14:creationId xmlns:p14="http://schemas.microsoft.com/office/powerpoint/2010/main" val="3217876481"/>
-      </p:ext>
-    </p:extLst>
-  </p:cSld>
-  <p:clrMapOvr>
-    <a:masterClrMapping/>
-  </p:clrMapOvr>
-</p:sld>
-</file>
-
-<file path=ppt/slides/slide2.xml><?xml version="1.0" encoding="utf-8"?>
-<p:sld xmlns:a="http://schemas.openxmlformats.org/drawingml/2006/main" xmlns:r="http://schemas.openxmlformats.org/officeDocument/2006/relationships" xmlns:p="http://schemas.openxmlformats.org/presentationml/2006/main">
-  <p:cSld>
-    <p:spTree>
-      <p:nvGrpSpPr>
-        <p:cNvPr id="1" name=""/>
-        <p:cNvGrpSpPr/>
-        <p:nvPr/>
-      </p:nvGrpSpPr>
-      <p:grpSpPr>
-        <a:xfrm>
-          <a:off x="0" y="0"/>
-          <a:ext cx="0" cy="0"/>
-          <a:chOff x="0" y="0"/>
-          <a:chExt cx="0" cy="0"/>
-        </a:xfrm>
-      </p:grpSpPr>
-      <p:sp>
-        <p:nvSpPr>
-          <p:cNvPr id="2" name="标题 1"/>
-          <p:cNvSpPr>
-            <a:spLocks noGrp="1"/>
-          </p:cNvSpPr>
-          <p:nvPr>
-            <p:ph type="title"/>
-          </p:nvPr>
-        </p:nvSpPr>
-        <p:spPr/>
-        <p:txBody>
-          <a:bodyPr/>
-          <a:lstStyle/>
-          <a:p>
-            <a:r>
-              <a:rPr lang="zh-CN" altLang="en-US" dirty="0"/>
-              <a:t>目录</a:t>
-            </a:r>
-          </a:p>
-        </p:txBody>
-      </p:sp>
-      <p:sp>
-        <p:nvSpPr>
-          <p:cNvPr id="3" name="内容占位符 2"/>
-          <p:cNvSpPr>
-            <a:spLocks noGrp="1"/>
-          </p:cNvSpPr>
-          <p:nvPr>
-            <p:ph idx="1"/>
-          </p:nvPr>
-        </p:nvSpPr>
-        <p:spPr/>
-        <p:txBody>
-          <a:bodyPr/>
-          <a:lstStyle/>
-          <a:p>
-            <a:r>
-              <a:rPr lang="en-US" altLang="zh-CN" dirty="0" err="1"/>
-              <a:t>.Net</a:t>
-            </a:r>
-            <a:r>
-              <a:rPr lang="zh-CN" altLang="en-US" dirty="0"/>
-              <a:t>平台谱系</a:t>
-            </a:r>
-            <a:endParaRPr lang="en-US" altLang="zh-CN" dirty="0"/>
-          </a:p>
-          <a:p>
-            <a:r>
-              <a:rPr lang="en-US" altLang="zh-CN" dirty="0" err="1"/>
-              <a:t>.Net</a:t>
-            </a:r>
-            <a:r>
-              <a:rPr lang="zh-CN" altLang="en-US" dirty="0"/>
-              <a:t>应用程序集结构</a:t>
-            </a:r>
-            <a:endParaRPr lang="en-US" altLang="zh-CN" dirty="0"/>
-          </a:p>
-          <a:p>
-            <a:pPr lvl="1"/>
-            <a:r>
-              <a:rPr lang="zh-CN" altLang="en-US" dirty="0"/>
-              <a:t>磁盘平面结构</a:t>
-            </a:r>
-            <a:endParaRPr lang="en-US" altLang="zh-CN" dirty="0"/>
-          </a:p>
-          <a:p>
-            <a:pPr lvl="1"/>
-            <a:r>
-              <a:rPr lang="zh-CN" altLang="en-US" dirty="0"/>
-              <a:t>内存结构</a:t>
-            </a:r>
-            <a:endParaRPr lang="en-US" altLang="zh-CN" dirty="0"/>
-          </a:p>
-          <a:p>
-            <a:r>
-              <a:rPr lang="en-US" altLang="zh-CN" dirty="0"/>
-              <a:t>IL2CPP</a:t>
-            </a:r>
-            <a:r>
-              <a:rPr lang="zh-CN" altLang="en-US" dirty="0"/>
-              <a:t>概览</a:t>
-            </a:r>
-            <a:endParaRPr lang="en-US" altLang="zh-CN" dirty="0"/>
-          </a:p>
-          <a:p>
-            <a:r>
-              <a:rPr lang="zh-CN" altLang="en-US" dirty="0"/>
-              <a:t>实践优化</a:t>
-            </a:r>
-          </a:p>
-        </p:txBody>
-      </p:sp>
-    </p:spTree>
-    <p:extLst>
-      <p:ext uri="{BB962C8B-B14F-4D97-AF65-F5344CB8AC3E}">
-        <p14:creationId xmlns:p14="http://schemas.microsoft.com/office/powerpoint/2010/main" val="2703389415"/>
-      </p:ext>
-    </p:extLst>
-  </p:cSld>
-  <p:clrMapOvr>
-    <a:masterClrMapping/>
-  </p:clrMapOvr>
-</p:sld>
-</file>
-
-<file path=ppt/slides/slide20.xml><?xml version="1.0" encoding="utf-8"?>
-<p:sld xmlns:a="http://schemas.openxmlformats.org/drawingml/2006/main" xmlns:r="http://schemas.openxmlformats.org/officeDocument/2006/relationships" xmlns:p="http://schemas.openxmlformats.org/presentationml/2006/main">
-  <p:cSld>
-    <p:spTree>
-      <p:nvGrpSpPr>
-        <p:cNvPr id="1" name=""/>
-        <p:cNvGrpSpPr/>
-        <p:nvPr/>
-      </p:nvGrpSpPr>
-      <p:grpSpPr>
-        <a:xfrm>
-          <a:off x="0" y="0"/>
-          <a:ext cx="0" cy="0"/>
-          <a:chOff x="0" y="0"/>
-          <a:chExt cx="0" cy="0"/>
-        </a:xfrm>
-      </p:grpSpPr>
-      <p:sp>
-        <p:nvSpPr>
-          <p:cNvPr id="2" name="标题 1"/>
-          <p:cNvSpPr>
-            <a:spLocks noGrp="1"/>
-          </p:cNvSpPr>
-          <p:nvPr>
-            <p:ph type="title"/>
-          </p:nvPr>
-        </p:nvSpPr>
-        <p:spPr/>
-        <p:txBody>
-          <a:bodyPr/>
-          <a:lstStyle/>
-          <a:p>
-            <a:r>
-              <a:rPr lang="zh-CN" altLang="en-US" dirty="0"/>
-              <a:t>最佳实践</a:t>
-            </a:r>
-            <a:r>
-              <a:rPr lang="en-US" altLang="zh-CN" dirty="0"/>
-              <a:t>/</a:t>
-            </a:r>
-            <a:r>
-              <a:rPr lang="zh-CN" altLang="en-US" dirty="0"/>
-              <a:t>削减装箱</a:t>
-            </a:r>
-          </a:p>
-        </p:txBody>
-      </p:sp>
-      <p:sp>
-        <p:nvSpPr>
-          <p:cNvPr id="3" name="内容占位符 2"/>
-          <p:cNvSpPr>
-            <a:spLocks noGrp="1"/>
-          </p:cNvSpPr>
-          <p:nvPr>
-            <p:ph idx="1"/>
-          </p:nvPr>
-        </p:nvSpPr>
-        <p:spPr/>
-        <p:txBody>
-          <a:bodyPr/>
-          <a:lstStyle/>
-          <a:p>
-            <a:r>
-              <a:rPr lang="zh-CN" altLang="en-US" dirty="0"/>
-              <a:t>泛化方法或类，而非使用</a:t>
-            </a:r>
-            <a:r>
-              <a:rPr lang="en-US" altLang="zh-CN" dirty="0"/>
-              <a:t>object</a:t>
-            </a:r>
-            <a:r>
-              <a:rPr lang="zh-CN" altLang="en-US" dirty="0"/>
-              <a:t>类型</a:t>
-            </a:r>
-            <a:endParaRPr lang="en-US" altLang="zh-CN" dirty="0"/>
-          </a:p>
-          <a:p>
-            <a:pPr marL="457200" lvl="1" indent="0">
-              <a:buNone/>
-            </a:pPr>
-            <a:r>
-              <a:rPr lang="zh-CN" altLang="en-US" dirty="0"/>
-              <a:t>较新版本</a:t>
-            </a:r>
-            <a:r>
-              <a:rPr lang="en-US" altLang="zh-CN" dirty="0"/>
-              <a:t>Unity</a:t>
-            </a:r>
-            <a:r>
-              <a:rPr lang="zh-CN" altLang="en-US" dirty="0"/>
-              <a:t>中，</a:t>
-            </a:r>
-            <a:r>
-              <a:rPr lang="en-US" altLang="zh-CN" dirty="0"/>
-              <a:t>IL2CPP</a:t>
-            </a:r>
-            <a:r>
-              <a:rPr lang="zh-CN" altLang="en-US" dirty="0"/>
-              <a:t>拥有泛型重用，因此能有效减小泛型对代码体积造成的负担</a:t>
-            </a:r>
-            <a:endParaRPr lang="en-US" altLang="zh-CN" dirty="0"/>
-          </a:p>
-          <a:p>
-            <a:r>
-              <a:rPr lang="zh-CN" altLang="en-US" dirty="0"/>
-              <a:t>为结构体重写派生自</a:t>
-            </a:r>
-            <a:r>
-              <a:rPr lang="en-US" altLang="zh-CN" dirty="0"/>
-              <a:t>object</a:t>
-            </a:r>
-            <a:r>
-              <a:rPr lang="zh-CN" altLang="en-US" dirty="0"/>
-              <a:t>的方法</a:t>
-            </a:r>
-            <a:endParaRPr lang="en-US" altLang="zh-CN" dirty="0"/>
-          </a:p>
-          <a:p>
-            <a:pPr marL="457200" lvl="1" indent="0">
-              <a:buNone/>
-            </a:pPr>
-            <a:r>
-              <a:rPr lang="en-US" altLang="zh-CN" dirty="0"/>
-              <a:t>Object</a:t>
-            </a:r>
-            <a:r>
-              <a:rPr lang="zh-CN" altLang="en-US" dirty="0"/>
-              <a:t>是引用类型，这是万恶之源</a:t>
-            </a:r>
-            <a:endParaRPr lang="en-US" altLang="zh-CN" dirty="0"/>
-          </a:p>
-          <a:p>
-            <a:r>
-              <a:rPr lang="zh-CN" altLang="en-US" dirty="0"/>
-              <a:t>使用泛型约束控制泛型参数的行为</a:t>
-            </a:r>
-            <a:endParaRPr lang="en-US" altLang="zh-CN" dirty="0"/>
-          </a:p>
-          <a:p>
-            <a:r>
-              <a:rPr lang="en-US" altLang="zh-CN" dirty="0"/>
-              <a:t>Char</a:t>
-            </a:r>
-            <a:r>
-              <a:rPr lang="zh-CN" altLang="en-US" dirty="0"/>
-              <a:t>是值类型，</a:t>
-            </a:r>
-            <a:r>
-              <a:rPr lang="en-US" altLang="zh-CN" dirty="0"/>
-              <a:t>String</a:t>
-            </a:r>
-            <a:r>
-              <a:rPr lang="zh-CN" altLang="en-US" dirty="0"/>
-              <a:t>是引用类型</a:t>
-            </a:r>
-            <a:r>
-              <a:rPr lang="en-US" altLang="zh-CN" dirty="0"/>
-              <a:t>——</a:t>
-            </a:r>
-            <a:r>
-              <a:rPr lang="zh-CN" altLang="en-US" dirty="0"/>
-              <a:t>拼合字符串时不应使用</a:t>
-            </a:r>
-            <a:r>
-              <a:rPr lang="en-US" altLang="zh-CN" dirty="0"/>
-              <a:t>Char</a:t>
-            </a:r>
-            <a:r>
-              <a:rPr lang="zh-CN" altLang="en-US" dirty="0"/>
-              <a:t>类型</a:t>
-            </a:r>
-          </a:p>
-        </p:txBody>
-      </p:sp>
-    </p:spTree>
-    <p:extLst>
-      <p:ext uri="{BB962C8B-B14F-4D97-AF65-F5344CB8AC3E}">
-        <p14:creationId xmlns:p14="http://schemas.microsoft.com/office/powerpoint/2010/main" val="3934302142"/>
-      </p:ext>
-    </p:extLst>
-  </p:cSld>
-  <p:clrMapOvr>
-    <a:masterClrMapping/>
-  </p:clrMapOvr>
-</p:sld>
-</file>
-
-<file path=ppt/slides/slide21.xml><?xml version="1.0" encoding="utf-8"?>
-<p:sld xmlns:a="http://schemas.openxmlformats.org/drawingml/2006/main" xmlns:r="http://schemas.openxmlformats.org/officeDocument/2006/relationships" xmlns:p="http://schemas.openxmlformats.org/presentationml/2006/main">
-  <p:cSld>
-    <p:spTree>
-      <p:nvGrpSpPr>
-        <p:cNvPr id="1" name=""/>
-        <p:cNvGrpSpPr/>
-        <p:nvPr/>
-      </p:nvGrpSpPr>
-      <p:grpSpPr>
-        <a:xfrm>
-          <a:off x="0" y="0"/>
-          <a:ext cx="0" cy="0"/>
-          <a:chOff x="0" y="0"/>
-          <a:chExt cx="0" cy="0"/>
-        </a:xfrm>
-      </p:grpSpPr>
-      <p:sp>
-        <p:nvSpPr>
-          <p:cNvPr id="2" name="标题 1"/>
-          <p:cNvSpPr>
-            <a:spLocks noGrp="1"/>
-          </p:cNvSpPr>
-          <p:nvPr>
-            <p:ph type="title"/>
-          </p:nvPr>
-        </p:nvSpPr>
-        <p:spPr/>
-        <p:txBody>
-          <a:bodyPr/>
-          <a:lstStyle/>
-          <a:p>
-            <a:r>
-              <a:rPr lang="zh-CN" altLang="en-US" dirty="0"/>
-              <a:t>最佳实践</a:t>
-            </a:r>
-            <a:r>
-              <a:rPr lang="en-US" altLang="zh-CN" dirty="0"/>
-              <a:t>/</a:t>
-            </a:r>
-            <a:r>
-              <a:rPr lang="zh-CN" altLang="en-US" dirty="0"/>
-              <a:t>迁移编译器</a:t>
-            </a:r>
-          </a:p>
-        </p:txBody>
-      </p:sp>
-      <p:sp>
-        <p:nvSpPr>
-          <p:cNvPr id="3" name="内容占位符 2"/>
-          <p:cNvSpPr>
-            <a:spLocks noGrp="1"/>
-          </p:cNvSpPr>
-          <p:nvPr>
-            <p:ph idx="1"/>
-          </p:nvPr>
-        </p:nvSpPr>
-        <p:spPr/>
-        <p:txBody>
-          <a:bodyPr/>
-          <a:lstStyle/>
-          <a:p>
-            <a:pPr marL="0" indent="0">
-              <a:buNone/>
-            </a:pPr>
-            <a:r>
-              <a:rPr lang="zh-CN" altLang="en-US" dirty="0"/>
-              <a:t>通过使用非</a:t>
-            </a:r>
-            <a:r>
-              <a:rPr lang="en-US" altLang="zh-CN" dirty="0"/>
-              <a:t>Unity</a:t>
-            </a:r>
-            <a:r>
-              <a:rPr lang="zh-CN" altLang="en-US" dirty="0"/>
-              <a:t>的编译器获取更高质量的代码</a:t>
-            </a:r>
-          </a:p>
-        </p:txBody>
-      </p:sp>
-    </p:spTree>
-    <p:extLst>
-      <p:ext uri="{BB962C8B-B14F-4D97-AF65-F5344CB8AC3E}">
-        <p14:creationId xmlns:p14="http://schemas.microsoft.com/office/powerpoint/2010/main" val="2624574833"/>
-      </p:ext>
-    </p:extLst>
-  </p:cSld>
-  <p:clrMapOvr>
-    <a:masterClrMapping/>
-  </p:clrMapOvr>
-</p:sld>
-</file>
-
-<file path=ppt/slides/slide22.xml><?xml version="1.0" encoding="utf-8"?>
-<p:sld xmlns:a="http://schemas.openxmlformats.org/drawingml/2006/main" xmlns:r="http://schemas.openxmlformats.org/officeDocument/2006/relationships" xmlns:p="http://schemas.openxmlformats.org/presentationml/2006/main">
-  <p:cSld>
-    <p:spTree>
-      <p:nvGrpSpPr>
-        <p:cNvPr id="1" name=""/>
-        <p:cNvGrpSpPr/>
-        <p:nvPr/>
-      </p:nvGrpSpPr>
-      <p:grpSpPr>
-        <a:xfrm>
-          <a:off x="0" y="0"/>
-          <a:ext cx="0" cy="0"/>
-          <a:chOff x="0" y="0"/>
-          <a:chExt cx="0" cy="0"/>
-        </a:xfrm>
-      </p:grpSpPr>
-      <p:sp>
-        <p:nvSpPr>
-          <p:cNvPr id="2" name="标题 1"/>
-          <p:cNvSpPr>
-            <a:spLocks noGrp="1"/>
-          </p:cNvSpPr>
-          <p:nvPr>
-            <p:ph type="title"/>
-          </p:nvPr>
-        </p:nvSpPr>
-        <p:spPr/>
-        <p:txBody>
-          <a:bodyPr/>
-          <a:lstStyle/>
-          <a:p>
-            <a:r>
-              <a:rPr lang="zh-CN" altLang="en-US" dirty="0"/>
-              <a:t>最佳实践</a:t>
-            </a:r>
-            <a:r>
-              <a:rPr lang="en-US" altLang="zh-CN" dirty="0"/>
-              <a:t>/</a:t>
-            </a:r>
-            <a:r>
-              <a:rPr lang="zh-CN" altLang="en-US" dirty="0"/>
-              <a:t>使用</a:t>
-            </a:r>
-            <a:r>
-              <a:rPr lang="en-US" altLang="zh-CN" dirty="0" err="1"/>
-              <a:t>Resharper</a:t>
-            </a:r>
-            <a:r>
-              <a:rPr lang="zh-CN" altLang="en-US" dirty="0"/>
-              <a:t>改进代码质量</a:t>
-            </a:r>
-          </a:p>
-        </p:txBody>
-      </p:sp>
-      <p:sp>
-        <p:nvSpPr>
-          <p:cNvPr id="3" name="内容占位符 2"/>
-          <p:cNvSpPr>
-            <a:spLocks noGrp="1"/>
-          </p:cNvSpPr>
-          <p:nvPr>
-            <p:ph idx="1"/>
-          </p:nvPr>
-        </p:nvSpPr>
-        <p:spPr/>
-        <p:txBody>
-          <a:bodyPr/>
-          <a:lstStyle/>
-          <a:p>
-            <a:r>
-              <a:rPr lang="zh-CN" altLang="en-US" dirty="0"/>
-              <a:t>使用</a:t>
-            </a:r>
-            <a:r>
-              <a:rPr lang="en-US" altLang="zh-CN" dirty="0" err="1"/>
-              <a:t>Alt+PageUp</a:t>
-            </a:r>
-            <a:r>
-              <a:rPr lang="en-US" altLang="zh-CN" dirty="0"/>
-              <a:t>/</a:t>
-            </a:r>
-            <a:r>
-              <a:rPr lang="en-US" altLang="zh-CN" dirty="0" err="1"/>
-              <a:t>PageDown</a:t>
-            </a:r>
-            <a:r>
-              <a:rPr lang="zh-CN" altLang="en-US" dirty="0"/>
-              <a:t>以及</a:t>
-            </a:r>
-            <a:r>
-              <a:rPr lang="en-US" altLang="zh-CN" dirty="0" err="1"/>
-              <a:t>Alt+Enter</a:t>
-            </a:r>
-            <a:r>
-              <a:rPr lang="zh-CN" altLang="en-US" dirty="0"/>
-              <a:t>快速修复问题</a:t>
-            </a:r>
-            <a:endParaRPr lang="en-US" altLang="zh-CN" dirty="0"/>
-          </a:p>
-          <a:p>
-            <a:endParaRPr lang="en-US" altLang="zh-CN" dirty="0"/>
-          </a:p>
-          <a:p>
-            <a:endParaRPr lang="en-US" altLang="zh-CN" dirty="0"/>
-          </a:p>
-          <a:p>
-            <a:endParaRPr lang="en-US" altLang="zh-CN" dirty="0"/>
-          </a:p>
-          <a:p>
-            <a:endParaRPr lang="en-US" altLang="zh-CN" dirty="0"/>
-          </a:p>
-          <a:p>
-            <a:endParaRPr lang="en-US" altLang="zh-CN" dirty="0"/>
-          </a:p>
-          <a:p>
-            <a:r>
-              <a:rPr lang="zh-CN" altLang="en-US" dirty="0"/>
-              <a:t>在</a:t>
-            </a:r>
-            <a:r>
-              <a:rPr lang="en-US" altLang="zh-CN" dirty="0" err="1"/>
-              <a:t>Resharper</a:t>
-            </a:r>
-            <a:r>
-              <a:rPr lang="zh-CN" altLang="en-US" dirty="0"/>
-              <a:t>中指定编码规范</a:t>
-            </a:r>
-            <a:endParaRPr lang="en-US" altLang="zh-CN" dirty="0"/>
-          </a:p>
-          <a:p>
-            <a:pPr marL="457200" lvl="1" indent="0">
-              <a:buNone/>
-            </a:pPr>
-            <a:r>
-              <a:rPr lang="zh-CN" altLang="en-US" dirty="0"/>
-              <a:t>在</a:t>
-            </a:r>
-            <a:r>
-              <a:rPr lang="en-US" altLang="zh-CN" dirty="0"/>
-              <a:t>”</a:t>
-            </a:r>
-            <a:r>
-              <a:rPr lang="en-US" altLang="zh-CN" dirty="0" err="1"/>
-              <a:t>ReSharper</a:t>
-            </a:r>
-            <a:r>
-              <a:rPr lang="en-US" altLang="zh-CN" dirty="0"/>
-              <a:t>/Options/Code Editing”</a:t>
-            </a:r>
-            <a:r>
-              <a:rPr lang="zh-CN" altLang="en-US" dirty="0"/>
-              <a:t>条目中针对各语言指定具体的编码规范</a:t>
-            </a:r>
-            <a:endParaRPr lang="en-US" altLang="zh-CN" dirty="0"/>
-          </a:p>
-          <a:p>
-            <a:pPr lvl="1"/>
-            <a:endParaRPr lang="zh-CN" altLang="en-US" dirty="0"/>
-          </a:p>
-        </p:txBody>
-      </p:sp>
-      <p:pic>
-        <p:nvPicPr>
-          <p:cNvPr id="4" name="图片 3"/>
-          <p:cNvPicPr>
-            <a:picLocks noChangeAspect="1"/>
-          </p:cNvPicPr>
-          <p:nvPr/>
-        </p:nvPicPr>
-        <p:blipFill>
-          <a:blip r:embed="rId2"/>
-          <a:stretch>
-            <a:fillRect/>
-          </a:stretch>
-        </p:blipFill>
-        <p:spPr>
-          <a:xfrm>
-            <a:off x="2731224" y="2524919"/>
-            <a:ext cx="6143625" cy="1476375"/>
-          </a:xfrm>
-          <a:prstGeom prst="rect">
-            <a:avLst/>
-          </a:prstGeom>
-        </p:spPr>
-      </p:pic>
-      <p:sp>
-        <p:nvSpPr>
-          <p:cNvPr id="5" name="矩形 4"/>
-          <p:cNvSpPr/>
-          <p:nvPr/>
-        </p:nvSpPr>
-        <p:spPr>
-          <a:xfrm>
-            <a:off x="994299" y="3178206"/>
-            <a:ext cx="1038687" cy="248575"/>
-          </a:xfrm>
-          <a:prstGeom prst="rect">
-            <a:avLst/>
-          </a:prstGeom>
-          <a:noFill/>
-          <a:ln>
-            <a:solidFill>
-              <a:schemeClr val="tx1"/>
-            </a:solidFill>
-          </a:ln>
-        </p:spPr>
-        <p:style>
-          <a:lnRef idx="2">
-            <a:schemeClr val="accent1">
-              <a:shade val="50000"/>
-            </a:schemeClr>
-          </a:lnRef>
-          <a:fillRef idx="1">
-            <a:schemeClr val="accent1"/>
-          </a:fillRef>
-          <a:effectRef idx="0">
-            <a:schemeClr val="accent1"/>
-          </a:effectRef>
-          <a:fontRef idx="minor">
-            <a:schemeClr val="lt1"/>
-          </a:fontRef>
-        </p:style>
-        <p:txBody>
-          <a:bodyPr rtlCol="0" anchor="ctr"/>
-          <a:lstStyle/>
-          <a:p>
-            <a:pPr algn="ctr"/>
-            <a:r>
-              <a:rPr lang="zh-CN" altLang="en-US" sz="1000" dirty="0">
-                <a:solidFill>
-                  <a:schemeClr val="tx1"/>
-                </a:solidFill>
-              </a:rPr>
-              <a:t>快速修复菜单</a:t>
-            </a:r>
-          </a:p>
-        </p:txBody>
-      </p:sp>
-      <p:cxnSp>
-        <p:nvCxnSpPr>
-          <p:cNvPr id="7" name="直接连接符 6"/>
-          <p:cNvCxnSpPr>
-            <a:stCxn id="5" idx="3"/>
-          </p:cNvCxnSpPr>
-          <p:nvPr/>
-        </p:nvCxnSpPr>
-        <p:spPr>
-          <a:xfrm>
-            <a:off x="2032986" y="3302494"/>
-            <a:ext cx="698238" cy="204186"/>
-          </a:xfrm>
-          <a:prstGeom prst="line">
-            <a:avLst/>
-          </a:prstGeom>
-          <a:ln w="22225">
-            <a:solidFill>
-              <a:schemeClr val="accent5">
-                <a:lumMod val="60000"/>
-                <a:lumOff val="40000"/>
-              </a:schemeClr>
-            </a:solidFill>
-          </a:ln>
-        </p:spPr>
-        <p:style>
-          <a:lnRef idx="1">
-            <a:schemeClr val="accent5"/>
-          </a:lnRef>
-          <a:fillRef idx="0">
-            <a:schemeClr val="accent5"/>
-          </a:fillRef>
-          <a:effectRef idx="0">
-            <a:schemeClr val="accent5"/>
-          </a:effectRef>
-          <a:fontRef idx="minor">
-            <a:schemeClr val="tx1"/>
-          </a:fontRef>
-        </p:style>
-      </p:cxnSp>
-      <p:sp>
-        <p:nvSpPr>
-          <p:cNvPr id="8" name="矩形 7"/>
-          <p:cNvSpPr/>
-          <p:nvPr/>
-        </p:nvSpPr>
-        <p:spPr>
-          <a:xfrm>
-            <a:off x="4425609" y="4576300"/>
-            <a:ext cx="1038687" cy="248575"/>
-          </a:xfrm>
-          <a:prstGeom prst="rect">
-            <a:avLst/>
-          </a:prstGeom>
-          <a:noFill/>
-          <a:ln>
-            <a:solidFill>
-              <a:schemeClr val="tx1"/>
-            </a:solidFill>
-          </a:ln>
-        </p:spPr>
-        <p:style>
-          <a:lnRef idx="2">
-            <a:schemeClr val="accent1">
-              <a:shade val="50000"/>
-            </a:schemeClr>
-          </a:lnRef>
-          <a:fillRef idx="1">
-            <a:schemeClr val="accent1"/>
-          </a:fillRef>
-          <a:effectRef idx="0">
-            <a:schemeClr val="accent1"/>
-          </a:effectRef>
-          <a:fontRef idx="minor">
-            <a:schemeClr val="lt1"/>
-          </a:fontRef>
-        </p:style>
-        <p:txBody>
-          <a:bodyPr rtlCol="0" anchor="ctr"/>
-          <a:lstStyle/>
-          <a:p>
-            <a:pPr algn="ctr"/>
-            <a:r>
-              <a:rPr lang="zh-CN" altLang="en-US" sz="1000" dirty="0">
-                <a:solidFill>
-                  <a:schemeClr val="tx1"/>
-                </a:solidFill>
-              </a:rPr>
-              <a:t>问题发生点</a:t>
-            </a:r>
-          </a:p>
-        </p:txBody>
-      </p:sp>
-      <p:cxnSp>
-        <p:nvCxnSpPr>
-          <p:cNvPr id="9" name="直接连接符 8"/>
-          <p:cNvCxnSpPr>
-            <a:endCxn id="8" idx="0"/>
-          </p:cNvCxnSpPr>
-          <p:nvPr/>
-        </p:nvCxnSpPr>
-        <p:spPr>
-          <a:xfrm>
-            <a:off x="4944952" y="3404587"/>
-            <a:ext cx="1" cy="1171713"/>
-          </a:xfrm>
-          <a:prstGeom prst="line">
-            <a:avLst/>
-          </a:prstGeom>
-          <a:ln w="22225">
-            <a:solidFill>
-              <a:schemeClr val="accent5">
-                <a:lumMod val="60000"/>
-                <a:lumOff val="40000"/>
-              </a:schemeClr>
-            </a:solidFill>
-          </a:ln>
-        </p:spPr>
-        <p:style>
-          <a:lnRef idx="1">
-            <a:schemeClr val="accent5"/>
-          </a:lnRef>
-          <a:fillRef idx="0">
-            <a:schemeClr val="accent5"/>
-          </a:fillRef>
-          <a:effectRef idx="0">
-            <a:schemeClr val="accent5"/>
-          </a:effectRef>
-          <a:fontRef idx="minor">
-            <a:schemeClr val="tx1"/>
-          </a:fontRef>
-        </p:style>
-      </p:cxnSp>
-      <p:sp>
-        <p:nvSpPr>
-          <p:cNvPr id="12" name="矩形 11"/>
-          <p:cNvSpPr/>
-          <p:nvPr/>
-        </p:nvSpPr>
-        <p:spPr>
-          <a:xfrm>
-            <a:off x="9907391" y="2929631"/>
-            <a:ext cx="1038687" cy="248575"/>
-          </a:xfrm>
-          <a:prstGeom prst="rect">
-            <a:avLst/>
-          </a:prstGeom>
-          <a:noFill/>
-          <a:ln>
-            <a:solidFill>
-              <a:schemeClr val="tx1"/>
-            </a:solidFill>
-          </a:ln>
-        </p:spPr>
-        <p:style>
-          <a:lnRef idx="2">
-            <a:schemeClr val="accent1">
-              <a:shade val="50000"/>
-            </a:schemeClr>
-          </a:lnRef>
-          <a:fillRef idx="1">
-            <a:schemeClr val="accent1"/>
-          </a:fillRef>
-          <a:effectRef idx="0">
-            <a:schemeClr val="accent1"/>
-          </a:effectRef>
-          <a:fontRef idx="minor">
-            <a:schemeClr val="lt1"/>
-          </a:fontRef>
-        </p:style>
-        <p:txBody>
-          <a:bodyPr rtlCol="0" anchor="ctr"/>
-          <a:lstStyle/>
-          <a:p>
-            <a:pPr algn="ctr"/>
-            <a:r>
-              <a:rPr lang="zh-CN" altLang="en-US" sz="1000" dirty="0">
-                <a:solidFill>
-                  <a:schemeClr val="tx1"/>
-                </a:solidFill>
-              </a:rPr>
-              <a:t>问题布局</a:t>
-            </a:r>
-          </a:p>
-        </p:txBody>
-      </p:sp>
-      <p:cxnSp>
-        <p:nvCxnSpPr>
-          <p:cNvPr id="13" name="直接连接符 12"/>
-          <p:cNvCxnSpPr>
-            <a:endCxn id="12" idx="1"/>
-          </p:cNvCxnSpPr>
-          <p:nvPr/>
-        </p:nvCxnSpPr>
-        <p:spPr>
-          <a:xfrm>
-            <a:off x="8874849" y="3053918"/>
-            <a:ext cx="1032542" cy="1"/>
-          </a:xfrm>
-          <a:prstGeom prst="line">
-            <a:avLst/>
-          </a:prstGeom>
-          <a:ln w="22225">
-            <a:solidFill>
-              <a:schemeClr val="accent5">
-                <a:lumMod val="60000"/>
-                <a:lumOff val="40000"/>
-              </a:schemeClr>
-            </a:solidFill>
-          </a:ln>
-        </p:spPr>
-        <p:style>
-          <a:lnRef idx="1">
-            <a:schemeClr val="accent5"/>
-          </a:lnRef>
-          <a:fillRef idx="0">
-            <a:schemeClr val="accent5"/>
-          </a:fillRef>
-          <a:effectRef idx="0">
-            <a:schemeClr val="accent5"/>
-          </a:effectRef>
-          <a:fontRef idx="minor">
-            <a:schemeClr val="tx1"/>
-          </a:fontRef>
-        </p:style>
-      </p:cxnSp>
-    </p:spTree>
-    <p:extLst>
-      <p:ext uri="{BB962C8B-B14F-4D97-AF65-F5344CB8AC3E}">
-        <p14:creationId xmlns:p14="http://schemas.microsoft.com/office/powerpoint/2010/main" val="2700295959"/>
-      </p:ext>
-    </p:extLst>
-  </p:cSld>
-  <p:clrMapOvr>
-    <a:masterClrMapping/>
-  </p:clrMapOvr>
-</p:sld>
-</file>
-
 <file path=ppt/slides/slide23.xml><?xml version="1.0" encoding="utf-8"?>
 <p:sld xmlns:a="http://schemas.openxmlformats.org/drawingml/2006/main" xmlns:r="http://schemas.openxmlformats.org/officeDocument/2006/relationships" xmlns:p="http://schemas.openxmlformats.org/presentationml/2006/main">
   <p:cSld>
@@ -6216,17 +6693,10 @@
           <a:lstStyle/>
           <a:p>
             <a:r>
-              <a:rPr lang="zh-CN" altLang="en-US" dirty="0"/>
-              <a:t>最佳实践</a:t>
-            </a:r>
-            <a:r>
               <a:rPr lang="en-US" altLang="zh-CN" dirty="0"/>
-              <a:t>/</a:t>
-            </a:r>
-            <a:r>
-              <a:rPr lang="zh-CN" altLang="en-US" dirty="0"/>
-              <a:t>其他</a:t>
-            </a:r>
+              <a:t>IL2CPP</a:t>
+            </a:r>
+            <a:endParaRPr lang="zh-CN" altLang="en-US" dirty="0"/>
           </a:p>
         </p:txBody>
       </p:sp>
@@ -6242,250 +6712,133 @@
         </p:nvSpPr>
         <p:spPr/>
         <p:txBody>
-          <a:bodyPr>
-            <a:normAutofit lnSpcReduction="10000"/>
-          </a:bodyPr>
-          <a:lstStyle/>
-          <a:p>
-            <a:r>
-              <a:rPr lang="zh-CN" altLang="en-US" dirty="0"/>
-              <a:t>缓存</a:t>
+          <a:bodyPr/>
+          <a:lstStyle/>
+          <a:p>
+            <a:r>
+              <a:rPr lang="en-US" altLang="zh-CN" dirty="0"/>
+              <a:t>IL2CPP</a:t>
+            </a:r>
+            <a:r>
+              <a:rPr lang="zh-CN" altLang="en-US" dirty="0"/>
+              <a:t>分别处理字段和方法：实例字段和类字段被生成到相同</a:t>
+            </a:r>
+            <a:r>
+              <a:rPr lang="en-US" altLang="zh-CN" dirty="0"/>
+              <a:t>.h</a:t>
+            </a:r>
+            <a:r>
+              <a:rPr lang="zh-CN" altLang="en-US" dirty="0"/>
+              <a:t>文件的不同结构中，方法被生成到</a:t>
+            </a:r>
+            <a:r>
+              <a:rPr lang="en-US" altLang="zh-CN" dirty="0"/>
+              <a:t>.</a:t>
             </a:r>
             <a:r>
               <a:rPr lang="en-US" altLang="zh-CN" dirty="0" err="1"/>
-              <a:t>MemberInfo</a:t>
+              <a:t>cpp</a:t>
+            </a:r>
+            <a:r>
+              <a:rPr lang="zh-CN" altLang="en-US" dirty="0"/>
+              <a:t>文件中</a:t>
             </a:r>
             <a:endParaRPr lang="en-US" altLang="zh-CN" dirty="0"/>
           </a:p>
           <a:p>
-            <a:pPr marL="457200" lvl="1" indent="0">
-              <a:buNone/>
-            </a:pPr>
-            <a:r>
-              <a:rPr lang="zh-CN" altLang="en-US" sz="1800" dirty="0">
-                <a:latin typeface="微软雅黑 Light" panose="020B0502040204020203" pitchFamily="34" charset="-122"/>
-                <a:ea typeface="微软雅黑 Light" panose="020B0502040204020203" pitchFamily="34" charset="-122"/>
-              </a:rPr>
-              <a:t>反射性能低下主要有三个原因：</a:t>
-            </a:r>
-            <a:r>
-              <a:rPr lang="en-US" altLang="zh-CN" sz="1800" dirty="0" err="1">
-                <a:latin typeface="微软雅黑 Light" panose="020B0502040204020203" pitchFamily="34" charset="-122"/>
-                <a:ea typeface="微软雅黑 Light" panose="020B0502040204020203" pitchFamily="34" charset="-122"/>
-              </a:rPr>
-              <a:t>EEClass</a:t>
-            </a:r>
-            <a:r>
-              <a:rPr lang="zh-CN" altLang="en-US" sz="1800" dirty="0">
-                <a:latin typeface="微软雅黑 Light" panose="020B0502040204020203" pitchFamily="34" charset="-122"/>
-                <a:ea typeface="微软雅黑 Light" panose="020B0502040204020203" pitchFamily="34" charset="-122"/>
-              </a:rPr>
-              <a:t>检索慢于编译器生成的地址代换，检索到的数据需要生成</a:t>
-            </a:r>
-            <a:r>
-              <a:rPr lang="en-US" altLang="zh-CN" sz="1800" dirty="0" err="1">
-                <a:latin typeface="微软雅黑 Light" panose="020B0502040204020203" pitchFamily="34" charset="-122"/>
-                <a:ea typeface="微软雅黑 Light" panose="020B0502040204020203" pitchFamily="34" charset="-122"/>
-              </a:rPr>
-              <a:t>MemberInfo</a:t>
-            </a:r>
-            <a:r>
-              <a:rPr lang="zh-CN" altLang="en-US" sz="1800" dirty="0">
-                <a:latin typeface="微软雅黑 Light" panose="020B0502040204020203" pitchFamily="34" charset="-122"/>
-                <a:ea typeface="微软雅黑 Light" panose="020B0502040204020203" pitchFamily="34" charset="-122"/>
-              </a:rPr>
-              <a:t>对象，访问</a:t>
-            </a:r>
-            <a:r>
-              <a:rPr lang="en-US" altLang="zh-CN" sz="1800" dirty="0" err="1">
-                <a:latin typeface="微软雅黑 Light" panose="020B0502040204020203" pitchFamily="34" charset="-122"/>
-                <a:ea typeface="微软雅黑 Light" panose="020B0502040204020203" pitchFamily="34" charset="-122"/>
-              </a:rPr>
-              <a:t>MemberInfo</a:t>
-            </a:r>
-            <a:r>
-              <a:rPr lang="zh-CN" altLang="en-US" sz="1800" dirty="0">
-                <a:latin typeface="微软雅黑 Light" panose="020B0502040204020203" pitchFamily="34" charset="-122"/>
-                <a:ea typeface="微软雅黑 Light" panose="020B0502040204020203" pitchFamily="34" charset="-122"/>
-              </a:rPr>
-              <a:t>对象需要动态绑定。使用反射式缓存</a:t>
-            </a:r>
-            <a:r>
-              <a:rPr lang="en-US" altLang="zh-CN" sz="1800" dirty="0" err="1">
-                <a:latin typeface="微软雅黑 Light" panose="020B0502040204020203" pitchFamily="34" charset="-122"/>
-                <a:ea typeface="微软雅黑 Light" panose="020B0502040204020203" pitchFamily="34" charset="-122"/>
-              </a:rPr>
-              <a:t>MemberInfo</a:t>
-            </a:r>
-            <a:r>
-              <a:rPr lang="zh-CN" altLang="en-US" sz="1800" dirty="0">
-                <a:latin typeface="微软雅黑 Light" panose="020B0502040204020203" pitchFamily="34" charset="-122"/>
-                <a:ea typeface="微软雅黑 Light" panose="020B0502040204020203" pitchFamily="34" charset="-122"/>
-              </a:rPr>
-              <a:t>，前两个问题都能迎刃而解</a:t>
-            </a:r>
-          </a:p>
-          <a:p>
-            <a:r>
-              <a:rPr lang="zh-CN" altLang="en-US" dirty="0"/>
-              <a:t>为集合预分配容量</a:t>
+            <a:r>
+              <a:rPr lang="en-US" altLang="zh-CN" dirty="0"/>
+              <a:t>IL2CPP</a:t>
+            </a:r>
+            <a:r>
+              <a:rPr lang="zh-CN" altLang="en-US" dirty="0"/>
+              <a:t>对</a:t>
+            </a:r>
+            <a:r>
+              <a:rPr lang="en-US" altLang="zh-CN" dirty="0"/>
+              <a:t>IL</a:t>
+            </a:r>
+            <a:r>
+              <a:rPr lang="zh-CN" altLang="en-US" dirty="0"/>
+              <a:t>的翻译近乎直译。</a:t>
+            </a:r>
+            <a:r>
+              <a:rPr lang="en-US" altLang="zh-CN" dirty="0" err="1"/>
+              <a:t>.Net</a:t>
+            </a:r>
+            <a:r>
+              <a:rPr lang="zh-CN" altLang="en-US" dirty="0"/>
+              <a:t>编译器的质量直接影响</a:t>
+            </a:r>
+            <a:r>
+              <a:rPr lang="en-US" altLang="zh-CN" dirty="0"/>
+              <a:t>IL2CPP</a:t>
+            </a:r>
+            <a:r>
+              <a:rPr lang="zh-CN" altLang="en-US" dirty="0"/>
+              <a:t>最终生成的结果</a:t>
             </a:r>
             <a:endParaRPr lang="en-US" altLang="zh-CN" dirty="0"/>
           </a:p>
           <a:p>
-            <a:pPr marL="457200" lvl="1" indent="0">
-              <a:buNone/>
-            </a:pPr>
-            <a:r>
-              <a:rPr lang="zh-CN" altLang="en-US" sz="1800" dirty="0">
-                <a:latin typeface="微软雅黑 Light" panose="020B0502040204020203" pitchFamily="34" charset="-122"/>
-                <a:ea typeface="微软雅黑 Light" panose="020B0502040204020203" pitchFamily="34" charset="-122"/>
-              </a:rPr>
-              <a:t>集合拥有积极扩张的内存分配策略，预估集合容量并进行预分配非但有助于减少重分配次数，而且通常能够节约内存</a:t>
-            </a:r>
-            <a:endParaRPr lang="en-US" altLang="zh-CN" sz="1800" dirty="0">
-              <a:latin typeface="微软雅黑 Light" panose="020B0502040204020203" pitchFamily="34" charset="-122"/>
-              <a:ea typeface="微软雅黑 Light" panose="020B0502040204020203" pitchFamily="34" charset="-122"/>
-            </a:endParaRPr>
-          </a:p>
-          <a:p>
-            <a:r>
-              <a:rPr lang="zh-CN" altLang="en-US" dirty="0"/>
-              <a:t>重写</a:t>
-            </a:r>
             <a:r>
               <a:rPr lang="en-US" altLang="zh-CN" dirty="0"/>
-              <a:t>Equals</a:t>
-            </a:r>
-            <a:r>
-              <a:rPr lang="zh-CN" altLang="en-US" dirty="0"/>
-              <a:t>方法和</a:t>
+              <a:t>IL2CPP</a:t>
+            </a:r>
+            <a:r>
+              <a:rPr lang="zh-CN" altLang="en-US" dirty="0"/>
+              <a:t>会为虚调用生成对象，通过支持库</a:t>
+            </a:r>
+            <a:r>
+              <a:rPr lang="en-US" altLang="zh-CN" dirty="0"/>
+              <a:t>libil2cpp</a:t>
+            </a:r>
+            <a:r>
+              <a:rPr lang="zh-CN" altLang="en-US" dirty="0"/>
+              <a:t>方法调用。虚调用会受到一定的优化，有时</a:t>
             </a:r>
             <a:r>
               <a:rPr lang="en-US" altLang="zh-CN" dirty="0" err="1"/>
-              <a:t>GetHashCode</a:t>
-            </a:r>
-            <a:r>
-              <a:rPr lang="zh-CN" altLang="en-US" dirty="0"/>
-              <a:t>方法</a:t>
+              <a:t>callvirt</a:t>
+            </a:r>
+            <a:r>
+              <a:rPr lang="zh-CN" altLang="en-US" dirty="0"/>
+              <a:t>指令并不对真的被翻译为虚调用的形式</a:t>
             </a:r>
             <a:endParaRPr lang="en-US" altLang="zh-CN" dirty="0"/>
           </a:p>
           <a:p>
-            <a:pPr marL="457200" lvl="1" indent="0">
-              <a:buNone/>
-            </a:pPr>
-            <a:r>
-              <a:rPr lang="zh-CN" altLang="en-US" sz="1800" dirty="0">
-                <a:latin typeface="微软雅黑 Light" panose="020B0502040204020203" pitchFamily="34" charset="-122"/>
-                <a:ea typeface="微软雅黑 Light" panose="020B0502040204020203" pitchFamily="34" charset="-122"/>
-              </a:rPr>
-              <a:t>引用类型的上述方法默认实现使用反射</a:t>
-            </a:r>
-            <a:r>
-              <a:rPr lang="zh-CN" altLang="en-US" dirty="0"/>
-              <a:t>坚持建立文档化注释</a:t>
-            </a:r>
-            <a:endParaRPr lang="en-US" altLang="zh-CN" dirty="0"/>
-          </a:p>
-          <a:p>
-            <a:pPr marL="457200" lvl="1" indent="0">
-              <a:buNone/>
-            </a:pPr>
-            <a:r>
-              <a:rPr lang="zh-CN" altLang="en-US" sz="1800" dirty="0">
-                <a:latin typeface="微软雅黑 Light" panose="020B0502040204020203" pitchFamily="34" charset="-122"/>
-                <a:ea typeface="微软雅黑 Light" panose="020B0502040204020203" pitchFamily="34" charset="-122"/>
-              </a:rPr>
-              <a:t>从</a:t>
-            </a:r>
-            <a:r>
-              <a:rPr lang="en-US" altLang="zh-CN" sz="1800" dirty="0">
-                <a:latin typeface="微软雅黑 Light" panose="020B0502040204020203" pitchFamily="34" charset="-122"/>
-                <a:ea typeface="微软雅黑 Light" panose="020B0502040204020203" pitchFamily="34" charset="-122"/>
-              </a:rPr>
-              <a:t>VisualStudio</a:t>
-            </a:r>
-            <a:r>
-              <a:rPr lang="zh-CN" altLang="en-US" sz="1800" dirty="0">
-                <a:latin typeface="微软雅黑 Light" panose="020B0502040204020203" pitchFamily="34" charset="-122"/>
-                <a:ea typeface="微软雅黑 Light" panose="020B0502040204020203" pitchFamily="34" charset="-122"/>
-              </a:rPr>
-              <a:t>到</a:t>
-            </a:r>
-            <a:r>
-              <a:rPr lang="en-US" altLang="zh-CN" sz="1800" dirty="0" err="1">
-                <a:latin typeface="微软雅黑 Light" panose="020B0502040204020203" pitchFamily="34" charset="-122"/>
-                <a:ea typeface="微软雅黑 Light" panose="020B0502040204020203" pitchFamily="34" charset="-122"/>
-              </a:rPr>
-              <a:t>Resharper</a:t>
-            </a:r>
-            <a:r>
-              <a:rPr lang="zh-CN" altLang="en-US" sz="1800" dirty="0">
-                <a:latin typeface="微软雅黑 Light" panose="020B0502040204020203" pitchFamily="34" charset="-122"/>
-                <a:ea typeface="微软雅黑 Light" panose="020B0502040204020203" pitchFamily="34" charset="-122"/>
-              </a:rPr>
-              <a:t>，对类与方法的描述都来自文档化注释。</a:t>
-            </a:r>
-            <a:endParaRPr lang="en-US" altLang="zh-CN" dirty="0"/>
-          </a:p>
-          <a:p>
-            <a:r>
-              <a:rPr lang="zh-CN" altLang="en-US" dirty="0"/>
-              <a:t>较小的集合不应使用有键集合</a:t>
-            </a:r>
-            <a:endParaRPr lang="en-US" altLang="zh-CN" dirty="0"/>
-          </a:p>
-          <a:p>
-            <a:pPr marL="457200" lvl="1" indent="0">
-              <a:buNone/>
-            </a:pPr>
-            <a:r>
-              <a:rPr lang="zh-CN" altLang="en-US" sz="1800" dirty="0">
-                <a:latin typeface="微软雅黑 Light" panose="020B0502040204020203" pitchFamily="34" charset="-122"/>
-                <a:ea typeface="微软雅黑 Light" panose="020B0502040204020203" pitchFamily="34" charset="-122"/>
-              </a:rPr>
-              <a:t>有键集合需要额外的空间。举例来说，一个空的</a:t>
-            </a:r>
-            <a:r>
-              <a:rPr lang="en-US" altLang="zh-CN" sz="1800" dirty="0">
-                <a:latin typeface="微软雅黑 Light" panose="020B0502040204020203" pitchFamily="34" charset="-122"/>
-                <a:ea typeface="微软雅黑 Light" panose="020B0502040204020203" pitchFamily="34" charset="-122"/>
-              </a:rPr>
-              <a:t>Dictionary</a:t>
-            </a:r>
-            <a:r>
-              <a:rPr lang="zh-CN" altLang="en-US" sz="1800" dirty="0">
-                <a:latin typeface="微软雅黑 Light" panose="020B0502040204020203" pitchFamily="34" charset="-122"/>
-                <a:ea typeface="微软雅黑 Light" panose="020B0502040204020203" pitchFamily="34" charset="-122"/>
-              </a:rPr>
-              <a:t>也会消耗</a:t>
-            </a:r>
-            <a:r>
-              <a:rPr lang="en-US" altLang="zh-CN" sz="1800" dirty="0">
-                <a:latin typeface="微软雅黑 Light" panose="020B0502040204020203" pitchFamily="34" charset="-122"/>
-                <a:ea typeface="微软雅黑 Light" panose="020B0502040204020203" pitchFamily="34" charset="-122"/>
-              </a:rPr>
-              <a:t>12</a:t>
-            </a:r>
-            <a:r>
-              <a:rPr lang="zh-CN" altLang="en-US" sz="1800" dirty="0">
-                <a:latin typeface="微软雅黑 Light" panose="020B0502040204020203" pitchFamily="34" charset="-122"/>
-                <a:ea typeface="微软雅黑 Light" panose="020B0502040204020203" pitchFamily="34" charset="-122"/>
-              </a:rPr>
-              <a:t>字节的空间。</a:t>
-            </a:r>
-            <a:endParaRPr lang="en-US" altLang="zh-CN" sz="1800" dirty="0">
-              <a:latin typeface="微软雅黑 Light" panose="020B0502040204020203" pitchFamily="34" charset="-122"/>
-              <a:ea typeface="微软雅黑 Light" panose="020B0502040204020203" pitchFamily="34" charset="-122"/>
-            </a:endParaRPr>
+            <a:r>
+              <a:rPr lang="en-US" altLang="zh-CN" dirty="0"/>
+              <a:t>FCL</a:t>
+            </a:r>
+            <a:r>
+              <a:rPr lang="zh-CN" altLang="en-US" dirty="0"/>
+              <a:t>使用和</a:t>
+            </a:r>
+            <a:r>
+              <a:rPr lang="en-US" altLang="zh-CN" dirty="0"/>
+              <a:t>Mono</a:t>
+            </a:r>
+            <a:r>
+              <a:rPr lang="zh-CN" altLang="en-US" dirty="0"/>
+              <a:t>一样的代码，经由</a:t>
+            </a:r>
+            <a:r>
+              <a:rPr lang="en-US" altLang="zh-CN" dirty="0"/>
+              <a:t>IL2CPP</a:t>
+            </a:r>
+            <a:r>
+              <a:rPr lang="zh-CN" altLang="en-US" dirty="0"/>
+              <a:t>编译器翻译而成。虽然损失了潜在的优化，然而确保了代码的一致性</a:t>
+            </a:r>
           </a:p>
         </p:txBody>
       </p:sp>
     </p:spTree>
     <p:extLst>
       <p:ext uri="{BB962C8B-B14F-4D97-AF65-F5344CB8AC3E}">
-        <p14:creationId xmlns:p14="http://schemas.microsoft.com/office/powerpoint/2010/main" val="1948017904"/>
+        <p14:creationId xmlns:p14="http://schemas.microsoft.com/office/powerpoint/2010/main" val="1747156259"/>
       </p:ext>
     </p:extLst>
   </p:cSld>
@@ -6537,7 +6890,7 @@
             </a:r>
             <a:r>
               <a:rPr lang="zh-CN" altLang="en-US" dirty="0"/>
-              <a:t>其他</a:t>
+              <a:t>减少虚调用</a:t>
             </a:r>
           </a:p>
         </p:txBody>
@@ -6554,168 +6907,27 @@
         </p:nvSpPr>
         <p:spPr/>
         <p:txBody>
-          <a:bodyPr>
-            <a:normAutofit/>
-          </a:bodyPr>
-          <a:lstStyle/>
-          <a:p>
-            <a:r>
-              <a:rPr lang="zh-CN" altLang="en-US" dirty="0"/>
-              <a:t>枚举类型不宜作为键使用</a:t>
+          <a:bodyPr/>
+          <a:lstStyle/>
+          <a:p>
+            <a:r>
+              <a:rPr lang="zh-CN" altLang="en-US" dirty="0"/>
+              <a:t>封闭类</a:t>
             </a:r>
             <a:endParaRPr lang="en-US" altLang="zh-CN" dirty="0"/>
           </a:p>
           <a:p>
-            <a:pPr marL="457200" lvl="1" indent="0">
-              <a:buNone/>
-            </a:pPr>
-            <a:r>
-              <a:rPr lang="zh-CN" altLang="en-US" sz="1800" dirty="0">
-                <a:latin typeface="微软雅黑 Light" panose="020B0502040204020203" pitchFamily="34" charset="-122"/>
-                <a:ea typeface="微软雅黑 Light" panose="020B0502040204020203" pitchFamily="34" charset="-122"/>
-              </a:rPr>
-              <a:t>枚举是值类型，而且你无法重写它的</a:t>
-            </a:r>
-            <a:r>
-              <a:rPr lang="en-US" altLang="zh-CN" sz="1800" dirty="0" err="1">
-                <a:latin typeface="微软雅黑 Light" panose="020B0502040204020203" pitchFamily="34" charset="-122"/>
-                <a:ea typeface="微软雅黑 Light" panose="020B0502040204020203" pitchFamily="34" charset="-122"/>
-              </a:rPr>
-              <a:t>GetHashCode</a:t>
-            </a:r>
-            <a:r>
-              <a:rPr lang="zh-CN" altLang="en-US" sz="1800" dirty="0">
-                <a:latin typeface="微软雅黑 Light" panose="020B0502040204020203" pitchFamily="34" charset="-122"/>
-                <a:ea typeface="微软雅黑 Light" panose="020B0502040204020203" pitchFamily="34" charset="-122"/>
-              </a:rPr>
-              <a:t>方法</a:t>
-            </a:r>
-            <a:endParaRPr lang="en-US" altLang="zh-CN" sz="1800" dirty="0">
-              <a:latin typeface="微软雅黑 Light" panose="020B0502040204020203" pitchFamily="34" charset="-122"/>
-              <a:ea typeface="微软雅黑 Light" panose="020B0502040204020203" pitchFamily="34" charset="-122"/>
-            </a:endParaRPr>
-          </a:p>
-          <a:p>
-            <a:r>
-              <a:rPr lang="zh-CN" altLang="en-US" dirty="0"/>
-              <a:t>谨慎传递结构体</a:t>
-            </a:r>
-            <a:endParaRPr lang="en-US" altLang="zh-CN" dirty="0"/>
-          </a:p>
-          <a:p>
-            <a:pPr marL="457200" lvl="1" indent="0">
-              <a:buNone/>
-            </a:pPr>
-            <a:r>
-              <a:rPr lang="zh-CN" altLang="en-US" sz="1800" dirty="0">
-                <a:latin typeface="微软雅黑 Light" panose="020B0502040204020203" pitchFamily="34" charset="-122"/>
-                <a:ea typeface="微软雅黑 Light" panose="020B0502040204020203" pitchFamily="34" charset="-122"/>
-              </a:rPr>
-              <a:t>别忘了结构体是值类型哦。使用</a:t>
-            </a:r>
-            <a:r>
-              <a:rPr lang="en-US" altLang="zh-CN" sz="1800" dirty="0">
-                <a:latin typeface="微软雅黑 Light" panose="020B0502040204020203" pitchFamily="34" charset="-122"/>
-                <a:ea typeface="微软雅黑 Light" panose="020B0502040204020203" pitchFamily="34" charset="-122"/>
-              </a:rPr>
-              <a:t>ref</a:t>
-            </a:r>
-            <a:r>
-              <a:rPr lang="zh-CN" altLang="en-US" sz="1800" dirty="0">
-                <a:latin typeface="微软雅黑 Light" panose="020B0502040204020203" pitchFamily="34" charset="-122"/>
-                <a:ea typeface="微软雅黑 Light" panose="020B0502040204020203" pitchFamily="34" charset="-122"/>
-              </a:rPr>
-              <a:t>传递作为参数的结构体</a:t>
-            </a:r>
-            <a:endParaRPr lang="en-US" altLang="zh-CN" sz="1800" dirty="0">
-              <a:latin typeface="微软雅黑 Light" panose="020B0502040204020203" pitchFamily="34" charset="-122"/>
-              <a:ea typeface="微软雅黑 Light" panose="020B0502040204020203" pitchFamily="34" charset="-122"/>
-            </a:endParaRPr>
-          </a:p>
-          <a:p>
-            <a:r>
-              <a:rPr lang="zh-CN" altLang="en-US" dirty="0"/>
-              <a:t>使用枚举而非常量</a:t>
-            </a:r>
-            <a:endParaRPr lang="en-US" altLang="zh-CN" dirty="0"/>
-          </a:p>
-          <a:p>
-            <a:pPr marL="457200" lvl="1" indent="0">
-              <a:buNone/>
-            </a:pPr>
-            <a:r>
-              <a:rPr lang="zh-CN" altLang="en-US" sz="1800" dirty="0">
-                <a:latin typeface="微软雅黑 Light" panose="020B0502040204020203" pitchFamily="34" charset="-122"/>
-                <a:ea typeface="微软雅黑 Light" panose="020B0502040204020203" pitchFamily="34" charset="-122"/>
-              </a:rPr>
-              <a:t>枚举明确地指出了其内容的约束，且拥有更完备的工具支持</a:t>
-            </a:r>
-            <a:endParaRPr lang="en-US" altLang="zh-CN" sz="1800" dirty="0">
-              <a:latin typeface="微软雅黑 Light" panose="020B0502040204020203" pitchFamily="34" charset="-122"/>
-              <a:ea typeface="微软雅黑 Light" panose="020B0502040204020203" pitchFamily="34" charset="-122"/>
-            </a:endParaRPr>
-          </a:p>
-          <a:p>
-            <a:r>
-              <a:rPr lang="zh-CN" altLang="en-US" dirty="0"/>
-              <a:t>慎重对待闭包</a:t>
-            </a:r>
-            <a:endParaRPr lang="en-US" altLang="zh-CN" dirty="0"/>
-          </a:p>
-          <a:p>
-            <a:pPr marL="457200" lvl="1" indent="0">
-              <a:buNone/>
-            </a:pPr>
-            <a:r>
-              <a:rPr lang="zh-CN" altLang="en-US" sz="1800" dirty="0">
-                <a:latin typeface="微软雅黑 Light" panose="020B0502040204020203" pitchFamily="34" charset="-122"/>
-                <a:ea typeface="微软雅黑 Light" panose="020B0502040204020203" pitchFamily="34" charset="-122"/>
-              </a:rPr>
-              <a:t>状态的延续站在内存的肩膀上</a:t>
-            </a:r>
-            <a:endParaRPr lang="en-US" altLang="zh-CN" sz="1800" dirty="0">
-              <a:latin typeface="微软雅黑 Light" panose="020B0502040204020203" pitchFamily="34" charset="-122"/>
-              <a:ea typeface="微软雅黑 Light" panose="020B0502040204020203" pitchFamily="34" charset="-122"/>
-            </a:endParaRPr>
-          </a:p>
-          <a:p>
-            <a:r>
-              <a:rPr lang="zh-CN" altLang="en-US" dirty="0"/>
-              <a:t>编译重复使用的正则表达式</a:t>
-            </a:r>
-            <a:endParaRPr lang="en-US" altLang="zh-CN" dirty="0"/>
-          </a:p>
-          <a:p>
-            <a:pPr marL="457200" lvl="1" indent="0">
-              <a:buNone/>
-            </a:pPr>
-            <a:r>
-              <a:rPr lang="zh-CN" altLang="en-US" sz="1800" dirty="0">
-                <a:latin typeface="微软雅黑 Light" panose="020B0502040204020203" pitchFamily="34" charset="-122"/>
-                <a:ea typeface="微软雅黑 Light" panose="020B0502040204020203" pitchFamily="34" charset="-122"/>
-              </a:rPr>
-              <a:t>将字符串编译为自动机往往要比匹配消耗更多时间</a:t>
-            </a:r>
-            <a:endParaRPr lang="en-US" altLang="zh-CN" sz="1800" dirty="0">
-              <a:latin typeface="微软雅黑 Light" panose="020B0502040204020203" pitchFamily="34" charset="-122"/>
-              <a:ea typeface="微软雅黑 Light" panose="020B0502040204020203" pitchFamily="34" charset="-122"/>
-            </a:endParaRPr>
-          </a:p>
-          <a:p>
-            <a:pPr marL="457200" lvl="1" indent="0">
-              <a:buNone/>
-            </a:pPr>
-            <a:endParaRPr lang="zh-CN" altLang="en-US" sz="1800" dirty="0">
-              <a:latin typeface="微软雅黑 Light" panose="020B0502040204020203" pitchFamily="34" charset="-122"/>
-              <a:ea typeface="微软雅黑 Light" panose="020B0502040204020203" pitchFamily="34" charset="-122"/>
-            </a:endParaRPr>
+            <a:r>
+              <a:rPr lang="zh-CN" altLang="en-US" dirty="0"/>
+              <a:t>使用类方法</a:t>
+            </a:r>
           </a:p>
         </p:txBody>
       </p:sp>
     </p:spTree>
     <p:extLst>
       <p:ext uri="{BB962C8B-B14F-4D97-AF65-F5344CB8AC3E}">
-        <p14:creationId xmlns:p14="http://schemas.microsoft.com/office/powerpoint/2010/main" val="4131926382"/>
+        <p14:creationId xmlns:p14="http://schemas.microsoft.com/office/powerpoint/2010/main" val="3217876481"/>
       </p:ext>
     </p:extLst>
   </p:cSld>
@@ -6759,7 +6971,15 @@
           <a:p>
             <a:r>
               <a:rPr lang="zh-CN" altLang="en-US" dirty="0"/>
-              <a:t>书籍</a:t>
+              <a:t>最佳实践</a:t>
+            </a:r>
+            <a:r>
+              <a:rPr lang="en-US" altLang="zh-CN" dirty="0"/>
+              <a:t>/</a:t>
+            </a:r>
+            <a:r>
+              <a:rPr lang="zh-CN" altLang="en-US" dirty="0"/>
+              <a:t>削减装箱</a:t>
             </a:r>
           </a:p>
         </p:txBody>
@@ -6776,194 +6996,125 @@
         </p:nvSpPr>
         <p:spPr/>
         <p:txBody>
-          <a:bodyPr>
-            <a:normAutofit fontScale="92500" lnSpcReduction="20000"/>
-          </a:bodyPr>
-          <a:lstStyle/>
-          <a:p>
+          <a:bodyPr/>
+          <a:lstStyle/>
+          <a:p>
+            <a:r>
+              <a:rPr lang="zh-CN" altLang="en-US" dirty="0"/>
+              <a:t>泛化方法或类，而非使用</a:t>
+            </a:r>
             <a:r>
               <a:rPr lang="en-US" altLang="zh-CN" dirty="0"/>
-              <a:t>CLR via C#</a:t>
-            </a:r>
-          </a:p>
-          <a:p>
-            <a:pPr lvl="1"/>
-            <a:r>
-              <a:rPr lang="en-US" altLang="zh-CN" sz="2000" dirty="0" err="1"/>
-              <a:t>.Net</a:t>
-            </a:r>
-            <a:r>
-              <a:rPr lang="zh-CN" altLang="en-US" sz="2000" dirty="0"/>
-              <a:t>社区最享盛名的书籍之一。阅读较为容易，学习曲线平缓，对平台认知提升显著</a:t>
-            </a:r>
-            <a:endParaRPr lang="en-US" altLang="zh-CN" sz="2000" dirty="0"/>
-          </a:p>
-          <a:p>
-            <a:pPr lvl="1"/>
-            <a:r>
-              <a:rPr lang="zh-CN" altLang="en-US" sz="2000" dirty="0"/>
-              <a:t>有中文版，翻译品质优秀</a:t>
-            </a:r>
-            <a:endParaRPr lang="en-US" altLang="zh-CN" sz="2000" dirty="0"/>
-          </a:p>
-          <a:p>
+              <a:t>object</a:t>
+            </a:r>
+            <a:r>
+              <a:rPr lang="zh-CN" altLang="en-US" dirty="0"/>
+              <a:t>类型</a:t>
+            </a:r>
+            <a:endParaRPr lang="en-US" altLang="zh-CN" dirty="0"/>
+          </a:p>
+          <a:p>
+            <a:pPr marL="457200" lvl="1" indent="0">
+              <a:buNone/>
+            </a:pPr>
+            <a:r>
+              <a:rPr lang="zh-CN" altLang="en-US" dirty="0"/>
+              <a:t>较新版本</a:t>
+            </a:r>
             <a:r>
               <a:rPr lang="en-US" altLang="zh-CN" dirty="0"/>
-              <a:t>Advanced </a:t>
-            </a:r>
-            <a:r>
-              <a:rPr lang="en-US" altLang="zh-CN" dirty="0" err="1"/>
-              <a:t>.Net</a:t>
+              <a:t>Unity</a:t>
+            </a:r>
+            <a:r>
+              <a:rPr lang="zh-CN" altLang="en-US" dirty="0"/>
+              <a:t>中，</a:t>
             </a:r>
             <a:r>
               <a:rPr lang="en-US" altLang="zh-CN" dirty="0"/>
-              <a:t> Debugging</a:t>
-            </a:r>
-          </a:p>
-          <a:p>
-            <a:pPr lvl="1"/>
-            <a:r>
-              <a:rPr lang="zh-CN" altLang="en-US" sz="2000" dirty="0"/>
-              <a:t>系统介绍了</a:t>
-            </a:r>
-            <a:r>
-              <a:rPr lang="en-US" altLang="zh-CN" sz="2000" dirty="0" err="1"/>
-              <a:t>.Net</a:t>
-            </a:r>
-            <a:r>
-              <a:rPr lang="zh-CN" altLang="en-US" sz="2000" dirty="0"/>
-              <a:t>程序的调试方法，同时对程序的内存结构和执行引擎行为作了若干介绍</a:t>
-            </a:r>
-            <a:endParaRPr lang="en-US" altLang="zh-CN" sz="2000" dirty="0"/>
-          </a:p>
-          <a:p>
-            <a:pPr lvl="1"/>
-            <a:r>
-              <a:rPr lang="zh-CN" altLang="en-US" sz="2000" dirty="0"/>
-              <a:t>较老版本有中文版，翻译品质一般</a:t>
-            </a:r>
-            <a:endParaRPr lang="en-US" altLang="zh-CN" sz="2000" dirty="0"/>
-          </a:p>
-          <a:p>
+              <a:t>IL2CPP</a:t>
+            </a:r>
+            <a:r>
+              <a:rPr lang="zh-CN" altLang="en-US" dirty="0"/>
+              <a:t>拥有泛型重用，因此能有效减小泛型对代码体积造成的负担</a:t>
+            </a:r>
+            <a:endParaRPr lang="en-US" altLang="zh-CN" dirty="0"/>
+          </a:p>
+          <a:p>
+            <a:r>
+              <a:rPr lang="zh-CN" altLang="en-US" dirty="0"/>
+              <a:t>为结构体重写派生自</a:t>
+            </a:r>
             <a:r>
               <a:rPr lang="en-US" altLang="zh-CN" dirty="0"/>
-              <a:t>Expert </a:t>
-            </a:r>
-            <a:r>
-              <a:rPr lang="en-US" altLang="zh-CN" dirty="0" err="1"/>
-              <a:t>.Net</a:t>
-            </a:r>
+              <a:t>object</a:t>
+            </a:r>
+            <a:r>
+              <a:rPr lang="zh-CN" altLang="en-US" dirty="0"/>
+              <a:t>的方法</a:t>
+            </a:r>
+            <a:endParaRPr lang="en-US" altLang="zh-CN" dirty="0"/>
+          </a:p>
+          <a:p>
+            <a:pPr marL="457200" lvl="1" indent="0">
+              <a:buNone/>
+            </a:pPr>
             <a:r>
               <a:rPr lang="en-US" altLang="zh-CN" dirty="0"/>
-              <a:t> 2.0 IL Assembler</a:t>
-            </a:r>
-          </a:p>
-          <a:p>
-            <a:pPr lvl="1"/>
-            <a:r>
-              <a:rPr lang="zh-CN" altLang="en-US" sz="2000" dirty="0"/>
-              <a:t>比较难得的详细介绍</a:t>
-            </a:r>
-            <a:r>
-              <a:rPr lang="en-US" altLang="zh-CN" sz="2000" dirty="0"/>
-              <a:t>IL</a:t>
-            </a:r>
-            <a:r>
-              <a:rPr lang="zh-CN" altLang="en-US" sz="2000" dirty="0"/>
-              <a:t>与</a:t>
-            </a:r>
-            <a:r>
-              <a:rPr lang="en-US" altLang="zh-CN" sz="2000" dirty="0" err="1"/>
-              <a:t>.Net</a:t>
-            </a:r>
-            <a:r>
-              <a:rPr lang="zh-CN" altLang="en-US" sz="2000" dirty="0"/>
-              <a:t>程序平面结构的书籍</a:t>
-            </a:r>
-            <a:endParaRPr lang="en-US" altLang="zh-CN" sz="2000" dirty="0"/>
-          </a:p>
-          <a:p>
-            <a:pPr lvl="1"/>
-            <a:r>
-              <a:rPr lang="zh-CN" altLang="en-US" sz="2000" dirty="0"/>
-              <a:t>内容较老，所幸其核心内容近年间未发生变化</a:t>
-            </a:r>
-            <a:endParaRPr lang="en-US" altLang="zh-CN" sz="2000" dirty="0"/>
-          </a:p>
-          <a:p>
-            <a:pPr lvl="1"/>
-            <a:r>
-              <a:rPr lang="zh-CN" altLang="en-US" sz="2000" dirty="0"/>
-              <a:t>有中文版，翻译品质一般</a:t>
-            </a:r>
-            <a:endParaRPr lang="en-US" altLang="zh-CN" sz="2000" dirty="0"/>
+              <a:t>Object</a:t>
+            </a:r>
+            <a:r>
+              <a:rPr lang="zh-CN" altLang="en-US" dirty="0"/>
+              <a:t>是引用类型，这是万恶之源</a:t>
+            </a:r>
+            <a:endParaRPr lang="en-US" altLang="zh-CN" dirty="0"/>
+          </a:p>
+          <a:p>
+            <a:r>
+              <a:rPr lang="zh-CN" altLang="en-US" dirty="0"/>
+              <a:t>使用泛型约束控制泛型参数的行为</a:t>
+            </a:r>
+            <a:endParaRPr lang="en-US" altLang="zh-CN" dirty="0"/>
           </a:p>
           <a:p>
             <a:r>
               <a:rPr lang="en-US" altLang="zh-CN" dirty="0"/>
-              <a:t>Pro </a:t>
-            </a:r>
-            <a:r>
-              <a:rPr lang="en-US" altLang="zh-CN" dirty="0" err="1"/>
-              <a:t>.Net</a:t>
+              <a:t>Char</a:t>
+            </a:r>
+            <a:r>
+              <a:rPr lang="zh-CN" altLang="en-US" dirty="0"/>
+              <a:t>是值类型，</a:t>
             </a:r>
             <a:r>
               <a:rPr lang="en-US" altLang="zh-CN" dirty="0"/>
-              <a:t> Performance</a:t>
-            </a:r>
-          </a:p>
-          <a:p>
-            <a:pPr lvl="1"/>
-            <a:r>
-              <a:rPr lang="zh-CN" altLang="en-US" sz="2000" dirty="0"/>
-              <a:t>对</a:t>
-            </a:r>
-            <a:r>
-              <a:rPr lang="en-US" altLang="zh-CN" sz="2000" dirty="0" err="1"/>
-              <a:t>.Net</a:t>
-            </a:r>
-            <a:r>
-              <a:rPr lang="zh-CN" altLang="en-US" sz="2000" dirty="0"/>
-              <a:t>平台执行引擎做了详细的描述，适合想要深入了解</a:t>
-            </a:r>
-            <a:r>
-              <a:rPr lang="en-US" altLang="zh-CN" sz="2000" dirty="0" err="1"/>
-              <a:t>.Net</a:t>
-            </a:r>
-            <a:r>
-              <a:rPr lang="zh-CN" altLang="en-US" sz="2000" dirty="0"/>
-              <a:t>执行引擎的同学</a:t>
-            </a:r>
-            <a:endParaRPr lang="en-US" altLang="zh-CN" sz="2000" dirty="0"/>
-          </a:p>
-          <a:p>
-            <a:pPr lvl="1"/>
-            <a:r>
-              <a:rPr lang="zh-CN" altLang="en-US" sz="2000" dirty="0"/>
-              <a:t>需要较多周边知识</a:t>
-            </a:r>
-            <a:endParaRPr lang="en-US" altLang="zh-CN" sz="2000" dirty="0"/>
-          </a:p>
-          <a:p>
-            <a:pPr lvl="1"/>
-            <a:r>
-              <a:rPr lang="zh-CN" altLang="en-US" sz="2000" dirty="0"/>
-              <a:t>无中文版</a:t>
-            </a:r>
-            <a:endParaRPr lang="en-US" altLang="zh-CN" sz="2000" dirty="0"/>
-          </a:p>
-          <a:p>
-            <a:endParaRPr lang="en-US" altLang="zh-CN" dirty="0"/>
-          </a:p>
-          <a:p>
-            <a:endParaRPr lang="zh-CN" altLang="en-US" dirty="0"/>
+              <a:t>String</a:t>
+            </a:r>
+            <a:r>
+              <a:rPr lang="zh-CN" altLang="en-US" dirty="0"/>
+              <a:t>是引用类型</a:t>
+            </a:r>
+            <a:r>
+              <a:rPr lang="en-US" altLang="zh-CN" dirty="0"/>
+              <a:t>——</a:t>
+            </a:r>
+            <a:r>
+              <a:rPr lang="zh-CN" altLang="en-US" dirty="0"/>
+              <a:t>拼合字符串时不应使用</a:t>
+            </a:r>
+            <a:r>
+              <a:rPr lang="en-US" altLang="zh-CN" dirty="0"/>
+              <a:t>Char</a:t>
+            </a:r>
+            <a:r>
+              <a:rPr lang="zh-CN" altLang="en-US" dirty="0"/>
+              <a:t>类型</a:t>
+            </a:r>
           </a:p>
         </p:txBody>
       </p:sp>
     </p:spTree>
     <p:extLst>
       <p:ext uri="{BB962C8B-B14F-4D97-AF65-F5344CB8AC3E}">
-        <p14:creationId xmlns:p14="http://schemas.microsoft.com/office/powerpoint/2010/main" val="2083535181"/>
+        <p14:creationId xmlns:p14="http://schemas.microsoft.com/office/powerpoint/2010/main" val="3934302142"/>
       </p:ext>
     </p:extLst>
   </p:cSld>
@@ -6992,7 +7143,7 @@
       </p:grpSpPr>
       <p:sp>
         <p:nvSpPr>
-          <p:cNvPr id="4" name="标题 3"/>
+          <p:cNvPr id="2" name="标题 1"/>
           <p:cNvSpPr>
             <a:spLocks noGrp="1"/>
           </p:cNvSpPr>
@@ -7000,29 +7151,692 @@
             <p:ph type="title"/>
           </p:nvPr>
         </p:nvSpPr>
-        <p:spPr>
-          <a:xfrm>
-            <a:off x="696158" y="1821063"/>
-            <a:ext cx="10515600" cy="1325563"/>
-          </a:xfrm>
-        </p:spPr>
+        <p:spPr/>
         <p:txBody>
           <a:bodyPr/>
           <a:lstStyle/>
           <a:p>
-            <a:pPr algn="ctr"/>
+            <a:r>
+              <a:rPr lang="zh-CN" altLang="en-US" dirty="0"/>
+              <a:t>最佳实践</a:t>
+            </a:r>
             <a:r>
               <a:rPr lang="en-US" altLang="zh-CN" dirty="0"/>
-              <a:t>Thanks!</a:t>
-            </a:r>
-            <a:endParaRPr lang="zh-CN" altLang="en-US" dirty="0"/>
+              <a:t>/</a:t>
+            </a:r>
+            <a:r>
+              <a:rPr lang="zh-CN" altLang="en-US" dirty="0"/>
+              <a:t>迁移编译器</a:t>
+            </a:r>
+          </a:p>
+        </p:txBody>
+      </p:sp>
+      <p:sp>
+        <p:nvSpPr>
+          <p:cNvPr id="3" name="内容占位符 2"/>
+          <p:cNvSpPr>
+            <a:spLocks noGrp="1"/>
+          </p:cNvSpPr>
+          <p:nvPr>
+            <p:ph idx="1"/>
+          </p:nvPr>
+        </p:nvSpPr>
+        <p:spPr/>
+        <p:txBody>
+          <a:bodyPr/>
+          <a:lstStyle/>
+          <a:p>
+            <a:pPr marL="0" indent="0">
+              <a:buNone/>
+            </a:pPr>
+            <a:r>
+              <a:rPr lang="zh-CN" altLang="en-US" dirty="0"/>
+              <a:t>通过使用非</a:t>
+            </a:r>
+            <a:r>
+              <a:rPr lang="en-US" altLang="zh-CN" dirty="0"/>
+              <a:t>Unity</a:t>
+            </a:r>
+            <a:r>
+              <a:rPr lang="zh-CN" altLang="en-US" dirty="0"/>
+              <a:t>的编译器获取更高质量的代码</a:t>
+            </a:r>
           </a:p>
         </p:txBody>
       </p:sp>
     </p:spTree>
     <p:extLst>
       <p:ext uri="{BB962C8B-B14F-4D97-AF65-F5344CB8AC3E}">
-        <p14:creationId xmlns:p14="http://schemas.microsoft.com/office/powerpoint/2010/main" val="2146277844"/>
+        <p14:creationId xmlns:p14="http://schemas.microsoft.com/office/powerpoint/2010/main" val="2624574833"/>
+      </p:ext>
+    </p:extLst>
+  </p:cSld>
+  <p:clrMapOvr>
+    <a:masterClrMapping/>
+  </p:clrMapOvr>
+</p:sld>
+</file>
+
+<file path=ppt/slides/slide27.xml><?xml version="1.0" encoding="utf-8"?>
+<p:sld xmlns:a="http://schemas.openxmlformats.org/drawingml/2006/main" xmlns:r="http://schemas.openxmlformats.org/officeDocument/2006/relationships" xmlns:p="http://schemas.openxmlformats.org/presentationml/2006/main">
+  <p:cSld>
+    <p:spTree>
+      <p:nvGrpSpPr>
+        <p:cNvPr id="1" name=""/>
+        <p:cNvGrpSpPr/>
+        <p:nvPr/>
+      </p:nvGrpSpPr>
+      <p:grpSpPr>
+        <a:xfrm>
+          <a:off x="0" y="0"/>
+          <a:ext cx="0" cy="0"/>
+          <a:chOff x="0" y="0"/>
+          <a:chExt cx="0" cy="0"/>
+        </a:xfrm>
+      </p:grpSpPr>
+      <p:sp>
+        <p:nvSpPr>
+          <p:cNvPr id="2" name="标题 1"/>
+          <p:cNvSpPr>
+            <a:spLocks noGrp="1"/>
+          </p:cNvSpPr>
+          <p:nvPr>
+            <p:ph type="title"/>
+          </p:nvPr>
+        </p:nvSpPr>
+        <p:spPr/>
+        <p:txBody>
+          <a:bodyPr/>
+          <a:lstStyle/>
+          <a:p>
+            <a:r>
+              <a:rPr lang="zh-CN" altLang="en-US" dirty="0"/>
+              <a:t>最佳实践</a:t>
+            </a:r>
+            <a:r>
+              <a:rPr lang="en-US" altLang="zh-CN" dirty="0"/>
+              <a:t>/</a:t>
+            </a:r>
+            <a:r>
+              <a:rPr lang="zh-CN" altLang="en-US" dirty="0"/>
+              <a:t>使用</a:t>
+            </a:r>
+            <a:r>
+              <a:rPr lang="en-US" altLang="zh-CN" dirty="0" err="1"/>
+              <a:t>Resharper</a:t>
+            </a:r>
+            <a:r>
+              <a:rPr lang="zh-CN" altLang="en-US" dirty="0"/>
+              <a:t>改进代码质量</a:t>
+            </a:r>
+          </a:p>
+        </p:txBody>
+      </p:sp>
+      <p:sp>
+        <p:nvSpPr>
+          <p:cNvPr id="6" name="内容占位符 5"/>
+          <p:cNvSpPr>
+            <a:spLocks noGrp="1"/>
+          </p:cNvSpPr>
+          <p:nvPr>
+            <p:ph idx="1"/>
+          </p:nvPr>
+        </p:nvSpPr>
+        <p:spPr/>
+        <p:txBody>
+          <a:bodyPr/>
+          <a:lstStyle/>
+          <a:p>
+            <a:endParaRPr lang="zh-CN" altLang="en-US"/>
+          </a:p>
+        </p:txBody>
+      </p:sp>
+    </p:spTree>
+    <p:extLst>
+      <p:ext uri="{BB962C8B-B14F-4D97-AF65-F5344CB8AC3E}">
+        <p14:creationId xmlns:p14="http://schemas.microsoft.com/office/powerpoint/2010/main" val="2700295959"/>
+      </p:ext>
+    </p:extLst>
+  </p:cSld>
+  <p:clrMapOvr>
+    <a:masterClrMapping/>
+  </p:clrMapOvr>
+</p:sld>
+</file>
+
+<file path=ppt/slides/slide28.xml><?xml version="1.0" encoding="utf-8"?>
+<p:sld xmlns:a="http://schemas.openxmlformats.org/drawingml/2006/main" xmlns:r="http://schemas.openxmlformats.org/officeDocument/2006/relationships" xmlns:p="http://schemas.openxmlformats.org/presentationml/2006/main">
+  <p:cSld>
+    <p:spTree>
+      <p:nvGrpSpPr>
+        <p:cNvPr id="1" name=""/>
+        <p:cNvGrpSpPr/>
+        <p:nvPr/>
+      </p:nvGrpSpPr>
+      <p:grpSpPr>
+        <a:xfrm>
+          <a:off x="0" y="0"/>
+          <a:ext cx="0" cy="0"/>
+          <a:chOff x="0" y="0"/>
+          <a:chExt cx="0" cy="0"/>
+        </a:xfrm>
+      </p:grpSpPr>
+      <p:sp>
+        <p:nvSpPr>
+          <p:cNvPr id="2" name="标题 1"/>
+          <p:cNvSpPr>
+            <a:spLocks noGrp="1"/>
+          </p:cNvSpPr>
+          <p:nvPr>
+            <p:ph type="title"/>
+          </p:nvPr>
+        </p:nvSpPr>
+        <p:spPr/>
+        <p:txBody>
+          <a:bodyPr/>
+          <a:lstStyle/>
+          <a:p>
+            <a:r>
+              <a:rPr lang="zh-CN" altLang="en-US" dirty="0"/>
+              <a:t>最佳实践</a:t>
+            </a:r>
+            <a:r>
+              <a:rPr lang="en-US" altLang="zh-CN" dirty="0"/>
+              <a:t>/</a:t>
+            </a:r>
+            <a:r>
+              <a:rPr lang="zh-CN" altLang="en-US" dirty="0"/>
+              <a:t>其他</a:t>
+            </a:r>
+          </a:p>
+        </p:txBody>
+      </p:sp>
+      <p:sp>
+        <p:nvSpPr>
+          <p:cNvPr id="3" name="内容占位符 2"/>
+          <p:cNvSpPr>
+            <a:spLocks noGrp="1"/>
+          </p:cNvSpPr>
+          <p:nvPr>
+            <p:ph idx="1"/>
+          </p:nvPr>
+        </p:nvSpPr>
+        <p:spPr/>
+        <p:txBody>
+          <a:bodyPr>
+            <a:normAutofit lnSpcReduction="10000"/>
+          </a:bodyPr>
+          <a:lstStyle/>
+          <a:p>
+            <a:r>
+              <a:rPr lang="zh-CN" altLang="en-US" dirty="0"/>
+              <a:t>缓存</a:t>
+            </a:r>
+            <a:r>
+              <a:rPr lang="en-US" altLang="zh-CN" dirty="0" err="1"/>
+              <a:t>MemberInfo</a:t>
+            </a:r>
+            <a:endParaRPr lang="en-US" altLang="zh-CN" dirty="0"/>
+          </a:p>
+          <a:p>
+            <a:pPr marL="457200" lvl="1" indent="0">
+              <a:buNone/>
+            </a:pPr>
+            <a:r>
+              <a:rPr lang="zh-CN" altLang="en-US" sz="1800" dirty="0">
+                <a:latin typeface="微软雅黑 Light" panose="020B0502040204020203" pitchFamily="34" charset="-122"/>
+                <a:ea typeface="微软雅黑 Light" panose="020B0502040204020203" pitchFamily="34" charset="-122"/>
+              </a:rPr>
+              <a:t>反射性能低下主要有三个原因：</a:t>
+            </a:r>
+            <a:r>
+              <a:rPr lang="en-US" altLang="zh-CN" sz="1800" dirty="0" err="1">
+                <a:latin typeface="微软雅黑 Light" panose="020B0502040204020203" pitchFamily="34" charset="-122"/>
+                <a:ea typeface="微软雅黑 Light" panose="020B0502040204020203" pitchFamily="34" charset="-122"/>
+              </a:rPr>
+              <a:t>EEClass</a:t>
+            </a:r>
+            <a:r>
+              <a:rPr lang="zh-CN" altLang="en-US" sz="1800" dirty="0">
+                <a:latin typeface="微软雅黑 Light" panose="020B0502040204020203" pitchFamily="34" charset="-122"/>
+                <a:ea typeface="微软雅黑 Light" panose="020B0502040204020203" pitchFamily="34" charset="-122"/>
+              </a:rPr>
+              <a:t>检索慢于编译器生成的地址代换，检索到的数据需要生成</a:t>
+            </a:r>
+            <a:r>
+              <a:rPr lang="en-US" altLang="zh-CN" sz="1800" dirty="0" err="1">
+                <a:latin typeface="微软雅黑 Light" panose="020B0502040204020203" pitchFamily="34" charset="-122"/>
+                <a:ea typeface="微软雅黑 Light" panose="020B0502040204020203" pitchFamily="34" charset="-122"/>
+              </a:rPr>
+              <a:t>MemberInfo</a:t>
+            </a:r>
+            <a:r>
+              <a:rPr lang="zh-CN" altLang="en-US" sz="1800" dirty="0">
+                <a:latin typeface="微软雅黑 Light" panose="020B0502040204020203" pitchFamily="34" charset="-122"/>
+                <a:ea typeface="微软雅黑 Light" panose="020B0502040204020203" pitchFamily="34" charset="-122"/>
+              </a:rPr>
+              <a:t>对象，访问</a:t>
+            </a:r>
+            <a:r>
+              <a:rPr lang="en-US" altLang="zh-CN" sz="1800" dirty="0" err="1">
+                <a:latin typeface="微软雅黑 Light" panose="020B0502040204020203" pitchFamily="34" charset="-122"/>
+                <a:ea typeface="微软雅黑 Light" panose="020B0502040204020203" pitchFamily="34" charset="-122"/>
+              </a:rPr>
+              <a:t>MemberInfo</a:t>
+            </a:r>
+            <a:r>
+              <a:rPr lang="zh-CN" altLang="en-US" sz="1800" dirty="0">
+                <a:latin typeface="微软雅黑 Light" panose="020B0502040204020203" pitchFamily="34" charset="-122"/>
+                <a:ea typeface="微软雅黑 Light" panose="020B0502040204020203" pitchFamily="34" charset="-122"/>
+              </a:rPr>
+              <a:t>对象需要动态绑定。使用反射式缓存</a:t>
+            </a:r>
+            <a:r>
+              <a:rPr lang="en-US" altLang="zh-CN" sz="1800" dirty="0" err="1">
+                <a:latin typeface="微软雅黑 Light" panose="020B0502040204020203" pitchFamily="34" charset="-122"/>
+                <a:ea typeface="微软雅黑 Light" panose="020B0502040204020203" pitchFamily="34" charset="-122"/>
+              </a:rPr>
+              <a:t>MemberInfo</a:t>
+            </a:r>
+            <a:r>
+              <a:rPr lang="zh-CN" altLang="en-US" sz="1800" dirty="0">
+                <a:latin typeface="微软雅黑 Light" panose="020B0502040204020203" pitchFamily="34" charset="-122"/>
+                <a:ea typeface="微软雅黑 Light" panose="020B0502040204020203" pitchFamily="34" charset="-122"/>
+              </a:rPr>
+              <a:t>，前两个问题都能迎刃而解</a:t>
+            </a:r>
+          </a:p>
+          <a:p>
+            <a:r>
+              <a:rPr lang="zh-CN" altLang="en-US" dirty="0"/>
+              <a:t>为集合预分配容量</a:t>
+            </a:r>
+            <a:endParaRPr lang="en-US" altLang="zh-CN" dirty="0"/>
+          </a:p>
+          <a:p>
+            <a:pPr marL="457200" lvl="1" indent="0">
+              <a:buNone/>
+            </a:pPr>
+            <a:r>
+              <a:rPr lang="zh-CN" altLang="en-US" sz="1800" dirty="0">
+                <a:latin typeface="微软雅黑 Light" panose="020B0502040204020203" pitchFamily="34" charset="-122"/>
+                <a:ea typeface="微软雅黑 Light" panose="020B0502040204020203" pitchFamily="34" charset="-122"/>
+              </a:rPr>
+              <a:t>集合拥有积极扩张的内存分配策略，预估集合容量并进行预分配非但有助于减少重分配次数，而且通常能够节约内存</a:t>
+            </a:r>
+            <a:endParaRPr lang="en-US" altLang="zh-CN" sz="1800" dirty="0">
+              <a:latin typeface="微软雅黑 Light" panose="020B0502040204020203" pitchFamily="34" charset="-122"/>
+              <a:ea typeface="微软雅黑 Light" panose="020B0502040204020203" pitchFamily="34" charset="-122"/>
+            </a:endParaRPr>
+          </a:p>
+          <a:p>
+            <a:r>
+              <a:rPr lang="zh-CN" altLang="en-US" dirty="0"/>
+              <a:t>重写</a:t>
+            </a:r>
+            <a:r>
+              <a:rPr lang="en-US" altLang="zh-CN" dirty="0"/>
+              <a:t>Equals</a:t>
+            </a:r>
+            <a:r>
+              <a:rPr lang="zh-CN" altLang="en-US" dirty="0"/>
+              <a:t>方法和</a:t>
+            </a:r>
+            <a:r>
+              <a:rPr lang="en-US" altLang="zh-CN" dirty="0" err="1"/>
+              <a:t>GetHashCode</a:t>
+            </a:r>
+            <a:r>
+              <a:rPr lang="zh-CN" altLang="en-US" dirty="0"/>
+              <a:t>方法</a:t>
+            </a:r>
+            <a:endParaRPr lang="en-US" altLang="zh-CN" dirty="0"/>
+          </a:p>
+          <a:p>
+            <a:pPr marL="457200" lvl="1" indent="0">
+              <a:buNone/>
+            </a:pPr>
+            <a:r>
+              <a:rPr lang="zh-CN" altLang="en-US" sz="1800" dirty="0">
+                <a:latin typeface="微软雅黑 Light" panose="020B0502040204020203" pitchFamily="34" charset="-122"/>
+                <a:ea typeface="微软雅黑 Light" panose="020B0502040204020203" pitchFamily="34" charset="-122"/>
+              </a:rPr>
+              <a:t>引用类型的上述方法默认实现使用反射</a:t>
+            </a:r>
+            <a:r>
+              <a:rPr lang="zh-CN" altLang="en-US" dirty="0"/>
+              <a:t>坚持建立文档化注释</a:t>
+            </a:r>
+            <a:endParaRPr lang="en-US" altLang="zh-CN" dirty="0"/>
+          </a:p>
+          <a:p>
+            <a:pPr marL="457200" lvl="1" indent="0">
+              <a:buNone/>
+            </a:pPr>
+            <a:r>
+              <a:rPr lang="zh-CN" altLang="en-US" sz="1800" dirty="0">
+                <a:latin typeface="微软雅黑 Light" panose="020B0502040204020203" pitchFamily="34" charset="-122"/>
+                <a:ea typeface="微软雅黑 Light" panose="020B0502040204020203" pitchFamily="34" charset="-122"/>
+              </a:rPr>
+              <a:t>从</a:t>
+            </a:r>
+            <a:r>
+              <a:rPr lang="en-US" altLang="zh-CN" sz="1800" dirty="0">
+                <a:latin typeface="微软雅黑 Light" panose="020B0502040204020203" pitchFamily="34" charset="-122"/>
+                <a:ea typeface="微软雅黑 Light" panose="020B0502040204020203" pitchFamily="34" charset="-122"/>
+              </a:rPr>
+              <a:t>VisualStudio</a:t>
+            </a:r>
+            <a:r>
+              <a:rPr lang="zh-CN" altLang="en-US" sz="1800" dirty="0">
+                <a:latin typeface="微软雅黑 Light" panose="020B0502040204020203" pitchFamily="34" charset="-122"/>
+                <a:ea typeface="微软雅黑 Light" panose="020B0502040204020203" pitchFamily="34" charset="-122"/>
+              </a:rPr>
+              <a:t>到</a:t>
+            </a:r>
+            <a:r>
+              <a:rPr lang="en-US" altLang="zh-CN" sz="1800" dirty="0" err="1">
+                <a:latin typeface="微软雅黑 Light" panose="020B0502040204020203" pitchFamily="34" charset="-122"/>
+                <a:ea typeface="微软雅黑 Light" panose="020B0502040204020203" pitchFamily="34" charset="-122"/>
+              </a:rPr>
+              <a:t>Resharper</a:t>
+            </a:r>
+            <a:r>
+              <a:rPr lang="zh-CN" altLang="en-US" sz="1800" dirty="0">
+                <a:latin typeface="微软雅黑 Light" panose="020B0502040204020203" pitchFamily="34" charset="-122"/>
+                <a:ea typeface="微软雅黑 Light" panose="020B0502040204020203" pitchFamily="34" charset="-122"/>
+              </a:rPr>
+              <a:t>，对类与方法的描述都来自文档化注释。</a:t>
+            </a:r>
+            <a:endParaRPr lang="en-US" altLang="zh-CN" dirty="0"/>
+          </a:p>
+          <a:p>
+            <a:r>
+              <a:rPr lang="zh-CN" altLang="en-US" dirty="0"/>
+              <a:t>较小的集合不应使用有键集合</a:t>
+            </a:r>
+            <a:endParaRPr lang="en-US" altLang="zh-CN" dirty="0"/>
+          </a:p>
+          <a:p>
+            <a:pPr marL="457200" lvl="1" indent="0">
+              <a:buNone/>
+            </a:pPr>
+            <a:r>
+              <a:rPr lang="zh-CN" altLang="en-US" sz="1800" dirty="0">
+                <a:latin typeface="微软雅黑 Light" panose="020B0502040204020203" pitchFamily="34" charset="-122"/>
+                <a:ea typeface="微软雅黑 Light" panose="020B0502040204020203" pitchFamily="34" charset="-122"/>
+              </a:rPr>
+              <a:t>有键集合需要额外的空间。举例来说，一个空的</a:t>
+            </a:r>
+            <a:r>
+              <a:rPr lang="en-US" altLang="zh-CN" sz="1800" dirty="0">
+                <a:latin typeface="微软雅黑 Light" panose="020B0502040204020203" pitchFamily="34" charset="-122"/>
+                <a:ea typeface="微软雅黑 Light" panose="020B0502040204020203" pitchFamily="34" charset="-122"/>
+              </a:rPr>
+              <a:t>Dictionary</a:t>
+            </a:r>
+            <a:r>
+              <a:rPr lang="zh-CN" altLang="en-US" sz="1800" dirty="0">
+                <a:latin typeface="微软雅黑 Light" panose="020B0502040204020203" pitchFamily="34" charset="-122"/>
+                <a:ea typeface="微软雅黑 Light" panose="020B0502040204020203" pitchFamily="34" charset="-122"/>
+              </a:rPr>
+              <a:t>也会消耗</a:t>
+            </a:r>
+            <a:r>
+              <a:rPr lang="en-US" altLang="zh-CN" sz="1800" dirty="0">
+                <a:latin typeface="微软雅黑 Light" panose="020B0502040204020203" pitchFamily="34" charset="-122"/>
+                <a:ea typeface="微软雅黑 Light" panose="020B0502040204020203" pitchFamily="34" charset="-122"/>
+              </a:rPr>
+              <a:t>12</a:t>
+            </a:r>
+            <a:r>
+              <a:rPr lang="zh-CN" altLang="en-US" sz="1800" dirty="0">
+                <a:latin typeface="微软雅黑 Light" panose="020B0502040204020203" pitchFamily="34" charset="-122"/>
+                <a:ea typeface="微软雅黑 Light" panose="020B0502040204020203" pitchFamily="34" charset="-122"/>
+              </a:rPr>
+              <a:t>字节的空间。</a:t>
+            </a:r>
+            <a:endParaRPr lang="en-US" altLang="zh-CN" sz="1800" dirty="0">
+              <a:latin typeface="微软雅黑 Light" panose="020B0502040204020203" pitchFamily="34" charset="-122"/>
+              <a:ea typeface="微软雅黑 Light" panose="020B0502040204020203" pitchFamily="34" charset="-122"/>
+            </a:endParaRPr>
+          </a:p>
+        </p:txBody>
+      </p:sp>
+    </p:spTree>
+    <p:extLst>
+      <p:ext uri="{BB962C8B-B14F-4D97-AF65-F5344CB8AC3E}">
+        <p14:creationId xmlns:p14="http://schemas.microsoft.com/office/powerpoint/2010/main" val="1948017904"/>
+      </p:ext>
+    </p:extLst>
+  </p:cSld>
+  <p:clrMapOvr>
+    <a:masterClrMapping/>
+  </p:clrMapOvr>
+</p:sld>
+</file>
+
+<file path=ppt/slides/slide29.xml><?xml version="1.0" encoding="utf-8"?>
+<p:sld xmlns:a="http://schemas.openxmlformats.org/drawingml/2006/main" xmlns:r="http://schemas.openxmlformats.org/officeDocument/2006/relationships" xmlns:p="http://schemas.openxmlformats.org/presentationml/2006/main">
+  <p:cSld>
+    <p:spTree>
+      <p:nvGrpSpPr>
+        <p:cNvPr id="1" name=""/>
+        <p:cNvGrpSpPr/>
+        <p:nvPr/>
+      </p:nvGrpSpPr>
+      <p:grpSpPr>
+        <a:xfrm>
+          <a:off x="0" y="0"/>
+          <a:ext cx="0" cy="0"/>
+          <a:chOff x="0" y="0"/>
+          <a:chExt cx="0" cy="0"/>
+        </a:xfrm>
+      </p:grpSpPr>
+      <p:sp>
+        <p:nvSpPr>
+          <p:cNvPr id="2" name="标题 1"/>
+          <p:cNvSpPr>
+            <a:spLocks noGrp="1"/>
+          </p:cNvSpPr>
+          <p:nvPr>
+            <p:ph type="title"/>
+          </p:nvPr>
+        </p:nvSpPr>
+        <p:spPr/>
+        <p:txBody>
+          <a:bodyPr/>
+          <a:lstStyle/>
+          <a:p>
+            <a:r>
+              <a:rPr lang="zh-CN" altLang="en-US" dirty="0"/>
+              <a:t>最佳实践</a:t>
+            </a:r>
+            <a:r>
+              <a:rPr lang="en-US" altLang="zh-CN" dirty="0"/>
+              <a:t>/</a:t>
+            </a:r>
+            <a:r>
+              <a:rPr lang="zh-CN" altLang="en-US" dirty="0"/>
+              <a:t>其他</a:t>
+            </a:r>
+          </a:p>
+        </p:txBody>
+      </p:sp>
+      <p:sp>
+        <p:nvSpPr>
+          <p:cNvPr id="3" name="内容占位符 2"/>
+          <p:cNvSpPr>
+            <a:spLocks noGrp="1"/>
+          </p:cNvSpPr>
+          <p:nvPr>
+            <p:ph idx="1"/>
+          </p:nvPr>
+        </p:nvSpPr>
+        <p:spPr/>
+        <p:txBody>
+          <a:bodyPr>
+            <a:normAutofit/>
+          </a:bodyPr>
+          <a:lstStyle/>
+          <a:p>
+            <a:r>
+              <a:rPr lang="zh-CN" altLang="en-US" dirty="0"/>
+              <a:t>枚举类型不宜作为键使用</a:t>
+            </a:r>
+            <a:endParaRPr lang="en-US" altLang="zh-CN" dirty="0"/>
+          </a:p>
+          <a:p>
+            <a:pPr marL="457200" lvl="1" indent="0">
+              <a:buNone/>
+            </a:pPr>
+            <a:r>
+              <a:rPr lang="zh-CN" altLang="en-US" sz="1800" dirty="0">
+                <a:latin typeface="微软雅黑 Light" panose="020B0502040204020203" pitchFamily="34" charset="-122"/>
+                <a:ea typeface="微软雅黑 Light" panose="020B0502040204020203" pitchFamily="34" charset="-122"/>
+              </a:rPr>
+              <a:t>枚举是值类型，而且你无法重写它的</a:t>
+            </a:r>
+            <a:r>
+              <a:rPr lang="en-US" altLang="zh-CN" sz="1800" dirty="0" err="1">
+                <a:latin typeface="微软雅黑 Light" panose="020B0502040204020203" pitchFamily="34" charset="-122"/>
+                <a:ea typeface="微软雅黑 Light" panose="020B0502040204020203" pitchFamily="34" charset="-122"/>
+              </a:rPr>
+              <a:t>GetHashCode</a:t>
+            </a:r>
+            <a:r>
+              <a:rPr lang="zh-CN" altLang="en-US" sz="1800" dirty="0">
+                <a:latin typeface="微软雅黑 Light" panose="020B0502040204020203" pitchFamily="34" charset="-122"/>
+                <a:ea typeface="微软雅黑 Light" panose="020B0502040204020203" pitchFamily="34" charset="-122"/>
+              </a:rPr>
+              <a:t>方法</a:t>
+            </a:r>
+            <a:endParaRPr lang="en-US" altLang="zh-CN" sz="1800" dirty="0">
+              <a:latin typeface="微软雅黑 Light" panose="020B0502040204020203" pitchFamily="34" charset="-122"/>
+              <a:ea typeface="微软雅黑 Light" panose="020B0502040204020203" pitchFamily="34" charset="-122"/>
+            </a:endParaRPr>
+          </a:p>
+          <a:p>
+            <a:r>
+              <a:rPr lang="zh-CN" altLang="en-US" dirty="0"/>
+              <a:t>谨慎传递结构体</a:t>
+            </a:r>
+            <a:endParaRPr lang="en-US" altLang="zh-CN" dirty="0"/>
+          </a:p>
+          <a:p>
+            <a:pPr marL="457200" lvl="1" indent="0">
+              <a:buNone/>
+            </a:pPr>
+            <a:r>
+              <a:rPr lang="zh-CN" altLang="en-US" sz="1800" dirty="0">
+                <a:latin typeface="微软雅黑 Light" panose="020B0502040204020203" pitchFamily="34" charset="-122"/>
+                <a:ea typeface="微软雅黑 Light" panose="020B0502040204020203" pitchFamily="34" charset="-122"/>
+              </a:rPr>
+              <a:t>别忘了结构体是值类型哦。使用</a:t>
+            </a:r>
+            <a:r>
+              <a:rPr lang="en-US" altLang="zh-CN" sz="1800" dirty="0">
+                <a:latin typeface="微软雅黑 Light" panose="020B0502040204020203" pitchFamily="34" charset="-122"/>
+                <a:ea typeface="微软雅黑 Light" panose="020B0502040204020203" pitchFamily="34" charset="-122"/>
+              </a:rPr>
+              <a:t>ref</a:t>
+            </a:r>
+            <a:r>
+              <a:rPr lang="zh-CN" altLang="en-US" sz="1800" dirty="0">
+                <a:latin typeface="微软雅黑 Light" panose="020B0502040204020203" pitchFamily="34" charset="-122"/>
+                <a:ea typeface="微软雅黑 Light" panose="020B0502040204020203" pitchFamily="34" charset="-122"/>
+              </a:rPr>
+              <a:t>传递作为参数的结构体</a:t>
+            </a:r>
+            <a:endParaRPr lang="en-US" altLang="zh-CN" sz="1800" dirty="0">
+              <a:latin typeface="微软雅黑 Light" panose="020B0502040204020203" pitchFamily="34" charset="-122"/>
+              <a:ea typeface="微软雅黑 Light" panose="020B0502040204020203" pitchFamily="34" charset="-122"/>
+            </a:endParaRPr>
+          </a:p>
+          <a:p>
+            <a:r>
+              <a:rPr lang="zh-CN" altLang="en-US" dirty="0"/>
+              <a:t>使用枚举而非常量</a:t>
+            </a:r>
+            <a:endParaRPr lang="en-US" altLang="zh-CN" dirty="0"/>
+          </a:p>
+          <a:p>
+            <a:pPr marL="457200" lvl="1" indent="0">
+              <a:buNone/>
+            </a:pPr>
+            <a:r>
+              <a:rPr lang="zh-CN" altLang="en-US" sz="1800" dirty="0">
+                <a:latin typeface="微软雅黑 Light" panose="020B0502040204020203" pitchFamily="34" charset="-122"/>
+                <a:ea typeface="微软雅黑 Light" panose="020B0502040204020203" pitchFamily="34" charset="-122"/>
+              </a:rPr>
+              <a:t>枚举明确地指出了其内容的约束，且拥有更完备的工具支持</a:t>
+            </a:r>
+            <a:endParaRPr lang="en-US" altLang="zh-CN" sz="1800" dirty="0">
+              <a:latin typeface="微软雅黑 Light" panose="020B0502040204020203" pitchFamily="34" charset="-122"/>
+              <a:ea typeface="微软雅黑 Light" panose="020B0502040204020203" pitchFamily="34" charset="-122"/>
+            </a:endParaRPr>
+          </a:p>
+          <a:p>
+            <a:r>
+              <a:rPr lang="zh-CN" altLang="en-US" dirty="0"/>
+              <a:t>慎重对待闭包</a:t>
+            </a:r>
+            <a:endParaRPr lang="en-US" altLang="zh-CN" dirty="0"/>
+          </a:p>
+          <a:p>
+            <a:pPr marL="457200" lvl="1" indent="0">
+              <a:buNone/>
+            </a:pPr>
+            <a:r>
+              <a:rPr lang="zh-CN" altLang="en-US" sz="1800" dirty="0">
+                <a:latin typeface="微软雅黑 Light" panose="020B0502040204020203" pitchFamily="34" charset="-122"/>
+                <a:ea typeface="微软雅黑 Light" panose="020B0502040204020203" pitchFamily="34" charset="-122"/>
+              </a:rPr>
+              <a:t>状态的延续站在内存的肩膀上</a:t>
+            </a:r>
+            <a:endParaRPr lang="en-US" altLang="zh-CN" sz="1800" dirty="0">
+              <a:latin typeface="微软雅黑 Light" panose="020B0502040204020203" pitchFamily="34" charset="-122"/>
+              <a:ea typeface="微软雅黑 Light" panose="020B0502040204020203" pitchFamily="34" charset="-122"/>
+            </a:endParaRPr>
+          </a:p>
+          <a:p>
+            <a:r>
+              <a:rPr lang="zh-CN" altLang="en-US" dirty="0"/>
+              <a:t>编译重复使用的正则表达式</a:t>
+            </a:r>
+            <a:endParaRPr lang="en-US" altLang="zh-CN" dirty="0"/>
+          </a:p>
+          <a:p>
+            <a:pPr marL="457200" lvl="1" indent="0">
+              <a:buNone/>
+            </a:pPr>
+            <a:r>
+              <a:rPr lang="zh-CN" altLang="en-US" sz="1800" dirty="0">
+                <a:latin typeface="微软雅黑 Light" panose="020B0502040204020203" pitchFamily="34" charset="-122"/>
+                <a:ea typeface="微软雅黑 Light" panose="020B0502040204020203" pitchFamily="34" charset="-122"/>
+              </a:rPr>
+              <a:t>将字符串编译为自动机往往要比匹配消耗更多时间</a:t>
+            </a:r>
+            <a:endParaRPr lang="en-US" altLang="zh-CN" sz="1800" dirty="0">
+              <a:latin typeface="微软雅黑 Light" panose="020B0502040204020203" pitchFamily="34" charset="-122"/>
+              <a:ea typeface="微软雅黑 Light" panose="020B0502040204020203" pitchFamily="34" charset="-122"/>
+            </a:endParaRPr>
+          </a:p>
+          <a:p>
+            <a:pPr marL="457200" lvl="1" indent="0">
+              <a:buNone/>
+            </a:pPr>
+            <a:endParaRPr lang="zh-CN" altLang="en-US" sz="1800" dirty="0">
+              <a:latin typeface="微软雅黑 Light" panose="020B0502040204020203" pitchFamily="34" charset="-122"/>
+              <a:ea typeface="微软雅黑 Light" panose="020B0502040204020203" pitchFamily="34" charset="-122"/>
+            </a:endParaRPr>
+          </a:p>
+        </p:txBody>
+      </p:sp>
+    </p:spTree>
+    <p:extLst>
+      <p:ext uri="{BB962C8B-B14F-4D97-AF65-F5344CB8AC3E}">
+        <p14:creationId xmlns:p14="http://schemas.microsoft.com/office/powerpoint/2010/main" val="4131926382"/>
       </p:ext>
     </p:extLst>
   </p:cSld>
@@ -7245,6 +8059,313 @@
     <p:extLst>
       <p:ext uri="{BB962C8B-B14F-4D97-AF65-F5344CB8AC3E}">
         <p14:creationId xmlns:p14="http://schemas.microsoft.com/office/powerpoint/2010/main" val="2932515175"/>
+      </p:ext>
+    </p:extLst>
+  </p:cSld>
+  <p:clrMapOvr>
+    <a:masterClrMapping/>
+  </p:clrMapOvr>
+</p:sld>
+</file>
+
+<file path=ppt/slides/slide30.xml><?xml version="1.0" encoding="utf-8"?>
+<p:sld xmlns:a="http://schemas.openxmlformats.org/drawingml/2006/main" xmlns:r="http://schemas.openxmlformats.org/officeDocument/2006/relationships" xmlns:p="http://schemas.openxmlformats.org/presentationml/2006/main">
+  <p:cSld>
+    <p:spTree>
+      <p:nvGrpSpPr>
+        <p:cNvPr id="1" name=""/>
+        <p:cNvGrpSpPr/>
+        <p:nvPr/>
+      </p:nvGrpSpPr>
+      <p:grpSpPr>
+        <a:xfrm>
+          <a:off x="0" y="0"/>
+          <a:ext cx="0" cy="0"/>
+          <a:chOff x="0" y="0"/>
+          <a:chExt cx="0" cy="0"/>
+        </a:xfrm>
+      </p:grpSpPr>
+      <p:sp>
+        <p:nvSpPr>
+          <p:cNvPr id="2" name="标题 1"/>
+          <p:cNvSpPr>
+            <a:spLocks noGrp="1"/>
+          </p:cNvSpPr>
+          <p:nvPr>
+            <p:ph type="title"/>
+          </p:nvPr>
+        </p:nvSpPr>
+        <p:spPr/>
+        <p:txBody>
+          <a:bodyPr/>
+          <a:lstStyle/>
+          <a:p>
+            <a:r>
+              <a:rPr lang="zh-CN" altLang="en-US" dirty="0"/>
+              <a:t>书籍</a:t>
+            </a:r>
+          </a:p>
+        </p:txBody>
+      </p:sp>
+      <p:sp>
+        <p:nvSpPr>
+          <p:cNvPr id="3" name="内容占位符 2"/>
+          <p:cNvSpPr>
+            <a:spLocks noGrp="1"/>
+          </p:cNvSpPr>
+          <p:nvPr>
+            <p:ph idx="1"/>
+          </p:nvPr>
+        </p:nvSpPr>
+        <p:spPr/>
+        <p:txBody>
+          <a:bodyPr>
+            <a:normAutofit fontScale="92500" lnSpcReduction="20000"/>
+          </a:bodyPr>
+          <a:lstStyle/>
+          <a:p>
+            <a:r>
+              <a:rPr lang="en-US" altLang="zh-CN" dirty="0"/>
+              <a:t>CLR via C#</a:t>
+            </a:r>
+          </a:p>
+          <a:p>
+            <a:pPr lvl="1"/>
+            <a:r>
+              <a:rPr lang="en-US" altLang="zh-CN" sz="2000" dirty="0" err="1"/>
+              <a:t>.Net</a:t>
+            </a:r>
+            <a:r>
+              <a:rPr lang="zh-CN" altLang="en-US" sz="2000" dirty="0"/>
+              <a:t>社区最享盛名的书籍之一。阅读较为容易，学习曲线平缓，对平台认知提升显著</a:t>
+            </a:r>
+            <a:endParaRPr lang="en-US" altLang="zh-CN" sz="2000" dirty="0"/>
+          </a:p>
+          <a:p>
+            <a:pPr lvl="1"/>
+            <a:r>
+              <a:rPr lang="zh-CN" altLang="en-US" sz="2000" dirty="0"/>
+              <a:t>有中文版，翻译品质优秀</a:t>
+            </a:r>
+            <a:endParaRPr lang="en-US" altLang="zh-CN" sz="2000" dirty="0"/>
+          </a:p>
+          <a:p>
+            <a:r>
+              <a:rPr lang="en-US" altLang="zh-CN" dirty="0"/>
+              <a:t>Advanced </a:t>
+            </a:r>
+            <a:r>
+              <a:rPr lang="en-US" altLang="zh-CN" dirty="0" err="1"/>
+              <a:t>.Net</a:t>
+            </a:r>
+            <a:r>
+              <a:rPr lang="en-US" altLang="zh-CN" dirty="0"/>
+              <a:t> Debugging</a:t>
+            </a:r>
+          </a:p>
+          <a:p>
+            <a:pPr lvl="1"/>
+            <a:r>
+              <a:rPr lang="zh-CN" altLang="en-US" sz="2000" dirty="0"/>
+              <a:t>系统介绍了</a:t>
+            </a:r>
+            <a:r>
+              <a:rPr lang="en-US" altLang="zh-CN" sz="2000" dirty="0" err="1"/>
+              <a:t>.Net</a:t>
+            </a:r>
+            <a:r>
+              <a:rPr lang="zh-CN" altLang="en-US" sz="2000" dirty="0"/>
+              <a:t>程序的调试方法，同时对程序的内存结构和执行引擎行为作了若干介绍</a:t>
+            </a:r>
+            <a:endParaRPr lang="en-US" altLang="zh-CN" sz="2000" dirty="0"/>
+          </a:p>
+          <a:p>
+            <a:pPr lvl="1"/>
+            <a:r>
+              <a:rPr lang="zh-CN" altLang="en-US" sz="2000" dirty="0"/>
+              <a:t>较老版本有中文版，翻译品质一般</a:t>
+            </a:r>
+            <a:endParaRPr lang="en-US" altLang="zh-CN" sz="2000" dirty="0"/>
+          </a:p>
+          <a:p>
+            <a:r>
+              <a:rPr lang="en-US" altLang="zh-CN" dirty="0"/>
+              <a:t>Expert </a:t>
+            </a:r>
+            <a:r>
+              <a:rPr lang="en-US" altLang="zh-CN" dirty="0" err="1"/>
+              <a:t>.Net</a:t>
+            </a:r>
+            <a:r>
+              <a:rPr lang="en-US" altLang="zh-CN" dirty="0"/>
+              <a:t> 2.0 IL Assembler</a:t>
+            </a:r>
+          </a:p>
+          <a:p>
+            <a:pPr lvl="1"/>
+            <a:r>
+              <a:rPr lang="zh-CN" altLang="en-US" sz="2000" dirty="0"/>
+              <a:t>比较难得的详细介绍</a:t>
+            </a:r>
+            <a:r>
+              <a:rPr lang="en-US" altLang="zh-CN" sz="2000" dirty="0"/>
+              <a:t>IL</a:t>
+            </a:r>
+            <a:r>
+              <a:rPr lang="zh-CN" altLang="en-US" sz="2000" dirty="0"/>
+              <a:t>与</a:t>
+            </a:r>
+            <a:r>
+              <a:rPr lang="en-US" altLang="zh-CN" sz="2000" dirty="0" err="1"/>
+              <a:t>.Net</a:t>
+            </a:r>
+            <a:r>
+              <a:rPr lang="zh-CN" altLang="en-US" sz="2000" dirty="0"/>
+              <a:t>程序平面结构的书籍</a:t>
+            </a:r>
+            <a:endParaRPr lang="en-US" altLang="zh-CN" sz="2000" dirty="0"/>
+          </a:p>
+          <a:p>
+            <a:pPr lvl="1"/>
+            <a:r>
+              <a:rPr lang="zh-CN" altLang="en-US" sz="2000" dirty="0"/>
+              <a:t>内容较老，所幸其核心内容近年间未发生变化</a:t>
+            </a:r>
+            <a:endParaRPr lang="en-US" altLang="zh-CN" sz="2000" dirty="0"/>
+          </a:p>
+          <a:p>
+            <a:pPr lvl="1"/>
+            <a:r>
+              <a:rPr lang="zh-CN" altLang="en-US" sz="2000" dirty="0"/>
+              <a:t>有中文版，翻译品质一般</a:t>
+            </a:r>
+            <a:endParaRPr lang="en-US" altLang="zh-CN" sz="2000" dirty="0"/>
+          </a:p>
+          <a:p>
+            <a:r>
+              <a:rPr lang="en-US" altLang="zh-CN" dirty="0"/>
+              <a:t>Pro </a:t>
+            </a:r>
+            <a:r>
+              <a:rPr lang="en-US" altLang="zh-CN" dirty="0" err="1"/>
+              <a:t>.Net</a:t>
+            </a:r>
+            <a:r>
+              <a:rPr lang="en-US" altLang="zh-CN" dirty="0"/>
+              <a:t> Performance</a:t>
+            </a:r>
+          </a:p>
+          <a:p>
+            <a:pPr lvl="1"/>
+            <a:r>
+              <a:rPr lang="zh-CN" altLang="en-US" sz="2000" dirty="0"/>
+              <a:t>对</a:t>
+            </a:r>
+            <a:r>
+              <a:rPr lang="en-US" altLang="zh-CN" sz="2000" dirty="0" err="1"/>
+              <a:t>.Net</a:t>
+            </a:r>
+            <a:r>
+              <a:rPr lang="zh-CN" altLang="en-US" sz="2000" dirty="0"/>
+              <a:t>平台执行引擎做了详细的描述，适合想要深入了解</a:t>
+            </a:r>
+            <a:r>
+              <a:rPr lang="en-US" altLang="zh-CN" sz="2000" dirty="0" err="1"/>
+              <a:t>.Net</a:t>
+            </a:r>
+            <a:r>
+              <a:rPr lang="zh-CN" altLang="en-US" sz="2000" dirty="0"/>
+              <a:t>执行引擎的同学</a:t>
+            </a:r>
+            <a:endParaRPr lang="en-US" altLang="zh-CN" sz="2000" dirty="0"/>
+          </a:p>
+          <a:p>
+            <a:pPr lvl="1"/>
+            <a:r>
+              <a:rPr lang="zh-CN" altLang="en-US" sz="2000" dirty="0"/>
+              <a:t>需要较多周边知识</a:t>
+            </a:r>
+            <a:endParaRPr lang="en-US" altLang="zh-CN" sz="2000" dirty="0"/>
+          </a:p>
+          <a:p>
+            <a:pPr lvl="1"/>
+            <a:r>
+              <a:rPr lang="zh-CN" altLang="en-US" sz="2000" dirty="0"/>
+              <a:t>无中文版</a:t>
+            </a:r>
+            <a:endParaRPr lang="en-US" altLang="zh-CN" sz="2000" dirty="0"/>
+          </a:p>
+          <a:p>
+            <a:endParaRPr lang="en-US" altLang="zh-CN" dirty="0"/>
+          </a:p>
+          <a:p>
+            <a:endParaRPr lang="zh-CN" altLang="en-US" dirty="0"/>
+          </a:p>
+        </p:txBody>
+      </p:sp>
+    </p:spTree>
+    <p:extLst>
+      <p:ext uri="{BB962C8B-B14F-4D97-AF65-F5344CB8AC3E}">
+        <p14:creationId xmlns:p14="http://schemas.microsoft.com/office/powerpoint/2010/main" val="2083535181"/>
+      </p:ext>
+    </p:extLst>
+  </p:cSld>
+  <p:clrMapOvr>
+    <a:masterClrMapping/>
+  </p:clrMapOvr>
+</p:sld>
+</file>
+
+<file path=ppt/slides/slide31.xml><?xml version="1.0" encoding="utf-8"?>
+<p:sld xmlns:a="http://schemas.openxmlformats.org/drawingml/2006/main" xmlns:r="http://schemas.openxmlformats.org/officeDocument/2006/relationships" xmlns:p="http://schemas.openxmlformats.org/presentationml/2006/main">
+  <p:cSld>
+    <p:spTree>
+      <p:nvGrpSpPr>
+        <p:cNvPr id="1" name=""/>
+        <p:cNvGrpSpPr/>
+        <p:nvPr/>
+      </p:nvGrpSpPr>
+      <p:grpSpPr>
+        <a:xfrm>
+          <a:off x="0" y="0"/>
+          <a:ext cx="0" cy="0"/>
+          <a:chOff x="0" y="0"/>
+          <a:chExt cx="0" cy="0"/>
+        </a:xfrm>
+      </p:grpSpPr>
+      <p:sp>
+        <p:nvSpPr>
+          <p:cNvPr id="4" name="标题 3"/>
+          <p:cNvSpPr>
+            <a:spLocks noGrp="1"/>
+          </p:cNvSpPr>
+          <p:nvPr>
+            <p:ph type="title"/>
+          </p:nvPr>
+        </p:nvSpPr>
+        <p:spPr>
+          <a:xfrm>
+            <a:off x="696158" y="1821063"/>
+            <a:ext cx="10515600" cy="1325563"/>
+          </a:xfrm>
+        </p:spPr>
+        <p:txBody>
+          <a:bodyPr/>
+          <a:lstStyle/>
+          <a:p>
+            <a:pPr algn="ctr"/>
+            <a:r>
+              <a:rPr lang="en-US" altLang="zh-CN" dirty="0"/>
+              <a:t>Thanks!</a:t>
+            </a:r>
+            <a:endParaRPr lang="zh-CN" altLang="en-US" dirty="0"/>
+          </a:p>
+        </p:txBody>
+      </p:sp>
+    </p:spTree>
+    <p:extLst>
+      <p:ext uri="{BB962C8B-B14F-4D97-AF65-F5344CB8AC3E}">
+        <p14:creationId xmlns:p14="http://schemas.microsoft.com/office/powerpoint/2010/main" val="2146277844"/>
       </p:ext>
     </p:extLst>
   </p:cSld>
@@ -9139,15 +10260,7 @@
           <a:p>
             <a:r>
               <a:rPr lang="zh-CN" altLang="en-US" dirty="0"/>
-              <a:t>命名规范</a:t>
-            </a:r>
-            <a:r>
-              <a:rPr lang="en-US" altLang="zh-CN" dirty="0"/>
-              <a:t>/</a:t>
-            </a:r>
-            <a:r>
-              <a:rPr lang="zh-CN" altLang="en-US" dirty="0"/>
-              <a:t>约定</a:t>
+              <a:t>基本概念</a:t>
             </a:r>
           </a:p>
         </p:txBody>
@@ -9162,84 +10275,210 @@
             <p:ph idx="1"/>
           </p:nvPr>
         </p:nvSpPr>
-        <p:spPr/>
+        <p:spPr>
+          <a:xfrm>
+            <a:off x="838199" y="1690688"/>
+            <a:ext cx="5247367" cy="4614932"/>
+          </a:xfrm>
+        </p:spPr>
         <p:txBody>
           <a:bodyPr>
-            <a:normAutofit/>
+            <a:normAutofit lnSpcReduction="10000"/>
           </a:bodyPr>
           <a:lstStyle/>
           <a:p>
-            <a:pPr marL="0" indent="0">
+            <a:r>
+              <a:rPr lang="en-US" altLang="zh-CN" sz="2400" dirty="0"/>
+              <a:t>Common Language Infrastructure (CLI)</a:t>
+            </a:r>
+          </a:p>
+          <a:p>
+            <a:pPr marL="457200" lvl="1" indent="0">
               <a:buNone/>
             </a:pPr>
             <a:r>
-              <a:rPr lang="zh-CN" altLang="en-US" dirty="0"/>
-              <a:t>在微软官方的命名规范中，仅有两种命名约定被使用：</a:t>
-            </a:r>
-            <a:endParaRPr lang="en-US" altLang="zh-CN" dirty="0"/>
-          </a:p>
-          <a:p>
-            <a:r>
               <a:rPr lang="en-US" altLang="zh-CN" dirty="0" err="1"/>
-              <a:t>PascalCasing</a:t>
-            </a:r>
-            <a:endParaRPr lang="en-US" altLang="zh-CN" dirty="0"/>
-          </a:p>
-          <a:p>
-            <a:pPr lvl="1"/>
-            <a:r>
-              <a:rPr lang="zh-CN" altLang="en-US" dirty="0"/>
-              <a:t>每个单词首字母大写</a:t>
-            </a:r>
-            <a:endParaRPr lang="en-US" altLang="zh-CN" dirty="0"/>
-          </a:p>
-          <a:p>
-            <a:pPr lvl="1"/>
-            <a:r>
-              <a:rPr lang="zh-CN" altLang="en-US" dirty="0"/>
-              <a:t>适用于方法参数以外的大多数情景</a:t>
-            </a:r>
-            <a:endParaRPr lang="en-US" altLang="zh-CN" dirty="0"/>
-          </a:p>
-          <a:p>
-            <a:r>
-              <a:rPr lang="en-US" altLang="zh-CN" dirty="0" err="1"/>
-              <a:t>camelCasing</a:t>
-            </a:r>
-            <a:endParaRPr lang="en-US" altLang="zh-CN" dirty="0"/>
-          </a:p>
-          <a:p>
-            <a:pPr lvl="1"/>
-            <a:r>
-              <a:rPr lang="zh-CN" altLang="en-US" dirty="0"/>
-              <a:t>第一个单词首字母小写</a:t>
-            </a:r>
-            <a:endParaRPr lang="en-US" altLang="zh-CN" dirty="0"/>
-          </a:p>
-          <a:p>
-            <a:pPr lvl="1"/>
-            <a:r>
-              <a:rPr lang="zh-CN" altLang="en-US" dirty="0"/>
-              <a:t>仅适用于参数</a:t>
-            </a:r>
-            <a:endParaRPr lang="en-US" altLang="zh-CN" dirty="0"/>
-          </a:p>
-          <a:p>
-            <a:pPr lvl="1"/>
-            <a:endParaRPr lang="en-US" altLang="zh-CN" dirty="0"/>
-          </a:p>
-          <a:p>
-            <a:pPr marL="0" indent="0">
+              <a:t>.</a:t>
+            </a:r>
+            <a:r>
+              <a:rPr lang="en-US" altLang="zh-CN" sz="2000" dirty="0" err="1"/>
+              <a:t>Net</a:t>
+            </a:r>
+            <a:r>
+              <a:rPr lang="zh-CN" altLang="en-US" sz="2000" dirty="0"/>
+              <a:t>运行时平台正式名称。</a:t>
+            </a:r>
+            <a:r>
+              <a:rPr lang="en-US" altLang="zh-CN" sz="2000" dirty="0"/>
+              <a:t>CLR</a:t>
+            </a:r>
+            <a:r>
+              <a:rPr lang="zh-CN" altLang="en-US" sz="2000" dirty="0"/>
+              <a:t>是微软自家的</a:t>
+            </a:r>
+            <a:r>
+              <a:rPr lang="en-US" altLang="zh-CN" sz="2000" dirty="0"/>
+              <a:t>CLI</a:t>
+            </a:r>
+            <a:r>
+              <a:rPr lang="zh-CN" altLang="en-US" sz="2000" dirty="0"/>
+              <a:t>实现</a:t>
+            </a:r>
+            <a:endParaRPr lang="en-US" altLang="zh-CN" sz="2000" dirty="0"/>
+          </a:p>
+          <a:p>
+            <a:pPr marL="457200" lvl="1" indent="0">
               <a:buNone/>
             </a:pPr>
-            <a:endParaRPr lang="en-US" altLang="zh-CN" dirty="0"/>
-          </a:p>
-        </p:txBody>
-      </p:sp>
+            <a:endParaRPr lang="en-US" altLang="zh-CN" sz="2000" dirty="0"/>
+          </a:p>
+          <a:p>
+            <a:pPr lvl="1"/>
+            <a:r>
+              <a:rPr lang="en-US" altLang="zh-CN" sz="2000" dirty="0"/>
+              <a:t>Common Type System (CTS)</a:t>
+            </a:r>
+          </a:p>
+          <a:p>
+            <a:pPr marL="914400" lvl="2" indent="0">
+              <a:buNone/>
+            </a:pPr>
+            <a:r>
+              <a:rPr lang="zh-CN" altLang="en-US" sz="1600" dirty="0"/>
+              <a:t>所有</a:t>
+            </a:r>
+            <a:r>
+              <a:rPr lang="en-US" altLang="zh-CN" sz="1600" dirty="0" err="1"/>
+              <a:t>.Net</a:t>
+            </a:r>
+            <a:r>
+              <a:rPr lang="zh-CN" altLang="en-US" sz="1600" dirty="0"/>
+              <a:t>语言公用的类型规范</a:t>
+            </a:r>
+            <a:endParaRPr lang="en-US" altLang="zh-CN" sz="1600" dirty="0"/>
+          </a:p>
+          <a:p>
+            <a:pPr lvl="1"/>
+            <a:r>
+              <a:rPr lang="en-US" altLang="zh-CN" sz="2000" dirty="0"/>
+              <a:t>Metadata</a:t>
+            </a:r>
+          </a:p>
+          <a:p>
+            <a:pPr lvl="1"/>
+            <a:r>
+              <a:rPr lang="en-US" altLang="zh-CN" sz="2000" dirty="0"/>
+              <a:t>Common Intermediate Language (CIL)</a:t>
+            </a:r>
+          </a:p>
+          <a:p>
+            <a:pPr lvl="1"/>
+            <a:r>
+              <a:rPr lang="en-US" altLang="zh-CN" sz="2000" dirty="0"/>
+              <a:t>Virtual </a:t>
+            </a:r>
+            <a:r>
+              <a:rPr lang="en-US" altLang="zh-CN" sz="2000" dirty="0" err="1"/>
+              <a:t>Excute</a:t>
+            </a:r>
+            <a:r>
+              <a:rPr lang="en-US" altLang="zh-CN" sz="2000" dirty="0"/>
+              <a:t> System (VES)</a:t>
+            </a:r>
+          </a:p>
+          <a:p>
+            <a:pPr marL="914400" lvl="2" indent="0">
+              <a:buNone/>
+            </a:pPr>
+            <a:r>
+              <a:rPr lang="zh-CN" altLang="en-US" sz="1600" dirty="0"/>
+              <a:t>虚拟执行系统。</a:t>
+            </a:r>
+            <a:r>
+              <a:rPr lang="en-US" altLang="zh-CN" sz="1600" dirty="0"/>
+              <a:t>IL</a:t>
+            </a:r>
+            <a:r>
+              <a:rPr lang="zh-CN" altLang="en-US" sz="1600" dirty="0"/>
+              <a:t>的运行时解析，</a:t>
+            </a:r>
+            <a:r>
+              <a:rPr lang="en-US" altLang="zh-CN" sz="1600" dirty="0"/>
+              <a:t>GC</a:t>
+            </a:r>
+            <a:r>
+              <a:rPr lang="zh-CN" altLang="en-US" sz="1600" dirty="0"/>
+              <a:t>与分配等设施均为</a:t>
+            </a:r>
+            <a:r>
+              <a:rPr lang="en-US" altLang="zh-CN" sz="1600" dirty="0"/>
+              <a:t>VES</a:t>
+            </a:r>
+            <a:r>
+              <a:rPr lang="zh-CN" altLang="en-US" sz="1600" dirty="0"/>
+              <a:t>提供</a:t>
+            </a:r>
+            <a:endParaRPr lang="en-US" altLang="zh-CN" sz="1600" dirty="0"/>
+          </a:p>
+          <a:p>
+            <a:pPr lvl="1"/>
+            <a:r>
+              <a:rPr lang="en-US" altLang="zh-CN" sz="2000" dirty="0"/>
+              <a:t>Framework Class Library (FCL)</a:t>
+            </a:r>
+          </a:p>
+          <a:p>
+            <a:pPr marL="914400" lvl="2" indent="0">
+              <a:buNone/>
+            </a:pPr>
+            <a:r>
+              <a:rPr lang="zh-CN" altLang="en-US" sz="1600" dirty="0"/>
+              <a:t>框架提供的类库的统称。其中语言必须的类库部分被称为</a:t>
+            </a:r>
+            <a:r>
+              <a:rPr lang="en-US" altLang="zh-CN" sz="1600" dirty="0"/>
+              <a:t>Basic Class Library (BCL)</a:t>
+            </a:r>
+          </a:p>
+          <a:p>
+            <a:pPr marL="914400" lvl="2" indent="0">
+              <a:buNone/>
+            </a:pPr>
+            <a:endParaRPr lang="en-US" altLang="zh-CN" sz="1600" dirty="0"/>
+          </a:p>
+          <a:p>
+            <a:endParaRPr lang="zh-CN" altLang="en-US" dirty="0"/>
+          </a:p>
+        </p:txBody>
+      </p:sp>
+      <p:pic>
+        <p:nvPicPr>
+          <p:cNvPr id="6" name="图片 5"/>
+          <p:cNvPicPr>
+            <a:picLocks noChangeAspect="1"/>
+          </p:cNvPicPr>
+          <p:nvPr/>
+        </p:nvPicPr>
+        <p:blipFill>
+          <a:blip r:embed="rId2"/>
+          <a:stretch>
+            <a:fillRect/>
+          </a:stretch>
+        </p:blipFill>
+        <p:spPr>
+          <a:xfrm>
+            <a:off x="6085566" y="260347"/>
+            <a:ext cx="5851820" cy="6337301"/>
+          </a:xfrm>
+          <a:prstGeom prst="rect">
+            <a:avLst/>
+          </a:prstGeom>
+        </p:spPr>
+      </p:pic>
     </p:spTree>
     <p:extLst>
       <p:ext uri="{BB962C8B-B14F-4D97-AF65-F5344CB8AC3E}">
-        <p14:creationId xmlns:p14="http://schemas.microsoft.com/office/powerpoint/2010/main" val="2283791837"/>
+        <p14:creationId xmlns:p14="http://schemas.microsoft.com/office/powerpoint/2010/main" val="1501080246"/>
       </p:ext>
     </p:extLst>
   </p:cSld>
@@ -9309,29 +10548,62 @@
         <p:spPr/>
         <p:txBody>
           <a:bodyPr>
-            <a:normAutofit lnSpcReduction="10000"/>
+            <a:normAutofit/>
           </a:bodyPr>
           <a:lstStyle/>
           <a:p>
-            <a:r>
-              <a:rPr lang="zh-CN" altLang="en-US" dirty="0"/>
-              <a:t>缩写词</a:t>
+            <a:pPr marL="0" indent="0">
+              <a:buNone/>
+            </a:pPr>
+            <a:r>
+              <a:rPr lang="zh-CN" altLang="en-US" dirty="0"/>
+              <a:t>在微软官方的命名规范中，仅有两种命名约定被使用：</a:t>
             </a:r>
             <a:endParaRPr lang="en-US" altLang="zh-CN" dirty="0"/>
           </a:p>
           <a:p>
+            <a:r>
+              <a:rPr lang="en-US" altLang="zh-CN" dirty="0" err="1"/>
+              <a:t>PascalCasing</a:t>
+            </a:r>
+            <a:endParaRPr lang="en-US" altLang="zh-CN" dirty="0"/>
+          </a:p>
+          <a:p>
             <a:pPr lvl="1"/>
             <a:r>
               <a:rPr lang="zh-CN" altLang="en-US" dirty="0"/>
-              <a:t>双字母的缩写词，两个字母均大写，除非作为</a:t>
-            </a:r>
+              <a:t>每个单词首字母大写</a:t>
+            </a:r>
+            <a:endParaRPr lang="en-US" altLang="zh-CN" dirty="0"/>
+          </a:p>
+          <a:p>
+            <a:pPr lvl="1"/>
+            <a:r>
+              <a:rPr lang="zh-CN" altLang="en-US" dirty="0"/>
+              <a:t>适用于方法参数以外的大多数情景</a:t>
+            </a:r>
+            <a:endParaRPr lang="en-US" altLang="zh-CN" dirty="0"/>
+          </a:p>
+          <a:p>
             <a:r>
               <a:rPr lang="en-US" altLang="zh-CN" dirty="0" err="1"/>
               <a:t>camelCasing</a:t>
             </a:r>
-            <a:r>
-              <a:rPr lang="zh-CN" altLang="en-US" dirty="0"/>
-              <a:t>的首字母</a:t>
+            <a:endParaRPr lang="en-US" altLang="zh-CN" dirty="0"/>
+          </a:p>
+          <a:p>
+            <a:pPr lvl="1"/>
+            <a:r>
+              <a:rPr lang="zh-CN" altLang="en-US" dirty="0"/>
+              <a:t>第一个单词首字母小写</a:t>
+            </a:r>
+            <a:endParaRPr lang="en-US" altLang="zh-CN" dirty="0"/>
+          </a:p>
+          <a:p>
+            <a:pPr lvl="1"/>
+            <a:r>
+              <a:rPr lang="zh-CN" altLang="en-US" dirty="0"/>
+              <a:t>仅适用于参数</a:t>
             </a:r>
             <a:endParaRPr lang="en-US" altLang="zh-CN" dirty="0"/>
           </a:p>
@@ -9340,84 +10612,9 @@
             <a:endParaRPr lang="en-US" altLang="zh-CN" dirty="0"/>
           </a:p>
           <a:p>
-            <a:pPr lvl="1"/>
-            <a:r>
-              <a:rPr lang="zh-CN" altLang="en-US" dirty="0"/>
-              <a:t>多字母缩写词，按照普通单词一样处理</a:t>
-            </a:r>
-            <a:endParaRPr lang="en-US" altLang="zh-CN" dirty="0"/>
-          </a:p>
-          <a:p>
-            <a:pPr lvl="1"/>
-            <a:endParaRPr lang="en-US" altLang="zh-CN" dirty="0"/>
-          </a:p>
-          <a:p>
-            <a:r>
-              <a:rPr lang="zh-CN" altLang="en-US" b="1" dirty="0"/>
-              <a:t>不要</a:t>
-            </a:r>
-            <a:r>
-              <a:rPr lang="zh-CN" altLang="en-US" dirty="0"/>
-              <a:t>使用大小写区分命名</a:t>
-            </a:r>
-            <a:endParaRPr lang="en-US" altLang="zh-CN" dirty="0"/>
-          </a:p>
-          <a:p>
-            <a:pPr marL="457200" lvl="1" indent="0">
+            <a:pPr marL="0" indent="0">
               <a:buNone/>
             </a:pPr>
-            <a:r>
-              <a:rPr lang="zh-CN" altLang="en-US" dirty="0"/>
-              <a:t>部分语言不支持大小写</a:t>
-            </a:r>
-            <a:endParaRPr lang="en-US" altLang="zh-CN" dirty="0"/>
-          </a:p>
-          <a:p>
-            <a:r>
-              <a:rPr lang="zh-CN" altLang="en-US" b="1" dirty="0"/>
-              <a:t>不要</a:t>
-            </a:r>
-            <a:r>
-              <a:rPr lang="zh-CN" altLang="en-US" dirty="0"/>
-              <a:t>只使用大写字母命名</a:t>
-            </a:r>
-            <a:endParaRPr lang="en-US" altLang="zh-CN" dirty="0"/>
-          </a:p>
-          <a:p>
-            <a:r>
-              <a:rPr lang="zh-CN" altLang="en-US" b="1" dirty="0"/>
-              <a:t>不要</a:t>
-            </a:r>
-            <a:r>
-              <a:rPr lang="zh-CN" altLang="en-US" dirty="0"/>
-              <a:t>使用匈牙利命名法</a:t>
-            </a:r>
-            <a:endParaRPr lang="en-US" altLang="zh-CN" dirty="0"/>
-          </a:p>
-          <a:p>
-            <a:pPr marL="457200" lvl="1" indent="0">
-              <a:buNone/>
-            </a:pPr>
-            <a:r>
-              <a:rPr lang="en-US" altLang="zh-CN" dirty="0"/>
-              <a:t>IDE</a:t>
-            </a:r>
-            <a:r>
-              <a:rPr lang="zh-CN" altLang="en-US" dirty="0"/>
-              <a:t>能够帮你识别类型，何况</a:t>
-            </a:r>
-            <a:r>
-              <a:rPr lang="en-US" altLang="zh-CN" dirty="0"/>
-              <a:t>OOP</a:t>
-            </a:r>
-            <a:r>
-              <a:rPr lang="zh-CN" altLang="en-US" dirty="0"/>
-              <a:t>变量生存周期不会太长</a:t>
-            </a:r>
-            <a:endParaRPr lang="en-US" altLang="zh-CN" dirty="0"/>
-          </a:p>
-          <a:p>
-            <a:pPr lvl="1"/>
             <a:endParaRPr lang="en-US" altLang="zh-CN" dirty="0"/>
           </a:p>
         </p:txBody>
@@ -9425,7 +10622,7 @@
     </p:spTree>
     <p:extLst>
       <p:ext uri="{BB962C8B-B14F-4D97-AF65-F5344CB8AC3E}">
-        <p14:creationId xmlns:p14="http://schemas.microsoft.com/office/powerpoint/2010/main" val="211221440"/>
+        <p14:creationId xmlns:p14="http://schemas.microsoft.com/office/powerpoint/2010/main" val="2283791837"/>
       </p:ext>
     </p:extLst>
   </p:cSld>
@@ -9477,7 +10674,7 @@
             </a:r>
             <a:r>
               <a:rPr lang="zh-CN" altLang="en-US" dirty="0"/>
-              <a:t>程序集与名字空间</a:t>
+              <a:t>约定</a:t>
             </a:r>
           </a:p>
         </p:txBody>
@@ -9494,12 +10691,53 @@
         </p:nvSpPr>
         <p:spPr/>
         <p:txBody>
-          <a:bodyPr/>
-          <a:lstStyle/>
-          <a:p>
-            <a:r>
-              <a:rPr lang="zh-CN" altLang="en-US" dirty="0"/>
-              <a:t>程序集的命名通常遵循如下模式</a:t>
+          <a:bodyPr>
+            <a:normAutofit fontScale="92500" lnSpcReduction="10000"/>
+          </a:bodyPr>
+          <a:lstStyle/>
+          <a:p>
+            <a:r>
+              <a:rPr lang="zh-CN" altLang="en-US" dirty="0"/>
+              <a:t>缩写词</a:t>
+            </a:r>
+            <a:endParaRPr lang="en-US" altLang="zh-CN" dirty="0"/>
+          </a:p>
+          <a:p>
+            <a:pPr lvl="1"/>
+            <a:r>
+              <a:rPr lang="zh-CN" altLang="en-US" dirty="0"/>
+              <a:t>双字母的缩写词，两个字母均大写，除非作为</a:t>
+            </a:r>
+            <a:r>
+              <a:rPr lang="en-US" altLang="zh-CN" dirty="0" err="1"/>
+              <a:t>camelCasing</a:t>
+            </a:r>
+            <a:r>
+              <a:rPr lang="zh-CN" altLang="en-US" dirty="0"/>
+              <a:t>的首字母</a:t>
+            </a:r>
+            <a:endParaRPr lang="en-US" altLang="zh-CN" dirty="0"/>
+          </a:p>
+          <a:p>
+            <a:pPr lvl="1"/>
+            <a:r>
+              <a:rPr lang="zh-CN" altLang="en-US" dirty="0"/>
+              <a:t>多字母缩写词，按照普通单词一样处理</a:t>
+            </a:r>
+            <a:endParaRPr lang="en-US" altLang="zh-CN" dirty="0"/>
+          </a:p>
+          <a:p>
+            <a:pPr lvl="1"/>
+            <a:endParaRPr lang="en-US" altLang="zh-CN" dirty="0"/>
+          </a:p>
+          <a:p>
+            <a:r>
+              <a:rPr lang="zh-CN" altLang="en-US" b="1" dirty="0"/>
+              <a:t>不要</a:t>
+            </a:r>
+            <a:r>
+              <a:rPr lang="zh-CN" altLang="en-US" dirty="0"/>
+              <a:t>使用大小写区分命名</a:t>
             </a:r>
             <a:endParaRPr lang="en-US" altLang="zh-CN" dirty="0"/>
           </a:p>
@@ -9508,19 +10746,8 @@
               <a:buNone/>
             </a:pPr>
             <a:r>
-              <a:rPr lang="en-US" altLang="zh-CN" dirty="0"/>
-              <a:t>&lt;Org&gt;.&lt;Component&gt;.</a:t>
-            </a:r>
-            <a:r>
-              <a:rPr lang="en-US" altLang="zh-CN" dirty="0" err="1"/>
-              <a:t>dll</a:t>
-            </a:r>
-            <a:endParaRPr lang="en-US" altLang="zh-CN" dirty="0"/>
-          </a:p>
-          <a:p>
-            <a:r>
-              <a:rPr lang="zh-CN" altLang="en-US" dirty="0"/>
-              <a:t>名字空间的命名通常遵循如下模式</a:t>
+              <a:rPr lang="zh-CN" altLang="en-US" dirty="0"/>
+              <a:t>部分语言不支持大小写</a:t>
             </a:r>
             <a:endParaRPr lang="en-US" altLang="zh-CN" dirty="0"/>
           </a:p>
@@ -9528,28 +10755,6 @@
             <a:pPr marL="457200" lvl="1" indent="0">
               <a:buNone/>
             </a:pPr>
-            <a:r>
-              <a:rPr lang="en-US" altLang="zh-CN" dirty="0"/>
-              <a:t>&lt;Org&gt;.(&lt;Product&gt;|&lt;Technology&gt;)[.&lt;Feature&gt;][.&lt;</a:t>
-            </a:r>
-            <a:r>
-              <a:rPr lang="en-US" altLang="zh-CN" dirty="0" err="1"/>
-              <a:t>Subnamespace</a:t>
-            </a:r>
-            <a:r>
-              <a:rPr lang="en-US" altLang="zh-CN" dirty="0"/>
-              <a:t>&gt;]</a:t>
-            </a:r>
-          </a:p>
-          <a:p>
-            <a:r>
-              <a:rPr lang="zh-CN" altLang="en-US" b="1" dirty="0"/>
-              <a:t>要</a:t>
-            </a:r>
-            <a:r>
-              <a:rPr lang="zh-CN" altLang="en-US" dirty="0"/>
-              <a:t>使用命名空间，而非为类型添加前缀</a:t>
-            </a:r>
             <a:endParaRPr lang="en-US" altLang="zh-CN" dirty="0"/>
           </a:p>
           <a:p>
@@ -9559,19 +10764,56 @@
             </a:r>
             <a:r>
               <a:rPr lang="zh-CN" altLang="en-US" dirty="0"/>
-              <a:t>使用相同的名字命名名字空间和其中的类型</a:t>
-            </a:r>
-            <a:endParaRPr lang="en-US" altLang="zh-CN" b="1" dirty="0"/>
-          </a:p>
-          <a:p>
-            <a:endParaRPr lang="zh-CN" altLang="en-US" dirty="0"/>
+              <a:t>只使用大写字母命名</a:t>
+            </a:r>
+            <a:endParaRPr lang="en-US" altLang="zh-CN" dirty="0"/>
+          </a:p>
+          <a:p>
+            <a:endParaRPr lang="en-US" altLang="zh-CN" dirty="0"/>
+          </a:p>
+          <a:p>
+            <a:r>
+              <a:rPr lang="zh-CN" altLang="en-US" b="1" dirty="0"/>
+              <a:t>不要</a:t>
+            </a:r>
+            <a:r>
+              <a:rPr lang="zh-CN" altLang="en-US" dirty="0"/>
+              <a:t>使用匈牙利命名法</a:t>
+            </a:r>
+            <a:endParaRPr lang="en-US" altLang="zh-CN" dirty="0"/>
+          </a:p>
+          <a:p>
+            <a:pPr marL="457200" lvl="1" indent="0">
+              <a:buNone/>
+            </a:pPr>
+            <a:r>
+              <a:rPr lang="en-US" altLang="zh-CN" dirty="0"/>
+              <a:t>IDE</a:t>
+            </a:r>
+            <a:r>
+              <a:rPr lang="zh-CN" altLang="en-US" dirty="0"/>
+              <a:t>能够帮你识别类型，何况</a:t>
+            </a:r>
+            <a:r>
+              <a:rPr lang="en-US" altLang="zh-CN" dirty="0"/>
+              <a:t>OOP</a:t>
+            </a:r>
+            <a:r>
+              <a:rPr lang="zh-CN" altLang="en-US" dirty="0"/>
+              <a:t>变量生存周期不会太长</a:t>
+            </a:r>
+            <a:endParaRPr lang="en-US" altLang="zh-CN" dirty="0"/>
+          </a:p>
+          <a:p>
+            <a:pPr lvl="1"/>
+            <a:endParaRPr lang="en-US" altLang="zh-CN" dirty="0"/>
           </a:p>
         </p:txBody>
       </p:sp>
     </p:spTree>
     <p:extLst>
       <p:ext uri="{BB962C8B-B14F-4D97-AF65-F5344CB8AC3E}">
-        <p14:creationId xmlns:p14="http://schemas.microsoft.com/office/powerpoint/2010/main" val="3948458411"/>
+        <p14:creationId xmlns:p14="http://schemas.microsoft.com/office/powerpoint/2010/main" val="211221440"/>
       </p:ext>
     </p:extLst>
   </p:cSld>
@@ -9623,7 +10865,7 @@
             </a:r>
             <a:r>
               <a:rPr lang="zh-CN" altLang="en-US" dirty="0"/>
-              <a:t>类型与泛型</a:t>
+              <a:t>程序集与名字空间</a:t>
             </a:r>
           </a:p>
         </p:txBody>
@@ -9644,31 +10886,8 @@
           <a:lstStyle/>
           <a:p>
             <a:r>
-              <a:rPr lang="zh-CN" altLang="en-US" b="1" dirty="0"/>
-              <a:t>要</a:t>
-            </a:r>
-            <a:r>
-              <a:rPr lang="zh-CN" altLang="en-US" dirty="0"/>
-              <a:t>使用名词词组为类型命名</a:t>
-            </a:r>
-            <a:endParaRPr lang="en-US" altLang="zh-CN" dirty="0"/>
-          </a:p>
-          <a:p>
-            <a:r>
-              <a:rPr lang="zh-CN" altLang="en-US" b="1" dirty="0"/>
-              <a:t>不要</a:t>
-            </a:r>
-            <a:r>
-              <a:rPr lang="zh-CN" altLang="en-US" dirty="0"/>
-              <a:t>使用前缀，除了接口应当使用字母</a:t>
-            </a:r>
-            <a:r>
-              <a:rPr lang="en-US" altLang="zh-CN" dirty="0"/>
-              <a:t>I</a:t>
-            </a:r>
-            <a:r>
-              <a:rPr lang="zh-CN" altLang="en-US" dirty="0"/>
-              <a:t>作为前缀</a:t>
+              <a:rPr lang="zh-CN" altLang="en-US" dirty="0"/>
+              <a:t>程序集的命名通常遵循如下模式</a:t>
             </a:r>
             <a:endParaRPr lang="en-US" altLang="zh-CN" dirty="0"/>
           </a:p>
@@ -9677,86 +10896,14 @@
               <a:buNone/>
             </a:pPr>
             <a:r>
-              <a:rPr lang="zh-CN" altLang="en-US" dirty="0"/>
-              <a:t>类的名字应当反映其使用情景而非层次结构。尤其组织、项目等名字不应当作为类型名字的前缀使用，因为这本来应当是名字空间的职责。</a:t>
+              <a:rPr lang="en-US" altLang="zh-CN" dirty="0"/>
+              <a:t>&lt;Org&gt;.&lt;Component&gt;.</a:t>
+            </a:r>
+            <a:r>
+              <a:rPr lang="en-US" altLang="zh-CN" dirty="0" err="1"/>
+              <a:t>dll</a:t>
             </a:r>
             <a:endParaRPr lang="en-US" altLang="zh-CN" dirty="0"/>
-          </a:p>
-          <a:p>
-            <a:r>
-              <a:rPr lang="zh-CN" altLang="en-US" b="1" dirty="0"/>
-              <a:t>要</a:t>
-            </a:r>
-            <a:r>
-              <a:rPr lang="zh-CN" altLang="en-US" dirty="0"/>
-              <a:t>使用字母</a:t>
-            </a:r>
-            <a:r>
-              <a:rPr lang="en-US" altLang="zh-CN" dirty="0"/>
-              <a:t>I</a:t>
-            </a:r>
-            <a:r>
-              <a:rPr lang="zh-CN" altLang="en-US" dirty="0"/>
-              <a:t>作为接口的前缀</a:t>
-            </a:r>
-            <a:endParaRPr lang="en-US" altLang="zh-CN" dirty="0"/>
-          </a:p>
-          <a:p>
-            <a:pPr marL="457200" lvl="1" indent="0">
-              <a:buNone/>
-            </a:pPr>
-            <a:r>
-              <a:rPr lang="zh-CN" altLang="en-US" dirty="0"/>
-              <a:t>当一个类是某个接口的标准实现时，两者的名字应当只相差一个前缀</a:t>
-            </a:r>
-            <a:r>
-              <a:rPr lang="en-US" altLang="zh-CN" dirty="0"/>
-              <a:t>I</a:t>
-            </a:r>
-          </a:p>
-          <a:p>
-            <a:r>
-              <a:rPr lang="zh-CN" altLang="en-US" b="1" dirty="0"/>
-              <a:t>要</a:t>
-            </a:r>
-            <a:r>
-              <a:rPr lang="zh-CN" altLang="en-US" dirty="0"/>
-              <a:t>使用描述性的名字命名泛型参数</a:t>
-            </a:r>
-            <a:endParaRPr lang="en-US" altLang="zh-CN" dirty="0"/>
-          </a:p>
-          <a:p>
-            <a:pPr marL="457200" lvl="1" indent="0">
-              <a:buNone/>
-            </a:pPr>
-            <a:r>
-              <a:rPr lang="zh-CN" altLang="en-US" dirty="0"/>
-              <a:t>然而如果只有一个泛型参数，通常直接使用字母</a:t>
-            </a:r>
-            <a:r>
-              <a:rPr lang="en-US" altLang="zh-CN" dirty="0"/>
-              <a:t>T</a:t>
-            </a:r>
-            <a:r>
-              <a:rPr lang="zh-CN" altLang="en-US" dirty="0"/>
-              <a:t>命名</a:t>
-            </a:r>
-            <a:endParaRPr lang="en-US" altLang="zh-CN" dirty="0"/>
-          </a:p>
-          <a:p>
-            <a:r>
-              <a:rPr lang="zh-CN" altLang="en-US" b="1" dirty="0"/>
-              <a:t>要</a:t>
-            </a:r>
-            <a:r>
-              <a:rPr lang="zh-CN" altLang="en-US" dirty="0"/>
-              <a:t>为泛型参数使用前缀</a:t>
-            </a:r>
-            <a:r>
-              <a:rPr lang="en-US" altLang="zh-CN" dirty="0"/>
-              <a:t>T</a:t>
-            </a:r>
-            <a:endParaRPr lang="en-US" altLang="zh-CN" b="1" dirty="0"/>
           </a:p>
           <a:p>
             <a:pPr marL="457200" lvl="1" indent="0">
@@ -9764,12 +10911,70 @@
             </a:pPr>
             <a:endParaRPr lang="en-US" altLang="zh-CN" dirty="0"/>
           </a:p>
+          <a:p>
+            <a:r>
+              <a:rPr lang="zh-CN" altLang="en-US" dirty="0"/>
+              <a:t>名字空间的命名通常遵循如下模式</a:t>
+            </a:r>
+            <a:endParaRPr lang="en-US" altLang="zh-CN" dirty="0"/>
+          </a:p>
+          <a:p>
+            <a:pPr marL="457200" lvl="1" indent="0">
+              <a:buNone/>
+            </a:pPr>
+            <a:r>
+              <a:rPr lang="en-US" altLang="zh-CN" dirty="0"/>
+              <a:t>&lt;Org&gt;.(&lt;Product&gt;|&lt;Technology&gt;)[.&lt;Feature&gt;][.&lt;</a:t>
+            </a:r>
+            <a:r>
+              <a:rPr lang="en-US" altLang="zh-CN" dirty="0" err="1"/>
+              <a:t>Subnamespace</a:t>
+            </a:r>
+            <a:r>
+              <a:rPr lang="en-US" altLang="zh-CN" dirty="0"/>
+              <a:t>&gt;]</a:t>
+            </a:r>
+          </a:p>
+          <a:p>
+            <a:pPr marL="457200" lvl="1" indent="0">
+              <a:buNone/>
+            </a:pPr>
+            <a:endParaRPr lang="en-US" altLang="zh-CN" dirty="0"/>
+          </a:p>
+          <a:p>
+            <a:r>
+              <a:rPr lang="zh-CN" altLang="en-US" b="1" dirty="0"/>
+              <a:t>要</a:t>
+            </a:r>
+            <a:r>
+              <a:rPr lang="zh-CN" altLang="en-US" dirty="0"/>
+              <a:t>使用命名空间，而非为类型添加前缀</a:t>
+            </a:r>
+            <a:endParaRPr lang="en-US" altLang="zh-CN" dirty="0"/>
+          </a:p>
+          <a:p>
+            <a:endParaRPr lang="en-US" altLang="zh-CN" dirty="0"/>
+          </a:p>
+          <a:p>
+            <a:r>
+              <a:rPr lang="zh-CN" altLang="en-US" b="1" dirty="0"/>
+              <a:t>不要</a:t>
+            </a:r>
+            <a:r>
+              <a:rPr lang="zh-CN" altLang="en-US" dirty="0"/>
+              <a:t>使用相同的名字命名名字空间和其中的类型</a:t>
+            </a:r>
+            <a:endParaRPr lang="en-US" altLang="zh-CN" b="1" dirty="0"/>
+          </a:p>
+          <a:p>
+            <a:endParaRPr lang="zh-CN" altLang="en-US" dirty="0"/>
+          </a:p>
         </p:txBody>
       </p:sp>
     </p:spTree>
     <p:extLst>
       <p:ext uri="{BB962C8B-B14F-4D97-AF65-F5344CB8AC3E}">
-        <p14:creationId xmlns:p14="http://schemas.microsoft.com/office/powerpoint/2010/main" val="409345393"/>
+        <p14:creationId xmlns:p14="http://schemas.microsoft.com/office/powerpoint/2010/main" val="3948458411"/>
       </p:ext>
     </p:extLst>
   </p:cSld>
@@ -9821,7 +11026,7 @@
             </a:r>
             <a:r>
               <a:rPr lang="zh-CN" altLang="en-US" dirty="0"/>
-              <a:t>枚举</a:t>
+              <a:t>类型与泛型</a:t>
             </a:r>
           </a:p>
         </p:txBody>
@@ -9847,7 +11052,26 @@
             </a:r>
             <a:r>
               <a:rPr lang="zh-CN" altLang="en-US" dirty="0"/>
-              <a:t>使用名词单数命名普通枚举，使用名词复数命名位枚举</a:t>
+              <a:t>使用名词词组为类型命名</a:t>
+            </a:r>
+            <a:endParaRPr lang="en-US" altLang="zh-CN" dirty="0"/>
+          </a:p>
+          <a:p>
+            <a:r>
+              <a:rPr lang="zh-CN" altLang="en-US" b="1" dirty="0"/>
+              <a:t>不要</a:t>
+            </a:r>
+            <a:r>
+              <a:rPr lang="zh-CN" altLang="en-US" dirty="0"/>
+              <a:t>使用前缀，除了接口应当使用字母</a:t>
+            </a:r>
+            <a:r>
+              <a:rPr lang="en-US" altLang="zh-CN" dirty="0"/>
+              <a:t>I</a:t>
+            </a:r>
+            <a:r>
+              <a:rPr lang="zh-CN" altLang="en-US" dirty="0"/>
+              <a:t>作为前缀</a:t>
             </a:r>
             <a:endParaRPr lang="en-US" altLang="zh-CN" dirty="0"/>
           </a:p>
@@ -9857,37 +11081,26 @@
             </a:pPr>
             <a:r>
               <a:rPr lang="zh-CN" altLang="en-US" dirty="0"/>
-              <a:t>取决于一个枚举能表示多少种状态</a:t>
+              <a:t>类的名字应当反映其使用情景而非层次结构。尤其组织、项目等名字不应当作为类型名字的前缀使用，因为这本来应当是名字空间的职责。</a:t>
             </a:r>
             <a:endParaRPr lang="en-US" altLang="zh-CN" dirty="0"/>
           </a:p>
           <a:p>
             <a:r>
               <a:rPr lang="zh-CN" altLang="en-US" b="1" dirty="0"/>
-              <a:t>不要</a:t>
-            </a:r>
-            <a:r>
-              <a:rPr lang="zh-CN" altLang="en-US" dirty="0"/>
-              <a:t>添加</a:t>
-            </a:r>
-            <a:r>
-              <a:rPr lang="en-US" altLang="zh-CN" dirty="0" err="1"/>
-              <a:t>Enum</a:t>
-            </a:r>
-            <a:r>
-              <a:rPr lang="zh-CN" altLang="en-US" dirty="0"/>
-              <a:t>后缀</a:t>
-            </a:r>
-            <a:endParaRPr lang="en-US" altLang="zh-CN" dirty="0"/>
-          </a:p>
-          <a:p>
-            <a:r>
-              <a:rPr lang="zh-CN" altLang="en-US" b="1" dirty="0"/>
-              <a:t>不要</a:t>
-            </a:r>
-            <a:r>
-              <a:rPr lang="zh-CN" altLang="en-US" dirty="0"/>
-              <a:t>为枚举值添加前缀</a:t>
+              <a:t>要</a:t>
+            </a:r>
+            <a:r>
+              <a:rPr lang="zh-CN" altLang="en-US" dirty="0"/>
+              <a:t>使用字母</a:t>
+            </a:r>
+            <a:r>
+              <a:rPr lang="en-US" altLang="zh-CN" dirty="0"/>
+              <a:t>I</a:t>
+            </a:r>
+            <a:r>
+              <a:rPr lang="zh-CN" altLang="en-US" dirty="0"/>
+              <a:t>作为接口的前缀</a:t>
             </a:r>
             <a:endParaRPr lang="en-US" altLang="zh-CN" dirty="0"/>
           </a:p>
@@ -9896,22 +11109,57 @@
               <a:buNone/>
             </a:pPr>
             <a:r>
+              <a:rPr lang="zh-CN" altLang="en-US" dirty="0"/>
+              <a:t>当一个类是某个接口的标准实现时，两者的名字应当只相差一个前缀</a:t>
+            </a:r>
+            <a:r>
               <a:rPr lang="en-US" altLang="zh-CN" dirty="0"/>
-              <a:t>C++</a:t>
-            </a:r>
-            <a:r>
-              <a:rPr lang="zh-CN" altLang="en-US" dirty="0"/>
-              <a:t>的枚举值可能不通过枚举作用域访问，所以有使用前缀的必要；</a:t>
-            </a:r>
-            <a:r>
-              <a:rPr lang="en-US" altLang="zh-CN" dirty="0" err="1"/>
-              <a:t>.Net</a:t>
-            </a:r>
-            <a:r>
-              <a:rPr lang="zh-CN" altLang="en-US" dirty="0"/>
-              <a:t>语言不存在这种可能性，枚举值的定义只在枚举作用域内部有意义</a:t>
+              <a:t>I</a:t>
+            </a:r>
+          </a:p>
+          <a:p>
+            <a:r>
+              <a:rPr lang="zh-CN" altLang="en-US" b="1" dirty="0"/>
+              <a:t>要</a:t>
+            </a:r>
+            <a:r>
+              <a:rPr lang="zh-CN" altLang="en-US" dirty="0"/>
+              <a:t>使用描述性的名字命名泛型参数</a:t>
             </a:r>
             <a:endParaRPr lang="en-US" altLang="zh-CN" dirty="0"/>
+          </a:p>
+          <a:p>
+            <a:pPr marL="457200" lvl="1" indent="0">
+              <a:buNone/>
+            </a:pPr>
+            <a:r>
+              <a:rPr lang="zh-CN" altLang="en-US" dirty="0"/>
+              <a:t>然而如果只有一个泛型参数，通常直接使用字母</a:t>
+            </a:r>
+            <a:r>
+              <a:rPr lang="en-US" altLang="zh-CN" dirty="0"/>
+              <a:t>T</a:t>
+            </a:r>
+            <a:r>
+              <a:rPr lang="zh-CN" altLang="en-US" dirty="0"/>
+              <a:t>命名</a:t>
+            </a:r>
+            <a:endParaRPr lang="en-US" altLang="zh-CN" dirty="0"/>
+          </a:p>
+          <a:p>
+            <a:r>
+              <a:rPr lang="zh-CN" altLang="en-US" b="1" dirty="0"/>
+              <a:t>要</a:t>
+            </a:r>
+            <a:r>
+              <a:rPr lang="zh-CN" altLang="en-US" dirty="0"/>
+              <a:t>为泛型参数使用前缀</a:t>
+            </a:r>
+            <a:r>
+              <a:rPr lang="en-US" altLang="zh-CN" dirty="0"/>
+              <a:t>T</a:t>
+            </a:r>
+            <a:endParaRPr lang="en-US" altLang="zh-CN" b="1" dirty="0"/>
           </a:p>
           <a:p>
             <a:pPr marL="457200" lvl="1" indent="0">
@@ -9919,15 +11167,12 @@
             </a:pPr>
             <a:endParaRPr lang="en-US" altLang="zh-CN" dirty="0"/>
           </a:p>
-          <a:p>
-            <a:endParaRPr lang="zh-CN" altLang="en-US" b="1" dirty="0"/>
-          </a:p>
         </p:txBody>
       </p:sp>
     </p:spTree>
     <p:extLst>
       <p:ext uri="{BB962C8B-B14F-4D97-AF65-F5344CB8AC3E}">
-        <p14:creationId xmlns:p14="http://schemas.microsoft.com/office/powerpoint/2010/main" val="3810379464"/>
+        <p14:creationId xmlns:p14="http://schemas.microsoft.com/office/powerpoint/2010/main" val="409345393"/>
       </p:ext>
     </p:extLst>
   </p:cSld>

--- a/pptx.pptx.pptx
+++ b/pptx.pptx.pptx
@@ -21,19 +21,19 @@
     <p:sldId id="284" r:id="rId15"/>
     <p:sldId id="285" r:id="rId16"/>
     <p:sldId id="286" r:id="rId17"/>
-    <p:sldId id="260" r:id="rId18"/>
-    <p:sldId id="261" r:id="rId19"/>
-    <p:sldId id="262" r:id="rId20"/>
-    <p:sldId id="263" r:id="rId21"/>
-    <p:sldId id="264" r:id="rId22"/>
-    <p:sldId id="265" r:id="rId23"/>
-    <p:sldId id="266" r:id="rId24"/>
-    <p:sldId id="267" r:id="rId25"/>
-    <p:sldId id="268" r:id="rId26"/>
-    <p:sldId id="269" r:id="rId27"/>
-    <p:sldId id="274" r:id="rId28"/>
-    <p:sldId id="270" r:id="rId29"/>
-    <p:sldId id="271" r:id="rId30"/>
+    <p:sldId id="268" r:id="rId18"/>
+    <p:sldId id="267" r:id="rId19"/>
+    <p:sldId id="269" r:id="rId20"/>
+    <p:sldId id="274" r:id="rId21"/>
+    <p:sldId id="270" r:id="rId22"/>
+    <p:sldId id="271" r:id="rId23"/>
+    <p:sldId id="260" r:id="rId24"/>
+    <p:sldId id="261" r:id="rId25"/>
+    <p:sldId id="262" r:id="rId26"/>
+    <p:sldId id="263" r:id="rId27"/>
+    <p:sldId id="264" r:id="rId28"/>
+    <p:sldId id="265" r:id="rId29"/>
+    <p:sldId id="266" r:id="rId30"/>
     <p:sldId id="272" r:id="rId31"/>
     <p:sldId id="273" r:id="rId32"/>
   </p:sldIdLst>
@@ -173,6 +173,16 @@
             <p14:sldId id="286"/>
           </p14:sldIdLst>
         </p14:section>
+        <p14:section name="Improve" id="{63586D0E-74B0-4E05-8C39-AD32F21FC163}">
+          <p14:sldIdLst>
+            <p14:sldId id="268"/>
+            <p14:sldId id="267"/>
+            <p14:sldId id="269"/>
+            <p14:sldId id="274"/>
+            <p14:sldId id="270"/>
+            <p14:sldId id="271"/>
+          </p14:sldIdLst>
+        </p14:section>
         <p14:section name="结构" id="{E16B2259-F403-4B6F-B37A-B9770CF75B65}">
           <p14:sldIdLst>
             <p14:sldId id="260"/>
@@ -186,16 +196,6 @@
         <p14:section name="IL2CPP" id="{BB8C9B9F-1750-40E7-BCF0-60C1CF09C249}">
           <p14:sldIdLst>
             <p14:sldId id="266"/>
-          </p14:sldIdLst>
-        </p14:section>
-        <p14:section name="Improve" id="{63586D0E-74B0-4E05-8C39-AD32F21FC163}">
-          <p14:sldIdLst>
-            <p14:sldId id="267"/>
-            <p14:sldId id="268"/>
-            <p14:sldId id="269"/>
-            <p14:sldId id="274"/>
-            <p14:sldId id="270"/>
-            <p14:sldId id="271"/>
           </p14:sldIdLst>
         </p14:section>
         <p14:section name="Reading" id="{2164BE1F-9596-4205-916D-4161BC549F4D}">
@@ -346,7 +346,7 @@
           <a:p>
             <a:fld id="{F5BED939-13DD-4AA3-8741-D30EB9E98506}" type="datetimeFigureOut">
               <a:rPr lang="zh-CN" altLang="en-US" smtClean="0"/>
-              <a:t>2016/9/20</a:t>
+              <a:t>2016/9/21</a:t>
             </a:fld>
             <a:endParaRPr lang="zh-CN" altLang="en-US"/>
           </a:p>
@@ -514,7 +514,7 @@
           <a:p>
             <a:fld id="{F5BED939-13DD-4AA3-8741-D30EB9E98506}" type="datetimeFigureOut">
               <a:rPr lang="zh-CN" altLang="en-US" smtClean="0"/>
-              <a:t>2016/9/20</a:t>
+              <a:t>2016/9/21</a:t>
             </a:fld>
             <a:endParaRPr lang="zh-CN" altLang="en-US"/>
           </a:p>
@@ -692,7 +692,7 @@
           <a:p>
             <a:fld id="{F5BED939-13DD-4AA3-8741-D30EB9E98506}" type="datetimeFigureOut">
               <a:rPr lang="zh-CN" altLang="en-US" smtClean="0"/>
-              <a:t>2016/9/20</a:t>
+              <a:t>2016/9/21</a:t>
             </a:fld>
             <a:endParaRPr lang="zh-CN" altLang="en-US"/>
           </a:p>
@@ -860,7 +860,7 @@
           <a:p>
             <a:fld id="{F5BED939-13DD-4AA3-8741-D30EB9E98506}" type="datetimeFigureOut">
               <a:rPr lang="zh-CN" altLang="en-US" smtClean="0"/>
-              <a:t>2016/9/20</a:t>
+              <a:t>2016/9/21</a:t>
             </a:fld>
             <a:endParaRPr lang="zh-CN" altLang="en-US"/>
           </a:p>
@@ -1105,7 +1105,7 @@
           <a:p>
             <a:fld id="{F5BED939-13DD-4AA3-8741-D30EB9E98506}" type="datetimeFigureOut">
               <a:rPr lang="zh-CN" altLang="en-US" smtClean="0"/>
-              <a:t>2016/9/20</a:t>
+              <a:t>2016/9/21</a:t>
             </a:fld>
             <a:endParaRPr lang="zh-CN" altLang="en-US"/>
           </a:p>
@@ -1334,7 +1334,7 @@
           <a:p>
             <a:fld id="{F5BED939-13DD-4AA3-8741-D30EB9E98506}" type="datetimeFigureOut">
               <a:rPr lang="zh-CN" altLang="en-US" smtClean="0"/>
-              <a:t>2016/9/20</a:t>
+              <a:t>2016/9/21</a:t>
             </a:fld>
             <a:endParaRPr lang="zh-CN" altLang="en-US"/>
           </a:p>
@@ -1698,7 +1698,7 @@
           <a:p>
             <a:fld id="{F5BED939-13DD-4AA3-8741-D30EB9E98506}" type="datetimeFigureOut">
               <a:rPr lang="zh-CN" altLang="en-US" smtClean="0"/>
-              <a:t>2016/9/20</a:t>
+              <a:t>2016/9/21</a:t>
             </a:fld>
             <a:endParaRPr lang="zh-CN" altLang="en-US"/>
           </a:p>
@@ -1815,7 +1815,7 @@
           <a:p>
             <a:fld id="{F5BED939-13DD-4AA3-8741-D30EB9E98506}" type="datetimeFigureOut">
               <a:rPr lang="zh-CN" altLang="en-US" smtClean="0"/>
-              <a:t>2016/9/20</a:t>
+              <a:t>2016/9/21</a:t>
             </a:fld>
             <a:endParaRPr lang="zh-CN" altLang="en-US"/>
           </a:p>
@@ -1910,7 +1910,7 @@
           <a:p>
             <a:fld id="{F5BED939-13DD-4AA3-8741-D30EB9E98506}" type="datetimeFigureOut">
               <a:rPr lang="zh-CN" altLang="en-US" smtClean="0"/>
-              <a:t>2016/9/20</a:t>
+              <a:t>2016/9/21</a:t>
             </a:fld>
             <a:endParaRPr lang="zh-CN" altLang="en-US"/>
           </a:p>
@@ -2185,7 +2185,7 @@
           <a:p>
             <a:fld id="{F5BED939-13DD-4AA3-8741-D30EB9E98506}" type="datetimeFigureOut">
               <a:rPr lang="zh-CN" altLang="en-US" smtClean="0"/>
-              <a:t>2016/9/20</a:t>
+              <a:t>2016/9/21</a:t>
             </a:fld>
             <a:endParaRPr lang="zh-CN" altLang="en-US"/>
           </a:p>
@@ -2437,7 +2437,7 @@
           <a:p>
             <a:fld id="{F5BED939-13DD-4AA3-8741-D30EB9E98506}" type="datetimeFigureOut">
               <a:rPr lang="zh-CN" altLang="en-US" smtClean="0"/>
-              <a:t>2016/9/20</a:t>
+              <a:t>2016/9/21</a:t>
             </a:fld>
             <a:endParaRPr lang="zh-CN" altLang="en-US"/>
           </a:p>
@@ -2648,7 +2648,7 @@
           <a:p>
             <a:fld id="{F5BED939-13DD-4AA3-8741-D30EB9E98506}" type="datetimeFigureOut">
               <a:rPr lang="zh-CN" altLang="en-US" smtClean="0"/>
-              <a:t>2016/9/20</a:t>
+              <a:t>2016/9/21</a:t>
             </a:fld>
             <a:endParaRPr lang="zh-CN" altLang="en-US"/>
           </a:p>
@@ -4944,6 +4944,1071 @@
           <a:chExt cx="0" cy="0"/>
         </a:xfrm>
       </p:grpSpPr>
+      <p:pic>
+        <p:nvPicPr>
+          <p:cNvPr id="5" name="图片 4"/>
+          <p:cNvPicPr>
+            <a:picLocks noChangeAspect="1"/>
+          </p:cNvPicPr>
+          <p:nvPr/>
+        </p:nvPicPr>
+        <p:blipFill>
+          <a:blip r:embed="rId2">
+            <a:extLst>
+              <a:ext uri="{28A0092B-C50C-407E-A947-70E740481C1C}">
+                <a14:useLocalDpi xmlns:a14="http://schemas.microsoft.com/office/drawing/2010/main" val="0"/>
+              </a:ext>
+            </a:extLst>
+          </a:blip>
+          <a:stretch>
+            <a:fillRect/>
+          </a:stretch>
+        </p:blipFill>
+        <p:spPr>
+          <a:xfrm>
+            <a:off x="1397064" y="2395744"/>
+            <a:ext cx="8534839" cy="4800847"/>
+          </a:xfrm>
+          <a:prstGeom prst="rect">
+            <a:avLst/>
+          </a:prstGeom>
+        </p:spPr>
+      </p:pic>
+      <p:sp>
+        <p:nvSpPr>
+          <p:cNvPr id="2" name="标题 1"/>
+          <p:cNvSpPr>
+            <a:spLocks noGrp="1"/>
+          </p:cNvSpPr>
+          <p:nvPr>
+            <p:ph type="title"/>
+          </p:nvPr>
+        </p:nvSpPr>
+        <p:spPr/>
+        <p:txBody>
+          <a:bodyPr/>
+          <a:lstStyle/>
+          <a:p>
+            <a:r>
+              <a:rPr lang="zh-CN" altLang="en-US" dirty="0"/>
+              <a:t>最佳实践</a:t>
+            </a:r>
+            <a:r>
+              <a:rPr lang="en-US" altLang="zh-CN" dirty="0"/>
+              <a:t>/</a:t>
+            </a:r>
+            <a:r>
+              <a:rPr lang="zh-CN" altLang="en-US" dirty="0"/>
+              <a:t>应对装箱</a:t>
+            </a:r>
+          </a:p>
+        </p:txBody>
+      </p:sp>
+      <p:sp>
+        <p:nvSpPr>
+          <p:cNvPr id="3" name="内容占位符 2"/>
+          <p:cNvSpPr>
+            <a:spLocks noGrp="1"/>
+          </p:cNvSpPr>
+          <p:nvPr>
+            <p:ph idx="1"/>
+          </p:nvPr>
+        </p:nvSpPr>
+        <p:spPr>
+          <a:xfrm>
+            <a:off x="895350" y="1605189"/>
+            <a:ext cx="10515600" cy="4351338"/>
+          </a:xfrm>
+        </p:spPr>
+        <p:txBody>
+          <a:bodyPr/>
+          <a:lstStyle/>
+          <a:p>
+            <a:pPr marL="0" indent="0">
+              <a:buNone/>
+            </a:pPr>
+            <a:r>
+              <a:rPr lang="zh-CN" altLang="en-US" dirty="0"/>
+              <a:t>何为装箱？</a:t>
+            </a:r>
+            <a:endParaRPr lang="en-US" altLang="zh-CN" dirty="0"/>
+          </a:p>
+          <a:p>
+            <a:pPr marL="0" indent="0">
+              <a:buNone/>
+            </a:pPr>
+            <a:r>
+              <a:rPr lang="zh-CN" altLang="en-US" sz="2400" dirty="0"/>
+              <a:t>在希望使用堆对象的环境下试图使用栈对象，运行时会将栈对象拷贝到堆中并封装以供使用，这就是装箱。</a:t>
+            </a:r>
+            <a:endParaRPr lang="en-US" altLang="zh-CN" sz="2400" dirty="0"/>
+          </a:p>
+        </p:txBody>
+      </p:sp>
+    </p:spTree>
+    <p:extLst>
+      <p:ext uri="{BB962C8B-B14F-4D97-AF65-F5344CB8AC3E}">
+        <p14:creationId xmlns:p14="http://schemas.microsoft.com/office/powerpoint/2010/main" val="3934302142"/>
+      </p:ext>
+    </p:extLst>
+  </p:cSld>
+  <p:clrMapOvr>
+    <a:masterClrMapping/>
+  </p:clrMapOvr>
+</p:sld>
+</file>
+
+<file path=ppt/slides/slide18.xml><?xml version="1.0" encoding="utf-8"?>
+<p:sld xmlns:a="http://schemas.openxmlformats.org/drawingml/2006/main" xmlns:r="http://schemas.openxmlformats.org/officeDocument/2006/relationships" xmlns:p="http://schemas.openxmlformats.org/presentationml/2006/main">
+  <p:cSld>
+    <p:spTree>
+      <p:nvGrpSpPr>
+        <p:cNvPr id="1" name=""/>
+        <p:cNvGrpSpPr/>
+        <p:nvPr/>
+      </p:nvGrpSpPr>
+      <p:grpSpPr>
+        <a:xfrm>
+          <a:off x="0" y="0"/>
+          <a:ext cx="0" cy="0"/>
+          <a:chOff x="0" y="0"/>
+          <a:chExt cx="0" cy="0"/>
+        </a:xfrm>
+      </p:grpSpPr>
+      <p:sp>
+        <p:nvSpPr>
+          <p:cNvPr id="2" name="标题 1"/>
+          <p:cNvSpPr>
+            <a:spLocks noGrp="1"/>
+          </p:cNvSpPr>
+          <p:nvPr>
+            <p:ph type="title"/>
+          </p:nvPr>
+        </p:nvSpPr>
+        <p:spPr/>
+        <p:txBody>
+          <a:bodyPr/>
+          <a:lstStyle/>
+          <a:p>
+            <a:r>
+              <a:rPr lang="zh-CN" altLang="en-US" dirty="0"/>
+              <a:t>最佳实践</a:t>
+            </a:r>
+            <a:r>
+              <a:rPr lang="en-US" altLang="zh-CN" dirty="0"/>
+              <a:t>/</a:t>
+            </a:r>
+            <a:r>
+              <a:rPr lang="zh-CN" altLang="en-US" dirty="0"/>
+              <a:t>减少虚调用</a:t>
+            </a:r>
+          </a:p>
+        </p:txBody>
+      </p:sp>
+      <p:sp>
+        <p:nvSpPr>
+          <p:cNvPr id="3" name="内容占位符 2"/>
+          <p:cNvSpPr>
+            <a:spLocks noGrp="1"/>
+          </p:cNvSpPr>
+          <p:nvPr>
+            <p:ph idx="1"/>
+          </p:nvPr>
+        </p:nvSpPr>
+        <p:spPr/>
+        <p:txBody>
+          <a:bodyPr/>
+          <a:lstStyle/>
+          <a:p>
+            <a:r>
+              <a:rPr lang="zh-CN" altLang="en-US" dirty="0"/>
+              <a:t>封闭类</a:t>
+            </a:r>
+            <a:endParaRPr lang="en-US" altLang="zh-CN" dirty="0"/>
+          </a:p>
+          <a:p>
+            <a:r>
+              <a:rPr lang="zh-CN" altLang="en-US" dirty="0"/>
+              <a:t>使用类方法</a:t>
+            </a:r>
+          </a:p>
+        </p:txBody>
+      </p:sp>
+    </p:spTree>
+    <p:extLst>
+      <p:ext uri="{BB962C8B-B14F-4D97-AF65-F5344CB8AC3E}">
+        <p14:creationId xmlns:p14="http://schemas.microsoft.com/office/powerpoint/2010/main" val="3217876481"/>
+      </p:ext>
+    </p:extLst>
+  </p:cSld>
+  <p:clrMapOvr>
+    <a:masterClrMapping/>
+  </p:clrMapOvr>
+</p:sld>
+</file>
+
+<file path=ppt/slides/slide19.xml><?xml version="1.0" encoding="utf-8"?>
+<p:sld xmlns:a="http://schemas.openxmlformats.org/drawingml/2006/main" xmlns:r="http://schemas.openxmlformats.org/officeDocument/2006/relationships" xmlns:p="http://schemas.openxmlformats.org/presentationml/2006/main">
+  <p:cSld>
+    <p:spTree>
+      <p:nvGrpSpPr>
+        <p:cNvPr id="1" name=""/>
+        <p:cNvGrpSpPr/>
+        <p:nvPr/>
+      </p:nvGrpSpPr>
+      <p:grpSpPr>
+        <a:xfrm>
+          <a:off x="0" y="0"/>
+          <a:ext cx="0" cy="0"/>
+          <a:chOff x="0" y="0"/>
+          <a:chExt cx="0" cy="0"/>
+        </a:xfrm>
+      </p:grpSpPr>
+      <p:sp>
+        <p:nvSpPr>
+          <p:cNvPr id="2" name="标题 1"/>
+          <p:cNvSpPr>
+            <a:spLocks noGrp="1"/>
+          </p:cNvSpPr>
+          <p:nvPr>
+            <p:ph type="title"/>
+          </p:nvPr>
+        </p:nvSpPr>
+        <p:spPr/>
+        <p:txBody>
+          <a:bodyPr/>
+          <a:lstStyle/>
+          <a:p>
+            <a:r>
+              <a:rPr lang="zh-CN" altLang="en-US" dirty="0"/>
+              <a:t>最佳实践</a:t>
+            </a:r>
+            <a:r>
+              <a:rPr lang="en-US" altLang="zh-CN" dirty="0"/>
+              <a:t>/</a:t>
+            </a:r>
+            <a:r>
+              <a:rPr lang="zh-CN" altLang="en-US" dirty="0"/>
+              <a:t>迁移编译器</a:t>
+            </a:r>
+          </a:p>
+        </p:txBody>
+      </p:sp>
+      <p:sp>
+        <p:nvSpPr>
+          <p:cNvPr id="3" name="内容占位符 2"/>
+          <p:cNvSpPr>
+            <a:spLocks noGrp="1"/>
+          </p:cNvSpPr>
+          <p:nvPr>
+            <p:ph idx="1"/>
+          </p:nvPr>
+        </p:nvSpPr>
+        <p:spPr/>
+        <p:txBody>
+          <a:bodyPr/>
+          <a:lstStyle/>
+          <a:p>
+            <a:pPr marL="0" indent="0">
+              <a:buNone/>
+            </a:pPr>
+            <a:r>
+              <a:rPr lang="zh-CN" altLang="en-US" dirty="0"/>
+              <a:t>通过使用非</a:t>
+            </a:r>
+            <a:r>
+              <a:rPr lang="en-US" altLang="zh-CN" dirty="0"/>
+              <a:t>Unity</a:t>
+            </a:r>
+            <a:r>
+              <a:rPr lang="zh-CN" altLang="en-US" dirty="0"/>
+              <a:t>的编译器获取更高质量的代码</a:t>
+            </a:r>
+          </a:p>
+        </p:txBody>
+      </p:sp>
+    </p:spTree>
+    <p:extLst>
+      <p:ext uri="{BB962C8B-B14F-4D97-AF65-F5344CB8AC3E}">
+        <p14:creationId xmlns:p14="http://schemas.microsoft.com/office/powerpoint/2010/main" val="2624574833"/>
+      </p:ext>
+    </p:extLst>
+  </p:cSld>
+  <p:clrMapOvr>
+    <a:masterClrMapping/>
+  </p:clrMapOvr>
+</p:sld>
+</file>
+
+<file path=ppt/slides/slide2.xml><?xml version="1.0" encoding="utf-8"?>
+<p:sld xmlns:a="http://schemas.openxmlformats.org/drawingml/2006/main" xmlns:r="http://schemas.openxmlformats.org/officeDocument/2006/relationships" xmlns:p="http://schemas.openxmlformats.org/presentationml/2006/main">
+  <p:cSld>
+    <p:spTree>
+      <p:nvGrpSpPr>
+        <p:cNvPr id="1" name=""/>
+        <p:cNvGrpSpPr/>
+        <p:nvPr/>
+      </p:nvGrpSpPr>
+      <p:grpSpPr>
+        <a:xfrm>
+          <a:off x="0" y="0"/>
+          <a:ext cx="0" cy="0"/>
+          <a:chOff x="0" y="0"/>
+          <a:chExt cx="0" cy="0"/>
+        </a:xfrm>
+      </p:grpSpPr>
+      <p:sp>
+        <p:nvSpPr>
+          <p:cNvPr id="2" name="标题 1"/>
+          <p:cNvSpPr>
+            <a:spLocks noGrp="1"/>
+          </p:cNvSpPr>
+          <p:nvPr>
+            <p:ph type="title"/>
+          </p:nvPr>
+        </p:nvSpPr>
+        <p:spPr/>
+        <p:txBody>
+          <a:bodyPr/>
+          <a:lstStyle/>
+          <a:p>
+            <a:r>
+              <a:rPr lang="zh-CN" altLang="en-US" dirty="0"/>
+              <a:t>目录</a:t>
+            </a:r>
+          </a:p>
+        </p:txBody>
+      </p:sp>
+      <p:sp>
+        <p:nvSpPr>
+          <p:cNvPr id="3" name="内容占位符 2"/>
+          <p:cNvSpPr>
+            <a:spLocks noGrp="1"/>
+          </p:cNvSpPr>
+          <p:nvPr>
+            <p:ph idx="1"/>
+          </p:nvPr>
+        </p:nvSpPr>
+        <p:spPr/>
+        <p:txBody>
+          <a:bodyPr/>
+          <a:lstStyle/>
+          <a:p>
+            <a:r>
+              <a:rPr lang="en-US" altLang="zh-CN" dirty="0" err="1"/>
+              <a:t>.Net</a:t>
+            </a:r>
+            <a:r>
+              <a:rPr lang="zh-CN" altLang="en-US" dirty="0"/>
+              <a:t>平台谱系</a:t>
+            </a:r>
+            <a:endParaRPr lang="en-US" altLang="zh-CN" dirty="0"/>
+          </a:p>
+          <a:p>
+            <a:r>
+              <a:rPr lang="en-US" altLang="zh-CN" dirty="0" err="1"/>
+              <a:t>.Net</a:t>
+            </a:r>
+            <a:r>
+              <a:rPr lang="zh-CN" altLang="en-US" dirty="0"/>
+              <a:t>应用程序集结构</a:t>
+            </a:r>
+            <a:endParaRPr lang="en-US" altLang="zh-CN" dirty="0"/>
+          </a:p>
+          <a:p>
+            <a:pPr lvl="1"/>
+            <a:r>
+              <a:rPr lang="zh-CN" altLang="en-US" dirty="0"/>
+              <a:t>磁盘平面结构</a:t>
+            </a:r>
+            <a:endParaRPr lang="en-US" altLang="zh-CN" dirty="0"/>
+          </a:p>
+          <a:p>
+            <a:pPr lvl="1"/>
+            <a:r>
+              <a:rPr lang="zh-CN" altLang="en-US" dirty="0"/>
+              <a:t>内存结构</a:t>
+            </a:r>
+            <a:endParaRPr lang="en-US" altLang="zh-CN" dirty="0"/>
+          </a:p>
+          <a:p>
+            <a:r>
+              <a:rPr lang="en-US" altLang="zh-CN" dirty="0"/>
+              <a:t>IL2CPP</a:t>
+            </a:r>
+            <a:r>
+              <a:rPr lang="zh-CN" altLang="en-US" dirty="0"/>
+              <a:t>概览</a:t>
+            </a:r>
+            <a:endParaRPr lang="en-US" altLang="zh-CN" dirty="0"/>
+          </a:p>
+          <a:p>
+            <a:r>
+              <a:rPr lang="zh-CN" altLang="en-US" dirty="0"/>
+              <a:t>实践优化</a:t>
+            </a:r>
+          </a:p>
+        </p:txBody>
+      </p:sp>
+    </p:spTree>
+    <p:extLst>
+      <p:ext uri="{BB962C8B-B14F-4D97-AF65-F5344CB8AC3E}">
+        <p14:creationId xmlns:p14="http://schemas.microsoft.com/office/powerpoint/2010/main" val="2703389415"/>
+      </p:ext>
+    </p:extLst>
+  </p:cSld>
+  <p:clrMapOvr>
+    <a:masterClrMapping/>
+  </p:clrMapOvr>
+</p:sld>
+</file>
+
+<file path=ppt/slides/slide20.xml><?xml version="1.0" encoding="utf-8"?>
+<p:sld xmlns:a="http://schemas.openxmlformats.org/drawingml/2006/main" xmlns:r="http://schemas.openxmlformats.org/officeDocument/2006/relationships" xmlns:p="http://schemas.openxmlformats.org/presentationml/2006/main">
+  <p:cSld>
+    <p:spTree>
+      <p:nvGrpSpPr>
+        <p:cNvPr id="1" name=""/>
+        <p:cNvGrpSpPr/>
+        <p:nvPr/>
+      </p:nvGrpSpPr>
+      <p:grpSpPr>
+        <a:xfrm>
+          <a:off x="0" y="0"/>
+          <a:ext cx="0" cy="0"/>
+          <a:chOff x="0" y="0"/>
+          <a:chExt cx="0" cy="0"/>
+        </a:xfrm>
+      </p:grpSpPr>
+      <p:sp>
+        <p:nvSpPr>
+          <p:cNvPr id="2" name="标题 1"/>
+          <p:cNvSpPr>
+            <a:spLocks noGrp="1"/>
+          </p:cNvSpPr>
+          <p:nvPr>
+            <p:ph type="title"/>
+          </p:nvPr>
+        </p:nvSpPr>
+        <p:spPr/>
+        <p:txBody>
+          <a:bodyPr/>
+          <a:lstStyle/>
+          <a:p>
+            <a:r>
+              <a:rPr lang="zh-CN" altLang="en-US" dirty="0"/>
+              <a:t>最佳实践</a:t>
+            </a:r>
+            <a:r>
+              <a:rPr lang="en-US" altLang="zh-CN" dirty="0"/>
+              <a:t>/</a:t>
+            </a:r>
+            <a:r>
+              <a:rPr lang="zh-CN" altLang="en-US" dirty="0"/>
+              <a:t>使用</a:t>
+            </a:r>
+            <a:r>
+              <a:rPr lang="en-US" altLang="zh-CN" dirty="0" err="1"/>
+              <a:t>Resharper</a:t>
+            </a:r>
+            <a:r>
+              <a:rPr lang="zh-CN" altLang="en-US" dirty="0"/>
+              <a:t>改进代码质量</a:t>
+            </a:r>
+          </a:p>
+        </p:txBody>
+      </p:sp>
+      <p:sp>
+        <p:nvSpPr>
+          <p:cNvPr id="6" name="内容占位符 5"/>
+          <p:cNvSpPr>
+            <a:spLocks noGrp="1"/>
+          </p:cNvSpPr>
+          <p:nvPr>
+            <p:ph idx="1"/>
+          </p:nvPr>
+        </p:nvSpPr>
+        <p:spPr/>
+        <p:txBody>
+          <a:bodyPr/>
+          <a:lstStyle/>
+          <a:p>
+            <a:endParaRPr lang="zh-CN" altLang="en-US"/>
+          </a:p>
+        </p:txBody>
+      </p:sp>
+    </p:spTree>
+    <p:extLst>
+      <p:ext uri="{BB962C8B-B14F-4D97-AF65-F5344CB8AC3E}">
+        <p14:creationId xmlns:p14="http://schemas.microsoft.com/office/powerpoint/2010/main" val="2700295959"/>
+      </p:ext>
+    </p:extLst>
+  </p:cSld>
+  <p:clrMapOvr>
+    <a:masterClrMapping/>
+  </p:clrMapOvr>
+</p:sld>
+</file>
+
+<file path=ppt/slides/slide21.xml><?xml version="1.0" encoding="utf-8"?>
+<p:sld xmlns:a="http://schemas.openxmlformats.org/drawingml/2006/main" xmlns:r="http://schemas.openxmlformats.org/officeDocument/2006/relationships" xmlns:p="http://schemas.openxmlformats.org/presentationml/2006/main">
+  <p:cSld>
+    <p:spTree>
+      <p:nvGrpSpPr>
+        <p:cNvPr id="1" name=""/>
+        <p:cNvGrpSpPr/>
+        <p:nvPr/>
+      </p:nvGrpSpPr>
+      <p:grpSpPr>
+        <a:xfrm>
+          <a:off x="0" y="0"/>
+          <a:ext cx="0" cy="0"/>
+          <a:chOff x="0" y="0"/>
+          <a:chExt cx="0" cy="0"/>
+        </a:xfrm>
+      </p:grpSpPr>
+      <p:sp>
+        <p:nvSpPr>
+          <p:cNvPr id="2" name="标题 1"/>
+          <p:cNvSpPr>
+            <a:spLocks noGrp="1"/>
+          </p:cNvSpPr>
+          <p:nvPr>
+            <p:ph type="title"/>
+          </p:nvPr>
+        </p:nvSpPr>
+        <p:spPr/>
+        <p:txBody>
+          <a:bodyPr/>
+          <a:lstStyle/>
+          <a:p>
+            <a:r>
+              <a:rPr lang="zh-CN" altLang="en-US" dirty="0"/>
+              <a:t>最佳实践</a:t>
+            </a:r>
+            <a:r>
+              <a:rPr lang="en-US" altLang="zh-CN" dirty="0"/>
+              <a:t>/</a:t>
+            </a:r>
+            <a:r>
+              <a:rPr lang="zh-CN" altLang="en-US" dirty="0"/>
+              <a:t>其他</a:t>
+            </a:r>
+          </a:p>
+        </p:txBody>
+      </p:sp>
+      <p:sp>
+        <p:nvSpPr>
+          <p:cNvPr id="3" name="内容占位符 2"/>
+          <p:cNvSpPr>
+            <a:spLocks noGrp="1"/>
+          </p:cNvSpPr>
+          <p:nvPr>
+            <p:ph idx="1"/>
+          </p:nvPr>
+        </p:nvSpPr>
+        <p:spPr/>
+        <p:txBody>
+          <a:bodyPr>
+            <a:normAutofit lnSpcReduction="10000"/>
+          </a:bodyPr>
+          <a:lstStyle/>
+          <a:p>
+            <a:r>
+              <a:rPr lang="zh-CN" altLang="en-US" dirty="0"/>
+              <a:t>缓存</a:t>
+            </a:r>
+            <a:r>
+              <a:rPr lang="en-US" altLang="zh-CN" dirty="0" err="1"/>
+              <a:t>MemberInfo</a:t>
+            </a:r>
+            <a:endParaRPr lang="en-US" altLang="zh-CN" dirty="0"/>
+          </a:p>
+          <a:p>
+            <a:pPr marL="457200" lvl="1" indent="0">
+              <a:buNone/>
+            </a:pPr>
+            <a:r>
+              <a:rPr lang="zh-CN" altLang="en-US" sz="1800" dirty="0">
+                <a:latin typeface="微软雅黑 Light" panose="020B0502040204020203" pitchFamily="34" charset="-122"/>
+                <a:ea typeface="微软雅黑 Light" panose="020B0502040204020203" pitchFamily="34" charset="-122"/>
+              </a:rPr>
+              <a:t>反射性能低下主要有三个原因：</a:t>
+            </a:r>
+            <a:r>
+              <a:rPr lang="en-US" altLang="zh-CN" sz="1800" dirty="0" err="1">
+                <a:latin typeface="微软雅黑 Light" panose="020B0502040204020203" pitchFamily="34" charset="-122"/>
+                <a:ea typeface="微软雅黑 Light" panose="020B0502040204020203" pitchFamily="34" charset="-122"/>
+              </a:rPr>
+              <a:t>EEClass</a:t>
+            </a:r>
+            <a:r>
+              <a:rPr lang="zh-CN" altLang="en-US" sz="1800" dirty="0">
+                <a:latin typeface="微软雅黑 Light" panose="020B0502040204020203" pitchFamily="34" charset="-122"/>
+                <a:ea typeface="微软雅黑 Light" panose="020B0502040204020203" pitchFamily="34" charset="-122"/>
+              </a:rPr>
+              <a:t>检索慢于编译器生成的地址代换，检索到的数据需要生成</a:t>
+            </a:r>
+            <a:r>
+              <a:rPr lang="en-US" altLang="zh-CN" sz="1800" dirty="0" err="1">
+                <a:latin typeface="微软雅黑 Light" panose="020B0502040204020203" pitchFamily="34" charset="-122"/>
+                <a:ea typeface="微软雅黑 Light" panose="020B0502040204020203" pitchFamily="34" charset="-122"/>
+              </a:rPr>
+              <a:t>MemberInfo</a:t>
+            </a:r>
+            <a:r>
+              <a:rPr lang="zh-CN" altLang="en-US" sz="1800" dirty="0">
+                <a:latin typeface="微软雅黑 Light" panose="020B0502040204020203" pitchFamily="34" charset="-122"/>
+                <a:ea typeface="微软雅黑 Light" panose="020B0502040204020203" pitchFamily="34" charset="-122"/>
+              </a:rPr>
+              <a:t>对象，访问</a:t>
+            </a:r>
+            <a:r>
+              <a:rPr lang="en-US" altLang="zh-CN" sz="1800" dirty="0" err="1">
+                <a:latin typeface="微软雅黑 Light" panose="020B0502040204020203" pitchFamily="34" charset="-122"/>
+                <a:ea typeface="微软雅黑 Light" panose="020B0502040204020203" pitchFamily="34" charset="-122"/>
+              </a:rPr>
+              <a:t>MemberInfo</a:t>
+            </a:r>
+            <a:r>
+              <a:rPr lang="zh-CN" altLang="en-US" sz="1800" dirty="0">
+                <a:latin typeface="微软雅黑 Light" panose="020B0502040204020203" pitchFamily="34" charset="-122"/>
+                <a:ea typeface="微软雅黑 Light" panose="020B0502040204020203" pitchFamily="34" charset="-122"/>
+              </a:rPr>
+              <a:t>对象需要动态绑定。使用反射式缓存</a:t>
+            </a:r>
+            <a:r>
+              <a:rPr lang="en-US" altLang="zh-CN" sz="1800" dirty="0" err="1">
+                <a:latin typeface="微软雅黑 Light" panose="020B0502040204020203" pitchFamily="34" charset="-122"/>
+                <a:ea typeface="微软雅黑 Light" panose="020B0502040204020203" pitchFamily="34" charset="-122"/>
+              </a:rPr>
+              <a:t>MemberInfo</a:t>
+            </a:r>
+            <a:r>
+              <a:rPr lang="zh-CN" altLang="en-US" sz="1800" dirty="0">
+                <a:latin typeface="微软雅黑 Light" panose="020B0502040204020203" pitchFamily="34" charset="-122"/>
+                <a:ea typeface="微软雅黑 Light" panose="020B0502040204020203" pitchFamily="34" charset="-122"/>
+              </a:rPr>
+              <a:t>，前两个问题都能迎刃而解</a:t>
+            </a:r>
+          </a:p>
+          <a:p>
+            <a:r>
+              <a:rPr lang="zh-CN" altLang="en-US" dirty="0"/>
+              <a:t>为集合预分配容量</a:t>
+            </a:r>
+            <a:endParaRPr lang="en-US" altLang="zh-CN" dirty="0"/>
+          </a:p>
+          <a:p>
+            <a:pPr marL="457200" lvl="1" indent="0">
+              <a:buNone/>
+            </a:pPr>
+            <a:r>
+              <a:rPr lang="zh-CN" altLang="en-US" sz="1800" dirty="0">
+                <a:latin typeface="微软雅黑 Light" panose="020B0502040204020203" pitchFamily="34" charset="-122"/>
+                <a:ea typeface="微软雅黑 Light" panose="020B0502040204020203" pitchFamily="34" charset="-122"/>
+              </a:rPr>
+              <a:t>集合拥有积极扩张的内存分配策略，预估集合容量并进行预分配非但有助于减少重分配次数，而且通常能够节约内存</a:t>
+            </a:r>
+            <a:endParaRPr lang="en-US" altLang="zh-CN" sz="1800" dirty="0">
+              <a:latin typeface="微软雅黑 Light" panose="020B0502040204020203" pitchFamily="34" charset="-122"/>
+              <a:ea typeface="微软雅黑 Light" panose="020B0502040204020203" pitchFamily="34" charset="-122"/>
+            </a:endParaRPr>
+          </a:p>
+          <a:p>
+            <a:r>
+              <a:rPr lang="zh-CN" altLang="en-US" dirty="0"/>
+              <a:t>重写</a:t>
+            </a:r>
+            <a:r>
+              <a:rPr lang="en-US" altLang="zh-CN" dirty="0"/>
+              <a:t>Equals</a:t>
+            </a:r>
+            <a:r>
+              <a:rPr lang="zh-CN" altLang="en-US" dirty="0"/>
+              <a:t>方法和</a:t>
+            </a:r>
+            <a:r>
+              <a:rPr lang="en-US" altLang="zh-CN" dirty="0" err="1"/>
+              <a:t>GetHashCode</a:t>
+            </a:r>
+            <a:r>
+              <a:rPr lang="zh-CN" altLang="en-US" dirty="0"/>
+              <a:t>方法</a:t>
+            </a:r>
+            <a:endParaRPr lang="en-US" altLang="zh-CN" dirty="0"/>
+          </a:p>
+          <a:p>
+            <a:pPr marL="457200" lvl="1" indent="0">
+              <a:buNone/>
+            </a:pPr>
+            <a:r>
+              <a:rPr lang="zh-CN" altLang="en-US" sz="1800" dirty="0">
+                <a:latin typeface="微软雅黑 Light" panose="020B0502040204020203" pitchFamily="34" charset="-122"/>
+                <a:ea typeface="微软雅黑 Light" panose="020B0502040204020203" pitchFamily="34" charset="-122"/>
+              </a:rPr>
+              <a:t>引用类型的上述方法默认实现使用反射</a:t>
+            </a:r>
+            <a:r>
+              <a:rPr lang="zh-CN" altLang="en-US" dirty="0"/>
+              <a:t>坚持建立文档化注释</a:t>
+            </a:r>
+            <a:endParaRPr lang="en-US" altLang="zh-CN" dirty="0"/>
+          </a:p>
+          <a:p>
+            <a:pPr marL="457200" lvl="1" indent="0">
+              <a:buNone/>
+            </a:pPr>
+            <a:r>
+              <a:rPr lang="zh-CN" altLang="en-US" sz="1800" dirty="0">
+                <a:latin typeface="微软雅黑 Light" panose="020B0502040204020203" pitchFamily="34" charset="-122"/>
+                <a:ea typeface="微软雅黑 Light" panose="020B0502040204020203" pitchFamily="34" charset="-122"/>
+              </a:rPr>
+              <a:t>从</a:t>
+            </a:r>
+            <a:r>
+              <a:rPr lang="en-US" altLang="zh-CN" sz="1800" dirty="0">
+                <a:latin typeface="微软雅黑 Light" panose="020B0502040204020203" pitchFamily="34" charset="-122"/>
+                <a:ea typeface="微软雅黑 Light" panose="020B0502040204020203" pitchFamily="34" charset="-122"/>
+              </a:rPr>
+              <a:t>VisualStudio</a:t>
+            </a:r>
+            <a:r>
+              <a:rPr lang="zh-CN" altLang="en-US" sz="1800" dirty="0">
+                <a:latin typeface="微软雅黑 Light" panose="020B0502040204020203" pitchFamily="34" charset="-122"/>
+                <a:ea typeface="微软雅黑 Light" panose="020B0502040204020203" pitchFamily="34" charset="-122"/>
+              </a:rPr>
+              <a:t>到</a:t>
+            </a:r>
+            <a:r>
+              <a:rPr lang="en-US" altLang="zh-CN" sz="1800" dirty="0" err="1">
+                <a:latin typeface="微软雅黑 Light" panose="020B0502040204020203" pitchFamily="34" charset="-122"/>
+                <a:ea typeface="微软雅黑 Light" panose="020B0502040204020203" pitchFamily="34" charset="-122"/>
+              </a:rPr>
+              <a:t>Resharper</a:t>
+            </a:r>
+            <a:r>
+              <a:rPr lang="zh-CN" altLang="en-US" sz="1800" dirty="0">
+                <a:latin typeface="微软雅黑 Light" panose="020B0502040204020203" pitchFamily="34" charset="-122"/>
+                <a:ea typeface="微软雅黑 Light" panose="020B0502040204020203" pitchFamily="34" charset="-122"/>
+              </a:rPr>
+              <a:t>，对类与方法的描述都来自文档化注释。</a:t>
+            </a:r>
+            <a:endParaRPr lang="en-US" altLang="zh-CN" dirty="0"/>
+          </a:p>
+          <a:p>
+            <a:r>
+              <a:rPr lang="zh-CN" altLang="en-US" dirty="0"/>
+              <a:t>较小的集合不应使用有键集合</a:t>
+            </a:r>
+            <a:endParaRPr lang="en-US" altLang="zh-CN" dirty="0"/>
+          </a:p>
+          <a:p>
+            <a:pPr marL="457200" lvl="1" indent="0">
+              <a:buNone/>
+            </a:pPr>
+            <a:r>
+              <a:rPr lang="zh-CN" altLang="en-US" sz="1800" dirty="0">
+                <a:latin typeface="微软雅黑 Light" panose="020B0502040204020203" pitchFamily="34" charset="-122"/>
+                <a:ea typeface="微软雅黑 Light" panose="020B0502040204020203" pitchFamily="34" charset="-122"/>
+              </a:rPr>
+              <a:t>有键集合需要额外的空间。举例来说，一个空的</a:t>
+            </a:r>
+            <a:r>
+              <a:rPr lang="en-US" altLang="zh-CN" sz="1800" dirty="0">
+                <a:latin typeface="微软雅黑 Light" panose="020B0502040204020203" pitchFamily="34" charset="-122"/>
+                <a:ea typeface="微软雅黑 Light" panose="020B0502040204020203" pitchFamily="34" charset="-122"/>
+              </a:rPr>
+              <a:t>Dictionary</a:t>
+            </a:r>
+            <a:r>
+              <a:rPr lang="zh-CN" altLang="en-US" sz="1800" dirty="0">
+                <a:latin typeface="微软雅黑 Light" panose="020B0502040204020203" pitchFamily="34" charset="-122"/>
+                <a:ea typeface="微软雅黑 Light" panose="020B0502040204020203" pitchFamily="34" charset="-122"/>
+              </a:rPr>
+              <a:t>也会消耗</a:t>
+            </a:r>
+            <a:r>
+              <a:rPr lang="en-US" altLang="zh-CN" sz="1800" dirty="0">
+                <a:latin typeface="微软雅黑 Light" panose="020B0502040204020203" pitchFamily="34" charset="-122"/>
+                <a:ea typeface="微软雅黑 Light" panose="020B0502040204020203" pitchFamily="34" charset="-122"/>
+              </a:rPr>
+              <a:t>12</a:t>
+            </a:r>
+            <a:r>
+              <a:rPr lang="zh-CN" altLang="en-US" sz="1800" dirty="0">
+                <a:latin typeface="微软雅黑 Light" panose="020B0502040204020203" pitchFamily="34" charset="-122"/>
+                <a:ea typeface="微软雅黑 Light" panose="020B0502040204020203" pitchFamily="34" charset="-122"/>
+              </a:rPr>
+              <a:t>字节的空间。</a:t>
+            </a:r>
+            <a:endParaRPr lang="en-US" altLang="zh-CN" sz="1800" dirty="0">
+              <a:latin typeface="微软雅黑 Light" panose="020B0502040204020203" pitchFamily="34" charset="-122"/>
+              <a:ea typeface="微软雅黑 Light" panose="020B0502040204020203" pitchFamily="34" charset="-122"/>
+            </a:endParaRPr>
+          </a:p>
+        </p:txBody>
+      </p:sp>
+    </p:spTree>
+    <p:extLst>
+      <p:ext uri="{BB962C8B-B14F-4D97-AF65-F5344CB8AC3E}">
+        <p14:creationId xmlns:p14="http://schemas.microsoft.com/office/powerpoint/2010/main" val="1948017904"/>
+      </p:ext>
+    </p:extLst>
+  </p:cSld>
+  <p:clrMapOvr>
+    <a:masterClrMapping/>
+  </p:clrMapOvr>
+</p:sld>
+</file>
+
+<file path=ppt/slides/slide22.xml><?xml version="1.0" encoding="utf-8"?>
+<p:sld xmlns:a="http://schemas.openxmlformats.org/drawingml/2006/main" xmlns:r="http://schemas.openxmlformats.org/officeDocument/2006/relationships" xmlns:p="http://schemas.openxmlformats.org/presentationml/2006/main">
+  <p:cSld>
+    <p:spTree>
+      <p:nvGrpSpPr>
+        <p:cNvPr id="1" name=""/>
+        <p:cNvGrpSpPr/>
+        <p:nvPr/>
+      </p:nvGrpSpPr>
+      <p:grpSpPr>
+        <a:xfrm>
+          <a:off x="0" y="0"/>
+          <a:ext cx="0" cy="0"/>
+          <a:chOff x="0" y="0"/>
+          <a:chExt cx="0" cy="0"/>
+        </a:xfrm>
+      </p:grpSpPr>
+      <p:sp>
+        <p:nvSpPr>
+          <p:cNvPr id="2" name="标题 1"/>
+          <p:cNvSpPr>
+            <a:spLocks noGrp="1"/>
+          </p:cNvSpPr>
+          <p:nvPr>
+            <p:ph type="title"/>
+          </p:nvPr>
+        </p:nvSpPr>
+        <p:spPr/>
+        <p:txBody>
+          <a:bodyPr/>
+          <a:lstStyle/>
+          <a:p>
+            <a:r>
+              <a:rPr lang="zh-CN" altLang="en-US" dirty="0"/>
+              <a:t>最佳实践</a:t>
+            </a:r>
+            <a:r>
+              <a:rPr lang="en-US" altLang="zh-CN" dirty="0"/>
+              <a:t>/</a:t>
+            </a:r>
+            <a:r>
+              <a:rPr lang="zh-CN" altLang="en-US" dirty="0"/>
+              <a:t>其他</a:t>
+            </a:r>
+          </a:p>
+        </p:txBody>
+      </p:sp>
+      <p:sp>
+        <p:nvSpPr>
+          <p:cNvPr id="3" name="内容占位符 2"/>
+          <p:cNvSpPr>
+            <a:spLocks noGrp="1"/>
+          </p:cNvSpPr>
+          <p:nvPr>
+            <p:ph idx="1"/>
+          </p:nvPr>
+        </p:nvSpPr>
+        <p:spPr/>
+        <p:txBody>
+          <a:bodyPr>
+            <a:normAutofit/>
+          </a:bodyPr>
+          <a:lstStyle/>
+          <a:p>
+            <a:r>
+              <a:rPr lang="zh-CN" altLang="en-US" dirty="0"/>
+              <a:t>枚举类型不宜作为键使用</a:t>
+            </a:r>
+            <a:endParaRPr lang="en-US" altLang="zh-CN" dirty="0"/>
+          </a:p>
+          <a:p>
+            <a:pPr marL="457200" lvl="1" indent="0">
+              <a:buNone/>
+            </a:pPr>
+            <a:r>
+              <a:rPr lang="zh-CN" altLang="en-US" sz="1800" dirty="0">
+                <a:latin typeface="微软雅黑 Light" panose="020B0502040204020203" pitchFamily="34" charset="-122"/>
+                <a:ea typeface="微软雅黑 Light" panose="020B0502040204020203" pitchFamily="34" charset="-122"/>
+              </a:rPr>
+              <a:t>枚举是值类型，而且你无法重写它的</a:t>
+            </a:r>
+            <a:r>
+              <a:rPr lang="en-US" altLang="zh-CN" sz="1800" dirty="0" err="1">
+                <a:latin typeface="微软雅黑 Light" panose="020B0502040204020203" pitchFamily="34" charset="-122"/>
+                <a:ea typeface="微软雅黑 Light" panose="020B0502040204020203" pitchFamily="34" charset="-122"/>
+              </a:rPr>
+              <a:t>GetHashCode</a:t>
+            </a:r>
+            <a:r>
+              <a:rPr lang="zh-CN" altLang="en-US" sz="1800" dirty="0">
+                <a:latin typeface="微软雅黑 Light" panose="020B0502040204020203" pitchFamily="34" charset="-122"/>
+                <a:ea typeface="微软雅黑 Light" panose="020B0502040204020203" pitchFamily="34" charset="-122"/>
+              </a:rPr>
+              <a:t>方法</a:t>
+            </a:r>
+            <a:endParaRPr lang="en-US" altLang="zh-CN" sz="1800" dirty="0">
+              <a:latin typeface="微软雅黑 Light" panose="020B0502040204020203" pitchFamily="34" charset="-122"/>
+              <a:ea typeface="微软雅黑 Light" panose="020B0502040204020203" pitchFamily="34" charset="-122"/>
+            </a:endParaRPr>
+          </a:p>
+          <a:p>
+            <a:r>
+              <a:rPr lang="zh-CN" altLang="en-US" dirty="0"/>
+              <a:t>谨慎传递结构体</a:t>
+            </a:r>
+            <a:endParaRPr lang="en-US" altLang="zh-CN" dirty="0"/>
+          </a:p>
+          <a:p>
+            <a:pPr marL="457200" lvl="1" indent="0">
+              <a:buNone/>
+            </a:pPr>
+            <a:r>
+              <a:rPr lang="zh-CN" altLang="en-US" sz="1800" dirty="0">
+                <a:latin typeface="微软雅黑 Light" panose="020B0502040204020203" pitchFamily="34" charset="-122"/>
+                <a:ea typeface="微软雅黑 Light" panose="020B0502040204020203" pitchFamily="34" charset="-122"/>
+              </a:rPr>
+              <a:t>别忘了结构体是值类型哦。使用</a:t>
+            </a:r>
+            <a:r>
+              <a:rPr lang="en-US" altLang="zh-CN" sz="1800" dirty="0">
+                <a:latin typeface="微软雅黑 Light" panose="020B0502040204020203" pitchFamily="34" charset="-122"/>
+                <a:ea typeface="微软雅黑 Light" panose="020B0502040204020203" pitchFamily="34" charset="-122"/>
+              </a:rPr>
+              <a:t>ref</a:t>
+            </a:r>
+            <a:r>
+              <a:rPr lang="zh-CN" altLang="en-US" sz="1800" dirty="0">
+                <a:latin typeface="微软雅黑 Light" panose="020B0502040204020203" pitchFamily="34" charset="-122"/>
+                <a:ea typeface="微软雅黑 Light" panose="020B0502040204020203" pitchFamily="34" charset="-122"/>
+              </a:rPr>
+              <a:t>传递作为参数的结构体</a:t>
+            </a:r>
+            <a:endParaRPr lang="en-US" altLang="zh-CN" sz="1800" dirty="0">
+              <a:latin typeface="微软雅黑 Light" panose="020B0502040204020203" pitchFamily="34" charset="-122"/>
+              <a:ea typeface="微软雅黑 Light" panose="020B0502040204020203" pitchFamily="34" charset="-122"/>
+            </a:endParaRPr>
+          </a:p>
+          <a:p>
+            <a:r>
+              <a:rPr lang="zh-CN" altLang="en-US" dirty="0"/>
+              <a:t>使用枚举而非常量</a:t>
+            </a:r>
+            <a:endParaRPr lang="en-US" altLang="zh-CN" dirty="0"/>
+          </a:p>
+          <a:p>
+            <a:pPr marL="457200" lvl="1" indent="0">
+              <a:buNone/>
+            </a:pPr>
+            <a:r>
+              <a:rPr lang="zh-CN" altLang="en-US" sz="1800" dirty="0">
+                <a:latin typeface="微软雅黑 Light" panose="020B0502040204020203" pitchFamily="34" charset="-122"/>
+                <a:ea typeface="微软雅黑 Light" panose="020B0502040204020203" pitchFamily="34" charset="-122"/>
+              </a:rPr>
+              <a:t>枚举明确地指出了其内容的约束，且拥有更完备的工具支持</a:t>
+            </a:r>
+            <a:endParaRPr lang="en-US" altLang="zh-CN" sz="1800" dirty="0">
+              <a:latin typeface="微软雅黑 Light" panose="020B0502040204020203" pitchFamily="34" charset="-122"/>
+              <a:ea typeface="微软雅黑 Light" panose="020B0502040204020203" pitchFamily="34" charset="-122"/>
+            </a:endParaRPr>
+          </a:p>
+          <a:p>
+            <a:r>
+              <a:rPr lang="zh-CN" altLang="en-US" dirty="0"/>
+              <a:t>慎重对待闭包</a:t>
+            </a:r>
+            <a:endParaRPr lang="en-US" altLang="zh-CN" dirty="0"/>
+          </a:p>
+          <a:p>
+            <a:pPr marL="457200" lvl="1" indent="0">
+              <a:buNone/>
+            </a:pPr>
+            <a:r>
+              <a:rPr lang="zh-CN" altLang="en-US" sz="1800" dirty="0">
+                <a:latin typeface="微软雅黑 Light" panose="020B0502040204020203" pitchFamily="34" charset="-122"/>
+                <a:ea typeface="微软雅黑 Light" panose="020B0502040204020203" pitchFamily="34" charset="-122"/>
+              </a:rPr>
+              <a:t>状态的延续站在内存的肩膀上</a:t>
+            </a:r>
+            <a:endParaRPr lang="en-US" altLang="zh-CN" sz="1800" dirty="0">
+              <a:latin typeface="微软雅黑 Light" panose="020B0502040204020203" pitchFamily="34" charset="-122"/>
+              <a:ea typeface="微软雅黑 Light" panose="020B0502040204020203" pitchFamily="34" charset="-122"/>
+            </a:endParaRPr>
+          </a:p>
+          <a:p>
+            <a:r>
+              <a:rPr lang="zh-CN" altLang="en-US" dirty="0"/>
+              <a:t>编译重复使用的正则表达式</a:t>
+            </a:r>
+            <a:endParaRPr lang="en-US" altLang="zh-CN" dirty="0"/>
+          </a:p>
+          <a:p>
+            <a:pPr marL="457200" lvl="1" indent="0">
+              <a:buNone/>
+            </a:pPr>
+            <a:r>
+              <a:rPr lang="zh-CN" altLang="en-US" sz="1800" dirty="0">
+                <a:latin typeface="微软雅黑 Light" panose="020B0502040204020203" pitchFamily="34" charset="-122"/>
+                <a:ea typeface="微软雅黑 Light" panose="020B0502040204020203" pitchFamily="34" charset="-122"/>
+              </a:rPr>
+              <a:t>将字符串编译为自动机往往要比匹配消耗更多时间</a:t>
+            </a:r>
+            <a:endParaRPr lang="en-US" altLang="zh-CN" sz="1800" dirty="0">
+              <a:latin typeface="微软雅黑 Light" panose="020B0502040204020203" pitchFamily="34" charset="-122"/>
+              <a:ea typeface="微软雅黑 Light" panose="020B0502040204020203" pitchFamily="34" charset="-122"/>
+            </a:endParaRPr>
+          </a:p>
+          <a:p>
+            <a:pPr marL="457200" lvl="1" indent="0">
+              <a:buNone/>
+            </a:pPr>
+            <a:endParaRPr lang="zh-CN" altLang="en-US" sz="1800" dirty="0">
+              <a:latin typeface="微软雅黑 Light" panose="020B0502040204020203" pitchFamily="34" charset="-122"/>
+              <a:ea typeface="微软雅黑 Light" panose="020B0502040204020203" pitchFamily="34" charset="-122"/>
+            </a:endParaRPr>
+          </a:p>
+        </p:txBody>
+      </p:sp>
+    </p:spTree>
+    <p:extLst>
+      <p:ext uri="{BB962C8B-B14F-4D97-AF65-F5344CB8AC3E}">
+        <p14:creationId xmlns:p14="http://schemas.microsoft.com/office/powerpoint/2010/main" val="4131926382"/>
+      </p:ext>
+    </p:extLst>
+  </p:cSld>
+  <p:clrMapOvr>
+    <a:masterClrMapping/>
+  </p:clrMapOvr>
+</p:sld>
+</file>
+
+<file path=ppt/slides/slide23.xml><?xml version="1.0" encoding="utf-8"?>
+<p:sld xmlns:a="http://schemas.openxmlformats.org/drawingml/2006/main" xmlns:r="http://schemas.openxmlformats.org/officeDocument/2006/relationships" xmlns:p="http://schemas.openxmlformats.org/presentationml/2006/main">
+  <p:cSld>
+    <p:spTree>
+      <p:nvGrpSpPr>
+        <p:cNvPr id="1" name=""/>
+        <p:cNvGrpSpPr/>
+        <p:nvPr/>
+      </p:nvGrpSpPr>
+      <p:grpSpPr>
+        <a:xfrm>
+          <a:off x="0" y="0"/>
+          <a:ext cx="0" cy="0"/>
+          <a:chOff x="0" y="0"/>
+          <a:chExt cx="0" cy="0"/>
+        </a:xfrm>
+      </p:grpSpPr>
       <p:sp>
         <p:nvSpPr>
           <p:cNvPr id="2" name="标题 1"/>
@@ -5069,7 +6134,7 @@
 </p:sld>
 </file>
 
-<file path=ppt/slides/slide18.xml><?xml version="1.0" encoding="utf-8"?>
+<file path=ppt/slides/slide24.xml><?xml version="1.0" encoding="utf-8"?>
 <p:sld xmlns:a="http://schemas.openxmlformats.org/drawingml/2006/main" xmlns:r="http://schemas.openxmlformats.org/officeDocument/2006/relationships" xmlns:p="http://schemas.openxmlformats.org/presentationml/2006/main">
   <p:cSld>
     <p:spTree>
@@ -5302,7 +6367,7 @@
 </p:sld>
 </file>
 
-<file path=ppt/slides/slide19.xml><?xml version="1.0" encoding="utf-8"?>
+<file path=ppt/slides/slide25.xml><?xml version="1.0" encoding="utf-8"?>
 <p:sld xmlns:a="http://schemas.openxmlformats.org/drawingml/2006/main" xmlns:r="http://schemas.openxmlformats.org/officeDocument/2006/relationships" xmlns:p="http://schemas.openxmlformats.org/presentationml/2006/main">
   <p:cSld>
     <p:spTree>
@@ -5933,130 +6998,7 @@
 </p:sld>
 </file>
 
-<file path=ppt/slides/slide2.xml><?xml version="1.0" encoding="utf-8"?>
-<p:sld xmlns:a="http://schemas.openxmlformats.org/drawingml/2006/main" xmlns:r="http://schemas.openxmlformats.org/officeDocument/2006/relationships" xmlns:p="http://schemas.openxmlformats.org/presentationml/2006/main">
-  <p:cSld>
-    <p:spTree>
-      <p:nvGrpSpPr>
-        <p:cNvPr id="1" name=""/>
-        <p:cNvGrpSpPr/>
-        <p:nvPr/>
-      </p:nvGrpSpPr>
-      <p:grpSpPr>
-        <a:xfrm>
-          <a:off x="0" y="0"/>
-          <a:ext cx="0" cy="0"/>
-          <a:chOff x="0" y="0"/>
-          <a:chExt cx="0" cy="0"/>
-        </a:xfrm>
-      </p:grpSpPr>
-      <p:sp>
-        <p:nvSpPr>
-          <p:cNvPr id="2" name="标题 1"/>
-          <p:cNvSpPr>
-            <a:spLocks noGrp="1"/>
-          </p:cNvSpPr>
-          <p:nvPr>
-            <p:ph type="title"/>
-          </p:nvPr>
-        </p:nvSpPr>
-        <p:spPr/>
-        <p:txBody>
-          <a:bodyPr/>
-          <a:lstStyle/>
-          <a:p>
-            <a:r>
-              <a:rPr lang="zh-CN" altLang="en-US" dirty="0"/>
-              <a:t>目录</a:t>
-            </a:r>
-          </a:p>
-        </p:txBody>
-      </p:sp>
-      <p:sp>
-        <p:nvSpPr>
-          <p:cNvPr id="3" name="内容占位符 2"/>
-          <p:cNvSpPr>
-            <a:spLocks noGrp="1"/>
-          </p:cNvSpPr>
-          <p:nvPr>
-            <p:ph idx="1"/>
-          </p:nvPr>
-        </p:nvSpPr>
-        <p:spPr/>
-        <p:txBody>
-          <a:bodyPr/>
-          <a:lstStyle/>
-          <a:p>
-            <a:r>
-              <a:rPr lang="en-US" altLang="zh-CN" dirty="0" err="1"/>
-              <a:t>.Net</a:t>
-            </a:r>
-            <a:r>
-              <a:rPr lang="zh-CN" altLang="en-US" dirty="0"/>
-              <a:t>平台谱系</a:t>
-            </a:r>
-            <a:endParaRPr lang="en-US" altLang="zh-CN" dirty="0"/>
-          </a:p>
-          <a:p>
-            <a:r>
-              <a:rPr lang="en-US" altLang="zh-CN" dirty="0" err="1"/>
-              <a:t>.Net</a:t>
-            </a:r>
-            <a:r>
-              <a:rPr lang="zh-CN" altLang="en-US" dirty="0"/>
-              <a:t>应用程序集结构</a:t>
-            </a:r>
-            <a:endParaRPr lang="en-US" altLang="zh-CN" dirty="0"/>
-          </a:p>
-          <a:p>
-            <a:pPr lvl="1"/>
-            <a:r>
-              <a:rPr lang="zh-CN" altLang="en-US" dirty="0"/>
-              <a:t>磁盘平面结构</a:t>
-            </a:r>
-            <a:endParaRPr lang="en-US" altLang="zh-CN" dirty="0"/>
-          </a:p>
-          <a:p>
-            <a:pPr lvl="1"/>
-            <a:r>
-              <a:rPr lang="zh-CN" altLang="en-US" dirty="0"/>
-              <a:t>内存结构</a:t>
-            </a:r>
-            <a:endParaRPr lang="en-US" altLang="zh-CN" dirty="0"/>
-          </a:p>
-          <a:p>
-            <a:r>
-              <a:rPr lang="en-US" altLang="zh-CN" dirty="0"/>
-              <a:t>IL2CPP</a:t>
-            </a:r>
-            <a:r>
-              <a:rPr lang="zh-CN" altLang="en-US" dirty="0"/>
-              <a:t>概览</a:t>
-            </a:r>
-            <a:endParaRPr lang="en-US" altLang="zh-CN" dirty="0"/>
-          </a:p>
-          <a:p>
-            <a:r>
-              <a:rPr lang="zh-CN" altLang="en-US" dirty="0"/>
-              <a:t>实践优化</a:t>
-            </a:r>
-          </a:p>
-        </p:txBody>
-      </p:sp>
-    </p:spTree>
-    <p:extLst>
-      <p:ext uri="{BB962C8B-B14F-4D97-AF65-F5344CB8AC3E}">
-        <p14:creationId xmlns:p14="http://schemas.microsoft.com/office/powerpoint/2010/main" val="2703389415"/>
-      </p:ext>
-    </p:extLst>
-  </p:cSld>
-  <p:clrMapOvr>
-    <a:masterClrMapping/>
-  </p:clrMapOvr>
-</p:sld>
-</file>
-
-<file path=ppt/slides/slide20.xml><?xml version="1.0" encoding="utf-8"?>
+<file path=ppt/slides/slide26.xml><?xml version="1.0" encoding="utf-8"?>
 <p:sld xmlns:a="http://schemas.openxmlformats.org/drawingml/2006/main" xmlns:r="http://schemas.openxmlformats.org/officeDocument/2006/relationships" xmlns:p="http://schemas.openxmlformats.org/presentationml/2006/main">
   <p:cSld>
     <p:spTree>
@@ -6413,7 +7355,7 @@
 </p:sld>
 </file>
 
-<file path=ppt/slides/slide21.xml><?xml version="1.0" encoding="utf-8"?>
+<file path=ppt/slides/slide27.xml><?xml version="1.0" encoding="utf-8"?>
 <p:sld xmlns:a="http://schemas.openxmlformats.org/drawingml/2006/main" xmlns:r="http://schemas.openxmlformats.org/officeDocument/2006/relationships" xmlns:p="http://schemas.openxmlformats.org/presentationml/2006/main">
   <p:cSld>
     <p:spTree>
@@ -6570,7 +7512,7 @@
 </p:sld>
 </file>
 
-<file path=ppt/slides/slide22.xml><?xml version="1.0" encoding="utf-8"?>
+<file path=ppt/slides/slide28.xml><?xml version="1.0" encoding="utf-8"?>
 <p:sld xmlns:a="http://schemas.openxmlformats.org/drawingml/2006/main" xmlns:r="http://schemas.openxmlformats.org/officeDocument/2006/relationships" xmlns:p="http://schemas.openxmlformats.org/presentationml/2006/main">
   <p:cSld>
     <p:spTree>
@@ -6660,962 +7602,6 @@
 </p:sld>
 </file>
 
-<file path=ppt/slides/slide23.xml><?xml version="1.0" encoding="utf-8"?>
-<p:sld xmlns:a="http://schemas.openxmlformats.org/drawingml/2006/main" xmlns:r="http://schemas.openxmlformats.org/officeDocument/2006/relationships" xmlns:p="http://schemas.openxmlformats.org/presentationml/2006/main">
-  <p:cSld>
-    <p:spTree>
-      <p:nvGrpSpPr>
-        <p:cNvPr id="1" name=""/>
-        <p:cNvGrpSpPr/>
-        <p:nvPr/>
-      </p:nvGrpSpPr>
-      <p:grpSpPr>
-        <a:xfrm>
-          <a:off x="0" y="0"/>
-          <a:ext cx="0" cy="0"/>
-          <a:chOff x="0" y="0"/>
-          <a:chExt cx="0" cy="0"/>
-        </a:xfrm>
-      </p:grpSpPr>
-      <p:sp>
-        <p:nvSpPr>
-          <p:cNvPr id="2" name="标题 1"/>
-          <p:cNvSpPr>
-            <a:spLocks noGrp="1"/>
-          </p:cNvSpPr>
-          <p:nvPr>
-            <p:ph type="title"/>
-          </p:nvPr>
-        </p:nvSpPr>
-        <p:spPr/>
-        <p:txBody>
-          <a:bodyPr/>
-          <a:lstStyle/>
-          <a:p>
-            <a:r>
-              <a:rPr lang="en-US" altLang="zh-CN" dirty="0"/>
-              <a:t>IL2CPP</a:t>
-            </a:r>
-            <a:endParaRPr lang="zh-CN" altLang="en-US" dirty="0"/>
-          </a:p>
-        </p:txBody>
-      </p:sp>
-      <p:sp>
-        <p:nvSpPr>
-          <p:cNvPr id="3" name="内容占位符 2"/>
-          <p:cNvSpPr>
-            <a:spLocks noGrp="1"/>
-          </p:cNvSpPr>
-          <p:nvPr>
-            <p:ph idx="1"/>
-          </p:nvPr>
-        </p:nvSpPr>
-        <p:spPr/>
-        <p:txBody>
-          <a:bodyPr/>
-          <a:lstStyle/>
-          <a:p>
-            <a:r>
-              <a:rPr lang="en-US" altLang="zh-CN" dirty="0"/>
-              <a:t>IL2CPP</a:t>
-            </a:r>
-            <a:r>
-              <a:rPr lang="zh-CN" altLang="en-US" dirty="0"/>
-              <a:t>分别处理字段和方法：实例字段和类字段被生成到相同</a:t>
-            </a:r>
-            <a:r>
-              <a:rPr lang="en-US" altLang="zh-CN" dirty="0"/>
-              <a:t>.h</a:t>
-            </a:r>
-            <a:r>
-              <a:rPr lang="zh-CN" altLang="en-US" dirty="0"/>
-              <a:t>文件的不同结构中，方法被生成到</a:t>
-            </a:r>
-            <a:r>
-              <a:rPr lang="en-US" altLang="zh-CN" dirty="0"/>
-              <a:t>.</a:t>
-            </a:r>
-            <a:r>
-              <a:rPr lang="en-US" altLang="zh-CN" dirty="0" err="1"/>
-              <a:t>cpp</a:t>
-            </a:r>
-            <a:r>
-              <a:rPr lang="zh-CN" altLang="en-US" dirty="0"/>
-              <a:t>文件中</a:t>
-            </a:r>
-            <a:endParaRPr lang="en-US" altLang="zh-CN" dirty="0"/>
-          </a:p>
-          <a:p>
-            <a:r>
-              <a:rPr lang="en-US" altLang="zh-CN" dirty="0"/>
-              <a:t>IL2CPP</a:t>
-            </a:r>
-            <a:r>
-              <a:rPr lang="zh-CN" altLang="en-US" dirty="0"/>
-              <a:t>对</a:t>
-            </a:r>
-            <a:r>
-              <a:rPr lang="en-US" altLang="zh-CN" dirty="0"/>
-              <a:t>IL</a:t>
-            </a:r>
-            <a:r>
-              <a:rPr lang="zh-CN" altLang="en-US" dirty="0"/>
-              <a:t>的翻译近乎直译。</a:t>
-            </a:r>
-            <a:r>
-              <a:rPr lang="en-US" altLang="zh-CN" dirty="0" err="1"/>
-              <a:t>.Net</a:t>
-            </a:r>
-            <a:r>
-              <a:rPr lang="zh-CN" altLang="en-US" dirty="0"/>
-              <a:t>编译器的质量直接影响</a:t>
-            </a:r>
-            <a:r>
-              <a:rPr lang="en-US" altLang="zh-CN" dirty="0"/>
-              <a:t>IL2CPP</a:t>
-            </a:r>
-            <a:r>
-              <a:rPr lang="zh-CN" altLang="en-US" dirty="0"/>
-              <a:t>最终生成的结果</a:t>
-            </a:r>
-            <a:endParaRPr lang="en-US" altLang="zh-CN" dirty="0"/>
-          </a:p>
-          <a:p>
-            <a:r>
-              <a:rPr lang="en-US" altLang="zh-CN" dirty="0"/>
-              <a:t>IL2CPP</a:t>
-            </a:r>
-            <a:r>
-              <a:rPr lang="zh-CN" altLang="en-US" dirty="0"/>
-              <a:t>会为虚调用生成对象，通过支持库</a:t>
-            </a:r>
-            <a:r>
-              <a:rPr lang="en-US" altLang="zh-CN" dirty="0"/>
-              <a:t>libil2cpp</a:t>
-            </a:r>
-            <a:r>
-              <a:rPr lang="zh-CN" altLang="en-US" dirty="0"/>
-              <a:t>方法调用。虚调用会受到一定的优化，有时</a:t>
-            </a:r>
-            <a:r>
-              <a:rPr lang="en-US" altLang="zh-CN" dirty="0" err="1"/>
-              <a:t>callvirt</a:t>
-            </a:r>
-            <a:r>
-              <a:rPr lang="zh-CN" altLang="en-US" dirty="0"/>
-              <a:t>指令并不对真的被翻译为虚调用的形式</a:t>
-            </a:r>
-            <a:endParaRPr lang="en-US" altLang="zh-CN" dirty="0"/>
-          </a:p>
-          <a:p>
-            <a:r>
-              <a:rPr lang="en-US" altLang="zh-CN" dirty="0"/>
-              <a:t>FCL</a:t>
-            </a:r>
-            <a:r>
-              <a:rPr lang="zh-CN" altLang="en-US" dirty="0"/>
-              <a:t>使用和</a:t>
-            </a:r>
-            <a:r>
-              <a:rPr lang="en-US" altLang="zh-CN" dirty="0"/>
-              <a:t>Mono</a:t>
-            </a:r>
-            <a:r>
-              <a:rPr lang="zh-CN" altLang="en-US" dirty="0"/>
-              <a:t>一样的代码，经由</a:t>
-            </a:r>
-            <a:r>
-              <a:rPr lang="en-US" altLang="zh-CN" dirty="0"/>
-              <a:t>IL2CPP</a:t>
-            </a:r>
-            <a:r>
-              <a:rPr lang="zh-CN" altLang="en-US" dirty="0"/>
-              <a:t>编译器翻译而成。虽然损失了潜在的优化，然而确保了代码的一致性</a:t>
-            </a:r>
-          </a:p>
-        </p:txBody>
-      </p:sp>
-    </p:spTree>
-    <p:extLst>
-      <p:ext uri="{BB962C8B-B14F-4D97-AF65-F5344CB8AC3E}">
-        <p14:creationId xmlns:p14="http://schemas.microsoft.com/office/powerpoint/2010/main" val="1747156259"/>
-      </p:ext>
-    </p:extLst>
-  </p:cSld>
-  <p:clrMapOvr>
-    <a:masterClrMapping/>
-  </p:clrMapOvr>
-</p:sld>
-</file>
-
-<file path=ppt/slides/slide24.xml><?xml version="1.0" encoding="utf-8"?>
-<p:sld xmlns:a="http://schemas.openxmlformats.org/drawingml/2006/main" xmlns:r="http://schemas.openxmlformats.org/officeDocument/2006/relationships" xmlns:p="http://schemas.openxmlformats.org/presentationml/2006/main">
-  <p:cSld>
-    <p:spTree>
-      <p:nvGrpSpPr>
-        <p:cNvPr id="1" name=""/>
-        <p:cNvGrpSpPr/>
-        <p:nvPr/>
-      </p:nvGrpSpPr>
-      <p:grpSpPr>
-        <a:xfrm>
-          <a:off x="0" y="0"/>
-          <a:ext cx="0" cy="0"/>
-          <a:chOff x="0" y="0"/>
-          <a:chExt cx="0" cy="0"/>
-        </a:xfrm>
-      </p:grpSpPr>
-      <p:sp>
-        <p:nvSpPr>
-          <p:cNvPr id="2" name="标题 1"/>
-          <p:cNvSpPr>
-            <a:spLocks noGrp="1"/>
-          </p:cNvSpPr>
-          <p:nvPr>
-            <p:ph type="title"/>
-          </p:nvPr>
-        </p:nvSpPr>
-        <p:spPr/>
-        <p:txBody>
-          <a:bodyPr/>
-          <a:lstStyle/>
-          <a:p>
-            <a:r>
-              <a:rPr lang="zh-CN" altLang="en-US" dirty="0"/>
-              <a:t>最佳实践</a:t>
-            </a:r>
-            <a:r>
-              <a:rPr lang="en-US" altLang="zh-CN" dirty="0"/>
-              <a:t>/</a:t>
-            </a:r>
-            <a:r>
-              <a:rPr lang="zh-CN" altLang="en-US" dirty="0"/>
-              <a:t>减少虚调用</a:t>
-            </a:r>
-          </a:p>
-        </p:txBody>
-      </p:sp>
-      <p:sp>
-        <p:nvSpPr>
-          <p:cNvPr id="3" name="内容占位符 2"/>
-          <p:cNvSpPr>
-            <a:spLocks noGrp="1"/>
-          </p:cNvSpPr>
-          <p:nvPr>
-            <p:ph idx="1"/>
-          </p:nvPr>
-        </p:nvSpPr>
-        <p:spPr/>
-        <p:txBody>
-          <a:bodyPr/>
-          <a:lstStyle/>
-          <a:p>
-            <a:r>
-              <a:rPr lang="zh-CN" altLang="en-US" dirty="0"/>
-              <a:t>封闭类</a:t>
-            </a:r>
-            <a:endParaRPr lang="en-US" altLang="zh-CN" dirty="0"/>
-          </a:p>
-          <a:p>
-            <a:r>
-              <a:rPr lang="zh-CN" altLang="en-US" dirty="0"/>
-              <a:t>使用类方法</a:t>
-            </a:r>
-          </a:p>
-        </p:txBody>
-      </p:sp>
-    </p:spTree>
-    <p:extLst>
-      <p:ext uri="{BB962C8B-B14F-4D97-AF65-F5344CB8AC3E}">
-        <p14:creationId xmlns:p14="http://schemas.microsoft.com/office/powerpoint/2010/main" val="3217876481"/>
-      </p:ext>
-    </p:extLst>
-  </p:cSld>
-  <p:clrMapOvr>
-    <a:masterClrMapping/>
-  </p:clrMapOvr>
-</p:sld>
-</file>
-
-<file path=ppt/slides/slide25.xml><?xml version="1.0" encoding="utf-8"?>
-<p:sld xmlns:a="http://schemas.openxmlformats.org/drawingml/2006/main" xmlns:r="http://schemas.openxmlformats.org/officeDocument/2006/relationships" xmlns:p="http://schemas.openxmlformats.org/presentationml/2006/main">
-  <p:cSld>
-    <p:spTree>
-      <p:nvGrpSpPr>
-        <p:cNvPr id="1" name=""/>
-        <p:cNvGrpSpPr/>
-        <p:nvPr/>
-      </p:nvGrpSpPr>
-      <p:grpSpPr>
-        <a:xfrm>
-          <a:off x="0" y="0"/>
-          <a:ext cx="0" cy="0"/>
-          <a:chOff x="0" y="0"/>
-          <a:chExt cx="0" cy="0"/>
-        </a:xfrm>
-      </p:grpSpPr>
-      <p:sp>
-        <p:nvSpPr>
-          <p:cNvPr id="2" name="标题 1"/>
-          <p:cNvSpPr>
-            <a:spLocks noGrp="1"/>
-          </p:cNvSpPr>
-          <p:nvPr>
-            <p:ph type="title"/>
-          </p:nvPr>
-        </p:nvSpPr>
-        <p:spPr/>
-        <p:txBody>
-          <a:bodyPr/>
-          <a:lstStyle/>
-          <a:p>
-            <a:r>
-              <a:rPr lang="zh-CN" altLang="en-US" dirty="0"/>
-              <a:t>最佳实践</a:t>
-            </a:r>
-            <a:r>
-              <a:rPr lang="en-US" altLang="zh-CN" dirty="0"/>
-              <a:t>/</a:t>
-            </a:r>
-            <a:r>
-              <a:rPr lang="zh-CN" altLang="en-US" dirty="0"/>
-              <a:t>削减装箱</a:t>
-            </a:r>
-          </a:p>
-        </p:txBody>
-      </p:sp>
-      <p:sp>
-        <p:nvSpPr>
-          <p:cNvPr id="3" name="内容占位符 2"/>
-          <p:cNvSpPr>
-            <a:spLocks noGrp="1"/>
-          </p:cNvSpPr>
-          <p:nvPr>
-            <p:ph idx="1"/>
-          </p:nvPr>
-        </p:nvSpPr>
-        <p:spPr/>
-        <p:txBody>
-          <a:bodyPr/>
-          <a:lstStyle/>
-          <a:p>
-            <a:r>
-              <a:rPr lang="zh-CN" altLang="en-US" dirty="0"/>
-              <a:t>泛化方法或类，而非使用</a:t>
-            </a:r>
-            <a:r>
-              <a:rPr lang="en-US" altLang="zh-CN" dirty="0"/>
-              <a:t>object</a:t>
-            </a:r>
-            <a:r>
-              <a:rPr lang="zh-CN" altLang="en-US" dirty="0"/>
-              <a:t>类型</a:t>
-            </a:r>
-            <a:endParaRPr lang="en-US" altLang="zh-CN" dirty="0"/>
-          </a:p>
-          <a:p>
-            <a:pPr marL="457200" lvl="1" indent="0">
-              <a:buNone/>
-            </a:pPr>
-            <a:r>
-              <a:rPr lang="zh-CN" altLang="en-US" dirty="0"/>
-              <a:t>较新版本</a:t>
-            </a:r>
-            <a:r>
-              <a:rPr lang="en-US" altLang="zh-CN" dirty="0"/>
-              <a:t>Unity</a:t>
-            </a:r>
-            <a:r>
-              <a:rPr lang="zh-CN" altLang="en-US" dirty="0"/>
-              <a:t>中，</a:t>
-            </a:r>
-            <a:r>
-              <a:rPr lang="en-US" altLang="zh-CN" dirty="0"/>
-              <a:t>IL2CPP</a:t>
-            </a:r>
-            <a:r>
-              <a:rPr lang="zh-CN" altLang="en-US" dirty="0"/>
-              <a:t>拥有泛型重用，因此能有效减小泛型对代码体积造成的负担</a:t>
-            </a:r>
-            <a:endParaRPr lang="en-US" altLang="zh-CN" dirty="0"/>
-          </a:p>
-          <a:p>
-            <a:r>
-              <a:rPr lang="zh-CN" altLang="en-US" dirty="0"/>
-              <a:t>为结构体重写派生自</a:t>
-            </a:r>
-            <a:r>
-              <a:rPr lang="en-US" altLang="zh-CN" dirty="0"/>
-              <a:t>object</a:t>
-            </a:r>
-            <a:r>
-              <a:rPr lang="zh-CN" altLang="en-US" dirty="0"/>
-              <a:t>的方法</a:t>
-            </a:r>
-            <a:endParaRPr lang="en-US" altLang="zh-CN" dirty="0"/>
-          </a:p>
-          <a:p>
-            <a:pPr marL="457200" lvl="1" indent="0">
-              <a:buNone/>
-            </a:pPr>
-            <a:r>
-              <a:rPr lang="en-US" altLang="zh-CN" dirty="0"/>
-              <a:t>Object</a:t>
-            </a:r>
-            <a:r>
-              <a:rPr lang="zh-CN" altLang="en-US" dirty="0"/>
-              <a:t>是引用类型，这是万恶之源</a:t>
-            </a:r>
-            <a:endParaRPr lang="en-US" altLang="zh-CN" dirty="0"/>
-          </a:p>
-          <a:p>
-            <a:r>
-              <a:rPr lang="zh-CN" altLang="en-US" dirty="0"/>
-              <a:t>使用泛型约束控制泛型参数的行为</a:t>
-            </a:r>
-            <a:endParaRPr lang="en-US" altLang="zh-CN" dirty="0"/>
-          </a:p>
-          <a:p>
-            <a:r>
-              <a:rPr lang="en-US" altLang="zh-CN" dirty="0"/>
-              <a:t>Char</a:t>
-            </a:r>
-            <a:r>
-              <a:rPr lang="zh-CN" altLang="en-US" dirty="0"/>
-              <a:t>是值类型，</a:t>
-            </a:r>
-            <a:r>
-              <a:rPr lang="en-US" altLang="zh-CN" dirty="0"/>
-              <a:t>String</a:t>
-            </a:r>
-            <a:r>
-              <a:rPr lang="zh-CN" altLang="en-US" dirty="0"/>
-              <a:t>是引用类型</a:t>
-            </a:r>
-            <a:r>
-              <a:rPr lang="en-US" altLang="zh-CN" dirty="0"/>
-              <a:t>——</a:t>
-            </a:r>
-            <a:r>
-              <a:rPr lang="zh-CN" altLang="en-US" dirty="0"/>
-              <a:t>拼合字符串时不应使用</a:t>
-            </a:r>
-            <a:r>
-              <a:rPr lang="en-US" altLang="zh-CN" dirty="0"/>
-              <a:t>Char</a:t>
-            </a:r>
-            <a:r>
-              <a:rPr lang="zh-CN" altLang="en-US" dirty="0"/>
-              <a:t>类型</a:t>
-            </a:r>
-          </a:p>
-        </p:txBody>
-      </p:sp>
-    </p:spTree>
-    <p:extLst>
-      <p:ext uri="{BB962C8B-B14F-4D97-AF65-F5344CB8AC3E}">
-        <p14:creationId xmlns:p14="http://schemas.microsoft.com/office/powerpoint/2010/main" val="3934302142"/>
-      </p:ext>
-    </p:extLst>
-  </p:cSld>
-  <p:clrMapOvr>
-    <a:masterClrMapping/>
-  </p:clrMapOvr>
-</p:sld>
-</file>
-
-<file path=ppt/slides/slide26.xml><?xml version="1.0" encoding="utf-8"?>
-<p:sld xmlns:a="http://schemas.openxmlformats.org/drawingml/2006/main" xmlns:r="http://schemas.openxmlformats.org/officeDocument/2006/relationships" xmlns:p="http://schemas.openxmlformats.org/presentationml/2006/main">
-  <p:cSld>
-    <p:spTree>
-      <p:nvGrpSpPr>
-        <p:cNvPr id="1" name=""/>
-        <p:cNvGrpSpPr/>
-        <p:nvPr/>
-      </p:nvGrpSpPr>
-      <p:grpSpPr>
-        <a:xfrm>
-          <a:off x="0" y="0"/>
-          <a:ext cx="0" cy="0"/>
-          <a:chOff x="0" y="0"/>
-          <a:chExt cx="0" cy="0"/>
-        </a:xfrm>
-      </p:grpSpPr>
-      <p:sp>
-        <p:nvSpPr>
-          <p:cNvPr id="2" name="标题 1"/>
-          <p:cNvSpPr>
-            <a:spLocks noGrp="1"/>
-          </p:cNvSpPr>
-          <p:nvPr>
-            <p:ph type="title"/>
-          </p:nvPr>
-        </p:nvSpPr>
-        <p:spPr/>
-        <p:txBody>
-          <a:bodyPr/>
-          <a:lstStyle/>
-          <a:p>
-            <a:r>
-              <a:rPr lang="zh-CN" altLang="en-US" dirty="0"/>
-              <a:t>最佳实践</a:t>
-            </a:r>
-            <a:r>
-              <a:rPr lang="en-US" altLang="zh-CN" dirty="0"/>
-              <a:t>/</a:t>
-            </a:r>
-            <a:r>
-              <a:rPr lang="zh-CN" altLang="en-US" dirty="0"/>
-              <a:t>迁移编译器</a:t>
-            </a:r>
-          </a:p>
-        </p:txBody>
-      </p:sp>
-      <p:sp>
-        <p:nvSpPr>
-          <p:cNvPr id="3" name="内容占位符 2"/>
-          <p:cNvSpPr>
-            <a:spLocks noGrp="1"/>
-          </p:cNvSpPr>
-          <p:nvPr>
-            <p:ph idx="1"/>
-          </p:nvPr>
-        </p:nvSpPr>
-        <p:spPr/>
-        <p:txBody>
-          <a:bodyPr/>
-          <a:lstStyle/>
-          <a:p>
-            <a:pPr marL="0" indent="0">
-              <a:buNone/>
-            </a:pPr>
-            <a:r>
-              <a:rPr lang="zh-CN" altLang="en-US" dirty="0"/>
-              <a:t>通过使用非</a:t>
-            </a:r>
-            <a:r>
-              <a:rPr lang="en-US" altLang="zh-CN" dirty="0"/>
-              <a:t>Unity</a:t>
-            </a:r>
-            <a:r>
-              <a:rPr lang="zh-CN" altLang="en-US" dirty="0"/>
-              <a:t>的编译器获取更高质量的代码</a:t>
-            </a:r>
-          </a:p>
-        </p:txBody>
-      </p:sp>
-    </p:spTree>
-    <p:extLst>
-      <p:ext uri="{BB962C8B-B14F-4D97-AF65-F5344CB8AC3E}">
-        <p14:creationId xmlns:p14="http://schemas.microsoft.com/office/powerpoint/2010/main" val="2624574833"/>
-      </p:ext>
-    </p:extLst>
-  </p:cSld>
-  <p:clrMapOvr>
-    <a:masterClrMapping/>
-  </p:clrMapOvr>
-</p:sld>
-</file>
-
-<file path=ppt/slides/slide27.xml><?xml version="1.0" encoding="utf-8"?>
-<p:sld xmlns:a="http://schemas.openxmlformats.org/drawingml/2006/main" xmlns:r="http://schemas.openxmlformats.org/officeDocument/2006/relationships" xmlns:p="http://schemas.openxmlformats.org/presentationml/2006/main">
-  <p:cSld>
-    <p:spTree>
-      <p:nvGrpSpPr>
-        <p:cNvPr id="1" name=""/>
-        <p:cNvGrpSpPr/>
-        <p:nvPr/>
-      </p:nvGrpSpPr>
-      <p:grpSpPr>
-        <a:xfrm>
-          <a:off x="0" y="0"/>
-          <a:ext cx="0" cy="0"/>
-          <a:chOff x="0" y="0"/>
-          <a:chExt cx="0" cy="0"/>
-        </a:xfrm>
-      </p:grpSpPr>
-      <p:sp>
-        <p:nvSpPr>
-          <p:cNvPr id="2" name="标题 1"/>
-          <p:cNvSpPr>
-            <a:spLocks noGrp="1"/>
-          </p:cNvSpPr>
-          <p:nvPr>
-            <p:ph type="title"/>
-          </p:nvPr>
-        </p:nvSpPr>
-        <p:spPr/>
-        <p:txBody>
-          <a:bodyPr/>
-          <a:lstStyle/>
-          <a:p>
-            <a:r>
-              <a:rPr lang="zh-CN" altLang="en-US" dirty="0"/>
-              <a:t>最佳实践</a:t>
-            </a:r>
-            <a:r>
-              <a:rPr lang="en-US" altLang="zh-CN" dirty="0"/>
-              <a:t>/</a:t>
-            </a:r>
-            <a:r>
-              <a:rPr lang="zh-CN" altLang="en-US" dirty="0"/>
-              <a:t>使用</a:t>
-            </a:r>
-            <a:r>
-              <a:rPr lang="en-US" altLang="zh-CN" dirty="0" err="1"/>
-              <a:t>Resharper</a:t>
-            </a:r>
-            <a:r>
-              <a:rPr lang="zh-CN" altLang="en-US" dirty="0"/>
-              <a:t>改进代码质量</a:t>
-            </a:r>
-          </a:p>
-        </p:txBody>
-      </p:sp>
-      <p:sp>
-        <p:nvSpPr>
-          <p:cNvPr id="6" name="内容占位符 5"/>
-          <p:cNvSpPr>
-            <a:spLocks noGrp="1"/>
-          </p:cNvSpPr>
-          <p:nvPr>
-            <p:ph idx="1"/>
-          </p:nvPr>
-        </p:nvSpPr>
-        <p:spPr/>
-        <p:txBody>
-          <a:bodyPr/>
-          <a:lstStyle/>
-          <a:p>
-            <a:endParaRPr lang="zh-CN" altLang="en-US"/>
-          </a:p>
-        </p:txBody>
-      </p:sp>
-    </p:spTree>
-    <p:extLst>
-      <p:ext uri="{BB962C8B-B14F-4D97-AF65-F5344CB8AC3E}">
-        <p14:creationId xmlns:p14="http://schemas.microsoft.com/office/powerpoint/2010/main" val="2700295959"/>
-      </p:ext>
-    </p:extLst>
-  </p:cSld>
-  <p:clrMapOvr>
-    <a:masterClrMapping/>
-  </p:clrMapOvr>
-</p:sld>
-</file>
-
-<file path=ppt/slides/slide28.xml><?xml version="1.0" encoding="utf-8"?>
-<p:sld xmlns:a="http://schemas.openxmlformats.org/drawingml/2006/main" xmlns:r="http://schemas.openxmlformats.org/officeDocument/2006/relationships" xmlns:p="http://schemas.openxmlformats.org/presentationml/2006/main">
-  <p:cSld>
-    <p:spTree>
-      <p:nvGrpSpPr>
-        <p:cNvPr id="1" name=""/>
-        <p:cNvGrpSpPr/>
-        <p:nvPr/>
-      </p:nvGrpSpPr>
-      <p:grpSpPr>
-        <a:xfrm>
-          <a:off x="0" y="0"/>
-          <a:ext cx="0" cy="0"/>
-          <a:chOff x="0" y="0"/>
-          <a:chExt cx="0" cy="0"/>
-        </a:xfrm>
-      </p:grpSpPr>
-      <p:sp>
-        <p:nvSpPr>
-          <p:cNvPr id="2" name="标题 1"/>
-          <p:cNvSpPr>
-            <a:spLocks noGrp="1"/>
-          </p:cNvSpPr>
-          <p:nvPr>
-            <p:ph type="title"/>
-          </p:nvPr>
-        </p:nvSpPr>
-        <p:spPr/>
-        <p:txBody>
-          <a:bodyPr/>
-          <a:lstStyle/>
-          <a:p>
-            <a:r>
-              <a:rPr lang="zh-CN" altLang="en-US" dirty="0"/>
-              <a:t>最佳实践</a:t>
-            </a:r>
-            <a:r>
-              <a:rPr lang="en-US" altLang="zh-CN" dirty="0"/>
-              <a:t>/</a:t>
-            </a:r>
-            <a:r>
-              <a:rPr lang="zh-CN" altLang="en-US" dirty="0"/>
-              <a:t>其他</a:t>
-            </a:r>
-          </a:p>
-        </p:txBody>
-      </p:sp>
-      <p:sp>
-        <p:nvSpPr>
-          <p:cNvPr id="3" name="内容占位符 2"/>
-          <p:cNvSpPr>
-            <a:spLocks noGrp="1"/>
-          </p:cNvSpPr>
-          <p:nvPr>
-            <p:ph idx="1"/>
-          </p:nvPr>
-        </p:nvSpPr>
-        <p:spPr/>
-        <p:txBody>
-          <a:bodyPr>
-            <a:normAutofit lnSpcReduction="10000"/>
-          </a:bodyPr>
-          <a:lstStyle/>
-          <a:p>
-            <a:r>
-              <a:rPr lang="zh-CN" altLang="en-US" dirty="0"/>
-              <a:t>缓存</a:t>
-            </a:r>
-            <a:r>
-              <a:rPr lang="en-US" altLang="zh-CN" dirty="0" err="1"/>
-              <a:t>MemberInfo</a:t>
-            </a:r>
-            <a:endParaRPr lang="en-US" altLang="zh-CN" dirty="0"/>
-          </a:p>
-          <a:p>
-            <a:pPr marL="457200" lvl="1" indent="0">
-              <a:buNone/>
-            </a:pPr>
-            <a:r>
-              <a:rPr lang="zh-CN" altLang="en-US" sz="1800" dirty="0">
-                <a:latin typeface="微软雅黑 Light" panose="020B0502040204020203" pitchFamily="34" charset="-122"/>
-                <a:ea typeface="微软雅黑 Light" panose="020B0502040204020203" pitchFamily="34" charset="-122"/>
-              </a:rPr>
-              <a:t>反射性能低下主要有三个原因：</a:t>
-            </a:r>
-            <a:r>
-              <a:rPr lang="en-US" altLang="zh-CN" sz="1800" dirty="0" err="1">
-                <a:latin typeface="微软雅黑 Light" panose="020B0502040204020203" pitchFamily="34" charset="-122"/>
-                <a:ea typeface="微软雅黑 Light" panose="020B0502040204020203" pitchFamily="34" charset="-122"/>
-              </a:rPr>
-              <a:t>EEClass</a:t>
-            </a:r>
-            <a:r>
-              <a:rPr lang="zh-CN" altLang="en-US" sz="1800" dirty="0">
-                <a:latin typeface="微软雅黑 Light" panose="020B0502040204020203" pitchFamily="34" charset="-122"/>
-                <a:ea typeface="微软雅黑 Light" panose="020B0502040204020203" pitchFamily="34" charset="-122"/>
-              </a:rPr>
-              <a:t>检索慢于编译器生成的地址代换，检索到的数据需要生成</a:t>
-            </a:r>
-            <a:r>
-              <a:rPr lang="en-US" altLang="zh-CN" sz="1800" dirty="0" err="1">
-                <a:latin typeface="微软雅黑 Light" panose="020B0502040204020203" pitchFamily="34" charset="-122"/>
-                <a:ea typeface="微软雅黑 Light" panose="020B0502040204020203" pitchFamily="34" charset="-122"/>
-              </a:rPr>
-              <a:t>MemberInfo</a:t>
-            </a:r>
-            <a:r>
-              <a:rPr lang="zh-CN" altLang="en-US" sz="1800" dirty="0">
-                <a:latin typeface="微软雅黑 Light" panose="020B0502040204020203" pitchFamily="34" charset="-122"/>
-                <a:ea typeface="微软雅黑 Light" panose="020B0502040204020203" pitchFamily="34" charset="-122"/>
-              </a:rPr>
-              <a:t>对象，访问</a:t>
-            </a:r>
-            <a:r>
-              <a:rPr lang="en-US" altLang="zh-CN" sz="1800" dirty="0" err="1">
-                <a:latin typeface="微软雅黑 Light" panose="020B0502040204020203" pitchFamily="34" charset="-122"/>
-                <a:ea typeface="微软雅黑 Light" panose="020B0502040204020203" pitchFamily="34" charset="-122"/>
-              </a:rPr>
-              <a:t>MemberInfo</a:t>
-            </a:r>
-            <a:r>
-              <a:rPr lang="zh-CN" altLang="en-US" sz="1800" dirty="0">
-                <a:latin typeface="微软雅黑 Light" panose="020B0502040204020203" pitchFamily="34" charset="-122"/>
-                <a:ea typeface="微软雅黑 Light" panose="020B0502040204020203" pitchFamily="34" charset="-122"/>
-              </a:rPr>
-              <a:t>对象需要动态绑定。使用反射式缓存</a:t>
-            </a:r>
-            <a:r>
-              <a:rPr lang="en-US" altLang="zh-CN" sz="1800" dirty="0" err="1">
-                <a:latin typeface="微软雅黑 Light" panose="020B0502040204020203" pitchFamily="34" charset="-122"/>
-                <a:ea typeface="微软雅黑 Light" panose="020B0502040204020203" pitchFamily="34" charset="-122"/>
-              </a:rPr>
-              <a:t>MemberInfo</a:t>
-            </a:r>
-            <a:r>
-              <a:rPr lang="zh-CN" altLang="en-US" sz="1800" dirty="0">
-                <a:latin typeface="微软雅黑 Light" panose="020B0502040204020203" pitchFamily="34" charset="-122"/>
-                <a:ea typeface="微软雅黑 Light" panose="020B0502040204020203" pitchFamily="34" charset="-122"/>
-              </a:rPr>
-              <a:t>，前两个问题都能迎刃而解</a:t>
-            </a:r>
-          </a:p>
-          <a:p>
-            <a:r>
-              <a:rPr lang="zh-CN" altLang="en-US" dirty="0"/>
-              <a:t>为集合预分配容量</a:t>
-            </a:r>
-            <a:endParaRPr lang="en-US" altLang="zh-CN" dirty="0"/>
-          </a:p>
-          <a:p>
-            <a:pPr marL="457200" lvl="1" indent="0">
-              <a:buNone/>
-            </a:pPr>
-            <a:r>
-              <a:rPr lang="zh-CN" altLang="en-US" sz="1800" dirty="0">
-                <a:latin typeface="微软雅黑 Light" panose="020B0502040204020203" pitchFamily="34" charset="-122"/>
-                <a:ea typeface="微软雅黑 Light" panose="020B0502040204020203" pitchFamily="34" charset="-122"/>
-              </a:rPr>
-              <a:t>集合拥有积极扩张的内存分配策略，预估集合容量并进行预分配非但有助于减少重分配次数，而且通常能够节约内存</a:t>
-            </a:r>
-            <a:endParaRPr lang="en-US" altLang="zh-CN" sz="1800" dirty="0">
-              <a:latin typeface="微软雅黑 Light" panose="020B0502040204020203" pitchFamily="34" charset="-122"/>
-              <a:ea typeface="微软雅黑 Light" panose="020B0502040204020203" pitchFamily="34" charset="-122"/>
-            </a:endParaRPr>
-          </a:p>
-          <a:p>
-            <a:r>
-              <a:rPr lang="zh-CN" altLang="en-US" dirty="0"/>
-              <a:t>重写</a:t>
-            </a:r>
-            <a:r>
-              <a:rPr lang="en-US" altLang="zh-CN" dirty="0"/>
-              <a:t>Equals</a:t>
-            </a:r>
-            <a:r>
-              <a:rPr lang="zh-CN" altLang="en-US" dirty="0"/>
-              <a:t>方法和</a:t>
-            </a:r>
-            <a:r>
-              <a:rPr lang="en-US" altLang="zh-CN" dirty="0" err="1"/>
-              <a:t>GetHashCode</a:t>
-            </a:r>
-            <a:r>
-              <a:rPr lang="zh-CN" altLang="en-US" dirty="0"/>
-              <a:t>方法</a:t>
-            </a:r>
-            <a:endParaRPr lang="en-US" altLang="zh-CN" dirty="0"/>
-          </a:p>
-          <a:p>
-            <a:pPr marL="457200" lvl="1" indent="0">
-              <a:buNone/>
-            </a:pPr>
-            <a:r>
-              <a:rPr lang="zh-CN" altLang="en-US" sz="1800" dirty="0">
-                <a:latin typeface="微软雅黑 Light" panose="020B0502040204020203" pitchFamily="34" charset="-122"/>
-                <a:ea typeface="微软雅黑 Light" panose="020B0502040204020203" pitchFamily="34" charset="-122"/>
-              </a:rPr>
-              <a:t>引用类型的上述方法默认实现使用反射</a:t>
-            </a:r>
-            <a:r>
-              <a:rPr lang="zh-CN" altLang="en-US" dirty="0"/>
-              <a:t>坚持建立文档化注释</a:t>
-            </a:r>
-            <a:endParaRPr lang="en-US" altLang="zh-CN" dirty="0"/>
-          </a:p>
-          <a:p>
-            <a:pPr marL="457200" lvl="1" indent="0">
-              <a:buNone/>
-            </a:pPr>
-            <a:r>
-              <a:rPr lang="zh-CN" altLang="en-US" sz="1800" dirty="0">
-                <a:latin typeface="微软雅黑 Light" panose="020B0502040204020203" pitchFamily="34" charset="-122"/>
-                <a:ea typeface="微软雅黑 Light" panose="020B0502040204020203" pitchFamily="34" charset="-122"/>
-              </a:rPr>
-              <a:t>从</a:t>
-            </a:r>
-            <a:r>
-              <a:rPr lang="en-US" altLang="zh-CN" sz="1800" dirty="0">
-                <a:latin typeface="微软雅黑 Light" panose="020B0502040204020203" pitchFamily="34" charset="-122"/>
-                <a:ea typeface="微软雅黑 Light" panose="020B0502040204020203" pitchFamily="34" charset="-122"/>
-              </a:rPr>
-              <a:t>VisualStudio</a:t>
-            </a:r>
-            <a:r>
-              <a:rPr lang="zh-CN" altLang="en-US" sz="1800" dirty="0">
-                <a:latin typeface="微软雅黑 Light" panose="020B0502040204020203" pitchFamily="34" charset="-122"/>
-                <a:ea typeface="微软雅黑 Light" panose="020B0502040204020203" pitchFamily="34" charset="-122"/>
-              </a:rPr>
-              <a:t>到</a:t>
-            </a:r>
-            <a:r>
-              <a:rPr lang="en-US" altLang="zh-CN" sz="1800" dirty="0" err="1">
-                <a:latin typeface="微软雅黑 Light" panose="020B0502040204020203" pitchFamily="34" charset="-122"/>
-                <a:ea typeface="微软雅黑 Light" panose="020B0502040204020203" pitchFamily="34" charset="-122"/>
-              </a:rPr>
-              <a:t>Resharper</a:t>
-            </a:r>
-            <a:r>
-              <a:rPr lang="zh-CN" altLang="en-US" sz="1800" dirty="0">
-                <a:latin typeface="微软雅黑 Light" panose="020B0502040204020203" pitchFamily="34" charset="-122"/>
-                <a:ea typeface="微软雅黑 Light" panose="020B0502040204020203" pitchFamily="34" charset="-122"/>
-              </a:rPr>
-              <a:t>，对类与方法的描述都来自文档化注释。</a:t>
-            </a:r>
-            <a:endParaRPr lang="en-US" altLang="zh-CN" dirty="0"/>
-          </a:p>
-          <a:p>
-            <a:r>
-              <a:rPr lang="zh-CN" altLang="en-US" dirty="0"/>
-              <a:t>较小的集合不应使用有键集合</a:t>
-            </a:r>
-            <a:endParaRPr lang="en-US" altLang="zh-CN" dirty="0"/>
-          </a:p>
-          <a:p>
-            <a:pPr marL="457200" lvl="1" indent="0">
-              <a:buNone/>
-            </a:pPr>
-            <a:r>
-              <a:rPr lang="zh-CN" altLang="en-US" sz="1800" dirty="0">
-                <a:latin typeface="微软雅黑 Light" panose="020B0502040204020203" pitchFamily="34" charset="-122"/>
-                <a:ea typeface="微软雅黑 Light" panose="020B0502040204020203" pitchFamily="34" charset="-122"/>
-              </a:rPr>
-              <a:t>有键集合需要额外的空间。举例来说，一个空的</a:t>
-            </a:r>
-            <a:r>
-              <a:rPr lang="en-US" altLang="zh-CN" sz="1800" dirty="0">
-                <a:latin typeface="微软雅黑 Light" panose="020B0502040204020203" pitchFamily="34" charset="-122"/>
-                <a:ea typeface="微软雅黑 Light" panose="020B0502040204020203" pitchFamily="34" charset="-122"/>
-              </a:rPr>
-              <a:t>Dictionary</a:t>
-            </a:r>
-            <a:r>
-              <a:rPr lang="zh-CN" altLang="en-US" sz="1800" dirty="0">
-                <a:latin typeface="微软雅黑 Light" panose="020B0502040204020203" pitchFamily="34" charset="-122"/>
-                <a:ea typeface="微软雅黑 Light" panose="020B0502040204020203" pitchFamily="34" charset="-122"/>
-              </a:rPr>
-              <a:t>也会消耗</a:t>
-            </a:r>
-            <a:r>
-              <a:rPr lang="en-US" altLang="zh-CN" sz="1800" dirty="0">
-                <a:latin typeface="微软雅黑 Light" panose="020B0502040204020203" pitchFamily="34" charset="-122"/>
-                <a:ea typeface="微软雅黑 Light" panose="020B0502040204020203" pitchFamily="34" charset="-122"/>
-              </a:rPr>
-              <a:t>12</a:t>
-            </a:r>
-            <a:r>
-              <a:rPr lang="zh-CN" altLang="en-US" sz="1800" dirty="0">
-                <a:latin typeface="微软雅黑 Light" panose="020B0502040204020203" pitchFamily="34" charset="-122"/>
-                <a:ea typeface="微软雅黑 Light" panose="020B0502040204020203" pitchFamily="34" charset="-122"/>
-              </a:rPr>
-              <a:t>字节的空间。</a:t>
-            </a:r>
-            <a:endParaRPr lang="en-US" altLang="zh-CN" sz="1800" dirty="0">
-              <a:latin typeface="微软雅黑 Light" panose="020B0502040204020203" pitchFamily="34" charset="-122"/>
-              <a:ea typeface="微软雅黑 Light" panose="020B0502040204020203" pitchFamily="34" charset="-122"/>
-            </a:endParaRPr>
-          </a:p>
-        </p:txBody>
-      </p:sp>
-    </p:spTree>
-    <p:extLst>
-      <p:ext uri="{BB962C8B-B14F-4D97-AF65-F5344CB8AC3E}">
-        <p14:creationId xmlns:p14="http://schemas.microsoft.com/office/powerpoint/2010/main" val="1948017904"/>
-      </p:ext>
-    </p:extLst>
-  </p:cSld>
-  <p:clrMapOvr>
-    <a:masterClrMapping/>
-  </p:clrMapOvr>
-</p:sld>
-</file>
-
 <file path=ppt/slides/slide29.xml><?xml version="1.0" encoding="utf-8"?>
 <p:sld xmlns:a="http://schemas.openxmlformats.org/drawingml/2006/main" xmlns:r="http://schemas.openxmlformats.org/officeDocument/2006/relationships" xmlns:p="http://schemas.openxmlformats.org/presentationml/2006/main">
   <p:cSld>
@@ -7649,17 +7635,10 @@
           <a:lstStyle/>
           <a:p>
             <a:r>
-              <a:rPr lang="zh-CN" altLang="en-US" dirty="0"/>
-              <a:t>最佳实践</a:t>
-            </a:r>
-            <a:r>
               <a:rPr lang="en-US" altLang="zh-CN" dirty="0"/>
-              <a:t>/</a:t>
-            </a:r>
-            <a:r>
-              <a:rPr lang="zh-CN" altLang="en-US" dirty="0"/>
-              <a:t>其他</a:t>
-            </a:r>
+              <a:t>IL2CPP</a:t>
+            </a:r>
+            <a:endParaRPr lang="zh-CN" altLang="en-US" dirty="0"/>
           </a:p>
         </p:txBody>
       </p:sp>
@@ -7675,168 +7654,133 @@
         </p:nvSpPr>
         <p:spPr/>
         <p:txBody>
-          <a:bodyPr>
-            <a:normAutofit/>
-          </a:bodyPr>
-          <a:lstStyle/>
-          <a:p>
-            <a:r>
-              <a:rPr lang="zh-CN" altLang="en-US" dirty="0"/>
-              <a:t>枚举类型不宜作为键使用</a:t>
+          <a:bodyPr/>
+          <a:lstStyle/>
+          <a:p>
+            <a:r>
+              <a:rPr lang="en-US" altLang="zh-CN" dirty="0"/>
+              <a:t>IL2CPP</a:t>
+            </a:r>
+            <a:r>
+              <a:rPr lang="zh-CN" altLang="en-US" dirty="0"/>
+              <a:t>分别处理字段和方法：实例字段和类字段被生成到相同</a:t>
+            </a:r>
+            <a:r>
+              <a:rPr lang="en-US" altLang="zh-CN" dirty="0"/>
+              <a:t>.h</a:t>
+            </a:r>
+            <a:r>
+              <a:rPr lang="zh-CN" altLang="en-US" dirty="0"/>
+              <a:t>文件的不同结构中，方法被生成到</a:t>
+            </a:r>
+            <a:r>
+              <a:rPr lang="en-US" altLang="zh-CN" dirty="0"/>
+              <a:t>.</a:t>
+            </a:r>
+            <a:r>
+              <a:rPr lang="en-US" altLang="zh-CN" dirty="0" err="1"/>
+              <a:t>cpp</a:t>
+            </a:r>
+            <a:r>
+              <a:rPr lang="zh-CN" altLang="en-US" dirty="0"/>
+              <a:t>文件中</a:t>
             </a:r>
             <a:endParaRPr lang="en-US" altLang="zh-CN" dirty="0"/>
           </a:p>
           <a:p>
-            <a:pPr marL="457200" lvl="1" indent="0">
-              <a:buNone/>
-            </a:pPr>
-            <a:r>
-              <a:rPr lang="zh-CN" altLang="en-US" sz="1800" dirty="0">
-                <a:latin typeface="微软雅黑 Light" panose="020B0502040204020203" pitchFamily="34" charset="-122"/>
-                <a:ea typeface="微软雅黑 Light" panose="020B0502040204020203" pitchFamily="34" charset="-122"/>
-              </a:rPr>
-              <a:t>枚举是值类型，而且你无法重写它的</a:t>
-            </a:r>
-            <a:r>
-              <a:rPr lang="en-US" altLang="zh-CN" sz="1800" dirty="0" err="1">
-                <a:latin typeface="微软雅黑 Light" panose="020B0502040204020203" pitchFamily="34" charset="-122"/>
-                <a:ea typeface="微软雅黑 Light" panose="020B0502040204020203" pitchFamily="34" charset="-122"/>
-              </a:rPr>
-              <a:t>GetHashCode</a:t>
-            </a:r>
-            <a:r>
-              <a:rPr lang="zh-CN" altLang="en-US" sz="1800" dirty="0">
-                <a:latin typeface="微软雅黑 Light" panose="020B0502040204020203" pitchFamily="34" charset="-122"/>
-                <a:ea typeface="微软雅黑 Light" panose="020B0502040204020203" pitchFamily="34" charset="-122"/>
-              </a:rPr>
-              <a:t>方法</a:t>
-            </a:r>
-            <a:endParaRPr lang="en-US" altLang="zh-CN" sz="1800" dirty="0">
-              <a:latin typeface="微软雅黑 Light" panose="020B0502040204020203" pitchFamily="34" charset="-122"/>
-              <a:ea typeface="微软雅黑 Light" panose="020B0502040204020203" pitchFamily="34" charset="-122"/>
-            </a:endParaRPr>
-          </a:p>
-          <a:p>
-            <a:r>
-              <a:rPr lang="zh-CN" altLang="en-US" dirty="0"/>
-              <a:t>谨慎传递结构体</a:t>
+            <a:r>
+              <a:rPr lang="en-US" altLang="zh-CN" dirty="0"/>
+              <a:t>IL2CPP</a:t>
+            </a:r>
+            <a:r>
+              <a:rPr lang="zh-CN" altLang="en-US" dirty="0"/>
+              <a:t>对</a:t>
+            </a:r>
+            <a:r>
+              <a:rPr lang="en-US" altLang="zh-CN" dirty="0"/>
+              <a:t>IL</a:t>
+            </a:r>
+            <a:r>
+              <a:rPr lang="zh-CN" altLang="en-US" dirty="0"/>
+              <a:t>的翻译近乎直译。</a:t>
+            </a:r>
+            <a:r>
+              <a:rPr lang="en-US" altLang="zh-CN" dirty="0" err="1"/>
+              <a:t>.Net</a:t>
+            </a:r>
+            <a:r>
+              <a:rPr lang="zh-CN" altLang="en-US" dirty="0"/>
+              <a:t>编译器的质量直接影响</a:t>
+            </a:r>
+            <a:r>
+              <a:rPr lang="en-US" altLang="zh-CN" dirty="0"/>
+              <a:t>IL2CPP</a:t>
+            </a:r>
+            <a:r>
+              <a:rPr lang="zh-CN" altLang="en-US" dirty="0"/>
+              <a:t>最终生成的结果</a:t>
             </a:r>
             <a:endParaRPr lang="en-US" altLang="zh-CN" dirty="0"/>
           </a:p>
           <a:p>
-            <a:pPr marL="457200" lvl="1" indent="0">
-              <a:buNone/>
-            </a:pPr>
-            <a:r>
-              <a:rPr lang="zh-CN" altLang="en-US" sz="1800" dirty="0">
-                <a:latin typeface="微软雅黑 Light" panose="020B0502040204020203" pitchFamily="34" charset="-122"/>
-                <a:ea typeface="微软雅黑 Light" panose="020B0502040204020203" pitchFamily="34" charset="-122"/>
-              </a:rPr>
-              <a:t>别忘了结构体是值类型哦。使用</a:t>
-            </a:r>
-            <a:r>
-              <a:rPr lang="en-US" altLang="zh-CN" sz="1800" dirty="0">
-                <a:latin typeface="微软雅黑 Light" panose="020B0502040204020203" pitchFamily="34" charset="-122"/>
-                <a:ea typeface="微软雅黑 Light" panose="020B0502040204020203" pitchFamily="34" charset="-122"/>
-              </a:rPr>
-              <a:t>ref</a:t>
-            </a:r>
-            <a:r>
-              <a:rPr lang="zh-CN" altLang="en-US" sz="1800" dirty="0">
-                <a:latin typeface="微软雅黑 Light" panose="020B0502040204020203" pitchFamily="34" charset="-122"/>
-                <a:ea typeface="微软雅黑 Light" panose="020B0502040204020203" pitchFamily="34" charset="-122"/>
-              </a:rPr>
-              <a:t>传递作为参数的结构体</a:t>
-            </a:r>
-            <a:endParaRPr lang="en-US" altLang="zh-CN" sz="1800" dirty="0">
-              <a:latin typeface="微软雅黑 Light" panose="020B0502040204020203" pitchFamily="34" charset="-122"/>
-              <a:ea typeface="微软雅黑 Light" panose="020B0502040204020203" pitchFamily="34" charset="-122"/>
-            </a:endParaRPr>
-          </a:p>
-          <a:p>
-            <a:r>
-              <a:rPr lang="zh-CN" altLang="en-US" dirty="0"/>
-              <a:t>使用枚举而非常量</a:t>
+            <a:r>
+              <a:rPr lang="en-US" altLang="zh-CN" dirty="0"/>
+              <a:t>IL2CPP</a:t>
+            </a:r>
+            <a:r>
+              <a:rPr lang="zh-CN" altLang="en-US" dirty="0"/>
+              <a:t>会为虚调用生成对象，通过支持库</a:t>
+            </a:r>
+            <a:r>
+              <a:rPr lang="en-US" altLang="zh-CN" dirty="0"/>
+              <a:t>libil2cpp</a:t>
+            </a:r>
+            <a:r>
+              <a:rPr lang="zh-CN" altLang="en-US" dirty="0"/>
+              <a:t>方法调用。虚调用会受到一定的优化，有时</a:t>
+            </a:r>
+            <a:r>
+              <a:rPr lang="en-US" altLang="zh-CN" dirty="0" err="1"/>
+              <a:t>callvirt</a:t>
+            </a:r>
+            <a:r>
+              <a:rPr lang="zh-CN" altLang="en-US" dirty="0"/>
+              <a:t>指令并不对真的被翻译为虚调用的形式</a:t>
             </a:r>
             <a:endParaRPr lang="en-US" altLang="zh-CN" dirty="0"/>
           </a:p>
           <a:p>
-            <a:pPr marL="457200" lvl="1" indent="0">
-              <a:buNone/>
-            </a:pPr>
-            <a:r>
-              <a:rPr lang="zh-CN" altLang="en-US" sz="1800" dirty="0">
-                <a:latin typeface="微软雅黑 Light" panose="020B0502040204020203" pitchFamily="34" charset="-122"/>
-                <a:ea typeface="微软雅黑 Light" panose="020B0502040204020203" pitchFamily="34" charset="-122"/>
-              </a:rPr>
-              <a:t>枚举明确地指出了其内容的约束，且拥有更完备的工具支持</a:t>
-            </a:r>
-            <a:endParaRPr lang="en-US" altLang="zh-CN" sz="1800" dirty="0">
-              <a:latin typeface="微软雅黑 Light" panose="020B0502040204020203" pitchFamily="34" charset="-122"/>
-              <a:ea typeface="微软雅黑 Light" panose="020B0502040204020203" pitchFamily="34" charset="-122"/>
-            </a:endParaRPr>
-          </a:p>
-          <a:p>
-            <a:r>
-              <a:rPr lang="zh-CN" altLang="en-US" dirty="0"/>
-              <a:t>慎重对待闭包</a:t>
-            </a:r>
-            <a:endParaRPr lang="en-US" altLang="zh-CN" dirty="0"/>
-          </a:p>
-          <a:p>
-            <a:pPr marL="457200" lvl="1" indent="0">
-              <a:buNone/>
-            </a:pPr>
-            <a:r>
-              <a:rPr lang="zh-CN" altLang="en-US" sz="1800" dirty="0">
-                <a:latin typeface="微软雅黑 Light" panose="020B0502040204020203" pitchFamily="34" charset="-122"/>
-                <a:ea typeface="微软雅黑 Light" panose="020B0502040204020203" pitchFamily="34" charset="-122"/>
-              </a:rPr>
-              <a:t>状态的延续站在内存的肩膀上</a:t>
-            </a:r>
-            <a:endParaRPr lang="en-US" altLang="zh-CN" sz="1800" dirty="0">
-              <a:latin typeface="微软雅黑 Light" panose="020B0502040204020203" pitchFamily="34" charset="-122"/>
-              <a:ea typeface="微软雅黑 Light" panose="020B0502040204020203" pitchFamily="34" charset="-122"/>
-            </a:endParaRPr>
-          </a:p>
-          <a:p>
-            <a:r>
-              <a:rPr lang="zh-CN" altLang="en-US" dirty="0"/>
-              <a:t>编译重复使用的正则表达式</a:t>
-            </a:r>
-            <a:endParaRPr lang="en-US" altLang="zh-CN" dirty="0"/>
-          </a:p>
-          <a:p>
-            <a:pPr marL="457200" lvl="1" indent="0">
-              <a:buNone/>
-            </a:pPr>
-            <a:r>
-              <a:rPr lang="zh-CN" altLang="en-US" sz="1800" dirty="0">
-                <a:latin typeface="微软雅黑 Light" panose="020B0502040204020203" pitchFamily="34" charset="-122"/>
-                <a:ea typeface="微软雅黑 Light" panose="020B0502040204020203" pitchFamily="34" charset="-122"/>
-              </a:rPr>
-              <a:t>将字符串编译为自动机往往要比匹配消耗更多时间</a:t>
-            </a:r>
-            <a:endParaRPr lang="en-US" altLang="zh-CN" sz="1800" dirty="0">
-              <a:latin typeface="微软雅黑 Light" panose="020B0502040204020203" pitchFamily="34" charset="-122"/>
-              <a:ea typeface="微软雅黑 Light" panose="020B0502040204020203" pitchFamily="34" charset="-122"/>
-            </a:endParaRPr>
-          </a:p>
-          <a:p>
-            <a:pPr marL="457200" lvl="1" indent="0">
-              <a:buNone/>
-            </a:pPr>
-            <a:endParaRPr lang="zh-CN" altLang="en-US" sz="1800" dirty="0">
-              <a:latin typeface="微软雅黑 Light" panose="020B0502040204020203" pitchFamily="34" charset="-122"/>
-              <a:ea typeface="微软雅黑 Light" panose="020B0502040204020203" pitchFamily="34" charset="-122"/>
-            </a:endParaRPr>
+            <a:r>
+              <a:rPr lang="en-US" altLang="zh-CN" dirty="0"/>
+              <a:t>FCL</a:t>
+            </a:r>
+            <a:r>
+              <a:rPr lang="zh-CN" altLang="en-US" dirty="0"/>
+              <a:t>使用和</a:t>
+            </a:r>
+            <a:r>
+              <a:rPr lang="en-US" altLang="zh-CN" dirty="0"/>
+              <a:t>Mono</a:t>
+            </a:r>
+            <a:r>
+              <a:rPr lang="zh-CN" altLang="en-US" dirty="0"/>
+              <a:t>一样的代码，经由</a:t>
+            </a:r>
+            <a:r>
+              <a:rPr lang="en-US" altLang="zh-CN" dirty="0"/>
+              <a:t>IL2CPP</a:t>
+            </a:r>
+            <a:r>
+              <a:rPr lang="zh-CN" altLang="en-US" dirty="0"/>
+              <a:t>编译器翻译而成。虽然损失了潜在的优化，然而确保了代码的一致性</a:t>
+            </a:r>
           </a:p>
         </p:txBody>
       </p:sp>
     </p:spTree>
     <p:extLst>
       <p:ext uri="{BB962C8B-B14F-4D97-AF65-F5344CB8AC3E}">
-        <p14:creationId xmlns:p14="http://schemas.microsoft.com/office/powerpoint/2010/main" val="4131926382"/>
+        <p14:creationId xmlns:p14="http://schemas.microsoft.com/office/powerpoint/2010/main" val="1747156259"/>
       </p:ext>
     </p:extLst>
   </p:cSld>

--- a/pptx.pptx.pptx
+++ b/pptx.pptx.pptx
@@ -4,6 +4,9 @@
   <p:sldMasterIdLst>
     <p:sldMasterId id="2147483648" r:id="rId1"/>
   </p:sldMasterIdLst>
+  <p:notesMasterIdLst>
+    <p:notesMasterId r:id="rId34"/>
+  </p:notesMasterIdLst>
   <p:sldIdLst>
     <p:sldId id="256" r:id="rId2"/>
     <p:sldId id="257" r:id="rId3"/>
@@ -22,20 +25,21 @@
     <p:sldId id="285" r:id="rId16"/>
     <p:sldId id="286" r:id="rId17"/>
     <p:sldId id="268" r:id="rId18"/>
-    <p:sldId id="267" r:id="rId19"/>
-    <p:sldId id="269" r:id="rId20"/>
-    <p:sldId id="274" r:id="rId21"/>
-    <p:sldId id="270" r:id="rId22"/>
-    <p:sldId id="271" r:id="rId23"/>
-    <p:sldId id="260" r:id="rId24"/>
-    <p:sldId id="261" r:id="rId25"/>
-    <p:sldId id="262" r:id="rId26"/>
-    <p:sldId id="263" r:id="rId27"/>
-    <p:sldId id="264" r:id="rId28"/>
-    <p:sldId id="265" r:id="rId29"/>
-    <p:sldId id="266" r:id="rId30"/>
-    <p:sldId id="272" r:id="rId31"/>
-    <p:sldId id="273" r:id="rId32"/>
+    <p:sldId id="287" r:id="rId19"/>
+    <p:sldId id="288" r:id="rId20"/>
+    <p:sldId id="289" r:id="rId21"/>
+    <p:sldId id="290" r:id="rId22"/>
+    <p:sldId id="270" r:id="rId23"/>
+    <p:sldId id="271" r:id="rId24"/>
+    <p:sldId id="260" r:id="rId25"/>
+    <p:sldId id="261" r:id="rId26"/>
+    <p:sldId id="262" r:id="rId27"/>
+    <p:sldId id="263" r:id="rId28"/>
+    <p:sldId id="264" r:id="rId29"/>
+    <p:sldId id="265" r:id="rId30"/>
+    <p:sldId id="266" r:id="rId31"/>
+    <p:sldId id="272" r:id="rId32"/>
+    <p:sldId id="273" r:id="rId33"/>
   </p:sldIdLst>
   <p:sldSz cx="12192000" cy="6858000"/>
   <p:notesSz cx="6858000" cy="9144000"/>
@@ -176,9 +180,10 @@
         <p14:section name="Improve" id="{63586D0E-74B0-4E05-8C39-AD32F21FC163}">
           <p14:sldIdLst>
             <p14:sldId id="268"/>
-            <p14:sldId id="267"/>
-            <p14:sldId id="269"/>
-            <p14:sldId id="274"/>
+            <p14:sldId id="287"/>
+            <p14:sldId id="288"/>
+            <p14:sldId id="289"/>
+            <p14:sldId id="290"/>
             <p14:sldId id="270"/>
             <p14:sldId id="271"/>
           </p14:sldIdLst>
@@ -215,6 +220,443 @@
     </p:ext>
   </p:extLst>
 </p:presentation>
+</file>
+
+<file path=ppt/notesMasters/notesMaster1.xml><?xml version="1.0" encoding="utf-8"?>
+<p:notesMaster xmlns:a="http://schemas.openxmlformats.org/drawingml/2006/main" xmlns:r="http://schemas.openxmlformats.org/officeDocument/2006/relationships" xmlns:p="http://schemas.openxmlformats.org/presentationml/2006/main">
+  <p:cSld>
+    <p:bg>
+      <p:bgRef idx="1001">
+        <a:schemeClr val="bg1"/>
+      </p:bgRef>
+    </p:bg>
+    <p:spTree>
+      <p:nvGrpSpPr>
+        <p:cNvPr id="1" name=""/>
+        <p:cNvGrpSpPr/>
+        <p:nvPr/>
+      </p:nvGrpSpPr>
+      <p:grpSpPr>
+        <a:xfrm>
+          <a:off x="0" y="0"/>
+          <a:ext cx="0" cy="0"/>
+          <a:chOff x="0" y="0"/>
+          <a:chExt cx="0" cy="0"/>
+        </a:xfrm>
+      </p:grpSpPr>
+      <p:sp>
+        <p:nvSpPr>
+          <p:cNvPr id="2" name="页眉占位符 1"/>
+          <p:cNvSpPr>
+            <a:spLocks noGrp="1"/>
+          </p:cNvSpPr>
+          <p:nvPr>
+            <p:ph type="hdr" sz="quarter"/>
+          </p:nvPr>
+        </p:nvSpPr>
+        <p:spPr>
+          <a:xfrm>
+            <a:off x="0" y="0"/>
+            <a:ext cx="2971800" cy="458788"/>
+          </a:xfrm>
+          <a:prstGeom prst="rect">
+            <a:avLst/>
+          </a:prstGeom>
+        </p:spPr>
+        <p:txBody>
+          <a:bodyPr vert="horz" lIns="91440" tIns="45720" rIns="91440" bIns="45720" rtlCol="0"/>
+          <a:lstStyle>
+            <a:lvl1pPr algn="l">
+              <a:defRPr sz="1200"/>
+            </a:lvl1pPr>
+          </a:lstStyle>
+          <a:p>
+            <a:endParaRPr lang="zh-CN" altLang="en-US"/>
+          </a:p>
+        </p:txBody>
+      </p:sp>
+      <p:sp>
+        <p:nvSpPr>
+          <p:cNvPr id="3" name="日期占位符 2"/>
+          <p:cNvSpPr>
+            <a:spLocks noGrp="1"/>
+          </p:cNvSpPr>
+          <p:nvPr>
+            <p:ph type="dt" idx="1"/>
+          </p:nvPr>
+        </p:nvSpPr>
+        <p:spPr>
+          <a:xfrm>
+            <a:off x="3884613" y="0"/>
+            <a:ext cx="2971800" cy="458788"/>
+          </a:xfrm>
+          <a:prstGeom prst="rect">
+            <a:avLst/>
+          </a:prstGeom>
+        </p:spPr>
+        <p:txBody>
+          <a:bodyPr vert="horz" lIns="91440" tIns="45720" rIns="91440" bIns="45720" rtlCol="0"/>
+          <a:lstStyle>
+            <a:lvl1pPr algn="r">
+              <a:defRPr sz="1200"/>
+            </a:lvl1pPr>
+          </a:lstStyle>
+          <a:p>
+            <a:fld id="{E7E03866-47D6-44FE-896C-8F2599A7172C}" type="datetimeFigureOut">
+              <a:rPr lang="zh-CN" altLang="en-US" smtClean="0"/>
+              <a:t>2016/9/21</a:t>
+            </a:fld>
+            <a:endParaRPr lang="zh-CN" altLang="en-US"/>
+          </a:p>
+        </p:txBody>
+      </p:sp>
+      <p:sp>
+        <p:nvSpPr>
+          <p:cNvPr id="4" name="幻灯片图像占位符 3"/>
+          <p:cNvSpPr>
+            <a:spLocks noGrp="1" noRot="1" noChangeAspect="1"/>
+          </p:cNvSpPr>
+          <p:nvPr>
+            <p:ph type="sldImg" idx="2"/>
+          </p:nvPr>
+        </p:nvSpPr>
+        <p:spPr>
+          <a:xfrm>
+            <a:off x="685800" y="1143000"/>
+            <a:ext cx="5486400" cy="3086100"/>
+          </a:xfrm>
+          <a:prstGeom prst="rect">
+            <a:avLst/>
+          </a:prstGeom>
+          <a:noFill/>
+          <a:ln w="12700">
+            <a:solidFill>
+              <a:prstClr val="black"/>
+            </a:solidFill>
+          </a:ln>
+        </p:spPr>
+        <p:txBody>
+          <a:bodyPr vert="horz" lIns="91440" tIns="45720" rIns="91440" bIns="45720" rtlCol="0" anchor="ctr"/>
+          <a:lstStyle/>
+          <a:p>
+            <a:endParaRPr lang="zh-CN" altLang="en-US"/>
+          </a:p>
+        </p:txBody>
+      </p:sp>
+      <p:sp>
+        <p:nvSpPr>
+          <p:cNvPr id="5" name="备注占位符 4"/>
+          <p:cNvSpPr>
+            <a:spLocks noGrp="1"/>
+          </p:cNvSpPr>
+          <p:nvPr>
+            <p:ph type="body" sz="quarter" idx="3"/>
+          </p:nvPr>
+        </p:nvSpPr>
+        <p:spPr>
+          <a:xfrm>
+            <a:off x="685800" y="4400550"/>
+            <a:ext cx="5486400" cy="3600450"/>
+          </a:xfrm>
+          <a:prstGeom prst="rect">
+            <a:avLst/>
+          </a:prstGeom>
+        </p:spPr>
+        <p:txBody>
+          <a:bodyPr vert="horz" lIns="91440" tIns="45720" rIns="91440" bIns="45720" rtlCol="0"/>
+          <a:lstStyle/>
+          <a:p>
+            <a:pPr lvl="0"/>
+            <a:r>
+              <a:rPr lang="zh-CN" altLang="en-US"/>
+              <a:t>编辑母版文本样式</a:t>
+            </a:r>
+          </a:p>
+          <a:p>
+            <a:pPr lvl="1"/>
+            <a:r>
+              <a:rPr lang="zh-CN" altLang="en-US"/>
+              <a:t>第二级</a:t>
+            </a:r>
+          </a:p>
+          <a:p>
+            <a:pPr lvl="2"/>
+            <a:r>
+              <a:rPr lang="zh-CN" altLang="en-US"/>
+              <a:t>第三级</a:t>
+            </a:r>
+          </a:p>
+          <a:p>
+            <a:pPr lvl="3"/>
+            <a:r>
+              <a:rPr lang="zh-CN" altLang="en-US"/>
+              <a:t>第四级</a:t>
+            </a:r>
+          </a:p>
+          <a:p>
+            <a:pPr lvl="4"/>
+            <a:r>
+              <a:rPr lang="zh-CN" altLang="en-US"/>
+              <a:t>第五级</a:t>
+            </a:r>
+            <a:endParaRPr lang="zh-CN" altLang="en-US"/>
+          </a:p>
+        </p:txBody>
+      </p:sp>
+      <p:sp>
+        <p:nvSpPr>
+          <p:cNvPr id="6" name="页脚占位符 5"/>
+          <p:cNvSpPr>
+            <a:spLocks noGrp="1"/>
+          </p:cNvSpPr>
+          <p:nvPr>
+            <p:ph type="ftr" sz="quarter" idx="4"/>
+          </p:nvPr>
+        </p:nvSpPr>
+        <p:spPr>
+          <a:xfrm>
+            <a:off x="0" y="8685213"/>
+            <a:ext cx="2971800" cy="458787"/>
+          </a:xfrm>
+          <a:prstGeom prst="rect">
+            <a:avLst/>
+          </a:prstGeom>
+        </p:spPr>
+        <p:txBody>
+          <a:bodyPr vert="horz" lIns="91440" tIns="45720" rIns="91440" bIns="45720" rtlCol="0" anchor="b"/>
+          <a:lstStyle>
+            <a:lvl1pPr algn="l">
+              <a:defRPr sz="1200"/>
+            </a:lvl1pPr>
+          </a:lstStyle>
+          <a:p>
+            <a:endParaRPr lang="zh-CN" altLang="en-US"/>
+          </a:p>
+        </p:txBody>
+      </p:sp>
+      <p:sp>
+        <p:nvSpPr>
+          <p:cNvPr id="7" name="灯片编号占位符 6"/>
+          <p:cNvSpPr>
+            <a:spLocks noGrp="1"/>
+          </p:cNvSpPr>
+          <p:nvPr>
+            <p:ph type="sldNum" sz="quarter" idx="5"/>
+          </p:nvPr>
+        </p:nvSpPr>
+        <p:spPr>
+          <a:xfrm>
+            <a:off x="3884613" y="8685213"/>
+            <a:ext cx="2971800" cy="458787"/>
+          </a:xfrm>
+          <a:prstGeom prst="rect">
+            <a:avLst/>
+          </a:prstGeom>
+        </p:spPr>
+        <p:txBody>
+          <a:bodyPr vert="horz" lIns="91440" tIns="45720" rIns="91440" bIns="45720" rtlCol="0" anchor="b"/>
+          <a:lstStyle>
+            <a:lvl1pPr algn="r">
+              <a:defRPr sz="1200"/>
+            </a:lvl1pPr>
+          </a:lstStyle>
+          <a:p>
+            <a:fld id="{8FA8CEAB-7FDD-43B8-9E4A-F5DBC8CC7043}" type="slidenum">
+              <a:rPr lang="zh-CN" altLang="en-US" smtClean="0"/>
+              <a:t>‹#›</a:t>
+            </a:fld>
+            <a:endParaRPr lang="zh-CN" altLang="en-US"/>
+          </a:p>
+        </p:txBody>
+      </p:sp>
+    </p:spTree>
+    <p:extLst>
+      <p:ext uri="{BB962C8B-B14F-4D97-AF65-F5344CB8AC3E}">
+        <p14:creationId xmlns:p14="http://schemas.microsoft.com/office/powerpoint/2010/main" val="1716394715"/>
+      </p:ext>
+    </p:extLst>
+  </p:cSld>
+  <p:clrMap bg1="lt1" tx1="dk1" bg2="lt2" tx2="dk2" accent1="accent1" accent2="accent2" accent3="accent3" accent4="accent4" accent5="accent5" accent6="accent6" hlink="hlink" folHlink="folHlink"/>
+  <p:notesStyle>
+    <a:lvl1pPr marL="0" algn="l" defTabSz="914400" rtl="0" eaLnBrk="1" latinLnBrk="0" hangingPunct="1">
+      <a:defRPr sz="1200" kern="1200">
+        <a:solidFill>
+          <a:schemeClr val="tx1"/>
+        </a:solidFill>
+        <a:latin typeface="+mn-lt"/>
+        <a:ea typeface="+mn-ea"/>
+        <a:cs typeface="+mn-cs"/>
+      </a:defRPr>
+    </a:lvl1pPr>
+    <a:lvl2pPr marL="457200" algn="l" defTabSz="914400" rtl="0" eaLnBrk="1" latinLnBrk="0" hangingPunct="1">
+      <a:defRPr sz="1200" kern="1200">
+        <a:solidFill>
+          <a:schemeClr val="tx1"/>
+        </a:solidFill>
+        <a:latin typeface="+mn-lt"/>
+        <a:ea typeface="+mn-ea"/>
+        <a:cs typeface="+mn-cs"/>
+      </a:defRPr>
+    </a:lvl2pPr>
+    <a:lvl3pPr marL="914400" algn="l" defTabSz="914400" rtl="0" eaLnBrk="1" latinLnBrk="0" hangingPunct="1">
+      <a:defRPr sz="1200" kern="1200">
+        <a:solidFill>
+          <a:schemeClr val="tx1"/>
+        </a:solidFill>
+        <a:latin typeface="+mn-lt"/>
+        <a:ea typeface="+mn-ea"/>
+        <a:cs typeface="+mn-cs"/>
+      </a:defRPr>
+    </a:lvl3pPr>
+    <a:lvl4pPr marL="1371600" algn="l" defTabSz="914400" rtl="0" eaLnBrk="1" latinLnBrk="0" hangingPunct="1">
+      <a:defRPr sz="1200" kern="1200">
+        <a:solidFill>
+          <a:schemeClr val="tx1"/>
+        </a:solidFill>
+        <a:latin typeface="+mn-lt"/>
+        <a:ea typeface="+mn-ea"/>
+        <a:cs typeface="+mn-cs"/>
+      </a:defRPr>
+    </a:lvl4pPr>
+    <a:lvl5pPr marL="1828800" algn="l" defTabSz="914400" rtl="0" eaLnBrk="1" latinLnBrk="0" hangingPunct="1">
+      <a:defRPr sz="1200" kern="1200">
+        <a:solidFill>
+          <a:schemeClr val="tx1"/>
+        </a:solidFill>
+        <a:latin typeface="+mn-lt"/>
+        <a:ea typeface="+mn-ea"/>
+        <a:cs typeface="+mn-cs"/>
+      </a:defRPr>
+    </a:lvl5pPr>
+    <a:lvl6pPr marL="2286000" algn="l" defTabSz="914400" rtl="0" eaLnBrk="1" latinLnBrk="0" hangingPunct="1">
+      <a:defRPr sz="1200" kern="1200">
+        <a:solidFill>
+          <a:schemeClr val="tx1"/>
+        </a:solidFill>
+        <a:latin typeface="+mn-lt"/>
+        <a:ea typeface="+mn-ea"/>
+        <a:cs typeface="+mn-cs"/>
+      </a:defRPr>
+    </a:lvl6pPr>
+    <a:lvl7pPr marL="2743200" algn="l" defTabSz="914400" rtl="0" eaLnBrk="1" latinLnBrk="0" hangingPunct="1">
+      <a:defRPr sz="1200" kern="1200">
+        <a:solidFill>
+          <a:schemeClr val="tx1"/>
+        </a:solidFill>
+        <a:latin typeface="+mn-lt"/>
+        <a:ea typeface="+mn-ea"/>
+        <a:cs typeface="+mn-cs"/>
+      </a:defRPr>
+    </a:lvl7pPr>
+    <a:lvl8pPr marL="3200400" algn="l" defTabSz="914400" rtl="0" eaLnBrk="1" latinLnBrk="0" hangingPunct="1">
+      <a:defRPr sz="1200" kern="1200">
+        <a:solidFill>
+          <a:schemeClr val="tx1"/>
+        </a:solidFill>
+        <a:latin typeface="+mn-lt"/>
+        <a:ea typeface="+mn-ea"/>
+        <a:cs typeface="+mn-cs"/>
+      </a:defRPr>
+    </a:lvl8pPr>
+    <a:lvl9pPr marL="3657600" algn="l" defTabSz="914400" rtl="0" eaLnBrk="1" latinLnBrk="0" hangingPunct="1">
+      <a:defRPr sz="1200" kern="1200">
+        <a:solidFill>
+          <a:schemeClr val="tx1"/>
+        </a:solidFill>
+        <a:latin typeface="+mn-lt"/>
+        <a:ea typeface="+mn-ea"/>
+        <a:cs typeface="+mn-cs"/>
+      </a:defRPr>
+    </a:lvl9pPr>
+  </p:notesStyle>
+</p:notesMaster>
+</file>
+
+<file path=ppt/notesSlides/notesSlide1.xml><?xml version="1.0" encoding="utf-8"?>
+<p:notes xmlns:a="http://schemas.openxmlformats.org/drawingml/2006/main" xmlns:r="http://schemas.openxmlformats.org/officeDocument/2006/relationships" xmlns:p="http://schemas.openxmlformats.org/presentationml/2006/main">
+  <p:cSld>
+    <p:spTree>
+      <p:nvGrpSpPr>
+        <p:cNvPr id="1" name=""/>
+        <p:cNvGrpSpPr/>
+        <p:nvPr/>
+      </p:nvGrpSpPr>
+      <p:grpSpPr>
+        <a:xfrm>
+          <a:off x="0" y="0"/>
+          <a:ext cx="0" cy="0"/>
+          <a:chOff x="0" y="0"/>
+          <a:chExt cx="0" cy="0"/>
+        </a:xfrm>
+      </p:grpSpPr>
+      <p:sp>
+        <p:nvSpPr>
+          <p:cNvPr id="2" name="幻灯片图像占位符 1"/>
+          <p:cNvSpPr>
+            <a:spLocks noGrp="1" noRot="1" noChangeAspect="1"/>
+          </p:cNvSpPr>
+          <p:nvPr>
+            <p:ph type="sldImg"/>
+          </p:nvPr>
+        </p:nvSpPr>
+        <p:spPr/>
+      </p:sp>
+      <p:sp>
+        <p:nvSpPr>
+          <p:cNvPr id="3" name="备注占位符 2"/>
+          <p:cNvSpPr>
+            <a:spLocks noGrp="1"/>
+          </p:cNvSpPr>
+          <p:nvPr>
+            <p:ph type="body" idx="1"/>
+          </p:nvPr>
+        </p:nvSpPr>
+        <p:spPr/>
+        <p:txBody>
+          <a:bodyPr/>
+          <a:lstStyle/>
+          <a:p>
+            <a:r>
+              <a:rPr lang="zh-CN" altLang="en-US" dirty="0"/>
+              <a:t>后者为主要原因</a:t>
+            </a:r>
+          </a:p>
+        </p:txBody>
+      </p:sp>
+      <p:sp>
+        <p:nvSpPr>
+          <p:cNvPr id="4" name="灯片编号占位符 3"/>
+          <p:cNvSpPr>
+            <a:spLocks noGrp="1"/>
+          </p:cNvSpPr>
+          <p:nvPr>
+            <p:ph type="sldNum" sz="quarter" idx="10"/>
+          </p:nvPr>
+        </p:nvSpPr>
+        <p:spPr/>
+        <p:txBody>
+          <a:bodyPr/>
+          <a:lstStyle/>
+          <a:p>
+            <a:fld id="{8FA8CEAB-7FDD-43B8-9E4A-F5DBC8CC7043}" type="slidenum">
+              <a:rPr lang="zh-CN" altLang="en-US" smtClean="0"/>
+              <a:t>18</a:t>
+            </a:fld>
+            <a:endParaRPr lang="zh-CN" altLang="en-US"/>
+          </a:p>
+        </p:txBody>
+      </p:sp>
+    </p:spTree>
+    <p:extLst>
+      <p:ext uri="{BB962C8B-B14F-4D97-AF65-F5344CB8AC3E}">
+        <p14:creationId xmlns:p14="http://schemas.microsoft.com/office/powerpoint/2010/main" val="1993440385"/>
+      </p:ext>
+    </p:extLst>
+  </p:cSld>
+  <p:clrMapOvr>
+    <a:masterClrMapping/>
+  </p:clrMapOvr>
+</p:notes>
 </file>
 
 <file path=ppt/slideLayouts/slideLayout1.xml><?xml version="1.0" encoding="utf-8"?>
@@ -5100,7 +5542,7 @@
             </a:r>
             <a:r>
               <a:rPr lang="zh-CN" altLang="en-US" dirty="0"/>
-              <a:t>减少虚调用</a:t>
+              <a:t>应对装箱</a:t>
             </a:r>
           </a:p>
         </p:txBody>
@@ -5120,24 +5562,58 @@
           <a:bodyPr/>
           <a:lstStyle/>
           <a:p>
-            <a:r>
-              <a:rPr lang="zh-CN" altLang="en-US" dirty="0"/>
-              <a:t>封闭类</a:t>
+            <a:pPr marL="0" indent="0">
+              <a:buNone/>
+            </a:pPr>
+            <a:r>
+              <a:rPr lang="zh-CN" altLang="en-US" dirty="0"/>
+              <a:t>装箱的性能问题</a:t>
             </a:r>
             <a:endParaRPr lang="en-US" altLang="zh-CN" dirty="0"/>
           </a:p>
           <a:p>
-            <a:r>
-              <a:rPr lang="zh-CN" altLang="en-US" dirty="0"/>
-              <a:t>使用类方法</a:t>
-            </a:r>
+            <a:pPr marL="0" indent="0">
+              <a:buNone/>
+            </a:pPr>
+            <a:endParaRPr lang="en-US" altLang="zh-CN" dirty="0"/>
+          </a:p>
+          <a:p>
+            <a:r>
+              <a:rPr lang="zh-CN" altLang="en-US" dirty="0"/>
+              <a:t>装箱生成</a:t>
+            </a:r>
+            <a:r>
+              <a:rPr lang="en-US" altLang="zh-CN" dirty="0"/>
+              <a:t>box</a:t>
+            </a:r>
+            <a:r>
+              <a:rPr lang="zh-CN" altLang="en-US" dirty="0"/>
+              <a:t>指令，需要在托管堆分配内存并将栈上的值类型对象复制到堆上，该操作较慢</a:t>
+            </a:r>
+            <a:endParaRPr lang="en-US" altLang="zh-CN" dirty="0"/>
+          </a:p>
+          <a:p>
+            <a:endParaRPr lang="en-US" altLang="zh-CN" dirty="0"/>
+          </a:p>
+          <a:p>
+            <a:r>
+              <a:rPr lang="zh-CN" altLang="en-US" dirty="0"/>
+              <a:t>装箱生成的堆对象通常不会长时间保留，会造成较频繁的</a:t>
+            </a:r>
+            <a:r>
+              <a:rPr lang="en-US" altLang="zh-CN" dirty="0"/>
+              <a:t>GC</a:t>
+            </a:r>
+          </a:p>
+          <a:p>
+            <a:endParaRPr lang="zh-CN" altLang="en-US" dirty="0"/>
           </a:p>
         </p:txBody>
       </p:sp>
     </p:spTree>
     <p:extLst>
       <p:ext uri="{BB962C8B-B14F-4D97-AF65-F5344CB8AC3E}">
-        <p14:creationId xmlns:p14="http://schemas.microsoft.com/office/powerpoint/2010/main" val="3217876481"/>
+        <p14:creationId xmlns:p14="http://schemas.microsoft.com/office/powerpoint/2010/main" val="479964569"/>
       </p:ext>
     </p:extLst>
   </p:cSld>
@@ -5189,7 +5665,7 @@
             </a:r>
             <a:r>
               <a:rPr lang="zh-CN" altLang="en-US" dirty="0"/>
-              <a:t>迁移编译器</a:t>
+              <a:t>应对装箱</a:t>
             </a:r>
           </a:p>
         </p:txBody>
@@ -5204,9 +5680,16 @@
             <p:ph idx="1"/>
           </p:nvPr>
         </p:nvSpPr>
-        <p:spPr/>
-        <p:txBody>
-          <a:bodyPr/>
+        <p:spPr>
+          <a:xfrm>
+            <a:off x="838200" y="1825625"/>
+            <a:ext cx="10515600" cy="4585808"/>
+          </a:xfrm>
+        </p:spPr>
+        <p:txBody>
+          <a:bodyPr>
+            <a:normAutofit fontScale="92500" lnSpcReduction="10000"/>
+          </a:bodyPr>
           <a:lstStyle/>
           <a:p>
             <a:pPr marL="0" indent="0">
@@ -5214,23 +5697,294 @@
             </a:pPr>
             <a:r>
               <a:rPr lang="zh-CN" altLang="en-US" dirty="0"/>
-              <a:t>通过使用非</a:t>
-            </a:r>
-            <a:r>
-              <a:rPr lang="en-US" altLang="zh-CN" dirty="0"/>
-              <a:t>Unity</a:t>
-            </a:r>
-            <a:r>
-              <a:rPr lang="zh-CN" altLang="en-US" dirty="0"/>
-              <a:t>的编译器获取更高质量的代码</a:t>
-            </a:r>
+              <a:t>如何判断装箱？</a:t>
+            </a:r>
+            <a:endParaRPr lang="en-US" altLang="zh-CN" dirty="0"/>
+          </a:p>
+          <a:p>
+            <a:pPr marL="0" indent="0">
+              <a:buNone/>
+            </a:pPr>
+            <a:r>
+              <a:rPr lang="en-US" altLang="zh-CN" sz="2400" dirty="0"/>
+              <a:t>IL</a:t>
+            </a:r>
+            <a:r>
+              <a:rPr lang="zh-CN" altLang="en-US" sz="2400" dirty="0"/>
+              <a:t>指令</a:t>
+            </a:r>
+            <a:r>
+              <a:rPr lang="en-US" altLang="zh-CN" sz="2400" dirty="0"/>
+              <a:t>box</a:t>
+            </a:r>
+            <a:r>
+              <a:rPr lang="zh-CN" altLang="en-US" sz="2400" dirty="0"/>
+              <a:t>被用于对值类型进行装箱。通过反编译获得</a:t>
+            </a:r>
+            <a:r>
+              <a:rPr lang="en-US" altLang="zh-CN" sz="2400" dirty="0"/>
+              <a:t>IL</a:t>
+            </a:r>
+            <a:r>
+              <a:rPr lang="zh-CN" altLang="en-US" sz="2400" dirty="0"/>
+              <a:t>代码，可以轻易分辨装箱的情况。</a:t>
+            </a:r>
+            <a:endParaRPr lang="en-US" altLang="zh-CN" sz="2400" dirty="0"/>
+          </a:p>
+          <a:p>
+            <a:pPr marL="0" indent="0">
+              <a:buNone/>
+            </a:pPr>
+            <a:endParaRPr lang="en-US" altLang="zh-CN" sz="2400" dirty="0"/>
+          </a:p>
+          <a:p>
+            <a:pPr marL="0" indent="0">
+              <a:buNone/>
+            </a:pPr>
+            <a:endParaRPr lang="en-US" altLang="zh-CN" sz="2400" dirty="0"/>
+          </a:p>
+          <a:p>
+            <a:pPr marL="0" indent="0">
+              <a:buNone/>
+            </a:pPr>
+            <a:r>
+              <a:rPr lang="zh-CN" altLang="en-US" sz="2400" dirty="0"/>
+              <a:t>与之类似，装箱的逆操作拆箱也可以通过</a:t>
+            </a:r>
+            <a:r>
+              <a:rPr lang="en-US" altLang="zh-CN" sz="2400" dirty="0"/>
+              <a:t>unbox</a:t>
+            </a:r>
+            <a:r>
+              <a:rPr lang="zh-CN" altLang="en-US" sz="2400" dirty="0"/>
+              <a:t>指令识别。</a:t>
+            </a:r>
+            <a:endParaRPr lang="en-US" altLang="zh-CN" sz="2400" dirty="0"/>
+          </a:p>
+          <a:p>
+            <a:pPr marL="0" indent="0">
+              <a:buNone/>
+            </a:pPr>
+            <a:endParaRPr lang="en-US" altLang="zh-CN" sz="2400" dirty="0"/>
+          </a:p>
+          <a:p>
+            <a:pPr marL="0" indent="0">
+              <a:buNone/>
+            </a:pPr>
+            <a:endParaRPr lang="en-US" altLang="zh-CN" sz="2400" dirty="0"/>
+          </a:p>
+          <a:p>
+            <a:pPr marL="0" indent="0">
+              <a:buNone/>
+            </a:pPr>
+            <a:endParaRPr lang="en-US" altLang="zh-CN" sz="2400" dirty="0"/>
+          </a:p>
+          <a:p>
+            <a:pPr marL="0" indent="0">
+              <a:buNone/>
+            </a:pPr>
+            <a:endParaRPr lang="en-US" altLang="zh-CN" sz="2400" dirty="0"/>
+          </a:p>
+          <a:p>
+            <a:pPr marL="0" indent="0">
+              <a:buNone/>
+            </a:pPr>
+            <a:r>
+              <a:rPr lang="zh-CN" altLang="en-US" sz="2400" dirty="0"/>
+              <a:t>部分情况下没有</a:t>
+            </a:r>
+            <a:r>
+              <a:rPr lang="en-US" altLang="zh-CN" sz="2400" dirty="0"/>
+              <a:t>box</a:t>
+            </a:r>
+            <a:r>
+              <a:rPr lang="zh-CN" altLang="en-US" sz="2400" dirty="0"/>
+              <a:t>指令也可能装箱，后文详述</a:t>
+            </a:r>
+            <a:endParaRPr lang="en-US" altLang="zh-CN" sz="2400" dirty="0"/>
+          </a:p>
+        </p:txBody>
+      </p:sp>
+      <p:pic>
+        <p:nvPicPr>
+          <p:cNvPr id="4" name="图片 3"/>
+          <p:cNvPicPr>
+            <a:picLocks noChangeAspect="1"/>
+          </p:cNvPicPr>
+          <p:nvPr/>
+        </p:nvPicPr>
+        <p:blipFill>
+          <a:blip r:embed="rId2"/>
+          <a:stretch>
+            <a:fillRect/>
+          </a:stretch>
+        </p:blipFill>
+        <p:spPr>
+          <a:xfrm>
+            <a:off x="1358087" y="3127633"/>
+            <a:ext cx="1352550" cy="419100"/>
+          </a:xfrm>
+          <a:prstGeom prst="rect">
+            <a:avLst/>
+          </a:prstGeom>
+        </p:spPr>
+      </p:pic>
+      <p:pic>
+        <p:nvPicPr>
+          <p:cNvPr id="5" name="图片 4"/>
+          <p:cNvPicPr>
+            <a:picLocks noChangeAspect="1"/>
+          </p:cNvPicPr>
+          <p:nvPr/>
+        </p:nvPicPr>
+        <p:blipFill>
+          <a:blip r:embed="rId3"/>
+          <a:stretch>
+            <a:fillRect/>
+          </a:stretch>
+        </p:blipFill>
+        <p:spPr>
+          <a:xfrm>
+            <a:off x="4600462" y="3075245"/>
+            <a:ext cx="5286375" cy="523875"/>
+          </a:xfrm>
+          <a:prstGeom prst="rect">
+            <a:avLst/>
+          </a:prstGeom>
+        </p:spPr>
+      </p:pic>
+      <p:sp>
+        <p:nvSpPr>
+          <p:cNvPr id="6" name="箭头: 右 5"/>
+          <p:cNvSpPr/>
+          <p:nvPr/>
+        </p:nvSpPr>
+        <p:spPr>
+          <a:xfrm>
+            <a:off x="4756655" y="4644270"/>
+            <a:ext cx="1626782" cy="255269"/>
+          </a:xfrm>
+          <a:prstGeom prst="rightArrow">
+            <a:avLst/>
+          </a:prstGeom>
+        </p:spPr>
+        <p:style>
+          <a:lnRef idx="2">
+            <a:schemeClr val="accent1">
+              <a:shade val="50000"/>
+            </a:schemeClr>
+          </a:lnRef>
+          <a:fillRef idx="1">
+            <a:schemeClr val="accent1"/>
+          </a:fillRef>
+          <a:effectRef idx="0">
+            <a:schemeClr val="accent1"/>
+          </a:effectRef>
+          <a:fontRef idx="minor">
+            <a:schemeClr val="lt1"/>
+          </a:fontRef>
+        </p:style>
+        <p:txBody>
+          <a:bodyPr rtlCol="0" anchor="ctr"/>
+          <a:lstStyle/>
+          <a:p>
+            <a:pPr algn="ctr"/>
+            <a:endParaRPr lang="zh-CN" altLang="en-US"/>
+          </a:p>
+        </p:txBody>
+      </p:sp>
+      <p:pic>
+        <p:nvPicPr>
+          <p:cNvPr id="8" name="图片 7"/>
+          <p:cNvPicPr>
+            <a:picLocks noChangeAspect="1"/>
+          </p:cNvPicPr>
+          <p:nvPr/>
+        </p:nvPicPr>
+        <p:blipFill>
+          <a:blip r:embed="rId4"/>
+          <a:stretch>
+            <a:fillRect/>
+          </a:stretch>
+        </p:blipFill>
+        <p:spPr>
+          <a:xfrm>
+            <a:off x="1132420" y="4338518"/>
+            <a:ext cx="3419475" cy="866775"/>
+          </a:xfrm>
+          <a:prstGeom prst="rect">
+            <a:avLst/>
+          </a:prstGeom>
+        </p:spPr>
+      </p:pic>
+      <p:pic>
+        <p:nvPicPr>
+          <p:cNvPr id="9" name="图片 8"/>
+          <p:cNvPicPr>
+            <a:picLocks noChangeAspect="1"/>
+          </p:cNvPicPr>
+          <p:nvPr/>
+        </p:nvPicPr>
+        <p:blipFill>
+          <a:blip r:embed="rId5"/>
+          <a:stretch>
+            <a:fillRect/>
+          </a:stretch>
+        </p:blipFill>
+        <p:spPr>
+          <a:xfrm>
+            <a:off x="6588197" y="4505207"/>
+            <a:ext cx="3209925" cy="533400"/>
+          </a:xfrm>
+          <a:prstGeom prst="rect">
+            <a:avLst/>
+          </a:prstGeom>
+        </p:spPr>
+      </p:pic>
+      <p:sp>
+        <p:nvSpPr>
+          <p:cNvPr id="10" name="箭头: 右 9"/>
+          <p:cNvSpPr/>
+          <p:nvPr/>
+        </p:nvSpPr>
+        <p:spPr>
+          <a:xfrm>
+            <a:off x="2842158" y="3209547"/>
+            <a:ext cx="1626782" cy="255269"/>
+          </a:xfrm>
+          <a:prstGeom prst="rightArrow">
+            <a:avLst/>
+          </a:prstGeom>
+        </p:spPr>
+        <p:style>
+          <a:lnRef idx="2">
+            <a:schemeClr val="accent1">
+              <a:shade val="50000"/>
+            </a:schemeClr>
+          </a:lnRef>
+          <a:fillRef idx="1">
+            <a:schemeClr val="accent1"/>
+          </a:fillRef>
+          <a:effectRef idx="0">
+            <a:schemeClr val="accent1"/>
+          </a:effectRef>
+          <a:fontRef idx="minor">
+            <a:schemeClr val="lt1"/>
+          </a:fontRef>
+        </p:style>
+        <p:txBody>
+          <a:bodyPr rtlCol="0" anchor="ctr"/>
+          <a:lstStyle/>
+          <a:p>
+            <a:pPr algn="ctr"/>
+            <a:endParaRPr lang="zh-CN" altLang="en-US"/>
           </a:p>
         </p:txBody>
       </p:sp>
     </p:spTree>
     <p:extLst>
       <p:ext uri="{BB962C8B-B14F-4D97-AF65-F5344CB8AC3E}">
-        <p14:creationId xmlns:p14="http://schemas.microsoft.com/office/powerpoint/2010/main" val="2624574833"/>
+        <p14:creationId xmlns:p14="http://schemas.microsoft.com/office/powerpoint/2010/main" val="658247777"/>
       </p:ext>
     </p:extLst>
   </p:cSld>
@@ -5405,22 +6159,14 @@
             </a:r>
             <a:r>
               <a:rPr lang="zh-CN" altLang="en-US" dirty="0"/>
-              <a:t>使用</a:t>
-            </a:r>
-            <a:r>
-              <a:rPr lang="en-US" altLang="zh-CN" dirty="0" err="1"/>
-              <a:t>Resharper</a:t>
-            </a:r>
-            <a:r>
-              <a:rPr lang="zh-CN" altLang="en-US" dirty="0"/>
-              <a:t>改进代码质量</a:t>
-            </a:r>
-          </a:p>
-        </p:txBody>
-      </p:sp>
-      <p:sp>
-        <p:nvSpPr>
-          <p:cNvPr id="6" name="内容占位符 5"/>
+              <a:t>应对装箱</a:t>
+            </a:r>
+          </a:p>
+        </p:txBody>
+      </p:sp>
+      <p:sp>
+        <p:nvSpPr>
+          <p:cNvPr id="3" name="内容占位符 2"/>
           <p:cNvSpPr>
             <a:spLocks noGrp="1"/>
           </p:cNvSpPr>
@@ -5433,6 +6179,142 @@
           <a:bodyPr/>
           <a:lstStyle/>
           <a:p>
+            <a:pPr marL="0" indent="0">
+              <a:buNone/>
+            </a:pPr>
+            <a:r>
+              <a:rPr lang="zh-CN" altLang="en-US" dirty="0"/>
+              <a:t>何时发生装箱？</a:t>
+            </a:r>
+            <a:endParaRPr lang="en-US" altLang="zh-CN" dirty="0"/>
+          </a:p>
+          <a:p>
+            <a:pPr marL="0" indent="0">
+              <a:buNone/>
+            </a:pPr>
+            <a:r>
+              <a:rPr lang="zh-CN" altLang="en-US" sz="2400" dirty="0"/>
+              <a:t>如前所属，装箱发生在期望使用堆类型但却使用了值类型的时候。如下情况可能导致装箱：</a:t>
+            </a:r>
+            <a:endParaRPr lang="en-US" altLang="zh-CN" sz="2400" dirty="0"/>
+          </a:p>
+          <a:p>
+            <a:r>
+              <a:rPr lang="zh-CN" altLang="en-US" sz="2400" dirty="0"/>
+              <a:t>将值类型值赋予</a:t>
+            </a:r>
+            <a:r>
+              <a:rPr lang="en-US" altLang="zh-CN" sz="2400" dirty="0"/>
+              <a:t>object</a:t>
+            </a:r>
+            <a:r>
+              <a:rPr lang="zh-CN" altLang="en-US" sz="2400" dirty="0"/>
+              <a:t>类型对象</a:t>
+            </a:r>
+            <a:endParaRPr lang="en-US" altLang="zh-CN" sz="2400" dirty="0"/>
+          </a:p>
+          <a:p>
+            <a:pPr marL="914400" lvl="2" indent="0">
+              <a:buNone/>
+            </a:pPr>
+            <a:r>
+              <a:rPr lang="zh-CN" altLang="en-US" dirty="0"/>
+              <a:t>尝试通过泛化类型或方法避免装箱。</a:t>
+            </a:r>
+            <a:endParaRPr lang="en-US" altLang="zh-CN" dirty="0"/>
+          </a:p>
+          <a:p>
+            <a:pPr marL="914400" lvl="2" indent="0">
+              <a:buNone/>
+            </a:pPr>
+            <a:endParaRPr lang="zh-CN" altLang="en-US" sz="1600" dirty="0"/>
+          </a:p>
+        </p:txBody>
+      </p:sp>
+      <p:pic>
+        <p:nvPicPr>
+          <p:cNvPr id="7" name="图片 6"/>
+          <p:cNvPicPr>
+            <a:picLocks noChangeAspect="1"/>
+          </p:cNvPicPr>
+          <p:nvPr/>
+        </p:nvPicPr>
+        <p:blipFill>
+          <a:blip r:embed="rId2"/>
+          <a:stretch>
+            <a:fillRect/>
+          </a:stretch>
+        </p:blipFill>
+        <p:spPr>
+          <a:xfrm>
+            <a:off x="838200" y="4071938"/>
+            <a:ext cx="4267200" cy="2105025"/>
+          </a:xfrm>
+          <a:prstGeom prst="rect">
+            <a:avLst/>
+          </a:prstGeom>
+        </p:spPr>
+      </p:pic>
+      <p:pic>
+        <p:nvPicPr>
+          <p:cNvPr id="8" name="图片 7"/>
+          <p:cNvPicPr>
+            <a:picLocks noChangeAspect="1"/>
+          </p:cNvPicPr>
+          <p:nvPr/>
+        </p:nvPicPr>
+        <p:blipFill>
+          <a:blip r:embed="rId3"/>
+          <a:stretch>
+            <a:fillRect/>
+          </a:stretch>
+        </p:blipFill>
+        <p:spPr>
+          <a:xfrm>
+            <a:off x="7305675" y="4071938"/>
+            <a:ext cx="4048125" cy="2105025"/>
+          </a:xfrm>
+          <a:prstGeom prst="rect">
+            <a:avLst/>
+          </a:prstGeom>
+        </p:spPr>
+      </p:pic>
+      <p:sp>
+        <p:nvSpPr>
+          <p:cNvPr id="9" name="箭头: 右 8"/>
+          <p:cNvSpPr/>
+          <p:nvPr/>
+        </p:nvSpPr>
+        <p:spPr>
+          <a:xfrm>
+            <a:off x="5291137" y="4959867"/>
+            <a:ext cx="1828800" cy="329166"/>
+          </a:xfrm>
+          <a:prstGeom prst="rightArrow">
+            <a:avLst/>
+          </a:prstGeom>
+        </p:spPr>
+        <p:style>
+          <a:lnRef idx="2">
+            <a:schemeClr val="accent1">
+              <a:shade val="50000"/>
+            </a:schemeClr>
+          </a:lnRef>
+          <a:fillRef idx="1">
+            <a:schemeClr val="accent1"/>
+          </a:fillRef>
+          <a:effectRef idx="0">
+            <a:schemeClr val="accent1"/>
+          </a:effectRef>
+          <a:fontRef idx="minor">
+            <a:schemeClr val="lt1"/>
+          </a:fontRef>
+        </p:style>
+        <p:txBody>
+          <a:bodyPr rtlCol="0" anchor="ctr"/>
+          <a:lstStyle/>
+          <a:p>
+            <a:pPr algn="ctr"/>
             <a:endParaRPr lang="zh-CN" altLang="en-US"/>
           </a:p>
         </p:txBody>
@@ -5440,7 +6322,7 @@
     </p:spTree>
     <p:extLst>
       <p:ext uri="{BB962C8B-B14F-4D97-AF65-F5344CB8AC3E}">
-        <p14:creationId xmlns:p14="http://schemas.microsoft.com/office/powerpoint/2010/main" val="2700295959"/>
+        <p14:creationId xmlns:p14="http://schemas.microsoft.com/office/powerpoint/2010/main" val="1426450898"/>
       </p:ext>
     </p:extLst>
   </p:cSld>
@@ -5492,7 +6374,7 @@
             </a:r>
             <a:r>
               <a:rPr lang="zh-CN" altLang="en-US" dirty="0"/>
-              <a:t>其他</a:t>
+              <a:t>应对装箱</a:t>
             </a:r>
           </a:p>
         </p:txBody>
@@ -5509,18 +6391,82 @@
         </p:nvSpPr>
         <p:spPr/>
         <p:txBody>
-          <a:bodyPr>
-            <a:normAutofit lnSpcReduction="10000"/>
-          </a:bodyPr>
-          <a:lstStyle/>
-          <a:p>
-            <a:r>
-              <a:rPr lang="zh-CN" altLang="en-US" dirty="0"/>
-              <a:t>缓存</a:t>
+          <a:bodyPr/>
+          <a:lstStyle/>
+          <a:p>
+            <a:r>
+              <a:rPr lang="zh-CN" altLang="en-US" dirty="0"/>
+              <a:t>调用结构体未重写的</a:t>
+            </a:r>
+            <a:r>
+              <a:rPr lang="en-US" altLang="zh-CN" dirty="0"/>
+              <a:t>Object</a:t>
+            </a:r>
+            <a:r>
+              <a:rPr lang="zh-CN" altLang="en-US" dirty="0"/>
+              <a:t>类型方法</a:t>
+            </a:r>
+            <a:endParaRPr lang="en-US" altLang="zh-CN" dirty="0"/>
+          </a:p>
+          <a:p>
+            <a:pPr marL="457200" lvl="1" indent="0">
+              <a:buNone/>
+            </a:pPr>
+            <a:endParaRPr lang="en-US" altLang="zh-CN" dirty="0"/>
+          </a:p>
+          <a:p>
+            <a:pPr marL="457200" lvl="1" indent="0">
+              <a:buNone/>
+            </a:pPr>
+            <a:endParaRPr lang="en-US" altLang="zh-CN" dirty="0"/>
+          </a:p>
+          <a:p>
+            <a:pPr marL="457200" lvl="1" indent="0">
+              <a:buNone/>
+            </a:pPr>
+            <a:endParaRPr lang="en-US" altLang="zh-CN" dirty="0"/>
+          </a:p>
+          <a:p>
+            <a:pPr marL="457200" lvl="1" indent="0">
+              <a:buNone/>
+            </a:pPr>
+            <a:endParaRPr lang="en-US" altLang="zh-CN" dirty="0"/>
+          </a:p>
+          <a:p>
+            <a:pPr marL="457200" lvl="1" indent="0">
+              <a:buNone/>
+            </a:pPr>
+            <a:endParaRPr lang="en-US" altLang="zh-CN" dirty="0"/>
+          </a:p>
+          <a:p>
+            <a:pPr marL="457200" lvl="1" indent="0">
+              <a:buNone/>
+            </a:pPr>
+            <a:r>
+              <a:rPr lang="en-US" altLang="zh-CN" dirty="0"/>
+              <a:t>constrained</a:t>
+            </a:r>
+            <a:r>
+              <a:rPr lang="zh-CN" altLang="en-US" dirty="0"/>
+              <a:t>指令暗示了装箱操作。</a:t>
+            </a:r>
+            <a:endParaRPr lang="en-US" altLang="zh-CN" dirty="0"/>
+          </a:p>
+          <a:p>
+            <a:pPr marL="457200" lvl="1" indent="0">
+              <a:buNone/>
+            </a:pPr>
+            <a:r>
+              <a:rPr lang="zh-CN" altLang="en-US" dirty="0"/>
+              <a:t>当该指令类型操作数为值类型，其后的</a:t>
             </a:r>
             <a:r>
               <a:rPr lang="en-US" altLang="zh-CN" dirty="0" err="1"/>
-              <a:t>MemberInfo</a:t>
+              <a:t>callvirt</a:t>
+            </a:r>
+            <a:r>
+              <a:rPr lang="zh-CN" altLang="en-US" dirty="0"/>
+              <a:t>调用的方法如果未被值类型实现，则值类型需要先装箱再尝试调用。</a:t>
             </a:r>
             <a:endParaRPr lang="en-US" altLang="zh-CN" dirty="0"/>
           </a:p>
@@ -5529,230 +6475,175 @@
               <a:buNone/>
             </a:pPr>
             <a:r>
-              <a:rPr lang="zh-CN" altLang="en-US" sz="1800" dirty="0">
-                <a:latin typeface="微软雅黑 Light" panose="020B0502040204020203" pitchFamily="34" charset="-122"/>
-                <a:ea typeface="微软雅黑 Light" panose="020B0502040204020203" pitchFamily="34" charset="-122"/>
-              </a:rPr>
-              <a:t>反射性能低下主要有三个原因：</a:t>
-            </a:r>
-            <a:r>
-              <a:rPr lang="en-US" altLang="zh-CN" sz="1800" dirty="0" err="1">
-                <a:latin typeface="微软雅黑 Light" panose="020B0502040204020203" pitchFamily="34" charset="-122"/>
-                <a:ea typeface="微软雅黑 Light" panose="020B0502040204020203" pitchFamily="34" charset="-122"/>
-              </a:rPr>
-              <a:t>EEClass</a:t>
-            </a:r>
-            <a:r>
-              <a:rPr lang="zh-CN" altLang="en-US" sz="1800" dirty="0">
-                <a:latin typeface="微软雅黑 Light" panose="020B0502040204020203" pitchFamily="34" charset="-122"/>
-                <a:ea typeface="微软雅黑 Light" panose="020B0502040204020203" pitchFamily="34" charset="-122"/>
-              </a:rPr>
-              <a:t>检索慢于编译器生成的地址代换，检索到的数据需要生成</a:t>
-            </a:r>
-            <a:r>
-              <a:rPr lang="en-US" altLang="zh-CN" sz="1800" dirty="0" err="1">
-                <a:latin typeface="微软雅黑 Light" panose="020B0502040204020203" pitchFamily="34" charset="-122"/>
-                <a:ea typeface="微软雅黑 Light" panose="020B0502040204020203" pitchFamily="34" charset="-122"/>
-              </a:rPr>
-              <a:t>MemberInfo</a:t>
-            </a:r>
-            <a:r>
-              <a:rPr lang="zh-CN" altLang="en-US" sz="1800" dirty="0">
-                <a:latin typeface="微软雅黑 Light" panose="020B0502040204020203" pitchFamily="34" charset="-122"/>
-                <a:ea typeface="微软雅黑 Light" panose="020B0502040204020203" pitchFamily="34" charset="-122"/>
-              </a:rPr>
-              <a:t>对象，访问</a:t>
-            </a:r>
-            <a:r>
-              <a:rPr lang="en-US" altLang="zh-CN" sz="1800" dirty="0" err="1">
-                <a:latin typeface="微软雅黑 Light" panose="020B0502040204020203" pitchFamily="34" charset="-122"/>
-                <a:ea typeface="微软雅黑 Light" panose="020B0502040204020203" pitchFamily="34" charset="-122"/>
-              </a:rPr>
-              <a:t>MemberInfo</a:t>
-            </a:r>
-            <a:r>
-              <a:rPr lang="zh-CN" altLang="en-US" sz="1800" dirty="0">
-                <a:latin typeface="微软雅黑 Light" panose="020B0502040204020203" pitchFamily="34" charset="-122"/>
-                <a:ea typeface="微软雅黑 Light" panose="020B0502040204020203" pitchFamily="34" charset="-122"/>
-              </a:rPr>
-              <a:t>对象需要动态绑定。使用反射式缓存</a:t>
-            </a:r>
-            <a:r>
-              <a:rPr lang="en-US" altLang="zh-CN" sz="1800" dirty="0" err="1">
-                <a:latin typeface="微软雅黑 Light" panose="020B0502040204020203" pitchFamily="34" charset="-122"/>
-                <a:ea typeface="微软雅黑 Light" panose="020B0502040204020203" pitchFamily="34" charset="-122"/>
-              </a:rPr>
-              <a:t>MemberInfo</a:t>
-            </a:r>
-            <a:r>
-              <a:rPr lang="zh-CN" altLang="en-US" sz="1800" dirty="0">
-                <a:latin typeface="微软雅黑 Light" panose="020B0502040204020203" pitchFamily="34" charset="-122"/>
-                <a:ea typeface="微软雅黑 Light" panose="020B0502040204020203" pitchFamily="34" charset="-122"/>
-              </a:rPr>
-              <a:t>，前两个问题都能迎刃而解</a:t>
-            </a:r>
-          </a:p>
-          <a:p>
-            <a:r>
-              <a:rPr lang="zh-CN" altLang="en-US" dirty="0"/>
-              <a:t>为集合预分配容量</a:t>
-            </a:r>
-            <a:endParaRPr lang="en-US" altLang="zh-CN" dirty="0"/>
-          </a:p>
-          <a:p>
-            <a:pPr marL="457200" lvl="1" indent="0">
-              <a:buNone/>
-            </a:pPr>
-            <a:r>
-              <a:rPr lang="zh-CN" altLang="en-US" sz="1800" dirty="0">
-                <a:latin typeface="微软雅黑 Light" panose="020B0502040204020203" pitchFamily="34" charset="-122"/>
-                <a:ea typeface="微软雅黑 Light" panose="020B0502040204020203" pitchFamily="34" charset="-122"/>
-              </a:rPr>
-              <a:t>集合拥有积极扩张的内存分配策略，预估集合容量并进行预分配非但有助于减少重分配次数，而且通常能够节约内存</a:t>
-            </a:r>
-            <a:endParaRPr lang="en-US" altLang="zh-CN" sz="1800" dirty="0">
-              <a:latin typeface="微软雅黑 Light" panose="020B0502040204020203" pitchFamily="34" charset="-122"/>
-              <a:ea typeface="微软雅黑 Light" panose="020B0502040204020203" pitchFamily="34" charset="-122"/>
-            </a:endParaRPr>
-          </a:p>
-          <a:p>
-            <a:r>
-              <a:rPr lang="zh-CN" altLang="en-US" dirty="0"/>
-              <a:t>重写</a:t>
+              <a:rPr lang="zh-CN" altLang="en-US" dirty="0"/>
+              <a:t>因此，</a:t>
+            </a:r>
+            <a:r>
+              <a:rPr lang="zh-CN" altLang="en-US" b="1" dirty="0"/>
+              <a:t>应当</a:t>
+            </a:r>
+            <a:r>
+              <a:rPr lang="zh-CN" altLang="en-US" dirty="0"/>
+              <a:t>为值类型实现</a:t>
             </a:r>
             <a:r>
               <a:rPr lang="en-US" altLang="zh-CN" dirty="0"/>
-              <a:t>Equals</a:t>
-            </a:r>
-            <a:r>
-              <a:rPr lang="zh-CN" altLang="en-US" dirty="0"/>
-              <a:t>方法和</a:t>
+              <a:t>Object</a:t>
+            </a:r>
+            <a:r>
+              <a:rPr lang="zh-CN" altLang="en-US" dirty="0"/>
+              <a:t>的虚方法：</a:t>
+            </a:r>
+            <a:r>
+              <a:rPr lang="en-US" altLang="zh-CN" dirty="0" err="1"/>
+              <a:t>ToString</a:t>
+            </a:r>
+            <a:r>
+              <a:rPr lang="en-US" altLang="zh-CN" dirty="0"/>
+              <a:t>, </a:t>
             </a:r>
             <a:r>
               <a:rPr lang="en-US" altLang="zh-CN" dirty="0" err="1"/>
               <a:t>GetHashCode</a:t>
             </a:r>
             <a:r>
-              <a:rPr lang="zh-CN" altLang="en-US" dirty="0"/>
-              <a:t>方法</a:t>
-            </a:r>
-            <a:endParaRPr lang="en-US" altLang="zh-CN" dirty="0"/>
-          </a:p>
-          <a:p>
-            <a:pPr marL="457200" lvl="1" indent="0">
-              <a:buNone/>
-            </a:pPr>
-            <a:r>
-              <a:rPr lang="zh-CN" altLang="en-US" sz="1800" dirty="0">
-                <a:latin typeface="微软雅黑 Light" panose="020B0502040204020203" pitchFamily="34" charset="-122"/>
-                <a:ea typeface="微软雅黑 Light" panose="020B0502040204020203" pitchFamily="34" charset="-122"/>
-              </a:rPr>
-              <a:t>引用类型的上述方法默认实现使用反射</a:t>
-            </a:r>
-            <a:r>
-              <a:rPr lang="zh-CN" altLang="en-US" dirty="0"/>
-              <a:t>坚持建立文档化注释</a:t>
-            </a:r>
-            <a:endParaRPr lang="en-US" altLang="zh-CN" dirty="0"/>
-          </a:p>
-          <a:p>
-            <a:pPr marL="457200" lvl="1" indent="0">
-              <a:buNone/>
-            </a:pPr>
-            <a:r>
-              <a:rPr lang="zh-CN" altLang="en-US" sz="1800" dirty="0">
-                <a:latin typeface="微软雅黑 Light" panose="020B0502040204020203" pitchFamily="34" charset="-122"/>
-                <a:ea typeface="微软雅黑 Light" panose="020B0502040204020203" pitchFamily="34" charset="-122"/>
-              </a:rPr>
-              <a:t>从</a:t>
-            </a:r>
-            <a:r>
-              <a:rPr lang="en-US" altLang="zh-CN" sz="1800" dirty="0">
-                <a:latin typeface="微软雅黑 Light" panose="020B0502040204020203" pitchFamily="34" charset="-122"/>
-                <a:ea typeface="微软雅黑 Light" panose="020B0502040204020203" pitchFamily="34" charset="-122"/>
-              </a:rPr>
-              <a:t>VisualStudio</a:t>
-            </a:r>
-            <a:r>
-              <a:rPr lang="zh-CN" altLang="en-US" sz="1800" dirty="0">
-                <a:latin typeface="微软雅黑 Light" panose="020B0502040204020203" pitchFamily="34" charset="-122"/>
-                <a:ea typeface="微软雅黑 Light" panose="020B0502040204020203" pitchFamily="34" charset="-122"/>
-              </a:rPr>
-              <a:t>到</a:t>
-            </a:r>
-            <a:r>
-              <a:rPr lang="en-US" altLang="zh-CN" sz="1800" dirty="0" err="1">
-                <a:latin typeface="微软雅黑 Light" panose="020B0502040204020203" pitchFamily="34" charset="-122"/>
-                <a:ea typeface="微软雅黑 Light" panose="020B0502040204020203" pitchFamily="34" charset="-122"/>
-              </a:rPr>
-              <a:t>Resharper</a:t>
-            </a:r>
-            <a:r>
-              <a:rPr lang="zh-CN" altLang="en-US" sz="1800" dirty="0">
-                <a:latin typeface="微软雅黑 Light" panose="020B0502040204020203" pitchFamily="34" charset="-122"/>
-                <a:ea typeface="微软雅黑 Light" panose="020B0502040204020203" pitchFamily="34" charset="-122"/>
-              </a:rPr>
-              <a:t>，对类与方法的描述都来自文档化注释。</a:t>
-            </a:r>
-            <a:endParaRPr lang="en-US" altLang="zh-CN" dirty="0"/>
-          </a:p>
-          <a:p>
-            <a:r>
-              <a:rPr lang="zh-CN" altLang="en-US" dirty="0"/>
-              <a:t>较小的集合不应使用有键集合</a:t>
-            </a:r>
-            <a:endParaRPr lang="en-US" altLang="zh-CN" dirty="0"/>
-          </a:p>
-          <a:p>
-            <a:pPr marL="457200" lvl="1" indent="0">
-              <a:buNone/>
-            </a:pPr>
-            <a:r>
-              <a:rPr lang="zh-CN" altLang="en-US" sz="1800" dirty="0">
-                <a:latin typeface="微软雅黑 Light" panose="020B0502040204020203" pitchFamily="34" charset="-122"/>
-                <a:ea typeface="微软雅黑 Light" panose="020B0502040204020203" pitchFamily="34" charset="-122"/>
-              </a:rPr>
-              <a:t>有键集合需要额外的空间。举例来说，一个空的</a:t>
-            </a:r>
-            <a:r>
-              <a:rPr lang="en-US" altLang="zh-CN" sz="1800" dirty="0">
-                <a:latin typeface="微软雅黑 Light" panose="020B0502040204020203" pitchFamily="34" charset="-122"/>
-                <a:ea typeface="微软雅黑 Light" panose="020B0502040204020203" pitchFamily="34" charset="-122"/>
-              </a:rPr>
-              <a:t>Dictionary</a:t>
-            </a:r>
-            <a:r>
-              <a:rPr lang="zh-CN" altLang="en-US" sz="1800" dirty="0">
-                <a:latin typeface="微软雅黑 Light" panose="020B0502040204020203" pitchFamily="34" charset="-122"/>
-                <a:ea typeface="微软雅黑 Light" panose="020B0502040204020203" pitchFamily="34" charset="-122"/>
-              </a:rPr>
-              <a:t>也会消耗</a:t>
-            </a:r>
-            <a:r>
-              <a:rPr lang="en-US" altLang="zh-CN" sz="1800" dirty="0">
-                <a:latin typeface="微软雅黑 Light" panose="020B0502040204020203" pitchFamily="34" charset="-122"/>
-                <a:ea typeface="微软雅黑 Light" panose="020B0502040204020203" pitchFamily="34" charset="-122"/>
-              </a:rPr>
-              <a:t>12</a:t>
-            </a:r>
-            <a:r>
-              <a:rPr lang="zh-CN" altLang="en-US" sz="1800" dirty="0">
-                <a:latin typeface="微软雅黑 Light" panose="020B0502040204020203" pitchFamily="34" charset="-122"/>
-                <a:ea typeface="微软雅黑 Light" panose="020B0502040204020203" pitchFamily="34" charset="-122"/>
-              </a:rPr>
-              <a:t>字节的空间。</a:t>
-            </a:r>
-            <a:endParaRPr lang="en-US" altLang="zh-CN" sz="1800" dirty="0">
-              <a:latin typeface="微软雅黑 Light" panose="020B0502040204020203" pitchFamily="34" charset="-122"/>
-              <a:ea typeface="微软雅黑 Light" panose="020B0502040204020203" pitchFamily="34" charset="-122"/>
-            </a:endParaRPr>
+              <a:rPr lang="en-US" altLang="zh-CN" dirty="0"/>
+              <a:t>, Equals</a:t>
+            </a:r>
+            <a:endParaRPr lang="zh-CN" altLang="en-US" dirty="0"/>
+          </a:p>
+        </p:txBody>
+      </p:sp>
+      <p:pic>
+        <p:nvPicPr>
+          <p:cNvPr id="4" name="图片 3"/>
+          <p:cNvPicPr>
+            <a:picLocks noChangeAspect="1"/>
+          </p:cNvPicPr>
+          <p:nvPr/>
+        </p:nvPicPr>
+        <p:blipFill>
+          <a:blip r:embed="rId2"/>
+          <a:stretch>
+            <a:fillRect/>
+          </a:stretch>
+        </p:blipFill>
+        <p:spPr>
+          <a:xfrm>
+            <a:off x="838200" y="2419238"/>
+            <a:ext cx="3019425" cy="1743075"/>
+          </a:xfrm>
+          <a:prstGeom prst="rect">
+            <a:avLst/>
+          </a:prstGeom>
+        </p:spPr>
+      </p:pic>
+      <p:pic>
+        <p:nvPicPr>
+          <p:cNvPr id="5" name="图片 4"/>
+          <p:cNvPicPr>
+            <a:picLocks noChangeAspect="1"/>
+          </p:cNvPicPr>
+          <p:nvPr/>
+        </p:nvPicPr>
+        <p:blipFill>
+          <a:blip r:embed="rId3"/>
+          <a:stretch>
+            <a:fillRect/>
+          </a:stretch>
+        </p:blipFill>
+        <p:spPr>
+          <a:xfrm>
+            <a:off x="5971621" y="2595450"/>
+            <a:ext cx="5267325" cy="695325"/>
+          </a:xfrm>
+          <a:prstGeom prst="rect">
+            <a:avLst/>
+          </a:prstGeom>
+        </p:spPr>
+      </p:pic>
+      <p:sp>
+        <p:nvSpPr>
+          <p:cNvPr id="6" name="箭头: 右 5"/>
+          <p:cNvSpPr/>
+          <p:nvPr/>
+        </p:nvSpPr>
+        <p:spPr>
+          <a:xfrm>
+            <a:off x="3985437" y="2820838"/>
+            <a:ext cx="1871330" cy="244548"/>
+          </a:xfrm>
+          <a:prstGeom prst="rightArrow">
+            <a:avLst/>
+          </a:prstGeom>
+        </p:spPr>
+        <p:style>
+          <a:lnRef idx="2">
+            <a:schemeClr val="accent1">
+              <a:shade val="50000"/>
+            </a:schemeClr>
+          </a:lnRef>
+          <a:fillRef idx="1">
+            <a:schemeClr val="accent1"/>
+          </a:fillRef>
+          <a:effectRef idx="0">
+            <a:schemeClr val="accent1"/>
+          </a:effectRef>
+          <a:fontRef idx="minor">
+            <a:schemeClr val="lt1"/>
+          </a:fontRef>
+        </p:style>
+        <p:txBody>
+          <a:bodyPr rtlCol="0" anchor="ctr"/>
+          <a:lstStyle/>
+          <a:p>
+            <a:pPr algn="ctr"/>
+            <a:endParaRPr lang="zh-CN" altLang="en-US"/>
+          </a:p>
+        </p:txBody>
+      </p:sp>
+      <p:sp>
+        <p:nvSpPr>
+          <p:cNvPr id="8" name="文本框 7"/>
+          <p:cNvSpPr txBox="1"/>
+          <p:nvPr/>
+        </p:nvSpPr>
+        <p:spPr>
+          <a:xfrm>
+            <a:off x="244549" y="6124245"/>
+            <a:ext cx="11844670" cy="369332"/>
+          </a:xfrm>
+          <a:prstGeom prst="rect">
+            <a:avLst/>
+          </a:prstGeom>
+          <a:noFill/>
+        </p:spPr>
+        <p:txBody>
+          <a:bodyPr wrap="square" rtlCol="0">
+            <a:spAutoFit/>
+          </a:bodyPr>
+          <a:lstStyle/>
+          <a:p>
+            <a:r>
+              <a:rPr lang="en-US" altLang="zh-CN" dirty="0"/>
+              <a:t>constrained</a:t>
+            </a:r>
+            <a:r>
+              <a:rPr lang="zh-CN" altLang="en-US" dirty="0"/>
+              <a:t>完整行为参见：</a:t>
+            </a:r>
+            <a:r>
+              <a:rPr lang="en-US" altLang="zh-CN" dirty="0"/>
+              <a:t>https://msdn.microsoft.com/zh-cn/library/system.reflection.emit.opcodes.constrained.aspx</a:t>
+            </a:r>
+            <a:endParaRPr lang="zh-CN" altLang="en-US" dirty="0"/>
           </a:p>
         </p:txBody>
       </p:sp>
     </p:spTree>
     <p:extLst>
       <p:ext uri="{BB962C8B-B14F-4D97-AF65-F5344CB8AC3E}">
-        <p14:creationId xmlns:p14="http://schemas.microsoft.com/office/powerpoint/2010/main" val="1948017904"/>
+        <p14:creationId xmlns:p14="http://schemas.microsoft.com/office/powerpoint/2010/main" val="1554668026"/>
       </p:ext>
     </p:extLst>
   </p:cSld>
@@ -5822,13 +6713,17 @@
         <p:spPr/>
         <p:txBody>
           <a:bodyPr>
-            <a:normAutofit/>
+            <a:normAutofit lnSpcReduction="10000"/>
           </a:bodyPr>
           <a:lstStyle/>
           <a:p>
             <a:r>
               <a:rPr lang="zh-CN" altLang="en-US" dirty="0"/>
-              <a:t>枚举类型不宜作为键使用</a:t>
+              <a:t>缓存</a:t>
+            </a:r>
+            <a:r>
+              <a:rPr lang="en-US" altLang="zh-CN" dirty="0" err="1"/>
+              <a:t>MemberInfo</a:t>
             </a:r>
             <a:endParaRPr lang="en-US" altLang="zh-CN" dirty="0"/>
           </a:p>
@@ -5841,21 +6736,82 @@
                 <a:latin typeface="微软雅黑 Light" panose="020B0502040204020203" pitchFamily="34" charset="-122"/>
                 <a:ea typeface="微软雅黑 Light" panose="020B0502040204020203" pitchFamily="34" charset="-122"/>
               </a:rPr>
-              <a:t>枚举是值类型，而且你无法重写它的</a:t>
+              <a:t>反射性能低下主要有三个原因：</a:t>
             </a:r>
             <a:r>
               <a:rPr lang="en-US" altLang="zh-CN" sz="1800" dirty="0" err="1">
                 <a:latin typeface="微软雅黑 Light" panose="020B0502040204020203" pitchFamily="34" charset="-122"/>
                 <a:ea typeface="微软雅黑 Light" panose="020B0502040204020203" pitchFamily="34" charset="-122"/>
               </a:rPr>
-              <a:t>GetHashCode</a:t>
+              <a:t>EEClass</a:t>
             </a:r>
             <a:r>
               <a:rPr lang="zh-CN" altLang="en-US" sz="1800" dirty="0">
                 <a:latin typeface="微软雅黑 Light" panose="020B0502040204020203" pitchFamily="34" charset="-122"/>
                 <a:ea typeface="微软雅黑 Light" panose="020B0502040204020203" pitchFamily="34" charset="-122"/>
               </a:rPr>
-              <a:t>方法</a:t>
+              <a:t>检索慢于编译器生成的地址代换，检索到的数据需要生成</a:t>
+            </a:r>
+            <a:r>
+              <a:rPr lang="en-US" altLang="zh-CN" sz="1800" dirty="0" err="1">
+                <a:latin typeface="微软雅黑 Light" panose="020B0502040204020203" pitchFamily="34" charset="-122"/>
+                <a:ea typeface="微软雅黑 Light" panose="020B0502040204020203" pitchFamily="34" charset="-122"/>
+              </a:rPr>
+              <a:t>MemberInfo</a:t>
+            </a:r>
+            <a:r>
+              <a:rPr lang="zh-CN" altLang="en-US" sz="1800" dirty="0">
+                <a:latin typeface="微软雅黑 Light" panose="020B0502040204020203" pitchFamily="34" charset="-122"/>
+                <a:ea typeface="微软雅黑 Light" panose="020B0502040204020203" pitchFamily="34" charset="-122"/>
+              </a:rPr>
+              <a:t>对象，访问</a:t>
+            </a:r>
+            <a:r>
+              <a:rPr lang="en-US" altLang="zh-CN" sz="1800" dirty="0" err="1">
+                <a:latin typeface="微软雅黑 Light" panose="020B0502040204020203" pitchFamily="34" charset="-122"/>
+                <a:ea typeface="微软雅黑 Light" panose="020B0502040204020203" pitchFamily="34" charset="-122"/>
+              </a:rPr>
+              <a:t>MemberInfo</a:t>
+            </a:r>
+            <a:r>
+              <a:rPr lang="zh-CN" altLang="en-US" sz="1800" dirty="0">
+                <a:latin typeface="微软雅黑 Light" panose="020B0502040204020203" pitchFamily="34" charset="-122"/>
+                <a:ea typeface="微软雅黑 Light" panose="020B0502040204020203" pitchFamily="34" charset="-122"/>
+              </a:rPr>
+              <a:t>对象需要动态绑定。使用反射式缓存</a:t>
+            </a:r>
+            <a:r>
+              <a:rPr lang="en-US" altLang="zh-CN" sz="1800" dirty="0" err="1">
+                <a:latin typeface="微软雅黑 Light" panose="020B0502040204020203" pitchFamily="34" charset="-122"/>
+                <a:ea typeface="微软雅黑 Light" panose="020B0502040204020203" pitchFamily="34" charset="-122"/>
+              </a:rPr>
+              <a:t>MemberInfo</a:t>
+            </a:r>
+            <a:r>
+              <a:rPr lang="zh-CN" altLang="en-US" sz="1800" dirty="0">
+                <a:latin typeface="微软雅黑 Light" panose="020B0502040204020203" pitchFamily="34" charset="-122"/>
+                <a:ea typeface="微软雅黑 Light" panose="020B0502040204020203" pitchFamily="34" charset="-122"/>
+              </a:rPr>
+              <a:t>，前两个问题都能迎刃而解</a:t>
+            </a:r>
+          </a:p>
+          <a:p>
+            <a:r>
+              <a:rPr lang="zh-CN" altLang="en-US" dirty="0"/>
+              <a:t>为集合预分配容量</a:t>
+            </a:r>
+            <a:endParaRPr lang="en-US" altLang="zh-CN" dirty="0"/>
+          </a:p>
+          <a:p>
+            <a:pPr marL="457200" lvl="1" indent="0">
+              <a:buNone/>
+            </a:pPr>
+            <a:r>
+              <a:rPr lang="zh-CN" altLang="en-US" sz="1800" dirty="0">
+                <a:latin typeface="微软雅黑 Light" panose="020B0502040204020203" pitchFamily="34" charset="-122"/>
+                <a:ea typeface="微软雅黑 Light" panose="020B0502040204020203" pitchFamily="34" charset="-122"/>
+              </a:rPr>
+              <a:t>集合拥有积极扩张的内存分配策略，预估集合容量并进行预分配非但有助于减少重分配次数，而且通常能够节约内存</a:t>
             </a:r>
             <a:endParaRPr lang="en-US" altLang="zh-CN" sz="1800" dirty="0">
               <a:latin typeface="微软雅黑 Light" panose="020B0502040204020203" pitchFamily="34" charset="-122"/>
@@ -5865,7 +6821,23 @@
           <a:p>
             <a:r>
               <a:rPr lang="zh-CN" altLang="en-US" dirty="0"/>
-              <a:t>谨慎传递结构体</a:t>
+              <a:t>重写</a:t>
+            </a:r>
+            <a:r>
+              <a:rPr lang="en-US" altLang="zh-CN" dirty="0"/>
+              <a:t>Equals</a:t>
+            </a:r>
+            <a:r>
+              <a:rPr lang="zh-CN" altLang="en-US" dirty="0"/>
+              <a:t>方法和</a:t>
+            </a:r>
+            <a:r>
+              <a:rPr lang="en-US" altLang="zh-CN" dirty="0" err="1"/>
+              <a:t>GetHashCode</a:t>
+            </a:r>
+            <a:r>
+              <a:rPr lang="zh-CN" altLang="en-US" dirty="0"/>
+              <a:t>方法</a:t>
             </a:r>
             <a:endParaRPr lang="en-US" altLang="zh-CN" dirty="0"/>
           </a:p>
@@ -5878,111 +6850,112 @@
                 <a:latin typeface="微软雅黑 Light" panose="020B0502040204020203" pitchFamily="34" charset="-122"/>
                 <a:ea typeface="微软雅黑 Light" panose="020B0502040204020203" pitchFamily="34" charset="-122"/>
               </a:rPr>
-              <a:t>别忘了结构体是值类型哦。使用</a:t>
+              <a:t>引用类型的上述方法默认实现使用反射</a:t>
+            </a:r>
+            <a:r>
+              <a:rPr lang="zh-CN" altLang="en-US" dirty="0"/>
+              <a:t>坚持建立文档化注释</a:t>
+            </a:r>
+            <a:endParaRPr lang="en-US" altLang="zh-CN" dirty="0"/>
+          </a:p>
+          <a:p>
+            <a:pPr marL="457200" lvl="1" indent="0">
+              <a:buNone/>
+            </a:pPr>
+            <a:r>
+              <a:rPr lang="zh-CN" altLang="en-US" sz="1800" dirty="0">
+                <a:latin typeface="微软雅黑 Light" panose="020B0502040204020203" pitchFamily="34" charset="-122"/>
+                <a:ea typeface="微软雅黑 Light" panose="020B0502040204020203" pitchFamily="34" charset="-122"/>
+              </a:rPr>
+              <a:t>从</a:t>
             </a:r>
             <a:r>
               <a:rPr lang="en-US" altLang="zh-CN" sz="1800" dirty="0">
                 <a:latin typeface="微软雅黑 Light" panose="020B0502040204020203" pitchFamily="34" charset="-122"/>
                 <a:ea typeface="微软雅黑 Light" panose="020B0502040204020203" pitchFamily="34" charset="-122"/>
               </a:rPr>
-              <a:t>ref</a:t>
+              <a:t>VisualStudio</a:t>
             </a:r>
             <a:r>
               <a:rPr lang="zh-CN" altLang="en-US" sz="1800" dirty="0">
                 <a:latin typeface="微软雅黑 Light" panose="020B0502040204020203" pitchFamily="34" charset="-122"/>
                 <a:ea typeface="微软雅黑 Light" panose="020B0502040204020203" pitchFamily="34" charset="-122"/>
               </a:rPr>
-              <a:t>传递作为参数的结构体</a:t>
+              <a:t>到</a:t>
+            </a:r>
+            <a:r>
+              <a:rPr lang="en-US" altLang="zh-CN" sz="1800" dirty="0" err="1">
+                <a:latin typeface="微软雅黑 Light" panose="020B0502040204020203" pitchFamily="34" charset="-122"/>
+                <a:ea typeface="微软雅黑 Light" panose="020B0502040204020203" pitchFamily="34" charset="-122"/>
+              </a:rPr>
+              <a:t>Resharper</a:t>
+            </a:r>
+            <a:r>
+              <a:rPr lang="zh-CN" altLang="en-US" sz="1800" dirty="0">
+                <a:latin typeface="微软雅黑 Light" panose="020B0502040204020203" pitchFamily="34" charset="-122"/>
+                <a:ea typeface="微软雅黑 Light" panose="020B0502040204020203" pitchFamily="34" charset="-122"/>
+              </a:rPr>
+              <a:t>，对类与方法的描述都来自文档化注释。</a:t>
+            </a:r>
+            <a:endParaRPr lang="en-US" altLang="zh-CN" dirty="0"/>
+          </a:p>
+          <a:p>
+            <a:r>
+              <a:rPr lang="zh-CN" altLang="en-US" dirty="0"/>
+              <a:t>较小的集合不应使用有键集合</a:t>
+            </a:r>
+            <a:endParaRPr lang="en-US" altLang="zh-CN" dirty="0"/>
+          </a:p>
+          <a:p>
+            <a:pPr marL="457200" lvl="1" indent="0">
+              <a:buNone/>
+            </a:pPr>
+            <a:r>
+              <a:rPr lang="zh-CN" altLang="en-US" sz="1800" dirty="0">
+                <a:latin typeface="微软雅黑 Light" panose="020B0502040204020203" pitchFamily="34" charset="-122"/>
+                <a:ea typeface="微软雅黑 Light" panose="020B0502040204020203" pitchFamily="34" charset="-122"/>
+              </a:rPr>
+              <a:t>有键集合需要额外的空间。举例来说，一个空的</a:t>
+            </a:r>
+            <a:r>
+              <a:rPr lang="en-US" altLang="zh-CN" sz="1800" dirty="0">
+                <a:latin typeface="微软雅黑 Light" panose="020B0502040204020203" pitchFamily="34" charset="-122"/>
+                <a:ea typeface="微软雅黑 Light" panose="020B0502040204020203" pitchFamily="34" charset="-122"/>
+              </a:rPr>
+              <a:t>Dictionary</a:t>
+            </a:r>
+            <a:r>
+              <a:rPr lang="zh-CN" altLang="en-US" sz="1800" dirty="0">
+                <a:latin typeface="微软雅黑 Light" panose="020B0502040204020203" pitchFamily="34" charset="-122"/>
+                <a:ea typeface="微软雅黑 Light" panose="020B0502040204020203" pitchFamily="34" charset="-122"/>
+              </a:rPr>
+              <a:t>也会消耗</a:t>
+            </a:r>
+            <a:r>
+              <a:rPr lang="en-US" altLang="zh-CN" sz="1800" dirty="0">
+                <a:latin typeface="微软雅黑 Light" panose="020B0502040204020203" pitchFamily="34" charset="-122"/>
+                <a:ea typeface="微软雅黑 Light" panose="020B0502040204020203" pitchFamily="34" charset="-122"/>
+              </a:rPr>
+              <a:t>12</a:t>
+            </a:r>
+            <a:r>
+              <a:rPr lang="zh-CN" altLang="en-US" sz="1800" dirty="0">
+                <a:latin typeface="微软雅黑 Light" panose="020B0502040204020203" pitchFamily="34" charset="-122"/>
+                <a:ea typeface="微软雅黑 Light" panose="020B0502040204020203" pitchFamily="34" charset="-122"/>
+              </a:rPr>
+              <a:t>字节的空间。</a:t>
             </a:r>
             <a:endParaRPr lang="en-US" altLang="zh-CN" sz="1800" dirty="0">
               <a:latin typeface="微软雅黑 Light" panose="020B0502040204020203" pitchFamily="34" charset="-122"/>
               <a:ea typeface="微软雅黑 Light" panose="020B0502040204020203" pitchFamily="34" charset="-122"/>
             </a:endParaRPr>
           </a:p>
-          <a:p>
-            <a:r>
-              <a:rPr lang="zh-CN" altLang="en-US" dirty="0"/>
-              <a:t>使用枚举而非常量</a:t>
-            </a:r>
-            <a:endParaRPr lang="en-US" altLang="zh-CN" dirty="0"/>
-          </a:p>
-          <a:p>
-            <a:pPr marL="457200" lvl="1" indent="0">
-              <a:buNone/>
-            </a:pPr>
-            <a:r>
-              <a:rPr lang="zh-CN" altLang="en-US" sz="1800" dirty="0">
-                <a:latin typeface="微软雅黑 Light" panose="020B0502040204020203" pitchFamily="34" charset="-122"/>
-                <a:ea typeface="微软雅黑 Light" panose="020B0502040204020203" pitchFamily="34" charset="-122"/>
-              </a:rPr>
-              <a:t>枚举明确地指出了其内容的约束，且拥有更完备的工具支持</a:t>
-            </a:r>
-            <a:endParaRPr lang="en-US" altLang="zh-CN" sz="1800" dirty="0">
-              <a:latin typeface="微软雅黑 Light" panose="020B0502040204020203" pitchFamily="34" charset="-122"/>
-              <a:ea typeface="微软雅黑 Light" panose="020B0502040204020203" pitchFamily="34" charset="-122"/>
-            </a:endParaRPr>
-          </a:p>
-          <a:p>
-            <a:r>
-              <a:rPr lang="zh-CN" altLang="en-US" dirty="0"/>
-              <a:t>慎重对待闭包</a:t>
-            </a:r>
-            <a:endParaRPr lang="en-US" altLang="zh-CN" dirty="0"/>
-          </a:p>
-          <a:p>
-            <a:pPr marL="457200" lvl="1" indent="0">
-              <a:buNone/>
-            </a:pPr>
-            <a:r>
-              <a:rPr lang="zh-CN" altLang="en-US" sz="1800" dirty="0">
-                <a:latin typeface="微软雅黑 Light" panose="020B0502040204020203" pitchFamily="34" charset="-122"/>
-                <a:ea typeface="微软雅黑 Light" panose="020B0502040204020203" pitchFamily="34" charset="-122"/>
-              </a:rPr>
-              <a:t>状态的延续站在内存的肩膀上</a:t>
-            </a:r>
-            <a:endParaRPr lang="en-US" altLang="zh-CN" sz="1800" dirty="0">
-              <a:latin typeface="微软雅黑 Light" panose="020B0502040204020203" pitchFamily="34" charset="-122"/>
-              <a:ea typeface="微软雅黑 Light" panose="020B0502040204020203" pitchFamily="34" charset="-122"/>
-            </a:endParaRPr>
-          </a:p>
-          <a:p>
-            <a:r>
-              <a:rPr lang="zh-CN" altLang="en-US" dirty="0"/>
-              <a:t>编译重复使用的正则表达式</a:t>
-            </a:r>
-            <a:endParaRPr lang="en-US" altLang="zh-CN" dirty="0"/>
-          </a:p>
-          <a:p>
-            <a:pPr marL="457200" lvl="1" indent="0">
-              <a:buNone/>
-            </a:pPr>
-            <a:r>
-              <a:rPr lang="zh-CN" altLang="en-US" sz="1800" dirty="0">
-                <a:latin typeface="微软雅黑 Light" panose="020B0502040204020203" pitchFamily="34" charset="-122"/>
-                <a:ea typeface="微软雅黑 Light" panose="020B0502040204020203" pitchFamily="34" charset="-122"/>
-              </a:rPr>
-              <a:t>将字符串编译为自动机往往要比匹配消耗更多时间</a:t>
-            </a:r>
-            <a:endParaRPr lang="en-US" altLang="zh-CN" sz="1800" dirty="0">
-              <a:latin typeface="微软雅黑 Light" panose="020B0502040204020203" pitchFamily="34" charset="-122"/>
-              <a:ea typeface="微软雅黑 Light" panose="020B0502040204020203" pitchFamily="34" charset="-122"/>
-            </a:endParaRPr>
-          </a:p>
-          <a:p>
-            <a:pPr marL="457200" lvl="1" indent="0">
-              <a:buNone/>
-            </a:pPr>
-            <a:endParaRPr lang="zh-CN" altLang="en-US" sz="1800" dirty="0">
-              <a:latin typeface="微软雅黑 Light" panose="020B0502040204020203" pitchFamily="34" charset="-122"/>
-              <a:ea typeface="微软雅黑 Light" panose="020B0502040204020203" pitchFamily="34" charset="-122"/>
-            </a:endParaRPr>
-          </a:p>
         </p:txBody>
       </p:sp>
     </p:spTree>
     <p:extLst>
       <p:ext uri="{BB962C8B-B14F-4D97-AF65-F5344CB8AC3E}">
-        <p14:creationId xmlns:p14="http://schemas.microsoft.com/office/powerpoint/2010/main" val="4131926382"/>
+        <p14:creationId xmlns:p14="http://schemas.microsoft.com/office/powerpoint/2010/main" val="1948017904"/>
       </p:ext>
     </p:extLst>
   </p:cSld>
@@ -6026,6 +6999,236 @@
           <a:p>
             <a:r>
               <a:rPr lang="zh-CN" altLang="en-US" dirty="0"/>
+              <a:t>最佳实践</a:t>
+            </a:r>
+            <a:r>
+              <a:rPr lang="en-US" altLang="zh-CN" dirty="0"/>
+              <a:t>/</a:t>
+            </a:r>
+            <a:r>
+              <a:rPr lang="zh-CN" altLang="en-US" dirty="0"/>
+              <a:t>其他</a:t>
+            </a:r>
+          </a:p>
+        </p:txBody>
+      </p:sp>
+      <p:sp>
+        <p:nvSpPr>
+          <p:cNvPr id="3" name="内容占位符 2"/>
+          <p:cNvSpPr>
+            <a:spLocks noGrp="1"/>
+          </p:cNvSpPr>
+          <p:nvPr>
+            <p:ph idx="1"/>
+          </p:nvPr>
+        </p:nvSpPr>
+        <p:spPr/>
+        <p:txBody>
+          <a:bodyPr>
+            <a:normAutofit/>
+          </a:bodyPr>
+          <a:lstStyle/>
+          <a:p>
+            <a:r>
+              <a:rPr lang="zh-CN" altLang="en-US" dirty="0"/>
+              <a:t>枚举类型不宜作为键使用</a:t>
+            </a:r>
+            <a:endParaRPr lang="en-US" altLang="zh-CN" dirty="0"/>
+          </a:p>
+          <a:p>
+            <a:pPr marL="457200" lvl="1" indent="0">
+              <a:buNone/>
+            </a:pPr>
+            <a:r>
+              <a:rPr lang="zh-CN" altLang="en-US" sz="1800" dirty="0">
+                <a:latin typeface="微软雅黑 Light" panose="020B0502040204020203" pitchFamily="34" charset="-122"/>
+                <a:ea typeface="微软雅黑 Light" panose="020B0502040204020203" pitchFamily="34" charset="-122"/>
+              </a:rPr>
+              <a:t>枚举是值类型，而且你无法重写它的</a:t>
+            </a:r>
+            <a:r>
+              <a:rPr lang="en-US" altLang="zh-CN" sz="1800" dirty="0" err="1">
+                <a:latin typeface="微软雅黑 Light" panose="020B0502040204020203" pitchFamily="34" charset="-122"/>
+                <a:ea typeface="微软雅黑 Light" panose="020B0502040204020203" pitchFamily="34" charset="-122"/>
+              </a:rPr>
+              <a:t>GetHashCode</a:t>
+            </a:r>
+            <a:r>
+              <a:rPr lang="zh-CN" altLang="en-US" sz="1800" dirty="0">
+                <a:latin typeface="微软雅黑 Light" panose="020B0502040204020203" pitchFamily="34" charset="-122"/>
+                <a:ea typeface="微软雅黑 Light" panose="020B0502040204020203" pitchFamily="34" charset="-122"/>
+              </a:rPr>
+              <a:t>方法</a:t>
+            </a:r>
+            <a:endParaRPr lang="en-US" altLang="zh-CN" sz="1800" dirty="0">
+              <a:latin typeface="微软雅黑 Light" panose="020B0502040204020203" pitchFamily="34" charset="-122"/>
+              <a:ea typeface="微软雅黑 Light" panose="020B0502040204020203" pitchFamily="34" charset="-122"/>
+            </a:endParaRPr>
+          </a:p>
+          <a:p>
+            <a:r>
+              <a:rPr lang="zh-CN" altLang="en-US" dirty="0"/>
+              <a:t>谨慎传递结构体</a:t>
+            </a:r>
+            <a:endParaRPr lang="en-US" altLang="zh-CN" dirty="0"/>
+          </a:p>
+          <a:p>
+            <a:pPr marL="457200" lvl="1" indent="0">
+              <a:buNone/>
+            </a:pPr>
+            <a:r>
+              <a:rPr lang="zh-CN" altLang="en-US" sz="1800" dirty="0">
+                <a:latin typeface="微软雅黑 Light" panose="020B0502040204020203" pitchFamily="34" charset="-122"/>
+                <a:ea typeface="微软雅黑 Light" panose="020B0502040204020203" pitchFamily="34" charset="-122"/>
+              </a:rPr>
+              <a:t>别忘了结构体是值类型哦。使用</a:t>
+            </a:r>
+            <a:r>
+              <a:rPr lang="en-US" altLang="zh-CN" sz="1800" dirty="0">
+                <a:latin typeface="微软雅黑 Light" panose="020B0502040204020203" pitchFamily="34" charset="-122"/>
+                <a:ea typeface="微软雅黑 Light" panose="020B0502040204020203" pitchFamily="34" charset="-122"/>
+              </a:rPr>
+              <a:t>ref</a:t>
+            </a:r>
+            <a:r>
+              <a:rPr lang="zh-CN" altLang="en-US" sz="1800" dirty="0">
+                <a:latin typeface="微软雅黑 Light" panose="020B0502040204020203" pitchFamily="34" charset="-122"/>
+                <a:ea typeface="微软雅黑 Light" panose="020B0502040204020203" pitchFamily="34" charset="-122"/>
+              </a:rPr>
+              <a:t>传递作为参数的结构体</a:t>
+            </a:r>
+            <a:endParaRPr lang="en-US" altLang="zh-CN" sz="1800" dirty="0">
+              <a:latin typeface="微软雅黑 Light" panose="020B0502040204020203" pitchFamily="34" charset="-122"/>
+              <a:ea typeface="微软雅黑 Light" panose="020B0502040204020203" pitchFamily="34" charset="-122"/>
+            </a:endParaRPr>
+          </a:p>
+          <a:p>
+            <a:r>
+              <a:rPr lang="zh-CN" altLang="en-US" dirty="0"/>
+              <a:t>使用枚举而非常量</a:t>
+            </a:r>
+            <a:endParaRPr lang="en-US" altLang="zh-CN" dirty="0"/>
+          </a:p>
+          <a:p>
+            <a:pPr marL="457200" lvl="1" indent="0">
+              <a:buNone/>
+            </a:pPr>
+            <a:r>
+              <a:rPr lang="zh-CN" altLang="en-US" sz="1800" dirty="0">
+                <a:latin typeface="微软雅黑 Light" panose="020B0502040204020203" pitchFamily="34" charset="-122"/>
+                <a:ea typeface="微软雅黑 Light" panose="020B0502040204020203" pitchFamily="34" charset="-122"/>
+              </a:rPr>
+              <a:t>枚举明确地指出了其内容的约束，且拥有更完备的工具支持</a:t>
+            </a:r>
+            <a:endParaRPr lang="en-US" altLang="zh-CN" sz="1800" dirty="0">
+              <a:latin typeface="微软雅黑 Light" panose="020B0502040204020203" pitchFamily="34" charset="-122"/>
+              <a:ea typeface="微软雅黑 Light" panose="020B0502040204020203" pitchFamily="34" charset="-122"/>
+            </a:endParaRPr>
+          </a:p>
+          <a:p>
+            <a:r>
+              <a:rPr lang="zh-CN" altLang="en-US" dirty="0"/>
+              <a:t>慎重对待闭包</a:t>
+            </a:r>
+            <a:endParaRPr lang="en-US" altLang="zh-CN" dirty="0"/>
+          </a:p>
+          <a:p>
+            <a:pPr marL="457200" lvl="1" indent="0">
+              <a:buNone/>
+            </a:pPr>
+            <a:r>
+              <a:rPr lang="zh-CN" altLang="en-US" sz="1800" dirty="0">
+                <a:latin typeface="微软雅黑 Light" panose="020B0502040204020203" pitchFamily="34" charset="-122"/>
+                <a:ea typeface="微软雅黑 Light" panose="020B0502040204020203" pitchFamily="34" charset="-122"/>
+              </a:rPr>
+              <a:t>状态的延续站在内存的肩膀上</a:t>
+            </a:r>
+            <a:endParaRPr lang="en-US" altLang="zh-CN" sz="1800" dirty="0">
+              <a:latin typeface="微软雅黑 Light" panose="020B0502040204020203" pitchFamily="34" charset="-122"/>
+              <a:ea typeface="微软雅黑 Light" panose="020B0502040204020203" pitchFamily="34" charset="-122"/>
+            </a:endParaRPr>
+          </a:p>
+          <a:p>
+            <a:r>
+              <a:rPr lang="zh-CN" altLang="en-US" dirty="0"/>
+              <a:t>编译重复使用的正则表达式</a:t>
+            </a:r>
+            <a:endParaRPr lang="en-US" altLang="zh-CN" dirty="0"/>
+          </a:p>
+          <a:p>
+            <a:pPr marL="457200" lvl="1" indent="0">
+              <a:buNone/>
+            </a:pPr>
+            <a:r>
+              <a:rPr lang="zh-CN" altLang="en-US" sz="1800" dirty="0">
+                <a:latin typeface="微软雅黑 Light" panose="020B0502040204020203" pitchFamily="34" charset="-122"/>
+                <a:ea typeface="微软雅黑 Light" panose="020B0502040204020203" pitchFamily="34" charset="-122"/>
+              </a:rPr>
+              <a:t>将字符串编译为自动机往往要比匹配消耗更多时间</a:t>
+            </a:r>
+            <a:endParaRPr lang="en-US" altLang="zh-CN" sz="1800" dirty="0">
+              <a:latin typeface="微软雅黑 Light" panose="020B0502040204020203" pitchFamily="34" charset="-122"/>
+              <a:ea typeface="微软雅黑 Light" panose="020B0502040204020203" pitchFamily="34" charset="-122"/>
+            </a:endParaRPr>
+          </a:p>
+          <a:p>
+            <a:pPr marL="457200" lvl="1" indent="0">
+              <a:buNone/>
+            </a:pPr>
+            <a:endParaRPr lang="zh-CN" altLang="en-US" sz="1800" dirty="0">
+              <a:latin typeface="微软雅黑 Light" panose="020B0502040204020203" pitchFamily="34" charset="-122"/>
+              <a:ea typeface="微软雅黑 Light" panose="020B0502040204020203" pitchFamily="34" charset="-122"/>
+            </a:endParaRPr>
+          </a:p>
+        </p:txBody>
+      </p:sp>
+    </p:spTree>
+    <p:extLst>
+      <p:ext uri="{BB962C8B-B14F-4D97-AF65-F5344CB8AC3E}">
+        <p14:creationId xmlns:p14="http://schemas.microsoft.com/office/powerpoint/2010/main" val="4131926382"/>
+      </p:ext>
+    </p:extLst>
+  </p:cSld>
+  <p:clrMapOvr>
+    <a:masterClrMapping/>
+  </p:clrMapOvr>
+</p:sld>
+</file>
+
+<file path=ppt/slides/slide24.xml><?xml version="1.0" encoding="utf-8"?>
+<p:sld xmlns:a="http://schemas.openxmlformats.org/drawingml/2006/main" xmlns:r="http://schemas.openxmlformats.org/officeDocument/2006/relationships" xmlns:p="http://schemas.openxmlformats.org/presentationml/2006/main">
+  <p:cSld>
+    <p:spTree>
+      <p:nvGrpSpPr>
+        <p:cNvPr id="1" name=""/>
+        <p:cNvGrpSpPr/>
+        <p:nvPr/>
+      </p:nvGrpSpPr>
+      <p:grpSpPr>
+        <a:xfrm>
+          <a:off x="0" y="0"/>
+          <a:ext cx="0" cy="0"/>
+          <a:chOff x="0" y="0"/>
+          <a:chExt cx="0" cy="0"/>
+        </a:xfrm>
+      </p:grpSpPr>
+      <p:sp>
+        <p:nvSpPr>
+          <p:cNvPr id="2" name="标题 1"/>
+          <p:cNvSpPr>
+            <a:spLocks noGrp="1"/>
+          </p:cNvSpPr>
+          <p:nvPr>
+            <p:ph type="title"/>
+          </p:nvPr>
+        </p:nvSpPr>
+        <p:spPr/>
+        <p:txBody>
+          <a:bodyPr/>
+          <a:lstStyle/>
+          <a:p>
+            <a:r>
+              <a:rPr lang="zh-CN" altLang="en-US" dirty="0"/>
               <a:t>磁盘结构</a:t>
             </a:r>
             <a:r>
@@ -6134,7 +7337,7 @@
 </p:sld>
 </file>
 
-<file path=ppt/slides/slide24.xml><?xml version="1.0" encoding="utf-8"?>
+<file path=ppt/slides/slide25.xml><?xml version="1.0" encoding="utf-8"?>
 <p:sld xmlns:a="http://schemas.openxmlformats.org/drawingml/2006/main" xmlns:r="http://schemas.openxmlformats.org/officeDocument/2006/relationships" xmlns:p="http://schemas.openxmlformats.org/presentationml/2006/main">
   <p:cSld>
     <p:spTree>
@@ -6367,7 +7570,7 @@
 </p:sld>
 </file>
 
-<file path=ppt/slides/slide25.xml><?xml version="1.0" encoding="utf-8"?>
+<file path=ppt/slides/slide26.xml><?xml version="1.0" encoding="utf-8"?>
 <p:sld xmlns:a="http://schemas.openxmlformats.org/drawingml/2006/main" xmlns:r="http://schemas.openxmlformats.org/officeDocument/2006/relationships" xmlns:p="http://schemas.openxmlformats.org/presentationml/2006/main">
   <p:cSld>
     <p:spTree>
@@ -6998,7 +8201,7 @@
 </p:sld>
 </file>
 
-<file path=ppt/slides/slide26.xml><?xml version="1.0" encoding="utf-8"?>
+<file path=ppt/slides/slide27.xml><?xml version="1.0" encoding="utf-8"?>
 <p:sld xmlns:a="http://schemas.openxmlformats.org/drawingml/2006/main" xmlns:r="http://schemas.openxmlformats.org/officeDocument/2006/relationships" xmlns:p="http://schemas.openxmlformats.org/presentationml/2006/main">
   <p:cSld>
     <p:spTree>
@@ -7355,7 +8558,7 @@
 </p:sld>
 </file>
 
-<file path=ppt/slides/slide27.xml><?xml version="1.0" encoding="utf-8"?>
+<file path=ppt/slides/slide28.xml><?xml version="1.0" encoding="utf-8"?>
 <p:sld xmlns:a="http://schemas.openxmlformats.org/drawingml/2006/main" xmlns:r="http://schemas.openxmlformats.org/officeDocument/2006/relationships" xmlns:p="http://schemas.openxmlformats.org/presentationml/2006/main">
   <p:cSld>
     <p:spTree>
@@ -7512,7 +8715,7 @@
 </p:sld>
 </file>
 
-<file path=ppt/slides/slide28.xml><?xml version="1.0" encoding="utf-8"?>
+<file path=ppt/slides/slide29.xml><?xml version="1.0" encoding="utf-8"?>
 <p:sld xmlns:a="http://schemas.openxmlformats.org/drawingml/2006/main" xmlns:r="http://schemas.openxmlformats.org/officeDocument/2006/relationships" xmlns:p="http://schemas.openxmlformats.org/presentationml/2006/main">
   <p:cSld>
     <p:spTree>
@@ -7593,194 +8796,6 @@
     <p:extLst>
       <p:ext uri="{BB962C8B-B14F-4D97-AF65-F5344CB8AC3E}">
         <p14:creationId xmlns:p14="http://schemas.microsoft.com/office/powerpoint/2010/main" val="2169093456"/>
-      </p:ext>
-    </p:extLst>
-  </p:cSld>
-  <p:clrMapOvr>
-    <a:masterClrMapping/>
-  </p:clrMapOvr>
-</p:sld>
-</file>
-
-<file path=ppt/slides/slide29.xml><?xml version="1.0" encoding="utf-8"?>
-<p:sld xmlns:a="http://schemas.openxmlformats.org/drawingml/2006/main" xmlns:r="http://schemas.openxmlformats.org/officeDocument/2006/relationships" xmlns:p="http://schemas.openxmlformats.org/presentationml/2006/main">
-  <p:cSld>
-    <p:spTree>
-      <p:nvGrpSpPr>
-        <p:cNvPr id="1" name=""/>
-        <p:cNvGrpSpPr/>
-        <p:nvPr/>
-      </p:nvGrpSpPr>
-      <p:grpSpPr>
-        <a:xfrm>
-          <a:off x="0" y="0"/>
-          <a:ext cx="0" cy="0"/>
-          <a:chOff x="0" y="0"/>
-          <a:chExt cx="0" cy="0"/>
-        </a:xfrm>
-      </p:grpSpPr>
-      <p:sp>
-        <p:nvSpPr>
-          <p:cNvPr id="2" name="标题 1"/>
-          <p:cNvSpPr>
-            <a:spLocks noGrp="1"/>
-          </p:cNvSpPr>
-          <p:nvPr>
-            <p:ph type="title"/>
-          </p:nvPr>
-        </p:nvSpPr>
-        <p:spPr/>
-        <p:txBody>
-          <a:bodyPr/>
-          <a:lstStyle/>
-          <a:p>
-            <a:r>
-              <a:rPr lang="en-US" altLang="zh-CN" dirty="0"/>
-              <a:t>IL2CPP</a:t>
-            </a:r>
-            <a:endParaRPr lang="zh-CN" altLang="en-US" dirty="0"/>
-          </a:p>
-        </p:txBody>
-      </p:sp>
-      <p:sp>
-        <p:nvSpPr>
-          <p:cNvPr id="3" name="内容占位符 2"/>
-          <p:cNvSpPr>
-            <a:spLocks noGrp="1"/>
-          </p:cNvSpPr>
-          <p:nvPr>
-            <p:ph idx="1"/>
-          </p:nvPr>
-        </p:nvSpPr>
-        <p:spPr/>
-        <p:txBody>
-          <a:bodyPr/>
-          <a:lstStyle/>
-          <a:p>
-            <a:r>
-              <a:rPr lang="en-US" altLang="zh-CN" dirty="0"/>
-              <a:t>IL2CPP</a:t>
-            </a:r>
-            <a:r>
-              <a:rPr lang="zh-CN" altLang="en-US" dirty="0"/>
-              <a:t>分别处理字段和方法：实例字段和类字段被生成到相同</a:t>
-            </a:r>
-            <a:r>
-              <a:rPr lang="en-US" altLang="zh-CN" dirty="0"/>
-              <a:t>.h</a:t>
-            </a:r>
-            <a:r>
-              <a:rPr lang="zh-CN" altLang="en-US" dirty="0"/>
-              <a:t>文件的不同结构中，方法被生成到</a:t>
-            </a:r>
-            <a:r>
-              <a:rPr lang="en-US" altLang="zh-CN" dirty="0"/>
-              <a:t>.</a:t>
-            </a:r>
-            <a:r>
-              <a:rPr lang="en-US" altLang="zh-CN" dirty="0" err="1"/>
-              <a:t>cpp</a:t>
-            </a:r>
-            <a:r>
-              <a:rPr lang="zh-CN" altLang="en-US" dirty="0"/>
-              <a:t>文件中</a:t>
-            </a:r>
-            <a:endParaRPr lang="en-US" altLang="zh-CN" dirty="0"/>
-          </a:p>
-          <a:p>
-            <a:r>
-              <a:rPr lang="en-US" altLang="zh-CN" dirty="0"/>
-              <a:t>IL2CPP</a:t>
-            </a:r>
-            <a:r>
-              <a:rPr lang="zh-CN" altLang="en-US" dirty="0"/>
-              <a:t>对</a:t>
-            </a:r>
-            <a:r>
-              <a:rPr lang="en-US" altLang="zh-CN" dirty="0"/>
-              <a:t>IL</a:t>
-            </a:r>
-            <a:r>
-              <a:rPr lang="zh-CN" altLang="en-US" dirty="0"/>
-              <a:t>的翻译近乎直译。</a:t>
-            </a:r>
-            <a:r>
-              <a:rPr lang="en-US" altLang="zh-CN" dirty="0" err="1"/>
-              <a:t>.Net</a:t>
-            </a:r>
-            <a:r>
-              <a:rPr lang="zh-CN" altLang="en-US" dirty="0"/>
-              <a:t>编译器的质量直接影响</a:t>
-            </a:r>
-            <a:r>
-              <a:rPr lang="en-US" altLang="zh-CN" dirty="0"/>
-              <a:t>IL2CPP</a:t>
-            </a:r>
-            <a:r>
-              <a:rPr lang="zh-CN" altLang="en-US" dirty="0"/>
-              <a:t>最终生成的结果</a:t>
-            </a:r>
-            <a:endParaRPr lang="en-US" altLang="zh-CN" dirty="0"/>
-          </a:p>
-          <a:p>
-            <a:r>
-              <a:rPr lang="en-US" altLang="zh-CN" dirty="0"/>
-              <a:t>IL2CPP</a:t>
-            </a:r>
-            <a:r>
-              <a:rPr lang="zh-CN" altLang="en-US" dirty="0"/>
-              <a:t>会为虚调用生成对象，通过支持库</a:t>
-            </a:r>
-            <a:r>
-              <a:rPr lang="en-US" altLang="zh-CN" dirty="0"/>
-              <a:t>libil2cpp</a:t>
-            </a:r>
-            <a:r>
-              <a:rPr lang="zh-CN" altLang="en-US" dirty="0"/>
-              <a:t>方法调用。虚调用会受到一定的优化，有时</a:t>
-            </a:r>
-            <a:r>
-              <a:rPr lang="en-US" altLang="zh-CN" dirty="0" err="1"/>
-              <a:t>callvirt</a:t>
-            </a:r>
-            <a:r>
-              <a:rPr lang="zh-CN" altLang="en-US" dirty="0"/>
-              <a:t>指令并不对真的被翻译为虚调用的形式</a:t>
-            </a:r>
-            <a:endParaRPr lang="en-US" altLang="zh-CN" dirty="0"/>
-          </a:p>
-          <a:p>
-            <a:r>
-              <a:rPr lang="en-US" altLang="zh-CN" dirty="0"/>
-              <a:t>FCL</a:t>
-            </a:r>
-            <a:r>
-              <a:rPr lang="zh-CN" altLang="en-US" dirty="0"/>
-              <a:t>使用和</a:t>
-            </a:r>
-            <a:r>
-              <a:rPr lang="en-US" altLang="zh-CN" dirty="0"/>
-              <a:t>Mono</a:t>
-            </a:r>
-            <a:r>
-              <a:rPr lang="zh-CN" altLang="en-US" dirty="0"/>
-              <a:t>一样的代码，经由</a:t>
-            </a:r>
-            <a:r>
-              <a:rPr lang="en-US" altLang="zh-CN" dirty="0"/>
-              <a:t>IL2CPP</a:t>
-            </a:r>
-            <a:r>
-              <a:rPr lang="zh-CN" altLang="en-US" dirty="0"/>
-              <a:t>编译器翻译而成。虽然损失了潜在的优化，然而确保了代码的一致性</a:t>
-            </a:r>
-          </a:p>
-        </p:txBody>
-      </p:sp>
-    </p:spTree>
-    <p:extLst>
-      <p:ext uri="{BB962C8B-B14F-4D97-AF65-F5344CB8AC3E}">
-        <p14:creationId xmlns:p14="http://schemas.microsoft.com/office/powerpoint/2010/main" val="1747156259"/>
       </p:ext>
     </p:extLst>
   </p:cSld>
@@ -8045,6 +9060,194 @@
           <a:lstStyle/>
           <a:p>
             <a:r>
+              <a:rPr lang="en-US" altLang="zh-CN" dirty="0"/>
+              <a:t>IL2CPP</a:t>
+            </a:r>
+            <a:endParaRPr lang="zh-CN" altLang="en-US" dirty="0"/>
+          </a:p>
+        </p:txBody>
+      </p:sp>
+      <p:sp>
+        <p:nvSpPr>
+          <p:cNvPr id="3" name="内容占位符 2"/>
+          <p:cNvSpPr>
+            <a:spLocks noGrp="1"/>
+          </p:cNvSpPr>
+          <p:nvPr>
+            <p:ph idx="1"/>
+          </p:nvPr>
+        </p:nvSpPr>
+        <p:spPr/>
+        <p:txBody>
+          <a:bodyPr/>
+          <a:lstStyle/>
+          <a:p>
+            <a:r>
+              <a:rPr lang="en-US" altLang="zh-CN" dirty="0"/>
+              <a:t>IL2CPP</a:t>
+            </a:r>
+            <a:r>
+              <a:rPr lang="zh-CN" altLang="en-US" dirty="0"/>
+              <a:t>分别处理字段和方法：实例字段和类字段被生成到相同</a:t>
+            </a:r>
+            <a:r>
+              <a:rPr lang="en-US" altLang="zh-CN" dirty="0"/>
+              <a:t>.h</a:t>
+            </a:r>
+            <a:r>
+              <a:rPr lang="zh-CN" altLang="en-US" dirty="0"/>
+              <a:t>文件的不同结构中，方法被生成到</a:t>
+            </a:r>
+            <a:r>
+              <a:rPr lang="en-US" altLang="zh-CN" dirty="0"/>
+              <a:t>.</a:t>
+            </a:r>
+            <a:r>
+              <a:rPr lang="en-US" altLang="zh-CN" dirty="0" err="1"/>
+              <a:t>cpp</a:t>
+            </a:r>
+            <a:r>
+              <a:rPr lang="zh-CN" altLang="en-US" dirty="0"/>
+              <a:t>文件中</a:t>
+            </a:r>
+            <a:endParaRPr lang="en-US" altLang="zh-CN" dirty="0"/>
+          </a:p>
+          <a:p>
+            <a:r>
+              <a:rPr lang="en-US" altLang="zh-CN" dirty="0"/>
+              <a:t>IL2CPP</a:t>
+            </a:r>
+            <a:r>
+              <a:rPr lang="zh-CN" altLang="en-US" dirty="0"/>
+              <a:t>对</a:t>
+            </a:r>
+            <a:r>
+              <a:rPr lang="en-US" altLang="zh-CN" dirty="0"/>
+              <a:t>IL</a:t>
+            </a:r>
+            <a:r>
+              <a:rPr lang="zh-CN" altLang="en-US" dirty="0"/>
+              <a:t>的翻译近乎直译。</a:t>
+            </a:r>
+            <a:r>
+              <a:rPr lang="en-US" altLang="zh-CN" dirty="0" err="1"/>
+              <a:t>.Net</a:t>
+            </a:r>
+            <a:r>
+              <a:rPr lang="zh-CN" altLang="en-US" dirty="0"/>
+              <a:t>编译器的质量直接影响</a:t>
+            </a:r>
+            <a:r>
+              <a:rPr lang="en-US" altLang="zh-CN" dirty="0"/>
+              <a:t>IL2CPP</a:t>
+            </a:r>
+            <a:r>
+              <a:rPr lang="zh-CN" altLang="en-US" dirty="0"/>
+              <a:t>最终生成的结果</a:t>
+            </a:r>
+            <a:endParaRPr lang="en-US" altLang="zh-CN" dirty="0"/>
+          </a:p>
+          <a:p>
+            <a:r>
+              <a:rPr lang="en-US" altLang="zh-CN" dirty="0"/>
+              <a:t>IL2CPP</a:t>
+            </a:r>
+            <a:r>
+              <a:rPr lang="zh-CN" altLang="en-US" dirty="0"/>
+              <a:t>会为虚调用生成对象，通过支持库</a:t>
+            </a:r>
+            <a:r>
+              <a:rPr lang="en-US" altLang="zh-CN" dirty="0"/>
+              <a:t>libil2cpp</a:t>
+            </a:r>
+            <a:r>
+              <a:rPr lang="zh-CN" altLang="en-US" dirty="0"/>
+              <a:t>方法调用。虚调用会受到一定的优化，有时</a:t>
+            </a:r>
+            <a:r>
+              <a:rPr lang="en-US" altLang="zh-CN" dirty="0" err="1"/>
+              <a:t>callvirt</a:t>
+            </a:r>
+            <a:r>
+              <a:rPr lang="zh-CN" altLang="en-US" dirty="0"/>
+              <a:t>指令并不对真的被翻译为虚调用的形式</a:t>
+            </a:r>
+            <a:endParaRPr lang="en-US" altLang="zh-CN" dirty="0"/>
+          </a:p>
+          <a:p>
+            <a:r>
+              <a:rPr lang="en-US" altLang="zh-CN" dirty="0"/>
+              <a:t>FCL</a:t>
+            </a:r>
+            <a:r>
+              <a:rPr lang="zh-CN" altLang="en-US" dirty="0"/>
+              <a:t>使用和</a:t>
+            </a:r>
+            <a:r>
+              <a:rPr lang="en-US" altLang="zh-CN" dirty="0"/>
+              <a:t>Mono</a:t>
+            </a:r>
+            <a:r>
+              <a:rPr lang="zh-CN" altLang="en-US" dirty="0"/>
+              <a:t>一样的代码，经由</a:t>
+            </a:r>
+            <a:r>
+              <a:rPr lang="en-US" altLang="zh-CN" dirty="0"/>
+              <a:t>IL2CPP</a:t>
+            </a:r>
+            <a:r>
+              <a:rPr lang="zh-CN" altLang="en-US" dirty="0"/>
+              <a:t>编译器翻译而成。虽然损失了潜在的优化，然而确保了代码的一致性</a:t>
+            </a:r>
+          </a:p>
+        </p:txBody>
+      </p:sp>
+    </p:spTree>
+    <p:extLst>
+      <p:ext uri="{BB962C8B-B14F-4D97-AF65-F5344CB8AC3E}">
+        <p14:creationId xmlns:p14="http://schemas.microsoft.com/office/powerpoint/2010/main" val="1747156259"/>
+      </p:ext>
+    </p:extLst>
+  </p:cSld>
+  <p:clrMapOvr>
+    <a:masterClrMapping/>
+  </p:clrMapOvr>
+</p:sld>
+</file>
+
+<file path=ppt/slides/slide31.xml><?xml version="1.0" encoding="utf-8"?>
+<p:sld xmlns:a="http://schemas.openxmlformats.org/drawingml/2006/main" xmlns:r="http://schemas.openxmlformats.org/officeDocument/2006/relationships" xmlns:p="http://schemas.openxmlformats.org/presentationml/2006/main">
+  <p:cSld>
+    <p:spTree>
+      <p:nvGrpSpPr>
+        <p:cNvPr id="1" name=""/>
+        <p:cNvGrpSpPr/>
+        <p:nvPr/>
+      </p:nvGrpSpPr>
+      <p:grpSpPr>
+        <a:xfrm>
+          <a:off x="0" y="0"/>
+          <a:ext cx="0" cy="0"/>
+          <a:chOff x="0" y="0"/>
+          <a:chExt cx="0" cy="0"/>
+        </a:xfrm>
+      </p:grpSpPr>
+      <p:sp>
+        <p:nvSpPr>
+          <p:cNvPr id="2" name="标题 1"/>
+          <p:cNvSpPr>
+            <a:spLocks noGrp="1"/>
+          </p:cNvSpPr>
+          <p:nvPr>
+            <p:ph type="title"/>
+          </p:nvPr>
+        </p:nvSpPr>
+        <p:spPr/>
+        <p:txBody>
+          <a:bodyPr/>
+          <a:lstStyle/>
+          <a:p>
+            <a:r>
               <a:rPr lang="zh-CN" altLang="en-US" dirty="0"/>
               <a:t>书籍</a:t>
             </a:r>
@@ -8260,7 +9463,7 @@
 </p:sld>
 </file>
 
-<file path=ppt/slides/slide31.xml><?xml version="1.0" encoding="utf-8"?>
+<file path=ppt/slides/slide32.xml><?xml version="1.0" encoding="utf-8"?>
 <p:sld xmlns:a="http://schemas.openxmlformats.org/drawingml/2006/main" xmlns:r="http://schemas.openxmlformats.org/officeDocument/2006/relationships" xmlns:p="http://schemas.openxmlformats.org/presentationml/2006/main">
   <p:cSld>
     <p:spTree>
@@ -11419,4 +12622,299 @@
     </a:ext>
   </a:extLst>
 </a:theme>
+</file>
+
+<file path=ppt/theme/theme2.xml><?xml version="1.0" encoding="utf-8"?>
+<a:theme xmlns:a="http://schemas.openxmlformats.org/drawingml/2006/main" name="Office 主题​​">
+  <a:themeElements>
+    <a:clrScheme name="Office">
+      <a:dk1>
+        <a:sysClr val="windowText" lastClr="000000"/>
+      </a:dk1>
+      <a:lt1>
+        <a:sysClr val="window" lastClr="FFFFFF"/>
+      </a:lt1>
+      <a:dk2>
+        <a:srgbClr val="44546A"/>
+      </a:dk2>
+      <a:lt2>
+        <a:srgbClr val="E7E6E6"/>
+      </a:lt2>
+      <a:accent1>
+        <a:srgbClr val="5B9BD5"/>
+      </a:accent1>
+      <a:accent2>
+        <a:srgbClr val="ED7D31"/>
+      </a:accent2>
+      <a:accent3>
+        <a:srgbClr val="A5A5A5"/>
+      </a:accent3>
+      <a:accent4>
+        <a:srgbClr val="FFC000"/>
+      </a:accent4>
+      <a:accent5>
+        <a:srgbClr val="4472C4"/>
+      </a:accent5>
+      <a:accent6>
+        <a:srgbClr val="70AD47"/>
+      </a:accent6>
+      <a:hlink>
+        <a:srgbClr val="0563C1"/>
+      </a:hlink>
+      <a:folHlink>
+        <a:srgbClr val="954F72"/>
+      </a:folHlink>
+    </a:clrScheme>
+    <a:fontScheme name="Office">
+      <a:majorFont>
+        <a:latin typeface="等线 Light" panose="020F0302020204030204"/>
+        <a:ea typeface=""/>
+        <a:cs typeface=""/>
+        <a:font script="Jpan" typeface="游ゴシック Light"/>
+        <a:font script="Hang" typeface="맑은 고딕"/>
+        <a:font script="Hans" typeface="等线 Light"/>
+        <a:font script="Hant" typeface="新細明體"/>
+        <a:font script="Arab" typeface="Times New Roman"/>
+        <a:font script="Hebr" typeface="Times New Roman"/>
+        <a:font script="Thai" typeface="Angsana New"/>
+        <a:font script="Ethi" typeface="Nyala"/>
+        <a:font script="Beng" typeface="Vrinda"/>
+        <a:font script="Gujr" typeface="Shruti"/>
+        <a:font script="Khmr" typeface="MoolBoran"/>
+        <a:font script="Knda" typeface="Tunga"/>
+        <a:font script="Guru" typeface="Raavi"/>
+        <a:font script="Cans" typeface="Euphemia"/>
+        <a:font script="Cher" typeface="Plantagenet Cherokee"/>
+        <a:font script="Yiii" typeface="Microsoft Yi Baiti"/>
+        <a:font script="Tibt" typeface="Microsoft Himalaya"/>
+        <a:font script="Thaa" typeface="MV Boli"/>
+        <a:font script="Deva" typeface="Mangal"/>
+        <a:font script="Telu" typeface="Gautami"/>
+        <a:font script="Taml" typeface="Latha"/>
+        <a:font script="Syrc" typeface="Estrangelo Edessa"/>
+        <a:font script="Orya" typeface="Kalinga"/>
+        <a:font script="Mlym" typeface="Kartika"/>
+        <a:font script="Laoo" typeface="DokChampa"/>
+        <a:font script="Sinh" typeface="Iskoola Pota"/>
+        <a:font script="Mong" typeface="Mongolian Baiti"/>
+        <a:font script="Viet" typeface="Times New Roman"/>
+        <a:font script="Uigh" typeface="Microsoft Uighur"/>
+        <a:font script="Geor" typeface="Sylfaen"/>
+        <a:font script="Armn" typeface="Arial"/>
+        <a:font script="Bugi" typeface="Leelawadee UI"/>
+        <a:font script="Bopo" typeface="Microsoft JhengHei"/>
+        <a:font script="Java" typeface="Javanese Text"/>
+        <a:font script="Lisu" typeface="Segoe UI"/>
+        <a:font script="Mymr" typeface="Myanmar Text"/>
+        <a:font script="Nkoo" typeface="Ebrima"/>
+        <a:font script="Olck" typeface="Nirmala UI"/>
+        <a:font script="Osma" typeface="Ebrima"/>
+        <a:font script="Phag" typeface="Phagspa"/>
+        <a:font script="Syrn" typeface="Estrangelo Edessa"/>
+        <a:font script="Syrj" typeface="Estrangelo Edessa"/>
+        <a:font script="Syre" typeface="Estrangelo Edessa"/>
+        <a:font script="Sora" typeface="Nirmala UI"/>
+        <a:font script="Tale" typeface="Microsoft Tai Le"/>
+        <a:font script="Talu" typeface="Microsoft New Tai Lue"/>
+        <a:font script="Tfng" typeface="Ebrima"/>
+      </a:majorFont>
+      <a:minorFont>
+        <a:latin typeface="等线" panose="020F0502020204030204"/>
+        <a:ea typeface=""/>
+        <a:cs typeface=""/>
+        <a:font script="Jpan" typeface="游ゴシック"/>
+        <a:font script="Hang" typeface="맑은 고딕"/>
+        <a:font script="Hans" typeface="等线"/>
+        <a:font script="Hant" typeface="新細明體"/>
+        <a:font script="Arab" typeface="Arial"/>
+        <a:font script="Hebr" typeface="Arial"/>
+        <a:font script="Thai" typeface="Cordia New"/>
+        <a:font script="Ethi" typeface="Nyala"/>
+        <a:font script="Beng" typeface="Vrinda"/>
+        <a:font script="Gujr" typeface="Shruti"/>
+        <a:font script="Khmr" typeface="DaunPenh"/>
+        <a:font script="Knda" typeface="Tunga"/>
+        <a:font script="Guru" typeface="Raavi"/>
+        <a:font script="Cans" typeface="Euphemia"/>
+        <a:font script="Cher" typeface="Plantagenet Cherokee"/>
+        <a:font script="Yiii" typeface="Microsoft Yi Baiti"/>
+        <a:font script="Tibt" typeface="Microsoft Himalaya"/>
+        <a:font script="Thaa" typeface="MV Boli"/>
+        <a:font script="Deva" typeface="Mangal"/>
+        <a:font script="Telu" typeface="Gautami"/>
+        <a:font script="Taml" typeface="Latha"/>
+        <a:font script="Syrc" typeface="Estrangelo Edessa"/>
+        <a:font script="Orya" typeface="Kalinga"/>
+        <a:font script="Mlym" typeface="Kartika"/>
+        <a:font script="Laoo" typeface="DokChampa"/>
+        <a:font script="Sinh" typeface="Iskoola Pota"/>
+        <a:font script="Mong" typeface="Mongolian Baiti"/>
+        <a:font script="Viet" typeface="Arial"/>
+        <a:font script="Uigh" typeface="Microsoft Uighur"/>
+        <a:font script="Geor" typeface="Sylfaen"/>
+        <a:font script="Armn" typeface="Arial"/>
+        <a:font script="Bugi" typeface="Leelawadee UI"/>
+        <a:font script="Bopo" typeface="Microsoft JhengHei"/>
+        <a:font script="Java" typeface="Javanese Text"/>
+        <a:font script="Lisu" typeface="Segoe UI"/>
+        <a:font script="Mymr" typeface="Myanmar Text"/>
+        <a:font script="Nkoo" typeface="Ebrima"/>
+        <a:font script="Olck" typeface="Nirmala UI"/>
+        <a:font script="Osma" typeface="Ebrima"/>
+        <a:font script="Phag" typeface="Phagspa"/>
+        <a:font script="Syrn" typeface="Estrangelo Edessa"/>
+        <a:font script="Syrj" typeface="Estrangelo Edessa"/>
+        <a:font script="Syre" typeface="Estrangelo Edessa"/>
+        <a:font script="Sora" typeface="Nirmala UI"/>
+        <a:font script="Tale" typeface="Microsoft Tai Le"/>
+        <a:font script="Talu" typeface="Microsoft New Tai Lue"/>
+        <a:font script="Tfng" typeface="Ebrima"/>
+      </a:minorFont>
+    </a:fontScheme>
+    <a:fmtScheme name="Office">
+      <a:fillStyleLst>
+        <a:solidFill>
+          <a:schemeClr val="phClr"/>
+        </a:solidFill>
+        <a:gradFill rotWithShape="1">
+          <a:gsLst>
+            <a:gs pos="0">
+              <a:schemeClr val="phClr">
+                <a:lumMod val="110000"/>
+                <a:satMod val="105000"/>
+                <a:tint val="67000"/>
+              </a:schemeClr>
+            </a:gs>
+            <a:gs pos="50000">
+              <a:schemeClr val="phClr">
+                <a:lumMod val="105000"/>
+                <a:satMod val="103000"/>
+                <a:tint val="73000"/>
+              </a:schemeClr>
+            </a:gs>
+            <a:gs pos="100000">
+              <a:schemeClr val="phClr">
+                <a:lumMod val="105000"/>
+                <a:satMod val="109000"/>
+                <a:tint val="81000"/>
+              </a:schemeClr>
+            </a:gs>
+          </a:gsLst>
+          <a:lin ang="5400000" scaled="0"/>
+        </a:gradFill>
+        <a:gradFill rotWithShape="1">
+          <a:gsLst>
+            <a:gs pos="0">
+              <a:schemeClr val="phClr">
+                <a:satMod val="103000"/>
+                <a:lumMod val="102000"/>
+                <a:tint val="94000"/>
+              </a:schemeClr>
+            </a:gs>
+            <a:gs pos="50000">
+              <a:schemeClr val="phClr">
+                <a:satMod val="110000"/>
+                <a:lumMod val="100000"/>
+                <a:shade val="100000"/>
+              </a:schemeClr>
+            </a:gs>
+            <a:gs pos="100000">
+              <a:schemeClr val="phClr">
+                <a:lumMod val="99000"/>
+                <a:satMod val="120000"/>
+                <a:shade val="78000"/>
+              </a:schemeClr>
+            </a:gs>
+          </a:gsLst>
+          <a:lin ang="5400000" scaled="0"/>
+        </a:gradFill>
+      </a:fillStyleLst>
+      <a:lnStyleLst>
+        <a:ln w="6350" cap="flat" cmpd="sng" algn="ctr">
+          <a:solidFill>
+            <a:schemeClr val="phClr"/>
+          </a:solidFill>
+          <a:prstDash val="solid"/>
+          <a:miter lim="800000"/>
+        </a:ln>
+        <a:ln w="12700" cap="flat" cmpd="sng" algn="ctr">
+          <a:solidFill>
+            <a:schemeClr val="phClr"/>
+          </a:solidFill>
+          <a:prstDash val="solid"/>
+          <a:miter lim="800000"/>
+        </a:ln>
+        <a:ln w="19050" cap="flat" cmpd="sng" algn="ctr">
+          <a:solidFill>
+            <a:schemeClr val="phClr"/>
+          </a:solidFill>
+          <a:prstDash val="solid"/>
+          <a:miter lim="800000"/>
+        </a:ln>
+      </a:lnStyleLst>
+      <a:effectStyleLst>
+        <a:effectStyle>
+          <a:effectLst/>
+        </a:effectStyle>
+        <a:effectStyle>
+          <a:effectLst/>
+        </a:effectStyle>
+        <a:effectStyle>
+          <a:effectLst>
+            <a:outerShdw blurRad="57150" dist="19050" dir="5400000" algn="ctr" rotWithShape="0">
+              <a:srgbClr val="000000">
+                <a:alpha val="63000"/>
+              </a:srgbClr>
+            </a:outerShdw>
+          </a:effectLst>
+        </a:effectStyle>
+      </a:effectStyleLst>
+      <a:bgFillStyleLst>
+        <a:solidFill>
+          <a:schemeClr val="phClr"/>
+        </a:solidFill>
+        <a:solidFill>
+          <a:schemeClr val="phClr">
+            <a:tint val="95000"/>
+            <a:satMod val="170000"/>
+          </a:schemeClr>
+        </a:solidFill>
+        <a:gradFill rotWithShape="1">
+          <a:gsLst>
+            <a:gs pos="0">
+              <a:schemeClr val="phClr">
+                <a:tint val="93000"/>
+                <a:satMod val="150000"/>
+                <a:shade val="98000"/>
+                <a:lumMod val="102000"/>
+              </a:schemeClr>
+            </a:gs>
+            <a:gs pos="50000">
+              <a:schemeClr val="phClr">
+                <a:tint val="98000"/>
+                <a:satMod val="130000"/>
+                <a:shade val="90000"/>
+                <a:lumMod val="103000"/>
+              </a:schemeClr>
+            </a:gs>
+            <a:gs pos="100000">
+              <a:schemeClr val="phClr">
+                <a:shade val="63000"/>
+                <a:satMod val="120000"/>
+              </a:schemeClr>
+            </a:gs>
+          </a:gsLst>
+          <a:lin ang="5400000" scaled="0"/>
+        </a:gradFill>
+      </a:bgFillStyleLst>
+    </a:fmtScheme>
+  </a:themeElements>
+  <a:objectDefaults/>
+  <a:extraClrSchemeLst/>
+  <a:extLst>
+    <a:ext uri="{05A4C25C-085E-4340-85A3-A5531E510DB2}">
+      <thm15:themeFamily xmlns:thm15="http://schemas.microsoft.com/office/thememl/2012/main" name="Office Theme" id="{62F939B6-93AF-4DB8-9C6B-D6C7DFDC589F}" vid="{4A3C46E8-61CC-4603-A589-7422A47A8E4A}"/>
+    </a:ext>
+  </a:extLst>
+</a:theme>
 </file>
--- a/pptx.pptx.pptx
+++ b/pptx.pptx.pptx
@@ -5,7 +5,7 @@
     <p:sldMasterId id="2147483648" r:id="rId1"/>
   </p:sldMasterIdLst>
   <p:notesMasterIdLst>
-    <p:notesMasterId r:id="rId34"/>
+    <p:notesMasterId r:id="rId38"/>
   </p:notesMasterIdLst>
   <p:sldIdLst>
     <p:sldId id="256" r:id="rId2"/>
@@ -29,17 +29,21 @@
     <p:sldId id="288" r:id="rId20"/>
     <p:sldId id="289" r:id="rId21"/>
     <p:sldId id="290" r:id="rId22"/>
-    <p:sldId id="270" r:id="rId23"/>
-    <p:sldId id="271" r:id="rId24"/>
-    <p:sldId id="260" r:id="rId25"/>
-    <p:sldId id="261" r:id="rId26"/>
-    <p:sldId id="262" r:id="rId27"/>
-    <p:sldId id="263" r:id="rId28"/>
-    <p:sldId id="264" r:id="rId29"/>
-    <p:sldId id="265" r:id="rId30"/>
-    <p:sldId id="266" r:id="rId31"/>
-    <p:sldId id="272" r:id="rId32"/>
-    <p:sldId id="273" r:id="rId33"/>
+    <p:sldId id="292" r:id="rId23"/>
+    <p:sldId id="293" r:id="rId24"/>
+    <p:sldId id="294" r:id="rId25"/>
+    <p:sldId id="291" r:id="rId26"/>
+    <p:sldId id="270" r:id="rId27"/>
+    <p:sldId id="271" r:id="rId28"/>
+    <p:sldId id="260" r:id="rId29"/>
+    <p:sldId id="261" r:id="rId30"/>
+    <p:sldId id="262" r:id="rId31"/>
+    <p:sldId id="263" r:id="rId32"/>
+    <p:sldId id="264" r:id="rId33"/>
+    <p:sldId id="265" r:id="rId34"/>
+    <p:sldId id="266" r:id="rId35"/>
+    <p:sldId id="272" r:id="rId36"/>
+    <p:sldId id="273" r:id="rId37"/>
   </p:sldIdLst>
   <p:sldSz cx="12192000" cy="6858000"/>
   <p:notesSz cx="6858000" cy="9144000"/>
@@ -184,6 +188,10 @@
             <p14:sldId id="288"/>
             <p14:sldId id="289"/>
             <p14:sldId id="290"/>
+            <p14:sldId id="292"/>
+            <p14:sldId id="293"/>
+            <p14:sldId id="294"/>
+            <p14:sldId id="291"/>
             <p14:sldId id="270"/>
             <p14:sldId id="271"/>
           </p14:sldIdLst>
@@ -650,6 +658,260 @@
     <p:extLst>
       <p:ext uri="{BB962C8B-B14F-4D97-AF65-F5344CB8AC3E}">
         <p14:creationId xmlns:p14="http://schemas.microsoft.com/office/powerpoint/2010/main" val="1993440385"/>
+      </p:ext>
+    </p:extLst>
+  </p:cSld>
+  <p:clrMapOvr>
+    <a:masterClrMapping/>
+  </p:clrMapOvr>
+</p:notes>
+</file>
+
+<file path=ppt/notesSlides/notesSlide2.xml><?xml version="1.0" encoding="utf-8"?>
+<p:notes xmlns:a="http://schemas.openxmlformats.org/drawingml/2006/main" xmlns:r="http://schemas.openxmlformats.org/officeDocument/2006/relationships" xmlns:p="http://schemas.openxmlformats.org/presentationml/2006/main">
+  <p:cSld>
+    <p:spTree>
+      <p:nvGrpSpPr>
+        <p:cNvPr id="1" name=""/>
+        <p:cNvGrpSpPr/>
+        <p:nvPr/>
+      </p:nvGrpSpPr>
+      <p:grpSpPr>
+        <a:xfrm>
+          <a:off x="0" y="0"/>
+          <a:ext cx="0" cy="0"/>
+          <a:chOff x="0" y="0"/>
+          <a:chExt cx="0" cy="0"/>
+        </a:xfrm>
+      </p:grpSpPr>
+      <p:sp>
+        <p:nvSpPr>
+          <p:cNvPr id="2" name="幻灯片图像占位符 1"/>
+          <p:cNvSpPr>
+            <a:spLocks noGrp="1" noRot="1" noChangeAspect="1"/>
+          </p:cNvSpPr>
+          <p:nvPr>
+            <p:ph type="sldImg"/>
+          </p:nvPr>
+        </p:nvSpPr>
+        <p:spPr/>
+      </p:sp>
+      <p:sp>
+        <p:nvSpPr>
+          <p:cNvPr id="3" name="备注占位符 2"/>
+          <p:cNvSpPr>
+            <a:spLocks noGrp="1"/>
+          </p:cNvSpPr>
+          <p:nvPr>
+            <p:ph type="body" idx="1"/>
+          </p:nvPr>
+        </p:nvSpPr>
+        <p:spPr/>
+        <p:txBody>
+          <a:bodyPr/>
+          <a:lstStyle/>
+          <a:p>
+            <a:r>
+              <a:rPr lang="zh-CN" altLang="en-US" dirty="0"/>
+              <a:t>接口引用</a:t>
+            </a:r>
+            <a:r>
+              <a:rPr lang="en-US" altLang="zh-CN" dirty="0"/>
+              <a:t>var2</a:t>
+            </a:r>
+            <a:r>
+              <a:rPr lang="zh-CN" altLang="en-US" dirty="0"/>
+              <a:t>指向的是经过装箱的</a:t>
+            </a:r>
+            <a:r>
+              <a:rPr lang="en-US" altLang="zh-CN" dirty="0" err="1"/>
+              <a:t>Astruct</a:t>
+            </a:r>
+            <a:r>
+              <a:rPr lang="zh-CN" altLang="en-US" dirty="0"/>
+              <a:t>对象，而非原始的在栈上的对象</a:t>
+            </a:r>
+          </a:p>
+        </p:txBody>
+      </p:sp>
+      <p:sp>
+        <p:nvSpPr>
+          <p:cNvPr id="4" name="灯片编号占位符 3"/>
+          <p:cNvSpPr>
+            <a:spLocks noGrp="1"/>
+          </p:cNvSpPr>
+          <p:nvPr>
+            <p:ph type="sldNum" sz="quarter" idx="10"/>
+          </p:nvPr>
+        </p:nvSpPr>
+        <p:spPr/>
+        <p:txBody>
+          <a:bodyPr/>
+          <a:lstStyle/>
+          <a:p>
+            <a:fld id="{8FA8CEAB-7FDD-43B8-9E4A-F5DBC8CC7043}" type="slidenum">
+              <a:rPr lang="zh-CN" altLang="en-US" smtClean="0"/>
+              <a:t>22</a:t>
+            </a:fld>
+            <a:endParaRPr lang="zh-CN" altLang="en-US"/>
+          </a:p>
+        </p:txBody>
+      </p:sp>
+    </p:spTree>
+    <p:extLst>
+      <p:ext uri="{BB962C8B-B14F-4D97-AF65-F5344CB8AC3E}">
+        <p14:creationId xmlns:p14="http://schemas.microsoft.com/office/powerpoint/2010/main" val="3656444358"/>
+      </p:ext>
+    </p:extLst>
+  </p:cSld>
+  <p:clrMapOvr>
+    <a:masterClrMapping/>
+  </p:clrMapOvr>
+</p:notes>
+</file>
+
+<file path=ppt/notesSlides/notesSlide3.xml><?xml version="1.0" encoding="utf-8"?>
+<p:notes xmlns:a="http://schemas.openxmlformats.org/drawingml/2006/main" xmlns:r="http://schemas.openxmlformats.org/officeDocument/2006/relationships" xmlns:p="http://schemas.openxmlformats.org/presentationml/2006/main">
+  <p:cSld>
+    <p:spTree>
+      <p:nvGrpSpPr>
+        <p:cNvPr id="1" name=""/>
+        <p:cNvGrpSpPr/>
+        <p:nvPr/>
+      </p:nvGrpSpPr>
+      <p:grpSpPr>
+        <a:xfrm>
+          <a:off x="0" y="0"/>
+          <a:ext cx="0" cy="0"/>
+          <a:chOff x="0" y="0"/>
+          <a:chExt cx="0" cy="0"/>
+        </a:xfrm>
+      </p:grpSpPr>
+      <p:sp>
+        <p:nvSpPr>
+          <p:cNvPr id="2" name="幻灯片图像占位符 1"/>
+          <p:cNvSpPr>
+            <a:spLocks noGrp="1" noRot="1" noChangeAspect="1"/>
+          </p:cNvSpPr>
+          <p:nvPr>
+            <p:ph type="sldImg"/>
+          </p:nvPr>
+        </p:nvSpPr>
+        <p:spPr/>
+      </p:sp>
+      <p:sp>
+        <p:nvSpPr>
+          <p:cNvPr id="3" name="备注占位符 2"/>
+          <p:cNvSpPr>
+            <a:spLocks noGrp="1"/>
+          </p:cNvSpPr>
+          <p:nvPr>
+            <p:ph type="body" idx="1"/>
+          </p:nvPr>
+        </p:nvSpPr>
+        <p:spPr/>
+        <p:txBody>
+          <a:bodyPr/>
+          <a:lstStyle/>
+          <a:p>
+            <a:r>
+              <a:rPr lang="zh-CN" altLang="en-US" dirty="0"/>
+              <a:t>多数集合枚举器通过实现为</a:t>
+            </a:r>
+            <a:r>
+              <a:rPr lang="en-US" altLang="zh-CN" dirty="0" err="1"/>
+              <a:t>Struct</a:t>
+            </a:r>
+            <a:r>
+              <a:rPr lang="zh-CN" altLang="en-US" dirty="0"/>
+              <a:t>改善效率，编译器识别</a:t>
+            </a:r>
+            <a:r>
+              <a:rPr lang="en-US" altLang="zh-CN" dirty="0" err="1"/>
+              <a:t>foreach</a:t>
+            </a:r>
+            <a:r>
+              <a:rPr lang="zh-CN" altLang="en-US" dirty="0"/>
+              <a:t>等用法并回避装箱。</a:t>
+            </a:r>
+            <a:endParaRPr lang="en-US" altLang="zh-CN" dirty="0"/>
+          </a:p>
+          <a:p>
+            <a:r>
+              <a:rPr lang="en-US" altLang="zh-CN" dirty="0"/>
+              <a:t>Mono</a:t>
+            </a:r>
+            <a:r>
+              <a:rPr lang="en-US" altLang="zh-CN" baseline="0" dirty="0"/>
+              <a:t> 2.4</a:t>
+            </a:r>
+            <a:r>
+              <a:rPr lang="zh-CN" altLang="en-US" baseline="0" dirty="0"/>
+              <a:t>没有特殊识别的步骤，因此在编译器展开之后</a:t>
+            </a:r>
+            <a:r>
+              <a:rPr lang="en-US" altLang="zh-CN" baseline="0" dirty="0"/>
+              <a:t>try</a:t>
+            </a:r>
+            <a:r>
+              <a:rPr lang="zh-CN" altLang="en-US" baseline="0" dirty="0"/>
+              <a:t>块的</a:t>
+            </a:r>
+            <a:r>
+              <a:rPr lang="en-US" altLang="zh-CN" baseline="0" dirty="0"/>
+              <a:t>final</a:t>
+            </a:r>
+            <a:r>
+              <a:rPr lang="zh-CN" altLang="en-US" baseline="0" dirty="0"/>
+              <a:t>段中调用</a:t>
+            </a:r>
+            <a:r>
+              <a:rPr lang="en-US" altLang="zh-CN" baseline="0" dirty="0" err="1"/>
+              <a:t>Idisopse</a:t>
+            </a:r>
+            <a:r>
+              <a:rPr lang="zh-CN" altLang="en-US" baseline="0" dirty="0"/>
+              <a:t>接口的</a:t>
+            </a:r>
+            <a:r>
+              <a:rPr lang="en-US" altLang="zh-CN" baseline="0" dirty="0"/>
+              <a:t>Dispose</a:t>
+            </a:r>
+            <a:r>
+              <a:rPr lang="zh-CN" altLang="en-US" baseline="0" dirty="0"/>
+              <a:t>方法导致装箱。</a:t>
+            </a:r>
+            <a:endParaRPr lang="zh-CN" altLang="en-US" dirty="0"/>
+          </a:p>
+        </p:txBody>
+      </p:sp>
+      <p:sp>
+        <p:nvSpPr>
+          <p:cNvPr id="4" name="灯片编号占位符 3"/>
+          <p:cNvSpPr>
+            <a:spLocks noGrp="1"/>
+          </p:cNvSpPr>
+          <p:nvPr>
+            <p:ph type="sldNum" sz="quarter" idx="10"/>
+          </p:nvPr>
+        </p:nvSpPr>
+        <p:spPr/>
+        <p:txBody>
+          <a:bodyPr/>
+          <a:lstStyle/>
+          <a:p>
+            <a:fld id="{8FA8CEAB-7FDD-43B8-9E4A-F5DBC8CC7043}" type="slidenum">
+              <a:rPr lang="zh-CN" altLang="en-US" smtClean="0"/>
+              <a:t>24</a:t>
+            </a:fld>
+            <a:endParaRPr lang="zh-CN" altLang="en-US"/>
+          </a:p>
+        </p:txBody>
+      </p:sp>
+    </p:spTree>
+    <p:extLst>
+      <p:ext uri="{BB962C8B-B14F-4D97-AF65-F5344CB8AC3E}">
+        <p14:creationId xmlns:p14="http://schemas.microsoft.com/office/powerpoint/2010/main" val="340246890"/>
       </p:ext>
     </p:extLst>
   </p:cSld>
@@ -5290,6 +5552,9 @@
           <a:prstGeom prst="downArrow">
             <a:avLst/>
           </a:prstGeom>
+          <a:solidFill>
+            <a:schemeClr val="accent6"/>
+          </a:solidFill>
         </p:spPr>
         <p:style>
           <a:lnRef idx="2">
@@ -5330,6 +5595,9 @@
           <a:prstGeom prst="downArrow">
             <a:avLst/>
           </a:prstGeom>
+          <a:solidFill>
+            <a:schemeClr val="accent6"/>
+          </a:solidFill>
         </p:spPr>
         <p:style>
           <a:lnRef idx="2">
@@ -5867,6 +6135,9 @@
           <a:prstGeom prst="rightArrow">
             <a:avLst/>
           </a:prstGeom>
+          <a:solidFill>
+            <a:srgbClr val="C00000"/>
+          </a:solidFill>
         </p:spPr>
         <p:style>
           <a:lnRef idx="2">
@@ -5955,6 +6226,9 @@
           <a:prstGeom prst="rightArrow">
             <a:avLst/>
           </a:prstGeom>
+          <a:solidFill>
+            <a:srgbClr val="C00000"/>
+          </a:solidFill>
         </p:spPr>
         <p:style>
           <a:lnRef idx="2">
@@ -6293,6 +6567,9 @@
           <a:prstGeom prst="rightArrow">
             <a:avLst/>
           </a:prstGeom>
+          <a:solidFill>
+            <a:schemeClr val="accent6"/>
+          </a:solidFill>
         </p:spPr>
         <p:style>
           <a:lnRef idx="2">
@@ -6404,7 +6681,7 @@
             </a:r>
             <a:r>
               <a:rPr lang="zh-CN" altLang="en-US" dirty="0"/>
-              <a:t>类型方法</a:t>
+              <a:t>类型方法引起装箱</a:t>
             </a:r>
             <a:endParaRPr lang="en-US" altLang="zh-CN" dirty="0"/>
           </a:p>
@@ -6576,6 +6853,9 @@
           <a:prstGeom prst="rightArrow">
             <a:avLst/>
           </a:prstGeom>
+          <a:solidFill>
+            <a:srgbClr val="C00000"/>
+          </a:solidFill>
         </p:spPr>
         <p:style>
           <a:lnRef idx="2">
@@ -6695,7 +6975,7 @@
             </a:r>
             <a:r>
               <a:rPr lang="zh-CN" altLang="en-US" dirty="0"/>
-              <a:t>其他</a:t>
+              <a:t>应对装箱</a:t>
             </a:r>
           </a:p>
         </p:txBody>
@@ -6712,250 +6992,111 @@
         </p:nvSpPr>
         <p:spPr/>
         <p:txBody>
-          <a:bodyPr>
-            <a:normAutofit lnSpcReduction="10000"/>
-          </a:bodyPr>
-          <a:lstStyle/>
-          <a:p>
-            <a:r>
-              <a:rPr lang="zh-CN" altLang="en-US" dirty="0"/>
-              <a:t>缓存</a:t>
-            </a:r>
-            <a:r>
-              <a:rPr lang="en-US" altLang="zh-CN" dirty="0" err="1"/>
-              <a:t>MemberInfo</a:t>
-            </a:r>
-            <a:endParaRPr lang="en-US" altLang="zh-CN" dirty="0"/>
-          </a:p>
-          <a:p>
-            <a:pPr marL="457200" lvl="1" indent="0">
-              <a:buNone/>
-            </a:pPr>
-            <a:r>
-              <a:rPr lang="zh-CN" altLang="en-US" sz="1800" dirty="0">
-                <a:latin typeface="微软雅黑 Light" panose="020B0502040204020203" pitchFamily="34" charset="-122"/>
-                <a:ea typeface="微软雅黑 Light" panose="020B0502040204020203" pitchFamily="34" charset="-122"/>
-              </a:rPr>
-              <a:t>反射性能低下主要有三个原因：</a:t>
-            </a:r>
-            <a:r>
-              <a:rPr lang="en-US" altLang="zh-CN" sz="1800" dirty="0" err="1">
-                <a:latin typeface="微软雅黑 Light" panose="020B0502040204020203" pitchFamily="34" charset="-122"/>
-                <a:ea typeface="微软雅黑 Light" panose="020B0502040204020203" pitchFamily="34" charset="-122"/>
-              </a:rPr>
-              <a:t>EEClass</a:t>
-            </a:r>
-            <a:r>
-              <a:rPr lang="zh-CN" altLang="en-US" sz="1800" dirty="0">
-                <a:latin typeface="微软雅黑 Light" panose="020B0502040204020203" pitchFamily="34" charset="-122"/>
-                <a:ea typeface="微软雅黑 Light" panose="020B0502040204020203" pitchFamily="34" charset="-122"/>
-              </a:rPr>
-              <a:t>检索慢于编译器生成的地址代换，检索到的数据需要生成</a:t>
-            </a:r>
-            <a:r>
-              <a:rPr lang="en-US" altLang="zh-CN" sz="1800" dirty="0" err="1">
-                <a:latin typeface="微软雅黑 Light" panose="020B0502040204020203" pitchFamily="34" charset="-122"/>
-                <a:ea typeface="微软雅黑 Light" panose="020B0502040204020203" pitchFamily="34" charset="-122"/>
-              </a:rPr>
-              <a:t>MemberInfo</a:t>
-            </a:r>
-            <a:r>
-              <a:rPr lang="zh-CN" altLang="en-US" sz="1800" dirty="0">
-                <a:latin typeface="微软雅黑 Light" panose="020B0502040204020203" pitchFamily="34" charset="-122"/>
-                <a:ea typeface="微软雅黑 Light" panose="020B0502040204020203" pitchFamily="34" charset="-122"/>
-              </a:rPr>
-              <a:t>对象，访问</a:t>
-            </a:r>
-            <a:r>
-              <a:rPr lang="en-US" altLang="zh-CN" sz="1800" dirty="0" err="1">
-                <a:latin typeface="微软雅黑 Light" panose="020B0502040204020203" pitchFamily="34" charset="-122"/>
-                <a:ea typeface="微软雅黑 Light" panose="020B0502040204020203" pitchFamily="34" charset="-122"/>
-              </a:rPr>
-              <a:t>MemberInfo</a:t>
-            </a:r>
-            <a:r>
-              <a:rPr lang="zh-CN" altLang="en-US" sz="1800" dirty="0">
-                <a:latin typeface="微软雅黑 Light" panose="020B0502040204020203" pitchFamily="34" charset="-122"/>
-                <a:ea typeface="微软雅黑 Light" panose="020B0502040204020203" pitchFamily="34" charset="-122"/>
-              </a:rPr>
-              <a:t>对象需要动态绑定。使用反射式缓存</a:t>
-            </a:r>
-            <a:r>
-              <a:rPr lang="en-US" altLang="zh-CN" sz="1800" dirty="0" err="1">
-                <a:latin typeface="微软雅黑 Light" panose="020B0502040204020203" pitchFamily="34" charset="-122"/>
-                <a:ea typeface="微软雅黑 Light" panose="020B0502040204020203" pitchFamily="34" charset="-122"/>
-              </a:rPr>
-              <a:t>MemberInfo</a:t>
-            </a:r>
-            <a:r>
-              <a:rPr lang="zh-CN" altLang="en-US" sz="1800" dirty="0">
-                <a:latin typeface="微软雅黑 Light" panose="020B0502040204020203" pitchFamily="34" charset="-122"/>
-                <a:ea typeface="微软雅黑 Light" panose="020B0502040204020203" pitchFamily="34" charset="-122"/>
-              </a:rPr>
-              <a:t>，前两个问题都能迎刃而解</a:t>
-            </a:r>
-          </a:p>
-          <a:p>
-            <a:r>
-              <a:rPr lang="zh-CN" altLang="en-US" dirty="0"/>
-              <a:t>为集合预分配容量</a:t>
-            </a:r>
-            <a:endParaRPr lang="en-US" altLang="zh-CN" dirty="0"/>
-          </a:p>
-          <a:p>
-            <a:pPr marL="457200" lvl="1" indent="0">
-              <a:buNone/>
-            </a:pPr>
-            <a:r>
-              <a:rPr lang="zh-CN" altLang="en-US" sz="1800" dirty="0">
-                <a:latin typeface="微软雅黑 Light" panose="020B0502040204020203" pitchFamily="34" charset="-122"/>
-                <a:ea typeface="微软雅黑 Light" panose="020B0502040204020203" pitchFamily="34" charset="-122"/>
-              </a:rPr>
-              <a:t>集合拥有积极扩张的内存分配策略，预估集合容量并进行预分配非但有助于减少重分配次数，而且通常能够节约内存</a:t>
-            </a:r>
-            <a:endParaRPr lang="en-US" altLang="zh-CN" sz="1800" dirty="0">
-              <a:latin typeface="微软雅黑 Light" panose="020B0502040204020203" pitchFamily="34" charset="-122"/>
-              <a:ea typeface="微软雅黑 Light" panose="020B0502040204020203" pitchFamily="34" charset="-122"/>
-            </a:endParaRPr>
-          </a:p>
-          <a:p>
-            <a:r>
-              <a:rPr lang="zh-CN" altLang="en-US" dirty="0"/>
-              <a:t>重写</a:t>
-            </a:r>
-            <a:r>
-              <a:rPr lang="en-US" altLang="zh-CN" dirty="0"/>
-              <a:t>Equals</a:t>
-            </a:r>
-            <a:r>
-              <a:rPr lang="zh-CN" altLang="en-US" dirty="0"/>
-              <a:t>方法和</a:t>
-            </a:r>
-            <a:r>
-              <a:rPr lang="en-US" altLang="zh-CN" dirty="0" err="1"/>
-              <a:t>GetHashCode</a:t>
-            </a:r>
-            <a:r>
-              <a:rPr lang="zh-CN" altLang="en-US" dirty="0"/>
-              <a:t>方法</a:t>
-            </a:r>
-            <a:endParaRPr lang="en-US" altLang="zh-CN" dirty="0"/>
-          </a:p>
-          <a:p>
-            <a:pPr marL="457200" lvl="1" indent="0">
-              <a:buNone/>
-            </a:pPr>
-            <a:r>
-              <a:rPr lang="zh-CN" altLang="en-US" sz="1800" dirty="0">
-                <a:latin typeface="微软雅黑 Light" panose="020B0502040204020203" pitchFamily="34" charset="-122"/>
-                <a:ea typeface="微软雅黑 Light" panose="020B0502040204020203" pitchFamily="34" charset="-122"/>
-              </a:rPr>
-              <a:t>引用类型的上述方法默认实现使用反射</a:t>
-            </a:r>
-            <a:r>
-              <a:rPr lang="zh-CN" altLang="en-US" dirty="0"/>
-              <a:t>坚持建立文档化注释</a:t>
-            </a:r>
-            <a:endParaRPr lang="en-US" altLang="zh-CN" dirty="0"/>
-          </a:p>
-          <a:p>
-            <a:pPr marL="457200" lvl="1" indent="0">
-              <a:buNone/>
-            </a:pPr>
-            <a:r>
-              <a:rPr lang="zh-CN" altLang="en-US" sz="1800" dirty="0">
-                <a:latin typeface="微软雅黑 Light" panose="020B0502040204020203" pitchFamily="34" charset="-122"/>
-                <a:ea typeface="微软雅黑 Light" panose="020B0502040204020203" pitchFamily="34" charset="-122"/>
-              </a:rPr>
-              <a:t>从</a:t>
-            </a:r>
-            <a:r>
-              <a:rPr lang="en-US" altLang="zh-CN" sz="1800" dirty="0">
-                <a:latin typeface="微软雅黑 Light" panose="020B0502040204020203" pitchFamily="34" charset="-122"/>
-                <a:ea typeface="微软雅黑 Light" panose="020B0502040204020203" pitchFamily="34" charset="-122"/>
-              </a:rPr>
-              <a:t>VisualStudio</a:t>
-            </a:r>
-            <a:r>
-              <a:rPr lang="zh-CN" altLang="en-US" sz="1800" dirty="0">
-                <a:latin typeface="微软雅黑 Light" panose="020B0502040204020203" pitchFamily="34" charset="-122"/>
-                <a:ea typeface="微软雅黑 Light" panose="020B0502040204020203" pitchFamily="34" charset="-122"/>
-              </a:rPr>
-              <a:t>到</a:t>
-            </a:r>
-            <a:r>
-              <a:rPr lang="en-US" altLang="zh-CN" sz="1800" dirty="0" err="1">
-                <a:latin typeface="微软雅黑 Light" panose="020B0502040204020203" pitchFamily="34" charset="-122"/>
-                <a:ea typeface="微软雅黑 Light" panose="020B0502040204020203" pitchFamily="34" charset="-122"/>
-              </a:rPr>
-              <a:t>Resharper</a:t>
-            </a:r>
-            <a:r>
-              <a:rPr lang="zh-CN" altLang="en-US" sz="1800" dirty="0">
-                <a:latin typeface="微软雅黑 Light" panose="020B0502040204020203" pitchFamily="34" charset="-122"/>
-                <a:ea typeface="微软雅黑 Light" panose="020B0502040204020203" pitchFamily="34" charset="-122"/>
-              </a:rPr>
-              <a:t>，对类与方法的描述都来自文档化注释。</a:t>
-            </a:r>
-            <a:endParaRPr lang="en-US" altLang="zh-CN" dirty="0"/>
-          </a:p>
-          <a:p>
-            <a:r>
-              <a:rPr lang="zh-CN" altLang="en-US" dirty="0"/>
-              <a:t>较小的集合不应使用有键集合</a:t>
-            </a:r>
-            <a:endParaRPr lang="en-US" altLang="zh-CN" dirty="0"/>
-          </a:p>
-          <a:p>
-            <a:pPr marL="457200" lvl="1" indent="0">
-              <a:buNone/>
-            </a:pPr>
-            <a:r>
-              <a:rPr lang="zh-CN" altLang="en-US" sz="1800" dirty="0">
-                <a:latin typeface="微软雅黑 Light" panose="020B0502040204020203" pitchFamily="34" charset="-122"/>
-                <a:ea typeface="微软雅黑 Light" panose="020B0502040204020203" pitchFamily="34" charset="-122"/>
-              </a:rPr>
-              <a:t>有键集合需要额外的空间。举例来说，一个空的</a:t>
-            </a:r>
-            <a:r>
-              <a:rPr lang="en-US" altLang="zh-CN" sz="1800" dirty="0">
-                <a:latin typeface="微软雅黑 Light" panose="020B0502040204020203" pitchFamily="34" charset="-122"/>
-                <a:ea typeface="微软雅黑 Light" panose="020B0502040204020203" pitchFamily="34" charset="-122"/>
-              </a:rPr>
-              <a:t>Dictionary</a:t>
-            </a:r>
-            <a:r>
-              <a:rPr lang="zh-CN" altLang="en-US" sz="1800" dirty="0">
-                <a:latin typeface="微软雅黑 Light" panose="020B0502040204020203" pitchFamily="34" charset="-122"/>
-                <a:ea typeface="微软雅黑 Light" panose="020B0502040204020203" pitchFamily="34" charset="-122"/>
-              </a:rPr>
-              <a:t>也会消耗</a:t>
-            </a:r>
-            <a:r>
-              <a:rPr lang="en-US" altLang="zh-CN" sz="1800" dirty="0">
-                <a:latin typeface="微软雅黑 Light" panose="020B0502040204020203" pitchFamily="34" charset="-122"/>
-                <a:ea typeface="微软雅黑 Light" panose="020B0502040204020203" pitchFamily="34" charset="-122"/>
-              </a:rPr>
-              <a:t>12</a:t>
-            </a:r>
-            <a:r>
-              <a:rPr lang="zh-CN" altLang="en-US" sz="1800" dirty="0">
-                <a:latin typeface="微软雅黑 Light" panose="020B0502040204020203" pitchFamily="34" charset="-122"/>
-                <a:ea typeface="微软雅黑 Light" panose="020B0502040204020203" pitchFamily="34" charset="-122"/>
-              </a:rPr>
-              <a:t>字节的空间。</a:t>
-            </a:r>
-            <a:endParaRPr lang="en-US" altLang="zh-CN" sz="1800" dirty="0">
-              <a:latin typeface="微软雅黑 Light" panose="020B0502040204020203" pitchFamily="34" charset="-122"/>
-              <a:ea typeface="微软雅黑 Light" panose="020B0502040204020203" pitchFamily="34" charset="-122"/>
-            </a:endParaRPr>
+          <a:bodyPr/>
+          <a:lstStyle/>
+          <a:p>
+            <a:r>
+              <a:rPr lang="zh-CN" altLang="en-US" dirty="0"/>
+              <a:t>通过接口引用结构引起装箱</a:t>
+            </a:r>
+          </a:p>
+        </p:txBody>
+      </p:sp>
+      <p:pic>
+        <p:nvPicPr>
+          <p:cNvPr id="7" name="图片 6"/>
+          <p:cNvPicPr>
+            <a:picLocks noChangeAspect="1"/>
+          </p:cNvPicPr>
+          <p:nvPr/>
+        </p:nvPicPr>
+        <p:blipFill>
+          <a:blip r:embed="rId3"/>
+          <a:stretch>
+            <a:fillRect/>
+          </a:stretch>
+        </p:blipFill>
+        <p:spPr>
+          <a:xfrm>
+            <a:off x="838200" y="2401094"/>
+            <a:ext cx="3714750" cy="3200400"/>
+          </a:xfrm>
+          <a:prstGeom prst="rect">
+            <a:avLst/>
+          </a:prstGeom>
+        </p:spPr>
+      </p:pic>
+      <p:pic>
+        <p:nvPicPr>
+          <p:cNvPr id="8" name="图片 7"/>
+          <p:cNvPicPr>
+            <a:picLocks noChangeAspect="1"/>
+          </p:cNvPicPr>
+          <p:nvPr/>
+        </p:nvPicPr>
+        <p:blipFill>
+          <a:blip r:embed="rId4"/>
+          <a:stretch>
+            <a:fillRect/>
+          </a:stretch>
+        </p:blipFill>
+        <p:spPr>
+          <a:xfrm>
+            <a:off x="6517204" y="2401094"/>
+            <a:ext cx="4410075" cy="857250"/>
+          </a:xfrm>
+          <a:prstGeom prst="rect">
+            <a:avLst/>
+          </a:prstGeom>
+        </p:spPr>
+      </p:pic>
+      <p:sp>
+        <p:nvSpPr>
+          <p:cNvPr id="9" name="箭头: 右 8"/>
+          <p:cNvSpPr/>
+          <p:nvPr/>
+        </p:nvSpPr>
+        <p:spPr>
+          <a:xfrm>
+            <a:off x="4552949" y="2732567"/>
+            <a:ext cx="1911369" cy="198160"/>
+          </a:xfrm>
+          <a:prstGeom prst="rightArrow">
+            <a:avLst/>
+          </a:prstGeom>
+          <a:solidFill>
+            <a:srgbClr val="C00000"/>
+          </a:solidFill>
+        </p:spPr>
+        <p:style>
+          <a:lnRef idx="2">
+            <a:schemeClr val="accent1">
+              <a:shade val="50000"/>
+            </a:schemeClr>
+          </a:lnRef>
+          <a:fillRef idx="1">
+            <a:schemeClr val="accent1"/>
+          </a:fillRef>
+          <a:effectRef idx="0">
+            <a:schemeClr val="accent1"/>
+          </a:effectRef>
+          <a:fontRef idx="minor">
+            <a:schemeClr val="lt1"/>
+          </a:fontRef>
+        </p:style>
+        <p:txBody>
+          <a:bodyPr rtlCol="0" anchor="ctr"/>
+          <a:lstStyle/>
+          <a:p>
+            <a:pPr algn="ctr"/>
+            <a:endParaRPr lang="zh-CN" altLang="en-US"/>
           </a:p>
         </p:txBody>
       </p:sp>
     </p:spTree>
     <p:extLst>
       <p:ext uri="{BB962C8B-B14F-4D97-AF65-F5344CB8AC3E}">
-        <p14:creationId xmlns:p14="http://schemas.microsoft.com/office/powerpoint/2010/main" val="1948017904"/>
+        <p14:creationId xmlns:p14="http://schemas.microsoft.com/office/powerpoint/2010/main" val="4162840338"/>
       </p:ext>
     </p:extLst>
   </p:cSld>
@@ -7007,7 +7148,7 @@
             </a:r>
             <a:r>
               <a:rPr lang="zh-CN" altLang="en-US" dirty="0"/>
-              <a:t>其他</a:t>
+              <a:t>应对装箱</a:t>
             </a:r>
           </a:p>
         </p:txBody>
@@ -7022,7 +7163,12 @@
             <p:ph idx="1"/>
           </p:nvPr>
         </p:nvSpPr>
-        <p:spPr/>
+        <p:spPr>
+          <a:xfrm>
+            <a:off x="831608" y="1690688"/>
+            <a:ext cx="10515600" cy="4830356"/>
+          </a:xfrm>
+        </p:spPr>
         <p:txBody>
           <a:bodyPr>
             <a:normAutofit/>
@@ -7031,161 +7177,205 @@
           <a:p>
             <a:r>
               <a:rPr lang="zh-CN" altLang="en-US" dirty="0"/>
-              <a:t>枚举类型不宜作为键使用</a:t>
+              <a:t>对泛型值类型判空引起装箱</a:t>
             </a:r>
             <a:endParaRPr lang="en-US" altLang="zh-CN" dirty="0"/>
           </a:p>
           <a:p>
+            <a:endParaRPr lang="en-US" altLang="zh-CN" dirty="0"/>
+          </a:p>
+          <a:p>
+            <a:endParaRPr lang="en-US" altLang="zh-CN" dirty="0"/>
+          </a:p>
+          <a:p>
             <a:pPr marL="457200" lvl="1" indent="0">
               <a:buNone/>
             </a:pPr>
-            <a:r>
-              <a:rPr lang="zh-CN" altLang="en-US" sz="1800" dirty="0">
-                <a:latin typeface="微软雅黑 Light" panose="020B0502040204020203" pitchFamily="34" charset="-122"/>
-                <a:ea typeface="微软雅黑 Light" panose="020B0502040204020203" pitchFamily="34" charset="-122"/>
-              </a:rPr>
-              <a:t>枚举是值类型，而且你无法重写它的</a:t>
-            </a:r>
-            <a:r>
-              <a:rPr lang="en-US" altLang="zh-CN" sz="1800" dirty="0" err="1">
-                <a:latin typeface="微软雅黑 Light" panose="020B0502040204020203" pitchFamily="34" charset="-122"/>
-                <a:ea typeface="微软雅黑 Light" panose="020B0502040204020203" pitchFamily="34" charset="-122"/>
-              </a:rPr>
-              <a:t>GetHashCode</a:t>
-            </a:r>
-            <a:r>
-              <a:rPr lang="zh-CN" altLang="en-US" sz="1800" dirty="0">
-                <a:latin typeface="微软雅黑 Light" panose="020B0502040204020203" pitchFamily="34" charset="-122"/>
-                <a:ea typeface="微软雅黑 Light" panose="020B0502040204020203" pitchFamily="34" charset="-122"/>
-              </a:rPr>
-              <a:t>方法</a:t>
-            </a:r>
-            <a:endParaRPr lang="en-US" altLang="zh-CN" sz="1800" dirty="0">
-              <a:latin typeface="微软雅黑 Light" panose="020B0502040204020203" pitchFamily="34" charset="-122"/>
-              <a:ea typeface="微软雅黑 Light" panose="020B0502040204020203" pitchFamily="34" charset="-122"/>
-            </a:endParaRPr>
-          </a:p>
-          <a:p>
-            <a:r>
-              <a:rPr lang="zh-CN" altLang="en-US" dirty="0"/>
-              <a:t>谨慎传递结构体</a:t>
-            </a:r>
-            <a:endParaRPr lang="en-US" altLang="zh-CN" dirty="0"/>
+            <a:endParaRPr lang="en-US" altLang="zh-CN" sz="2000" b="1" dirty="0"/>
           </a:p>
           <a:p>
             <a:pPr marL="457200" lvl="1" indent="0">
               <a:buNone/>
             </a:pPr>
             <a:r>
-              <a:rPr lang="zh-CN" altLang="en-US" sz="1800" dirty="0">
-                <a:latin typeface="微软雅黑 Light" panose="020B0502040204020203" pitchFamily="34" charset="-122"/>
-                <a:ea typeface="微软雅黑 Light" panose="020B0502040204020203" pitchFamily="34" charset="-122"/>
-              </a:rPr>
-              <a:t>别忘了结构体是值类型哦。使用</a:t>
-            </a:r>
-            <a:r>
-              <a:rPr lang="en-US" altLang="zh-CN" sz="1800" dirty="0">
-                <a:latin typeface="微软雅黑 Light" panose="020B0502040204020203" pitchFamily="34" charset="-122"/>
-                <a:ea typeface="微软雅黑 Light" panose="020B0502040204020203" pitchFamily="34" charset="-122"/>
-              </a:rPr>
-              <a:t>ref</a:t>
-            </a:r>
-            <a:r>
-              <a:rPr lang="zh-CN" altLang="en-US" sz="1800" dirty="0">
-                <a:latin typeface="微软雅黑 Light" panose="020B0502040204020203" pitchFamily="34" charset="-122"/>
-                <a:ea typeface="微软雅黑 Light" panose="020B0502040204020203" pitchFamily="34" charset="-122"/>
-              </a:rPr>
-              <a:t>传递作为参数的结构体</a:t>
-            </a:r>
-            <a:endParaRPr lang="en-US" altLang="zh-CN" sz="1800" dirty="0">
-              <a:latin typeface="微软雅黑 Light" panose="020B0502040204020203" pitchFamily="34" charset="-122"/>
-              <a:ea typeface="微软雅黑 Light" panose="020B0502040204020203" pitchFamily="34" charset="-122"/>
-            </a:endParaRPr>
-          </a:p>
-          <a:p>
-            <a:r>
-              <a:rPr lang="zh-CN" altLang="en-US" dirty="0"/>
-              <a:t>使用枚举而非常量</a:t>
-            </a:r>
-            <a:endParaRPr lang="en-US" altLang="zh-CN" dirty="0"/>
+              <a:rPr lang="zh-CN" altLang="en-US" sz="2000" b="1" dirty="0"/>
+              <a:t>考虑</a:t>
+            </a:r>
+            <a:r>
+              <a:rPr lang="zh-CN" altLang="en-US" sz="2000" dirty="0"/>
+              <a:t>拆分泛型方法。对于拥有</a:t>
+            </a:r>
+            <a:r>
+              <a:rPr lang="en-US" altLang="zh-CN" sz="2000" dirty="0" err="1"/>
+              <a:t>struct</a:t>
+            </a:r>
+            <a:r>
+              <a:rPr lang="zh-CN" altLang="en-US" sz="2000" dirty="0"/>
+              <a:t>约束的泛型方法，不会生成装箱的代码。如果确有对可空值类型判空的必要，可以使用下面拆分方式将上面方法拆成两个：</a:t>
+            </a:r>
+            <a:endParaRPr lang="en-US" altLang="zh-CN" sz="2000" dirty="0"/>
           </a:p>
           <a:p>
             <a:pPr marL="457200" lvl="1" indent="0">
               <a:buNone/>
             </a:pPr>
-            <a:r>
-              <a:rPr lang="zh-CN" altLang="en-US" sz="1800" dirty="0">
-                <a:latin typeface="微软雅黑 Light" panose="020B0502040204020203" pitchFamily="34" charset="-122"/>
-                <a:ea typeface="微软雅黑 Light" panose="020B0502040204020203" pitchFamily="34" charset="-122"/>
-              </a:rPr>
-              <a:t>枚举明确地指出了其内容的约束，且拥有更完备的工具支持</a:t>
-            </a:r>
-            <a:endParaRPr lang="en-US" altLang="zh-CN" sz="1800" dirty="0">
-              <a:latin typeface="微软雅黑 Light" panose="020B0502040204020203" pitchFamily="34" charset="-122"/>
-              <a:ea typeface="微软雅黑 Light" panose="020B0502040204020203" pitchFamily="34" charset="-122"/>
-            </a:endParaRPr>
-          </a:p>
-          <a:p>
-            <a:r>
-              <a:rPr lang="zh-CN" altLang="en-US" dirty="0"/>
-              <a:t>慎重对待闭包</a:t>
-            </a:r>
-            <a:endParaRPr lang="en-US" altLang="zh-CN" dirty="0"/>
+            <a:endParaRPr lang="en-US" altLang="zh-CN" sz="2000" dirty="0"/>
           </a:p>
           <a:p>
             <a:pPr marL="457200" lvl="1" indent="0">
               <a:buNone/>
             </a:pPr>
-            <a:r>
-              <a:rPr lang="zh-CN" altLang="en-US" sz="1800" dirty="0">
-                <a:latin typeface="微软雅黑 Light" panose="020B0502040204020203" pitchFamily="34" charset="-122"/>
-                <a:ea typeface="微软雅黑 Light" panose="020B0502040204020203" pitchFamily="34" charset="-122"/>
-              </a:rPr>
-              <a:t>状态的延续站在内存的肩膀上</a:t>
-            </a:r>
-            <a:endParaRPr lang="en-US" altLang="zh-CN" sz="1800" dirty="0">
-              <a:latin typeface="微软雅黑 Light" panose="020B0502040204020203" pitchFamily="34" charset="-122"/>
-              <a:ea typeface="微软雅黑 Light" panose="020B0502040204020203" pitchFamily="34" charset="-122"/>
-            </a:endParaRPr>
-          </a:p>
-          <a:p>
-            <a:r>
-              <a:rPr lang="zh-CN" altLang="en-US" dirty="0"/>
-              <a:t>编译重复使用的正则表达式</a:t>
-            </a:r>
-            <a:endParaRPr lang="en-US" altLang="zh-CN" dirty="0"/>
+            <a:endParaRPr lang="en-US" altLang="zh-CN" sz="2000" dirty="0"/>
           </a:p>
           <a:p>
             <a:pPr marL="457200" lvl="1" indent="0">
               <a:buNone/>
             </a:pPr>
-            <a:r>
-              <a:rPr lang="zh-CN" altLang="en-US" sz="1800" dirty="0">
-                <a:latin typeface="微软雅黑 Light" panose="020B0502040204020203" pitchFamily="34" charset="-122"/>
-                <a:ea typeface="微软雅黑 Light" panose="020B0502040204020203" pitchFamily="34" charset="-122"/>
-              </a:rPr>
-              <a:t>将字符串编译为自动机往往要比匹配消耗更多时间</a:t>
-            </a:r>
-            <a:endParaRPr lang="en-US" altLang="zh-CN" sz="1800" dirty="0">
-              <a:latin typeface="微软雅黑 Light" panose="020B0502040204020203" pitchFamily="34" charset="-122"/>
-              <a:ea typeface="微软雅黑 Light" panose="020B0502040204020203" pitchFamily="34" charset="-122"/>
-            </a:endParaRPr>
+            <a:endParaRPr lang="en-US" altLang="zh-CN" sz="2000" dirty="0"/>
           </a:p>
           <a:p>
             <a:pPr marL="457200" lvl="1" indent="0">
               <a:buNone/>
             </a:pPr>
-            <a:endParaRPr lang="zh-CN" altLang="en-US" sz="1800" dirty="0">
-              <a:latin typeface="微软雅黑 Light" panose="020B0502040204020203" pitchFamily="34" charset="-122"/>
-              <a:ea typeface="微软雅黑 Light" panose="020B0502040204020203" pitchFamily="34" charset="-122"/>
-            </a:endParaRPr>
-          </a:p>
-        </p:txBody>
-      </p:sp>
+            <a:endParaRPr lang="en-US" altLang="zh-CN" sz="2000" dirty="0"/>
+          </a:p>
+          <a:p>
+            <a:pPr marL="457200" lvl="1" indent="0">
+              <a:buNone/>
+            </a:pPr>
+            <a:endParaRPr lang="en-US" altLang="zh-CN" sz="2000" dirty="0"/>
+          </a:p>
+          <a:p>
+            <a:pPr marL="457200" lvl="1" indent="0">
+              <a:buNone/>
+            </a:pPr>
+            <a:r>
+              <a:rPr lang="zh-CN" altLang="en-US" sz="2000" dirty="0"/>
+              <a:t>传入可空值类型的时候，会使用第一个泛化，其代码中不包含装箱指令。</a:t>
+            </a:r>
+            <a:endParaRPr lang="en-US" altLang="zh-CN" sz="2000" dirty="0"/>
+          </a:p>
+        </p:txBody>
+      </p:sp>
+      <p:pic>
+        <p:nvPicPr>
+          <p:cNvPr id="4" name="图片 3"/>
+          <p:cNvPicPr>
+            <a:picLocks noChangeAspect="1"/>
+          </p:cNvPicPr>
+          <p:nvPr/>
+        </p:nvPicPr>
+        <p:blipFill>
+          <a:blip r:embed="rId2"/>
+          <a:stretch>
+            <a:fillRect/>
+          </a:stretch>
+        </p:blipFill>
+        <p:spPr>
+          <a:xfrm>
+            <a:off x="923259" y="2388580"/>
+            <a:ext cx="4019550" cy="695325"/>
+          </a:xfrm>
+          <a:prstGeom prst="rect">
+            <a:avLst/>
+          </a:prstGeom>
+        </p:spPr>
+      </p:pic>
+      <p:pic>
+        <p:nvPicPr>
+          <p:cNvPr id="5" name="图片 4"/>
+          <p:cNvPicPr>
+            <a:picLocks noChangeAspect="1"/>
+          </p:cNvPicPr>
+          <p:nvPr/>
+        </p:nvPicPr>
+        <p:blipFill>
+          <a:blip r:embed="rId3"/>
+          <a:stretch>
+            <a:fillRect/>
+          </a:stretch>
+        </p:blipFill>
+        <p:spPr>
+          <a:xfrm>
+            <a:off x="6835321" y="2140929"/>
+            <a:ext cx="2619375" cy="1190625"/>
+          </a:xfrm>
+          <a:prstGeom prst="rect">
+            <a:avLst/>
+          </a:prstGeom>
+        </p:spPr>
+      </p:pic>
+      <p:sp>
+        <p:nvSpPr>
+          <p:cNvPr id="6" name="箭头: 右 5"/>
+          <p:cNvSpPr/>
+          <p:nvPr/>
+        </p:nvSpPr>
+        <p:spPr>
+          <a:xfrm>
+            <a:off x="3692599" y="2736241"/>
+            <a:ext cx="2999322" cy="186071"/>
+          </a:xfrm>
+          <a:prstGeom prst="rightArrow">
+            <a:avLst/>
+          </a:prstGeom>
+          <a:solidFill>
+            <a:srgbClr val="C00000"/>
+          </a:solidFill>
+        </p:spPr>
+        <p:style>
+          <a:lnRef idx="2">
+            <a:schemeClr val="accent1">
+              <a:shade val="50000"/>
+            </a:schemeClr>
+          </a:lnRef>
+          <a:fillRef idx="1">
+            <a:schemeClr val="accent1"/>
+          </a:fillRef>
+          <a:effectRef idx="0">
+            <a:schemeClr val="accent1"/>
+          </a:effectRef>
+          <a:fontRef idx="minor">
+            <a:schemeClr val="lt1"/>
+          </a:fontRef>
+        </p:style>
+        <p:txBody>
+          <a:bodyPr rtlCol="0" anchor="ctr"/>
+          <a:lstStyle/>
+          <a:p>
+            <a:pPr algn="ctr"/>
+            <a:endParaRPr lang="zh-CN" altLang="en-US"/>
+          </a:p>
+        </p:txBody>
+      </p:sp>
+      <p:pic>
+        <p:nvPicPr>
+          <p:cNvPr id="7" name="图片 6"/>
+          <p:cNvPicPr>
+            <a:picLocks noChangeAspect="1"/>
+          </p:cNvPicPr>
+          <p:nvPr/>
+        </p:nvPicPr>
+        <p:blipFill>
+          <a:blip r:embed="rId4"/>
+          <a:stretch>
+            <a:fillRect/>
+          </a:stretch>
+        </p:blipFill>
+        <p:spPr>
+          <a:xfrm>
+            <a:off x="923259" y="4129458"/>
+            <a:ext cx="5448300" cy="1552575"/>
+          </a:xfrm>
+          <a:prstGeom prst="rect">
+            <a:avLst/>
+          </a:prstGeom>
+        </p:spPr>
+      </p:pic>
     </p:spTree>
     <p:extLst>
       <p:ext uri="{BB962C8B-B14F-4D97-AF65-F5344CB8AC3E}">
-        <p14:creationId xmlns:p14="http://schemas.microsoft.com/office/powerpoint/2010/main" val="4131926382"/>
+        <p14:creationId xmlns:p14="http://schemas.microsoft.com/office/powerpoint/2010/main" val="2222246968"/>
       </p:ext>
     </p:extLst>
   </p:cSld>
@@ -7229,6 +7419,878 @@
           <a:p>
             <a:r>
               <a:rPr lang="zh-CN" altLang="en-US" dirty="0"/>
+              <a:t>最佳实践</a:t>
+            </a:r>
+            <a:r>
+              <a:rPr lang="en-US" altLang="zh-CN" dirty="0"/>
+              <a:t>/</a:t>
+            </a:r>
+            <a:r>
+              <a:rPr lang="zh-CN" altLang="en-US" dirty="0"/>
+              <a:t>应对装箱</a:t>
+            </a:r>
+          </a:p>
+        </p:txBody>
+      </p:sp>
+      <p:sp>
+        <p:nvSpPr>
+          <p:cNvPr id="3" name="内容占位符 2"/>
+          <p:cNvSpPr>
+            <a:spLocks noGrp="1"/>
+          </p:cNvSpPr>
+          <p:nvPr>
+            <p:ph idx="1"/>
+          </p:nvPr>
+        </p:nvSpPr>
+        <p:spPr/>
+        <p:txBody>
+          <a:bodyPr/>
+          <a:lstStyle/>
+          <a:p>
+            <a:r>
+              <a:rPr lang="en-US" altLang="zh-CN" dirty="0"/>
+              <a:t>Unity</a:t>
+            </a:r>
+            <a:r>
+              <a:rPr lang="zh-CN" altLang="en-US" dirty="0"/>
+              <a:t>编译器编译使用集合枚举器导致装箱</a:t>
+            </a:r>
+            <a:endParaRPr lang="en-US" altLang="zh-CN" dirty="0"/>
+          </a:p>
+          <a:p>
+            <a:pPr marL="457200" lvl="1" indent="0">
+              <a:buNone/>
+            </a:pPr>
+            <a:r>
+              <a:rPr lang="en-US" altLang="zh-CN" sz="2000" dirty="0"/>
+              <a:t>Unity</a:t>
+            </a:r>
+            <a:r>
+              <a:rPr lang="zh-CN" altLang="en-US" sz="2000" dirty="0"/>
+              <a:t>所使用的</a:t>
+            </a:r>
+            <a:r>
+              <a:rPr lang="en-US" altLang="zh-CN" sz="2000" dirty="0"/>
+              <a:t>Mono 2.4</a:t>
+            </a:r>
+            <a:r>
+              <a:rPr lang="zh-CN" altLang="en-US" sz="2000" dirty="0"/>
+              <a:t>编译器一处优化不足所致。</a:t>
+            </a:r>
+            <a:endParaRPr lang="en-US" altLang="zh-CN" sz="2000" dirty="0"/>
+          </a:p>
+          <a:p>
+            <a:pPr marL="457200" lvl="1" indent="0">
+              <a:buNone/>
+            </a:pPr>
+            <a:r>
+              <a:rPr lang="zh-CN" altLang="en-US" sz="2000" dirty="0"/>
+              <a:t>参考如下方法处理</a:t>
+            </a:r>
+            <a:endParaRPr lang="en-US" altLang="zh-CN" sz="2000" dirty="0"/>
+          </a:p>
+          <a:p>
+            <a:pPr lvl="1"/>
+            <a:r>
+              <a:rPr lang="zh-CN" altLang="en-US" sz="2000" dirty="0"/>
+              <a:t>更换</a:t>
+            </a:r>
+            <a:r>
+              <a:rPr lang="en-US" altLang="zh-CN" sz="2000" dirty="0"/>
+              <a:t>Unity</a:t>
+            </a:r>
+            <a:r>
+              <a:rPr lang="zh-CN" altLang="en-US" sz="2000" dirty="0"/>
+              <a:t>版本到</a:t>
+            </a:r>
+            <a:r>
+              <a:rPr lang="en-US" altLang="zh-CN" sz="2000" dirty="0"/>
+              <a:t>5.3.5p8</a:t>
+            </a:r>
+            <a:r>
+              <a:rPr lang="zh-CN" altLang="en-US" sz="2000" dirty="0"/>
+              <a:t>以后版本</a:t>
+            </a:r>
+            <a:endParaRPr lang="en-US" altLang="zh-CN" sz="2000" dirty="0"/>
+          </a:p>
+          <a:p>
+            <a:pPr lvl="1"/>
+            <a:r>
+              <a:rPr lang="zh-CN" altLang="en-US" sz="2000" dirty="0"/>
+              <a:t>使用外部编译器编译需要使用</a:t>
+            </a:r>
+            <a:r>
+              <a:rPr lang="en-US" altLang="zh-CN" sz="2000" dirty="0" err="1"/>
+              <a:t>foreach</a:t>
+            </a:r>
+            <a:r>
+              <a:rPr lang="zh-CN" altLang="en-US" sz="2000" dirty="0"/>
+              <a:t>的代码</a:t>
+            </a:r>
+            <a:endParaRPr lang="en-US" altLang="zh-CN" sz="2000" dirty="0"/>
+          </a:p>
+          <a:p>
+            <a:pPr lvl="1"/>
+            <a:r>
+              <a:rPr lang="zh-CN" altLang="en-US" sz="2000" dirty="0"/>
+              <a:t>使用其他遍历方式替换</a:t>
+            </a:r>
+            <a:r>
+              <a:rPr lang="en-US" altLang="zh-CN" sz="2000" dirty="0" err="1"/>
+              <a:t>foreach</a:t>
+            </a:r>
+            <a:endParaRPr lang="en-US" altLang="zh-CN" sz="2000" dirty="0"/>
+          </a:p>
+        </p:txBody>
+      </p:sp>
+      <p:pic>
+        <p:nvPicPr>
+          <p:cNvPr id="8" name="图片 7"/>
+          <p:cNvPicPr>
+            <a:picLocks noChangeAspect="1"/>
+          </p:cNvPicPr>
+          <p:nvPr/>
+        </p:nvPicPr>
+        <p:blipFill>
+          <a:blip r:embed="rId3"/>
+          <a:stretch>
+            <a:fillRect/>
+          </a:stretch>
+        </p:blipFill>
+        <p:spPr>
+          <a:xfrm>
+            <a:off x="838200" y="4692473"/>
+            <a:ext cx="2914650" cy="771525"/>
+          </a:xfrm>
+          <a:prstGeom prst="rect">
+            <a:avLst/>
+          </a:prstGeom>
+        </p:spPr>
+      </p:pic>
+      <p:pic>
+        <p:nvPicPr>
+          <p:cNvPr id="10" name="图片 9"/>
+          <p:cNvPicPr>
+            <a:picLocks noChangeAspect="1"/>
+          </p:cNvPicPr>
+          <p:nvPr/>
+        </p:nvPicPr>
+        <p:blipFill>
+          <a:blip r:embed="rId4"/>
+          <a:stretch>
+            <a:fillRect/>
+          </a:stretch>
+        </p:blipFill>
+        <p:spPr>
+          <a:xfrm>
+            <a:off x="5505892" y="4554360"/>
+            <a:ext cx="3876675" cy="1047750"/>
+          </a:xfrm>
+          <a:prstGeom prst="rect">
+            <a:avLst/>
+          </a:prstGeom>
+        </p:spPr>
+      </p:pic>
+      <p:sp>
+        <p:nvSpPr>
+          <p:cNvPr id="11" name="箭头: 右 10"/>
+          <p:cNvSpPr/>
+          <p:nvPr/>
+        </p:nvSpPr>
+        <p:spPr>
+          <a:xfrm>
+            <a:off x="3837245" y="4973667"/>
+            <a:ext cx="1584252" cy="209135"/>
+          </a:xfrm>
+          <a:prstGeom prst="rightArrow">
+            <a:avLst/>
+          </a:prstGeom>
+          <a:solidFill>
+            <a:schemeClr val="accent6"/>
+          </a:solidFill>
+        </p:spPr>
+        <p:style>
+          <a:lnRef idx="2">
+            <a:schemeClr val="accent1">
+              <a:shade val="50000"/>
+            </a:schemeClr>
+          </a:lnRef>
+          <a:fillRef idx="1">
+            <a:schemeClr val="accent1"/>
+          </a:fillRef>
+          <a:effectRef idx="0">
+            <a:schemeClr val="accent1"/>
+          </a:effectRef>
+          <a:fontRef idx="minor">
+            <a:schemeClr val="lt1"/>
+          </a:fontRef>
+        </p:style>
+        <p:txBody>
+          <a:bodyPr rtlCol="0" anchor="ctr"/>
+          <a:lstStyle/>
+          <a:p>
+            <a:pPr algn="ctr"/>
+            <a:endParaRPr lang="zh-CN" altLang="en-US"/>
+          </a:p>
+        </p:txBody>
+      </p:sp>
+    </p:spTree>
+    <p:extLst>
+      <p:ext uri="{BB962C8B-B14F-4D97-AF65-F5344CB8AC3E}">
+        <p14:creationId xmlns:p14="http://schemas.microsoft.com/office/powerpoint/2010/main" val="1838298229"/>
+      </p:ext>
+    </p:extLst>
+  </p:cSld>
+  <p:clrMapOvr>
+    <a:masterClrMapping/>
+  </p:clrMapOvr>
+</p:sld>
+</file>
+
+<file path=ppt/slides/slide25.xml><?xml version="1.0" encoding="utf-8"?>
+<p:sld xmlns:a="http://schemas.openxmlformats.org/drawingml/2006/main" xmlns:r="http://schemas.openxmlformats.org/officeDocument/2006/relationships" xmlns:p="http://schemas.openxmlformats.org/presentationml/2006/main">
+  <p:cSld>
+    <p:spTree>
+      <p:nvGrpSpPr>
+        <p:cNvPr id="1" name=""/>
+        <p:cNvGrpSpPr/>
+        <p:nvPr/>
+      </p:nvGrpSpPr>
+      <p:grpSpPr>
+        <a:xfrm>
+          <a:off x="0" y="0"/>
+          <a:ext cx="0" cy="0"/>
+          <a:chOff x="0" y="0"/>
+          <a:chExt cx="0" cy="0"/>
+        </a:xfrm>
+      </p:grpSpPr>
+      <p:sp>
+        <p:nvSpPr>
+          <p:cNvPr id="2" name="标题 1"/>
+          <p:cNvSpPr>
+            <a:spLocks noGrp="1"/>
+          </p:cNvSpPr>
+          <p:nvPr>
+            <p:ph type="title"/>
+          </p:nvPr>
+        </p:nvSpPr>
+        <p:spPr/>
+        <p:txBody>
+          <a:bodyPr/>
+          <a:lstStyle/>
+          <a:p>
+            <a:endParaRPr lang="zh-CN" altLang="en-US"/>
+          </a:p>
+        </p:txBody>
+      </p:sp>
+      <p:sp>
+        <p:nvSpPr>
+          <p:cNvPr id="3" name="内容占位符 2"/>
+          <p:cNvSpPr>
+            <a:spLocks noGrp="1"/>
+          </p:cNvSpPr>
+          <p:nvPr>
+            <p:ph idx="1"/>
+          </p:nvPr>
+        </p:nvSpPr>
+        <p:spPr/>
+        <p:txBody>
+          <a:bodyPr/>
+          <a:lstStyle/>
+          <a:p>
+            <a:endParaRPr lang="zh-CN" altLang="en-US"/>
+          </a:p>
+        </p:txBody>
+      </p:sp>
+    </p:spTree>
+    <p:extLst>
+      <p:ext uri="{BB962C8B-B14F-4D97-AF65-F5344CB8AC3E}">
+        <p14:creationId xmlns:p14="http://schemas.microsoft.com/office/powerpoint/2010/main" val="3989634246"/>
+      </p:ext>
+    </p:extLst>
+  </p:cSld>
+  <p:clrMapOvr>
+    <a:masterClrMapping/>
+  </p:clrMapOvr>
+</p:sld>
+</file>
+
+<file path=ppt/slides/slide26.xml><?xml version="1.0" encoding="utf-8"?>
+<p:sld xmlns:a="http://schemas.openxmlformats.org/drawingml/2006/main" xmlns:r="http://schemas.openxmlformats.org/officeDocument/2006/relationships" xmlns:p="http://schemas.openxmlformats.org/presentationml/2006/main">
+  <p:cSld>
+    <p:spTree>
+      <p:nvGrpSpPr>
+        <p:cNvPr id="1" name=""/>
+        <p:cNvGrpSpPr/>
+        <p:nvPr/>
+      </p:nvGrpSpPr>
+      <p:grpSpPr>
+        <a:xfrm>
+          <a:off x="0" y="0"/>
+          <a:ext cx="0" cy="0"/>
+          <a:chOff x="0" y="0"/>
+          <a:chExt cx="0" cy="0"/>
+        </a:xfrm>
+      </p:grpSpPr>
+      <p:sp>
+        <p:nvSpPr>
+          <p:cNvPr id="2" name="标题 1"/>
+          <p:cNvSpPr>
+            <a:spLocks noGrp="1"/>
+          </p:cNvSpPr>
+          <p:nvPr>
+            <p:ph type="title"/>
+          </p:nvPr>
+        </p:nvSpPr>
+        <p:spPr/>
+        <p:txBody>
+          <a:bodyPr/>
+          <a:lstStyle/>
+          <a:p>
+            <a:r>
+              <a:rPr lang="zh-CN" altLang="en-US" dirty="0"/>
+              <a:t>最佳实践</a:t>
+            </a:r>
+            <a:r>
+              <a:rPr lang="en-US" altLang="zh-CN" dirty="0"/>
+              <a:t>/</a:t>
+            </a:r>
+            <a:r>
+              <a:rPr lang="zh-CN" altLang="en-US" dirty="0"/>
+              <a:t>其他</a:t>
+            </a:r>
+          </a:p>
+        </p:txBody>
+      </p:sp>
+      <p:sp>
+        <p:nvSpPr>
+          <p:cNvPr id="3" name="内容占位符 2"/>
+          <p:cNvSpPr>
+            <a:spLocks noGrp="1"/>
+          </p:cNvSpPr>
+          <p:nvPr>
+            <p:ph idx="1"/>
+          </p:nvPr>
+        </p:nvSpPr>
+        <p:spPr/>
+        <p:txBody>
+          <a:bodyPr>
+            <a:normAutofit lnSpcReduction="10000"/>
+          </a:bodyPr>
+          <a:lstStyle/>
+          <a:p>
+            <a:r>
+              <a:rPr lang="zh-CN" altLang="en-US" dirty="0"/>
+              <a:t>缓存</a:t>
+            </a:r>
+            <a:r>
+              <a:rPr lang="en-US" altLang="zh-CN" dirty="0" err="1"/>
+              <a:t>MemberInfo</a:t>
+            </a:r>
+            <a:endParaRPr lang="en-US" altLang="zh-CN" dirty="0"/>
+          </a:p>
+          <a:p>
+            <a:pPr marL="457200" lvl="1" indent="0">
+              <a:buNone/>
+            </a:pPr>
+            <a:r>
+              <a:rPr lang="zh-CN" altLang="en-US" sz="1800" dirty="0">
+                <a:latin typeface="微软雅黑 Light" panose="020B0502040204020203" pitchFamily="34" charset="-122"/>
+                <a:ea typeface="微软雅黑 Light" panose="020B0502040204020203" pitchFamily="34" charset="-122"/>
+              </a:rPr>
+              <a:t>反射性能低下主要有三个原因：</a:t>
+            </a:r>
+            <a:r>
+              <a:rPr lang="en-US" altLang="zh-CN" sz="1800" dirty="0" err="1">
+                <a:latin typeface="微软雅黑 Light" panose="020B0502040204020203" pitchFamily="34" charset="-122"/>
+                <a:ea typeface="微软雅黑 Light" panose="020B0502040204020203" pitchFamily="34" charset="-122"/>
+              </a:rPr>
+              <a:t>EEClass</a:t>
+            </a:r>
+            <a:r>
+              <a:rPr lang="zh-CN" altLang="en-US" sz="1800" dirty="0">
+                <a:latin typeface="微软雅黑 Light" panose="020B0502040204020203" pitchFamily="34" charset="-122"/>
+                <a:ea typeface="微软雅黑 Light" panose="020B0502040204020203" pitchFamily="34" charset="-122"/>
+              </a:rPr>
+              <a:t>检索慢于编译器生成的地址代换，检索到的数据需要生成</a:t>
+            </a:r>
+            <a:r>
+              <a:rPr lang="en-US" altLang="zh-CN" sz="1800" dirty="0" err="1">
+                <a:latin typeface="微软雅黑 Light" panose="020B0502040204020203" pitchFamily="34" charset="-122"/>
+                <a:ea typeface="微软雅黑 Light" panose="020B0502040204020203" pitchFamily="34" charset="-122"/>
+              </a:rPr>
+              <a:t>MemberInfo</a:t>
+            </a:r>
+            <a:r>
+              <a:rPr lang="zh-CN" altLang="en-US" sz="1800" dirty="0">
+                <a:latin typeface="微软雅黑 Light" panose="020B0502040204020203" pitchFamily="34" charset="-122"/>
+                <a:ea typeface="微软雅黑 Light" panose="020B0502040204020203" pitchFamily="34" charset="-122"/>
+              </a:rPr>
+              <a:t>对象，访问</a:t>
+            </a:r>
+            <a:r>
+              <a:rPr lang="en-US" altLang="zh-CN" sz="1800" dirty="0" err="1">
+                <a:latin typeface="微软雅黑 Light" panose="020B0502040204020203" pitchFamily="34" charset="-122"/>
+                <a:ea typeface="微软雅黑 Light" panose="020B0502040204020203" pitchFamily="34" charset="-122"/>
+              </a:rPr>
+              <a:t>MemberInfo</a:t>
+            </a:r>
+            <a:r>
+              <a:rPr lang="zh-CN" altLang="en-US" sz="1800" dirty="0">
+                <a:latin typeface="微软雅黑 Light" panose="020B0502040204020203" pitchFamily="34" charset="-122"/>
+                <a:ea typeface="微软雅黑 Light" panose="020B0502040204020203" pitchFamily="34" charset="-122"/>
+              </a:rPr>
+              <a:t>对象需要动态绑定。使用反射式缓存</a:t>
+            </a:r>
+            <a:r>
+              <a:rPr lang="en-US" altLang="zh-CN" sz="1800" dirty="0" err="1">
+                <a:latin typeface="微软雅黑 Light" panose="020B0502040204020203" pitchFamily="34" charset="-122"/>
+                <a:ea typeface="微软雅黑 Light" panose="020B0502040204020203" pitchFamily="34" charset="-122"/>
+              </a:rPr>
+              <a:t>MemberInfo</a:t>
+            </a:r>
+            <a:r>
+              <a:rPr lang="zh-CN" altLang="en-US" sz="1800" dirty="0">
+                <a:latin typeface="微软雅黑 Light" panose="020B0502040204020203" pitchFamily="34" charset="-122"/>
+                <a:ea typeface="微软雅黑 Light" panose="020B0502040204020203" pitchFamily="34" charset="-122"/>
+              </a:rPr>
+              <a:t>，前两个问题都能迎刃而解</a:t>
+            </a:r>
+          </a:p>
+          <a:p>
+            <a:r>
+              <a:rPr lang="zh-CN" altLang="en-US" dirty="0"/>
+              <a:t>为集合预分配容量</a:t>
+            </a:r>
+            <a:endParaRPr lang="en-US" altLang="zh-CN" dirty="0"/>
+          </a:p>
+          <a:p>
+            <a:pPr marL="457200" lvl="1" indent="0">
+              <a:buNone/>
+            </a:pPr>
+            <a:r>
+              <a:rPr lang="zh-CN" altLang="en-US" sz="1800" dirty="0">
+                <a:latin typeface="微软雅黑 Light" panose="020B0502040204020203" pitchFamily="34" charset="-122"/>
+                <a:ea typeface="微软雅黑 Light" panose="020B0502040204020203" pitchFamily="34" charset="-122"/>
+              </a:rPr>
+              <a:t>集合拥有积极扩张的内存分配策略，预估集合容量并进行预分配非但有助于减少重分配次数，而且通常能够节约内存</a:t>
+            </a:r>
+            <a:endParaRPr lang="en-US" altLang="zh-CN" sz="1800" dirty="0">
+              <a:latin typeface="微软雅黑 Light" panose="020B0502040204020203" pitchFamily="34" charset="-122"/>
+              <a:ea typeface="微软雅黑 Light" panose="020B0502040204020203" pitchFamily="34" charset="-122"/>
+            </a:endParaRPr>
+          </a:p>
+          <a:p>
+            <a:r>
+              <a:rPr lang="zh-CN" altLang="en-US" dirty="0"/>
+              <a:t>重写</a:t>
+            </a:r>
+            <a:r>
+              <a:rPr lang="en-US" altLang="zh-CN" dirty="0"/>
+              <a:t>Equals</a:t>
+            </a:r>
+            <a:r>
+              <a:rPr lang="zh-CN" altLang="en-US" dirty="0"/>
+              <a:t>方法和</a:t>
+            </a:r>
+            <a:r>
+              <a:rPr lang="en-US" altLang="zh-CN" dirty="0" err="1"/>
+              <a:t>GetHashCode</a:t>
+            </a:r>
+            <a:r>
+              <a:rPr lang="zh-CN" altLang="en-US" dirty="0"/>
+              <a:t>方法</a:t>
+            </a:r>
+            <a:endParaRPr lang="en-US" altLang="zh-CN" dirty="0"/>
+          </a:p>
+          <a:p>
+            <a:pPr marL="457200" lvl="1" indent="0">
+              <a:buNone/>
+            </a:pPr>
+            <a:r>
+              <a:rPr lang="zh-CN" altLang="en-US" sz="1800" dirty="0">
+                <a:latin typeface="微软雅黑 Light" panose="020B0502040204020203" pitchFamily="34" charset="-122"/>
+                <a:ea typeface="微软雅黑 Light" panose="020B0502040204020203" pitchFamily="34" charset="-122"/>
+              </a:rPr>
+              <a:t>引用类型的上述方法默认实现使用反射</a:t>
+            </a:r>
+            <a:r>
+              <a:rPr lang="zh-CN" altLang="en-US" dirty="0"/>
+              <a:t>坚持建立文档化注释</a:t>
+            </a:r>
+            <a:endParaRPr lang="en-US" altLang="zh-CN" dirty="0"/>
+          </a:p>
+          <a:p>
+            <a:pPr marL="457200" lvl="1" indent="0">
+              <a:buNone/>
+            </a:pPr>
+            <a:r>
+              <a:rPr lang="zh-CN" altLang="en-US" sz="1800" dirty="0">
+                <a:latin typeface="微软雅黑 Light" panose="020B0502040204020203" pitchFamily="34" charset="-122"/>
+                <a:ea typeface="微软雅黑 Light" panose="020B0502040204020203" pitchFamily="34" charset="-122"/>
+              </a:rPr>
+              <a:t>从</a:t>
+            </a:r>
+            <a:r>
+              <a:rPr lang="en-US" altLang="zh-CN" sz="1800" dirty="0">
+                <a:latin typeface="微软雅黑 Light" panose="020B0502040204020203" pitchFamily="34" charset="-122"/>
+                <a:ea typeface="微软雅黑 Light" panose="020B0502040204020203" pitchFamily="34" charset="-122"/>
+              </a:rPr>
+              <a:t>VisualStudio</a:t>
+            </a:r>
+            <a:r>
+              <a:rPr lang="zh-CN" altLang="en-US" sz="1800" dirty="0">
+                <a:latin typeface="微软雅黑 Light" panose="020B0502040204020203" pitchFamily="34" charset="-122"/>
+                <a:ea typeface="微软雅黑 Light" panose="020B0502040204020203" pitchFamily="34" charset="-122"/>
+              </a:rPr>
+              <a:t>到</a:t>
+            </a:r>
+            <a:r>
+              <a:rPr lang="en-US" altLang="zh-CN" sz="1800" dirty="0" err="1">
+                <a:latin typeface="微软雅黑 Light" panose="020B0502040204020203" pitchFamily="34" charset="-122"/>
+                <a:ea typeface="微软雅黑 Light" panose="020B0502040204020203" pitchFamily="34" charset="-122"/>
+              </a:rPr>
+              <a:t>Resharper</a:t>
+            </a:r>
+            <a:r>
+              <a:rPr lang="zh-CN" altLang="en-US" sz="1800" dirty="0">
+                <a:latin typeface="微软雅黑 Light" panose="020B0502040204020203" pitchFamily="34" charset="-122"/>
+                <a:ea typeface="微软雅黑 Light" panose="020B0502040204020203" pitchFamily="34" charset="-122"/>
+              </a:rPr>
+              <a:t>，对类与方法的描述都来自文档化注释。</a:t>
+            </a:r>
+            <a:endParaRPr lang="en-US" altLang="zh-CN" dirty="0"/>
+          </a:p>
+          <a:p>
+            <a:r>
+              <a:rPr lang="zh-CN" altLang="en-US" dirty="0"/>
+              <a:t>较小的集合不应使用有键集合</a:t>
+            </a:r>
+            <a:endParaRPr lang="en-US" altLang="zh-CN" dirty="0"/>
+          </a:p>
+          <a:p>
+            <a:pPr marL="457200" lvl="1" indent="0">
+              <a:buNone/>
+            </a:pPr>
+            <a:r>
+              <a:rPr lang="zh-CN" altLang="en-US" sz="1800" dirty="0">
+                <a:latin typeface="微软雅黑 Light" panose="020B0502040204020203" pitchFamily="34" charset="-122"/>
+                <a:ea typeface="微软雅黑 Light" panose="020B0502040204020203" pitchFamily="34" charset="-122"/>
+              </a:rPr>
+              <a:t>有键集合需要额外的空间。举例来说，一个空的</a:t>
+            </a:r>
+            <a:r>
+              <a:rPr lang="en-US" altLang="zh-CN" sz="1800" dirty="0">
+                <a:latin typeface="微软雅黑 Light" panose="020B0502040204020203" pitchFamily="34" charset="-122"/>
+                <a:ea typeface="微软雅黑 Light" panose="020B0502040204020203" pitchFamily="34" charset="-122"/>
+              </a:rPr>
+              <a:t>Dictionary</a:t>
+            </a:r>
+            <a:r>
+              <a:rPr lang="zh-CN" altLang="en-US" sz="1800" dirty="0">
+                <a:latin typeface="微软雅黑 Light" panose="020B0502040204020203" pitchFamily="34" charset="-122"/>
+                <a:ea typeface="微软雅黑 Light" panose="020B0502040204020203" pitchFamily="34" charset="-122"/>
+              </a:rPr>
+              <a:t>也会消耗</a:t>
+            </a:r>
+            <a:r>
+              <a:rPr lang="en-US" altLang="zh-CN" sz="1800" dirty="0">
+                <a:latin typeface="微软雅黑 Light" panose="020B0502040204020203" pitchFamily="34" charset="-122"/>
+                <a:ea typeface="微软雅黑 Light" panose="020B0502040204020203" pitchFamily="34" charset="-122"/>
+              </a:rPr>
+              <a:t>12</a:t>
+            </a:r>
+            <a:r>
+              <a:rPr lang="zh-CN" altLang="en-US" sz="1800" dirty="0">
+                <a:latin typeface="微软雅黑 Light" panose="020B0502040204020203" pitchFamily="34" charset="-122"/>
+                <a:ea typeface="微软雅黑 Light" panose="020B0502040204020203" pitchFamily="34" charset="-122"/>
+              </a:rPr>
+              <a:t>字节的空间。</a:t>
+            </a:r>
+            <a:endParaRPr lang="en-US" altLang="zh-CN" sz="1800" dirty="0">
+              <a:latin typeface="微软雅黑 Light" panose="020B0502040204020203" pitchFamily="34" charset="-122"/>
+              <a:ea typeface="微软雅黑 Light" panose="020B0502040204020203" pitchFamily="34" charset="-122"/>
+            </a:endParaRPr>
+          </a:p>
+        </p:txBody>
+      </p:sp>
+    </p:spTree>
+    <p:extLst>
+      <p:ext uri="{BB962C8B-B14F-4D97-AF65-F5344CB8AC3E}">
+        <p14:creationId xmlns:p14="http://schemas.microsoft.com/office/powerpoint/2010/main" val="1948017904"/>
+      </p:ext>
+    </p:extLst>
+  </p:cSld>
+  <p:clrMapOvr>
+    <a:masterClrMapping/>
+  </p:clrMapOvr>
+</p:sld>
+</file>
+
+<file path=ppt/slides/slide27.xml><?xml version="1.0" encoding="utf-8"?>
+<p:sld xmlns:a="http://schemas.openxmlformats.org/drawingml/2006/main" xmlns:r="http://schemas.openxmlformats.org/officeDocument/2006/relationships" xmlns:p="http://schemas.openxmlformats.org/presentationml/2006/main">
+  <p:cSld>
+    <p:spTree>
+      <p:nvGrpSpPr>
+        <p:cNvPr id="1" name=""/>
+        <p:cNvGrpSpPr/>
+        <p:nvPr/>
+      </p:nvGrpSpPr>
+      <p:grpSpPr>
+        <a:xfrm>
+          <a:off x="0" y="0"/>
+          <a:ext cx="0" cy="0"/>
+          <a:chOff x="0" y="0"/>
+          <a:chExt cx="0" cy="0"/>
+        </a:xfrm>
+      </p:grpSpPr>
+      <p:sp>
+        <p:nvSpPr>
+          <p:cNvPr id="2" name="标题 1"/>
+          <p:cNvSpPr>
+            <a:spLocks noGrp="1"/>
+          </p:cNvSpPr>
+          <p:nvPr>
+            <p:ph type="title"/>
+          </p:nvPr>
+        </p:nvSpPr>
+        <p:spPr/>
+        <p:txBody>
+          <a:bodyPr/>
+          <a:lstStyle/>
+          <a:p>
+            <a:r>
+              <a:rPr lang="zh-CN" altLang="en-US" dirty="0"/>
+              <a:t>最佳实践</a:t>
+            </a:r>
+            <a:r>
+              <a:rPr lang="en-US" altLang="zh-CN" dirty="0"/>
+              <a:t>/</a:t>
+            </a:r>
+            <a:r>
+              <a:rPr lang="zh-CN" altLang="en-US" dirty="0"/>
+              <a:t>其他</a:t>
+            </a:r>
+          </a:p>
+        </p:txBody>
+      </p:sp>
+      <p:sp>
+        <p:nvSpPr>
+          <p:cNvPr id="3" name="内容占位符 2"/>
+          <p:cNvSpPr>
+            <a:spLocks noGrp="1"/>
+          </p:cNvSpPr>
+          <p:nvPr>
+            <p:ph idx="1"/>
+          </p:nvPr>
+        </p:nvSpPr>
+        <p:spPr/>
+        <p:txBody>
+          <a:bodyPr>
+            <a:normAutofit/>
+          </a:bodyPr>
+          <a:lstStyle/>
+          <a:p>
+            <a:r>
+              <a:rPr lang="zh-CN" altLang="en-US" dirty="0"/>
+              <a:t>枚举类型不宜作为键使用</a:t>
+            </a:r>
+            <a:endParaRPr lang="en-US" altLang="zh-CN" dirty="0"/>
+          </a:p>
+          <a:p>
+            <a:pPr marL="457200" lvl="1" indent="0">
+              <a:buNone/>
+            </a:pPr>
+            <a:r>
+              <a:rPr lang="zh-CN" altLang="en-US" sz="1800" dirty="0">
+                <a:latin typeface="微软雅黑 Light" panose="020B0502040204020203" pitchFamily="34" charset="-122"/>
+                <a:ea typeface="微软雅黑 Light" panose="020B0502040204020203" pitchFamily="34" charset="-122"/>
+              </a:rPr>
+              <a:t>枚举是值类型，而且你无法重写它的</a:t>
+            </a:r>
+            <a:r>
+              <a:rPr lang="en-US" altLang="zh-CN" sz="1800" dirty="0" err="1">
+                <a:latin typeface="微软雅黑 Light" panose="020B0502040204020203" pitchFamily="34" charset="-122"/>
+                <a:ea typeface="微软雅黑 Light" panose="020B0502040204020203" pitchFamily="34" charset="-122"/>
+              </a:rPr>
+              <a:t>GetHashCode</a:t>
+            </a:r>
+            <a:r>
+              <a:rPr lang="zh-CN" altLang="en-US" sz="1800" dirty="0">
+                <a:latin typeface="微软雅黑 Light" panose="020B0502040204020203" pitchFamily="34" charset="-122"/>
+                <a:ea typeface="微软雅黑 Light" panose="020B0502040204020203" pitchFamily="34" charset="-122"/>
+              </a:rPr>
+              <a:t>方法</a:t>
+            </a:r>
+            <a:endParaRPr lang="en-US" altLang="zh-CN" sz="1800" dirty="0">
+              <a:latin typeface="微软雅黑 Light" panose="020B0502040204020203" pitchFamily="34" charset="-122"/>
+              <a:ea typeface="微软雅黑 Light" panose="020B0502040204020203" pitchFamily="34" charset="-122"/>
+            </a:endParaRPr>
+          </a:p>
+          <a:p>
+            <a:r>
+              <a:rPr lang="zh-CN" altLang="en-US" dirty="0"/>
+              <a:t>谨慎传递结构体</a:t>
+            </a:r>
+            <a:endParaRPr lang="en-US" altLang="zh-CN" dirty="0"/>
+          </a:p>
+          <a:p>
+            <a:pPr marL="457200" lvl="1" indent="0">
+              <a:buNone/>
+            </a:pPr>
+            <a:r>
+              <a:rPr lang="zh-CN" altLang="en-US" sz="1800" dirty="0">
+                <a:latin typeface="微软雅黑 Light" panose="020B0502040204020203" pitchFamily="34" charset="-122"/>
+                <a:ea typeface="微软雅黑 Light" panose="020B0502040204020203" pitchFamily="34" charset="-122"/>
+              </a:rPr>
+              <a:t>别忘了结构体是值类型哦。使用</a:t>
+            </a:r>
+            <a:r>
+              <a:rPr lang="en-US" altLang="zh-CN" sz="1800" dirty="0">
+                <a:latin typeface="微软雅黑 Light" panose="020B0502040204020203" pitchFamily="34" charset="-122"/>
+                <a:ea typeface="微软雅黑 Light" panose="020B0502040204020203" pitchFamily="34" charset="-122"/>
+              </a:rPr>
+              <a:t>ref</a:t>
+            </a:r>
+            <a:r>
+              <a:rPr lang="zh-CN" altLang="en-US" sz="1800" dirty="0">
+                <a:latin typeface="微软雅黑 Light" panose="020B0502040204020203" pitchFamily="34" charset="-122"/>
+                <a:ea typeface="微软雅黑 Light" panose="020B0502040204020203" pitchFamily="34" charset="-122"/>
+              </a:rPr>
+              <a:t>传递作为参数的结构体</a:t>
+            </a:r>
+            <a:endParaRPr lang="en-US" altLang="zh-CN" sz="1800" dirty="0">
+              <a:latin typeface="微软雅黑 Light" panose="020B0502040204020203" pitchFamily="34" charset="-122"/>
+              <a:ea typeface="微软雅黑 Light" panose="020B0502040204020203" pitchFamily="34" charset="-122"/>
+            </a:endParaRPr>
+          </a:p>
+          <a:p>
+            <a:r>
+              <a:rPr lang="zh-CN" altLang="en-US" dirty="0"/>
+              <a:t>使用枚举而非常量</a:t>
+            </a:r>
+            <a:endParaRPr lang="en-US" altLang="zh-CN" dirty="0"/>
+          </a:p>
+          <a:p>
+            <a:pPr marL="457200" lvl="1" indent="0">
+              <a:buNone/>
+            </a:pPr>
+            <a:r>
+              <a:rPr lang="zh-CN" altLang="en-US" sz="1800" dirty="0">
+                <a:latin typeface="微软雅黑 Light" panose="020B0502040204020203" pitchFamily="34" charset="-122"/>
+                <a:ea typeface="微软雅黑 Light" panose="020B0502040204020203" pitchFamily="34" charset="-122"/>
+              </a:rPr>
+              <a:t>枚举明确地指出了其内容的约束，且拥有更完备的工具支持</a:t>
+            </a:r>
+            <a:endParaRPr lang="en-US" altLang="zh-CN" sz="1800" dirty="0">
+              <a:latin typeface="微软雅黑 Light" panose="020B0502040204020203" pitchFamily="34" charset="-122"/>
+              <a:ea typeface="微软雅黑 Light" panose="020B0502040204020203" pitchFamily="34" charset="-122"/>
+            </a:endParaRPr>
+          </a:p>
+          <a:p>
+            <a:r>
+              <a:rPr lang="zh-CN" altLang="en-US" dirty="0"/>
+              <a:t>慎重对待闭包</a:t>
+            </a:r>
+            <a:endParaRPr lang="en-US" altLang="zh-CN" dirty="0"/>
+          </a:p>
+          <a:p>
+            <a:pPr marL="457200" lvl="1" indent="0">
+              <a:buNone/>
+            </a:pPr>
+            <a:r>
+              <a:rPr lang="zh-CN" altLang="en-US" sz="1800" dirty="0">
+                <a:latin typeface="微软雅黑 Light" panose="020B0502040204020203" pitchFamily="34" charset="-122"/>
+                <a:ea typeface="微软雅黑 Light" panose="020B0502040204020203" pitchFamily="34" charset="-122"/>
+              </a:rPr>
+              <a:t>状态的延续站在内存的肩膀上</a:t>
+            </a:r>
+            <a:endParaRPr lang="en-US" altLang="zh-CN" sz="1800" dirty="0">
+              <a:latin typeface="微软雅黑 Light" panose="020B0502040204020203" pitchFamily="34" charset="-122"/>
+              <a:ea typeface="微软雅黑 Light" panose="020B0502040204020203" pitchFamily="34" charset="-122"/>
+            </a:endParaRPr>
+          </a:p>
+          <a:p>
+            <a:r>
+              <a:rPr lang="zh-CN" altLang="en-US" dirty="0"/>
+              <a:t>编译重复使用的正则表达式</a:t>
+            </a:r>
+            <a:endParaRPr lang="en-US" altLang="zh-CN" dirty="0"/>
+          </a:p>
+          <a:p>
+            <a:pPr marL="457200" lvl="1" indent="0">
+              <a:buNone/>
+            </a:pPr>
+            <a:r>
+              <a:rPr lang="zh-CN" altLang="en-US" sz="1800" dirty="0">
+                <a:latin typeface="微软雅黑 Light" panose="020B0502040204020203" pitchFamily="34" charset="-122"/>
+                <a:ea typeface="微软雅黑 Light" panose="020B0502040204020203" pitchFamily="34" charset="-122"/>
+              </a:rPr>
+              <a:t>将字符串编译为自动机往往要比匹配消耗更多时间</a:t>
+            </a:r>
+            <a:endParaRPr lang="en-US" altLang="zh-CN" sz="1800" dirty="0">
+              <a:latin typeface="微软雅黑 Light" panose="020B0502040204020203" pitchFamily="34" charset="-122"/>
+              <a:ea typeface="微软雅黑 Light" panose="020B0502040204020203" pitchFamily="34" charset="-122"/>
+            </a:endParaRPr>
+          </a:p>
+          <a:p>
+            <a:pPr marL="457200" lvl="1" indent="0">
+              <a:buNone/>
+            </a:pPr>
+            <a:endParaRPr lang="zh-CN" altLang="en-US" sz="1800" dirty="0">
+              <a:latin typeface="微软雅黑 Light" panose="020B0502040204020203" pitchFamily="34" charset="-122"/>
+              <a:ea typeface="微软雅黑 Light" panose="020B0502040204020203" pitchFamily="34" charset="-122"/>
+            </a:endParaRPr>
+          </a:p>
+        </p:txBody>
+      </p:sp>
+    </p:spTree>
+    <p:extLst>
+      <p:ext uri="{BB962C8B-B14F-4D97-AF65-F5344CB8AC3E}">
+        <p14:creationId xmlns:p14="http://schemas.microsoft.com/office/powerpoint/2010/main" val="4131926382"/>
+      </p:ext>
+    </p:extLst>
+  </p:cSld>
+  <p:clrMapOvr>
+    <a:masterClrMapping/>
+  </p:clrMapOvr>
+</p:sld>
+</file>
+
+<file path=ppt/slides/slide28.xml><?xml version="1.0" encoding="utf-8"?>
+<p:sld xmlns:a="http://schemas.openxmlformats.org/drawingml/2006/main" xmlns:r="http://schemas.openxmlformats.org/officeDocument/2006/relationships" xmlns:p="http://schemas.openxmlformats.org/presentationml/2006/main">
+  <p:cSld>
+    <p:spTree>
+      <p:nvGrpSpPr>
+        <p:cNvPr id="1" name=""/>
+        <p:cNvGrpSpPr/>
+        <p:nvPr/>
+      </p:nvGrpSpPr>
+      <p:grpSpPr>
+        <a:xfrm>
+          <a:off x="0" y="0"/>
+          <a:ext cx="0" cy="0"/>
+          <a:chOff x="0" y="0"/>
+          <a:chExt cx="0" cy="0"/>
+        </a:xfrm>
+      </p:grpSpPr>
+      <p:sp>
+        <p:nvSpPr>
+          <p:cNvPr id="2" name="标题 1"/>
+          <p:cNvSpPr>
+            <a:spLocks noGrp="1"/>
+          </p:cNvSpPr>
+          <p:nvPr>
+            <p:ph type="title"/>
+          </p:nvPr>
+        </p:nvSpPr>
+        <p:spPr/>
+        <p:txBody>
+          <a:bodyPr/>
+          <a:lstStyle/>
+          <a:p>
+            <a:r>
+              <a:rPr lang="zh-CN" altLang="en-US" dirty="0"/>
               <a:t>磁盘结构</a:t>
             </a:r>
             <a:r>
@@ -7337,7 +8399,7 @@
 </p:sld>
 </file>
 
-<file path=ppt/slides/slide25.xml><?xml version="1.0" encoding="utf-8"?>
+<file path=ppt/slides/slide29.xml><?xml version="1.0" encoding="utf-8"?>
 <p:sld xmlns:a="http://schemas.openxmlformats.org/drawingml/2006/main" xmlns:r="http://schemas.openxmlformats.org/officeDocument/2006/relationships" xmlns:p="http://schemas.openxmlformats.org/presentationml/2006/main">
   <p:cSld>
     <p:spTree>
@@ -7570,7 +8632,229 @@
 </p:sld>
 </file>
 
-<file path=ppt/slides/slide26.xml><?xml version="1.0" encoding="utf-8"?>
+<file path=ppt/slides/slide3.xml><?xml version="1.0" encoding="utf-8"?>
+<p:sld xmlns:a="http://schemas.openxmlformats.org/drawingml/2006/main" xmlns:r="http://schemas.openxmlformats.org/officeDocument/2006/relationships" xmlns:p="http://schemas.openxmlformats.org/presentationml/2006/main">
+  <p:cSld>
+    <p:spTree>
+      <p:nvGrpSpPr>
+        <p:cNvPr id="1" name=""/>
+        <p:cNvGrpSpPr/>
+        <p:nvPr/>
+      </p:nvGrpSpPr>
+      <p:grpSpPr>
+        <a:xfrm>
+          <a:off x="0" y="0"/>
+          <a:ext cx="0" cy="0"/>
+          <a:chOff x="0" y="0"/>
+          <a:chExt cx="0" cy="0"/>
+        </a:xfrm>
+      </p:grpSpPr>
+      <p:sp>
+        <p:nvSpPr>
+          <p:cNvPr id="2" name="标题 1"/>
+          <p:cNvSpPr>
+            <a:spLocks noGrp="1"/>
+          </p:cNvSpPr>
+          <p:nvPr>
+            <p:ph type="title"/>
+          </p:nvPr>
+        </p:nvSpPr>
+        <p:spPr>
+          <a:xfrm>
+            <a:off x="6904022" y="189569"/>
+            <a:ext cx="5127031" cy="1676603"/>
+          </a:xfrm>
+        </p:spPr>
+        <p:txBody>
+          <a:bodyPr>
+            <a:normAutofit/>
+          </a:bodyPr>
+          <a:lstStyle/>
+          <a:p>
+            <a:r>
+              <a:rPr lang="en-US" altLang="zh-CN" dirty="0" err="1"/>
+              <a:t>.Net</a:t>
+            </a:r>
+            <a:r>
+              <a:rPr lang="zh-CN" altLang="en-US" dirty="0"/>
+              <a:t>平台谱系</a:t>
+            </a:r>
+          </a:p>
+        </p:txBody>
+      </p:sp>
+      <p:sp>
+        <p:nvSpPr>
+          <p:cNvPr id="3" name="内容占位符 2"/>
+          <p:cNvSpPr>
+            <a:spLocks noGrp="1"/>
+          </p:cNvSpPr>
+          <p:nvPr>
+            <p:ph idx="1"/>
+          </p:nvPr>
+        </p:nvSpPr>
+        <p:spPr>
+          <a:xfrm>
+            <a:off x="6904022" y="1631074"/>
+            <a:ext cx="5127029" cy="3785419"/>
+          </a:xfrm>
+        </p:spPr>
+        <p:txBody>
+          <a:bodyPr>
+            <a:normAutofit/>
+          </a:bodyPr>
+          <a:lstStyle/>
+          <a:p>
+            <a:r>
+              <a:rPr lang="en-US" altLang="zh-CN" dirty="0" err="1"/>
+              <a:t>.Net</a:t>
+            </a:r>
+            <a:r>
+              <a:rPr lang="en-US" altLang="zh-CN" dirty="0"/>
+              <a:t> Framework</a:t>
+            </a:r>
+          </a:p>
+          <a:p>
+            <a:pPr marL="457200" lvl="1" indent="0">
+              <a:buNone/>
+            </a:pPr>
+            <a:r>
+              <a:rPr lang="zh-CN" altLang="en-US" sz="1600" dirty="0">
+                <a:latin typeface="+mn-ea"/>
+              </a:rPr>
+              <a:t>微软建立与维护。最完备且广泛使用的平台</a:t>
+            </a:r>
+            <a:endParaRPr lang="en-US" altLang="zh-CN" sz="1600" dirty="0">
+              <a:latin typeface="+mn-ea"/>
+            </a:endParaRPr>
+          </a:p>
+          <a:p>
+            <a:r>
+              <a:rPr lang="en-US" altLang="zh-CN" dirty="0" err="1"/>
+              <a:t>CoreCLR</a:t>
+            </a:r>
+            <a:endParaRPr lang="en-US" altLang="zh-CN" dirty="0"/>
+          </a:p>
+          <a:p>
+            <a:pPr marL="457200" lvl="1" indent="0">
+              <a:buNone/>
+            </a:pPr>
+            <a:r>
+              <a:rPr lang="zh-CN" altLang="en-US" sz="1600" dirty="0"/>
+              <a:t>微软</a:t>
+            </a:r>
+            <a:r>
+              <a:rPr lang="en-US" altLang="zh-CN" sz="1600" dirty="0" err="1"/>
+              <a:t>.Net</a:t>
+            </a:r>
+            <a:r>
+              <a:rPr lang="zh-CN" altLang="en-US" sz="1600" dirty="0"/>
+              <a:t>的开源版本。主要由微软维护</a:t>
+            </a:r>
+            <a:endParaRPr lang="en-US" altLang="zh-CN" sz="1600" dirty="0"/>
+          </a:p>
+          <a:p>
+            <a:r>
+              <a:rPr lang="en-US" altLang="zh-CN" dirty="0"/>
+              <a:t>Mono</a:t>
+            </a:r>
+          </a:p>
+          <a:p>
+            <a:pPr marL="457200" lvl="1" indent="0">
+              <a:buNone/>
+            </a:pPr>
+            <a:r>
+              <a:rPr lang="en-US" altLang="zh-CN" sz="1600" dirty="0" err="1"/>
+              <a:t>Ximian</a:t>
+            </a:r>
+            <a:r>
+              <a:rPr lang="zh-CN" altLang="en-US" sz="1600" dirty="0"/>
+              <a:t>建立，后随该公司加入</a:t>
+            </a:r>
+            <a:r>
+              <a:rPr lang="en-US" altLang="zh-CN" sz="1600" dirty="0"/>
+              <a:t>Novell</a:t>
+            </a:r>
+            <a:r>
+              <a:rPr lang="zh-CN" altLang="en-US" sz="1600" dirty="0"/>
+              <a:t>。</a:t>
+            </a:r>
+            <a:r>
+              <a:rPr lang="en-US" altLang="zh-CN" sz="1600" dirty="0"/>
+              <a:t>Novell</a:t>
+            </a:r>
+            <a:r>
+              <a:rPr lang="zh-CN" altLang="en-US" sz="1600" dirty="0"/>
+              <a:t>被收购后由</a:t>
+            </a:r>
+            <a:r>
+              <a:rPr lang="en-US" altLang="zh-CN" sz="1600" dirty="0" err="1"/>
+              <a:t>Xamarin</a:t>
+            </a:r>
+            <a:r>
+              <a:rPr lang="zh-CN" altLang="en-US" sz="1600" dirty="0"/>
+              <a:t>维护</a:t>
+            </a:r>
+            <a:endParaRPr lang="en-US" altLang="zh-CN" sz="1600" dirty="0"/>
+          </a:p>
+          <a:p>
+            <a:r>
+              <a:rPr lang="en-US" altLang="zh-CN" dirty="0"/>
+              <a:t>Mono(Unity3D)</a:t>
+            </a:r>
+          </a:p>
+          <a:p>
+            <a:r>
+              <a:rPr lang="en-US" altLang="zh-CN" dirty="0"/>
+              <a:t>IL2CPP(Unity3D)</a:t>
+            </a:r>
+            <a:endParaRPr lang="zh-CN" altLang="en-US" dirty="0"/>
+          </a:p>
+        </p:txBody>
+      </p:sp>
+      <p:pic>
+        <p:nvPicPr>
+          <p:cNvPr id="9" name="图片 8"/>
+          <p:cNvPicPr>
+            <a:picLocks noChangeAspect="1"/>
+          </p:cNvPicPr>
+          <p:nvPr/>
+        </p:nvPicPr>
+        <p:blipFill>
+          <a:blip r:embed="rId2">
+            <a:extLst>
+              <a:ext uri="{28A0092B-C50C-407E-A947-70E740481C1C}">
+                <a14:useLocalDpi xmlns:a14="http://schemas.microsoft.com/office/drawing/2010/main" val="0"/>
+              </a:ext>
+            </a:extLst>
+          </a:blip>
+          <a:stretch>
+            <a:fillRect/>
+          </a:stretch>
+        </p:blipFill>
+        <p:spPr>
+          <a:xfrm>
+            <a:off x="-72296" y="189569"/>
+            <a:ext cx="6887536" cy="6668431"/>
+          </a:xfrm>
+          <a:prstGeom prst="rect">
+            <a:avLst/>
+          </a:prstGeom>
+        </p:spPr>
+      </p:pic>
+    </p:spTree>
+    <p:extLst>
+      <p:ext uri="{BB962C8B-B14F-4D97-AF65-F5344CB8AC3E}">
+        <p14:creationId xmlns:p14="http://schemas.microsoft.com/office/powerpoint/2010/main" val="2932515175"/>
+      </p:ext>
+    </p:extLst>
+  </p:cSld>
+  <p:clrMapOvr>
+    <a:masterClrMapping/>
+  </p:clrMapOvr>
+</p:sld>
+</file>
+
+<file path=ppt/slides/slide30.xml><?xml version="1.0" encoding="utf-8"?>
 <p:sld xmlns:a="http://schemas.openxmlformats.org/drawingml/2006/main" xmlns:r="http://schemas.openxmlformats.org/officeDocument/2006/relationships" xmlns:p="http://schemas.openxmlformats.org/presentationml/2006/main">
   <p:cSld>
     <p:spTree>
@@ -8201,7 +9485,7 @@
 </p:sld>
 </file>
 
-<file path=ppt/slides/slide27.xml><?xml version="1.0" encoding="utf-8"?>
+<file path=ppt/slides/slide31.xml><?xml version="1.0" encoding="utf-8"?>
 <p:sld xmlns:a="http://schemas.openxmlformats.org/drawingml/2006/main" xmlns:r="http://schemas.openxmlformats.org/officeDocument/2006/relationships" xmlns:p="http://schemas.openxmlformats.org/presentationml/2006/main">
   <p:cSld>
     <p:spTree>
@@ -8558,7 +9842,7 @@
 </p:sld>
 </file>
 
-<file path=ppt/slides/slide28.xml><?xml version="1.0" encoding="utf-8"?>
+<file path=ppt/slides/slide32.xml><?xml version="1.0" encoding="utf-8"?>
 <p:sld xmlns:a="http://schemas.openxmlformats.org/drawingml/2006/main" xmlns:r="http://schemas.openxmlformats.org/officeDocument/2006/relationships" xmlns:p="http://schemas.openxmlformats.org/presentationml/2006/main">
   <p:cSld>
     <p:spTree>
@@ -8715,7 +9999,7 @@
 </p:sld>
 </file>
 
-<file path=ppt/slides/slide29.xml><?xml version="1.0" encoding="utf-8"?>
+<file path=ppt/slides/slide33.xml><?xml version="1.0" encoding="utf-8"?>
 <p:sld xmlns:a="http://schemas.openxmlformats.org/drawingml/2006/main" xmlns:r="http://schemas.openxmlformats.org/officeDocument/2006/relationships" xmlns:p="http://schemas.openxmlformats.org/presentationml/2006/main">
   <p:cSld>
     <p:spTree>
@@ -8805,7 +10089,7 @@
 </p:sld>
 </file>
 
-<file path=ppt/slides/slide3.xml><?xml version="1.0" encoding="utf-8"?>
+<file path=ppt/slides/slide34.xml><?xml version="1.0" encoding="utf-8"?>
 <p:sld xmlns:a="http://schemas.openxmlformats.org/drawingml/2006/main" xmlns:r="http://schemas.openxmlformats.org/officeDocument/2006/relationships" xmlns:p="http://schemas.openxmlformats.org/presentationml/2006/main">
   <p:cSld>
     <p:spTree>
@@ -8832,192 +10116,158 @@
             <p:ph type="title"/>
           </p:nvPr>
         </p:nvSpPr>
-        <p:spPr>
-          <a:xfrm>
-            <a:off x="6904022" y="189569"/>
-            <a:ext cx="5127031" cy="1676603"/>
-          </a:xfrm>
-        </p:spPr>
-        <p:txBody>
-          <a:bodyPr>
-            <a:normAutofit/>
-          </a:bodyPr>
-          <a:lstStyle/>
-          <a:p>
+        <p:spPr/>
+        <p:txBody>
+          <a:bodyPr/>
+          <a:lstStyle/>
+          <a:p>
+            <a:r>
+              <a:rPr lang="en-US" altLang="zh-CN" dirty="0"/>
+              <a:t>IL2CPP</a:t>
+            </a:r>
+            <a:endParaRPr lang="zh-CN" altLang="en-US" dirty="0"/>
+          </a:p>
+        </p:txBody>
+      </p:sp>
+      <p:sp>
+        <p:nvSpPr>
+          <p:cNvPr id="3" name="内容占位符 2"/>
+          <p:cNvSpPr>
+            <a:spLocks noGrp="1"/>
+          </p:cNvSpPr>
+          <p:nvPr>
+            <p:ph idx="1"/>
+          </p:nvPr>
+        </p:nvSpPr>
+        <p:spPr/>
+        <p:txBody>
+          <a:bodyPr/>
+          <a:lstStyle/>
+          <a:p>
+            <a:r>
+              <a:rPr lang="en-US" altLang="zh-CN" dirty="0"/>
+              <a:t>IL2CPP</a:t>
+            </a:r>
+            <a:r>
+              <a:rPr lang="zh-CN" altLang="en-US" dirty="0"/>
+              <a:t>分别处理字段和方法：实例字段和类字段被生成到相同</a:t>
+            </a:r>
+            <a:r>
+              <a:rPr lang="en-US" altLang="zh-CN" dirty="0"/>
+              <a:t>.h</a:t>
+            </a:r>
+            <a:r>
+              <a:rPr lang="zh-CN" altLang="en-US" dirty="0"/>
+              <a:t>文件的不同结构中，方法被生成到</a:t>
+            </a:r>
+            <a:r>
+              <a:rPr lang="en-US" altLang="zh-CN" dirty="0"/>
+              <a:t>.</a:t>
+            </a:r>
+            <a:r>
+              <a:rPr lang="en-US" altLang="zh-CN" dirty="0" err="1"/>
+              <a:t>cpp</a:t>
+            </a:r>
+            <a:r>
+              <a:rPr lang="zh-CN" altLang="en-US" dirty="0"/>
+              <a:t>文件中</a:t>
+            </a:r>
+            <a:endParaRPr lang="en-US" altLang="zh-CN" dirty="0"/>
+          </a:p>
+          <a:p>
+            <a:r>
+              <a:rPr lang="en-US" altLang="zh-CN" dirty="0"/>
+              <a:t>IL2CPP</a:t>
+            </a:r>
+            <a:r>
+              <a:rPr lang="zh-CN" altLang="en-US" dirty="0"/>
+              <a:t>对</a:t>
+            </a:r>
+            <a:r>
+              <a:rPr lang="en-US" altLang="zh-CN" dirty="0"/>
+              <a:t>IL</a:t>
+            </a:r>
+            <a:r>
+              <a:rPr lang="zh-CN" altLang="en-US" dirty="0"/>
+              <a:t>的翻译近乎直译。</a:t>
+            </a:r>
             <a:r>
               <a:rPr lang="en-US" altLang="zh-CN" dirty="0" err="1"/>
               <a:t>.Net</a:t>
             </a:r>
             <a:r>
               <a:rPr lang="zh-CN" altLang="en-US" dirty="0"/>
-              <a:t>平台谱系</a:t>
-            </a:r>
-          </a:p>
-        </p:txBody>
-      </p:sp>
-      <p:sp>
-        <p:nvSpPr>
-          <p:cNvPr id="3" name="内容占位符 2"/>
-          <p:cNvSpPr>
-            <a:spLocks noGrp="1"/>
-          </p:cNvSpPr>
-          <p:nvPr>
-            <p:ph idx="1"/>
-          </p:nvPr>
-        </p:nvSpPr>
-        <p:spPr>
-          <a:xfrm>
-            <a:off x="6904022" y="1631074"/>
-            <a:ext cx="5127029" cy="3785419"/>
-          </a:xfrm>
-        </p:spPr>
-        <p:txBody>
-          <a:bodyPr>
-            <a:normAutofit/>
-          </a:bodyPr>
-          <a:lstStyle/>
-          <a:p>
+              <a:t>编译器的质量直接影响</a:t>
+            </a:r>
+            <a:r>
+              <a:rPr lang="en-US" altLang="zh-CN" dirty="0"/>
+              <a:t>IL2CPP</a:t>
+            </a:r>
+            <a:r>
+              <a:rPr lang="zh-CN" altLang="en-US" dirty="0"/>
+              <a:t>最终生成的结果</a:t>
+            </a:r>
+            <a:endParaRPr lang="en-US" altLang="zh-CN" dirty="0"/>
+          </a:p>
+          <a:p>
+            <a:r>
+              <a:rPr lang="en-US" altLang="zh-CN" dirty="0"/>
+              <a:t>IL2CPP</a:t>
+            </a:r>
+            <a:r>
+              <a:rPr lang="zh-CN" altLang="en-US" dirty="0"/>
+              <a:t>会为虚调用生成对象，通过支持库</a:t>
+            </a:r>
+            <a:r>
+              <a:rPr lang="en-US" altLang="zh-CN" dirty="0"/>
+              <a:t>libil2cpp</a:t>
+            </a:r>
+            <a:r>
+              <a:rPr lang="zh-CN" altLang="en-US" dirty="0"/>
+              <a:t>方法调用。虚调用会受到一定的优化，有时</a:t>
+            </a:r>
             <a:r>
               <a:rPr lang="en-US" altLang="zh-CN" dirty="0" err="1"/>
-              <a:t>.Net</a:t>
-            </a:r>
+              <a:t>callvirt</a:t>
+            </a:r>
+            <a:r>
+              <a:rPr lang="zh-CN" altLang="en-US" dirty="0"/>
+              <a:t>指令并不对真的被翻译为虚调用的形式</a:t>
+            </a:r>
+            <a:endParaRPr lang="en-US" altLang="zh-CN" dirty="0"/>
+          </a:p>
+          <a:p>
             <a:r>
               <a:rPr lang="en-US" altLang="zh-CN" dirty="0"/>
-              <a:t> Framework</a:t>
-            </a:r>
-          </a:p>
-          <a:p>
-            <a:pPr marL="457200" lvl="1" indent="0">
-              <a:buNone/>
-            </a:pPr>
-            <a:r>
-              <a:rPr lang="zh-CN" altLang="en-US" sz="1600" dirty="0">
-                <a:latin typeface="+mn-ea"/>
-              </a:rPr>
-              <a:t>微软建立与维护。最完备且广泛使用的平台</a:t>
-            </a:r>
-            <a:endParaRPr lang="en-US" altLang="zh-CN" sz="1600" dirty="0">
-              <a:latin typeface="+mn-ea"/>
-            </a:endParaRPr>
-          </a:p>
-          <a:p>
-            <a:r>
-              <a:rPr lang="en-US" altLang="zh-CN" dirty="0" err="1"/>
-              <a:t>CoreCLR</a:t>
-            </a:r>
-            <a:endParaRPr lang="en-US" altLang="zh-CN" dirty="0"/>
-          </a:p>
-          <a:p>
-            <a:pPr marL="457200" lvl="1" indent="0">
-              <a:buNone/>
-            </a:pPr>
-            <a:r>
-              <a:rPr lang="zh-CN" altLang="en-US" sz="1600" dirty="0"/>
-              <a:t>微软</a:t>
-            </a:r>
-            <a:r>
-              <a:rPr lang="en-US" altLang="zh-CN" sz="1600" dirty="0" err="1"/>
-              <a:t>.Net</a:t>
-            </a:r>
-            <a:r>
-              <a:rPr lang="zh-CN" altLang="en-US" sz="1600" dirty="0"/>
-              <a:t>的开源版本。主要由微软维护</a:t>
-            </a:r>
-            <a:endParaRPr lang="en-US" altLang="zh-CN" sz="1600" dirty="0"/>
-          </a:p>
-          <a:p>
+              <a:t>FCL</a:t>
+            </a:r>
+            <a:r>
+              <a:rPr lang="zh-CN" altLang="en-US" dirty="0"/>
+              <a:t>使用和</a:t>
+            </a:r>
             <a:r>
               <a:rPr lang="en-US" altLang="zh-CN" dirty="0"/>
               <a:t>Mono</a:t>
             </a:r>
-          </a:p>
-          <a:p>
-            <a:pPr marL="457200" lvl="1" indent="0">
-              <a:buNone/>
-            </a:pPr>
-            <a:r>
-              <a:rPr lang="en-US" altLang="zh-CN" sz="1600" dirty="0" err="1"/>
-              <a:t>Ximian</a:t>
-            </a:r>
-            <a:r>
-              <a:rPr lang="zh-CN" altLang="en-US" sz="1600" dirty="0"/>
-              <a:t>建立，后随该公司加入</a:t>
-            </a:r>
-            <a:r>
-              <a:rPr lang="en-US" altLang="zh-CN" sz="1600" dirty="0"/>
-              <a:t>Novell</a:t>
-            </a:r>
-            <a:r>
-              <a:rPr lang="zh-CN" altLang="en-US" sz="1600" dirty="0"/>
-              <a:t>。</a:t>
-            </a:r>
-            <a:r>
-              <a:rPr lang="en-US" altLang="zh-CN" sz="1600" dirty="0"/>
-              <a:t>Novell</a:t>
-            </a:r>
-            <a:r>
-              <a:rPr lang="zh-CN" altLang="en-US" sz="1600" dirty="0"/>
-              <a:t>被收购后由</a:t>
-            </a:r>
-            <a:r>
-              <a:rPr lang="en-US" altLang="zh-CN" sz="1600" dirty="0" err="1"/>
-              <a:t>Xamarin</a:t>
-            </a:r>
-            <a:r>
-              <a:rPr lang="zh-CN" altLang="en-US" sz="1600" dirty="0"/>
-              <a:t>维护</a:t>
-            </a:r>
-            <a:endParaRPr lang="en-US" altLang="zh-CN" sz="1600" dirty="0"/>
-          </a:p>
-          <a:p>
+            <a:r>
+              <a:rPr lang="zh-CN" altLang="en-US" dirty="0"/>
+              <a:t>一样的代码，经由</a:t>
+            </a:r>
             <a:r>
               <a:rPr lang="en-US" altLang="zh-CN" dirty="0"/>
-              <a:t>Mono(Unity3D)</a:t>
-            </a:r>
-          </a:p>
-          <a:p>
-            <a:r>
-              <a:rPr lang="en-US" altLang="zh-CN" dirty="0"/>
-              <a:t>IL2CPP(Unity3D)</a:t>
-            </a:r>
-            <a:endParaRPr lang="zh-CN" altLang="en-US" dirty="0"/>
-          </a:p>
-        </p:txBody>
-      </p:sp>
-      <p:pic>
-        <p:nvPicPr>
-          <p:cNvPr id="9" name="图片 8"/>
-          <p:cNvPicPr>
-            <a:picLocks noChangeAspect="1"/>
-          </p:cNvPicPr>
-          <p:nvPr/>
-        </p:nvPicPr>
-        <p:blipFill>
-          <a:blip r:embed="rId2">
-            <a:extLst>
-              <a:ext uri="{28A0092B-C50C-407E-A947-70E740481C1C}">
-                <a14:useLocalDpi xmlns:a14="http://schemas.microsoft.com/office/drawing/2010/main" val="0"/>
-              </a:ext>
-            </a:extLst>
-          </a:blip>
-          <a:stretch>
-            <a:fillRect/>
-          </a:stretch>
-        </p:blipFill>
-        <p:spPr>
-          <a:xfrm>
-            <a:off x="-72296" y="189569"/>
-            <a:ext cx="6887536" cy="6668431"/>
-          </a:xfrm>
-          <a:prstGeom prst="rect">
-            <a:avLst/>
-          </a:prstGeom>
-        </p:spPr>
-      </p:pic>
+              <a:t>IL2CPP</a:t>
+            </a:r>
+            <a:r>
+              <a:rPr lang="zh-CN" altLang="en-US" dirty="0"/>
+              <a:t>编译器翻译而成。虽然损失了潜在的优化，然而确保了代码的一致性</a:t>
+            </a:r>
+          </a:p>
+        </p:txBody>
+      </p:sp>
     </p:spTree>
     <p:extLst>
       <p:ext uri="{BB962C8B-B14F-4D97-AF65-F5344CB8AC3E}">
-        <p14:creationId xmlns:p14="http://schemas.microsoft.com/office/powerpoint/2010/main" val="2932515175"/>
+        <p14:creationId xmlns:p14="http://schemas.microsoft.com/office/powerpoint/2010/main" val="1747156259"/>
       </p:ext>
     </p:extLst>
   </p:cSld>
@@ -9027,7 +10277,7 @@
 </p:sld>
 </file>
 
-<file path=ppt/slides/slide30.xml><?xml version="1.0" encoding="utf-8"?>
+<file path=ppt/slides/slide35.xml><?xml version="1.0" encoding="utf-8"?>
 <p:sld xmlns:a="http://schemas.openxmlformats.org/drawingml/2006/main" xmlns:r="http://schemas.openxmlformats.org/officeDocument/2006/relationships" xmlns:p="http://schemas.openxmlformats.org/presentationml/2006/main">
   <p:cSld>
     <p:spTree>
@@ -9060,194 +10310,6 @@
           <a:lstStyle/>
           <a:p>
             <a:r>
-              <a:rPr lang="en-US" altLang="zh-CN" dirty="0"/>
-              <a:t>IL2CPP</a:t>
-            </a:r>
-            <a:endParaRPr lang="zh-CN" altLang="en-US" dirty="0"/>
-          </a:p>
-        </p:txBody>
-      </p:sp>
-      <p:sp>
-        <p:nvSpPr>
-          <p:cNvPr id="3" name="内容占位符 2"/>
-          <p:cNvSpPr>
-            <a:spLocks noGrp="1"/>
-          </p:cNvSpPr>
-          <p:nvPr>
-            <p:ph idx="1"/>
-          </p:nvPr>
-        </p:nvSpPr>
-        <p:spPr/>
-        <p:txBody>
-          <a:bodyPr/>
-          <a:lstStyle/>
-          <a:p>
-            <a:r>
-              <a:rPr lang="en-US" altLang="zh-CN" dirty="0"/>
-              <a:t>IL2CPP</a:t>
-            </a:r>
-            <a:r>
-              <a:rPr lang="zh-CN" altLang="en-US" dirty="0"/>
-              <a:t>分别处理字段和方法：实例字段和类字段被生成到相同</a:t>
-            </a:r>
-            <a:r>
-              <a:rPr lang="en-US" altLang="zh-CN" dirty="0"/>
-              <a:t>.h</a:t>
-            </a:r>
-            <a:r>
-              <a:rPr lang="zh-CN" altLang="en-US" dirty="0"/>
-              <a:t>文件的不同结构中，方法被生成到</a:t>
-            </a:r>
-            <a:r>
-              <a:rPr lang="en-US" altLang="zh-CN" dirty="0"/>
-              <a:t>.</a:t>
-            </a:r>
-            <a:r>
-              <a:rPr lang="en-US" altLang="zh-CN" dirty="0" err="1"/>
-              <a:t>cpp</a:t>
-            </a:r>
-            <a:r>
-              <a:rPr lang="zh-CN" altLang="en-US" dirty="0"/>
-              <a:t>文件中</a:t>
-            </a:r>
-            <a:endParaRPr lang="en-US" altLang="zh-CN" dirty="0"/>
-          </a:p>
-          <a:p>
-            <a:r>
-              <a:rPr lang="en-US" altLang="zh-CN" dirty="0"/>
-              <a:t>IL2CPP</a:t>
-            </a:r>
-            <a:r>
-              <a:rPr lang="zh-CN" altLang="en-US" dirty="0"/>
-              <a:t>对</a:t>
-            </a:r>
-            <a:r>
-              <a:rPr lang="en-US" altLang="zh-CN" dirty="0"/>
-              <a:t>IL</a:t>
-            </a:r>
-            <a:r>
-              <a:rPr lang="zh-CN" altLang="en-US" dirty="0"/>
-              <a:t>的翻译近乎直译。</a:t>
-            </a:r>
-            <a:r>
-              <a:rPr lang="en-US" altLang="zh-CN" dirty="0" err="1"/>
-              <a:t>.Net</a:t>
-            </a:r>
-            <a:r>
-              <a:rPr lang="zh-CN" altLang="en-US" dirty="0"/>
-              <a:t>编译器的质量直接影响</a:t>
-            </a:r>
-            <a:r>
-              <a:rPr lang="en-US" altLang="zh-CN" dirty="0"/>
-              <a:t>IL2CPP</a:t>
-            </a:r>
-            <a:r>
-              <a:rPr lang="zh-CN" altLang="en-US" dirty="0"/>
-              <a:t>最终生成的结果</a:t>
-            </a:r>
-            <a:endParaRPr lang="en-US" altLang="zh-CN" dirty="0"/>
-          </a:p>
-          <a:p>
-            <a:r>
-              <a:rPr lang="en-US" altLang="zh-CN" dirty="0"/>
-              <a:t>IL2CPP</a:t>
-            </a:r>
-            <a:r>
-              <a:rPr lang="zh-CN" altLang="en-US" dirty="0"/>
-              <a:t>会为虚调用生成对象，通过支持库</a:t>
-            </a:r>
-            <a:r>
-              <a:rPr lang="en-US" altLang="zh-CN" dirty="0"/>
-              <a:t>libil2cpp</a:t>
-            </a:r>
-            <a:r>
-              <a:rPr lang="zh-CN" altLang="en-US" dirty="0"/>
-              <a:t>方法调用。虚调用会受到一定的优化，有时</a:t>
-            </a:r>
-            <a:r>
-              <a:rPr lang="en-US" altLang="zh-CN" dirty="0" err="1"/>
-              <a:t>callvirt</a:t>
-            </a:r>
-            <a:r>
-              <a:rPr lang="zh-CN" altLang="en-US" dirty="0"/>
-              <a:t>指令并不对真的被翻译为虚调用的形式</a:t>
-            </a:r>
-            <a:endParaRPr lang="en-US" altLang="zh-CN" dirty="0"/>
-          </a:p>
-          <a:p>
-            <a:r>
-              <a:rPr lang="en-US" altLang="zh-CN" dirty="0"/>
-              <a:t>FCL</a:t>
-            </a:r>
-            <a:r>
-              <a:rPr lang="zh-CN" altLang="en-US" dirty="0"/>
-              <a:t>使用和</a:t>
-            </a:r>
-            <a:r>
-              <a:rPr lang="en-US" altLang="zh-CN" dirty="0"/>
-              <a:t>Mono</a:t>
-            </a:r>
-            <a:r>
-              <a:rPr lang="zh-CN" altLang="en-US" dirty="0"/>
-              <a:t>一样的代码，经由</a:t>
-            </a:r>
-            <a:r>
-              <a:rPr lang="en-US" altLang="zh-CN" dirty="0"/>
-              <a:t>IL2CPP</a:t>
-            </a:r>
-            <a:r>
-              <a:rPr lang="zh-CN" altLang="en-US" dirty="0"/>
-              <a:t>编译器翻译而成。虽然损失了潜在的优化，然而确保了代码的一致性</a:t>
-            </a:r>
-          </a:p>
-        </p:txBody>
-      </p:sp>
-    </p:spTree>
-    <p:extLst>
-      <p:ext uri="{BB962C8B-B14F-4D97-AF65-F5344CB8AC3E}">
-        <p14:creationId xmlns:p14="http://schemas.microsoft.com/office/powerpoint/2010/main" val="1747156259"/>
-      </p:ext>
-    </p:extLst>
-  </p:cSld>
-  <p:clrMapOvr>
-    <a:masterClrMapping/>
-  </p:clrMapOvr>
-</p:sld>
-</file>
-
-<file path=ppt/slides/slide31.xml><?xml version="1.0" encoding="utf-8"?>
-<p:sld xmlns:a="http://schemas.openxmlformats.org/drawingml/2006/main" xmlns:r="http://schemas.openxmlformats.org/officeDocument/2006/relationships" xmlns:p="http://schemas.openxmlformats.org/presentationml/2006/main">
-  <p:cSld>
-    <p:spTree>
-      <p:nvGrpSpPr>
-        <p:cNvPr id="1" name=""/>
-        <p:cNvGrpSpPr/>
-        <p:nvPr/>
-      </p:nvGrpSpPr>
-      <p:grpSpPr>
-        <a:xfrm>
-          <a:off x="0" y="0"/>
-          <a:ext cx="0" cy="0"/>
-          <a:chOff x="0" y="0"/>
-          <a:chExt cx="0" cy="0"/>
-        </a:xfrm>
-      </p:grpSpPr>
-      <p:sp>
-        <p:nvSpPr>
-          <p:cNvPr id="2" name="标题 1"/>
-          <p:cNvSpPr>
-            <a:spLocks noGrp="1"/>
-          </p:cNvSpPr>
-          <p:nvPr>
-            <p:ph type="title"/>
-          </p:nvPr>
-        </p:nvSpPr>
-        <p:spPr/>
-        <p:txBody>
-          <a:bodyPr/>
-          <a:lstStyle/>
-          <a:p>
-            <a:r>
               <a:rPr lang="zh-CN" altLang="en-US" dirty="0"/>
               <a:t>书籍</a:t>
             </a:r>
@@ -9463,7 +10525,7 @@
 </p:sld>
 </file>
 
-<file path=ppt/slides/slide32.xml><?xml version="1.0" encoding="utf-8"?>
+<file path=ppt/slides/slide36.xml><?xml version="1.0" encoding="utf-8"?>
 <p:sld xmlns:a="http://schemas.openxmlformats.org/drawingml/2006/main" xmlns:r="http://schemas.openxmlformats.org/officeDocument/2006/relationships" xmlns:p="http://schemas.openxmlformats.org/presentationml/2006/main">
   <p:cSld>
     <p:spTree>

--- a/pptx.pptx.pptx
+++ b/pptx.pptx.pptx
@@ -5,7 +5,7 @@
     <p:sldMasterId id="2147483648" r:id="rId1"/>
   </p:sldMasterIdLst>
   <p:notesMasterIdLst>
-    <p:notesMasterId r:id="rId38"/>
+    <p:notesMasterId r:id="rId41"/>
   </p:notesMasterIdLst>
   <p:sldIdLst>
     <p:sldId id="256" r:id="rId2"/>
@@ -33,17 +33,20 @@
     <p:sldId id="293" r:id="rId24"/>
     <p:sldId id="294" r:id="rId25"/>
     <p:sldId id="291" r:id="rId26"/>
-    <p:sldId id="270" r:id="rId27"/>
-    <p:sldId id="271" r:id="rId28"/>
-    <p:sldId id="260" r:id="rId29"/>
-    <p:sldId id="261" r:id="rId30"/>
-    <p:sldId id="262" r:id="rId31"/>
-    <p:sldId id="263" r:id="rId32"/>
-    <p:sldId id="264" r:id="rId33"/>
-    <p:sldId id="265" r:id="rId34"/>
-    <p:sldId id="266" r:id="rId35"/>
-    <p:sldId id="272" r:id="rId36"/>
-    <p:sldId id="273" r:id="rId37"/>
+    <p:sldId id="295" r:id="rId27"/>
+    <p:sldId id="296" r:id="rId28"/>
+    <p:sldId id="297" r:id="rId29"/>
+    <p:sldId id="270" r:id="rId30"/>
+    <p:sldId id="271" r:id="rId31"/>
+    <p:sldId id="260" r:id="rId32"/>
+    <p:sldId id="261" r:id="rId33"/>
+    <p:sldId id="262" r:id="rId34"/>
+    <p:sldId id="263" r:id="rId35"/>
+    <p:sldId id="264" r:id="rId36"/>
+    <p:sldId id="265" r:id="rId37"/>
+    <p:sldId id="266" r:id="rId38"/>
+    <p:sldId id="272" r:id="rId39"/>
+    <p:sldId id="273" r:id="rId40"/>
   </p:sldIdLst>
   <p:sldSz cx="12192000" cy="6858000"/>
   <p:notesSz cx="6858000" cy="9144000"/>
@@ -192,6 +195,9 @@
             <p14:sldId id="293"/>
             <p14:sldId id="294"/>
             <p14:sldId id="291"/>
+            <p14:sldId id="295"/>
+            <p14:sldId id="296"/>
+            <p14:sldId id="297"/>
             <p14:sldId id="270"/>
             <p14:sldId id="271"/>
           </p14:sldIdLst>
@@ -5701,7 +5707,7 @@
           <a:p>
             <a:r>
               <a:rPr lang="zh-CN" altLang="en-US" dirty="0"/>
-              <a:t>最佳实践</a:t>
+              <a:t>实践优化</a:t>
             </a:r>
             <a:r>
               <a:rPr lang="en-US" altLang="zh-CN" dirty="0"/>
@@ -5802,7 +5808,7 @@
           <a:p>
             <a:r>
               <a:rPr lang="zh-CN" altLang="en-US" dirty="0"/>
-              <a:t>最佳实践</a:t>
+              <a:t>实践优化</a:t>
             </a:r>
             <a:r>
               <a:rPr lang="en-US" altLang="zh-CN" dirty="0"/>
@@ -5925,7 +5931,7 @@
           <a:p>
             <a:r>
               <a:rPr lang="zh-CN" altLang="en-US" dirty="0"/>
-              <a:t>最佳实践</a:t>
+              <a:t>实践优化</a:t>
             </a:r>
             <a:r>
               <a:rPr lang="en-US" altLang="zh-CN" dirty="0"/>
@@ -6425,7 +6431,7 @@
           <a:p>
             <a:r>
               <a:rPr lang="zh-CN" altLang="en-US" dirty="0"/>
-              <a:t>最佳实践</a:t>
+              <a:t>实践优化</a:t>
             </a:r>
             <a:r>
               <a:rPr lang="en-US" altLang="zh-CN" dirty="0"/>
@@ -6643,7 +6649,7 @@
           <a:p>
             <a:r>
               <a:rPr lang="zh-CN" altLang="en-US" dirty="0"/>
-              <a:t>最佳实践</a:t>
+              <a:t>实践优化</a:t>
             </a:r>
             <a:r>
               <a:rPr lang="en-US" altLang="zh-CN" dirty="0"/>
@@ -6967,7 +6973,7 @@
           <a:p>
             <a:r>
               <a:rPr lang="zh-CN" altLang="en-US" dirty="0"/>
-              <a:t>最佳实践</a:t>
+              <a:t>实践优化</a:t>
             </a:r>
             <a:r>
               <a:rPr lang="en-US" altLang="zh-CN" dirty="0"/>
@@ -7140,7 +7146,7 @@
           <a:p>
             <a:r>
               <a:rPr lang="zh-CN" altLang="en-US" dirty="0"/>
-              <a:t>最佳实践</a:t>
+              <a:t>实践优化</a:t>
             </a:r>
             <a:r>
               <a:rPr lang="en-US" altLang="zh-CN" dirty="0"/>
@@ -7419,7 +7425,7 @@
           <a:p>
             <a:r>
               <a:rPr lang="zh-CN" altLang="en-US" dirty="0"/>
-              <a:t>最佳实践</a:t>
+              <a:t>实践优化</a:t>
             </a:r>
             <a:r>
               <a:rPr lang="en-US" altLang="zh-CN" dirty="0"/>
@@ -7679,7 +7685,18 @@
           <a:bodyPr/>
           <a:lstStyle/>
           <a:p>
-            <a:endParaRPr lang="zh-CN" altLang="en-US"/>
+            <a:r>
+              <a:rPr lang="zh-CN" altLang="en-US" dirty="0"/>
+              <a:t>实践优化</a:t>
+            </a:r>
+            <a:r>
+              <a:rPr lang="en-US" altLang="zh-CN" dirty="0"/>
+              <a:t>/</a:t>
+            </a:r>
+            <a:r>
+              <a:rPr lang="zh-CN" altLang="en-US" dirty="0"/>
+              <a:t>虚化</a:t>
+            </a:r>
           </a:p>
         </p:txBody>
       </p:sp>
@@ -7698,7 +7715,7 @@
           <a:bodyPr/>
           <a:lstStyle/>
           <a:p>
-            <a:endParaRPr lang="zh-CN" altLang="en-US"/>
+            <a:endParaRPr lang="zh-CN" altLang="en-US" dirty="0"/>
           </a:p>
         </p:txBody>
       </p:sp>
@@ -7749,7 +7766,7 @@
           <a:p>
             <a:r>
               <a:rPr lang="zh-CN" altLang="en-US" dirty="0"/>
-              <a:t>最佳实践</a:t>
+              <a:t>实践优化</a:t>
             </a:r>
             <a:r>
               <a:rPr lang="en-US" altLang="zh-CN" dirty="0"/>
@@ -7757,7 +7774,7 @@
             </a:r>
             <a:r>
               <a:rPr lang="zh-CN" altLang="en-US" dirty="0"/>
-              <a:t>其他</a:t>
+              <a:t>集合</a:t>
             </a:r>
           </a:p>
         </p:txBody>
@@ -7774,250 +7791,239 @@
         </p:nvSpPr>
         <p:spPr/>
         <p:txBody>
-          <a:bodyPr>
-            <a:normAutofit lnSpcReduction="10000"/>
+          <a:bodyPr/>
+          <a:lstStyle/>
+          <a:p>
+            <a:r>
+              <a:rPr lang="en-US" altLang="zh-CN" dirty="0"/>
+              <a:t>Dictionary</a:t>
+            </a:r>
+            <a:r>
+              <a:rPr lang="zh-CN" altLang="en-US" dirty="0"/>
+              <a:t>对象大小</a:t>
+            </a:r>
+            <a:endParaRPr lang="en-US" altLang="zh-CN" dirty="0"/>
+          </a:p>
+          <a:p>
+            <a:pPr lvl="1"/>
+            <a:r>
+              <a:rPr lang="en-US" altLang="zh-CN" sz="2200" dirty="0"/>
+              <a:t>Dictionary</a:t>
+            </a:r>
+            <a:r>
+              <a:rPr lang="zh-CN" altLang="en-US" sz="2200" dirty="0"/>
+              <a:t>本身是一个较大的对象。其中包含如下字段：</a:t>
+            </a:r>
+            <a:endParaRPr lang="en-US" altLang="zh-CN" sz="2200" dirty="0"/>
+          </a:p>
+          <a:p>
+            <a:pPr lvl="1"/>
+            <a:endParaRPr lang="en-US" altLang="zh-CN" sz="2200" dirty="0"/>
+          </a:p>
+          <a:p>
+            <a:pPr lvl="1"/>
+            <a:endParaRPr lang="en-US" altLang="zh-CN" sz="2200" dirty="0"/>
+          </a:p>
+          <a:p>
+            <a:pPr lvl="1"/>
+            <a:endParaRPr lang="en-US" altLang="zh-CN" sz="2200" dirty="0"/>
+          </a:p>
+          <a:p>
+            <a:pPr lvl="1"/>
+            <a:endParaRPr lang="en-US" altLang="zh-CN" sz="2200" dirty="0"/>
+          </a:p>
+          <a:p>
+            <a:pPr lvl="1"/>
+            <a:endParaRPr lang="en-US" altLang="zh-CN" sz="2200" dirty="0"/>
+          </a:p>
+          <a:p>
+            <a:pPr lvl="1"/>
+            <a:r>
+              <a:rPr lang="en-US" altLang="zh-CN" sz="2200" dirty="0"/>
+              <a:t>Dictionary</a:t>
+            </a:r>
+            <a:r>
+              <a:rPr lang="zh-CN" altLang="en-US" sz="2200" dirty="0"/>
+              <a:t>存在预分配。对于</a:t>
+            </a:r>
+            <a:r>
+              <a:rPr lang="en-US" altLang="zh-CN" sz="2200" dirty="0"/>
+              <a:t>Unity</a:t>
+            </a:r>
+            <a:r>
+              <a:rPr lang="zh-CN" altLang="en-US" sz="2200" dirty="0"/>
+              <a:t>，</a:t>
+            </a:r>
+            <a:r>
+              <a:rPr lang="en-US" altLang="zh-CN" sz="2200" dirty="0"/>
+              <a:t>Dictionary</a:t>
+            </a:r>
+            <a:r>
+              <a:rPr lang="zh-CN" altLang="en-US" sz="2200" dirty="0"/>
+              <a:t>最少分配两个对象；</a:t>
+            </a:r>
+            <a:r>
+              <a:rPr lang="en-US" altLang="zh-CN" sz="2200" dirty="0" err="1"/>
+              <a:t>.Net</a:t>
+            </a:r>
+            <a:r>
+              <a:rPr lang="en-US" altLang="zh-CN" sz="2200" dirty="0"/>
+              <a:t> </a:t>
+            </a:r>
+            <a:r>
+              <a:rPr lang="en-US" altLang="zh-CN" sz="2200" dirty="0" err="1"/>
+              <a:t>Fx</a:t>
+            </a:r>
+            <a:r>
+              <a:rPr lang="zh-CN" altLang="en-US" sz="2200" dirty="0"/>
+              <a:t>则为</a:t>
+            </a:r>
+            <a:r>
+              <a:rPr lang="en-US" altLang="zh-CN" sz="2200" dirty="0"/>
+              <a:t>3</a:t>
+            </a:r>
+            <a:r>
+              <a:rPr lang="zh-CN" altLang="en-US" sz="2200" dirty="0"/>
+              <a:t>个。这些预分配会体现在上列数组对象中。</a:t>
+            </a:r>
+            <a:endParaRPr lang="en-US" altLang="zh-CN" sz="2200" dirty="0"/>
+          </a:p>
+          <a:p>
+            <a:pPr lvl="1"/>
+            <a:endParaRPr lang="en-US" altLang="zh-CN" sz="2200" dirty="0"/>
+          </a:p>
+          <a:p>
+            <a:pPr marL="457200" lvl="1" indent="0">
+              <a:buNone/>
+            </a:pPr>
+            <a:r>
+              <a:rPr lang="zh-CN" altLang="en-US" sz="2200" dirty="0"/>
+              <a:t>综上，当元素较少时应当考虑是否使用其他集合对象作为替代。</a:t>
+            </a:r>
+            <a:endParaRPr lang="en-US" altLang="zh-CN" sz="2200" dirty="0"/>
+          </a:p>
+        </p:txBody>
+      </p:sp>
+      <p:pic>
+        <p:nvPicPr>
+          <p:cNvPr id="4" name="图片 3"/>
+          <p:cNvPicPr>
+            <a:picLocks noChangeAspect="1"/>
+          </p:cNvPicPr>
+          <p:nvPr/>
+        </p:nvPicPr>
+        <p:blipFill>
+          <a:blip r:embed="rId2"/>
+          <a:stretch>
+            <a:fillRect/>
+          </a:stretch>
+        </p:blipFill>
+        <p:spPr>
+          <a:xfrm>
+            <a:off x="1309421" y="2607856"/>
+            <a:ext cx="3257550" cy="1819275"/>
+          </a:xfrm>
+          <a:prstGeom prst="rect">
+            <a:avLst/>
+          </a:prstGeom>
+        </p:spPr>
+      </p:pic>
+      <p:pic>
+        <p:nvPicPr>
+          <p:cNvPr id="5" name="图片 4"/>
+          <p:cNvPicPr>
+            <a:picLocks noChangeAspect="1"/>
+          </p:cNvPicPr>
+          <p:nvPr/>
+        </p:nvPicPr>
+        <p:blipFill>
+          <a:blip r:embed="rId3"/>
+          <a:stretch>
+            <a:fillRect/>
+          </a:stretch>
+        </p:blipFill>
+        <p:spPr>
+          <a:xfrm>
+            <a:off x="5383618" y="2665080"/>
+            <a:ext cx="4038600" cy="1638300"/>
+          </a:xfrm>
+          <a:prstGeom prst="rect">
+            <a:avLst/>
+          </a:prstGeom>
+        </p:spPr>
+      </p:pic>
+      <p:sp>
+        <p:nvSpPr>
+          <p:cNvPr id="6" name="文本框 5"/>
+          <p:cNvSpPr txBox="1"/>
+          <p:nvPr/>
+        </p:nvSpPr>
+        <p:spPr>
+          <a:xfrm>
+            <a:off x="4536815" y="4118714"/>
+            <a:ext cx="697627" cy="369332"/>
+          </a:xfrm>
+          <a:prstGeom prst="rect">
+            <a:avLst/>
+          </a:prstGeom>
+          <a:noFill/>
+        </p:spPr>
+        <p:txBody>
+          <a:bodyPr wrap="none" rtlCol="0">
+            <a:spAutoFit/>
           </a:bodyPr>
           <a:lstStyle/>
           <a:p>
             <a:r>
-              <a:rPr lang="zh-CN" altLang="en-US" dirty="0"/>
-              <a:t>缓存</a:t>
-            </a:r>
+              <a:rPr lang="en-US" altLang="zh-CN" dirty="0"/>
+              <a:t>Unity</a:t>
+            </a:r>
+            <a:endParaRPr lang="zh-CN" altLang="en-US" dirty="0"/>
+          </a:p>
+        </p:txBody>
+      </p:sp>
+      <p:sp>
+        <p:nvSpPr>
+          <p:cNvPr id="7" name="文本框 6"/>
+          <p:cNvSpPr txBox="1"/>
+          <p:nvPr/>
+        </p:nvSpPr>
+        <p:spPr>
+          <a:xfrm>
+            <a:off x="9422218" y="4001294"/>
+            <a:ext cx="870751" cy="369332"/>
+          </a:xfrm>
+          <a:prstGeom prst="rect">
+            <a:avLst/>
+          </a:prstGeom>
+          <a:noFill/>
+        </p:spPr>
+        <p:txBody>
+          <a:bodyPr wrap="none" rtlCol="0">
+            <a:spAutoFit/>
+          </a:bodyPr>
+          <a:lstStyle/>
+          <a:p>
             <a:r>
               <a:rPr lang="en-US" altLang="zh-CN" dirty="0" err="1"/>
-              <a:t>MemberInfo</a:t>
-            </a:r>
-            <a:endParaRPr lang="en-US" altLang="zh-CN" dirty="0"/>
-          </a:p>
-          <a:p>
-            <a:pPr marL="457200" lvl="1" indent="0">
-              <a:buNone/>
-            </a:pPr>
-            <a:r>
-              <a:rPr lang="zh-CN" altLang="en-US" sz="1800" dirty="0">
-                <a:latin typeface="微软雅黑 Light" panose="020B0502040204020203" pitchFamily="34" charset="-122"/>
-                <a:ea typeface="微软雅黑 Light" panose="020B0502040204020203" pitchFamily="34" charset="-122"/>
-              </a:rPr>
-              <a:t>反射性能低下主要有三个原因：</a:t>
-            </a:r>
-            <a:r>
-              <a:rPr lang="en-US" altLang="zh-CN" sz="1800" dirty="0" err="1">
-                <a:latin typeface="微软雅黑 Light" panose="020B0502040204020203" pitchFamily="34" charset="-122"/>
-                <a:ea typeface="微软雅黑 Light" panose="020B0502040204020203" pitchFamily="34" charset="-122"/>
-              </a:rPr>
-              <a:t>EEClass</a:t>
-            </a:r>
-            <a:r>
-              <a:rPr lang="zh-CN" altLang="en-US" sz="1800" dirty="0">
-                <a:latin typeface="微软雅黑 Light" panose="020B0502040204020203" pitchFamily="34" charset="-122"/>
-                <a:ea typeface="微软雅黑 Light" panose="020B0502040204020203" pitchFamily="34" charset="-122"/>
-              </a:rPr>
-              <a:t>检索慢于编译器生成的地址代换，检索到的数据需要生成</a:t>
-            </a:r>
-            <a:r>
-              <a:rPr lang="en-US" altLang="zh-CN" sz="1800" dirty="0" err="1">
-                <a:latin typeface="微软雅黑 Light" panose="020B0502040204020203" pitchFamily="34" charset="-122"/>
-                <a:ea typeface="微软雅黑 Light" panose="020B0502040204020203" pitchFamily="34" charset="-122"/>
-              </a:rPr>
-              <a:t>MemberInfo</a:t>
-            </a:r>
-            <a:r>
-              <a:rPr lang="zh-CN" altLang="en-US" sz="1800" dirty="0">
-                <a:latin typeface="微软雅黑 Light" panose="020B0502040204020203" pitchFamily="34" charset="-122"/>
-                <a:ea typeface="微软雅黑 Light" panose="020B0502040204020203" pitchFamily="34" charset="-122"/>
-              </a:rPr>
-              <a:t>对象，访问</a:t>
-            </a:r>
-            <a:r>
-              <a:rPr lang="en-US" altLang="zh-CN" sz="1800" dirty="0" err="1">
-                <a:latin typeface="微软雅黑 Light" panose="020B0502040204020203" pitchFamily="34" charset="-122"/>
-                <a:ea typeface="微软雅黑 Light" panose="020B0502040204020203" pitchFamily="34" charset="-122"/>
-              </a:rPr>
-              <a:t>MemberInfo</a:t>
-            </a:r>
-            <a:r>
-              <a:rPr lang="zh-CN" altLang="en-US" sz="1800" dirty="0">
-                <a:latin typeface="微软雅黑 Light" panose="020B0502040204020203" pitchFamily="34" charset="-122"/>
-                <a:ea typeface="微软雅黑 Light" panose="020B0502040204020203" pitchFamily="34" charset="-122"/>
-              </a:rPr>
-              <a:t>对象需要动态绑定。使用反射式缓存</a:t>
-            </a:r>
-            <a:r>
-              <a:rPr lang="en-US" altLang="zh-CN" sz="1800" dirty="0" err="1">
-                <a:latin typeface="微软雅黑 Light" panose="020B0502040204020203" pitchFamily="34" charset="-122"/>
-                <a:ea typeface="微软雅黑 Light" panose="020B0502040204020203" pitchFamily="34" charset="-122"/>
-              </a:rPr>
-              <a:t>MemberInfo</a:t>
-            </a:r>
-            <a:r>
-              <a:rPr lang="zh-CN" altLang="en-US" sz="1800" dirty="0">
-                <a:latin typeface="微软雅黑 Light" panose="020B0502040204020203" pitchFamily="34" charset="-122"/>
-                <a:ea typeface="微软雅黑 Light" panose="020B0502040204020203" pitchFamily="34" charset="-122"/>
-              </a:rPr>
-              <a:t>，前两个问题都能迎刃而解</a:t>
-            </a:r>
-          </a:p>
-          <a:p>
-            <a:r>
-              <a:rPr lang="zh-CN" altLang="en-US" dirty="0"/>
-              <a:t>为集合预分配容量</a:t>
-            </a:r>
-            <a:endParaRPr lang="en-US" altLang="zh-CN" dirty="0"/>
-          </a:p>
-          <a:p>
-            <a:pPr marL="457200" lvl="1" indent="0">
-              <a:buNone/>
-            </a:pPr>
-            <a:r>
-              <a:rPr lang="zh-CN" altLang="en-US" sz="1800" dirty="0">
-                <a:latin typeface="微软雅黑 Light" panose="020B0502040204020203" pitchFamily="34" charset="-122"/>
-                <a:ea typeface="微软雅黑 Light" panose="020B0502040204020203" pitchFamily="34" charset="-122"/>
-              </a:rPr>
-              <a:t>集合拥有积极扩张的内存分配策略，预估集合容量并进行预分配非但有助于减少重分配次数，而且通常能够节约内存</a:t>
-            </a:r>
-            <a:endParaRPr lang="en-US" altLang="zh-CN" sz="1800" dirty="0">
-              <a:latin typeface="微软雅黑 Light" panose="020B0502040204020203" pitchFamily="34" charset="-122"/>
-              <a:ea typeface="微软雅黑 Light" panose="020B0502040204020203" pitchFamily="34" charset="-122"/>
-            </a:endParaRPr>
-          </a:p>
-          <a:p>
-            <a:r>
-              <a:rPr lang="zh-CN" altLang="en-US" dirty="0"/>
-              <a:t>重写</a:t>
+              <a:t>.Net</a:t>
             </a:r>
             <a:r>
               <a:rPr lang="en-US" altLang="zh-CN" dirty="0"/>
-              <a:t>Equals</a:t>
-            </a:r>
-            <a:r>
-              <a:rPr lang="zh-CN" altLang="en-US" dirty="0"/>
-              <a:t>方法和</a:t>
+              <a:t> </a:t>
             </a:r>
             <a:r>
               <a:rPr lang="en-US" altLang="zh-CN" dirty="0" err="1"/>
-              <a:t>GetHashCode</a:t>
-            </a:r>
-            <a:r>
-              <a:rPr lang="zh-CN" altLang="en-US" dirty="0"/>
-              <a:t>方法</a:t>
-            </a:r>
-            <a:endParaRPr lang="en-US" altLang="zh-CN" dirty="0"/>
-          </a:p>
-          <a:p>
-            <a:pPr marL="457200" lvl="1" indent="0">
-              <a:buNone/>
-            </a:pPr>
-            <a:r>
-              <a:rPr lang="zh-CN" altLang="en-US" sz="1800" dirty="0">
-                <a:latin typeface="微软雅黑 Light" panose="020B0502040204020203" pitchFamily="34" charset="-122"/>
-                <a:ea typeface="微软雅黑 Light" panose="020B0502040204020203" pitchFamily="34" charset="-122"/>
-              </a:rPr>
-              <a:t>引用类型的上述方法默认实现使用反射</a:t>
-            </a:r>
-            <a:r>
-              <a:rPr lang="zh-CN" altLang="en-US" dirty="0"/>
-              <a:t>坚持建立文档化注释</a:t>
-            </a:r>
-            <a:endParaRPr lang="en-US" altLang="zh-CN" dirty="0"/>
-          </a:p>
-          <a:p>
-            <a:pPr marL="457200" lvl="1" indent="0">
-              <a:buNone/>
-            </a:pPr>
-            <a:r>
-              <a:rPr lang="zh-CN" altLang="en-US" sz="1800" dirty="0">
-                <a:latin typeface="微软雅黑 Light" panose="020B0502040204020203" pitchFamily="34" charset="-122"/>
-                <a:ea typeface="微软雅黑 Light" panose="020B0502040204020203" pitchFamily="34" charset="-122"/>
-              </a:rPr>
-              <a:t>从</a:t>
-            </a:r>
-            <a:r>
-              <a:rPr lang="en-US" altLang="zh-CN" sz="1800" dirty="0">
-                <a:latin typeface="微软雅黑 Light" panose="020B0502040204020203" pitchFamily="34" charset="-122"/>
-                <a:ea typeface="微软雅黑 Light" panose="020B0502040204020203" pitchFamily="34" charset="-122"/>
-              </a:rPr>
-              <a:t>VisualStudio</a:t>
-            </a:r>
-            <a:r>
-              <a:rPr lang="zh-CN" altLang="en-US" sz="1800" dirty="0">
-                <a:latin typeface="微软雅黑 Light" panose="020B0502040204020203" pitchFamily="34" charset="-122"/>
-                <a:ea typeface="微软雅黑 Light" panose="020B0502040204020203" pitchFamily="34" charset="-122"/>
-              </a:rPr>
-              <a:t>到</a:t>
-            </a:r>
-            <a:r>
-              <a:rPr lang="en-US" altLang="zh-CN" sz="1800" dirty="0" err="1">
-                <a:latin typeface="微软雅黑 Light" panose="020B0502040204020203" pitchFamily="34" charset="-122"/>
-                <a:ea typeface="微软雅黑 Light" panose="020B0502040204020203" pitchFamily="34" charset="-122"/>
-              </a:rPr>
-              <a:t>Resharper</a:t>
-            </a:r>
-            <a:r>
-              <a:rPr lang="zh-CN" altLang="en-US" sz="1800" dirty="0">
-                <a:latin typeface="微软雅黑 Light" panose="020B0502040204020203" pitchFamily="34" charset="-122"/>
-                <a:ea typeface="微软雅黑 Light" panose="020B0502040204020203" pitchFamily="34" charset="-122"/>
-              </a:rPr>
-              <a:t>，对类与方法的描述都来自文档化注释。</a:t>
-            </a:r>
-            <a:endParaRPr lang="en-US" altLang="zh-CN" dirty="0"/>
-          </a:p>
-          <a:p>
-            <a:r>
-              <a:rPr lang="zh-CN" altLang="en-US" dirty="0"/>
-              <a:t>较小的集合不应使用有键集合</a:t>
-            </a:r>
-            <a:endParaRPr lang="en-US" altLang="zh-CN" dirty="0"/>
-          </a:p>
-          <a:p>
-            <a:pPr marL="457200" lvl="1" indent="0">
-              <a:buNone/>
-            </a:pPr>
-            <a:r>
-              <a:rPr lang="zh-CN" altLang="en-US" sz="1800" dirty="0">
-                <a:latin typeface="微软雅黑 Light" panose="020B0502040204020203" pitchFamily="34" charset="-122"/>
-                <a:ea typeface="微软雅黑 Light" panose="020B0502040204020203" pitchFamily="34" charset="-122"/>
-              </a:rPr>
-              <a:t>有键集合需要额外的空间。举例来说，一个空的</a:t>
-            </a:r>
-            <a:r>
-              <a:rPr lang="en-US" altLang="zh-CN" sz="1800" dirty="0">
-                <a:latin typeface="微软雅黑 Light" panose="020B0502040204020203" pitchFamily="34" charset="-122"/>
-                <a:ea typeface="微软雅黑 Light" panose="020B0502040204020203" pitchFamily="34" charset="-122"/>
-              </a:rPr>
-              <a:t>Dictionary</a:t>
-            </a:r>
-            <a:r>
-              <a:rPr lang="zh-CN" altLang="en-US" sz="1800" dirty="0">
-                <a:latin typeface="微软雅黑 Light" panose="020B0502040204020203" pitchFamily="34" charset="-122"/>
-                <a:ea typeface="微软雅黑 Light" panose="020B0502040204020203" pitchFamily="34" charset="-122"/>
-              </a:rPr>
-              <a:t>也会消耗</a:t>
-            </a:r>
-            <a:r>
-              <a:rPr lang="en-US" altLang="zh-CN" sz="1800" dirty="0">
-                <a:latin typeface="微软雅黑 Light" panose="020B0502040204020203" pitchFamily="34" charset="-122"/>
-                <a:ea typeface="微软雅黑 Light" panose="020B0502040204020203" pitchFamily="34" charset="-122"/>
-              </a:rPr>
-              <a:t>12</a:t>
-            </a:r>
-            <a:r>
-              <a:rPr lang="zh-CN" altLang="en-US" sz="1800" dirty="0">
-                <a:latin typeface="微软雅黑 Light" panose="020B0502040204020203" pitchFamily="34" charset="-122"/>
-                <a:ea typeface="微软雅黑 Light" panose="020B0502040204020203" pitchFamily="34" charset="-122"/>
-              </a:rPr>
-              <a:t>字节的空间。</a:t>
-            </a:r>
-            <a:endParaRPr lang="en-US" altLang="zh-CN" sz="1800" dirty="0">
-              <a:latin typeface="微软雅黑 Light" panose="020B0502040204020203" pitchFamily="34" charset="-122"/>
-              <a:ea typeface="微软雅黑 Light" panose="020B0502040204020203" pitchFamily="34" charset="-122"/>
-            </a:endParaRPr>
+              <a:t>Fx</a:t>
+            </a:r>
+            <a:endParaRPr lang="zh-CN" altLang="en-US" dirty="0"/>
           </a:p>
         </p:txBody>
       </p:sp>
     </p:spTree>
     <p:extLst>
       <p:ext uri="{BB962C8B-B14F-4D97-AF65-F5344CB8AC3E}">
-        <p14:creationId xmlns:p14="http://schemas.microsoft.com/office/powerpoint/2010/main" val="1948017904"/>
+        <p14:creationId xmlns:p14="http://schemas.microsoft.com/office/powerpoint/2010/main" val="2119286397"/>
       </p:ext>
     </p:extLst>
   </p:cSld>
@@ -8061,7 +8067,7 @@
           <a:p>
             <a:r>
               <a:rPr lang="zh-CN" altLang="en-US" dirty="0"/>
-              <a:t>最佳实践</a:t>
+              <a:t>实践优化</a:t>
             </a:r>
             <a:r>
               <a:rPr lang="en-US" altLang="zh-CN" dirty="0"/>
@@ -8069,7 +8075,7 @@
             </a:r>
             <a:r>
               <a:rPr lang="zh-CN" altLang="en-US" dirty="0"/>
-              <a:t>其他</a:t>
+              <a:t>集合</a:t>
             </a:r>
           </a:p>
         </p:txBody>
@@ -8086,14 +8092,16 @@
         </p:nvSpPr>
         <p:spPr/>
         <p:txBody>
-          <a:bodyPr>
-            <a:normAutofit/>
-          </a:bodyPr>
-          <a:lstStyle/>
-          <a:p>
-            <a:r>
-              <a:rPr lang="zh-CN" altLang="en-US" dirty="0"/>
-              <a:t>枚举类型不宜作为键使用</a:t>
+          <a:bodyPr/>
+          <a:lstStyle/>
+          <a:p>
+            <a:r>
+              <a:rPr lang="en-US" altLang="zh-CN" dirty="0"/>
+              <a:t>Contains</a:t>
+            </a:r>
+            <a:r>
+              <a:rPr lang="zh-CN" altLang="en-US" dirty="0"/>
+              <a:t>性能</a:t>
             </a:r>
             <a:endParaRPr lang="en-US" altLang="zh-CN" dirty="0"/>
           </a:p>
@@ -8102,152 +8110,301 @@
               <a:buNone/>
             </a:pPr>
             <a:r>
-              <a:rPr lang="zh-CN" altLang="en-US" sz="1800" dirty="0">
-                <a:latin typeface="微软雅黑 Light" panose="020B0502040204020203" pitchFamily="34" charset="-122"/>
-                <a:ea typeface="微软雅黑 Light" panose="020B0502040204020203" pitchFamily="34" charset="-122"/>
-              </a:rPr>
-              <a:t>枚举是值类型，而且你无法重写它的</a:t>
-            </a:r>
-            <a:r>
-              <a:rPr lang="en-US" altLang="zh-CN" sz="1800" dirty="0" err="1">
-                <a:latin typeface="微软雅黑 Light" panose="020B0502040204020203" pitchFamily="34" charset="-122"/>
-                <a:ea typeface="微软雅黑 Light" panose="020B0502040204020203" pitchFamily="34" charset="-122"/>
-              </a:rPr>
-              <a:t>GetHashCode</a:t>
-            </a:r>
-            <a:r>
-              <a:rPr lang="zh-CN" altLang="en-US" sz="1800" dirty="0">
-                <a:latin typeface="微软雅黑 Light" panose="020B0502040204020203" pitchFamily="34" charset="-122"/>
-                <a:ea typeface="微软雅黑 Light" panose="020B0502040204020203" pitchFamily="34" charset="-122"/>
-              </a:rPr>
-              <a:t>方法</a:t>
-            </a:r>
-            <a:endParaRPr lang="en-US" altLang="zh-CN" sz="1800" dirty="0">
-              <a:latin typeface="微软雅黑 Light" panose="020B0502040204020203" pitchFamily="34" charset="-122"/>
-              <a:ea typeface="微软雅黑 Light" panose="020B0502040204020203" pitchFamily="34" charset="-122"/>
-            </a:endParaRPr>
-          </a:p>
-          <a:p>
-            <a:r>
-              <a:rPr lang="zh-CN" altLang="en-US" dirty="0"/>
-              <a:t>谨慎传递结构体</a:t>
-            </a:r>
-            <a:endParaRPr lang="en-US" altLang="zh-CN" dirty="0"/>
-          </a:p>
-          <a:p>
-            <a:pPr marL="457200" lvl="1" indent="0">
-              <a:buNone/>
-            </a:pPr>
-            <a:r>
-              <a:rPr lang="zh-CN" altLang="en-US" sz="1800" dirty="0">
-                <a:latin typeface="微软雅黑 Light" panose="020B0502040204020203" pitchFamily="34" charset="-122"/>
-                <a:ea typeface="微软雅黑 Light" panose="020B0502040204020203" pitchFamily="34" charset="-122"/>
-              </a:rPr>
-              <a:t>别忘了结构体是值类型哦。使用</a:t>
-            </a:r>
-            <a:r>
-              <a:rPr lang="en-US" altLang="zh-CN" sz="1800" dirty="0">
-                <a:latin typeface="微软雅黑 Light" panose="020B0502040204020203" pitchFamily="34" charset="-122"/>
-                <a:ea typeface="微软雅黑 Light" panose="020B0502040204020203" pitchFamily="34" charset="-122"/>
-              </a:rPr>
-              <a:t>ref</a:t>
-            </a:r>
-            <a:r>
-              <a:rPr lang="zh-CN" altLang="en-US" sz="1800" dirty="0">
-                <a:latin typeface="微软雅黑 Light" panose="020B0502040204020203" pitchFamily="34" charset="-122"/>
-                <a:ea typeface="微软雅黑 Light" panose="020B0502040204020203" pitchFamily="34" charset="-122"/>
-              </a:rPr>
-              <a:t>传递作为参数的结构体</a:t>
-            </a:r>
-            <a:endParaRPr lang="en-US" altLang="zh-CN" sz="1800" dirty="0">
-              <a:latin typeface="微软雅黑 Light" panose="020B0502040204020203" pitchFamily="34" charset="-122"/>
-              <a:ea typeface="微软雅黑 Light" panose="020B0502040204020203" pitchFamily="34" charset="-122"/>
-            </a:endParaRPr>
-          </a:p>
-          <a:p>
-            <a:r>
-              <a:rPr lang="zh-CN" altLang="en-US" dirty="0"/>
-              <a:t>使用枚举而非常量</a:t>
-            </a:r>
-            <a:endParaRPr lang="en-US" altLang="zh-CN" dirty="0"/>
-          </a:p>
-          <a:p>
-            <a:pPr marL="457200" lvl="1" indent="0">
-              <a:buNone/>
-            </a:pPr>
-            <a:r>
-              <a:rPr lang="zh-CN" altLang="en-US" sz="1800" dirty="0">
-                <a:latin typeface="微软雅黑 Light" panose="020B0502040204020203" pitchFamily="34" charset="-122"/>
-                <a:ea typeface="微软雅黑 Light" panose="020B0502040204020203" pitchFamily="34" charset="-122"/>
-              </a:rPr>
-              <a:t>枚举明确地指出了其内容的约束，且拥有更完备的工具支持</a:t>
-            </a:r>
-            <a:endParaRPr lang="en-US" altLang="zh-CN" sz="1800" dirty="0">
-              <a:latin typeface="微软雅黑 Light" panose="020B0502040204020203" pitchFamily="34" charset="-122"/>
-              <a:ea typeface="微软雅黑 Light" panose="020B0502040204020203" pitchFamily="34" charset="-122"/>
-            </a:endParaRPr>
-          </a:p>
-          <a:p>
-            <a:r>
-              <a:rPr lang="zh-CN" altLang="en-US" dirty="0"/>
-              <a:t>慎重对待闭包</a:t>
-            </a:r>
-            <a:endParaRPr lang="en-US" altLang="zh-CN" dirty="0"/>
-          </a:p>
-          <a:p>
-            <a:pPr marL="457200" lvl="1" indent="0">
-              <a:buNone/>
-            </a:pPr>
-            <a:r>
-              <a:rPr lang="zh-CN" altLang="en-US" sz="1800" dirty="0">
-                <a:latin typeface="微软雅黑 Light" panose="020B0502040204020203" pitchFamily="34" charset="-122"/>
-                <a:ea typeface="微软雅黑 Light" panose="020B0502040204020203" pitchFamily="34" charset="-122"/>
-              </a:rPr>
-              <a:t>状态的延续站在内存的肩膀上</a:t>
-            </a:r>
-            <a:endParaRPr lang="en-US" altLang="zh-CN" sz="1800" dirty="0">
-              <a:latin typeface="微软雅黑 Light" panose="020B0502040204020203" pitchFamily="34" charset="-122"/>
-              <a:ea typeface="微软雅黑 Light" panose="020B0502040204020203" pitchFamily="34" charset="-122"/>
-            </a:endParaRPr>
-          </a:p>
-          <a:p>
-            <a:r>
-              <a:rPr lang="zh-CN" altLang="en-US" dirty="0"/>
-              <a:t>编译重复使用的正则表达式</a:t>
-            </a:r>
-            <a:endParaRPr lang="en-US" altLang="zh-CN" dirty="0"/>
-          </a:p>
-          <a:p>
-            <a:pPr marL="457200" lvl="1" indent="0">
-              <a:buNone/>
-            </a:pPr>
-            <a:r>
-              <a:rPr lang="zh-CN" altLang="en-US" sz="1800" dirty="0">
-                <a:latin typeface="微软雅黑 Light" panose="020B0502040204020203" pitchFamily="34" charset="-122"/>
-                <a:ea typeface="微软雅黑 Light" panose="020B0502040204020203" pitchFamily="34" charset="-122"/>
-              </a:rPr>
-              <a:t>将字符串编译为自动机往往要比匹配消耗更多时间</a:t>
-            </a:r>
-            <a:endParaRPr lang="en-US" altLang="zh-CN" sz="1800" dirty="0">
-              <a:latin typeface="微软雅黑 Light" panose="020B0502040204020203" pitchFamily="34" charset="-122"/>
-              <a:ea typeface="微软雅黑 Light" panose="020B0502040204020203" pitchFamily="34" charset="-122"/>
-            </a:endParaRPr>
-          </a:p>
-          <a:p>
-            <a:pPr marL="457200" lvl="1" indent="0">
-              <a:buNone/>
-            </a:pPr>
-            <a:endParaRPr lang="zh-CN" altLang="en-US" sz="1800" dirty="0">
-              <a:latin typeface="微软雅黑 Light" panose="020B0502040204020203" pitchFamily="34" charset="-122"/>
-              <a:ea typeface="微软雅黑 Light" panose="020B0502040204020203" pitchFamily="34" charset="-122"/>
-            </a:endParaRPr>
+              <a:rPr lang="en-US" altLang="zh-CN" dirty="0"/>
+              <a:t>Contains</a:t>
+            </a:r>
+            <a:r>
+              <a:rPr lang="zh-CN" altLang="en-US" dirty="0"/>
+              <a:t>方法使用</a:t>
+            </a:r>
+            <a:r>
+              <a:rPr lang="en-US" altLang="zh-CN" dirty="0"/>
+              <a:t>Equals</a:t>
+            </a:r>
+            <a:r>
+              <a:rPr lang="zh-CN" altLang="en-US" dirty="0"/>
+              <a:t>方法进行比较。</a:t>
+            </a:r>
+            <a:r>
+              <a:rPr lang="zh-CN" altLang="en-US" b="1" dirty="0"/>
+              <a:t>应当</a:t>
+            </a:r>
+            <a:r>
+              <a:rPr lang="zh-CN" altLang="en-US" dirty="0"/>
+              <a:t>为结构实现</a:t>
+            </a:r>
+            <a:r>
+              <a:rPr lang="en-US" altLang="zh-CN" dirty="0" err="1"/>
+              <a:t>IEqualable</a:t>
+            </a:r>
+            <a:r>
+              <a:rPr lang="zh-CN" altLang="en-US" dirty="0"/>
+              <a:t>接口并实现</a:t>
+            </a:r>
+            <a:r>
+              <a:rPr lang="en-US" altLang="zh-CN" dirty="0"/>
+              <a:t>Equals</a:t>
+            </a:r>
+            <a:r>
+              <a:rPr lang="zh-CN" altLang="en-US" dirty="0"/>
+              <a:t>方法，既可回避性能较差的默认比较方法，亦可回避装箱。下为在长度</a:t>
+            </a:r>
+            <a:r>
+              <a:rPr lang="en-US" altLang="zh-CN" dirty="0"/>
+              <a:t>1000</a:t>
+            </a:r>
+            <a:r>
+              <a:rPr lang="zh-CN" altLang="en-US" dirty="0"/>
+              <a:t>的列表中进行</a:t>
+            </a:r>
+            <a:r>
+              <a:rPr lang="en-US" altLang="zh-CN" dirty="0"/>
+              <a:t>100000000</a:t>
+            </a:r>
+            <a:r>
+              <a:rPr lang="zh-CN" altLang="en-US" dirty="0"/>
+              <a:t>次</a:t>
+            </a:r>
+            <a:r>
+              <a:rPr lang="en-US" altLang="zh-CN" dirty="0"/>
+              <a:t>Contains</a:t>
+            </a:r>
+            <a:r>
+              <a:rPr lang="zh-CN" altLang="en-US" dirty="0"/>
+              <a:t>操作的性能比较：</a:t>
+            </a:r>
+          </a:p>
+        </p:txBody>
+      </p:sp>
+      <p:pic>
+        <p:nvPicPr>
+          <p:cNvPr id="5" name="图片 4"/>
+          <p:cNvPicPr>
+            <a:picLocks noChangeAspect="1"/>
+          </p:cNvPicPr>
+          <p:nvPr/>
+        </p:nvPicPr>
+        <p:blipFill>
+          <a:blip r:embed="rId2"/>
+          <a:stretch>
+            <a:fillRect/>
+          </a:stretch>
+        </p:blipFill>
+        <p:spPr>
+          <a:xfrm>
+            <a:off x="5439993" y="3363119"/>
+            <a:ext cx="6181725" cy="1276350"/>
+          </a:xfrm>
+          <a:prstGeom prst="rect">
+            <a:avLst/>
+          </a:prstGeom>
+        </p:spPr>
+      </p:pic>
+      <p:pic>
+        <p:nvPicPr>
+          <p:cNvPr id="6" name="图片 5"/>
+          <p:cNvPicPr>
+            <a:picLocks noChangeAspect="1"/>
+          </p:cNvPicPr>
+          <p:nvPr/>
+        </p:nvPicPr>
+        <p:blipFill>
+          <a:blip r:embed="rId3"/>
+          <a:stretch>
+            <a:fillRect/>
+          </a:stretch>
+        </p:blipFill>
+        <p:spPr>
+          <a:xfrm>
+            <a:off x="1294292" y="3639344"/>
+            <a:ext cx="2266950" cy="723900"/>
+          </a:xfrm>
+          <a:prstGeom prst="rect">
+            <a:avLst/>
+          </a:prstGeom>
+        </p:spPr>
+      </p:pic>
+      <p:pic>
+        <p:nvPicPr>
+          <p:cNvPr id="7" name="图片 6"/>
+          <p:cNvPicPr>
+            <a:picLocks noChangeAspect="1"/>
+          </p:cNvPicPr>
+          <p:nvPr/>
+        </p:nvPicPr>
+        <p:blipFill>
+          <a:blip r:embed="rId4"/>
+          <a:stretch>
+            <a:fillRect/>
+          </a:stretch>
+        </p:blipFill>
+        <p:spPr>
+          <a:xfrm>
+            <a:off x="1294292" y="4928080"/>
+            <a:ext cx="3228975" cy="1552575"/>
+          </a:xfrm>
+          <a:prstGeom prst="rect">
+            <a:avLst/>
+          </a:prstGeom>
+        </p:spPr>
+      </p:pic>
+      <p:pic>
+        <p:nvPicPr>
+          <p:cNvPr id="8" name="图片 7"/>
+          <p:cNvPicPr>
+            <a:picLocks noChangeAspect="1"/>
+          </p:cNvPicPr>
+          <p:nvPr/>
+        </p:nvPicPr>
+        <p:blipFill>
+          <a:blip r:embed="rId5"/>
+          <a:stretch>
+            <a:fillRect/>
+          </a:stretch>
+        </p:blipFill>
+        <p:spPr>
+          <a:xfrm>
+            <a:off x="5439993" y="5171522"/>
+            <a:ext cx="5314950" cy="771525"/>
+          </a:xfrm>
+          <a:prstGeom prst="rect">
+            <a:avLst/>
+          </a:prstGeom>
+        </p:spPr>
+      </p:pic>
+      <p:sp>
+        <p:nvSpPr>
+          <p:cNvPr id="9" name="箭头: 右 8"/>
+          <p:cNvSpPr/>
+          <p:nvPr/>
+        </p:nvSpPr>
+        <p:spPr>
+          <a:xfrm>
+            <a:off x="3627199" y="4001294"/>
+            <a:ext cx="1812794" cy="191386"/>
+          </a:xfrm>
+          <a:prstGeom prst="rightArrow">
+            <a:avLst/>
+          </a:prstGeom>
+          <a:solidFill>
+            <a:srgbClr val="C00000"/>
+          </a:solidFill>
+        </p:spPr>
+        <p:style>
+          <a:lnRef idx="2">
+            <a:schemeClr val="accent1">
+              <a:shade val="50000"/>
+            </a:schemeClr>
+          </a:lnRef>
+          <a:fillRef idx="1">
+            <a:schemeClr val="accent1"/>
+          </a:fillRef>
+          <a:effectRef idx="0">
+            <a:schemeClr val="accent1"/>
+          </a:effectRef>
+          <a:fontRef idx="minor">
+            <a:schemeClr val="lt1"/>
+          </a:fontRef>
+        </p:style>
+        <p:txBody>
+          <a:bodyPr rtlCol="0" anchor="ctr"/>
+          <a:lstStyle/>
+          <a:p>
+            <a:pPr algn="ctr"/>
+            <a:endParaRPr lang="zh-CN" altLang="en-US"/>
+          </a:p>
+        </p:txBody>
+      </p:sp>
+      <p:sp>
+        <p:nvSpPr>
+          <p:cNvPr id="10" name="箭头: 右 9"/>
+          <p:cNvSpPr/>
+          <p:nvPr/>
+        </p:nvSpPr>
+        <p:spPr>
+          <a:xfrm>
+            <a:off x="4564411" y="5452509"/>
+            <a:ext cx="809625" cy="209550"/>
+          </a:xfrm>
+          <a:prstGeom prst="rightArrow">
+            <a:avLst/>
+          </a:prstGeom>
+          <a:solidFill>
+            <a:srgbClr val="C00000"/>
+          </a:solidFill>
+        </p:spPr>
+        <p:style>
+          <a:lnRef idx="2">
+            <a:schemeClr val="accent1">
+              <a:shade val="50000"/>
+            </a:schemeClr>
+          </a:lnRef>
+          <a:fillRef idx="1">
+            <a:schemeClr val="accent1"/>
+          </a:fillRef>
+          <a:effectRef idx="0">
+            <a:schemeClr val="accent1"/>
+          </a:effectRef>
+          <a:fontRef idx="minor">
+            <a:schemeClr val="lt1"/>
+          </a:fontRef>
+        </p:style>
+        <p:txBody>
+          <a:bodyPr rtlCol="0" anchor="ctr"/>
+          <a:lstStyle/>
+          <a:p>
+            <a:pPr algn="ctr"/>
+            <a:endParaRPr lang="zh-CN" altLang="en-US"/>
+          </a:p>
+        </p:txBody>
+      </p:sp>
+      <p:sp>
+        <p:nvSpPr>
+          <p:cNvPr id="11" name="箭头: 下 10"/>
+          <p:cNvSpPr/>
+          <p:nvPr/>
+        </p:nvSpPr>
+        <p:spPr>
+          <a:xfrm>
+            <a:off x="2427767" y="4413176"/>
+            <a:ext cx="166577" cy="454654"/>
+          </a:xfrm>
+          <a:prstGeom prst="downArrow">
+            <a:avLst/>
+          </a:prstGeom>
+          <a:solidFill>
+            <a:schemeClr val="accent6"/>
+          </a:solidFill>
+        </p:spPr>
+        <p:style>
+          <a:lnRef idx="2">
+            <a:schemeClr val="accent1">
+              <a:shade val="50000"/>
+            </a:schemeClr>
+          </a:lnRef>
+          <a:fillRef idx="1">
+            <a:schemeClr val="accent1"/>
+          </a:fillRef>
+          <a:effectRef idx="0">
+            <a:schemeClr val="accent1"/>
+          </a:effectRef>
+          <a:fontRef idx="minor">
+            <a:schemeClr val="lt1"/>
+          </a:fontRef>
+        </p:style>
+        <p:txBody>
+          <a:bodyPr rtlCol="0" anchor="ctr"/>
+          <a:lstStyle/>
+          <a:p>
+            <a:pPr algn="ctr"/>
+            <a:endParaRPr lang="zh-CN" altLang="en-US"/>
           </a:p>
         </p:txBody>
       </p:sp>
     </p:spTree>
     <p:extLst>
       <p:ext uri="{BB962C8B-B14F-4D97-AF65-F5344CB8AC3E}">
-        <p14:creationId xmlns:p14="http://schemas.microsoft.com/office/powerpoint/2010/main" val="4131926382"/>
+        <p14:creationId xmlns:p14="http://schemas.microsoft.com/office/powerpoint/2010/main" val="2316093079"/>
       </p:ext>
     </p:extLst>
   </p:cSld>
@@ -8291,7 +8448,7 @@
           <a:p>
             <a:r>
               <a:rPr lang="zh-CN" altLang="en-US" dirty="0"/>
-              <a:t>磁盘结构</a:t>
+              <a:t>实践优化</a:t>
             </a:r>
             <a:r>
               <a:rPr lang="en-US" altLang="zh-CN" dirty="0"/>
@@ -8299,7 +8456,7 @@
             </a:r>
             <a:r>
               <a:rPr lang="zh-CN" altLang="en-US" dirty="0"/>
-              <a:t>数据流</a:t>
+              <a:t>集合</a:t>
             </a:r>
           </a:p>
         </p:txBody>
@@ -8314,82 +8471,186 @@
             <p:ph idx="1"/>
           </p:nvPr>
         </p:nvSpPr>
-        <p:spPr/>
-        <p:txBody>
-          <a:bodyPr>
-            <a:normAutofit/>
-          </a:bodyPr>
-          <a:lstStyle/>
-          <a:p>
-            <a:r>
-              <a:rPr lang="zh-CN" altLang="en-US" dirty="0"/>
-              <a:t> **</a:t>
+        <p:spPr>
+          <a:xfrm>
+            <a:off x="838200" y="1549177"/>
+            <a:ext cx="10515600" cy="5021743"/>
+          </a:xfrm>
+        </p:spPr>
+        <p:txBody>
+          <a:bodyPr/>
+          <a:lstStyle/>
+          <a:p>
+            <a:r>
+              <a:rPr lang="zh-CN" altLang="en-US" dirty="0"/>
+              <a:t>字典检索</a:t>
+            </a:r>
+            <a:endParaRPr lang="en-US" altLang="zh-CN" dirty="0"/>
+          </a:p>
+          <a:p>
+            <a:pPr marL="457200" lvl="1" indent="0">
+              <a:buNone/>
+            </a:pPr>
+            <a:r>
+              <a:rPr lang="zh-CN" altLang="en-US" dirty="0"/>
+              <a:t>对一个以值类型作为键值的字典添加</a:t>
             </a:r>
             <a:r>
               <a:rPr lang="en-US" altLang="zh-CN" dirty="0"/>
-              <a:t>#~/#-** 	</a:t>
-            </a:r>
-            <a:r>
-              <a:rPr lang="zh-CN" altLang="en-US" dirty="0"/>
-              <a:t>元数据库</a:t>
+              <a:t>1000</a:t>
+            </a:r>
+            <a:r>
+              <a:rPr lang="zh-CN" altLang="en-US" dirty="0"/>
+              <a:t>个元素并进行</a:t>
+            </a:r>
+            <a:r>
+              <a:rPr lang="en-US" altLang="zh-CN" dirty="0"/>
+              <a:t>100000000</a:t>
+            </a:r>
+            <a:r>
+              <a:rPr lang="zh-CN" altLang="en-US" dirty="0"/>
+              <a:t>次检索，性能分析结果如下：</a:t>
             </a:r>
             <a:endParaRPr lang="en-US" altLang="zh-CN" dirty="0"/>
           </a:p>
           <a:p>
+            <a:pPr marL="457200" lvl="1" indent="0">
+              <a:buNone/>
+            </a:pPr>
+            <a:endParaRPr lang="en-US" altLang="zh-CN" dirty="0"/>
+          </a:p>
+          <a:p>
+            <a:pPr marL="457200" lvl="1" indent="0">
+              <a:buNone/>
+            </a:pPr>
+            <a:endParaRPr lang="en-US" altLang="zh-CN" dirty="0"/>
+          </a:p>
+          <a:p>
+            <a:pPr marL="457200" lvl="1" indent="0">
+              <a:buNone/>
+            </a:pPr>
+            <a:endParaRPr lang="en-US" altLang="zh-CN" dirty="0"/>
+          </a:p>
+          <a:p>
+            <a:pPr marL="457200" lvl="1" indent="0">
+              <a:buNone/>
+            </a:pPr>
+            <a:r>
+              <a:rPr lang="zh-CN" altLang="en-US" dirty="0"/>
+              <a:t>除重写</a:t>
+            </a:r>
             <a:r>
               <a:rPr lang="en-US" altLang="zh-CN" dirty="0"/>
-              <a:t> **#Strings**  	</a:t>
-            </a:r>
-            <a:r>
-              <a:rPr lang="zh-CN" altLang="en-US" dirty="0"/>
-              <a:t>元数据表中使用的字符串池。</a:t>
-            </a:r>
-          </a:p>
-          <a:p>
+              <a:t>Equals</a:t>
+            </a:r>
+            <a:r>
+              <a:rPr lang="zh-CN" altLang="en-US" dirty="0"/>
+              <a:t>之外，重写一个较快的</a:t>
+            </a:r>
+            <a:r>
+              <a:rPr lang="en-US" altLang="zh-CN" dirty="0" err="1"/>
+              <a:t>GetHashCode</a:t>
+            </a:r>
+            <a:r>
+              <a:rPr lang="zh-CN" altLang="en-US" dirty="0"/>
+              <a:t>方法显然亦能有效提升性能。</a:t>
+            </a:r>
+            <a:endParaRPr lang="en-US" altLang="zh-CN" dirty="0"/>
+          </a:p>
+          <a:p>
+            <a:pPr marL="457200" lvl="1" indent="0">
+              <a:buNone/>
+            </a:pPr>
+            <a:endParaRPr lang="en-US" altLang="zh-CN" dirty="0"/>
+          </a:p>
+          <a:p>
+            <a:pPr marL="457200" lvl="1" indent="0">
+              <a:buNone/>
+            </a:pPr>
+            <a:endParaRPr lang="en-US" altLang="zh-CN" dirty="0"/>
+          </a:p>
+          <a:p>
+            <a:pPr marL="457200" lvl="1" indent="0">
+              <a:buNone/>
+            </a:pPr>
+            <a:endParaRPr lang="en-US" altLang="zh-CN" dirty="0"/>
+          </a:p>
+          <a:p>
+            <a:pPr marL="457200" lvl="1" indent="0">
+              <a:buNone/>
+            </a:pPr>
+            <a:r>
+              <a:rPr lang="zh-CN" altLang="en-US" dirty="0"/>
+              <a:t>对于无法修改的值类型（如枚举），可以在其构造函数中传入一个</a:t>
+            </a:r>
+            <a:r>
+              <a:rPr lang="en-US" altLang="zh-CN" dirty="0" err="1"/>
+              <a:t>IEqualityComparer</a:t>
+            </a:r>
             <a:r>
               <a:rPr lang="en-US" altLang="zh-CN" dirty="0"/>
-              <a:t> **#US**       	</a:t>
-            </a:r>
-            <a:r>
-              <a:rPr lang="zh-CN" altLang="en-US" dirty="0"/>
-              <a:t>用户字符串池。</a:t>
-            </a:r>
-          </a:p>
-          <a:p>
-            <a:r>
-              <a:rPr lang="en-US" altLang="zh-CN" dirty="0"/>
-              <a:t> **#Blob**     	</a:t>
-            </a:r>
-            <a:r>
-              <a:rPr lang="zh-CN" altLang="en-US" dirty="0"/>
-              <a:t>无模式数据。</a:t>
+              <a:t>&lt;T&gt;</a:t>
+            </a:r>
+            <a:r>
+              <a:rPr lang="zh-CN" altLang="en-US"/>
+              <a:t>对象修改对象比较方法。</a:t>
             </a:r>
             <a:endParaRPr lang="en-US" altLang="zh-CN" dirty="0"/>
           </a:p>
-          <a:p>
-            <a:r>
-              <a:rPr lang="en-US" altLang="zh-CN" dirty="0"/>
-              <a:t> **#GUID**     	</a:t>
-            </a:r>
-            <a:r>
-              <a:rPr lang="zh-CN" altLang="en-US" dirty="0"/>
-              <a:t>包含元数据使用的全局唯一</a:t>
-            </a:r>
-            <a:r>
-              <a:rPr lang="en-US" altLang="zh-CN" dirty="0"/>
-              <a:t>id</a:t>
-            </a:r>
-            <a:r>
-              <a:rPr lang="zh-CN" altLang="en-US" dirty="0"/>
-              <a:t>信息。</a:t>
-            </a:r>
-          </a:p>
-        </p:txBody>
-      </p:sp>
+        </p:txBody>
+      </p:sp>
+      <p:pic>
+        <p:nvPicPr>
+          <p:cNvPr id="4" name="图片 3"/>
+          <p:cNvPicPr>
+            <a:picLocks noChangeAspect="1"/>
+          </p:cNvPicPr>
+          <p:nvPr/>
+        </p:nvPicPr>
+        <p:blipFill>
+          <a:blip r:embed="rId2"/>
+          <a:stretch>
+            <a:fillRect/>
+          </a:stretch>
+        </p:blipFill>
+        <p:spPr>
+          <a:xfrm>
+            <a:off x="1402612" y="2762250"/>
+            <a:ext cx="7048500" cy="1066800"/>
+          </a:xfrm>
+          <a:prstGeom prst="rect">
+            <a:avLst/>
+          </a:prstGeom>
+        </p:spPr>
+      </p:pic>
+      <p:pic>
+        <p:nvPicPr>
+          <p:cNvPr id="7" name="图片 6"/>
+          <p:cNvPicPr>
+            <a:picLocks noChangeAspect="1"/>
+          </p:cNvPicPr>
+          <p:nvPr/>
+        </p:nvPicPr>
+        <p:blipFill>
+          <a:blip r:embed="rId3"/>
+          <a:stretch>
+            <a:fillRect/>
+          </a:stretch>
+        </p:blipFill>
+        <p:spPr>
+          <a:xfrm>
+            <a:off x="1402612" y="4561810"/>
+            <a:ext cx="6505575" cy="1276350"/>
+          </a:xfrm>
+          <a:prstGeom prst="rect">
+            <a:avLst/>
+          </a:prstGeom>
+        </p:spPr>
+      </p:pic>
     </p:spTree>
     <p:extLst>
       <p:ext uri="{BB962C8B-B14F-4D97-AF65-F5344CB8AC3E}">
-        <p14:creationId xmlns:p14="http://schemas.microsoft.com/office/powerpoint/2010/main" val="3143806048"/>
+        <p14:creationId xmlns:p14="http://schemas.microsoft.com/office/powerpoint/2010/main" val="1734996827"/>
       </p:ext>
     </p:extLst>
   </p:cSld>
@@ -8416,49 +8677,6 @@
           <a:chExt cx="0" cy="0"/>
         </a:xfrm>
       </p:grpSpPr>
-      <p:cxnSp>
-        <p:nvCxnSpPr>
-          <p:cNvPr id="12" name="Straight Connector 11"/>
-          <p:cNvCxnSpPr>
-            <a:cxnSpLocks noGrp="1" noRot="1" noChangeAspect="1" noMove="1" noResize="1" noEditPoints="1" noAdjustHandles="1" noChangeArrowheads="1" noChangeShapeType="1"/>
-          </p:cNvCxnSpPr>
-          <p:nvPr>
-            <p:extLst>
-              <p:ext uri="{386F3935-93C4-4BCD-93E2-E3B085C9AB24}">
-                <p16:designElem xmlns:p16="http://schemas.microsoft.com/office/powerpoint/2015/main" val="1"/>
-              </p:ext>
-            </p:extLst>
-          </p:nvPr>
-        </p:nvCxnSpPr>
-        <p:spPr>
-          <a:xfrm>
-            <a:off x="5080934" y="2115117"/>
-            <a:ext cx="6309360" cy="0"/>
-          </a:xfrm>
-          <a:prstGeom prst="line">
-            <a:avLst/>
-          </a:prstGeom>
-          <a:ln>
-            <a:solidFill>
-              <a:srgbClr val="4A698A"/>
-            </a:solidFill>
-          </a:ln>
-        </p:spPr>
-        <p:style>
-          <a:lnRef idx="1">
-            <a:schemeClr val="accent1"/>
-          </a:lnRef>
-          <a:fillRef idx="0">
-            <a:schemeClr val="accent1"/>
-          </a:fillRef>
-          <a:effectRef idx="0">
-            <a:schemeClr val="accent1"/>
-          </a:effectRef>
-          <a:fontRef idx="minor">
-            <a:schemeClr val="tx1"/>
-          </a:fontRef>
-        </p:style>
-      </p:cxnSp>
       <p:sp>
         <p:nvSpPr>
           <p:cNvPr id="2" name="标题 1"/>
@@ -8469,21 +8687,14 @@
             <p:ph type="title"/>
           </p:nvPr>
         </p:nvSpPr>
-        <p:spPr>
-          <a:xfrm>
-            <a:off x="4965430" y="629268"/>
-            <a:ext cx="6586491" cy="1286160"/>
-          </a:xfrm>
-        </p:spPr>
-        <p:txBody>
-          <a:bodyPr anchor="b">
-            <a:normAutofit/>
-          </a:bodyPr>
-          <a:lstStyle/>
-          <a:p>
-            <a:r>
-              <a:rPr lang="zh-CN" altLang="en-US" dirty="0"/>
-              <a:t>磁盘结构</a:t>
+        <p:spPr/>
+        <p:txBody>
+          <a:bodyPr/>
+          <a:lstStyle/>
+          <a:p>
+            <a:r>
+              <a:rPr lang="zh-CN" altLang="en-US" dirty="0"/>
+              <a:t>最佳实践</a:t>
             </a:r>
             <a:r>
               <a:rPr lang="en-US" altLang="zh-CN" dirty="0"/>
@@ -8491,14 +8702,14 @@
             </a:r>
             <a:r>
               <a:rPr lang="zh-CN" altLang="en-US" dirty="0"/>
-              <a:t>元数据表</a:t>
-            </a:r>
-          </a:p>
-        </p:txBody>
-      </p:sp>
-      <p:sp>
-        <p:nvSpPr>
-          <p:cNvPr id="10" name="Content Placeholder 9"/>
+              <a:t>其他</a:t>
+            </a:r>
+          </a:p>
+        </p:txBody>
+      </p:sp>
+      <p:sp>
+        <p:nvSpPr>
+          <p:cNvPr id="3" name="内容占位符 2"/>
           <p:cNvSpPr>
             <a:spLocks noGrp="1"/>
           </p:cNvSpPr>
@@ -8506,123 +8717,252 @@
             <p:ph idx="1"/>
           </p:nvPr>
         </p:nvSpPr>
-        <p:spPr>
-          <a:xfrm>
-            <a:off x="4965431" y="2438400"/>
-            <a:ext cx="6586489" cy="3785419"/>
-          </a:xfrm>
-        </p:spPr>
+        <p:spPr/>
         <p:txBody>
           <a:bodyPr>
-            <a:normAutofit/>
+            <a:normAutofit lnSpcReduction="10000"/>
           </a:bodyPr>
           <a:lstStyle/>
           <a:p>
             <a:r>
-              <a:rPr lang="zh-CN" altLang="en-US" sz="2000" dirty="0"/>
-              <a:t>元数据以关系数据库形式相互联系</a:t>
-            </a:r>
-            <a:endParaRPr lang="en-US" altLang="zh-CN" sz="2000" dirty="0"/>
-          </a:p>
-          <a:p>
-            <a:r>
-              <a:rPr lang="zh-CN" altLang="en-US" sz="2000" dirty="0"/>
-              <a:t>位于</a:t>
-            </a:r>
-            <a:r>
-              <a:rPr lang="en-US" altLang="zh-CN" sz="2000" dirty="0" err="1"/>
-              <a:t>.Net</a:t>
-            </a:r>
-            <a:r>
-              <a:rPr lang="zh-CN" altLang="en-US" sz="2000" dirty="0"/>
-              <a:t>程序</a:t>
-            </a:r>
-            <a:r>
-              <a:rPr lang="en-US" altLang="zh-CN" sz="2000" dirty="0"/>
-              <a:t>PE</a:t>
-            </a:r>
-            <a:r>
-              <a:rPr lang="zh-CN" altLang="en-US" sz="2000" dirty="0"/>
-              <a:t>文件的</a:t>
-            </a:r>
-            <a:r>
-              <a:rPr lang="en-US" altLang="zh-CN" sz="2000" dirty="0"/>
-              <a:t>#~</a:t>
-            </a:r>
-            <a:r>
-              <a:rPr lang="zh-CN" altLang="en-US" sz="2000" dirty="0"/>
-              <a:t>或</a:t>
-            </a:r>
-            <a:r>
-              <a:rPr lang="en-US" altLang="zh-CN" sz="2000" dirty="0"/>
-              <a:t>#-</a:t>
-            </a:r>
-            <a:r>
-              <a:rPr lang="zh-CN" altLang="en-US" sz="2000" dirty="0"/>
-              <a:t>流中</a:t>
-            </a:r>
-            <a:endParaRPr lang="en-US" altLang="zh-CN" sz="2000" dirty="0"/>
-          </a:p>
-          <a:p>
-            <a:r>
-              <a:rPr lang="zh-CN" altLang="en-US" sz="2000" dirty="0"/>
-              <a:t>最多由</a:t>
-            </a:r>
-            <a:r>
-              <a:rPr lang="en-US" altLang="zh-CN" sz="2000" dirty="0"/>
-              <a:t>45</a:t>
-            </a:r>
-            <a:r>
-              <a:rPr lang="zh-CN" altLang="en-US" sz="2000" dirty="0"/>
-              <a:t>个表组成。一个</a:t>
-            </a:r>
-            <a:r>
-              <a:rPr lang="en-US" altLang="zh-CN" sz="2000" dirty="0"/>
-              <a:t>64</a:t>
-            </a:r>
-            <a:r>
-              <a:rPr lang="zh-CN" altLang="en-US" sz="2000" dirty="0"/>
-              <a:t>位的位图被用于标记某个表是否存在</a:t>
-            </a:r>
-            <a:endParaRPr lang="en-US" altLang="zh-CN" sz="2000" dirty="0"/>
-          </a:p>
-          <a:p>
-            <a:r>
-              <a:rPr lang="zh-CN" altLang="en-US" sz="2000" dirty="0"/>
-              <a:t>表的划分尽可能细碎，因此具有很好的复用性</a:t>
-            </a:r>
-            <a:endParaRPr lang="en-US" sz="2000" dirty="0"/>
-          </a:p>
-        </p:txBody>
-      </p:sp>
-      <p:pic>
-        <p:nvPicPr>
-          <p:cNvPr id="6" name="图片 5"/>
-          <p:cNvPicPr>
-            <a:picLocks noChangeAspect="1"/>
-          </p:cNvPicPr>
-          <p:nvPr/>
-        </p:nvPicPr>
-        <p:blipFill>
-          <a:blip r:embed="rId2"/>
-          <a:stretch>
-            <a:fillRect/>
-          </a:stretch>
-        </p:blipFill>
-        <p:spPr>
-          <a:xfrm>
-            <a:off x="376788" y="989045"/>
-            <a:ext cx="4388433" cy="5234774"/>
-          </a:xfrm>
-          <a:prstGeom prst="rect">
-            <a:avLst/>
-          </a:prstGeom>
-        </p:spPr>
-      </p:pic>
+              <a:rPr lang="zh-CN" altLang="en-US" dirty="0"/>
+              <a:t>缓存</a:t>
+            </a:r>
+            <a:r>
+              <a:rPr lang="en-US" altLang="zh-CN" dirty="0" err="1"/>
+              <a:t>MemberInfo</a:t>
+            </a:r>
+            <a:endParaRPr lang="en-US" altLang="zh-CN" dirty="0"/>
+          </a:p>
+          <a:p>
+            <a:pPr marL="457200" lvl="1" indent="0">
+              <a:buNone/>
+            </a:pPr>
+            <a:r>
+              <a:rPr lang="zh-CN" altLang="en-US" sz="1800" dirty="0">
+                <a:latin typeface="微软雅黑 Light" panose="020B0502040204020203" pitchFamily="34" charset="-122"/>
+                <a:ea typeface="微软雅黑 Light" panose="020B0502040204020203" pitchFamily="34" charset="-122"/>
+              </a:rPr>
+              <a:t>反射性能低下主要有三个原因：</a:t>
+            </a:r>
+            <a:r>
+              <a:rPr lang="en-US" altLang="zh-CN" sz="1800" dirty="0" err="1">
+                <a:latin typeface="微软雅黑 Light" panose="020B0502040204020203" pitchFamily="34" charset="-122"/>
+                <a:ea typeface="微软雅黑 Light" panose="020B0502040204020203" pitchFamily="34" charset="-122"/>
+              </a:rPr>
+              <a:t>EEClass</a:t>
+            </a:r>
+            <a:r>
+              <a:rPr lang="zh-CN" altLang="en-US" sz="1800" dirty="0">
+                <a:latin typeface="微软雅黑 Light" panose="020B0502040204020203" pitchFamily="34" charset="-122"/>
+                <a:ea typeface="微软雅黑 Light" panose="020B0502040204020203" pitchFamily="34" charset="-122"/>
+              </a:rPr>
+              <a:t>检索慢于编译器生成的地址代换，检索到的数据需要生成</a:t>
+            </a:r>
+            <a:r>
+              <a:rPr lang="en-US" altLang="zh-CN" sz="1800" dirty="0" err="1">
+                <a:latin typeface="微软雅黑 Light" panose="020B0502040204020203" pitchFamily="34" charset="-122"/>
+                <a:ea typeface="微软雅黑 Light" panose="020B0502040204020203" pitchFamily="34" charset="-122"/>
+              </a:rPr>
+              <a:t>MemberInfo</a:t>
+            </a:r>
+            <a:r>
+              <a:rPr lang="zh-CN" altLang="en-US" sz="1800" dirty="0">
+                <a:latin typeface="微软雅黑 Light" panose="020B0502040204020203" pitchFamily="34" charset="-122"/>
+                <a:ea typeface="微软雅黑 Light" panose="020B0502040204020203" pitchFamily="34" charset="-122"/>
+              </a:rPr>
+              <a:t>对象，访问</a:t>
+            </a:r>
+            <a:r>
+              <a:rPr lang="en-US" altLang="zh-CN" sz="1800" dirty="0" err="1">
+                <a:latin typeface="微软雅黑 Light" panose="020B0502040204020203" pitchFamily="34" charset="-122"/>
+                <a:ea typeface="微软雅黑 Light" panose="020B0502040204020203" pitchFamily="34" charset="-122"/>
+              </a:rPr>
+              <a:t>MemberInfo</a:t>
+            </a:r>
+            <a:r>
+              <a:rPr lang="zh-CN" altLang="en-US" sz="1800" dirty="0">
+                <a:latin typeface="微软雅黑 Light" panose="020B0502040204020203" pitchFamily="34" charset="-122"/>
+                <a:ea typeface="微软雅黑 Light" panose="020B0502040204020203" pitchFamily="34" charset="-122"/>
+              </a:rPr>
+              <a:t>对象需要动态绑定。使用反射式缓存</a:t>
+            </a:r>
+            <a:r>
+              <a:rPr lang="en-US" altLang="zh-CN" sz="1800" dirty="0" err="1">
+                <a:latin typeface="微软雅黑 Light" panose="020B0502040204020203" pitchFamily="34" charset="-122"/>
+                <a:ea typeface="微软雅黑 Light" panose="020B0502040204020203" pitchFamily="34" charset="-122"/>
+              </a:rPr>
+              <a:t>MemberInfo</a:t>
+            </a:r>
+            <a:r>
+              <a:rPr lang="zh-CN" altLang="en-US" sz="1800" dirty="0">
+                <a:latin typeface="微软雅黑 Light" panose="020B0502040204020203" pitchFamily="34" charset="-122"/>
+                <a:ea typeface="微软雅黑 Light" panose="020B0502040204020203" pitchFamily="34" charset="-122"/>
+              </a:rPr>
+              <a:t>，前两个问题都能迎刃而解</a:t>
+            </a:r>
+          </a:p>
+          <a:p>
+            <a:r>
+              <a:rPr lang="zh-CN" altLang="en-US" dirty="0"/>
+              <a:t>为集合预分配容量</a:t>
+            </a:r>
+            <a:endParaRPr lang="en-US" altLang="zh-CN" dirty="0"/>
+          </a:p>
+          <a:p>
+            <a:pPr marL="457200" lvl="1" indent="0">
+              <a:buNone/>
+            </a:pPr>
+            <a:r>
+              <a:rPr lang="zh-CN" altLang="en-US" sz="1800" dirty="0">
+                <a:latin typeface="微软雅黑 Light" panose="020B0502040204020203" pitchFamily="34" charset="-122"/>
+                <a:ea typeface="微软雅黑 Light" panose="020B0502040204020203" pitchFamily="34" charset="-122"/>
+              </a:rPr>
+              <a:t>集合拥有积极扩张的内存分配策略，预估集合容量并进行预分配非但有助于减少重分配次数，而且通常能够节约内存</a:t>
+            </a:r>
+            <a:endParaRPr lang="en-US" altLang="zh-CN" sz="1800" dirty="0">
+              <a:latin typeface="微软雅黑 Light" panose="020B0502040204020203" pitchFamily="34" charset="-122"/>
+              <a:ea typeface="微软雅黑 Light" panose="020B0502040204020203" pitchFamily="34" charset="-122"/>
+            </a:endParaRPr>
+          </a:p>
+          <a:p>
+            <a:r>
+              <a:rPr lang="zh-CN" altLang="en-US" dirty="0"/>
+              <a:t>重写</a:t>
+            </a:r>
+            <a:r>
+              <a:rPr lang="en-US" altLang="zh-CN" dirty="0"/>
+              <a:t>Equals</a:t>
+            </a:r>
+            <a:r>
+              <a:rPr lang="zh-CN" altLang="en-US" dirty="0"/>
+              <a:t>方法和</a:t>
+            </a:r>
+            <a:r>
+              <a:rPr lang="en-US" altLang="zh-CN" dirty="0" err="1"/>
+              <a:t>GetHashCode</a:t>
+            </a:r>
+            <a:r>
+              <a:rPr lang="zh-CN" altLang="en-US" dirty="0"/>
+              <a:t>方法</a:t>
+            </a:r>
+            <a:endParaRPr lang="en-US" altLang="zh-CN" dirty="0"/>
+          </a:p>
+          <a:p>
+            <a:pPr marL="457200" lvl="1" indent="0">
+              <a:buNone/>
+            </a:pPr>
+            <a:r>
+              <a:rPr lang="zh-CN" altLang="en-US" sz="1800" dirty="0">
+                <a:latin typeface="微软雅黑 Light" panose="020B0502040204020203" pitchFamily="34" charset="-122"/>
+                <a:ea typeface="微软雅黑 Light" panose="020B0502040204020203" pitchFamily="34" charset="-122"/>
+              </a:rPr>
+              <a:t>引用类型的上述方法默认实现使用反射</a:t>
+            </a:r>
+            <a:r>
+              <a:rPr lang="zh-CN" altLang="en-US" dirty="0"/>
+              <a:t>坚持建立文档化注释</a:t>
+            </a:r>
+            <a:endParaRPr lang="en-US" altLang="zh-CN" dirty="0"/>
+          </a:p>
+          <a:p>
+            <a:pPr marL="457200" lvl="1" indent="0">
+              <a:buNone/>
+            </a:pPr>
+            <a:r>
+              <a:rPr lang="zh-CN" altLang="en-US" sz="1800" dirty="0">
+                <a:latin typeface="微软雅黑 Light" panose="020B0502040204020203" pitchFamily="34" charset="-122"/>
+                <a:ea typeface="微软雅黑 Light" panose="020B0502040204020203" pitchFamily="34" charset="-122"/>
+              </a:rPr>
+              <a:t>从</a:t>
+            </a:r>
+            <a:r>
+              <a:rPr lang="en-US" altLang="zh-CN" sz="1800" dirty="0">
+                <a:latin typeface="微软雅黑 Light" panose="020B0502040204020203" pitchFamily="34" charset="-122"/>
+                <a:ea typeface="微软雅黑 Light" panose="020B0502040204020203" pitchFamily="34" charset="-122"/>
+              </a:rPr>
+              <a:t>VisualStudio</a:t>
+            </a:r>
+            <a:r>
+              <a:rPr lang="zh-CN" altLang="en-US" sz="1800" dirty="0">
+                <a:latin typeface="微软雅黑 Light" panose="020B0502040204020203" pitchFamily="34" charset="-122"/>
+                <a:ea typeface="微软雅黑 Light" panose="020B0502040204020203" pitchFamily="34" charset="-122"/>
+              </a:rPr>
+              <a:t>到</a:t>
+            </a:r>
+            <a:r>
+              <a:rPr lang="en-US" altLang="zh-CN" sz="1800" dirty="0" err="1">
+                <a:latin typeface="微软雅黑 Light" panose="020B0502040204020203" pitchFamily="34" charset="-122"/>
+                <a:ea typeface="微软雅黑 Light" panose="020B0502040204020203" pitchFamily="34" charset="-122"/>
+              </a:rPr>
+              <a:t>Resharper</a:t>
+            </a:r>
+            <a:r>
+              <a:rPr lang="zh-CN" altLang="en-US" sz="1800" dirty="0">
+                <a:latin typeface="微软雅黑 Light" panose="020B0502040204020203" pitchFamily="34" charset="-122"/>
+                <a:ea typeface="微软雅黑 Light" panose="020B0502040204020203" pitchFamily="34" charset="-122"/>
+              </a:rPr>
+              <a:t>，对类与方法的描述都来自文档化注释。</a:t>
+            </a:r>
+            <a:endParaRPr lang="en-US" altLang="zh-CN" dirty="0"/>
+          </a:p>
+          <a:p>
+            <a:r>
+              <a:rPr lang="zh-CN" altLang="en-US" dirty="0"/>
+              <a:t>较小的集合不应使用有键集合</a:t>
+            </a:r>
+            <a:endParaRPr lang="en-US" altLang="zh-CN" dirty="0"/>
+          </a:p>
+          <a:p>
+            <a:pPr marL="457200" lvl="1" indent="0">
+              <a:buNone/>
+            </a:pPr>
+            <a:r>
+              <a:rPr lang="zh-CN" altLang="en-US" sz="1800" dirty="0">
+                <a:latin typeface="微软雅黑 Light" panose="020B0502040204020203" pitchFamily="34" charset="-122"/>
+                <a:ea typeface="微软雅黑 Light" panose="020B0502040204020203" pitchFamily="34" charset="-122"/>
+              </a:rPr>
+              <a:t>有键集合需要额外的空间。举例来说，一个空的</a:t>
+            </a:r>
+            <a:r>
+              <a:rPr lang="en-US" altLang="zh-CN" sz="1800" dirty="0">
+                <a:latin typeface="微软雅黑 Light" panose="020B0502040204020203" pitchFamily="34" charset="-122"/>
+                <a:ea typeface="微软雅黑 Light" panose="020B0502040204020203" pitchFamily="34" charset="-122"/>
+              </a:rPr>
+              <a:t>Dictionary</a:t>
+            </a:r>
+            <a:r>
+              <a:rPr lang="zh-CN" altLang="en-US" sz="1800" dirty="0">
+                <a:latin typeface="微软雅黑 Light" panose="020B0502040204020203" pitchFamily="34" charset="-122"/>
+                <a:ea typeface="微软雅黑 Light" panose="020B0502040204020203" pitchFamily="34" charset="-122"/>
+              </a:rPr>
+              <a:t>也会消耗</a:t>
+            </a:r>
+            <a:r>
+              <a:rPr lang="en-US" altLang="zh-CN" sz="1800" dirty="0">
+                <a:latin typeface="微软雅黑 Light" panose="020B0502040204020203" pitchFamily="34" charset="-122"/>
+                <a:ea typeface="微软雅黑 Light" panose="020B0502040204020203" pitchFamily="34" charset="-122"/>
+              </a:rPr>
+              <a:t>12</a:t>
+            </a:r>
+            <a:r>
+              <a:rPr lang="zh-CN" altLang="en-US" sz="1800" dirty="0">
+                <a:latin typeface="微软雅黑 Light" panose="020B0502040204020203" pitchFamily="34" charset="-122"/>
+                <a:ea typeface="微软雅黑 Light" panose="020B0502040204020203" pitchFamily="34" charset="-122"/>
+              </a:rPr>
+              <a:t>字节的空间。</a:t>
+            </a:r>
+            <a:endParaRPr lang="en-US" altLang="zh-CN" sz="1800" dirty="0">
+              <a:latin typeface="微软雅黑 Light" panose="020B0502040204020203" pitchFamily="34" charset="-122"/>
+              <a:ea typeface="微软雅黑 Light" panose="020B0502040204020203" pitchFamily="34" charset="-122"/>
+            </a:endParaRPr>
+          </a:p>
+        </p:txBody>
+      </p:sp>
     </p:spTree>
     <p:extLst>
       <p:ext uri="{BB962C8B-B14F-4D97-AF65-F5344CB8AC3E}">
-        <p14:creationId xmlns:p14="http://schemas.microsoft.com/office/powerpoint/2010/main" val="2228930917"/>
+        <p14:creationId xmlns:p14="http://schemas.microsoft.com/office/powerpoint/2010/main" val="1948017904"/>
       </p:ext>
     </p:extLst>
   </p:cSld>
@@ -8888,6 +9228,611 @@
           <a:p>
             <a:r>
               <a:rPr lang="zh-CN" altLang="en-US" dirty="0"/>
+              <a:t>最佳实践</a:t>
+            </a:r>
+            <a:r>
+              <a:rPr lang="en-US" altLang="zh-CN" dirty="0"/>
+              <a:t>/</a:t>
+            </a:r>
+            <a:r>
+              <a:rPr lang="zh-CN" altLang="en-US" dirty="0"/>
+              <a:t>其他</a:t>
+            </a:r>
+          </a:p>
+        </p:txBody>
+      </p:sp>
+      <p:sp>
+        <p:nvSpPr>
+          <p:cNvPr id="3" name="内容占位符 2"/>
+          <p:cNvSpPr>
+            <a:spLocks noGrp="1"/>
+          </p:cNvSpPr>
+          <p:nvPr>
+            <p:ph idx="1"/>
+          </p:nvPr>
+        </p:nvSpPr>
+        <p:spPr/>
+        <p:txBody>
+          <a:bodyPr>
+            <a:normAutofit/>
+          </a:bodyPr>
+          <a:lstStyle/>
+          <a:p>
+            <a:r>
+              <a:rPr lang="zh-CN" altLang="en-US" dirty="0"/>
+              <a:t>枚举类型不宜作为键使用</a:t>
+            </a:r>
+            <a:endParaRPr lang="en-US" altLang="zh-CN" dirty="0"/>
+          </a:p>
+          <a:p>
+            <a:pPr marL="457200" lvl="1" indent="0">
+              <a:buNone/>
+            </a:pPr>
+            <a:r>
+              <a:rPr lang="zh-CN" altLang="en-US" sz="1800" dirty="0">
+                <a:latin typeface="微软雅黑 Light" panose="020B0502040204020203" pitchFamily="34" charset="-122"/>
+                <a:ea typeface="微软雅黑 Light" panose="020B0502040204020203" pitchFamily="34" charset="-122"/>
+              </a:rPr>
+              <a:t>枚举是值类型，而且你无法重写它的</a:t>
+            </a:r>
+            <a:r>
+              <a:rPr lang="en-US" altLang="zh-CN" sz="1800" dirty="0" err="1">
+                <a:latin typeface="微软雅黑 Light" panose="020B0502040204020203" pitchFamily="34" charset="-122"/>
+                <a:ea typeface="微软雅黑 Light" panose="020B0502040204020203" pitchFamily="34" charset="-122"/>
+              </a:rPr>
+              <a:t>GetHashCode</a:t>
+            </a:r>
+            <a:r>
+              <a:rPr lang="zh-CN" altLang="en-US" sz="1800" dirty="0">
+                <a:latin typeface="微软雅黑 Light" panose="020B0502040204020203" pitchFamily="34" charset="-122"/>
+                <a:ea typeface="微软雅黑 Light" panose="020B0502040204020203" pitchFamily="34" charset="-122"/>
+              </a:rPr>
+              <a:t>方法</a:t>
+            </a:r>
+            <a:endParaRPr lang="en-US" altLang="zh-CN" sz="1800" dirty="0">
+              <a:latin typeface="微软雅黑 Light" panose="020B0502040204020203" pitchFamily="34" charset="-122"/>
+              <a:ea typeface="微软雅黑 Light" panose="020B0502040204020203" pitchFamily="34" charset="-122"/>
+            </a:endParaRPr>
+          </a:p>
+          <a:p>
+            <a:r>
+              <a:rPr lang="zh-CN" altLang="en-US" dirty="0"/>
+              <a:t>谨慎传递结构体</a:t>
+            </a:r>
+            <a:endParaRPr lang="en-US" altLang="zh-CN" dirty="0"/>
+          </a:p>
+          <a:p>
+            <a:pPr marL="457200" lvl="1" indent="0">
+              <a:buNone/>
+            </a:pPr>
+            <a:r>
+              <a:rPr lang="zh-CN" altLang="en-US" sz="1800" dirty="0">
+                <a:latin typeface="微软雅黑 Light" panose="020B0502040204020203" pitchFamily="34" charset="-122"/>
+                <a:ea typeface="微软雅黑 Light" panose="020B0502040204020203" pitchFamily="34" charset="-122"/>
+              </a:rPr>
+              <a:t>别忘了结构体是值类型哦。使用</a:t>
+            </a:r>
+            <a:r>
+              <a:rPr lang="en-US" altLang="zh-CN" sz="1800" dirty="0">
+                <a:latin typeface="微软雅黑 Light" panose="020B0502040204020203" pitchFamily="34" charset="-122"/>
+                <a:ea typeface="微软雅黑 Light" panose="020B0502040204020203" pitchFamily="34" charset="-122"/>
+              </a:rPr>
+              <a:t>ref</a:t>
+            </a:r>
+            <a:r>
+              <a:rPr lang="zh-CN" altLang="en-US" sz="1800" dirty="0">
+                <a:latin typeface="微软雅黑 Light" panose="020B0502040204020203" pitchFamily="34" charset="-122"/>
+                <a:ea typeface="微软雅黑 Light" panose="020B0502040204020203" pitchFamily="34" charset="-122"/>
+              </a:rPr>
+              <a:t>传递作为参数的结构体</a:t>
+            </a:r>
+            <a:endParaRPr lang="en-US" altLang="zh-CN" sz="1800" dirty="0">
+              <a:latin typeface="微软雅黑 Light" panose="020B0502040204020203" pitchFamily="34" charset="-122"/>
+              <a:ea typeface="微软雅黑 Light" panose="020B0502040204020203" pitchFamily="34" charset="-122"/>
+            </a:endParaRPr>
+          </a:p>
+          <a:p>
+            <a:r>
+              <a:rPr lang="zh-CN" altLang="en-US" dirty="0"/>
+              <a:t>使用枚举而非常量</a:t>
+            </a:r>
+            <a:endParaRPr lang="en-US" altLang="zh-CN" dirty="0"/>
+          </a:p>
+          <a:p>
+            <a:pPr marL="457200" lvl="1" indent="0">
+              <a:buNone/>
+            </a:pPr>
+            <a:r>
+              <a:rPr lang="zh-CN" altLang="en-US" sz="1800" dirty="0">
+                <a:latin typeface="微软雅黑 Light" panose="020B0502040204020203" pitchFamily="34" charset="-122"/>
+                <a:ea typeface="微软雅黑 Light" panose="020B0502040204020203" pitchFamily="34" charset="-122"/>
+              </a:rPr>
+              <a:t>枚举明确地指出了其内容的约束，且拥有更完备的工具支持</a:t>
+            </a:r>
+            <a:endParaRPr lang="en-US" altLang="zh-CN" sz="1800" dirty="0">
+              <a:latin typeface="微软雅黑 Light" panose="020B0502040204020203" pitchFamily="34" charset="-122"/>
+              <a:ea typeface="微软雅黑 Light" panose="020B0502040204020203" pitchFamily="34" charset="-122"/>
+            </a:endParaRPr>
+          </a:p>
+          <a:p>
+            <a:r>
+              <a:rPr lang="zh-CN" altLang="en-US" dirty="0"/>
+              <a:t>慎重对待闭包</a:t>
+            </a:r>
+            <a:endParaRPr lang="en-US" altLang="zh-CN" dirty="0"/>
+          </a:p>
+          <a:p>
+            <a:pPr marL="457200" lvl="1" indent="0">
+              <a:buNone/>
+            </a:pPr>
+            <a:r>
+              <a:rPr lang="zh-CN" altLang="en-US" sz="1800" dirty="0">
+                <a:latin typeface="微软雅黑 Light" panose="020B0502040204020203" pitchFamily="34" charset="-122"/>
+                <a:ea typeface="微软雅黑 Light" panose="020B0502040204020203" pitchFamily="34" charset="-122"/>
+              </a:rPr>
+              <a:t>状态的延续站在内存的肩膀上</a:t>
+            </a:r>
+            <a:endParaRPr lang="en-US" altLang="zh-CN" sz="1800" dirty="0">
+              <a:latin typeface="微软雅黑 Light" panose="020B0502040204020203" pitchFamily="34" charset="-122"/>
+              <a:ea typeface="微软雅黑 Light" panose="020B0502040204020203" pitchFamily="34" charset="-122"/>
+            </a:endParaRPr>
+          </a:p>
+          <a:p>
+            <a:r>
+              <a:rPr lang="zh-CN" altLang="en-US" dirty="0"/>
+              <a:t>编译重复使用的正则表达式</a:t>
+            </a:r>
+            <a:endParaRPr lang="en-US" altLang="zh-CN" dirty="0"/>
+          </a:p>
+          <a:p>
+            <a:pPr marL="457200" lvl="1" indent="0">
+              <a:buNone/>
+            </a:pPr>
+            <a:r>
+              <a:rPr lang="zh-CN" altLang="en-US" sz="1800" dirty="0">
+                <a:latin typeface="微软雅黑 Light" panose="020B0502040204020203" pitchFamily="34" charset="-122"/>
+                <a:ea typeface="微软雅黑 Light" panose="020B0502040204020203" pitchFamily="34" charset="-122"/>
+              </a:rPr>
+              <a:t>将字符串编译为自动机往往要比匹配消耗更多时间</a:t>
+            </a:r>
+            <a:endParaRPr lang="en-US" altLang="zh-CN" sz="1800" dirty="0">
+              <a:latin typeface="微软雅黑 Light" panose="020B0502040204020203" pitchFamily="34" charset="-122"/>
+              <a:ea typeface="微软雅黑 Light" panose="020B0502040204020203" pitchFamily="34" charset="-122"/>
+            </a:endParaRPr>
+          </a:p>
+          <a:p>
+            <a:pPr marL="457200" lvl="1" indent="0">
+              <a:buNone/>
+            </a:pPr>
+            <a:endParaRPr lang="zh-CN" altLang="en-US" sz="1800" dirty="0">
+              <a:latin typeface="微软雅黑 Light" panose="020B0502040204020203" pitchFamily="34" charset="-122"/>
+              <a:ea typeface="微软雅黑 Light" panose="020B0502040204020203" pitchFamily="34" charset="-122"/>
+            </a:endParaRPr>
+          </a:p>
+        </p:txBody>
+      </p:sp>
+    </p:spTree>
+    <p:extLst>
+      <p:ext uri="{BB962C8B-B14F-4D97-AF65-F5344CB8AC3E}">
+        <p14:creationId xmlns:p14="http://schemas.microsoft.com/office/powerpoint/2010/main" val="4131926382"/>
+      </p:ext>
+    </p:extLst>
+  </p:cSld>
+  <p:clrMapOvr>
+    <a:masterClrMapping/>
+  </p:clrMapOvr>
+</p:sld>
+</file>
+
+<file path=ppt/slides/slide31.xml><?xml version="1.0" encoding="utf-8"?>
+<p:sld xmlns:a="http://schemas.openxmlformats.org/drawingml/2006/main" xmlns:r="http://schemas.openxmlformats.org/officeDocument/2006/relationships" xmlns:p="http://schemas.openxmlformats.org/presentationml/2006/main">
+  <p:cSld>
+    <p:spTree>
+      <p:nvGrpSpPr>
+        <p:cNvPr id="1" name=""/>
+        <p:cNvGrpSpPr/>
+        <p:nvPr/>
+      </p:nvGrpSpPr>
+      <p:grpSpPr>
+        <a:xfrm>
+          <a:off x="0" y="0"/>
+          <a:ext cx="0" cy="0"/>
+          <a:chOff x="0" y="0"/>
+          <a:chExt cx="0" cy="0"/>
+        </a:xfrm>
+      </p:grpSpPr>
+      <p:sp>
+        <p:nvSpPr>
+          <p:cNvPr id="2" name="标题 1"/>
+          <p:cNvSpPr>
+            <a:spLocks noGrp="1"/>
+          </p:cNvSpPr>
+          <p:nvPr>
+            <p:ph type="title"/>
+          </p:nvPr>
+        </p:nvSpPr>
+        <p:spPr/>
+        <p:txBody>
+          <a:bodyPr/>
+          <a:lstStyle/>
+          <a:p>
+            <a:r>
+              <a:rPr lang="zh-CN" altLang="en-US" dirty="0"/>
+              <a:t>磁盘结构</a:t>
+            </a:r>
+            <a:r>
+              <a:rPr lang="en-US" altLang="zh-CN" dirty="0"/>
+              <a:t>/</a:t>
+            </a:r>
+            <a:r>
+              <a:rPr lang="zh-CN" altLang="en-US" dirty="0"/>
+              <a:t>数据流</a:t>
+            </a:r>
+          </a:p>
+        </p:txBody>
+      </p:sp>
+      <p:sp>
+        <p:nvSpPr>
+          <p:cNvPr id="3" name="内容占位符 2"/>
+          <p:cNvSpPr>
+            <a:spLocks noGrp="1"/>
+          </p:cNvSpPr>
+          <p:nvPr>
+            <p:ph idx="1"/>
+          </p:nvPr>
+        </p:nvSpPr>
+        <p:spPr/>
+        <p:txBody>
+          <a:bodyPr>
+            <a:normAutofit/>
+          </a:bodyPr>
+          <a:lstStyle/>
+          <a:p>
+            <a:r>
+              <a:rPr lang="zh-CN" altLang="en-US" dirty="0"/>
+              <a:t> **</a:t>
+            </a:r>
+            <a:r>
+              <a:rPr lang="en-US" altLang="zh-CN" dirty="0"/>
+              <a:t>#~/#-** 	</a:t>
+            </a:r>
+            <a:r>
+              <a:rPr lang="zh-CN" altLang="en-US" dirty="0"/>
+              <a:t>元数据库</a:t>
+            </a:r>
+            <a:endParaRPr lang="en-US" altLang="zh-CN" dirty="0"/>
+          </a:p>
+          <a:p>
+            <a:r>
+              <a:rPr lang="en-US" altLang="zh-CN" dirty="0"/>
+              <a:t> **#Strings**  	</a:t>
+            </a:r>
+            <a:r>
+              <a:rPr lang="zh-CN" altLang="en-US" dirty="0"/>
+              <a:t>元数据表中使用的字符串池。</a:t>
+            </a:r>
+          </a:p>
+          <a:p>
+            <a:r>
+              <a:rPr lang="en-US" altLang="zh-CN" dirty="0"/>
+              <a:t> **#US**       	</a:t>
+            </a:r>
+            <a:r>
+              <a:rPr lang="zh-CN" altLang="en-US" dirty="0"/>
+              <a:t>用户字符串池。</a:t>
+            </a:r>
+          </a:p>
+          <a:p>
+            <a:r>
+              <a:rPr lang="en-US" altLang="zh-CN" dirty="0"/>
+              <a:t> **#Blob**     	</a:t>
+            </a:r>
+            <a:r>
+              <a:rPr lang="zh-CN" altLang="en-US" dirty="0"/>
+              <a:t>无模式数据。</a:t>
+            </a:r>
+            <a:endParaRPr lang="en-US" altLang="zh-CN" dirty="0"/>
+          </a:p>
+          <a:p>
+            <a:r>
+              <a:rPr lang="en-US" altLang="zh-CN" dirty="0"/>
+              <a:t> **#GUID**     	</a:t>
+            </a:r>
+            <a:r>
+              <a:rPr lang="zh-CN" altLang="en-US" dirty="0"/>
+              <a:t>包含元数据使用的全局唯一</a:t>
+            </a:r>
+            <a:r>
+              <a:rPr lang="en-US" altLang="zh-CN" dirty="0"/>
+              <a:t>id</a:t>
+            </a:r>
+            <a:r>
+              <a:rPr lang="zh-CN" altLang="en-US" dirty="0"/>
+              <a:t>信息。</a:t>
+            </a:r>
+          </a:p>
+        </p:txBody>
+      </p:sp>
+    </p:spTree>
+    <p:extLst>
+      <p:ext uri="{BB962C8B-B14F-4D97-AF65-F5344CB8AC3E}">
+        <p14:creationId xmlns:p14="http://schemas.microsoft.com/office/powerpoint/2010/main" val="3143806048"/>
+      </p:ext>
+    </p:extLst>
+  </p:cSld>
+  <p:clrMapOvr>
+    <a:masterClrMapping/>
+  </p:clrMapOvr>
+</p:sld>
+</file>
+
+<file path=ppt/slides/slide32.xml><?xml version="1.0" encoding="utf-8"?>
+<p:sld xmlns:a="http://schemas.openxmlformats.org/drawingml/2006/main" xmlns:r="http://schemas.openxmlformats.org/officeDocument/2006/relationships" xmlns:p="http://schemas.openxmlformats.org/presentationml/2006/main">
+  <p:cSld>
+    <p:spTree>
+      <p:nvGrpSpPr>
+        <p:cNvPr id="1" name=""/>
+        <p:cNvGrpSpPr/>
+        <p:nvPr/>
+      </p:nvGrpSpPr>
+      <p:grpSpPr>
+        <a:xfrm>
+          <a:off x="0" y="0"/>
+          <a:ext cx="0" cy="0"/>
+          <a:chOff x="0" y="0"/>
+          <a:chExt cx="0" cy="0"/>
+        </a:xfrm>
+      </p:grpSpPr>
+      <p:cxnSp>
+        <p:nvCxnSpPr>
+          <p:cNvPr id="12" name="Straight Connector 11"/>
+          <p:cNvCxnSpPr>
+            <a:cxnSpLocks noGrp="1" noRot="1" noChangeAspect="1" noMove="1" noResize="1" noEditPoints="1" noAdjustHandles="1" noChangeArrowheads="1" noChangeShapeType="1"/>
+          </p:cNvCxnSpPr>
+          <p:nvPr>
+            <p:extLst>
+              <p:ext uri="{386F3935-93C4-4BCD-93E2-E3B085C9AB24}">
+                <p16:designElem xmlns:p16="http://schemas.microsoft.com/office/powerpoint/2015/main" val="1"/>
+              </p:ext>
+            </p:extLst>
+          </p:nvPr>
+        </p:nvCxnSpPr>
+        <p:spPr>
+          <a:xfrm>
+            <a:off x="5080934" y="2115117"/>
+            <a:ext cx="6309360" cy="0"/>
+          </a:xfrm>
+          <a:prstGeom prst="line">
+            <a:avLst/>
+          </a:prstGeom>
+          <a:ln>
+            <a:solidFill>
+              <a:srgbClr val="4A698A"/>
+            </a:solidFill>
+          </a:ln>
+        </p:spPr>
+        <p:style>
+          <a:lnRef idx="1">
+            <a:schemeClr val="accent1"/>
+          </a:lnRef>
+          <a:fillRef idx="0">
+            <a:schemeClr val="accent1"/>
+          </a:fillRef>
+          <a:effectRef idx="0">
+            <a:schemeClr val="accent1"/>
+          </a:effectRef>
+          <a:fontRef idx="minor">
+            <a:schemeClr val="tx1"/>
+          </a:fontRef>
+        </p:style>
+      </p:cxnSp>
+      <p:sp>
+        <p:nvSpPr>
+          <p:cNvPr id="2" name="标题 1"/>
+          <p:cNvSpPr>
+            <a:spLocks noGrp="1"/>
+          </p:cNvSpPr>
+          <p:nvPr>
+            <p:ph type="title"/>
+          </p:nvPr>
+        </p:nvSpPr>
+        <p:spPr>
+          <a:xfrm>
+            <a:off x="4965430" y="629268"/>
+            <a:ext cx="6586491" cy="1286160"/>
+          </a:xfrm>
+        </p:spPr>
+        <p:txBody>
+          <a:bodyPr anchor="b">
+            <a:normAutofit/>
+          </a:bodyPr>
+          <a:lstStyle/>
+          <a:p>
+            <a:r>
+              <a:rPr lang="zh-CN" altLang="en-US" dirty="0"/>
+              <a:t>磁盘结构</a:t>
+            </a:r>
+            <a:r>
+              <a:rPr lang="en-US" altLang="zh-CN" dirty="0"/>
+              <a:t>/</a:t>
+            </a:r>
+            <a:r>
+              <a:rPr lang="zh-CN" altLang="en-US" dirty="0"/>
+              <a:t>元数据表</a:t>
+            </a:r>
+          </a:p>
+        </p:txBody>
+      </p:sp>
+      <p:sp>
+        <p:nvSpPr>
+          <p:cNvPr id="10" name="Content Placeholder 9"/>
+          <p:cNvSpPr>
+            <a:spLocks noGrp="1"/>
+          </p:cNvSpPr>
+          <p:nvPr>
+            <p:ph idx="1"/>
+          </p:nvPr>
+        </p:nvSpPr>
+        <p:spPr>
+          <a:xfrm>
+            <a:off x="4965431" y="2438400"/>
+            <a:ext cx="6586489" cy="3785419"/>
+          </a:xfrm>
+        </p:spPr>
+        <p:txBody>
+          <a:bodyPr>
+            <a:normAutofit/>
+          </a:bodyPr>
+          <a:lstStyle/>
+          <a:p>
+            <a:r>
+              <a:rPr lang="zh-CN" altLang="en-US" sz="2000" dirty="0"/>
+              <a:t>元数据以关系数据库形式相互联系</a:t>
+            </a:r>
+            <a:endParaRPr lang="en-US" altLang="zh-CN" sz="2000" dirty="0"/>
+          </a:p>
+          <a:p>
+            <a:r>
+              <a:rPr lang="zh-CN" altLang="en-US" sz="2000" dirty="0"/>
+              <a:t>位于</a:t>
+            </a:r>
+            <a:r>
+              <a:rPr lang="en-US" altLang="zh-CN" sz="2000" dirty="0" err="1"/>
+              <a:t>.Net</a:t>
+            </a:r>
+            <a:r>
+              <a:rPr lang="zh-CN" altLang="en-US" sz="2000" dirty="0"/>
+              <a:t>程序</a:t>
+            </a:r>
+            <a:r>
+              <a:rPr lang="en-US" altLang="zh-CN" sz="2000" dirty="0"/>
+              <a:t>PE</a:t>
+            </a:r>
+            <a:r>
+              <a:rPr lang="zh-CN" altLang="en-US" sz="2000" dirty="0"/>
+              <a:t>文件的</a:t>
+            </a:r>
+            <a:r>
+              <a:rPr lang="en-US" altLang="zh-CN" sz="2000" dirty="0"/>
+              <a:t>#~</a:t>
+            </a:r>
+            <a:r>
+              <a:rPr lang="zh-CN" altLang="en-US" sz="2000" dirty="0"/>
+              <a:t>或</a:t>
+            </a:r>
+            <a:r>
+              <a:rPr lang="en-US" altLang="zh-CN" sz="2000" dirty="0"/>
+              <a:t>#-</a:t>
+            </a:r>
+            <a:r>
+              <a:rPr lang="zh-CN" altLang="en-US" sz="2000" dirty="0"/>
+              <a:t>流中</a:t>
+            </a:r>
+            <a:endParaRPr lang="en-US" altLang="zh-CN" sz="2000" dirty="0"/>
+          </a:p>
+          <a:p>
+            <a:r>
+              <a:rPr lang="zh-CN" altLang="en-US" sz="2000" dirty="0"/>
+              <a:t>最多由</a:t>
+            </a:r>
+            <a:r>
+              <a:rPr lang="en-US" altLang="zh-CN" sz="2000" dirty="0"/>
+              <a:t>45</a:t>
+            </a:r>
+            <a:r>
+              <a:rPr lang="zh-CN" altLang="en-US" sz="2000" dirty="0"/>
+              <a:t>个表组成。一个</a:t>
+            </a:r>
+            <a:r>
+              <a:rPr lang="en-US" altLang="zh-CN" sz="2000" dirty="0"/>
+              <a:t>64</a:t>
+            </a:r>
+            <a:r>
+              <a:rPr lang="zh-CN" altLang="en-US" sz="2000" dirty="0"/>
+              <a:t>位的位图被用于标记某个表是否存在</a:t>
+            </a:r>
+            <a:endParaRPr lang="en-US" altLang="zh-CN" sz="2000" dirty="0"/>
+          </a:p>
+          <a:p>
+            <a:r>
+              <a:rPr lang="zh-CN" altLang="en-US" sz="2000" dirty="0"/>
+              <a:t>表的划分尽可能细碎，因此具有很好的复用性</a:t>
+            </a:r>
+            <a:endParaRPr lang="en-US" sz="2000" dirty="0"/>
+          </a:p>
+        </p:txBody>
+      </p:sp>
+      <p:pic>
+        <p:nvPicPr>
+          <p:cNvPr id="6" name="图片 5"/>
+          <p:cNvPicPr>
+            <a:picLocks noChangeAspect="1"/>
+          </p:cNvPicPr>
+          <p:nvPr/>
+        </p:nvPicPr>
+        <p:blipFill>
+          <a:blip r:embed="rId2"/>
+          <a:stretch>
+            <a:fillRect/>
+          </a:stretch>
+        </p:blipFill>
+        <p:spPr>
+          <a:xfrm>
+            <a:off x="376788" y="989045"/>
+            <a:ext cx="4388433" cy="5234774"/>
+          </a:xfrm>
+          <a:prstGeom prst="rect">
+            <a:avLst/>
+          </a:prstGeom>
+        </p:spPr>
+      </p:pic>
+    </p:spTree>
+    <p:extLst>
+      <p:ext uri="{BB962C8B-B14F-4D97-AF65-F5344CB8AC3E}">
+        <p14:creationId xmlns:p14="http://schemas.microsoft.com/office/powerpoint/2010/main" val="2228930917"/>
+      </p:ext>
+    </p:extLst>
+  </p:cSld>
+  <p:clrMapOvr>
+    <a:masterClrMapping/>
+  </p:clrMapOvr>
+</p:sld>
+</file>
+
+<file path=ppt/slides/slide33.xml><?xml version="1.0" encoding="utf-8"?>
+<p:sld xmlns:a="http://schemas.openxmlformats.org/drawingml/2006/main" xmlns:r="http://schemas.openxmlformats.org/officeDocument/2006/relationships" xmlns:p="http://schemas.openxmlformats.org/presentationml/2006/main">
+  <p:cSld>
+    <p:spTree>
+      <p:nvGrpSpPr>
+        <p:cNvPr id="1" name=""/>
+        <p:cNvGrpSpPr/>
+        <p:nvPr/>
+      </p:nvGrpSpPr>
+      <p:grpSpPr>
+        <a:xfrm>
+          <a:off x="0" y="0"/>
+          <a:ext cx="0" cy="0"/>
+          <a:chOff x="0" y="0"/>
+          <a:chExt cx="0" cy="0"/>
+        </a:xfrm>
+      </p:grpSpPr>
+      <p:sp>
+        <p:nvSpPr>
+          <p:cNvPr id="2" name="标题 1"/>
+          <p:cNvSpPr>
+            <a:spLocks noGrp="1"/>
+          </p:cNvSpPr>
+          <p:nvPr>
+            <p:ph type="title"/>
+          </p:nvPr>
+        </p:nvSpPr>
+        <p:spPr/>
+        <p:txBody>
+          <a:bodyPr/>
+          <a:lstStyle/>
+          <a:p>
+            <a:r>
+              <a:rPr lang="zh-CN" altLang="en-US" dirty="0"/>
               <a:t>磁盘结构</a:t>
             </a:r>
             <a:r>
@@ -9485,7 +10430,7 @@
 </p:sld>
 </file>
 
-<file path=ppt/slides/slide31.xml><?xml version="1.0" encoding="utf-8"?>
+<file path=ppt/slides/slide34.xml><?xml version="1.0" encoding="utf-8"?>
 <p:sld xmlns:a="http://schemas.openxmlformats.org/drawingml/2006/main" xmlns:r="http://schemas.openxmlformats.org/officeDocument/2006/relationships" xmlns:p="http://schemas.openxmlformats.org/presentationml/2006/main">
   <p:cSld>
     <p:spTree>
@@ -9842,7 +10787,7 @@
 </p:sld>
 </file>
 
-<file path=ppt/slides/slide32.xml><?xml version="1.0" encoding="utf-8"?>
+<file path=ppt/slides/slide35.xml><?xml version="1.0" encoding="utf-8"?>
 <p:sld xmlns:a="http://schemas.openxmlformats.org/drawingml/2006/main" xmlns:r="http://schemas.openxmlformats.org/officeDocument/2006/relationships" xmlns:p="http://schemas.openxmlformats.org/presentationml/2006/main">
   <p:cSld>
     <p:spTree>
@@ -9999,7 +10944,7 @@
 </p:sld>
 </file>
 
-<file path=ppt/slides/slide33.xml><?xml version="1.0" encoding="utf-8"?>
+<file path=ppt/slides/slide36.xml><?xml version="1.0" encoding="utf-8"?>
 <p:sld xmlns:a="http://schemas.openxmlformats.org/drawingml/2006/main" xmlns:r="http://schemas.openxmlformats.org/officeDocument/2006/relationships" xmlns:p="http://schemas.openxmlformats.org/presentationml/2006/main">
   <p:cSld>
     <p:spTree>
@@ -10089,7 +11034,7 @@
 </p:sld>
 </file>
 
-<file path=ppt/slides/slide34.xml><?xml version="1.0" encoding="utf-8"?>
+<file path=ppt/slides/slide37.xml><?xml version="1.0" encoding="utf-8"?>
 <p:sld xmlns:a="http://schemas.openxmlformats.org/drawingml/2006/main" xmlns:r="http://schemas.openxmlformats.org/officeDocument/2006/relationships" xmlns:p="http://schemas.openxmlformats.org/presentationml/2006/main">
   <p:cSld>
     <p:spTree>
@@ -10277,7 +11222,7 @@
 </p:sld>
 </file>
 
-<file path=ppt/slides/slide35.xml><?xml version="1.0" encoding="utf-8"?>
+<file path=ppt/slides/slide38.xml><?xml version="1.0" encoding="utf-8"?>
 <p:sld xmlns:a="http://schemas.openxmlformats.org/drawingml/2006/main" xmlns:r="http://schemas.openxmlformats.org/officeDocument/2006/relationships" xmlns:p="http://schemas.openxmlformats.org/presentationml/2006/main">
   <p:cSld>
     <p:spTree>
@@ -10525,7 +11470,7 @@
 </p:sld>
 </file>
 
-<file path=ppt/slides/slide36.xml><?xml version="1.0" encoding="utf-8"?>
+<file path=ppt/slides/slide39.xml><?xml version="1.0" encoding="utf-8"?>
 <p:sld xmlns:a="http://schemas.openxmlformats.org/drawingml/2006/main" xmlns:r="http://schemas.openxmlformats.org/officeDocument/2006/relationships" xmlns:p="http://schemas.openxmlformats.org/presentationml/2006/main">
   <p:cSld>
     <p:spTree>

--- a/pptx.pptx.pptx
+++ b/pptx.pptx.pptx
@@ -5,7 +5,7 @@
     <p:sldMasterId id="2147483648" r:id="rId1"/>
   </p:sldMasterIdLst>
   <p:notesMasterIdLst>
-    <p:notesMasterId r:id="rId41"/>
+    <p:notesMasterId r:id="rId36"/>
   </p:notesMasterIdLst>
   <p:sldIdLst>
     <p:sldId id="256" r:id="rId2"/>
@@ -33,20 +33,15 @@
     <p:sldId id="293" r:id="rId24"/>
     <p:sldId id="294" r:id="rId25"/>
     <p:sldId id="291" r:id="rId26"/>
-    <p:sldId id="295" r:id="rId27"/>
-    <p:sldId id="296" r:id="rId28"/>
-    <p:sldId id="297" r:id="rId29"/>
-    <p:sldId id="270" r:id="rId30"/>
-    <p:sldId id="271" r:id="rId31"/>
-    <p:sldId id="260" r:id="rId32"/>
-    <p:sldId id="261" r:id="rId33"/>
-    <p:sldId id="262" r:id="rId34"/>
-    <p:sldId id="263" r:id="rId35"/>
-    <p:sldId id="264" r:id="rId36"/>
-    <p:sldId id="265" r:id="rId37"/>
-    <p:sldId id="266" r:id="rId38"/>
-    <p:sldId id="272" r:id="rId39"/>
-    <p:sldId id="273" r:id="rId40"/>
+    <p:sldId id="298" r:id="rId27"/>
+    <p:sldId id="299" r:id="rId28"/>
+    <p:sldId id="295" r:id="rId29"/>
+    <p:sldId id="296" r:id="rId30"/>
+    <p:sldId id="297" r:id="rId31"/>
+    <p:sldId id="270" r:id="rId32"/>
+    <p:sldId id="271" r:id="rId33"/>
+    <p:sldId id="272" r:id="rId34"/>
+    <p:sldId id="273" r:id="rId35"/>
   </p:sldIdLst>
   <p:sldSz cx="12192000" cy="6858000"/>
   <p:notesSz cx="6858000" cy="9144000"/>
@@ -195,26 +190,13 @@
             <p14:sldId id="293"/>
             <p14:sldId id="294"/>
             <p14:sldId id="291"/>
+            <p14:sldId id="298"/>
+            <p14:sldId id="299"/>
             <p14:sldId id="295"/>
             <p14:sldId id="296"/>
             <p14:sldId id="297"/>
             <p14:sldId id="270"/>
             <p14:sldId id="271"/>
-          </p14:sldIdLst>
-        </p14:section>
-        <p14:section name="结构" id="{E16B2259-F403-4B6F-B37A-B9770CF75B65}">
-          <p14:sldIdLst>
-            <p14:sldId id="260"/>
-            <p14:sldId id="261"/>
-            <p14:sldId id="262"/>
-            <p14:sldId id="263"/>
-            <p14:sldId id="264"/>
-            <p14:sldId id="265"/>
-          </p14:sldIdLst>
-        </p14:section>
-        <p14:section name="IL2CPP" id="{BB8C9B9F-1750-40E7-BCF0-60C1CF09C249}">
-          <p14:sldIdLst>
-            <p14:sldId id="266"/>
           </p14:sldIdLst>
         </p14:section>
         <p14:section name="Reading" id="{2164BE1F-9596-4205-916D-4161BC549F4D}">
@@ -918,6 +900,101 @@
     <p:extLst>
       <p:ext uri="{BB962C8B-B14F-4D97-AF65-F5344CB8AC3E}">
         <p14:creationId xmlns:p14="http://schemas.microsoft.com/office/powerpoint/2010/main" val="340246890"/>
+      </p:ext>
+    </p:extLst>
+  </p:cSld>
+  <p:clrMapOvr>
+    <a:masterClrMapping/>
+  </p:clrMapOvr>
+</p:notes>
+</file>
+
+<file path=ppt/notesSlides/notesSlide4.xml><?xml version="1.0" encoding="utf-8"?>
+<p:notes xmlns:a="http://schemas.openxmlformats.org/drawingml/2006/main" xmlns:r="http://schemas.openxmlformats.org/officeDocument/2006/relationships" xmlns:p="http://schemas.openxmlformats.org/presentationml/2006/main">
+  <p:cSld>
+    <p:spTree>
+      <p:nvGrpSpPr>
+        <p:cNvPr id="1" name=""/>
+        <p:cNvGrpSpPr/>
+        <p:nvPr/>
+      </p:nvGrpSpPr>
+      <p:grpSpPr>
+        <a:xfrm>
+          <a:off x="0" y="0"/>
+          <a:ext cx="0" cy="0"/>
+          <a:chOff x="0" y="0"/>
+          <a:chExt cx="0" cy="0"/>
+        </a:xfrm>
+      </p:grpSpPr>
+      <p:sp>
+        <p:nvSpPr>
+          <p:cNvPr id="2" name="幻灯片图像占位符 1"/>
+          <p:cNvSpPr>
+            <a:spLocks noGrp="1" noRot="1" noChangeAspect="1"/>
+          </p:cNvSpPr>
+          <p:nvPr>
+            <p:ph type="sldImg"/>
+          </p:nvPr>
+        </p:nvSpPr>
+        <p:spPr/>
+      </p:sp>
+      <p:sp>
+        <p:nvSpPr>
+          <p:cNvPr id="3" name="备注占位符 2"/>
+          <p:cNvSpPr>
+            <a:spLocks noGrp="1"/>
+          </p:cNvSpPr>
+          <p:nvPr>
+            <p:ph type="body" idx="1"/>
+          </p:nvPr>
+        </p:nvSpPr>
+        <p:spPr/>
+        <p:txBody>
+          <a:bodyPr/>
+          <a:lstStyle/>
+          <a:p>
+            <a:r>
+              <a:rPr lang="zh-CN" altLang="en-US" dirty="0"/>
+              <a:t>介绍虚化通过</a:t>
+            </a:r>
+            <a:r>
+              <a:rPr lang="en-US" altLang="zh-CN" dirty="0"/>
+              <a:t>IL2CPP</a:t>
+            </a:r>
+            <a:r>
+              <a:rPr lang="zh-CN" altLang="en-US" dirty="0"/>
+              <a:t>引起性能问题的原因</a:t>
+            </a:r>
+          </a:p>
+        </p:txBody>
+      </p:sp>
+      <p:sp>
+        <p:nvSpPr>
+          <p:cNvPr id="4" name="灯片编号占位符 3"/>
+          <p:cNvSpPr>
+            <a:spLocks noGrp="1"/>
+          </p:cNvSpPr>
+          <p:nvPr>
+            <p:ph type="sldNum" sz="quarter" idx="10"/>
+          </p:nvPr>
+        </p:nvSpPr>
+        <p:spPr/>
+        <p:txBody>
+          <a:bodyPr/>
+          <a:lstStyle/>
+          <a:p>
+            <a:fld id="{8FA8CEAB-7FDD-43B8-9E4A-F5DBC8CC7043}" type="slidenum">
+              <a:rPr lang="zh-CN" altLang="en-US" smtClean="0"/>
+              <a:t>25</a:t>
+            </a:fld>
+            <a:endParaRPr lang="zh-CN" altLang="en-US"/>
+          </a:p>
+        </p:txBody>
+      </p:sp>
+    </p:spTree>
+    <p:extLst>
+      <p:ext uri="{BB962C8B-B14F-4D97-AF65-F5344CB8AC3E}">
+        <p14:creationId xmlns:p14="http://schemas.microsoft.com/office/powerpoint/2010/main" val="3464669972"/>
       </p:ext>
     </p:extLst>
   </p:cSld>
@@ -7695,30 +7772,810 @@
             </a:r>
             <a:r>
               <a:rPr lang="zh-CN" altLang="en-US" dirty="0"/>
-              <a:t>虚化</a:t>
-            </a:r>
-          </a:p>
-        </p:txBody>
-      </p:sp>
-      <p:sp>
-        <p:nvSpPr>
-          <p:cNvPr id="3" name="内容占位符 2"/>
-          <p:cNvSpPr>
-            <a:spLocks noGrp="1"/>
-          </p:cNvSpPr>
+              <a:t>去除虚化</a:t>
+            </a:r>
+          </a:p>
+        </p:txBody>
+      </p:sp>
+      <p:graphicFrame>
+        <p:nvGraphicFramePr>
+          <p:cNvPr id="4" name="内容占位符 3"/>
+          <p:cNvGraphicFramePr>
+            <a:graphicFrameLocks noGrp="1"/>
+          </p:cNvGraphicFramePr>
           <p:nvPr>
             <p:ph idx="1"/>
-          </p:nvPr>
-        </p:nvSpPr>
-        <p:spPr/>
-        <p:txBody>
-          <a:bodyPr/>
-          <a:lstStyle/>
-          <a:p>
+            <p:extLst>
+              <p:ext uri="{D42A27DB-BD31-4B8C-83A1-F6EECF244321}">
+                <p14:modId xmlns:p14="http://schemas.microsoft.com/office/powerpoint/2010/main" val="12501665"/>
+              </p:ext>
+            </p:extLst>
+          </p:nvPr>
+        </p:nvGraphicFramePr>
+        <p:xfrm>
+          <a:off x="838200" y="1509824"/>
+          <a:ext cx="10515600" cy="5146158"/>
+        </p:xfrm>
+        <a:graphic>
+          <a:graphicData uri="http://schemas.openxmlformats.org/drawingml/2006/table">
+            <a:tbl>
+              <a:tblPr firstRow="1" bandRow="1">
+                <a:tableStyleId>{5C22544A-7EE6-4342-B048-85BDC9FD1C3A}</a:tableStyleId>
+              </a:tblPr>
+              <a:tblGrid>
+                <a:gridCol w="1352107">
+                  <a:extLst>
+                    <a:ext uri="{9D8B030D-6E8A-4147-A177-3AD203B41FA5}">
+                      <a16:colId xmlns:a16="http://schemas.microsoft.com/office/drawing/2014/main" val="755397465"/>
+                    </a:ext>
+                  </a:extLst>
+                </a:gridCol>
+                <a:gridCol w="3912781">
+                  <a:extLst>
+                    <a:ext uri="{9D8B030D-6E8A-4147-A177-3AD203B41FA5}">
+                      <a16:colId xmlns:a16="http://schemas.microsoft.com/office/drawing/2014/main" val="3639024029"/>
+                    </a:ext>
+                  </a:extLst>
+                </a:gridCol>
+                <a:gridCol w="5250712">
+                  <a:extLst>
+                    <a:ext uri="{9D8B030D-6E8A-4147-A177-3AD203B41FA5}">
+                      <a16:colId xmlns:a16="http://schemas.microsoft.com/office/drawing/2014/main" val="2102390700"/>
+                    </a:ext>
+                  </a:extLst>
+                </a:gridCol>
+              </a:tblGrid>
+              <a:tr h="5146158">
+                <a:tc>
+                  <a:txBody>
+                    <a:bodyPr/>
+                    <a:lstStyle/>
+                    <a:p>
+                      <a:pPr algn="ctr"/>
+                      <a:r>
+                        <a:rPr lang="en-US" altLang="zh-CN" dirty="0">
+                          <a:solidFill>
+                            <a:schemeClr val="tx1"/>
+                          </a:solidFill>
+                        </a:rPr>
+                        <a:t>C#</a:t>
+                      </a:r>
+                      <a:endParaRPr lang="zh-CN" altLang="en-US" dirty="0">
+                        <a:solidFill>
+                          <a:schemeClr val="tx1"/>
+                        </a:solidFill>
+                      </a:endParaRPr>
+                    </a:p>
+                  </a:txBody>
+                  <a:tcPr>
+                    <a:solidFill>
+                      <a:schemeClr val="accent5">
+                        <a:lumMod val="20000"/>
+                        <a:lumOff val="80000"/>
+                      </a:schemeClr>
+                    </a:solidFill>
+                  </a:tcPr>
+                </a:tc>
+                <a:tc>
+                  <a:txBody>
+                    <a:bodyPr/>
+                    <a:lstStyle/>
+                    <a:p>
+                      <a:pPr algn="ctr"/>
+                      <a:r>
+                        <a:rPr lang="en-US" altLang="zh-CN" dirty="0">
+                          <a:solidFill>
+                            <a:schemeClr val="tx1"/>
+                          </a:solidFill>
+                        </a:rPr>
+                        <a:t>IL</a:t>
+                      </a:r>
+                      <a:endParaRPr lang="zh-CN" altLang="en-US" dirty="0">
+                        <a:solidFill>
+                          <a:schemeClr val="tx1"/>
+                        </a:solidFill>
+                      </a:endParaRPr>
+                    </a:p>
+                  </a:txBody>
+                  <a:tcPr>
+                    <a:solidFill>
+                      <a:schemeClr val="accent6">
+                        <a:lumMod val="20000"/>
+                        <a:lumOff val="80000"/>
+                      </a:schemeClr>
+                    </a:solidFill>
+                  </a:tcPr>
+                </a:tc>
+                <a:tc>
+                  <a:txBody>
+                    <a:bodyPr/>
+                    <a:lstStyle/>
+                    <a:p>
+                      <a:pPr algn="ctr"/>
+                      <a:r>
+                        <a:rPr lang="en-US" altLang="zh-CN" dirty="0">
+                          <a:solidFill>
+                            <a:schemeClr val="tx1"/>
+                          </a:solidFill>
+                        </a:rPr>
+                        <a:t>C++</a:t>
+                      </a:r>
+                      <a:endParaRPr lang="zh-CN" altLang="en-US" dirty="0">
+                        <a:solidFill>
+                          <a:schemeClr val="tx1"/>
+                        </a:solidFill>
+                      </a:endParaRPr>
+                    </a:p>
+                  </a:txBody>
+                  <a:tcPr>
+                    <a:solidFill>
+                      <a:schemeClr val="accent4">
+                        <a:lumMod val="20000"/>
+                        <a:lumOff val="80000"/>
+                      </a:schemeClr>
+                    </a:solidFill>
+                  </a:tcPr>
+                </a:tc>
+                <a:extLst>
+                  <a:ext uri="{0D108BD9-81ED-4DB2-BD59-A6C34878D82A}">
+                    <a16:rowId xmlns:a16="http://schemas.microsoft.com/office/drawing/2014/main" val="3499829060"/>
+                  </a:ext>
+                </a:extLst>
+              </a:tr>
+            </a:tbl>
+          </a:graphicData>
+        </a:graphic>
+      </p:graphicFrame>
+      <p:sp>
+        <p:nvSpPr>
+          <p:cNvPr id="5" name="文本框 4"/>
+          <p:cNvSpPr txBox="1"/>
+          <p:nvPr/>
+        </p:nvSpPr>
+        <p:spPr>
+          <a:xfrm>
+            <a:off x="978197" y="3709021"/>
+            <a:ext cx="1106393" cy="369332"/>
+          </a:xfrm>
+          <a:prstGeom prst="rect">
+            <a:avLst/>
+          </a:prstGeom>
+          <a:noFill/>
+          <a:ln>
+            <a:solidFill>
+              <a:schemeClr val="tx1"/>
+            </a:solidFill>
+          </a:ln>
+        </p:spPr>
+        <p:txBody>
+          <a:bodyPr wrap="none" rtlCol="0">
+            <a:spAutoFit/>
+          </a:bodyPr>
+          <a:lstStyle/>
+          <a:p>
+            <a:r>
+              <a:rPr lang="en-US" altLang="zh-CN" dirty="0" err="1"/>
+              <a:t>Obj.Foo</a:t>
+            </a:r>
+            <a:r>
+              <a:rPr lang="en-US" altLang="zh-CN" dirty="0"/>
+              <a:t>()</a:t>
+            </a:r>
             <a:endParaRPr lang="zh-CN" altLang="en-US" dirty="0"/>
           </a:p>
         </p:txBody>
       </p:sp>
+      <p:sp>
+        <p:nvSpPr>
+          <p:cNvPr id="6" name="文本框 5"/>
+          <p:cNvSpPr txBox="1"/>
+          <p:nvPr/>
+        </p:nvSpPr>
+        <p:spPr>
+          <a:xfrm>
+            <a:off x="2395148" y="2555493"/>
+            <a:ext cx="3401893" cy="369332"/>
+          </a:xfrm>
+          <a:prstGeom prst="rect">
+            <a:avLst/>
+          </a:prstGeom>
+          <a:noFill/>
+          <a:ln>
+            <a:solidFill>
+              <a:schemeClr val="tx1"/>
+            </a:solidFill>
+          </a:ln>
+        </p:spPr>
+        <p:txBody>
+          <a:bodyPr wrap="none" rtlCol="0">
+            <a:spAutoFit/>
+          </a:bodyPr>
+          <a:lstStyle/>
+          <a:p>
+            <a:r>
+              <a:rPr lang="en-US" altLang="zh-CN" dirty="0"/>
+              <a:t>call instance void </a:t>
+            </a:r>
+            <a:r>
+              <a:rPr lang="en-US" altLang="zh-CN" dirty="0" err="1"/>
+              <a:t>ObjClass</a:t>
+            </a:r>
+            <a:r>
+              <a:rPr lang="en-US" altLang="zh-CN" dirty="0"/>
+              <a:t>::Foo()</a:t>
+            </a:r>
+            <a:endParaRPr lang="zh-CN" altLang="en-US" dirty="0"/>
+          </a:p>
+        </p:txBody>
+      </p:sp>
+      <p:sp>
+        <p:nvSpPr>
+          <p:cNvPr id="7" name="文本框 6"/>
+          <p:cNvSpPr txBox="1"/>
+          <p:nvPr/>
+        </p:nvSpPr>
+        <p:spPr>
+          <a:xfrm>
+            <a:off x="2239657" y="4887569"/>
+            <a:ext cx="3712876" cy="369332"/>
+          </a:xfrm>
+          <a:prstGeom prst="rect">
+            <a:avLst/>
+          </a:prstGeom>
+          <a:noFill/>
+          <a:ln>
+            <a:solidFill>
+              <a:schemeClr val="tx1"/>
+            </a:solidFill>
+          </a:ln>
+        </p:spPr>
+        <p:txBody>
+          <a:bodyPr wrap="none" rtlCol="0">
+            <a:spAutoFit/>
+          </a:bodyPr>
+          <a:lstStyle/>
+          <a:p>
+            <a:r>
+              <a:rPr lang="en-US" altLang="zh-CN" dirty="0" err="1"/>
+              <a:t>callvirt</a:t>
+            </a:r>
+            <a:r>
+              <a:rPr lang="en-US" altLang="zh-CN" dirty="0"/>
+              <a:t> instance void </a:t>
+            </a:r>
+            <a:r>
+              <a:rPr lang="en-US" altLang="zh-CN" dirty="0" err="1"/>
+              <a:t>ObjClass</a:t>
+            </a:r>
+            <a:r>
+              <a:rPr lang="en-US" altLang="zh-CN" dirty="0"/>
+              <a:t>::Foo()</a:t>
+            </a:r>
+            <a:endParaRPr lang="zh-CN" altLang="en-US" dirty="0"/>
+          </a:p>
+        </p:txBody>
+      </p:sp>
+      <p:sp>
+        <p:nvSpPr>
+          <p:cNvPr id="8" name="文本框 7"/>
+          <p:cNvSpPr txBox="1"/>
+          <p:nvPr/>
+        </p:nvSpPr>
+        <p:spPr>
+          <a:xfrm>
+            <a:off x="6216418" y="2555493"/>
+            <a:ext cx="4171335" cy="369332"/>
+          </a:xfrm>
+          <a:prstGeom prst="rect">
+            <a:avLst/>
+          </a:prstGeom>
+          <a:noFill/>
+          <a:ln>
+            <a:solidFill>
+              <a:schemeClr val="tx1"/>
+            </a:solidFill>
+          </a:ln>
+        </p:spPr>
+        <p:txBody>
+          <a:bodyPr wrap="none" rtlCol="0">
+            <a:spAutoFit/>
+          </a:bodyPr>
+          <a:lstStyle/>
+          <a:p>
+            <a:r>
+              <a:rPr lang="en-US" altLang="zh-CN" dirty="0" err="1"/>
+              <a:t>ObjClass_Foo_Mxxxxx</a:t>
+            </a:r>
+            <a:r>
+              <a:rPr lang="en-US" altLang="zh-CN" dirty="0"/>
+              <a:t>(…)        [</a:t>
+            </a:r>
+            <a:r>
+              <a:rPr lang="zh-CN" altLang="en-US" dirty="0"/>
+              <a:t>直接调用</a:t>
+            </a:r>
+            <a:r>
+              <a:rPr lang="en-US" altLang="zh-CN" dirty="0"/>
+              <a:t>]</a:t>
+            </a:r>
+            <a:endParaRPr lang="zh-CN" altLang="en-US" dirty="0"/>
+          </a:p>
+        </p:txBody>
+      </p:sp>
+      <p:sp>
+        <p:nvSpPr>
+          <p:cNvPr id="9" name="文本框 8"/>
+          <p:cNvSpPr txBox="1"/>
+          <p:nvPr/>
+        </p:nvSpPr>
+        <p:spPr>
+          <a:xfrm>
+            <a:off x="6216418" y="4077998"/>
+            <a:ext cx="4915786" cy="369332"/>
+          </a:xfrm>
+          <a:prstGeom prst="rect">
+            <a:avLst/>
+          </a:prstGeom>
+          <a:noFill/>
+          <a:ln>
+            <a:solidFill>
+              <a:schemeClr val="tx1"/>
+            </a:solidFill>
+          </a:ln>
+        </p:spPr>
+        <p:txBody>
+          <a:bodyPr wrap="square" rtlCol="0">
+            <a:spAutoFit/>
+          </a:bodyPr>
+          <a:lstStyle/>
+          <a:p>
+            <a:r>
+              <a:rPr lang="en-US" altLang="zh-CN" dirty="0"/>
+              <a:t>VirtActionInvoker0::Invoke(…) [</a:t>
+            </a:r>
+            <a:r>
+              <a:rPr lang="zh-CN" altLang="en-US" dirty="0"/>
+              <a:t>经由生成的对象</a:t>
+            </a:r>
+            <a:r>
+              <a:rPr lang="en-US" altLang="zh-CN" dirty="0"/>
+              <a:t>]</a:t>
+            </a:r>
+            <a:endParaRPr lang="zh-CN" altLang="en-US" dirty="0"/>
+          </a:p>
+        </p:txBody>
+      </p:sp>
+      <p:sp>
+        <p:nvSpPr>
+          <p:cNvPr id="10" name="文本框 9"/>
+          <p:cNvSpPr txBox="1"/>
+          <p:nvPr/>
+        </p:nvSpPr>
+        <p:spPr>
+          <a:xfrm>
+            <a:off x="6216418" y="5128340"/>
+            <a:ext cx="4915786" cy="369332"/>
+          </a:xfrm>
+          <a:prstGeom prst="rect">
+            <a:avLst/>
+          </a:prstGeom>
+          <a:noFill/>
+          <a:ln>
+            <a:solidFill>
+              <a:schemeClr val="tx1"/>
+            </a:solidFill>
+          </a:ln>
+        </p:spPr>
+        <p:txBody>
+          <a:bodyPr wrap="square" rtlCol="0">
+            <a:spAutoFit/>
+          </a:bodyPr>
+          <a:lstStyle/>
+          <a:p>
+            <a:r>
+              <a:rPr lang="en-US" altLang="zh-CN" dirty="0"/>
+              <a:t>Il2cpp::</a:t>
+            </a:r>
+            <a:r>
+              <a:rPr lang="en-US" altLang="zh-CN" dirty="0" err="1"/>
+              <a:t>vm</a:t>
+            </a:r>
+            <a:r>
+              <a:rPr lang="en-US" altLang="zh-CN" dirty="0"/>
+              <a:t>::Runtime::</a:t>
+            </a:r>
+            <a:r>
+              <a:rPr lang="en-US" altLang="zh-CN" dirty="0" err="1"/>
+              <a:t>GetVirtualInvokeData</a:t>
+            </a:r>
+            <a:r>
+              <a:rPr lang="en-US" altLang="zh-CN" dirty="0"/>
+              <a:t>(…)</a:t>
+            </a:r>
+            <a:endParaRPr lang="zh-CN" altLang="en-US" dirty="0"/>
+          </a:p>
+        </p:txBody>
+      </p:sp>
+      <p:sp>
+        <p:nvSpPr>
+          <p:cNvPr id="11" name="文本框 10"/>
+          <p:cNvSpPr txBox="1"/>
+          <p:nvPr/>
+        </p:nvSpPr>
+        <p:spPr>
+          <a:xfrm>
+            <a:off x="7348743" y="6088373"/>
+            <a:ext cx="2651135" cy="369332"/>
+          </a:xfrm>
+          <a:prstGeom prst="rect">
+            <a:avLst/>
+          </a:prstGeom>
+          <a:noFill/>
+          <a:ln>
+            <a:solidFill>
+              <a:schemeClr val="tx1"/>
+            </a:solidFill>
+          </a:ln>
+        </p:spPr>
+        <p:txBody>
+          <a:bodyPr wrap="square" rtlCol="0">
+            <a:spAutoFit/>
+          </a:bodyPr>
+          <a:lstStyle/>
+          <a:p>
+            <a:pPr algn="ctr"/>
+            <a:r>
+              <a:rPr lang="en-US" altLang="zh-CN" dirty="0" err="1"/>
+              <a:t>VTable</a:t>
+            </a:r>
+            <a:endParaRPr lang="zh-CN" altLang="en-US" dirty="0"/>
+          </a:p>
+        </p:txBody>
+      </p:sp>
+      <p:cxnSp>
+        <p:nvCxnSpPr>
+          <p:cNvPr id="13" name="直接箭头连接符 12"/>
+          <p:cNvCxnSpPr/>
+          <p:nvPr/>
+        </p:nvCxnSpPr>
+        <p:spPr>
+          <a:xfrm flipV="1">
+            <a:off x="2084590" y="2924825"/>
+            <a:ext cx="2011504" cy="968862"/>
+          </a:xfrm>
+          <a:prstGeom prst="straightConnector1">
+            <a:avLst/>
+          </a:prstGeom>
+          <a:ln>
+            <a:solidFill>
+              <a:schemeClr val="tx1"/>
+            </a:solidFill>
+            <a:tailEnd type="triangle"/>
+          </a:ln>
+        </p:spPr>
+        <p:style>
+          <a:lnRef idx="1">
+            <a:schemeClr val="accent1"/>
+          </a:lnRef>
+          <a:fillRef idx="0">
+            <a:schemeClr val="accent1"/>
+          </a:fillRef>
+          <a:effectRef idx="0">
+            <a:schemeClr val="accent1"/>
+          </a:effectRef>
+          <a:fontRef idx="minor">
+            <a:schemeClr val="tx1"/>
+          </a:fontRef>
+        </p:style>
+      </p:cxnSp>
+      <p:cxnSp>
+        <p:nvCxnSpPr>
+          <p:cNvPr id="16" name="直接箭头连接符 15"/>
+          <p:cNvCxnSpPr>
+            <a:endCxn id="7" idx="0"/>
+          </p:cNvCxnSpPr>
+          <p:nvPr/>
+        </p:nvCxnSpPr>
+        <p:spPr>
+          <a:xfrm>
+            <a:off x="2084590" y="3893687"/>
+            <a:ext cx="2011505" cy="993882"/>
+          </a:xfrm>
+          <a:prstGeom prst="straightConnector1">
+            <a:avLst/>
+          </a:prstGeom>
+          <a:ln>
+            <a:solidFill>
+              <a:schemeClr val="tx1"/>
+            </a:solidFill>
+            <a:tailEnd type="triangle"/>
+          </a:ln>
+        </p:spPr>
+        <p:style>
+          <a:lnRef idx="1">
+            <a:schemeClr val="accent1"/>
+          </a:lnRef>
+          <a:fillRef idx="0">
+            <a:schemeClr val="accent1"/>
+          </a:fillRef>
+          <a:effectRef idx="0">
+            <a:schemeClr val="accent1"/>
+          </a:effectRef>
+          <a:fontRef idx="minor">
+            <a:schemeClr val="tx1"/>
+          </a:fontRef>
+        </p:style>
+      </p:cxnSp>
+      <p:cxnSp>
+        <p:nvCxnSpPr>
+          <p:cNvPr id="18" name="直接箭头连接符 17"/>
+          <p:cNvCxnSpPr>
+            <a:stCxn id="6" idx="3"/>
+            <a:endCxn id="8" idx="1"/>
+          </p:cNvCxnSpPr>
+          <p:nvPr/>
+        </p:nvCxnSpPr>
+        <p:spPr>
+          <a:xfrm>
+            <a:off x="5797041" y="2740159"/>
+            <a:ext cx="419377" cy="0"/>
+          </a:xfrm>
+          <a:prstGeom prst="straightConnector1">
+            <a:avLst/>
+          </a:prstGeom>
+          <a:ln>
+            <a:solidFill>
+              <a:schemeClr val="tx1"/>
+            </a:solidFill>
+            <a:tailEnd type="triangle"/>
+          </a:ln>
+        </p:spPr>
+        <p:style>
+          <a:lnRef idx="1">
+            <a:schemeClr val="accent1"/>
+          </a:lnRef>
+          <a:fillRef idx="0">
+            <a:schemeClr val="accent1"/>
+          </a:fillRef>
+          <a:effectRef idx="0">
+            <a:schemeClr val="accent1"/>
+          </a:effectRef>
+          <a:fontRef idx="minor">
+            <a:schemeClr val="tx1"/>
+          </a:fontRef>
+        </p:style>
+      </p:cxnSp>
+      <p:cxnSp>
+        <p:nvCxnSpPr>
+          <p:cNvPr id="20" name="直接箭头连接符 19"/>
+          <p:cNvCxnSpPr>
+            <a:stCxn id="7" idx="0"/>
+            <a:endCxn id="8" idx="2"/>
+          </p:cNvCxnSpPr>
+          <p:nvPr/>
+        </p:nvCxnSpPr>
+        <p:spPr>
+          <a:xfrm flipV="1">
+            <a:off x="4096095" y="2924825"/>
+            <a:ext cx="4205991" cy="1962744"/>
+          </a:xfrm>
+          <a:prstGeom prst="straightConnector1">
+            <a:avLst/>
+          </a:prstGeom>
+          <a:ln>
+            <a:solidFill>
+              <a:schemeClr val="tx1"/>
+            </a:solidFill>
+            <a:tailEnd type="triangle"/>
+          </a:ln>
+        </p:spPr>
+        <p:style>
+          <a:lnRef idx="1">
+            <a:schemeClr val="accent1"/>
+          </a:lnRef>
+          <a:fillRef idx="0">
+            <a:schemeClr val="accent1"/>
+          </a:fillRef>
+          <a:effectRef idx="0">
+            <a:schemeClr val="accent1"/>
+          </a:effectRef>
+          <a:fontRef idx="minor">
+            <a:schemeClr val="tx1"/>
+          </a:fontRef>
+        </p:style>
+      </p:cxnSp>
+      <p:cxnSp>
+        <p:nvCxnSpPr>
+          <p:cNvPr id="22" name="直接箭头连接符 21"/>
+          <p:cNvCxnSpPr>
+            <a:stCxn id="8" idx="3"/>
+          </p:cNvCxnSpPr>
+          <p:nvPr/>
+        </p:nvCxnSpPr>
+        <p:spPr>
+          <a:xfrm>
+            <a:off x="10387753" y="2740159"/>
+            <a:ext cx="1541977" cy="0"/>
+          </a:xfrm>
+          <a:prstGeom prst="straightConnector1">
+            <a:avLst/>
+          </a:prstGeom>
+          <a:ln>
+            <a:solidFill>
+              <a:schemeClr val="tx1"/>
+            </a:solidFill>
+            <a:tailEnd type="triangle"/>
+          </a:ln>
+        </p:spPr>
+        <p:style>
+          <a:lnRef idx="1">
+            <a:schemeClr val="accent1"/>
+          </a:lnRef>
+          <a:fillRef idx="0">
+            <a:schemeClr val="accent1"/>
+          </a:fillRef>
+          <a:effectRef idx="0">
+            <a:schemeClr val="accent1"/>
+          </a:effectRef>
+          <a:fontRef idx="minor">
+            <a:schemeClr val="tx1"/>
+          </a:fontRef>
+        </p:style>
+      </p:cxnSp>
+      <p:cxnSp>
+        <p:nvCxnSpPr>
+          <p:cNvPr id="24" name="直接箭头连接符 23"/>
+          <p:cNvCxnSpPr>
+            <a:stCxn id="7" idx="3"/>
+          </p:cNvCxnSpPr>
+          <p:nvPr/>
+        </p:nvCxnSpPr>
+        <p:spPr>
+          <a:xfrm flipV="1">
+            <a:off x="5952533" y="4445030"/>
+            <a:ext cx="1532788" cy="627205"/>
+          </a:xfrm>
+          <a:prstGeom prst="straightConnector1">
+            <a:avLst/>
+          </a:prstGeom>
+          <a:ln>
+            <a:solidFill>
+              <a:schemeClr val="tx1"/>
+            </a:solidFill>
+            <a:tailEnd type="triangle"/>
+          </a:ln>
+        </p:spPr>
+        <p:style>
+          <a:lnRef idx="1">
+            <a:schemeClr val="accent1"/>
+          </a:lnRef>
+          <a:fillRef idx="0">
+            <a:schemeClr val="accent1"/>
+          </a:fillRef>
+          <a:effectRef idx="0">
+            <a:schemeClr val="accent1"/>
+          </a:effectRef>
+          <a:fontRef idx="minor">
+            <a:schemeClr val="tx1"/>
+          </a:fontRef>
+        </p:style>
+      </p:cxnSp>
+      <p:cxnSp>
+        <p:nvCxnSpPr>
+          <p:cNvPr id="26" name="直接箭头连接符 25"/>
+          <p:cNvCxnSpPr>
+            <a:stCxn id="9" idx="2"/>
+            <a:endCxn id="10" idx="0"/>
+          </p:cNvCxnSpPr>
+          <p:nvPr/>
+        </p:nvCxnSpPr>
+        <p:spPr>
+          <a:xfrm>
+            <a:off x="8674311" y="4447330"/>
+            <a:ext cx="0" cy="681010"/>
+          </a:xfrm>
+          <a:prstGeom prst="straightConnector1">
+            <a:avLst/>
+          </a:prstGeom>
+          <a:ln>
+            <a:solidFill>
+              <a:schemeClr val="tx1"/>
+            </a:solidFill>
+            <a:tailEnd type="triangle"/>
+          </a:ln>
+        </p:spPr>
+        <p:style>
+          <a:lnRef idx="1">
+            <a:schemeClr val="accent1"/>
+          </a:lnRef>
+          <a:fillRef idx="0">
+            <a:schemeClr val="accent1"/>
+          </a:fillRef>
+          <a:effectRef idx="0">
+            <a:schemeClr val="accent1"/>
+          </a:effectRef>
+          <a:fontRef idx="minor">
+            <a:schemeClr val="tx1"/>
+          </a:fontRef>
+        </p:style>
+      </p:cxnSp>
+      <p:cxnSp>
+        <p:nvCxnSpPr>
+          <p:cNvPr id="28" name="直接箭头连接符 27"/>
+          <p:cNvCxnSpPr>
+            <a:stCxn id="10" idx="2"/>
+            <a:endCxn id="11" idx="0"/>
+          </p:cNvCxnSpPr>
+          <p:nvPr/>
+        </p:nvCxnSpPr>
+        <p:spPr>
+          <a:xfrm>
+            <a:off x="8674311" y="5497672"/>
+            <a:ext cx="0" cy="590701"/>
+          </a:xfrm>
+          <a:prstGeom prst="straightConnector1">
+            <a:avLst/>
+          </a:prstGeom>
+          <a:ln>
+            <a:solidFill>
+              <a:schemeClr val="tx1"/>
+            </a:solidFill>
+            <a:tailEnd type="triangle"/>
+          </a:ln>
+        </p:spPr>
+        <p:style>
+          <a:lnRef idx="1">
+            <a:schemeClr val="accent1"/>
+          </a:lnRef>
+          <a:fillRef idx="0">
+            <a:schemeClr val="accent1"/>
+          </a:fillRef>
+          <a:effectRef idx="0">
+            <a:schemeClr val="accent1"/>
+          </a:effectRef>
+          <a:fontRef idx="minor">
+            <a:schemeClr val="tx1"/>
+          </a:fontRef>
+        </p:style>
+      </p:cxnSp>
+      <p:cxnSp>
+        <p:nvCxnSpPr>
+          <p:cNvPr id="30" name="直接箭头连接符 29"/>
+          <p:cNvCxnSpPr>
+            <a:stCxn id="11" idx="3"/>
+          </p:cNvCxnSpPr>
+          <p:nvPr/>
+        </p:nvCxnSpPr>
+        <p:spPr>
+          <a:xfrm>
+            <a:off x="9999878" y="6273039"/>
+            <a:ext cx="1929852" cy="0"/>
+          </a:xfrm>
+          <a:prstGeom prst="straightConnector1">
+            <a:avLst/>
+          </a:prstGeom>
+          <a:ln>
+            <a:solidFill>
+              <a:schemeClr val="tx1"/>
+            </a:solidFill>
+            <a:tailEnd type="triangle"/>
+          </a:ln>
+        </p:spPr>
+        <p:style>
+          <a:lnRef idx="1">
+            <a:schemeClr val="accent1"/>
+          </a:lnRef>
+          <a:fillRef idx="0">
+            <a:schemeClr val="accent1"/>
+          </a:fillRef>
+          <a:effectRef idx="0">
+            <a:schemeClr val="accent1"/>
+          </a:effectRef>
+          <a:fontRef idx="minor">
+            <a:schemeClr val="tx1"/>
+          </a:fontRef>
+        </p:style>
+      </p:cxnSp>
     </p:spTree>
     <p:extLst>
       <p:ext uri="{BB962C8B-B14F-4D97-AF65-F5344CB8AC3E}">
@@ -7733,6 +8590,402 @@
 </file>
 
 <file path=ppt/slides/slide26.xml><?xml version="1.0" encoding="utf-8"?>
+<p:sld xmlns:a="http://schemas.openxmlformats.org/drawingml/2006/main" xmlns:r="http://schemas.openxmlformats.org/officeDocument/2006/relationships" xmlns:p="http://schemas.openxmlformats.org/presentationml/2006/main">
+  <p:cSld>
+    <p:spTree>
+      <p:nvGrpSpPr>
+        <p:cNvPr id="1" name=""/>
+        <p:cNvGrpSpPr/>
+        <p:nvPr/>
+      </p:nvGrpSpPr>
+      <p:grpSpPr>
+        <a:xfrm>
+          <a:off x="0" y="0"/>
+          <a:ext cx="0" cy="0"/>
+          <a:chOff x="0" y="0"/>
+          <a:chExt cx="0" cy="0"/>
+        </a:xfrm>
+      </p:grpSpPr>
+      <p:sp>
+        <p:nvSpPr>
+          <p:cNvPr id="2" name="标题 1"/>
+          <p:cNvSpPr>
+            <a:spLocks noGrp="1"/>
+          </p:cNvSpPr>
+          <p:nvPr>
+            <p:ph type="title"/>
+          </p:nvPr>
+        </p:nvSpPr>
+        <p:spPr/>
+        <p:txBody>
+          <a:bodyPr/>
+          <a:lstStyle/>
+          <a:p>
+            <a:r>
+              <a:rPr lang="zh-CN" altLang="en-US" dirty="0"/>
+              <a:t>实践优化</a:t>
+            </a:r>
+            <a:r>
+              <a:rPr lang="en-US" altLang="zh-CN" dirty="0"/>
+              <a:t>/</a:t>
+            </a:r>
+            <a:r>
+              <a:rPr lang="zh-CN" altLang="en-US" dirty="0"/>
+              <a:t>去除虚化</a:t>
+            </a:r>
+          </a:p>
+        </p:txBody>
+      </p:sp>
+      <p:sp>
+        <p:nvSpPr>
+          <p:cNvPr id="3" name="内容占位符 2"/>
+          <p:cNvSpPr>
+            <a:spLocks noGrp="1"/>
+          </p:cNvSpPr>
+          <p:nvPr>
+            <p:ph idx="1"/>
+          </p:nvPr>
+        </p:nvSpPr>
+        <p:spPr/>
+        <p:txBody>
+          <a:bodyPr/>
+          <a:lstStyle/>
+          <a:p>
+            <a:r>
+              <a:rPr lang="en-US" altLang="zh-CN" dirty="0"/>
+              <a:t>C#</a:t>
+            </a:r>
+            <a:r>
+              <a:rPr lang="zh-CN" altLang="en-US" dirty="0"/>
+              <a:t>编译器生成</a:t>
+            </a:r>
+            <a:r>
+              <a:rPr lang="en-US" altLang="zh-CN" dirty="0"/>
+              <a:t>call</a:t>
+            </a:r>
+            <a:r>
+              <a:rPr lang="zh-CN" altLang="en-US" dirty="0"/>
+              <a:t>而非</a:t>
+            </a:r>
+            <a:r>
+              <a:rPr lang="en-US" altLang="zh-CN" dirty="0" err="1"/>
+              <a:t>callvirt</a:t>
+            </a:r>
+            <a:r>
+              <a:rPr lang="zh-CN" altLang="en-US" dirty="0"/>
+              <a:t>的条件</a:t>
+            </a:r>
+            <a:endParaRPr lang="en-US" altLang="zh-CN" dirty="0"/>
+          </a:p>
+          <a:p>
+            <a:pPr lvl="1"/>
+            <a:r>
+              <a:rPr lang="zh-CN" altLang="en-US" dirty="0"/>
+              <a:t>类方法（静态方法）调用</a:t>
+            </a:r>
+            <a:endParaRPr lang="en-US" altLang="zh-CN" dirty="0"/>
+          </a:p>
+          <a:p>
+            <a:pPr lvl="1"/>
+            <a:r>
+              <a:rPr lang="zh-CN" altLang="en-US" dirty="0"/>
+              <a:t>结构的方法调用</a:t>
+            </a:r>
+            <a:endParaRPr lang="en-US" altLang="zh-CN" dirty="0"/>
+          </a:p>
+          <a:p>
+            <a:r>
+              <a:rPr lang="en-US" altLang="zh-CN" dirty="0"/>
+              <a:t>IL2CPP</a:t>
+            </a:r>
+            <a:r>
+              <a:rPr lang="zh-CN" altLang="en-US" dirty="0"/>
+              <a:t>编译器不生成</a:t>
+            </a:r>
+            <a:r>
+              <a:rPr lang="en-US" altLang="zh-CN" dirty="0"/>
+              <a:t>Invoker</a:t>
+            </a:r>
+            <a:r>
+              <a:rPr lang="zh-CN" altLang="en-US" dirty="0"/>
+              <a:t>及虚调用的条件</a:t>
+            </a:r>
+            <a:endParaRPr lang="en-US" altLang="zh-CN" dirty="0"/>
+          </a:p>
+          <a:p>
+            <a:pPr lvl="1"/>
+            <a:r>
+              <a:rPr lang="en-US" altLang="zh-CN" dirty="0"/>
+              <a:t>IL</a:t>
+            </a:r>
+            <a:r>
+              <a:rPr lang="zh-CN" altLang="en-US" dirty="0"/>
+              <a:t>代码调用方式为</a:t>
+            </a:r>
+            <a:r>
+              <a:rPr lang="en-US" altLang="zh-CN" dirty="0"/>
+              <a:t>call</a:t>
+            </a:r>
+            <a:r>
+              <a:rPr lang="zh-CN" altLang="en-US" dirty="0"/>
+              <a:t>而非</a:t>
+            </a:r>
+            <a:r>
+              <a:rPr lang="en-US" altLang="zh-CN" dirty="0" err="1"/>
+              <a:t>callvirt</a:t>
+            </a:r>
+            <a:endParaRPr lang="en-US" altLang="zh-CN" dirty="0"/>
+          </a:p>
+          <a:p>
+            <a:pPr lvl="1"/>
+            <a:r>
+              <a:rPr lang="en-US" altLang="zh-CN" dirty="0" err="1"/>
+              <a:t>callvirt</a:t>
+            </a:r>
+            <a:r>
+              <a:rPr lang="zh-CN" altLang="en-US" dirty="0"/>
+              <a:t>调用的方法通过</a:t>
+            </a:r>
+            <a:r>
+              <a:rPr lang="en-US" altLang="zh-CN" dirty="0"/>
+              <a:t>sealed</a:t>
+            </a:r>
+            <a:r>
+              <a:rPr lang="zh-CN" altLang="en-US" dirty="0"/>
+              <a:t>修饰</a:t>
+            </a:r>
+            <a:endParaRPr lang="en-US" altLang="zh-CN" dirty="0"/>
+          </a:p>
+          <a:p>
+            <a:pPr lvl="1"/>
+            <a:endParaRPr lang="en-US" altLang="zh-CN" dirty="0"/>
+          </a:p>
+          <a:p>
+            <a:pPr lvl="1"/>
+            <a:endParaRPr lang="en-US" altLang="zh-CN" dirty="0"/>
+          </a:p>
+          <a:p>
+            <a:pPr lvl="1"/>
+            <a:r>
+              <a:rPr lang="en-US" altLang="zh-CN" dirty="0" err="1"/>
+              <a:t>callvirt</a:t>
+            </a:r>
+            <a:r>
+              <a:rPr lang="zh-CN" altLang="en-US" dirty="0"/>
+              <a:t>调用的实例，其声明类型通过</a:t>
+            </a:r>
+            <a:r>
+              <a:rPr lang="en-US" altLang="zh-CN" dirty="0"/>
+              <a:t>sealed</a:t>
+            </a:r>
+            <a:r>
+              <a:rPr lang="zh-CN" altLang="en-US" dirty="0"/>
+              <a:t>修饰</a:t>
+            </a:r>
+          </a:p>
+        </p:txBody>
+      </p:sp>
+      <p:pic>
+        <p:nvPicPr>
+          <p:cNvPr id="4" name="图片 3"/>
+          <p:cNvPicPr>
+            <a:picLocks noChangeAspect="1"/>
+          </p:cNvPicPr>
+          <p:nvPr/>
+        </p:nvPicPr>
+        <p:blipFill>
+          <a:blip r:embed="rId2"/>
+          <a:stretch>
+            <a:fillRect/>
+          </a:stretch>
+        </p:blipFill>
+        <p:spPr>
+          <a:xfrm>
+            <a:off x="1639740" y="4433095"/>
+            <a:ext cx="3829050" cy="685800"/>
+          </a:xfrm>
+          <a:prstGeom prst="rect">
+            <a:avLst/>
+          </a:prstGeom>
+        </p:spPr>
+      </p:pic>
+      <p:pic>
+        <p:nvPicPr>
+          <p:cNvPr id="5" name="图片 4"/>
+          <p:cNvPicPr>
+            <a:picLocks noChangeAspect="1"/>
+          </p:cNvPicPr>
+          <p:nvPr/>
+        </p:nvPicPr>
+        <p:blipFill>
+          <a:blip r:embed="rId3"/>
+          <a:stretch>
+            <a:fillRect/>
+          </a:stretch>
+        </p:blipFill>
+        <p:spPr>
+          <a:xfrm>
+            <a:off x="1639740" y="5529263"/>
+            <a:ext cx="3362325" cy="647700"/>
+          </a:xfrm>
+          <a:prstGeom prst="rect">
+            <a:avLst/>
+          </a:prstGeom>
+        </p:spPr>
+      </p:pic>
+    </p:spTree>
+    <p:extLst>
+      <p:ext uri="{BB962C8B-B14F-4D97-AF65-F5344CB8AC3E}">
+        <p14:creationId xmlns:p14="http://schemas.microsoft.com/office/powerpoint/2010/main" val="2936977174"/>
+      </p:ext>
+    </p:extLst>
+  </p:cSld>
+  <p:clrMapOvr>
+    <a:masterClrMapping/>
+  </p:clrMapOvr>
+</p:sld>
+</file>
+
+<file path=ppt/slides/slide27.xml><?xml version="1.0" encoding="utf-8"?>
+<p:sld xmlns:a="http://schemas.openxmlformats.org/drawingml/2006/main" xmlns:r="http://schemas.openxmlformats.org/officeDocument/2006/relationships" xmlns:p="http://schemas.openxmlformats.org/presentationml/2006/main">
+  <p:cSld>
+    <p:spTree>
+      <p:nvGrpSpPr>
+        <p:cNvPr id="1" name=""/>
+        <p:cNvGrpSpPr/>
+        <p:nvPr/>
+      </p:nvGrpSpPr>
+      <p:grpSpPr>
+        <a:xfrm>
+          <a:off x="0" y="0"/>
+          <a:ext cx="0" cy="0"/>
+          <a:chOff x="0" y="0"/>
+          <a:chExt cx="0" cy="0"/>
+        </a:xfrm>
+      </p:grpSpPr>
+      <p:sp>
+        <p:nvSpPr>
+          <p:cNvPr id="2" name="标题 1"/>
+          <p:cNvSpPr>
+            <a:spLocks noGrp="1"/>
+          </p:cNvSpPr>
+          <p:nvPr>
+            <p:ph type="title"/>
+          </p:nvPr>
+        </p:nvSpPr>
+        <p:spPr/>
+        <p:txBody>
+          <a:bodyPr/>
+          <a:lstStyle/>
+          <a:p>
+            <a:r>
+              <a:rPr lang="zh-CN" altLang="en-US" dirty="0"/>
+              <a:t>实践优化</a:t>
+            </a:r>
+            <a:r>
+              <a:rPr lang="en-US" altLang="zh-CN" dirty="0"/>
+              <a:t>/</a:t>
+            </a:r>
+            <a:r>
+              <a:rPr lang="zh-CN" altLang="en-US" dirty="0"/>
+              <a:t>去除虚化</a:t>
+            </a:r>
+          </a:p>
+        </p:txBody>
+      </p:sp>
+      <p:sp>
+        <p:nvSpPr>
+          <p:cNvPr id="3" name="内容占位符 2"/>
+          <p:cNvSpPr>
+            <a:spLocks noGrp="1"/>
+          </p:cNvSpPr>
+          <p:nvPr>
+            <p:ph idx="1"/>
+          </p:nvPr>
+        </p:nvSpPr>
+        <p:spPr/>
+        <p:txBody>
+          <a:bodyPr/>
+          <a:lstStyle/>
+          <a:p>
+            <a:r>
+              <a:rPr lang="zh-CN" altLang="en-US" dirty="0"/>
+              <a:t>建议</a:t>
+            </a:r>
+            <a:endParaRPr lang="en-US" altLang="zh-CN" dirty="0"/>
+          </a:p>
+          <a:p>
+            <a:pPr lvl="1"/>
+            <a:r>
+              <a:rPr lang="zh-CN" altLang="en-US" b="1" dirty="0"/>
+              <a:t>考虑</a:t>
+            </a:r>
+            <a:r>
+              <a:rPr lang="zh-CN" altLang="en-US" dirty="0"/>
+              <a:t>使用静态方法替换单例类的实例方法</a:t>
+            </a:r>
+            <a:endParaRPr lang="en-US" altLang="zh-CN" dirty="0"/>
+          </a:p>
+          <a:p>
+            <a:pPr lvl="1"/>
+            <a:r>
+              <a:rPr lang="zh-CN" altLang="en-US" b="1" dirty="0"/>
+              <a:t>应当</a:t>
+            </a:r>
+            <a:r>
+              <a:rPr lang="zh-CN" altLang="en-US" dirty="0"/>
+              <a:t>使用</a:t>
+            </a:r>
+            <a:r>
+              <a:rPr lang="en-US" altLang="zh-CN" dirty="0"/>
+              <a:t>sealed</a:t>
+            </a:r>
+            <a:r>
+              <a:rPr lang="zh-CN" altLang="en-US" dirty="0"/>
+              <a:t>修饰符修饰不会被派生的类</a:t>
+            </a:r>
+            <a:endParaRPr lang="en-US" altLang="zh-CN" dirty="0"/>
+          </a:p>
+          <a:p>
+            <a:pPr lvl="1"/>
+            <a:r>
+              <a:rPr lang="zh-CN" altLang="en-US" b="1" dirty="0"/>
+              <a:t>应当</a:t>
+            </a:r>
+            <a:r>
+              <a:rPr lang="zh-CN" altLang="en-US" dirty="0"/>
+              <a:t>使用</a:t>
+            </a:r>
+            <a:r>
+              <a:rPr lang="en-US" altLang="zh-CN" dirty="0"/>
+              <a:t>sealed</a:t>
+            </a:r>
+            <a:r>
+              <a:rPr lang="zh-CN" altLang="en-US" dirty="0"/>
+              <a:t>修饰符修饰不会被重写的方法</a:t>
+            </a:r>
+            <a:endParaRPr lang="en-US" altLang="zh-CN" b="1" dirty="0"/>
+          </a:p>
+          <a:p>
+            <a:pPr lvl="1"/>
+            <a:endParaRPr lang="zh-CN" altLang="en-US" dirty="0"/>
+          </a:p>
+        </p:txBody>
+      </p:sp>
+    </p:spTree>
+    <p:extLst>
+      <p:ext uri="{BB962C8B-B14F-4D97-AF65-F5344CB8AC3E}">
+        <p14:creationId xmlns:p14="http://schemas.microsoft.com/office/powerpoint/2010/main" val="2797500032"/>
+      </p:ext>
+    </p:extLst>
+  </p:cSld>
+  <p:clrMapOvr>
+    <a:masterClrMapping/>
+  </p:clrMapOvr>
+</p:sld>
+</file>
+
+<file path=ppt/slides/slide28.xml><?xml version="1.0" encoding="utf-8"?>
 <p:sld xmlns:a="http://schemas.openxmlformats.org/drawingml/2006/main" xmlns:r="http://schemas.openxmlformats.org/officeDocument/2006/relationships" xmlns:p="http://schemas.openxmlformats.org/presentationml/2006/main">
   <p:cSld>
     <p:spTree>
@@ -8033,7 +9286,7 @@
 </p:sld>
 </file>
 
-<file path=ppt/slides/slide27.xml><?xml version="1.0" encoding="utf-8"?>
+<file path=ppt/slides/slide29.xml><?xml version="1.0" encoding="utf-8"?>
 <p:sld xmlns:a="http://schemas.openxmlformats.org/drawingml/2006/main" xmlns:r="http://schemas.openxmlformats.org/officeDocument/2006/relationships" xmlns:p="http://schemas.openxmlformats.org/presentationml/2006/main">
   <p:cSld>
     <p:spTree>
@@ -8159,7 +9412,7 @@
             </a:r>
             <a:r>
               <a:rPr lang="en-US" altLang="zh-CN" dirty="0"/>
-              <a:t>100000000</a:t>
+              <a:t>100,000,000</a:t>
             </a:r>
             <a:r>
               <a:rPr lang="zh-CN" altLang="en-US" dirty="0"/>
@@ -8414,7 +9667,7 @@
 </p:sld>
 </file>
 
-<file path=ppt/slides/slide28.xml><?xml version="1.0" encoding="utf-8"?>
+<file path=ppt/slides/slide3.xml><?xml version="1.0" encoding="utf-8"?>
 <p:sld xmlns:a="http://schemas.openxmlformats.org/drawingml/2006/main" xmlns:r="http://schemas.openxmlformats.org/officeDocument/2006/relationships" xmlns:p="http://schemas.openxmlformats.org/presentationml/2006/main">
   <p:cSld>
     <p:spTree>
@@ -8441,6 +9694,228 @@
             <p:ph type="title"/>
           </p:nvPr>
         </p:nvSpPr>
+        <p:spPr>
+          <a:xfrm>
+            <a:off x="6904022" y="189569"/>
+            <a:ext cx="5127031" cy="1676603"/>
+          </a:xfrm>
+        </p:spPr>
+        <p:txBody>
+          <a:bodyPr>
+            <a:normAutofit/>
+          </a:bodyPr>
+          <a:lstStyle/>
+          <a:p>
+            <a:r>
+              <a:rPr lang="en-US" altLang="zh-CN" dirty="0" err="1"/>
+              <a:t>.Net</a:t>
+            </a:r>
+            <a:r>
+              <a:rPr lang="zh-CN" altLang="en-US" dirty="0"/>
+              <a:t>平台谱系</a:t>
+            </a:r>
+          </a:p>
+        </p:txBody>
+      </p:sp>
+      <p:sp>
+        <p:nvSpPr>
+          <p:cNvPr id="3" name="内容占位符 2"/>
+          <p:cNvSpPr>
+            <a:spLocks noGrp="1"/>
+          </p:cNvSpPr>
+          <p:nvPr>
+            <p:ph idx="1"/>
+          </p:nvPr>
+        </p:nvSpPr>
+        <p:spPr>
+          <a:xfrm>
+            <a:off x="6904022" y="1631074"/>
+            <a:ext cx="5127029" cy="3785419"/>
+          </a:xfrm>
+        </p:spPr>
+        <p:txBody>
+          <a:bodyPr>
+            <a:normAutofit/>
+          </a:bodyPr>
+          <a:lstStyle/>
+          <a:p>
+            <a:r>
+              <a:rPr lang="en-US" altLang="zh-CN" dirty="0" err="1"/>
+              <a:t>.Net</a:t>
+            </a:r>
+            <a:r>
+              <a:rPr lang="en-US" altLang="zh-CN" dirty="0"/>
+              <a:t> Framework</a:t>
+            </a:r>
+          </a:p>
+          <a:p>
+            <a:pPr marL="457200" lvl="1" indent="0">
+              <a:buNone/>
+            </a:pPr>
+            <a:r>
+              <a:rPr lang="zh-CN" altLang="en-US" sz="1600" dirty="0">
+                <a:latin typeface="+mn-ea"/>
+              </a:rPr>
+              <a:t>微软建立与维护。最完备且广泛使用的平台</a:t>
+            </a:r>
+            <a:endParaRPr lang="en-US" altLang="zh-CN" sz="1600" dirty="0">
+              <a:latin typeface="+mn-ea"/>
+            </a:endParaRPr>
+          </a:p>
+          <a:p>
+            <a:r>
+              <a:rPr lang="en-US" altLang="zh-CN" dirty="0" err="1"/>
+              <a:t>CoreCLR</a:t>
+            </a:r>
+            <a:endParaRPr lang="en-US" altLang="zh-CN" dirty="0"/>
+          </a:p>
+          <a:p>
+            <a:pPr marL="457200" lvl="1" indent="0">
+              <a:buNone/>
+            </a:pPr>
+            <a:r>
+              <a:rPr lang="zh-CN" altLang="en-US" sz="1600" dirty="0"/>
+              <a:t>微软</a:t>
+            </a:r>
+            <a:r>
+              <a:rPr lang="en-US" altLang="zh-CN" sz="1600" dirty="0" err="1"/>
+              <a:t>.Net</a:t>
+            </a:r>
+            <a:r>
+              <a:rPr lang="zh-CN" altLang="en-US" sz="1600" dirty="0"/>
+              <a:t>的开源版本。主要由微软维护</a:t>
+            </a:r>
+            <a:endParaRPr lang="en-US" altLang="zh-CN" sz="1600" dirty="0"/>
+          </a:p>
+          <a:p>
+            <a:r>
+              <a:rPr lang="en-US" altLang="zh-CN" dirty="0"/>
+              <a:t>Mono</a:t>
+            </a:r>
+          </a:p>
+          <a:p>
+            <a:pPr marL="457200" lvl="1" indent="0">
+              <a:buNone/>
+            </a:pPr>
+            <a:r>
+              <a:rPr lang="en-US" altLang="zh-CN" sz="1600" dirty="0" err="1"/>
+              <a:t>Ximian</a:t>
+            </a:r>
+            <a:r>
+              <a:rPr lang="zh-CN" altLang="en-US" sz="1600" dirty="0"/>
+              <a:t>建立，后随该公司加入</a:t>
+            </a:r>
+            <a:r>
+              <a:rPr lang="en-US" altLang="zh-CN" sz="1600" dirty="0"/>
+              <a:t>Novell</a:t>
+            </a:r>
+            <a:r>
+              <a:rPr lang="zh-CN" altLang="en-US" sz="1600" dirty="0"/>
+              <a:t>。</a:t>
+            </a:r>
+            <a:r>
+              <a:rPr lang="en-US" altLang="zh-CN" sz="1600" dirty="0"/>
+              <a:t>Novell</a:t>
+            </a:r>
+            <a:r>
+              <a:rPr lang="zh-CN" altLang="en-US" sz="1600" dirty="0"/>
+              <a:t>被收购后由</a:t>
+            </a:r>
+            <a:r>
+              <a:rPr lang="en-US" altLang="zh-CN" sz="1600" dirty="0" err="1"/>
+              <a:t>Xamarin</a:t>
+            </a:r>
+            <a:r>
+              <a:rPr lang="zh-CN" altLang="en-US" sz="1600" dirty="0"/>
+              <a:t>维护</a:t>
+            </a:r>
+            <a:endParaRPr lang="en-US" altLang="zh-CN" sz="1600" dirty="0"/>
+          </a:p>
+          <a:p>
+            <a:r>
+              <a:rPr lang="en-US" altLang="zh-CN" dirty="0"/>
+              <a:t>Mono(Unity3D)</a:t>
+            </a:r>
+          </a:p>
+          <a:p>
+            <a:r>
+              <a:rPr lang="en-US" altLang="zh-CN" dirty="0"/>
+              <a:t>IL2CPP(Unity3D)</a:t>
+            </a:r>
+            <a:endParaRPr lang="zh-CN" altLang="en-US" dirty="0"/>
+          </a:p>
+        </p:txBody>
+      </p:sp>
+      <p:pic>
+        <p:nvPicPr>
+          <p:cNvPr id="9" name="图片 8"/>
+          <p:cNvPicPr>
+            <a:picLocks noChangeAspect="1"/>
+          </p:cNvPicPr>
+          <p:nvPr/>
+        </p:nvPicPr>
+        <p:blipFill>
+          <a:blip r:embed="rId2">
+            <a:extLst>
+              <a:ext uri="{28A0092B-C50C-407E-A947-70E740481C1C}">
+                <a14:useLocalDpi xmlns:a14="http://schemas.microsoft.com/office/drawing/2010/main" val="0"/>
+              </a:ext>
+            </a:extLst>
+          </a:blip>
+          <a:stretch>
+            <a:fillRect/>
+          </a:stretch>
+        </p:blipFill>
+        <p:spPr>
+          <a:xfrm>
+            <a:off x="-72296" y="189569"/>
+            <a:ext cx="6887536" cy="6668431"/>
+          </a:xfrm>
+          <a:prstGeom prst="rect">
+            <a:avLst/>
+          </a:prstGeom>
+        </p:spPr>
+      </p:pic>
+    </p:spTree>
+    <p:extLst>
+      <p:ext uri="{BB962C8B-B14F-4D97-AF65-F5344CB8AC3E}">
+        <p14:creationId xmlns:p14="http://schemas.microsoft.com/office/powerpoint/2010/main" val="2932515175"/>
+      </p:ext>
+    </p:extLst>
+  </p:cSld>
+  <p:clrMapOvr>
+    <a:masterClrMapping/>
+  </p:clrMapOvr>
+</p:sld>
+</file>
+
+<file path=ppt/slides/slide30.xml><?xml version="1.0" encoding="utf-8"?>
+<p:sld xmlns:a="http://schemas.openxmlformats.org/drawingml/2006/main" xmlns:r="http://schemas.openxmlformats.org/officeDocument/2006/relationships" xmlns:p="http://schemas.openxmlformats.org/presentationml/2006/main">
+  <p:cSld>
+    <p:spTree>
+      <p:nvGrpSpPr>
+        <p:cNvPr id="1" name=""/>
+        <p:cNvGrpSpPr/>
+        <p:nvPr/>
+      </p:nvGrpSpPr>
+      <p:grpSpPr>
+        <a:xfrm>
+          <a:off x="0" y="0"/>
+          <a:ext cx="0" cy="0"/>
+          <a:chOff x="0" y="0"/>
+          <a:chExt cx="0" cy="0"/>
+        </a:xfrm>
+      </p:grpSpPr>
+      <p:sp>
+        <p:nvSpPr>
+          <p:cNvPr id="2" name="标题 1"/>
+          <p:cNvSpPr>
+            <a:spLocks noGrp="1"/>
+          </p:cNvSpPr>
+          <p:nvPr>
+            <p:ph type="title"/>
+          </p:nvPr>
+        </p:nvSpPr>
         <p:spPr/>
         <p:txBody>
           <a:bodyPr/>
@@ -8505,7 +9980,7 @@
             </a:r>
             <a:r>
               <a:rPr lang="en-US" altLang="zh-CN" dirty="0"/>
-              <a:t>100000000</a:t>
+              <a:t>100,000,000</a:t>
             </a:r>
             <a:r>
               <a:rPr lang="zh-CN" altLang="en-US" dirty="0"/>
@@ -8592,7 +10067,7 @@
               <a:t>&lt;T&gt;</a:t>
             </a:r>
             <a:r>
-              <a:rPr lang="zh-CN" altLang="en-US"/>
+              <a:rPr lang="zh-CN" altLang="en-US" dirty="0"/>
               <a:t>对象修改对象比较方法。</a:t>
             </a:r>
             <a:endParaRPr lang="en-US" altLang="zh-CN" dirty="0"/>
@@ -8660,770 +10135,6 @@
 </p:sld>
 </file>
 
-<file path=ppt/slides/slide29.xml><?xml version="1.0" encoding="utf-8"?>
-<p:sld xmlns:a="http://schemas.openxmlformats.org/drawingml/2006/main" xmlns:r="http://schemas.openxmlformats.org/officeDocument/2006/relationships" xmlns:p="http://schemas.openxmlformats.org/presentationml/2006/main">
-  <p:cSld>
-    <p:spTree>
-      <p:nvGrpSpPr>
-        <p:cNvPr id="1" name=""/>
-        <p:cNvGrpSpPr/>
-        <p:nvPr/>
-      </p:nvGrpSpPr>
-      <p:grpSpPr>
-        <a:xfrm>
-          <a:off x="0" y="0"/>
-          <a:ext cx="0" cy="0"/>
-          <a:chOff x="0" y="0"/>
-          <a:chExt cx="0" cy="0"/>
-        </a:xfrm>
-      </p:grpSpPr>
-      <p:sp>
-        <p:nvSpPr>
-          <p:cNvPr id="2" name="标题 1"/>
-          <p:cNvSpPr>
-            <a:spLocks noGrp="1"/>
-          </p:cNvSpPr>
-          <p:nvPr>
-            <p:ph type="title"/>
-          </p:nvPr>
-        </p:nvSpPr>
-        <p:spPr/>
-        <p:txBody>
-          <a:bodyPr/>
-          <a:lstStyle/>
-          <a:p>
-            <a:r>
-              <a:rPr lang="zh-CN" altLang="en-US" dirty="0"/>
-              <a:t>最佳实践</a:t>
-            </a:r>
-            <a:r>
-              <a:rPr lang="en-US" altLang="zh-CN" dirty="0"/>
-              <a:t>/</a:t>
-            </a:r>
-            <a:r>
-              <a:rPr lang="zh-CN" altLang="en-US" dirty="0"/>
-              <a:t>其他</a:t>
-            </a:r>
-          </a:p>
-        </p:txBody>
-      </p:sp>
-      <p:sp>
-        <p:nvSpPr>
-          <p:cNvPr id="3" name="内容占位符 2"/>
-          <p:cNvSpPr>
-            <a:spLocks noGrp="1"/>
-          </p:cNvSpPr>
-          <p:nvPr>
-            <p:ph idx="1"/>
-          </p:nvPr>
-        </p:nvSpPr>
-        <p:spPr/>
-        <p:txBody>
-          <a:bodyPr>
-            <a:normAutofit lnSpcReduction="10000"/>
-          </a:bodyPr>
-          <a:lstStyle/>
-          <a:p>
-            <a:r>
-              <a:rPr lang="zh-CN" altLang="en-US" dirty="0"/>
-              <a:t>缓存</a:t>
-            </a:r>
-            <a:r>
-              <a:rPr lang="en-US" altLang="zh-CN" dirty="0" err="1"/>
-              <a:t>MemberInfo</a:t>
-            </a:r>
-            <a:endParaRPr lang="en-US" altLang="zh-CN" dirty="0"/>
-          </a:p>
-          <a:p>
-            <a:pPr marL="457200" lvl="1" indent="0">
-              <a:buNone/>
-            </a:pPr>
-            <a:r>
-              <a:rPr lang="zh-CN" altLang="en-US" sz="1800" dirty="0">
-                <a:latin typeface="微软雅黑 Light" panose="020B0502040204020203" pitchFamily="34" charset="-122"/>
-                <a:ea typeface="微软雅黑 Light" panose="020B0502040204020203" pitchFamily="34" charset="-122"/>
-              </a:rPr>
-              <a:t>反射性能低下主要有三个原因：</a:t>
-            </a:r>
-            <a:r>
-              <a:rPr lang="en-US" altLang="zh-CN" sz="1800" dirty="0" err="1">
-                <a:latin typeface="微软雅黑 Light" panose="020B0502040204020203" pitchFamily="34" charset="-122"/>
-                <a:ea typeface="微软雅黑 Light" panose="020B0502040204020203" pitchFamily="34" charset="-122"/>
-              </a:rPr>
-              <a:t>EEClass</a:t>
-            </a:r>
-            <a:r>
-              <a:rPr lang="zh-CN" altLang="en-US" sz="1800" dirty="0">
-                <a:latin typeface="微软雅黑 Light" panose="020B0502040204020203" pitchFamily="34" charset="-122"/>
-                <a:ea typeface="微软雅黑 Light" panose="020B0502040204020203" pitchFamily="34" charset="-122"/>
-              </a:rPr>
-              <a:t>检索慢于编译器生成的地址代换，检索到的数据需要生成</a:t>
-            </a:r>
-            <a:r>
-              <a:rPr lang="en-US" altLang="zh-CN" sz="1800" dirty="0" err="1">
-                <a:latin typeface="微软雅黑 Light" panose="020B0502040204020203" pitchFamily="34" charset="-122"/>
-                <a:ea typeface="微软雅黑 Light" panose="020B0502040204020203" pitchFamily="34" charset="-122"/>
-              </a:rPr>
-              <a:t>MemberInfo</a:t>
-            </a:r>
-            <a:r>
-              <a:rPr lang="zh-CN" altLang="en-US" sz="1800" dirty="0">
-                <a:latin typeface="微软雅黑 Light" panose="020B0502040204020203" pitchFamily="34" charset="-122"/>
-                <a:ea typeface="微软雅黑 Light" panose="020B0502040204020203" pitchFamily="34" charset="-122"/>
-              </a:rPr>
-              <a:t>对象，访问</a:t>
-            </a:r>
-            <a:r>
-              <a:rPr lang="en-US" altLang="zh-CN" sz="1800" dirty="0" err="1">
-                <a:latin typeface="微软雅黑 Light" panose="020B0502040204020203" pitchFamily="34" charset="-122"/>
-                <a:ea typeface="微软雅黑 Light" panose="020B0502040204020203" pitchFamily="34" charset="-122"/>
-              </a:rPr>
-              <a:t>MemberInfo</a:t>
-            </a:r>
-            <a:r>
-              <a:rPr lang="zh-CN" altLang="en-US" sz="1800" dirty="0">
-                <a:latin typeface="微软雅黑 Light" panose="020B0502040204020203" pitchFamily="34" charset="-122"/>
-                <a:ea typeface="微软雅黑 Light" panose="020B0502040204020203" pitchFamily="34" charset="-122"/>
-              </a:rPr>
-              <a:t>对象需要动态绑定。使用反射式缓存</a:t>
-            </a:r>
-            <a:r>
-              <a:rPr lang="en-US" altLang="zh-CN" sz="1800" dirty="0" err="1">
-                <a:latin typeface="微软雅黑 Light" panose="020B0502040204020203" pitchFamily="34" charset="-122"/>
-                <a:ea typeface="微软雅黑 Light" panose="020B0502040204020203" pitchFamily="34" charset="-122"/>
-              </a:rPr>
-              <a:t>MemberInfo</a:t>
-            </a:r>
-            <a:r>
-              <a:rPr lang="zh-CN" altLang="en-US" sz="1800" dirty="0">
-                <a:latin typeface="微软雅黑 Light" panose="020B0502040204020203" pitchFamily="34" charset="-122"/>
-                <a:ea typeface="微软雅黑 Light" panose="020B0502040204020203" pitchFamily="34" charset="-122"/>
-              </a:rPr>
-              <a:t>，前两个问题都能迎刃而解</a:t>
-            </a:r>
-          </a:p>
-          <a:p>
-            <a:r>
-              <a:rPr lang="zh-CN" altLang="en-US" dirty="0"/>
-              <a:t>为集合预分配容量</a:t>
-            </a:r>
-            <a:endParaRPr lang="en-US" altLang="zh-CN" dirty="0"/>
-          </a:p>
-          <a:p>
-            <a:pPr marL="457200" lvl="1" indent="0">
-              <a:buNone/>
-            </a:pPr>
-            <a:r>
-              <a:rPr lang="zh-CN" altLang="en-US" sz="1800" dirty="0">
-                <a:latin typeface="微软雅黑 Light" panose="020B0502040204020203" pitchFamily="34" charset="-122"/>
-                <a:ea typeface="微软雅黑 Light" panose="020B0502040204020203" pitchFamily="34" charset="-122"/>
-              </a:rPr>
-              <a:t>集合拥有积极扩张的内存分配策略，预估集合容量并进行预分配非但有助于减少重分配次数，而且通常能够节约内存</a:t>
-            </a:r>
-            <a:endParaRPr lang="en-US" altLang="zh-CN" sz="1800" dirty="0">
-              <a:latin typeface="微软雅黑 Light" panose="020B0502040204020203" pitchFamily="34" charset="-122"/>
-              <a:ea typeface="微软雅黑 Light" panose="020B0502040204020203" pitchFamily="34" charset="-122"/>
-            </a:endParaRPr>
-          </a:p>
-          <a:p>
-            <a:r>
-              <a:rPr lang="zh-CN" altLang="en-US" dirty="0"/>
-              <a:t>重写</a:t>
-            </a:r>
-            <a:r>
-              <a:rPr lang="en-US" altLang="zh-CN" dirty="0"/>
-              <a:t>Equals</a:t>
-            </a:r>
-            <a:r>
-              <a:rPr lang="zh-CN" altLang="en-US" dirty="0"/>
-              <a:t>方法和</a:t>
-            </a:r>
-            <a:r>
-              <a:rPr lang="en-US" altLang="zh-CN" dirty="0" err="1"/>
-              <a:t>GetHashCode</a:t>
-            </a:r>
-            <a:r>
-              <a:rPr lang="zh-CN" altLang="en-US" dirty="0"/>
-              <a:t>方法</a:t>
-            </a:r>
-            <a:endParaRPr lang="en-US" altLang="zh-CN" dirty="0"/>
-          </a:p>
-          <a:p>
-            <a:pPr marL="457200" lvl="1" indent="0">
-              <a:buNone/>
-            </a:pPr>
-            <a:r>
-              <a:rPr lang="zh-CN" altLang="en-US" sz="1800" dirty="0">
-                <a:latin typeface="微软雅黑 Light" panose="020B0502040204020203" pitchFamily="34" charset="-122"/>
-                <a:ea typeface="微软雅黑 Light" panose="020B0502040204020203" pitchFamily="34" charset="-122"/>
-              </a:rPr>
-              <a:t>引用类型的上述方法默认实现使用反射</a:t>
-            </a:r>
-            <a:r>
-              <a:rPr lang="zh-CN" altLang="en-US" dirty="0"/>
-              <a:t>坚持建立文档化注释</a:t>
-            </a:r>
-            <a:endParaRPr lang="en-US" altLang="zh-CN" dirty="0"/>
-          </a:p>
-          <a:p>
-            <a:pPr marL="457200" lvl="1" indent="0">
-              <a:buNone/>
-            </a:pPr>
-            <a:r>
-              <a:rPr lang="zh-CN" altLang="en-US" sz="1800" dirty="0">
-                <a:latin typeface="微软雅黑 Light" panose="020B0502040204020203" pitchFamily="34" charset="-122"/>
-                <a:ea typeface="微软雅黑 Light" panose="020B0502040204020203" pitchFamily="34" charset="-122"/>
-              </a:rPr>
-              <a:t>从</a:t>
-            </a:r>
-            <a:r>
-              <a:rPr lang="en-US" altLang="zh-CN" sz="1800" dirty="0">
-                <a:latin typeface="微软雅黑 Light" panose="020B0502040204020203" pitchFamily="34" charset="-122"/>
-                <a:ea typeface="微软雅黑 Light" panose="020B0502040204020203" pitchFamily="34" charset="-122"/>
-              </a:rPr>
-              <a:t>VisualStudio</a:t>
-            </a:r>
-            <a:r>
-              <a:rPr lang="zh-CN" altLang="en-US" sz="1800" dirty="0">
-                <a:latin typeface="微软雅黑 Light" panose="020B0502040204020203" pitchFamily="34" charset="-122"/>
-                <a:ea typeface="微软雅黑 Light" panose="020B0502040204020203" pitchFamily="34" charset="-122"/>
-              </a:rPr>
-              <a:t>到</a:t>
-            </a:r>
-            <a:r>
-              <a:rPr lang="en-US" altLang="zh-CN" sz="1800" dirty="0" err="1">
-                <a:latin typeface="微软雅黑 Light" panose="020B0502040204020203" pitchFamily="34" charset="-122"/>
-                <a:ea typeface="微软雅黑 Light" panose="020B0502040204020203" pitchFamily="34" charset="-122"/>
-              </a:rPr>
-              <a:t>Resharper</a:t>
-            </a:r>
-            <a:r>
-              <a:rPr lang="zh-CN" altLang="en-US" sz="1800" dirty="0">
-                <a:latin typeface="微软雅黑 Light" panose="020B0502040204020203" pitchFamily="34" charset="-122"/>
-                <a:ea typeface="微软雅黑 Light" panose="020B0502040204020203" pitchFamily="34" charset="-122"/>
-              </a:rPr>
-              <a:t>，对类与方法的描述都来自文档化注释。</a:t>
-            </a:r>
-            <a:endParaRPr lang="en-US" altLang="zh-CN" dirty="0"/>
-          </a:p>
-          <a:p>
-            <a:r>
-              <a:rPr lang="zh-CN" altLang="en-US" dirty="0"/>
-              <a:t>较小的集合不应使用有键集合</a:t>
-            </a:r>
-            <a:endParaRPr lang="en-US" altLang="zh-CN" dirty="0"/>
-          </a:p>
-          <a:p>
-            <a:pPr marL="457200" lvl="1" indent="0">
-              <a:buNone/>
-            </a:pPr>
-            <a:r>
-              <a:rPr lang="zh-CN" altLang="en-US" sz="1800" dirty="0">
-                <a:latin typeface="微软雅黑 Light" panose="020B0502040204020203" pitchFamily="34" charset="-122"/>
-                <a:ea typeface="微软雅黑 Light" panose="020B0502040204020203" pitchFamily="34" charset="-122"/>
-              </a:rPr>
-              <a:t>有键集合需要额外的空间。举例来说，一个空的</a:t>
-            </a:r>
-            <a:r>
-              <a:rPr lang="en-US" altLang="zh-CN" sz="1800" dirty="0">
-                <a:latin typeface="微软雅黑 Light" panose="020B0502040204020203" pitchFamily="34" charset="-122"/>
-                <a:ea typeface="微软雅黑 Light" panose="020B0502040204020203" pitchFamily="34" charset="-122"/>
-              </a:rPr>
-              <a:t>Dictionary</a:t>
-            </a:r>
-            <a:r>
-              <a:rPr lang="zh-CN" altLang="en-US" sz="1800" dirty="0">
-                <a:latin typeface="微软雅黑 Light" panose="020B0502040204020203" pitchFamily="34" charset="-122"/>
-                <a:ea typeface="微软雅黑 Light" panose="020B0502040204020203" pitchFamily="34" charset="-122"/>
-              </a:rPr>
-              <a:t>也会消耗</a:t>
-            </a:r>
-            <a:r>
-              <a:rPr lang="en-US" altLang="zh-CN" sz="1800" dirty="0">
-                <a:latin typeface="微软雅黑 Light" panose="020B0502040204020203" pitchFamily="34" charset="-122"/>
-                <a:ea typeface="微软雅黑 Light" panose="020B0502040204020203" pitchFamily="34" charset="-122"/>
-              </a:rPr>
-              <a:t>12</a:t>
-            </a:r>
-            <a:r>
-              <a:rPr lang="zh-CN" altLang="en-US" sz="1800" dirty="0">
-                <a:latin typeface="微软雅黑 Light" panose="020B0502040204020203" pitchFamily="34" charset="-122"/>
-                <a:ea typeface="微软雅黑 Light" panose="020B0502040204020203" pitchFamily="34" charset="-122"/>
-              </a:rPr>
-              <a:t>字节的空间。</a:t>
-            </a:r>
-            <a:endParaRPr lang="en-US" altLang="zh-CN" sz="1800" dirty="0">
-              <a:latin typeface="微软雅黑 Light" panose="020B0502040204020203" pitchFamily="34" charset="-122"/>
-              <a:ea typeface="微软雅黑 Light" panose="020B0502040204020203" pitchFamily="34" charset="-122"/>
-            </a:endParaRPr>
-          </a:p>
-        </p:txBody>
-      </p:sp>
-    </p:spTree>
-    <p:extLst>
-      <p:ext uri="{BB962C8B-B14F-4D97-AF65-F5344CB8AC3E}">
-        <p14:creationId xmlns:p14="http://schemas.microsoft.com/office/powerpoint/2010/main" val="1948017904"/>
-      </p:ext>
-    </p:extLst>
-  </p:cSld>
-  <p:clrMapOvr>
-    <a:masterClrMapping/>
-  </p:clrMapOvr>
-</p:sld>
-</file>
-
-<file path=ppt/slides/slide3.xml><?xml version="1.0" encoding="utf-8"?>
-<p:sld xmlns:a="http://schemas.openxmlformats.org/drawingml/2006/main" xmlns:r="http://schemas.openxmlformats.org/officeDocument/2006/relationships" xmlns:p="http://schemas.openxmlformats.org/presentationml/2006/main">
-  <p:cSld>
-    <p:spTree>
-      <p:nvGrpSpPr>
-        <p:cNvPr id="1" name=""/>
-        <p:cNvGrpSpPr/>
-        <p:nvPr/>
-      </p:nvGrpSpPr>
-      <p:grpSpPr>
-        <a:xfrm>
-          <a:off x="0" y="0"/>
-          <a:ext cx="0" cy="0"/>
-          <a:chOff x="0" y="0"/>
-          <a:chExt cx="0" cy="0"/>
-        </a:xfrm>
-      </p:grpSpPr>
-      <p:sp>
-        <p:nvSpPr>
-          <p:cNvPr id="2" name="标题 1"/>
-          <p:cNvSpPr>
-            <a:spLocks noGrp="1"/>
-          </p:cNvSpPr>
-          <p:nvPr>
-            <p:ph type="title"/>
-          </p:nvPr>
-        </p:nvSpPr>
-        <p:spPr>
-          <a:xfrm>
-            <a:off x="6904022" y="189569"/>
-            <a:ext cx="5127031" cy="1676603"/>
-          </a:xfrm>
-        </p:spPr>
-        <p:txBody>
-          <a:bodyPr>
-            <a:normAutofit/>
-          </a:bodyPr>
-          <a:lstStyle/>
-          <a:p>
-            <a:r>
-              <a:rPr lang="en-US" altLang="zh-CN" dirty="0" err="1"/>
-              <a:t>.Net</a:t>
-            </a:r>
-            <a:r>
-              <a:rPr lang="zh-CN" altLang="en-US" dirty="0"/>
-              <a:t>平台谱系</a:t>
-            </a:r>
-          </a:p>
-        </p:txBody>
-      </p:sp>
-      <p:sp>
-        <p:nvSpPr>
-          <p:cNvPr id="3" name="内容占位符 2"/>
-          <p:cNvSpPr>
-            <a:spLocks noGrp="1"/>
-          </p:cNvSpPr>
-          <p:nvPr>
-            <p:ph idx="1"/>
-          </p:nvPr>
-        </p:nvSpPr>
-        <p:spPr>
-          <a:xfrm>
-            <a:off x="6904022" y="1631074"/>
-            <a:ext cx="5127029" cy="3785419"/>
-          </a:xfrm>
-        </p:spPr>
-        <p:txBody>
-          <a:bodyPr>
-            <a:normAutofit/>
-          </a:bodyPr>
-          <a:lstStyle/>
-          <a:p>
-            <a:r>
-              <a:rPr lang="en-US" altLang="zh-CN" dirty="0" err="1"/>
-              <a:t>.Net</a:t>
-            </a:r>
-            <a:r>
-              <a:rPr lang="en-US" altLang="zh-CN" dirty="0"/>
-              <a:t> Framework</a:t>
-            </a:r>
-          </a:p>
-          <a:p>
-            <a:pPr marL="457200" lvl="1" indent="0">
-              <a:buNone/>
-            </a:pPr>
-            <a:r>
-              <a:rPr lang="zh-CN" altLang="en-US" sz="1600" dirty="0">
-                <a:latin typeface="+mn-ea"/>
-              </a:rPr>
-              <a:t>微软建立与维护。最完备且广泛使用的平台</a:t>
-            </a:r>
-            <a:endParaRPr lang="en-US" altLang="zh-CN" sz="1600" dirty="0">
-              <a:latin typeface="+mn-ea"/>
-            </a:endParaRPr>
-          </a:p>
-          <a:p>
-            <a:r>
-              <a:rPr lang="en-US" altLang="zh-CN" dirty="0" err="1"/>
-              <a:t>CoreCLR</a:t>
-            </a:r>
-            <a:endParaRPr lang="en-US" altLang="zh-CN" dirty="0"/>
-          </a:p>
-          <a:p>
-            <a:pPr marL="457200" lvl="1" indent="0">
-              <a:buNone/>
-            </a:pPr>
-            <a:r>
-              <a:rPr lang="zh-CN" altLang="en-US" sz="1600" dirty="0"/>
-              <a:t>微软</a:t>
-            </a:r>
-            <a:r>
-              <a:rPr lang="en-US" altLang="zh-CN" sz="1600" dirty="0" err="1"/>
-              <a:t>.Net</a:t>
-            </a:r>
-            <a:r>
-              <a:rPr lang="zh-CN" altLang="en-US" sz="1600" dirty="0"/>
-              <a:t>的开源版本。主要由微软维护</a:t>
-            </a:r>
-            <a:endParaRPr lang="en-US" altLang="zh-CN" sz="1600" dirty="0"/>
-          </a:p>
-          <a:p>
-            <a:r>
-              <a:rPr lang="en-US" altLang="zh-CN" dirty="0"/>
-              <a:t>Mono</a:t>
-            </a:r>
-          </a:p>
-          <a:p>
-            <a:pPr marL="457200" lvl="1" indent="0">
-              <a:buNone/>
-            </a:pPr>
-            <a:r>
-              <a:rPr lang="en-US" altLang="zh-CN" sz="1600" dirty="0" err="1"/>
-              <a:t>Ximian</a:t>
-            </a:r>
-            <a:r>
-              <a:rPr lang="zh-CN" altLang="en-US" sz="1600" dirty="0"/>
-              <a:t>建立，后随该公司加入</a:t>
-            </a:r>
-            <a:r>
-              <a:rPr lang="en-US" altLang="zh-CN" sz="1600" dirty="0"/>
-              <a:t>Novell</a:t>
-            </a:r>
-            <a:r>
-              <a:rPr lang="zh-CN" altLang="en-US" sz="1600" dirty="0"/>
-              <a:t>。</a:t>
-            </a:r>
-            <a:r>
-              <a:rPr lang="en-US" altLang="zh-CN" sz="1600" dirty="0"/>
-              <a:t>Novell</a:t>
-            </a:r>
-            <a:r>
-              <a:rPr lang="zh-CN" altLang="en-US" sz="1600" dirty="0"/>
-              <a:t>被收购后由</a:t>
-            </a:r>
-            <a:r>
-              <a:rPr lang="en-US" altLang="zh-CN" sz="1600" dirty="0" err="1"/>
-              <a:t>Xamarin</a:t>
-            </a:r>
-            <a:r>
-              <a:rPr lang="zh-CN" altLang="en-US" sz="1600" dirty="0"/>
-              <a:t>维护</a:t>
-            </a:r>
-            <a:endParaRPr lang="en-US" altLang="zh-CN" sz="1600" dirty="0"/>
-          </a:p>
-          <a:p>
-            <a:r>
-              <a:rPr lang="en-US" altLang="zh-CN" dirty="0"/>
-              <a:t>Mono(Unity3D)</a:t>
-            </a:r>
-          </a:p>
-          <a:p>
-            <a:r>
-              <a:rPr lang="en-US" altLang="zh-CN" dirty="0"/>
-              <a:t>IL2CPP(Unity3D)</a:t>
-            </a:r>
-            <a:endParaRPr lang="zh-CN" altLang="en-US" dirty="0"/>
-          </a:p>
-        </p:txBody>
-      </p:sp>
-      <p:pic>
-        <p:nvPicPr>
-          <p:cNvPr id="9" name="图片 8"/>
-          <p:cNvPicPr>
-            <a:picLocks noChangeAspect="1"/>
-          </p:cNvPicPr>
-          <p:nvPr/>
-        </p:nvPicPr>
-        <p:blipFill>
-          <a:blip r:embed="rId2">
-            <a:extLst>
-              <a:ext uri="{28A0092B-C50C-407E-A947-70E740481C1C}">
-                <a14:useLocalDpi xmlns:a14="http://schemas.microsoft.com/office/drawing/2010/main" val="0"/>
-              </a:ext>
-            </a:extLst>
-          </a:blip>
-          <a:stretch>
-            <a:fillRect/>
-          </a:stretch>
-        </p:blipFill>
-        <p:spPr>
-          <a:xfrm>
-            <a:off x="-72296" y="189569"/>
-            <a:ext cx="6887536" cy="6668431"/>
-          </a:xfrm>
-          <a:prstGeom prst="rect">
-            <a:avLst/>
-          </a:prstGeom>
-        </p:spPr>
-      </p:pic>
-    </p:spTree>
-    <p:extLst>
-      <p:ext uri="{BB962C8B-B14F-4D97-AF65-F5344CB8AC3E}">
-        <p14:creationId xmlns:p14="http://schemas.microsoft.com/office/powerpoint/2010/main" val="2932515175"/>
-      </p:ext>
-    </p:extLst>
-  </p:cSld>
-  <p:clrMapOvr>
-    <a:masterClrMapping/>
-  </p:clrMapOvr>
-</p:sld>
-</file>
-
-<file path=ppt/slides/slide30.xml><?xml version="1.0" encoding="utf-8"?>
-<p:sld xmlns:a="http://schemas.openxmlformats.org/drawingml/2006/main" xmlns:r="http://schemas.openxmlformats.org/officeDocument/2006/relationships" xmlns:p="http://schemas.openxmlformats.org/presentationml/2006/main">
-  <p:cSld>
-    <p:spTree>
-      <p:nvGrpSpPr>
-        <p:cNvPr id="1" name=""/>
-        <p:cNvGrpSpPr/>
-        <p:nvPr/>
-      </p:nvGrpSpPr>
-      <p:grpSpPr>
-        <a:xfrm>
-          <a:off x="0" y="0"/>
-          <a:ext cx="0" cy="0"/>
-          <a:chOff x="0" y="0"/>
-          <a:chExt cx="0" cy="0"/>
-        </a:xfrm>
-      </p:grpSpPr>
-      <p:sp>
-        <p:nvSpPr>
-          <p:cNvPr id="2" name="标题 1"/>
-          <p:cNvSpPr>
-            <a:spLocks noGrp="1"/>
-          </p:cNvSpPr>
-          <p:nvPr>
-            <p:ph type="title"/>
-          </p:nvPr>
-        </p:nvSpPr>
-        <p:spPr/>
-        <p:txBody>
-          <a:bodyPr/>
-          <a:lstStyle/>
-          <a:p>
-            <a:r>
-              <a:rPr lang="zh-CN" altLang="en-US" dirty="0"/>
-              <a:t>最佳实践</a:t>
-            </a:r>
-            <a:r>
-              <a:rPr lang="en-US" altLang="zh-CN" dirty="0"/>
-              <a:t>/</a:t>
-            </a:r>
-            <a:r>
-              <a:rPr lang="zh-CN" altLang="en-US" dirty="0"/>
-              <a:t>其他</a:t>
-            </a:r>
-          </a:p>
-        </p:txBody>
-      </p:sp>
-      <p:sp>
-        <p:nvSpPr>
-          <p:cNvPr id="3" name="内容占位符 2"/>
-          <p:cNvSpPr>
-            <a:spLocks noGrp="1"/>
-          </p:cNvSpPr>
-          <p:nvPr>
-            <p:ph idx="1"/>
-          </p:nvPr>
-        </p:nvSpPr>
-        <p:spPr/>
-        <p:txBody>
-          <a:bodyPr>
-            <a:normAutofit/>
-          </a:bodyPr>
-          <a:lstStyle/>
-          <a:p>
-            <a:r>
-              <a:rPr lang="zh-CN" altLang="en-US" dirty="0"/>
-              <a:t>枚举类型不宜作为键使用</a:t>
-            </a:r>
-            <a:endParaRPr lang="en-US" altLang="zh-CN" dirty="0"/>
-          </a:p>
-          <a:p>
-            <a:pPr marL="457200" lvl="1" indent="0">
-              <a:buNone/>
-            </a:pPr>
-            <a:r>
-              <a:rPr lang="zh-CN" altLang="en-US" sz="1800" dirty="0">
-                <a:latin typeface="微软雅黑 Light" panose="020B0502040204020203" pitchFamily="34" charset="-122"/>
-                <a:ea typeface="微软雅黑 Light" panose="020B0502040204020203" pitchFamily="34" charset="-122"/>
-              </a:rPr>
-              <a:t>枚举是值类型，而且你无法重写它的</a:t>
-            </a:r>
-            <a:r>
-              <a:rPr lang="en-US" altLang="zh-CN" sz="1800" dirty="0" err="1">
-                <a:latin typeface="微软雅黑 Light" panose="020B0502040204020203" pitchFamily="34" charset="-122"/>
-                <a:ea typeface="微软雅黑 Light" panose="020B0502040204020203" pitchFamily="34" charset="-122"/>
-              </a:rPr>
-              <a:t>GetHashCode</a:t>
-            </a:r>
-            <a:r>
-              <a:rPr lang="zh-CN" altLang="en-US" sz="1800" dirty="0">
-                <a:latin typeface="微软雅黑 Light" panose="020B0502040204020203" pitchFamily="34" charset="-122"/>
-                <a:ea typeface="微软雅黑 Light" panose="020B0502040204020203" pitchFamily="34" charset="-122"/>
-              </a:rPr>
-              <a:t>方法</a:t>
-            </a:r>
-            <a:endParaRPr lang="en-US" altLang="zh-CN" sz="1800" dirty="0">
-              <a:latin typeface="微软雅黑 Light" panose="020B0502040204020203" pitchFamily="34" charset="-122"/>
-              <a:ea typeface="微软雅黑 Light" panose="020B0502040204020203" pitchFamily="34" charset="-122"/>
-            </a:endParaRPr>
-          </a:p>
-          <a:p>
-            <a:r>
-              <a:rPr lang="zh-CN" altLang="en-US" dirty="0"/>
-              <a:t>谨慎传递结构体</a:t>
-            </a:r>
-            <a:endParaRPr lang="en-US" altLang="zh-CN" dirty="0"/>
-          </a:p>
-          <a:p>
-            <a:pPr marL="457200" lvl="1" indent="0">
-              <a:buNone/>
-            </a:pPr>
-            <a:r>
-              <a:rPr lang="zh-CN" altLang="en-US" sz="1800" dirty="0">
-                <a:latin typeface="微软雅黑 Light" panose="020B0502040204020203" pitchFamily="34" charset="-122"/>
-                <a:ea typeface="微软雅黑 Light" panose="020B0502040204020203" pitchFamily="34" charset="-122"/>
-              </a:rPr>
-              <a:t>别忘了结构体是值类型哦。使用</a:t>
-            </a:r>
-            <a:r>
-              <a:rPr lang="en-US" altLang="zh-CN" sz="1800" dirty="0">
-                <a:latin typeface="微软雅黑 Light" panose="020B0502040204020203" pitchFamily="34" charset="-122"/>
-                <a:ea typeface="微软雅黑 Light" panose="020B0502040204020203" pitchFamily="34" charset="-122"/>
-              </a:rPr>
-              <a:t>ref</a:t>
-            </a:r>
-            <a:r>
-              <a:rPr lang="zh-CN" altLang="en-US" sz="1800" dirty="0">
-                <a:latin typeface="微软雅黑 Light" panose="020B0502040204020203" pitchFamily="34" charset="-122"/>
-                <a:ea typeface="微软雅黑 Light" panose="020B0502040204020203" pitchFamily="34" charset="-122"/>
-              </a:rPr>
-              <a:t>传递作为参数的结构体</a:t>
-            </a:r>
-            <a:endParaRPr lang="en-US" altLang="zh-CN" sz="1800" dirty="0">
-              <a:latin typeface="微软雅黑 Light" panose="020B0502040204020203" pitchFamily="34" charset="-122"/>
-              <a:ea typeface="微软雅黑 Light" panose="020B0502040204020203" pitchFamily="34" charset="-122"/>
-            </a:endParaRPr>
-          </a:p>
-          <a:p>
-            <a:r>
-              <a:rPr lang="zh-CN" altLang="en-US" dirty="0"/>
-              <a:t>使用枚举而非常量</a:t>
-            </a:r>
-            <a:endParaRPr lang="en-US" altLang="zh-CN" dirty="0"/>
-          </a:p>
-          <a:p>
-            <a:pPr marL="457200" lvl="1" indent="0">
-              <a:buNone/>
-            </a:pPr>
-            <a:r>
-              <a:rPr lang="zh-CN" altLang="en-US" sz="1800" dirty="0">
-                <a:latin typeface="微软雅黑 Light" panose="020B0502040204020203" pitchFamily="34" charset="-122"/>
-                <a:ea typeface="微软雅黑 Light" panose="020B0502040204020203" pitchFamily="34" charset="-122"/>
-              </a:rPr>
-              <a:t>枚举明确地指出了其内容的约束，且拥有更完备的工具支持</a:t>
-            </a:r>
-            <a:endParaRPr lang="en-US" altLang="zh-CN" sz="1800" dirty="0">
-              <a:latin typeface="微软雅黑 Light" panose="020B0502040204020203" pitchFamily="34" charset="-122"/>
-              <a:ea typeface="微软雅黑 Light" panose="020B0502040204020203" pitchFamily="34" charset="-122"/>
-            </a:endParaRPr>
-          </a:p>
-          <a:p>
-            <a:r>
-              <a:rPr lang="zh-CN" altLang="en-US" dirty="0"/>
-              <a:t>慎重对待闭包</a:t>
-            </a:r>
-            <a:endParaRPr lang="en-US" altLang="zh-CN" dirty="0"/>
-          </a:p>
-          <a:p>
-            <a:pPr marL="457200" lvl="1" indent="0">
-              <a:buNone/>
-            </a:pPr>
-            <a:r>
-              <a:rPr lang="zh-CN" altLang="en-US" sz="1800" dirty="0">
-                <a:latin typeface="微软雅黑 Light" panose="020B0502040204020203" pitchFamily="34" charset="-122"/>
-                <a:ea typeface="微软雅黑 Light" panose="020B0502040204020203" pitchFamily="34" charset="-122"/>
-              </a:rPr>
-              <a:t>状态的延续站在内存的肩膀上</a:t>
-            </a:r>
-            <a:endParaRPr lang="en-US" altLang="zh-CN" sz="1800" dirty="0">
-              <a:latin typeface="微软雅黑 Light" panose="020B0502040204020203" pitchFamily="34" charset="-122"/>
-              <a:ea typeface="微软雅黑 Light" panose="020B0502040204020203" pitchFamily="34" charset="-122"/>
-            </a:endParaRPr>
-          </a:p>
-          <a:p>
-            <a:r>
-              <a:rPr lang="zh-CN" altLang="en-US" dirty="0"/>
-              <a:t>编译重复使用的正则表达式</a:t>
-            </a:r>
-            <a:endParaRPr lang="en-US" altLang="zh-CN" dirty="0"/>
-          </a:p>
-          <a:p>
-            <a:pPr marL="457200" lvl="1" indent="0">
-              <a:buNone/>
-            </a:pPr>
-            <a:r>
-              <a:rPr lang="zh-CN" altLang="en-US" sz="1800" dirty="0">
-                <a:latin typeface="微软雅黑 Light" panose="020B0502040204020203" pitchFamily="34" charset="-122"/>
-                <a:ea typeface="微软雅黑 Light" panose="020B0502040204020203" pitchFamily="34" charset="-122"/>
-              </a:rPr>
-              <a:t>将字符串编译为自动机往往要比匹配消耗更多时间</a:t>
-            </a:r>
-            <a:endParaRPr lang="en-US" altLang="zh-CN" sz="1800" dirty="0">
-              <a:latin typeface="微软雅黑 Light" panose="020B0502040204020203" pitchFamily="34" charset="-122"/>
-              <a:ea typeface="微软雅黑 Light" panose="020B0502040204020203" pitchFamily="34" charset="-122"/>
-            </a:endParaRPr>
-          </a:p>
-          <a:p>
-            <a:pPr marL="457200" lvl="1" indent="0">
-              <a:buNone/>
-            </a:pPr>
-            <a:endParaRPr lang="zh-CN" altLang="en-US" sz="1800" dirty="0">
-              <a:latin typeface="微软雅黑 Light" panose="020B0502040204020203" pitchFamily="34" charset="-122"/>
-              <a:ea typeface="微软雅黑 Light" panose="020B0502040204020203" pitchFamily="34" charset="-122"/>
-            </a:endParaRPr>
-          </a:p>
-        </p:txBody>
-      </p:sp>
-    </p:spTree>
-    <p:extLst>
-      <p:ext uri="{BB962C8B-B14F-4D97-AF65-F5344CB8AC3E}">
-        <p14:creationId xmlns:p14="http://schemas.microsoft.com/office/powerpoint/2010/main" val="4131926382"/>
-      </p:ext>
-    </p:extLst>
-  </p:cSld>
-  <p:clrMapOvr>
-    <a:masterClrMapping/>
-  </p:clrMapOvr>
-</p:sld>
-</file>
-
 <file path=ppt/slides/slide31.xml><?xml version="1.0" encoding="utf-8"?>
 <p:sld xmlns:a="http://schemas.openxmlformats.org/drawingml/2006/main" xmlns:r="http://schemas.openxmlformats.org/officeDocument/2006/relationships" xmlns:p="http://schemas.openxmlformats.org/presentationml/2006/main">
   <p:cSld>
@@ -9458,7 +10169,7 @@
           <a:p>
             <a:r>
               <a:rPr lang="zh-CN" altLang="en-US" dirty="0"/>
-              <a:t>磁盘结构</a:t>
+              <a:t>最佳实践</a:t>
             </a:r>
             <a:r>
               <a:rPr lang="en-US" altLang="zh-CN" dirty="0"/>
@@ -9466,7 +10177,7 @@
             </a:r>
             <a:r>
               <a:rPr lang="zh-CN" altLang="en-US" dirty="0"/>
-              <a:t>数据流</a:t>
+              <a:t>其他</a:t>
             </a:r>
           </a:p>
         </p:txBody>
@@ -9484,79 +10195,249 @@
         <p:spPr/>
         <p:txBody>
           <a:bodyPr>
-            <a:normAutofit/>
+            <a:normAutofit lnSpcReduction="10000"/>
           </a:bodyPr>
           <a:lstStyle/>
           <a:p>
             <a:r>
               <a:rPr lang="zh-CN" altLang="en-US" dirty="0"/>
-              <a:t> **</a:t>
+              <a:t>缓存</a:t>
+            </a:r>
+            <a:r>
+              <a:rPr lang="en-US" altLang="zh-CN" dirty="0" err="1"/>
+              <a:t>MemberInfo</a:t>
+            </a:r>
+            <a:endParaRPr lang="en-US" altLang="zh-CN" dirty="0"/>
+          </a:p>
+          <a:p>
+            <a:pPr marL="457200" lvl="1" indent="0">
+              <a:buNone/>
+            </a:pPr>
+            <a:r>
+              <a:rPr lang="zh-CN" altLang="en-US" sz="1800" dirty="0">
+                <a:latin typeface="微软雅黑 Light" panose="020B0502040204020203" pitchFamily="34" charset="-122"/>
+                <a:ea typeface="微软雅黑 Light" panose="020B0502040204020203" pitchFamily="34" charset="-122"/>
+              </a:rPr>
+              <a:t>反射性能低下主要有三个原因：</a:t>
+            </a:r>
+            <a:r>
+              <a:rPr lang="en-US" altLang="zh-CN" sz="1800" dirty="0" err="1">
+                <a:latin typeface="微软雅黑 Light" panose="020B0502040204020203" pitchFamily="34" charset="-122"/>
+                <a:ea typeface="微软雅黑 Light" panose="020B0502040204020203" pitchFamily="34" charset="-122"/>
+              </a:rPr>
+              <a:t>EEClass</a:t>
+            </a:r>
+            <a:r>
+              <a:rPr lang="zh-CN" altLang="en-US" sz="1800" dirty="0">
+                <a:latin typeface="微软雅黑 Light" panose="020B0502040204020203" pitchFamily="34" charset="-122"/>
+                <a:ea typeface="微软雅黑 Light" panose="020B0502040204020203" pitchFamily="34" charset="-122"/>
+              </a:rPr>
+              <a:t>检索慢于编译器生成的地址代换，检索到的数据需要生成</a:t>
+            </a:r>
+            <a:r>
+              <a:rPr lang="en-US" altLang="zh-CN" sz="1800" dirty="0" err="1">
+                <a:latin typeface="微软雅黑 Light" panose="020B0502040204020203" pitchFamily="34" charset="-122"/>
+                <a:ea typeface="微软雅黑 Light" panose="020B0502040204020203" pitchFamily="34" charset="-122"/>
+              </a:rPr>
+              <a:t>MemberInfo</a:t>
+            </a:r>
+            <a:r>
+              <a:rPr lang="zh-CN" altLang="en-US" sz="1800" dirty="0">
+                <a:latin typeface="微软雅黑 Light" panose="020B0502040204020203" pitchFamily="34" charset="-122"/>
+                <a:ea typeface="微软雅黑 Light" panose="020B0502040204020203" pitchFamily="34" charset="-122"/>
+              </a:rPr>
+              <a:t>对象，访问</a:t>
+            </a:r>
+            <a:r>
+              <a:rPr lang="en-US" altLang="zh-CN" sz="1800" dirty="0" err="1">
+                <a:latin typeface="微软雅黑 Light" panose="020B0502040204020203" pitchFamily="34" charset="-122"/>
+                <a:ea typeface="微软雅黑 Light" panose="020B0502040204020203" pitchFamily="34" charset="-122"/>
+              </a:rPr>
+              <a:t>MemberInfo</a:t>
+            </a:r>
+            <a:r>
+              <a:rPr lang="zh-CN" altLang="en-US" sz="1800" dirty="0">
+                <a:latin typeface="微软雅黑 Light" panose="020B0502040204020203" pitchFamily="34" charset="-122"/>
+                <a:ea typeface="微软雅黑 Light" panose="020B0502040204020203" pitchFamily="34" charset="-122"/>
+              </a:rPr>
+              <a:t>对象需要动态绑定。使用反射式缓存</a:t>
+            </a:r>
+            <a:r>
+              <a:rPr lang="en-US" altLang="zh-CN" sz="1800" dirty="0" err="1">
+                <a:latin typeface="微软雅黑 Light" panose="020B0502040204020203" pitchFamily="34" charset="-122"/>
+                <a:ea typeface="微软雅黑 Light" panose="020B0502040204020203" pitchFamily="34" charset="-122"/>
+              </a:rPr>
+              <a:t>MemberInfo</a:t>
+            </a:r>
+            <a:r>
+              <a:rPr lang="zh-CN" altLang="en-US" sz="1800" dirty="0">
+                <a:latin typeface="微软雅黑 Light" panose="020B0502040204020203" pitchFamily="34" charset="-122"/>
+                <a:ea typeface="微软雅黑 Light" panose="020B0502040204020203" pitchFamily="34" charset="-122"/>
+              </a:rPr>
+              <a:t>，前两个问题都能迎刃而解</a:t>
+            </a:r>
+          </a:p>
+          <a:p>
+            <a:r>
+              <a:rPr lang="zh-CN" altLang="en-US" dirty="0"/>
+              <a:t>为集合预分配容量</a:t>
+            </a:r>
+            <a:endParaRPr lang="en-US" altLang="zh-CN" dirty="0"/>
+          </a:p>
+          <a:p>
+            <a:pPr marL="457200" lvl="1" indent="0">
+              <a:buNone/>
+            </a:pPr>
+            <a:r>
+              <a:rPr lang="zh-CN" altLang="en-US" sz="1800" dirty="0">
+                <a:latin typeface="微软雅黑 Light" panose="020B0502040204020203" pitchFamily="34" charset="-122"/>
+                <a:ea typeface="微软雅黑 Light" panose="020B0502040204020203" pitchFamily="34" charset="-122"/>
+              </a:rPr>
+              <a:t>集合拥有积极扩张的内存分配策略，预估集合容量并进行预分配非但有助于减少重分配次数，而且通常能够节约内存</a:t>
+            </a:r>
+            <a:endParaRPr lang="en-US" altLang="zh-CN" sz="1800" dirty="0">
+              <a:latin typeface="微软雅黑 Light" panose="020B0502040204020203" pitchFamily="34" charset="-122"/>
+              <a:ea typeface="微软雅黑 Light" panose="020B0502040204020203" pitchFamily="34" charset="-122"/>
+            </a:endParaRPr>
+          </a:p>
+          <a:p>
+            <a:r>
+              <a:rPr lang="zh-CN" altLang="en-US" dirty="0"/>
+              <a:t>重写</a:t>
             </a:r>
             <a:r>
               <a:rPr lang="en-US" altLang="zh-CN" dirty="0"/>
-              <a:t>#~/#-** 	</a:t>
-            </a:r>
-            <a:r>
-              <a:rPr lang="zh-CN" altLang="en-US" dirty="0"/>
-              <a:t>元数据库</a:t>
+              <a:t>Equals</a:t>
+            </a:r>
+            <a:r>
+              <a:rPr lang="zh-CN" altLang="en-US" dirty="0"/>
+              <a:t>方法和</a:t>
+            </a:r>
+            <a:r>
+              <a:rPr lang="en-US" altLang="zh-CN" dirty="0" err="1"/>
+              <a:t>GetHashCode</a:t>
+            </a:r>
+            <a:r>
+              <a:rPr lang="zh-CN" altLang="en-US" dirty="0"/>
+              <a:t>方法</a:t>
             </a:r>
             <a:endParaRPr lang="en-US" altLang="zh-CN" dirty="0"/>
           </a:p>
           <a:p>
-            <a:r>
-              <a:rPr lang="en-US" altLang="zh-CN" dirty="0"/>
-              <a:t> **#Strings**  	</a:t>
-            </a:r>
-            <a:r>
-              <a:rPr lang="zh-CN" altLang="en-US" dirty="0"/>
-              <a:t>元数据表中使用的字符串池。</a:t>
-            </a:r>
-          </a:p>
-          <a:p>
-            <a:r>
-              <a:rPr lang="en-US" altLang="zh-CN" dirty="0"/>
-              <a:t> **#US**       	</a:t>
-            </a:r>
-            <a:r>
-              <a:rPr lang="zh-CN" altLang="en-US" dirty="0"/>
-              <a:t>用户字符串池。</a:t>
-            </a:r>
-          </a:p>
-          <a:p>
-            <a:r>
-              <a:rPr lang="en-US" altLang="zh-CN" dirty="0"/>
-              <a:t> **#Blob**     	</a:t>
-            </a:r>
-            <a:r>
-              <a:rPr lang="zh-CN" altLang="en-US" dirty="0"/>
-              <a:t>无模式数据。</a:t>
+            <a:pPr marL="457200" lvl="1" indent="0">
+              <a:buNone/>
+            </a:pPr>
+            <a:r>
+              <a:rPr lang="zh-CN" altLang="en-US" sz="1800" dirty="0">
+                <a:latin typeface="微软雅黑 Light" panose="020B0502040204020203" pitchFamily="34" charset="-122"/>
+                <a:ea typeface="微软雅黑 Light" panose="020B0502040204020203" pitchFamily="34" charset="-122"/>
+              </a:rPr>
+              <a:t>引用类型的上述方法默认实现使用反射</a:t>
+            </a:r>
+            <a:r>
+              <a:rPr lang="zh-CN" altLang="en-US" dirty="0"/>
+              <a:t>坚持建立文档化注释</a:t>
             </a:r>
             <a:endParaRPr lang="en-US" altLang="zh-CN" dirty="0"/>
           </a:p>
           <a:p>
-            <a:r>
-              <a:rPr lang="en-US" altLang="zh-CN" dirty="0"/>
-              <a:t> **#GUID**     	</a:t>
-            </a:r>
-            <a:r>
-              <a:rPr lang="zh-CN" altLang="en-US" dirty="0"/>
-              <a:t>包含元数据使用的全局唯一</a:t>
-            </a:r>
-            <a:r>
-              <a:rPr lang="en-US" altLang="zh-CN" dirty="0"/>
-              <a:t>id</a:t>
-            </a:r>
-            <a:r>
-              <a:rPr lang="zh-CN" altLang="en-US" dirty="0"/>
-              <a:t>信息。</a:t>
-            </a:r>
+            <a:pPr marL="457200" lvl="1" indent="0">
+              <a:buNone/>
+            </a:pPr>
+            <a:r>
+              <a:rPr lang="zh-CN" altLang="en-US" sz="1800" dirty="0">
+                <a:latin typeface="微软雅黑 Light" panose="020B0502040204020203" pitchFamily="34" charset="-122"/>
+                <a:ea typeface="微软雅黑 Light" panose="020B0502040204020203" pitchFamily="34" charset="-122"/>
+              </a:rPr>
+              <a:t>从</a:t>
+            </a:r>
+            <a:r>
+              <a:rPr lang="en-US" altLang="zh-CN" sz="1800" dirty="0">
+                <a:latin typeface="微软雅黑 Light" panose="020B0502040204020203" pitchFamily="34" charset="-122"/>
+                <a:ea typeface="微软雅黑 Light" panose="020B0502040204020203" pitchFamily="34" charset="-122"/>
+              </a:rPr>
+              <a:t>VisualStudio</a:t>
+            </a:r>
+            <a:r>
+              <a:rPr lang="zh-CN" altLang="en-US" sz="1800" dirty="0">
+                <a:latin typeface="微软雅黑 Light" panose="020B0502040204020203" pitchFamily="34" charset="-122"/>
+                <a:ea typeface="微软雅黑 Light" panose="020B0502040204020203" pitchFamily="34" charset="-122"/>
+              </a:rPr>
+              <a:t>到</a:t>
+            </a:r>
+            <a:r>
+              <a:rPr lang="en-US" altLang="zh-CN" sz="1800" dirty="0" err="1">
+                <a:latin typeface="微软雅黑 Light" panose="020B0502040204020203" pitchFamily="34" charset="-122"/>
+                <a:ea typeface="微软雅黑 Light" panose="020B0502040204020203" pitchFamily="34" charset="-122"/>
+              </a:rPr>
+              <a:t>Resharper</a:t>
+            </a:r>
+            <a:r>
+              <a:rPr lang="zh-CN" altLang="en-US" sz="1800" dirty="0">
+                <a:latin typeface="微软雅黑 Light" panose="020B0502040204020203" pitchFamily="34" charset="-122"/>
+                <a:ea typeface="微软雅黑 Light" panose="020B0502040204020203" pitchFamily="34" charset="-122"/>
+              </a:rPr>
+              <a:t>，对类与方法的描述都来自文档化注释。</a:t>
+            </a:r>
+            <a:endParaRPr lang="en-US" altLang="zh-CN" dirty="0"/>
+          </a:p>
+          <a:p>
+            <a:r>
+              <a:rPr lang="zh-CN" altLang="en-US" dirty="0"/>
+              <a:t>较小的集合不应使用有键集合</a:t>
+            </a:r>
+            <a:endParaRPr lang="en-US" altLang="zh-CN" dirty="0"/>
+          </a:p>
+          <a:p>
+            <a:pPr marL="457200" lvl="1" indent="0">
+              <a:buNone/>
+            </a:pPr>
+            <a:r>
+              <a:rPr lang="zh-CN" altLang="en-US" sz="1800" dirty="0">
+                <a:latin typeface="微软雅黑 Light" panose="020B0502040204020203" pitchFamily="34" charset="-122"/>
+                <a:ea typeface="微软雅黑 Light" panose="020B0502040204020203" pitchFamily="34" charset="-122"/>
+              </a:rPr>
+              <a:t>有键集合需要额外的空间。举例来说，一个空的</a:t>
+            </a:r>
+            <a:r>
+              <a:rPr lang="en-US" altLang="zh-CN" sz="1800" dirty="0">
+                <a:latin typeface="微软雅黑 Light" panose="020B0502040204020203" pitchFamily="34" charset="-122"/>
+                <a:ea typeface="微软雅黑 Light" panose="020B0502040204020203" pitchFamily="34" charset="-122"/>
+              </a:rPr>
+              <a:t>Dictionary</a:t>
+            </a:r>
+            <a:r>
+              <a:rPr lang="zh-CN" altLang="en-US" sz="1800" dirty="0">
+                <a:latin typeface="微软雅黑 Light" panose="020B0502040204020203" pitchFamily="34" charset="-122"/>
+                <a:ea typeface="微软雅黑 Light" panose="020B0502040204020203" pitchFamily="34" charset="-122"/>
+              </a:rPr>
+              <a:t>也会消耗</a:t>
+            </a:r>
+            <a:r>
+              <a:rPr lang="en-US" altLang="zh-CN" sz="1800" dirty="0">
+                <a:latin typeface="微软雅黑 Light" panose="020B0502040204020203" pitchFamily="34" charset="-122"/>
+                <a:ea typeface="微软雅黑 Light" panose="020B0502040204020203" pitchFamily="34" charset="-122"/>
+              </a:rPr>
+              <a:t>12</a:t>
+            </a:r>
+            <a:r>
+              <a:rPr lang="zh-CN" altLang="en-US" sz="1800" dirty="0">
+                <a:latin typeface="微软雅黑 Light" panose="020B0502040204020203" pitchFamily="34" charset="-122"/>
+                <a:ea typeface="微软雅黑 Light" panose="020B0502040204020203" pitchFamily="34" charset="-122"/>
+              </a:rPr>
+              <a:t>字节的空间。</a:t>
+            </a:r>
+            <a:endParaRPr lang="en-US" altLang="zh-CN" sz="1800" dirty="0">
+              <a:latin typeface="微软雅黑 Light" panose="020B0502040204020203" pitchFamily="34" charset="-122"/>
+              <a:ea typeface="微软雅黑 Light" panose="020B0502040204020203" pitchFamily="34" charset="-122"/>
+            </a:endParaRPr>
           </a:p>
         </p:txBody>
       </p:sp>
     </p:spTree>
     <p:extLst>
       <p:ext uri="{BB962C8B-B14F-4D97-AF65-F5344CB8AC3E}">
-        <p14:creationId xmlns:p14="http://schemas.microsoft.com/office/powerpoint/2010/main" val="3143806048"/>
+        <p14:creationId xmlns:p14="http://schemas.microsoft.com/office/powerpoint/2010/main" val="1948017904"/>
       </p:ext>
     </p:extLst>
   </p:cSld>
@@ -9583,49 +10464,6 @@
           <a:chExt cx="0" cy="0"/>
         </a:xfrm>
       </p:grpSpPr>
-      <p:cxnSp>
-        <p:nvCxnSpPr>
-          <p:cNvPr id="12" name="Straight Connector 11"/>
-          <p:cNvCxnSpPr>
-            <a:cxnSpLocks noGrp="1" noRot="1" noChangeAspect="1" noMove="1" noResize="1" noEditPoints="1" noAdjustHandles="1" noChangeArrowheads="1" noChangeShapeType="1"/>
-          </p:cNvCxnSpPr>
-          <p:nvPr>
-            <p:extLst>
-              <p:ext uri="{386F3935-93C4-4BCD-93E2-E3B085C9AB24}">
-                <p16:designElem xmlns:p16="http://schemas.microsoft.com/office/powerpoint/2015/main" val="1"/>
-              </p:ext>
-            </p:extLst>
-          </p:nvPr>
-        </p:nvCxnSpPr>
-        <p:spPr>
-          <a:xfrm>
-            <a:off x="5080934" y="2115117"/>
-            <a:ext cx="6309360" cy="0"/>
-          </a:xfrm>
-          <a:prstGeom prst="line">
-            <a:avLst/>
-          </a:prstGeom>
-          <a:ln>
-            <a:solidFill>
-              <a:srgbClr val="4A698A"/>
-            </a:solidFill>
-          </a:ln>
-        </p:spPr>
-        <p:style>
-          <a:lnRef idx="1">
-            <a:schemeClr val="accent1"/>
-          </a:lnRef>
-          <a:fillRef idx="0">
-            <a:schemeClr val="accent1"/>
-          </a:fillRef>
-          <a:effectRef idx="0">
-            <a:schemeClr val="accent1"/>
-          </a:effectRef>
-          <a:fontRef idx="minor">
-            <a:schemeClr val="tx1"/>
-          </a:fontRef>
-        </p:style>
-      </p:cxnSp>
       <p:sp>
         <p:nvSpPr>
           <p:cNvPr id="2" name="标题 1"/>
@@ -9636,21 +10474,14 @@
             <p:ph type="title"/>
           </p:nvPr>
         </p:nvSpPr>
-        <p:spPr>
-          <a:xfrm>
-            <a:off x="4965430" y="629268"/>
-            <a:ext cx="6586491" cy="1286160"/>
-          </a:xfrm>
-        </p:spPr>
-        <p:txBody>
-          <a:bodyPr anchor="b">
-            <a:normAutofit/>
-          </a:bodyPr>
-          <a:lstStyle/>
-          <a:p>
-            <a:r>
-              <a:rPr lang="zh-CN" altLang="en-US" dirty="0"/>
-              <a:t>磁盘结构</a:t>
+        <p:spPr/>
+        <p:txBody>
+          <a:bodyPr/>
+          <a:lstStyle/>
+          <a:p>
+            <a:r>
+              <a:rPr lang="zh-CN" altLang="en-US" dirty="0"/>
+              <a:t>最佳实践</a:t>
             </a:r>
             <a:r>
               <a:rPr lang="en-US" altLang="zh-CN" dirty="0"/>
@@ -9658,14 +10489,14 @@
             </a:r>
             <a:r>
               <a:rPr lang="zh-CN" altLang="en-US" dirty="0"/>
-              <a:t>元数据表</a:t>
-            </a:r>
-          </a:p>
-        </p:txBody>
-      </p:sp>
-      <p:sp>
-        <p:nvSpPr>
-          <p:cNvPr id="10" name="Content Placeholder 9"/>
+              <a:t>其他</a:t>
+            </a:r>
+          </a:p>
+        </p:txBody>
+      </p:sp>
+      <p:sp>
+        <p:nvSpPr>
+          <p:cNvPr id="3" name="内容占位符 2"/>
           <p:cNvSpPr>
             <a:spLocks noGrp="1"/>
           </p:cNvSpPr>
@@ -9673,12 +10504,7 @@
             <p:ph idx="1"/>
           </p:nvPr>
         </p:nvSpPr>
-        <p:spPr>
-          <a:xfrm>
-            <a:off x="4965431" y="2438400"/>
-            <a:ext cx="6586489" cy="3785419"/>
-          </a:xfrm>
-        </p:spPr>
+        <p:spPr/>
         <p:txBody>
           <a:bodyPr>
             <a:normAutofit/>
@@ -9686,110 +10512,162 @@
           <a:lstStyle/>
           <a:p>
             <a:r>
-              <a:rPr lang="zh-CN" altLang="en-US" sz="2000" dirty="0"/>
-              <a:t>元数据以关系数据库形式相互联系</a:t>
-            </a:r>
-            <a:endParaRPr lang="en-US" altLang="zh-CN" sz="2000" dirty="0"/>
-          </a:p>
-          <a:p>
-            <a:r>
-              <a:rPr lang="zh-CN" altLang="en-US" sz="2000" dirty="0"/>
-              <a:t>位于</a:t>
-            </a:r>
-            <a:r>
-              <a:rPr lang="en-US" altLang="zh-CN" sz="2000" dirty="0" err="1"/>
-              <a:t>.Net</a:t>
-            </a:r>
-            <a:r>
-              <a:rPr lang="zh-CN" altLang="en-US" sz="2000" dirty="0"/>
-              <a:t>程序</a:t>
-            </a:r>
-            <a:r>
-              <a:rPr lang="en-US" altLang="zh-CN" sz="2000" dirty="0"/>
-              <a:t>PE</a:t>
-            </a:r>
-            <a:r>
-              <a:rPr lang="zh-CN" altLang="en-US" sz="2000" dirty="0"/>
-              <a:t>文件的</a:t>
-            </a:r>
-            <a:r>
-              <a:rPr lang="en-US" altLang="zh-CN" sz="2000" dirty="0"/>
-              <a:t>#~</a:t>
-            </a:r>
-            <a:r>
-              <a:rPr lang="zh-CN" altLang="en-US" sz="2000" dirty="0"/>
-              <a:t>或</a:t>
-            </a:r>
-            <a:r>
-              <a:rPr lang="en-US" altLang="zh-CN" sz="2000" dirty="0"/>
-              <a:t>#-</a:t>
-            </a:r>
-            <a:r>
-              <a:rPr lang="zh-CN" altLang="en-US" sz="2000" dirty="0"/>
-              <a:t>流中</a:t>
-            </a:r>
-            <a:endParaRPr lang="en-US" altLang="zh-CN" sz="2000" dirty="0"/>
-          </a:p>
-          <a:p>
-            <a:r>
-              <a:rPr lang="zh-CN" altLang="en-US" sz="2000" dirty="0"/>
-              <a:t>最多由</a:t>
-            </a:r>
-            <a:r>
-              <a:rPr lang="en-US" altLang="zh-CN" sz="2000" dirty="0"/>
-              <a:t>45</a:t>
-            </a:r>
-            <a:r>
-              <a:rPr lang="zh-CN" altLang="en-US" sz="2000" dirty="0"/>
-              <a:t>个表组成。一个</a:t>
-            </a:r>
-            <a:r>
-              <a:rPr lang="en-US" altLang="zh-CN" sz="2000" dirty="0"/>
-              <a:t>64</a:t>
-            </a:r>
-            <a:r>
-              <a:rPr lang="zh-CN" altLang="en-US" sz="2000" dirty="0"/>
-              <a:t>位的位图被用于标记某个表是否存在</a:t>
-            </a:r>
-            <a:endParaRPr lang="en-US" altLang="zh-CN" sz="2000" dirty="0"/>
-          </a:p>
-          <a:p>
-            <a:r>
-              <a:rPr lang="zh-CN" altLang="en-US" sz="2000" dirty="0"/>
-              <a:t>表的划分尽可能细碎，因此具有很好的复用性</a:t>
-            </a:r>
-            <a:endParaRPr lang="en-US" sz="2000" dirty="0"/>
-          </a:p>
-        </p:txBody>
-      </p:sp>
-      <p:pic>
-        <p:nvPicPr>
-          <p:cNvPr id="6" name="图片 5"/>
-          <p:cNvPicPr>
-            <a:picLocks noChangeAspect="1"/>
-          </p:cNvPicPr>
-          <p:nvPr/>
-        </p:nvPicPr>
-        <p:blipFill>
-          <a:blip r:embed="rId2"/>
-          <a:stretch>
-            <a:fillRect/>
-          </a:stretch>
-        </p:blipFill>
-        <p:spPr>
-          <a:xfrm>
-            <a:off x="376788" y="989045"/>
-            <a:ext cx="4388433" cy="5234774"/>
-          </a:xfrm>
-          <a:prstGeom prst="rect">
-            <a:avLst/>
-          </a:prstGeom>
-        </p:spPr>
-      </p:pic>
+              <a:rPr lang="zh-CN" altLang="en-US" dirty="0"/>
+              <a:t>枚举类型不宜作为键使用</a:t>
+            </a:r>
+            <a:endParaRPr lang="en-US" altLang="zh-CN" dirty="0"/>
+          </a:p>
+          <a:p>
+            <a:pPr marL="457200" lvl="1" indent="0">
+              <a:buNone/>
+            </a:pPr>
+            <a:r>
+              <a:rPr lang="zh-CN" altLang="en-US" sz="1800" dirty="0">
+                <a:latin typeface="微软雅黑 Light" panose="020B0502040204020203" pitchFamily="34" charset="-122"/>
+                <a:ea typeface="微软雅黑 Light" panose="020B0502040204020203" pitchFamily="34" charset="-122"/>
+              </a:rPr>
+              <a:t>枚举是值类型，而且你无法重写它的</a:t>
+            </a:r>
+            <a:r>
+              <a:rPr lang="en-US" altLang="zh-CN" sz="1800" dirty="0" err="1">
+                <a:latin typeface="微软雅黑 Light" panose="020B0502040204020203" pitchFamily="34" charset="-122"/>
+                <a:ea typeface="微软雅黑 Light" panose="020B0502040204020203" pitchFamily="34" charset="-122"/>
+              </a:rPr>
+              <a:t>GetHashCode</a:t>
+            </a:r>
+            <a:r>
+              <a:rPr lang="zh-CN" altLang="en-US" sz="1800" dirty="0">
+                <a:latin typeface="微软雅黑 Light" panose="020B0502040204020203" pitchFamily="34" charset="-122"/>
+                <a:ea typeface="微软雅黑 Light" panose="020B0502040204020203" pitchFamily="34" charset="-122"/>
+              </a:rPr>
+              <a:t>方法</a:t>
+            </a:r>
+            <a:endParaRPr lang="en-US" altLang="zh-CN" sz="1800" dirty="0">
+              <a:latin typeface="微软雅黑 Light" panose="020B0502040204020203" pitchFamily="34" charset="-122"/>
+              <a:ea typeface="微软雅黑 Light" panose="020B0502040204020203" pitchFamily="34" charset="-122"/>
+            </a:endParaRPr>
+          </a:p>
+          <a:p>
+            <a:r>
+              <a:rPr lang="zh-CN" altLang="en-US" dirty="0"/>
+              <a:t>谨慎传递结构体</a:t>
+            </a:r>
+            <a:endParaRPr lang="en-US" altLang="zh-CN" dirty="0"/>
+          </a:p>
+          <a:p>
+            <a:pPr marL="457200" lvl="1" indent="0">
+              <a:buNone/>
+            </a:pPr>
+            <a:r>
+              <a:rPr lang="zh-CN" altLang="en-US" sz="1800" dirty="0">
+                <a:latin typeface="微软雅黑 Light" panose="020B0502040204020203" pitchFamily="34" charset="-122"/>
+                <a:ea typeface="微软雅黑 Light" panose="020B0502040204020203" pitchFamily="34" charset="-122"/>
+              </a:rPr>
+              <a:t>别忘了结构体是值类型哦。使用</a:t>
+            </a:r>
+            <a:r>
+              <a:rPr lang="en-US" altLang="zh-CN" sz="1800" dirty="0">
+                <a:latin typeface="微软雅黑 Light" panose="020B0502040204020203" pitchFamily="34" charset="-122"/>
+                <a:ea typeface="微软雅黑 Light" panose="020B0502040204020203" pitchFamily="34" charset="-122"/>
+              </a:rPr>
+              <a:t>ref</a:t>
+            </a:r>
+            <a:r>
+              <a:rPr lang="zh-CN" altLang="en-US" sz="1800" dirty="0">
+                <a:latin typeface="微软雅黑 Light" panose="020B0502040204020203" pitchFamily="34" charset="-122"/>
+                <a:ea typeface="微软雅黑 Light" panose="020B0502040204020203" pitchFamily="34" charset="-122"/>
+              </a:rPr>
+              <a:t>传递作为参数的结构体</a:t>
+            </a:r>
+            <a:endParaRPr lang="en-US" altLang="zh-CN" sz="1800" dirty="0">
+              <a:latin typeface="微软雅黑 Light" panose="020B0502040204020203" pitchFamily="34" charset="-122"/>
+              <a:ea typeface="微软雅黑 Light" panose="020B0502040204020203" pitchFamily="34" charset="-122"/>
+            </a:endParaRPr>
+          </a:p>
+          <a:p>
+            <a:r>
+              <a:rPr lang="zh-CN" altLang="en-US" dirty="0"/>
+              <a:t>使用枚举而非常量</a:t>
+            </a:r>
+            <a:endParaRPr lang="en-US" altLang="zh-CN" dirty="0"/>
+          </a:p>
+          <a:p>
+            <a:pPr marL="457200" lvl="1" indent="0">
+              <a:buNone/>
+            </a:pPr>
+            <a:r>
+              <a:rPr lang="zh-CN" altLang="en-US" sz="1800" dirty="0">
+                <a:latin typeface="微软雅黑 Light" panose="020B0502040204020203" pitchFamily="34" charset="-122"/>
+                <a:ea typeface="微软雅黑 Light" panose="020B0502040204020203" pitchFamily="34" charset="-122"/>
+              </a:rPr>
+              <a:t>枚举明确地指出了其内容的约束，且拥有更完备的工具支持</a:t>
+            </a:r>
+            <a:endParaRPr lang="en-US" altLang="zh-CN" sz="1800" dirty="0">
+              <a:latin typeface="微软雅黑 Light" panose="020B0502040204020203" pitchFamily="34" charset="-122"/>
+              <a:ea typeface="微软雅黑 Light" panose="020B0502040204020203" pitchFamily="34" charset="-122"/>
+            </a:endParaRPr>
+          </a:p>
+          <a:p>
+            <a:r>
+              <a:rPr lang="zh-CN" altLang="en-US" dirty="0"/>
+              <a:t>慎重对待闭包</a:t>
+            </a:r>
+            <a:endParaRPr lang="en-US" altLang="zh-CN" dirty="0"/>
+          </a:p>
+          <a:p>
+            <a:pPr marL="457200" lvl="1" indent="0">
+              <a:buNone/>
+            </a:pPr>
+            <a:r>
+              <a:rPr lang="zh-CN" altLang="en-US" sz="1800" dirty="0">
+                <a:latin typeface="微软雅黑 Light" panose="020B0502040204020203" pitchFamily="34" charset="-122"/>
+                <a:ea typeface="微软雅黑 Light" panose="020B0502040204020203" pitchFamily="34" charset="-122"/>
+              </a:rPr>
+              <a:t>状态的延续站在内存的肩膀上</a:t>
+            </a:r>
+            <a:endParaRPr lang="en-US" altLang="zh-CN" sz="1800" dirty="0">
+              <a:latin typeface="微软雅黑 Light" panose="020B0502040204020203" pitchFamily="34" charset="-122"/>
+              <a:ea typeface="微软雅黑 Light" panose="020B0502040204020203" pitchFamily="34" charset="-122"/>
+            </a:endParaRPr>
+          </a:p>
+          <a:p>
+            <a:r>
+              <a:rPr lang="zh-CN" altLang="en-US" dirty="0"/>
+              <a:t>编译重复使用的正则表达式</a:t>
+            </a:r>
+            <a:endParaRPr lang="en-US" altLang="zh-CN" dirty="0"/>
+          </a:p>
+          <a:p>
+            <a:pPr marL="457200" lvl="1" indent="0">
+              <a:buNone/>
+            </a:pPr>
+            <a:r>
+              <a:rPr lang="zh-CN" altLang="en-US" sz="1800" dirty="0">
+                <a:latin typeface="微软雅黑 Light" panose="020B0502040204020203" pitchFamily="34" charset="-122"/>
+                <a:ea typeface="微软雅黑 Light" panose="020B0502040204020203" pitchFamily="34" charset="-122"/>
+              </a:rPr>
+              <a:t>将字符串编译为自动机往往要比匹配消耗更多时间</a:t>
+            </a:r>
+            <a:endParaRPr lang="en-US" altLang="zh-CN" sz="1800" dirty="0">
+              <a:latin typeface="微软雅黑 Light" panose="020B0502040204020203" pitchFamily="34" charset="-122"/>
+              <a:ea typeface="微软雅黑 Light" panose="020B0502040204020203" pitchFamily="34" charset="-122"/>
+            </a:endParaRPr>
+          </a:p>
+          <a:p>
+            <a:pPr marL="457200" lvl="1" indent="0">
+              <a:buNone/>
+            </a:pPr>
+            <a:endParaRPr lang="zh-CN" altLang="en-US" sz="1800" dirty="0">
+              <a:latin typeface="微软雅黑 Light" panose="020B0502040204020203" pitchFamily="34" charset="-122"/>
+              <a:ea typeface="微软雅黑 Light" panose="020B0502040204020203" pitchFamily="34" charset="-122"/>
+            </a:endParaRPr>
+          </a:p>
+        </p:txBody>
+      </p:sp>
     </p:spTree>
     <p:extLst>
       <p:ext uri="{BB962C8B-B14F-4D97-AF65-F5344CB8AC3E}">
-        <p14:creationId xmlns:p14="http://schemas.microsoft.com/office/powerpoint/2010/main" val="2228930917"/>
+        <p14:creationId xmlns:p14="http://schemas.microsoft.com/office/powerpoint/2010/main" val="4131926382"/>
       </p:ext>
     </p:extLst>
   </p:cSld>
@@ -9833,1429 +10711,6 @@
           <a:p>
             <a:r>
               <a:rPr lang="zh-CN" altLang="en-US" dirty="0"/>
-              <a:t>磁盘结构</a:t>
-            </a:r>
-            <a:r>
-              <a:rPr lang="en-US" altLang="zh-CN" dirty="0"/>
-              <a:t>/</a:t>
-            </a:r>
-            <a:r>
-              <a:rPr lang="zh-CN" altLang="en-US" dirty="0"/>
-              <a:t>代码片段</a:t>
-            </a:r>
-          </a:p>
-        </p:txBody>
-      </p:sp>
-      <p:sp>
-        <p:nvSpPr>
-          <p:cNvPr id="3" name="内容占位符 2"/>
-          <p:cNvSpPr>
-            <a:spLocks noGrp="1"/>
-          </p:cNvSpPr>
-          <p:nvPr>
-            <p:ph idx="1"/>
-          </p:nvPr>
-        </p:nvSpPr>
-        <p:spPr>
-          <a:xfrm>
-            <a:off x="838200" y="1825625"/>
-            <a:ext cx="5065450" cy="4351338"/>
-          </a:xfrm>
-        </p:spPr>
-        <p:txBody>
-          <a:bodyPr>
-            <a:normAutofit/>
-          </a:bodyPr>
-          <a:lstStyle/>
-          <a:p>
-            <a:r>
-              <a:rPr lang="zh-CN" altLang="en-US" sz="2400" dirty="0"/>
-              <a:t>在</a:t>
-            </a:r>
-            <a:r>
-              <a:rPr lang="en-US" altLang="zh-CN" sz="2400" dirty="0"/>
-              <a:t>Method</a:t>
-            </a:r>
-            <a:r>
-              <a:rPr lang="zh-CN" altLang="en-US" sz="2400" dirty="0"/>
-              <a:t>表中描述一个指向代码片段头部的</a:t>
-            </a:r>
-            <a:r>
-              <a:rPr lang="en-US" altLang="zh-CN" sz="2400" dirty="0"/>
-              <a:t>RVA</a:t>
-            </a:r>
-            <a:r>
-              <a:rPr lang="zh-CN" altLang="en-US" sz="2400" dirty="0"/>
-              <a:t>，由此定义方法体</a:t>
-            </a:r>
-            <a:endParaRPr lang="en-US" altLang="zh-CN" sz="2400" dirty="0"/>
-          </a:p>
-          <a:p>
-            <a:r>
-              <a:rPr lang="zh-CN" altLang="en-US" sz="2400" dirty="0"/>
-              <a:t>依据方法体长度和需要的特性，视情况使用</a:t>
-            </a:r>
-            <a:r>
-              <a:rPr lang="en-US" altLang="zh-CN" sz="2400" dirty="0"/>
-              <a:t>Tiny</a:t>
-            </a:r>
-            <a:r>
-              <a:rPr lang="zh-CN" altLang="en-US" sz="2400" dirty="0"/>
-              <a:t>头或者</a:t>
-            </a:r>
-            <a:r>
-              <a:rPr lang="en-US" altLang="zh-CN" sz="2400" dirty="0"/>
-              <a:t>Fat</a:t>
-            </a:r>
-            <a:r>
-              <a:rPr lang="zh-CN" altLang="en-US" sz="2400" dirty="0"/>
-              <a:t>头</a:t>
-            </a:r>
-            <a:endParaRPr lang="en-US" altLang="zh-CN" sz="2400" dirty="0"/>
-          </a:p>
-          <a:p>
-            <a:r>
-              <a:rPr lang="zh-CN" altLang="en-US" sz="2400" dirty="0"/>
-              <a:t>需要注意，反编译出的</a:t>
-            </a:r>
-            <a:r>
-              <a:rPr lang="en-US" altLang="zh-CN" sz="2400" dirty="0"/>
-              <a:t>IL</a:t>
-            </a:r>
-            <a:r>
-              <a:rPr lang="zh-CN" altLang="en-US" sz="2400" dirty="0"/>
-              <a:t>代码当中方法的属性位于元数据表，异常处理块位于</a:t>
-            </a:r>
-            <a:r>
-              <a:rPr lang="en-US" altLang="zh-CN" sz="2400" dirty="0"/>
-              <a:t>SHE</a:t>
-            </a:r>
-            <a:r>
-              <a:rPr lang="zh-CN" altLang="en-US" sz="2400" dirty="0"/>
-              <a:t>段，其分布与磁盘分布不同</a:t>
-            </a:r>
-          </a:p>
-        </p:txBody>
-      </p:sp>
-      <p:sp>
-        <p:nvSpPr>
-          <p:cNvPr id="4" name="矩形 3"/>
-          <p:cNvSpPr/>
-          <p:nvPr/>
-        </p:nvSpPr>
-        <p:spPr>
-          <a:xfrm>
-            <a:off x="6542843" y="776620"/>
-            <a:ext cx="2059619" cy="412988"/>
-          </a:xfrm>
-          <a:prstGeom prst="rect">
-            <a:avLst/>
-          </a:prstGeom>
-          <a:noFill/>
-          <a:ln>
-            <a:solidFill>
-              <a:schemeClr val="tx1"/>
-            </a:solidFill>
-          </a:ln>
-        </p:spPr>
-        <p:style>
-          <a:lnRef idx="2">
-            <a:schemeClr val="accent1">
-              <a:shade val="50000"/>
-            </a:schemeClr>
-          </a:lnRef>
-          <a:fillRef idx="1">
-            <a:schemeClr val="accent1"/>
-          </a:fillRef>
-          <a:effectRef idx="0">
-            <a:schemeClr val="accent1"/>
-          </a:effectRef>
-          <a:fontRef idx="minor">
-            <a:schemeClr val="lt1"/>
-          </a:fontRef>
-        </p:style>
-        <p:txBody>
-          <a:bodyPr rtlCol="0" anchor="ctr"/>
-          <a:lstStyle/>
-          <a:p>
-            <a:pPr algn="ctr"/>
-            <a:r>
-              <a:rPr lang="en-US" altLang="zh-CN" dirty="0" err="1">
-                <a:solidFill>
-                  <a:schemeClr val="tx1"/>
-                </a:solidFill>
-              </a:rPr>
-              <a:t>TinyHead</a:t>
-            </a:r>
-            <a:r>
-              <a:rPr lang="en-US" altLang="zh-CN" dirty="0">
-                <a:solidFill>
-                  <a:schemeClr val="tx1"/>
-                </a:solidFill>
-              </a:rPr>
-              <a:t>(1byte)</a:t>
-            </a:r>
-            <a:endParaRPr lang="zh-CN" altLang="en-US" dirty="0">
-              <a:solidFill>
-                <a:schemeClr val="tx1"/>
-              </a:solidFill>
-            </a:endParaRPr>
-          </a:p>
-        </p:txBody>
-      </p:sp>
-      <p:sp>
-        <p:nvSpPr>
-          <p:cNvPr id="5" name="矩形 4"/>
-          <p:cNvSpPr/>
-          <p:nvPr/>
-        </p:nvSpPr>
-        <p:spPr>
-          <a:xfrm>
-            <a:off x="6542842" y="1189608"/>
-            <a:ext cx="2059619" cy="1971704"/>
-          </a:xfrm>
-          <a:prstGeom prst="rect">
-            <a:avLst/>
-          </a:prstGeom>
-          <a:noFill/>
-          <a:ln>
-            <a:solidFill>
-              <a:schemeClr val="tx1"/>
-            </a:solidFill>
-          </a:ln>
-        </p:spPr>
-        <p:style>
-          <a:lnRef idx="2">
-            <a:schemeClr val="accent1">
-              <a:shade val="50000"/>
-            </a:schemeClr>
-          </a:lnRef>
-          <a:fillRef idx="1">
-            <a:schemeClr val="accent1"/>
-          </a:fillRef>
-          <a:effectRef idx="0">
-            <a:schemeClr val="accent1"/>
-          </a:effectRef>
-          <a:fontRef idx="minor">
-            <a:schemeClr val="lt1"/>
-          </a:fontRef>
-        </p:style>
-        <p:txBody>
-          <a:bodyPr rtlCol="0" anchor="ctr"/>
-          <a:lstStyle/>
-          <a:p>
-            <a:pPr algn="ctr"/>
-            <a:r>
-              <a:rPr lang="en-US" altLang="zh-CN" dirty="0">
-                <a:solidFill>
-                  <a:schemeClr val="tx1"/>
-                </a:solidFill>
-              </a:rPr>
-              <a:t>Method Body</a:t>
-            </a:r>
-            <a:endParaRPr lang="zh-CN" altLang="en-US" dirty="0">
-              <a:solidFill>
-                <a:schemeClr val="tx1"/>
-              </a:solidFill>
-            </a:endParaRPr>
-          </a:p>
-        </p:txBody>
-      </p:sp>
-      <p:sp>
-        <p:nvSpPr>
-          <p:cNvPr id="6" name="矩形 5"/>
-          <p:cNvSpPr/>
-          <p:nvPr/>
-        </p:nvSpPr>
-        <p:spPr>
-          <a:xfrm>
-            <a:off x="9083336" y="769182"/>
-            <a:ext cx="2059619" cy="811043"/>
-          </a:xfrm>
-          <a:prstGeom prst="rect">
-            <a:avLst/>
-          </a:prstGeom>
-          <a:noFill/>
-          <a:ln>
-            <a:solidFill>
-              <a:schemeClr val="tx1"/>
-            </a:solidFill>
-          </a:ln>
-        </p:spPr>
-        <p:style>
-          <a:lnRef idx="2">
-            <a:schemeClr val="accent1">
-              <a:shade val="50000"/>
-            </a:schemeClr>
-          </a:lnRef>
-          <a:fillRef idx="1">
-            <a:schemeClr val="accent1"/>
-          </a:fillRef>
-          <a:effectRef idx="0">
-            <a:schemeClr val="accent1"/>
-          </a:effectRef>
-          <a:fontRef idx="minor">
-            <a:schemeClr val="lt1"/>
-          </a:fontRef>
-        </p:style>
-        <p:txBody>
-          <a:bodyPr rtlCol="0" anchor="ctr"/>
-          <a:lstStyle/>
-          <a:p>
-            <a:pPr algn="ctr"/>
-            <a:r>
-              <a:rPr lang="en-US" altLang="zh-CN" dirty="0" err="1">
-                <a:solidFill>
-                  <a:schemeClr val="tx1"/>
-                </a:solidFill>
-              </a:rPr>
-              <a:t>FatHead</a:t>
-            </a:r>
-            <a:r>
-              <a:rPr lang="en-US" altLang="zh-CN" dirty="0">
-                <a:solidFill>
-                  <a:schemeClr val="tx1"/>
-                </a:solidFill>
-              </a:rPr>
-              <a:t>(2byte)</a:t>
-            </a:r>
-            <a:endParaRPr lang="zh-CN" altLang="en-US" dirty="0">
-              <a:solidFill>
-                <a:schemeClr val="tx1"/>
-              </a:solidFill>
-            </a:endParaRPr>
-          </a:p>
-        </p:txBody>
-      </p:sp>
-      <p:sp>
-        <p:nvSpPr>
-          <p:cNvPr id="7" name="矩形 6"/>
-          <p:cNvSpPr/>
-          <p:nvPr/>
-        </p:nvSpPr>
-        <p:spPr>
-          <a:xfrm>
-            <a:off x="9083335" y="1580225"/>
-            <a:ext cx="2059619" cy="811043"/>
-          </a:xfrm>
-          <a:prstGeom prst="rect">
-            <a:avLst/>
-          </a:prstGeom>
-          <a:noFill/>
-          <a:ln>
-            <a:solidFill>
-              <a:schemeClr val="tx1"/>
-            </a:solidFill>
-          </a:ln>
-        </p:spPr>
-        <p:style>
-          <a:lnRef idx="2">
-            <a:schemeClr val="accent1">
-              <a:shade val="50000"/>
-            </a:schemeClr>
-          </a:lnRef>
-          <a:fillRef idx="1">
-            <a:schemeClr val="accent1"/>
-          </a:fillRef>
-          <a:effectRef idx="0">
-            <a:schemeClr val="accent1"/>
-          </a:effectRef>
-          <a:fontRef idx="minor">
-            <a:schemeClr val="lt1"/>
-          </a:fontRef>
-        </p:style>
-        <p:txBody>
-          <a:bodyPr rtlCol="0" anchor="ctr"/>
-          <a:lstStyle/>
-          <a:p>
-            <a:pPr algn="ctr"/>
-            <a:r>
-              <a:rPr lang="en-US" altLang="zh-CN" dirty="0">
-                <a:solidFill>
-                  <a:schemeClr val="tx1"/>
-                </a:solidFill>
-              </a:rPr>
-              <a:t>Max Stack(2byte)</a:t>
-            </a:r>
-            <a:endParaRPr lang="zh-CN" altLang="en-US" dirty="0">
-              <a:solidFill>
-                <a:schemeClr val="tx1"/>
-              </a:solidFill>
-            </a:endParaRPr>
-          </a:p>
-        </p:txBody>
-      </p:sp>
-      <p:sp>
-        <p:nvSpPr>
-          <p:cNvPr id="8" name="矩形 7"/>
-          <p:cNvSpPr/>
-          <p:nvPr/>
-        </p:nvSpPr>
-        <p:spPr>
-          <a:xfrm>
-            <a:off x="9083335" y="2391268"/>
-            <a:ext cx="2059619" cy="811043"/>
-          </a:xfrm>
-          <a:prstGeom prst="rect">
-            <a:avLst/>
-          </a:prstGeom>
-          <a:noFill/>
-          <a:ln>
-            <a:solidFill>
-              <a:schemeClr val="tx1"/>
-            </a:solidFill>
-          </a:ln>
-        </p:spPr>
-        <p:style>
-          <a:lnRef idx="2">
-            <a:schemeClr val="accent1">
-              <a:shade val="50000"/>
-            </a:schemeClr>
-          </a:lnRef>
-          <a:fillRef idx="1">
-            <a:schemeClr val="accent1"/>
-          </a:fillRef>
-          <a:effectRef idx="0">
-            <a:schemeClr val="accent1"/>
-          </a:effectRef>
-          <a:fontRef idx="minor">
-            <a:schemeClr val="lt1"/>
-          </a:fontRef>
-        </p:style>
-        <p:txBody>
-          <a:bodyPr rtlCol="0" anchor="ctr"/>
-          <a:lstStyle/>
-          <a:p>
-            <a:pPr algn="ctr"/>
-            <a:r>
-              <a:rPr lang="en-US" altLang="zh-CN" dirty="0">
-                <a:solidFill>
-                  <a:schemeClr val="tx1"/>
-                </a:solidFill>
-              </a:rPr>
-              <a:t>Code Length(4byte)</a:t>
-            </a:r>
-            <a:endParaRPr lang="zh-CN" altLang="en-US" dirty="0">
-              <a:solidFill>
-                <a:schemeClr val="tx1"/>
-              </a:solidFill>
-            </a:endParaRPr>
-          </a:p>
-        </p:txBody>
-      </p:sp>
-      <p:sp>
-        <p:nvSpPr>
-          <p:cNvPr id="9" name="矩形 8"/>
-          <p:cNvSpPr/>
-          <p:nvPr/>
-        </p:nvSpPr>
-        <p:spPr>
-          <a:xfrm>
-            <a:off x="9083334" y="3202311"/>
-            <a:ext cx="2059619" cy="811043"/>
-          </a:xfrm>
-          <a:prstGeom prst="rect">
-            <a:avLst/>
-          </a:prstGeom>
-          <a:noFill/>
-          <a:ln>
-            <a:solidFill>
-              <a:schemeClr val="tx1"/>
-            </a:solidFill>
-          </a:ln>
-        </p:spPr>
-        <p:style>
-          <a:lnRef idx="2">
-            <a:schemeClr val="accent1">
-              <a:shade val="50000"/>
-            </a:schemeClr>
-          </a:lnRef>
-          <a:fillRef idx="1">
-            <a:schemeClr val="accent1"/>
-          </a:fillRef>
-          <a:effectRef idx="0">
-            <a:schemeClr val="accent1"/>
-          </a:effectRef>
-          <a:fontRef idx="minor">
-            <a:schemeClr val="lt1"/>
-          </a:fontRef>
-        </p:style>
-        <p:txBody>
-          <a:bodyPr rtlCol="0" anchor="ctr"/>
-          <a:lstStyle/>
-          <a:p>
-            <a:pPr algn="ctr"/>
-            <a:r>
-              <a:rPr lang="en-US" altLang="zh-CN" dirty="0">
-                <a:solidFill>
-                  <a:schemeClr val="tx1"/>
-                </a:solidFill>
-              </a:rPr>
-              <a:t>Variable Signature(4byte)</a:t>
-            </a:r>
-            <a:endParaRPr lang="zh-CN" altLang="en-US" dirty="0">
-              <a:solidFill>
-                <a:schemeClr val="tx1"/>
-              </a:solidFill>
-            </a:endParaRPr>
-          </a:p>
-        </p:txBody>
-      </p:sp>
-      <p:sp>
-        <p:nvSpPr>
-          <p:cNvPr id="10" name="矩形 9"/>
-          <p:cNvSpPr/>
-          <p:nvPr/>
-        </p:nvSpPr>
-        <p:spPr>
-          <a:xfrm>
-            <a:off x="9083333" y="4013354"/>
-            <a:ext cx="2059619" cy="1277737"/>
-          </a:xfrm>
-          <a:prstGeom prst="rect">
-            <a:avLst/>
-          </a:prstGeom>
-          <a:noFill/>
-          <a:ln>
-            <a:solidFill>
-              <a:schemeClr val="tx1"/>
-            </a:solidFill>
-          </a:ln>
-        </p:spPr>
-        <p:style>
-          <a:lnRef idx="2">
-            <a:schemeClr val="accent1">
-              <a:shade val="50000"/>
-            </a:schemeClr>
-          </a:lnRef>
-          <a:fillRef idx="1">
-            <a:schemeClr val="accent1"/>
-          </a:fillRef>
-          <a:effectRef idx="0">
-            <a:schemeClr val="accent1"/>
-          </a:effectRef>
-          <a:fontRef idx="minor">
-            <a:schemeClr val="lt1"/>
-          </a:fontRef>
-        </p:style>
-        <p:txBody>
-          <a:bodyPr rtlCol="0" anchor="ctr"/>
-          <a:lstStyle/>
-          <a:p>
-            <a:pPr algn="ctr"/>
-            <a:r>
-              <a:rPr lang="en-US" altLang="zh-CN" dirty="0">
-                <a:solidFill>
-                  <a:schemeClr val="tx1"/>
-                </a:solidFill>
-              </a:rPr>
-              <a:t>Method Body</a:t>
-            </a:r>
-            <a:endParaRPr lang="zh-CN" altLang="en-US" dirty="0">
-              <a:solidFill>
-                <a:schemeClr val="tx1"/>
-              </a:solidFill>
-            </a:endParaRPr>
-          </a:p>
-        </p:txBody>
-      </p:sp>
-      <p:sp>
-        <p:nvSpPr>
-          <p:cNvPr id="11" name="矩形 10"/>
-          <p:cNvSpPr/>
-          <p:nvPr/>
-        </p:nvSpPr>
-        <p:spPr>
-          <a:xfrm>
-            <a:off x="9083333" y="5291092"/>
-            <a:ext cx="2059619" cy="885872"/>
-          </a:xfrm>
-          <a:prstGeom prst="rect">
-            <a:avLst/>
-          </a:prstGeom>
-          <a:noFill/>
-          <a:ln>
-            <a:solidFill>
-              <a:schemeClr val="tx1"/>
-            </a:solidFill>
-          </a:ln>
-        </p:spPr>
-        <p:style>
-          <a:lnRef idx="2">
-            <a:schemeClr val="accent1">
-              <a:shade val="50000"/>
-            </a:schemeClr>
-          </a:lnRef>
-          <a:fillRef idx="1">
-            <a:schemeClr val="accent1"/>
-          </a:fillRef>
-          <a:effectRef idx="0">
-            <a:schemeClr val="accent1"/>
-          </a:effectRef>
-          <a:fontRef idx="minor">
-            <a:schemeClr val="lt1"/>
-          </a:fontRef>
-        </p:style>
-        <p:txBody>
-          <a:bodyPr rtlCol="0" anchor="ctr"/>
-          <a:lstStyle/>
-          <a:p>
-            <a:pPr algn="ctr"/>
-            <a:r>
-              <a:rPr lang="en-US" altLang="zh-CN" dirty="0">
-                <a:solidFill>
-                  <a:schemeClr val="tx1"/>
-                </a:solidFill>
-              </a:rPr>
-              <a:t>SEH</a:t>
-            </a:r>
-            <a:endParaRPr lang="zh-CN" altLang="en-US" dirty="0">
-              <a:solidFill>
-                <a:schemeClr val="tx1"/>
-              </a:solidFill>
-            </a:endParaRPr>
-          </a:p>
-        </p:txBody>
-      </p:sp>
-    </p:spTree>
-    <p:extLst>
-      <p:ext uri="{BB962C8B-B14F-4D97-AF65-F5344CB8AC3E}">
-        <p14:creationId xmlns:p14="http://schemas.microsoft.com/office/powerpoint/2010/main" val="737889617"/>
-      </p:ext>
-    </p:extLst>
-  </p:cSld>
-  <p:clrMapOvr>
-    <a:masterClrMapping/>
-  </p:clrMapOvr>
-</p:sld>
-</file>
-
-<file path=ppt/slides/slide34.xml><?xml version="1.0" encoding="utf-8"?>
-<p:sld xmlns:a="http://schemas.openxmlformats.org/drawingml/2006/main" xmlns:r="http://schemas.openxmlformats.org/officeDocument/2006/relationships" xmlns:p="http://schemas.openxmlformats.org/presentationml/2006/main">
-  <p:cSld>
-    <p:spTree>
-      <p:nvGrpSpPr>
-        <p:cNvPr id="1" name=""/>
-        <p:cNvGrpSpPr/>
-        <p:nvPr/>
-      </p:nvGrpSpPr>
-      <p:grpSpPr>
-        <a:xfrm>
-          <a:off x="0" y="0"/>
-          <a:ext cx="0" cy="0"/>
-          <a:chOff x="0" y="0"/>
-          <a:chExt cx="0" cy="0"/>
-        </a:xfrm>
-      </p:grpSpPr>
-      <p:sp>
-        <p:nvSpPr>
-          <p:cNvPr id="2" name="标题 1"/>
-          <p:cNvSpPr>
-            <a:spLocks noGrp="1"/>
-          </p:cNvSpPr>
-          <p:nvPr>
-            <p:ph type="title"/>
-          </p:nvPr>
-        </p:nvSpPr>
-        <p:spPr/>
-        <p:txBody>
-          <a:bodyPr/>
-          <a:lstStyle/>
-          <a:p>
-            <a:r>
-              <a:rPr lang="zh-CN" altLang="en-US" dirty="0"/>
-              <a:t>内存结构</a:t>
-            </a:r>
-            <a:r>
-              <a:rPr lang="en-US" altLang="zh-CN" dirty="0"/>
-              <a:t>/</a:t>
-            </a:r>
-            <a:r>
-              <a:rPr lang="zh-CN" altLang="en-US" dirty="0"/>
-              <a:t>分布与同步块</a:t>
-            </a:r>
-          </a:p>
-        </p:txBody>
-      </p:sp>
-      <p:pic>
-        <p:nvPicPr>
-          <p:cNvPr id="4" name="内容占位符 3"/>
-          <p:cNvPicPr>
-            <a:picLocks noGrp="1" noChangeAspect="1"/>
-          </p:cNvPicPr>
-          <p:nvPr>
-            <p:ph idx="1"/>
-          </p:nvPr>
-        </p:nvPicPr>
-        <p:blipFill>
-          <a:blip r:embed="rId2">
-            <a:extLst>
-              <a:ext uri="{28A0092B-C50C-407E-A947-70E740481C1C}">
-                <a14:useLocalDpi xmlns:a14="http://schemas.microsoft.com/office/drawing/2010/main" val="0"/>
-              </a:ext>
-            </a:extLst>
-          </a:blip>
-          <a:stretch>
-            <a:fillRect/>
-          </a:stretch>
-        </p:blipFill>
-        <p:spPr>
-          <a:xfrm>
-            <a:off x="1140745" y="2252846"/>
-            <a:ext cx="6792273" cy="2314898"/>
-          </a:xfrm>
-        </p:spPr>
-      </p:pic>
-      <p:pic>
-        <p:nvPicPr>
-          <p:cNvPr id="5" name="图片 4"/>
-          <p:cNvPicPr>
-            <a:picLocks noChangeAspect="1"/>
-          </p:cNvPicPr>
-          <p:nvPr/>
-        </p:nvPicPr>
-        <p:blipFill>
-          <a:blip r:embed="rId3">
-            <a:extLst>
-              <a:ext uri="{28A0092B-C50C-407E-A947-70E740481C1C}">
-                <a14:useLocalDpi xmlns:a14="http://schemas.microsoft.com/office/drawing/2010/main" val="0"/>
-              </a:ext>
-            </a:extLst>
-          </a:blip>
-          <a:stretch>
-            <a:fillRect/>
-          </a:stretch>
-        </p:blipFill>
-        <p:spPr>
-          <a:xfrm>
-            <a:off x="8152521" y="4872334"/>
-            <a:ext cx="1448002" cy="1047896"/>
-          </a:xfrm>
-          <a:prstGeom prst="rect">
-            <a:avLst/>
-          </a:prstGeom>
-        </p:spPr>
-      </p:pic>
-      <p:sp>
-        <p:nvSpPr>
-          <p:cNvPr id="6" name="矩形 5"/>
-          <p:cNvSpPr/>
-          <p:nvPr/>
-        </p:nvSpPr>
-        <p:spPr>
-          <a:xfrm>
-            <a:off x="8161400" y="4567744"/>
-            <a:ext cx="1421367" cy="304590"/>
-          </a:xfrm>
-          <a:prstGeom prst="rect">
-            <a:avLst/>
-          </a:prstGeom>
-          <a:noFill/>
-          <a:ln>
-            <a:solidFill>
-              <a:schemeClr val="tx1"/>
-            </a:solidFill>
-          </a:ln>
-        </p:spPr>
-        <p:style>
-          <a:lnRef idx="2">
-            <a:schemeClr val="accent1">
-              <a:shade val="50000"/>
-            </a:schemeClr>
-          </a:lnRef>
-          <a:fillRef idx="1">
-            <a:schemeClr val="accent1"/>
-          </a:fillRef>
-          <a:effectRef idx="0">
-            <a:schemeClr val="accent1"/>
-          </a:effectRef>
-          <a:fontRef idx="minor">
-            <a:schemeClr val="lt1"/>
-          </a:fontRef>
-        </p:style>
-        <p:txBody>
-          <a:bodyPr rtlCol="0" anchor="ctr"/>
-          <a:lstStyle/>
-          <a:p>
-            <a:pPr algn="ctr"/>
-            <a:r>
-              <a:rPr lang="en-US" altLang="zh-CN" sz="1000" dirty="0">
-                <a:solidFill>
-                  <a:schemeClr val="tx1"/>
-                </a:solidFill>
-              </a:rPr>
-              <a:t>Last </a:t>
-            </a:r>
-            <a:r>
-              <a:rPr lang="en-US" altLang="zh-CN" sz="1000" dirty="0" err="1">
-                <a:solidFill>
-                  <a:schemeClr val="tx1"/>
-                </a:solidFill>
-              </a:rPr>
-              <a:t>SyncBlk</a:t>
-            </a:r>
-            <a:endParaRPr lang="zh-CN" altLang="en-US" sz="1000" dirty="0">
-              <a:solidFill>
-                <a:schemeClr val="tx1"/>
-              </a:solidFill>
-            </a:endParaRPr>
-          </a:p>
-        </p:txBody>
-      </p:sp>
-      <p:sp>
-        <p:nvSpPr>
-          <p:cNvPr id="7" name="矩形 6"/>
-          <p:cNvSpPr/>
-          <p:nvPr/>
-        </p:nvSpPr>
-        <p:spPr>
-          <a:xfrm>
-            <a:off x="8161400" y="5902474"/>
-            <a:ext cx="1421367" cy="304590"/>
-          </a:xfrm>
-          <a:prstGeom prst="rect">
-            <a:avLst/>
-          </a:prstGeom>
-          <a:noFill/>
-          <a:ln>
-            <a:solidFill>
-              <a:schemeClr val="tx1"/>
-            </a:solidFill>
-          </a:ln>
-        </p:spPr>
-        <p:style>
-          <a:lnRef idx="2">
-            <a:schemeClr val="accent1">
-              <a:shade val="50000"/>
-            </a:schemeClr>
-          </a:lnRef>
-          <a:fillRef idx="1">
-            <a:schemeClr val="accent1"/>
-          </a:fillRef>
-          <a:effectRef idx="0">
-            <a:schemeClr val="accent1"/>
-          </a:effectRef>
-          <a:fontRef idx="minor">
-            <a:schemeClr val="lt1"/>
-          </a:fontRef>
-        </p:style>
-        <p:txBody>
-          <a:bodyPr rtlCol="0" anchor="ctr"/>
-          <a:lstStyle/>
-          <a:p>
-            <a:pPr algn="ctr"/>
-            <a:r>
-              <a:rPr lang="en-US" altLang="zh-CN" sz="1000" dirty="0">
-                <a:solidFill>
-                  <a:schemeClr val="tx1"/>
-                </a:solidFill>
-              </a:rPr>
-              <a:t>Next </a:t>
-            </a:r>
-            <a:r>
-              <a:rPr lang="en-US" altLang="zh-CN" sz="1000" dirty="0" err="1">
-                <a:solidFill>
-                  <a:schemeClr val="tx1"/>
-                </a:solidFill>
-              </a:rPr>
-              <a:t>SyncBlk</a:t>
-            </a:r>
-            <a:endParaRPr lang="zh-CN" altLang="en-US" sz="1000" dirty="0">
-              <a:solidFill>
-                <a:schemeClr val="tx1"/>
-              </a:solidFill>
-            </a:endParaRPr>
-          </a:p>
-        </p:txBody>
-      </p:sp>
-      <p:cxnSp>
-        <p:nvCxnSpPr>
-          <p:cNvPr id="9" name="连接符: 肘形 8"/>
-          <p:cNvCxnSpPr>
-            <a:endCxn id="5" idx="1"/>
-          </p:cNvCxnSpPr>
-          <p:nvPr/>
-        </p:nvCxnSpPr>
-        <p:spPr>
-          <a:xfrm>
-            <a:off x="5406501" y="4500979"/>
-            <a:ext cx="2746020" cy="895303"/>
-          </a:xfrm>
-          <a:prstGeom prst="bentConnector3">
-            <a:avLst>
-              <a:gd name="adj1" fmla="val 2153"/>
-            </a:avLst>
-          </a:prstGeom>
-          <a:ln>
-            <a:solidFill>
-              <a:schemeClr val="tx1"/>
-            </a:solidFill>
-            <a:tailEnd type="triangle"/>
-          </a:ln>
-        </p:spPr>
-        <p:style>
-          <a:lnRef idx="1">
-            <a:schemeClr val="accent1"/>
-          </a:lnRef>
-          <a:fillRef idx="0">
-            <a:schemeClr val="accent1"/>
-          </a:fillRef>
-          <a:effectRef idx="0">
-            <a:schemeClr val="accent1"/>
-          </a:effectRef>
-          <a:fontRef idx="minor">
-            <a:schemeClr val="tx1"/>
-          </a:fontRef>
-        </p:style>
-      </p:cxnSp>
-      <p:cxnSp>
-        <p:nvCxnSpPr>
-          <p:cNvPr id="14" name="直接箭头连接符 13"/>
-          <p:cNvCxnSpPr/>
-          <p:nvPr/>
-        </p:nvCxnSpPr>
-        <p:spPr>
-          <a:xfrm>
-            <a:off x="5921406" y="1926456"/>
-            <a:ext cx="0" cy="426128"/>
-          </a:xfrm>
-          <a:prstGeom prst="straightConnector1">
-            <a:avLst/>
-          </a:prstGeom>
-          <a:ln>
-            <a:solidFill>
-              <a:schemeClr val="tx1"/>
-            </a:solidFill>
-            <a:tailEnd type="triangle"/>
-          </a:ln>
-        </p:spPr>
-        <p:style>
-          <a:lnRef idx="1">
-            <a:schemeClr val="accent1"/>
-          </a:lnRef>
-          <a:fillRef idx="0">
-            <a:schemeClr val="accent1"/>
-          </a:fillRef>
-          <a:effectRef idx="0">
-            <a:schemeClr val="accent1"/>
-          </a:effectRef>
-          <a:fontRef idx="minor">
-            <a:schemeClr val="tx1"/>
-          </a:fontRef>
-        </p:style>
-      </p:cxnSp>
-      <p:sp>
-        <p:nvSpPr>
-          <p:cNvPr id="15" name="文本框 14"/>
-          <p:cNvSpPr txBox="1"/>
-          <p:nvPr/>
-        </p:nvSpPr>
-        <p:spPr>
-          <a:xfrm>
-            <a:off x="5519693" y="1670073"/>
-            <a:ext cx="803425" cy="276999"/>
-          </a:xfrm>
-          <a:prstGeom prst="rect">
-            <a:avLst/>
-          </a:prstGeom>
-          <a:noFill/>
-        </p:spPr>
-        <p:txBody>
-          <a:bodyPr wrap="none" rtlCol="0">
-            <a:spAutoFit/>
-          </a:bodyPr>
-          <a:lstStyle/>
-          <a:p>
-            <a:r>
-              <a:rPr lang="en-US" altLang="zh-CN" sz="1200" dirty="0"/>
-              <a:t>reference</a:t>
-            </a:r>
-            <a:endParaRPr lang="zh-CN" altLang="en-US" sz="1200" dirty="0"/>
-          </a:p>
-        </p:txBody>
-      </p:sp>
-    </p:spTree>
-    <p:extLst>
-      <p:ext uri="{BB962C8B-B14F-4D97-AF65-F5344CB8AC3E}">
-        <p14:creationId xmlns:p14="http://schemas.microsoft.com/office/powerpoint/2010/main" val="4146457347"/>
-      </p:ext>
-    </p:extLst>
-  </p:cSld>
-  <p:clrMapOvr>
-    <a:masterClrMapping/>
-  </p:clrMapOvr>
-</p:sld>
-</file>
-
-<file path=ppt/slides/slide35.xml><?xml version="1.0" encoding="utf-8"?>
-<p:sld xmlns:a="http://schemas.openxmlformats.org/drawingml/2006/main" xmlns:r="http://schemas.openxmlformats.org/officeDocument/2006/relationships" xmlns:p="http://schemas.openxmlformats.org/presentationml/2006/main">
-  <p:cSld>
-    <p:spTree>
-      <p:nvGrpSpPr>
-        <p:cNvPr id="1" name=""/>
-        <p:cNvGrpSpPr/>
-        <p:nvPr/>
-      </p:nvGrpSpPr>
-      <p:grpSpPr>
-        <a:xfrm>
-          <a:off x="0" y="0"/>
-          <a:ext cx="0" cy="0"/>
-          <a:chOff x="0" y="0"/>
-          <a:chExt cx="0" cy="0"/>
-        </a:xfrm>
-      </p:grpSpPr>
-      <p:sp>
-        <p:nvSpPr>
-          <p:cNvPr id="2" name="标题 1"/>
-          <p:cNvSpPr>
-            <a:spLocks noGrp="1"/>
-          </p:cNvSpPr>
-          <p:nvPr>
-            <p:ph type="title"/>
-          </p:nvPr>
-        </p:nvSpPr>
-        <p:spPr>
-          <a:xfrm>
-            <a:off x="838200" y="365125"/>
-            <a:ext cx="10515600" cy="1325563"/>
-          </a:xfrm>
-        </p:spPr>
-        <p:txBody>
-          <a:bodyPr/>
-          <a:lstStyle/>
-          <a:p>
-            <a:r>
-              <a:rPr lang="zh-CN" altLang="en-US" dirty="0"/>
-              <a:t>内存结构</a:t>
-            </a:r>
-            <a:r>
-              <a:rPr lang="en-US" altLang="zh-CN" dirty="0"/>
-              <a:t>/</a:t>
-            </a:r>
-            <a:r>
-              <a:rPr lang="zh-CN" altLang="en-US" dirty="0"/>
-              <a:t>方法表</a:t>
-            </a:r>
-          </a:p>
-        </p:txBody>
-      </p:sp>
-      <p:pic>
-        <p:nvPicPr>
-          <p:cNvPr id="7" name="内容占位符 6"/>
-          <p:cNvPicPr>
-            <a:picLocks noGrp="1" noChangeAspect="1"/>
-          </p:cNvPicPr>
-          <p:nvPr>
-            <p:ph idx="1"/>
-          </p:nvPr>
-        </p:nvPicPr>
-        <p:blipFill>
-          <a:blip r:embed="rId2"/>
-          <a:stretch>
-            <a:fillRect/>
-          </a:stretch>
-        </p:blipFill>
-        <p:spPr>
-          <a:xfrm>
-            <a:off x="939276" y="1492441"/>
-            <a:ext cx="2363761" cy="5002820"/>
-          </a:xfrm>
-          <a:prstGeom prst="rect">
-            <a:avLst/>
-          </a:prstGeom>
-        </p:spPr>
-      </p:pic>
-      <p:pic>
-        <p:nvPicPr>
-          <p:cNvPr id="8" name="图片 7"/>
-          <p:cNvPicPr>
-            <a:picLocks noChangeAspect="1"/>
-          </p:cNvPicPr>
-          <p:nvPr/>
-        </p:nvPicPr>
-        <p:blipFill>
-          <a:blip r:embed="rId3">
-            <a:extLst>
-              <a:ext uri="{28A0092B-C50C-407E-A947-70E740481C1C}">
-                <a14:useLocalDpi xmlns:a14="http://schemas.microsoft.com/office/drawing/2010/main" val="0"/>
-              </a:ext>
-            </a:extLst>
-          </a:blip>
-          <a:stretch>
-            <a:fillRect/>
-          </a:stretch>
-        </p:blipFill>
-        <p:spPr>
-          <a:xfrm>
-            <a:off x="6638096" y="1778922"/>
-            <a:ext cx="4906060" cy="3038899"/>
-          </a:xfrm>
-          <a:prstGeom prst="rect">
-            <a:avLst/>
-          </a:prstGeom>
-        </p:spPr>
-      </p:pic>
-      <p:cxnSp>
-        <p:nvCxnSpPr>
-          <p:cNvPr id="10" name="直接箭头连接符 9"/>
-          <p:cNvCxnSpPr/>
-          <p:nvPr/>
-        </p:nvCxnSpPr>
-        <p:spPr>
-          <a:xfrm>
-            <a:off x="2276669" y="2514282"/>
-            <a:ext cx="4320074" cy="0"/>
-          </a:xfrm>
-          <a:prstGeom prst="straightConnector1">
-            <a:avLst/>
-          </a:prstGeom>
-          <a:ln>
-            <a:solidFill>
-              <a:schemeClr val="tx1"/>
-            </a:solidFill>
-            <a:tailEnd type="triangle"/>
-          </a:ln>
-        </p:spPr>
-        <p:style>
-          <a:lnRef idx="1">
-            <a:schemeClr val="accent1"/>
-          </a:lnRef>
-          <a:fillRef idx="0">
-            <a:schemeClr val="accent1"/>
-          </a:fillRef>
-          <a:effectRef idx="0">
-            <a:schemeClr val="accent1"/>
-          </a:effectRef>
-          <a:fontRef idx="minor">
-            <a:schemeClr val="tx1"/>
-          </a:fontRef>
-        </p:style>
-      </p:cxnSp>
-    </p:spTree>
-    <p:extLst>
-      <p:ext uri="{BB962C8B-B14F-4D97-AF65-F5344CB8AC3E}">
-        <p14:creationId xmlns:p14="http://schemas.microsoft.com/office/powerpoint/2010/main" val="2895269336"/>
-      </p:ext>
-    </p:extLst>
-  </p:cSld>
-  <p:clrMapOvr>
-    <a:masterClrMapping/>
-  </p:clrMapOvr>
-</p:sld>
-</file>
-
-<file path=ppt/slides/slide36.xml><?xml version="1.0" encoding="utf-8"?>
-<p:sld xmlns:a="http://schemas.openxmlformats.org/drawingml/2006/main" xmlns:r="http://schemas.openxmlformats.org/officeDocument/2006/relationships" xmlns:p="http://schemas.openxmlformats.org/presentationml/2006/main">
-  <p:cSld>
-    <p:spTree>
-      <p:nvGrpSpPr>
-        <p:cNvPr id="1" name=""/>
-        <p:cNvGrpSpPr/>
-        <p:nvPr/>
-      </p:nvGrpSpPr>
-      <p:grpSpPr>
-        <a:xfrm>
-          <a:off x="0" y="0"/>
-          <a:ext cx="0" cy="0"/>
-          <a:chOff x="0" y="0"/>
-          <a:chExt cx="0" cy="0"/>
-        </a:xfrm>
-      </p:grpSpPr>
-      <p:sp>
-        <p:nvSpPr>
-          <p:cNvPr id="2" name="标题 1"/>
-          <p:cNvSpPr>
-            <a:spLocks noGrp="1"/>
-          </p:cNvSpPr>
-          <p:nvPr>
-            <p:ph type="title"/>
-          </p:nvPr>
-        </p:nvSpPr>
-        <p:spPr/>
-        <p:txBody>
-          <a:bodyPr/>
-          <a:lstStyle/>
-          <a:p>
-            <a:r>
-              <a:rPr lang="zh-CN" altLang="en-US" dirty="0"/>
-              <a:t>内存结构</a:t>
-            </a:r>
-            <a:r>
-              <a:rPr lang="en-US" altLang="zh-CN" dirty="0"/>
-              <a:t>/</a:t>
-            </a:r>
-            <a:r>
-              <a:rPr lang="en-US" altLang="zh-CN" dirty="0" err="1"/>
-              <a:t>EEClass</a:t>
-            </a:r>
-            <a:endParaRPr lang="zh-CN" altLang="en-US" dirty="0"/>
-          </a:p>
-        </p:txBody>
-      </p:sp>
-      <p:pic>
-        <p:nvPicPr>
-          <p:cNvPr id="4" name="内容占位符 3"/>
-          <p:cNvPicPr>
-            <a:picLocks noGrp="1" noChangeAspect="1"/>
-          </p:cNvPicPr>
-          <p:nvPr>
-            <p:ph idx="1"/>
-          </p:nvPr>
-        </p:nvPicPr>
-        <p:blipFill>
-          <a:blip r:embed="rId2">
-            <a:extLst>
-              <a:ext uri="{28A0092B-C50C-407E-A947-70E740481C1C}">
-                <a14:useLocalDpi xmlns:a14="http://schemas.microsoft.com/office/drawing/2010/main" val="0"/>
-              </a:ext>
-            </a:extLst>
-          </a:blip>
-          <a:stretch>
-            <a:fillRect/>
-          </a:stretch>
-        </p:blipFill>
-        <p:spPr>
-          <a:xfrm>
-            <a:off x="838200" y="1577808"/>
-            <a:ext cx="6630325" cy="4296375"/>
-          </a:xfrm>
-        </p:spPr>
-      </p:pic>
-    </p:spTree>
-    <p:extLst>
-      <p:ext uri="{BB962C8B-B14F-4D97-AF65-F5344CB8AC3E}">
-        <p14:creationId xmlns:p14="http://schemas.microsoft.com/office/powerpoint/2010/main" val="2169093456"/>
-      </p:ext>
-    </p:extLst>
-  </p:cSld>
-  <p:clrMapOvr>
-    <a:masterClrMapping/>
-  </p:clrMapOvr>
-</p:sld>
-</file>
-
-<file path=ppt/slides/slide37.xml><?xml version="1.0" encoding="utf-8"?>
-<p:sld xmlns:a="http://schemas.openxmlformats.org/drawingml/2006/main" xmlns:r="http://schemas.openxmlformats.org/officeDocument/2006/relationships" xmlns:p="http://schemas.openxmlformats.org/presentationml/2006/main">
-  <p:cSld>
-    <p:spTree>
-      <p:nvGrpSpPr>
-        <p:cNvPr id="1" name=""/>
-        <p:cNvGrpSpPr/>
-        <p:nvPr/>
-      </p:nvGrpSpPr>
-      <p:grpSpPr>
-        <a:xfrm>
-          <a:off x="0" y="0"/>
-          <a:ext cx="0" cy="0"/>
-          <a:chOff x="0" y="0"/>
-          <a:chExt cx="0" cy="0"/>
-        </a:xfrm>
-      </p:grpSpPr>
-      <p:sp>
-        <p:nvSpPr>
-          <p:cNvPr id="2" name="标题 1"/>
-          <p:cNvSpPr>
-            <a:spLocks noGrp="1"/>
-          </p:cNvSpPr>
-          <p:nvPr>
-            <p:ph type="title"/>
-          </p:nvPr>
-        </p:nvSpPr>
-        <p:spPr/>
-        <p:txBody>
-          <a:bodyPr/>
-          <a:lstStyle/>
-          <a:p>
-            <a:r>
-              <a:rPr lang="en-US" altLang="zh-CN" dirty="0"/>
-              <a:t>IL2CPP</a:t>
-            </a:r>
-            <a:endParaRPr lang="zh-CN" altLang="en-US" dirty="0"/>
-          </a:p>
-        </p:txBody>
-      </p:sp>
-      <p:sp>
-        <p:nvSpPr>
-          <p:cNvPr id="3" name="内容占位符 2"/>
-          <p:cNvSpPr>
-            <a:spLocks noGrp="1"/>
-          </p:cNvSpPr>
-          <p:nvPr>
-            <p:ph idx="1"/>
-          </p:nvPr>
-        </p:nvSpPr>
-        <p:spPr/>
-        <p:txBody>
-          <a:bodyPr/>
-          <a:lstStyle/>
-          <a:p>
-            <a:r>
-              <a:rPr lang="en-US" altLang="zh-CN" dirty="0"/>
-              <a:t>IL2CPP</a:t>
-            </a:r>
-            <a:r>
-              <a:rPr lang="zh-CN" altLang="en-US" dirty="0"/>
-              <a:t>分别处理字段和方法：实例字段和类字段被生成到相同</a:t>
-            </a:r>
-            <a:r>
-              <a:rPr lang="en-US" altLang="zh-CN" dirty="0"/>
-              <a:t>.h</a:t>
-            </a:r>
-            <a:r>
-              <a:rPr lang="zh-CN" altLang="en-US" dirty="0"/>
-              <a:t>文件的不同结构中，方法被生成到</a:t>
-            </a:r>
-            <a:r>
-              <a:rPr lang="en-US" altLang="zh-CN" dirty="0"/>
-              <a:t>.</a:t>
-            </a:r>
-            <a:r>
-              <a:rPr lang="en-US" altLang="zh-CN" dirty="0" err="1"/>
-              <a:t>cpp</a:t>
-            </a:r>
-            <a:r>
-              <a:rPr lang="zh-CN" altLang="en-US" dirty="0"/>
-              <a:t>文件中</a:t>
-            </a:r>
-            <a:endParaRPr lang="en-US" altLang="zh-CN" dirty="0"/>
-          </a:p>
-          <a:p>
-            <a:r>
-              <a:rPr lang="en-US" altLang="zh-CN" dirty="0"/>
-              <a:t>IL2CPP</a:t>
-            </a:r>
-            <a:r>
-              <a:rPr lang="zh-CN" altLang="en-US" dirty="0"/>
-              <a:t>对</a:t>
-            </a:r>
-            <a:r>
-              <a:rPr lang="en-US" altLang="zh-CN" dirty="0"/>
-              <a:t>IL</a:t>
-            </a:r>
-            <a:r>
-              <a:rPr lang="zh-CN" altLang="en-US" dirty="0"/>
-              <a:t>的翻译近乎直译。</a:t>
-            </a:r>
-            <a:r>
-              <a:rPr lang="en-US" altLang="zh-CN" dirty="0" err="1"/>
-              <a:t>.Net</a:t>
-            </a:r>
-            <a:r>
-              <a:rPr lang="zh-CN" altLang="en-US" dirty="0"/>
-              <a:t>编译器的质量直接影响</a:t>
-            </a:r>
-            <a:r>
-              <a:rPr lang="en-US" altLang="zh-CN" dirty="0"/>
-              <a:t>IL2CPP</a:t>
-            </a:r>
-            <a:r>
-              <a:rPr lang="zh-CN" altLang="en-US" dirty="0"/>
-              <a:t>最终生成的结果</a:t>
-            </a:r>
-            <a:endParaRPr lang="en-US" altLang="zh-CN" dirty="0"/>
-          </a:p>
-          <a:p>
-            <a:r>
-              <a:rPr lang="en-US" altLang="zh-CN" dirty="0"/>
-              <a:t>IL2CPP</a:t>
-            </a:r>
-            <a:r>
-              <a:rPr lang="zh-CN" altLang="en-US" dirty="0"/>
-              <a:t>会为虚调用生成对象，通过支持库</a:t>
-            </a:r>
-            <a:r>
-              <a:rPr lang="en-US" altLang="zh-CN" dirty="0"/>
-              <a:t>libil2cpp</a:t>
-            </a:r>
-            <a:r>
-              <a:rPr lang="zh-CN" altLang="en-US" dirty="0"/>
-              <a:t>方法调用。虚调用会受到一定的优化，有时</a:t>
-            </a:r>
-            <a:r>
-              <a:rPr lang="en-US" altLang="zh-CN" dirty="0" err="1"/>
-              <a:t>callvirt</a:t>
-            </a:r>
-            <a:r>
-              <a:rPr lang="zh-CN" altLang="en-US" dirty="0"/>
-              <a:t>指令并不对真的被翻译为虚调用的形式</a:t>
-            </a:r>
-            <a:endParaRPr lang="en-US" altLang="zh-CN" dirty="0"/>
-          </a:p>
-          <a:p>
-            <a:r>
-              <a:rPr lang="en-US" altLang="zh-CN" dirty="0"/>
-              <a:t>FCL</a:t>
-            </a:r>
-            <a:r>
-              <a:rPr lang="zh-CN" altLang="en-US" dirty="0"/>
-              <a:t>使用和</a:t>
-            </a:r>
-            <a:r>
-              <a:rPr lang="en-US" altLang="zh-CN" dirty="0"/>
-              <a:t>Mono</a:t>
-            </a:r>
-            <a:r>
-              <a:rPr lang="zh-CN" altLang="en-US" dirty="0"/>
-              <a:t>一样的代码，经由</a:t>
-            </a:r>
-            <a:r>
-              <a:rPr lang="en-US" altLang="zh-CN" dirty="0"/>
-              <a:t>IL2CPP</a:t>
-            </a:r>
-            <a:r>
-              <a:rPr lang="zh-CN" altLang="en-US" dirty="0"/>
-              <a:t>编译器翻译而成。虽然损失了潜在的优化，然而确保了代码的一致性</a:t>
-            </a:r>
-          </a:p>
-        </p:txBody>
-      </p:sp>
-    </p:spTree>
-    <p:extLst>
-      <p:ext uri="{BB962C8B-B14F-4D97-AF65-F5344CB8AC3E}">
-        <p14:creationId xmlns:p14="http://schemas.microsoft.com/office/powerpoint/2010/main" val="1747156259"/>
-      </p:ext>
-    </p:extLst>
-  </p:cSld>
-  <p:clrMapOvr>
-    <a:masterClrMapping/>
-  </p:clrMapOvr>
-</p:sld>
-</file>
-
-<file path=ppt/slides/slide38.xml><?xml version="1.0" encoding="utf-8"?>
-<p:sld xmlns:a="http://schemas.openxmlformats.org/drawingml/2006/main" xmlns:r="http://schemas.openxmlformats.org/officeDocument/2006/relationships" xmlns:p="http://schemas.openxmlformats.org/presentationml/2006/main">
-  <p:cSld>
-    <p:spTree>
-      <p:nvGrpSpPr>
-        <p:cNvPr id="1" name=""/>
-        <p:cNvGrpSpPr/>
-        <p:nvPr/>
-      </p:nvGrpSpPr>
-      <p:grpSpPr>
-        <a:xfrm>
-          <a:off x="0" y="0"/>
-          <a:ext cx="0" cy="0"/>
-          <a:chOff x="0" y="0"/>
-          <a:chExt cx="0" cy="0"/>
-        </a:xfrm>
-      </p:grpSpPr>
-      <p:sp>
-        <p:nvSpPr>
-          <p:cNvPr id="2" name="标题 1"/>
-          <p:cNvSpPr>
-            <a:spLocks noGrp="1"/>
-          </p:cNvSpPr>
-          <p:nvPr>
-            <p:ph type="title"/>
-          </p:nvPr>
-        </p:nvSpPr>
-        <p:spPr/>
-        <p:txBody>
-          <a:bodyPr/>
-          <a:lstStyle/>
-          <a:p>
-            <a:r>
-              <a:rPr lang="zh-CN" altLang="en-US" dirty="0"/>
               <a:t>书籍</a:t>
             </a:r>
           </a:p>
@@ -11470,7 +10925,7 @@
 </p:sld>
 </file>
 
-<file path=ppt/slides/slide39.xml><?xml version="1.0" encoding="utf-8"?>
+<file path=ppt/slides/slide34.xml><?xml version="1.0" encoding="utf-8"?>
 <p:sld xmlns:a="http://schemas.openxmlformats.org/drawingml/2006/main" xmlns:r="http://schemas.openxmlformats.org/officeDocument/2006/relationships" xmlns:p="http://schemas.openxmlformats.org/presentationml/2006/main">
   <p:cSld>
     <p:spTree>

--- a/pptx.pptx.pptx
+++ b/pptx.pptx.pptx
@@ -5,7 +5,7 @@
     <p:sldMasterId id="2147483648" r:id="rId1"/>
   </p:sldMasterIdLst>
   <p:notesMasterIdLst>
-    <p:notesMasterId r:id="rId36"/>
+    <p:notesMasterId r:id="rId37"/>
   </p:notesMasterIdLst>
   <p:sldIdLst>
     <p:sldId id="256" r:id="rId2"/>
@@ -38,10 +38,11 @@
     <p:sldId id="295" r:id="rId29"/>
     <p:sldId id="296" r:id="rId30"/>
     <p:sldId id="297" r:id="rId31"/>
-    <p:sldId id="270" r:id="rId32"/>
-    <p:sldId id="271" r:id="rId33"/>
-    <p:sldId id="272" r:id="rId34"/>
-    <p:sldId id="273" r:id="rId35"/>
+    <p:sldId id="300" r:id="rId32"/>
+    <p:sldId id="301" r:id="rId33"/>
+    <p:sldId id="302" r:id="rId34"/>
+    <p:sldId id="272" r:id="rId35"/>
+    <p:sldId id="273" r:id="rId36"/>
   </p:sldIdLst>
   <p:sldSz cx="12192000" cy="6858000"/>
   <p:notesSz cx="6858000" cy="9144000"/>
@@ -195,8 +196,9 @@
             <p14:sldId id="295"/>
             <p14:sldId id="296"/>
             <p14:sldId id="297"/>
-            <p14:sldId id="270"/>
-            <p14:sldId id="271"/>
+            <p14:sldId id="300"/>
+            <p14:sldId id="301"/>
+            <p14:sldId id="302"/>
           </p14:sldIdLst>
         </p14:section>
         <p14:section name="Reading" id="{2164BE1F-9596-4205-916D-4161BC549F4D}">
@@ -5597,30 +5599,6 @@
           </a:prstGeom>
         </p:spPr>
       </p:pic>
-      <p:pic>
-        <p:nvPicPr>
-          <p:cNvPr id="6" name="图片 5"/>
-          <p:cNvPicPr>
-            <a:picLocks noChangeAspect="1"/>
-          </p:cNvPicPr>
-          <p:nvPr/>
-        </p:nvPicPr>
-        <p:blipFill>
-          <a:blip r:embed="rId4"/>
-          <a:stretch>
-            <a:fillRect/>
-          </a:stretch>
-        </p:blipFill>
-        <p:spPr>
-          <a:xfrm>
-            <a:off x="6915149" y="4821237"/>
-            <a:ext cx="5276850" cy="2752725"/>
-          </a:xfrm>
-          <a:prstGeom prst="rect">
-            <a:avLst/>
-          </a:prstGeom>
-        </p:spPr>
-      </p:pic>
       <p:sp>
         <p:nvSpPr>
           <p:cNvPr id="7" name="箭头: 下 6"/>
@@ -5707,6 +5685,30 @@
           </a:p>
         </p:txBody>
       </p:sp>
+      <p:pic>
+        <p:nvPicPr>
+          <p:cNvPr id="9" name="图片 8"/>
+          <p:cNvPicPr>
+            <a:picLocks noChangeAspect="1"/>
+          </p:cNvPicPr>
+          <p:nvPr/>
+        </p:nvPicPr>
+        <p:blipFill>
+          <a:blip r:embed="rId4"/>
+          <a:stretch>
+            <a:fillRect/>
+          </a:stretch>
+        </p:blipFill>
+        <p:spPr>
+          <a:xfrm>
+            <a:off x="7377112" y="4825777"/>
+            <a:ext cx="7191375" cy="2933700"/>
+          </a:xfrm>
+          <a:prstGeom prst="rect">
+            <a:avLst/>
+          </a:prstGeom>
+        </p:spPr>
+      </p:pic>
     </p:spTree>
     <p:extLst>
       <p:ext uri="{BB962C8B-B14F-4D97-AF65-F5344CB8AC3E}">
@@ -5923,44 +5925,96 @@
             <a:endParaRPr lang="en-US" altLang="zh-CN" dirty="0"/>
           </a:p>
           <a:p>
+            <a:r>
+              <a:rPr lang="zh-CN" altLang="en-US" dirty="0"/>
+              <a:t>装箱生成</a:t>
+            </a:r>
+            <a:r>
+              <a:rPr lang="en-US" altLang="zh-CN" dirty="0"/>
+              <a:t>box</a:t>
+            </a:r>
+            <a:r>
+              <a:rPr lang="zh-CN" altLang="en-US" dirty="0"/>
+              <a:t>指令，需要在托管堆分配内存并将栈上的值类型对象复制到堆上，该操作较慢</a:t>
+            </a:r>
+            <a:endParaRPr lang="en-US" altLang="zh-CN" dirty="0"/>
+          </a:p>
+          <a:p>
+            <a:r>
+              <a:rPr lang="zh-CN" altLang="en-US" dirty="0"/>
+              <a:t>装箱生成的堆对象通常不会长时间保留，会造成较频繁的</a:t>
+            </a:r>
+            <a:r>
+              <a:rPr lang="en-US" altLang="zh-CN" dirty="0"/>
+              <a:t>GC</a:t>
+            </a:r>
+          </a:p>
+          <a:p>
             <a:pPr marL="0" indent="0">
               <a:buNone/>
             </a:pPr>
+            <a:r>
+              <a:rPr lang="zh-CN" altLang="en-US" dirty="0"/>
+              <a:t>数值陷阱</a:t>
+            </a:r>
             <a:endParaRPr lang="en-US" altLang="zh-CN" dirty="0"/>
           </a:p>
           <a:p>
             <a:r>
               <a:rPr lang="zh-CN" altLang="en-US" dirty="0"/>
-              <a:t>装箱生成</a:t>
-            </a:r>
-            <a:r>
-              <a:rPr lang="en-US" altLang="zh-CN" dirty="0"/>
-              <a:t>box</a:t>
-            </a:r>
-            <a:r>
-              <a:rPr lang="zh-CN" altLang="en-US" dirty="0"/>
-              <a:t>指令，需要在托管堆分配内存并将栈上的值类型对象复制到堆上，该操作较慢</a:t>
-            </a:r>
-            <a:endParaRPr lang="en-US" altLang="zh-CN" dirty="0"/>
-          </a:p>
-          <a:p>
-            <a:endParaRPr lang="en-US" altLang="zh-CN" dirty="0"/>
-          </a:p>
-          <a:p>
-            <a:r>
-              <a:rPr lang="zh-CN" altLang="en-US" dirty="0"/>
-              <a:t>装箱生成的堆对象通常不会长时间保留，会造成较频繁的</a:t>
-            </a:r>
-            <a:r>
-              <a:rPr lang="en-US" altLang="zh-CN" dirty="0"/>
-              <a:t>GC</a:t>
-            </a:r>
-          </a:p>
-          <a:p>
-            <a:endParaRPr lang="zh-CN" altLang="en-US" dirty="0"/>
-          </a:p>
-        </p:txBody>
-      </p:sp>
+              <a:t>装箱与拆箱过程都基于值的拷贝，有时可能引起混淆</a:t>
+            </a:r>
+          </a:p>
+        </p:txBody>
+      </p:sp>
+      <p:pic>
+        <p:nvPicPr>
+          <p:cNvPr id="5" name="图片 4"/>
+          <p:cNvPicPr>
+            <a:picLocks noChangeAspect="1"/>
+          </p:cNvPicPr>
+          <p:nvPr/>
+        </p:nvPicPr>
+        <p:blipFill>
+          <a:blip r:embed="rId3"/>
+          <a:stretch>
+            <a:fillRect/>
+          </a:stretch>
+        </p:blipFill>
+        <p:spPr>
+          <a:xfrm>
+            <a:off x="1227839" y="4778375"/>
+            <a:ext cx="2952750" cy="1533525"/>
+          </a:xfrm>
+          <a:prstGeom prst="rect">
+            <a:avLst/>
+          </a:prstGeom>
+        </p:spPr>
+      </p:pic>
+      <p:pic>
+        <p:nvPicPr>
+          <p:cNvPr id="6" name="图片 5"/>
+          <p:cNvPicPr>
+            <a:picLocks noChangeAspect="1"/>
+          </p:cNvPicPr>
+          <p:nvPr/>
+        </p:nvPicPr>
+        <p:blipFill>
+          <a:blip r:embed="rId4"/>
+          <a:stretch>
+            <a:fillRect/>
+          </a:stretch>
+        </p:blipFill>
+        <p:spPr>
+          <a:xfrm>
+            <a:off x="4570228" y="4873625"/>
+            <a:ext cx="5991225" cy="1438275"/>
+          </a:xfrm>
+          <a:prstGeom prst="rect">
+            <a:avLst/>
+          </a:prstGeom>
+        </p:spPr>
+      </p:pic>
     </p:spTree>
     <p:extLst>
       <p:ext uri="{BB962C8B-B14F-4D97-AF65-F5344CB8AC3E}">
@@ -7787,14 +7841,14 @@
             <p:ph idx="1"/>
             <p:extLst>
               <p:ext uri="{D42A27DB-BD31-4B8C-83A1-F6EECF244321}">
-                <p14:modId xmlns:p14="http://schemas.microsoft.com/office/powerpoint/2010/main" val="12501665"/>
+                <p14:modId xmlns:p14="http://schemas.microsoft.com/office/powerpoint/2010/main" val="3391901557"/>
               </p:ext>
             </p:extLst>
           </p:nvPr>
         </p:nvGraphicFramePr>
         <p:xfrm>
           <a:off x="838200" y="1509824"/>
-          <a:ext cx="10515600" cy="5146158"/>
+          <a:ext cx="10515600" cy="4933506"/>
         </p:xfrm>
         <a:graphic>
           <a:graphicData uri="http://schemas.openxmlformats.org/drawingml/2006/table">
@@ -7825,7 +7879,7 @@
                   </a:extLst>
                 </a:gridCol>
               </a:tblGrid>
-              <a:tr h="5146158">
+              <a:tr h="4933506">
                 <a:tc>
                   <a:txBody>
                     <a:bodyPr/>
@@ -7934,7 +7988,7 @@
         </p:nvSpPr>
         <p:spPr>
           <a:xfrm>
-            <a:off x="978197" y="3709021"/>
+            <a:off x="978197" y="3315623"/>
             <a:ext cx="1106393" cy="369332"/>
           </a:xfrm>
           <a:prstGeom prst="rect">
@@ -7973,7 +8027,7 @@
         </p:nvSpPr>
         <p:spPr>
           <a:xfrm>
-            <a:off x="2395148" y="2555493"/>
+            <a:off x="2395148" y="2162095"/>
             <a:ext cx="3401893" cy="369332"/>
           </a:xfrm>
           <a:prstGeom prst="rect">
@@ -8016,7 +8070,7 @@
         </p:nvSpPr>
         <p:spPr>
           <a:xfrm>
-            <a:off x="2239657" y="4887569"/>
+            <a:off x="2239657" y="4494171"/>
             <a:ext cx="3712876" cy="369332"/>
           </a:xfrm>
           <a:prstGeom prst="rect">
@@ -8063,7 +8117,7 @@
         </p:nvSpPr>
         <p:spPr>
           <a:xfrm>
-            <a:off x="6216418" y="2555493"/>
+            <a:off x="6588643" y="2162095"/>
             <a:ext cx="4171335" cy="369332"/>
           </a:xfrm>
           <a:prstGeom prst="rect">
@@ -8110,7 +8164,7 @@
         </p:nvSpPr>
         <p:spPr>
           <a:xfrm>
-            <a:off x="6216418" y="4077998"/>
+            <a:off x="6216418" y="3684600"/>
             <a:ext cx="4915786" cy="369332"/>
           </a:xfrm>
           <a:prstGeom prst="rect">
@@ -8153,7 +8207,7 @@
         </p:nvSpPr>
         <p:spPr>
           <a:xfrm>
-            <a:off x="6216418" y="5128340"/>
+            <a:off x="6216418" y="4861203"/>
             <a:ext cx="4915786" cy="369332"/>
           </a:xfrm>
           <a:prstGeom prst="rect">
@@ -8204,7 +8258,7 @@
         </p:nvSpPr>
         <p:spPr>
           <a:xfrm>
-            <a:off x="7348743" y="6088373"/>
+            <a:off x="7348743" y="5694975"/>
             <a:ext cx="2651135" cy="369332"/>
           </a:xfrm>
           <a:prstGeom prst="rect">
@@ -8235,13 +8289,16 @@
       <p:cxnSp>
         <p:nvCxnSpPr>
           <p:cNvPr id="13" name="直接箭头连接符 12"/>
-          <p:cNvCxnSpPr/>
+          <p:cNvCxnSpPr>
+            <a:stCxn id="5" idx="3"/>
+            <a:endCxn id="6" idx="2"/>
+          </p:cNvCxnSpPr>
           <p:nvPr/>
         </p:nvCxnSpPr>
         <p:spPr>
           <a:xfrm flipV="1">
-            <a:off x="2084590" y="2924825"/>
-            <a:ext cx="2011504" cy="968862"/>
+            <a:off x="2084590" y="2531427"/>
+            <a:ext cx="2011505" cy="968862"/>
           </a:xfrm>
           <a:prstGeom prst="straightConnector1">
             <a:avLst/>
@@ -8278,7 +8335,7 @@
         </p:nvCxnSpPr>
         <p:spPr>
           <a:xfrm>
-            <a:off x="2084590" y="3893687"/>
+            <a:off x="2084590" y="3500289"/>
             <a:ext cx="2011505" cy="993882"/>
           </a:xfrm>
           <a:prstGeom prst="straightConnector1">
@@ -8317,8 +8374,8 @@
         </p:nvCxnSpPr>
         <p:spPr>
           <a:xfrm>
-            <a:off x="5797041" y="2740159"/>
-            <a:ext cx="419377" cy="0"/>
+            <a:off x="5797041" y="2346761"/>
+            <a:ext cx="791602" cy="0"/>
           </a:xfrm>
           <a:prstGeom prst="straightConnector1">
             <a:avLst/>
@@ -8356,8 +8413,8 @@
         </p:nvCxnSpPr>
         <p:spPr>
           <a:xfrm flipV="1">
-            <a:off x="4096095" y="2924825"/>
-            <a:ext cx="4205991" cy="1962744"/>
+            <a:off x="4096095" y="2531427"/>
+            <a:ext cx="4578216" cy="1962744"/>
           </a:xfrm>
           <a:prstGeom prst="straightConnector1">
             <a:avLst/>
@@ -8394,8 +8451,8 @@
         </p:nvCxnSpPr>
         <p:spPr>
           <a:xfrm>
-            <a:off x="10387753" y="2740159"/>
-            <a:ext cx="1541977" cy="0"/>
+            <a:off x="10759978" y="2346761"/>
+            <a:ext cx="1169752" cy="0"/>
           </a:xfrm>
           <a:prstGeom prst="straightConnector1">
             <a:avLst/>
@@ -8432,8 +8489,8 @@
         </p:nvCxnSpPr>
         <p:spPr>
           <a:xfrm flipV="1">
-            <a:off x="5952533" y="4445030"/>
-            <a:ext cx="1532788" cy="627205"/>
+            <a:off x="5952533" y="4053932"/>
+            <a:ext cx="1543420" cy="624905"/>
           </a:xfrm>
           <a:prstGeom prst="straightConnector1">
             <a:avLst/>
@@ -8471,8 +8528,8 @@
         </p:nvCxnSpPr>
         <p:spPr>
           <a:xfrm>
-            <a:off x="8674311" y="4447330"/>
-            <a:ext cx="0" cy="681010"/>
+            <a:off x="8674311" y="4053932"/>
+            <a:ext cx="0" cy="807271"/>
           </a:xfrm>
           <a:prstGeom prst="straightConnector1">
             <a:avLst/>
@@ -8510,8 +8567,8 @@
         </p:nvCxnSpPr>
         <p:spPr>
           <a:xfrm>
-            <a:off x="8674311" y="5497672"/>
-            <a:ext cx="0" cy="590701"/>
+            <a:off x="8674311" y="5230535"/>
+            <a:ext cx="0" cy="464440"/>
           </a:xfrm>
           <a:prstGeom prst="straightConnector1">
             <a:avLst/>
@@ -8548,7 +8605,7 @@
         </p:nvCxnSpPr>
         <p:spPr>
           <a:xfrm>
-            <a:off x="9999878" y="6273039"/>
+            <a:off x="9999878" y="5879641"/>
             <a:ext cx="1929852" cy="0"/>
           </a:xfrm>
           <a:prstGeom prst="straightConnector1">
@@ -8646,7 +8703,12 @@
             <p:ph idx="1"/>
           </p:nvPr>
         </p:nvSpPr>
-        <p:spPr/>
+        <p:spPr>
+          <a:xfrm>
+            <a:off x="838200" y="1636712"/>
+            <a:ext cx="10515600" cy="4351338"/>
+          </a:xfrm>
+        </p:spPr>
         <p:txBody>
           <a:bodyPr/>
           <a:lstStyle/>
@@ -8690,6 +8752,22 @@
             <a:r>
               <a:rPr lang="zh-CN" altLang="en-US" dirty="0"/>
               <a:t>结构的方法调用</a:t>
+            </a:r>
+            <a:endParaRPr lang="en-US" altLang="zh-CN" dirty="0"/>
+          </a:p>
+          <a:p>
+            <a:pPr lvl="1"/>
+            <a:r>
+              <a:rPr lang="zh-CN" altLang="en-US" dirty="0"/>
+              <a:t>在重写的方法中调用基类被重写的方法（使用</a:t>
+            </a:r>
+            <a:r>
+              <a:rPr lang="en-US" altLang="zh-CN" dirty="0" err="1"/>
+              <a:t>callvirt</a:t>
+            </a:r>
+            <a:r>
+              <a:rPr lang="zh-CN" altLang="en-US" dirty="0"/>
+              <a:t>会引发递归调用）</a:t>
             </a:r>
             <a:endParaRPr lang="en-US" altLang="zh-CN" dirty="0"/>
           </a:p>
@@ -8801,7 +8879,7 @@
         </p:blipFill>
         <p:spPr>
           <a:xfrm>
-            <a:off x="1639740" y="4433095"/>
+            <a:off x="1639740" y="4605874"/>
             <a:ext cx="3829050" cy="685800"/>
           </a:xfrm>
           <a:prstGeom prst="rect">
@@ -8825,7 +8903,7 @@
         </p:blipFill>
         <p:spPr>
           <a:xfrm>
-            <a:off x="1639740" y="5529263"/>
+            <a:off x="1639740" y="5807296"/>
             <a:ext cx="3362325" cy="647700"/>
           </a:xfrm>
           <a:prstGeom prst="rect">
@@ -10169,7 +10247,7 @@
           <a:p>
             <a:r>
               <a:rPr lang="zh-CN" altLang="en-US" dirty="0"/>
-              <a:t>最佳实践</a:t>
+              <a:t>实践优化</a:t>
             </a:r>
             <a:r>
               <a:rPr lang="en-US" altLang="zh-CN" dirty="0"/>
@@ -10192,20 +10270,25 @@
             <p:ph idx="1"/>
           </p:nvPr>
         </p:nvSpPr>
-        <p:spPr/>
+        <p:spPr>
+          <a:xfrm>
+            <a:off x="838200" y="1614191"/>
+            <a:ext cx="10515600" cy="1661854"/>
+          </a:xfrm>
+        </p:spPr>
         <p:txBody>
           <a:bodyPr>
-            <a:normAutofit lnSpcReduction="10000"/>
+            <a:normAutofit/>
           </a:bodyPr>
           <a:lstStyle/>
           <a:p>
             <a:r>
-              <a:rPr lang="zh-CN" altLang="en-US" dirty="0"/>
-              <a:t>缓存</a:t>
-            </a:r>
-            <a:r>
-              <a:rPr lang="en-US" altLang="zh-CN" dirty="0" err="1"/>
-              <a:t>MemberInfo</a:t>
+              <a:rPr lang="zh-CN" altLang="en-US" b="1" dirty="0"/>
+              <a:t>不要</a:t>
+            </a:r>
+            <a:r>
+              <a:rPr lang="zh-CN" altLang="en-US" dirty="0"/>
+              <a:t>指定不必要的析构方法</a:t>
             </a:r>
             <a:endParaRPr lang="en-US" altLang="zh-CN" dirty="0"/>
           </a:p>
@@ -10214,73 +10297,24 @@
               <a:buNone/>
             </a:pPr>
             <a:r>
-              <a:rPr lang="zh-CN" altLang="en-US" sz="1800" dirty="0">
-                <a:latin typeface="微软雅黑 Light" panose="020B0502040204020203" pitchFamily="34" charset="-122"/>
-                <a:ea typeface="微软雅黑 Light" panose="020B0502040204020203" pitchFamily="34" charset="-122"/>
-              </a:rPr>
-              <a:t>反射性能低下主要有三个原因：</a:t>
-            </a:r>
-            <a:r>
-              <a:rPr lang="en-US" altLang="zh-CN" sz="1800" dirty="0" err="1">
-                <a:latin typeface="微软雅黑 Light" panose="020B0502040204020203" pitchFamily="34" charset="-122"/>
-                <a:ea typeface="微软雅黑 Light" panose="020B0502040204020203" pitchFamily="34" charset="-122"/>
-              </a:rPr>
-              <a:t>EEClass</a:t>
-            </a:r>
-            <a:r>
-              <a:rPr lang="zh-CN" altLang="en-US" sz="1800" dirty="0">
-                <a:latin typeface="微软雅黑 Light" panose="020B0502040204020203" pitchFamily="34" charset="-122"/>
-                <a:ea typeface="微软雅黑 Light" panose="020B0502040204020203" pitchFamily="34" charset="-122"/>
-              </a:rPr>
-              <a:t>检索慢于编译器生成的地址代换，检索到的数据需要生成</a:t>
-            </a:r>
-            <a:r>
-              <a:rPr lang="en-US" altLang="zh-CN" sz="1800" dirty="0" err="1">
-                <a:latin typeface="微软雅黑 Light" panose="020B0502040204020203" pitchFamily="34" charset="-122"/>
-                <a:ea typeface="微软雅黑 Light" panose="020B0502040204020203" pitchFamily="34" charset="-122"/>
-              </a:rPr>
-              <a:t>MemberInfo</a:t>
-            </a:r>
-            <a:r>
-              <a:rPr lang="zh-CN" altLang="en-US" sz="1800" dirty="0">
-                <a:latin typeface="微软雅黑 Light" panose="020B0502040204020203" pitchFamily="34" charset="-122"/>
-                <a:ea typeface="微软雅黑 Light" panose="020B0502040204020203" pitchFamily="34" charset="-122"/>
-              </a:rPr>
-              <a:t>对象，访问</a:t>
-            </a:r>
-            <a:r>
-              <a:rPr lang="en-US" altLang="zh-CN" sz="1800" dirty="0" err="1">
-                <a:latin typeface="微软雅黑 Light" panose="020B0502040204020203" pitchFamily="34" charset="-122"/>
-                <a:ea typeface="微软雅黑 Light" panose="020B0502040204020203" pitchFamily="34" charset="-122"/>
-              </a:rPr>
-              <a:t>MemberInfo</a:t>
-            </a:r>
-            <a:r>
-              <a:rPr lang="zh-CN" altLang="en-US" sz="1800" dirty="0">
-                <a:latin typeface="微软雅黑 Light" panose="020B0502040204020203" pitchFamily="34" charset="-122"/>
-                <a:ea typeface="微软雅黑 Light" panose="020B0502040204020203" pitchFamily="34" charset="-122"/>
-              </a:rPr>
-              <a:t>对象需要动态绑定。使用反射式缓存</a:t>
-            </a:r>
-            <a:r>
-              <a:rPr lang="en-US" altLang="zh-CN" sz="1800" dirty="0" err="1">
-                <a:latin typeface="微软雅黑 Light" panose="020B0502040204020203" pitchFamily="34" charset="-122"/>
-                <a:ea typeface="微软雅黑 Light" panose="020B0502040204020203" pitchFamily="34" charset="-122"/>
-              </a:rPr>
-              <a:t>MemberInfo</a:t>
-            </a:r>
-            <a:r>
-              <a:rPr lang="zh-CN" altLang="en-US" sz="1800" dirty="0">
-                <a:latin typeface="微软雅黑 Light" panose="020B0502040204020203" pitchFamily="34" charset="-122"/>
-                <a:ea typeface="微软雅黑 Light" panose="020B0502040204020203" pitchFamily="34" charset="-122"/>
-              </a:rPr>
-              <a:t>，前两个问题都能迎刃而解</a:t>
-            </a:r>
-          </a:p>
-          <a:p>
-            <a:r>
-              <a:rPr lang="zh-CN" altLang="en-US" dirty="0"/>
-              <a:t>为集合预分配容量</a:t>
+              <a:rPr lang="zh-CN" altLang="en-US" dirty="0"/>
+              <a:t>拥有析构函数的对象构造时会被加入析构列表中。该列表中的对象会在其不可达之后的第一次</a:t>
+            </a:r>
+            <a:r>
+              <a:rPr lang="en-US" altLang="zh-CN" dirty="0"/>
+              <a:t>GC</a:t>
+            </a:r>
+            <a:r>
+              <a:rPr lang="zh-CN" altLang="en-US" dirty="0"/>
+              <a:t>完成后执行析构函数，再后一次</a:t>
+            </a:r>
+            <a:r>
+              <a:rPr lang="en-US" altLang="zh-CN" dirty="0"/>
+              <a:t>GC</a:t>
+            </a:r>
+            <a:r>
+              <a:rPr lang="zh-CN" altLang="en-US" dirty="0"/>
+              <a:t>才会被回收。</a:t>
             </a:r>
             <a:endParaRPr lang="en-US" altLang="zh-CN" dirty="0"/>
           </a:p>
@@ -10289,155 +10323,3212 @@
               <a:buNone/>
             </a:pPr>
             <a:r>
-              <a:rPr lang="zh-CN" altLang="en-US" sz="1800" dirty="0">
-                <a:latin typeface="微软雅黑 Light" panose="020B0502040204020203" pitchFamily="34" charset="-122"/>
-                <a:ea typeface="微软雅黑 Light" panose="020B0502040204020203" pitchFamily="34" charset="-122"/>
-              </a:rPr>
-              <a:t>集合拥有积极扩张的内存分配策略，预估集合容量并进行预分配非但有助于减少重分配次数，而且通常能够节约内存</a:t>
-            </a:r>
-            <a:endParaRPr lang="en-US" altLang="zh-CN" sz="1800" dirty="0">
-              <a:latin typeface="微软雅黑 Light" panose="020B0502040204020203" pitchFamily="34" charset="-122"/>
-              <a:ea typeface="微软雅黑 Light" panose="020B0502040204020203" pitchFamily="34" charset="-122"/>
-            </a:endParaRPr>
-          </a:p>
-          <a:p>
-            <a:r>
-              <a:rPr lang="zh-CN" altLang="en-US" dirty="0"/>
-              <a:t>重写</a:t>
+              <a:rPr lang="zh-CN" altLang="en-US" dirty="0"/>
+              <a:t>假定</a:t>
             </a:r>
             <a:r>
               <a:rPr lang="en-US" altLang="zh-CN" dirty="0"/>
-              <a:t>Equals</a:t>
-            </a:r>
-            <a:r>
-              <a:rPr lang="zh-CN" altLang="en-US" dirty="0"/>
-              <a:t>方法和</a:t>
-            </a:r>
-            <a:r>
-              <a:rPr lang="en-US" altLang="zh-CN" dirty="0" err="1"/>
-              <a:t>GetHashCode</a:t>
-            </a:r>
-            <a:r>
-              <a:rPr lang="zh-CN" altLang="en-US" dirty="0"/>
-              <a:t>方法</a:t>
+              <a:t>F</a:t>
+            </a:r>
+            <a:r>
+              <a:rPr lang="zh-CN" altLang="en-US" dirty="0"/>
+              <a:t>为一个拥有析构器的对象，其生命周期如下</a:t>
             </a:r>
             <a:endParaRPr lang="en-US" altLang="zh-CN" dirty="0"/>
           </a:p>
-          <a:p>
-            <a:pPr marL="457200" lvl="1" indent="0">
-              <a:buNone/>
-            </a:pPr>
-            <a:r>
-              <a:rPr lang="zh-CN" altLang="en-US" sz="1800" dirty="0">
-                <a:latin typeface="微软雅黑 Light" panose="020B0502040204020203" pitchFamily="34" charset="-122"/>
-                <a:ea typeface="微软雅黑 Light" panose="020B0502040204020203" pitchFamily="34" charset="-122"/>
-              </a:rPr>
-              <a:t>引用类型的上述方法默认实现使用反射</a:t>
-            </a:r>
-            <a:r>
-              <a:rPr lang="zh-CN" altLang="en-US" dirty="0"/>
-              <a:t>坚持建立文档化注释</a:t>
-            </a:r>
-            <a:endParaRPr lang="en-US" altLang="zh-CN" dirty="0"/>
-          </a:p>
-          <a:p>
-            <a:pPr marL="457200" lvl="1" indent="0">
-              <a:buNone/>
-            </a:pPr>
-            <a:r>
-              <a:rPr lang="zh-CN" altLang="en-US" sz="1800" dirty="0">
-                <a:latin typeface="微软雅黑 Light" panose="020B0502040204020203" pitchFamily="34" charset="-122"/>
-                <a:ea typeface="微软雅黑 Light" panose="020B0502040204020203" pitchFamily="34" charset="-122"/>
-              </a:rPr>
+        </p:txBody>
+      </p:sp>
+      <p:sp>
+        <p:nvSpPr>
+          <p:cNvPr id="82" name="文本框 81"/>
+          <p:cNvSpPr txBox="1"/>
+          <p:nvPr/>
+        </p:nvSpPr>
+        <p:spPr>
+          <a:xfrm>
+            <a:off x="482173" y="3923411"/>
+            <a:ext cx="712054" cy="369332"/>
+          </a:xfrm>
+          <a:prstGeom prst="rect">
+            <a:avLst/>
+          </a:prstGeom>
+          <a:noFill/>
+        </p:spPr>
+        <p:txBody>
+          <a:bodyPr wrap="none" rtlCol="0">
+            <a:spAutoFit/>
+          </a:bodyPr>
+          <a:lstStyle/>
+          <a:p>
+            <a:r>
+              <a:rPr lang="en-US" altLang="zh-CN" dirty="0"/>
+              <a:t>Heap</a:t>
+            </a:r>
+            <a:endParaRPr lang="zh-CN" altLang="en-US" dirty="0"/>
+          </a:p>
+        </p:txBody>
+      </p:sp>
+      <p:sp>
+        <p:nvSpPr>
+          <p:cNvPr id="83" name="文本框 82"/>
+          <p:cNvSpPr txBox="1"/>
+          <p:nvPr/>
+        </p:nvSpPr>
+        <p:spPr>
+          <a:xfrm>
+            <a:off x="469349" y="4603895"/>
+            <a:ext cx="737702" cy="369332"/>
+          </a:xfrm>
+          <a:prstGeom prst="rect">
+            <a:avLst/>
+          </a:prstGeom>
+          <a:noFill/>
+        </p:spPr>
+        <p:txBody>
+          <a:bodyPr wrap="none" rtlCol="0">
+            <a:spAutoFit/>
+          </a:bodyPr>
+          <a:lstStyle/>
+          <a:p>
+            <a:r>
+              <a:rPr lang="en-US" altLang="zh-CN" dirty="0"/>
+              <a:t>F-List</a:t>
+            </a:r>
+            <a:endParaRPr lang="zh-CN" altLang="en-US" dirty="0"/>
+          </a:p>
+        </p:txBody>
+      </p:sp>
+      <p:sp>
+        <p:nvSpPr>
+          <p:cNvPr id="84" name="文本框 83"/>
+          <p:cNvSpPr txBox="1"/>
+          <p:nvPr/>
+        </p:nvSpPr>
+        <p:spPr>
+          <a:xfrm>
+            <a:off x="124703" y="5284379"/>
+            <a:ext cx="1426994" cy="646331"/>
+          </a:xfrm>
+          <a:prstGeom prst="rect">
+            <a:avLst/>
+          </a:prstGeom>
+          <a:noFill/>
+        </p:spPr>
+        <p:txBody>
+          <a:bodyPr wrap="none" rtlCol="0">
+            <a:spAutoFit/>
+          </a:bodyPr>
+          <a:lstStyle/>
+          <a:p>
+            <a:r>
+              <a:rPr lang="en-US" altLang="zh-CN" dirty="0"/>
+              <a:t>F-Reachable</a:t>
+            </a:r>
+          </a:p>
+          <a:p>
+            <a:pPr algn="ctr"/>
+            <a:r>
+              <a:rPr lang="en-US" altLang="zh-CN" dirty="0"/>
+              <a:t>Queue</a:t>
+            </a:r>
+            <a:endParaRPr lang="zh-CN" altLang="en-US" dirty="0"/>
+          </a:p>
+        </p:txBody>
+      </p:sp>
+      <p:sp>
+        <p:nvSpPr>
+          <p:cNvPr id="88" name="文本框 87"/>
+          <p:cNvSpPr txBox="1"/>
+          <p:nvPr/>
+        </p:nvSpPr>
+        <p:spPr>
+          <a:xfrm>
+            <a:off x="2061495" y="3415206"/>
+            <a:ext cx="756938" cy="369332"/>
+          </a:xfrm>
+          <a:prstGeom prst="rect">
+            <a:avLst/>
+          </a:prstGeom>
+          <a:noFill/>
+        </p:spPr>
+        <p:txBody>
+          <a:bodyPr wrap="none" rtlCol="0">
+            <a:spAutoFit/>
+          </a:bodyPr>
+          <a:lstStyle/>
+          <a:p>
+            <a:r>
+              <a:rPr lang="en-US" altLang="zh-CN" dirty="0"/>
+              <a:t>F</a:t>
+            </a:r>
+            <a:r>
+              <a:rPr lang="zh-CN" altLang="en-US" dirty="0"/>
+              <a:t>构建</a:t>
+            </a:r>
+          </a:p>
+        </p:txBody>
+      </p:sp>
+      <p:graphicFrame>
+        <p:nvGraphicFramePr>
+          <p:cNvPr id="89" name="表格 88"/>
+          <p:cNvGraphicFramePr>
+            <a:graphicFrameLocks noGrp="1"/>
+          </p:cNvGraphicFramePr>
+          <p:nvPr>
+            <p:extLst>
+              <p:ext uri="{D42A27DB-BD31-4B8C-83A1-F6EECF244321}">
+                <p14:modId xmlns:p14="http://schemas.microsoft.com/office/powerpoint/2010/main" val="2125324404"/>
+              </p:ext>
+            </p:extLst>
+          </p:nvPr>
+        </p:nvGraphicFramePr>
+        <p:xfrm>
+          <a:off x="1791969" y="3955309"/>
+          <a:ext cx="1295991" cy="370840"/>
+        </p:xfrm>
+        <a:graphic>
+          <a:graphicData uri="http://schemas.openxmlformats.org/drawingml/2006/table">
+            <a:tbl>
+              <a:tblPr firstRow="1" bandRow="1">
+                <a:tableStyleId>{5C22544A-7EE6-4342-B048-85BDC9FD1C3A}</a:tableStyleId>
+              </a:tblPr>
+              <a:tblGrid>
+                <a:gridCol w="431997">
+                  <a:extLst>
+                    <a:ext uri="{9D8B030D-6E8A-4147-A177-3AD203B41FA5}">
+                      <a16:colId xmlns:a16="http://schemas.microsoft.com/office/drawing/2014/main" val="1645589849"/>
+                    </a:ext>
+                  </a:extLst>
+                </a:gridCol>
+                <a:gridCol w="431997">
+                  <a:extLst>
+                    <a:ext uri="{9D8B030D-6E8A-4147-A177-3AD203B41FA5}">
+                      <a16:colId xmlns:a16="http://schemas.microsoft.com/office/drawing/2014/main" val="3987330782"/>
+                    </a:ext>
+                  </a:extLst>
+                </a:gridCol>
+                <a:gridCol w="431997">
+                  <a:extLst>
+                    <a:ext uri="{9D8B030D-6E8A-4147-A177-3AD203B41FA5}">
+                      <a16:colId xmlns:a16="http://schemas.microsoft.com/office/drawing/2014/main" val="1232745375"/>
+                    </a:ext>
+                  </a:extLst>
+                </a:gridCol>
+              </a:tblGrid>
+              <a:tr h="370840">
+                <a:tc>
+                  <a:txBody>
+                    <a:bodyPr/>
+                    <a:lstStyle/>
+                    <a:p>
+                      <a:endParaRPr lang="zh-CN" altLang="en-US" dirty="0"/>
+                    </a:p>
+                  </a:txBody>
+                  <a:tcPr>
+                    <a:lnL w="12700" cap="flat" cmpd="sng" algn="ctr">
+                      <a:noFill/>
+                      <a:prstDash val="solid"/>
+                      <a:round/>
+                      <a:headEnd type="none" w="med" len="med"/>
+                      <a:tailEnd type="none" w="med" len="med"/>
+                    </a:lnL>
+                    <a:lnR w="12700" cap="flat" cmpd="sng" algn="ctr">
+                      <a:solidFill>
+                        <a:schemeClr val="tx1"/>
+                      </a:solidFill>
+                      <a:prstDash val="solid"/>
+                      <a:round/>
+                      <a:headEnd type="none" w="med" len="med"/>
+                      <a:tailEnd type="none" w="med" len="med"/>
+                    </a:lnR>
+                    <a:lnT w="12700" cap="flat" cmpd="sng" algn="ctr">
+                      <a:solidFill>
+                        <a:schemeClr val="tx1"/>
+                      </a:solidFill>
+                      <a:prstDash val="solid"/>
+                      <a:round/>
+                      <a:headEnd type="none" w="med" len="med"/>
+                      <a:tailEnd type="none" w="med" len="med"/>
+                    </a:lnT>
+                    <a:lnB w="12700" cap="flat" cmpd="sng" algn="ctr">
+                      <a:solidFill>
+                        <a:schemeClr val="tx1"/>
+                      </a:solidFill>
+                      <a:prstDash val="solid"/>
+                      <a:round/>
+                      <a:headEnd type="none" w="med" len="med"/>
+                      <a:tailEnd type="none" w="med" len="med"/>
+                    </a:lnB>
+                    <a:solidFill>
+                      <a:schemeClr val="bg1"/>
+                    </a:solidFill>
+                  </a:tcPr>
+                </a:tc>
+                <a:tc>
+                  <a:txBody>
+                    <a:bodyPr/>
+                    <a:lstStyle/>
+                    <a:p>
+                      <a:pPr algn="ctr"/>
+                      <a:r>
+                        <a:rPr lang="en-US" altLang="zh-CN" dirty="0">
+                          <a:solidFill>
+                            <a:schemeClr val="tx1"/>
+                          </a:solidFill>
+                        </a:rPr>
+                        <a:t>F</a:t>
+                      </a:r>
+                      <a:endParaRPr lang="zh-CN" altLang="en-US" dirty="0">
+                        <a:solidFill>
+                          <a:schemeClr val="tx1"/>
+                        </a:solidFill>
+                      </a:endParaRPr>
+                    </a:p>
+                  </a:txBody>
+                  <a:tcPr>
+                    <a:lnL w="12700" cap="flat" cmpd="sng" algn="ctr">
+                      <a:solidFill>
+                        <a:schemeClr val="tx1"/>
+                      </a:solidFill>
+                      <a:prstDash val="solid"/>
+                      <a:round/>
+                      <a:headEnd type="none" w="med" len="med"/>
+                      <a:tailEnd type="none" w="med" len="med"/>
+                    </a:lnL>
+                    <a:lnR w="12700" cap="flat" cmpd="sng" algn="ctr">
+                      <a:solidFill>
+                        <a:schemeClr val="tx1"/>
+                      </a:solidFill>
+                      <a:prstDash val="solid"/>
+                      <a:round/>
+                      <a:headEnd type="none" w="med" len="med"/>
+                      <a:tailEnd type="none" w="med" len="med"/>
+                    </a:lnR>
+                    <a:lnT w="12700" cap="flat" cmpd="sng" algn="ctr">
+                      <a:solidFill>
+                        <a:schemeClr val="tx1"/>
+                      </a:solidFill>
+                      <a:prstDash val="solid"/>
+                      <a:round/>
+                      <a:headEnd type="none" w="med" len="med"/>
+                      <a:tailEnd type="none" w="med" len="med"/>
+                    </a:lnT>
+                    <a:lnB w="12700" cap="flat" cmpd="sng" algn="ctr">
+                      <a:solidFill>
+                        <a:schemeClr val="tx1"/>
+                      </a:solidFill>
+                      <a:prstDash val="solid"/>
+                      <a:round/>
+                      <a:headEnd type="none" w="med" len="med"/>
+                      <a:tailEnd type="none" w="med" len="med"/>
+                    </a:lnB>
+                    <a:solidFill>
+                      <a:schemeClr val="accent6">
+                        <a:lumMod val="60000"/>
+                        <a:lumOff val="40000"/>
+                      </a:schemeClr>
+                    </a:solidFill>
+                  </a:tcPr>
+                </a:tc>
+                <a:tc>
+                  <a:txBody>
+                    <a:bodyPr/>
+                    <a:lstStyle/>
+                    <a:p>
+                      <a:endParaRPr lang="zh-CN" altLang="en-US" dirty="0"/>
+                    </a:p>
+                  </a:txBody>
+                  <a:tcPr>
+                    <a:lnL w="12700" cap="flat" cmpd="sng" algn="ctr">
+                      <a:solidFill>
+                        <a:schemeClr val="tx1"/>
+                      </a:solidFill>
+                      <a:prstDash val="solid"/>
+                      <a:round/>
+                      <a:headEnd type="none" w="med" len="med"/>
+                      <a:tailEnd type="none" w="med" len="med"/>
+                    </a:lnL>
+                    <a:lnR w="12700" cap="flat" cmpd="sng" algn="ctr">
+                      <a:noFill/>
+                      <a:prstDash val="solid"/>
+                      <a:round/>
+                      <a:headEnd type="none" w="med" len="med"/>
+                      <a:tailEnd type="none" w="med" len="med"/>
+                    </a:lnR>
+                    <a:lnT w="12700" cap="flat" cmpd="sng" algn="ctr">
+                      <a:solidFill>
+                        <a:schemeClr val="tx1"/>
+                      </a:solidFill>
+                      <a:prstDash val="solid"/>
+                      <a:round/>
+                      <a:headEnd type="none" w="med" len="med"/>
+                      <a:tailEnd type="none" w="med" len="med"/>
+                    </a:lnT>
+                    <a:lnB w="12700" cap="flat" cmpd="sng" algn="ctr">
+                      <a:solidFill>
+                        <a:schemeClr val="tx1"/>
+                      </a:solidFill>
+                      <a:prstDash val="solid"/>
+                      <a:round/>
+                      <a:headEnd type="none" w="med" len="med"/>
+                      <a:tailEnd type="none" w="med" len="med"/>
+                    </a:lnB>
+                    <a:solidFill>
+                      <a:schemeClr val="bg1"/>
+                    </a:solidFill>
+                  </a:tcPr>
+                </a:tc>
+                <a:extLst>
+                  <a:ext uri="{0D108BD9-81ED-4DB2-BD59-A6C34878D82A}">
+                    <a16:rowId xmlns:a16="http://schemas.microsoft.com/office/drawing/2014/main" val="1136481069"/>
+                  </a:ext>
+                </a:extLst>
+              </a:tr>
+            </a:tbl>
+          </a:graphicData>
+        </a:graphic>
+      </p:graphicFrame>
+      <p:graphicFrame>
+        <p:nvGraphicFramePr>
+          <p:cNvPr id="90" name="表格 89"/>
+          <p:cNvGraphicFramePr>
+            <a:graphicFrameLocks noGrp="1"/>
+          </p:cNvGraphicFramePr>
+          <p:nvPr>
+            <p:extLst>
+              <p:ext uri="{D42A27DB-BD31-4B8C-83A1-F6EECF244321}">
+                <p14:modId xmlns:p14="http://schemas.microsoft.com/office/powerpoint/2010/main" val="2940079246"/>
+              </p:ext>
+            </p:extLst>
+          </p:nvPr>
+        </p:nvGraphicFramePr>
+        <p:xfrm>
+          <a:off x="1791969" y="4667691"/>
+          <a:ext cx="1295991" cy="370840"/>
+        </p:xfrm>
+        <a:graphic>
+          <a:graphicData uri="http://schemas.openxmlformats.org/drawingml/2006/table">
+            <a:tbl>
+              <a:tblPr firstRow="1" bandRow="1">
+                <a:tableStyleId>{5C22544A-7EE6-4342-B048-85BDC9FD1C3A}</a:tableStyleId>
+              </a:tblPr>
+              <a:tblGrid>
+                <a:gridCol w="431997">
+                  <a:extLst>
+                    <a:ext uri="{9D8B030D-6E8A-4147-A177-3AD203B41FA5}">
+                      <a16:colId xmlns:a16="http://schemas.microsoft.com/office/drawing/2014/main" val="1645589849"/>
+                    </a:ext>
+                  </a:extLst>
+                </a:gridCol>
+                <a:gridCol w="431997">
+                  <a:extLst>
+                    <a:ext uri="{9D8B030D-6E8A-4147-A177-3AD203B41FA5}">
+                      <a16:colId xmlns:a16="http://schemas.microsoft.com/office/drawing/2014/main" val="3987330782"/>
+                    </a:ext>
+                  </a:extLst>
+                </a:gridCol>
+                <a:gridCol w="431997">
+                  <a:extLst>
+                    <a:ext uri="{9D8B030D-6E8A-4147-A177-3AD203B41FA5}">
+                      <a16:colId xmlns:a16="http://schemas.microsoft.com/office/drawing/2014/main" val="1232745375"/>
+                    </a:ext>
+                  </a:extLst>
+                </a:gridCol>
+              </a:tblGrid>
+              <a:tr h="370840">
+                <a:tc>
+                  <a:txBody>
+                    <a:bodyPr/>
+                    <a:lstStyle/>
+                    <a:p>
+                      <a:endParaRPr lang="zh-CN" altLang="en-US" dirty="0"/>
+                    </a:p>
+                  </a:txBody>
+                  <a:tcPr>
+                    <a:lnL w="12700" cap="flat" cmpd="sng" algn="ctr">
+                      <a:noFill/>
+                      <a:prstDash val="solid"/>
+                      <a:round/>
+                      <a:headEnd type="none" w="med" len="med"/>
+                      <a:tailEnd type="none" w="med" len="med"/>
+                    </a:lnL>
+                    <a:lnR w="12700" cap="flat" cmpd="sng" algn="ctr">
+                      <a:solidFill>
+                        <a:schemeClr val="tx1"/>
+                      </a:solidFill>
+                      <a:prstDash val="solid"/>
+                      <a:round/>
+                      <a:headEnd type="none" w="med" len="med"/>
+                      <a:tailEnd type="none" w="med" len="med"/>
+                    </a:lnR>
+                    <a:lnT w="12700" cap="flat" cmpd="sng" algn="ctr">
+                      <a:solidFill>
+                        <a:schemeClr val="tx1"/>
+                      </a:solidFill>
+                      <a:prstDash val="solid"/>
+                      <a:round/>
+                      <a:headEnd type="none" w="med" len="med"/>
+                      <a:tailEnd type="none" w="med" len="med"/>
+                    </a:lnT>
+                    <a:lnB w="12700" cap="flat" cmpd="sng" algn="ctr">
+                      <a:solidFill>
+                        <a:schemeClr val="tx1"/>
+                      </a:solidFill>
+                      <a:prstDash val="solid"/>
+                      <a:round/>
+                      <a:headEnd type="none" w="med" len="med"/>
+                      <a:tailEnd type="none" w="med" len="med"/>
+                    </a:lnB>
+                    <a:solidFill>
+                      <a:schemeClr val="bg1"/>
+                    </a:solidFill>
+                  </a:tcPr>
+                </a:tc>
+                <a:tc>
+                  <a:txBody>
+                    <a:bodyPr/>
+                    <a:lstStyle/>
+                    <a:p>
+                      <a:pPr algn="ctr"/>
+                      <a:r>
+                        <a:rPr lang="en-US" altLang="zh-CN" dirty="0">
+                          <a:solidFill>
+                            <a:schemeClr val="tx1"/>
+                          </a:solidFill>
+                        </a:rPr>
+                        <a:t>F</a:t>
+                      </a:r>
+                      <a:endParaRPr lang="zh-CN" altLang="en-US" dirty="0">
+                        <a:solidFill>
+                          <a:schemeClr val="tx1"/>
+                        </a:solidFill>
+                      </a:endParaRPr>
+                    </a:p>
+                  </a:txBody>
+                  <a:tcPr>
+                    <a:lnL w="12700" cap="flat" cmpd="sng" algn="ctr">
+                      <a:solidFill>
+                        <a:schemeClr val="tx1"/>
+                      </a:solidFill>
+                      <a:prstDash val="solid"/>
+                      <a:round/>
+                      <a:headEnd type="none" w="med" len="med"/>
+                      <a:tailEnd type="none" w="med" len="med"/>
+                    </a:lnL>
+                    <a:lnR w="12700" cap="flat" cmpd="sng" algn="ctr">
+                      <a:solidFill>
+                        <a:schemeClr val="tx1"/>
+                      </a:solidFill>
+                      <a:prstDash val="solid"/>
+                      <a:round/>
+                      <a:headEnd type="none" w="med" len="med"/>
+                      <a:tailEnd type="none" w="med" len="med"/>
+                    </a:lnR>
+                    <a:lnT w="12700" cap="flat" cmpd="sng" algn="ctr">
+                      <a:solidFill>
+                        <a:schemeClr val="tx1"/>
+                      </a:solidFill>
+                      <a:prstDash val="solid"/>
+                      <a:round/>
+                      <a:headEnd type="none" w="med" len="med"/>
+                      <a:tailEnd type="none" w="med" len="med"/>
+                    </a:lnT>
+                    <a:lnB w="12700" cap="flat" cmpd="sng" algn="ctr">
+                      <a:solidFill>
+                        <a:schemeClr val="tx1"/>
+                      </a:solidFill>
+                      <a:prstDash val="solid"/>
+                      <a:round/>
+                      <a:headEnd type="none" w="med" len="med"/>
+                      <a:tailEnd type="none" w="med" len="med"/>
+                    </a:lnB>
+                    <a:solidFill>
+                      <a:schemeClr val="accent6">
+                        <a:lumMod val="60000"/>
+                        <a:lumOff val="40000"/>
+                      </a:schemeClr>
+                    </a:solidFill>
+                  </a:tcPr>
+                </a:tc>
+                <a:tc>
+                  <a:txBody>
+                    <a:bodyPr/>
+                    <a:lstStyle/>
+                    <a:p>
+                      <a:endParaRPr lang="zh-CN" altLang="en-US" dirty="0"/>
+                    </a:p>
+                  </a:txBody>
+                  <a:tcPr>
+                    <a:lnL w="12700" cap="flat" cmpd="sng" algn="ctr">
+                      <a:solidFill>
+                        <a:schemeClr val="tx1"/>
+                      </a:solidFill>
+                      <a:prstDash val="solid"/>
+                      <a:round/>
+                      <a:headEnd type="none" w="med" len="med"/>
+                      <a:tailEnd type="none" w="med" len="med"/>
+                    </a:lnL>
+                    <a:lnR w="12700" cap="flat" cmpd="sng" algn="ctr">
+                      <a:noFill/>
+                      <a:prstDash val="solid"/>
+                      <a:round/>
+                      <a:headEnd type="none" w="med" len="med"/>
+                      <a:tailEnd type="none" w="med" len="med"/>
+                    </a:lnR>
+                    <a:lnT w="12700" cap="flat" cmpd="sng" algn="ctr">
+                      <a:solidFill>
+                        <a:schemeClr val="tx1"/>
+                      </a:solidFill>
+                      <a:prstDash val="solid"/>
+                      <a:round/>
+                      <a:headEnd type="none" w="med" len="med"/>
+                      <a:tailEnd type="none" w="med" len="med"/>
+                    </a:lnT>
+                    <a:lnB w="12700" cap="flat" cmpd="sng" algn="ctr">
+                      <a:solidFill>
+                        <a:schemeClr val="tx1"/>
+                      </a:solidFill>
+                      <a:prstDash val="solid"/>
+                      <a:round/>
+                      <a:headEnd type="none" w="med" len="med"/>
+                      <a:tailEnd type="none" w="med" len="med"/>
+                    </a:lnB>
+                    <a:solidFill>
+                      <a:schemeClr val="bg1"/>
+                    </a:solidFill>
+                  </a:tcPr>
+                </a:tc>
+                <a:extLst>
+                  <a:ext uri="{0D108BD9-81ED-4DB2-BD59-A6C34878D82A}">
+                    <a16:rowId xmlns:a16="http://schemas.microsoft.com/office/drawing/2014/main" val="1136481069"/>
+                  </a:ext>
+                </a:extLst>
+              </a:tr>
+            </a:tbl>
+          </a:graphicData>
+        </a:graphic>
+      </p:graphicFrame>
+      <p:graphicFrame>
+        <p:nvGraphicFramePr>
+          <p:cNvPr id="91" name="表格 90"/>
+          <p:cNvGraphicFramePr>
+            <a:graphicFrameLocks noGrp="1"/>
+          </p:cNvGraphicFramePr>
+          <p:nvPr>
+            <p:extLst>
+              <p:ext uri="{D42A27DB-BD31-4B8C-83A1-F6EECF244321}">
+                <p14:modId xmlns:p14="http://schemas.microsoft.com/office/powerpoint/2010/main" val="2347110726"/>
+              </p:ext>
+            </p:extLst>
+          </p:nvPr>
+        </p:nvGraphicFramePr>
+        <p:xfrm>
+          <a:off x="1791969" y="5422124"/>
+          <a:ext cx="1295991" cy="370840"/>
+        </p:xfrm>
+        <a:graphic>
+          <a:graphicData uri="http://schemas.openxmlformats.org/drawingml/2006/table">
+            <a:tbl>
+              <a:tblPr firstRow="1" bandRow="1">
+                <a:tableStyleId>{5C22544A-7EE6-4342-B048-85BDC9FD1C3A}</a:tableStyleId>
+              </a:tblPr>
+              <a:tblGrid>
+                <a:gridCol w="431997">
+                  <a:extLst>
+                    <a:ext uri="{9D8B030D-6E8A-4147-A177-3AD203B41FA5}">
+                      <a16:colId xmlns:a16="http://schemas.microsoft.com/office/drawing/2014/main" val="1645589849"/>
+                    </a:ext>
+                  </a:extLst>
+                </a:gridCol>
+                <a:gridCol w="431997">
+                  <a:extLst>
+                    <a:ext uri="{9D8B030D-6E8A-4147-A177-3AD203B41FA5}">
+                      <a16:colId xmlns:a16="http://schemas.microsoft.com/office/drawing/2014/main" val="3987330782"/>
+                    </a:ext>
+                  </a:extLst>
+                </a:gridCol>
+                <a:gridCol w="431997">
+                  <a:extLst>
+                    <a:ext uri="{9D8B030D-6E8A-4147-A177-3AD203B41FA5}">
+                      <a16:colId xmlns:a16="http://schemas.microsoft.com/office/drawing/2014/main" val="1232745375"/>
+                    </a:ext>
+                  </a:extLst>
+                </a:gridCol>
+              </a:tblGrid>
+              <a:tr h="370840">
+                <a:tc>
+                  <a:txBody>
+                    <a:bodyPr/>
+                    <a:lstStyle/>
+                    <a:p>
+                      <a:endParaRPr lang="zh-CN" altLang="en-US" dirty="0"/>
+                    </a:p>
+                  </a:txBody>
+                  <a:tcPr>
+                    <a:lnL w="12700" cap="flat" cmpd="sng" algn="ctr">
+                      <a:noFill/>
+                      <a:prstDash val="solid"/>
+                      <a:round/>
+                      <a:headEnd type="none" w="med" len="med"/>
+                      <a:tailEnd type="none" w="med" len="med"/>
+                    </a:lnL>
+                    <a:lnR w="12700" cap="flat" cmpd="sng" algn="ctr">
+                      <a:solidFill>
+                        <a:schemeClr val="tx1"/>
+                      </a:solidFill>
+                      <a:prstDash val="solid"/>
+                      <a:round/>
+                      <a:headEnd type="none" w="med" len="med"/>
+                      <a:tailEnd type="none" w="med" len="med"/>
+                    </a:lnR>
+                    <a:lnT w="12700" cap="flat" cmpd="sng" algn="ctr">
+                      <a:solidFill>
+                        <a:schemeClr val="tx1"/>
+                      </a:solidFill>
+                      <a:prstDash val="solid"/>
+                      <a:round/>
+                      <a:headEnd type="none" w="med" len="med"/>
+                      <a:tailEnd type="none" w="med" len="med"/>
+                    </a:lnT>
+                    <a:lnB w="12700" cap="flat" cmpd="sng" algn="ctr">
+                      <a:solidFill>
+                        <a:schemeClr val="tx1"/>
+                      </a:solidFill>
+                      <a:prstDash val="solid"/>
+                      <a:round/>
+                      <a:headEnd type="none" w="med" len="med"/>
+                      <a:tailEnd type="none" w="med" len="med"/>
+                    </a:lnB>
+                    <a:solidFill>
+                      <a:schemeClr val="bg1"/>
+                    </a:solidFill>
+                  </a:tcPr>
+                </a:tc>
+                <a:tc>
+                  <a:txBody>
+                    <a:bodyPr/>
+                    <a:lstStyle/>
+                    <a:p>
+                      <a:pPr algn="ctr"/>
+                      <a:endParaRPr lang="zh-CN" altLang="en-US" dirty="0"/>
+                    </a:p>
+                  </a:txBody>
+                  <a:tcPr>
+                    <a:lnL w="12700" cap="flat" cmpd="sng" algn="ctr">
+                      <a:solidFill>
+                        <a:schemeClr val="tx1"/>
+                      </a:solidFill>
+                      <a:prstDash val="solid"/>
+                      <a:round/>
+                      <a:headEnd type="none" w="med" len="med"/>
+                      <a:tailEnd type="none" w="med" len="med"/>
+                    </a:lnL>
+                    <a:lnR w="12700" cap="flat" cmpd="sng" algn="ctr">
+                      <a:solidFill>
+                        <a:schemeClr val="tx1"/>
+                      </a:solidFill>
+                      <a:prstDash val="solid"/>
+                      <a:round/>
+                      <a:headEnd type="none" w="med" len="med"/>
+                      <a:tailEnd type="none" w="med" len="med"/>
+                    </a:lnR>
+                    <a:lnT w="12700" cap="flat" cmpd="sng" algn="ctr">
+                      <a:solidFill>
+                        <a:schemeClr val="tx1"/>
+                      </a:solidFill>
+                      <a:prstDash val="solid"/>
+                      <a:round/>
+                      <a:headEnd type="none" w="med" len="med"/>
+                      <a:tailEnd type="none" w="med" len="med"/>
+                    </a:lnT>
+                    <a:lnB w="12700" cap="flat" cmpd="sng" algn="ctr">
+                      <a:solidFill>
+                        <a:schemeClr val="tx1"/>
+                      </a:solidFill>
+                      <a:prstDash val="solid"/>
+                      <a:round/>
+                      <a:headEnd type="none" w="med" len="med"/>
+                      <a:tailEnd type="none" w="med" len="med"/>
+                    </a:lnB>
+                    <a:solidFill>
+                      <a:schemeClr val="bg1"/>
+                    </a:solidFill>
+                  </a:tcPr>
+                </a:tc>
+                <a:tc>
+                  <a:txBody>
+                    <a:bodyPr/>
+                    <a:lstStyle/>
+                    <a:p>
+                      <a:endParaRPr lang="zh-CN" altLang="en-US" dirty="0"/>
+                    </a:p>
+                  </a:txBody>
+                  <a:tcPr>
+                    <a:lnL w="12700" cap="flat" cmpd="sng" algn="ctr">
+                      <a:solidFill>
+                        <a:schemeClr val="tx1"/>
+                      </a:solidFill>
+                      <a:prstDash val="solid"/>
+                      <a:round/>
+                      <a:headEnd type="none" w="med" len="med"/>
+                      <a:tailEnd type="none" w="med" len="med"/>
+                    </a:lnL>
+                    <a:lnR w="12700" cap="flat" cmpd="sng" algn="ctr">
+                      <a:noFill/>
+                      <a:prstDash val="solid"/>
+                      <a:round/>
+                      <a:headEnd type="none" w="med" len="med"/>
+                      <a:tailEnd type="none" w="med" len="med"/>
+                    </a:lnR>
+                    <a:lnT w="12700" cap="flat" cmpd="sng" algn="ctr">
+                      <a:solidFill>
+                        <a:schemeClr val="tx1"/>
+                      </a:solidFill>
+                      <a:prstDash val="solid"/>
+                      <a:round/>
+                      <a:headEnd type="none" w="med" len="med"/>
+                      <a:tailEnd type="none" w="med" len="med"/>
+                    </a:lnT>
+                    <a:lnB w="12700" cap="flat" cmpd="sng" algn="ctr">
+                      <a:solidFill>
+                        <a:schemeClr val="tx1"/>
+                      </a:solidFill>
+                      <a:prstDash val="solid"/>
+                      <a:round/>
+                      <a:headEnd type="none" w="med" len="med"/>
+                      <a:tailEnd type="none" w="med" len="med"/>
+                    </a:lnB>
+                    <a:solidFill>
+                      <a:schemeClr val="bg1"/>
+                    </a:solidFill>
+                  </a:tcPr>
+                </a:tc>
+                <a:extLst>
+                  <a:ext uri="{0D108BD9-81ED-4DB2-BD59-A6C34878D82A}">
+                    <a16:rowId xmlns:a16="http://schemas.microsoft.com/office/drawing/2014/main" val="1136481069"/>
+                  </a:ext>
+                </a:extLst>
+              </a:tr>
+            </a:tbl>
+          </a:graphicData>
+        </a:graphic>
+      </p:graphicFrame>
+      <p:sp>
+        <p:nvSpPr>
+          <p:cNvPr id="92" name="文本框 91"/>
+          <p:cNvSpPr txBox="1"/>
+          <p:nvPr/>
+        </p:nvSpPr>
+        <p:spPr>
+          <a:xfrm>
+            <a:off x="1766542" y="5914947"/>
+            <a:ext cx="1346844" cy="523220"/>
+          </a:xfrm>
+          <a:prstGeom prst="rect">
+            <a:avLst/>
+          </a:prstGeom>
+          <a:noFill/>
+        </p:spPr>
+        <p:txBody>
+          <a:bodyPr wrap="none" rtlCol="0">
+            <a:spAutoFit/>
+          </a:bodyPr>
+          <a:lstStyle/>
+          <a:p>
+            <a:r>
+              <a:rPr lang="en-US" altLang="zh-CN" sz="1400" dirty="0"/>
+              <a:t>F</a:t>
+            </a:r>
+            <a:r>
+              <a:rPr lang="zh-CN" altLang="en-US" sz="1400" dirty="0"/>
+              <a:t>拥有析构方法</a:t>
+            </a:r>
+            <a:endParaRPr lang="en-US" altLang="zh-CN" sz="1400" dirty="0"/>
+          </a:p>
+          <a:p>
+            <a:pPr algn="ctr"/>
+            <a:r>
+              <a:rPr lang="zh-CN" altLang="en-US" sz="1400" dirty="0"/>
+              <a:t>添加到</a:t>
+            </a:r>
+            <a:r>
+              <a:rPr lang="en-US" altLang="zh-CN" sz="1400" dirty="0"/>
+              <a:t>F-List</a:t>
+            </a:r>
+            <a:endParaRPr lang="zh-CN" altLang="en-US" sz="1400" dirty="0"/>
+          </a:p>
+        </p:txBody>
+      </p:sp>
+      <p:sp>
+        <p:nvSpPr>
+          <p:cNvPr id="93" name="文本框 92"/>
+          <p:cNvSpPr txBox="1"/>
+          <p:nvPr/>
+        </p:nvSpPr>
+        <p:spPr>
+          <a:xfrm>
+            <a:off x="4336338" y="3415206"/>
+            <a:ext cx="1218603" cy="369332"/>
+          </a:xfrm>
+          <a:prstGeom prst="rect">
+            <a:avLst/>
+          </a:prstGeom>
+          <a:noFill/>
+        </p:spPr>
+        <p:txBody>
+          <a:bodyPr wrap="none" rtlCol="0">
+            <a:spAutoFit/>
+          </a:bodyPr>
+          <a:lstStyle/>
+          <a:p>
+            <a:pPr algn="ctr"/>
+            <a:r>
+              <a:rPr lang="en-US" altLang="zh-CN" dirty="0"/>
+              <a:t>F</a:t>
+            </a:r>
+            <a:r>
+              <a:rPr lang="zh-CN" altLang="en-US" dirty="0"/>
+              <a:t>首次回收</a:t>
+            </a:r>
+          </a:p>
+        </p:txBody>
+      </p:sp>
+      <p:graphicFrame>
+        <p:nvGraphicFramePr>
+          <p:cNvPr id="94" name="表格 93"/>
+          <p:cNvGraphicFramePr>
+            <a:graphicFrameLocks noGrp="1"/>
+          </p:cNvGraphicFramePr>
+          <p:nvPr>
+            <p:extLst>
+              <p:ext uri="{D42A27DB-BD31-4B8C-83A1-F6EECF244321}">
+                <p14:modId xmlns:p14="http://schemas.microsoft.com/office/powerpoint/2010/main" val="2736452659"/>
+              </p:ext>
+            </p:extLst>
+          </p:nvPr>
+        </p:nvGraphicFramePr>
+        <p:xfrm>
+          <a:off x="4297644" y="3955309"/>
+          <a:ext cx="1295991" cy="370840"/>
+        </p:xfrm>
+        <a:graphic>
+          <a:graphicData uri="http://schemas.openxmlformats.org/drawingml/2006/table">
+            <a:tbl>
+              <a:tblPr firstRow="1" bandRow="1">
+                <a:tableStyleId>{5C22544A-7EE6-4342-B048-85BDC9FD1C3A}</a:tableStyleId>
+              </a:tblPr>
+              <a:tblGrid>
+                <a:gridCol w="431997">
+                  <a:extLst>
+                    <a:ext uri="{9D8B030D-6E8A-4147-A177-3AD203B41FA5}">
+                      <a16:colId xmlns:a16="http://schemas.microsoft.com/office/drawing/2014/main" val="1645589849"/>
+                    </a:ext>
+                  </a:extLst>
+                </a:gridCol>
+                <a:gridCol w="431997">
+                  <a:extLst>
+                    <a:ext uri="{9D8B030D-6E8A-4147-A177-3AD203B41FA5}">
+                      <a16:colId xmlns:a16="http://schemas.microsoft.com/office/drawing/2014/main" val="3987330782"/>
+                    </a:ext>
+                  </a:extLst>
+                </a:gridCol>
+                <a:gridCol w="431997">
+                  <a:extLst>
+                    <a:ext uri="{9D8B030D-6E8A-4147-A177-3AD203B41FA5}">
+                      <a16:colId xmlns:a16="http://schemas.microsoft.com/office/drawing/2014/main" val="1232745375"/>
+                    </a:ext>
+                  </a:extLst>
+                </a:gridCol>
+              </a:tblGrid>
+              <a:tr h="370840">
+                <a:tc>
+                  <a:txBody>
+                    <a:bodyPr/>
+                    <a:lstStyle/>
+                    <a:p>
+                      <a:endParaRPr lang="zh-CN" altLang="en-US" dirty="0"/>
+                    </a:p>
+                  </a:txBody>
+                  <a:tcPr>
+                    <a:lnL w="12700" cap="flat" cmpd="sng" algn="ctr">
+                      <a:noFill/>
+                      <a:prstDash val="solid"/>
+                      <a:round/>
+                      <a:headEnd type="none" w="med" len="med"/>
+                      <a:tailEnd type="none" w="med" len="med"/>
+                    </a:lnL>
+                    <a:lnR w="12700" cap="flat" cmpd="sng" algn="ctr">
+                      <a:solidFill>
+                        <a:schemeClr val="tx1"/>
+                      </a:solidFill>
+                      <a:prstDash val="solid"/>
+                      <a:round/>
+                      <a:headEnd type="none" w="med" len="med"/>
+                      <a:tailEnd type="none" w="med" len="med"/>
+                    </a:lnR>
+                    <a:lnT w="12700" cap="flat" cmpd="sng" algn="ctr">
+                      <a:solidFill>
+                        <a:schemeClr val="tx1"/>
+                      </a:solidFill>
+                      <a:prstDash val="solid"/>
+                      <a:round/>
+                      <a:headEnd type="none" w="med" len="med"/>
+                      <a:tailEnd type="none" w="med" len="med"/>
+                    </a:lnT>
+                    <a:lnB w="12700" cap="flat" cmpd="sng" algn="ctr">
+                      <a:solidFill>
+                        <a:schemeClr val="tx1"/>
+                      </a:solidFill>
+                      <a:prstDash val="solid"/>
+                      <a:round/>
+                      <a:headEnd type="none" w="med" len="med"/>
+                      <a:tailEnd type="none" w="med" len="med"/>
+                    </a:lnB>
+                    <a:solidFill>
+                      <a:schemeClr val="bg1"/>
+                    </a:solidFill>
+                  </a:tcPr>
+                </a:tc>
+                <a:tc>
+                  <a:txBody>
+                    <a:bodyPr/>
+                    <a:lstStyle/>
+                    <a:p>
+                      <a:pPr algn="ctr"/>
+                      <a:r>
+                        <a:rPr lang="en-US" altLang="zh-CN" dirty="0">
+                          <a:solidFill>
+                            <a:schemeClr val="tx1"/>
+                          </a:solidFill>
+                        </a:rPr>
+                        <a:t>F</a:t>
+                      </a:r>
+                      <a:endParaRPr lang="zh-CN" altLang="en-US" dirty="0">
+                        <a:solidFill>
+                          <a:schemeClr val="tx1"/>
+                        </a:solidFill>
+                      </a:endParaRPr>
+                    </a:p>
+                  </a:txBody>
+                  <a:tcPr>
+                    <a:lnL w="12700" cap="flat" cmpd="sng" algn="ctr">
+                      <a:solidFill>
+                        <a:schemeClr val="tx1"/>
+                      </a:solidFill>
+                      <a:prstDash val="solid"/>
+                      <a:round/>
+                      <a:headEnd type="none" w="med" len="med"/>
+                      <a:tailEnd type="none" w="med" len="med"/>
+                    </a:lnL>
+                    <a:lnR w="12700" cap="flat" cmpd="sng" algn="ctr">
+                      <a:solidFill>
+                        <a:schemeClr val="tx1"/>
+                      </a:solidFill>
+                      <a:prstDash val="solid"/>
+                      <a:round/>
+                      <a:headEnd type="none" w="med" len="med"/>
+                      <a:tailEnd type="none" w="med" len="med"/>
+                    </a:lnR>
+                    <a:lnT w="12700" cap="flat" cmpd="sng" algn="ctr">
+                      <a:solidFill>
+                        <a:schemeClr val="tx1"/>
+                      </a:solidFill>
+                      <a:prstDash val="solid"/>
+                      <a:round/>
+                      <a:headEnd type="none" w="med" len="med"/>
+                      <a:tailEnd type="none" w="med" len="med"/>
+                    </a:lnT>
+                    <a:lnB w="12700" cap="flat" cmpd="sng" algn="ctr">
+                      <a:solidFill>
+                        <a:schemeClr val="tx1"/>
+                      </a:solidFill>
+                      <a:prstDash val="solid"/>
+                      <a:round/>
+                      <a:headEnd type="none" w="med" len="med"/>
+                      <a:tailEnd type="none" w="med" len="med"/>
+                    </a:lnB>
+                    <a:solidFill>
+                      <a:schemeClr val="accent5">
+                        <a:lumMod val="40000"/>
+                        <a:lumOff val="60000"/>
+                      </a:schemeClr>
+                    </a:solidFill>
+                  </a:tcPr>
+                </a:tc>
+                <a:tc>
+                  <a:txBody>
+                    <a:bodyPr/>
+                    <a:lstStyle/>
+                    <a:p>
+                      <a:endParaRPr lang="zh-CN" altLang="en-US" dirty="0"/>
+                    </a:p>
+                  </a:txBody>
+                  <a:tcPr>
+                    <a:lnL w="12700" cap="flat" cmpd="sng" algn="ctr">
+                      <a:solidFill>
+                        <a:schemeClr val="tx1"/>
+                      </a:solidFill>
+                      <a:prstDash val="solid"/>
+                      <a:round/>
+                      <a:headEnd type="none" w="med" len="med"/>
+                      <a:tailEnd type="none" w="med" len="med"/>
+                    </a:lnL>
+                    <a:lnR w="12700" cap="flat" cmpd="sng" algn="ctr">
+                      <a:noFill/>
+                      <a:prstDash val="solid"/>
+                      <a:round/>
+                      <a:headEnd type="none" w="med" len="med"/>
+                      <a:tailEnd type="none" w="med" len="med"/>
+                    </a:lnR>
+                    <a:lnT w="12700" cap="flat" cmpd="sng" algn="ctr">
+                      <a:solidFill>
+                        <a:schemeClr val="tx1"/>
+                      </a:solidFill>
+                      <a:prstDash val="solid"/>
+                      <a:round/>
+                      <a:headEnd type="none" w="med" len="med"/>
+                      <a:tailEnd type="none" w="med" len="med"/>
+                    </a:lnT>
+                    <a:lnB w="12700" cap="flat" cmpd="sng" algn="ctr">
+                      <a:solidFill>
+                        <a:schemeClr val="tx1"/>
+                      </a:solidFill>
+                      <a:prstDash val="solid"/>
+                      <a:round/>
+                      <a:headEnd type="none" w="med" len="med"/>
+                      <a:tailEnd type="none" w="med" len="med"/>
+                    </a:lnB>
+                    <a:solidFill>
+                      <a:schemeClr val="bg1"/>
+                    </a:solidFill>
+                  </a:tcPr>
+                </a:tc>
+                <a:extLst>
+                  <a:ext uri="{0D108BD9-81ED-4DB2-BD59-A6C34878D82A}">
+                    <a16:rowId xmlns:a16="http://schemas.microsoft.com/office/drawing/2014/main" val="1136481069"/>
+                  </a:ext>
+                </a:extLst>
+              </a:tr>
+            </a:tbl>
+          </a:graphicData>
+        </a:graphic>
+      </p:graphicFrame>
+      <p:graphicFrame>
+        <p:nvGraphicFramePr>
+          <p:cNvPr id="95" name="表格 94"/>
+          <p:cNvGraphicFramePr>
+            <a:graphicFrameLocks noGrp="1"/>
+          </p:cNvGraphicFramePr>
+          <p:nvPr>
+            <p:extLst>
+              <p:ext uri="{D42A27DB-BD31-4B8C-83A1-F6EECF244321}">
+                <p14:modId xmlns:p14="http://schemas.microsoft.com/office/powerpoint/2010/main" val="4163828970"/>
+              </p:ext>
+            </p:extLst>
+          </p:nvPr>
+        </p:nvGraphicFramePr>
+        <p:xfrm>
+          <a:off x="4297644" y="4667691"/>
+          <a:ext cx="1295991" cy="370840"/>
+        </p:xfrm>
+        <a:graphic>
+          <a:graphicData uri="http://schemas.openxmlformats.org/drawingml/2006/table">
+            <a:tbl>
+              <a:tblPr firstRow="1" bandRow="1">
+                <a:tableStyleId>{5C22544A-7EE6-4342-B048-85BDC9FD1C3A}</a:tableStyleId>
+              </a:tblPr>
+              <a:tblGrid>
+                <a:gridCol w="431997">
+                  <a:extLst>
+                    <a:ext uri="{9D8B030D-6E8A-4147-A177-3AD203B41FA5}">
+                      <a16:colId xmlns:a16="http://schemas.microsoft.com/office/drawing/2014/main" val="1645589849"/>
+                    </a:ext>
+                  </a:extLst>
+                </a:gridCol>
+                <a:gridCol w="431997">
+                  <a:extLst>
+                    <a:ext uri="{9D8B030D-6E8A-4147-A177-3AD203B41FA5}">
+                      <a16:colId xmlns:a16="http://schemas.microsoft.com/office/drawing/2014/main" val="3987330782"/>
+                    </a:ext>
+                  </a:extLst>
+                </a:gridCol>
+                <a:gridCol w="431997">
+                  <a:extLst>
+                    <a:ext uri="{9D8B030D-6E8A-4147-A177-3AD203B41FA5}">
+                      <a16:colId xmlns:a16="http://schemas.microsoft.com/office/drawing/2014/main" val="1232745375"/>
+                    </a:ext>
+                  </a:extLst>
+                </a:gridCol>
+              </a:tblGrid>
+              <a:tr h="370840">
+                <a:tc>
+                  <a:txBody>
+                    <a:bodyPr/>
+                    <a:lstStyle/>
+                    <a:p>
+                      <a:endParaRPr lang="zh-CN" altLang="en-US" dirty="0"/>
+                    </a:p>
+                  </a:txBody>
+                  <a:tcPr>
+                    <a:lnL w="12700" cap="flat" cmpd="sng" algn="ctr">
+                      <a:noFill/>
+                      <a:prstDash val="solid"/>
+                      <a:round/>
+                      <a:headEnd type="none" w="med" len="med"/>
+                      <a:tailEnd type="none" w="med" len="med"/>
+                    </a:lnL>
+                    <a:lnR w="12700" cap="flat" cmpd="sng" algn="ctr">
+                      <a:solidFill>
+                        <a:schemeClr val="tx1"/>
+                      </a:solidFill>
+                      <a:prstDash val="solid"/>
+                      <a:round/>
+                      <a:headEnd type="none" w="med" len="med"/>
+                      <a:tailEnd type="none" w="med" len="med"/>
+                    </a:lnR>
+                    <a:lnT w="12700" cap="flat" cmpd="sng" algn="ctr">
+                      <a:solidFill>
+                        <a:schemeClr val="tx1"/>
+                      </a:solidFill>
+                      <a:prstDash val="solid"/>
+                      <a:round/>
+                      <a:headEnd type="none" w="med" len="med"/>
+                      <a:tailEnd type="none" w="med" len="med"/>
+                    </a:lnT>
+                    <a:lnB w="12700" cap="flat" cmpd="sng" algn="ctr">
+                      <a:solidFill>
+                        <a:schemeClr val="tx1"/>
+                      </a:solidFill>
+                      <a:prstDash val="solid"/>
+                      <a:round/>
+                      <a:headEnd type="none" w="med" len="med"/>
+                      <a:tailEnd type="none" w="med" len="med"/>
+                    </a:lnB>
+                    <a:solidFill>
+                      <a:schemeClr val="bg1"/>
+                    </a:solidFill>
+                  </a:tcPr>
+                </a:tc>
+                <a:tc>
+                  <a:txBody>
+                    <a:bodyPr/>
+                    <a:lstStyle/>
+                    <a:p>
+                      <a:pPr algn="ctr"/>
+                      <a:endParaRPr lang="zh-CN" altLang="en-US" dirty="0">
+                        <a:solidFill>
+                          <a:schemeClr val="tx1"/>
+                        </a:solidFill>
+                      </a:endParaRPr>
+                    </a:p>
+                  </a:txBody>
+                  <a:tcPr>
+                    <a:lnL w="12700" cap="flat" cmpd="sng" algn="ctr">
+                      <a:solidFill>
+                        <a:schemeClr val="tx1"/>
+                      </a:solidFill>
+                      <a:prstDash val="solid"/>
+                      <a:round/>
+                      <a:headEnd type="none" w="med" len="med"/>
+                      <a:tailEnd type="none" w="med" len="med"/>
+                    </a:lnL>
+                    <a:lnR w="12700" cap="flat" cmpd="sng" algn="ctr">
+                      <a:solidFill>
+                        <a:schemeClr val="tx1"/>
+                      </a:solidFill>
+                      <a:prstDash val="solid"/>
+                      <a:round/>
+                      <a:headEnd type="none" w="med" len="med"/>
+                      <a:tailEnd type="none" w="med" len="med"/>
+                    </a:lnR>
+                    <a:lnT w="12700" cap="flat" cmpd="sng" algn="ctr">
+                      <a:solidFill>
+                        <a:schemeClr val="tx1"/>
+                      </a:solidFill>
+                      <a:prstDash val="solid"/>
+                      <a:round/>
+                      <a:headEnd type="none" w="med" len="med"/>
+                      <a:tailEnd type="none" w="med" len="med"/>
+                    </a:lnT>
+                    <a:lnB w="12700" cap="flat" cmpd="sng" algn="ctr">
+                      <a:solidFill>
+                        <a:schemeClr val="tx1"/>
+                      </a:solidFill>
+                      <a:prstDash val="solid"/>
+                      <a:round/>
+                      <a:headEnd type="none" w="med" len="med"/>
+                      <a:tailEnd type="none" w="med" len="med"/>
+                    </a:lnB>
+                    <a:solidFill>
+                      <a:schemeClr val="accent6">
+                        <a:lumMod val="20000"/>
+                        <a:lumOff val="80000"/>
+                      </a:schemeClr>
+                    </a:solidFill>
+                  </a:tcPr>
+                </a:tc>
+                <a:tc>
+                  <a:txBody>
+                    <a:bodyPr/>
+                    <a:lstStyle/>
+                    <a:p>
+                      <a:endParaRPr lang="zh-CN" altLang="en-US" dirty="0"/>
+                    </a:p>
+                  </a:txBody>
+                  <a:tcPr>
+                    <a:lnL w="12700" cap="flat" cmpd="sng" algn="ctr">
+                      <a:solidFill>
+                        <a:schemeClr val="tx1"/>
+                      </a:solidFill>
+                      <a:prstDash val="solid"/>
+                      <a:round/>
+                      <a:headEnd type="none" w="med" len="med"/>
+                      <a:tailEnd type="none" w="med" len="med"/>
+                    </a:lnL>
+                    <a:lnR w="12700" cap="flat" cmpd="sng" algn="ctr">
+                      <a:noFill/>
+                      <a:prstDash val="solid"/>
+                      <a:round/>
+                      <a:headEnd type="none" w="med" len="med"/>
+                      <a:tailEnd type="none" w="med" len="med"/>
+                    </a:lnR>
+                    <a:lnT w="12700" cap="flat" cmpd="sng" algn="ctr">
+                      <a:solidFill>
+                        <a:schemeClr val="tx1"/>
+                      </a:solidFill>
+                      <a:prstDash val="solid"/>
+                      <a:round/>
+                      <a:headEnd type="none" w="med" len="med"/>
+                      <a:tailEnd type="none" w="med" len="med"/>
+                    </a:lnT>
+                    <a:lnB w="12700" cap="flat" cmpd="sng" algn="ctr">
+                      <a:solidFill>
+                        <a:schemeClr val="tx1"/>
+                      </a:solidFill>
+                      <a:prstDash val="solid"/>
+                      <a:round/>
+                      <a:headEnd type="none" w="med" len="med"/>
+                      <a:tailEnd type="none" w="med" len="med"/>
+                    </a:lnB>
+                    <a:solidFill>
+                      <a:schemeClr val="bg1"/>
+                    </a:solidFill>
+                  </a:tcPr>
+                </a:tc>
+                <a:extLst>
+                  <a:ext uri="{0D108BD9-81ED-4DB2-BD59-A6C34878D82A}">
+                    <a16:rowId xmlns:a16="http://schemas.microsoft.com/office/drawing/2014/main" val="1136481069"/>
+                  </a:ext>
+                </a:extLst>
+              </a:tr>
+            </a:tbl>
+          </a:graphicData>
+        </a:graphic>
+      </p:graphicFrame>
+      <p:graphicFrame>
+        <p:nvGraphicFramePr>
+          <p:cNvPr id="96" name="表格 95"/>
+          <p:cNvGraphicFramePr>
+            <a:graphicFrameLocks noGrp="1"/>
+          </p:cNvGraphicFramePr>
+          <p:nvPr>
+            <p:extLst>
+              <p:ext uri="{D42A27DB-BD31-4B8C-83A1-F6EECF244321}">
+                <p14:modId xmlns:p14="http://schemas.microsoft.com/office/powerpoint/2010/main" val="3502490461"/>
+              </p:ext>
+            </p:extLst>
+          </p:nvPr>
+        </p:nvGraphicFramePr>
+        <p:xfrm>
+          <a:off x="4297644" y="5422124"/>
+          <a:ext cx="1295991" cy="370840"/>
+        </p:xfrm>
+        <a:graphic>
+          <a:graphicData uri="http://schemas.openxmlformats.org/drawingml/2006/table">
+            <a:tbl>
+              <a:tblPr firstRow="1" bandRow="1">
+                <a:tableStyleId>{5C22544A-7EE6-4342-B048-85BDC9FD1C3A}</a:tableStyleId>
+              </a:tblPr>
+              <a:tblGrid>
+                <a:gridCol w="431997">
+                  <a:extLst>
+                    <a:ext uri="{9D8B030D-6E8A-4147-A177-3AD203B41FA5}">
+                      <a16:colId xmlns:a16="http://schemas.microsoft.com/office/drawing/2014/main" val="1645589849"/>
+                    </a:ext>
+                  </a:extLst>
+                </a:gridCol>
+                <a:gridCol w="431997">
+                  <a:extLst>
+                    <a:ext uri="{9D8B030D-6E8A-4147-A177-3AD203B41FA5}">
+                      <a16:colId xmlns:a16="http://schemas.microsoft.com/office/drawing/2014/main" val="3987330782"/>
+                    </a:ext>
+                  </a:extLst>
+                </a:gridCol>
+                <a:gridCol w="431997">
+                  <a:extLst>
+                    <a:ext uri="{9D8B030D-6E8A-4147-A177-3AD203B41FA5}">
+                      <a16:colId xmlns:a16="http://schemas.microsoft.com/office/drawing/2014/main" val="1232745375"/>
+                    </a:ext>
+                  </a:extLst>
+                </a:gridCol>
+              </a:tblGrid>
+              <a:tr h="370840">
+                <a:tc>
+                  <a:txBody>
+                    <a:bodyPr/>
+                    <a:lstStyle/>
+                    <a:p>
+                      <a:endParaRPr lang="zh-CN" altLang="en-US" dirty="0"/>
+                    </a:p>
+                  </a:txBody>
+                  <a:tcPr>
+                    <a:lnL w="12700" cap="flat" cmpd="sng" algn="ctr">
+                      <a:noFill/>
+                      <a:prstDash val="solid"/>
+                      <a:round/>
+                      <a:headEnd type="none" w="med" len="med"/>
+                      <a:tailEnd type="none" w="med" len="med"/>
+                    </a:lnL>
+                    <a:lnR w="12700" cap="flat" cmpd="sng" algn="ctr">
+                      <a:solidFill>
+                        <a:schemeClr val="tx1"/>
+                      </a:solidFill>
+                      <a:prstDash val="solid"/>
+                      <a:round/>
+                      <a:headEnd type="none" w="med" len="med"/>
+                      <a:tailEnd type="none" w="med" len="med"/>
+                    </a:lnR>
+                    <a:lnT w="12700" cap="flat" cmpd="sng" algn="ctr">
+                      <a:solidFill>
+                        <a:schemeClr val="tx1"/>
+                      </a:solidFill>
+                      <a:prstDash val="solid"/>
+                      <a:round/>
+                      <a:headEnd type="none" w="med" len="med"/>
+                      <a:tailEnd type="none" w="med" len="med"/>
+                    </a:lnT>
+                    <a:lnB w="12700" cap="flat" cmpd="sng" algn="ctr">
+                      <a:solidFill>
+                        <a:schemeClr val="tx1"/>
+                      </a:solidFill>
+                      <a:prstDash val="solid"/>
+                      <a:round/>
+                      <a:headEnd type="none" w="med" len="med"/>
+                      <a:tailEnd type="none" w="med" len="med"/>
+                    </a:lnB>
+                    <a:solidFill>
+                      <a:schemeClr val="bg1"/>
+                    </a:solidFill>
+                  </a:tcPr>
+                </a:tc>
+                <a:tc>
+                  <a:txBody>
+                    <a:bodyPr/>
+                    <a:lstStyle/>
+                    <a:p>
+                      <a:pPr algn="ctr"/>
+                      <a:r>
+                        <a:rPr lang="en-US" altLang="zh-CN" dirty="0">
+                          <a:solidFill>
+                            <a:schemeClr val="tx1"/>
+                          </a:solidFill>
+                        </a:rPr>
+                        <a:t>F</a:t>
+                      </a:r>
+                      <a:endParaRPr lang="zh-CN" altLang="en-US" dirty="0">
+                        <a:solidFill>
+                          <a:schemeClr val="tx1"/>
+                        </a:solidFill>
+                      </a:endParaRPr>
+                    </a:p>
+                  </a:txBody>
+                  <a:tcPr>
+                    <a:lnL w="12700" cap="flat" cmpd="sng" algn="ctr">
+                      <a:solidFill>
+                        <a:schemeClr val="tx1"/>
+                      </a:solidFill>
+                      <a:prstDash val="solid"/>
+                      <a:round/>
+                      <a:headEnd type="none" w="med" len="med"/>
+                      <a:tailEnd type="none" w="med" len="med"/>
+                    </a:lnL>
+                    <a:lnR w="12700" cap="flat" cmpd="sng" algn="ctr">
+                      <a:solidFill>
+                        <a:schemeClr val="tx1"/>
+                      </a:solidFill>
+                      <a:prstDash val="solid"/>
+                      <a:round/>
+                      <a:headEnd type="none" w="med" len="med"/>
+                      <a:tailEnd type="none" w="med" len="med"/>
+                    </a:lnR>
+                    <a:lnT w="12700" cap="flat" cmpd="sng" algn="ctr">
+                      <a:solidFill>
+                        <a:schemeClr val="tx1"/>
+                      </a:solidFill>
+                      <a:prstDash val="solid"/>
+                      <a:round/>
+                      <a:headEnd type="none" w="med" len="med"/>
+                      <a:tailEnd type="none" w="med" len="med"/>
+                    </a:lnT>
+                    <a:lnB w="12700" cap="flat" cmpd="sng" algn="ctr">
+                      <a:solidFill>
+                        <a:schemeClr val="tx1"/>
+                      </a:solidFill>
+                      <a:prstDash val="solid"/>
+                      <a:round/>
+                      <a:headEnd type="none" w="med" len="med"/>
+                      <a:tailEnd type="none" w="med" len="med"/>
+                    </a:lnB>
+                    <a:solidFill>
+                      <a:schemeClr val="accent2">
+                        <a:lumMod val="40000"/>
+                        <a:lumOff val="60000"/>
+                      </a:schemeClr>
+                    </a:solidFill>
+                  </a:tcPr>
+                </a:tc>
+                <a:tc>
+                  <a:txBody>
+                    <a:bodyPr/>
+                    <a:lstStyle/>
+                    <a:p>
+                      <a:endParaRPr lang="zh-CN" altLang="en-US" dirty="0"/>
+                    </a:p>
+                  </a:txBody>
+                  <a:tcPr>
+                    <a:lnL w="12700" cap="flat" cmpd="sng" algn="ctr">
+                      <a:solidFill>
+                        <a:schemeClr val="tx1"/>
+                      </a:solidFill>
+                      <a:prstDash val="solid"/>
+                      <a:round/>
+                      <a:headEnd type="none" w="med" len="med"/>
+                      <a:tailEnd type="none" w="med" len="med"/>
+                    </a:lnL>
+                    <a:lnR w="12700" cap="flat" cmpd="sng" algn="ctr">
+                      <a:noFill/>
+                      <a:prstDash val="solid"/>
+                      <a:round/>
+                      <a:headEnd type="none" w="med" len="med"/>
+                      <a:tailEnd type="none" w="med" len="med"/>
+                    </a:lnR>
+                    <a:lnT w="12700" cap="flat" cmpd="sng" algn="ctr">
+                      <a:solidFill>
+                        <a:schemeClr val="tx1"/>
+                      </a:solidFill>
+                      <a:prstDash val="solid"/>
+                      <a:round/>
+                      <a:headEnd type="none" w="med" len="med"/>
+                      <a:tailEnd type="none" w="med" len="med"/>
+                    </a:lnT>
+                    <a:lnB w="12700" cap="flat" cmpd="sng" algn="ctr">
+                      <a:solidFill>
+                        <a:schemeClr val="tx1"/>
+                      </a:solidFill>
+                      <a:prstDash val="solid"/>
+                      <a:round/>
+                      <a:headEnd type="none" w="med" len="med"/>
+                      <a:tailEnd type="none" w="med" len="med"/>
+                    </a:lnB>
+                    <a:solidFill>
+                      <a:schemeClr val="bg1"/>
+                    </a:solidFill>
+                  </a:tcPr>
+                </a:tc>
+                <a:extLst>
+                  <a:ext uri="{0D108BD9-81ED-4DB2-BD59-A6C34878D82A}">
+                    <a16:rowId xmlns:a16="http://schemas.microsoft.com/office/drawing/2014/main" val="1136481069"/>
+                  </a:ext>
+                </a:extLst>
+              </a:tr>
+            </a:tbl>
+          </a:graphicData>
+        </a:graphic>
+      </p:graphicFrame>
+      <p:sp>
+        <p:nvSpPr>
+          <p:cNvPr id="97" name="箭头: 下 96"/>
+          <p:cNvSpPr/>
+          <p:nvPr/>
+        </p:nvSpPr>
+        <p:spPr>
+          <a:xfrm>
+            <a:off x="2370852" y="4380690"/>
+            <a:ext cx="138224" cy="210378"/>
+          </a:xfrm>
+          <a:prstGeom prst="downArrow">
+            <a:avLst/>
+          </a:prstGeom>
+        </p:spPr>
+        <p:style>
+          <a:lnRef idx="2">
+            <a:schemeClr val="accent1">
+              <a:shade val="50000"/>
+            </a:schemeClr>
+          </a:lnRef>
+          <a:fillRef idx="1">
+            <a:schemeClr val="accent1"/>
+          </a:fillRef>
+          <a:effectRef idx="0">
+            <a:schemeClr val="accent1"/>
+          </a:effectRef>
+          <a:fontRef idx="minor">
+            <a:schemeClr val="lt1"/>
+          </a:fontRef>
+        </p:style>
+        <p:txBody>
+          <a:bodyPr rtlCol="0" anchor="ctr"/>
+          <a:lstStyle/>
+          <a:p>
+            <a:pPr algn="ctr"/>
+            <a:endParaRPr lang="zh-CN" altLang="en-US"/>
+          </a:p>
+        </p:txBody>
+      </p:sp>
+      <p:sp>
+        <p:nvSpPr>
+          <p:cNvPr id="98" name="箭头: 下 97"/>
+          <p:cNvSpPr/>
+          <p:nvPr/>
+        </p:nvSpPr>
+        <p:spPr>
+          <a:xfrm>
+            <a:off x="4865894" y="5125138"/>
+            <a:ext cx="138224" cy="210378"/>
+          </a:xfrm>
+          <a:prstGeom prst="downArrow">
+            <a:avLst/>
+          </a:prstGeom>
+        </p:spPr>
+        <p:style>
+          <a:lnRef idx="2">
+            <a:schemeClr val="accent1">
+              <a:shade val="50000"/>
+            </a:schemeClr>
+          </a:lnRef>
+          <a:fillRef idx="1">
+            <a:schemeClr val="accent1"/>
+          </a:fillRef>
+          <a:effectRef idx="0">
+            <a:schemeClr val="accent1"/>
+          </a:effectRef>
+          <a:fontRef idx="minor">
+            <a:schemeClr val="lt1"/>
+          </a:fontRef>
+        </p:style>
+        <p:txBody>
+          <a:bodyPr rtlCol="0" anchor="ctr"/>
+          <a:lstStyle/>
+          <a:p>
+            <a:pPr algn="ctr"/>
+            <a:endParaRPr lang="zh-CN" altLang="en-US"/>
+          </a:p>
+        </p:txBody>
+      </p:sp>
+      <p:sp>
+        <p:nvSpPr>
+          <p:cNvPr id="99" name="文本框 98"/>
+          <p:cNvSpPr txBox="1"/>
+          <p:nvPr/>
+        </p:nvSpPr>
+        <p:spPr>
+          <a:xfrm>
+            <a:off x="3667885" y="5914947"/>
+            <a:ext cx="2555508" cy="523220"/>
+          </a:xfrm>
+          <a:prstGeom prst="rect">
+            <a:avLst/>
+          </a:prstGeom>
+          <a:noFill/>
+        </p:spPr>
+        <p:txBody>
+          <a:bodyPr wrap="none" rtlCol="0">
+            <a:spAutoFit/>
+          </a:bodyPr>
+          <a:lstStyle/>
+          <a:p>
+            <a:pPr algn="ctr"/>
+            <a:r>
+              <a:rPr lang="en-US" altLang="zh-CN" sz="1400" dirty="0"/>
+              <a:t>F</a:t>
+            </a:r>
+            <a:r>
+              <a:rPr lang="zh-CN" altLang="en-US" sz="1400" dirty="0"/>
+              <a:t>在</a:t>
+            </a:r>
+            <a:r>
+              <a:rPr lang="en-US" altLang="zh-CN" sz="1400" dirty="0"/>
+              <a:t>F-List</a:t>
+            </a:r>
+            <a:r>
+              <a:rPr lang="zh-CN" altLang="en-US" sz="1400" dirty="0"/>
+              <a:t>中</a:t>
+            </a:r>
+            <a:endParaRPr lang="en-US" altLang="zh-CN" sz="1400" dirty="0"/>
+          </a:p>
+          <a:p>
+            <a:pPr algn="ctr"/>
+            <a:r>
+              <a:rPr lang="zh-CN" altLang="en-US" sz="1400" dirty="0"/>
               <a:t>从</a:t>
             </a:r>
             <a:r>
-              <a:rPr lang="en-US" altLang="zh-CN" sz="1800" dirty="0">
-                <a:latin typeface="微软雅黑 Light" panose="020B0502040204020203" pitchFamily="34" charset="-122"/>
-                <a:ea typeface="微软雅黑 Light" panose="020B0502040204020203" pitchFamily="34" charset="-122"/>
-              </a:rPr>
-              <a:t>VisualStudio</a:t>
-            </a:r>
-            <a:r>
-              <a:rPr lang="zh-CN" altLang="en-US" sz="1800" dirty="0">
-                <a:latin typeface="微软雅黑 Light" panose="020B0502040204020203" pitchFamily="34" charset="-122"/>
-                <a:ea typeface="微软雅黑 Light" panose="020B0502040204020203" pitchFamily="34" charset="-122"/>
-              </a:rPr>
-              <a:t>到</a:t>
-            </a:r>
-            <a:r>
-              <a:rPr lang="en-US" altLang="zh-CN" sz="1800" dirty="0" err="1">
-                <a:latin typeface="微软雅黑 Light" panose="020B0502040204020203" pitchFamily="34" charset="-122"/>
-                <a:ea typeface="微软雅黑 Light" panose="020B0502040204020203" pitchFamily="34" charset="-122"/>
-              </a:rPr>
-              <a:t>Resharper</a:t>
-            </a:r>
-            <a:r>
-              <a:rPr lang="zh-CN" altLang="en-US" sz="1800" dirty="0">
-                <a:latin typeface="微软雅黑 Light" panose="020B0502040204020203" pitchFamily="34" charset="-122"/>
-                <a:ea typeface="微软雅黑 Light" panose="020B0502040204020203" pitchFamily="34" charset="-122"/>
-              </a:rPr>
-              <a:t>，对类与方法的描述都来自文档化注释。</a:t>
-            </a:r>
-            <a:endParaRPr lang="en-US" altLang="zh-CN" dirty="0"/>
-          </a:p>
-          <a:p>
-            <a:r>
-              <a:rPr lang="zh-CN" altLang="en-US" dirty="0"/>
-              <a:t>较小的集合不应使用有键集合</a:t>
-            </a:r>
-            <a:endParaRPr lang="en-US" altLang="zh-CN" dirty="0"/>
-          </a:p>
-          <a:p>
-            <a:pPr marL="457200" lvl="1" indent="0">
-              <a:buNone/>
-            </a:pPr>
-            <a:r>
-              <a:rPr lang="zh-CN" altLang="en-US" sz="1800" dirty="0">
-                <a:latin typeface="微软雅黑 Light" panose="020B0502040204020203" pitchFamily="34" charset="-122"/>
-                <a:ea typeface="微软雅黑 Light" panose="020B0502040204020203" pitchFamily="34" charset="-122"/>
-              </a:rPr>
-              <a:t>有键集合需要额外的空间。举例来说，一个空的</a:t>
-            </a:r>
-            <a:r>
-              <a:rPr lang="en-US" altLang="zh-CN" sz="1800" dirty="0">
-                <a:latin typeface="微软雅黑 Light" panose="020B0502040204020203" pitchFamily="34" charset="-122"/>
-                <a:ea typeface="微软雅黑 Light" panose="020B0502040204020203" pitchFamily="34" charset="-122"/>
-              </a:rPr>
-              <a:t>Dictionary</a:t>
-            </a:r>
-            <a:r>
-              <a:rPr lang="zh-CN" altLang="en-US" sz="1800" dirty="0">
-                <a:latin typeface="微软雅黑 Light" panose="020B0502040204020203" pitchFamily="34" charset="-122"/>
-                <a:ea typeface="微软雅黑 Light" panose="020B0502040204020203" pitchFamily="34" charset="-122"/>
-              </a:rPr>
-              <a:t>也会消耗</a:t>
-            </a:r>
-            <a:r>
-              <a:rPr lang="en-US" altLang="zh-CN" sz="1800" dirty="0">
-                <a:latin typeface="微软雅黑 Light" panose="020B0502040204020203" pitchFamily="34" charset="-122"/>
-                <a:ea typeface="微软雅黑 Light" panose="020B0502040204020203" pitchFamily="34" charset="-122"/>
-              </a:rPr>
-              <a:t>12</a:t>
-            </a:r>
-            <a:r>
-              <a:rPr lang="zh-CN" altLang="en-US" sz="1800" dirty="0">
-                <a:latin typeface="微软雅黑 Light" panose="020B0502040204020203" pitchFamily="34" charset="-122"/>
-                <a:ea typeface="微软雅黑 Light" panose="020B0502040204020203" pitchFamily="34" charset="-122"/>
-              </a:rPr>
-              <a:t>字节的空间。</a:t>
-            </a:r>
-            <a:endParaRPr lang="en-US" altLang="zh-CN" sz="1800" dirty="0">
-              <a:latin typeface="微软雅黑 Light" panose="020B0502040204020203" pitchFamily="34" charset="-122"/>
-              <a:ea typeface="微软雅黑 Light" panose="020B0502040204020203" pitchFamily="34" charset="-122"/>
-            </a:endParaRPr>
+              <a:rPr lang="en-US" altLang="zh-CN" sz="1400" dirty="0"/>
+              <a:t>F-List</a:t>
+            </a:r>
+            <a:r>
+              <a:rPr lang="zh-CN" altLang="en-US" sz="1400" dirty="0"/>
+              <a:t>中移到</a:t>
+            </a:r>
+            <a:r>
+              <a:rPr lang="en-US" altLang="zh-CN" sz="1400" dirty="0"/>
+              <a:t>FRQ</a:t>
+            </a:r>
+            <a:r>
+              <a:rPr lang="zh-CN" altLang="en-US" sz="1400" dirty="0"/>
+              <a:t>中，不回收</a:t>
+            </a:r>
+          </a:p>
+        </p:txBody>
+      </p:sp>
+      <p:sp>
+        <p:nvSpPr>
+          <p:cNvPr id="100" name="文本框 99"/>
+          <p:cNvSpPr txBox="1"/>
+          <p:nvPr/>
+        </p:nvSpPr>
+        <p:spPr>
+          <a:xfrm>
+            <a:off x="3119607" y="3416610"/>
+            <a:ext cx="1072731" cy="369332"/>
+          </a:xfrm>
+          <a:prstGeom prst="rect">
+            <a:avLst/>
+          </a:prstGeom>
+          <a:noFill/>
+        </p:spPr>
+        <p:txBody>
+          <a:bodyPr wrap="none" rtlCol="0">
+            <a:spAutoFit/>
+          </a:bodyPr>
+          <a:lstStyle/>
+          <a:p>
+            <a:pPr algn="ctr"/>
+            <a:r>
+              <a:rPr lang="en-US" altLang="zh-CN" dirty="0"/>
+              <a:t>…F</a:t>
+            </a:r>
+            <a:r>
+              <a:rPr lang="zh-CN" altLang="en-US" dirty="0"/>
+              <a:t>废弃</a:t>
+            </a:r>
+            <a:r>
+              <a:rPr lang="en-US" altLang="zh-CN" dirty="0"/>
+              <a:t>…</a:t>
+            </a:r>
+            <a:endParaRPr lang="zh-CN" altLang="en-US" dirty="0"/>
+          </a:p>
+        </p:txBody>
+      </p:sp>
+      <p:sp>
+        <p:nvSpPr>
+          <p:cNvPr id="101" name="文本框 100"/>
+          <p:cNvSpPr txBox="1"/>
+          <p:nvPr/>
+        </p:nvSpPr>
+        <p:spPr>
+          <a:xfrm>
+            <a:off x="5684936" y="3416067"/>
+            <a:ext cx="1268296" cy="369332"/>
+          </a:xfrm>
+          <a:prstGeom prst="rect">
+            <a:avLst/>
+          </a:prstGeom>
+          <a:noFill/>
+        </p:spPr>
+        <p:txBody>
+          <a:bodyPr wrap="none" rtlCol="0">
+            <a:spAutoFit/>
+          </a:bodyPr>
+          <a:lstStyle/>
+          <a:p>
+            <a:pPr algn="ctr"/>
+            <a:r>
+              <a:rPr lang="en-US" altLang="zh-CN" dirty="0"/>
+              <a:t>…GC</a:t>
+            </a:r>
+            <a:r>
+              <a:rPr lang="zh-CN" altLang="en-US" dirty="0"/>
+              <a:t>完成</a:t>
+            </a:r>
+            <a:r>
+              <a:rPr lang="en-US" altLang="zh-CN" dirty="0"/>
+              <a:t>…</a:t>
+            </a:r>
+            <a:endParaRPr lang="zh-CN" altLang="en-US" dirty="0"/>
+          </a:p>
+        </p:txBody>
+      </p:sp>
+      <p:graphicFrame>
+        <p:nvGraphicFramePr>
+          <p:cNvPr id="103" name="表格 102"/>
+          <p:cNvGraphicFramePr>
+            <a:graphicFrameLocks noGrp="1"/>
+          </p:cNvGraphicFramePr>
+          <p:nvPr>
+            <p:extLst>
+              <p:ext uri="{D42A27DB-BD31-4B8C-83A1-F6EECF244321}">
+                <p14:modId xmlns:p14="http://schemas.microsoft.com/office/powerpoint/2010/main" val="1715742929"/>
+              </p:ext>
+            </p:extLst>
+          </p:nvPr>
+        </p:nvGraphicFramePr>
+        <p:xfrm>
+          <a:off x="7010221" y="3955309"/>
+          <a:ext cx="1295991" cy="370840"/>
+        </p:xfrm>
+        <a:graphic>
+          <a:graphicData uri="http://schemas.openxmlformats.org/drawingml/2006/table">
+            <a:tbl>
+              <a:tblPr firstRow="1" bandRow="1">
+                <a:tableStyleId>{5C22544A-7EE6-4342-B048-85BDC9FD1C3A}</a:tableStyleId>
+              </a:tblPr>
+              <a:tblGrid>
+                <a:gridCol w="431997">
+                  <a:extLst>
+                    <a:ext uri="{9D8B030D-6E8A-4147-A177-3AD203B41FA5}">
+                      <a16:colId xmlns:a16="http://schemas.microsoft.com/office/drawing/2014/main" val="1645589849"/>
+                    </a:ext>
+                  </a:extLst>
+                </a:gridCol>
+                <a:gridCol w="431997">
+                  <a:extLst>
+                    <a:ext uri="{9D8B030D-6E8A-4147-A177-3AD203B41FA5}">
+                      <a16:colId xmlns:a16="http://schemas.microsoft.com/office/drawing/2014/main" val="3987330782"/>
+                    </a:ext>
+                  </a:extLst>
+                </a:gridCol>
+                <a:gridCol w="431997">
+                  <a:extLst>
+                    <a:ext uri="{9D8B030D-6E8A-4147-A177-3AD203B41FA5}">
+                      <a16:colId xmlns:a16="http://schemas.microsoft.com/office/drawing/2014/main" val="1232745375"/>
+                    </a:ext>
+                  </a:extLst>
+                </a:gridCol>
+              </a:tblGrid>
+              <a:tr h="370840">
+                <a:tc>
+                  <a:txBody>
+                    <a:bodyPr/>
+                    <a:lstStyle/>
+                    <a:p>
+                      <a:endParaRPr lang="zh-CN" altLang="en-US" dirty="0"/>
+                    </a:p>
+                  </a:txBody>
+                  <a:tcPr>
+                    <a:lnL w="12700" cap="flat" cmpd="sng" algn="ctr">
+                      <a:noFill/>
+                      <a:prstDash val="solid"/>
+                      <a:round/>
+                      <a:headEnd type="none" w="med" len="med"/>
+                      <a:tailEnd type="none" w="med" len="med"/>
+                    </a:lnL>
+                    <a:lnR w="12700" cap="flat" cmpd="sng" algn="ctr">
+                      <a:solidFill>
+                        <a:schemeClr val="tx1"/>
+                      </a:solidFill>
+                      <a:prstDash val="solid"/>
+                      <a:round/>
+                      <a:headEnd type="none" w="med" len="med"/>
+                      <a:tailEnd type="none" w="med" len="med"/>
+                    </a:lnR>
+                    <a:lnT w="12700" cap="flat" cmpd="sng" algn="ctr">
+                      <a:solidFill>
+                        <a:schemeClr val="tx1"/>
+                      </a:solidFill>
+                      <a:prstDash val="solid"/>
+                      <a:round/>
+                      <a:headEnd type="none" w="med" len="med"/>
+                      <a:tailEnd type="none" w="med" len="med"/>
+                    </a:lnT>
+                    <a:lnB w="12700" cap="flat" cmpd="sng" algn="ctr">
+                      <a:solidFill>
+                        <a:schemeClr val="tx1"/>
+                      </a:solidFill>
+                      <a:prstDash val="solid"/>
+                      <a:round/>
+                      <a:headEnd type="none" w="med" len="med"/>
+                      <a:tailEnd type="none" w="med" len="med"/>
+                    </a:lnB>
+                    <a:solidFill>
+                      <a:schemeClr val="bg1"/>
+                    </a:solidFill>
+                  </a:tcPr>
+                </a:tc>
+                <a:tc>
+                  <a:txBody>
+                    <a:bodyPr/>
+                    <a:lstStyle/>
+                    <a:p>
+                      <a:pPr algn="ctr"/>
+                      <a:r>
+                        <a:rPr lang="en-US" altLang="zh-CN" dirty="0">
+                          <a:solidFill>
+                            <a:schemeClr val="tx1"/>
+                          </a:solidFill>
+                        </a:rPr>
+                        <a:t>F</a:t>
+                      </a:r>
+                      <a:endParaRPr lang="zh-CN" altLang="en-US" dirty="0">
+                        <a:solidFill>
+                          <a:schemeClr val="tx1"/>
+                        </a:solidFill>
+                      </a:endParaRPr>
+                    </a:p>
+                  </a:txBody>
+                  <a:tcPr>
+                    <a:lnL w="12700" cap="flat" cmpd="sng" algn="ctr">
+                      <a:solidFill>
+                        <a:schemeClr val="tx1"/>
+                      </a:solidFill>
+                      <a:prstDash val="solid"/>
+                      <a:round/>
+                      <a:headEnd type="none" w="med" len="med"/>
+                      <a:tailEnd type="none" w="med" len="med"/>
+                    </a:lnL>
+                    <a:lnR w="12700" cap="flat" cmpd="sng" algn="ctr">
+                      <a:solidFill>
+                        <a:schemeClr val="tx1"/>
+                      </a:solidFill>
+                      <a:prstDash val="solid"/>
+                      <a:round/>
+                      <a:headEnd type="none" w="med" len="med"/>
+                      <a:tailEnd type="none" w="med" len="med"/>
+                    </a:lnR>
+                    <a:lnT w="12700" cap="flat" cmpd="sng" algn="ctr">
+                      <a:solidFill>
+                        <a:schemeClr val="tx1"/>
+                      </a:solidFill>
+                      <a:prstDash val="solid"/>
+                      <a:round/>
+                      <a:headEnd type="none" w="med" len="med"/>
+                      <a:tailEnd type="none" w="med" len="med"/>
+                    </a:lnT>
+                    <a:lnB w="12700" cap="flat" cmpd="sng" algn="ctr">
+                      <a:solidFill>
+                        <a:schemeClr val="tx1"/>
+                      </a:solidFill>
+                      <a:prstDash val="solid"/>
+                      <a:round/>
+                      <a:headEnd type="none" w="med" len="med"/>
+                      <a:tailEnd type="none" w="med" len="med"/>
+                    </a:lnB>
+                    <a:solidFill>
+                      <a:schemeClr val="accent5">
+                        <a:lumMod val="40000"/>
+                        <a:lumOff val="60000"/>
+                      </a:schemeClr>
+                    </a:solidFill>
+                  </a:tcPr>
+                </a:tc>
+                <a:tc>
+                  <a:txBody>
+                    <a:bodyPr/>
+                    <a:lstStyle/>
+                    <a:p>
+                      <a:endParaRPr lang="zh-CN" altLang="en-US" dirty="0"/>
+                    </a:p>
+                  </a:txBody>
+                  <a:tcPr>
+                    <a:lnL w="12700" cap="flat" cmpd="sng" algn="ctr">
+                      <a:solidFill>
+                        <a:schemeClr val="tx1"/>
+                      </a:solidFill>
+                      <a:prstDash val="solid"/>
+                      <a:round/>
+                      <a:headEnd type="none" w="med" len="med"/>
+                      <a:tailEnd type="none" w="med" len="med"/>
+                    </a:lnL>
+                    <a:lnR w="12700" cap="flat" cmpd="sng" algn="ctr">
+                      <a:noFill/>
+                      <a:prstDash val="solid"/>
+                      <a:round/>
+                      <a:headEnd type="none" w="med" len="med"/>
+                      <a:tailEnd type="none" w="med" len="med"/>
+                    </a:lnR>
+                    <a:lnT w="12700" cap="flat" cmpd="sng" algn="ctr">
+                      <a:solidFill>
+                        <a:schemeClr val="tx1"/>
+                      </a:solidFill>
+                      <a:prstDash val="solid"/>
+                      <a:round/>
+                      <a:headEnd type="none" w="med" len="med"/>
+                      <a:tailEnd type="none" w="med" len="med"/>
+                    </a:lnT>
+                    <a:lnB w="12700" cap="flat" cmpd="sng" algn="ctr">
+                      <a:solidFill>
+                        <a:schemeClr val="tx1"/>
+                      </a:solidFill>
+                      <a:prstDash val="solid"/>
+                      <a:round/>
+                      <a:headEnd type="none" w="med" len="med"/>
+                      <a:tailEnd type="none" w="med" len="med"/>
+                    </a:lnB>
+                    <a:solidFill>
+                      <a:schemeClr val="bg1"/>
+                    </a:solidFill>
+                  </a:tcPr>
+                </a:tc>
+                <a:extLst>
+                  <a:ext uri="{0D108BD9-81ED-4DB2-BD59-A6C34878D82A}">
+                    <a16:rowId xmlns:a16="http://schemas.microsoft.com/office/drawing/2014/main" val="1136481069"/>
+                  </a:ext>
+                </a:extLst>
+              </a:tr>
+            </a:tbl>
+          </a:graphicData>
+        </a:graphic>
+      </p:graphicFrame>
+      <p:graphicFrame>
+        <p:nvGraphicFramePr>
+          <p:cNvPr id="104" name="表格 103"/>
+          <p:cNvGraphicFramePr>
+            <a:graphicFrameLocks noGrp="1"/>
+          </p:cNvGraphicFramePr>
+          <p:nvPr>
+            <p:extLst>
+              <p:ext uri="{D42A27DB-BD31-4B8C-83A1-F6EECF244321}">
+                <p14:modId xmlns:p14="http://schemas.microsoft.com/office/powerpoint/2010/main" val="1061575569"/>
+              </p:ext>
+            </p:extLst>
+          </p:nvPr>
+        </p:nvGraphicFramePr>
+        <p:xfrm>
+          <a:off x="7010221" y="4667691"/>
+          <a:ext cx="1295991" cy="370840"/>
+        </p:xfrm>
+        <a:graphic>
+          <a:graphicData uri="http://schemas.openxmlformats.org/drawingml/2006/table">
+            <a:tbl>
+              <a:tblPr firstRow="1" bandRow="1">
+                <a:tableStyleId>{5C22544A-7EE6-4342-B048-85BDC9FD1C3A}</a:tableStyleId>
+              </a:tblPr>
+              <a:tblGrid>
+                <a:gridCol w="431997">
+                  <a:extLst>
+                    <a:ext uri="{9D8B030D-6E8A-4147-A177-3AD203B41FA5}">
+                      <a16:colId xmlns:a16="http://schemas.microsoft.com/office/drawing/2014/main" val="1645589849"/>
+                    </a:ext>
+                  </a:extLst>
+                </a:gridCol>
+                <a:gridCol w="431997">
+                  <a:extLst>
+                    <a:ext uri="{9D8B030D-6E8A-4147-A177-3AD203B41FA5}">
+                      <a16:colId xmlns:a16="http://schemas.microsoft.com/office/drawing/2014/main" val="3987330782"/>
+                    </a:ext>
+                  </a:extLst>
+                </a:gridCol>
+                <a:gridCol w="431997">
+                  <a:extLst>
+                    <a:ext uri="{9D8B030D-6E8A-4147-A177-3AD203B41FA5}">
+                      <a16:colId xmlns:a16="http://schemas.microsoft.com/office/drawing/2014/main" val="1232745375"/>
+                    </a:ext>
+                  </a:extLst>
+                </a:gridCol>
+              </a:tblGrid>
+              <a:tr h="370840">
+                <a:tc>
+                  <a:txBody>
+                    <a:bodyPr/>
+                    <a:lstStyle/>
+                    <a:p>
+                      <a:endParaRPr lang="zh-CN" altLang="en-US" dirty="0"/>
+                    </a:p>
+                  </a:txBody>
+                  <a:tcPr>
+                    <a:lnL w="12700" cap="flat" cmpd="sng" algn="ctr">
+                      <a:noFill/>
+                      <a:prstDash val="solid"/>
+                      <a:round/>
+                      <a:headEnd type="none" w="med" len="med"/>
+                      <a:tailEnd type="none" w="med" len="med"/>
+                    </a:lnL>
+                    <a:lnR w="12700" cap="flat" cmpd="sng" algn="ctr">
+                      <a:solidFill>
+                        <a:schemeClr val="tx1"/>
+                      </a:solidFill>
+                      <a:prstDash val="solid"/>
+                      <a:round/>
+                      <a:headEnd type="none" w="med" len="med"/>
+                      <a:tailEnd type="none" w="med" len="med"/>
+                    </a:lnR>
+                    <a:lnT w="12700" cap="flat" cmpd="sng" algn="ctr">
+                      <a:solidFill>
+                        <a:schemeClr val="tx1"/>
+                      </a:solidFill>
+                      <a:prstDash val="solid"/>
+                      <a:round/>
+                      <a:headEnd type="none" w="med" len="med"/>
+                      <a:tailEnd type="none" w="med" len="med"/>
+                    </a:lnT>
+                    <a:lnB w="12700" cap="flat" cmpd="sng" algn="ctr">
+                      <a:solidFill>
+                        <a:schemeClr val="tx1"/>
+                      </a:solidFill>
+                      <a:prstDash val="solid"/>
+                      <a:round/>
+                      <a:headEnd type="none" w="med" len="med"/>
+                      <a:tailEnd type="none" w="med" len="med"/>
+                    </a:lnB>
+                    <a:solidFill>
+                      <a:schemeClr val="bg1"/>
+                    </a:solidFill>
+                  </a:tcPr>
+                </a:tc>
+                <a:tc>
+                  <a:txBody>
+                    <a:bodyPr/>
+                    <a:lstStyle/>
+                    <a:p>
+                      <a:pPr algn="ctr"/>
+                      <a:endParaRPr lang="zh-CN" altLang="en-US" dirty="0">
+                        <a:solidFill>
+                          <a:schemeClr val="tx1"/>
+                        </a:solidFill>
+                      </a:endParaRPr>
+                    </a:p>
+                  </a:txBody>
+                  <a:tcPr>
+                    <a:lnL w="12700" cap="flat" cmpd="sng" algn="ctr">
+                      <a:solidFill>
+                        <a:schemeClr val="tx1"/>
+                      </a:solidFill>
+                      <a:prstDash val="solid"/>
+                      <a:round/>
+                      <a:headEnd type="none" w="med" len="med"/>
+                      <a:tailEnd type="none" w="med" len="med"/>
+                    </a:lnL>
+                    <a:lnR w="12700" cap="flat" cmpd="sng" algn="ctr">
+                      <a:solidFill>
+                        <a:schemeClr val="tx1"/>
+                      </a:solidFill>
+                      <a:prstDash val="solid"/>
+                      <a:round/>
+                      <a:headEnd type="none" w="med" len="med"/>
+                      <a:tailEnd type="none" w="med" len="med"/>
+                    </a:lnR>
+                    <a:lnT w="12700" cap="flat" cmpd="sng" algn="ctr">
+                      <a:solidFill>
+                        <a:schemeClr val="tx1"/>
+                      </a:solidFill>
+                      <a:prstDash val="solid"/>
+                      <a:round/>
+                      <a:headEnd type="none" w="med" len="med"/>
+                      <a:tailEnd type="none" w="med" len="med"/>
+                    </a:lnT>
+                    <a:lnB w="12700" cap="flat" cmpd="sng" algn="ctr">
+                      <a:solidFill>
+                        <a:schemeClr val="tx1"/>
+                      </a:solidFill>
+                      <a:prstDash val="solid"/>
+                      <a:round/>
+                      <a:headEnd type="none" w="med" len="med"/>
+                      <a:tailEnd type="none" w="med" len="med"/>
+                    </a:lnB>
+                    <a:solidFill>
+                      <a:schemeClr val="bg1"/>
+                    </a:solidFill>
+                  </a:tcPr>
+                </a:tc>
+                <a:tc>
+                  <a:txBody>
+                    <a:bodyPr/>
+                    <a:lstStyle/>
+                    <a:p>
+                      <a:endParaRPr lang="zh-CN" altLang="en-US" dirty="0"/>
+                    </a:p>
+                  </a:txBody>
+                  <a:tcPr>
+                    <a:lnL w="12700" cap="flat" cmpd="sng" algn="ctr">
+                      <a:solidFill>
+                        <a:schemeClr val="tx1"/>
+                      </a:solidFill>
+                      <a:prstDash val="solid"/>
+                      <a:round/>
+                      <a:headEnd type="none" w="med" len="med"/>
+                      <a:tailEnd type="none" w="med" len="med"/>
+                    </a:lnL>
+                    <a:lnR w="12700" cap="flat" cmpd="sng" algn="ctr">
+                      <a:noFill/>
+                      <a:prstDash val="solid"/>
+                      <a:round/>
+                      <a:headEnd type="none" w="med" len="med"/>
+                      <a:tailEnd type="none" w="med" len="med"/>
+                    </a:lnR>
+                    <a:lnT w="12700" cap="flat" cmpd="sng" algn="ctr">
+                      <a:solidFill>
+                        <a:schemeClr val="tx1"/>
+                      </a:solidFill>
+                      <a:prstDash val="solid"/>
+                      <a:round/>
+                      <a:headEnd type="none" w="med" len="med"/>
+                      <a:tailEnd type="none" w="med" len="med"/>
+                    </a:lnT>
+                    <a:lnB w="12700" cap="flat" cmpd="sng" algn="ctr">
+                      <a:solidFill>
+                        <a:schemeClr val="tx1"/>
+                      </a:solidFill>
+                      <a:prstDash val="solid"/>
+                      <a:round/>
+                      <a:headEnd type="none" w="med" len="med"/>
+                      <a:tailEnd type="none" w="med" len="med"/>
+                    </a:lnB>
+                    <a:solidFill>
+                      <a:schemeClr val="bg1"/>
+                    </a:solidFill>
+                  </a:tcPr>
+                </a:tc>
+                <a:extLst>
+                  <a:ext uri="{0D108BD9-81ED-4DB2-BD59-A6C34878D82A}">
+                    <a16:rowId xmlns:a16="http://schemas.microsoft.com/office/drawing/2014/main" val="1136481069"/>
+                  </a:ext>
+                </a:extLst>
+              </a:tr>
+            </a:tbl>
+          </a:graphicData>
+        </a:graphic>
+      </p:graphicFrame>
+      <p:graphicFrame>
+        <p:nvGraphicFramePr>
+          <p:cNvPr id="105" name="表格 104"/>
+          <p:cNvGraphicFramePr>
+            <a:graphicFrameLocks noGrp="1"/>
+          </p:cNvGraphicFramePr>
+          <p:nvPr>
+            <p:extLst>
+              <p:ext uri="{D42A27DB-BD31-4B8C-83A1-F6EECF244321}">
+                <p14:modId xmlns:p14="http://schemas.microsoft.com/office/powerpoint/2010/main" val="2903336486"/>
+              </p:ext>
+            </p:extLst>
+          </p:nvPr>
+        </p:nvGraphicFramePr>
+        <p:xfrm>
+          <a:off x="7010221" y="5422124"/>
+          <a:ext cx="1295991" cy="370840"/>
+        </p:xfrm>
+        <a:graphic>
+          <a:graphicData uri="http://schemas.openxmlformats.org/drawingml/2006/table">
+            <a:tbl>
+              <a:tblPr firstRow="1" bandRow="1">
+                <a:tableStyleId>{5C22544A-7EE6-4342-B048-85BDC9FD1C3A}</a:tableStyleId>
+              </a:tblPr>
+              <a:tblGrid>
+                <a:gridCol w="431997">
+                  <a:extLst>
+                    <a:ext uri="{9D8B030D-6E8A-4147-A177-3AD203B41FA5}">
+                      <a16:colId xmlns:a16="http://schemas.microsoft.com/office/drawing/2014/main" val="1645589849"/>
+                    </a:ext>
+                  </a:extLst>
+                </a:gridCol>
+                <a:gridCol w="431997">
+                  <a:extLst>
+                    <a:ext uri="{9D8B030D-6E8A-4147-A177-3AD203B41FA5}">
+                      <a16:colId xmlns:a16="http://schemas.microsoft.com/office/drawing/2014/main" val="3987330782"/>
+                    </a:ext>
+                  </a:extLst>
+                </a:gridCol>
+                <a:gridCol w="431997">
+                  <a:extLst>
+                    <a:ext uri="{9D8B030D-6E8A-4147-A177-3AD203B41FA5}">
+                      <a16:colId xmlns:a16="http://schemas.microsoft.com/office/drawing/2014/main" val="1232745375"/>
+                    </a:ext>
+                  </a:extLst>
+                </a:gridCol>
+              </a:tblGrid>
+              <a:tr h="370840">
+                <a:tc>
+                  <a:txBody>
+                    <a:bodyPr/>
+                    <a:lstStyle/>
+                    <a:p>
+                      <a:endParaRPr lang="zh-CN" altLang="en-US" dirty="0"/>
+                    </a:p>
+                  </a:txBody>
+                  <a:tcPr>
+                    <a:lnL w="12700" cap="flat" cmpd="sng" algn="ctr">
+                      <a:noFill/>
+                      <a:prstDash val="solid"/>
+                      <a:round/>
+                      <a:headEnd type="none" w="med" len="med"/>
+                      <a:tailEnd type="none" w="med" len="med"/>
+                    </a:lnL>
+                    <a:lnR w="12700" cap="flat" cmpd="sng" algn="ctr">
+                      <a:solidFill>
+                        <a:schemeClr val="tx1"/>
+                      </a:solidFill>
+                      <a:prstDash val="solid"/>
+                      <a:round/>
+                      <a:headEnd type="none" w="med" len="med"/>
+                      <a:tailEnd type="none" w="med" len="med"/>
+                    </a:lnR>
+                    <a:lnT w="12700" cap="flat" cmpd="sng" algn="ctr">
+                      <a:solidFill>
+                        <a:schemeClr val="tx1"/>
+                      </a:solidFill>
+                      <a:prstDash val="solid"/>
+                      <a:round/>
+                      <a:headEnd type="none" w="med" len="med"/>
+                      <a:tailEnd type="none" w="med" len="med"/>
+                    </a:lnT>
+                    <a:lnB w="12700" cap="flat" cmpd="sng" algn="ctr">
+                      <a:solidFill>
+                        <a:schemeClr val="tx1"/>
+                      </a:solidFill>
+                      <a:prstDash val="solid"/>
+                      <a:round/>
+                      <a:headEnd type="none" w="med" len="med"/>
+                      <a:tailEnd type="none" w="med" len="med"/>
+                    </a:lnB>
+                    <a:solidFill>
+                      <a:schemeClr val="bg1"/>
+                    </a:solidFill>
+                  </a:tcPr>
+                </a:tc>
+                <a:tc>
+                  <a:txBody>
+                    <a:bodyPr/>
+                    <a:lstStyle/>
+                    <a:p>
+                      <a:pPr algn="ctr"/>
+                      <a:endParaRPr lang="zh-CN" altLang="en-US" dirty="0">
+                        <a:solidFill>
+                          <a:schemeClr val="tx1"/>
+                        </a:solidFill>
+                      </a:endParaRPr>
+                    </a:p>
+                  </a:txBody>
+                  <a:tcPr>
+                    <a:lnL w="12700" cap="flat" cmpd="sng" algn="ctr">
+                      <a:solidFill>
+                        <a:schemeClr val="tx1"/>
+                      </a:solidFill>
+                      <a:prstDash val="solid"/>
+                      <a:round/>
+                      <a:headEnd type="none" w="med" len="med"/>
+                      <a:tailEnd type="none" w="med" len="med"/>
+                    </a:lnL>
+                    <a:lnR w="12700" cap="flat" cmpd="sng" algn="ctr">
+                      <a:solidFill>
+                        <a:schemeClr val="tx1"/>
+                      </a:solidFill>
+                      <a:prstDash val="solid"/>
+                      <a:round/>
+                      <a:headEnd type="none" w="med" len="med"/>
+                      <a:tailEnd type="none" w="med" len="med"/>
+                    </a:lnR>
+                    <a:lnT w="12700" cap="flat" cmpd="sng" algn="ctr">
+                      <a:solidFill>
+                        <a:schemeClr val="tx1"/>
+                      </a:solidFill>
+                      <a:prstDash val="solid"/>
+                      <a:round/>
+                      <a:headEnd type="none" w="med" len="med"/>
+                      <a:tailEnd type="none" w="med" len="med"/>
+                    </a:lnT>
+                    <a:lnB w="12700" cap="flat" cmpd="sng" algn="ctr">
+                      <a:solidFill>
+                        <a:schemeClr val="tx1"/>
+                      </a:solidFill>
+                      <a:prstDash val="solid"/>
+                      <a:round/>
+                      <a:headEnd type="none" w="med" len="med"/>
+                      <a:tailEnd type="none" w="med" len="med"/>
+                    </a:lnB>
+                    <a:solidFill>
+                      <a:schemeClr val="accent2">
+                        <a:lumMod val="20000"/>
+                        <a:lumOff val="80000"/>
+                      </a:schemeClr>
+                    </a:solidFill>
+                  </a:tcPr>
+                </a:tc>
+                <a:tc>
+                  <a:txBody>
+                    <a:bodyPr/>
+                    <a:lstStyle/>
+                    <a:p>
+                      <a:endParaRPr lang="zh-CN" altLang="en-US" dirty="0"/>
+                    </a:p>
+                  </a:txBody>
+                  <a:tcPr>
+                    <a:lnL w="12700" cap="flat" cmpd="sng" algn="ctr">
+                      <a:solidFill>
+                        <a:schemeClr val="tx1"/>
+                      </a:solidFill>
+                      <a:prstDash val="solid"/>
+                      <a:round/>
+                      <a:headEnd type="none" w="med" len="med"/>
+                      <a:tailEnd type="none" w="med" len="med"/>
+                    </a:lnL>
+                    <a:lnR w="12700" cap="flat" cmpd="sng" algn="ctr">
+                      <a:noFill/>
+                      <a:prstDash val="solid"/>
+                      <a:round/>
+                      <a:headEnd type="none" w="med" len="med"/>
+                      <a:tailEnd type="none" w="med" len="med"/>
+                    </a:lnR>
+                    <a:lnT w="12700" cap="flat" cmpd="sng" algn="ctr">
+                      <a:solidFill>
+                        <a:schemeClr val="tx1"/>
+                      </a:solidFill>
+                      <a:prstDash val="solid"/>
+                      <a:round/>
+                      <a:headEnd type="none" w="med" len="med"/>
+                      <a:tailEnd type="none" w="med" len="med"/>
+                    </a:lnT>
+                    <a:lnB w="12700" cap="flat" cmpd="sng" algn="ctr">
+                      <a:solidFill>
+                        <a:schemeClr val="tx1"/>
+                      </a:solidFill>
+                      <a:prstDash val="solid"/>
+                      <a:round/>
+                      <a:headEnd type="none" w="med" len="med"/>
+                      <a:tailEnd type="none" w="med" len="med"/>
+                    </a:lnB>
+                    <a:solidFill>
+                      <a:schemeClr val="bg1"/>
+                    </a:solidFill>
+                  </a:tcPr>
+                </a:tc>
+                <a:extLst>
+                  <a:ext uri="{0D108BD9-81ED-4DB2-BD59-A6C34878D82A}">
+                    <a16:rowId xmlns:a16="http://schemas.microsoft.com/office/drawing/2014/main" val="1136481069"/>
+                  </a:ext>
+                </a:extLst>
+              </a:tr>
+            </a:tbl>
+          </a:graphicData>
+        </a:graphic>
+      </p:graphicFrame>
+      <p:sp>
+        <p:nvSpPr>
+          <p:cNvPr id="107" name="文本框 106"/>
+          <p:cNvSpPr txBox="1"/>
+          <p:nvPr/>
+        </p:nvSpPr>
+        <p:spPr>
+          <a:xfrm>
+            <a:off x="6415729" y="5914947"/>
+            <a:ext cx="2484976" cy="523220"/>
+          </a:xfrm>
+          <a:prstGeom prst="rect">
+            <a:avLst/>
+          </a:prstGeom>
+          <a:noFill/>
+        </p:spPr>
+        <p:txBody>
+          <a:bodyPr wrap="none" rtlCol="0">
+            <a:spAutoFit/>
+          </a:bodyPr>
+          <a:lstStyle/>
+          <a:p>
+            <a:pPr algn="ctr"/>
+            <a:r>
+              <a:rPr lang="en-US" altLang="zh-CN" sz="1400" dirty="0"/>
+              <a:t>F</a:t>
+            </a:r>
+            <a:r>
+              <a:rPr lang="zh-CN" altLang="en-US" sz="1400" dirty="0"/>
+              <a:t>在</a:t>
+            </a:r>
+            <a:r>
+              <a:rPr lang="en-US" altLang="zh-CN" sz="1400" dirty="0"/>
+              <a:t>FRQ</a:t>
+            </a:r>
+            <a:r>
+              <a:rPr lang="zh-CN" altLang="en-US" sz="1400" dirty="0"/>
+              <a:t>中</a:t>
+            </a:r>
+            <a:endParaRPr lang="en-US" altLang="zh-CN" sz="1400" dirty="0"/>
+          </a:p>
+          <a:p>
+            <a:pPr algn="ctr"/>
+            <a:r>
+              <a:rPr lang="zh-CN" altLang="en-US" sz="1400" dirty="0"/>
+              <a:t>调用析构方法，从</a:t>
+            </a:r>
+            <a:r>
+              <a:rPr lang="en-US" altLang="zh-CN" sz="1400" dirty="0"/>
+              <a:t>FRQ</a:t>
+            </a:r>
+            <a:r>
+              <a:rPr lang="zh-CN" altLang="en-US" sz="1400" dirty="0"/>
+              <a:t>中移除</a:t>
+            </a:r>
+          </a:p>
+        </p:txBody>
+      </p:sp>
+      <p:sp>
+        <p:nvSpPr>
+          <p:cNvPr id="108" name="文本框 107"/>
+          <p:cNvSpPr txBox="1"/>
+          <p:nvPr/>
+        </p:nvSpPr>
+        <p:spPr>
+          <a:xfrm>
+            <a:off x="8306212" y="3415206"/>
+            <a:ext cx="1268297" cy="369332"/>
+          </a:xfrm>
+          <a:prstGeom prst="rect">
+            <a:avLst/>
+          </a:prstGeom>
+          <a:noFill/>
+        </p:spPr>
+        <p:txBody>
+          <a:bodyPr wrap="none" rtlCol="0">
+            <a:spAutoFit/>
+          </a:bodyPr>
+          <a:lstStyle/>
+          <a:p>
+            <a:pPr algn="ctr"/>
+            <a:r>
+              <a:rPr lang="en-US" altLang="zh-CN" dirty="0"/>
+              <a:t>…</a:t>
+            </a:r>
+            <a:r>
+              <a:rPr lang="zh-CN" altLang="en-US" dirty="0"/>
+              <a:t>下次</a:t>
+            </a:r>
+            <a:r>
+              <a:rPr lang="en-US" altLang="zh-CN" dirty="0"/>
+              <a:t>GC…</a:t>
+            </a:r>
+            <a:endParaRPr lang="zh-CN" altLang="en-US" dirty="0"/>
+          </a:p>
+        </p:txBody>
+      </p:sp>
+      <p:sp>
+        <p:nvSpPr>
+          <p:cNvPr id="109" name="文本框 108"/>
+          <p:cNvSpPr txBox="1"/>
+          <p:nvPr/>
+        </p:nvSpPr>
+        <p:spPr>
+          <a:xfrm>
+            <a:off x="9771344" y="3415206"/>
+            <a:ext cx="1449436" cy="369332"/>
+          </a:xfrm>
+          <a:prstGeom prst="rect">
+            <a:avLst/>
+          </a:prstGeom>
+          <a:noFill/>
+        </p:spPr>
+        <p:txBody>
+          <a:bodyPr wrap="none" rtlCol="0">
+            <a:spAutoFit/>
+          </a:bodyPr>
+          <a:lstStyle/>
+          <a:p>
+            <a:pPr algn="ctr"/>
+            <a:r>
+              <a:rPr lang="en-US" altLang="zh-CN" dirty="0"/>
+              <a:t>F</a:t>
+            </a:r>
+            <a:r>
+              <a:rPr lang="zh-CN" altLang="en-US" dirty="0"/>
+              <a:t>第二次回收</a:t>
+            </a:r>
+          </a:p>
+        </p:txBody>
+      </p:sp>
+      <p:graphicFrame>
+        <p:nvGraphicFramePr>
+          <p:cNvPr id="110" name="表格 109"/>
+          <p:cNvGraphicFramePr>
+            <a:graphicFrameLocks noGrp="1"/>
+          </p:cNvGraphicFramePr>
+          <p:nvPr>
+            <p:extLst>
+              <p:ext uri="{D42A27DB-BD31-4B8C-83A1-F6EECF244321}">
+                <p14:modId xmlns:p14="http://schemas.microsoft.com/office/powerpoint/2010/main" val="4024924688"/>
+              </p:ext>
+            </p:extLst>
+          </p:nvPr>
+        </p:nvGraphicFramePr>
+        <p:xfrm>
+          <a:off x="9848067" y="3955309"/>
+          <a:ext cx="1295991" cy="370840"/>
+        </p:xfrm>
+        <a:graphic>
+          <a:graphicData uri="http://schemas.openxmlformats.org/drawingml/2006/table">
+            <a:tbl>
+              <a:tblPr firstRow="1" bandRow="1">
+                <a:tableStyleId>{5C22544A-7EE6-4342-B048-85BDC9FD1C3A}</a:tableStyleId>
+              </a:tblPr>
+              <a:tblGrid>
+                <a:gridCol w="431997">
+                  <a:extLst>
+                    <a:ext uri="{9D8B030D-6E8A-4147-A177-3AD203B41FA5}">
+                      <a16:colId xmlns:a16="http://schemas.microsoft.com/office/drawing/2014/main" val="1645589849"/>
+                    </a:ext>
+                  </a:extLst>
+                </a:gridCol>
+                <a:gridCol w="431997">
+                  <a:extLst>
+                    <a:ext uri="{9D8B030D-6E8A-4147-A177-3AD203B41FA5}">
+                      <a16:colId xmlns:a16="http://schemas.microsoft.com/office/drawing/2014/main" val="3987330782"/>
+                    </a:ext>
+                  </a:extLst>
+                </a:gridCol>
+                <a:gridCol w="431997">
+                  <a:extLst>
+                    <a:ext uri="{9D8B030D-6E8A-4147-A177-3AD203B41FA5}">
+                      <a16:colId xmlns:a16="http://schemas.microsoft.com/office/drawing/2014/main" val="1232745375"/>
+                    </a:ext>
+                  </a:extLst>
+                </a:gridCol>
+              </a:tblGrid>
+              <a:tr h="370840">
+                <a:tc>
+                  <a:txBody>
+                    <a:bodyPr/>
+                    <a:lstStyle/>
+                    <a:p>
+                      <a:endParaRPr lang="zh-CN" altLang="en-US" dirty="0"/>
+                    </a:p>
+                  </a:txBody>
+                  <a:tcPr>
+                    <a:lnL w="12700" cap="flat" cmpd="sng" algn="ctr">
+                      <a:noFill/>
+                      <a:prstDash val="solid"/>
+                      <a:round/>
+                      <a:headEnd type="none" w="med" len="med"/>
+                      <a:tailEnd type="none" w="med" len="med"/>
+                    </a:lnL>
+                    <a:lnR w="12700" cap="flat" cmpd="sng" algn="ctr">
+                      <a:solidFill>
+                        <a:schemeClr val="tx1"/>
+                      </a:solidFill>
+                      <a:prstDash val="solid"/>
+                      <a:round/>
+                      <a:headEnd type="none" w="med" len="med"/>
+                      <a:tailEnd type="none" w="med" len="med"/>
+                    </a:lnR>
+                    <a:lnT w="12700" cap="flat" cmpd="sng" algn="ctr">
+                      <a:solidFill>
+                        <a:schemeClr val="tx1"/>
+                      </a:solidFill>
+                      <a:prstDash val="solid"/>
+                      <a:round/>
+                      <a:headEnd type="none" w="med" len="med"/>
+                      <a:tailEnd type="none" w="med" len="med"/>
+                    </a:lnT>
+                    <a:lnB w="12700" cap="flat" cmpd="sng" algn="ctr">
+                      <a:solidFill>
+                        <a:schemeClr val="tx1"/>
+                      </a:solidFill>
+                      <a:prstDash val="solid"/>
+                      <a:round/>
+                      <a:headEnd type="none" w="med" len="med"/>
+                      <a:tailEnd type="none" w="med" len="med"/>
+                    </a:lnB>
+                    <a:solidFill>
+                      <a:schemeClr val="bg1"/>
+                    </a:solidFill>
+                  </a:tcPr>
+                </a:tc>
+                <a:tc>
+                  <a:txBody>
+                    <a:bodyPr/>
+                    <a:lstStyle/>
+                    <a:p>
+                      <a:pPr algn="ctr"/>
+                      <a:endParaRPr lang="zh-CN" altLang="en-US" dirty="0">
+                        <a:solidFill>
+                          <a:schemeClr val="tx1"/>
+                        </a:solidFill>
+                      </a:endParaRPr>
+                    </a:p>
+                  </a:txBody>
+                  <a:tcPr>
+                    <a:lnL w="12700" cap="flat" cmpd="sng" algn="ctr">
+                      <a:solidFill>
+                        <a:schemeClr val="tx1"/>
+                      </a:solidFill>
+                      <a:prstDash val="solid"/>
+                      <a:round/>
+                      <a:headEnd type="none" w="med" len="med"/>
+                      <a:tailEnd type="none" w="med" len="med"/>
+                    </a:lnL>
+                    <a:lnR w="12700" cap="flat" cmpd="sng" algn="ctr">
+                      <a:solidFill>
+                        <a:schemeClr val="tx1"/>
+                      </a:solidFill>
+                      <a:prstDash val="solid"/>
+                      <a:round/>
+                      <a:headEnd type="none" w="med" len="med"/>
+                      <a:tailEnd type="none" w="med" len="med"/>
+                    </a:lnR>
+                    <a:lnT w="12700" cap="flat" cmpd="sng" algn="ctr">
+                      <a:solidFill>
+                        <a:schemeClr val="tx1"/>
+                      </a:solidFill>
+                      <a:prstDash val="solid"/>
+                      <a:round/>
+                      <a:headEnd type="none" w="med" len="med"/>
+                      <a:tailEnd type="none" w="med" len="med"/>
+                    </a:lnT>
+                    <a:lnB w="12700" cap="flat" cmpd="sng" algn="ctr">
+                      <a:solidFill>
+                        <a:schemeClr val="tx1"/>
+                      </a:solidFill>
+                      <a:prstDash val="solid"/>
+                      <a:round/>
+                      <a:headEnd type="none" w="med" len="med"/>
+                      <a:tailEnd type="none" w="med" len="med"/>
+                    </a:lnB>
+                    <a:solidFill>
+                      <a:schemeClr val="accent5">
+                        <a:lumMod val="20000"/>
+                        <a:lumOff val="80000"/>
+                      </a:schemeClr>
+                    </a:solidFill>
+                  </a:tcPr>
+                </a:tc>
+                <a:tc>
+                  <a:txBody>
+                    <a:bodyPr/>
+                    <a:lstStyle/>
+                    <a:p>
+                      <a:endParaRPr lang="zh-CN" altLang="en-US" dirty="0"/>
+                    </a:p>
+                  </a:txBody>
+                  <a:tcPr>
+                    <a:lnL w="12700" cap="flat" cmpd="sng" algn="ctr">
+                      <a:solidFill>
+                        <a:schemeClr val="tx1"/>
+                      </a:solidFill>
+                      <a:prstDash val="solid"/>
+                      <a:round/>
+                      <a:headEnd type="none" w="med" len="med"/>
+                      <a:tailEnd type="none" w="med" len="med"/>
+                    </a:lnL>
+                    <a:lnR w="12700" cap="flat" cmpd="sng" algn="ctr">
+                      <a:noFill/>
+                      <a:prstDash val="solid"/>
+                      <a:round/>
+                      <a:headEnd type="none" w="med" len="med"/>
+                      <a:tailEnd type="none" w="med" len="med"/>
+                    </a:lnR>
+                    <a:lnT w="12700" cap="flat" cmpd="sng" algn="ctr">
+                      <a:solidFill>
+                        <a:schemeClr val="tx1"/>
+                      </a:solidFill>
+                      <a:prstDash val="solid"/>
+                      <a:round/>
+                      <a:headEnd type="none" w="med" len="med"/>
+                      <a:tailEnd type="none" w="med" len="med"/>
+                    </a:lnT>
+                    <a:lnB w="12700" cap="flat" cmpd="sng" algn="ctr">
+                      <a:solidFill>
+                        <a:schemeClr val="tx1"/>
+                      </a:solidFill>
+                      <a:prstDash val="solid"/>
+                      <a:round/>
+                      <a:headEnd type="none" w="med" len="med"/>
+                      <a:tailEnd type="none" w="med" len="med"/>
+                    </a:lnB>
+                    <a:solidFill>
+                      <a:schemeClr val="bg1"/>
+                    </a:solidFill>
+                  </a:tcPr>
+                </a:tc>
+                <a:extLst>
+                  <a:ext uri="{0D108BD9-81ED-4DB2-BD59-A6C34878D82A}">
+                    <a16:rowId xmlns:a16="http://schemas.microsoft.com/office/drawing/2014/main" val="1136481069"/>
+                  </a:ext>
+                </a:extLst>
+              </a:tr>
+            </a:tbl>
+          </a:graphicData>
+        </a:graphic>
+      </p:graphicFrame>
+      <p:graphicFrame>
+        <p:nvGraphicFramePr>
+          <p:cNvPr id="111" name="表格 110"/>
+          <p:cNvGraphicFramePr>
+            <a:graphicFrameLocks noGrp="1"/>
+          </p:cNvGraphicFramePr>
+          <p:nvPr>
+            <p:extLst>
+              <p:ext uri="{D42A27DB-BD31-4B8C-83A1-F6EECF244321}">
+                <p14:modId xmlns:p14="http://schemas.microsoft.com/office/powerpoint/2010/main" val="1863973317"/>
+              </p:ext>
+            </p:extLst>
+          </p:nvPr>
+        </p:nvGraphicFramePr>
+        <p:xfrm>
+          <a:off x="9848067" y="4667691"/>
+          <a:ext cx="1295991" cy="370840"/>
+        </p:xfrm>
+        <a:graphic>
+          <a:graphicData uri="http://schemas.openxmlformats.org/drawingml/2006/table">
+            <a:tbl>
+              <a:tblPr firstRow="1" bandRow="1">
+                <a:tableStyleId>{5C22544A-7EE6-4342-B048-85BDC9FD1C3A}</a:tableStyleId>
+              </a:tblPr>
+              <a:tblGrid>
+                <a:gridCol w="431997">
+                  <a:extLst>
+                    <a:ext uri="{9D8B030D-6E8A-4147-A177-3AD203B41FA5}">
+                      <a16:colId xmlns:a16="http://schemas.microsoft.com/office/drawing/2014/main" val="1645589849"/>
+                    </a:ext>
+                  </a:extLst>
+                </a:gridCol>
+                <a:gridCol w="431997">
+                  <a:extLst>
+                    <a:ext uri="{9D8B030D-6E8A-4147-A177-3AD203B41FA5}">
+                      <a16:colId xmlns:a16="http://schemas.microsoft.com/office/drawing/2014/main" val="3987330782"/>
+                    </a:ext>
+                  </a:extLst>
+                </a:gridCol>
+                <a:gridCol w="431997">
+                  <a:extLst>
+                    <a:ext uri="{9D8B030D-6E8A-4147-A177-3AD203B41FA5}">
+                      <a16:colId xmlns:a16="http://schemas.microsoft.com/office/drawing/2014/main" val="1232745375"/>
+                    </a:ext>
+                  </a:extLst>
+                </a:gridCol>
+              </a:tblGrid>
+              <a:tr h="370840">
+                <a:tc>
+                  <a:txBody>
+                    <a:bodyPr/>
+                    <a:lstStyle/>
+                    <a:p>
+                      <a:endParaRPr lang="zh-CN" altLang="en-US" dirty="0"/>
+                    </a:p>
+                  </a:txBody>
+                  <a:tcPr>
+                    <a:lnL w="12700" cap="flat" cmpd="sng" algn="ctr">
+                      <a:noFill/>
+                      <a:prstDash val="solid"/>
+                      <a:round/>
+                      <a:headEnd type="none" w="med" len="med"/>
+                      <a:tailEnd type="none" w="med" len="med"/>
+                    </a:lnL>
+                    <a:lnR w="12700" cap="flat" cmpd="sng" algn="ctr">
+                      <a:solidFill>
+                        <a:schemeClr val="tx1"/>
+                      </a:solidFill>
+                      <a:prstDash val="solid"/>
+                      <a:round/>
+                      <a:headEnd type="none" w="med" len="med"/>
+                      <a:tailEnd type="none" w="med" len="med"/>
+                    </a:lnR>
+                    <a:lnT w="12700" cap="flat" cmpd="sng" algn="ctr">
+                      <a:solidFill>
+                        <a:schemeClr val="tx1"/>
+                      </a:solidFill>
+                      <a:prstDash val="solid"/>
+                      <a:round/>
+                      <a:headEnd type="none" w="med" len="med"/>
+                      <a:tailEnd type="none" w="med" len="med"/>
+                    </a:lnT>
+                    <a:lnB w="12700" cap="flat" cmpd="sng" algn="ctr">
+                      <a:solidFill>
+                        <a:schemeClr val="tx1"/>
+                      </a:solidFill>
+                      <a:prstDash val="solid"/>
+                      <a:round/>
+                      <a:headEnd type="none" w="med" len="med"/>
+                      <a:tailEnd type="none" w="med" len="med"/>
+                    </a:lnB>
+                    <a:solidFill>
+                      <a:schemeClr val="bg1"/>
+                    </a:solidFill>
+                  </a:tcPr>
+                </a:tc>
+                <a:tc>
+                  <a:txBody>
+                    <a:bodyPr/>
+                    <a:lstStyle/>
+                    <a:p>
+                      <a:pPr algn="ctr"/>
+                      <a:endParaRPr lang="zh-CN" altLang="en-US" dirty="0">
+                        <a:solidFill>
+                          <a:schemeClr val="tx1"/>
+                        </a:solidFill>
+                      </a:endParaRPr>
+                    </a:p>
+                  </a:txBody>
+                  <a:tcPr>
+                    <a:lnL w="12700" cap="flat" cmpd="sng" algn="ctr">
+                      <a:solidFill>
+                        <a:schemeClr val="tx1"/>
+                      </a:solidFill>
+                      <a:prstDash val="solid"/>
+                      <a:round/>
+                      <a:headEnd type="none" w="med" len="med"/>
+                      <a:tailEnd type="none" w="med" len="med"/>
+                    </a:lnL>
+                    <a:lnR w="12700" cap="flat" cmpd="sng" algn="ctr">
+                      <a:solidFill>
+                        <a:schemeClr val="tx1"/>
+                      </a:solidFill>
+                      <a:prstDash val="solid"/>
+                      <a:round/>
+                      <a:headEnd type="none" w="med" len="med"/>
+                      <a:tailEnd type="none" w="med" len="med"/>
+                    </a:lnR>
+                    <a:lnT w="12700" cap="flat" cmpd="sng" algn="ctr">
+                      <a:solidFill>
+                        <a:schemeClr val="tx1"/>
+                      </a:solidFill>
+                      <a:prstDash val="solid"/>
+                      <a:round/>
+                      <a:headEnd type="none" w="med" len="med"/>
+                      <a:tailEnd type="none" w="med" len="med"/>
+                    </a:lnT>
+                    <a:lnB w="12700" cap="flat" cmpd="sng" algn="ctr">
+                      <a:solidFill>
+                        <a:schemeClr val="tx1"/>
+                      </a:solidFill>
+                      <a:prstDash val="solid"/>
+                      <a:round/>
+                      <a:headEnd type="none" w="med" len="med"/>
+                      <a:tailEnd type="none" w="med" len="med"/>
+                    </a:lnB>
+                    <a:solidFill>
+                      <a:schemeClr val="bg1"/>
+                    </a:solidFill>
+                  </a:tcPr>
+                </a:tc>
+                <a:tc>
+                  <a:txBody>
+                    <a:bodyPr/>
+                    <a:lstStyle/>
+                    <a:p>
+                      <a:endParaRPr lang="zh-CN" altLang="en-US" dirty="0"/>
+                    </a:p>
+                  </a:txBody>
+                  <a:tcPr>
+                    <a:lnL w="12700" cap="flat" cmpd="sng" algn="ctr">
+                      <a:solidFill>
+                        <a:schemeClr val="tx1"/>
+                      </a:solidFill>
+                      <a:prstDash val="solid"/>
+                      <a:round/>
+                      <a:headEnd type="none" w="med" len="med"/>
+                      <a:tailEnd type="none" w="med" len="med"/>
+                    </a:lnL>
+                    <a:lnR w="12700" cap="flat" cmpd="sng" algn="ctr">
+                      <a:noFill/>
+                      <a:prstDash val="solid"/>
+                      <a:round/>
+                      <a:headEnd type="none" w="med" len="med"/>
+                      <a:tailEnd type="none" w="med" len="med"/>
+                    </a:lnR>
+                    <a:lnT w="12700" cap="flat" cmpd="sng" algn="ctr">
+                      <a:solidFill>
+                        <a:schemeClr val="tx1"/>
+                      </a:solidFill>
+                      <a:prstDash val="solid"/>
+                      <a:round/>
+                      <a:headEnd type="none" w="med" len="med"/>
+                      <a:tailEnd type="none" w="med" len="med"/>
+                    </a:lnT>
+                    <a:lnB w="12700" cap="flat" cmpd="sng" algn="ctr">
+                      <a:solidFill>
+                        <a:schemeClr val="tx1"/>
+                      </a:solidFill>
+                      <a:prstDash val="solid"/>
+                      <a:round/>
+                      <a:headEnd type="none" w="med" len="med"/>
+                      <a:tailEnd type="none" w="med" len="med"/>
+                    </a:lnB>
+                    <a:solidFill>
+                      <a:schemeClr val="bg1"/>
+                    </a:solidFill>
+                  </a:tcPr>
+                </a:tc>
+                <a:extLst>
+                  <a:ext uri="{0D108BD9-81ED-4DB2-BD59-A6C34878D82A}">
+                    <a16:rowId xmlns:a16="http://schemas.microsoft.com/office/drawing/2014/main" val="1136481069"/>
+                  </a:ext>
+                </a:extLst>
+              </a:tr>
+            </a:tbl>
+          </a:graphicData>
+        </a:graphic>
+      </p:graphicFrame>
+      <p:graphicFrame>
+        <p:nvGraphicFramePr>
+          <p:cNvPr id="112" name="表格 111"/>
+          <p:cNvGraphicFramePr>
+            <a:graphicFrameLocks noGrp="1"/>
+          </p:cNvGraphicFramePr>
+          <p:nvPr>
+            <p:extLst>
+              <p:ext uri="{D42A27DB-BD31-4B8C-83A1-F6EECF244321}">
+                <p14:modId xmlns:p14="http://schemas.microsoft.com/office/powerpoint/2010/main" val="1750055568"/>
+              </p:ext>
+            </p:extLst>
+          </p:nvPr>
+        </p:nvGraphicFramePr>
+        <p:xfrm>
+          <a:off x="9848067" y="5422124"/>
+          <a:ext cx="1295991" cy="370840"/>
+        </p:xfrm>
+        <a:graphic>
+          <a:graphicData uri="http://schemas.openxmlformats.org/drawingml/2006/table">
+            <a:tbl>
+              <a:tblPr firstRow="1" bandRow="1">
+                <a:tableStyleId>{5C22544A-7EE6-4342-B048-85BDC9FD1C3A}</a:tableStyleId>
+              </a:tblPr>
+              <a:tblGrid>
+                <a:gridCol w="431997">
+                  <a:extLst>
+                    <a:ext uri="{9D8B030D-6E8A-4147-A177-3AD203B41FA5}">
+                      <a16:colId xmlns:a16="http://schemas.microsoft.com/office/drawing/2014/main" val="1645589849"/>
+                    </a:ext>
+                  </a:extLst>
+                </a:gridCol>
+                <a:gridCol w="431997">
+                  <a:extLst>
+                    <a:ext uri="{9D8B030D-6E8A-4147-A177-3AD203B41FA5}">
+                      <a16:colId xmlns:a16="http://schemas.microsoft.com/office/drawing/2014/main" val="3987330782"/>
+                    </a:ext>
+                  </a:extLst>
+                </a:gridCol>
+                <a:gridCol w="431997">
+                  <a:extLst>
+                    <a:ext uri="{9D8B030D-6E8A-4147-A177-3AD203B41FA5}">
+                      <a16:colId xmlns:a16="http://schemas.microsoft.com/office/drawing/2014/main" val="1232745375"/>
+                    </a:ext>
+                  </a:extLst>
+                </a:gridCol>
+              </a:tblGrid>
+              <a:tr h="370840">
+                <a:tc>
+                  <a:txBody>
+                    <a:bodyPr/>
+                    <a:lstStyle/>
+                    <a:p>
+                      <a:endParaRPr lang="zh-CN" altLang="en-US" dirty="0"/>
+                    </a:p>
+                  </a:txBody>
+                  <a:tcPr>
+                    <a:lnL w="12700" cap="flat" cmpd="sng" algn="ctr">
+                      <a:noFill/>
+                      <a:prstDash val="solid"/>
+                      <a:round/>
+                      <a:headEnd type="none" w="med" len="med"/>
+                      <a:tailEnd type="none" w="med" len="med"/>
+                    </a:lnL>
+                    <a:lnR w="12700" cap="flat" cmpd="sng" algn="ctr">
+                      <a:solidFill>
+                        <a:schemeClr val="tx1"/>
+                      </a:solidFill>
+                      <a:prstDash val="solid"/>
+                      <a:round/>
+                      <a:headEnd type="none" w="med" len="med"/>
+                      <a:tailEnd type="none" w="med" len="med"/>
+                    </a:lnR>
+                    <a:lnT w="12700" cap="flat" cmpd="sng" algn="ctr">
+                      <a:solidFill>
+                        <a:schemeClr val="tx1"/>
+                      </a:solidFill>
+                      <a:prstDash val="solid"/>
+                      <a:round/>
+                      <a:headEnd type="none" w="med" len="med"/>
+                      <a:tailEnd type="none" w="med" len="med"/>
+                    </a:lnT>
+                    <a:lnB w="12700" cap="flat" cmpd="sng" algn="ctr">
+                      <a:solidFill>
+                        <a:schemeClr val="tx1"/>
+                      </a:solidFill>
+                      <a:prstDash val="solid"/>
+                      <a:round/>
+                      <a:headEnd type="none" w="med" len="med"/>
+                      <a:tailEnd type="none" w="med" len="med"/>
+                    </a:lnB>
+                    <a:solidFill>
+                      <a:schemeClr val="bg1"/>
+                    </a:solidFill>
+                  </a:tcPr>
+                </a:tc>
+                <a:tc>
+                  <a:txBody>
+                    <a:bodyPr/>
+                    <a:lstStyle/>
+                    <a:p>
+                      <a:pPr algn="ctr"/>
+                      <a:endParaRPr lang="zh-CN" altLang="en-US" dirty="0">
+                        <a:solidFill>
+                          <a:schemeClr val="tx1"/>
+                        </a:solidFill>
+                      </a:endParaRPr>
+                    </a:p>
+                  </a:txBody>
+                  <a:tcPr>
+                    <a:lnL w="12700" cap="flat" cmpd="sng" algn="ctr">
+                      <a:solidFill>
+                        <a:schemeClr val="tx1"/>
+                      </a:solidFill>
+                      <a:prstDash val="solid"/>
+                      <a:round/>
+                      <a:headEnd type="none" w="med" len="med"/>
+                      <a:tailEnd type="none" w="med" len="med"/>
+                    </a:lnL>
+                    <a:lnR w="12700" cap="flat" cmpd="sng" algn="ctr">
+                      <a:solidFill>
+                        <a:schemeClr val="tx1"/>
+                      </a:solidFill>
+                      <a:prstDash val="solid"/>
+                      <a:round/>
+                      <a:headEnd type="none" w="med" len="med"/>
+                      <a:tailEnd type="none" w="med" len="med"/>
+                    </a:lnR>
+                    <a:lnT w="12700" cap="flat" cmpd="sng" algn="ctr">
+                      <a:solidFill>
+                        <a:schemeClr val="tx1"/>
+                      </a:solidFill>
+                      <a:prstDash val="solid"/>
+                      <a:round/>
+                      <a:headEnd type="none" w="med" len="med"/>
+                      <a:tailEnd type="none" w="med" len="med"/>
+                    </a:lnT>
+                    <a:lnB w="12700" cap="flat" cmpd="sng" algn="ctr">
+                      <a:solidFill>
+                        <a:schemeClr val="tx1"/>
+                      </a:solidFill>
+                      <a:prstDash val="solid"/>
+                      <a:round/>
+                      <a:headEnd type="none" w="med" len="med"/>
+                      <a:tailEnd type="none" w="med" len="med"/>
+                    </a:lnB>
+                    <a:solidFill>
+                      <a:schemeClr val="bg1"/>
+                    </a:solidFill>
+                  </a:tcPr>
+                </a:tc>
+                <a:tc>
+                  <a:txBody>
+                    <a:bodyPr/>
+                    <a:lstStyle/>
+                    <a:p>
+                      <a:endParaRPr lang="zh-CN" altLang="en-US" dirty="0"/>
+                    </a:p>
+                  </a:txBody>
+                  <a:tcPr>
+                    <a:lnL w="12700" cap="flat" cmpd="sng" algn="ctr">
+                      <a:solidFill>
+                        <a:schemeClr val="tx1"/>
+                      </a:solidFill>
+                      <a:prstDash val="solid"/>
+                      <a:round/>
+                      <a:headEnd type="none" w="med" len="med"/>
+                      <a:tailEnd type="none" w="med" len="med"/>
+                    </a:lnL>
+                    <a:lnR w="12700" cap="flat" cmpd="sng" algn="ctr">
+                      <a:noFill/>
+                      <a:prstDash val="solid"/>
+                      <a:round/>
+                      <a:headEnd type="none" w="med" len="med"/>
+                      <a:tailEnd type="none" w="med" len="med"/>
+                    </a:lnR>
+                    <a:lnT w="12700" cap="flat" cmpd="sng" algn="ctr">
+                      <a:solidFill>
+                        <a:schemeClr val="tx1"/>
+                      </a:solidFill>
+                      <a:prstDash val="solid"/>
+                      <a:round/>
+                      <a:headEnd type="none" w="med" len="med"/>
+                      <a:tailEnd type="none" w="med" len="med"/>
+                    </a:lnT>
+                    <a:lnB w="12700" cap="flat" cmpd="sng" algn="ctr">
+                      <a:solidFill>
+                        <a:schemeClr val="tx1"/>
+                      </a:solidFill>
+                      <a:prstDash val="solid"/>
+                      <a:round/>
+                      <a:headEnd type="none" w="med" len="med"/>
+                      <a:tailEnd type="none" w="med" len="med"/>
+                    </a:lnB>
+                    <a:solidFill>
+                      <a:schemeClr val="bg1"/>
+                    </a:solidFill>
+                  </a:tcPr>
+                </a:tc>
+                <a:extLst>
+                  <a:ext uri="{0D108BD9-81ED-4DB2-BD59-A6C34878D82A}">
+                    <a16:rowId xmlns:a16="http://schemas.microsoft.com/office/drawing/2014/main" val="1136481069"/>
+                  </a:ext>
+                </a:extLst>
+              </a:tr>
+            </a:tbl>
+          </a:graphicData>
+        </a:graphic>
+      </p:graphicFrame>
+      <p:sp>
+        <p:nvSpPr>
+          <p:cNvPr id="114" name="文本框 113"/>
+          <p:cNvSpPr txBox="1"/>
+          <p:nvPr/>
+        </p:nvSpPr>
+        <p:spPr>
+          <a:xfrm>
+            <a:off x="9877142" y="5914947"/>
+            <a:ext cx="1237839" cy="523220"/>
+          </a:xfrm>
+          <a:prstGeom prst="rect">
+            <a:avLst/>
+          </a:prstGeom>
+          <a:noFill/>
+        </p:spPr>
+        <p:txBody>
+          <a:bodyPr wrap="none" rtlCol="0">
+            <a:spAutoFit/>
+          </a:bodyPr>
+          <a:lstStyle/>
+          <a:p>
+            <a:pPr algn="ctr"/>
+            <a:r>
+              <a:rPr lang="en-US" altLang="zh-CN" sz="1400" dirty="0"/>
+              <a:t>F</a:t>
+            </a:r>
+            <a:r>
+              <a:rPr lang="zh-CN" altLang="en-US" sz="1400" dirty="0"/>
+              <a:t>不在</a:t>
+            </a:r>
+            <a:r>
+              <a:rPr lang="en-US" altLang="zh-CN" sz="1400" dirty="0"/>
+              <a:t>F-List</a:t>
+            </a:r>
+            <a:r>
+              <a:rPr lang="zh-CN" altLang="en-US" sz="1400" dirty="0"/>
+              <a:t>中</a:t>
+            </a:r>
+            <a:endParaRPr lang="en-US" altLang="zh-CN" sz="1400" dirty="0"/>
+          </a:p>
+          <a:p>
+            <a:pPr algn="ctr"/>
+            <a:r>
+              <a:rPr lang="en-US" altLang="zh-CN" sz="1400" dirty="0"/>
+              <a:t>F</a:t>
+            </a:r>
+            <a:r>
+              <a:rPr lang="zh-CN" altLang="en-US" sz="1400" dirty="0"/>
+              <a:t>被回收</a:t>
+            </a:r>
           </a:p>
         </p:txBody>
       </p:sp>
     </p:spTree>
     <p:extLst>
       <p:ext uri="{BB962C8B-B14F-4D97-AF65-F5344CB8AC3E}">
-        <p14:creationId xmlns:p14="http://schemas.microsoft.com/office/powerpoint/2010/main" val="1948017904"/>
+        <p14:creationId xmlns:p14="http://schemas.microsoft.com/office/powerpoint/2010/main" val="518062688"/>
       </p:ext>
     </p:extLst>
   </p:cSld>
@@ -10481,7 +13572,7 @@
           <a:p>
             <a:r>
               <a:rPr lang="zh-CN" altLang="en-US" dirty="0"/>
-              <a:t>最佳实践</a:t>
+              <a:t>实践优化</a:t>
             </a:r>
             <a:r>
               <a:rPr lang="en-US" altLang="zh-CN" dirty="0"/>
@@ -10506,14 +13597,16 @@
         </p:nvSpPr>
         <p:spPr/>
         <p:txBody>
-          <a:bodyPr>
-            <a:normAutofit/>
-          </a:bodyPr>
+          <a:bodyPr/>
           <a:lstStyle/>
           <a:p>
             <a:r>
-              <a:rPr lang="zh-CN" altLang="en-US" dirty="0"/>
-              <a:t>枚举类型不宜作为键使用</a:t>
+              <a:rPr lang="zh-CN" altLang="en-US" b="1" dirty="0"/>
+              <a:t>应当</a:t>
+            </a:r>
+            <a:r>
+              <a:rPr lang="zh-CN" altLang="en-US" dirty="0"/>
+              <a:t>使用框架提供的委托，而非为每个需求自订委托</a:t>
             </a:r>
             <a:endParaRPr lang="en-US" altLang="zh-CN" dirty="0"/>
           </a:p>
@@ -10522,35 +13615,16 @@
               <a:buNone/>
             </a:pPr>
             <a:r>
-              <a:rPr lang="zh-CN" altLang="en-US" sz="1800" dirty="0">
-                <a:latin typeface="微软雅黑 Light" panose="020B0502040204020203" pitchFamily="34" charset="-122"/>
-                <a:ea typeface="微软雅黑 Light" panose="020B0502040204020203" pitchFamily="34" charset="-122"/>
-              </a:rPr>
-              <a:t>枚举是值类型，而且你无法重写它的</a:t>
-            </a:r>
-            <a:r>
-              <a:rPr lang="en-US" altLang="zh-CN" sz="1800" dirty="0" err="1">
-                <a:latin typeface="微软雅黑 Light" panose="020B0502040204020203" pitchFamily="34" charset="-122"/>
-                <a:ea typeface="微软雅黑 Light" panose="020B0502040204020203" pitchFamily="34" charset="-122"/>
-              </a:rPr>
-              <a:t>GetHashCode</a:t>
-            </a:r>
-            <a:r>
-              <a:rPr lang="zh-CN" altLang="en-US" sz="1800" dirty="0">
-                <a:latin typeface="微软雅黑 Light" panose="020B0502040204020203" pitchFamily="34" charset="-122"/>
-                <a:ea typeface="微软雅黑 Light" panose="020B0502040204020203" pitchFamily="34" charset="-122"/>
-              </a:rPr>
-              <a:t>方法</a:t>
-            </a:r>
-            <a:endParaRPr lang="en-US" altLang="zh-CN" sz="1800" dirty="0">
-              <a:latin typeface="微软雅黑 Light" panose="020B0502040204020203" pitchFamily="34" charset="-122"/>
-              <a:ea typeface="微软雅黑 Light" panose="020B0502040204020203" pitchFamily="34" charset="-122"/>
-            </a:endParaRPr>
-          </a:p>
-          <a:p>
-            <a:r>
-              <a:rPr lang="zh-CN" altLang="en-US" dirty="0"/>
-              <a:t>谨慎传递结构体</a:t>
+              <a:rPr lang="zh-CN" altLang="en-US" dirty="0"/>
+              <a:t>框架提供了</a:t>
+            </a:r>
+            <a:r>
+              <a:rPr lang="en-US" altLang="zh-CN" dirty="0"/>
+              <a:t>32</a:t>
+            </a:r>
+            <a:r>
+              <a:rPr lang="zh-CN" altLang="en-US" dirty="0"/>
+              <a:t>个可用的泛型委托：</a:t>
             </a:r>
             <a:endParaRPr lang="en-US" altLang="zh-CN" dirty="0"/>
           </a:p>
@@ -10559,82 +13633,67 @@
               <a:buNone/>
             </a:pPr>
             <a:r>
-              <a:rPr lang="zh-CN" altLang="en-US" sz="1800" dirty="0">
-                <a:latin typeface="微软雅黑 Light" panose="020B0502040204020203" pitchFamily="34" charset="-122"/>
-                <a:ea typeface="微软雅黑 Light" panose="020B0502040204020203" pitchFamily="34" charset="-122"/>
-              </a:rPr>
-              <a:t>别忘了结构体是值类型哦。使用</a:t>
-            </a:r>
-            <a:r>
-              <a:rPr lang="en-US" altLang="zh-CN" sz="1800" dirty="0">
-                <a:latin typeface="微软雅黑 Light" panose="020B0502040204020203" pitchFamily="34" charset="-122"/>
-                <a:ea typeface="微软雅黑 Light" panose="020B0502040204020203" pitchFamily="34" charset="-122"/>
-              </a:rPr>
-              <a:t>ref</a:t>
-            </a:r>
-            <a:r>
-              <a:rPr lang="zh-CN" altLang="en-US" sz="1800" dirty="0">
-                <a:latin typeface="微软雅黑 Light" panose="020B0502040204020203" pitchFamily="34" charset="-122"/>
-                <a:ea typeface="微软雅黑 Light" panose="020B0502040204020203" pitchFamily="34" charset="-122"/>
-              </a:rPr>
-              <a:t>传递作为参数的结构体</a:t>
-            </a:r>
-            <a:endParaRPr lang="en-US" altLang="zh-CN" sz="1800" dirty="0">
-              <a:latin typeface="微软雅黑 Light" panose="020B0502040204020203" pitchFamily="34" charset="-122"/>
-              <a:ea typeface="微软雅黑 Light" panose="020B0502040204020203" pitchFamily="34" charset="-122"/>
-            </a:endParaRPr>
-          </a:p>
-          <a:p>
-            <a:r>
-              <a:rPr lang="zh-CN" altLang="en-US" dirty="0"/>
-              <a:t>使用枚举而非常量</a:t>
-            </a:r>
-            <a:endParaRPr lang="en-US" altLang="zh-CN" dirty="0"/>
+              <a:rPr lang="en-US" altLang="zh-CN" dirty="0"/>
+              <a:t>Action(T), Action(T1, T2), … , Action(T1, T2, …, T16)</a:t>
+            </a:r>
           </a:p>
           <a:p>
             <a:pPr marL="457200" lvl="1" indent="0">
               <a:buNone/>
             </a:pPr>
             <a:r>
-              <a:rPr lang="zh-CN" altLang="en-US" sz="1800" dirty="0">
-                <a:latin typeface="微软雅黑 Light" panose="020B0502040204020203" pitchFamily="34" charset="-122"/>
-                <a:ea typeface="微软雅黑 Light" panose="020B0502040204020203" pitchFamily="34" charset="-122"/>
-              </a:rPr>
-              <a:t>枚举明确地指出了其内容的约束，且拥有更完备的工具支持</a:t>
-            </a:r>
-            <a:endParaRPr lang="en-US" altLang="zh-CN" sz="1800" dirty="0">
-              <a:latin typeface="微软雅黑 Light" panose="020B0502040204020203" pitchFamily="34" charset="-122"/>
-              <a:ea typeface="微软雅黑 Light" panose="020B0502040204020203" pitchFamily="34" charset="-122"/>
-            </a:endParaRPr>
-          </a:p>
-          <a:p>
-            <a:r>
-              <a:rPr lang="zh-CN" altLang="en-US" dirty="0"/>
-              <a:t>慎重对待闭包</a:t>
-            </a:r>
-            <a:endParaRPr lang="en-US" altLang="zh-CN" dirty="0"/>
+              <a:rPr lang="en-US" altLang="zh-CN" dirty="0" err="1"/>
+              <a:t>Func</a:t>
+            </a:r>
+            <a:r>
+              <a:rPr lang="en-US" altLang="zh-CN" dirty="0"/>
+              <a:t>(T, </a:t>
+            </a:r>
+            <a:r>
+              <a:rPr lang="en-US" altLang="zh-CN" dirty="0" err="1"/>
+              <a:t>TResult</a:t>
+            </a:r>
+            <a:r>
+              <a:rPr lang="en-US" altLang="zh-CN" dirty="0"/>
+              <a:t>), </a:t>
+            </a:r>
+            <a:r>
+              <a:rPr lang="en-US" altLang="zh-CN" dirty="0" err="1"/>
+              <a:t>Func</a:t>
+            </a:r>
+            <a:r>
+              <a:rPr lang="en-US" altLang="zh-CN" dirty="0"/>
+              <a:t>(T1, T2 , </a:t>
+            </a:r>
+            <a:r>
+              <a:rPr lang="en-US" altLang="zh-CN" dirty="0" err="1"/>
+              <a:t>TResult</a:t>
+            </a:r>
+            <a:r>
+              <a:rPr lang="en-US" altLang="zh-CN" dirty="0"/>
+              <a:t>), … , </a:t>
+            </a:r>
+            <a:r>
+              <a:rPr lang="en-US" altLang="zh-CN" dirty="0" err="1"/>
+              <a:t>Func</a:t>
+            </a:r>
+            <a:r>
+              <a:rPr lang="en-US" altLang="zh-CN" dirty="0"/>
+              <a:t>(T1, T2, …, T16 , </a:t>
+            </a:r>
+            <a:r>
+              <a:rPr lang="en-US" altLang="zh-CN" dirty="0" err="1"/>
+              <a:t>TResult</a:t>
+            </a:r>
+            <a:r>
+              <a:rPr lang="en-US" altLang="zh-CN" dirty="0"/>
+              <a:t>)</a:t>
+            </a:r>
           </a:p>
           <a:p>
             <a:pPr marL="457200" lvl="1" indent="0">
               <a:buNone/>
             </a:pPr>
-            <a:r>
-              <a:rPr lang="zh-CN" altLang="en-US" sz="1800" dirty="0">
-                <a:latin typeface="微软雅黑 Light" panose="020B0502040204020203" pitchFamily="34" charset="-122"/>
-                <a:ea typeface="微软雅黑 Light" panose="020B0502040204020203" pitchFamily="34" charset="-122"/>
-              </a:rPr>
-              <a:t>状态的延续站在内存的肩膀上</a:t>
-            </a:r>
-            <a:endParaRPr lang="en-US" altLang="zh-CN" sz="1800" dirty="0">
-              <a:latin typeface="微软雅黑 Light" panose="020B0502040204020203" pitchFamily="34" charset="-122"/>
-              <a:ea typeface="微软雅黑 Light" panose="020B0502040204020203" pitchFamily="34" charset="-122"/>
-            </a:endParaRPr>
-          </a:p>
-          <a:p>
-            <a:r>
-              <a:rPr lang="zh-CN" altLang="en-US" dirty="0"/>
-              <a:t>编译重复使用的正则表达式</a:t>
-            </a:r>
             <a:endParaRPr lang="en-US" altLang="zh-CN" dirty="0"/>
           </a:p>
           <a:p>
@@ -10642,32 +13701,46 @@
               <a:buNone/>
             </a:pPr>
             <a:r>
-              <a:rPr lang="zh-CN" altLang="en-US" sz="1800" dirty="0">
-                <a:latin typeface="微软雅黑 Light" panose="020B0502040204020203" pitchFamily="34" charset="-122"/>
-                <a:ea typeface="微软雅黑 Light" panose="020B0502040204020203" pitchFamily="34" charset="-122"/>
-              </a:rPr>
-              <a:t>将字符串编译为自动机往往要比匹配消耗更多时间</a:t>
-            </a:r>
-            <a:endParaRPr lang="en-US" altLang="zh-CN" sz="1800" dirty="0">
-              <a:latin typeface="微软雅黑 Light" panose="020B0502040204020203" pitchFamily="34" charset="-122"/>
-              <a:ea typeface="微软雅黑 Light" panose="020B0502040204020203" pitchFamily="34" charset="-122"/>
-            </a:endParaRPr>
+              <a:rPr lang="zh-CN" altLang="en-US" dirty="0"/>
+              <a:t>总是使用自定义的委托存在如下问题：</a:t>
+            </a:r>
+            <a:endParaRPr lang="en-US" altLang="zh-CN" dirty="0"/>
+          </a:p>
+          <a:p>
+            <a:pPr lvl="1"/>
+            <a:r>
+              <a:rPr lang="zh-CN" altLang="en-US" dirty="0"/>
+              <a:t>会很快出现大量定义相同的不同委托类型出现</a:t>
+            </a:r>
+            <a:endParaRPr lang="en-US" altLang="zh-CN" dirty="0"/>
+          </a:p>
+          <a:p>
+            <a:pPr lvl="1"/>
+            <a:r>
+              <a:rPr lang="zh-CN" altLang="en-US" dirty="0"/>
+              <a:t>即便委托定义相同，类型不兼容。使用委托的地方可能不得不为相同定义的不同委托进行定制</a:t>
+            </a:r>
+            <a:endParaRPr lang="en-US" altLang="zh-CN" dirty="0"/>
+          </a:p>
+          <a:p>
+            <a:pPr lvl="1"/>
+            <a:r>
+              <a:rPr lang="zh-CN" altLang="en-US" dirty="0"/>
+              <a:t>无谓浪费元数据空间</a:t>
+            </a:r>
           </a:p>
           <a:p>
             <a:pPr marL="457200" lvl="1" indent="0">
               <a:buNone/>
             </a:pPr>
-            <a:endParaRPr lang="zh-CN" altLang="en-US" sz="1800" dirty="0">
-              <a:latin typeface="微软雅黑 Light" panose="020B0502040204020203" pitchFamily="34" charset="-122"/>
-              <a:ea typeface="微软雅黑 Light" panose="020B0502040204020203" pitchFamily="34" charset="-122"/>
-            </a:endParaRPr>
+            <a:endParaRPr lang="zh-CN" altLang="en-US" dirty="0"/>
           </a:p>
         </p:txBody>
       </p:sp>
     </p:spTree>
     <p:extLst>
       <p:ext uri="{BB962C8B-B14F-4D97-AF65-F5344CB8AC3E}">
-        <p14:creationId xmlns:p14="http://schemas.microsoft.com/office/powerpoint/2010/main" val="4131926382"/>
+        <p14:creationId xmlns:p14="http://schemas.microsoft.com/office/powerpoint/2010/main" val="4292212334"/>
       </p:ext>
     </p:extLst>
   </p:cSld>
@@ -10711,7 +13784,15 @@
           <a:p>
             <a:r>
               <a:rPr lang="zh-CN" altLang="en-US" dirty="0"/>
-              <a:t>书籍</a:t>
+              <a:t>实践优化</a:t>
+            </a:r>
+            <a:r>
+              <a:rPr lang="en-US" altLang="zh-CN" dirty="0"/>
+              <a:t>/</a:t>
+            </a:r>
+            <a:r>
+              <a:rPr lang="zh-CN" altLang="en-US" dirty="0"/>
+              <a:t>其他</a:t>
             </a:r>
           </a:p>
         </p:txBody>
@@ -10728,8 +13809,216 @@
         </p:nvSpPr>
         <p:spPr/>
         <p:txBody>
+          <a:bodyPr/>
+          <a:lstStyle/>
+          <a:p>
+            <a:r>
+              <a:rPr lang="zh-CN" altLang="en-US" b="1" dirty="0"/>
+              <a:t>不要</a:t>
+            </a:r>
+            <a:r>
+              <a:rPr lang="zh-CN" altLang="en-US" dirty="0"/>
+              <a:t>在基类的构造函数中调用虚方法</a:t>
+            </a:r>
+            <a:endParaRPr lang="en-US" altLang="zh-CN" dirty="0"/>
+          </a:p>
+          <a:p>
+            <a:pPr marL="457200" lvl="1" indent="0">
+              <a:buNone/>
+            </a:pPr>
+            <a:r>
+              <a:rPr lang="zh-CN" altLang="en-US" dirty="0"/>
+              <a:t>派生类重写的方法可能依赖于在派生类的构造函数，而实例化派生类时，基类的构造函数</a:t>
+            </a:r>
+            <a:r>
+              <a:rPr lang="zh-CN" altLang="en-US" b="1" dirty="0"/>
+              <a:t>一定</a:t>
+            </a:r>
+            <a:r>
+              <a:rPr lang="zh-CN" altLang="en-US" dirty="0"/>
+              <a:t>早于派生类的构造函数调用。</a:t>
+            </a:r>
+            <a:endParaRPr lang="en-US" altLang="zh-CN" dirty="0"/>
+          </a:p>
+          <a:p>
+            <a:pPr marL="457200" lvl="1" indent="0">
+              <a:buNone/>
+            </a:pPr>
+            <a:endParaRPr lang="en-US" altLang="zh-CN" dirty="0"/>
+          </a:p>
+          <a:p>
+            <a:pPr marL="457200" lvl="1" indent="0">
+              <a:buNone/>
+            </a:pPr>
+            <a:endParaRPr lang="en-US" altLang="zh-CN" dirty="0"/>
+          </a:p>
+          <a:p>
+            <a:pPr marL="457200" lvl="1" indent="0">
+              <a:buNone/>
+            </a:pPr>
+            <a:endParaRPr lang="en-US" altLang="zh-CN" dirty="0"/>
+          </a:p>
+          <a:p>
+            <a:pPr marL="457200" lvl="1" indent="0">
+              <a:buNone/>
+            </a:pPr>
+            <a:endParaRPr lang="en-US" altLang="zh-CN" dirty="0"/>
+          </a:p>
+          <a:p>
+            <a:pPr marL="457200" lvl="1" indent="0">
+              <a:buNone/>
+            </a:pPr>
+            <a:endParaRPr lang="en-US" altLang="zh-CN" dirty="0"/>
+          </a:p>
+          <a:p>
+            <a:pPr marL="457200" lvl="1" indent="0">
+              <a:buNone/>
+            </a:pPr>
+            <a:endParaRPr lang="en-US" altLang="zh-CN" dirty="0"/>
+          </a:p>
+          <a:p>
+            <a:pPr marL="457200" lvl="1" indent="0">
+              <a:buNone/>
+            </a:pPr>
+            <a:endParaRPr lang="en-US" altLang="zh-CN" dirty="0"/>
+          </a:p>
+          <a:p>
+            <a:pPr marL="457200" lvl="1" indent="0">
+              <a:buNone/>
+            </a:pPr>
+            <a:r>
+              <a:rPr lang="en-US" altLang="zh-CN" dirty="0" err="1"/>
+              <a:t>ReSharper</a:t>
+            </a:r>
+            <a:r>
+              <a:rPr lang="zh-CN" altLang="en-US" dirty="0"/>
+              <a:t>会对这种情况做出提醒，而</a:t>
+            </a:r>
+            <a:r>
+              <a:rPr lang="en-US" altLang="zh-CN" dirty="0"/>
+              <a:t>VisualStudio</a:t>
+            </a:r>
+            <a:r>
+              <a:rPr lang="zh-CN" altLang="en-US" dirty="0"/>
+              <a:t>自身不会。</a:t>
+            </a:r>
+          </a:p>
+        </p:txBody>
+      </p:sp>
+      <p:pic>
+        <p:nvPicPr>
+          <p:cNvPr id="5" name="图片 4"/>
+          <p:cNvPicPr>
+            <a:picLocks noChangeAspect="1"/>
+          </p:cNvPicPr>
+          <p:nvPr/>
+        </p:nvPicPr>
+        <p:blipFill>
+          <a:blip r:embed="rId2"/>
+          <a:stretch>
+            <a:fillRect/>
+          </a:stretch>
+        </p:blipFill>
+        <p:spPr>
+          <a:xfrm>
+            <a:off x="1246113" y="3074913"/>
+            <a:ext cx="3724275" cy="2047875"/>
+          </a:xfrm>
+          <a:prstGeom prst="rect">
+            <a:avLst/>
+          </a:prstGeom>
+        </p:spPr>
+      </p:pic>
+      <p:pic>
+        <p:nvPicPr>
+          <p:cNvPr id="6" name="图片 5"/>
+          <p:cNvPicPr>
+            <a:picLocks noChangeAspect="1"/>
+          </p:cNvPicPr>
+          <p:nvPr/>
+        </p:nvPicPr>
+        <p:blipFill>
+          <a:blip r:embed="rId3"/>
+          <a:stretch>
+            <a:fillRect/>
+          </a:stretch>
+        </p:blipFill>
+        <p:spPr>
+          <a:xfrm>
+            <a:off x="5339315" y="3074913"/>
+            <a:ext cx="6248400" cy="2600325"/>
+          </a:xfrm>
+          <a:prstGeom prst="rect">
+            <a:avLst/>
+          </a:prstGeom>
+        </p:spPr>
+      </p:pic>
+    </p:spTree>
+    <p:extLst>
+      <p:ext uri="{BB962C8B-B14F-4D97-AF65-F5344CB8AC3E}">
+        <p14:creationId xmlns:p14="http://schemas.microsoft.com/office/powerpoint/2010/main" val="1254733527"/>
+      </p:ext>
+    </p:extLst>
+  </p:cSld>
+  <p:clrMapOvr>
+    <a:masterClrMapping/>
+  </p:clrMapOvr>
+</p:sld>
+</file>
+
+<file path=ppt/slides/slide34.xml><?xml version="1.0" encoding="utf-8"?>
+<p:sld xmlns:a="http://schemas.openxmlformats.org/drawingml/2006/main" xmlns:r="http://schemas.openxmlformats.org/officeDocument/2006/relationships" xmlns:p="http://schemas.openxmlformats.org/presentationml/2006/main">
+  <p:cSld>
+    <p:spTree>
+      <p:nvGrpSpPr>
+        <p:cNvPr id="1" name=""/>
+        <p:cNvGrpSpPr/>
+        <p:nvPr/>
+      </p:nvGrpSpPr>
+      <p:grpSpPr>
+        <a:xfrm>
+          <a:off x="0" y="0"/>
+          <a:ext cx="0" cy="0"/>
+          <a:chOff x="0" y="0"/>
+          <a:chExt cx="0" cy="0"/>
+        </a:xfrm>
+      </p:grpSpPr>
+      <p:sp>
+        <p:nvSpPr>
+          <p:cNvPr id="2" name="标题 1"/>
+          <p:cNvSpPr>
+            <a:spLocks noGrp="1"/>
+          </p:cNvSpPr>
+          <p:nvPr>
+            <p:ph type="title"/>
+          </p:nvPr>
+        </p:nvSpPr>
+        <p:spPr/>
+        <p:txBody>
+          <a:bodyPr/>
+          <a:lstStyle/>
+          <a:p>
+            <a:r>
+              <a:rPr lang="zh-CN" altLang="en-US" dirty="0"/>
+              <a:t>书籍</a:t>
+            </a:r>
+          </a:p>
+        </p:txBody>
+      </p:sp>
+      <p:sp>
+        <p:nvSpPr>
+          <p:cNvPr id="3" name="内容占位符 2"/>
+          <p:cNvSpPr>
+            <a:spLocks noGrp="1"/>
+          </p:cNvSpPr>
+          <p:nvPr>
+            <p:ph idx="1"/>
+          </p:nvPr>
+        </p:nvSpPr>
+        <p:spPr/>
+        <p:txBody>
           <a:bodyPr>
-            <a:normAutofit fontScale="92500" lnSpcReduction="20000"/>
+            <a:normAutofit/>
           </a:bodyPr>
           <a:lstStyle/>
           <a:p>
@@ -10751,14 +14040,6 @@
             <a:endParaRPr lang="en-US" altLang="zh-CN" sz="2000" dirty="0"/>
           </a:p>
           <a:p>
-            <a:pPr lvl="1"/>
-            <a:r>
-              <a:rPr lang="zh-CN" altLang="en-US" sz="2000" dirty="0"/>
-              <a:t>有中文版，翻译品质优秀</a:t>
-            </a:r>
-            <a:endParaRPr lang="en-US" altLang="zh-CN" sz="2000" dirty="0"/>
-          </a:p>
-          <a:p>
             <a:r>
               <a:rPr lang="en-US" altLang="zh-CN" dirty="0"/>
               <a:t>Advanced </a:t>
@@ -10789,14 +14070,6 @@
             <a:endParaRPr lang="en-US" altLang="zh-CN" sz="2000" dirty="0"/>
           </a:p>
           <a:p>
-            <a:pPr lvl="1"/>
-            <a:r>
-              <a:rPr lang="zh-CN" altLang="en-US" sz="2000" dirty="0"/>
-              <a:t>较老版本有中文版，翻译品质一般</a:t>
-            </a:r>
-            <a:endParaRPr lang="en-US" altLang="zh-CN" sz="2000" dirty="0"/>
-          </a:p>
-          <a:p>
             <a:r>
               <a:rPr lang="en-US" altLang="zh-CN" dirty="0"/>
               <a:t>Expert </a:t>
@@ -10843,14 +14116,6 @@
             <a:endParaRPr lang="en-US" altLang="zh-CN" sz="2000" dirty="0"/>
           </a:p>
           <a:p>
-            <a:pPr lvl="1"/>
-            <a:r>
-              <a:rPr lang="zh-CN" altLang="en-US" sz="2000" dirty="0"/>
-              <a:t>有中文版，翻译品质一般</a:t>
-            </a:r>
-            <a:endParaRPr lang="en-US" altLang="zh-CN" sz="2000" dirty="0"/>
-          </a:p>
-          <a:p>
             <a:r>
               <a:rPr lang="en-US" altLang="zh-CN" dirty="0"/>
               <a:t>Pro </a:t>
@@ -10893,14 +14158,6 @@
             <a:r>
               <a:rPr lang="zh-CN" altLang="en-US" sz="2000" dirty="0"/>
               <a:t>需要较多周边知识</a:t>
-            </a:r>
-            <a:endParaRPr lang="en-US" altLang="zh-CN" sz="2000" dirty="0"/>
-          </a:p>
-          <a:p>
-            <a:pPr lvl="1"/>
-            <a:r>
-              <a:rPr lang="zh-CN" altLang="en-US" sz="2000" dirty="0"/>
-              <a:t>无中文版</a:t>
             </a:r>
             <a:endParaRPr lang="en-US" altLang="zh-CN" sz="2000" dirty="0"/>
           </a:p>
@@ -10925,7 +14182,7 @@
 </p:sld>
 </file>
 
-<file path=ppt/slides/slide34.xml><?xml version="1.0" encoding="utf-8"?>
+<file path=ppt/slides/slide35.xml><?xml version="1.0" encoding="utf-8"?>
 <p:sld xmlns:a="http://schemas.openxmlformats.org/drawingml/2006/main" xmlns:r="http://schemas.openxmlformats.org/officeDocument/2006/relationships" xmlns:p="http://schemas.openxmlformats.org/presentationml/2006/main">
   <p:cSld>
     <p:spTree>

--- a/pptx.pptx.pptx
+++ b/pptx.pptx.pptx
@@ -3863,7 +3863,15 @@
             </a:r>
             <a:r>
               <a:rPr lang="zh-CN" altLang="en-US" dirty="0"/>
-              <a:t>运行机制与最佳实践</a:t>
+              <a:t>在</a:t>
+            </a:r>
+            <a:r>
+              <a:rPr lang="en-US" altLang="zh-CN" dirty="0"/>
+              <a:t>Unity</a:t>
+            </a:r>
+            <a:r>
+              <a:rPr lang="zh-CN" altLang="en-US" dirty="0"/>
+              <a:t>中的最佳实践</a:t>
             </a:r>
           </a:p>
         </p:txBody>
@@ -6454,9 +6462,16 @@
             <p:ph idx="1"/>
           </p:nvPr>
         </p:nvSpPr>
-        <p:spPr/>
-        <p:txBody>
-          <a:bodyPr/>
+        <p:spPr>
+          <a:xfrm>
+            <a:off x="838200" y="1690688"/>
+            <a:ext cx="10515600" cy="4646295"/>
+          </a:xfrm>
+        </p:spPr>
+        <p:txBody>
+          <a:bodyPr>
+            <a:normAutofit/>
+          </a:bodyPr>
           <a:lstStyle/>
           <a:p>
             <a:r>
@@ -6476,15 +6491,36 @@
             </a:r>
             <a:r>
               <a:rPr lang="zh-CN" altLang="en-US" dirty="0"/>
-              <a:t>应用程序集结构</a:t>
+              <a:t>基本概念</a:t>
             </a:r>
             <a:endParaRPr lang="en-US" altLang="zh-CN" dirty="0"/>
           </a:p>
           <a:p>
+            <a:r>
+              <a:rPr lang="zh-CN" altLang="en-US" dirty="0"/>
+              <a:t>命名规范</a:t>
+            </a:r>
+            <a:endParaRPr lang="en-US" altLang="zh-CN" dirty="0"/>
+          </a:p>
+          <a:p>
+            <a:r>
+              <a:rPr lang="zh-CN" altLang="en-US" dirty="0"/>
+              <a:t>文档</a:t>
+            </a:r>
+            <a:endParaRPr lang="en-US" altLang="zh-CN" dirty="0"/>
+          </a:p>
+          <a:p>
+            <a:r>
+              <a:rPr lang="zh-CN" altLang="en-US" dirty="0"/>
+              <a:t>实践优化</a:t>
+            </a:r>
+            <a:endParaRPr lang="en-US" altLang="zh-CN" dirty="0"/>
+          </a:p>
+          <a:p>
             <a:pPr lvl="1"/>
             <a:r>
               <a:rPr lang="zh-CN" altLang="en-US" dirty="0"/>
-              <a:t>磁盘平面结构</a:t>
+              <a:t>应对装箱</a:t>
             </a:r>
             <a:endParaRPr lang="en-US" altLang="zh-CN" dirty="0"/>
           </a:p>
@@ -6492,26 +6528,36 @@
             <a:pPr lvl="1"/>
             <a:r>
               <a:rPr lang="zh-CN" altLang="en-US" dirty="0"/>
-              <a:t>内存结构</a:t>
+              <a:t>去除虚化</a:t>
             </a:r>
             <a:endParaRPr lang="en-US" altLang="zh-CN" dirty="0"/>
           </a:p>
           <a:p>
-            <a:r>
-              <a:rPr lang="en-US" altLang="zh-CN" dirty="0"/>
-              <a:t>IL2CPP</a:t>
-            </a:r>
-            <a:r>
-              <a:rPr lang="zh-CN" altLang="en-US" dirty="0"/>
-              <a:t>概览</a:t>
+            <a:pPr lvl="1"/>
+            <a:r>
+              <a:rPr lang="zh-CN" altLang="en-US" dirty="0"/>
+              <a:t>集合</a:t>
             </a:r>
             <a:endParaRPr lang="en-US" altLang="zh-CN" dirty="0"/>
           </a:p>
           <a:p>
-            <a:r>
-              <a:rPr lang="zh-CN" altLang="en-US" dirty="0"/>
-              <a:t>实践优化</a:t>
-            </a:r>
+            <a:pPr lvl="1"/>
+            <a:r>
+              <a:rPr lang="zh-CN" altLang="en-US" dirty="0"/>
+              <a:t>其他</a:t>
+            </a:r>
+            <a:endParaRPr lang="en-US" altLang="zh-CN" dirty="0"/>
+          </a:p>
+          <a:p>
+            <a:r>
+              <a:rPr lang="zh-CN" altLang="en-US" dirty="0"/>
+              <a:t>书籍</a:t>
+            </a:r>
+            <a:endParaRPr lang="en-US" altLang="zh-CN" dirty="0"/>
+          </a:p>
+          <a:p>
+            <a:pPr lvl="1"/>
+            <a:endParaRPr lang="zh-CN" altLang="en-US" dirty="0"/>
           </a:p>
         </p:txBody>
       </p:sp>
